--- a/Page d’acceuil.pptx
+++ b/Page d’acceuil.pptx
@@ -2,17 +2,17 @@
 <file path=ppt/presentation.xml><?xml version="1.0" encoding="utf-8"?>
 <p:presentation xmlns:a="http://schemas.openxmlformats.org/drawingml/2006/main" xmlns:r="http://schemas.openxmlformats.org/officeDocument/2006/relationships" xmlns:p="http://schemas.openxmlformats.org/presentationml/2006/main" saveSubsetFonts="1">
   <p:sldMasterIdLst>
-    <p:sldMasterId id="2147483648" r:id="rId17"/>
-    <p:sldMasterId id="2147483660" r:id="rId18"/>
+    <p:sldMasterId id="2147483648" r:id="rId47"/>
+    <p:sldMasterId id="2147483660" r:id="rId48"/>
   </p:sldMasterIdLst>
   <p:notesMasterIdLst>
-    <p:notesMasterId r:id="rId23"/>
+    <p:notesMasterId r:id="rId53"/>
   </p:notesMasterIdLst>
   <p:sldIdLst>
-    <p:sldId id="256" r:id="rId19"/>
-    <p:sldId id="257" r:id="rId20"/>
-    <p:sldId id="259" r:id="rId21"/>
-    <p:sldId id="258" r:id="rId22"/>
+    <p:sldId id="260" r:id="rId49"/>
+    <p:sldId id="258" r:id="rId50"/>
+    <p:sldId id="262" r:id="rId51"/>
+    <p:sldId id="261" r:id="rId52"/>
   </p:sldIdLst>
   <p:sldSz cx="12192000" cy="6858000"/>
   <p:notesSz cx="6858000" cy="9144000"/>
@@ -111,7 +111,16 @@
       </a:defRPr>
     </a:lvl9pPr>
   </p:defaultTextStyle>
+  <p:extLst>
+    <p:ext uri="{EFAFB233-063F-42B5-8137-9DF3F51BA10A}">
+      <p15:sldGuideLst xmlns:p15="http://schemas.microsoft.com/office/powerpoint/2012/main"/>
+    </p:ext>
+  </p:extLst>
 </p:presentation>
+</file>
+
+<file path=ppt/revisionInfo.xml><?xml version="1.0" encoding="utf-8"?>
+<p1510:revInfo xmlns:a="http://schemas.openxmlformats.org/drawingml/2006/main" xmlns:r="http://schemas.openxmlformats.org/officeDocument/2006/relationships" xmlns:p1510="http://schemas.microsoft.com/office/powerpoint/2015/10/main"/>
 </file>
 
 <file path=ppt/notesMasters/notesMaster1.xml><?xml version="1.0" encoding="utf-8"?>
@@ -680,6 +689,14 @@
   <p:clrMapOvr>
     <a:masterClrMapping/>
   </p:clrMapOvr>
+  <mc:AlternateContent xmlns:mc="http://schemas.openxmlformats.org/markup-compatibility/2006">
+    <mc:Choice xmlns:p14="http://schemas.microsoft.com/office/powerpoint/2010/main" Requires="p14">
+      <p:transition spd="slow" p14:dur="2000" advClick="0"/>
+    </mc:Choice>
+    <mc:Fallback>
+      <p:transition spd="slow" advClick="0"/>
+    </mc:Fallback>
+  </mc:AlternateContent>
 </p:sldLayout>
 </file>
 
@@ -878,6 +895,14 @@
   <p:clrMapOvr>
     <a:masterClrMapping/>
   </p:clrMapOvr>
+  <mc:AlternateContent xmlns:mc="http://schemas.openxmlformats.org/markup-compatibility/2006">
+    <mc:Choice xmlns:p14="http://schemas.microsoft.com/office/powerpoint/2010/main" Requires="p14">
+      <p:transition spd="slow" p14:dur="2000" advClick="0"/>
+    </mc:Choice>
+    <mc:Fallback>
+      <p:transition spd="slow" advClick="0"/>
+    </mc:Fallback>
+  </mc:AlternateContent>
 </p:sldLayout>
 </file>
 
@@ -1086,6 +1111,14 @@
   <p:clrMapOvr>
     <a:masterClrMapping/>
   </p:clrMapOvr>
+  <mc:AlternateContent xmlns:mc="http://schemas.openxmlformats.org/markup-compatibility/2006">
+    <mc:Choice xmlns:p14="http://schemas.microsoft.com/office/powerpoint/2010/main" Requires="p14">
+      <p:transition spd="slow" p14:dur="2000" advClick="0"/>
+    </mc:Choice>
+    <mc:Fallback>
+      <p:transition spd="slow" advClick="0"/>
+    </mc:Fallback>
+  </mc:AlternateContent>
 </p:sldLayout>
 </file>
 
@@ -1106,197 +1139,6 @@
           <a:chExt cx="0" cy="0"/>
         </a:xfrm>
       </p:grpSpPr>
-      <p:sp>
-        <p:nvSpPr>
-          <p:cNvPr id="4" name="Rectangle 3">
-            <a:extLst>
-              <a:ext uri="{FF2B5EF4-FFF2-40B4-BE49-F238E27FC236}">
-                <a16:creationId xmlns:a16="http://schemas.microsoft.com/office/drawing/2014/main" id="{FFF98E69-0500-439D-9277-4348E08FE4DB}"/>
-              </a:ext>
-            </a:extLst>
-          </p:cNvPr>
-          <p:cNvSpPr/>
-          <p:nvPr userDrawn="1"/>
-        </p:nvSpPr>
-        <p:spPr>
-          <a:xfrm>
-            <a:off x="3575304" y="1997964"/>
-            <a:ext cx="5056632" cy="2848356"/>
-          </a:xfrm>
-          <a:prstGeom prst="rect">
-            <a:avLst/>
-          </a:prstGeom>
-        </p:spPr>
-        <p:style>
-          <a:lnRef idx="2">
-            <a:schemeClr val="dk1"/>
-          </a:lnRef>
-          <a:fillRef idx="1">
-            <a:schemeClr val="lt1"/>
-          </a:fillRef>
-          <a:effectRef idx="0">
-            <a:schemeClr val="dk1"/>
-          </a:effectRef>
-          <a:fontRef idx="minor">
-            <a:schemeClr val="dk1"/>
-          </a:fontRef>
-        </p:style>
-        <p:txBody>
-          <a:bodyPr rtlCol="0" anchor="ctr"/>
-          <a:lstStyle/>
-          <a:p>
-            <a:pPr algn="ctr"/>
-            <a:endParaRPr lang="fr-FR"/>
-          </a:p>
-        </p:txBody>
-      </p:sp>
-      <p:sp>
-        <p:nvSpPr>
-          <p:cNvPr id="5" name="Content">
-            <a:hlinkClick r:id="rId3" action="ppaction://hlinksldjump"/>
-            <a:extLst>
-              <a:ext uri="{FF2B5EF4-FFF2-40B4-BE49-F238E27FC236}">
-                <a16:creationId xmlns:a16="http://schemas.microsoft.com/office/drawing/2014/main" id="{B5F6F31A-2831-450A-917B-CEBECCDB33B0}"/>
-              </a:ext>
-            </a:extLst>
-          </p:cNvPr>
-          <p:cNvSpPr/>
-          <p:nvPr userDrawn="1">
-            <p:custDataLst>
-              <p:custData r:id="rId1"/>
-            </p:custDataLst>
-          </p:nvPr>
-        </p:nvSpPr>
-        <p:spPr>
-          <a:xfrm>
-            <a:off x="4942114" y="3884073"/>
-            <a:ext cx="2307771" cy="431858"/>
-          </a:xfrm>
-          <a:prstGeom prst="roundRect">
-            <a:avLst/>
-          </a:prstGeom>
-          <a:solidFill>
-            <a:srgbClr val="FFFFFF">
-              <a:lumMod val="95000"/>
-            </a:srgbClr>
-          </a:solidFill>
-          <a:ln w="3175">
-            <a:solidFill>
-              <a:srgbClr val="000000">
-                <a:lumMod val="50000"/>
-                <a:lumOff val="50000"/>
-              </a:srgbClr>
-            </a:solidFill>
-          </a:ln>
-          <a:effectLst/>
-        </p:spPr>
-        <p:style>
-          <a:lnRef idx="2">
-            <a:srgbClr val="4F81BD">
-              <a:shade val="50000"/>
-            </a:srgbClr>
-          </a:lnRef>
-          <a:fillRef idx="1">
-            <a:srgbClr val="4F81BD"/>
-          </a:fillRef>
-          <a:effectRef idx="0">
-            <a:srgbClr val="4F81BD"/>
-          </a:effectRef>
-          <a:fontRef idx="minor">
-            <a:srgbClr val="000000"/>
-          </a:fontRef>
-        </p:style>
-        <p:txBody>
-          <a:bodyPr wrap="square" lIns="91440" tIns="0" rIns="91440" bIns="9144" rtlCol="0" anchor="ctr">
-            <a:noAutofit/>
-          </a:bodyPr>
-          <a:lstStyle/>
-          <a:p>
-            <a:pPr algn="ctr"/>
-            <a:r>
-              <a:rPr lang="en-US" sz="1600" dirty="0" err="1">
-                <a:solidFill>
-                  <a:srgbClr val="00729A"/>
-                </a:solidFill>
-                <a:latin typeface="Segoe UI" pitchFamily="34" charset="0"/>
-                <a:cs typeface="Segoe UI" pitchFamily="34" charset="0"/>
-                <a:hlinkClick r:id="rId3" action="ppaction://hlinksldjump"/>
-              </a:rPr>
-              <a:t>Créer</a:t>
-            </a:r>
-            <a:r>
-              <a:rPr lang="en-US" sz="1600" dirty="0">
-                <a:solidFill>
-                  <a:srgbClr val="00729A"/>
-                </a:solidFill>
-                <a:latin typeface="Segoe UI" pitchFamily="34" charset="0"/>
-                <a:cs typeface="Segoe UI" pitchFamily="34" charset="0"/>
-                <a:hlinkClick r:id="rId3" action="ppaction://hlinksldjump"/>
-              </a:rPr>
-              <a:t> le </a:t>
-            </a:r>
-            <a:r>
-              <a:rPr lang="en-US" sz="1600" dirty="0" err="1">
-                <a:solidFill>
-                  <a:srgbClr val="00729A"/>
-                </a:solidFill>
-                <a:latin typeface="Segoe UI" pitchFamily="34" charset="0"/>
-                <a:cs typeface="Segoe UI" pitchFamily="34" charset="0"/>
-                <a:hlinkClick r:id="rId3" action="ppaction://hlinksldjump"/>
-              </a:rPr>
-              <a:t>sondage</a:t>
-            </a:r>
-            <a:endParaRPr lang="en-US" sz="1600" dirty="0">
-              <a:solidFill>
-                <a:srgbClr val="00729A"/>
-              </a:solidFill>
-              <a:latin typeface="Segoe UI" pitchFamily="34" charset="0"/>
-              <a:cs typeface="Segoe UI" pitchFamily="34" charset="0"/>
-            </a:endParaRPr>
-          </a:p>
-        </p:txBody>
-      </p:sp>
-      <p:sp>
-        <p:nvSpPr>
-          <p:cNvPr id="7" name="ZoneTexte 6">
-            <a:extLst>
-              <a:ext uri="{FF2B5EF4-FFF2-40B4-BE49-F238E27FC236}">
-                <a16:creationId xmlns:a16="http://schemas.microsoft.com/office/drawing/2014/main" id="{0B556647-E1C4-445D-BAAA-D6EFD01F6756}"/>
-              </a:ext>
-            </a:extLst>
-          </p:cNvPr>
-          <p:cNvSpPr txBox="1"/>
-          <p:nvPr userDrawn="1"/>
-        </p:nvSpPr>
-        <p:spPr>
-          <a:xfrm>
-            <a:off x="4077194" y="2438274"/>
-            <a:ext cx="4037610" cy="461665"/>
-          </a:xfrm>
-          <a:prstGeom prst="rect">
-            <a:avLst/>
-          </a:prstGeom>
-          <a:noFill/>
-        </p:spPr>
-        <p:txBody>
-          <a:bodyPr wrap="square" rtlCol="0">
-            <a:spAutoFit/>
-          </a:bodyPr>
-          <a:lstStyle/>
-          <a:p>
-            <a:pPr algn="ctr"/>
-            <a:r>
-              <a:rPr lang="fr-FR" sz="2400" b="1" dirty="0"/>
-              <a:t>Bienvenue sur </a:t>
-            </a:r>
-            <a:r>
-              <a:rPr lang="fr-FR" sz="2400" b="1" dirty="0" err="1"/>
-              <a:t>Strawpoll</a:t>
-            </a:r>
-            <a:endParaRPr lang="fr-FR" sz="2400" b="1" dirty="0"/>
-          </a:p>
-        </p:txBody>
-      </p:sp>
     </p:spTree>
     <p:extLst>
       <p:ext uri="{BB962C8B-B14F-4D97-AF65-F5344CB8AC3E}">
@@ -1307,6 +1149,14 @@
   <p:clrMapOvr>
     <a:masterClrMapping/>
   </p:clrMapOvr>
+  <mc:AlternateContent xmlns:mc="http://schemas.openxmlformats.org/markup-compatibility/2006">
+    <mc:Choice xmlns:p14="http://schemas.microsoft.com/office/powerpoint/2010/main" Requires="p14">
+      <p:transition spd="slow" p14:dur="2000" advClick="0"/>
+    </mc:Choice>
+    <mc:Fallback>
+      <p:transition spd="slow" advClick="0"/>
+    </mc:Fallback>
+  </mc:AlternateContent>
 </p:sldLayout>
 </file>
 
@@ -1337,6 +1187,14 @@
   <p:clrMapOvr>
     <a:masterClrMapping/>
   </p:clrMapOvr>
+  <mc:AlternateContent xmlns:mc="http://schemas.openxmlformats.org/markup-compatibility/2006">
+    <mc:Choice xmlns:p14="http://schemas.microsoft.com/office/powerpoint/2010/main" Requires="p14">
+      <p:transition spd="slow" p14:dur="2000" advClick="0"/>
+    </mc:Choice>
+    <mc:Fallback>
+      <p:transition spd="slow" advClick="0"/>
+    </mc:Fallback>
+  </mc:AlternateContent>
 </p:sldLayout>
 </file>
 
@@ -1535,6 +1393,14 @@
   <p:clrMapOvr>
     <a:masterClrMapping/>
   </p:clrMapOvr>
+  <mc:AlternateContent xmlns:mc="http://schemas.openxmlformats.org/markup-compatibility/2006">
+    <mc:Choice xmlns:p14="http://schemas.microsoft.com/office/powerpoint/2010/main" Requires="p14">
+      <p:transition spd="slow" p14:dur="2000" advClick="0"/>
+    </mc:Choice>
+    <mc:Fallback>
+      <p:transition spd="slow" advClick="0"/>
+    </mc:Fallback>
+  </mc:AlternateContent>
 </p:sldLayout>
 </file>
 
@@ -1810,6 +1676,14 @@
   <p:clrMapOvr>
     <a:masterClrMapping/>
   </p:clrMapOvr>
+  <mc:AlternateContent xmlns:mc="http://schemas.openxmlformats.org/markup-compatibility/2006">
+    <mc:Choice xmlns:p14="http://schemas.microsoft.com/office/powerpoint/2010/main" Requires="p14">
+      <p:transition spd="slow" p14:dur="2000" advClick="0"/>
+    </mc:Choice>
+    <mc:Fallback>
+      <p:transition spd="slow" advClick="0"/>
+    </mc:Fallback>
+  </mc:AlternateContent>
 </p:sldLayout>
 </file>
 
@@ -2075,6 +1949,14 @@
   <p:clrMapOvr>
     <a:masterClrMapping/>
   </p:clrMapOvr>
+  <mc:AlternateContent xmlns:mc="http://schemas.openxmlformats.org/markup-compatibility/2006">
+    <mc:Choice xmlns:p14="http://schemas.microsoft.com/office/powerpoint/2010/main" Requires="p14">
+      <p:transition spd="slow" p14:dur="2000" advClick="0"/>
+    </mc:Choice>
+    <mc:Fallback>
+      <p:transition spd="slow" advClick="0"/>
+    </mc:Fallback>
+  </mc:AlternateContent>
 </p:sldLayout>
 </file>
 
@@ -2487,6 +2369,14 @@
   <p:clrMapOvr>
     <a:masterClrMapping/>
   </p:clrMapOvr>
+  <mc:AlternateContent xmlns:mc="http://schemas.openxmlformats.org/markup-compatibility/2006">
+    <mc:Choice xmlns:p14="http://schemas.microsoft.com/office/powerpoint/2010/main" Requires="p14">
+      <p:transition spd="slow" p14:dur="2000" advClick="0"/>
+    </mc:Choice>
+    <mc:Fallback>
+      <p:transition spd="slow" advClick="0"/>
+    </mc:Fallback>
+  </mc:AlternateContent>
 </p:sldLayout>
 </file>
 
@@ -2628,6 +2518,14 @@
   <p:clrMapOvr>
     <a:masterClrMapping/>
   </p:clrMapOvr>
+  <mc:AlternateContent xmlns:mc="http://schemas.openxmlformats.org/markup-compatibility/2006">
+    <mc:Choice xmlns:p14="http://schemas.microsoft.com/office/powerpoint/2010/main" Requires="p14">
+      <p:transition spd="slow" p14:dur="2000" advClick="0"/>
+    </mc:Choice>
+    <mc:Fallback>
+      <p:transition spd="slow" advClick="0"/>
+    </mc:Fallback>
+  </mc:AlternateContent>
 </p:sldLayout>
 </file>
 
@@ -2741,6 +2639,14 @@
   <p:clrMapOvr>
     <a:masterClrMapping/>
   </p:clrMapOvr>
+  <mc:AlternateContent xmlns:mc="http://schemas.openxmlformats.org/markup-compatibility/2006">
+    <mc:Choice xmlns:p14="http://schemas.microsoft.com/office/powerpoint/2010/main" Requires="p14">
+      <p:transition spd="slow" p14:dur="2000" advClick="0"/>
+    </mc:Choice>
+    <mc:Fallback>
+      <p:transition spd="slow" advClick="0"/>
+    </mc:Fallback>
+  </mc:AlternateContent>
 </p:sldLayout>
 </file>
 
@@ -3052,6 +2958,14 @@
   <p:clrMapOvr>
     <a:masterClrMapping/>
   </p:clrMapOvr>
+  <mc:AlternateContent xmlns:mc="http://schemas.openxmlformats.org/markup-compatibility/2006">
+    <mc:Choice xmlns:p14="http://schemas.microsoft.com/office/powerpoint/2010/main" Requires="p14">
+      <p:transition spd="slow" p14:dur="2000" advClick="0"/>
+    </mc:Choice>
+    <mc:Fallback>
+      <p:transition spd="slow" advClick="0"/>
+    </mc:Fallback>
+  </mc:AlternateContent>
 </p:sldLayout>
 </file>
 
@@ -3340,6 +3254,14 @@
   <p:clrMapOvr>
     <a:masterClrMapping/>
   </p:clrMapOvr>
+  <mc:AlternateContent xmlns:mc="http://schemas.openxmlformats.org/markup-compatibility/2006">
+    <mc:Choice xmlns:p14="http://schemas.microsoft.com/office/powerpoint/2010/main" Requires="p14">
+      <p:transition spd="slow" p14:dur="2000" advClick="0"/>
+    </mc:Choice>
+    <mc:Fallback>
+      <p:transition spd="slow" advClick="0"/>
+    </mc:Fallback>
+  </mc:AlternateContent>
 </p:sldLayout>
 </file>
 
@@ -3628,6 +3550,14 @@
     <p:sldLayoutId id="2147483658" r:id="rId10"/>
     <p:sldLayoutId id="2147483659" r:id="rId11"/>
   </p:sldLayoutIdLst>
+  <mc:AlternateContent xmlns:mc="http://schemas.openxmlformats.org/markup-compatibility/2006">
+    <mc:Choice xmlns:p14="http://schemas.microsoft.com/office/powerpoint/2010/main" Requires="p14">
+      <p:transition spd="slow" p14:dur="2000" advClick="0"/>
+    </mc:Choice>
+    <mc:Fallback>
+      <p:transition spd="slow" advClick="0"/>
+    </mc:Fallback>
+  </mc:AlternateContent>
   <p:txStyles>
     <p:titleStyle>
       <a:lvl1pPr algn="l" defTabSz="914400" rtl="0" eaLnBrk="1" latinLnBrk="0" hangingPunct="1">
@@ -3933,6 +3863,1543 @@
           <a:chExt cx="0" cy="0"/>
         </a:xfrm>
       </p:grpSpPr>
+      <p:grpSp>
+        <p:nvGrpSpPr>
+          <p:cNvPr id="2" name="WebBrowser">
+            <a:extLst>
+              <a:ext uri="{FF2B5EF4-FFF2-40B4-BE49-F238E27FC236}">
+                <a16:creationId xmlns:a16="http://schemas.microsoft.com/office/drawing/2014/main" id="{7B0BA29B-DB3F-4E04-B2FA-D5E52A25332B}"/>
+              </a:ext>
+            </a:extLst>
+          </p:cNvPr>
+          <p:cNvGrpSpPr/>
+          <p:nvPr userDrawn="1">
+            <p:custDataLst>
+              <p:custData r:id="rId4"/>
+            </p:custDataLst>
+          </p:nvPr>
+        </p:nvGrpSpPr>
+        <p:grpSpPr>
+          <a:xfrm>
+            <a:off x="0" y="0"/>
+            <a:ext cx="12192000" cy="6858000"/>
+            <a:chOff x="0" y="0"/>
+            <a:chExt cx="9144000" cy="6858000"/>
+          </a:xfrm>
+        </p:grpSpPr>
+        <p:sp>
+          <p:nvSpPr>
+            <p:cNvPr id="3" name="Background">
+              <a:extLst>
+                <a:ext uri="{FF2B5EF4-FFF2-40B4-BE49-F238E27FC236}">
+                  <a16:creationId xmlns:a16="http://schemas.microsoft.com/office/drawing/2014/main" id="{490296EC-8DAD-4E68-99BA-688230DFDC66}"/>
+                </a:ext>
+              </a:extLst>
+            </p:cNvPr>
+            <p:cNvSpPr/>
+            <p:nvPr/>
+          </p:nvSpPr>
+          <p:spPr>
+            <a:xfrm>
+              <a:off x="0" y="0"/>
+              <a:ext cx="9144000" cy="6858000"/>
+            </a:xfrm>
+            <a:prstGeom prst="rect">
+              <a:avLst/>
+            </a:prstGeom>
+            <a:solidFill>
+              <a:srgbClr val="FFFFFF">
+                <a:lumMod val="65000"/>
+              </a:srgbClr>
+            </a:solidFill>
+            <a:ln w="3175" cap="flat" cmpd="sng" algn="ctr">
+              <a:solidFill>
+                <a:srgbClr val="000000">
+                  <a:lumMod val="50000"/>
+                  <a:lumOff val="50000"/>
+                </a:srgbClr>
+              </a:solidFill>
+              <a:prstDash val="solid"/>
+            </a:ln>
+            <a:effectLst/>
+          </p:spPr>
+          <p:txBody>
+            <a:bodyPr rtlCol="0" anchor="ctr"/>
+            <a:lstStyle/>
+            <a:p>
+              <a:pPr algn="ctr"/>
+              <a:endParaRPr lang="en-US" sz="1050" kern="0" dirty="0">
+                <a:solidFill>
+                  <a:prstClr val="white"/>
+                </a:solidFill>
+                <a:latin typeface="Segoe UI"/>
+              </a:endParaRPr>
+            </a:p>
+          </p:txBody>
+        </p:sp>
+        <p:sp>
+          <p:nvSpPr>
+            <p:cNvPr id="4" name="WindowTitle">
+              <a:extLst>
+                <a:ext uri="{FF2B5EF4-FFF2-40B4-BE49-F238E27FC236}">
+                  <a16:creationId xmlns:a16="http://schemas.microsoft.com/office/drawing/2014/main" id="{F357687C-2C1C-49FE-8FA8-63407D290769}"/>
+                </a:ext>
+              </a:extLst>
+            </p:cNvPr>
+            <p:cNvSpPr txBox="1"/>
+            <p:nvPr/>
+          </p:nvSpPr>
+          <p:spPr>
+            <a:xfrm>
+              <a:off x="22515" y="22341"/>
+              <a:ext cx="1176028" cy="230832"/>
+            </a:xfrm>
+            <a:prstGeom prst="rect">
+              <a:avLst/>
+            </a:prstGeom>
+            <a:noFill/>
+          </p:spPr>
+          <p:txBody>
+            <a:bodyPr wrap="none" lIns="91440" tIns="18288" rIns="91440" bIns="27432" rtlCol="0" anchor="ctr" anchorCtr="0">
+              <a:spAutoFit/>
+            </a:bodyPr>
+            <a:lstStyle/>
+            <a:p>
+              <a:r>
+                <a:rPr lang="en-US" sz="1200" dirty="0">
+                  <a:solidFill>
+                    <a:prstClr val="white"/>
+                  </a:solidFill>
+                  <a:latin typeface="Segoe UI" pitchFamily="34" charset="0"/>
+                  <a:ea typeface="Segoe UI" pitchFamily="34" charset="0"/>
+                  <a:cs typeface="Segoe UI" pitchFamily="34" charset="0"/>
+                </a:rPr>
+                <a:t>Web page title</a:t>
+              </a:r>
+            </a:p>
+          </p:txBody>
+        </p:sp>
+        <p:grpSp>
+          <p:nvGrpSpPr>
+            <p:cNvPr id="5" name="Group 4">
+              <a:extLst>
+                <a:ext uri="{FF2B5EF4-FFF2-40B4-BE49-F238E27FC236}">
+                  <a16:creationId xmlns:a16="http://schemas.microsoft.com/office/drawing/2014/main" id="{4DAB6C86-01D6-40CB-B17E-9DFE80D8A53F}"/>
+                </a:ext>
+              </a:extLst>
+            </p:cNvPr>
+            <p:cNvGrpSpPr/>
+            <p:nvPr/>
+          </p:nvGrpSpPr>
+          <p:grpSpPr>
+            <a:xfrm>
+              <a:off x="81598" y="286385"/>
+              <a:ext cx="320040" cy="316520"/>
+              <a:chOff x="72073" y="221749"/>
+              <a:chExt cx="320040" cy="316520"/>
+            </a:xfrm>
+          </p:grpSpPr>
+          <p:sp>
+            <p:nvSpPr>
+              <p:cNvPr id="29" name="Oval 28">
+                <a:extLst>
+                  <a:ext uri="{FF2B5EF4-FFF2-40B4-BE49-F238E27FC236}">
+                    <a16:creationId xmlns:a16="http://schemas.microsoft.com/office/drawing/2014/main" id="{F03B954B-A49E-47BA-8786-C8E1F2C98C6D}"/>
+                  </a:ext>
+                </a:extLst>
+              </p:cNvPr>
+              <p:cNvSpPr/>
+              <p:nvPr/>
+            </p:nvSpPr>
+            <p:spPr>
+              <a:xfrm>
+                <a:off x="72073" y="221749"/>
+                <a:ext cx="320040" cy="316520"/>
+              </a:xfrm>
+              <a:prstGeom prst="ellipse">
+                <a:avLst/>
+              </a:prstGeom>
+              <a:gradFill flip="none" rotWithShape="1">
+                <a:gsLst>
+                  <a:gs pos="91000">
+                    <a:srgbClr val="FFFFFF">
+                      <a:lumMod val="85000"/>
+                    </a:srgbClr>
+                  </a:gs>
+                  <a:gs pos="36000">
+                    <a:srgbClr val="FFFFFF">
+                      <a:lumMod val="95000"/>
+                    </a:srgbClr>
+                  </a:gs>
+                  <a:gs pos="100000">
+                    <a:srgbClr val="FFFFFF">
+                      <a:lumMod val="95000"/>
+                    </a:srgbClr>
+                  </a:gs>
+                </a:gsLst>
+                <a:lin ang="5400000" scaled="0"/>
+                <a:tileRect/>
+              </a:gradFill>
+              <a:ln w="3175">
+                <a:solidFill>
+                  <a:srgbClr val="000000">
+                    <a:lumMod val="50000"/>
+                    <a:lumOff val="50000"/>
+                  </a:srgbClr>
+                </a:solidFill>
+              </a:ln>
+              <a:effectLst/>
+            </p:spPr>
+            <p:style>
+              <a:lnRef idx="2">
+                <a:srgbClr val="4F81BD">
+                  <a:shade val="50000"/>
+                </a:srgbClr>
+              </a:lnRef>
+              <a:fillRef idx="1">
+                <a:srgbClr val="4F81BD"/>
+              </a:fillRef>
+              <a:effectRef idx="0">
+                <a:srgbClr val="4F81BD"/>
+              </a:effectRef>
+              <a:fontRef idx="minor">
+                <a:srgbClr val="000000"/>
+              </a:fontRef>
+            </p:style>
+            <p:txBody>
+              <a:bodyPr rtlCol="0" anchor="ctr"/>
+              <a:lstStyle/>
+              <a:p>
+                <a:pPr algn="ctr"/>
+                <a:endParaRPr lang="en-US" sz="1050" u="sng">
+                  <a:solidFill>
+                    <a:prstClr val="white"/>
+                  </a:solidFill>
+                </a:endParaRPr>
+              </a:p>
+            </p:txBody>
+          </p:sp>
+          <p:sp>
+            <p:nvSpPr>
+              <p:cNvPr id="30" name="Left Arrow 29">
+                <a:extLst>
+                  <a:ext uri="{FF2B5EF4-FFF2-40B4-BE49-F238E27FC236}">
+                    <a16:creationId xmlns:a16="http://schemas.microsoft.com/office/drawing/2014/main" id="{20F1E8FA-1262-433C-9AE8-02149A1D1A6A}"/>
+                  </a:ext>
+                </a:extLst>
+              </p:cNvPr>
+              <p:cNvSpPr/>
+              <p:nvPr/>
+            </p:nvSpPr>
+            <p:spPr>
+              <a:xfrm>
+                <a:off x="109358" y="275511"/>
+                <a:ext cx="223134" cy="208997"/>
+              </a:xfrm>
+              <a:prstGeom prst="leftArrow">
+                <a:avLst/>
+              </a:prstGeom>
+              <a:solidFill>
+                <a:sysClr val="window" lastClr="FFFFFF"/>
+              </a:solidFill>
+              <a:ln w="3175" cap="flat" cmpd="sng" algn="ctr">
+                <a:solidFill>
+                  <a:sysClr val="windowText" lastClr="000000">
+                    <a:lumMod val="75000"/>
+                    <a:lumOff val="25000"/>
+                  </a:sysClr>
+                </a:solidFill>
+                <a:prstDash val="solid"/>
+              </a:ln>
+              <a:effectLst/>
+            </p:spPr>
+            <p:txBody>
+              <a:bodyPr rtlCol="0" anchor="ctr"/>
+              <a:lstStyle/>
+              <a:p>
+                <a:pPr algn="ctr"/>
+                <a:endParaRPr lang="en-US" sz="1050" kern="0">
+                  <a:solidFill>
+                    <a:prstClr val="white"/>
+                  </a:solidFill>
+                  <a:latin typeface="Segoe UI"/>
+                </a:endParaRPr>
+              </a:p>
+            </p:txBody>
+          </p:sp>
+        </p:grpSp>
+        <p:grpSp>
+          <p:nvGrpSpPr>
+            <p:cNvPr id="6" name="Group 5">
+              <a:extLst>
+                <a:ext uri="{FF2B5EF4-FFF2-40B4-BE49-F238E27FC236}">
+                  <a16:creationId xmlns:a16="http://schemas.microsoft.com/office/drawing/2014/main" id="{781F7847-AC86-4C6D-A660-BC3F805CBA17}"/>
+                </a:ext>
+              </a:extLst>
+            </p:cNvPr>
+            <p:cNvGrpSpPr/>
+            <p:nvPr/>
+          </p:nvGrpSpPr>
+          <p:grpSpPr>
+            <a:xfrm>
+              <a:off x="453671" y="286384"/>
+              <a:ext cx="320040" cy="316520"/>
+              <a:chOff x="444146" y="221748"/>
+              <a:chExt cx="320040" cy="316520"/>
+            </a:xfrm>
+          </p:grpSpPr>
+          <p:sp>
+            <p:nvSpPr>
+              <p:cNvPr id="27" name="Oval 26">
+                <a:extLst>
+                  <a:ext uri="{FF2B5EF4-FFF2-40B4-BE49-F238E27FC236}">
+                    <a16:creationId xmlns:a16="http://schemas.microsoft.com/office/drawing/2014/main" id="{C2C4F0A8-00B4-42DE-A39B-F3C9E4BE1ABA}"/>
+                  </a:ext>
+                </a:extLst>
+              </p:cNvPr>
+              <p:cNvSpPr/>
+              <p:nvPr/>
+            </p:nvSpPr>
+            <p:spPr>
+              <a:xfrm>
+                <a:off x="444146" y="221748"/>
+                <a:ext cx="320040" cy="316520"/>
+              </a:xfrm>
+              <a:prstGeom prst="ellipse">
+                <a:avLst/>
+              </a:prstGeom>
+              <a:gradFill flip="none" rotWithShape="1">
+                <a:gsLst>
+                  <a:gs pos="91000">
+                    <a:srgbClr val="FFFFFF">
+                      <a:lumMod val="85000"/>
+                    </a:srgbClr>
+                  </a:gs>
+                  <a:gs pos="36000">
+                    <a:srgbClr val="FFFFFF">
+                      <a:lumMod val="95000"/>
+                    </a:srgbClr>
+                  </a:gs>
+                  <a:gs pos="100000">
+                    <a:srgbClr val="FFFFFF">
+                      <a:lumMod val="95000"/>
+                    </a:srgbClr>
+                  </a:gs>
+                </a:gsLst>
+                <a:lin ang="5400000" scaled="0"/>
+                <a:tileRect/>
+              </a:gradFill>
+              <a:ln w="3175">
+                <a:solidFill>
+                  <a:srgbClr val="000000">
+                    <a:lumMod val="50000"/>
+                    <a:lumOff val="50000"/>
+                  </a:srgbClr>
+                </a:solidFill>
+              </a:ln>
+              <a:effectLst/>
+            </p:spPr>
+            <p:style>
+              <a:lnRef idx="2">
+                <a:srgbClr val="4F81BD">
+                  <a:shade val="50000"/>
+                </a:srgbClr>
+              </a:lnRef>
+              <a:fillRef idx="1">
+                <a:srgbClr val="4F81BD"/>
+              </a:fillRef>
+              <a:effectRef idx="0">
+                <a:srgbClr val="4F81BD"/>
+              </a:effectRef>
+              <a:fontRef idx="minor">
+                <a:srgbClr val="000000"/>
+              </a:fontRef>
+            </p:style>
+            <p:txBody>
+              <a:bodyPr rtlCol="0" anchor="ctr"/>
+              <a:lstStyle/>
+              <a:p>
+                <a:pPr algn="ctr"/>
+                <a:endParaRPr lang="en-US" sz="1050" u="sng">
+                  <a:solidFill>
+                    <a:prstClr val="white"/>
+                  </a:solidFill>
+                </a:endParaRPr>
+              </a:p>
+            </p:txBody>
+          </p:sp>
+          <p:sp>
+            <p:nvSpPr>
+              <p:cNvPr id="28" name="Right Arrow 27">
+                <a:extLst>
+                  <a:ext uri="{FF2B5EF4-FFF2-40B4-BE49-F238E27FC236}">
+                    <a16:creationId xmlns:a16="http://schemas.microsoft.com/office/drawing/2014/main" id="{01D4CCCC-833B-4465-94D7-03C8C200A530}"/>
+                  </a:ext>
+                </a:extLst>
+              </p:cNvPr>
+              <p:cNvSpPr/>
+              <p:nvPr/>
+            </p:nvSpPr>
+            <p:spPr>
+              <a:xfrm>
+                <a:off x="481249" y="275509"/>
+                <a:ext cx="257146" cy="208999"/>
+              </a:xfrm>
+              <a:prstGeom prst="rightArrow">
+                <a:avLst/>
+              </a:prstGeom>
+              <a:solidFill>
+                <a:sysClr val="window" lastClr="FFFFFF"/>
+              </a:solidFill>
+              <a:ln w="3175" cap="flat" cmpd="sng" algn="ctr">
+                <a:solidFill>
+                  <a:sysClr val="windowText" lastClr="000000">
+                    <a:lumMod val="75000"/>
+                    <a:lumOff val="25000"/>
+                  </a:sysClr>
+                </a:solidFill>
+                <a:prstDash val="solid"/>
+              </a:ln>
+              <a:effectLst/>
+            </p:spPr>
+            <p:txBody>
+              <a:bodyPr rtlCol="0" anchor="ctr"/>
+              <a:lstStyle/>
+              <a:p>
+                <a:pPr algn="ctr"/>
+                <a:endParaRPr lang="en-US" sz="1050" kern="0">
+                  <a:solidFill>
+                    <a:prstClr val="white"/>
+                  </a:solidFill>
+                  <a:latin typeface="Segoe UI"/>
+                </a:endParaRPr>
+              </a:p>
+            </p:txBody>
+          </p:sp>
+        </p:grpSp>
+        <p:grpSp>
+          <p:nvGrpSpPr>
+            <p:cNvPr id="7" name="Minimize - Maximize - Close">
+              <a:extLst>
+                <a:ext uri="{FF2B5EF4-FFF2-40B4-BE49-F238E27FC236}">
+                  <a16:creationId xmlns:a16="http://schemas.microsoft.com/office/drawing/2014/main" id="{26168C2C-B678-47FC-9929-FEEA0776A495}"/>
+                </a:ext>
+              </a:extLst>
+            </p:cNvPr>
+            <p:cNvGrpSpPr/>
+            <p:nvPr/>
+          </p:nvGrpSpPr>
+          <p:grpSpPr>
+            <a:xfrm>
+              <a:off x="8632311" y="92599"/>
+              <a:ext cx="384527" cy="78032"/>
+              <a:chOff x="9347642" y="131588"/>
+              <a:chExt cx="384527" cy="78032"/>
+            </a:xfrm>
+          </p:grpSpPr>
+          <p:cxnSp>
+            <p:nvCxnSpPr>
+              <p:cNvPr id="22" name="Line">
+                <a:extLst>
+                  <a:ext uri="{FF2B5EF4-FFF2-40B4-BE49-F238E27FC236}">
+                    <a16:creationId xmlns:a16="http://schemas.microsoft.com/office/drawing/2014/main" id="{CD4A050A-747E-43F9-8247-3D5BC49AEE4F}"/>
+                  </a:ext>
+                </a:extLst>
+              </p:cNvPr>
+              <p:cNvCxnSpPr/>
+              <p:nvPr/>
+            </p:nvCxnSpPr>
+            <p:spPr>
+              <a:xfrm>
+                <a:off x="9661396" y="131588"/>
+                <a:ext cx="70773" cy="76200"/>
+              </a:xfrm>
+              <a:prstGeom prst="line">
+                <a:avLst/>
+              </a:prstGeom>
+              <a:ln w="12700">
+                <a:solidFill>
+                  <a:srgbClr val="FFFFFF"/>
+                </a:solidFill>
+              </a:ln>
+            </p:spPr>
+            <p:style>
+              <a:lnRef idx="1">
+                <a:srgbClr val="4F81BD"/>
+              </a:lnRef>
+              <a:fillRef idx="0">
+                <a:srgbClr val="4F81BD"/>
+              </a:fillRef>
+              <a:effectRef idx="0">
+                <a:srgbClr val="4F81BD"/>
+              </a:effectRef>
+              <a:fontRef idx="minor">
+                <a:srgbClr val="000000"/>
+              </a:fontRef>
+            </p:style>
+          </p:cxnSp>
+          <p:cxnSp>
+            <p:nvCxnSpPr>
+              <p:cNvPr id="23" name="Line">
+                <a:extLst>
+                  <a:ext uri="{FF2B5EF4-FFF2-40B4-BE49-F238E27FC236}">
+                    <a16:creationId xmlns:a16="http://schemas.microsoft.com/office/drawing/2014/main" id="{CBB07DDB-D920-484E-88E0-EE5704B89CC3}"/>
+                  </a:ext>
+                </a:extLst>
+              </p:cNvPr>
+              <p:cNvCxnSpPr/>
+              <p:nvPr/>
+            </p:nvCxnSpPr>
+            <p:spPr>
+              <a:xfrm flipH="1">
+                <a:off x="9661395" y="131588"/>
+                <a:ext cx="70773" cy="76200"/>
+              </a:xfrm>
+              <a:prstGeom prst="line">
+                <a:avLst/>
+              </a:prstGeom>
+              <a:ln w="12700">
+                <a:solidFill>
+                  <a:srgbClr val="FFFFFF"/>
+                </a:solidFill>
+              </a:ln>
+            </p:spPr>
+            <p:style>
+              <a:lnRef idx="1">
+                <a:srgbClr val="4F81BD"/>
+              </a:lnRef>
+              <a:fillRef idx="0">
+                <a:srgbClr val="4F81BD"/>
+              </a:fillRef>
+              <a:effectRef idx="0">
+                <a:srgbClr val="4F81BD"/>
+              </a:effectRef>
+              <a:fontRef idx="minor">
+                <a:srgbClr val="000000"/>
+              </a:fontRef>
+            </p:style>
+          </p:cxnSp>
+          <p:sp>
+            <p:nvSpPr>
+              <p:cNvPr id="24" name="Line">
+                <a:extLst>
+                  <a:ext uri="{FF2B5EF4-FFF2-40B4-BE49-F238E27FC236}">
+                    <a16:creationId xmlns:a16="http://schemas.microsoft.com/office/drawing/2014/main" id="{F1A5A482-FB7A-49C3-9D35-83CBA6A71D6D}"/>
+                  </a:ext>
+                </a:extLst>
+              </p:cNvPr>
+              <p:cNvSpPr/>
+              <p:nvPr/>
+            </p:nvSpPr>
+            <p:spPr>
+              <a:xfrm rot="10800000" flipV="1">
+                <a:off x="9499472" y="143255"/>
+                <a:ext cx="91440" cy="9144"/>
+              </a:xfrm>
+              <a:prstGeom prst="rect">
+                <a:avLst/>
+              </a:prstGeom>
+              <a:solidFill>
+                <a:srgbClr val="919191"/>
+              </a:solidFill>
+              <a:ln w="3175">
+                <a:solidFill>
+                  <a:srgbClr val="FFFFFF"/>
+                </a:solidFill>
+              </a:ln>
+            </p:spPr>
+            <p:style>
+              <a:lnRef idx="2">
+                <a:srgbClr val="4F81BD">
+                  <a:shade val="50000"/>
+                </a:srgbClr>
+              </a:lnRef>
+              <a:fillRef idx="1001">
+                <a:srgbClr val="000000"/>
+              </a:fillRef>
+              <a:effectRef idx="0">
+                <a:srgbClr val="4F81BD"/>
+              </a:effectRef>
+              <a:fontRef idx="minor">
+                <a:srgbClr val="000000"/>
+              </a:fontRef>
+            </p:style>
+            <p:txBody>
+              <a:bodyPr rtlCol="0" anchor="ctr"/>
+              <a:lstStyle/>
+              <a:p>
+                <a:pPr algn="ctr"/>
+                <a:endParaRPr lang="en-US" sz="1050" dirty="0">
+                  <a:solidFill>
+                    <a:prstClr val="white"/>
+                  </a:solidFill>
+                </a:endParaRPr>
+              </a:p>
+            </p:txBody>
+          </p:sp>
+          <p:sp>
+            <p:nvSpPr>
+              <p:cNvPr id="25" name="Line">
+                <a:extLst>
+                  <a:ext uri="{FF2B5EF4-FFF2-40B4-BE49-F238E27FC236}">
+                    <a16:creationId xmlns:a16="http://schemas.microsoft.com/office/drawing/2014/main" id="{49AF71C5-47A6-4109-AD8B-64F1FAED9A7B}"/>
+                  </a:ext>
+                </a:extLst>
+              </p:cNvPr>
+              <p:cNvSpPr/>
+              <p:nvPr/>
+            </p:nvSpPr>
+            <p:spPr>
+              <a:xfrm rot="10800000" flipV="1">
+                <a:off x="9498658" y="135261"/>
+                <a:ext cx="91440" cy="72527"/>
+              </a:xfrm>
+              <a:prstGeom prst="rect">
+                <a:avLst/>
+              </a:prstGeom>
+              <a:noFill/>
+              <a:ln w="12700">
+                <a:solidFill>
+                  <a:srgbClr val="FFFFFF"/>
+                </a:solidFill>
+              </a:ln>
+            </p:spPr>
+            <p:style>
+              <a:lnRef idx="2">
+                <a:srgbClr val="4F81BD">
+                  <a:shade val="50000"/>
+                </a:srgbClr>
+              </a:lnRef>
+              <a:fillRef idx="1001">
+                <a:srgbClr val="000000"/>
+              </a:fillRef>
+              <a:effectRef idx="0">
+                <a:srgbClr val="4F81BD"/>
+              </a:effectRef>
+              <a:fontRef idx="minor">
+                <a:srgbClr val="000000"/>
+              </a:fontRef>
+            </p:style>
+            <p:txBody>
+              <a:bodyPr rtlCol="0" anchor="ctr"/>
+              <a:lstStyle/>
+              <a:p>
+                <a:pPr algn="ctr"/>
+                <a:endParaRPr lang="en-US" sz="1050" dirty="0">
+                  <a:solidFill>
+                    <a:prstClr val="white"/>
+                  </a:solidFill>
+                </a:endParaRPr>
+              </a:p>
+            </p:txBody>
+          </p:sp>
+          <p:sp>
+            <p:nvSpPr>
+              <p:cNvPr id="26" name="Line">
+                <a:extLst>
+                  <a:ext uri="{FF2B5EF4-FFF2-40B4-BE49-F238E27FC236}">
+                    <a16:creationId xmlns:a16="http://schemas.microsoft.com/office/drawing/2014/main" id="{9216CE16-2ACC-4AC4-AC61-350B87BDC14C}"/>
+                  </a:ext>
+                </a:extLst>
+              </p:cNvPr>
+              <p:cNvSpPr/>
+              <p:nvPr/>
+            </p:nvSpPr>
+            <p:spPr>
+              <a:xfrm rot="10800000" flipV="1">
+                <a:off x="9347642" y="200476"/>
+                <a:ext cx="91440" cy="9144"/>
+              </a:xfrm>
+              <a:prstGeom prst="rect">
+                <a:avLst/>
+              </a:prstGeom>
+              <a:solidFill>
+                <a:srgbClr val="919191"/>
+              </a:solidFill>
+              <a:ln w="3175">
+                <a:solidFill>
+                  <a:srgbClr val="FFFFFF"/>
+                </a:solidFill>
+              </a:ln>
+            </p:spPr>
+            <p:style>
+              <a:lnRef idx="2">
+                <a:srgbClr val="4F81BD">
+                  <a:shade val="50000"/>
+                </a:srgbClr>
+              </a:lnRef>
+              <a:fillRef idx="1001">
+                <a:srgbClr val="000000"/>
+              </a:fillRef>
+              <a:effectRef idx="0">
+                <a:srgbClr val="4F81BD"/>
+              </a:effectRef>
+              <a:fontRef idx="minor">
+                <a:srgbClr val="000000"/>
+              </a:fontRef>
+            </p:style>
+            <p:txBody>
+              <a:bodyPr rtlCol="0" anchor="ctr"/>
+              <a:lstStyle/>
+              <a:p>
+                <a:pPr algn="ctr"/>
+                <a:endParaRPr lang="en-US" sz="1050" dirty="0">
+                  <a:solidFill>
+                    <a:prstClr val="white"/>
+                  </a:solidFill>
+                </a:endParaRPr>
+              </a:p>
+            </p:txBody>
+          </p:sp>
+        </p:grpSp>
+        <p:sp>
+          <p:nvSpPr>
+            <p:cNvPr id="8" name="WebPageBody">
+              <a:extLst>
+                <a:ext uri="{FF2B5EF4-FFF2-40B4-BE49-F238E27FC236}">
+                  <a16:creationId xmlns:a16="http://schemas.microsoft.com/office/drawing/2014/main" id="{49AD7DD7-8084-4C87-8024-2A5AB4D91321}"/>
+                </a:ext>
+              </a:extLst>
+            </p:cNvPr>
+            <p:cNvSpPr/>
+            <p:nvPr userDrawn="1"/>
+          </p:nvSpPr>
+          <p:spPr>
+            <a:xfrm>
+              <a:off x="76200" y="685159"/>
+              <a:ext cx="8991600" cy="6066801"/>
+            </a:xfrm>
+            <a:prstGeom prst="rect">
+              <a:avLst/>
+            </a:prstGeom>
+            <a:solidFill>
+              <a:sysClr val="window" lastClr="FFFFFF"/>
+            </a:solidFill>
+            <a:ln w="3175" cap="flat" cmpd="sng" algn="ctr">
+              <a:solidFill>
+                <a:srgbClr val="000000">
+                  <a:lumMod val="50000"/>
+                  <a:lumOff val="50000"/>
+                </a:srgbClr>
+              </a:solidFill>
+              <a:prstDash val="solid"/>
+            </a:ln>
+            <a:effectLst/>
+          </p:spPr>
+          <p:txBody>
+            <a:bodyPr rtlCol="0" anchor="ctr"/>
+            <a:lstStyle/>
+            <a:p>
+              <a:pPr algn="ctr"/>
+              <a:endParaRPr lang="en-US" sz="1050" kern="0">
+                <a:solidFill>
+                  <a:prstClr val="white"/>
+                </a:solidFill>
+                <a:latin typeface="Segoe UI"/>
+              </a:endParaRPr>
+            </a:p>
+          </p:txBody>
+        </p:sp>
+        <p:grpSp>
+          <p:nvGrpSpPr>
+            <p:cNvPr id="9" name="Group 8">
+              <a:extLst>
+                <a:ext uri="{FF2B5EF4-FFF2-40B4-BE49-F238E27FC236}">
+                  <a16:creationId xmlns:a16="http://schemas.microsoft.com/office/drawing/2014/main" id="{7C1E0661-4DFF-4EB0-9839-AC812AE51A58}"/>
+                </a:ext>
+              </a:extLst>
+            </p:cNvPr>
+            <p:cNvGrpSpPr/>
+            <p:nvPr/>
+          </p:nvGrpSpPr>
+          <p:grpSpPr>
+            <a:xfrm>
+              <a:off x="8386335" y="360579"/>
+              <a:ext cx="640645" cy="183940"/>
+              <a:chOff x="8303527" y="360579"/>
+              <a:chExt cx="640645" cy="183940"/>
+            </a:xfrm>
+          </p:grpSpPr>
+          <p:pic>
+            <p:nvPicPr>
+              <p:cNvPr id="19" name="Picture 2" descr="C:\Users\t-dantay\Documents\Placeholders\home.png">
+                <a:extLst>
+                  <a:ext uri="{FF2B5EF4-FFF2-40B4-BE49-F238E27FC236}">
+                    <a16:creationId xmlns:a16="http://schemas.microsoft.com/office/drawing/2014/main" id="{D2B82DF2-EB0D-4EAE-8D67-F92E624F60CD}"/>
+                  </a:ext>
+                </a:extLst>
+              </p:cNvPr>
+              <p:cNvPicPr>
+                <a:picLocks noChangeAspect="1" noChangeArrowheads="1"/>
+              </p:cNvPicPr>
+              <p:nvPr/>
+            </p:nvPicPr>
+            <p:blipFill>
+              <a:blip r:embed="rId6" cstate="print">
+                <a:extLst>
+                  <a:ext uri="{28A0092B-C50C-407E-A947-70E740481C1C}">
+                    <a14:useLocalDpi xmlns:a14="http://schemas.microsoft.com/office/drawing/2010/main" val="0"/>
+                  </a:ext>
+                </a:extLst>
+              </a:blip>
+              <a:srcRect/>
+              <a:stretch>
+                <a:fillRect/>
+              </a:stretch>
+            </p:blipFill>
+            <p:spPr bwMode="auto">
+              <a:xfrm>
+                <a:off x="8303527" y="361109"/>
+                <a:ext cx="185783" cy="182880"/>
+              </a:xfrm>
+              <a:prstGeom prst="rect">
+                <a:avLst/>
+              </a:prstGeom>
+              <a:noFill/>
+              <a:extLst>
+                <a:ext uri="{909E8E84-426E-40DD-AFC4-6F175D3DCCD1}">
+                  <a14:hiddenFill xmlns:a14="http://schemas.microsoft.com/office/drawing/2010/main">
+                    <a:solidFill>
+                      <a:srgbClr val="FFFFFF"/>
+                    </a:solidFill>
+                  </a14:hiddenFill>
+                </a:ext>
+              </a:extLst>
+            </p:spPr>
+          </p:pic>
+          <p:pic>
+            <p:nvPicPr>
+              <p:cNvPr id="20" name="Picture 2" descr="C:\Users\t-dantay\Documents\Placeholders\setting.png">
+                <a:extLst>
+                  <a:ext uri="{FF2B5EF4-FFF2-40B4-BE49-F238E27FC236}">
+                    <a16:creationId xmlns:a16="http://schemas.microsoft.com/office/drawing/2014/main" id="{4DC09919-128C-4B2B-AA77-9A1237290633}"/>
+                  </a:ext>
+                </a:extLst>
+              </p:cNvPr>
+              <p:cNvPicPr>
+                <a:picLocks noChangeAspect="1" noChangeArrowheads="1"/>
+              </p:cNvPicPr>
+              <p:nvPr/>
+            </p:nvPicPr>
+            <p:blipFill rotWithShape="1">
+              <a:blip r:embed="rId7" cstate="print">
+                <a:extLst>
+                  <a:ext uri="{28A0092B-C50C-407E-A947-70E740481C1C}">
+                    <a14:useLocalDpi xmlns:a14="http://schemas.microsoft.com/office/drawing/2010/main" val="0"/>
+                  </a:ext>
+                </a:extLst>
+              </a:blip>
+              <a:srcRect t="13480" r="35484"/>
+              <a:stretch/>
+            </p:blipFill>
+            <p:spPr bwMode="auto">
+              <a:xfrm>
+                <a:off x="8761292" y="360579"/>
+                <a:ext cx="182880" cy="183940"/>
+              </a:xfrm>
+              <a:prstGeom prst="rect">
+                <a:avLst/>
+              </a:prstGeom>
+              <a:noFill/>
+              <a:extLst>
+                <a:ext uri="{909E8E84-426E-40DD-AFC4-6F175D3DCCD1}">
+                  <a14:hiddenFill xmlns:a14="http://schemas.microsoft.com/office/drawing/2010/main">
+                    <a:solidFill>
+                      <a:srgbClr val="FFFFFF"/>
+                    </a:solidFill>
+                  </a14:hiddenFill>
+                </a:ext>
+              </a:extLst>
+            </p:spPr>
+          </p:pic>
+          <p:pic>
+            <p:nvPicPr>
+              <p:cNvPr id="21" name="Picture 2" descr="C:\Users\t-dantay\Documents\Placeholders\star.png">
+                <a:extLst>
+                  <a:ext uri="{FF2B5EF4-FFF2-40B4-BE49-F238E27FC236}">
+                    <a16:creationId xmlns:a16="http://schemas.microsoft.com/office/drawing/2014/main" id="{3EC7AA5C-24B1-400E-8F70-3E81B9DD6A40}"/>
+                  </a:ext>
+                </a:extLst>
+              </p:cNvPr>
+              <p:cNvPicPr>
+                <a:picLocks noChangeAspect="1" noChangeArrowheads="1"/>
+              </p:cNvPicPr>
+              <p:nvPr/>
+            </p:nvPicPr>
+            <p:blipFill>
+              <a:blip r:embed="rId8" cstate="print">
+                <a:extLst>
+                  <a:ext uri="{28A0092B-C50C-407E-A947-70E740481C1C}">
+                    <a14:useLocalDpi xmlns:a14="http://schemas.microsoft.com/office/drawing/2010/main" val="0"/>
+                  </a:ext>
+                </a:extLst>
+              </a:blip>
+              <a:srcRect/>
+              <a:stretch>
+                <a:fillRect/>
+              </a:stretch>
+            </p:blipFill>
+            <p:spPr bwMode="auto">
+              <a:xfrm>
+                <a:off x="8529364" y="361109"/>
+                <a:ext cx="191874" cy="182880"/>
+              </a:xfrm>
+              <a:prstGeom prst="rect">
+                <a:avLst/>
+              </a:prstGeom>
+              <a:noFill/>
+              <a:extLst>
+                <a:ext uri="{909E8E84-426E-40DD-AFC4-6F175D3DCCD1}">
+                  <a14:hiddenFill xmlns:a14="http://schemas.microsoft.com/office/drawing/2010/main">
+                    <a:solidFill>
+                      <a:srgbClr val="FFFFFF"/>
+                    </a:solidFill>
+                  </a14:hiddenFill>
+                </a:ext>
+              </a:extLst>
+            </p:spPr>
+          </p:pic>
+        </p:grpSp>
+        <p:grpSp>
+          <p:nvGrpSpPr>
+            <p:cNvPr id="10" name="Group 9">
+              <a:extLst>
+                <a:ext uri="{FF2B5EF4-FFF2-40B4-BE49-F238E27FC236}">
+                  <a16:creationId xmlns:a16="http://schemas.microsoft.com/office/drawing/2014/main" id="{AD3E4515-4C0A-4FC7-8524-4B98512EB51B}"/>
+                </a:ext>
+              </a:extLst>
+            </p:cNvPr>
+            <p:cNvGrpSpPr/>
+            <p:nvPr/>
+          </p:nvGrpSpPr>
+          <p:grpSpPr>
+            <a:xfrm>
+              <a:off x="923925" y="340846"/>
+              <a:ext cx="7142930" cy="228600"/>
+              <a:chOff x="923925" y="340846"/>
+              <a:chExt cx="7142930" cy="228600"/>
+            </a:xfrm>
+          </p:grpSpPr>
+          <p:sp>
+            <p:nvSpPr>
+              <p:cNvPr id="11" name="UrlBar">
+                <a:extLst>
+                  <a:ext uri="{FF2B5EF4-FFF2-40B4-BE49-F238E27FC236}">
+                    <a16:creationId xmlns:a16="http://schemas.microsoft.com/office/drawing/2014/main" id="{0E531D63-3030-4E4C-A031-2929FC2E88D4}"/>
+                  </a:ext>
+                </a:extLst>
+              </p:cNvPr>
+              <p:cNvSpPr/>
+              <p:nvPr/>
+            </p:nvSpPr>
+            <p:spPr>
+              <a:xfrm>
+                <a:off x="923925" y="340846"/>
+                <a:ext cx="7142930" cy="228600"/>
+              </a:xfrm>
+              <a:prstGeom prst="rect">
+                <a:avLst/>
+              </a:prstGeom>
+              <a:solidFill>
+                <a:sysClr val="window" lastClr="FFFFFF"/>
+              </a:solidFill>
+              <a:ln w="3175" cap="flat" cmpd="sng" algn="ctr">
+                <a:solidFill>
+                  <a:srgbClr val="000000">
+                    <a:lumMod val="50000"/>
+                    <a:lumOff val="50000"/>
+                  </a:srgbClr>
+                </a:solidFill>
+                <a:prstDash val="solid"/>
+              </a:ln>
+              <a:effectLst/>
+            </p:spPr>
+            <p:txBody>
+              <a:bodyPr rtlCol="0" anchor="ctr"/>
+              <a:lstStyle/>
+              <a:p>
+                <a:r>
+                  <a:rPr lang="en-US" sz="1200" kern="0" dirty="0">
+                    <a:solidFill>
+                      <a:prstClr val="black">
+                        <a:lumMod val="75000"/>
+                        <a:lumOff val="25000"/>
+                      </a:prstClr>
+                    </a:solidFill>
+                    <a:latin typeface="Segoe UI"/>
+                  </a:rPr>
+                  <a:t>http://www.url.com</a:t>
+                </a:r>
+              </a:p>
+            </p:txBody>
+          </p:sp>
+          <p:grpSp>
+            <p:nvGrpSpPr>
+              <p:cNvPr id="12" name="Group 11">
+                <a:extLst>
+                  <a:ext uri="{FF2B5EF4-FFF2-40B4-BE49-F238E27FC236}">
+                    <a16:creationId xmlns:a16="http://schemas.microsoft.com/office/drawing/2014/main" id="{0C180ED0-F289-4C47-B5C1-76FC92758137}"/>
+                  </a:ext>
+                </a:extLst>
+              </p:cNvPr>
+              <p:cNvGrpSpPr/>
+              <p:nvPr/>
+            </p:nvGrpSpPr>
+            <p:grpSpPr>
+              <a:xfrm>
+                <a:off x="7260350" y="363706"/>
+                <a:ext cx="744325" cy="182880"/>
+                <a:chOff x="7260350" y="363706"/>
+                <a:chExt cx="744325" cy="182880"/>
+              </a:xfrm>
+            </p:grpSpPr>
+            <p:pic>
+              <p:nvPicPr>
+                <p:cNvPr id="13" name="Search" descr="C:\Users\t-dantay\Documents\Placeholders\search.png">
+                  <a:extLst>
+                    <a:ext uri="{FF2B5EF4-FFF2-40B4-BE49-F238E27FC236}">
+                      <a16:creationId xmlns:a16="http://schemas.microsoft.com/office/drawing/2014/main" id="{561A5719-8474-4B97-977E-9D09AB58C2D6}"/>
+                    </a:ext>
+                  </a:extLst>
+                </p:cNvPr>
+                <p:cNvPicPr>
+                  <a:picLocks noChangeAspect="1" noChangeArrowheads="1"/>
+                </p:cNvPicPr>
+                <p:nvPr/>
+              </p:nvPicPr>
+              <p:blipFill>
+                <a:blip r:embed="rId9" cstate="print">
+                  <a:extLst>
+                    <a:ext uri="{28A0092B-C50C-407E-A947-70E740481C1C}">
+                      <a14:useLocalDpi xmlns:a14="http://schemas.microsoft.com/office/drawing/2010/main" val="0"/>
+                    </a:ext>
+                  </a:extLst>
+                </a:blip>
+                <a:srcRect/>
+                <a:stretch>
+                  <a:fillRect/>
+                </a:stretch>
+              </p:blipFill>
+              <p:spPr bwMode="auto">
+                <a:xfrm flipH="1">
+                  <a:off x="7260350" y="363706"/>
+                  <a:ext cx="182880" cy="182880"/>
+                </a:xfrm>
+                <a:prstGeom prst="rect">
+                  <a:avLst/>
+                </a:prstGeom>
+                <a:noFill/>
+                <a:extLst>
+                  <a:ext uri="{909E8E84-426E-40DD-AFC4-6F175D3DCCD1}">
+                    <a14:hiddenFill xmlns:a14="http://schemas.microsoft.com/office/drawing/2010/main">
+                      <a:solidFill>
+                        <a:srgbClr val="FFFFFF"/>
+                      </a:solidFill>
+                    </a14:hiddenFill>
+                  </a:ext>
+                </a:extLst>
+              </p:spPr>
+            </p:pic>
+            <p:pic>
+              <p:nvPicPr>
+                <p:cNvPr id="14" name="Refresh" descr="C:\Users\t-dantay\Documents\First24\arrowrepeat1.png">
+                  <a:extLst>
+                    <a:ext uri="{FF2B5EF4-FFF2-40B4-BE49-F238E27FC236}">
+                      <a16:creationId xmlns:a16="http://schemas.microsoft.com/office/drawing/2014/main" id="{EC7EBBB6-3079-42BE-809F-788EFC774465}"/>
+                    </a:ext>
+                  </a:extLst>
+                </p:cNvPr>
+                <p:cNvPicPr>
+                  <a:picLocks noChangeAspect="1" noChangeArrowheads="1"/>
+                </p:cNvPicPr>
+                <p:nvPr/>
+              </p:nvPicPr>
+              <p:blipFill>
+                <a:blip r:embed="rId10" cstate="print">
+                  <a:extLst>
+                    <a:ext uri="{28A0092B-C50C-407E-A947-70E740481C1C}">
+                      <a14:useLocalDpi xmlns:a14="http://schemas.microsoft.com/office/drawing/2010/main" val="0"/>
+                    </a:ext>
+                  </a:extLst>
+                </a:blip>
+                <a:srcRect/>
+                <a:stretch>
+                  <a:fillRect/>
+                </a:stretch>
+              </p:blipFill>
+              <p:spPr bwMode="auto">
+                <a:xfrm>
+                  <a:off x="7644400" y="363706"/>
+                  <a:ext cx="182880" cy="182880"/>
+                </a:xfrm>
+                <a:prstGeom prst="rect">
+                  <a:avLst/>
+                </a:prstGeom>
+                <a:noFill/>
+                <a:extLst>
+                  <a:ext uri="{909E8E84-426E-40DD-AFC4-6F175D3DCCD1}">
+                    <a14:hiddenFill xmlns:a14="http://schemas.microsoft.com/office/drawing/2010/main">
+                      <a:solidFill>
+                        <a:srgbClr val="FFFFFF"/>
+                      </a:solidFill>
+                    </a14:hiddenFill>
+                  </a:ext>
+                </a:extLst>
+              </p:spPr>
+            </p:pic>
+            <p:pic>
+              <p:nvPicPr>
+                <p:cNvPr id="15" name="Drop Down" descr="C:\Users\t-dantay\Documents\First24\arrowsimple1.png">
+                  <a:extLst>
+                    <a:ext uri="{FF2B5EF4-FFF2-40B4-BE49-F238E27FC236}">
+                      <a16:creationId xmlns:a16="http://schemas.microsoft.com/office/drawing/2014/main" id="{F0C7470F-413E-4C8A-873B-4DFC86766E76}"/>
+                    </a:ext>
+                  </a:extLst>
+                </p:cNvPr>
+                <p:cNvPicPr>
+                  <a:picLocks noChangeAspect="1" noChangeArrowheads="1"/>
+                </p:cNvPicPr>
+                <p:nvPr/>
+              </p:nvPicPr>
+              <p:blipFill>
+                <a:blip r:embed="rId11" cstate="print">
+                  <a:extLst>
+                    <a:ext uri="{28A0092B-C50C-407E-A947-70E740481C1C}">
+                      <a14:useLocalDpi xmlns:a14="http://schemas.microsoft.com/office/drawing/2010/main" val="0"/>
+                    </a:ext>
+                  </a:extLst>
+                </a:blip>
+                <a:srcRect/>
+                <a:stretch>
+                  <a:fillRect/>
+                </a:stretch>
+              </p:blipFill>
+              <p:spPr bwMode="auto">
+                <a:xfrm rot="5400000">
+                  <a:off x="7476150" y="409426"/>
+                  <a:ext cx="91440" cy="91440"/>
+                </a:xfrm>
+                <a:prstGeom prst="rect">
+                  <a:avLst/>
+                </a:prstGeom>
+                <a:noFill/>
+                <a:extLst>
+                  <a:ext uri="{909E8E84-426E-40DD-AFC4-6F175D3DCCD1}">
+                    <a14:hiddenFill xmlns:a14="http://schemas.microsoft.com/office/drawing/2010/main">
+                      <a:solidFill>
+                        <a:srgbClr val="FFFFFF"/>
+                      </a:solidFill>
+                    </a14:hiddenFill>
+                  </a:ext>
+                </a:extLst>
+              </p:spPr>
+            </p:pic>
+            <p:grpSp>
+              <p:nvGrpSpPr>
+                <p:cNvPr id="16" name="X">
+                  <a:extLst>
+                    <a:ext uri="{FF2B5EF4-FFF2-40B4-BE49-F238E27FC236}">
+                      <a16:creationId xmlns:a16="http://schemas.microsoft.com/office/drawing/2014/main" id="{72D6A8A4-0184-473F-8965-2ACC870BC591}"/>
+                    </a:ext>
+                  </a:extLst>
+                </p:cNvPr>
+                <p:cNvGrpSpPr/>
+                <p:nvPr/>
+              </p:nvGrpSpPr>
+              <p:grpSpPr>
+                <a:xfrm>
+                  <a:off x="7913235" y="409426"/>
+                  <a:ext cx="91440" cy="91440"/>
+                  <a:chOff x="4687215" y="1739180"/>
+                  <a:chExt cx="91440" cy="91440"/>
+                </a:xfrm>
+              </p:grpSpPr>
+              <p:cxnSp>
+                <p:nvCxnSpPr>
+                  <p:cNvPr id="17" name="Straight Connector 16">
+                    <a:extLst>
+                      <a:ext uri="{FF2B5EF4-FFF2-40B4-BE49-F238E27FC236}">
+                        <a16:creationId xmlns:a16="http://schemas.microsoft.com/office/drawing/2014/main" id="{76766800-9529-4424-B4F3-424C91C83191}"/>
+                      </a:ext>
+                    </a:extLst>
+                  </p:cNvPr>
+                  <p:cNvCxnSpPr/>
+                  <p:nvPr/>
+                </p:nvCxnSpPr>
+                <p:spPr>
+                  <a:xfrm flipV="1">
+                    <a:off x="4687215" y="1739180"/>
+                    <a:ext cx="91440" cy="91440"/>
+                  </a:xfrm>
+                  <a:prstGeom prst="line">
+                    <a:avLst/>
+                  </a:prstGeom>
+                  <a:ln w="28575">
+                    <a:solidFill>
+                      <a:srgbClr val="FFFFFF">
+                        <a:lumMod val="50000"/>
+                      </a:srgbClr>
+                    </a:solidFill>
+                  </a:ln>
+                </p:spPr>
+                <p:style>
+                  <a:lnRef idx="1">
+                    <a:srgbClr val="FFFFFF"/>
+                  </a:lnRef>
+                  <a:fillRef idx="0">
+                    <a:srgbClr val="FFFFFF"/>
+                  </a:fillRef>
+                  <a:effectRef idx="0">
+                    <a:srgbClr val="FFFFFF"/>
+                  </a:effectRef>
+                  <a:fontRef idx="minor">
+                    <a:srgbClr val="000000"/>
+                  </a:fontRef>
+                </p:style>
+              </p:cxnSp>
+              <p:cxnSp>
+                <p:nvCxnSpPr>
+                  <p:cNvPr id="18" name="Straight Connector 17">
+                    <a:extLst>
+                      <a:ext uri="{FF2B5EF4-FFF2-40B4-BE49-F238E27FC236}">
+                        <a16:creationId xmlns:a16="http://schemas.microsoft.com/office/drawing/2014/main" id="{CC8CD128-C1DD-41DB-AED5-24B982795912}"/>
+                      </a:ext>
+                    </a:extLst>
+                  </p:cNvPr>
+                  <p:cNvCxnSpPr/>
+                  <p:nvPr/>
+                </p:nvCxnSpPr>
+                <p:spPr>
+                  <a:xfrm>
+                    <a:off x="4687215" y="1739180"/>
+                    <a:ext cx="91440" cy="91440"/>
+                  </a:xfrm>
+                  <a:prstGeom prst="line">
+                    <a:avLst/>
+                  </a:prstGeom>
+                  <a:ln w="28575">
+                    <a:solidFill>
+                      <a:srgbClr val="FFFFFF">
+                        <a:lumMod val="50000"/>
+                      </a:srgbClr>
+                    </a:solidFill>
+                  </a:ln>
+                </p:spPr>
+                <p:style>
+                  <a:lnRef idx="1">
+                    <a:srgbClr val="FFFFFF"/>
+                  </a:lnRef>
+                  <a:fillRef idx="0">
+                    <a:srgbClr val="FFFFFF"/>
+                  </a:fillRef>
+                  <a:effectRef idx="0">
+                    <a:srgbClr val="FFFFFF"/>
+                  </a:effectRef>
+                  <a:fontRef idx="minor">
+                    <a:srgbClr val="000000"/>
+                  </a:fontRef>
+                </p:style>
+              </p:cxnSp>
+            </p:grpSp>
+          </p:grpSp>
+        </p:grpSp>
+      </p:grpSp>
+      <p:grpSp>
+        <p:nvGrpSpPr>
+          <p:cNvPr id="38" name="Groupe 37">
+            <a:extLst>
+              <a:ext uri="{FF2B5EF4-FFF2-40B4-BE49-F238E27FC236}">
+                <a16:creationId xmlns:a16="http://schemas.microsoft.com/office/drawing/2014/main" id="{A8585BCD-87BB-4217-88F7-4301F1AE9948}"/>
+              </a:ext>
+            </a:extLst>
+          </p:cNvPr>
+          <p:cNvGrpSpPr/>
+          <p:nvPr userDrawn="1"/>
+        </p:nvGrpSpPr>
+        <p:grpSpPr>
+          <a:xfrm>
+            <a:off x="8067442" y="869551"/>
+            <a:ext cx="3801515" cy="320628"/>
+            <a:chOff x="6871385" y="786327"/>
+            <a:chExt cx="3801515" cy="320628"/>
+          </a:xfrm>
+        </p:grpSpPr>
+        <p:grpSp>
+          <p:nvGrpSpPr>
+            <p:cNvPr id="31" name="SearchBox">
+              <a:extLst>
+                <a:ext uri="{FF2B5EF4-FFF2-40B4-BE49-F238E27FC236}">
+                  <a16:creationId xmlns:a16="http://schemas.microsoft.com/office/drawing/2014/main" id="{38BE5075-FF96-4064-9FF2-C87C2EB1781D}"/>
+                </a:ext>
+              </a:extLst>
+            </p:cNvPr>
+            <p:cNvGrpSpPr/>
+            <p:nvPr userDrawn="1">
+              <p:custDataLst>
+                <p:custData r:id="rId5"/>
+              </p:custDataLst>
+            </p:nvPr>
+          </p:nvGrpSpPr>
+          <p:grpSpPr>
+            <a:xfrm>
+              <a:off x="6871385" y="786327"/>
+              <a:ext cx="2434178" cy="320628"/>
+              <a:chOff x="4111925" y="3293648"/>
+              <a:chExt cx="962996" cy="310896"/>
+            </a:xfrm>
+          </p:grpSpPr>
+          <p:sp>
+            <p:nvSpPr>
+              <p:cNvPr id="32" name="Content">
+                <a:extLst>
+                  <a:ext uri="{FF2B5EF4-FFF2-40B4-BE49-F238E27FC236}">
+                    <a16:creationId xmlns:a16="http://schemas.microsoft.com/office/drawing/2014/main" id="{CD01AE0A-7840-4BAA-B5E9-E7A0BA86AC38}"/>
+                  </a:ext>
+                </a:extLst>
+              </p:cNvPr>
+              <p:cNvSpPr/>
+              <p:nvPr/>
+            </p:nvSpPr>
+            <p:spPr>
+              <a:xfrm>
+                <a:off x="4111925" y="3328416"/>
+                <a:ext cx="920151" cy="228600"/>
+              </a:xfrm>
+              <a:prstGeom prst="rect">
+                <a:avLst/>
+              </a:prstGeom>
+              <a:solidFill>
+                <a:srgbClr val="FFFFFF"/>
+              </a:solidFill>
+              <a:ln w="3175">
+                <a:solidFill>
+                  <a:srgbClr val="000000">
+                    <a:lumMod val="50000"/>
+                    <a:lumOff val="50000"/>
+                  </a:srgbClr>
+                </a:solidFill>
+              </a:ln>
+            </p:spPr>
+            <p:style>
+              <a:lnRef idx="2">
+                <a:srgbClr val="4F81BD">
+                  <a:shade val="50000"/>
+                </a:srgbClr>
+              </a:lnRef>
+              <a:fillRef idx="1">
+                <a:srgbClr val="4F81BD"/>
+              </a:fillRef>
+              <a:effectRef idx="0">
+                <a:srgbClr val="4F81BD"/>
+              </a:effectRef>
+              <a:fontRef idx="minor">
+                <a:srgbClr val="000000"/>
+              </a:fontRef>
+            </p:style>
+            <p:txBody>
+              <a:bodyPr lIns="97531" tIns="48766" rIns="97531" bIns="48766" rtlCol="0" anchor="ctr"/>
+              <a:lstStyle/>
+              <a:p>
+                <a:r>
+                  <a:rPr lang="en-US" sz="1200" i="1" dirty="0">
+                    <a:solidFill>
+                      <a:srgbClr val="FFFFFF">
+                        <a:lumMod val="50000"/>
+                      </a:srgbClr>
+                    </a:solidFill>
+                    <a:latin typeface="Segoe UI" pitchFamily="34" charset="0"/>
+                    <a:ea typeface="Segoe UI" pitchFamily="34" charset="0"/>
+                    <a:cs typeface="Segoe UI" pitchFamily="34" charset="0"/>
+                  </a:rPr>
+                  <a:t>search</a:t>
+                </a:r>
+                <a:endParaRPr lang="en-US" sz="1050" i="1" dirty="0">
+                  <a:solidFill>
+                    <a:srgbClr val="FFFFFF">
+                      <a:lumMod val="50000"/>
+                    </a:srgbClr>
+                  </a:solidFill>
+                  <a:latin typeface="Segoe UI" pitchFamily="34" charset="0"/>
+                  <a:ea typeface="Segoe UI" pitchFamily="34" charset="0"/>
+                  <a:cs typeface="Segoe UI" pitchFamily="34" charset="0"/>
+                </a:endParaRPr>
+              </a:p>
+            </p:txBody>
+          </p:sp>
+          <p:pic>
+            <p:nvPicPr>
+              <p:cNvPr id="33" name="Icon" descr="C:\Users\t-dantay\Documents\WPIcons\appbar.feature.search.rest.png">
+                <a:extLst>
+                  <a:ext uri="{FF2B5EF4-FFF2-40B4-BE49-F238E27FC236}">
+                    <a16:creationId xmlns:a16="http://schemas.microsoft.com/office/drawing/2014/main" id="{57FF7917-4B0C-4E41-8616-2C4390F7D602}"/>
+                  </a:ext>
+                </a:extLst>
+              </p:cNvPr>
+              <p:cNvPicPr>
+                <a:picLocks noChangeAspect="1" noChangeArrowheads="1"/>
+              </p:cNvPicPr>
+              <p:nvPr/>
+            </p:nvPicPr>
+            <p:blipFill>
+              <a:blip r:embed="rId12" cstate="print">
+                <a:extLst>
+                  <a:ext uri="{28A0092B-C50C-407E-A947-70E740481C1C}">
+                    <a14:useLocalDpi xmlns:a14="http://schemas.microsoft.com/office/drawing/2010/main" val="0"/>
+                  </a:ext>
+                </a:extLst>
+              </a:blip>
+              <a:srcRect/>
+              <a:stretch>
+                <a:fillRect/>
+              </a:stretch>
+            </p:blipFill>
+            <p:spPr bwMode="auto">
+              <a:xfrm>
+                <a:off x="4764025" y="3293648"/>
+                <a:ext cx="310896" cy="310896"/>
+              </a:xfrm>
+              <a:prstGeom prst="rect">
+                <a:avLst/>
+              </a:prstGeom>
+              <a:noFill/>
+              <a:ln>
+                <a:noFill/>
+              </a:ln>
+              <a:extLst>
+                <a:ext uri="{909E8E84-426E-40DD-AFC4-6F175D3DCCD1}">
+                  <a14:hiddenFill xmlns:a14="http://schemas.microsoft.com/office/drawing/2010/main">
+                    <a:solidFill>
+                      <a:srgbClr val="FFFFFF"/>
+                    </a:solidFill>
+                  </a14:hiddenFill>
+                </a:ext>
+              </a:extLst>
+            </p:spPr>
+          </p:pic>
+        </p:grpSp>
+        <p:sp>
+          <p:nvSpPr>
+            <p:cNvPr id="37" name="ZoneTexte 36">
+              <a:extLst>
+                <a:ext uri="{FF2B5EF4-FFF2-40B4-BE49-F238E27FC236}">
+                  <a16:creationId xmlns:a16="http://schemas.microsoft.com/office/drawing/2014/main" id="{912E5B82-85D1-451D-96E9-C61809102AFC}"/>
+                </a:ext>
+              </a:extLst>
+            </p:cNvPr>
+            <p:cNvSpPr txBox="1"/>
+            <p:nvPr userDrawn="1"/>
+          </p:nvSpPr>
+          <p:spPr>
+            <a:xfrm>
+              <a:off x="9405763" y="801561"/>
+              <a:ext cx="1267137" cy="276999"/>
+            </a:xfrm>
+            <a:prstGeom prst="rect">
+              <a:avLst/>
+            </a:prstGeom>
+            <a:noFill/>
+          </p:spPr>
+          <p:txBody>
+            <a:bodyPr wrap="square" rtlCol="0">
+              <a:spAutoFit/>
+            </a:bodyPr>
+            <a:lstStyle/>
+            <a:p>
+              <a:r>
+                <a:rPr lang="fr-FR" sz="1200" dirty="0" err="1"/>
+                <a:t>Sign</a:t>
+              </a:r>
+              <a:r>
+                <a:rPr lang="fr-FR" sz="1200" dirty="0"/>
+                <a:t> in | </a:t>
+              </a:r>
+              <a:r>
+                <a:rPr lang="fr-FR" sz="1200" dirty="0" err="1"/>
+                <a:t>Register</a:t>
+              </a:r>
+              <a:endParaRPr lang="fr-FR" sz="1200" dirty="0"/>
+            </a:p>
+          </p:txBody>
+        </p:sp>
+      </p:grpSp>
+      <p:pic>
+        <p:nvPicPr>
+          <p:cNvPr id="40" name="Image 39">
+            <a:extLst>
+              <a:ext uri="{FF2B5EF4-FFF2-40B4-BE49-F238E27FC236}">
+                <a16:creationId xmlns:a16="http://schemas.microsoft.com/office/drawing/2014/main" id="{706F782D-DEC3-484A-801C-DF5ACA89B5F8}"/>
+              </a:ext>
+            </a:extLst>
+          </p:cNvPr>
+          <p:cNvPicPr>
+            <a:picLocks noChangeAspect="1"/>
+          </p:cNvPicPr>
+          <p:nvPr userDrawn="1"/>
+        </p:nvPicPr>
+        <p:blipFill>
+          <a:blip r:embed="rId13">
+            <a:extLst>
+              <a:ext uri="{28A0092B-C50C-407E-A947-70E740481C1C}">
+                <a14:useLocalDpi xmlns:a14="http://schemas.microsoft.com/office/drawing/2010/main" val="0"/>
+              </a:ext>
+              <a:ext uri="{837473B0-CC2E-450A-ABE3-18F120FF3D39}">
+                <a1611:picAttrSrcUrl xmlns:a1611="http://schemas.microsoft.com/office/drawing/2016/11/main" r:id="rId14"/>
+              </a:ext>
+            </a:extLst>
+          </a:blip>
+          <a:stretch>
+            <a:fillRect/>
+          </a:stretch>
+        </p:blipFill>
+        <p:spPr>
+          <a:xfrm>
+            <a:off x="7377199" y="896363"/>
+            <a:ext cx="244800" cy="244800"/>
+          </a:xfrm>
+          <a:prstGeom prst="rect">
+            <a:avLst/>
+          </a:prstGeom>
+        </p:spPr>
+      </p:pic>
+      <p:pic>
+        <p:nvPicPr>
+          <p:cNvPr id="42" name="Image 41">
+            <a:extLst>
+              <a:ext uri="{FF2B5EF4-FFF2-40B4-BE49-F238E27FC236}">
+                <a16:creationId xmlns:a16="http://schemas.microsoft.com/office/drawing/2014/main" id="{7E566A28-3675-46F5-AE5A-9A75A11C9365}"/>
+              </a:ext>
+            </a:extLst>
+          </p:cNvPr>
+          <p:cNvPicPr>
+            <a:picLocks noChangeAspect="1"/>
+          </p:cNvPicPr>
+          <p:nvPr userDrawn="1"/>
+        </p:nvPicPr>
+        <p:blipFill>
+          <a:blip r:embed="rId15">
+            <a:extLst>
+              <a:ext uri="{28A0092B-C50C-407E-A947-70E740481C1C}">
+                <a14:useLocalDpi xmlns:a14="http://schemas.microsoft.com/office/drawing/2010/main" val="0"/>
+              </a:ext>
+              <a:ext uri="{837473B0-CC2E-450A-ABE3-18F120FF3D39}">
+                <a1611:picAttrSrcUrl xmlns:a1611="http://schemas.microsoft.com/office/drawing/2016/11/main" r:id="rId16"/>
+              </a:ext>
+            </a:extLst>
+          </a:blip>
+          <a:stretch>
+            <a:fillRect/>
+          </a:stretch>
+        </p:blipFill>
+        <p:spPr>
+          <a:xfrm>
+            <a:off x="7723599" y="907465"/>
+            <a:ext cx="244800" cy="244800"/>
+          </a:xfrm>
+          <a:prstGeom prst="rect">
+            <a:avLst/>
+          </a:prstGeom>
+        </p:spPr>
+      </p:pic>
     </p:spTree>
     <p:extLst>
       <p:ext uri="{BB962C8B-B14F-4D97-AF65-F5344CB8AC3E}">
@@ -3945,6 +5412,14 @@
     <p:sldLayoutId id="2147483662" r:id="rId1"/>
     <p:sldLayoutId id="2147483661" r:id="rId2"/>
   </p:sldLayoutIdLst>
+  <mc:AlternateContent xmlns:mc="http://schemas.openxmlformats.org/markup-compatibility/2006">
+    <mc:Choice xmlns:p14="http://schemas.microsoft.com/office/powerpoint/2010/main" Requires="p14">
+      <p:transition spd="slow" p14:dur="2000" advClick="0"/>
+    </mc:Choice>
+    <mc:Fallback>
+      <p:transition spd="slow" advClick="0"/>
+    </mc:Fallback>
+  </mc:AlternateContent>
   <p:txStyles>
     <p:titleStyle>
       <a:lvl1pPr algn="l" defTabSz="914400" rtl="0" eaLnBrk="1" latinLnBrk="0" hangingPunct="1">
@@ -4247,55 +5722,247 @@
       </p:grpSpPr>
       <p:sp>
         <p:nvSpPr>
-          <p:cNvPr id="3" name="Titre 2">
+          <p:cNvPr id="2" name="Rectangle 1">
             <a:extLst>
               <a:ext uri="{FF2B5EF4-FFF2-40B4-BE49-F238E27FC236}">
-                <a16:creationId xmlns:a16="http://schemas.microsoft.com/office/drawing/2014/main" id="{D8898A7B-A89E-4CE0-8974-079A439F8E8A}"/>
+                <a16:creationId xmlns:a16="http://schemas.microsoft.com/office/drawing/2014/main" id="{1574C23E-C520-41D0-B4B1-8CB8B43A0E2F}"/>
               </a:ext>
             </a:extLst>
           </p:cNvPr>
-          <p:cNvSpPr>
-            <a:spLocks noGrp="1"/>
-          </p:cNvSpPr>
-          <p:nvPr>
-            <p:ph type="title" idx="4294967295"/>
-          </p:nvPr>
+          <p:cNvSpPr/>
+          <p:nvPr/>
         </p:nvSpPr>
         <p:spPr>
           <a:xfrm>
-            <a:off x="0" y="-654050"/>
-            <a:ext cx="4870450" cy="654050"/>
+            <a:off x="3575304" y="1997964"/>
+            <a:ext cx="5176810" cy="3096550"/>
           </a:xfrm>
           <a:prstGeom prst="rect">
             <a:avLst/>
           </a:prstGeom>
         </p:spPr>
+        <p:style>
+          <a:lnRef idx="2">
+            <a:schemeClr val="dk1"/>
+          </a:lnRef>
+          <a:fillRef idx="1">
+            <a:schemeClr val="lt1"/>
+          </a:fillRef>
+          <a:effectRef idx="0">
+            <a:schemeClr val="dk1"/>
+          </a:effectRef>
+          <a:fontRef idx="minor">
+            <a:schemeClr val="dk1"/>
+          </a:fontRef>
+        </p:style>
         <p:txBody>
-          <a:bodyPr/>
+          <a:bodyPr rtlCol="0" anchor="ctr"/>
           <a:lstStyle/>
           <a:p>
+            <a:pPr algn="ctr"/>
+            <a:endParaRPr lang="fr-FR"/>
+          </a:p>
+        </p:txBody>
+      </p:sp>
+      <p:sp>
+        <p:nvSpPr>
+          <p:cNvPr id="3" name="ZoneTexte 2">
+            <a:extLst>
+              <a:ext uri="{FF2B5EF4-FFF2-40B4-BE49-F238E27FC236}">
+                <a16:creationId xmlns:a16="http://schemas.microsoft.com/office/drawing/2014/main" id="{EA029597-B9C8-44A1-A429-CCD6950632E4}"/>
+              </a:ext>
+            </a:extLst>
+          </p:cNvPr>
+          <p:cNvSpPr txBox="1"/>
+          <p:nvPr/>
+        </p:nvSpPr>
+        <p:spPr>
+          <a:xfrm>
+            <a:off x="4391891" y="2398816"/>
+            <a:ext cx="3408218" cy="400110"/>
+          </a:xfrm>
+          <a:prstGeom prst="rect">
+            <a:avLst/>
+          </a:prstGeom>
+          <a:noFill/>
+        </p:spPr>
+        <p:txBody>
+          <a:bodyPr wrap="square" rtlCol="0">
+            <a:spAutoFit/>
+          </a:bodyPr>
+          <a:lstStyle/>
+          <a:p>
+            <a:pPr algn="ctr"/>
             <a:r>
-              <a:rPr lang="fr-FR" dirty="0"/>
-              <a:t>Page d’</a:t>
+              <a:rPr lang="fr-FR" sz="2000" b="1" dirty="0">
+                <a:effectLst>
+                  <a:outerShdw blurRad="38100" dist="38100" dir="2700000" algn="tl">
+                    <a:srgbClr val="000000">
+                      <a:alpha val="43137"/>
+                    </a:srgbClr>
+                  </a:outerShdw>
+                </a:effectLst>
+              </a:rPr>
+              <a:t>Bienvenue sur </a:t>
             </a:r>
             <a:r>
-              <a:rPr lang="fr-FR" dirty="0" err="1"/>
-              <a:t>acceuil</a:t>
+              <a:rPr lang="fr-FR" sz="2000" b="1" dirty="0" err="1">
+                <a:effectLst>
+                  <a:outerShdw blurRad="38100" dist="38100" dir="2700000" algn="tl">
+                    <a:srgbClr val="000000">
+                      <a:alpha val="43137"/>
+                    </a:srgbClr>
+                  </a:outerShdw>
+                </a:effectLst>
+              </a:rPr>
+              <a:t>Strawpoll</a:t>
             </a:r>
-            <a:endParaRPr lang="fr-FR" dirty="0"/>
+            <a:endParaRPr lang="fr-FR" sz="2000" b="1" dirty="0">
+              <a:effectLst>
+                <a:outerShdw blurRad="38100" dist="38100" dir="2700000" algn="tl">
+                  <a:srgbClr val="000000">
+                    <a:alpha val="43137"/>
+                  </a:srgbClr>
+                </a:outerShdw>
+              </a:effectLst>
+            </a:endParaRPr>
+          </a:p>
+        </p:txBody>
+      </p:sp>
+      <p:sp>
+        <p:nvSpPr>
+          <p:cNvPr id="4" name="Content">
+            <a:hlinkClick r:id="rId3" action="ppaction://hlinksldjump"/>
+            <a:extLst>
+              <a:ext uri="{FF2B5EF4-FFF2-40B4-BE49-F238E27FC236}">
+                <a16:creationId xmlns:a16="http://schemas.microsoft.com/office/drawing/2014/main" id="{135F731C-D57E-454B-B25D-7F53FA011B5A}"/>
+              </a:ext>
+            </a:extLst>
+          </p:cNvPr>
+          <p:cNvSpPr/>
+          <p:nvPr>
+            <p:custDataLst>
+              <p:custData r:id="rId1"/>
+            </p:custDataLst>
+          </p:nvPr>
+        </p:nvSpPr>
+        <p:spPr>
+          <a:xfrm>
+            <a:off x="5097300" y="3705248"/>
+            <a:ext cx="2132818" cy="707654"/>
+          </a:xfrm>
+          <a:prstGeom prst="roundRect">
+            <a:avLst/>
+          </a:prstGeom>
+          <a:solidFill>
+            <a:srgbClr val="FFFFFF">
+              <a:lumMod val="95000"/>
+            </a:srgbClr>
+          </a:solidFill>
+          <a:ln w="3175">
+            <a:solidFill>
+              <a:srgbClr val="000000">
+                <a:lumMod val="50000"/>
+                <a:lumOff val="50000"/>
+              </a:srgbClr>
+            </a:solidFill>
+          </a:ln>
+          <a:effectLst/>
+        </p:spPr>
+        <p:style>
+          <a:lnRef idx="2">
+            <a:srgbClr val="4F81BD">
+              <a:shade val="50000"/>
+            </a:srgbClr>
+          </a:lnRef>
+          <a:fillRef idx="1">
+            <a:srgbClr val="4F81BD"/>
+          </a:fillRef>
+          <a:effectRef idx="0">
+            <a:srgbClr val="4F81BD"/>
+          </a:effectRef>
+          <a:fontRef idx="minor">
+            <a:srgbClr val="000000"/>
+          </a:fontRef>
+        </p:style>
+        <p:txBody>
+          <a:bodyPr wrap="square" lIns="91440" tIns="0" rIns="91440" bIns="9144" rtlCol="0" anchor="ctr">
+            <a:noAutofit/>
+          </a:bodyPr>
+          <a:lstStyle/>
+          <a:p>
+            <a:pPr algn="ctr"/>
+            <a:r>
+              <a:rPr lang="en-US" sz="2400" dirty="0">
+                <a:latin typeface="Segoe UI" pitchFamily="34" charset="0"/>
+                <a:cs typeface="Segoe UI" pitchFamily="34" charset="0"/>
+              </a:rPr>
+              <a:t>CREER</a:t>
+            </a:r>
+            <a:endParaRPr lang="en-US" sz="2400" dirty="0">
+              <a:solidFill>
+                <a:srgbClr val="000000"/>
+              </a:solidFill>
+              <a:latin typeface="Segoe UI" pitchFamily="34" charset="0"/>
+              <a:cs typeface="Segoe UI" pitchFamily="34" charset="0"/>
+            </a:endParaRPr>
+          </a:p>
+        </p:txBody>
+      </p:sp>
+      <p:sp>
+        <p:nvSpPr>
+          <p:cNvPr id="5" name="ZoneTexte 4">
+            <a:extLst>
+              <a:ext uri="{FF2B5EF4-FFF2-40B4-BE49-F238E27FC236}">
+                <a16:creationId xmlns:a16="http://schemas.microsoft.com/office/drawing/2014/main" id="{FF1DB431-4CB4-401F-A518-D35506D7BDE5}"/>
+              </a:ext>
+            </a:extLst>
+          </p:cNvPr>
+          <p:cNvSpPr txBox="1"/>
+          <p:nvPr/>
+        </p:nvSpPr>
+        <p:spPr>
+          <a:xfrm>
+            <a:off x="4300064" y="2817098"/>
+            <a:ext cx="3591871" cy="307777"/>
+          </a:xfrm>
+          <a:prstGeom prst="rect">
+            <a:avLst/>
+          </a:prstGeom>
+          <a:noFill/>
+        </p:spPr>
+        <p:txBody>
+          <a:bodyPr wrap="square" rtlCol="0">
+            <a:spAutoFit/>
+          </a:bodyPr>
+          <a:lstStyle/>
+          <a:p>
+            <a:pPr algn="ctr"/>
+            <a:r>
+              <a:rPr lang="fr-FR" sz="1400" dirty="0"/>
+              <a:t>Site de création de sondage en ligne</a:t>
+            </a:r>
           </a:p>
         </p:txBody>
       </p:sp>
     </p:spTree>
     <p:extLst>
       <p:ext uri="{BB962C8B-B14F-4D97-AF65-F5344CB8AC3E}">
-        <p14:creationId xmlns:p14="http://schemas.microsoft.com/office/powerpoint/2010/main" val="2184009742"/>
+        <p14:creationId xmlns:p14="http://schemas.microsoft.com/office/powerpoint/2010/main" val="1738925445"/>
       </p:ext>
     </p:extLst>
   </p:cSld>
   <p:clrMapOvr>
     <a:masterClrMapping/>
   </p:clrMapOvr>
+  <mc:AlternateContent xmlns:mc="http://schemas.openxmlformats.org/markup-compatibility/2006">
+    <mc:Choice xmlns:p14="http://schemas.microsoft.com/office/powerpoint/2010/main" Requires="p14">
+      <p:transition spd="slow" p14:dur="2000" advClick="0"/>
+    </mc:Choice>
+    <mc:Fallback>
+      <p:transition spd="slow" advClick="0"/>
+    </mc:Fallback>
+  </mc:AlternateContent>
 </p:sld>
 </file>
 
@@ -4316,50 +5983,12 @@
           <a:chExt cx="0" cy="0"/>
         </a:xfrm>
       </p:grpSpPr>
-      <p:sp>
-        <p:nvSpPr>
-          <p:cNvPr id="2" name="Titre 1">
+      <p:grpSp>
+        <p:nvGrpSpPr>
+          <p:cNvPr id="2" name="Groupe 1">
             <a:extLst>
               <a:ext uri="{FF2B5EF4-FFF2-40B4-BE49-F238E27FC236}">
-                <a16:creationId xmlns:a16="http://schemas.microsoft.com/office/drawing/2014/main" id="{012F4EC5-35DE-4813-8A9B-402873B9A7DB}"/>
-              </a:ext>
-            </a:extLst>
-          </p:cNvPr>
-          <p:cNvSpPr>
-            <a:spLocks noGrp="1"/>
-          </p:cNvSpPr>
-          <p:nvPr>
-            <p:ph type="title" idx="4294967295"/>
-          </p:nvPr>
-        </p:nvSpPr>
-        <p:spPr>
-          <a:xfrm>
-            <a:off x="0" y="-1325563"/>
-            <a:ext cx="10515600" cy="1325563"/>
-          </a:xfrm>
-        </p:spPr>
-        <p:txBody>
-          <a:bodyPr/>
-          <a:lstStyle/>
-          <a:p>
-            <a:r>
-              <a:rPr lang="fr-FR" dirty="0"/>
-              <a:t>Formulaire création</a:t>
-            </a:r>
-            <a:r>
-              <a:rPr lang="fr-FR" baseline="0" dirty="0"/>
-              <a:t> de sondage</a:t>
-            </a:r>
-            <a:endParaRPr lang="fr-FR" dirty="0"/>
-          </a:p>
-        </p:txBody>
-      </p:sp>
-      <p:grpSp>
-        <p:nvGrpSpPr>
-          <p:cNvPr id="11" name="Groupe 10">
-            <a:extLst>
-              <a:ext uri="{FF2B5EF4-FFF2-40B4-BE49-F238E27FC236}">
-                <a16:creationId xmlns:a16="http://schemas.microsoft.com/office/drawing/2014/main" id="{3952DD81-91C2-469B-A690-8DBA518EF48B}"/>
+                <a16:creationId xmlns:a16="http://schemas.microsoft.com/office/drawing/2014/main" id="{46769D51-6BD9-441B-AABC-4CC9162B297A}"/>
               </a:ext>
             </a:extLst>
           </p:cNvPr>
@@ -4368,18 +5997,236 @@
         </p:nvGrpSpPr>
         <p:grpSpPr>
           <a:xfrm>
-            <a:off x="2896455" y="1771609"/>
-            <a:ext cx="4722690" cy="3314782"/>
-            <a:chOff x="3729761" y="1615044"/>
-            <a:chExt cx="4722690" cy="3314782"/>
+            <a:off x="8067442" y="869551"/>
+            <a:ext cx="3801515" cy="320628"/>
+            <a:chOff x="6871385" y="786327"/>
+            <a:chExt cx="3801515" cy="320628"/>
           </a:xfrm>
         </p:grpSpPr>
         <p:grpSp>
           <p:nvGrpSpPr>
-            <p:cNvPr id="9" name="Groupe 8">
+            <p:cNvPr id="3" name="SearchBox">
               <a:extLst>
                 <a:ext uri="{FF2B5EF4-FFF2-40B4-BE49-F238E27FC236}">
-                  <a16:creationId xmlns:a16="http://schemas.microsoft.com/office/drawing/2014/main" id="{24038CAD-65EE-44E0-AB15-04745346AA1B}"/>
+                  <a16:creationId xmlns:a16="http://schemas.microsoft.com/office/drawing/2014/main" id="{AFF0A49D-C1E8-4660-9A28-5728A7ECEDC6}"/>
+                </a:ext>
+              </a:extLst>
+            </p:cNvPr>
+            <p:cNvGrpSpPr/>
+            <p:nvPr userDrawn="1">
+              <p:custDataLst>
+                <p:custData r:id="rId10"/>
+              </p:custDataLst>
+            </p:nvPr>
+          </p:nvGrpSpPr>
+          <p:grpSpPr>
+            <a:xfrm>
+              <a:off x="6871385" y="786327"/>
+              <a:ext cx="2434178" cy="320628"/>
+              <a:chOff x="4111925" y="3293648"/>
+              <a:chExt cx="962996" cy="310896"/>
+            </a:xfrm>
+          </p:grpSpPr>
+          <p:sp>
+            <p:nvSpPr>
+              <p:cNvPr id="5" name="Content">
+                <a:extLst>
+                  <a:ext uri="{FF2B5EF4-FFF2-40B4-BE49-F238E27FC236}">
+                    <a16:creationId xmlns:a16="http://schemas.microsoft.com/office/drawing/2014/main" id="{21EDC8AF-F9D6-4A3D-8F25-421ACEF98A72}"/>
+                  </a:ext>
+                </a:extLst>
+              </p:cNvPr>
+              <p:cNvSpPr/>
+              <p:nvPr/>
+            </p:nvSpPr>
+            <p:spPr>
+              <a:xfrm>
+                <a:off x="4111925" y="3328416"/>
+                <a:ext cx="920151" cy="228600"/>
+              </a:xfrm>
+              <a:prstGeom prst="rect">
+                <a:avLst/>
+              </a:prstGeom>
+              <a:solidFill>
+                <a:srgbClr val="FFFFFF"/>
+              </a:solidFill>
+              <a:ln w="3175">
+                <a:solidFill>
+                  <a:srgbClr val="000000">
+                    <a:lumMod val="50000"/>
+                    <a:lumOff val="50000"/>
+                  </a:srgbClr>
+                </a:solidFill>
+              </a:ln>
+            </p:spPr>
+            <p:style>
+              <a:lnRef idx="2">
+                <a:srgbClr val="4F81BD">
+                  <a:shade val="50000"/>
+                </a:srgbClr>
+              </a:lnRef>
+              <a:fillRef idx="1">
+                <a:srgbClr val="4F81BD"/>
+              </a:fillRef>
+              <a:effectRef idx="0">
+                <a:srgbClr val="4F81BD"/>
+              </a:effectRef>
+              <a:fontRef idx="minor">
+                <a:srgbClr val="000000"/>
+              </a:fontRef>
+            </p:style>
+            <p:txBody>
+              <a:bodyPr lIns="97531" tIns="48766" rIns="97531" bIns="48766" rtlCol="0" anchor="ctr"/>
+              <a:lstStyle/>
+              <a:p>
+                <a:r>
+                  <a:rPr lang="en-US" sz="1200" i="1" dirty="0">
+                    <a:solidFill>
+                      <a:srgbClr val="FFFFFF">
+                        <a:lumMod val="50000"/>
+                      </a:srgbClr>
+                    </a:solidFill>
+                    <a:latin typeface="Segoe UI" pitchFamily="34" charset="0"/>
+                    <a:ea typeface="Segoe UI" pitchFamily="34" charset="0"/>
+                    <a:cs typeface="Segoe UI" pitchFamily="34" charset="0"/>
+                  </a:rPr>
+                  <a:t>search</a:t>
+                </a:r>
+                <a:endParaRPr lang="en-US" sz="1050" i="1" dirty="0">
+                  <a:solidFill>
+                    <a:srgbClr val="FFFFFF">
+                      <a:lumMod val="50000"/>
+                    </a:srgbClr>
+                  </a:solidFill>
+                  <a:latin typeface="Segoe UI" pitchFamily="34" charset="0"/>
+                  <a:ea typeface="Segoe UI" pitchFamily="34" charset="0"/>
+                  <a:cs typeface="Segoe UI" pitchFamily="34" charset="0"/>
+                </a:endParaRPr>
+              </a:p>
+            </p:txBody>
+          </p:sp>
+          <p:pic>
+            <p:nvPicPr>
+              <p:cNvPr id="6" name="Icon" descr="C:\Users\t-dantay\Documents\WPIcons\appbar.feature.search.rest.png">
+                <a:extLst>
+                  <a:ext uri="{FF2B5EF4-FFF2-40B4-BE49-F238E27FC236}">
+                    <a16:creationId xmlns:a16="http://schemas.microsoft.com/office/drawing/2014/main" id="{C3A0F035-870E-4508-8561-356E36D50F41}"/>
+                  </a:ext>
+                </a:extLst>
+              </p:cNvPr>
+              <p:cNvPicPr>
+                <a:picLocks noChangeAspect="1" noChangeArrowheads="1"/>
+              </p:cNvPicPr>
+              <p:nvPr/>
+            </p:nvPicPr>
+            <p:blipFill>
+              <a:blip r:embed="rId12" cstate="print">
+                <a:extLst>
+                  <a:ext uri="{28A0092B-C50C-407E-A947-70E740481C1C}">
+                    <a14:useLocalDpi xmlns:a14="http://schemas.microsoft.com/office/drawing/2010/main" val="0"/>
+                  </a:ext>
+                </a:extLst>
+              </a:blip>
+              <a:srcRect/>
+              <a:stretch>
+                <a:fillRect/>
+              </a:stretch>
+            </p:blipFill>
+            <p:spPr bwMode="auto">
+              <a:xfrm>
+                <a:off x="4764025" y="3293648"/>
+                <a:ext cx="310896" cy="310896"/>
+              </a:xfrm>
+              <a:prstGeom prst="rect">
+                <a:avLst/>
+              </a:prstGeom>
+              <a:noFill/>
+              <a:ln>
+                <a:noFill/>
+              </a:ln>
+              <a:extLst>
+                <a:ext uri="{909E8E84-426E-40DD-AFC4-6F175D3DCCD1}">
+                  <a14:hiddenFill xmlns:a14="http://schemas.microsoft.com/office/drawing/2010/main">
+                    <a:solidFill>
+                      <a:srgbClr val="FFFFFF"/>
+                    </a:solidFill>
+                  </a14:hiddenFill>
+                </a:ext>
+              </a:extLst>
+            </p:spPr>
+          </p:pic>
+        </p:grpSp>
+        <p:sp>
+          <p:nvSpPr>
+            <p:cNvPr id="4" name="ZoneTexte 3">
+              <a:extLst>
+                <a:ext uri="{FF2B5EF4-FFF2-40B4-BE49-F238E27FC236}">
+                  <a16:creationId xmlns:a16="http://schemas.microsoft.com/office/drawing/2014/main" id="{10027242-A603-41A9-B3DA-16D4B118B803}"/>
+                </a:ext>
+              </a:extLst>
+            </p:cNvPr>
+            <p:cNvSpPr txBox="1"/>
+            <p:nvPr userDrawn="1"/>
+          </p:nvSpPr>
+          <p:spPr>
+            <a:xfrm>
+              <a:off x="9405763" y="801561"/>
+              <a:ext cx="1267137" cy="276999"/>
+            </a:xfrm>
+            <a:prstGeom prst="rect">
+              <a:avLst/>
+            </a:prstGeom>
+            <a:noFill/>
+          </p:spPr>
+          <p:txBody>
+            <a:bodyPr wrap="square" rtlCol="0">
+              <a:spAutoFit/>
+            </a:bodyPr>
+            <a:lstStyle/>
+            <a:p>
+              <a:r>
+                <a:rPr lang="fr-FR" sz="1200" dirty="0" err="1"/>
+                <a:t>Sign</a:t>
+              </a:r>
+              <a:r>
+                <a:rPr lang="fr-FR" sz="1200" dirty="0"/>
+                <a:t> in | </a:t>
+              </a:r>
+              <a:r>
+                <a:rPr lang="fr-FR" sz="1200" dirty="0" err="1"/>
+                <a:t>Register</a:t>
+              </a:r>
+              <a:endParaRPr lang="fr-FR" sz="1200" dirty="0"/>
+            </a:p>
+          </p:txBody>
+        </p:sp>
+      </p:grpSp>
+      <p:grpSp>
+        <p:nvGrpSpPr>
+          <p:cNvPr id="7" name="Groupe 6">
+            <a:extLst>
+              <a:ext uri="{FF2B5EF4-FFF2-40B4-BE49-F238E27FC236}">
+                <a16:creationId xmlns:a16="http://schemas.microsoft.com/office/drawing/2014/main" id="{2F7C9145-B866-40D7-9424-48FF2FBAF2B9}"/>
+              </a:ext>
+            </a:extLst>
+          </p:cNvPr>
+          <p:cNvGrpSpPr/>
+          <p:nvPr/>
+        </p:nvGrpSpPr>
+        <p:grpSpPr>
+          <a:xfrm>
+            <a:off x="3734653" y="1441586"/>
+            <a:ext cx="4668683" cy="2816548"/>
+            <a:chOff x="3729759" y="1615044"/>
+            <a:chExt cx="4722692" cy="3187251"/>
+          </a:xfrm>
+        </p:grpSpPr>
+        <p:grpSp>
+          <p:nvGrpSpPr>
+            <p:cNvPr id="8" name="Groupe 7">
+              <a:extLst>
+                <a:ext uri="{FF2B5EF4-FFF2-40B4-BE49-F238E27FC236}">
+                  <a16:creationId xmlns:a16="http://schemas.microsoft.com/office/drawing/2014/main" id="{977D3A8E-59AE-4144-846F-209D962C950D}"/>
                 </a:ext>
               </a:extLst>
             </p:cNvPr>
@@ -4388,25 +6235,25 @@
           </p:nvGrpSpPr>
           <p:grpSpPr>
             <a:xfrm>
-              <a:off x="3729761" y="1615044"/>
-              <a:ext cx="4722690" cy="2710192"/>
-              <a:chOff x="3675253" y="1056904"/>
-              <a:chExt cx="4722690" cy="2710192"/>
+              <a:off x="3729760" y="1615044"/>
+              <a:ext cx="4722691" cy="2576847"/>
+              <a:chOff x="3675252" y="1056904"/>
+              <a:chExt cx="4722691" cy="2576847"/>
             </a:xfrm>
           </p:grpSpPr>
           <p:sp>
             <p:nvSpPr>
-              <p:cNvPr id="3" name="Content">
+              <p:cNvPr id="10" name="Content">
                 <a:extLst>
                   <a:ext uri="{FF2B5EF4-FFF2-40B4-BE49-F238E27FC236}">
-                    <a16:creationId xmlns:a16="http://schemas.microsoft.com/office/drawing/2014/main" id="{14B40FFE-C595-44FD-A63C-A701421978B5}"/>
+                    <a16:creationId xmlns:a16="http://schemas.microsoft.com/office/drawing/2014/main" id="{A4187F21-9E34-4839-90ED-BC9C14D23A35}"/>
                   </a:ext>
                 </a:extLst>
               </p:cNvPr>
               <p:cNvSpPr/>
               <p:nvPr>
                 <p:custDataLst>
-                  <p:custData r:id="rId3"/>
+                  <p:custData r:id="rId6"/>
                 </p:custDataLst>
               </p:nvPr>
             </p:nvSpPr>
@@ -4455,33 +6302,23 @@
               <a:p>
                 <a:pPr algn="ctr"/>
                 <a:r>
-                  <a:rPr lang="en-US" sz="1200" dirty="0">
+                  <a:rPr lang="en-US" b="1" dirty="0">
                     <a:solidFill>
                       <a:srgbClr val="000000"/>
                     </a:solidFill>
                     <a:latin typeface="Segoe UI" pitchFamily="34" charset="0"/>
                     <a:cs typeface="Segoe UI" pitchFamily="34" charset="0"/>
                   </a:rPr>
-                  <a:t>Description du </a:t>
+                  <a:t>Description du son</a:t>
                 </a:r>
                 <a:r>
-                  <a:rPr lang="en-US" sz="1200" dirty="0" err="1">
-                    <a:solidFill>
-                      <a:srgbClr val="000000"/>
-                    </a:solidFill>
-                    <a:latin typeface="Segoe UI" pitchFamily="34" charset="0"/>
-                    <a:cs typeface="Segoe UI" pitchFamily="34" charset="0"/>
-                  </a:rPr>
-                  <a:t>son</a:t>
-                </a:r>
-                <a:r>
-                  <a:rPr lang="en-US" sz="1200" dirty="0" err="1">
+                  <a:rPr lang="en-US" b="1" dirty="0">
                     <a:latin typeface="Segoe UI" pitchFamily="34" charset="0"/>
                     <a:cs typeface="Segoe UI" pitchFamily="34" charset="0"/>
                   </a:rPr>
                   <a:t>dage</a:t>
                 </a:r>
-                <a:endParaRPr lang="en-US" sz="1200" dirty="0">
+                <a:endParaRPr lang="en-US" b="1" dirty="0">
                   <a:solidFill>
                     <a:srgbClr val="000000"/>
                   </a:solidFill>
@@ -4493,17 +6330,17 @@
           </p:sp>
           <p:sp>
             <p:nvSpPr>
-              <p:cNvPr id="6" name="Content">
+              <p:cNvPr id="11" name="Content">
                 <a:extLst>
                   <a:ext uri="{FF2B5EF4-FFF2-40B4-BE49-F238E27FC236}">
-                    <a16:creationId xmlns:a16="http://schemas.microsoft.com/office/drawing/2014/main" id="{7CA26A29-0B12-47F8-9B97-65BB4C6A5545}"/>
+                    <a16:creationId xmlns:a16="http://schemas.microsoft.com/office/drawing/2014/main" id="{2F3C72D7-4FAA-4A45-8D01-E1350B0F6572}"/>
                   </a:ext>
                 </a:extLst>
               </p:cNvPr>
               <p:cNvSpPr/>
               <p:nvPr>
                 <p:custDataLst>
-                  <p:custData r:id="rId4"/>
+                  <p:custData r:id="rId7"/>
                 </p:custDataLst>
               </p:nvPr>
             </p:nvSpPr>
@@ -4555,21 +6392,7 @@
                     <a:latin typeface="Segoe UI" pitchFamily="34" charset="0"/>
                     <a:cs typeface="Segoe UI" pitchFamily="34" charset="0"/>
                   </a:rPr>
-                  <a:t> 1. Choix </a:t>
-                </a:r>
-                <a:r>
-                  <a:rPr lang="en-US" sz="1200" dirty="0" err="1">
-                    <a:latin typeface="Segoe UI" pitchFamily="34" charset="0"/>
-                    <a:cs typeface="Segoe UI" pitchFamily="34" charset="0"/>
-                  </a:rPr>
-                  <a:t>réponse</a:t>
-                </a:r>
-                <a:r>
-                  <a:rPr lang="en-US" sz="1200" dirty="0">
-                    <a:latin typeface="Segoe UI" pitchFamily="34" charset="0"/>
-                    <a:cs typeface="Segoe UI" pitchFamily="34" charset="0"/>
-                  </a:rPr>
-                  <a:t> 1	</a:t>
+                  <a:t> 1. Choix réponse 1	</a:t>
                 </a:r>
                 <a:endParaRPr lang="en-US" sz="1200" dirty="0">
                   <a:solidFill>
@@ -4583,24 +6406,24 @@
           </p:sp>
           <p:sp>
             <p:nvSpPr>
-              <p:cNvPr id="7" name="Content">
+              <p:cNvPr id="12" name="Content">
                 <a:extLst>
                   <a:ext uri="{FF2B5EF4-FFF2-40B4-BE49-F238E27FC236}">
-                    <a16:creationId xmlns:a16="http://schemas.microsoft.com/office/drawing/2014/main" id="{1F48DE1F-6659-4782-8B34-9E74268B755A}"/>
+                    <a16:creationId xmlns:a16="http://schemas.microsoft.com/office/drawing/2014/main" id="{55E82B89-7F65-499D-A68D-1BAC8AAC06E0}"/>
                   </a:ext>
                 </a:extLst>
               </p:cNvPr>
               <p:cNvSpPr/>
               <p:nvPr>
                 <p:custDataLst>
-                  <p:custData r:id="rId5"/>
+                  <p:custData r:id="rId8"/>
                 </p:custDataLst>
               </p:nvPr>
             </p:nvSpPr>
             <p:spPr>
               <a:xfrm>
                 <a:off x="3675253" y="2426236"/>
-                <a:ext cx="4722690" cy="736270"/>
+                <a:ext cx="4722690" cy="602925"/>
               </a:xfrm>
               <a:prstGeom prst="rect">
                 <a:avLst/>
@@ -4648,50 +6471,30 @@
                     <a:latin typeface="Segoe UI" pitchFamily="34" charset="0"/>
                     <a:cs typeface="Segoe UI" pitchFamily="34" charset="0"/>
                   </a:rPr>
-                  <a:t>2. Choix </a:t>
-                </a:r>
-                <a:r>
-                  <a:rPr lang="en-US" sz="1200" dirty="0" err="1">
-                    <a:solidFill>
-                      <a:srgbClr val="000000"/>
-                    </a:solidFill>
-                    <a:latin typeface="Segoe UI" pitchFamily="34" charset="0"/>
-                    <a:cs typeface="Segoe UI" pitchFamily="34" charset="0"/>
-                  </a:rPr>
-                  <a:t>réponse</a:t>
-                </a:r>
-                <a:r>
-                  <a:rPr lang="en-US" sz="1200" dirty="0">
-                    <a:solidFill>
-                      <a:srgbClr val="000000"/>
-                    </a:solidFill>
-                    <a:latin typeface="Segoe UI" pitchFamily="34" charset="0"/>
-                    <a:cs typeface="Segoe UI" pitchFamily="34" charset="0"/>
-                  </a:rPr>
-                  <a:t> 2</a:t>
+                  <a:t>2. Choix réponse 2</a:t>
                 </a:r>
               </a:p>
             </p:txBody>
           </p:sp>
           <p:sp>
             <p:nvSpPr>
-              <p:cNvPr id="8" name="Content">
+              <p:cNvPr id="13" name="Content">
                 <a:extLst>
                   <a:ext uri="{FF2B5EF4-FFF2-40B4-BE49-F238E27FC236}">
-                    <a16:creationId xmlns:a16="http://schemas.microsoft.com/office/drawing/2014/main" id="{2D3CBBC6-F44D-469F-87B4-A06D0968B5D9}"/>
+                    <a16:creationId xmlns:a16="http://schemas.microsoft.com/office/drawing/2014/main" id="{CE4D7EE8-5B61-46BA-BB17-DF8200A6150A}"/>
                   </a:ext>
                 </a:extLst>
               </p:cNvPr>
               <p:cNvSpPr/>
               <p:nvPr>
                 <p:custDataLst>
-                  <p:custData r:id="rId6"/>
+                  <p:custData r:id="rId9"/>
                 </p:custDataLst>
               </p:nvPr>
             </p:nvSpPr>
             <p:spPr>
               <a:xfrm>
-                <a:off x="3675253" y="3162506"/>
+                <a:off x="3675252" y="3029161"/>
                 <a:ext cx="4722690" cy="604590"/>
               </a:xfrm>
               <a:prstGeom prst="rect">
@@ -4740,27 +6543,7 @@
                     <a:latin typeface="Segoe UI" pitchFamily="34" charset="0"/>
                     <a:cs typeface="Segoe UI" pitchFamily="34" charset="0"/>
                   </a:rPr>
-                  <a:t>3. Choix </a:t>
-                </a:r>
-                <a:r>
-                  <a:rPr lang="en-US" sz="1200" dirty="0" err="1">
-                    <a:solidFill>
-                      <a:srgbClr val="000000"/>
-                    </a:solidFill>
-                    <a:latin typeface="Segoe UI" pitchFamily="34" charset="0"/>
-                    <a:cs typeface="Segoe UI" pitchFamily="34" charset="0"/>
-                  </a:rPr>
-                  <a:t>réponse</a:t>
-                </a:r>
-                <a:r>
-                  <a:rPr lang="en-US" sz="1200" dirty="0">
-                    <a:solidFill>
-                      <a:srgbClr val="000000"/>
-                    </a:solidFill>
-                    <a:latin typeface="Segoe UI" pitchFamily="34" charset="0"/>
-                    <a:cs typeface="Segoe UI" pitchFamily="34" charset="0"/>
-                  </a:rPr>
-                  <a:t> 3</a:t>
+                  <a:t>3. Choix réponse 3</a:t>
                 </a:r>
               </a:p>
             </p:txBody>
@@ -4768,30 +6551,34 @@
         </p:grpSp>
         <p:sp>
           <p:nvSpPr>
-            <p:cNvPr id="10" name="Content">
+            <p:cNvPr id="9" name="Content">
+              <a:hlinkClick r:id="rId13" action="ppaction://hlinksldjump"/>
               <a:extLst>
                 <a:ext uri="{FF2B5EF4-FFF2-40B4-BE49-F238E27FC236}">
-                  <a16:creationId xmlns:a16="http://schemas.microsoft.com/office/drawing/2014/main" id="{3E892B46-00FC-4F34-8265-E9A435A79212}"/>
+                  <a16:creationId xmlns:a16="http://schemas.microsoft.com/office/drawing/2014/main" id="{6FC0206D-A8F6-44F8-BD05-B828A348F68B}"/>
                 </a:ext>
               </a:extLst>
             </p:cNvPr>
             <p:cNvSpPr/>
             <p:nvPr>
               <p:custDataLst>
-                <p:custData r:id="rId2"/>
+                <p:custData r:id="rId5"/>
               </p:custDataLst>
             </p:nvPr>
           </p:nvSpPr>
           <p:spPr>
             <a:xfrm>
-              <a:off x="3729761" y="4325236"/>
+              <a:off x="3729759" y="4197705"/>
               <a:ext cx="4722690" cy="604590"/>
             </a:xfrm>
             <a:prstGeom prst="rect">
               <a:avLst/>
             </a:prstGeom>
             <a:solidFill>
-              <a:sysClr val="window" lastClr="FFFFFF"/>
+              <a:schemeClr val="accent2">
+                <a:lumMod val="40000"/>
+                <a:lumOff val="60000"/>
+              </a:schemeClr>
             </a:solidFill>
             <a:ln w="3175">
               <a:solidFill>
@@ -4833,27 +6620,7 @@
                   <a:latin typeface="Segoe UI" pitchFamily="34" charset="0"/>
                   <a:cs typeface="Segoe UI" pitchFamily="34" charset="0"/>
                 </a:rPr>
-                <a:t>n. Choix </a:t>
-              </a:r>
-              <a:r>
-                <a:rPr lang="en-US" sz="1200" dirty="0" err="1">
-                  <a:solidFill>
-                    <a:srgbClr val="000000"/>
-                  </a:solidFill>
-                  <a:latin typeface="Segoe UI" pitchFamily="34" charset="0"/>
-                  <a:cs typeface="Segoe UI" pitchFamily="34" charset="0"/>
-                </a:rPr>
-                <a:t>réponse</a:t>
-              </a:r>
-              <a:r>
-                <a:rPr lang="en-US" sz="1200" dirty="0">
-                  <a:solidFill>
-                    <a:srgbClr val="000000"/>
-                  </a:solidFill>
-                  <a:latin typeface="Segoe UI" pitchFamily="34" charset="0"/>
-                  <a:cs typeface="Segoe UI" pitchFamily="34" charset="0"/>
-                </a:rPr>
-                <a:t> n</a:t>
+                <a:t>n. Choix réponse n</a:t>
               </a:r>
             </a:p>
           </p:txBody>
@@ -4861,10 +6628,10 @@
       </p:grpSp>
       <p:grpSp>
         <p:nvGrpSpPr>
-          <p:cNvPr id="12" name="CheckBoxUnchecked">
+          <p:cNvPr id="21" name="StickyNote">
             <a:extLst>
               <a:ext uri="{FF2B5EF4-FFF2-40B4-BE49-F238E27FC236}">
-                <a16:creationId xmlns:a16="http://schemas.microsoft.com/office/drawing/2014/main" id="{13DA78BA-F285-41B5-AD5A-C5A78DFE994C}"/>
+                <a16:creationId xmlns:a16="http://schemas.microsoft.com/office/drawing/2014/main" id="{2470C0E2-9D5F-4914-85E4-50E451E41F96}"/>
               </a:ext>
             </a:extLst>
           </p:cNvPr>
@@ -4877,7 +6644,2396 @@
         </p:nvGrpSpPr>
         <p:grpSpPr>
           <a:xfrm>
-            <a:off x="2896455" y="5294818"/>
+            <a:off x="8824625" y="4051735"/>
+            <a:ext cx="1946294" cy="1243084"/>
+            <a:chOff x="3886200" y="2629127"/>
+            <a:chExt cx="1371600" cy="1485673"/>
+          </a:xfrm>
+        </p:grpSpPr>
+        <p:sp>
+          <p:nvSpPr>
+            <p:cNvPr id="22" name="Content">
+              <a:extLst>
+                <a:ext uri="{FF2B5EF4-FFF2-40B4-BE49-F238E27FC236}">
+                  <a16:creationId xmlns:a16="http://schemas.microsoft.com/office/drawing/2014/main" id="{71878AA6-7BFF-4E1B-9182-1586E5A8FE64}"/>
+                </a:ext>
+              </a:extLst>
+            </p:cNvPr>
+            <p:cNvSpPr/>
+            <p:nvPr/>
+          </p:nvSpPr>
+          <p:spPr>
+            <a:xfrm>
+              <a:off x="3886200" y="2743200"/>
+              <a:ext cx="1371600" cy="1371600"/>
+            </a:xfrm>
+            <a:prstGeom prst="rect">
+              <a:avLst/>
+            </a:prstGeom>
+            <a:gradFill>
+              <a:gsLst>
+                <a:gs pos="100000">
+                  <a:srgbClr val="FFFF89"/>
+                </a:gs>
+                <a:gs pos="0">
+                  <a:srgbClr val="FFFF99"/>
+                </a:gs>
+              </a:gsLst>
+              <a:lin ang="5400000" scaled="0"/>
+            </a:gradFill>
+            <a:ln w="3175">
+              <a:solidFill>
+                <a:srgbClr val="FFFFFF">
+                  <a:lumMod val="50000"/>
+                </a:srgbClr>
+              </a:solidFill>
+            </a:ln>
+            <a:effectLst/>
+          </p:spPr>
+          <p:style>
+            <a:lnRef idx="2">
+              <a:srgbClr val="4F81BD">
+                <a:shade val="50000"/>
+              </a:srgbClr>
+            </a:lnRef>
+            <a:fillRef idx="1">
+              <a:srgbClr val="4F81BD"/>
+            </a:fillRef>
+            <a:effectRef idx="0">
+              <a:srgbClr val="4F81BD"/>
+            </a:effectRef>
+            <a:fontRef idx="minor">
+              <a:srgbClr val="000000"/>
+            </a:fontRef>
+          </p:style>
+          <p:txBody>
+            <a:bodyPr lIns="91440" tIns="137160" rIns="91440" bIns="45720" rtlCol="0" anchor="t" anchorCtr="0">
+              <a:normAutofit/>
+            </a:bodyPr>
+            <a:lstStyle/>
+            <a:p>
+              <a:r>
+                <a:rPr lang="en-US" sz="1200" dirty="0">
+                  <a:solidFill>
+                    <a:sysClr val="windowText" lastClr="000000"/>
+                  </a:solidFill>
+                  <a:latin typeface="Segoe UI" pitchFamily="34" charset="0"/>
+                  <a:cs typeface="Segoe UI" pitchFamily="34" charset="0"/>
+                </a:rPr>
+                <a:t>Clique sur la réponse n =&gt; Rajoute un choix supplémentaire autant de fois que l’utilisteur le souhaite.</a:t>
+              </a:r>
+            </a:p>
+          </p:txBody>
+        </p:sp>
+        <p:sp>
+          <p:nvSpPr>
+            <p:cNvPr id="23" name="Tape">
+              <a:extLst>
+                <a:ext uri="{FF2B5EF4-FFF2-40B4-BE49-F238E27FC236}">
+                  <a16:creationId xmlns:a16="http://schemas.microsoft.com/office/drawing/2014/main" id="{4235CD70-6F9F-4273-8667-2D9A6EB2EB4E}"/>
+                </a:ext>
+              </a:extLst>
+            </p:cNvPr>
+            <p:cNvSpPr/>
+            <p:nvPr>
+              <p:custDataLst>
+                <p:custData r:id="rId4"/>
+              </p:custDataLst>
+            </p:nvPr>
+          </p:nvSpPr>
+          <p:spPr>
+            <a:xfrm rot="401918">
+              <a:off x="4290086" y="2629127"/>
+              <a:ext cx="563828" cy="215444"/>
+            </a:xfrm>
+            <a:prstGeom prst="rect">
+              <a:avLst/>
+            </a:prstGeom>
+            <a:solidFill>
+              <a:srgbClr val="C00000"/>
+            </a:solidFill>
+            <a:ln w="3175" cap="flat" cmpd="sng" algn="ctr">
+              <a:solidFill>
+                <a:srgbClr val="FFFFFF">
+                  <a:lumMod val="50000"/>
+                </a:srgbClr>
+              </a:solidFill>
+              <a:prstDash val="solid"/>
+            </a:ln>
+            <a:effectLst/>
+          </p:spPr>
+          <p:txBody>
+            <a:bodyPr rot="0" spcFirstLastPara="0" vertOverflow="overflow" horzOverflow="overflow" vert="horz" wrap="square" lIns="45720" tIns="45720" rIns="91440" bIns="45720" numCol="1" spcCol="0" rtlCol="0" fromWordArt="0" anchor="ctr" anchorCtr="0" forceAA="0" compatLnSpc="1">
+              <a:prstTxWarp prst="textNoShape">
+                <a:avLst/>
+              </a:prstTxWarp>
+              <a:noAutofit/>
+            </a:bodyPr>
+            <a:lstStyle/>
+            <a:p>
+              <a:pPr marL="0" marR="0" indent="0" algn="ctr" defTabSz="914400" eaLnBrk="1" fontAlgn="auto" latinLnBrk="0" hangingPunct="1">
+                <a:lnSpc>
+                  <a:spcPct val="100000"/>
+                </a:lnSpc>
+                <a:spcBef>
+                  <a:spcPts val="0"/>
+                </a:spcBef>
+                <a:spcAft>
+                  <a:spcPts val="0"/>
+                </a:spcAft>
+                <a:buClrTx/>
+                <a:buSzTx/>
+                <a:buFontTx/>
+                <a:buNone/>
+                <a:tabLst/>
+              </a:pPr>
+              <a:endParaRPr kumimoji="0" lang="en-US" sz="800" b="0" i="0" u="none" strike="noStrike" kern="0" cap="none" spc="0" normalizeH="0" baseline="0" noProof="0" dirty="0">
+                <a:ln>
+                  <a:noFill/>
+                </a:ln>
+                <a:solidFill>
+                  <a:srgbClr val="000000">
+                    <a:lumMod val="75000"/>
+                    <a:lumOff val="25000"/>
+                  </a:srgbClr>
+                </a:solidFill>
+                <a:effectLst/>
+                <a:uLnTx/>
+                <a:uFillTx/>
+                <a:latin typeface="Segoe UI"/>
+                <a:ea typeface="+mn-ea"/>
+                <a:cs typeface="+mn-cs"/>
+              </a:endParaRPr>
+            </a:p>
+          </p:txBody>
+        </p:sp>
+      </p:grpSp>
+      <p:sp>
+        <p:nvSpPr>
+          <p:cNvPr id="27" name="Content">
+            <a:extLst>
+              <a:ext uri="{FF2B5EF4-FFF2-40B4-BE49-F238E27FC236}">
+                <a16:creationId xmlns:a16="http://schemas.microsoft.com/office/drawing/2014/main" id="{CAE245B8-DB6B-4505-A407-52163DED9D5B}"/>
+              </a:ext>
+            </a:extLst>
+          </p:cNvPr>
+          <p:cNvSpPr/>
+          <p:nvPr>
+            <p:custDataLst>
+              <p:custData r:id="rId2"/>
+            </p:custDataLst>
+          </p:nvPr>
+        </p:nvSpPr>
+        <p:spPr>
+          <a:xfrm>
+            <a:off x="4670682" y="5749242"/>
+            <a:ext cx="2850636" cy="427510"/>
+          </a:xfrm>
+          <a:prstGeom prst="roundRect">
+            <a:avLst/>
+          </a:prstGeom>
+          <a:solidFill>
+            <a:srgbClr val="FF0000"/>
+          </a:solidFill>
+          <a:ln w="3175">
+            <a:solidFill>
+              <a:srgbClr val="000000">
+                <a:lumMod val="50000"/>
+                <a:lumOff val="50000"/>
+              </a:srgbClr>
+            </a:solidFill>
+          </a:ln>
+          <a:effectLst/>
+        </p:spPr>
+        <p:style>
+          <a:lnRef idx="2">
+            <a:srgbClr val="4F81BD">
+              <a:shade val="50000"/>
+            </a:srgbClr>
+          </a:lnRef>
+          <a:fillRef idx="1">
+            <a:srgbClr val="4F81BD"/>
+          </a:fillRef>
+          <a:effectRef idx="0">
+            <a:srgbClr val="4F81BD"/>
+          </a:effectRef>
+          <a:fontRef idx="minor">
+            <a:srgbClr val="000000"/>
+          </a:fontRef>
+        </p:style>
+        <p:txBody>
+          <a:bodyPr wrap="square" lIns="91440" tIns="0" rIns="91440" bIns="9144" rtlCol="0" anchor="ctr">
+            <a:noAutofit/>
+          </a:bodyPr>
+          <a:lstStyle/>
+          <a:p>
+            <a:pPr algn="ctr"/>
+            <a:r>
+              <a:rPr lang="en-US" sz="1200" b="1" dirty="0">
+                <a:latin typeface="Segoe UI" pitchFamily="34" charset="0"/>
+                <a:cs typeface="Segoe UI" pitchFamily="34" charset="0"/>
+              </a:rPr>
+              <a:t>VALIDER LE SONDAGE</a:t>
+            </a:r>
+            <a:endParaRPr lang="en-US" sz="1200" b="1" dirty="0">
+              <a:solidFill>
+                <a:srgbClr val="000000"/>
+              </a:solidFill>
+              <a:latin typeface="Segoe UI" pitchFamily="34" charset="0"/>
+              <a:cs typeface="Segoe UI" pitchFamily="34" charset="0"/>
+            </a:endParaRPr>
+          </a:p>
+        </p:txBody>
+      </p:sp>
+      <p:grpSp>
+        <p:nvGrpSpPr>
+          <p:cNvPr id="36" name="CheckBoxUnchecked">
+            <a:extLst>
+              <a:ext uri="{FF2B5EF4-FFF2-40B4-BE49-F238E27FC236}">
+                <a16:creationId xmlns:a16="http://schemas.microsoft.com/office/drawing/2014/main" id="{3F904656-AE23-44F7-B9F0-2FE7FE9A599C}"/>
+              </a:ext>
+            </a:extLst>
+          </p:cNvPr>
+          <p:cNvGrpSpPr/>
+          <p:nvPr>
+            <p:custDataLst>
+              <p:custData r:id="rId3"/>
+            </p:custDataLst>
+          </p:nvPr>
+        </p:nvGrpSpPr>
+        <p:grpSpPr>
+          <a:xfrm>
+            <a:off x="3734653" y="5185582"/>
+            <a:ext cx="1292795" cy="230832"/>
+            <a:chOff x="5179843" y="2087449"/>
+            <a:chExt cx="1211608" cy="216403"/>
+          </a:xfrm>
+        </p:grpSpPr>
+        <p:sp>
+          <p:nvSpPr>
+            <p:cNvPr id="37" name="Content">
+              <a:extLst>
+                <a:ext uri="{FF2B5EF4-FFF2-40B4-BE49-F238E27FC236}">
+                  <a16:creationId xmlns:a16="http://schemas.microsoft.com/office/drawing/2014/main" id="{B5FFEC7E-0A6C-4A4B-8AE2-2B196F12E091}"/>
+                </a:ext>
+              </a:extLst>
+            </p:cNvPr>
+            <p:cNvSpPr txBox="1">
+              <a:spLocks/>
+            </p:cNvSpPr>
+            <p:nvPr/>
+          </p:nvSpPr>
+          <p:spPr>
+            <a:xfrm>
+              <a:off x="5179848" y="2087449"/>
+              <a:ext cx="1211603" cy="216403"/>
+            </a:xfrm>
+            <a:prstGeom prst="rect">
+              <a:avLst/>
+            </a:prstGeom>
+            <a:noFill/>
+          </p:spPr>
+          <p:txBody>
+            <a:bodyPr wrap="none" lIns="164592" tIns="18288" rIns="45720" bIns="27432" rtlCol="0" anchor="ctr" anchorCtr="0">
+              <a:spAutoFit/>
+            </a:bodyPr>
+            <a:lstStyle/>
+            <a:p>
+              <a:r>
+                <a:rPr lang="en-US" sz="1200" dirty="0">
+                  <a:latin typeface="Segoe UI" pitchFamily="34" charset="0"/>
+                  <a:ea typeface="Segoe UI" pitchFamily="34" charset="0"/>
+                  <a:cs typeface="Segoe UI" pitchFamily="34" charset="0"/>
+                </a:rPr>
+                <a:t>Choix multiples </a:t>
+              </a:r>
+            </a:p>
+          </p:txBody>
+        </p:sp>
+        <p:sp>
+          <p:nvSpPr>
+            <p:cNvPr id="38" name="CheckBox">
+              <a:extLst>
+                <a:ext uri="{FF2B5EF4-FFF2-40B4-BE49-F238E27FC236}">
+                  <a16:creationId xmlns:a16="http://schemas.microsoft.com/office/drawing/2014/main" id="{3BE24CCA-0243-4B58-80C9-063FB9AB4EEB}"/>
+                </a:ext>
+              </a:extLst>
+            </p:cNvPr>
+            <p:cNvSpPr>
+              <a:spLocks/>
+            </p:cNvSpPr>
+            <p:nvPr/>
+          </p:nvSpPr>
+          <p:spPr>
+            <a:xfrm>
+              <a:off x="5179843" y="2146835"/>
+              <a:ext cx="100012" cy="97631"/>
+            </a:xfrm>
+            <a:prstGeom prst="rect">
+              <a:avLst/>
+            </a:prstGeom>
+            <a:solidFill>
+              <a:srgbClr val="FFFFFF"/>
+            </a:solidFill>
+            <a:ln w="3175">
+              <a:solidFill>
+                <a:srgbClr val="FFFFFF">
+                  <a:lumMod val="65000"/>
+                </a:srgbClr>
+              </a:solidFill>
+            </a:ln>
+            <a:effectLst>
+              <a:innerShdw blurRad="63500">
+                <a:prstClr val="black">
+                  <a:alpha val="17000"/>
+                </a:prstClr>
+              </a:innerShdw>
+            </a:effectLst>
+          </p:spPr>
+          <p:style>
+            <a:lnRef idx="2">
+              <a:srgbClr val="4F81BD">
+                <a:shade val="50000"/>
+              </a:srgbClr>
+            </a:lnRef>
+            <a:fillRef idx="1">
+              <a:srgbClr val="4F81BD"/>
+            </a:fillRef>
+            <a:effectRef idx="0">
+              <a:srgbClr val="4F81BD"/>
+            </a:effectRef>
+            <a:fontRef idx="minor">
+              <a:srgbClr val="000000"/>
+            </a:fontRef>
+          </p:style>
+          <p:txBody>
+            <a:bodyPr rtlCol="0" anchor="ctr"/>
+            <a:lstStyle/>
+            <a:p>
+              <a:pPr algn="ctr"/>
+              <a:endParaRPr lang="en-US" dirty="0"/>
+            </a:p>
+          </p:txBody>
+        </p:sp>
+      </p:grpSp>
+    </p:spTree>
+    <p:extLst>
+      <p:ext uri="{BB962C8B-B14F-4D97-AF65-F5344CB8AC3E}">
+        <p14:creationId xmlns:p14="http://schemas.microsoft.com/office/powerpoint/2010/main" val="1608606141"/>
+      </p:ext>
+    </p:extLst>
+  </p:cSld>
+  <p:clrMapOvr>
+    <a:masterClrMapping/>
+  </p:clrMapOvr>
+  <mc:AlternateContent xmlns:mc="http://schemas.openxmlformats.org/markup-compatibility/2006">
+    <mc:Choice xmlns:p14="http://schemas.microsoft.com/office/powerpoint/2010/main" Requires="p14">
+      <p:transition spd="slow" p14:dur="2000" advClick="0"/>
+    </mc:Choice>
+    <mc:Fallback>
+      <p:transition spd="slow" advClick="0"/>
+    </mc:Fallback>
+  </mc:AlternateContent>
+</p:sld>
+</file>
+
+<file path=ppt/slides/slide3.xml><?xml version="1.0" encoding="utf-8"?>
+<p:sld xmlns:a="http://schemas.openxmlformats.org/drawingml/2006/main" xmlns:r="http://schemas.openxmlformats.org/officeDocument/2006/relationships" xmlns:p="http://schemas.openxmlformats.org/presentationml/2006/main">
+  <p:cSld>
+    <p:spTree>
+      <p:nvGrpSpPr>
+        <p:cNvPr id="1" name=""/>
+        <p:cNvGrpSpPr/>
+        <p:nvPr/>
+      </p:nvGrpSpPr>
+      <p:grpSpPr>
+        <a:xfrm>
+          <a:off x="0" y="0"/>
+          <a:ext cx="0" cy="0"/>
+          <a:chOff x="0" y="0"/>
+          <a:chExt cx="0" cy="0"/>
+        </a:xfrm>
+      </p:grpSpPr>
+      <p:grpSp>
+        <p:nvGrpSpPr>
+          <p:cNvPr id="2" name="Groupe 1">
+            <a:extLst>
+              <a:ext uri="{FF2B5EF4-FFF2-40B4-BE49-F238E27FC236}">
+                <a16:creationId xmlns:a16="http://schemas.microsoft.com/office/drawing/2014/main" id="{46769D51-6BD9-441B-AABC-4CC9162B297A}"/>
+              </a:ext>
+            </a:extLst>
+          </p:cNvPr>
+          <p:cNvGrpSpPr/>
+          <p:nvPr/>
+        </p:nvGrpSpPr>
+        <p:grpSpPr>
+          <a:xfrm>
+            <a:off x="8067442" y="869551"/>
+            <a:ext cx="3801515" cy="320628"/>
+            <a:chOff x="6871385" y="786327"/>
+            <a:chExt cx="3801515" cy="320628"/>
+          </a:xfrm>
+        </p:grpSpPr>
+        <p:grpSp>
+          <p:nvGrpSpPr>
+            <p:cNvPr id="3" name="SearchBox">
+              <a:extLst>
+                <a:ext uri="{FF2B5EF4-FFF2-40B4-BE49-F238E27FC236}">
+                  <a16:creationId xmlns:a16="http://schemas.microsoft.com/office/drawing/2014/main" id="{AFF0A49D-C1E8-4660-9A28-5728A7ECEDC6}"/>
+                </a:ext>
+              </a:extLst>
+            </p:cNvPr>
+            <p:cNvGrpSpPr/>
+            <p:nvPr userDrawn="1">
+              <p:custDataLst>
+                <p:custData r:id="rId10"/>
+              </p:custDataLst>
+            </p:nvPr>
+          </p:nvGrpSpPr>
+          <p:grpSpPr>
+            <a:xfrm>
+              <a:off x="6871385" y="786327"/>
+              <a:ext cx="2434178" cy="320628"/>
+              <a:chOff x="4111925" y="3293648"/>
+              <a:chExt cx="962996" cy="310896"/>
+            </a:xfrm>
+          </p:grpSpPr>
+          <p:sp>
+            <p:nvSpPr>
+              <p:cNvPr id="5" name="Content">
+                <a:extLst>
+                  <a:ext uri="{FF2B5EF4-FFF2-40B4-BE49-F238E27FC236}">
+                    <a16:creationId xmlns:a16="http://schemas.microsoft.com/office/drawing/2014/main" id="{21EDC8AF-F9D6-4A3D-8F25-421ACEF98A72}"/>
+                  </a:ext>
+                </a:extLst>
+              </p:cNvPr>
+              <p:cNvSpPr/>
+              <p:nvPr/>
+            </p:nvSpPr>
+            <p:spPr>
+              <a:xfrm>
+                <a:off x="4111925" y="3328416"/>
+                <a:ext cx="920151" cy="228600"/>
+              </a:xfrm>
+              <a:prstGeom prst="rect">
+                <a:avLst/>
+              </a:prstGeom>
+              <a:solidFill>
+                <a:srgbClr val="FFFFFF"/>
+              </a:solidFill>
+              <a:ln w="3175">
+                <a:solidFill>
+                  <a:srgbClr val="000000">
+                    <a:lumMod val="50000"/>
+                    <a:lumOff val="50000"/>
+                  </a:srgbClr>
+                </a:solidFill>
+              </a:ln>
+            </p:spPr>
+            <p:style>
+              <a:lnRef idx="2">
+                <a:srgbClr val="4F81BD">
+                  <a:shade val="50000"/>
+                </a:srgbClr>
+              </a:lnRef>
+              <a:fillRef idx="1">
+                <a:srgbClr val="4F81BD"/>
+              </a:fillRef>
+              <a:effectRef idx="0">
+                <a:srgbClr val="4F81BD"/>
+              </a:effectRef>
+              <a:fontRef idx="minor">
+                <a:srgbClr val="000000"/>
+              </a:fontRef>
+            </p:style>
+            <p:txBody>
+              <a:bodyPr lIns="97531" tIns="48766" rIns="97531" bIns="48766" rtlCol="0" anchor="ctr"/>
+              <a:lstStyle/>
+              <a:p>
+                <a:r>
+                  <a:rPr lang="en-US" sz="1200" i="1" dirty="0">
+                    <a:solidFill>
+                      <a:srgbClr val="FFFFFF">
+                        <a:lumMod val="50000"/>
+                      </a:srgbClr>
+                    </a:solidFill>
+                    <a:latin typeface="Segoe UI" pitchFamily="34" charset="0"/>
+                    <a:ea typeface="Segoe UI" pitchFamily="34" charset="0"/>
+                    <a:cs typeface="Segoe UI" pitchFamily="34" charset="0"/>
+                  </a:rPr>
+                  <a:t>search</a:t>
+                </a:r>
+                <a:endParaRPr lang="en-US" sz="1050" i="1" dirty="0">
+                  <a:solidFill>
+                    <a:srgbClr val="FFFFFF">
+                      <a:lumMod val="50000"/>
+                    </a:srgbClr>
+                  </a:solidFill>
+                  <a:latin typeface="Segoe UI" pitchFamily="34" charset="0"/>
+                  <a:ea typeface="Segoe UI" pitchFamily="34" charset="0"/>
+                  <a:cs typeface="Segoe UI" pitchFamily="34" charset="0"/>
+                </a:endParaRPr>
+              </a:p>
+            </p:txBody>
+          </p:sp>
+          <p:pic>
+            <p:nvPicPr>
+              <p:cNvPr id="6" name="Icon" descr="C:\Users\t-dantay\Documents\WPIcons\appbar.feature.search.rest.png">
+                <a:extLst>
+                  <a:ext uri="{FF2B5EF4-FFF2-40B4-BE49-F238E27FC236}">
+                    <a16:creationId xmlns:a16="http://schemas.microsoft.com/office/drawing/2014/main" id="{C3A0F035-870E-4508-8561-356E36D50F41}"/>
+                  </a:ext>
+                </a:extLst>
+              </p:cNvPr>
+              <p:cNvPicPr>
+                <a:picLocks noChangeAspect="1" noChangeArrowheads="1"/>
+              </p:cNvPicPr>
+              <p:nvPr/>
+            </p:nvPicPr>
+            <p:blipFill>
+              <a:blip r:embed="rId12" cstate="print">
+                <a:extLst>
+                  <a:ext uri="{28A0092B-C50C-407E-A947-70E740481C1C}">
+                    <a14:useLocalDpi xmlns:a14="http://schemas.microsoft.com/office/drawing/2010/main" val="0"/>
+                  </a:ext>
+                </a:extLst>
+              </a:blip>
+              <a:srcRect/>
+              <a:stretch>
+                <a:fillRect/>
+              </a:stretch>
+            </p:blipFill>
+            <p:spPr bwMode="auto">
+              <a:xfrm>
+                <a:off x="4764025" y="3293648"/>
+                <a:ext cx="310896" cy="310896"/>
+              </a:xfrm>
+              <a:prstGeom prst="rect">
+                <a:avLst/>
+              </a:prstGeom>
+              <a:noFill/>
+              <a:ln>
+                <a:noFill/>
+              </a:ln>
+              <a:extLst>
+                <a:ext uri="{909E8E84-426E-40DD-AFC4-6F175D3DCCD1}">
+                  <a14:hiddenFill xmlns:a14="http://schemas.microsoft.com/office/drawing/2010/main">
+                    <a:solidFill>
+                      <a:srgbClr val="FFFFFF"/>
+                    </a:solidFill>
+                  </a14:hiddenFill>
+                </a:ext>
+              </a:extLst>
+            </p:spPr>
+          </p:pic>
+        </p:grpSp>
+        <p:sp>
+          <p:nvSpPr>
+            <p:cNvPr id="4" name="ZoneTexte 3">
+              <a:extLst>
+                <a:ext uri="{FF2B5EF4-FFF2-40B4-BE49-F238E27FC236}">
+                  <a16:creationId xmlns:a16="http://schemas.microsoft.com/office/drawing/2014/main" id="{10027242-A603-41A9-B3DA-16D4B118B803}"/>
+                </a:ext>
+              </a:extLst>
+            </p:cNvPr>
+            <p:cNvSpPr txBox="1"/>
+            <p:nvPr userDrawn="1"/>
+          </p:nvSpPr>
+          <p:spPr>
+            <a:xfrm>
+              <a:off x="9405763" y="801561"/>
+              <a:ext cx="1267137" cy="276999"/>
+            </a:xfrm>
+            <a:prstGeom prst="rect">
+              <a:avLst/>
+            </a:prstGeom>
+            <a:noFill/>
+          </p:spPr>
+          <p:txBody>
+            <a:bodyPr wrap="square" rtlCol="0">
+              <a:spAutoFit/>
+            </a:bodyPr>
+            <a:lstStyle/>
+            <a:p>
+              <a:r>
+                <a:rPr lang="fr-FR" sz="1200" dirty="0" err="1"/>
+                <a:t>Sign</a:t>
+              </a:r>
+              <a:r>
+                <a:rPr lang="fr-FR" sz="1200" dirty="0"/>
+                <a:t> in | </a:t>
+              </a:r>
+              <a:r>
+                <a:rPr lang="fr-FR" sz="1200" dirty="0" err="1"/>
+                <a:t>Register</a:t>
+              </a:r>
+              <a:endParaRPr lang="fr-FR" sz="1200" dirty="0"/>
+            </a:p>
+          </p:txBody>
+        </p:sp>
+      </p:grpSp>
+      <p:grpSp>
+        <p:nvGrpSpPr>
+          <p:cNvPr id="7" name="Groupe 6">
+            <a:extLst>
+              <a:ext uri="{FF2B5EF4-FFF2-40B4-BE49-F238E27FC236}">
+                <a16:creationId xmlns:a16="http://schemas.microsoft.com/office/drawing/2014/main" id="{2F7C9145-B866-40D7-9424-48FF2FBAF2B9}"/>
+              </a:ext>
+            </a:extLst>
+          </p:cNvPr>
+          <p:cNvGrpSpPr/>
+          <p:nvPr/>
+        </p:nvGrpSpPr>
+        <p:grpSpPr>
+          <a:xfrm>
+            <a:off x="3734653" y="1441586"/>
+            <a:ext cx="4668683" cy="2816548"/>
+            <a:chOff x="3729759" y="1615044"/>
+            <a:chExt cx="4722692" cy="3187251"/>
+          </a:xfrm>
+        </p:grpSpPr>
+        <p:grpSp>
+          <p:nvGrpSpPr>
+            <p:cNvPr id="8" name="Groupe 7">
+              <a:extLst>
+                <a:ext uri="{FF2B5EF4-FFF2-40B4-BE49-F238E27FC236}">
+                  <a16:creationId xmlns:a16="http://schemas.microsoft.com/office/drawing/2014/main" id="{977D3A8E-59AE-4144-846F-209D962C950D}"/>
+                </a:ext>
+              </a:extLst>
+            </p:cNvPr>
+            <p:cNvGrpSpPr/>
+            <p:nvPr/>
+          </p:nvGrpSpPr>
+          <p:grpSpPr>
+            <a:xfrm>
+              <a:off x="3729760" y="1615044"/>
+              <a:ext cx="4722691" cy="2576847"/>
+              <a:chOff x="3675252" y="1056904"/>
+              <a:chExt cx="4722691" cy="2576847"/>
+            </a:xfrm>
+          </p:grpSpPr>
+          <p:sp>
+            <p:nvSpPr>
+              <p:cNvPr id="10" name="Content">
+                <a:extLst>
+                  <a:ext uri="{FF2B5EF4-FFF2-40B4-BE49-F238E27FC236}">
+                    <a16:creationId xmlns:a16="http://schemas.microsoft.com/office/drawing/2014/main" id="{A4187F21-9E34-4839-90ED-BC9C14D23A35}"/>
+                  </a:ext>
+                </a:extLst>
+              </p:cNvPr>
+              <p:cNvSpPr/>
+              <p:nvPr>
+                <p:custDataLst>
+                  <p:custData r:id="rId6"/>
+                </p:custDataLst>
+              </p:nvPr>
+            </p:nvSpPr>
+            <p:spPr>
+              <a:xfrm>
+                <a:off x="3675253" y="1056904"/>
+                <a:ext cx="4722690" cy="736270"/>
+              </a:xfrm>
+              <a:prstGeom prst="rect">
+                <a:avLst/>
+              </a:prstGeom>
+              <a:solidFill>
+                <a:sysClr val="window" lastClr="FFFFFF"/>
+              </a:solidFill>
+              <a:ln w="3175">
+                <a:solidFill>
+                  <a:srgbClr val="000000">
+                    <a:lumMod val="50000"/>
+                    <a:lumOff val="50000"/>
+                  </a:srgbClr>
+                </a:solidFill>
+              </a:ln>
+              <a:effectLst/>
+            </p:spPr>
+            <p:style>
+              <a:lnRef idx="2">
+                <a:srgbClr val="4F81BD">
+                  <a:shade val="50000"/>
+                </a:srgbClr>
+              </a:lnRef>
+              <a:fillRef idx="1">
+                <a:srgbClr val="4F81BD"/>
+              </a:fillRef>
+              <a:effectRef idx="0">
+                <a:srgbClr val="4F81BD"/>
+              </a:effectRef>
+              <a:fontRef idx="minor">
+                <a:srgbClr val="000000"/>
+              </a:fontRef>
+            </p:style>
+            <p:txBody>
+              <a:bodyPr wrap="none" lIns="45720" tIns="18288" rIns="45720" bIns="18288" rtlCol="0" anchor="ctr">
+                <a:noAutofit/>
+              </a:bodyPr>
+              <a:lstStyle/>
+              <a:p>
+                <a:pPr algn="ctr"/>
+                <a:r>
+                  <a:rPr lang="en-US" b="1" dirty="0">
+                    <a:solidFill>
+                      <a:srgbClr val="000000"/>
+                    </a:solidFill>
+                    <a:latin typeface="Segoe UI" pitchFamily="34" charset="0"/>
+                    <a:cs typeface="Segoe UI" pitchFamily="34" charset="0"/>
+                  </a:rPr>
+                  <a:t>Description du son</a:t>
+                </a:r>
+                <a:r>
+                  <a:rPr lang="en-US" b="1" dirty="0">
+                    <a:latin typeface="Segoe UI" pitchFamily="34" charset="0"/>
+                    <a:cs typeface="Segoe UI" pitchFamily="34" charset="0"/>
+                  </a:rPr>
+                  <a:t>dage</a:t>
+                </a:r>
+                <a:endParaRPr lang="en-US" b="1" dirty="0">
+                  <a:solidFill>
+                    <a:srgbClr val="000000"/>
+                  </a:solidFill>
+                  <a:latin typeface="Segoe UI" pitchFamily="34" charset="0"/>
+                  <a:cs typeface="Segoe UI" pitchFamily="34" charset="0"/>
+                </a:endParaRPr>
+              </a:p>
+            </p:txBody>
+          </p:sp>
+          <p:sp>
+            <p:nvSpPr>
+              <p:cNvPr id="11" name="Content">
+                <a:extLst>
+                  <a:ext uri="{FF2B5EF4-FFF2-40B4-BE49-F238E27FC236}">
+                    <a16:creationId xmlns:a16="http://schemas.microsoft.com/office/drawing/2014/main" id="{2F3C72D7-4FAA-4A45-8D01-E1350B0F6572}"/>
+                  </a:ext>
+                </a:extLst>
+              </p:cNvPr>
+              <p:cNvSpPr/>
+              <p:nvPr>
+                <p:custDataLst>
+                  <p:custData r:id="rId7"/>
+                </p:custDataLst>
+              </p:nvPr>
+            </p:nvSpPr>
+            <p:spPr>
+              <a:xfrm>
+                <a:off x="3675253" y="1793174"/>
+                <a:ext cx="4722690" cy="633062"/>
+              </a:xfrm>
+              <a:prstGeom prst="rect">
+                <a:avLst/>
+              </a:prstGeom>
+              <a:solidFill>
+                <a:sysClr val="window" lastClr="FFFFFF"/>
+              </a:solidFill>
+              <a:ln w="3175">
+                <a:solidFill>
+                  <a:srgbClr val="000000">
+                    <a:lumMod val="50000"/>
+                    <a:lumOff val="50000"/>
+                  </a:srgbClr>
+                </a:solidFill>
+              </a:ln>
+              <a:effectLst/>
+            </p:spPr>
+            <p:style>
+              <a:lnRef idx="2">
+                <a:srgbClr val="4F81BD">
+                  <a:shade val="50000"/>
+                </a:srgbClr>
+              </a:lnRef>
+              <a:fillRef idx="1">
+                <a:srgbClr val="4F81BD"/>
+              </a:fillRef>
+              <a:effectRef idx="0">
+                <a:srgbClr val="4F81BD"/>
+              </a:effectRef>
+              <a:fontRef idx="minor">
+                <a:srgbClr val="000000"/>
+              </a:fontRef>
+            </p:style>
+            <p:txBody>
+              <a:bodyPr wrap="none" lIns="45720" tIns="18288" rIns="45720" bIns="18288" rtlCol="0" anchor="ctr">
+                <a:noAutofit/>
+              </a:bodyPr>
+              <a:lstStyle/>
+              <a:p>
+                <a:r>
+                  <a:rPr lang="en-US" sz="1200" dirty="0">
+                    <a:latin typeface="Segoe UI" pitchFamily="34" charset="0"/>
+                    <a:cs typeface="Segoe UI" pitchFamily="34" charset="0"/>
+                  </a:rPr>
+                  <a:t> 1. Choix réponse 1	</a:t>
+                </a:r>
+                <a:endParaRPr lang="en-US" sz="1200" dirty="0">
+                  <a:solidFill>
+                    <a:srgbClr val="000000"/>
+                  </a:solidFill>
+                  <a:latin typeface="Segoe UI" pitchFamily="34" charset="0"/>
+                  <a:cs typeface="Segoe UI" pitchFamily="34" charset="0"/>
+                </a:endParaRPr>
+              </a:p>
+            </p:txBody>
+          </p:sp>
+          <p:sp>
+            <p:nvSpPr>
+              <p:cNvPr id="12" name="Content">
+                <a:extLst>
+                  <a:ext uri="{FF2B5EF4-FFF2-40B4-BE49-F238E27FC236}">
+                    <a16:creationId xmlns:a16="http://schemas.microsoft.com/office/drawing/2014/main" id="{55E82B89-7F65-499D-A68D-1BAC8AAC06E0}"/>
+                  </a:ext>
+                </a:extLst>
+              </p:cNvPr>
+              <p:cNvSpPr/>
+              <p:nvPr>
+                <p:custDataLst>
+                  <p:custData r:id="rId8"/>
+                </p:custDataLst>
+              </p:nvPr>
+            </p:nvSpPr>
+            <p:spPr>
+              <a:xfrm>
+                <a:off x="3675253" y="2426236"/>
+                <a:ext cx="4722690" cy="602925"/>
+              </a:xfrm>
+              <a:prstGeom prst="rect">
+                <a:avLst/>
+              </a:prstGeom>
+              <a:solidFill>
+                <a:sysClr val="window" lastClr="FFFFFF"/>
+              </a:solidFill>
+              <a:ln w="3175">
+                <a:solidFill>
+                  <a:srgbClr val="000000">
+                    <a:lumMod val="50000"/>
+                    <a:lumOff val="50000"/>
+                  </a:srgbClr>
+                </a:solidFill>
+              </a:ln>
+              <a:effectLst/>
+            </p:spPr>
+            <p:style>
+              <a:lnRef idx="2">
+                <a:srgbClr val="4F81BD">
+                  <a:shade val="50000"/>
+                </a:srgbClr>
+              </a:lnRef>
+              <a:fillRef idx="1">
+                <a:srgbClr val="4F81BD"/>
+              </a:fillRef>
+              <a:effectRef idx="0">
+                <a:srgbClr val="4F81BD"/>
+              </a:effectRef>
+              <a:fontRef idx="minor">
+                <a:srgbClr val="000000"/>
+              </a:fontRef>
+            </p:style>
+            <p:txBody>
+              <a:bodyPr wrap="none" lIns="45720" tIns="18288" rIns="45720" bIns="18288" rtlCol="0" anchor="ctr">
+                <a:noAutofit/>
+              </a:bodyPr>
+              <a:lstStyle/>
+              <a:p>
+                <a:r>
+                  <a:rPr lang="en-US" sz="1200" dirty="0">
+                    <a:solidFill>
+                      <a:srgbClr val="000000"/>
+                    </a:solidFill>
+                    <a:latin typeface="Segoe UI" pitchFamily="34" charset="0"/>
+                    <a:cs typeface="Segoe UI" pitchFamily="34" charset="0"/>
+                  </a:rPr>
+                  <a:t>2. Choix réponse 2</a:t>
+                </a:r>
+              </a:p>
+            </p:txBody>
+          </p:sp>
+          <p:sp>
+            <p:nvSpPr>
+              <p:cNvPr id="13" name="Content">
+                <a:extLst>
+                  <a:ext uri="{FF2B5EF4-FFF2-40B4-BE49-F238E27FC236}">
+                    <a16:creationId xmlns:a16="http://schemas.microsoft.com/office/drawing/2014/main" id="{CE4D7EE8-5B61-46BA-BB17-DF8200A6150A}"/>
+                  </a:ext>
+                </a:extLst>
+              </p:cNvPr>
+              <p:cNvSpPr/>
+              <p:nvPr>
+                <p:custDataLst>
+                  <p:custData r:id="rId9"/>
+                </p:custDataLst>
+              </p:nvPr>
+            </p:nvSpPr>
+            <p:spPr>
+              <a:xfrm>
+                <a:off x="3675252" y="3029161"/>
+                <a:ext cx="4722690" cy="604590"/>
+              </a:xfrm>
+              <a:prstGeom prst="rect">
+                <a:avLst/>
+              </a:prstGeom>
+              <a:solidFill>
+                <a:sysClr val="window" lastClr="FFFFFF"/>
+              </a:solidFill>
+              <a:ln w="3175">
+                <a:solidFill>
+                  <a:srgbClr val="000000">
+                    <a:lumMod val="50000"/>
+                    <a:lumOff val="50000"/>
+                  </a:srgbClr>
+                </a:solidFill>
+              </a:ln>
+              <a:effectLst/>
+            </p:spPr>
+            <p:style>
+              <a:lnRef idx="2">
+                <a:srgbClr val="4F81BD">
+                  <a:shade val="50000"/>
+                </a:srgbClr>
+              </a:lnRef>
+              <a:fillRef idx="1">
+                <a:srgbClr val="4F81BD"/>
+              </a:fillRef>
+              <a:effectRef idx="0">
+                <a:srgbClr val="4F81BD"/>
+              </a:effectRef>
+              <a:fontRef idx="minor">
+                <a:srgbClr val="000000"/>
+              </a:fontRef>
+            </p:style>
+            <p:txBody>
+              <a:bodyPr wrap="none" lIns="45720" tIns="18288" rIns="45720" bIns="18288" rtlCol="0" anchor="ctr">
+                <a:noAutofit/>
+              </a:bodyPr>
+              <a:lstStyle/>
+              <a:p>
+                <a:r>
+                  <a:rPr lang="en-US" sz="1200" dirty="0">
+                    <a:solidFill>
+                      <a:srgbClr val="000000"/>
+                    </a:solidFill>
+                    <a:latin typeface="Segoe UI" pitchFamily="34" charset="0"/>
+                    <a:cs typeface="Segoe UI" pitchFamily="34" charset="0"/>
+                  </a:rPr>
+                  <a:t>3. Choix réponse 3</a:t>
+                </a:r>
+              </a:p>
+            </p:txBody>
+          </p:sp>
+        </p:grpSp>
+        <p:sp>
+          <p:nvSpPr>
+            <p:cNvPr id="9" name="Content">
+              <a:hlinkClick r:id="rId13" action="ppaction://hlinksldjump"/>
+              <a:extLst>
+                <a:ext uri="{FF2B5EF4-FFF2-40B4-BE49-F238E27FC236}">
+                  <a16:creationId xmlns:a16="http://schemas.microsoft.com/office/drawing/2014/main" id="{6FC0206D-A8F6-44F8-BD05-B828A348F68B}"/>
+                </a:ext>
+              </a:extLst>
+            </p:cNvPr>
+            <p:cNvSpPr/>
+            <p:nvPr>
+              <p:custDataLst>
+                <p:custData r:id="rId5"/>
+              </p:custDataLst>
+            </p:nvPr>
+          </p:nvSpPr>
+          <p:spPr>
+            <a:xfrm>
+              <a:off x="3729759" y="4197705"/>
+              <a:ext cx="4722690" cy="604590"/>
+            </a:xfrm>
+            <a:prstGeom prst="rect">
+              <a:avLst/>
+            </a:prstGeom>
+            <a:solidFill>
+              <a:schemeClr val="accent2">
+                <a:lumMod val="40000"/>
+                <a:lumOff val="60000"/>
+              </a:schemeClr>
+            </a:solidFill>
+            <a:ln w="3175">
+              <a:solidFill>
+                <a:srgbClr val="000000">
+                  <a:lumMod val="50000"/>
+                  <a:lumOff val="50000"/>
+                </a:srgbClr>
+              </a:solidFill>
+            </a:ln>
+            <a:effectLst/>
+          </p:spPr>
+          <p:style>
+            <a:lnRef idx="2">
+              <a:srgbClr val="4F81BD">
+                <a:shade val="50000"/>
+              </a:srgbClr>
+            </a:lnRef>
+            <a:fillRef idx="1">
+              <a:srgbClr val="4F81BD"/>
+            </a:fillRef>
+            <a:effectRef idx="0">
+              <a:srgbClr val="4F81BD"/>
+            </a:effectRef>
+            <a:fontRef idx="minor">
+              <a:srgbClr val="000000"/>
+            </a:fontRef>
+          </p:style>
+          <p:txBody>
+            <a:bodyPr wrap="none" lIns="45720" tIns="18288" rIns="45720" bIns="18288" rtlCol="0" anchor="ctr">
+              <a:noAutofit/>
+            </a:bodyPr>
+            <a:lstStyle/>
+            <a:p>
+              <a:r>
+                <a:rPr lang="en-US" sz="1200" dirty="0">
+                  <a:solidFill>
+                    <a:srgbClr val="000000"/>
+                  </a:solidFill>
+                  <a:latin typeface="Segoe UI" pitchFamily="34" charset="0"/>
+                  <a:cs typeface="Segoe UI" pitchFamily="34" charset="0"/>
+                </a:rPr>
+                <a:t>n. Choix réponse n</a:t>
+              </a:r>
+            </a:p>
+          </p:txBody>
+        </p:sp>
+      </p:grpSp>
+      <p:grpSp>
+        <p:nvGrpSpPr>
+          <p:cNvPr id="21" name="StickyNote">
+            <a:extLst>
+              <a:ext uri="{FF2B5EF4-FFF2-40B4-BE49-F238E27FC236}">
+                <a16:creationId xmlns:a16="http://schemas.microsoft.com/office/drawing/2014/main" id="{2470C0E2-9D5F-4914-85E4-50E451E41F96}"/>
+              </a:ext>
+            </a:extLst>
+          </p:cNvPr>
+          <p:cNvGrpSpPr/>
+          <p:nvPr>
+            <p:custDataLst>
+              <p:custData r:id="rId1"/>
+            </p:custDataLst>
+          </p:nvPr>
+        </p:nvGrpSpPr>
+        <p:grpSpPr>
+          <a:xfrm>
+            <a:off x="8824625" y="4051735"/>
+            <a:ext cx="1946294" cy="1243084"/>
+            <a:chOff x="3886200" y="2629127"/>
+            <a:chExt cx="1371600" cy="1485673"/>
+          </a:xfrm>
+        </p:grpSpPr>
+        <p:sp>
+          <p:nvSpPr>
+            <p:cNvPr id="22" name="Content">
+              <a:extLst>
+                <a:ext uri="{FF2B5EF4-FFF2-40B4-BE49-F238E27FC236}">
+                  <a16:creationId xmlns:a16="http://schemas.microsoft.com/office/drawing/2014/main" id="{71878AA6-7BFF-4E1B-9182-1586E5A8FE64}"/>
+                </a:ext>
+              </a:extLst>
+            </p:cNvPr>
+            <p:cNvSpPr/>
+            <p:nvPr/>
+          </p:nvSpPr>
+          <p:spPr>
+            <a:xfrm>
+              <a:off x="3886200" y="2743200"/>
+              <a:ext cx="1371600" cy="1371600"/>
+            </a:xfrm>
+            <a:prstGeom prst="rect">
+              <a:avLst/>
+            </a:prstGeom>
+            <a:gradFill>
+              <a:gsLst>
+                <a:gs pos="100000">
+                  <a:srgbClr val="FFFF89"/>
+                </a:gs>
+                <a:gs pos="0">
+                  <a:srgbClr val="FFFF99"/>
+                </a:gs>
+              </a:gsLst>
+              <a:lin ang="5400000" scaled="0"/>
+            </a:gradFill>
+            <a:ln w="3175">
+              <a:solidFill>
+                <a:srgbClr val="FFFFFF">
+                  <a:lumMod val="50000"/>
+                </a:srgbClr>
+              </a:solidFill>
+            </a:ln>
+            <a:effectLst/>
+          </p:spPr>
+          <p:style>
+            <a:lnRef idx="2">
+              <a:srgbClr val="4F81BD">
+                <a:shade val="50000"/>
+              </a:srgbClr>
+            </a:lnRef>
+            <a:fillRef idx="1">
+              <a:srgbClr val="4F81BD"/>
+            </a:fillRef>
+            <a:effectRef idx="0">
+              <a:srgbClr val="4F81BD"/>
+            </a:effectRef>
+            <a:fontRef idx="minor">
+              <a:srgbClr val="000000"/>
+            </a:fontRef>
+          </p:style>
+          <p:txBody>
+            <a:bodyPr lIns="91440" tIns="137160" rIns="91440" bIns="45720" rtlCol="0" anchor="t" anchorCtr="0">
+              <a:normAutofit/>
+            </a:bodyPr>
+            <a:lstStyle/>
+            <a:p>
+              <a:r>
+                <a:rPr lang="en-US" sz="1200" dirty="0">
+                  <a:solidFill>
+                    <a:sysClr val="windowText" lastClr="000000"/>
+                  </a:solidFill>
+                  <a:latin typeface="Segoe UI" pitchFamily="34" charset="0"/>
+                  <a:cs typeface="Segoe UI" pitchFamily="34" charset="0"/>
+                </a:rPr>
+                <a:t>Clique sur la réponse n =&gt; Rajoute un choix supplémentaire autant de fois que l’utilisteur le souhaite.</a:t>
+              </a:r>
+            </a:p>
+          </p:txBody>
+        </p:sp>
+        <p:sp>
+          <p:nvSpPr>
+            <p:cNvPr id="23" name="Tape">
+              <a:extLst>
+                <a:ext uri="{FF2B5EF4-FFF2-40B4-BE49-F238E27FC236}">
+                  <a16:creationId xmlns:a16="http://schemas.microsoft.com/office/drawing/2014/main" id="{4235CD70-6F9F-4273-8667-2D9A6EB2EB4E}"/>
+                </a:ext>
+              </a:extLst>
+            </p:cNvPr>
+            <p:cNvSpPr/>
+            <p:nvPr>
+              <p:custDataLst>
+                <p:custData r:id="rId4"/>
+              </p:custDataLst>
+            </p:nvPr>
+          </p:nvSpPr>
+          <p:spPr>
+            <a:xfrm rot="401918">
+              <a:off x="4290086" y="2629127"/>
+              <a:ext cx="563828" cy="215444"/>
+            </a:xfrm>
+            <a:prstGeom prst="rect">
+              <a:avLst/>
+            </a:prstGeom>
+            <a:solidFill>
+              <a:srgbClr val="C00000"/>
+            </a:solidFill>
+            <a:ln w="3175" cap="flat" cmpd="sng" algn="ctr">
+              <a:solidFill>
+                <a:srgbClr val="FFFFFF">
+                  <a:lumMod val="50000"/>
+                </a:srgbClr>
+              </a:solidFill>
+              <a:prstDash val="solid"/>
+            </a:ln>
+            <a:effectLst/>
+          </p:spPr>
+          <p:txBody>
+            <a:bodyPr rot="0" spcFirstLastPara="0" vertOverflow="overflow" horzOverflow="overflow" vert="horz" wrap="square" lIns="45720" tIns="45720" rIns="91440" bIns="45720" numCol="1" spcCol="0" rtlCol="0" fromWordArt="0" anchor="ctr" anchorCtr="0" forceAA="0" compatLnSpc="1">
+              <a:prstTxWarp prst="textNoShape">
+                <a:avLst/>
+              </a:prstTxWarp>
+              <a:noAutofit/>
+            </a:bodyPr>
+            <a:lstStyle/>
+            <a:p>
+              <a:pPr marL="0" marR="0" indent="0" algn="ctr" defTabSz="914400" eaLnBrk="1" fontAlgn="auto" latinLnBrk="0" hangingPunct="1">
+                <a:lnSpc>
+                  <a:spcPct val="100000"/>
+                </a:lnSpc>
+                <a:spcBef>
+                  <a:spcPts val="0"/>
+                </a:spcBef>
+                <a:spcAft>
+                  <a:spcPts val="0"/>
+                </a:spcAft>
+                <a:buClrTx/>
+                <a:buSzTx/>
+                <a:buFontTx/>
+                <a:buNone/>
+                <a:tabLst/>
+              </a:pPr>
+              <a:endParaRPr kumimoji="0" lang="en-US" sz="800" b="0" i="0" u="none" strike="noStrike" kern="0" cap="none" spc="0" normalizeH="0" baseline="0" noProof="0" dirty="0">
+                <a:ln>
+                  <a:noFill/>
+                </a:ln>
+                <a:solidFill>
+                  <a:srgbClr val="000000">
+                    <a:lumMod val="75000"/>
+                    <a:lumOff val="25000"/>
+                  </a:srgbClr>
+                </a:solidFill>
+                <a:effectLst/>
+                <a:uLnTx/>
+                <a:uFillTx/>
+                <a:latin typeface="Segoe UI"/>
+                <a:ea typeface="+mn-ea"/>
+                <a:cs typeface="+mn-cs"/>
+              </a:endParaRPr>
+            </a:p>
+          </p:txBody>
+        </p:sp>
+      </p:grpSp>
+      <p:sp>
+        <p:nvSpPr>
+          <p:cNvPr id="27" name="Content">
+            <a:extLst>
+              <a:ext uri="{FF2B5EF4-FFF2-40B4-BE49-F238E27FC236}">
+                <a16:creationId xmlns:a16="http://schemas.microsoft.com/office/drawing/2014/main" id="{CAE245B8-DB6B-4505-A407-52163DED9D5B}"/>
+              </a:ext>
+            </a:extLst>
+          </p:cNvPr>
+          <p:cNvSpPr/>
+          <p:nvPr>
+            <p:custDataLst>
+              <p:custData r:id="rId2"/>
+            </p:custDataLst>
+          </p:nvPr>
+        </p:nvSpPr>
+        <p:spPr>
+          <a:xfrm>
+            <a:off x="4670682" y="5749242"/>
+            <a:ext cx="2850636" cy="427510"/>
+          </a:xfrm>
+          <a:prstGeom prst="roundRect">
+            <a:avLst/>
+          </a:prstGeom>
+          <a:solidFill>
+            <a:srgbClr val="FF0000"/>
+          </a:solidFill>
+          <a:ln w="3175">
+            <a:solidFill>
+              <a:srgbClr val="000000">
+                <a:lumMod val="50000"/>
+                <a:lumOff val="50000"/>
+              </a:srgbClr>
+            </a:solidFill>
+          </a:ln>
+          <a:effectLst/>
+        </p:spPr>
+        <p:style>
+          <a:lnRef idx="2">
+            <a:srgbClr val="4F81BD">
+              <a:shade val="50000"/>
+            </a:srgbClr>
+          </a:lnRef>
+          <a:fillRef idx="1">
+            <a:srgbClr val="4F81BD"/>
+          </a:fillRef>
+          <a:effectRef idx="0">
+            <a:srgbClr val="4F81BD"/>
+          </a:effectRef>
+          <a:fontRef idx="minor">
+            <a:srgbClr val="000000"/>
+          </a:fontRef>
+        </p:style>
+        <p:txBody>
+          <a:bodyPr wrap="square" lIns="91440" tIns="0" rIns="91440" bIns="9144" rtlCol="0" anchor="ctr">
+            <a:noAutofit/>
+          </a:bodyPr>
+          <a:lstStyle/>
+          <a:p>
+            <a:pPr algn="ctr"/>
+            <a:r>
+              <a:rPr lang="en-US" sz="1200" b="1" dirty="0">
+                <a:latin typeface="Segoe UI" pitchFamily="34" charset="0"/>
+                <a:cs typeface="Segoe UI" pitchFamily="34" charset="0"/>
+              </a:rPr>
+              <a:t>VALIDER LE SONDAGE</a:t>
+            </a:r>
+            <a:endParaRPr lang="en-US" sz="1200" b="1" dirty="0">
+              <a:solidFill>
+                <a:srgbClr val="000000"/>
+              </a:solidFill>
+              <a:latin typeface="Segoe UI" pitchFamily="34" charset="0"/>
+              <a:cs typeface="Segoe UI" pitchFamily="34" charset="0"/>
+            </a:endParaRPr>
+          </a:p>
+        </p:txBody>
+      </p:sp>
+      <p:grpSp>
+        <p:nvGrpSpPr>
+          <p:cNvPr id="28" name="CheckBoxChecked">
+            <a:extLst>
+              <a:ext uri="{FF2B5EF4-FFF2-40B4-BE49-F238E27FC236}">
+                <a16:creationId xmlns:a16="http://schemas.microsoft.com/office/drawing/2014/main" id="{0D4FFFAF-1D19-4FF5-9A8E-1E8DB7BF7D71}"/>
+              </a:ext>
+            </a:extLst>
+          </p:cNvPr>
+          <p:cNvGrpSpPr/>
+          <p:nvPr>
+            <p:custDataLst>
+              <p:custData r:id="rId3"/>
+            </p:custDataLst>
+          </p:nvPr>
+        </p:nvGrpSpPr>
+        <p:grpSpPr>
+          <a:xfrm>
+            <a:off x="3734653" y="5179403"/>
+            <a:ext cx="1292400" cy="230832"/>
+            <a:chOff x="4317072" y="3312427"/>
+            <a:chExt cx="1288511" cy="230832"/>
+          </a:xfrm>
+        </p:grpSpPr>
+        <p:grpSp>
+          <p:nvGrpSpPr>
+            <p:cNvPr id="29" name="Group 2">
+              <a:extLst>
+                <a:ext uri="{FF2B5EF4-FFF2-40B4-BE49-F238E27FC236}">
+                  <a16:creationId xmlns:a16="http://schemas.microsoft.com/office/drawing/2014/main" id="{B6701FC7-B36A-4718-A2F5-DD2D8D0971BB}"/>
+                </a:ext>
+              </a:extLst>
+            </p:cNvPr>
+            <p:cNvGrpSpPr/>
+            <p:nvPr/>
+          </p:nvGrpSpPr>
+          <p:grpSpPr>
+            <a:xfrm>
+              <a:off x="4354470" y="3312427"/>
+              <a:ext cx="1251113" cy="230832"/>
+              <a:chOff x="5179842" y="2087451"/>
+              <a:chExt cx="1172540" cy="216403"/>
+            </a:xfrm>
+          </p:grpSpPr>
+          <p:sp>
+            <p:nvSpPr>
+              <p:cNvPr id="31" name="Content">
+                <a:extLst>
+                  <a:ext uri="{FF2B5EF4-FFF2-40B4-BE49-F238E27FC236}">
+                    <a16:creationId xmlns:a16="http://schemas.microsoft.com/office/drawing/2014/main" id="{35EB55CF-4975-4FDD-9D9F-67AAA63D70CA}"/>
+                  </a:ext>
+                </a:extLst>
+              </p:cNvPr>
+              <p:cNvSpPr txBox="1"/>
+              <p:nvPr/>
+            </p:nvSpPr>
+            <p:spPr>
+              <a:xfrm>
+                <a:off x="5179843" y="2087451"/>
+                <a:ext cx="1172539" cy="216403"/>
+              </a:xfrm>
+              <a:prstGeom prst="rect">
+                <a:avLst/>
+              </a:prstGeom>
+              <a:noFill/>
+            </p:spPr>
+            <p:txBody>
+              <a:bodyPr wrap="none" lIns="164592" tIns="18288" rIns="45720" bIns="27432" rtlCol="0" anchor="ctr" anchorCtr="0">
+                <a:spAutoFit/>
+              </a:bodyPr>
+              <a:lstStyle/>
+              <a:p>
+                <a:r>
+                  <a:rPr lang="en-US" sz="1200" dirty="0">
+                    <a:latin typeface="Segoe UI" pitchFamily="34" charset="0"/>
+                    <a:ea typeface="Segoe UI" pitchFamily="34" charset="0"/>
+                    <a:cs typeface="Segoe UI" pitchFamily="34" charset="0"/>
+                  </a:rPr>
+                  <a:t>Choix multiples</a:t>
+                </a:r>
+              </a:p>
+            </p:txBody>
+          </p:sp>
+          <p:sp>
+            <p:nvSpPr>
+              <p:cNvPr id="32" name="CheckBox">
+                <a:extLst>
+                  <a:ext uri="{FF2B5EF4-FFF2-40B4-BE49-F238E27FC236}">
+                    <a16:creationId xmlns:a16="http://schemas.microsoft.com/office/drawing/2014/main" id="{E0C5CD31-0554-4F23-B0CD-FC1A66C1B014}"/>
+                  </a:ext>
+                </a:extLst>
+              </p:cNvPr>
+              <p:cNvSpPr/>
+              <p:nvPr/>
+            </p:nvSpPr>
+            <p:spPr>
+              <a:xfrm>
+                <a:off x="5179842" y="2150901"/>
+                <a:ext cx="100012" cy="97631"/>
+              </a:xfrm>
+              <a:prstGeom prst="rect">
+                <a:avLst/>
+              </a:prstGeom>
+              <a:solidFill>
+                <a:srgbClr val="FFFFFF"/>
+              </a:solidFill>
+              <a:ln w="3175">
+                <a:solidFill>
+                  <a:srgbClr val="FFFFFF">
+                    <a:lumMod val="65000"/>
+                  </a:srgbClr>
+                </a:solidFill>
+              </a:ln>
+              <a:effectLst>
+                <a:innerShdw blurRad="63500">
+                  <a:prstClr val="black">
+                    <a:alpha val="17000"/>
+                  </a:prstClr>
+                </a:innerShdw>
+              </a:effectLst>
+            </p:spPr>
+            <p:style>
+              <a:lnRef idx="2">
+                <a:srgbClr val="4F81BD">
+                  <a:shade val="50000"/>
+                </a:srgbClr>
+              </a:lnRef>
+              <a:fillRef idx="1">
+                <a:srgbClr val="4F81BD"/>
+              </a:fillRef>
+              <a:effectRef idx="0">
+                <a:srgbClr val="4F81BD"/>
+              </a:effectRef>
+              <a:fontRef idx="minor">
+                <a:srgbClr val="000000"/>
+              </a:fontRef>
+            </p:style>
+            <p:txBody>
+              <a:bodyPr rtlCol="0" anchor="ctr"/>
+              <a:lstStyle/>
+              <a:p>
+                <a:pPr algn="ctr"/>
+                <a:endParaRPr lang="en-US" dirty="0"/>
+              </a:p>
+            </p:txBody>
+          </p:sp>
+        </p:grpSp>
+        <p:pic>
+          <p:nvPicPr>
+            <p:cNvPr id="30" name="Check" descr="C:\Users\t-dantay\Documents\WPIcons\appbar.check.rest.png">
+              <a:extLst>
+                <a:ext uri="{FF2B5EF4-FFF2-40B4-BE49-F238E27FC236}">
+                  <a16:creationId xmlns:a16="http://schemas.microsoft.com/office/drawing/2014/main" id="{BB274C38-FACE-4E56-8D70-C8DD13D35A6A}"/>
+                </a:ext>
+              </a:extLst>
+            </p:cNvPr>
+            <p:cNvPicPr>
+              <a:picLocks noChangeAspect="1" noChangeArrowheads="1"/>
+            </p:cNvPicPr>
+            <p:nvPr/>
+          </p:nvPicPr>
+          <p:blipFill>
+            <a:blip r:embed="rId14" cstate="print">
+              <a:extLst>
+                <a:ext uri="{28A0092B-C50C-407E-A947-70E740481C1C}">
+                  <a14:useLocalDpi xmlns:a14="http://schemas.microsoft.com/office/drawing/2010/main" val="0"/>
+                </a:ext>
+              </a:extLst>
+            </a:blip>
+            <a:srcRect/>
+            <a:stretch>
+              <a:fillRect/>
+            </a:stretch>
+          </p:blipFill>
+          <p:spPr bwMode="auto">
+            <a:xfrm>
+              <a:off x="4317072" y="3344359"/>
+              <a:ext cx="182880" cy="182880"/>
+            </a:xfrm>
+            <a:prstGeom prst="rect">
+              <a:avLst/>
+            </a:prstGeom>
+            <a:noFill/>
+            <a:extLst>
+              <a:ext uri="{909E8E84-426E-40DD-AFC4-6F175D3DCCD1}">
+                <a14:hiddenFill xmlns:a14="http://schemas.microsoft.com/office/drawing/2010/main">
+                  <a:solidFill>
+                    <a:srgbClr val="FFFFFF"/>
+                  </a:solidFill>
+                </a14:hiddenFill>
+              </a:ext>
+            </a:extLst>
+          </p:spPr>
+        </p:pic>
+      </p:grpSp>
+    </p:spTree>
+    <p:extLst>
+      <p:ext uri="{BB962C8B-B14F-4D97-AF65-F5344CB8AC3E}">
+        <p14:creationId xmlns:p14="http://schemas.microsoft.com/office/powerpoint/2010/main" val="3733227438"/>
+      </p:ext>
+    </p:extLst>
+  </p:cSld>
+  <p:clrMapOvr>
+    <a:masterClrMapping/>
+  </p:clrMapOvr>
+  <mc:AlternateContent xmlns:mc="http://schemas.openxmlformats.org/markup-compatibility/2006">
+    <mc:Choice xmlns:p14="http://schemas.microsoft.com/office/powerpoint/2010/main" Requires="p14">
+      <p:transition spd="slow" p14:dur="2000" advClick="0"/>
+    </mc:Choice>
+    <mc:Fallback>
+      <p:transition spd="slow" advClick="0"/>
+    </mc:Fallback>
+  </mc:AlternateContent>
+</p:sld>
+</file>
+
+<file path=ppt/slides/slide4.xml><?xml version="1.0" encoding="utf-8"?>
+<p:sld xmlns:a="http://schemas.openxmlformats.org/drawingml/2006/main" xmlns:r="http://schemas.openxmlformats.org/officeDocument/2006/relationships" xmlns:p="http://schemas.openxmlformats.org/presentationml/2006/main">
+  <p:cSld>
+    <p:spTree>
+      <p:nvGrpSpPr>
+        <p:cNvPr id="1" name=""/>
+        <p:cNvGrpSpPr/>
+        <p:nvPr/>
+      </p:nvGrpSpPr>
+      <p:grpSpPr>
+        <a:xfrm>
+          <a:off x="0" y="0"/>
+          <a:ext cx="0" cy="0"/>
+          <a:chOff x="0" y="0"/>
+          <a:chExt cx="0" cy="0"/>
+        </a:xfrm>
+      </p:grpSpPr>
+      <p:grpSp>
+        <p:nvGrpSpPr>
+          <p:cNvPr id="2" name="Groupe 1">
+            <a:extLst>
+              <a:ext uri="{FF2B5EF4-FFF2-40B4-BE49-F238E27FC236}">
+                <a16:creationId xmlns:a16="http://schemas.microsoft.com/office/drawing/2014/main" id="{46769D51-6BD9-441B-AABC-4CC9162B297A}"/>
+              </a:ext>
+            </a:extLst>
+          </p:cNvPr>
+          <p:cNvGrpSpPr/>
+          <p:nvPr/>
+        </p:nvGrpSpPr>
+        <p:grpSpPr>
+          <a:xfrm>
+            <a:off x="8067442" y="869551"/>
+            <a:ext cx="3801515" cy="320628"/>
+            <a:chOff x="6871385" y="786327"/>
+            <a:chExt cx="3801515" cy="320628"/>
+          </a:xfrm>
+        </p:grpSpPr>
+        <p:grpSp>
+          <p:nvGrpSpPr>
+            <p:cNvPr id="3" name="SearchBox">
+              <a:extLst>
+                <a:ext uri="{FF2B5EF4-FFF2-40B4-BE49-F238E27FC236}">
+                  <a16:creationId xmlns:a16="http://schemas.microsoft.com/office/drawing/2014/main" id="{AFF0A49D-C1E8-4660-9A28-5728A7ECEDC6}"/>
+                </a:ext>
+              </a:extLst>
+            </p:cNvPr>
+            <p:cNvGrpSpPr/>
+            <p:nvPr userDrawn="1">
+              <p:custDataLst>
+                <p:custData r:id="rId11"/>
+              </p:custDataLst>
+            </p:nvPr>
+          </p:nvGrpSpPr>
+          <p:grpSpPr>
+            <a:xfrm>
+              <a:off x="6871385" y="786327"/>
+              <a:ext cx="2434178" cy="320628"/>
+              <a:chOff x="4111925" y="3293648"/>
+              <a:chExt cx="962996" cy="310896"/>
+            </a:xfrm>
+          </p:grpSpPr>
+          <p:sp>
+            <p:nvSpPr>
+              <p:cNvPr id="5" name="Content">
+                <a:extLst>
+                  <a:ext uri="{FF2B5EF4-FFF2-40B4-BE49-F238E27FC236}">
+                    <a16:creationId xmlns:a16="http://schemas.microsoft.com/office/drawing/2014/main" id="{21EDC8AF-F9D6-4A3D-8F25-421ACEF98A72}"/>
+                  </a:ext>
+                </a:extLst>
+              </p:cNvPr>
+              <p:cNvSpPr/>
+              <p:nvPr/>
+            </p:nvSpPr>
+            <p:spPr>
+              <a:xfrm>
+                <a:off x="4111925" y="3328416"/>
+                <a:ext cx="920151" cy="228600"/>
+              </a:xfrm>
+              <a:prstGeom prst="rect">
+                <a:avLst/>
+              </a:prstGeom>
+              <a:solidFill>
+                <a:srgbClr val="FFFFFF"/>
+              </a:solidFill>
+              <a:ln w="3175">
+                <a:solidFill>
+                  <a:srgbClr val="000000">
+                    <a:lumMod val="50000"/>
+                    <a:lumOff val="50000"/>
+                  </a:srgbClr>
+                </a:solidFill>
+              </a:ln>
+            </p:spPr>
+            <p:style>
+              <a:lnRef idx="2">
+                <a:srgbClr val="4F81BD">
+                  <a:shade val="50000"/>
+                </a:srgbClr>
+              </a:lnRef>
+              <a:fillRef idx="1">
+                <a:srgbClr val="4F81BD"/>
+              </a:fillRef>
+              <a:effectRef idx="0">
+                <a:srgbClr val="4F81BD"/>
+              </a:effectRef>
+              <a:fontRef idx="minor">
+                <a:srgbClr val="000000"/>
+              </a:fontRef>
+            </p:style>
+            <p:txBody>
+              <a:bodyPr lIns="97531" tIns="48766" rIns="97531" bIns="48766" rtlCol="0" anchor="ctr"/>
+              <a:lstStyle/>
+              <a:p>
+                <a:r>
+                  <a:rPr lang="en-US" sz="1200" i="1" dirty="0">
+                    <a:solidFill>
+                      <a:srgbClr val="FFFFFF">
+                        <a:lumMod val="50000"/>
+                      </a:srgbClr>
+                    </a:solidFill>
+                    <a:latin typeface="Segoe UI" pitchFamily="34" charset="0"/>
+                    <a:ea typeface="Segoe UI" pitchFamily="34" charset="0"/>
+                    <a:cs typeface="Segoe UI" pitchFamily="34" charset="0"/>
+                  </a:rPr>
+                  <a:t>search</a:t>
+                </a:r>
+                <a:endParaRPr lang="en-US" sz="1050" i="1" dirty="0">
+                  <a:solidFill>
+                    <a:srgbClr val="FFFFFF">
+                      <a:lumMod val="50000"/>
+                    </a:srgbClr>
+                  </a:solidFill>
+                  <a:latin typeface="Segoe UI" pitchFamily="34" charset="0"/>
+                  <a:ea typeface="Segoe UI" pitchFamily="34" charset="0"/>
+                  <a:cs typeface="Segoe UI" pitchFamily="34" charset="0"/>
+                </a:endParaRPr>
+              </a:p>
+            </p:txBody>
+          </p:sp>
+          <p:pic>
+            <p:nvPicPr>
+              <p:cNvPr id="6" name="Icon" descr="C:\Users\t-dantay\Documents\WPIcons\appbar.feature.search.rest.png">
+                <a:extLst>
+                  <a:ext uri="{FF2B5EF4-FFF2-40B4-BE49-F238E27FC236}">
+                    <a16:creationId xmlns:a16="http://schemas.microsoft.com/office/drawing/2014/main" id="{C3A0F035-870E-4508-8561-356E36D50F41}"/>
+                  </a:ext>
+                </a:extLst>
+              </p:cNvPr>
+              <p:cNvPicPr>
+                <a:picLocks noChangeAspect="1" noChangeArrowheads="1"/>
+              </p:cNvPicPr>
+              <p:nvPr/>
+            </p:nvPicPr>
+            <p:blipFill>
+              <a:blip r:embed="rId13" cstate="print">
+                <a:extLst>
+                  <a:ext uri="{28A0092B-C50C-407E-A947-70E740481C1C}">
+                    <a14:useLocalDpi xmlns:a14="http://schemas.microsoft.com/office/drawing/2010/main" val="0"/>
+                  </a:ext>
+                </a:extLst>
+              </a:blip>
+              <a:srcRect/>
+              <a:stretch>
+                <a:fillRect/>
+              </a:stretch>
+            </p:blipFill>
+            <p:spPr bwMode="auto">
+              <a:xfrm>
+                <a:off x="4764025" y="3293648"/>
+                <a:ext cx="310896" cy="310896"/>
+              </a:xfrm>
+              <a:prstGeom prst="rect">
+                <a:avLst/>
+              </a:prstGeom>
+              <a:noFill/>
+              <a:ln>
+                <a:noFill/>
+              </a:ln>
+              <a:extLst>
+                <a:ext uri="{909E8E84-426E-40DD-AFC4-6F175D3DCCD1}">
+                  <a14:hiddenFill xmlns:a14="http://schemas.microsoft.com/office/drawing/2010/main">
+                    <a:solidFill>
+                      <a:srgbClr val="FFFFFF"/>
+                    </a:solidFill>
+                  </a14:hiddenFill>
+                </a:ext>
+              </a:extLst>
+            </p:spPr>
+          </p:pic>
+        </p:grpSp>
+        <p:sp>
+          <p:nvSpPr>
+            <p:cNvPr id="4" name="ZoneTexte 3">
+              <a:extLst>
+                <a:ext uri="{FF2B5EF4-FFF2-40B4-BE49-F238E27FC236}">
+                  <a16:creationId xmlns:a16="http://schemas.microsoft.com/office/drawing/2014/main" id="{10027242-A603-41A9-B3DA-16D4B118B803}"/>
+                </a:ext>
+              </a:extLst>
+            </p:cNvPr>
+            <p:cNvSpPr txBox="1"/>
+            <p:nvPr userDrawn="1"/>
+          </p:nvSpPr>
+          <p:spPr>
+            <a:xfrm>
+              <a:off x="9405763" y="801561"/>
+              <a:ext cx="1267137" cy="276999"/>
+            </a:xfrm>
+            <a:prstGeom prst="rect">
+              <a:avLst/>
+            </a:prstGeom>
+            <a:noFill/>
+          </p:spPr>
+          <p:txBody>
+            <a:bodyPr wrap="square" rtlCol="0">
+              <a:spAutoFit/>
+            </a:bodyPr>
+            <a:lstStyle/>
+            <a:p>
+              <a:r>
+                <a:rPr lang="fr-FR" sz="1200" dirty="0" err="1"/>
+                <a:t>Sign</a:t>
+              </a:r>
+              <a:r>
+                <a:rPr lang="fr-FR" sz="1200" dirty="0"/>
+                <a:t> in | </a:t>
+              </a:r>
+              <a:r>
+                <a:rPr lang="fr-FR" sz="1200" dirty="0" err="1"/>
+                <a:t>Register</a:t>
+              </a:r>
+              <a:endParaRPr lang="fr-FR" sz="1200" dirty="0"/>
+            </a:p>
+          </p:txBody>
+        </p:sp>
+      </p:grpSp>
+      <p:grpSp>
+        <p:nvGrpSpPr>
+          <p:cNvPr id="7" name="Groupe 6">
+            <a:extLst>
+              <a:ext uri="{FF2B5EF4-FFF2-40B4-BE49-F238E27FC236}">
+                <a16:creationId xmlns:a16="http://schemas.microsoft.com/office/drawing/2014/main" id="{2F7C9145-B866-40D7-9424-48FF2FBAF2B9}"/>
+              </a:ext>
+            </a:extLst>
+          </p:cNvPr>
+          <p:cNvGrpSpPr/>
+          <p:nvPr/>
+        </p:nvGrpSpPr>
+        <p:grpSpPr>
+          <a:xfrm>
+            <a:off x="3734654" y="1441586"/>
+            <a:ext cx="4668682" cy="2807207"/>
+            <a:chOff x="3729760" y="1615044"/>
+            <a:chExt cx="4722691" cy="3176681"/>
+          </a:xfrm>
+        </p:grpSpPr>
+        <p:grpSp>
+          <p:nvGrpSpPr>
+            <p:cNvPr id="8" name="Groupe 7">
+              <a:extLst>
+                <a:ext uri="{FF2B5EF4-FFF2-40B4-BE49-F238E27FC236}">
+                  <a16:creationId xmlns:a16="http://schemas.microsoft.com/office/drawing/2014/main" id="{977D3A8E-59AE-4144-846F-209D962C950D}"/>
+                </a:ext>
+              </a:extLst>
+            </p:cNvPr>
+            <p:cNvGrpSpPr/>
+            <p:nvPr/>
+          </p:nvGrpSpPr>
+          <p:grpSpPr>
+            <a:xfrm>
+              <a:off x="3729761" y="1615044"/>
+              <a:ext cx="4722690" cy="2573757"/>
+              <a:chOff x="3675253" y="1056904"/>
+              <a:chExt cx="4722690" cy="2573757"/>
+            </a:xfrm>
+          </p:grpSpPr>
+          <p:sp>
+            <p:nvSpPr>
+              <p:cNvPr id="10" name="Content">
+                <a:extLst>
+                  <a:ext uri="{FF2B5EF4-FFF2-40B4-BE49-F238E27FC236}">
+                    <a16:creationId xmlns:a16="http://schemas.microsoft.com/office/drawing/2014/main" id="{A4187F21-9E34-4839-90ED-BC9C14D23A35}"/>
+                  </a:ext>
+                </a:extLst>
+              </p:cNvPr>
+              <p:cNvSpPr/>
+              <p:nvPr>
+                <p:custDataLst>
+                  <p:custData r:id="rId7"/>
+                </p:custDataLst>
+              </p:nvPr>
+            </p:nvSpPr>
+            <p:spPr>
+              <a:xfrm>
+                <a:off x="3675253" y="1056904"/>
+                <a:ext cx="4722690" cy="736270"/>
+              </a:xfrm>
+              <a:prstGeom prst="rect">
+                <a:avLst/>
+              </a:prstGeom>
+              <a:solidFill>
+                <a:sysClr val="window" lastClr="FFFFFF"/>
+              </a:solidFill>
+              <a:ln w="3175">
+                <a:solidFill>
+                  <a:srgbClr val="000000">
+                    <a:lumMod val="50000"/>
+                    <a:lumOff val="50000"/>
+                  </a:srgbClr>
+                </a:solidFill>
+              </a:ln>
+              <a:effectLst/>
+            </p:spPr>
+            <p:style>
+              <a:lnRef idx="2">
+                <a:srgbClr val="4F81BD">
+                  <a:shade val="50000"/>
+                </a:srgbClr>
+              </a:lnRef>
+              <a:fillRef idx="1">
+                <a:srgbClr val="4F81BD"/>
+              </a:fillRef>
+              <a:effectRef idx="0">
+                <a:srgbClr val="4F81BD"/>
+              </a:effectRef>
+              <a:fontRef idx="minor">
+                <a:srgbClr val="000000"/>
+              </a:fontRef>
+            </p:style>
+            <p:txBody>
+              <a:bodyPr wrap="none" lIns="45720" tIns="18288" rIns="45720" bIns="18288" rtlCol="0" anchor="ctr">
+                <a:noAutofit/>
+              </a:bodyPr>
+              <a:lstStyle/>
+              <a:p>
+                <a:pPr algn="ctr"/>
+                <a:r>
+                  <a:rPr lang="en-US" b="1" dirty="0">
+                    <a:solidFill>
+                      <a:srgbClr val="000000"/>
+                    </a:solidFill>
+                    <a:latin typeface="Segoe UI" pitchFamily="34" charset="0"/>
+                    <a:cs typeface="Segoe UI" pitchFamily="34" charset="0"/>
+                  </a:rPr>
+                  <a:t>Description du son</a:t>
+                </a:r>
+                <a:r>
+                  <a:rPr lang="en-US" b="1" dirty="0">
+                    <a:latin typeface="Segoe UI" pitchFamily="34" charset="0"/>
+                    <a:cs typeface="Segoe UI" pitchFamily="34" charset="0"/>
+                  </a:rPr>
+                  <a:t>dage</a:t>
+                </a:r>
+                <a:endParaRPr lang="en-US" b="1" dirty="0">
+                  <a:solidFill>
+                    <a:srgbClr val="000000"/>
+                  </a:solidFill>
+                  <a:latin typeface="Segoe UI" pitchFamily="34" charset="0"/>
+                  <a:cs typeface="Segoe UI" pitchFamily="34" charset="0"/>
+                </a:endParaRPr>
+              </a:p>
+            </p:txBody>
+          </p:sp>
+          <p:sp>
+            <p:nvSpPr>
+              <p:cNvPr id="11" name="Content">
+                <a:extLst>
+                  <a:ext uri="{FF2B5EF4-FFF2-40B4-BE49-F238E27FC236}">
+                    <a16:creationId xmlns:a16="http://schemas.microsoft.com/office/drawing/2014/main" id="{2F3C72D7-4FAA-4A45-8D01-E1350B0F6572}"/>
+                  </a:ext>
+                </a:extLst>
+              </p:cNvPr>
+              <p:cNvSpPr/>
+              <p:nvPr>
+                <p:custDataLst>
+                  <p:custData r:id="rId8"/>
+                </p:custDataLst>
+              </p:nvPr>
+            </p:nvSpPr>
+            <p:spPr>
+              <a:xfrm>
+                <a:off x="3675253" y="1793174"/>
+                <a:ext cx="4722690" cy="633062"/>
+              </a:xfrm>
+              <a:prstGeom prst="rect">
+                <a:avLst/>
+              </a:prstGeom>
+              <a:solidFill>
+                <a:sysClr val="window" lastClr="FFFFFF"/>
+              </a:solidFill>
+              <a:ln w="3175">
+                <a:solidFill>
+                  <a:srgbClr val="000000">
+                    <a:lumMod val="50000"/>
+                    <a:lumOff val="50000"/>
+                  </a:srgbClr>
+                </a:solidFill>
+              </a:ln>
+              <a:effectLst/>
+            </p:spPr>
+            <p:style>
+              <a:lnRef idx="2">
+                <a:srgbClr val="4F81BD">
+                  <a:shade val="50000"/>
+                </a:srgbClr>
+              </a:lnRef>
+              <a:fillRef idx="1">
+                <a:srgbClr val="4F81BD"/>
+              </a:fillRef>
+              <a:effectRef idx="0">
+                <a:srgbClr val="4F81BD"/>
+              </a:effectRef>
+              <a:fontRef idx="minor">
+                <a:srgbClr val="000000"/>
+              </a:fontRef>
+            </p:style>
+            <p:txBody>
+              <a:bodyPr wrap="none" lIns="45720" tIns="18288" rIns="45720" bIns="18288" rtlCol="0" anchor="ctr">
+                <a:noAutofit/>
+              </a:bodyPr>
+              <a:lstStyle/>
+              <a:p>
+                <a:r>
+                  <a:rPr lang="en-US" sz="1200" dirty="0">
+                    <a:latin typeface="Segoe UI" pitchFamily="34" charset="0"/>
+                    <a:cs typeface="Segoe UI" pitchFamily="34" charset="0"/>
+                  </a:rPr>
+                  <a:t> 1. Choix réponse 1	</a:t>
+                </a:r>
+                <a:endParaRPr lang="en-US" sz="1200" dirty="0">
+                  <a:solidFill>
+                    <a:srgbClr val="000000"/>
+                  </a:solidFill>
+                  <a:latin typeface="Segoe UI" pitchFamily="34" charset="0"/>
+                  <a:cs typeface="Segoe UI" pitchFamily="34" charset="0"/>
+                </a:endParaRPr>
+              </a:p>
+            </p:txBody>
+          </p:sp>
+          <p:sp>
+            <p:nvSpPr>
+              <p:cNvPr id="12" name="Content">
+                <a:extLst>
+                  <a:ext uri="{FF2B5EF4-FFF2-40B4-BE49-F238E27FC236}">
+                    <a16:creationId xmlns:a16="http://schemas.microsoft.com/office/drawing/2014/main" id="{55E82B89-7F65-499D-A68D-1BAC8AAC06E0}"/>
+                  </a:ext>
+                </a:extLst>
+              </p:cNvPr>
+              <p:cNvSpPr/>
+              <p:nvPr>
+                <p:custDataLst>
+                  <p:custData r:id="rId9"/>
+                </p:custDataLst>
+              </p:nvPr>
+            </p:nvSpPr>
+            <p:spPr>
+              <a:xfrm>
+                <a:off x="3675253" y="2426236"/>
+                <a:ext cx="4722690" cy="602925"/>
+              </a:xfrm>
+              <a:prstGeom prst="rect">
+                <a:avLst/>
+              </a:prstGeom>
+              <a:solidFill>
+                <a:sysClr val="window" lastClr="FFFFFF"/>
+              </a:solidFill>
+              <a:ln w="3175">
+                <a:solidFill>
+                  <a:srgbClr val="000000">
+                    <a:lumMod val="50000"/>
+                    <a:lumOff val="50000"/>
+                  </a:srgbClr>
+                </a:solidFill>
+              </a:ln>
+              <a:effectLst/>
+            </p:spPr>
+            <p:style>
+              <a:lnRef idx="2">
+                <a:srgbClr val="4F81BD">
+                  <a:shade val="50000"/>
+                </a:srgbClr>
+              </a:lnRef>
+              <a:fillRef idx="1">
+                <a:srgbClr val="4F81BD"/>
+              </a:fillRef>
+              <a:effectRef idx="0">
+                <a:srgbClr val="4F81BD"/>
+              </a:effectRef>
+              <a:fontRef idx="minor">
+                <a:srgbClr val="000000"/>
+              </a:fontRef>
+            </p:style>
+            <p:txBody>
+              <a:bodyPr wrap="none" lIns="45720" tIns="18288" rIns="45720" bIns="18288" rtlCol="0" anchor="ctr">
+                <a:noAutofit/>
+              </a:bodyPr>
+              <a:lstStyle/>
+              <a:p>
+                <a:r>
+                  <a:rPr lang="en-US" sz="1200" dirty="0">
+                    <a:solidFill>
+                      <a:srgbClr val="000000"/>
+                    </a:solidFill>
+                    <a:latin typeface="Segoe UI" pitchFamily="34" charset="0"/>
+                    <a:cs typeface="Segoe UI" pitchFamily="34" charset="0"/>
+                  </a:rPr>
+                  <a:t>2. Choix réponse 2</a:t>
+                </a:r>
+              </a:p>
+            </p:txBody>
+          </p:sp>
+          <p:sp>
+            <p:nvSpPr>
+              <p:cNvPr id="13" name="Content">
+                <a:extLst>
+                  <a:ext uri="{FF2B5EF4-FFF2-40B4-BE49-F238E27FC236}">
+                    <a16:creationId xmlns:a16="http://schemas.microsoft.com/office/drawing/2014/main" id="{CE4D7EE8-5B61-46BA-BB17-DF8200A6150A}"/>
+                  </a:ext>
+                </a:extLst>
+              </p:cNvPr>
+              <p:cNvSpPr/>
+              <p:nvPr>
+                <p:custDataLst>
+                  <p:custData r:id="rId10"/>
+                </p:custDataLst>
+              </p:nvPr>
+            </p:nvSpPr>
+            <p:spPr>
+              <a:xfrm>
+                <a:off x="3675253" y="3026071"/>
+                <a:ext cx="4722690" cy="604590"/>
+              </a:xfrm>
+              <a:prstGeom prst="rect">
+                <a:avLst/>
+              </a:prstGeom>
+              <a:solidFill>
+                <a:sysClr val="window" lastClr="FFFFFF"/>
+              </a:solidFill>
+              <a:ln w="3175">
+                <a:solidFill>
+                  <a:srgbClr val="000000">
+                    <a:lumMod val="50000"/>
+                    <a:lumOff val="50000"/>
+                  </a:srgbClr>
+                </a:solidFill>
+              </a:ln>
+              <a:effectLst/>
+            </p:spPr>
+            <p:style>
+              <a:lnRef idx="2">
+                <a:srgbClr val="4F81BD">
+                  <a:shade val="50000"/>
+                </a:srgbClr>
+              </a:lnRef>
+              <a:fillRef idx="1">
+                <a:srgbClr val="4F81BD"/>
+              </a:fillRef>
+              <a:effectRef idx="0">
+                <a:srgbClr val="4F81BD"/>
+              </a:effectRef>
+              <a:fontRef idx="minor">
+                <a:srgbClr val="000000"/>
+              </a:fontRef>
+            </p:style>
+            <p:txBody>
+              <a:bodyPr wrap="none" lIns="45720" tIns="18288" rIns="45720" bIns="18288" rtlCol="0" anchor="ctr">
+                <a:noAutofit/>
+              </a:bodyPr>
+              <a:lstStyle/>
+              <a:p>
+                <a:r>
+                  <a:rPr lang="en-US" sz="1200" dirty="0">
+                    <a:solidFill>
+                      <a:srgbClr val="000000"/>
+                    </a:solidFill>
+                    <a:latin typeface="Segoe UI" pitchFamily="34" charset="0"/>
+                    <a:cs typeface="Segoe UI" pitchFamily="34" charset="0"/>
+                  </a:rPr>
+                  <a:t>3. Choix réponse 3</a:t>
+                </a:r>
+              </a:p>
+            </p:txBody>
+          </p:sp>
+        </p:grpSp>
+        <p:sp>
+          <p:nvSpPr>
+            <p:cNvPr id="9" name="Content">
+              <a:extLst>
+                <a:ext uri="{FF2B5EF4-FFF2-40B4-BE49-F238E27FC236}">
+                  <a16:creationId xmlns:a16="http://schemas.microsoft.com/office/drawing/2014/main" id="{6FC0206D-A8F6-44F8-BD05-B828A348F68B}"/>
+                </a:ext>
+              </a:extLst>
+            </p:cNvPr>
+            <p:cNvSpPr/>
+            <p:nvPr>
+              <p:custDataLst>
+                <p:custData r:id="rId6"/>
+              </p:custDataLst>
+            </p:nvPr>
+          </p:nvSpPr>
+          <p:spPr>
+            <a:xfrm>
+              <a:off x="3729760" y="4187135"/>
+              <a:ext cx="4722690" cy="604590"/>
+            </a:xfrm>
+            <a:prstGeom prst="rect">
+              <a:avLst/>
+            </a:prstGeom>
+            <a:noFill/>
+            <a:ln w="3175">
+              <a:solidFill>
+                <a:srgbClr val="000000">
+                  <a:lumMod val="50000"/>
+                  <a:lumOff val="50000"/>
+                </a:srgbClr>
+              </a:solidFill>
+            </a:ln>
+            <a:effectLst/>
+          </p:spPr>
+          <p:style>
+            <a:lnRef idx="2">
+              <a:srgbClr val="4F81BD">
+                <a:shade val="50000"/>
+              </a:srgbClr>
+            </a:lnRef>
+            <a:fillRef idx="1">
+              <a:srgbClr val="4F81BD"/>
+            </a:fillRef>
+            <a:effectRef idx="0">
+              <a:srgbClr val="4F81BD"/>
+            </a:effectRef>
+            <a:fontRef idx="minor">
+              <a:srgbClr val="000000"/>
+            </a:fontRef>
+          </p:style>
+          <p:txBody>
+            <a:bodyPr wrap="none" lIns="45720" tIns="18288" rIns="45720" bIns="18288" rtlCol="0" anchor="ctr">
+              <a:noAutofit/>
+            </a:bodyPr>
+            <a:lstStyle/>
+            <a:p>
+              <a:r>
+                <a:rPr lang="en-US" sz="1200" dirty="0">
+                  <a:latin typeface="Segoe UI" pitchFamily="34" charset="0"/>
+                  <a:cs typeface="Segoe UI" pitchFamily="34" charset="0"/>
+                </a:rPr>
+                <a:t>4.</a:t>
+              </a:r>
+              <a:r>
+                <a:rPr lang="en-US" sz="1200" dirty="0">
+                  <a:solidFill>
+                    <a:srgbClr val="000000"/>
+                  </a:solidFill>
+                  <a:latin typeface="Segoe UI" pitchFamily="34" charset="0"/>
+                  <a:cs typeface="Segoe UI" pitchFamily="34" charset="0"/>
+                </a:rPr>
+                <a:t> Choix réponse 4</a:t>
+              </a:r>
+            </a:p>
+          </p:txBody>
+        </p:sp>
+      </p:grpSp>
+      <p:grpSp>
+        <p:nvGrpSpPr>
+          <p:cNvPr id="21" name="StickyNote">
+            <a:extLst>
+              <a:ext uri="{FF2B5EF4-FFF2-40B4-BE49-F238E27FC236}">
+                <a16:creationId xmlns:a16="http://schemas.microsoft.com/office/drawing/2014/main" id="{2470C0E2-9D5F-4914-85E4-50E451E41F96}"/>
+              </a:ext>
+            </a:extLst>
+          </p:cNvPr>
+          <p:cNvGrpSpPr/>
+          <p:nvPr>
+            <p:custDataLst>
+              <p:custData r:id="rId1"/>
+            </p:custDataLst>
+          </p:nvPr>
+        </p:nvGrpSpPr>
+        <p:grpSpPr>
+          <a:xfrm>
+            <a:off x="8824625" y="4051735"/>
+            <a:ext cx="1946294" cy="1243084"/>
+            <a:chOff x="3886200" y="2629127"/>
+            <a:chExt cx="1371600" cy="1485673"/>
+          </a:xfrm>
+        </p:grpSpPr>
+        <p:sp>
+          <p:nvSpPr>
+            <p:cNvPr id="22" name="Content">
+              <a:extLst>
+                <a:ext uri="{FF2B5EF4-FFF2-40B4-BE49-F238E27FC236}">
+                  <a16:creationId xmlns:a16="http://schemas.microsoft.com/office/drawing/2014/main" id="{71878AA6-7BFF-4E1B-9182-1586E5A8FE64}"/>
+                </a:ext>
+              </a:extLst>
+            </p:cNvPr>
+            <p:cNvSpPr/>
+            <p:nvPr/>
+          </p:nvSpPr>
+          <p:spPr>
+            <a:xfrm>
+              <a:off x="3886200" y="2743200"/>
+              <a:ext cx="1371600" cy="1371600"/>
+            </a:xfrm>
+            <a:prstGeom prst="rect">
+              <a:avLst/>
+            </a:prstGeom>
+            <a:gradFill>
+              <a:gsLst>
+                <a:gs pos="100000">
+                  <a:srgbClr val="FFFF89"/>
+                </a:gs>
+                <a:gs pos="0">
+                  <a:srgbClr val="FFFF99"/>
+                </a:gs>
+              </a:gsLst>
+              <a:lin ang="5400000" scaled="0"/>
+            </a:gradFill>
+            <a:ln w="3175">
+              <a:solidFill>
+                <a:srgbClr val="FFFFFF">
+                  <a:lumMod val="50000"/>
+                </a:srgbClr>
+              </a:solidFill>
+            </a:ln>
+            <a:effectLst/>
+          </p:spPr>
+          <p:style>
+            <a:lnRef idx="2">
+              <a:srgbClr val="4F81BD">
+                <a:shade val="50000"/>
+              </a:srgbClr>
+            </a:lnRef>
+            <a:fillRef idx="1">
+              <a:srgbClr val="4F81BD"/>
+            </a:fillRef>
+            <a:effectRef idx="0">
+              <a:srgbClr val="4F81BD"/>
+            </a:effectRef>
+            <a:fontRef idx="minor">
+              <a:srgbClr val="000000"/>
+            </a:fontRef>
+          </p:style>
+          <p:txBody>
+            <a:bodyPr lIns="91440" tIns="137160" rIns="91440" bIns="45720" rtlCol="0" anchor="t" anchorCtr="0">
+              <a:normAutofit/>
+            </a:bodyPr>
+            <a:lstStyle/>
+            <a:p>
+              <a:r>
+                <a:rPr lang="en-US" sz="1200" dirty="0">
+                  <a:solidFill>
+                    <a:sysClr val="windowText" lastClr="000000"/>
+                  </a:solidFill>
+                  <a:latin typeface="Segoe UI" pitchFamily="34" charset="0"/>
+                  <a:cs typeface="Segoe UI" pitchFamily="34" charset="0"/>
+                </a:rPr>
+                <a:t>Clique sur la réponse n =&gt; Rajoute un choix supplémentaire autant de fois que l’utilisteur le souhaite.</a:t>
+              </a:r>
+            </a:p>
+          </p:txBody>
+        </p:sp>
+        <p:sp>
+          <p:nvSpPr>
+            <p:cNvPr id="23" name="Tape">
+              <a:extLst>
+                <a:ext uri="{FF2B5EF4-FFF2-40B4-BE49-F238E27FC236}">
+                  <a16:creationId xmlns:a16="http://schemas.microsoft.com/office/drawing/2014/main" id="{4235CD70-6F9F-4273-8667-2D9A6EB2EB4E}"/>
+                </a:ext>
+              </a:extLst>
+            </p:cNvPr>
+            <p:cNvSpPr/>
+            <p:nvPr>
+              <p:custDataLst>
+                <p:custData r:id="rId5"/>
+              </p:custDataLst>
+            </p:nvPr>
+          </p:nvSpPr>
+          <p:spPr>
+            <a:xfrm rot="401918">
+              <a:off x="4290086" y="2629127"/>
+              <a:ext cx="563828" cy="215444"/>
+            </a:xfrm>
+            <a:prstGeom prst="rect">
+              <a:avLst/>
+            </a:prstGeom>
+            <a:solidFill>
+              <a:srgbClr val="C00000"/>
+            </a:solidFill>
+            <a:ln w="3175" cap="flat" cmpd="sng" algn="ctr">
+              <a:solidFill>
+                <a:srgbClr val="FFFFFF">
+                  <a:lumMod val="50000"/>
+                </a:srgbClr>
+              </a:solidFill>
+              <a:prstDash val="solid"/>
+            </a:ln>
+            <a:effectLst/>
+          </p:spPr>
+          <p:txBody>
+            <a:bodyPr rot="0" spcFirstLastPara="0" vertOverflow="overflow" horzOverflow="overflow" vert="horz" wrap="square" lIns="45720" tIns="45720" rIns="91440" bIns="45720" numCol="1" spcCol="0" rtlCol="0" fromWordArt="0" anchor="ctr" anchorCtr="0" forceAA="0" compatLnSpc="1">
+              <a:prstTxWarp prst="textNoShape">
+                <a:avLst/>
+              </a:prstTxWarp>
+              <a:noAutofit/>
+            </a:bodyPr>
+            <a:lstStyle/>
+            <a:p>
+              <a:pPr marL="0" marR="0" indent="0" algn="ctr" defTabSz="914400" eaLnBrk="1" fontAlgn="auto" latinLnBrk="0" hangingPunct="1">
+                <a:lnSpc>
+                  <a:spcPct val="100000"/>
+                </a:lnSpc>
+                <a:spcBef>
+                  <a:spcPts val="0"/>
+                </a:spcBef>
+                <a:spcAft>
+                  <a:spcPts val="0"/>
+                </a:spcAft>
+                <a:buClrTx/>
+                <a:buSzTx/>
+                <a:buFontTx/>
+                <a:buNone/>
+                <a:tabLst/>
+              </a:pPr>
+              <a:endParaRPr kumimoji="0" lang="en-US" sz="800" b="0" i="0" u="none" strike="noStrike" kern="0" cap="none" spc="0" normalizeH="0" baseline="0" noProof="0" dirty="0">
+                <a:ln>
+                  <a:noFill/>
+                </a:ln>
+                <a:solidFill>
+                  <a:srgbClr val="000000">
+                    <a:lumMod val="75000"/>
+                    <a:lumOff val="25000"/>
+                  </a:srgbClr>
+                </a:solidFill>
+                <a:effectLst/>
+                <a:uLnTx/>
+                <a:uFillTx/>
+                <a:latin typeface="Segoe UI"/>
+                <a:ea typeface="+mn-ea"/>
+                <a:cs typeface="+mn-cs"/>
+              </a:endParaRPr>
+            </a:p>
+          </p:txBody>
+        </p:sp>
+      </p:grpSp>
+      <p:grpSp>
+        <p:nvGrpSpPr>
+          <p:cNvPr id="24" name="CheckBoxUnchecked">
+            <a:extLst>
+              <a:ext uri="{FF2B5EF4-FFF2-40B4-BE49-F238E27FC236}">
+                <a16:creationId xmlns:a16="http://schemas.microsoft.com/office/drawing/2014/main" id="{070B7725-4913-4547-A5E8-7817B8E82178}"/>
+              </a:ext>
+            </a:extLst>
+          </p:cNvPr>
+          <p:cNvGrpSpPr/>
+          <p:nvPr>
+            <p:custDataLst>
+              <p:custData r:id="rId2"/>
+            </p:custDataLst>
+          </p:nvPr>
+        </p:nvGrpSpPr>
+        <p:grpSpPr>
+          <a:xfrm>
+            <a:off x="3734655" y="5063987"/>
             <a:ext cx="1759365" cy="230832"/>
             <a:chOff x="5105055" y="2079103"/>
             <a:chExt cx="868610" cy="213767"/>
@@ -4885,10 +9041,10 @@
         </p:grpSpPr>
         <p:sp>
           <p:nvSpPr>
-            <p:cNvPr id="13" name="Content">
+            <p:cNvPr id="25" name="Content">
               <a:extLst>
                 <a:ext uri="{FF2B5EF4-FFF2-40B4-BE49-F238E27FC236}">
-                  <a16:creationId xmlns:a16="http://schemas.microsoft.com/office/drawing/2014/main" id="{7C309BB2-D918-4450-BC44-EE6E04149782}"/>
+                  <a16:creationId xmlns:a16="http://schemas.microsoft.com/office/drawing/2014/main" id="{244CB28F-FF46-4BE8-9B1C-281792005056}"/>
                 </a:ext>
               </a:extLst>
             </p:cNvPr>
@@ -4898,7 +9054,7 @@
           <p:spPr>
             <a:xfrm>
               <a:off x="5105055" y="2079103"/>
-              <a:ext cx="616553" cy="213767"/>
+              <a:ext cx="653782" cy="213767"/>
             </a:xfrm>
             <a:prstGeom prst="rect">
               <a:avLst/>
@@ -4924,10 +9080,10 @@
         </p:sp>
         <p:sp>
           <p:nvSpPr>
-            <p:cNvPr id="14" name="CheckBox">
+            <p:cNvPr id="26" name="CheckBox">
               <a:extLst>
                 <a:ext uri="{FF2B5EF4-FFF2-40B4-BE49-F238E27FC236}">
-                  <a16:creationId xmlns:a16="http://schemas.microsoft.com/office/drawing/2014/main" id="{6C33DFCB-4D42-4E8E-9DA6-F019492070E8}"/>
+                  <a16:creationId xmlns:a16="http://schemas.microsoft.com/office/drawing/2014/main" id="{99B7B27A-ECCC-4E86-8BEE-B31DA5ADE622}"/>
                 </a:ext>
               </a:extLst>
             </p:cNvPr>
@@ -4986,814 +9142,176 @@
           </p:txBody>
         </p:sp>
       </p:grpSp>
+      <p:sp>
+        <p:nvSpPr>
+          <p:cNvPr id="27" name="Content">
+            <a:extLst>
+              <a:ext uri="{FF2B5EF4-FFF2-40B4-BE49-F238E27FC236}">
+                <a16:creationId xmlns:a16="http://schemas.microsoft.com/office/drawing/2014/main" id="{CAE245B8-DB6B-4505-A407-52163DED9D5B}"/>
+              </a:ext>
+            </a:extLst>
+          </p:cNvPr>
+          <p:cNvSpPr/>
+          <p:nvPr>
+            <p:custDataLst>
+              <p:custData r:id="rId3"/>
+            </p:custDataLst>
+          </p:nvPr>
+        </p:nvSpPr>
+        <p:spPr>
+          <a:xfrm>
+            <a:off x="4670682" y="5749242"/>
+            <a:ext cx="2850636" cy="427510"/>
+          </a:xfrm>
+          <a:prstGeom prst="roundRect">
+            <a:avLst/>
+          </a:prstGeom>
+          <a:solidFill>
+            <a:srgbClr val="FF0000"/>
+          </a:solidFill>
+          <a:ln w="3175">
+            <a:solidFill>
+              <a:srgbClr val="000000">
+                <a:lumMod val="50000"/>
+                <a:lumOff val="50000"/>
+              </a:srgbClr>
+            </a:solidFill>
+          </a:ln>
+          <a:effectLst/>
+        </p:spPr>
+        <p:style>
+          <a:lnRef idx="2">
+            <a:srgbClr val="4F81BD">
+              <a:shade val="50000"/>
+            </a:srgbClr>
+          </a:lnRef>
+          <a:fillRef idx="1">
+            <a:srgbClr val="4F81BD"/>
+          </a:fillRef>
+          <a:effectRef idx="0">
+            <a:srgbClr val="4F81BD"/>
+          </a:effectRef>
+          <a:fontRef idx="minor">
+            <a:srgbClr val="000000"/>
+          </a:fontRef>
+        </p:style>
+        <p:txBody>
+          <a:bodyPr wrap="square" lIns="91440" tIns="0" rIns="91440" bIns="9144" rtlCol="0" anchor="ctr">
+            <a:noAutofit/>
+          </a:bodyPr>
+          <a:lstStyle/>
+          <a:p>
+            <a:pPr algn="ctr"/>
+            <a:r>
+              <a:rPr lang="en-US" sz="1200" b="1" dirty="0">
+                <a:latin typeface="Segoe UI" pitchFamily="34" charset="0"/>
+                <a:cs typeface="Segoe UI" pitchFamily="34" charset="0"/>
+              </a:rPr>
+              <a:t>VALIDER LE SONDAGE</a:t>
+            </a:r>
+            <a:endParaRPr lang="en-US" sz="1200" b="1" dirty="0">
+              <a:solidFill>
+                <a:srgbClr val="000000"/>
+              </a:solidFill>
+              <a:latin typeface="Segoe UI" pitchFamily="34" charset="0"/>
+              <a:cs typeface="Segoe UI" pitchFamily="34" charset="0"/>
+            </a:endParaRPr>
+          </a:p>
+        </p:txBody>
+      </p:sp>
+      <p:sp>
+        <p:nvSpPr>
+          <p:cNvPr id="28" name="Content">
+            <a:extLst>
+              <a:ext uri="{FF2B5EF4-FFF2-40B4-BE49-F238E27FC236}">
+                <a16:creationId xmlns:a16="http://schemas.microsoft.com/office/drawing/2014/main" id="{EAE484A1-4731-4025-B923-CDAB92E643BD}"/>
+              </a:ext>
+            </a:extLst>
+          </p:cNvPr>
+          <p:cNvSpPr/>
+          <p:nvPr>
+            <p:custDataLst>
+              <p:custData r:id="rId4"/>
+            </p:custDataLst>
+          </p:nvPr>
+        </p:nvSpPr>
+        <p:spPr>
+          <a:xfrm>
+            <a:off x="3734653" y="4246063"/>
+            <a:ext cx="4668681" cy="534271"/>
+          </a:xfrm>
+          <a:prstGeom prst="rect">
+            <a:avLst/>
+          </a:prstGeom>
+          <a:solidFill>
+            <a:schemeClr val="accent2">
+              <a:lumMod val="40000"/>
+              <a:lumOff val="60000"/>
+            </a:schemeClr>
+          </a:solidFill>
+          <a:ln w="3175">
+            <a:solidFill>
+              <a:srgbClr val="000000">
+                <a:lumMod val="50000"/>
+                <a:lumOff val="50000"/>
+              </a:srgbClr>
+            </a:solidFill>
+          </a:ln>
+          <a:effectLst/>
+        </p:spPr>
+        <p:style>
+          <a:lnRef idx="2">
+            <a:srgbClr val="4F81BD">
+              <a:shade val="50000"/>
+            </a:srgbClr>
+          </a:lnRef>
+          <a:fillRef idx="1">
+            <a:srgbClr val="4F81BD"/>
+          </a:fillRef>
+          <a:effectRef idx="0">
+            <a:srgbClr val="4F81BD"/>
+          </a:effectRef>
+          <a:fontRef idx="minor">
+            <a:srgbClr val="000000"/>
+          </a:fontRef>
+        </p:style>
+        <p:txBody>
+          <a:bodyPr wrap="none" lIns="45720" tIns="18288" rIns="45720" bIns="18288" rtlCol="0" anchor="ctr">
+            <a:noAutofit/>
+          </a:bodyPr>
+          <a:lstStyle/>
+          <a:p>
+            <a:r>
+              <a:rPr lang="en-US" sz="1200" dirty="0">
+                <a:solidFill>
+                  <a:srgbClr val="000000"/>
+                </a:solidFill>
+                <a:latin typeface="Segoe UI" pitchFamily="34" charset="0"/>
+                <a:cs typeface="Segoe UI" pitchFamily="34" charset="0"/>
+              </a:rPr>
+              <a:t>n. Choix réponse n</a:t>
+            </a:r>
+          </a:p>
+        </p:txBody>
+      </p:sp>
     </p:spTree>
     <p:extLst>
       <p:ext uri="{BB962C8B-B14F-4D97-AF65-F5344CB8AC3E}">
-        <p14:creationId xmlns:p14="http://schemas.microsoft.com/office/powerpoint/2010/main" val="1051194775"/>
+        <p14:creationId xmlns:p14="http://schemas.microsoft.com/office/powerpoint/2010/main" val="2662499280"/>
       </p:ext>
     </p:extLst>
   </p:cSld>
   <p:clrMapOvr>
     <a:masterClrMapping/>
   </p:clrMapOvr>
-</p:sld>
-</file>
-
-<file path=ppt/slides/slide3.xml><?xml version="1.0" encoding="utf-8"?>
-<p:sld xmlns:a="http://schemas.openxmlformats.org/drawingml/2006/main" xmlns:r="http://schemas.openxmlformats.org/officeDocument/2006/relationships" xmlns:p="http://schemas.openxmlformats.org/presentationml/2006/main">
-  <p:cSld>
-    <p:spTree>
-      <p:nvGrpSpPr>
-        <p:cNvPr id="1" name=""/>
-        <p:cNvGrpSpPr/>
-        <p:nvPr/>
-      </p:nvGrpSpPr>
-      <p:grpSpPr>
-        <a:xfrm>
-          <a:off x="0" y="0"/>
-          <a:ext cx="0" cy="0"/>
-          <a:chOff x="0" y="0"/>
-          <a:chExt cx="0" cy="0"/>
-        </a:xfrm>
-      </p:grpSpPr>
-      <p:sp>
-        <p:nvSpPr>
-          <p:cNvPr id="2" name="Titre 1">
-            <a:extLst>
-              <a:ext uri="{FF2B5EF4-FFF2-40B4-BE49-F238E27FC236}">
-                <a16:creationId xmlns:a16="http://schemas.microsoft.com/office/drawing/2014/main" id="{012F4EC5-35DE-4813-8A9B-402873B9A7DB}"/>
-              </a:ext>
-            </a:extLst>
-          </p:cNvPr>
-          <p:cNvSpPr>
-            <a:spLocks noGrp="1"/>
-          </p:cNvSpPr>
-          <p:nvPr>
-            <p:ph type="title" idx="4294967295"/>
-          </p:nvPr>
-        </p:nvSpPr>
-        <p:spPr>
-          <a:xfrm>
-            <a:off x="0" y="-1325563"/>
-            <a:ext cx="10515600" cy="1325563"/>
-          </a:xfrm>
-        </p:spPr>
-        <p:txBody>
-          <a:bodyPr/>
-          <a:lstStyle/>
-          <a:p>
-            <a:r>
-              <a:rPr lang="fr-FR" dirty="0"/>
-              <a:t>Formulaire création</a:t>
-            </a:r>
-            <a:r>
-              <a:rPr lang="fr-FR" baseline="0" dirty="0"/>
-              <a:t> de sondage</a:t>
-            </a:r>
-            <a:endParaRPr lang="fr-FR" dirty="0"/>
-          </a:p>
-        </p:txBody>
-      </p:sp>
-      <p:grpSp>
-        <p:nvGrpSpPr>
-          <p:cNvPr id="11" name="Groupe 10">
-            <a:extLst>
-              <a:ext uri="{FF2B5EF4-FFF2-40B4-BE49-F238E27FC236}">
-                <a16:creationId xmlns:a16="http://schemas.microsoft.com/office/drawing/2014/main" id="{3952DD81-91C2-469B-A690-8DBA518EF48B}"/>
-              </a:ext>
-            </a:extLst>
-          </p:cNvPr>
-          <p:cNvGrpSpPr/>
-          <p:nvPr/>
-        </p:nvGrpSpPr>
-        <p:grpSpPr>
-          <a:xfrm>
-            <a:off x="2896455" y="1771609"/>
-            <a:ext cx="4722690" cy="3314782"/>
-            <a:chOff x="3729761" y="1615044"/>
-            <a:chExt cx="4722690" cy="3314782"/>
-          </a:xfrm>
-        </p:grpSpPr>
-        <p:grpSp>
-          <p:nvGrpSpPr>
-            <p:cNvPr id="9" name="Groupe 8">
-              <a:extLst>
-                <a:ext uri="{FF2B5EF4-FFF2-40B4-BE49-F238E27FC236}">
-                  <a16:creationId xmlns:a16="http://schemas.microsoft.com/office/drawing/2014/main" id="{24038CAD-65EE-44E0-AB15-04745346AA1B}"/>
-                </a:ext>
-              </a:extLst>
-            </p:cNvPr>
-            <p:cNvGrpSpPr/>
-            <p:nvPr/>
-          </p:nvGrpSpPr>
-          <p:grpSpPr>
-            <a:xfrm>
-              <a:off x="3729761" y="1615044"/>
-              <a:ext cx="4722690" cy="2710192"/>
-              <a:chOff x="3675253" y="1056904"/>
-              <a:chExt cx="4722690" cy="2710192"/>
-            </a:xfrm>
-          </p:grpSpPr>
-          <p:sp>
-            <p:nvSpPr>
-              <p:cNvPr id="3" name="Content">
-                <a:extLst>
-                  <a:ext uri="{FF2B5EF4-FFF2-40B4-BE49-F238E27FC236}">
-                    <a16:creationId xmlns:a16="http://schemas.microsoft.com/office/drawing/2014/main" id="{14B40FFE-C595-44FD-A63C-A701421978B5}"/>
-                  </a:ext>
-                </a:extLst>
-              </p:cNvPr>
-              <p:cNvSpPr/>
-              <p:nvPr>
-                <p:custDataLst>
-                  <p:custData r:id="rId3"/>
-                </p:custDataLst>
-              </p:nvPr>
-            </p:nvSpPr>
-            <p:spPr>
-              <a:xfrm>
-                <a:off x="3675253" y="1056904"/>
-                <a:ext cx="4722690" cy="736270"/>
-              </a:xfrm>
-              <a:prstGeom prst="rect">
-                <a:avLst/>
-              </a:prstGeom>
-              <a:solidFill>
-                <a:sysClr val="window" lastClr="FFFFFF"/>
-              </a:solidFill>
-              <a:ln w="3175">
-                <a:solidFill>
-                  <a:srgbClr val="000000">
-                    <a:lumMod val="50000"/>
-                    <a:lumOff val="50000"/>
-                  </a:srgbClr>
-                </a:solidFill>
-              </a:ln>
-              <a:effectLst/>
-            </p:spPr>
-            <p:style>
-              <a:lnRef idx="2">
-                <a:srgbClr val="4F81BD">
-                  <a:shade val="50000"/>
-                </a:srgbClr>
-              </a:lnRef>
-              <a:fillRef idx="1">
-                <a:srgbClr val="4F81BD"/>
-              </a:fillRef>
-              <a:effectRef idx="0">
-                <a:srgbClr val="4F81BD"/>
-              </a:effectRef>
-              <a:fontRef idx="minor">
-                <a:srgbClr val="000000"/>
-              </a:fontRef>
-            </p:style>
-            <p:txBody>
-              <a:bodyPr wrap="none" lIns="45720" tIns="18288" rIns="45720" bIns="18288" rtlCol="0" anchor="ctr">
-                <a:noAutofit/>
-              </a:bodyPr>
-              <a:lstStyle/>
-              <a:p>
-                <a:pPr algn="ctr"/>
-                <a:r>
-                  <a:rPr lang="en-US" sz="1200" dirty="0">
-                    <a:solidFill>
-                      <a:srgbClr val="000000"/>
-                    </a:solidFill>
-                    <a:latin typeface="Segoe UI" pitchFamily="34" charset="0"/>
-                    <a:cs typeface="Segoe UI" pitchFamily="34" charset="0"/>
-                  </a:rPr>
-                  <a:t>Description du </a:t>
-                </a:r>
-                <a:r>
-                  <a:rPr lang="en-US" sz="1200" dirty="0" err="1">
-                    <a:solidFill>
-                      <a:srgbClr val="000000"/>
-                    </a:solidFill>
-                    <a:latin typeface="Segoe UI" pitchFamily="34" charset="0"/>
-                    <a:cs typeface="Segoe UI" pitchFamily="34" charset="0"/>
-                  </a:rPr>
-                  <a:t>son</a:t>
-                </a:r>
-                <a:r>
-                  <a:rPr lang="en-US" sz="1200" dirty="0" err="1">
-                    <a:latin typeface="Segoe UI" pitchFamily="34" charset="0"/>
-                    <a:cs typeface="Segoe UI" pitchFamily="34" charset="0"/>
-                  </a:rPr>
-                  <a:t>dage</a:t>
-                </a:r>
-                <a:endParaRPr lang="en-US" sz="1200" dirty="0">
-                  <a:solidFill>
-                    <a:srgbClr val="000000"/>
-                  </a:solidFill>
-                  <a:latin typeface="Segoe UI" pitchFamily="34" charset="0"/>
-                  <a:cs typeface="Segoe UI" pitchFamily="34" charset="0"/>
-                </a:endParaRPr>
-              </a:p>
-            </p:txBody>
-          </p:sp>
-          <p:sp>
-            <p:nvSpPr>
-              <p:cNvPr id="6" name="Content">
-                <a:extLst>
-                  <a:ext uri="{FF2B5EF4-FFF2-40B4-BE49-F238E27FC236}">
-                    <a16:creationId xmlns:a16="http://schemas.microsoft.com/office/drawing/2014/main" id="{7CA26A29-0B12-47F8-9B97-65BB4C6A5545}"/>
-                  </a:ext>
-                </a:extLst>
-              </p:cNvPr>
-              <p:cNvSpPr/>
-              <p:nvPr>
-                <p:custDataLst>
-                  <p:custData r:id="rId4"/>
-                </p:custDataLst>
-              </p:nvPr>
-            </p:nvSpPr>
-            <p:spPr>
-              <a:xfrm>
-                <a:off x="3675253" y="1793174"/>
-                <a:ext cx="4722690" cy="633062"/>
-              </a:xfrm>
-              <a:prstGeom prst="rect">
-                <a:avLst/>
-              </a:prstGeom>
-              <a:solidFill>
-                <a:sysClr val="window" lastClr="FFFFFF"/>
-              </a:solidFill>
-              <a:ln w="3175">
-                <a:solidFill>
-                  <a:srgbClr val="000000">
-                    <a:lumMod val="50000"/>
-                    <a:lumOff val="50000"/>
-                  </a:srgbClr>
-                </a:solidFill>
-              </a:ln>
-              <a:effectLst/>
-            </p:spPr>
-            <p:style>
-              <a:lnRef idx="2">
-                <a:srgbClr val="4F81BD">
-                  <a:shade val="50000"/>
-                </a:srgbClr>
-              </a:lnRef>
-              <a:fillRef idx="1">
-                <a:srgbClr val="4F81BD"/>
-              </a:fillRef>
-              <a:effectRef idx="0">
-                <a:srgbClr val="4F81BD"/>
-              </a:effectRef>
-              <a:fontRef idx="minor">
-                <a:srgbClr val="000000"/>
-              </a:fontRef>
-            </p:style>
-            <p:txBody>
-              <a:bodyPr wrap="none" lIns="45720" tIns="18288" rIns="45720" bIns="18288" rtlCol="0" anchor="ctr">
-                <a:noAutofit/>
-              </a:bodyPr>
-              <a:lstStyle/>
-              <a:p>
-                <a:r>
-                  <a:rPr lang="en-US" sz="1200" dirty="0">
-                    <a:latin typeface="Segoe UI" pitchFamily="34" charset="0"/>
-                    <a:cs typeface="Segoe UI" pitchFamily="34" charset="0"/>
-                  </a:rPr>
-                  <a:t> 1. Choix </a:t>
-                </a:r>
-                <a:r>
-                  <a:rPr lang="en-US" sz="1200" dirty="0" err="1">
-                    <a:latin typeface="Segoe UI" pitchFamily="34" charset="0"/>
-                    <a:cs typeface="Segoe UI" pitchFamily="34" charset="0"/>
-                  </a:rPr>
-                  <a:t>réponse</a:t>
-                </a:r>
-                <a:r>
-                  <a:rPr lang="en-US" sz="1200" dirty="0">
-                    <a:latin typeface="Segoe UI" pitchFamily="34" charset="0"/>
-                    <a:cs typeface="Segoe UI" pitchFamily="34" charset="0"/>
-                  </a:rPr>
-                  <a:t> 1	</a:t>
-                </a:r>
-                <a:endParaRPr lang="en-US" sz="1200" dirty="0">
-                  <a:solidFill>
-                    <a:srgbClr val="000000"/>
-                  </a:solidFill>
-                  <a:latin typeface="Segoe UI" pitchFamily="34" charset="0"/>
-                  <a:cs typeface="Segoe UI" pitchFamily="34" charset="0"/>
-                </a:endParaRPr>
-              </a:p>
-            </p:txBody>
-          </p:sp>
-          <p:sp>
-            <p:nvSpPr>
-              <p:cNvPr id="7" name="Content">
-                <a:extLst>
-                  <a:ext uri="{FF2B5EF4-FFF2-40B4-BE49-F238E27FC236}">
-                    <a16:creationId xmlns:a16="http://schemas.microsoft.com/office/drawing/2014/main" id="{1F48DE1F-6659-4782-8B34-9E74268B755A}"/>
-                  </a:ext>
-                </a:extLst>
-              </p:cNvPr>
-              <p:cNvSpPr/>
-              <p:nvPr>
-                <p:custDataLst>
-                  <p:custData r:id="rId5"/>
-                </p:custDataLst>
-              </p:nvPr>
-            </p:nvSpPr>
-            <p:spPr>
-              <a:xfrm>
-                <a:off x="3675253" y="2426236"/>
-                <a:ext cx="4722690" cy="736270"/>
-              </a:xfrm>
-              <a:prstGeom prst="rect">
-                <a:avLst/>
-              </a:prstGeom>
-              <a:solidFill>
-                <a:sysClr val="window" lastClr="FFFFFF"/>
-              </a:solidFill>
-              <a:ln w="3175">
-                <a:solidFill>
-                  <a:srgbClr val="000000">
-                    <a:lumMod val="50000"/>
-                    <a:lumOff val="50000"/>
-                  </a:srgbClr>
-                </a:solidFill>
-              </a:ln>
-              <a:effectLst/>
-            </p:spPr>
-            <p:style>
-              <a:lnRef idx="2">
-                <a:srgbClr val="4F81BD">
-                  <a:shade val="50000"/>
-                </a:srgbClr>
-              </a:lnRef>
-              <a:fillRef idx="1">
-                <a:srgbClr val="4F81BD"/>
-              </a:fillRef>
-              <a:effectRef idx="0">
-                <a:srgbClr val="4F81BD"/>
-              </a:effectRef>
-              <a:fontRef idx="minor">
-                <a:srgbClr val="000000"/>
-              </a:fontRef>
-            </p:style>
-            <p:txBody>
-              <a:bodyPr wrap="none" lIns="45720" tIns="18288" rIns="45720" bIns="18288" rtlCol="0" anchor="ctr">
-                <a:noAutofit/>
-              </a:bodyPr>
-              <a:lstStyle/>
-              <a:p>
-                <a:r>
-                  <a:rPr lang="en-US" sz="1200" dirty="0">
-                    <a:solidFill>
-                      <a:srgbClr val="000000"/>
-                    </a:solidFill>
-                    <a:latin typeface="Segoe UI" pitchFamily="34" charset="0"/>
-                    <a:cs typeface="Segoe UI" pitchFamily="34" charset="0"/>
-                  </a:rPr>
-                  <a:t>2. Choix </a:t>
-                </a:r>
-                <a:r>
-                  <a:rPr lang="en-US" sz="1200" dirty="0" err="1">
-                    <a:solidFill>
-                      <a:srgbClr val="000000"/>
-                    </a:solidFill>
-                    <a:latin typeface="Segoe UI" pitchFamily="34" charset="0"/>
-                    <a:cs typeface="Segoe UI" pitchFamily="34" charset="0"/>
-                  </a:rPr>
-                  <a:t>réponse</a:t>
-                </a:r>
-                <a:r>
-                  <a:rPr lang="en-US" sz="1200" dirty="0">
-                    <a:solidFill>
-                      <a:srgbClr val="000000"/>
-                    </a:solidFill>
-                    <a:latin typeface="Segoe UI" pitchFamily="34" charset="0"/>
-                    <a:cs typeface="Segoe UI" pitchFamily="34" charset="0"/>
-                  </a:rPr>
-                  <a:t> 2</a:t>
-                </a:r>
-              </a:p>
-            </p:txBody>
-          </p:sp>
-          <p:sp>
-            <p:nvSpPr>
-              <p:cNvPr id="8" name="Content">
-                <a:extLst>
-                  <a:ext uri="{FF2B5EF4-FFF2-40B4-BE49-F238E27FC236}">
-                    <a16:creationId xmlns:a16="http://schemas.microsoft.com/office/drawing/2014/main" id="{2D3CBBC6-F44D-469F-87B4-A06D0968B5D9}"/>
-                  </a:ext>
-                </a:extLst>
-              </p:cNvPr>
-              <p:cNvSpPr/>
-              <p:nvPr>
-                <p:custDataLst>
-                  <p:custData r:id="rId6"/>
-                </p:custDataLst>
-              </p:nvPr>
-            </p:nvSpPr>
-            <p:spPr>
-              <a:xfrm>
-                <a:off x="3675253" y="3162506"/>
-                <a:ext cx="4722690" cy="604590"/>
-              </a:xfrm>
-              <a:prstGeom prst="rect">
-                <a:avLst/>
-              </a:prstGeom>
-              <a:solidFill>
-                <a:sysClr val="window" lastClr="FFFFFF"/>
-              </a:solidFill>
-              <a:ln w="3175">
-                <a:solidFill>
-                  <a:srgbClr val="000000">
-                    <a:lumMod val="50000"/>
-                    <a:lumOff val="50000"/>
-                  </a:srgbClr>
-                </a:solidFill>
-              </a:ln>
-              <a:effectLst/>
-            </p:spPr>
-            <p:style>
-              <a:lnRef idx="2">
-                <a:srgbClr val="4F81BD">
-                  <a:shade val="50000"/>
-                </a:srgbClr>
-              </a:lnRef>
-              <a:fillRef idx="1">
-                <a:srgbClr val="4F81BD"/>
-              </a:fillRef>
-              <a:effectRef idx="0">
-                <a:srgbClr val="4F81BD"/>
-              </a:effectRef>
-              <a:fontRef idx="minor">
-                <a:srgbClr val="000000"/>
-              </a:fontRef>
-            </p:style>
-            <p:txBody>
-              <a:bodyPr wrap="none" lIns="45720" tIns="18288" rIns="45720" bIns="18288" rtlCol="0" anchor="ctr">
-                <a:noAutofit/>
-              </a:bodyPr>
-              <a:lstStyle/>
-              <a:p>
-                <a:r>
-                  <a:rPr lang="en-US" sz="1200" dirty="0">
-                    <a:solidFill>
-                      <a:srgbClr val="000000"/>
-                    </a:solidFill>
-                    <a:latin typeface="Segoe UI" pitchFamily="34" charset="0"/>
-                    <a:cs typeface="Segoe UI" pitchFamily="34" charset="0"/>
-                  </a:rPr>
-                  <a:t>3. Choix </a:t>
-                </a:r>
-                <a:r>
-                  <a:rPr lang="en-US" sz="1200" dirty="0" err="1">
-                    <a:solidFill>
-                      <a:srgbClr val="000000"/>
-                    </a:solidFill>
-                    <a:latin typeface="Segoe UI" pitchFamily="34" charset="0"/>
-                    <a:cs typeface="Segoe UI" pitchFamily="34" charset="0"/>
-                  </a:rPr>
-                  <a:t>réponse</a:t>
-                </a:r>
-                <a:r>
-                  <a:rPr lang="en-US" sz="1200" dirty="0">
-                    <a:solidFill>
-                      <a:srgbClr val="000000"/>
-                    </a:solidFill>
-                    <a:latin typeface="Segoe UI" pitchFamily="34" charset="0"/>
-                    <a:cs typeface="Segoe UI" pitchFamily="34" charset="0"/>
-                  </a:rPr>
-                  <a:t> 3</a:t>
-                </a:r>
-              </a:p>
-            </p:txBody>
-          </p:sp>
-        </p:grpSp>
-        <p:sp>
-          <p:nvSpPr>
-            <p:cNvPr id="10" name="Content">
-              <a:extLst>
-                <a:ext uri="{FF2B5EF4-FFF2-40B4-BE49-F238E27FC236}">
-                  <a16:creationId xmlns:a16="http://schemas.microsoft.com/office/drawing/2014/main" id="{3E892B46-00FC-4F34-8265-E9A435A79212}"/>
-                </a:ext>
-              </a:extLst>
-            </p:cNvPr>
-            <p:cNvSpPr/>
-            <p:nvPr>
-              <p:custDataLst>
-                <p:custData r:id="rId2"/>
-              </p:custDataLst>
-            </p:nvPr>
-          </p:nvSpPr>
-          <p:spPr>
-            <a:xfrm>
-              <a:off x="3729761" y="4325236"/>
-              <a:ext cx="4722690" cy="604590"/>
-            </a:xfrm>
-            <a:prstGeom prst="rect">
-              <a:avLst/>
-            </a:prstGeom>
-            <a:solidFill>
-              <a:sysClr val="window" lastClr="FFFFFF"/>
-            </a:solidFill>
-            <a:ln w="3175">
-              <a:solidFill>
-                <a:srgbClr val="000000">
-                  <a:lumMod val="50000"/>
-                  <a:lumOff val="50000"/>
-                </a:srgbClr>
-              </a:solidFill>
-            </a:ln>
-            <a:effectLst/>
-          </p:spPr>
-          <p:style>
-            <a:lnRef idx="2">
-              <a:srgbClr val="4F81BD">
-                <a:shade val="50000"/>
-              </a:srgbClr>
-            </a:lnRef>
-            <a:fillRef idx="1">
-              <a:srgbClr val="4F81BD"/>
-            </a:fillRef>
-            <a:effectRef idx="0">
-              <a:srgbClr val="4F81BD"/>
-            </a:effectRef>
-            <a:fontRef idx="minor">
-              <a:srgbClr val="000000"/>
-            </a:fontRef>
-          </p:style>
-          <p:txBody>
-            <a:bodyPr wrap="none" lIns="45720" tIns="18288" rIns="45720" bIns="18288" rtlCol="0" anchor="ctr">
-              <a:noAutofit/>
-            </a:bodyPr>
-            <a:lstStyle/>
-            <a:p>
-              <a:r>
-                <a:rPr lang="en-US" sz="1200" dirty="0">
-                  <a:solidFill>
-                    <a:srgbClr val="000000"/>
-                  </a:solidFill>
-                  <a:latin typeface="Segoe UI" pitchFamily="34" charset="0"/>
-                  <a:cs typeface="Segoe UI" pitchFamily="34" charset="0"/>
-                </a:rPr>
-                <a:t>n. Choix </a:t>
-              </a:r>
-              <a:r>
-                <a:rPr lang="en-US" sz="1200" dirty="0" err="1">
-                  <a:solidFill>
-                    <a:srgbClr val="000000"/>
-                  </a:solidFill>
-                  <a:latin typeface="Segoe UI" pitchFamily="34" charset="0"/>
-                  <a:cs typeface="Segoe UI" pitchFamily="34" charset="0"/>
-                </a:rPr>
-                <a:t>réponse</a:t>
-              </a:r>
-              <a:r>
-                <a:rPr lang="en-US" sz="1200" dirty="0">
-                  <a:solidFill>
-                    <a:srgbClr val="000000"/>
-                  </a:solidFill>
-                  <a:latin typeface="Segoe UI" pitchFamily="34" charset="0"/>
-                  <a:cs typeface="Segoe UI" pitchFamily="34" charset="0"/>
-                </a:rPr>
-                <a:t> n</a:t>
-              </a:r>
-            </a:p>
-          </p:txBody>
-        </p:sp>
-      </p:grpSp>
-      <p:grpSp>
-        <p:nvGrpSpPr>
-          <p:cNvPr id="15" name="CheckBoxChecked">
-            <a:extLst>
-              <a:ext uri="{FF2B5EF4-FFF2-40B4-BE49-F238E27FC236}">
-                <a16:creationId xmlns:a16="http://schemas.microsoft.com/office/drawing/2014/main" id="{437CEAA8-1D4B-43AD-A1DA-0F12061DF7C8}"/>
-              </a:ext>
-            </a:extLst>
-          </p:cNvPr>
-          <p:cNvGrpSpPr/>
-          <p:nvPr>
-            <p:custDataLst>
-              <p:custData r:id="rId1"/>
-            </p:custDataLst>
-          </p:nvPr>
-        </p:nvGrpSpPr>
-        <p:grpSpPr>
-          <a:xfrm>
-            <a:off x="3101044" y="5324945"/>
-            <a:ext cx="1760400" cy="230400"/>
-            <a:chOff x="4317072" y="3312425"/>
-            <a:chExt cx="503512" cy="230832"/>
-          </a:xfrm>
-        </p:grpSpPr>
-        <p:grpSp>
-          <p:nvGrpSpPr>
-            <p:cNvPr id="16" name="Group 2">
-              <a:extLst>
-                <a:ext uri="{FF2B5EF4-FFF2-40B4-BE49-F238E27FC236}">
-                  <a16:creationId xmlns:a16="http://schemas.microsoft.com/office/drawing/2014/main" id="{74D98F62-1340-4CFB-9FE5-462F732BCEE7}"/>
-                </a:ext>
-              </a:extLst>
-            </p:cNvPr>
-            <p:cNvGrpSpPr/>
-            <p:nvPr/>
-          </p:nvGrpSpPr>
-          <p:grpSpPr>
-            <a:xfrm>
-              <a:off x="4354457" y="3312425"/>
-              <a:ext cx="466127" cy="230832"/>
-              <a:chOff x="5179843" y="2087449"/>
-              <a:chExt cx="436854" cy="216403"/>
-            </a:xfrm>
-          </p:grpSpPr>
-          <p:sp>
-            <p:nvSpPr>
-              <p:cNvPr id="18" name="Content">
-                <a:extLst>
-                  <a:ext uri="{FF2B5EF4-FFF2-40B4-BE49-F238E27FC236}">
-                    <a16:creationId xmlns:a16="http://schemas.microsoft.com/office/drawing/2014/main" id="{2410A662-122E-4153-B019-978ACD1302D0}"/>
-                  </a:ext>
-                </a:extLst>
-              </p:cNvPr>
-              <p:cNvSpPr txBox="1"/>
-              <p:nvPr/>
-            </p:nvSpPr>
-            <p:spPr>
-              <a:xfrm>
-                <a:off x="5179843" y="2087449"/>
-                <a:ext cx="436854" cy="216403"/>
-              </a:xfrm>
-              <a:prstGeom prst="rect">
-                <a:avLst/>
-              </a:prstGeom>
-              <a:noFill/>
-            </p:spPr>
-            <p:txBody>
-              <a:bodyPr wrap="square" lIns="164592" tIns="18288" rIns="45720" bIns="27432" rtlCol="0" anchor="ctr" anchorCtr="0">
-                <a:spAutoFit/>
-              </a:bodyPr>
-              <a:lstStyle/>
-              <a:p>
-                <a:r>
-                  <a:rPr lang="en-US" sz="1200" dirty="0">
-                    <a:latin typeface="Segoe UI" pitchFamily="34" charset="0"/>
-                    <a:ea typeface="Segoe UI" pitchFamily="34" charset="0"/>
-                    <a:cs typeface="Segoe UI" pitchFamily="34" charset="0"/>
-                  </a:rPr>
-                  <a:t>text</a:t>
-                </a:r>
-              </a:p>
-            </p:txBody>
-          </p:sp>
-          <p:sp>
-            <p:nvSpPr>
-              <p:cNvPr id="19" name="CheckBox">
-                <a:extLst>
-                  <a:ext uri="{FF2B5EF4-FFF2-40B4-BE49-F238E27FC236}">
-                    <a16:creationId xmlns:a16="http://schemas.microsoft.com/office/drawing/2014/main" id="{B158C315-6ADD-4A46-919B-336E26A7733A}"/>
-                  </a:ext>
-                </a:extLst>
-              </p:cNvPr>
-              <p:cNvSpPr/>
-              <p:nvPr/>
-            </p:nvSpPr>
-            <p:spPr>
-              <a:xfrm>
-                <a:off x="5179843" y="2150902"/>
-                <a:ext cx="100012" cy="97631"/>
-              </a:xfrm>
-              <a:prstGeom prst="rect">
-                <a:avLst/>
-              </a:prstGeom>
-              <a:solidFill>
-                <a:srgbClr val="FFFFFF"/>
-              </a:solidFill>
-              <a:ln w="3175">
-                <a:solidFill>
-                  <a:srgbClr val="FFFFFF">
-                    <a:lumMod val="65000"/>
-                  </a:srgbClr>
-                </a:solidFill>
-              </a:ln>
-              <a:effectLst>
-                <a:innerShdw blurRad="63500">
-                  <a:prstClr val="black">
-                    <a:alpha val="17000"/>
-                  </a:prstClr>
-                </a:innerShdw>
-              </a:effectLst>
-            </p:spPr>
-            <p:style>
-              <a:lnRef idx="2">
-                <a:srgbClr val="4F81BD">
-                  <a:shade val="50000"/>
-                </a:srgbClr>
-              </a:lnRef>
-              <a:fillRef idx="1">
-                <a:srgbClr val="4F81BD"/>
-              </a:fillRef>
-              <a:effectRef idx="0">
-                <a:srgbClr val="4F81BD"/>
-              </a:effectRef>
-              <a:fontRef idx="minor">
-                <a:srgbClr val="000000"/>
-              </a:fontRef>
-            </p:style>
-            <p:txBody>
-              <a:bodyPr rtlCol="0" anchor="ctr"/>
-              <a:lstStyle/>
-              <a:p>
-                <a:pPr algn="ctr"/>
-                <a:endParaRPr lang="en-US" dirty="0"/>
-              </a:p>
-            </p:txBody>
-          </p:sp>
-        </p:grpSp>
-        <p:pic>
-          <p:nvPicPr>
-            <p:cNvPr id="17" name="Check" descr="C:\Users\t-dantay\Documents\WPIcons\appbar.check.rest.png">
-              <a:extLst>
-                <a:ext uri="{FF2B5EF4-FFF2-40B4-BE49-F238E27FC236}">
-                  <a16:creationId xmlns:a16="http://schemas.microsoft.com/office/drawing/2014/main" id="{13FBA7A5-A5EF-4DE8-A101-D8EA3B973450}"/>
-                </a:ext>
-              </a:extLst>
-            </p:cNvPr>
-            <p:cNvPicPr>
-              <a:picLocks noChangeAspect="1" noChangeArrowheads="1"/>
-            </p:cNvPicPr>
-            <p:nvPr/>
-          </p:nvPicPr>
-          <p:blipFill>
-            <a:blip r:embed="rId8" cstate="print">
-              <a:extLst>
-                <a:ext uri="{28A0092B-C50C-407E-A947-70E740481C1C}">
-                  <a14:useLocalDpi xmlns:a14="http://schemas.microsoft.com/office/drawing/2010/main" val="0"/>
-                </a:ext>
-              </a:extLst>
-            </a:blip>
-            <a:srcRect/>
-            <a:stretch>
-              <a:fillRect/>
-            </a:stretch>
-          </p:blipFill>
-          <p:spPr bwMode="auto">
-            <a:xfrm>
-              <a:off x="4317072" y="3344359"/>
-              <a:ext cx="182880" cy="182880"/>
-            </a:xfrm>
-            <a:prstGeom prst="rect">
-              <a:avLst/>
-            </a:prstGeom>
-            <a:noFill/>
-            <a:extLst>
-              <a:ext uri="{909E8E84-426E-40DD-AFC4-6F175D3DCCD1}">
-                <a14:hiddenFill xmlns:a14="http://schemas.microsoft.com/office/drawing/2010/main">
-                  <a:solidFill>
-                    <a:srgbClr val="FFFFFF"/>
-                  </a:solidFill>
-                </a14:hiddenFill>
-              </a:ext>
-            </a:extLst>
-          </p:spPr>
-        </p:pic>
-      </p:grpSp>
-    </p:spTree>
-    <p:extLst>
-      <p:ext uri="{BB962C8B-B14F-4D97-AF65-F5344CB8AC3E}">
-        <p14:creationId xmlns:p14="http://schemas.microsoft.com/office/powerpoint/2010/main" val="1474672924"/>
-      </p:ext>
-    </p:extLst>
-  </p:cSld>
-  <p:clrMapOvr>
-    <a:masterClrMapping/>
-  </p:clrMapOvr>
-</p:sld>
-</file>
-
-<file path=ppt/slides/slide4.xml><?xml version="1.0" encoding="utf-8"?>
-<p:sld xmlns:a="http://schemas.openxmlformats.org/drawingml/2006/main" xmlns:r="http://schemas.openxmlformats.org/officeDocument/2006/relationships" xmlns:p="http://schemas.openxmlformats.org/presentationml/2006/main">
-  <p:cSld>
-    <p:spTree>
-      <p:nvGrpSpPr>
-        <p:cNvPr id="1" name=""/>
-        <p:cNvGrpSpPr/>
-        <p:nvPr/>
-      </p:nvGrpSpPr>
-      <p:grpSpPr>
-        <a:xfrm>
-          <a:off x="0" y="0"/>
-          <a:ext cx="0" cy="0"/>
-          <a:chOff x="0" y="0"/>
-          <a:chExt cx="0" cy="0"/>
-        </a:xfrm>
-      </p:grpSpPr>
-    </p:spTree>
-    <p:extLst>
-      <p:ext uri="{BB962C8B-B14F-4D97-AF65-F5344CB8AC3E}">
-        <p14:creationId xmlns:p14="http://schemas.microsoft.com/office/powerpoint/2010/main" val="1608606141"/>
-      </p:ext>
-    </p:extLst>
-  </p:cSld>
-  <p:clrMapOvr>
-    <a:masterClrMapping/>
-  </p:clrMapOvr>
+  <mc:AlternateContent xmlns:mc="http://schemas.openxmlformats.org/markup-compatibility/2006">
+    <mc:Choice xmlns:p14="http://schemas.microsoft.com/office/powerpoint/2010/main" Requires="p14">
+      <p:transition spd="slow" p14:dur="2000" advClick="0"/>
+    </mc:Choice>
+    <mc:Fallback>
+      <p:transition spd="slow" advClick="0"/>
+    </mc:Fallback>
+  </mc:AlternateContent>
 </p:sld>
 </file>
 
@@ -6690,7 +10208,7 @@
 
 <file path=customXml/item10.xml><?xml version="1.0" encoding="utf-8"?>
 <Control xmlns="http://schemas.microsoft.com/VisualStudio/2011/storyboarding/control">
-  <Id Name="System.Storyboarding.WindowsAppIcons.Check" Revision="1" Stencil="System.Storyboarding.WindowsAppIcons" StencilVersion="0.1"/>
+  <Id Name="System.Storyboarding.Common.SearchBox" Revision="1" Stencil="System.Storyboarding.Common" StencilVersion="0.1"/>
 </Control>
 </file>
 
@@ -6726,55 +10244,235 @@
 
 <file path=customXml/item16.xml><?xml version="1.0" encoding="utf-8"?>
 <Control xmlns="http://schemas.microsoft.com/VisualStudio/2011/storyboarding/control">
-  <Id Name="System.Storyboarding.Common.CheckBoxChecked" Revision="1" Stencil="System.Storyboarding.Common" StencilVersion="0.1"/>
+  <Id Name="System.Storyboarding.Common.TextInput" Revision="1" Stencil="System.Storyboarding.Common" StencilVersion="0.1"/>
 </Control>
 </file>
 
-<file path=customXml/item2.xml><?xml version="1.0" encoding="utf-8"?>
+<file path=customXml/item17.xml><?xml version="1.0" encoding="utf-8"?>
 <Control xmlns="http://schemas.microsoft.com/VisualStudio/2011/storyboarding/control">
   <Id Name="System.Storyboarding.Common.TextInput" Revision="1" Stencil="System.Storyboarding.Common" StencilVersion="0.1"/>
 </Control>
 </file>
 
+<file path=customXml/item18.xml><?xml version="1.0" encoding="utf-8"?>
+<Control xmlns="http://schemas.microsoft.com/VisualStudio/2011/storyboarding/control">
+  <Id Name="System.Storyboarding.Annotation.StickyNote" Revision="1" Stencil="System.Storyboarding.Annotation" StencilVersion="0.1"/>
+</Control>
+</file>
+
+<file path=customXml/item19.xml><?xml version="1.0" encoding="utf-8"?>
+<Control xmlns="http://schemas.microsoft.com/VisualStudio/2011/storyboarding/control">
+  <Id Name="System.Storyboarding.Common.ScrollbarVertical" Revision="1" Stencil="System.Storyboarding.Common" StencilVersion="0.1"/>
+</Control>
+</file>
+
+<file path=customXml/item2.xml><?xml version="1.0" encoding="utf-8"?>
+<Control xmlns="http://schemas.microsoft.com/VisualStudio/2011/storyboarding/control">
+  <Id Name="System.Storyboarding.WindowsAppIcons.Check" Revision="1" Stencil="System.Storyboarding.WindowsAppIcons" StencilVersion="0.1"/>
+</Control>
+</file>
+
+<file path=customXml/item20.xml><?xml version="1.0" encoding="utf-8"?>
+<Control xmlns="http://schemas.microsoft.com/VisualStudio/2011/storyboarding/control">
+  <Id Name="System.Storyboarding.Common.CheckBoxUnchecked" Revision="1" Stencil="System.Storyboarding.Common" StencilVersion="0.1"/>
+</Control>
+</file>
+
+<file path=customXml/item21.xml><?xml version="1.0" encoding="utf-8"?>
+<Control xmlns="http://schemas.microsoft.com/VisualStudio/2011/storyboarding/control">
+  <Id Name="System.Storyboarding.Common.Button" Revision="1" Stencil="System.Storyboarding.Common" StencilVersion="0.1"/>
+</Control>
+</file>
+
+<file path=customXml/item22.xml><?xml version="1.0" encoding="utf-8"?>
+<Control xmlns="http://schemas.microsoft.com/VisualStudio/2011/storyboarding/control">
+  <Id Name="System.Storyboarding.Common.SearchBox" Revision="1" Stencil="System.Storyboarding.Common" StencilVersion="0.1"/>
+</Control>
+</file>
+
+<file path=customXml/item23.xml><?xml version="1.0" encoding="utf-8"?>
+<Control xmlns="http://schemas.microsoft.com/VisualStudio/2011/storyboarding/control">
+  <Id Name="System.Storyboarding.Common.TextInput" Revision="1" Stencil="System.Storyboarding.Common" StencilVersion="0.1"/>
+</Control>
+</file>
+
+<file path=customXml/item24.xml><?xml version="1.0" encoding="utf-8"?>
+<Control xmlns="http://schemas.microsoft.com/VisualStudio/2011/storyboarding/control">
+  <Id Name="System.Storyboarding.Common.TextInput" Revision="1" Stencil="System.Storyboarding.Common" StencilVersion="0.1"/>
+</Control>
+</file>
+
+<file path=customXml/item25.xml><?xml version="1.0" encoding="utf-8"?>
+<Control xmlns="http://schemas.microsoft.com/VisualStudio/2011/storyboarding/control">
+  <Id Name="System.Storyboarding.Common.TextInput" Revision="1" Stencil="System.Storyboarding.Common" StencilVersion="0.1"/>
+</Control>
+</file>
+
+<file path=customXml/item26.xml><?xml version="1.0" encoding="utf-8"?>
+<Control xmlns="http://schemas.microsoft.com/VisualStudio/2011/storyboarding/control">
+  <Id Name="System.Storyboarding.Common.TextInput" Revision="1" Stencil="System.Storyboarding.Common" StencilVersion="0.1"/>
+</Control>
+</file>
+
+<file path=customXml/item27.xml><?xml version="1.0" encoding="utf-8"?>
+<Control xmlns="http://schemas.microsoft.com/VisualStudio/2011/storyboarding/control">
+  <Id Name="System.Storyboarding.Common.TextInput" Revision="1" Stencil="System.Storyboarding.Common" StencilVersion="0.1"/>
+</Control>
+</file>
+
+<file path=customXml/item28.xml><?xml version="1.0" encoding="utf-8"?>
+<Control xmlns="http://schemas.microsoft.com/VisualStudio/2011/storyboarding/control">
+  <Id Name="System.Storyboarding.Annotation.StickyNote" Revision="1" Stencil="System.Storyboarding.Annotation" StencilVersion="0.1"/>
+</Control>
+</file>
+
+<file path=customXml/item29.xml><?xml version="1.0" encoding="utf-8"?>
+<Control xmlns="http://schemas.microsoft.com/VisualStudio/2011/storyboarding/control">
+  <Id Name="System.Storyboarding.Common.ScrollbarVertical" Revision="1" Stencil="System.Storyboarding.Common" StencilVersion="0.1"/>
+</Control>
+</file>
+
 <file path=customXml/item3.xml><?xml version="1.0" encoding="utf-8"?>
+<Control xmlns="http://schemas.microsoft.com/VisualStudio/2011/storyboarding/control">
+  <Id Name="System.Storyboarding.Common.TextInput" Revision="1" Stencil="System.Storyboarding.Common" StencilVersion="0.1"/>
+</Control>
+</file>
+
+<file path=customXml/item30.xml><?xml version="1.0" encoding="utf-8"?>
+<Control xmlns="http://schemas.microsoft.com/VisualStudio/2011/storyboarding/control">
+  <Id Name="System.Storyboarding.Common.CheckBoxUnchecked" Revision="1" Stencil="System.Storyboarding.Common" StencilVersion="0.1"/>
+</Control>
+</file>
+
+<file path=customXml/item31.xml><?xml version="1.0" encoding="utf-8"?>
+<Control xmlns="http://schemas.microsoft.com/VisualStudio/2011/storyboarding/control">
+  <Id Name="System.Storyboarding.Common.Button" Revision="1" Stencil="System.Storyboarding.Common" StencilVersion="0.1"/>
+</Control>
+</file>
+
+<file path=customXml/item32.xml><?xml version="1.0" encoding="utf-8"?>
+<Control xmlns="http://schemas.microsoft.com/VisualStudio/2011/storyboarding/control">
+  <Id Name="System.Storyboarding.Common.TextInput" Revision="1" Stencil="System.Storyboarding.Common" StencilVersion="0.1"/>
+</Control>
+</file>
+
+<file path=customXml/item33.xml><?xml version="1.0" encoding="utf-8"?>
+<Control xmlns="http://schemas.microsoft.com/VisualStudio/2011/storyboarding/control">
+  <Id Name="System.Storyboarding.Common.SearchBox" Revision="1" Stencil="System.Storyboarding.Common" StencilVersion="0.1"/>
+</Control>
+</file>
+
+<file path=customXml/item34.xml><?xml version="1.0" encoding="utf-8"?>
+<Control xmlns="http://schemas.microsoft.com/VisualStudio/2011/storyboarding/control">
+  <Id Name="System.Storyboarding.Common.TextInput" Revision="1" Stencil="System.Storyboarding.Common" StencilVersion="0.1"/>
+</Control>
+</file>
+
+<file path=customXml/item35.xml><?xml version="1.0" encoding="utf-8"?>
+<Control xmlns="http://schemas.microsoft.com/VisualStudio/2011/storyboarding/control">
+  <Id Name="System.Storyboarding.Common.TextInput" Revision="1" Stencil="System.Storyboarding.Common" StencilVersion="0.1"/>
+</Control>
+</file>
+
+<file path=customXml/item36.xml><?xml version="1.0" encoding="utf-8"?>
+<Control xmlns="http://schemas.microsoft.com/VisualStudio/2011/storyboarding/control">
+  <Id Name="System.Storyboarding.Common.TextInput" Revision="1" Stencil="System.Storyboarding.Common" StencilVersion="0.1"/>
+</Control>
+</file>
+
+<file path=customXml/item37.xml><?xml version="1.0" encoding="utf-8"?>
+<Control xmlns="http://schemas.microsoft.com/VisualStudio/2011/storyboarding/control">
+  <Id Name="System.Storyboarding.Common.TextInput" Revision="1" Stencil="System.Storyboarding.Common" StencilVersion="0.1"/>
+</Control>
+</file>
+
+<file path=customXml/item38.xml><?xml version="1.0" encoding="utf-8"?>
+<Control xmlns="http://schemas.microsoft.com/VisualStudio/2011/storyboarding/control">
+  <Id Name="System.Storyboarding.Common.TextInput" Revision="1" Stencil="System.Storyboarding.Common" StencilVersion="0.1"/>
+</Control>
+</file>
+
+<file path=customXml/item39.xml><?xml version="1.0" encoding="utf-8"?>
+<Control xmlns="http://schemas.microsoft.com/VisualStudio/2011/storyboarding/control">
+  <Id Name="System.Storyboarding.Annotation.StickyNote" Revision="1" Stencil="System.Storyboarding.Annotation" StencilVersion="0.1"/>
+</Control>
+</file>
+
+<file path=customXml/item4.xml><?xml version="1.0" encoding="utf-8"?>
 <Control xmlns="http://schemas.microsoft.com/VisualStudio/2011/storyboarding/control">
   <Id Name="System.Storyboarding.Common.TextArea" Revision="1" Stencil="System.Storyboarding.Common" StencilVersion="0.1"/>
 </Control>
 </file>
 
-<file path=customXml/item4.xml><?xml version="1.0" encoding="utf-8"?>
+<file path=customXml/item40.xml><?xml version="1.0" encoding="utf-8"?>
 <Control xmlns="http://schemas.microsoft.com/VisualStudio/2011/storyboarding/control">
-  <Id Name="System.Storyboarding.Common.TextInput" Revision="1" Stencil="System.Storyboarding.Common" StencilVersion="0.1"/>
+  <Id Name="System.Storyboarding.Common.ScrollbarVertical" Revision="1" Stencil="System.Storyboarding.Common" StencilVersion="0.1"/>
+</Control>
+</file>
+
+<file path=customXml/item41.xml><?xml version="1.0" encoding="utf-8"?>
+<Control xmlns="http://schemas.microsoft.com/VisualStudio/2011/storyboarding/control">
+  <Id Name="System.Storyboarding.Common.CheckBoxUnchecked" Revision="1" Stencil="System.Storyboarding.Common" StencilVersion="0.1"/>
+</Control>
+</file>
+
+<file path=customXml/item42.xml><?xml version="1.0" encoding="utf-8"?>
+<Control xmlns="http://schemas.microsoft.com/VisualStudio/2011/storyboarding/control">
+  <Id Name="System.Storyboarding.Common.Button" Revision="1" Stencil="System.Storyboarding.Common" StencilVersion="0.1"/>
+</Control>
+</file>
+
+<file path=customXml/item43.xml><?xml version="1.0" encoding="utf-8"?>
+<Control xmlns="http://schemas.microsoft.com/VisualStudio/2011/storyboarding/control">
+  <Id Name="System.Storyboarding.Common.CheckBoxChecked" Revision="1" Stencil="System.Storyboarding.Common" StencilVersion="0.1"/>
+</Control>
+</file>
+
+<file path=customXml/item44.xml><?xml version="1.0" encoding="utf-8"?>
+<Control xmlns="http://schemas.microsoft.com/VisualStudio/2011/storyboarding/control">
+  <Id Name="System.Storyboarding.Common.CheckBoxChecked" Revision="1" Stencil="System.Storyboarding.Common" StencilVersion="0.1"/>
+</Control>
+</file>
+
+<file path=customXml/item45.xml><?xml version="1.0" encoding="utf-8"?>
+<Control xmlns="http://schemas.microsoft.com/VisualStudio/2011/storyboarding/control">
+  <Id Name="System.Storyboarding.Common.CheckBoxUnchecked" Revision="1" Stencil="System.Storyboarding.Common" StencilVersion="0.1"/>
+</Control>
+</file>
+
+<file path=customXml/item46.xml><?xml version="1.0" encoding="utf-8"?>
+<Control xmlns="http://schemas.microsoft.com/VisualStudio/2011/storyboarding/control">
+  <Id Name="System.Storyboarding.Common.CheckBoxUnchecked" Revision="1" Stencil="System.Storyboarding.Common" StencilVersion="0.1"/>
 </Control>
 </file>
 
 <file path=customXml/item5.xml><?xml version="1.0" encoding="utf-8"?>
 <Control xmlns="http://schemas.microsoft.com/VisualStudio/2011/storyboarding/control">
-  <Id Name="System.Storyboarding.Common.TextInput" Revision="1" Stencil="System.Storyboarding.Common" StencilVersion="0.1"/>
+  <Id Name="System.Storyboarding.Backgrounds.WebBrowser" Revision="1" Stencil="System.Storyboarding.Backgrounds" StencilVersion="0.1"/>
 </Control>
 </file>
 
 <file path=customXml/item6.xml><?xml version="1.0" encoding="utf-8"?>
 <Control xmlns="http://schemas.microsoft.com/VisualStudio/2011/storyboarding/control">
-  <Id Name="System.Storyboarding.Common.TextInput" Revision="1" Stencil="System.Storyboarding.Common" StencilVersion="0.1"/>
+  <Id Name="System.Storyboarding.Backgrounds.WebBrowser" Revision="1" Stencil="System.Storyboarding.Backgrounds" StencilVersion="0.1"/>
 </Control>
 </file>
 
 <file path=customXml/item7.xml><?xml version="1.0" encoding="utf-8"?>
 <Control xmlns="http://schemas.microsoft.com/VisualStudio/2011/storyboarding/control">
-  <Id Name="System.Storyboarding.Common.TextInput" Revision="1" Stencil="System.Storyboarding.Common" StencilVersion="0.1"/>
+  <Id Name="System.Storyboarding.Backgrounds.WebBrowser" Revision="1" Stencil="System.Storyboarding.Backgrounds" StencilVersion="0.1"/>
 </Control>
 </file>
 
 <file path=customXml/item8.xml><?xml version="1.0" encoding="utf-8"?>
 <Control xmlns="http://schemas.microsoft.com/VisualStudio/2011/storyboarding/control">
-  <Id Name="System.Storyboarding.Common.TextInput" Revision="1" Stencil="System.Storyboarding.Common" StencilVersion="0.1"/>
+  <Id Name="System.Storyboarding.Common.Button" Revision="1" Stencil="System.Storyboarding.Common" StencilVersion="0.1"/>
 </Control>
 </file>
 
 <file path=customXml/item9.xml><?xml version="1.0" encoding="utf-8"?>
 <Control xmlns="http://schemas.microsoft.com/VisualStudio/2011/storyboarding/control">
-  <Id Name="System.Storyboarding.Common.CheckBoxUnchecked" Revision="1" Stencil="System.Storyboarding.Common" StencilVersion="0.1"/>
+  <Id Name="System.Storyboarding.Common.SearchBox" Revision="1" Stencil="System.Storyboarding.Common" StencilVersion="0.1"/>
 </Control>
 </file>
 
@@ -6787,6 +10485,86 @@
 </file>
 
 <file path=customXml/itemProps10.xml><?xml version="1.0" encoding="utf-8"?>
+<ds:datastoreItem xmlns:ds="http://schemas.openxmlformats.org/officeDocument/2006/customXml" ds:itemID="{AABF63A9-AA30-4DF6-8EF2-972AB7A4097F}">
+  <ds:schemaRefs>
+    <ds:schemaRef ds:uri="http://schemas.microsoft.com/VisualStudio/2011/storyboarding/control"/>
+  </ds:schemaRefs>
+</ds:datastoreItem>
+</file>
+
+<file path=customXml/itemProps11.xml><?xml version="1.0" encoding="utf-8"?>
+<ds:datastoreItem xmlns:ds="http://schemas.openxmlformats.org/officeDocument/2006/customXml" ds:itemID="{3DDBA3E6-6C5A-4905-87BF-300A95711014}">
+  <ds:schemaRefs>
+    <ds:schemaRef ds:uri="http://schemas.microsoft.com/VisualStudio/2011/storyboarding/control"/>
+  </ds:schemaRefs>
+</ds:datastoreItem>
+</file>
+
+<file path=customXml/itemProps12.xml><?xml version="1.0" encoding="utf-8"?>
+<ds:datastoreItem xmlns:ds="http://schemas.openxmlformats.org/officeDocument/2006/customXml" ds:itemID="{48A06D39-512F-41A5-AE3C-7B4CDB4AC086}">
+  <ds:schemaRefs>
+    <ds:schemaRef ds:uri="http://schemas.microsoft.com/VisualStudio/2011/storyboarding/control"/>
+  </ds:schemaRefs>
+</ds:datastoreItem>
+</file>
+
+<file path=customXml/itemProps13.xml><?xml version="1.0" encoding="utf-8"?>
+<ds:datastoreItem xmlns:ds="http://schemas.openxmlformats.org/officeDocument/2006/customXml" ds:itemID="{43588560-03AB-428A-9CE4-A6AC7508369A}">
+  <ds:schemaRefs>
+    <ds:schemaRef ds:uri="http://schemas.microsoft.com/VisualStudio/2011/storyboarding/control"/>
+  </ds:schemaRefs>
+</ds:datastoreItem>
+</file>
+
+<file path=customXml/itemProps14.xml><?xml version="1.0" encoding="utf-8"?>
+<ds:datastoreItem xmlns:ds="http://schemas.openxmlformats.org/officeDocument/2006/customXml" ds:itemID="{D54CCA4C-C7B0-4AED-9D56-0F76C035783B}">
+  <ds:schemaRefs>
+    <ds:schemaRef ds:uri="http://schemas.microsoft.com/VisualStudio/2011/storyboarding/control"/>
+  </ds:schemaRefs>
+</ds:datastoreItem>
+</file>
+
+<file path=customXml/itemProps15.xml><?xml version="1.0" encoding="utf-8"?>
+<ds:datastoreItem xmlns:ds="http://schemas.openxmlformats.org/officeDocument/2006/customXml" ds:itemID="{C170435E-AA56-4732-BD81-63AD243D433D}">
+  <ds:schemaRefs>
+    <ds:schemaRef ds:uri="http://schemas.microsoft.com/VisualStudio/2011/storyboarding/control"/>
+  </ds:schemaRefs>
+</ds:datastoreItem>
+</file>
+
+<file path=customXml/itemProps16.xml><?xml version="1.0" encoding="utf-8"?>
+<ds:datastoreItem xmlns:ds="http://schemas.openxmlformats.org/officeDocument/2006/customXml" ds:itemID="{CF03DD0F-EDED-4182-BF0D-C60EA8AC9FC5}">
+  <ds:schemaRefs>
+    <ds:schemaRef ds:uri="http://schemas.microsoft.com/VisualStudio/2011/storyboarding/control"/>
+  </ds:schemaRefs>
+</ds:datastoreItem>
+</file>
+
+<file path=customXml/itemProps17.xml><?xml version="1.0" encoding="utf-8"?>
+<ds:datastoreItem xmlns:ds="http://schemas.openxmlformats.org/officeDocument/2006/customXml" ds:itemID="{CC5F127A-2521-4BB3-9D64-238B9FDD6AF8}">
+  <ds:schemaRefs>
+    <ds:schemaRef ds:uri="http://schemas.microsoft.com/VisualStudio/2011/storyboarding/control"/>
+  </ds:schemaRefs>
+</ds:datastoreItem>
+</file>
+
+<file path=customXml/itemProps18.xml><?xml version="1.0" encoding="utf-8"?>
+<ds:datastoreItem xmlns:ds="http://schemas.openxmlformats.org/officeDocument/2006/customXml" ds:itemID="{CABD2B3A-1161-43E2-BA83-58E6B897C9BF}">
+  <ds:schemaRefs>
+    <ds:schemaRef ds:uri="http://schemas.microsoft.com/VisualStudio/2011/storyboarding/control"/>
+  </ds:schemaRefs>
+</ds:datastoreItem>
+</file>
+
+<file path=customXml/itemProps19.xml><?xml version="1.0" encoding="utf-8"?>
+<ds:datastoreItem xmlns:ds="http://schemas.openxmlformats.org/officeDocument/2006/customXml" ds:itemID="{8A260A91-3FD6-475C-8E6F-434835560933}">
+  <ds:schemaRefs>
+    <ds:schemaRef ds:uri="http://schemas.microsoft.com/VisualStudio/2011/storyboarding/control"/>
+  </ds:schemaRefs>
+</ds:datastoreItem>
+</file>
+
+<file path=customXml/itemProps2.xml><?xml version="1.0" encoding="utf-8"?>
 <ds:datastoreItem xmlns:ds="http://schemas.openxmlformats.org/officeDocument/2006/customXml" ds:itemID="{17A9B085-8E1A-4A33-B871-8166221A211A}">
   <ds:schemaRefs>
     <ds:schemaRef ds:uri="http://schemas.microsoft.com/VisualStudio/2011/storyboarding/control"/>
@@ -6794,63 +10572,175 @@
 </ds:datastoreItem>
 </file>
 
-<file path=customXml/itemProps11.xml><?xml version="1.0" encoding="utf-8"?>
-<ds:datastoreItem xmlns:ds="http://schemas.openxmlformats.org/officeDocument/2006/customXml" ds:itemID="{AD012A4B-9093-4523-8062-C249B38CD672}">
+<file path=customXml/itemProps20.xml><?xml version="1.0" encoding="utf-8"?>
+<ds:datastoreItem xmlns:ds="http://schemas.openxmlformats.org/officeDocument/2006/customXml" ds:itemID="{F840D909-519B-49C3-9DCA-97C64A5B9C79}">
   <ds:schemaRefs>
     <ds:schemaRef ds:uri="http://schemas.microsoft.com/VisualStudio/2011/storyboarding/control"/>
   </ds:schemaRefs>
 </ds:datastoreItem>
 </file>
 
-<file path=customXml/itemProps12.xml><?xml version="1.0" encoding="utf-8"?>
-<ds:datastoreItem xmlns:ds="http://schemas.openxmlformats.org/officeDocument/2006/customXml" ds:itemID="{3FDA0535-2A7B-49E1-A854-74646AB71331}">
+<file path=customXml/itemProps21.xml><?xml version="1.0" encoding="utf-8"?>
+<ds:datastoreItem xmlns:ds="http://schemas.openxmlformats.org/officeDocument/2006/customXml" ds:itemID="{B7D85223-23F1-4ACF-89DD-EE38AA7E4772}">
   <ds:schemaRefs>
     <ds:schemaRef ds:uri="http://schemas.microsoft.com/VisualStudio/2011/storyboarding/control"/>
   </ds:schemaRefs>
 </ds:datastoreItem>
 </file>
 
-<file path=customXml/itemProps13.xml><?xml version="1.0" encoding="utf-8"?>
-<ds:datastoreItem xmlns:ds="http://schemas.openxmlformats.org/officeDocument/2006/customXml" ds:itemID="{19905814-57A6-49D1-AA9F-B3C8FD33E83B}">
+<file path=customXml/itemProps22.xml><?xml version="1.0" encoding="utf-8"?>
+<ds:datastoreItem xmlns:ds="http://schemas.openxmlformats.org/officeDocument/2006/customXml" ds:itemID="{8AE17CAA-BEF2-44CD-9DEE-2F8C17585A32}">
   <ds:schemaRefs>
     <ds:schemaRef ds:uri="http://schemas.microsoft.com/VisualStudio/2011/storyboarding/control"/>
   </ds:schemaRefs>
 </ds:datastoreItem>
 </file>
 
-<file path=customXml/itemProps14.xml><?xml version="1.0" encoding="utf-8"?>
-<ds:datastoreItem xmlns:ds="http://schemas.openxmlformats.org/officeDocument/2006/customXml" ds:itemID="{3A04C575-09D5-490D-A92C-8879EC4DE9A9}">
+<file path=customXml/itemProps23.xml><?xml version="1.0" encoding="utf-8"?>
+<ds:datastoreItem xmlns:ds="http://schemas.openxmlformats.org/officeDocument/2006/customXml" ds:itemID="{4ABC8992-C4EA-45C3-A598-324942FE08FB}">
   <ds:schemaRefs>
     <ds:schemaRef ds:uri="http://schemas.microsoft.com/VisualStudio/2011/storyboarding/control"/>
   </ds:schemaRefs>
 </ds:datastoreItem>
 </file>
 
-<file path=customXml/itemProps15.xml><?xml version="1.0" encoding="utf-8"?>
-<ds:datastoreItem xmlns:ds="http://schemas.openxmlformats.org/officeDocument/2006/customXml" ds:itemID="{CE0F0866-F611-492D-B0C7-D0CAE1DC7F10}">
+<file path=customXml/itemProps24.xml><?xml version="1.0" encoding="utf-8"?>
+<ds:datastoreItem xmlns:ds="http://schemas.openxmlformats.org/officeDocument/2006/customXml" ds:itemID="{654CBC2D-27EC-43DB-ABA4-3FBDF37D3735}">
   <ds:schemaRefs>
     <ds:schemaRef ds:uri="http://schemas.microsoft.com/VisualStudio/2011/storyboarding/control"/>
   </ds:schemaRefs>
 </ds:datastoreItem>
 </file>
 
-<file path=customXml/itemProps16.xml><?xml version="1.0" encoding="utf-8"?>
-<ds:datastoreItem xmlns:ds="http://schemas.openxmlformats.org/officeDocument/2006/customXml" ds:itemID="{86102B2A-BE26-4B46-9EE6-80552C12EB12}">
+<file path=customXml/itemProps25.xml><?xml version="1.0" encoding="utf-8"?>
+<ds:datastoreItem xmlns:ds="http://schemas.openxmlformats.org/officeDocument/2006/customXml" ds:itemID="{1159427B-15B9-477B-8DAD-D7C81D705523}">
   <ds:schemaRefs>
     <ds:schemaRef ds:uri="http://schemas.microsoft.com/VisualStudio/2011/storyboarding/control"/>
   </ds:schemaRefs>
 </ds:datastoreItem>
 </file>
 
-<file path=customXml/itemProps2.xml><?xml version="1.0" encoding="utf-8"?>
-<ds:datastoreItem xmlns:ds="http://schemas.openxmlformats.org/officeDocument/2006/customXml" ds:itemID="{BB96A116-43B2-4B62-93EA-89DA084201A0}">
+<file path=customXml/itemProps26.xml><?xml version="1.0" encoding="utf-8"?>
+<ds:datastoreItem xmlns:ds="http://schemas.openxmlformats.org/officeDocument/2006/customXml" ds:itemID="{990EA9D7-70A1-4B9E-958D-6A0136D68D06}">
   <ds:schemaRefs>
     <ds:schemaRef ds:uri="http://schemas.microsoft.com/VisualStudio/2011/storyboarding/control"/>
   </ds:schemaRefs>
 </ds:datastoreItem>
 </file>
 
+<file path=customXml/itemProps27.xml><?xml version="1.0" encoding="utf-8"?>
+<ds:datastoreItem xmlns:ds="http://schemas.openxmlformats.org/officeDocument/2006/customXml" ds:itemID="{247695CD-B2DD-488A-8575-5345C166802C}">
+  <ds:schemaRefs>
+    <ds:schemaRef ds:uri="http://schemas.microsoft.com/VisualStudio/2011/storyboarding/control"/>
+  </ds:schemaRefs>
+</ds:datastoreItem>
+</file>
+
+<file path=customXml/itemProps28.xml><?xml version="1.0" encoding="utf-8"?>
+<ds:datastoreItem xmlns:ds="http://schemas.openxmlformats.org/officeDocument/2006/customXml" ds:itemID="{C30452E4-8A6C-404A-B689-8E04350A6B59}">
+  <ds:schemaRefs>
+    <ds:schemaRef ds:uri="http://schemas.microsoft.com/VisualStudio/2011/storyboarding/control"/>
+  </ds:schemaRefs>
+</ds:datastoreItem>
+</file>
+
+<file path=customXml/itemProps29.xml><?xml version="1.0" encoding="utf-8"?>
+<ds:datastoreItem xmlns:ds="http://schemas.openxmlformats.org/officeDocument/2006/customXml" ds:itemID="{9DAF7C4A-2E75-435E-8C11-B1DC53AC52EB}">
+  <ds:schemaRefs>
+    <ds:schemaRef ds:uri="http://schemas.microsoft.com/VisualStudio/2011/storyboarding/control"/>
+  </ds:schemaRefs>
+</ds:datastoreItem>
+</file>
+
 <file path=customXml/itemProps3.xml><?xml version="1.0" encoding="utf-8"?>
+<ds:datastoreItem xmlns:ds="http://schemas.openxmlformats.org/officeDocument/2006/customXml" ds:itemID="{876AF238-A0AE-4CE4-9709-BB19E770A0FF}">
+  <ds:schemaRefs>
+    <ds:schemaRef ds:uri="http://schemas.microsoft.com/VisualStudio/2011/storyboarding/control"/>
+  </ds:schemaRefs>
+</ds:datastoreItem>
+</file>
+
+<file path=customXml/itemProps30.xml><?xml version="1.0" encoding="utf-8"?>
+<ds:datastoreItem xmlns:ds="http://schemas.openxmlformats.org/officeDocument/2006/customXml" ds:itemID="{7FDD124D-E3E9-4D15-9954-8BE945E00BA2}">
+  <ds:schemaRefs>
+    <ds:schemaRef ds:uri="http://schemas.microsoft.com/VisualStudio/2011/storyboarding/control"/>
+  </ds:schemaRefs>
+</ds:datastoreItem>
+</file>
+
+<file path=customXml/itemProps31.xml><?xml version="1.0" encoding="utf-8"?>
+<ds:datastoreItem xmlns:ds="http://schemas.openxmlformats.org/officeDocument/2006/customXml" ds:itemID="{FD7A3CF8-3A66-47F9-8AD7-22127504A57F}">
+  <ds:schemaRefs>
+    <ds:schemaRef ds:uri="http://schemas.microsoft.com/VisualStudio/2011/storyboarding/control"/>
+  </ds:schemaRefs>
+</ds:datastoreItem>
+</file>
+
+<file path=customXml/itemProps32.xml><?xml version="1.0" encoding="utf-8"?>
+<ds:datastoreItem xmlns:ds="http://schemas.openxmlformats.org/officeDocument/2006/customXml" ds:itemID="{438B7A44-EBDD-41BA-B093-6D278F4F7459}">
+  <ds:schemaRefs>
+    <ds:schemaRef ds:uri="http://schemas.microsoft.com/VisualStudio/2011/storyboarding/control"/>
+  </ds:schemaRefs>
+</ds:datastoreItem>
+</file>
+
+<file path=customXml/itemProps33.xml><?xml version="1.0" encoding="utf-8"?>
+<ds:datastoreItem xmlns:ds="http://schemas.openxmlformats.org/officeDocument/2006/customXml" ds:itemID="{5C224794-B045-4886-829C-92458CB30DC4}">
+  <ds:schemaRefs>
+    <ds:schemaRef ds:uri="http://schemas.microsoft.com/VisualStudio/2011/storyboarding/control"/>
+  </ds:schemaRefs>
+</ds:datastoreItem>
+</file>
+
+<file path=customXml/itemProps34.xml><?xml version="1.0" encoding="utf-8"?>
+<ds:datastoreItem xmlns:ds="http://schemas.openxmlformats.org/officeDocument/2006/customXml" ds:itemID="{62AA8629-79BF-4A4A-B887-7D1AB040C125}">
+  <ds:schemaRefs>
+    <ds:schemaRef ds:uri="http://schemas.microsoft.com/VisualStudio/2011/storyboarding/control"/>
+  </ds:schemaRefs>
+</ds:datastoreItem>
+</file>
+
+<file path=customXml/itemProps35.xml><?xml version="1.0" encoding="utf-8"?>
+<ds:datastoreItem xmlns:ds="http://schemas.openxmlformats.org/officeDocument/2006/customXml" ds:itemID="{E46C0A70-C517-4DA3-9709-AC28499E8FFA}">
+  <ds:schemaRefs>
+    <ds:schemaRef ds:uri="http://schemas.microsoft.com/VisualStudio/2011/storyboarding/control"/>
+  </ds:schemaRefs>
+</ds:datastoreItem>
+</file>
+
+<file path=customXml/itemProps36.xml><?xml version="1.0" encoding="utf-8"?>
+<ds:datastoreItem xmlns:ds="http://schemas.openxmlformats.org/officeDocument/2006/customXml" ds:itemID="{1C2EB5F0-1B67-4013-A008-121325030C8D}">
+  <ds:schemaRefs>
+    <ds:schemaRef ds:uri="http://schemas.microsoft.com/VisualStudio/2011/storyboarding/control"/>
+  </ds:schemaRefs>
+</ds:datastoreItem>
+</file>
+
+<file path=customXml/itemProps37.xml><?xml version="1.0" encoding="utf-8"?>
+<ds:datastoreItem xmlns:ds="http://schemas.openxmlformats.org/officeDocument/2006/customXml" ds:itemID="{5AA9117C-EE21-4218-9C9F-C4D2257B122B}">
+  <ds:schemaRefs>
+    <ds:schemaRef ds:uri="http://schemas.microsoft.com/VisualStudio/2011/storyboarding/control"/>
+  </ds:schemaRefs>
+</ds:datastoreItem>
+</file>
+
+<file path=customXml/itemProps38.xml><?xml version="1.0" encoding="utf-8"?>
+<ds:datastoreItem xmlns:ds="http://schemas.openxmlformats.org/officeDocument/2006/customXml" ds:itemID="{19117BA5-C181-4180-919E-D397ACAFD6D8}">
+  <ds:schemaRefs>
+    <ds:schemaRef ds:uri="http://schemas.microsoft.com/VisualStudio/2011/storyboarding/control"/>
+  </ds:schemaRefs>
+</ds:datastoreItem>
+</file>
+
+<file path=customXml/itemProps39.xml><?xml version="1.0" encoding="utf-8"?>
+<ds:datastoreItem xmlns:ds="http://schemas.openxmlformats.org/officeDocument/2006/customXml" ds:itemID="{B70A2C2C-82CF-4B04-8174-E87FAC9295FA}">
+  <ds:schemaRefs>
+    <ds:schemaRef ds:uri="http://schemas.microsoft.com/VisualStudio/2011/storyboarding/control"/>
+  </ds:schemaRefs>
+</ds:datastoreItem>
+</file>
+
+<file path=customXml/itemProps4.xml><?xml version="1.0" encoding="utf-8"?>
 <ds:datastoreItem xmlns:ds="http://schemas.openxmlformats.org/officeDocument/2006/customXml" ds:itemID="{161C1280-5A04-4E6E-8FE3-21E316A51B59}">
   <ds:schemaRefs>
     <ds:schemaRef ds:uri="http://schemas.microsoft.com/VisualStudio/2011/storyboarding/control"/>
@@ -6858,48 +10748,96 @@
 </ds:datastoreItem>
 </file>
 
-<file path=customXml/itemProps4.xml><?xml version="1.0" encoding="utf-8"?>
-<ds:datastoreItem xmlns:ds="http://schemas.openxmlformats.org/officeDocument/2006/customXml" ds:itemID="{876AF238-A0AE-4CE4-9709-BB19E770A0FF}">
+<file path=customXml/itemProps40.xml><?xml version="1.0" encoding="utf-8"?>
+<ds:datastoreItem xmlns:ds="http://schemas.openxmlformats.org/officeDocument/2006/customXml" ds:itemID="{37EA982A-C507-43F8-A21D-28E009629826}">
   <ds:schemaRefs>
     <ds:schemaRef ds:uri="http://schemas.microsoft.com/VisualStudio/2011/storyboarding/control"/>
   </ds:schemaRefs>
 </ds:datastoreItem>
 </file>
 
-<file path=customXml/itemProps5.xml><?xml version="1.0" encoding="utf-8"?>
-<ds:datastoreItem xmlns:ds="http://schemas.openxmlformats.org/officeDocument/2006/customXml" ds:itemID="{0F6F8DC2-2A2D-495B-980B-D23907D346E8}">
+<file path=customXml/itemProps41.xml><?xml version="1.0" encoding="utf-8"?>
+<ds:datastoreItem xmlns:ds="http://schemas.openxmlformats.org/officeDocument/2006/customXml" ds:itemID="{C2FBE948-B9F1-4F1A-AC4F-03962924DC85}">
   <ds:schemaRefs>
     <ds:schemaRef ds:uri="http://schemas.microsoft.com/VisualStudio/2011/storyboarding/control"/>
   </ds:schemaRefs>
 </ds:datastoreItem>
 </file>
 
-<file path=customXml/itemProps6.xml><?xml version="1.0" encoding="utf-8"?>
-<ds:datastoreItem xmlns:ds="http://schemas.openxmlformats.org/officeDocument/2006/customXml" ds:itemID="{284BD797-B171-48E1-8E22-DD76FD4129C0}">
+<file path=customXml/itemProps42.xml><?xml version="1.0" encoding="utf-8"?>
+<ds:datastoreItem xmlns:ds="http://schemas.openxmlformats.org/officeDocument/2006/customXml" ds:itemID="{A3209A14-0F86-4BB4-9200-C895ED29F9DA}">
   <ds:schemaRefs>
     <ds:schemaRef ds:uri="http://schemas.microsoft.com/VisualStudio/2011/storyboarding/control"/>
   </ds:schemaRefs>
 </ds:datastoreItem>
 </file>
 
-<file path=customXml/itemProps7.xml><?xml version="1.0" encoding="utf-8"?>
-<ds:datastoreItem xmlns:ds="http://schemas.openxmlformats.org/officeDocument/2006/customXml" ds:itemID="{34037C4F-D893-4413-988B-729B8B46800D}">
+<file path=customXml/itemProps43.xml><?xml version="1.0" encoding="utf-8"?>
+<ds:datastoreItem xmlns:ds="http://schemas.openxmlformats.org/officeDocument/2006/customXml" ds:itemID="{834D7D45-E434-4158-A5A7-83E3D8223C55}">
   <ds:schemaRefs>
     <ds:schemaRef ds:uri="http://schemas.microsoft.com/VisualStudio/2011/storyboarding/control"/>
   </ds:schemaRefs>
 </ds:datastoreItem>
 </file>
 
-<file path=customXml/itemProps8.xml><?xml version="1.0" encoding="utf-8"?>
-<ds:datastoreItem xmlns:ds="http://schemas.openxmlformats.org/officeDocument/2006/customXml" ds:itemID="{445CE2F8-1402-4839-974C-D8489C186CDE}">
+<file path=customXml/itemProps44.xml><?xml version="1.0" encoding="utf-8"?>
+<ds:datastoreItem xmlns:ds="http://schemas.openxmlformats.org/officeDocument/2006/customXml" ds:itemID="{0B5327E3-0261-4B48-BF6B-FF0257762827}">
   <ds:schemaRefs>
     <ds:schemaRef ds:uri="http://schemas.microsoft.com/VisualStudio/2011/storyboarding/control"/>
   </ds:schemaRefs>
 </ds:datastoreItem>
 </file>
 
+<file path=customXml/itemProps45.xml><?xml version="1.0" encoding="utf-8"?>
+<ds:datastoreItem xmlns:ds="http://schemas.openxmlformats.org/officeDocument/2006/customXml" ds:itemID="{242277DC-9C6E-4A37-8EF1-8812626C1571}">
+  <ds:schemaRefs>
+    <ds:schemaRef ds:uri="http://schemas.microsoft.com/VisualStudio/2011/storyboarding/control"/>
+  </ds:schemaRefs>
+</ds:datastoreItem>
+</file>
+
+<file path=customXml/itemProps46.xml><?xml version="1.0" encoding="utf-8"?>
+<ds:datastoreItem xmlns:ds="http://schemas.openxmlformats.org/officeDocument/2006/customXml" ds:itemID="{48F85951-6571-4AA7-9B26-EEF9CD4B541F}">
+  <ds:schemaRefs>
+    <ds:schemaRef ds:uri="http://schemas.microsoft.com/VisualStudio/2011/storyboarding/control"/>
+  </ds:schemaRefs>
+</ds:datastoreItem>
+</file>
+
+<file path=customXml/itemProps5.xml><?xml version="1.0" encoding="utf-8"?>
+<ds:datastoreItem xmlns:ds="http://schemas.openxmlformats.org/officeDocument/2006/customXml" ds:itemID="{228AF168-33A9-492E-910D-EAE94E644B4A}">
+  <ds:schemaRefs>
+    <ds:schemaRef ds:uri="http://schemas.microsoft.com/VisualStudio/2011/storyboarding/control"/>
+  </ds:schemaRefs>
+</ds:datastoreItem>
+</file>
+
+<file path=customXml/itemProps6.xml><?xml version="1.0" encoding="utf-8"?>
+<ds:datastoreItem xmlns:ds="http://schemas.openxmlformats.org/officeDocument/2006/customXml" ds:itemID="{7EA327E3-FCFB-4008-8DED-CE47F66639FD}">
+  <ds:schemaRefs>
+    <ds:schemaRef ds:uri="http://schemas.microsoft.com/VisualStudio/2011/storyboarding/control"/>
+  </ds:schemaRefs>
+</ds:datastoreItem>
+</file>
+
+<file path=customXml/itemProps7.xml><?xml version="1.0" encoding="utf-8"?>
+<ds:datastoreItem xmlns:ds="http://schemas.openxmlformats.org/officeDocument/2006/customXml" ds:itemID="{701AFE5A-ADCF-4311-A5B5-18B338C7E907}">
+  <ds:schemaRefs>
+    <ds:schemaRef ds:uri="http://schemas.microsoft.com/VisualStudio/2011/storyboarding/control"/>
+  </ds:schemaRefs>
+</ds:datastoreItem>
+</file>
+
+<file path=customXml/itemProps8.xml><?xml version="1.0" encoding="utf-8"?>
+<ds:datastoreItem xmlns:ds="http://schemas.openxmlformats.org/officeDocument/2006/customXml" ds:itemID="{32DCF836-3940-427C-8F81-BA183FB52BAC}">
+  <ds:schemaRefs>
+    <ds:schemaRef ds:uri="http://schemas.microsoft.com/VisualStudio/2011/storyboarding/control"/>
+  </ds:schemaRefs>
+</ds:datastoreItem>
+</file>
+
 <file path=customXml/itemProps9.xml><?xml version="1.0" encoding="utf-8"?>
-<ds:datastoreItem xmlns:ds="http://schemas.openxmlformats.org/officeDocument/2006/customXml" ds:itemID="{0390C0D7-D602-40AA-8BFA-737317D9A45A}">
+<ds:datastoreItem xmlns:ds="http://schemas.openxmlformats.org/officeDocument/2006/customXml" ds:itemID="{7EC308D9-C28D-40CD-AB00-4A98E0A77CCC}">
   <ds:schemaRefs>
     <ds:schemaRef ds:uri="http://schemas.microsoft.com/VisualStudio/2011/storyboarding/control"/>
   </ds:schemaRefs>

--- a/Page d’acceuil.pptx
+++ b/Page d’acceuil.pptx
@@ -2,17 +2,22 @@
 <file path=ppt/presentation.xml><?xml version="1.0" encoding="utf-8"?>
 <p:presentation xmlns:a="http://schemas.openxmlformats.org/drawingml/2006/main" xmlns:r="http://schemas.openxmlformats.org/officeDocument/2006/relationships" xmlns:p="http://schemas.openxmlformats.org/presentationml/2006/main" saveSubsetFonts="1">
   <p:sldMasterIdLst>
-    <p:sldMasterId id="2147483648" r:id="rId47"/>
-    <p:sldMasterId id="2147483660" r:id="rId48"/>
+    <p:sldMasterId id="2147483648" r:id="rId70"/>
+    <p:sldMasterId id="2147483660" r:id="rId71"/>
   </p:sldMasterIdLst>
   <p:notesMasterIdLst>
-    <p:notesMasterId r:id="rId53"/>
+    <p:notesMasterId r:id="rId81"/>
   </p:notesMasterIdLst>
   <p:sldIdLst>
-    <p:sldId id="260" r:id="rId49"/>
-    <p:sldId id="258" r:id="rId50"/>
-    <p:sldId id="262" r:id="rId51"/>
-    <p:sldId id="261" r:id="rId52"/>
+    <p:sldId id="260" r:id="rId72"/>
+    <p:sldId id="258" r:id="rId73"/>
+    <p:sldId id="262" r:id="rId74"/>
+    <p:sldId id="263" r:id="rId75"/>
+    <p:sldId id="261" r:id="rId76"/>
+    <p:sldId id="264" r:id="rId77"/>
+    <p:sldId id="265" r:id="rId78"/>
+    <p:sldId id="266" r:id="rId79"/>
+    <p:sldId id="267" r:id="rId80"/>
   </p:sldIdLst>
   <p:sldSz cx="12192000" cy="6858000"/>
   <p:notesSz cx="6858000" cy="9144000"/>
@@ -689,11 +694,11 @@
   <p:clrMapOvr>
     <a:masterClrMapping/>
   </p:clrMapOvr>
-  <mc:AlternateContent xmlns:mc="http://schemas.openxmlformats.org/markup-compatibility/2006">
-    <mc:Choice xmlns:p14="http://schemas.microsoft.com/office/powerpoint/2010/main" Requires="p14">
+  <mc:AlternateContent xmlns:mc="http://schemas.openxmlformats.org/markup-compatibility/2006" xmlns:p14="http://schemas.microsoft.com/office/powerpoint/2010/main">
+    <mc:Choice Requires="p14">
       <p:transition spd="slow" p14:dur="2000" advClick="0"/>
     </mc:Choice>
-    <mc:Fallback>
+    <mc:Fallback xmlns="">
       <p:transition spd="slow" advClick="0"/>
     </mc:Fallback>
   </mc:AlternateContent>
@@ -895,11 +900,11 @@
   <p:clrMapOvr>
     <a:masterClrMapping/>
   </p:clrMapOvr>
-  <mc:AlternateContent xmlns:mc="http://schemas.openxmlformats.org/markup-compatibility/2006">
-    <mc:Choice xmlns:p14="http://schemas.microsoft.com/office/powerpoint/2010/main" Requires="p14">
+  <mc:AlternateContent xmlns:mc="http://schemas.openxmlformats.org/markup-compatibility/2006" xmlns:p14="http://schemas.microsoft.com/office/powerpoint/2010/main">
+    <mc:Choice Requires="p14">
       <p:transition spd="slow" p14:dur="2000" advClick="0"/>
     </mc:Choice>
-    <mc:Fallback>
+    <mc:Fallback xmlns="">
       <p:transition spd="slow" advClick="0"/>
     </mc:Fallback>
   </mc:AlternateContent>
@@ -1111,11 +1116,11 @@
   <p:clrMapOvr>
     <a:masterClrMapping/>
   </p:clrMapOvr>
-  <mc:AlternateContent xmlns:mc="http://schemas.openxmlformats.org/markup-compatibility/2006">
-    <mc:Choice xmlns:p14="http://schemas.microsoft.com/office/powerpoint/2010/main" Requires="p14">
+  <mc:AlternateContent xmlns:mc="http://schemas.openxmlformats.org/markup-compatibility/2006" xmlns:p14="http://schemas.microsoft.com/office/powerpoint/2010/main">
+    <mc:Choice Requires="p14">
       <p:transition spd="slow" p14:dur="2000" advClick="0"/>
     </mc:Choice>
-    <mc:Fallback>
+    <mc:Fallback xmlns="">
       <p:transition spd="slow" advClick="0"/>
     </mc:Fallback>
   </mc:AlternateContent>
@@ -1149,11 +1154,11 @@
   <p:clrMapOvr>
     <a:masterClrMapping/>
   </p:clrMapOvr>
-  <mc:AlternateContent xmlns:mc="http://schemas.openxmlformats.org/markup-compatibility/2006">
-    <mc:Choice xmlns:p14="http://schemas.microsoft.com/office/powerpoint/2010/main" Requires="p14">
+  <mc:AlternateContent xmlns:mc="http://schemas.openxmlformats.org/markup-compatibility/2006" xmlns:p14="http://schemas.microsoft.com/office/powerpoint/2010/main">
+    <mc:Choice Requires="p14">
       <p:transition spd="slow" p14:dur="2000" advClick="0"/>
     </mc:Choice>
-    <mc:Fallback>
+    <mc:Fallback xmlns="">
       <p:transition spd="slow" advClick="0"/>
     </mc:Fallback>
   </mc:AlternateContent>
@@ -1187,11 +1192,11 @@
   <p:clrMapOvr>
     <a:masterClrMapping/>
   </p:clrMapOvr>
-  <mc:AlternateContent xmlns:mc="http://schemas.openxmlformats.org/markup-compatibility/2006">
-    <mc:Choice xmlns:p14="http://schemas.microsoft.com/office/powerpoint/2010/main" Requires="p14">
+  <mc:AlternateContent xmlns:mc="http://schemas.openxmlformats.org/markup-compatibility/2006" xmlns:p14="http://schemas.microsoft.com/office/powerpoint/2010/main">
+    <mc:Choice Requires="p14">
       <p:transition spd="slow" p14:dur="2000" advClick="0"/>
     </mc:Choice>
-    <mc:Fallback>
+    <mc:Fallback xmlns="">
       <p:transition spd="slow" advClick="0"/>
     </mc:Fallback>
   </mc:AlternateContent>
@@ -1393,11 +1398,11 @@
   <p:clrMapOvr>
     <a:masterClrMapping/>
   </p:clrMapOvr>
-  <mc:AlternateContent xmlns:mc="http://schemas.openxmlformats.org/markup-compatibility/2006">
-    <mc:Choice xmlns:p14="http://schemas.microsoft.com/office/powerpoint/2010/main" Requires="p14">
+  <mc:AlternateContent xmlns:mc="http://schemas.openxmlformats.org/markup-compatibility/2006" xmlns:p14="http://schemas.microsoft.com/office/powerpoint/2010/main">
+    <mc:Choice Requires="p14">
       <p:transition spd="slow" p14:dur="2000" advClick="0"/>
     </mc:Choice>
-    <mc:Fallback>
+    <mc:Fallback xmlns="">
       <p:transition spd="slow" advClick="0"/>
     </mc:Fallback>
   </mc:AlternateContent>
@@ -1676,11 +1681,11 @@
   <p:clrMapOvr>
     <a:masterClrMapping/>
   </p:clrMapOvr>
-  <mc:AlternateContent xmlns:mc="http://schemas.openxmlformats.org/markup-compatibility/2006">
-    <mc:Choice xmlns:p14="http://schemas.microsoft.com/office/powerpoint/2010/main" Requires="p14">
+  <mc:AlternateContent xmlns:mc="http://schemas.openxmlformats.org/markup-compatibility/2006" xmlns:p14="http://schemas.microsoft.com/office/powerpoint/2010/main">
+    <mc:Choice Requires="p14">
       <p:transition spd="slow" p14:dur="2000" advClick="0"/>
     </mc:Choice>
-    <mc:Fallback>
+    <mc:Fallback xmlns="">
       <p:transition spd="slow" advClick="0"/>
     </mc:Fallback>
   </mc:AlternateContent>
@@ -1949,11 +1954,11 @@
   <p:clrMapOvr>
     <a:masterClrMapping/>
   </p:clrMapOvr>
-  <mc:AlternateContent xmlns:mc="http://schemas.openxmlformats.org/markup-compatibility/2006">
-    <mc:Choice xmlns:p14="http://schemas.microsoft.com/office/powerpoint/2010/main" Requires="p14">
+  <mc:AlternateContent xmlns:mc="http://schemas.openxmlformats.org/markup-compatibility/2006" xmlns:p14="http://schemas.microsoft.com/office/powerpoint/2010/main">
+    <mc:Choice Requires="p14">
       <p:transition spd="slow" p14:dur="2000" advClick="0"/>
     </mc:Choice>
-    <mc:Fallback>
+    <mc:Fallback xmlns="">
       <p:transition spd="slow" advClick="0"/>
     </mc:Fallback>
   </mc:AlternateContent>
@@ -2369,11 +2374,11 @@
   <p:clrMapOvr>
     <a:masterClrMapping/>
   </p:clrMapOvr>
-  <mc:AlternateContent xmlns:mc="http://schemas.openxmlformats.org/markup-compatibility/2006">
-    <mc:Choice xmlns:p14="http://schemas.microsoft.com/office/powerpoint/2010/main" Requires="p14">
+  <mc:AlternateContent xmlns:mc="http://schemas.openxmlformats.org/markup-compatibility/2006" xmlns:p14="http://schemas.microsoft.com/office/powerpoint/2010/main">
+    <mc:Choice Requires="p14">
       <p:transition spd="slow" p14:dur="2000" advClick="0"/>
     </mc:Choice>
-    <mc:Fallback>
+    <mc:Fallback xmlns="">
       <p:transition spd="slow" advClick="0"/>
     </mc:Fallback>
   </mc:AlternateContent>
@@ -2518,11 +2523,11 @@
   <p:clrMapOvr>
     <a:masterClrMapping/>
   </p:clrMapOvr>
-  <mc:AlternateContent xmlns:mc="http://schemas.openxmlformats.org/markup-compatibility/2006">
-    <mc:Choice xmlns:p14="http://schemas.microsoft.com/office/powerpoint/2010/main" Requires="p14">
+  <mc:AlternateContent xmlns:mc="http://schemas.openxmlformats.org/markup-compatibility/2006" xmlns:p14="http://schemas.microsoft.com/office/powerpoint/2010/main">
+    <mc:Choice Requires="p14">
       <p:transition spd="slow" p14:dur="2000" advClick="0"/>
     </mc:Choice>
-    <mc:Fallback>
+    <mc:Fallback xmlns="">
       <p:transition spd="slow" advClick="0"/>
     </mc:Fallback>
   </mc:AlternateContent>
@@ -2639,11 +2644,11 @@
   <p:clrMapOvr>
     <a:masterClrMapping/>
   </p:clrMapOvr>
-  <mc:AlternateContent xmlns:mc="http://schemas.openxmlformats.org/markup-compatibility/2006">
-    <mc:Choice xmlns:p14="http://schemas.microsoft.com/office/powerpoint/2010/main" Requires="p14">
+  <mc:AlternateContent xmlns:mc="http://schemas.openxmlformats.org/markup-compatibility/2006" xmlns:p14="http://schemas.microsoft.com/office/powerpoint/2010/main">
+    <mc:Choice Requires="p14">
       <p:transition spd="slow" p14:dur="2000" advClick="0"/>
     </mc:Choice>
-    <mc:Fallback>
+    <mc:Fallback xmlns="">
       <p:transition spd="slow" advClick="0"/>
     </mc:Fallback>
   </mc:AlternateContent>
@@ -2958,11 +2963,11 @@
   <p:clrMapOvr>
     <a:masterClrMapping/>
   </p:clrMapOvr>
-  <mc:AlternateContent xmlns:mc="http://schemas.openxmlformats.org/markup-compatibility/2006">
-    <mc:Choice xmlns:p14="http://schemas.microsoft.com/office/powerpoint/2010/main" Requires="p14">
+  <mc:AlternateContent xmlns:mc="http://schemas.openxmlformats.org/markup-compatibility/2006" xmlns:p14="http://schemas.microsoft.com/office/powerpoint/2010/main">
+    <mc:Choice Requires="p14">
       <p:transition spd="slow" p14:dur="2000" advClick="0"/>
     </mc:Choice>
-    <mc:Fallback>
+    <mc:Fallback xmlns="">
       <p:transition spd="slow" advClick="0"/>
     </mc:Fallback>
   </mc:AlternateContent>
@@ -3254,11 +3259,11 @@
   <p:clrMapOvr>
     <a:masterClrMapping/>
   </p:clrMapOvr>
-  <mc:AlternateContent xmlns:mc="http://schemas.openxmlformats.org/markup-compatibility/2006">
-    <mc:Choice xmlns:p14="http://schemas.microsoft.com/office/powerpoint/2010/main" Requires="p14">
+  <mc:AlternateContent xmlns:mc="http://schemas.openxmlformats.org/markup-compatibility/2006" xmlns:p14="http://schemas.microsoft.com/office/powerpoint/2010/main">
+    <mc:Choice Requires="p14">
       <p:transition spd="slow" p14:dur="2000" advClick="0"/>
     </mc:Choice>
-    <mc:Fallback>
+    <mc:Fallback xmlns="">
       <p:transition spd="slow" advClick="0"/>
     </mc:Fallback>
   </mc:AlternateContent>
@@ -3550,11 +3555,11 @@
     <p:sldLayoutId id="2147483658" r:id="rId10"/>
     <p:sldLayoutId id="2147483659" r:id="rId11"/>
   </p:sldLayoutIdLst>
-  <mc:AlternateContent xmlns:mc="http://schemas.openxmlformats.org/markup-compatibility/2006">
-    <mc:Choice xmlns:p14="http://schemas.microsoft.com/office/powerpoint/2010/main" Requires="p14">
+  <mc:AlternateContent xmlns:mc="http://schemas.openxmlformats.org/markup-compatibility/2006" xmlns:p14="http://schemas.microsoft.com/office/powerpoint/2010/main">
+    <mc:Choice Requires="p14">
       <p:transition spd="slow" p14:dur="2000" advClick="0"/>
     </mc:Choice>
-    <mc:Fallback>
+    <mc:Fallback xmlns="">
       <p:transition spd="slow" advClick="0"/>
     </mc:Fallback>
   </mc:AlternateContent>
@@ -5412,11 +5417,11 @@
     <p:sldLayoutId id="2147483662" r:id="rId1"/>
     <p:sldLayoutId id="2147483661" r:id="rId2"/>
   </p:sldLayoutIdLst>
-  <mc:AlternateContent xmlns:mc="http://schemas.openxmlformats.org/markup-compatibility/2006">
-    <mc:Choice xmlns:p14="http://schemas.microsoft.com/office/powerpoint/2010/main" Requires="p14">
+  <mc:AlternateContent xmlns:mc="http://schemas.openxmlformats.org/markup-compatibility/2006" xmlns:p14="http://schemas.microsoft.com/office/powerpoint/2010/main">
+    <mc:Choice Requires="p14">
       <p:transition spd="slow" p14:dur="2000" advClick="0"/>
     </mc:Choice>
-    <mc:Fallback>
+    <mc:Fallback xmlns="">
       <p:transition spd="slow" advClick="0"/>
     </mc:Fallback>
   </mc:AlternateContent>
@@ -5945,6 +5950,42 @@
           </a:p>
         </p:txBody>
       </p:sp>
+      <p:sp>
+        <p:nvSpPr>
+          <p:cNvPr id="6" name="Titre 5">
+            <a:extLst>
+              <a:ext uri="{FF2B5EF4-FFF2-40B4-BE49-F238E27FC236}">
+                <a16:creationId xmlns:a16="http://schemas.microsoft.com/office/drawing/2014/main" id="{92DEC714-2AF5-4A6D-B011-52669B979792}"/>
+              </a:ext>
+            </a:extLst>
+          </p:cNvPr>
+          <p:cNvSpPr>
+            <a:spLocks noGrp="1"/>
+          </p:cNvSpPr>
+          <p:nvPr>
+            <p:ph type="title" idx="4294967295"/>
+          </p:nvPr>
+        </p:nvSpPr>
+        <p:spPr>
+          <a:xfrm>
+            <a:off x="838199" y="-662781"/>
+            <a:ext cx="10515600" cy="580720"/>
+          </a:xfrm>
+          <a:prstGeom prst="rect">
+            <a:avLst/>
+          </a:prstGeom>
+        </p:spPr>
+        <p:txBody>
+          <a:bodyPr/>
+          <a:lstStyle/>
+          <a:p>
+            <a:r>
+              <a:rPr lang="fr-FR" dirty="0"/>
+              <a:t>Page d’accueil</a:t>
+            </a:r>
+          </a:p>
+        </p:txBody>
+      </p:sp>
     </p:spTree>
     <p:extLst>
       <p:ext uri="{BB962C8B-B14F-4D97-AF65-F5344CB8AC3E}">
@@ -5955,11 +5996,11 @@
   <p:clrMapOvr>
     <a:masterClrMapping/>
   </p:clrMapOvr>
-  <mc:AlternateContent xmlns:mc="http://schemas.openxmlformats.org/markup-compatibility/2006">
-    <mc:Choice xmlns:p14="http://schemas.microsoft.com/office/powerpoint/2010/main" Requires="p14">
+  <mc:AlternateContent xmlns:mc="http://schemas.openxmlformats.org/markup-compatibility/2006" xmlns:p14="http://schemas.microsoft.com/office/powerpoint/2010/main">
+    <mc:Choice Requires="p14">
       <p:transition spd="slow" p14:dur="2000" advClick="0"/>
     </mc:Choice>
-    <mc:Fallback>
+    <mc:Fallback xmlns="">
       <p:transition spd="slow" advClick="0"/>
     </mc:Fallback>
   </mc:AlternateContent>
@@ -6953,6 +6994,7 @@
         <p:sp>
           <p:nvSpPr>
             <p:cNvPr id="38" name="CheckBox">
+              <a:hlinkClick r:id="rId14" action="ppaction://hlinksldjump"/>
               <a:extLst>
                 <a:ext uri="{FF2B5EF4-FFF2-40B4-BE49-F238E27FC236}">
                   <a16:creationId xmlns:a16="http://schemas.microsoft.com/office/drawing/2014/main" id="{3BE24CCA-0243-4B58-80C9-063FB9AB4EEB}"/>
@@ -7016,6 +7058,50 @@
           </p:txBody>
         </p:sp>
       </p:grpSp>
+      <p:sp>
+        <p:nvSpPr>
+          <p:cNvPr id="14" name="Titre 13">
+            <a:extLst>
+              <a:ext uri="{FF2B5EF4-FFF2-40B4-BE49-F238E27FC236}">
+                <a16:creationId xmlns:a16="http://schemas.microsoft.com/office/drawing/2014/main" id="{38509D17-7AF3-4D58-9C42-7E48670BC38B}"/>
+              </a:ext>
+            </a:extLst>
+          </p:cNvPr>
+          <p:cNvSpPr>
+            <a:spLocks noGrp="1"/>
+          </p:cNvSpPr>
+          <p:nvPr>
+            <p:ph type="title" idx="4294967295"/>
+          </p:nvPr>
+        </p:nvSpPr>
+        <p:spPr>
+          <a:xfrm>
+            <a:off x="838200" y="-680767"/>
+            <a:ext cx="10515600" cy="650637"/>
+          </a:xfrm>
+          <a:prstGeom prst="rect">
+            <a:avLst/>
+          </a:prstGeom>
+        </p:spPr>
+        <p:txBody>
+          <a:bodyPr/>
+          <a:lstStyle/>
+          <a:p>
+            <a:r>
+              <a:rPr lang="fr-FR" dirty="0"/>
+              <a:t>Sondage : Choix=3 </a:t>
+            </a:r>
+            <a:r>
+              <a:rPr lang="fr-FR" dirty="0" err="1"/>
+              <a:t>ChoixMultiple</a:t>
+            </a:r>
+            <a:r>
+              <a:rPr lang="fr-FR" dirty="0"/>
+              <a:t>=0</a:t>
+            </a:r>
+          </a:p>
+        </p:txBody>
+      </p:sp>
     </p:spTree>
     <p:extLst>
       <p:ext uri="{BB962C8B-B14F-4D97-AF65-F5344CB8AC3E}">
@@ -7026,11 +7112,11 @@
   <p:clrMapOvr>
     <a:masterClrMapping/>
   </p:clrMapOvr>
-  <mc:AlternateContent xmlns:mc="http://schemas.openxmlformats.org/markup-compatibility/2006">
-    <mc:Choice xmlns:p14="http://schemas.microsoft.com/office/powerpoint/2010/main" Requires="p14">
+  <mc:AlternateContent xmlns:mc="http://schemas.openxmlformats.org/markup-compatibility/2006" xmlns:p14="http://schemas.microsoft.com/office/powerpoint/2010/main">
+    <mc:Choice Requires="p14">
       <p:transition spd="slow" p14:dur="2000" advClick="0"/>
     </mc:Choice>
-    <mc:Fallback>
+    <mc:Fallback xmlns="">
       <p:transition spd="slow" advClick="0"/>
     </mc:Fallback>
   </mc:AlternateContent>
@@ -7974,7 +8060,7 @@
         </p:nvGrpSpPr>
         <p:grpSpPr>
           <a:xfrm>
-            <a:off x="3734653" y="5179403"/>
+            <a:off x="3733200" y="5184000"/>
             <a:ext cx="1292400" cy="230832"/>
             <a:chOff x="4317072" y="3312427"/>
             <a:chExt cx="1288511" cy="230832"/>
@@ -8151,6 +8237,54 @@
           </p:spPr>
         </p:pic>
       </p:grpSp>
+      <p:sp>
+        <p:nvSpPr>
+          <p:cNvPr id="14" name="Titre 13">
+            <a:extLst>
+              <a:ext uri="{FF2B5EF4-FFF2-40B4-BE49-F238E27FC236}">
+                <a16:creationId xmlns:a16="http://schemas.microsoft.com/office/drawing/2014/main" id="{003BF168-D598-45FE-8D35-F09ACC74BD6F}"/>
+              </a:ext>
+            </a:extLst>
+          </p:cNvPr>
+          <p:cNvSpPr>
+            <a:spLocks noGrp="1"/>
+          </p:cNvSpPr>
+          <p:nvPr>
+            <p:ph type="title" idx="4294967295"/>
+          </p:nvPr>
+        </p:nvSpPr>
+        <p:spPr>
+          <a:xfrm>
+            <a:off x="838200" y="-689861"/>
+            <a:ext cx="10515600" cy="640339"/>
+          </a:xfrm>
+          <a:prstGeom prst="rect">
+            <a:avLst/>
+          </a:prstGeom>
+        </p:spPr>
+        <p:txBody>
+          <a:bodyPr/>
+          <a:lstStyle/>
+          <a:p>
+            <a:r>
+              <a:rPr lang="fr-FR" dirty="0"/>
+              <a:t>Sondage : Choix=3 </a:t>
+            </a:r>
+            <a:r>
+              <a:rPr lang="fr-FR" dirty="0" err="1"/>
+              <a:t>ChoixMultiple</a:t>
+            </a:r>
+            <a:r>
+              <a:rPr lang="fr-FR" dirty="0"/>
+              <a:t>=1</a:t>
+            </a:r>
+            <a:br>
+              <a:rPr lang="fr-FR" dirty="0"/>
+            </a:br>
+            <a:endParaRPr lang="fr-FR" dirty="0"/>
+          </a:p>
+        </p:txBody>
+      </p:sp>
     </p:spTree>
     <p:extLst>
       <p:ext uri="{BB962C8B-B14F-4D97-AF65-F5344CB8AC3E}">
@@ -8161,11 +8295,11 @@
   <p:clrMapOvr>
     <a:masterClrMapping/>
   </p:clrMapOvr>
-  <mc:AlternateContent xmlns:mc="http://schemas.openxmlformats.org/markup-compatibility/2006">
-    <mc:Choice xmlns:p14="http://schemas.microsoft.com/office/powerpoint/2010/main" Requires="p14">
+  <mc:AlternateContent xmlns:mc="http://schemas.openxmlformats.org/markup-compatibility/2006" xmlns:p14="http://schemas.microsoft.com/office/powerpoint/2010/main">
+    <mc:Choice Requires="p14">
       <p:transition spd="slow" p14:dur="2000" advClick="0"/>
     </mc:Choice>
-    <mc:Fallback>
+    <mc:Fallback xmlns="">
       <p:transition spd="slow" advClick="0"/>
     </mc:Fallback>
   </mc:AlternateContent>
@@ -8173,6 +8307,1288 @@
 </file>
 
 <file path=ppt/slides/slide4.xml><?xml version="1.0" encoding="utf-8"?>
+<p:sld xmlns:a="http://schemas.openxmlformats.org/drawingml/2006/main" xmlns:r="http://schemas.openxmlformats.org/officeDocument/2006/relationships" xmlns:p="http://schemas.openxmlformats.org/presentationml/2006/main">
+  <p:cSld>
+    <p:spTree>
+      <p:nvGrpSpPr>
+        <p:cNvPr id="1" name=""/>
+        <p:cNvGrpSpPr/>
+        <p:nvPr/>
+      </p:nvGrpSpPr>
+      <p:grpSpPr>
+        <a:xfrm>
+          <a:off x="0" y="0"/>
+          <a:ext cx="0" cy="0"/>
+          <a:chOff x="0" y="0"/>
+          <a:chExt cx="0" cy="0"/>
+        </a:xfrm>
+      </p:grpSpPr>
+      <p:grpSp>
+        <p:nvGrpSpPr>
+          <p:cNvPr id="2" name="Groupe 1">
+            <a:extLst>
+              <a:ext uri="{FF2B5EF4-FFF2-40B4-BE49-F238E27FC236}">
+                <a16:creationId xmlns:a16="http://schemas.microsoft.com/office/drawing/2014/main" id="{46769D51-6BD9-441B-AABC-4CC9162B297A}"/>
+              </a:ext>
+            </a:extLst>
+          </p:cNvPr>
+          <p:cNvGrpSpPr/>
+          <p:nvPr/>
+        </p:nvGrpSpPr>
+        <p:grpSpPr>
+          <a:xfrm>
+            <a:off x="8067442" y="869551"/>
+            <a:ext cx="3801515" cy="320628"/>
+            <a:chOff x="6871385" y="786327"/>
+            <a:chExt cx="3801515" cy="320628"/>
+          </a:xfrm>
+        </p:grpSpPr>
+        <p:grpSp>
+          <p:nvGrpSpPr>
+            <p:cNvPr id="3" name="SearchBox">
+              <a:extLst>
+                <a:ext uri="{FF2B5EF4-FFF2-40B4-BE49-F238E27FC236}">
+                  <a16:creationId xmlns:a16="http://schemas.microsoft.com/office/drawing/2014/main" id="{AFF0A49D-C1E8-4660-9A28-5728A7ECEDC6}"/>
+                </a:ext>
+              </a:extLst>
+            </p:cNvPr>
+            <p:cNvGrpSpPr/>
+            <p:nvPr userDrawn="1">
+              <p:custDataLst>
+                <p:custData r:id="rId11"/>
+              </p:custDataLst>
+            </p:nvPr>
+          </p:nvGrpSpPr>
+          <p:grpSpPr>
+            <a:xfrm>
+              <a:off x="6871385" y="786327"/>
+              <a:ext cx="2434178" cy="320628"/>
+              <a:chOff x="4111925" y="3293648"/>
+              <a:chExt cx="962996" cy="310896"/>
+            </a:xfrm>
+          </p:grpSpPr>
+          <p:sp>
+            <p:nvSpPr>
+              <p:cNvPr id="5" name="Content">
+                <a:extLst>
+                  <a:ext uri="{FF2B5EF4-FFF2-40B4-BE49-F238E27FC236}">
+                    <a16:creationId xmlns:a16="http://schemas.microsoft.com/office/drawing/2014/main" id="{21EDC8AF-F9D6-4A3D-8F25-421ACEF98A72}"/>
+                  </a:ext>
+                </a:extLst>
+              </p:cNvPr>
+              <p:cNvSpPr/>
+              <p:nvPr/>
+            </p:nvSpPr>
+            <p:spPr>
+              <a:xfrm>
+                <a:off x="4111925" y="3328416"/>
+                <a:ext cx="920151" cy="228600"/>
+              </a:xfrm>
+              <a:prstGeom prst="rect">
+                <a:avLst/>
+              </a:prstGeom>
+              <a:solidFill>
+                <a:srgbClr val="FFFFFF"/>
+              </a:solidFill>
+              <a:ln w="3175">
+                <a:solidFill>
+                  <a:srgbClr val="000000">
+                    <a:lumMod val="50000"/>
+                    <a:lumOff val="50000"/>
+                  </a:srgbClr>
+                </a:solidFill>
+              </a:ln>
+            </p:spPr>
+            <p:style>
+              <a:lnRef idx="2">
+                <a:srgbClr val="4F81BD">
+                  <a:shade val="50000"/>
+                </a:srgbClr>
+              </a:lnRef>
+              <a:fillRef idx="1">
+                <a:srgbClr val="4F81BD"/>
+              </a:fillRef>
+              <a:effectRef idx="0">
+                <a:srgbClr val="4F81BD"/>
+              </a:effectRef>
+              <a:fontRef idx="minor">
+                <a:srgbClr val="000000"/>
+              </a:fontRef>
+            </p:style>
+            <p:txBody>
+              <a:bodyPr lIns="97531" tIns="48766" rIns="97531" bIns="48766" rtlCol="0" anchor="ctr"/>
+              <a:lstStyle/>
+              <a:p>
+                <a:r>
+                  <a:rPr lang="en-US" sz="1200" i="1" dirty="0">
+                    <a:solidFill>
+                      <a:srgbClr val="FFFFFF">
+                        <a:lumMod val="50000"/>
+                      </a:srgbClr>
+                    </a:solidFill>
+                    <a:latin typeface="Segoe UI" pitchFamily="34" charset="0"/>
+                    <a:ea typeface="Segoe UI" pitchFamily="34" charset="0"/>
+                    <a:cs typeface="Segoe UI" pitchFamily="34" charset="0"/>
+                  </a:rPr>
+                  <a:t>search</a:t>
+                </a:r>
+                <a:endParaRPr lang="en-US" sz="1050" i="1" dirty="0">
+                  <a:solidFill>
+                    <a:srgbClr val="FFFFFF">
+                      <a:lumMod val="50000"/>
+                    </a:srgbClr>
+                  </a:solidFill>
+                  <a:latin typeface="Segoe UI" pitchFamily="34" charset="0"/>
+                  <a:ea typeface="Segoe UI" pitchFamily="34" charset="0"/>
+                  <a:cs typeface="Segoe UI" pitchFamily="34" charset="0"/>
+                </a:endParaRPr>
+              </a:p>
+            </p:txBody>
+          </p:sp>
+          <p:pic>
+            <p:nvPicPr>
+              <p:cNvPr id="6" name="Icon" descr="C:\Users\t-dantay\Documents\WPIcons\appbar.feature.search.rest.png">
+                <a:extLst>
+                  <a:ext uri="{FF2B5EF4-FFF2-40B4-BE49-F238E27FC236}">
+                    <a16:creationId xmlns:a16="http://schemas.microsoft.com/office/drawing/2014/main" id="{C3A0F035-870E-4508-8561-356E36D50F41}"/>
+                  </a:ext>
+                </a:extLst>
+              </p:cNvPr>
+              <p:cNvPicPr>
+                <a:picLocks noChangeAspect="1" noChangeArrowheads="1"/>
+              </p:cNvPicPr>
+              <p:nvPr/>
+            </p:nvPicPr>
+            <p:blipFill>
+              <a:blip r:embed="rId13" cstate="print">
+                <a:extLst>
+                  <a:ext uri="{28A0092B-C50C-407E-A947-70E740481C1C}">
+                    <a14:useLocalDpi xmlns:a14="http://schemas.microsoft.com/office/drawing/2010/main" val="0"/>
+                  </a:ext>
+                </a:extLst>
+              </a:blip>
+              <a:srcRect/>
+              <a:stretch>
+                <a:fillRect/>
+              </a:stretch>
+            </p:blipFill>
+            <p:spPr bwMode="auto">
+              <a:xfrm>
+                <a:off x="4764025" y="3293648"/>
+                <a:ext cx="310896" cy="310896"/>
+              </a:xfrm>
+              <a:prstGeom prst="rect">
+                <a:avLst/>
+              </a:prstGeom>
+              <a:noFill/>
+              <a:ln>
+                <a:noFill/>
+              </a:ln>
+              <a:extLst>
+                <a:ext uri="{909E8E84-426E-40DD-AFC4-6F175D3DCCD1}">
+                  <a14:hiddenFill xmlns:a14="http://schemas.microsoft.com/office/drawing/2010/main">
+                    <a:solidFill>
+                      <a:srgbClr val="FFFFFF"/>
+                    </a:solidFill>
+                  </a14:hiddenFill>
+                </a:ext>
+              </a:extLst>
+            </p:spPr>
+          </p:pic>
+        </p:grpSp>
+        <p:sp>
+          <p:nvSpPr>
+            <p:cNvPr id="4" name="ZoneTexte 3">
+              <a:extLst>
+                <a:ext uri="{FF2B5EF4-FFF2-40B4-BE49-F238E27FC236}">
+                  <a16:creationId xmlns:a16="http://schemas.microsoft.com/office/drawing/2014/main" id="{10027242-A603-41A9-B3DA-16D4B118B803}"/>
+                </a:ext>
+              </a:extLst>
+            </p:cNvPr>
+            <p:cNvSpPr txBox="1"/>
+            <p:nvPr userDrawn="1"/>
+          </p:nvSpPr>
+          <p:spPr>
+            <a:xfrm>
+              <a:off x="9405763" y="801561"/>
+              <a:ext cx="1267137" cy="276999"/>
+            </a:xfrm>
+            <a:prstGeom prst="rect">
+              <a:avLst/>
+            </a:prstGeom>
+            <a:noFill/>
+          </p:spPr>
+          <p:txBody>
+            <a:bodyPr wrap="square" rtlCol="0">
+              <a:spAutoFit/>
+            </a:bodyPr>
+            <a:lstStyle/>
+            <a:p>
+              <a:r>
+                <a:rPr lang="fr-FR" sz="1200" dirty="0" err="1"/>
+                <a:t>Sign</a:t>
+              </a:r>
+              <a:r>
+                <a:rPr lang="fr-FR" sz="1200" dirty="0"/>
+                <a:t> in | </a:t>
+              </a:r>
+              <a:r>
+                <a:rPr lang="fr-FR" sz="1200" dirty="0" err="1"/>
+                <a:t>Register</a:t>
+              </a:r>
+              <a:endParaRPr lang="fr-FR" sz="1200" dirty="0"/>
+            </a:p>
+          </p:txBody>
+        </p:sp>
+      </p:grpSp>
+      <p:grpSp>
+        <p:nvGrpSpPr>
+          <p:cNvPr id="7" name="Groupe 6">
+            <a:extLst>
+              <a:ext uri="{FF2B5EF4-FFF2-40B4-BE49-F238E27FC236}">
+                <a16:creationId xmlns:a16="http://schemas.microsoft.com/office/drawing/2014/main" id="{2F7C9145-B866-40D7-9424-48FF2FBAF2B9}"/>
+              </a:ext>
+            </a:extLst>
+          </p:cNvPr>
+          <p:cNvGrpSpPr/>
+          <p:nvPr/>
+        </p:nvGrpSpPr>
+        <p:grpSpPr>
+          <a:xfrm>
+            <a:off x="3733199" y="1441586"/>
+            <a:ext cx="4670137" cy="3351584"/>
+            <a:chOff x="3728288" y="1615044"/>
+            <a:chExt cx="4724163" cy="3792706"/>
+          </a:xfrm>
+        </p:grpSpPr>
+        <p:grpSp>
+          <p:nvGrpSpPr>
+            <p:cNvPr id="8" name="Groupe 7">
+              <a:extLst>
+                <a:ext uri="{FF2B5EF4-FFF2-40B4-BE49-F238E27FC236}">
+                  <a16:creationId xmlns:a16="http://schemas.microsoft.com/office/drawing/2014/main" id="{977D3A8E-59AE-4144-846F-209D962C950D}"/>
+                </a:ext>
+              </a:extLst>
+            </p:cNvPr>
+            <p:cNvGrpSpPr/>
+            <p:nvPr/>
+          </p:nvGrpSpPr>
+          <p:grpSpPr>
+            <a:xfrm>
+              <a:off x="3729760" y="1615044"/>
+              <a:ext cx="4722691" cy="2576847"/>
+              <a:chOff x="3675252" y="1056904"/>
+              <a:chExt cx="4722691" cy="2576847"/>
+            </a:xfrm>
+          </p:grpSpPr>
+          <p:sp>
+            <p:nvSpPr>
+              <p:cNvPr id="10" name="Content">
+                <a:extLst>
+                  <a:ext uri="{FF2B5EF4-FFF2-40B4-BE49-F238E27FC236}">
+                    <a16:creationId xmlns:a16="http://schemas.microsoft.com/office/drawing/2014/main" id="{A4187F21-9E34-4839-90ED-BC9C14D23A35}"/>
+                  </a:ext>
+                </a:extLst>
+              </p:cNvPr>
+              <p:cNvSpPr/>
+              <p:nvPr>
+                <p:custDataLst>
+                  <p:custData r:id="rId7"/>
+                </p:custDataLst>
+              </p:nvPr>
+            </p:nvSpPr>
+            <p:spPr>
+              <a:xfrm>
+                <a:off x="3675253" y="1056904"/>
+                <a:ext cx="4722690" cy="736270"/>
+              </a:xfrm>
+              <a:prstGeom prst="rect">
+                <a:avLst/>
+              </a:prstGeom>
+              <a:solidFill>
+                <a:sysClr val="window" lastClr="FFFFFF"/>
+              </a:solidFill>
+              <a:ln w="3175">
+                <a:solidFill>
+                  <a:srgbClr val="000000">
+                    <a:lumMod val="50000"/>
+                    <a:lumOff val="50000"/>
+                  </a:srgbClr>
+                </a:solidFill>
+              </a:ln>
+              <a:effectLst/>
+            </p:spPr>
+            <p:style>
+              <a:lnRef idx="2">
+                <a:srgbClr val="4F81BD">
+                  <a:shade val="50000"/>
+                </a:srgbClr>
+              </a:lnRef>
+              <a:fillRef idx="1">
+                <a:srgbClr val="4F81BD"/>
+              </a:fillRef>
+              <a:effectRef idx="0">
+                <a:srgbClr val="4F81BD"/>
+              </a:effectRef>
+              <a:fontRef idx="minor">
+                <a:srgbClr val="000000"/>
+              </a:fontRef>
+            </p:style>
+            <p:txBody>
+              <a:bodyPr wrap="none" lIns="45720" tIns="18288" rIns="45720" bIns="18288" rtlCol="0" anchor="ctr">
+                <a:noAutofit/>
+              </a:bodyPr>
+              <a:lstStyle/>
+              <a:p>
+                <a:pPr algn="ctr"/>
+                <a:r>
+                  <a:rPr lang="en-US" b="1" dirty="0">
+                    <a:solidFill>
+                      <a:srgbClr val="000000"/>
+                    </a:solidFill>
+                    <a:latin typeface="Segoe UI" pitchFamily="34" charset="0"/>
+                    <a:cs typeface="Segoe UI" pitchFamily="34" charset="0"/>
+                  </a:rPr>
+                  <a:t>Description du son</a:t>
+                </a:r>
+                <a:r>
+                  <a:rPr lang="en-US" b="1" dirty="0">
+                    <a:latin typeface="Segoe UI" pitchFamily="34" charset="0"/>
+                    <a:cs typeface="Segoe UI" pitchFamily="34" charset="0"/>
+                  </a:rPr>
+                  <a:t>dage</a:t>
+                </a:r>
+                <a:endParaRPr lang="en-US" b="1" dirty="0">
+                  <a:solidFill>
+                    <a:srgbClr val="000000"/>
+                  </a:solidFill>
+                  <a:latin typeface="Segoe UI" pitchFamily="34" charset="0"/>
+                  <a:cs typeface="Segoe UI" pitchFamily="34" charset="0"/>
+                </a:endParaRPr>
+              </a:p>
+            </p:txBody>
+          </p:sp>
+          <p:sp>
+            <p:nvSpPr>
+              <p:cNvPr id="11" name="Content">
+                <a:extLst>
+                  <a:ext uri="{FF2B5EF4-FFF2-40B4-BE49-F238E27FC236}">
+                    <a16:creationId xmlns:a16="http://schemas.microsoft.com/office/drawing/2014/main" id="{2F3C72D7-4FAA-4A45-8D01-E1350B0F6572}"/>
+                  </a:ext>
+                </a:extLst>
+              </p:cNvPr>
+              <p:cNvSpPr/>
+              <p:nvPr>
+                <p:custDataLst>
+                  <p:custData r:id="rId8"/>
+                </p:custDataLst>
+              </p:nvPr>
+            </p:nvSpPr>
+            <p:spPr>
+              <a:xfrm>
+                <a:off x="3675253" y="1793174"/>
+                <a:ext cx="4722690" cy="633062"/>
+              </a:xfrm>
+              <a:prstGeom prst="rect">
+                <a:avLst/>
+              </a:prstGeom>
+              <a:solidFill>
+                <a:sysClr val="window" lastClr="FFFFFF"/>
+              </a:solidFill>
+              <a:ln w="3175">
+                <a:solidFill>
+                  <a:srgbClr val="000000">
+                    <a:lumMod val="50000"/>
+                    <a:lumOff val="50000"/>
+                  </a:srgbClr>
+                </a:solidFill>
+              </a:ln>
+              <a:effectLst/>
+            </p:spPr>
+            <p:style>
+              <a:lnRef idx="2">
+                <a:srgbClr val="4F81BD">
+                  <a:shade val="50000"/>
+                </a:srgbClr>
+              </a:lnRef>
+              <a:fillRef idx="1">
+                <a:srgbClr val="4F81BD"/>
+              </a:fillRef>
+              <a:effectRef idx="0">
+                <a:srgbClr val="4F81BD"/>
+              </a:effectRef>
+              <a:fontRef idx="minor">
+                <a:srgbClr val="000000"/>
+              </a:fontRef>
+            </p:style>
+            <p:txBody>
+              <a:bodyPr wrap="none" lIns="45720" tIns="18288" rIns="45720" bIns="18288" rtlCol="0" anchor="ctr">
+                <a:noAutofit/>
+              </a:bodyPr>
+              <a:lstStyle/>
+              <a:p>
+                <a:r>
+                  <a:rPr lang="en-US" sz="1200" dirty="0">
+                    <a:latin typeface="Segoe UI" pitchFamily="34" charset="0"/>
+                    <a:cs typeface="Segoe UI" pitchFamily="34" charset="0"/>
+                  </a:rPr>
+                  <a:t> 1. Choix réponse 1	</a:t>
+                </a:r>
+                <a:endParaRPr lang="en-US" sz="1200" dirty="0">
+                  <a:solidFill>
+                    <a:srgbClr val="000000"/>
+                  </a:solidFill>
+                  <a:latin typeface="Segoe UI" pitchFamily="34" charset="0"/>
+                  <a:cs typeface="Segoe UI" pitchFamily="34" charset="0"/>
+                </a:endParaRPr>
+              </a:p>
+            </p:txBody>
+          </p:sp>
+          <p:sp>
+            <p:nvSpPr>
+              <p:cNvPr id="12" name="Content">
+                <a:extLst>
+                  <a:ext uri="{FF2B5EF4-FFF2-40B4-BE49-F238E27FC236}">
+                    <a16:creationId xmlns:a16="http://schemas.microsoft.com/office/drawing/2014/main" id="{55E82B89-7F65-499D-A68D-1BAC8AAC06E0}"/>
+                  </a:ext>
+                </a:extLst>
+              </p:cNvPr>
+              <p:cNvSpPr/>
+              <p:nvPr>
+                <p:custDataLst>
+                  <p:custData r:id="rId9"/>
+                </p:custDataLst>
+              </p:nvPr>
+            </p:nvSpPr>
+            <p:spPr>
+              <a:xfrm>
+                <a:off x="3675253" y="2426236"/>
+                <a:ext cx="4722690" cy="602925"/>
+              </a:xfrm>
+              <a:prstGeom prst="rect">
+                <a:avLst/>
+              </a:prstGeom>
+              <a:solidFill>
+                <a:sysClr val="window" lastClr="FFFFFF"/>
+              </a:solidFill>
+              <a:ln w="3175">
+                <a:solidFill>
+                  <a:srgbClr val="000000">
+                    <a:lumMod val="50000"/>
+                    <a:lumOff val="50000"/>
+                  </a:srgbClr>
+                </a:solidFill>
+              </a:ln>
+              <a:effectLst/>
+            </p:spPr>
+            <p:style>
+              <a:lnRef idx="2">
+                <a:srgbClr val="4F81BD">
+                  <a:shade val="50000"/>
+                </a:srgbClr>
+              </a:lnRef>
+              <a:fillRef idx="1">
+                <a:srgbClr val="4F81BD"/>
+              </a:fillRef>
+              <a:effectRef idx="0">
+                <a:srgbClr val="4F81BD"/>
+              </a:effectRef>
+              <a:fontRef idx="minor">
+                <a:srgbClr val="000000"/>
+              </a:fontRef>
+            </p:style>
+            <p:txBody>
+              <a:bodyPr wrap="none" lIns="45720" tIns="18288" rIns="45720" bIns="18288" rtlCol="0" anchor="ctr">
+                <a:noAutofit/>
+              </a:bodyPr>
+              <a:lstStyle/>
+              <a:p>
+                <a:r>
+                  <a:rPr lang="en-US" sz="1200" dirty="0">
+                    <a:solidFill>
+                      <a:srgbClr val="000000"/>
+                    </a:solidFill>
+                    <a:latin typeface="Segoe UI" pitchFamily="34" charset="0"/>
+                    <a:cs typeface="Segoe UI" pitchFamily="34" charset="0"/>
+                  </a:rPr>
+                  <a:t>2. Choix réponse 2</a:t>
+                </a:r>
+              </a:p>
+            </p:txBody>
+          </p:sp>
+          <p:sp>
+            <p:nvSpPr>
+              <p:cNvPr id="13" name="Content">
+                <a:extLst>
+                  <a:ext uri="{FF2B5EF4-FFF2-40B4-BE49-F238E27FC236}">
+                    <a16:creationId xmlns:a16="http://schemas.microsoft.com/office/drawing/2014/main" id="{CE4D7EE8-5B61-46BA-BB17-DF8200A6150A}"/>
+                  </a:ext>
+                </a:extLst>
+              </p:cNvPr>
+              <p:cNvSpPr/>
+              <p:nvPr>
+                <p:custDataLst>
+                  <p:custData r:id="rId10"/>
+                </p:custDataLst>
+              </p:nvPr>
+            </p:nvSpPr>
+            <p:spPr>
+              <a:xfrm>
+                <a:off x="3675252" y="3029161"/>
+                <a:ext cx="4722690" cy="604590"/>
+              </a:xfrm>
+              <a:prstGeom prst="rect">
+                <a:avLst/>
+              </a:prstGeom>
+              <a:solidFill>
+                <a:sysClr val="window" lastClr="FFFFFF"/>
+              </a:solidFill>
+              <a:ln w="3175">
+                <a:solidFill>
+                  <a:srgbClr val="000000">
+                    <a:lumMod val="50000"/>
+                    <a:lumOff val="50000"/>
+                  </a:srgbClr>
+                </a:solidFill>
+              </a:ln>
+              <a:effectLst/>
+            </p:spPr>
+            <p:style>
+              <a:lnRef idx="2">
+                <a:srgbClr val="4F81BD">
+                  <a:shade val="50000"/>
+                </a:srgbClr>
+              </a:lnRef>
+              <a:fillRef idx="1">
+                <a:srgbClr val="4F81BD"/>
+              </a:fillRef>
+              <a:effectRef idx="0">
+                <a:srgbClr val="4F81BD"/>
+              </a:effectRef>
+              <a:fontRef idx="minor">
+                <a:srgbClr val="000000"/>
+              </a:fontRef>
+            </p:style>
+            <p:txBody>
+              <a:bodyPr wrap="none" lIns="45720" tIns="18288" rIns="45720" bIns="18288" rtlCol="0" anchor="ctr">
+                <a:noAutofit/>
+              </a:bodyPr>
+              <a:lstStyle/>
+              <a:p>
+                <a:r>
+                  <a:rPr lang="en-US" sz="1200" dirty="0">
+                    <a:solidFill>
+                      <a:srgbClr val="000000"/>
+                    </a:solidFill>
+                    <a:latin typeface="Segoe UI" pitchFamily="34" charset="0"/>
+                    <a:cs typeface="Segoe UI" pitchFamily="34" charset="0"/>
+                  </a:rPr>
+                  <a:t>3. Choix réponse 3</a:t>
+                </a:r>
+              </a:p>
+            </p:txBody>
+          </p:sp>
+        </p:grpSp>
+        <p:sp>
+          <p:nvSpPr>
+            <p:cNvPr id="9" name="Content">
+              <a:extLst>
+                <a:ext uri="{FF2B5EF4-FFF2-40B4-BE49-F238E27FC236}">
+                  <a16:creationId xmlns:a16="http://schemas.microsoft.com/office/drawing/2014/main" id="{6FC0206D-A8F6-44F8-BD05-B828A348F68B}"/>
+                </a:ext>
+              </a:extLst>
+            </p:cNvPr>
+            <p:cNvSpPr/>
+            <p:nvPr>
+              <p:custDataLst>
+                <p:custData r:id="rId6"/>
+              </p:custDataLst>
+            </p:nvPr>
+          </p:nvSpPr>
+          <p:spPr>
+            <a:xfrm>
+              <a:off x="3728288" y="4803160"/>
+              <a:ext cx="4722690" cy="604590"/>
+            </a:xfrm>
+            <a:prstGeom prst="rect">
+              <a:avLst/>
+            </a:prstGeom>
+            <a:solidFill>
+              <a:schemeClr val="accent2">
+                <a:lumMod val="40000"/>
+                <a:lumOff val="60000"/>
+              </a:schemeClr>
+            </a:solidFill>
+            <a:ln w="3175">
+              <a:solidFill>
+                <a:srgbClr val="000000">
+                  <a:lumMod val="50000"/>
+                  <a:lumOff val="50000"/>
+                </a:srgbClr>
+              </a:solidFill>
+            </a:ln>
+            <a:effectLst/>
+          </p:spPr>
+          <p:style>
+            <a:lnRef idx="2">
+              <a:srgbClr val="4F81BD">
+                <a:shade val="50000"/>
+              </a:srgbClr>
+            </a:lnRef>
+            <a:fillRef idx="1">
+              <a:srgbClr val="4F81BD"/>
+            </a:fillRef>
+            <a:effectRef idx="0">
+              <a:srgbClr val="4F81BD"/>
+            </a:effectRef>
+            <a:fontRef idx="minor">
+              <a:srgbClr val="000000"/>
+            </a:fontRef>
+          </p:style>
+          <p:txBody>
+            <a:bodyPr wrap="none" lIns="45720" tIns="18288" rIns="45720" bIns="18288" rtlCol="0" anchor="ctr">
+              <a:noAutofit/>
+            </a:bodyPr>
+            <a:lstStyle/>
+            <a:p>
+              <a:r>
+                <a:rPr lang="en-US" sz="1200" dirty="0">
+                  <a:solidFill>
+                    <a:srgbClr val="000000"/>
+                  </a:solidFill>
+                  <a:latin typeface="Segoe UI" pitchFamily="34" charset="0"/>
+                  <a:cs typeface="Segoe UI" pitchFamily="34" charset="0"/>
+                </a:rPr>
+                <a:t>n. Choix réponse n</a:t>
+              </a:r>
+            </a:p>
+          </p:txBody>
+        </p:sp>
+      </p:grpSp>
+      <p:grpSp>
+        <p:nvGrpSpPr>
+          <p:cNvPr id="21" name="StickyNote">
+            <a:extLst>
+              <a:ext uri="{FF2B5EF4-FFF2-40B4-BE49-F238E27FC236}">
+                <a16:creationId xmlns:a16="http://schemas.microsoft.com/office/drawing/2014/main" id="{2470C0E2-9D5F-4914-85E4-50E451E41F96}"/>
+              </a:ext>
+            </a:extLst>
+          </p:cNvPr>
+          <p:cNvGrpSpPr/>
+          <p:nvPr>
+            <p:custDataLst>
+              <p:custData r:id="rId1"/>
+            </p:custDataLst>
+          </p:nvPr>
+        </p:nvGrpSpPr>
+        <p:grpSpPr>
+          <a:xfrm>
+            <a:off x="8824625" y="4051735"/>
+            <a:ext cx="1946294" cy="1243084"/>
+            <a:chOff x="3886200" y="2629127"/>
+            <a:chExt cx="1371600" cy="1485673"/>
+          </a:xfrm>
+        </p:grpSpPr>
+        <p:sp>
+          <p:nvSpPr>
+            <p:cNvPr id="22" name="Content">
+              <a:extLst>
+                <a:ext uri="{FF2B5EF4-FFF2-40B4-BE49-F238E27FC236}">
+                  <a16:creationId xmlns:a16="http://schemas.microsoft.com/office/drawing/2014/main" id="{71878AA6-7BFF-4E1B-9182-1586E5A8FE64}"/>
+                </a:ext>
+              </a:extLst>
+            </p:cNvPr>
+            <p:cNvSpPr/>
+            <p:nvPr/>
+          </p:nvSpPr>
+          <p:spPr>
+            <a:xfrm>
+              <a:off x="3886200" y="2743200"/>
+              <a:ext cx="1371600" cy="1371600"/>
+            </a:xfrm>
+            <a:prstGeom prst="rect">
+              <a:avLst/>
+            </a:prstGeom>
+            <a:gradFill>
+              <a:gsLst>
+                <a:gs pos="100000">
+                  <a:srgbClr val="FFFF89"/>
+                </a:gs>
+                <a:gs pos="0">
+                  <a:srgbClr val="FFFF99"/>
+                </a:gs>
+              </a:gsLst>
+              <a:lin ang="5400000" scaled="0"/>
+            </a:gradFill>
+            <a:ln w="3175">
+              <a:solidFill>
+                <a:srgbClr val="FFFFFF">
+                  <a:lumMod val="50000"/>
+                </a:srgbClr>
+              </a:solidFill>
+            </a:ln>
+            <a:effectLst/>
+          </p:spPr>
+          <p:style>
+            <a:lnRef idx="2">
+              <a:srgbClr val="4F81BD">
+                <a:shade val="50000"/>
+              </a:srgbClr>
+            </a:lnRef>
+            <a:fillRef idx="1">
+              <a:srgbClr val="4F81BD"/>
+            </a:fillRef>
+            <a:effectRef idx="0">
+              <a:srgbClr val="4F81BD"/>
+            </a:effectRef>
+            <a:fontRef idx="minor">
+              <a:srgbClr val="000000"/>
+            </a:fontRef>
+          </p:style>
+          <p:txBody>
+            <a:bodyPr lIns="91440" tIns="137160" rIns="91440" bIns="45720" rtlCol="0" anchor="t" anchorCtr="0">
+              <a:normAutofit/>
+            </a:bodyPr>
+            <a:lstStyle/>
+            <a:p>
+              <a:r>
+                <a:rPr lang="en-US" sz="1200" dirty="0">
+                  <a:solidFill>
+                    <a:sysClr val="windowText" lastClr="000000"/>
+                  </a:solidFill>
+                  <a:latin typeface="Segoe UI" pitchFamily="34" charset="0"/>
+                  <a:cs typeface="Segoe UI" pitchFamily="34" charset="0"/>
+                </a:rPr>
+                <a:t>Clique sur la réponse n =&gt; Rajoute un choix supplémentaire autant de fois que l’utilisteur le souhaite.</a:t>
+              </a:r>
+            </a:p>
+          </p:txBody>
+        </p:sp>
+        <p:sp>
+          <p:nvSpPr>
+            <p:cNvPr id="23" name="Tape">
+              <a:extLst>
+                <a:ext uri="{FF2B5EF4-FFF2-40B4-BE49-F238E27FC236}">
+                  <a16:creationId xmlns:a16="http://schemas.microsoft.com/office/drawing/2014/main" id="{4235CD70-6F9F-4273-8667-2D9A6EB2EB4E}"/>
+                </a:ext>
+              </a:extLst>
+            </p:cNvPr>
+            <p:cNvSpPr/>
+            <p:nvPr>
+              <p:custDataLst>
+                <p:custData r:id="rId5"/>
+              </p:custDataLst>
+            </p:nvPr>
+          </p:nvSpPr>
+          <p:spPr>
+            <a:xfrm rot="401918">
+              <a:off x="4290086" y="2629127"/>
+              <a:ext cx="563828" cy="215444"/>
+            </a:xfrm>
+            <a:prstGeom prst="rect">
+              <a:avLst/>
+            </a:prstGeom>
+            <a:solidFill>
+              <a:srgbClr val="C00000"/>
+            </a:solidFill>
+            <a:ln w="3175" cap="flat" cmpd="sng" algn="ctr">
+              <a:solidFill>
+                <a:srgbClr val="FFFFFF">
+                  <a:lumMod val="50000"/>
+                </a:srgbClr>
+              </a:solidFill>
+              <a:prstDash val="solid"/>
+            </a:ln>
+            <a:effectLst/>
+          </p:spPr>
+          <p:txBody>
+            <a:bodyPr rot="0" spcFirstLastPara="0" vertOverflow="overflow" horzOverflow="overflow" vert="horz" wrap="square" lIns="45720" tIns="45720" rIns="91440" bIns="45720" numCol="1" spcCol="0" rtlCol="0" fromWordArt="0" anchor="ctr" anchorCtr="0" forceAA="0" compatLnSpc="1">
+              <a:prstTxWarp prst="textNoShape">
+                <a:avLst/>
+              </a:prstTxWarp>
+              <a:noAutofit/>
+            </a:bodyPr>
+            <a:lstStyle/>
+            <a:p>
+              <a:pPr marL="0" marR="0" indent="0" algn="ctr" defTabSz="914400" eaLnBrk="1" fontAlgn="auto" latinLnBrk="0" hangingPunct="1">
+                <a:lnSpc>
+                  <a:spcPct val="100000"/>
+                </a:lnSpc>
+                <a:spcBef>
+                  <a:spcPts val="0"/>
+                </a:spcBef>
+                <a:spcAft>
+                  <a:spcPts val="0"/>
+                </a:spcAft>
+                <a:buClrTx/>
+                <a:buSzTx/>
+                <a:buFontTx/>
+                <a:buNone/>
+                <a:tabLst/>
+              </a:pPr>
+              <a:endParaRPr kumimoji="0" lang="en-US" sz="800" b="0" i="0" u="none" strike="noStrike" kern="0" cap="none" spc="0" normalizeH="0" baseline="0" noProof="0" dirty="0">
+                <a:ln>
+                  <a:noFill/>
+                </a:ln>
+                <a:solidFill>
+                  <a:srgbClr val="000000">
+                    <a:lumMod val="75000"/>
+                    <a:lumOff val="25000"/>
+                  </a:srgbClr>
+                </a:solidFill>
+                <a:effectLst/>
+                <a:uLnTx/>
+                <a:uFillTx/>
+                <a:latin typeface="Segoe UI"/>
+                <a:ea typeface="+mn-ea"/>
+                <a:cs typeface="+mn-cs"/>
+              </a:endParaRPr>
+            </a:p>
+          </p:txBody>
+        </p:sp>
+      </p:grpSp>
+      <p:sp>
+        <p:nvSpPr>
+          <p:cNvPr id="27" name="Content">
+            <a:extLst>
+              <a:ext uri="{FF2B5EF4-FFF2-40B4-BE49-F238E27FC236}">
+                <a16:creationId xmlns:a16="http://schemas.microsoft.com/office/drawing/2014/main" id="{CAE245B8-DB6B-4505-A407-52163DED9D5B}"/>
+              </a:ext>
+            </a:extLst>
+          </p:cNvPr>
+          <p:cNvSpPr/>
+          <p:nvPr>
+            <p:custDataLst>
+              <p:custData r:id="rId2"/>
+            </p:custDataLst>
+          </p:nvPr>
+        </p:nvSpPr>
+        <p:spPr>
+          <a:xfrm>
+            <a:off x="4670682" y="5749242"/>
+            <a:ext cx="2850636" cy="427510"/>
+          </a:xfrm>
+          <a:prstGeom prst="roundRect">
+            <a:avLst/>
+          </a:prstGeom>
+          <a:solidFill>
+            <a:srgbClr val="FF0000"/>
+          </a:solidFill>
+          <a:ln w="3175">
+            <a:solidFill>
+              <a:srgbClr val="000000">
+                <a:lumMod val="50000"/>
+                <a:lumOff val="50000"/>
+              </a:srgbClr>
+            </a:solidFill>
+          </a:ln>
+          <a:effectLst/>
+        </p:spPr>
+        <p:style>
+          <a:lnRef idx="2">
+            <a:srgbClr val="4F81BD">
+              <a:shade val="50000"/>
+            </a:srgbClr>
+          </a:lnRef>
+          <a:fillRef idx="1">
+            <a:srgbClr val="4F81BD"/>
+          </a:fillRef>
+          <a:effectRef idx="0">
+            <a:srgbClr val="4F81BD"/>
+          </a:effectRef>
+          <a:fontRef idx="minor">
+            <a:srgbClr val="000000"/>
+          </a:fontRef>
+        </p:style>
+        <p:txBody>
+          <a:bodyPr wrap="square" lIns="91440" tIns="0" rIns="91440" bIns="9144" rtlCol="0" anchor="ctr">
+            <a:noAutofit/>
+          </a:bodyPr>
+          <a:lstStyle/>
+          <a:p>
+            <a:pPr algn="ctr"/>
+            <a:r>
+              <a:rPr lang="en-US" sz="1200" b="1" dirty="0">
+                <a:latin typeface="Segoe UI" pitchFamily="34" charset="0"/>
+                <a:cs typeface="Segoe UI" pitchFamily="34" charset="0"/>
+              </a:rPr>
+              <a:t>VALIDER LE SONDAGE</a:t>
+            </a:r>
+            <a:endParaRPr lang="en-US" sz="1200" b="1" dirty="0">
+              <a:solidFill>
+                <a:srgbClr val="000000"/>
+              </a:solidFill>
+              <a:latin typeface="Segoe UI" pitchFamily="34" charset="0"/>
+              <a:cs typeface="Segoe UI" pitchFamily="34" charset="0"/>
+            </a:endParaRPr>
+          </a:p>
+        </p:txBody>
+      </p:sp>
+      <p:grpSp>
+        <p:nvGrpSpPr>
+          <p:cNvPr id="28" name="CheckBoxChecked">
+            <a:extLst>
+              <a:ext uri="{FF2B5EF4-FFF2-40B4-BE49-F238E27FC236}">
+                <a16:creationId xmlns:a16="http://schemas.microsoft.com/office/drawing/2014/main" id="{0D4FFFAF-1D19-4FF5-9A8E-1E8DB7BF7D71}"/>
+              </a:ext>
+            </a:extLst>
+          </p:cNvPr>
+          <p:cNvGrpSpPr/>
+          <p:nvPr>
+            <p:custDataLst>
+              <p:custData r:id="rId3"/>
+            </p:custDataLst>
+          </p:nvPr>
+        </p:nvGrpSpPr>
+        <p:grpSpPr>
+          <a:xfrm>
+            <a:off x="3733200" y="5184000"/>
+            <a:ext cx="1292400" cy="230832"/>
+            <a:chOff x="4317072" y="3312427"/>
+            <a:chExt cx="1288511" cy="230832"/>
+          </a:xfrm>
+        </p:grpSpPr>
+        <p:grpSp>
+          <p:nvGrpSpPr>
+            <p:cNvPr id="29" name="Group 2">
+              <a:extLst>
+                <a:ext uri="{FF2B5EF4-FFF2-40B4-BE49-F238E27FC236}">
+                  <a16:creationId xmlns:a16="http://schemas.microsoft.com/office/drawing/2014/main" id="{B6701FC7-B36A-4718-A2F5-DD2D8D0971BB}"/>
+                </a:ext>
+              </a:extLst>
+            </p:cNvPr>
+            <p:cNvGrpSpPr/>
+            <p:nvPr/>
+          </p:nvGrpSpPr>
+          <p:grpSpPr>
+            <a:xfrm>
+              <a:off x="4354470" y="3312427"/>
+              <a:ext cx="1251113" cy="230832"/>
+              <a:chOff x="5179842" y="2087451"/>
+              <a:chExt cx="1172540" cy="216403"/>
+            </a:xfrm>
+          </p:grpSpPr>
+          <p:sp>
+            <p:nvSpPr>
+              <p:cNvPr id="31" name="Content">
+                <a:extLst>
+                  <a:ext uri="{FF2B5EF4-FFF2-40B4-BE49-F238E27FC236}">
+                    <a16:creationId xmlns:a16="http://schemas.microsoft.com/office/drawing/2014/main" id="{35EB55CF-4975-4FDD-9D9F-67AAA63D70CA}"/>
+                  </a:ext>
+                </a:extLst>
+              </p:cNvPr>
+              <p:cNvSpPr txBox="1"/>
+              <p:nvPr/>
+            </p:nvSpPr>
+            <p:spPr>
+              <a:xfrm>
+                <a:off x="5179843" y="2087451"/>
+                <a:ext cx="1172539" cy="216403"/>
+              </a:xfrm>
+              <a:prstGeom prst="rect">
+                <a:avLst/>
+              </a:prstGeom>
+              <a:noFill/>
+            </p:spPr>
+            <p:txBody>
+              <a:bodyPr wrap="none" lIns="164592" tIns="18288" rIns="45720" bIns="27432" rtlCol="0" anchor="ctr" anchorCtr="0">
+                <a:spAutoFit/>
+              </a:bodyPr>
+              <a:lstStyle/>
+              <a:p>
+                <a:r>
+                  <a:rPr lang="en-US" sz="1200" dirty="0">
+                    <a:latin typeface="Segoe UI" pitchFamily="34" charset="0"/>
+                    <a:ea typeface="Segoe UI" pitchFamily="34" charset="0"/>
+                    <a:cs typeface="Segoe UI" pitchFamily="34" charset="0"/>
+                  </a:rPr>
+                  <a:t>Choix multiples</a:t>
+                </a:r>
+              </a:p>
+            </p:txBody>
+          </p:sp>
+          <p:sp>
+            <p:nvSpPr>
+              <p:cNvPr id="32" name="CheckBox">
+                <a:extLst>
+                  <a:ext uri="{FF2B5EF4-FFF2-40B4-BE49-F238E27FC236}">
+                    <a16:creationId xmlns:a16="http://schemas.microsoft.com/office/drawing/2014/main" id="{E0C5CD31-0554-4F23-B0CD-FC1A66C1B014}"/>
+                  </a:ext>
+                </a:extLst>
+              </p:cNvPr>
+              <p:cNvSpPr/>
+              <p:nvPr/>
+            </p:nvSpPr>
+            <p:spPr>
+              <a:xfrm>
+                <a:off x="5179842" y="2150901"/>
+                <a:ext cx="100012" cy="97631"/>
+              </a:xfrm>
+              <a:prstGeom prst="rect">
+                <a:avLst/>
+              </a:prstGeom>
+              <a:solidFill>
+                <a:srgbClr val="FFFFFF"/>
+              </a:solidFill>
+              <a:ln w="3175">
+                <a:solidFill>
+                  <a:srgbClr val="FFFFFF">
+                    <a:lumMod val="65000"/>
+                  </a:srgbClr>
+                </a:solidFill>
+              </a:ln>
+              <a:effectLst>
+                <a:innerShdw blurRad="63500">
+                  <a:prstClr val="black">
+                    <a:alpha val="17000"/>
+                  </a:prstClr>
+                </a:innerShdw>
+              </a:effectLst>
+            </p:spPr>
+            <p:style>
+              <a:lnRef idx="2">
+                <a:srgbClr val="4F81BD">
+                  <a:shade val="50000"/>
+                </a:srgbClr>
+              </a:lnRef>
+              <a:fillRef idx="1">
+                <a:srgbClr val="4F81BD"/>
+              </a:fillRef>
+              <a:effectRef idx="0">
+                <a:srgbClr val="4F81BD"/>
+              </a:effectRef>
+              <a:fontRef idx="minor">
+                <a:srgbClr val="000000"/>
+              </a:fontRef>
+            </p:style>
+            <p:txBody>
+              <a:bodyPr rtlCol="0" anchor="ctr"/>
+              <a:lstStyle/>
+              <a:p>
+                <a:pPr algn="ctr"/>
+                <a:endParaRPr lang="en-US" dirty="0"/>
+              </a:p>
+            </p:txBody>
+          </p:sp>
+        </p:grpSp>
+        <p:pic>
+          <p:nvPicPr>
+            <p:cNvPr id="30" name="Check" descr="C:\Users\t-dantay\Documents\WPIcons\appbar.check.rest.png">
+              <a:hlinkClick r:id="rId14" action="ppaction://hlinksldjump"/>
+              <a:extLst>
+                <a:ext uri="{FF2B5EF4-FFF2-40B4-BE49-F238E27FC236}">
+                  <a16:creationId xmlns:a16="http://schemas.microsoft.com/office/drawing/2014/main" id="{BB274C38-FACE-4E56-8D70-C8DD13D35A6A}"/>
+                </a:ext>
+              </a:extLst>
+            </p:cNvPr>
+            <p:cNvPicPr>
+              <a:picLocks noChangeAspect="1" noChangeArrowheads="1"/>
+            </p:cNvPicPr>
+            <p:nvPr/>
+          </p:nvPicPr>
+          <p:blipFill>
+            <a:blip r:embed="rId15" cstate="print">
+              <a:extLst>
+                <a:ext uri="{28A0092B-C50C-407E-A947-70E740481C1C}">
+                  <a14:useLocalDpi xmlns:a14="http://schemas.microsoft.com/office/drawing/2010/main" val="0"/>
+                </a:ext>
+              </a:extLst>
+            </a:blip>
+            <a:srcRect/>
+            <a:stretch>
+              <a:fillRect/>
+            </a:stretch>
+          </p:blipFill>
+          <p:spPr bwMode="auto">
+            <a:xfrm>
+              <a:off x="4317072" y="3344359"/>
+              <a:ext cx="182880" cy="182880"/>
+            </a:xfrm>
+            <a:prstGeom prst="rect">
+              <a:avLst/>
+            </a:prstGeom>
+            <a:noFill/>
+            <a:extLst>
+              <a:ext uri="{909E8E84-426E-40DD-AFC4-6F175D3DCCD1}">
+                <a14:hiddenFill xmlns:a14="http://schemas.microsoft.com/office/drawing/2010/main">
+                  <a:solidFill>
+                    <a:srgbClr val="FFFFFF"/>
+                  </a:solidFill>
+                </a14:hiddenFill>
+              </a:ext>
+            </a:extLst>
+          </p:spPr>
+        </p:pic>
+      </p:grpSp>
+      <p:sp>
+        <p:nvSpPr>
+          <p:cNvPr id="24" name="Content">
+            <a:extLst>
+              <a:ext uri="{FF2B5EF4-FFF2-40B4-BE49-F238E27FC236}">
+                <a16:creationId xmlns:a16="http://schemas.microsoft.com/office/drawing/2014/main" id="{7D596822-115D-4AE9-BBB1-1F34E3697AAB}"/>
+              </a:ext>
+            </a:extLst>
+          </p:cNvPr>
+          <p:cNvSpPr/>
+          <p:nvPr>
+            <p:custDataLst>
+              <p:custData r:id="rId4"/>
+            </p:custDataLst>
+          </p:nvPr>
+        </p:nvSpPr>
+        <p:spPr>
+          <a:xfrm>
+            <a:off x="3733199" y="3723787"/>
+            <a:ext cx="4668681" cy="534271"/>
+          </a:xfrm>
+          <a:prstGeom prst="rect">
+            <a:avLst/>
+          </a:prstGeom>
+          <a:solidFill>
+            <a:sysClr val="window" lastClr="FFFFFF"/>
+          </a:solidFill>
+          <a:ln w="3175">
+            <a:solidFill>
+              <a:srgbClr val="000000">
+                <a:lumMod val="50000"/>
+                <a:lumOff val="50000"/>
+              </a:srgbClr>
+            </a:solidFill>
+          </a:ln>
+          <a:effectLst/>
+        </p:spPr>
+        <p:style>
+          <a:lnRef idx="2">
+            <a:srgbClr val="4F81BD">
+              <a:shade val="50000"/>
+            </a:srgbClr>
+          </a:lnRef>
+          <a:fillRef idx="1">
+            <a:srgbClr val="4F81BD"/>
+          </a:fillRef>
+          <a:effectRef idx="0">
+            <a:srgbClr val="4F81BD"/>
+          </a:effectRef>
+          <a:fontRef idx="minor">
+            <a:srgbClr val="000000"/>
+          </a:fontRef>
+        </p:style>
+        <p:txBody>
+          <a:bodyPr wrap="none" lIns="45720" tIns="18288" rIns="45720" bIns="18288" rtlCol="0" anchor="ctr">
+            <a:noAutofit/>
+          </a:bodyPr>
+          <a:lstStyle/>
+          <a:p>
+            <a:r>
+              <a:rPr lang="en-US" sz="1200" dirty="0">
+                <a:latin typeface="Segoe UI" pitchFamily="34" charset="0"/>
+                <a:cs typeface="Segoe UI" pitchFamily="34" charset="0"/>
+              </a:rPr>
+              <a:t>4</a:t>
+            </a:r>
+            <a:r>
+              <a:rPr lang="en-US" sz="1200" dirty="0">
+                <a:solidFill>
+                  <a:srgbClr val="000000"/>
+                </a:solidFill>
+                <a:latin typeface="Segoe UI" pitchFamily="34" charset="0"/>
+                <a:cs typeface="Segoe UI" pitchFamily="34" charset="0"/>
+              </a:rPr>
+              <a:t>. Choix </a:t>
+            </a:r>
+            <a:r>
+              <a:rPr lang="en-US" sz="1200" dirty="0" err="1">
+                <a:solidFill>
+                  <a:srgbClr val="000000"/>
+                </a:solidFill>
+                <a:latin typeface="Segoe UI" pitchFamily="34" charset="0"/>
+                <a:cs typeface="Segoe UI" pitchFamily="34" charset="0"/>
+              </a:rPr>
+              <a:t>réponse</a:t>
+            </a:r>
+            <a:r>
+              <a:rPr lang="en-US" sz="1200" dirty="0">
+                <a:solidFill>
+                  <a:srgbClr val="000000"/>
+                </a:solidFill>
+                <a:latin typeface="Segoe UI" pitchFamily="34" charset="0"/>
+                <a:cs typeface="Segoe UI" pitchFamily="34" charset="0"/>
+              </a:rPr>
+              <a:t> 4</a:t>
+            </a:r>
+          </a:p>
+        </p:txBody>
+      </p:sp>
+      <p:sp>
+        <p:nvSpPr>
+          <p:cNvPr id="14" name="Titre 13">
+            <a:extLst>
+              <a:ext uri="{FF2B5EF4-FFF2-40B4-BE49-F238E27FC236}">
+                <a16:creationId xmlns:a16="http://schemas.microsoft.com/office/drawing/2014/main" id="{0CA17BB1-49BC-4C29-A092-EC3CA7D02F5F}"/>
+              </a:ext>
+            </a:extLst>
+          </p:cNvPr>
+          <p:cNvSpPr>
+            <a:spLocks noGrp="1"/>
+          </p:cNvSpPr>
+          <p:nvPr>
+            <p:ph type="title" idx="4294967295"/>
+          </p:nvPr>
+        </p:nvSpPr>
+        <p:spPr>
+          <a:xfrm>
+            <a:off x="931985" y="-689822"/>
+            <a:ext cx="10515600" cy="650636"/>
+          </a:xfrm>
+          <a:prstGeom prst="rect">
+            <a:avLst/>
+          </a:prstGeom>
+        </p:spPr>
+        <p:txBody>
+          <a:bodyPr/>
+          <a:lstStyle/>
+          <a:p>
+            <a:r>
+              <a:rPr lang="fr-FR" dirty="0"/>
+              <a:t>Sondage : Choix=4 </a:t>
+            </a:r>
+            <a:r>
+              <a:rPr lang="fr-FR" dirty="0" err="1"/>
+              <a:t>ChoixMultiple</a:t>
+            </a:r>
+            <a:r>
+              <a:rPr lang="fr-FR" dirty="0"/>
+              <a:t>=1</a:t>
+            </a:r>
+            <a:br>
+              <a:rPr lang="fr-FR" dirty="0"/>
+            </a:br>
+            <a:endParaRPr lang="fr-FR" dirty="0"/>
+          </a:p>
+        </p:txBody>
+      </p:sp>
+    </p:spTree>
+    <p:extLst>
+      <p:ext uri="{BB962C8B-B14F-4D97-AF65-F5344CB8AC3E}">
+        <p14:creationId xmlns:p14="http://schemas.microsoft.com/office/powerpoint/2010/main" val="3925699107"/>
+      </p:ext>
+    </p:extLst>
+  </p:cSld>
+  <p:clrMapOvr>
+    <a:masterClrMapping/>
+  </p:clrMapOvr>
+  <mc:AlternateContent xmlns:mc="http://schemas.openxmlformats.org/markup-compatibility/2006" xmlns:p14="http://schemas.microsoft.com/office/powerpoint/2010/main">
+    <mc:Choice Requires="p14">
+      <p:transition spd="slow" p14:dur="2000" advClick="0"/>
+    </mc:Choice>
+    <mc:Fallback xmlns="">
+      <p:transition spd="slow" advClick="0"/>
+    </mc:Fallback>
+  </mc:AlternateContent>
+</p:sld>
+</file>
+
+<file path=ppt/slides/slide5.xml><?xml version="1.0" encoding="utf-8"?>
 <p:sld xmlns:a="http://schemas.openxmlformats.org/drawingml/2006/main" xmlns:r="http://schemas.openxmlformats.org/officeDocument/2006/relationships" xmlns:p="http://schemas.openxmlformats.org/presentationml/2006/main">
   <p:cSld>
     <p:spTree>
@@ -9015,133 +10431,6 @@
           </p:txBody>
         </p:sp>
       </p:grpSp>
-      <p:grpSp>
-        <p:nvGrpSpPr>
-          <p:cNvPr id="24" name="CheckBoxUnchecked">
-            <a:extLst>
-              <a:ext uri="{FF2B5EF4-FFF2-40B4-BE49-F238E27FC236}">
-                <a16:creationId xmlns:a16="http://schemas.microsoft.com/office/drawing/2014/main" id="{070B7725-4913-4547-A5E8-7817B8E82178}"/>
-              </a:ext>
-            </a:extLst>
-          </p:cNvPr>
-          <p:cNvGrpSpPr/>
-          <p:nvPr>
-            <p:custDataLst>
-              <p:custData r:id="rId2"/>
-            </p:custDataLst>
-          </p:nvPr>
-        </p:nvGrpSpPr>
-        <p:grpSpPr>
-          <a:xfrm>
-            <a:off x="3734655" y="5063987"/>
-            <a:ext cx="1759365" cy="230832"/>
-            <a:chOff x="5105055" y="2079103"/>
-            <a:chExt cx="868610" cy="213767"/>
-          </a:xfrm>
-        </p:grpSpPr>
-        <p:sp>
-          <p:nvSpPr>
-            <p:cNvPr id="25" name="Content">
-              <a:extLst>
-                <a:ext uri="{FF2B5EF4-FFF2-40B4-BE49-F238E27FC236}">
-                  <a16:creationId xmlns:a16="http://schemas.microsoft.com/office/drawing/2014/main" id="{244CB28F-FF46-4BE8-9B1C-281792005056}"/>
-                </a:ext>
-              </a:extLst>
-            </p:cNvPr>
-            <p:cNvSpPr txBox="1"/>
-            <p:nvPr/>
-          </p:nvSpPr>
-          <p:spPr>
-            <a:xfrm>
-              <a:off x="5105055" y="2079103"/>
-              <a:ext cx="653782" cy="213767"/>
-            </a:xfrm>
-            <a:prstGeom prst="rect">
-              <a:avLst/>
-            </a:prstGeom>
-            <a:noFill/>
-          </p:spPr>
-          <p:txBody>
-            <a:bodyPr wrap="square" lIns="164592" tIns="18288" rIns="45720" bIns="27432" rtlCol="0" anchor="ctr" anchorCtr="0">
-              <a:spAutoFit/>
-            </a:bodyPr>
-            <a:lstStyle/>
-            <a:p>
-              <a:r>
-                <a:rPr lang="en-US" sz="1200" dirty="0">
-                  <a:latin typeface="Segoe UI" pitchFamily="34" charset="0"/>
-                  <a:ea typeface="Segoe UI" pitchFamily="34" charset="0"/>
-                  <a:cs typeface="Segoe UI" pitchFamily="34" charset="0"/>
-                </a:rPr>
-                <a:t>Choix multiples </a:t>
-              </a:r>
-            </a:p>
-          </p:txBody>
-        </p:sp>
-        <p:sp>
-          <p:nvSpPr>
-            <p:cNvPr id="26" name="CheckBox">
-              <a:extLst>
-                <a:ext uri="{FF2B5EF4-FFF2-40B4-BE49-F238E27FC236}">
-                  <a16:creationId xmlns:a16="http://schemas.microsoft.com/office/drawing/2014/main" id="{99B7B27A-ECCC-4E86-8BEE-B31DA5ADE622}"/>
-                </a:ext>
-              </a:extLst>
-            </p:cNvPr>
-            <p:cNvSpPr/>
-            <p:nvPr/>
-          </p:nvSpPr>
-          <p:spPr>
-            <a:xfrm>
-              <a:off x="5902936" y="2119175"/>
-              <a:ext cx="70729" cy="122883"/>
-            </a:xfrm>
-            <a:prstGeom prst="rect">
-              <a:avLst/>
-            </a:prstGeom>
-            <a:solidFill>
-              <a:srgbClr val="FFFFFF"/>
-            </a:solidFill>
-            <a:ln w="3175">
-              <a:solidFill>
-                <a:srgbClr val="FFFFFF">
-                  <a:lumMod val="65000"/>
-                </a:srgbClr>
-              </a:solidFill>
-            </a:ln>
-            <a:effectLst>
-              <a:innerShdw blurRad="63500">
-                <a:prstClr val="black">
-                  <a:alpha val="17000"/>
-                </a:prstClr>
-              </a:innerShdw>
-            </a:effectLst>
-          </p:spPr>
-          <p:style>
-            <a:lnRef idx="2">
-              <a:srgbClr val="4F81BD">
-                <a:shade val="50000"/>
-              </a:srgbClr>
-            </a:lnRef>
-            <a:fillRef idx="1">
-              <a:srgbClr val="4F81BD"/>
-            </a:fillRef>
-            <a:effectRef idx="0">
-              <a:srgbClr val="4F81BD"/>
-            </a:effectRef>
-            <a:fontRef idx="minor">
-              <a:srgbClr val="000000"/>
-            </a:fontRef>
-          </p:style>
-          <p:txBody>
-            <a:bodyPr rtlCol="0" anchor="ctr"/>
-            <a:lstStyle/>
-            <a:p>
-              <a:pPr algn="ctr"/>
-              <a:endParaRPr lang="en-US" dirty="0"/>
-            </a:p>
-          </p:txBody>
-        </p:sp>
-      </p:grpSp>
       <p:sp>
         <p:nvSpPr>
           <p:cNvPr id="27" name="Content">
@@ -9154,7 +10443,7 @@
           <p:cNvSpPr/>
           <p:nvPr>
             <p:custDataLst>
-              <p:custData r:id="rId3"/>
+              <p:custData r:id="rId2"/>
             </p:custDataLst>
           </p:nvPr>
         </p:nvSpPr>
@@ -9231,7 +10520,7 @@
           <p:cNvSpPr/>
           <p:nvPr>
             <p:custDataLst>
-              <p:custData r:id="rId4"/>
+              <p:custData r:id="rId3"/>
             </p:custDataLst>
           </p:nvPr>
         </p:nvSpPr>
@@ -9294,6 +10583,186 @@
           </a:p>
         </p:txBody>
       </p:sp>
+      <p:grpSp>
+        <p:nvGrpSpPr>
+          <p:cNvPr id="40" name="CheckBoxUnchecked">
+            <a:extLst>
+              <a:ext uri="{FF2B5EF4-FFF2-40B4-BE49-F238E27FC236}">
+                <a16:creationId xmlns:a16="http://schemas.microsoft.com/office/drawing/2014/main" id="{64FF9E80-BCE4-4354-845B-9AA852B1EBDD}"/>
+              </a:ext>
+            </a:extLst>
+          </p:cNvPr>
+          <p:cNvGrpSpPr/>
+          <p:nvPr>
+            <p:custDataLst>
+              <p:custData r:id="rId4"/>
+            </p:custDataLst>
+          </p:nvPr>
+        </p:nvGrpSpPr>
+        <p:grpSpPr>
+          <a:xfrm>
+            <a:off x="3734653" y="5185582"/>
+            <a:ext cx="1292795" cy="230832"/>
+            <a:chOff x="5179843" y="2087449"/>
+            <a:chExt cx="1211608" cy="216403"/>
+          </a:xfrm>
+        </p:grpSpPr>
+        <p:sp>
+          <p:nvSpPr>
+            <p:cNvPr id="41" name="Content">
+              <a:extLst>
+                <a:ext uri="{FF2B5EF4-FFF2-40B4-BE49-F238E27FC236}">
+                  <a16:creationId xmlns:a16="http://schemas.microsoft.com/office/drawing/2014/main" id="{2BD3AD4E-725D-417E-9C35-C6387260CAD2}"/>
+                </a:ext>
+              </a:extLst>
+            </p:cNvPr>
+            <p:cNvSpPr txBox="1">
+              <a:spLocks/>
+            </p:cNvSpPr>
+            <p:nvPr/>
+          </p:nvSpPr>
+          <p:spPr>
+            <a:xfrm>
+              <a:off x="5179848" y="2087449"/>
+              <a:ext cx="1211603" cy="216403"/>
+            </a:xfrm>
+            <a:prstGeom prst="rect">
+              <a:avLst/>
+            </a:prstGeom>
+            <a:noFill/>
+          </p:spPr>
+          <p:txBody>
+            <a:bodyPr wrap="none" lIns="164592" tIns="18288" rIns="45720" bIns="27432" rtlCol="0" anchor="ctr" anchorCtr="0">
+              <a:spAutoFit/>
+            </a:bodyPr>
+            <a:lstStyle/>
+            <a:p>
+              <a:r>
+                <a:rPr lang="en-US" sz="1200" dirty="0">
+                  <a:latin typeface="Segoe UI" pitchFamily="34" charset="0"/>
+                  <a:ea typeface="Segoe UI" pitchFamily="34" charset="0"/>
+                  <a:cs typeface="Segoe UI" pitchFamily="34" charset="0"/>
+                </a:rPr>
+                <a:t>Choix multiples </a:t>
+              </a:r>
+            </a:p>
+          </p:txBody>
+        </p:sp>
+        <p:sp>
+          <p:nvSpPr>
+            <p:cNvPr id="42" name="CheckBox">
+              <a:hlinkClick r:id="rId14" action="ppaction://hlinksldjump"/>
+              <a:extLst>
+                <a:ext uri="{FF2B5EF4-FFF2-40B4-BE49-F238E27FC236}">
+                  <a16:creationId xmlns:a16="http://schemas.microsoft.com/office/drawing/2014/main" id="{77BE66CD-FDE2-4E94-BF38-DA5946BB2D50}"/>
+                </a:ext>
+              </a:extLst>
+            </p:cNvPr>
+            <p:cNvSpPr>
+              <a:spLocks/>
+            </p:cNvSpPr>
+            <p:nvPr/>
+          </p:nvSpPr>
+          <p:spPr>
+            <a:xfrm>
+              <a:off x="5179843" y="2146835"/>
+              <a:ext cx="100012" cy="97631"/>
+            </a:xfrm>
+            <a:prstGeom prst="rect">
+              <a:avLst/>
+            </a:prstGeom>
+            <a:solidFill>
+              <a:srgbClr val="FFFFFF"/>
+            </a:solidFill>
+            <a:ln w="3175">
+              <a:solidFill>
+                <a:srgbClr val="FFFFFF">
+                  <a:lumMod val="65000"/>
+                </a:srgbClr>
+              </a:solidFill>
+            </a:ln>
+            <a:effectLst>
+              <a:innerShdw blurRad="63500">
+                <a:prstClr val="black">
+                  <a:alpha val="17000"/>
+                </a:prstClr>
+              </a:innerShdw>
+            </a:effectLst>
+          </p:spPr>
+          <p:style>
+            <a:lnRef idx="2">
+              <a:srgbClr val="4F81BD">
+                <a:shade val="50000"/>
+              </a:srgbClr>
+            </a:lnRef>
+            <a:fillRef idx="1">
+              <a:srgbClr val="4F81BD"/>
+            </a:fillRef>
+            <a:effectRef idx="0">
+              <a:srgbClr val="4F81BD"/>
+            </a:effectRef>
+            <a:fontRef idx="minor">
+              <a:srgbClr val="000000"/>
+            </a:fontRef>
+          </p:style>
+          <p:txBody>
+            <a:bodyPr rtlCol="0" anchor="ctr"/>
+            <a:lstStyle/>
+            <a:p>
+              <a:pPr algn="ctr"/>
+              <a:endParaRPr lang="en-US" dirty="0"/>
+            </a:p>
+          </p:txBody>
+        </p:sp>
+      </p:grpSp>
+      <p:sp>
+        <p:nvSpPr>
+          <p:cNvPr id="14" name="Titre 13">
+            <a:extLst>
+              <a:ext uri="{FF2B5EF4-FFF2-40B4-BE49-F238E27FC236}">
+                <a16:creationId xmlns:a16="http://schemas.microsoft.com/office/drawing/2014/main" id="{8BF56DBE-B534-4641-B79B-D3158092DD22}"/>
+              </a:ext>
+            </a:extLst>
+          </p:cNvPr>
+          <p:cNvSpPr>
+            <a:spLocks noGrp="1"/>
+          </p:cNvSpPr>
+          <p:nvPr>
+            <p:ph type="title" idx="4294967295"/>
+          </p:nvPr>
+        </p:nvSpPr>
+        <p:spPr>
+          <a:xfrm>
+            <a:off x="967154" y="-617505"/>
+            <a:ext cx="10515600" cy="617506"/>
+          </a:xfrm>
+          <a:prstGeom prst="rect">
+            <a:avLst/>
+          </a:prstGeom>
+        </p:spPr>
+        <p:txBody>
+          <a:bodyPr/>
+          <a:lstStyle/>
+          <a:p>
+            <a:r>
+              <a:rPr lang="fr-FR" dirty="0"/>
+              <a:t>Sondage : Choix=3 </a:t>
+            </a:r>
+            <a:r>
+              <a:rPr lang="fr-FR" dirty="0" err="1"/>
+              <a:t>ChoixMultiple</a:t>
+            </a:r>
+            <a:r>
+              <a:rPr lang="fr-FR" dirty="0"/>
+              <a:t>=0</a:t>
+            </a:r>
+            <a:br>
+              <a:rPr lang="fr-FR" dirty="0"/>
+            </a:br>
+            <a:endParaRPr lang="fr-FR" dirty="0"/>
+          </a:p>
+        </p:txBody>
+      </p:sp>
     </p:spTree>
     <p:extLst>
       <p:ext uri="{BB962C8B-B14F-4D97-AF65-F5344CB8AC3E}">
@@ -9304,11 +10773,1144 @@
   <p:clrMapOvr>
     <a:masterClrMapping/>
   </p:clrMapOvr>
-  <mc:AlternateContent xmlns:mc="http://schemas.openxmlformats.org/markup-compatibility/2006">
-    <mc:Choice xmlns:p14="http://schemas.microsoft.com/office/powerpoint/2010/main" Requires="p14">
+  <mc:AlternateContent xmlns:mc="http://schemas.openxmlformats.org/markup-compatibility/2006" xmlns:p14="http://schemas.microsoft.com/office/powerpoint/2010/main">
+    <mc:Choice Requires="p14">
       <p:transition spd="slow" p14:dur="2000" advClick="0"/>
     </mc:Choice>
-    <mc:Fallback>
+    <mc:Fallback xmlns="">
+      <p:transition spd="slow" advClick="0"/>
+    </mc:Fallback>
+  </mc:AlternateContent>
+</p:sld>
+</file>
+
+<file path=ppt/slides/slide6.xml><?xml version="1.0" encoding="utf-8"?>
+<p:sld xmlns:a="http://schemas.openxmlformats.org/drawingml/2006/main" xmlns:r="http://schemas.openxmlformats.org/officeDocument/2006/relationships" xmlns:p="http://schemas.openxmlformats.org/presentationml/2006/main">
+  <p:cSld>
+    <p:spTree>
+      <p:nvGrpSpPr>
+        <p:cNvPr id="1" name=""/>
+        <p:cNvGrpSpPr/>
+        <p:nvPr/>
+      </p:nvGrpSpPr>
+      <p:grpSpPr>
+        <a:xfrm>
+          <a:off x="0" y="0"/>
+          <a:ext cx="0" cy="0"/>
+          <a:chOff x="0" y="0"/>
+          <a:chExt cx="0" cy="0"/>
+        </a:xfrm>
+      </p:grpSpPr>
+      <p:sp>
+        <p:nvSpPr>
+          <p:cNvPr id="4" name="Rectangle 3">
+            <a:extLst>
+              <a:ext uri="{FF2B5EF4-FFF2-40B4-BE49-F238E27FC236}">
+                <a16:creationId xmlns:a16="http://schemas.microsoft.com/office/drawing/2014/main" id="{8B2A39CD-93CE-49C0-8D66-2E39B2D0D9BC}"/>
+              </a:ext>
+            </a:extLst>
+          </p:cNvPr>
+          <p:cNvSpPr/>
+          <p:nvPr/>
+        </p:nvSpPr>
+        <p:spPr>
+          <a:xfrm>
+            <a:off x="3714997" y="2410690"/>
+            <a:ext cx="4762006" cy="2766951"/>
+          </a:xfrm>
+          <a:prstGeom prst="rect">
+            <a:avLst/>
+          </a:prstGeom>
+          <a:solidFill>
+            <a:schemeClr val="bg1"/>
+          </a:solidFill>
+        </p:spPr>
+        <p:style>
+          <a:lnRef idx="2">
+            <a:schemeClr val="accent1">
+              <a:shade val="50000"/>
+            </a:schemeClr>
+          </a:lnRef>
+          <a:fillRef idx="1">
+            <a:schemeClr val="accent1"/>
+          </a:fillRef>
+          <a:effectRef idx="0">
+            <a:schemeClr val="accent1"/>
+          </a:effectRef>
+          <a:fontRef idx="minor">
+            <a:schemeClr val="lt1"/>
+          </a:fontRef>
+        </p:style>
+        <p:txBody>
+          <a:bodyPr rtlCol="0" anchor="ctr"/>
+          <a:lstStyle/>
+          <a:p>
+            <a:pPr algn="ctr"/>
+            <a:endParaRPr lang="fr-FR"/>
+          </a:p>
+        </p:txBody>
+      </p:sp>
+      <p:grpSp>
+        <p:nvGrpSpPr>
+          <p:cNvPr id="14" name="Groupe 13">
+            <a:extLst>
+              <a:ext uri="{FF2B5EF4-FFF2-40B4-BE49-F238E27FC236}">
+                <a16:creationId xmlns:a16="http://schemas.microsoft.com/office/drawing/2014/main" id="{6E2168C6-34AB-471B-B17B-C05C627D315E}"/>
+              </a:ext>
+            </a:extLst>
+          </p:cNvPr>
+          <p:cNvGrpSpPr/>
+          <p:nvPr/>
+        </p:nvGrpSpPr>
+        <p:grpSpPr>
+          <a:xfrm>
+            <a:off x="3800105" y="3020156"/>
+            <a:ext cx="4536374" cy="1548017"/>
+            <a:chOff x="3673599" y="3005605"/>
+            <a:chExt cx="4112427" cy="1548017"/>
+          </a:xfrm>
+        </p:grpSpPr>
+        <p:grpSp>
+          <p:nvGrpSpPr>
+            <p:cNvPr id="13" name="Groupe 12">
+              <a:extLst>
+                <a:ext uri="{FF2B5EF4-FFF2-40B4-BE49-F238E27FC236}">
+                  <a16:creationId xmlns:a16="http://schemas.microsoft.com/office/drawing/2014/main" id="{DD9643EF-8230-4386-8F8F-D9D4D0545FAD}"/>
+                </a:ext>
+              </a:extLst>
+            </p:cNvPr>
+            <p:cNvGrpSpPr/>
+            <p:nvPr/>
+          </p:nvGrpSpPr>
+          <p:grpSpPr>
+            <a:xfrm>
+              <a:off x="3673599" y="3005605"/>
+              <a:ext cx="4112427" cy="381831"/>
+              <a:chOff x="3673599" y="3005605"/>
+              <a:chExt cx="4112427" cy="381831"/>
+            </a:xfrm>
+          </p:grpSpPr>
+          <p:sp>
+            <p:nvSpPr>
+              <p:cNvPr id="3" name="Content">
+                <a:extLst>
+                  <a:ext uri="{FF2B5EF4-FFF2-40B4-BE49-F238E27FC236}">
+                    <a16:creationId xmlns:a16="http://schemas.microsoft.com/office/drawing/2014/main" id="{D260F640-541D-4F12-BA66-7C677C682F48}"/>
+                  </a:ext>
+                </a:extLst>
+              </p:cNvPr>
+              <p:cNvSpPr/>
+              <p:nvPr>
+                <p:custDataLst>
+                  <p:custData r:id="rId7"/>
+                </p:custDataLst>
+              </p:nvPr>
+            </p:nvSpPr>
+            <p:spPr>
+              <a:xfrm>
+                <a:off x="6096000" y="3057896"/>
+                <a:ext cx="1690026" cy="329540"/>
+              </a:xfrm>
+              <a:prstGeom prst="rect">
+                <a:avLst/>
+              </a:prstGeom>
+              <a:solidFill>
+                <a:sysClr val="window" lastClr="FFFFFF"/>
+              </a:solidFill>
+              <a:ln w="3175">
+                <a:solidFill>
+                  <a:srgbClr val="000000">
+                    <a:lumMod val="50000"/>
+                    <a:lumOff val="50000"/>
+                  </a:srgbClr>
+                </a:solidFill>
+              </a:ln>
+              <a:effectLst/>
+            </p:spPr>
+            <p:style>
+              <a:lnRef idx="2">
+                <a:srgbClr val="4F81BD">
+                  <a:shade val="50000"/>
+                </a:srgbClr>
+              </a:lnRef>
+              <a:fillRef idx="1">
+                <a:srgbClr val="4F81BD"/>
+              </a:fillRef>
+              <a:effectRef idx="0">
+                <a:srgbClr val="4F81BD"/>
+              </a:effectRef>
+              <a:fontRef idx="minor">
+                <a:srgbClr val="000000"/>
+              </a:fontRef>
+            </p:style>
+            <p:txBody>
+              <a:bodyPr wrap="none" lIns="45720" tIns="18288" rIns="45720" bIns="18288" rtlCol="0" anchor="ctr" anchorCtr="0">
+                <a:noAutofit/>
+              </a:bodyPr>
+              <a:lstStyle/>
+              <a:p>
+                <a:r>
+                  <a:rPr lang="en-US" sz="1200" dirty="0">
+                    <a:latin typeface="Segoe UI" pitchFamily="34" charset="0"/>
+                    <a:cs typeface="Segoe UI" pitchFamily="34" charset="0"/>
+                    <a:hlinkClick r:id="rId10" action="ppaction://hlinksldjump"/>
+                  </a:rPr>
+                  <a:t>Diapositive 1</a:t>
+                </a:r>
+                <a:endParaRPr lang="en-US" sz="1200" dirty="0">
+                  <a:latin typeface="Segoe UI" pitchFamily="34" charset="0"/>
+                  <a:cs typeface="Segoe UI" pitchFamily="34" charset="0"/>
+                </a:endParaRPr>
+              </a:p>
+              <a:p>
+                <a:endParaRPr lang="en-US" sz="1200" dirty="0">
+                  <a:solidFill>
+                    <a:srgbClr val="000000"/>
+                  </a:solidFill>
+                  <a:latin typeface="Segoe UI" pitchFamily="34" charset="0"/>
+                  <a:cs typeface="Segoe UI" pitchFamily="34" charset="0"/>
+                </a:endParaRPr>
+              </a:p>
+            </p:txBody>
+          </p:sp>
+          <p:sp>
+            <p:nvSpPr>
+              <p:cNvPr id="7" name="Content">
+                <a:extLst>
+                  <a:ext uri="{FF2B5EF4-FFF2-40B4-BE49-F238E27FC236}">
+                    <a16:creationId xmlns:a16="http://schemas.microsoft.com/office/drawing/2014/main" id="{E0E39D34-55CF-4CA9-9573-EC7258A972A4}"/>
+                  </a:ext>
+                </a:extLst>
+              </p:cNvPr>
+              <p:cNvSpPr txBox="1"/>
+              <p:nvPr>
+                <p:custDataLst>
+                  <p:custData r:id="rId8"/>
+                </p:custDataLst>
+              </p:nvPr>
+            </p:nvSpPr>
+            <p:spPr>
+              <a:xfrm>
+                <a:off x="3673599" y="3005605"/>
+                <a:ext cx="2422401" cy="230832"/>
+              </a:xfrm>
+              <a:prstGeom prst="rect">
+                <a:avLst/>
+              </a:prstGeom>
+              <a:noFill/>
+            </p:spPr>
+            <p:txBody>
+              <a:bodyPr wrap="square" lIns="91440" tIns="18288" rIns="91440" bIns="27432" rtlCol="0" anchor="ctr" anchorCtr="0">
+                <a:spAutoFit/>
+              </a:bodyPr>
+              <a:lstStyle/>
+              <a:p>
+                <a:r>
+                  <a:rPr lang="en-US" sz="1200" b="1" dirty="0">
+                    <a:solidFill>
+                      <a:srgbClr val="000000"/>
+                    </a:solidFill>
+                    <a:latin typeface="Segoe UI" pitchFamily="34" charset="0"/>
+                    <a:ea typeface="Segoe UI" pitchFamily="34" charset="0"/>
+                    <a:cs typeface="Segoe UI" pitchFamily="34" charset="0"/>
+                  </a:rPr>
+                  <a:t>Lien pour </a:t>
+                </a:r>
+                <a:r>
+                  <a:rPr lang="en-US" sz="1200" b="1" dirty="0" err="1">
+                    <a:solidFill>
+                      <a:srgbClr val="000000"/>
+                    </a:solidFill>
+                    <a:latin typeface="Segoe UI" pitchFamily="34" charset="0"/>
+                    <a:ea typeface="Segoe UI" pitchFamily="34" charset="0"/>
+                    <a:cs typeface="Segoe UI" pitchFamily="34" charset="0"/>
+                  </a:rPr>
+                  <a:t>supprimer</a:t>
+                </a:r>
+                <a:r>
+                  <a:rPr lang="en-US" sz="1200" b="1" dirty="0">
+                    <a:solidFill>
+                      <a:srgbClr val="000000"/>
+                    </a:solidFill>
+                    <a:latin typeface="Segoe UI" pitchFamily="34" charset="0"/>
+                    <a:ea typeface="Segoe UI" pitchFamily="34" charset="0"/>
+                    <a:cs typeface="Segoe UI" pitchFamily="34" charset="0"/>
+                  </a:rPr>
+                  <a:t> le </a:t>
+                </a:r>
+                <a:r>
+                  <a:rPr lang="en-US" sz="1200" b="1" dirty="0" err="1">
+                    <a:solidFill>
+                      <a:srgbClr val="000000"/>
+                    </a:solidFill>
+                    <a:latin typeface="Segoe UI" pitchFamily="34" charset="0"/>
+                    <a:ea typeface="Segoe UI" pitchFamily="34" charset="0"/>
+                    <a:cs typeface="Segoe UI" pitchFamily="34" charset="0"/>
+                  </a:rPr>
+                  <a:t>sondage</a:t>
+                </a:r>
+                <a:r>
+                  <a:rPr lang="en-US" sz="1200" b="1" dirty="0">
+                    <a:solidFill>
+                      <a:srgbClr val="000000"/>
+                    </a:solidFill>
+                    <a:latin typeface="Segoe UI" pitchFamily="34" charset="0"/>
+                    <a:ea typeface="Segoe UI" pitchFamily="34" charset="0"/>
+                    <a:cs typeface="Segoe UI" pitchFamily="34" charset="0"/>
+                  </a:rPr>
+                  <a:t> :</a:t>
+                </a:r>
+              </a:p>
+            </p:txBody>
+          </p:sp>
+        </p:grpSp>
+        <p:grpSp>
+          <p:nvGrpSpPr>
+            <p:cNvPr id="12" name="Groupe 11">
+              <a:extLst>
+                <a:ext uri="{FF2B5EF4-FFF2-40B4-BE49-F238E27FC236}">
+                  <a16:creationId xmlns:a16="http://schemas.microsoft.com/office/drawing/2014/main" id="{F0C51CF4-6D44-4DDC-A16A-905CD188464D}"/>
+                </a:ext>
+              </a:extLst>
+            </p:cNvPr>
+            <p:cNvGrpSpPr/>
+            <p:nvPr/>
+          </p:nvGrpSpPr>
+          <p:grpSpPr>
+            <a:xfrm>
+              <a:off x="3673599" y="3602594"/>
+              <a:ext cx="4112427" cy="356342"/>
+              <a:chOff x="3673599" y="3602594"/>
+              <a:chExt cx="4112427" cy="356342"/>
+            </a:xfrm>
+          </p:grpSpPr>
+          <p:sp>
+            <p:nvSpPr>
+              <p:cNvPr id="5" name="Content">
+                <a:extLst>
+                  <a:ext uri="{FF2B5EF4-FFF2-40B4-BE49-F238E27FC236}">
+                    <a16:creationId xmlns:a16="http://schemas.microsoft.com/office/drawing/2014/main" id="{CBED56F9-EAFA-4087-89E6-5264EA484191}"/>
+                  </a:ext>
+                </a:extLst>
+              </p:cNvPr>
+              <p:cNvSpPr/>
+              <p:nvPr>
+                <p:custDataLst>
+                  <p:custData r:id="rId5"/>
+                </p:custDataLst>
+              </p:nvPr>
+            </p:nvSpPr>
+            <p:spPr>
+              <a:xfrm>
+                <a:off x="6096000" y="3629396"/>
+                <a:ext cx="1690026" cy="329540"/>
+              </a:xfrm>
+              <a:prstGeom prst="rect">
+                <a:avLst/>
+              </a:prstGeom>
+              <a:solidFill>
+                <a:sysClr val="window" lastClr="FFFFFF"/>
+              </a:solidFill>
+              <a:ln w="3175">
+                <a:solidFill>
+                  <a:srgbClr val="000000">
+                    <a:lumMod val="50000"/>
+                    <a:lumOff val="50000"/>
+                  </a:srgbClr>
+                </a:solidFill>
+              </a:ln>
+              <a:effectLst/>
+            </p:spPr>
+            <p:style>
+              <a:lnRef idx="2">
+                <a:srgbClr val="4F81BD">
+                  <a:shade val="50000"/>
+                </a:srgbClr>
+              </a:lnRef>
+              <a:fillRef idx="1">
+                <a:srgbClr val="4F81BD"/>
+              </a:fillRef>
+              <a:effectRef idx="0">
+                <a:srgbClr val="4F81BD"/>
+              </a:effectRef>
+              <a:fontRef idx="minor">
+                <a:srgbClr val="000000"/>
+              </a:fontRef>
+            </p:style>
+            <p:txBody>
+              <a:bodyPr wrap="none" lIns="45720" tIns="18288" rIns="45720" bIns="18288" rtlCol="0" anchor="ctr">
+                <a:noAutofit/>
+              </a:bodyPr>
+              <a:lstStyle/>
+              <a:p>
+                <a:r>
+                  <a:rPr lang="en-US" sz="1200" dirty="0">
+                    <a:latin typeface="Segoe UI" pitchFamily="34" charset="0"/>
+                    <a:cs typeface="Segoe UI" pitchFamily="34" charset="0"/>
+                    <a:hlinkClick r:id="rId11"/>
+                  </a:rPr>
+                  <a:t>http://www.url.com</a:t>
+                </a:r>
+                <a:endParaRPr lang="en-US" sz="1200" dirty="0">
+                  <a:latin typeface="Segoe UI" pitchFamily="34" charset="0"/>
+                  <a:cs typeface="Segoe UI" pitchFamily="34" charset="0"/>
+                </a:endParaRPr>
+              </a:p>
+              <a:p>
+                <a:endParaRPr lang="en-US" sz="1200" dirty="0">
+                  <a:solidFill>
+                    <a:srgbClr val="000000"/>
+                  </a:solidFill>
+                  <a:latin typeface="Segoe UI" pitchFamily="34" charset="0"/>
+                  <a:cs typeface="Segoe UI" pitchFamily="34" charset="0"/>
+                </a:endParaRPr>
+              </a:p>
+            </p:txBody>
+          </p:sp>
+          <p:sp>
+            <p:nvSpPr>
+              <p:cNvPr id="8" name="Content">
+                <a:extLst>
+                  <a:ext uri="{FF2B5EF4-FFF2-40B4-BE49-F238E27FC236}">
+                    <a16:creationId xmlns:a16="http://schemas.microsoft.com/office/drawing/2014/main" id="{EB4B48B7-6B70-4F93-897A-D50ECD267C4B}"/>
+                  </a:ext>
+                </a:extLst>
+              </p:cNvPr>
+              <p:cNvSpPr txBox="1"/>
+              <p:nvPr>
+                <p:custDataLst>
+                  <p:custData r:id="rId6"/>
+                </p:custDataLst>
+              </p:nvPr>
+            </p:nvSpPr>
+            <p:spPr>
+              <a:xfrm>
+                <a:off x="3673599" y="3602594"/>
+                <a:ext cx="2422401" cy="230832"/>
+              </a:xfrm>
+              <a:prstGeom prst="rect">
+                <a:avLst/>
+              </a:prstGeom>
+              <a:noFill/>
+            </p:spPr>
+            <p:txBody>
+              <a:bodyPr wrap="square" lIns="91440" tIns="18288" rIns="91440" bIns="27432" rtlCol="0" anchor="ctr" anchorCtr="0">
+                <a:spAutoFit/>
+              </a:bodyPr>
+              <a:lstStyle/>
+              <a:p>
+                <a:r>
+                  <a:rPr lang="en-US" sz="1200" dirty="0">
+                    <a:solidFill>
+                      <a:srgbClr val="000000"/>
+                    </a:solidFill>
+                    <a:latin typeface="Segoe UI" pitchFamily="34" charset="0"/>
+                    <a:ea typeface="Segoe UI" pitchFamily="34" charset="0"/>
+                    <a:cs typeface="Segoe UI" pitchFamily="34" charset="0"/>
+                  </a:rPr>
+                  <a:t>Lien pour </a:t>
+                </a:r>
+                <a:r>
+                  <a:rPr lang="en-US" sz="1200" dirty="0" err="1">
+                    <a:solidFill>
+                      <a:srgbClr val="000000"/>
+                    </a:solidFill>
+                    <a:latin typeface="Segoe UI" pitchFamily="34" charset="0"/>
+                    <a:ea typeface="Segoe UI" pitchFamily="34" charset="0"/>
+                    <a:cs typeface="Segoe UI" pitchFamily="34" charset="0"/>
+                  </a:rPr>
+                  <a:t>partager</a:t>
+                </a:r>
+                <a:r>
+                  <a:rPr lang="en-US" sz="1200" dirty="0">
+                    <a:solidFill>
+                      <a:srgbClr val="000000"/>
+                    </a:solidFill>
+                    <a:latin typeface="Segoe UI" pitchFamily="34" charset="0"/>
+                    <a:ea typeface="Segoe UI" pitchFamily="34" charset="0"/>
+                    <a:cs typeface="Segoe UI" pitchFamily="34" charset="0"/>
+                  </a:rPr>
+                  <a:t> le </a:t>
+                </a:r>
+                <a:r>
+                  <a:rPr lang="en-US" sz="1200" dirty="0" err="1">
+                    <a:solidFill>
+                      <a:srgbClr val="000000"/>
+                    </a:solidFill>
+                    <a:latin typeface="Segoe UI" pitchFamily="34" charset="0"/>
+                    <a:ea typeface="Segoe UI" pitchFamily="34" charset="0"/>
+                    <a:cs typeface="Segoe UI" pitchFamily="34" charset="0"/>
+                  </a:rPr>
+                  <a:t>sondage</a:t>
+                </a:r>
+                <a:r>
+                  <a:rPr lang="en-US" sz="1200" dirty="0">
+                    <a:solidFill>
+                      <a:srgbClr val="000000"/>
+                    </a:solidFill>
+                    <a:latin typeface="Segoe UI" pitchFamily="34" charset="0"/>
+                    <a:ea typeface="Segoe UI" pitchFamily="34" charset="0"/>
+                    <a:cs typeface="Segoe UI" pitchFamily="34" charset="0"/>
+                  </a:rPr>
+                  <a:t> :</a:t>
+                </a:r>
+              </a:p>
+            </p:txBody>
+          </p:sp>
+        </p:grpSp>
+        <p:grpSp>
+          <p:nvGrpSpPr>
+            <p:cNvPr id="10" name="Groupe 9">
+              <a:extLst>
+                <a:ext uri="{FF2B5EF4-FFF2-40B4-BE49-F238E27FC236}">
+                  <a16:creationId xmlns:a16="http://schemas.microsoft.com/office/drawing/2014/main" id="{0E042AC0-C9D2-482D-9A82-69C726CA2304}"/>
+                </a:ext>
+              </a:extLst>
+            </p:cNvPr>
+            <p:cNvGrpSpPr/>
+            <p:nvPr/>
+          </p:nvGrpSpPr>
+          <p:grpSpPr>
+            <a:xfrm>
+              <a:off x="3673599" y="4199583"/>
+              <a:ext cx="4112427" cy="354039"/>
+              <a:chOff x="3673599" y="4093270"/>
+              <a:chExt cx="4112427" cy="354039"/>
+            </a:xfrm>
+          </p:grpSpPr>
+          <p:sp>
+            <p:nvSpPr>
+              <p:cNvPr id="6" name="Content">
+                <a:extLst>
+                  <a:ext uri="{FF2B5EF4-FFF2-40B4-BE49-F238E27FC236}">
+                    <a16:creationId xmlns:a16="http://schemas.microsoft.com/office/drawing/2014/main" id="{E402B9BF-57BC-4339-AE2A-B08F53DB97F8}"/>
+                  </a:ext>
+                </a:extLst>
+              </p:cNvPr>
+              <p:cNvSpPr/>
+              <p:nvPr>
+                <p:custDataLst>
+                  <p:custData r:id="rId3"/>
+                </p:custDataLst>
+              </p:nvPr>
+            </p:nvSpPr>
+            <p:spPr>
+              <a:xfrm>
+                <a:off x="6096000" y="4117769"/>
+                <a:ext cx="1690026" cy="329540"/>
+              </a:xfrm>
+              <a:prstGeom prst="rect">
+                <a:avLst/>
+              </a:prstGeom>
+              <a:solidFill>
+                <a:sysClr val="window" lastClr="FFFFFF"/>
+              </a:solidFill>
+              <a:ln w="3175">
+                <a:solidFill>
+                  <a:srgbClr val="000000">
+                    <a:lumMod val="50000"/>
+                    <a:lumOff val="50000"/>
+                  </a:srgbClr>
+                </a:solidFill>
+              </a:ln>
+              <a:effectLst/>
+            </p:spPr>
+            <p:style>
+              <a:lnRef idx="2">
+                <a:srgbClr val="4F81BD">
+                  <a:shade val="50000"/>
+                </a:srgbClr>
+              </a:lnRef>
+              <a:fillRef idx="1">
+                <a:srgbClr val="4F81BD"/>
+              </a:fillRef>
+              <a:effectRef idx="0">
+                <a:srgbClr val="4F81BD"/>
+              </a:effectRef>
+              <a:fontRef idx="minor">
+                <a:srgbClr val="000000"/>
+              </a:fontRef>
+            </p:style>
+            <p:txBody>
+              <a:bodyPr wrap="none" lIns="45720" tIns="18288" rIns="45720" bIns="18288" rtlCol="0" anchor="ctr">
+                <a:noAutofit/>
+              </a:bodyPr>
+              <a:lstStyle/>
+              <a:p>
+                <a:r>
+                  <a:rPr lang="en-US" sz="1200" dirty="0">
+                    <a:latin typeface="Segoe UI" pitchFamily="34" charset="0"/>
+                    <a:cs typeface="Segoe UI" pitchFamily="34" charset="0"/>
+                    <a:hlinkClick r:id="rId11"/>
+                  </a:rPr>
+                  <a:t>http://www.url.com</a:t>
+                </a:r>
+                <a:endParaRPr lang="en-US" sz="1200" dirty="0">
+                  <a:latin typeface="Segoe UI" pitchFamily="34" charset="0"/>
+                  <a:cs typeface="Segoe UI" pitchFamily="34" charset="0"/>
+                </a:endParaRPr>
+              </a:p>
+              <a:p>
+                <a:endParaRPr lang="en-US" sz="1200" dirty="0">
+                  <a:solidFill>
+                    <a:srgbClr val="000000"/>
+                  </a:solidFill>
+                  <a:latin typeface="Segoe UI" pitchFamily="34" charset="0"/>
+                  <a:cs typeface="Segoe UI" pitchFamily="34" charset="0"/>
+                </a:endParaRPr>
+              </a:p>
+            </p:txBody>
+          </p:sp>
+          <p:sp>
+            <p:nvSpPr>
+              <p:cNvPr id="9" name="Content">
+                <a:extLst>
+                  <a:ext uri="{FF2B5EF4-FFF2-40B4-BE49-F238E27FC236}">
+                    <a16:creationId xmlns:a16="http://schemas.microsoft.com/office/drawing/2014/main" id="{C141E062-C386-4C46-AC85-3369FD7224FB}"/>
+                  </a:ext>
+                </a:extLst>
+              </p:cNvPr>
+              <p:cNvSpPr txBox="1"/>
+              <p:nvPr>
+                <p:custDataLst>
+                  <p:custData r:id="rId4"/>
+                </p:custDataLst>
+              </p:nvPr>
+            </p:nvSpPr>
+            <p:spPr>
+              <a:xfrm>
+                <a:off x="3673599" y="4093270"/>
+                <a:ext cx="2422401" cy="230832"/>
+              </a:xfrm>
+              <a:prstGeom prst="rect">
+                <a:avLst/>
+              </a:prstGeom>
+              <a:noFill/>
+            </p:spPr>
+            <p:txBody>
+              <a:bodyPr wrap="square" lIns="91440" tIns="18288" rIns="91440" bIns="27432" rtlCol="0" anchor="ctr" anchorCtr="0">
+                <a:spAutoFit/>
+              </a:bodyPr>
+              <a:lstStyle/>
+              <a:p>
+                <a:r>
+                  <a:rPr lang="en-US" sz="1200" dirty="0">
+                    <a:solidFill>
+                      <a:srgbClr val="000000"/>
+                    </a:solidFill>
+                    <a:latin typeface="Segoe UI" pitchFamily="34" charset="0"/>
+                    <a:ea typeface="Segoe UI" pitchFamily="34" charset="0"/>
+                    <a:cs typeface="Segoe UI" pitchFamily="34" charset="0"/>
+                  </a:rPr>
+                  <a:t>Lien pour </a:t>
+                </a:r>
+                <a:r>
+                  <a:rPr lang="en-US" sz="1200" dirty="0" err="1">
+                    <a:solidFill>
+                      <a:srgbClr val="000000"/>
+                    </a:solidFill>
+                    <a:latin typeface="Segoe UI" pitchFamily="34" charset="0"/>
+                    <a:ea typeface="Segoe UI" pitchFamily="34" charset="0"/>
+                    <a:cs typeface="Segoe UI" pitchFamily="34" charset="0"/>
+                  </a:rPr>
+                  <a:t>accéder</a:t>
+                </a:r>
+                <a:r>
+                  <a:rPr lang="en-US" sz="1200" dirty="0">
+                    <a:solidFill>
+                      <a:srgbClr val="000000"/>
+                    </a:solidFill>
+                    <a:latin typeface="Segoe UI" pitchFamily="34" charset="0"/>
+                    <a:ea typeface="Segoe UI" pitchFamily="34" charset="0"/>
+                    <a:cs typeface="Segoe UI" pitchFamily="34" charset="0"/>
+                  </a:rPr>
+                  <a:t> aux </a:t>
+                </a:r>
+                <a:r>
+                  <a:rPr lang="en-US" sz="1200" dirty="0" err="1">
+                    <a:solidFill>
+                      <a:srgbClr val="000000"/>
+                    </a:solidFill>
+                    <a:latin typeface="Segoe UI" pitchFamily="34" charset="0"/>
+                    <a:ea typeface="Segoe UI" pitchFamily="34" charset="0"/>
+                    <a:cs typeface="Segoe UI" pitchFamily="34" charset="0"/>
+                  </a:rPr>
+                  <a:t>résultats</a:t>
+                </a:r>
+                <a:r>
+                  <a:rPr lang="en-US" sz="1200" dirty="0">
+                    <a:solidFill>
+                      <a:srgbClr val="000000"/>
+                    </a:solidFill>
+                    <a:latin typeface="Segoe UI" pitchFamily="34" charset="0"/>
+                    <a:ea typeface="Segoe UI" pitchFamily="34" charset="0"/>
+                    <a:cs typeface="Segoe UI" pitchFamily="34" charset="0"/>
+                  </a:rPr>
+                  <a:t> :</a:t>
+                </a:r>
+              </a:p>
+            </p:txBody>
+          </p:sp>
+        </p:grpSp>
+      </p:grpSp>
+      <p:sp>
+        <p:nvSpPr>
+          <p:cNvPr id="15" name="Rectangle 14">
+            <a:extLst>
+              <a:ext uri="{FF2B5EF4-FFF2-40B4-BE49-F238E27FC236}">
+                <a16:creationId xmlns:a16="http://schemas.microsoft.com/office/drawing/2014/main" id="{DF965ED8-E543-4291-8DC3-D27190FF109F}"/>
+              </a:ext>
+            </a:extLst>
+          </p:cNvPr>
+          <p:cNvSpPr/>
+          <p:nvPr/>
+        </p:nvSpPr>
+        <p:spPr>
+          <a:xfrm>
+            <a:off x="3714997" y="1365662"/>
+            <a:ext cx="4762006" cy="678871"/>
+          </a:xfrm>
+          <a:prstGeom prst="rect">
+            <a:avLst/>
+          </a:prstGeom>
+          <a:solidFill>
+            <a:schemeClr val="bg1"/>
+          </a:solidFill>
+        </p:spPr>
+        <p:style>
+          <a:lnRef idx="2">
+            <a:schemeClr val="accent1">
+              <a:shade val="50000"/>
+            </a:schemeClr>
+          </a:lnRef>
+          <a:fillRef idx="1">
+            <a:schemeClr val="accent1"/>
+          </a:fillRef>
+          <a:effectRef idx="0">
+            <a:schemeClr val="accent1"/>
+          </a:effectRef>
+          <a:fontRef idx="minor">
+            <a:schemeClr val="lt1"/>
+          </a:fontRef>
+        </p:style>
+        <p:txBody>
+          <a:bodyPr rtlCol="0" anchor="ctr"/>
+          <a:lstStyle/>
+          <a:p>
+            <a:pPr algn="ctr"/>
+            <a:endParaRPr lang="fr-FR"/>
+          </a:p>
+        </p:txBody>
+      </p:sp>
+      <p:pic>
+        <p:nvPicPr>
+          <p:cNvPr id="16" name="Picture 2" descr="C:\Users\t-dantay\Documents\First24\warning1.png">
+            <a:extLst>
+              <a:ext uri="{FF2B5EF4-FFF2-40B4-BE49-F238E27FC236}">
+                <a16:creationId xmlns:a16="http://schemas.microsoft.com/office/drawing/2014/main" id="{5A2B6A8A-493D-4D23-A8C3-2EFE3D509584}"/>
+              </a:ext>
+            </a:extLst>
+          </p:cNvPr>
+          <p:cNvPicPr>
+            <a:picLocks noChangeAspect="1" noChangeArrowheads="1"/>
+          </p:cNvPicPr>
+          <p:nvPr>
+            <p:custDataLst>
+              <p:custData r:id="rId1"/>
+            </p:custDataLst>
+          </p:nvPr>
+        </p:nvPicPr>
+        <p:blipFill>
+          <a:blip r:embed="rId12" cstate="print">
+            <a:extLst>
+              <a:ext uri="{28A0092B-C50C-407E-A947-70E740481C1C}">
+                <a14:useLocalDpi xmlns:a14="http://schemas.microsoft.com/office/drawing/2010/main" val="0"/>
+              </a:ext>
+            </a:extLst>
+          </a:blip>
+          <a:srcRect/>
+          <a:stretch>
+            <a:fillRect/>
+          </a:stretch>
+        </p:blipFill>
+        <p:spPr bwMode="auto">
+          <a:xfrm>
+            <a:off x="3954483" y="1560513"/>
+            <a:ext cx="387330" cy="387330"/>
+          </a:xfrm>
+          <a:prstGeom prst="rect">
+            <a:avLst/>
+          </a:prstGeom>
+          <a:noFill/>
+          <a:extLst>
+            <a:ext uri="{909E8E84-426E-40DD-AFC4-6F175D3DCCD1}">
+              <a14:hiddenFill xmlns:a14="http://schemas.microsoft.com/office/drawing/2010/main">
+                <a:solidFill>
+                  <a:srgbClr val="FFFFFF"/>
+                </a:solidFill>
+              </a14:hiddenFill>
+            </a:ext>
+          </a:extLst>
+        </p:spPr>
+      </p:pic>
+      <p:sp>
+        <p:nvSpPr>
+          <p:cNvPr id="17" name="Content">
+            <a:extLst>
+              <a:ext uri="{FF2B5EF4-FFF2-40B4-BE49-F238E27FC236}">
+                <a16:creationId xmlns:a16="http://schemas.microsoft.com/office/drawing/2014/main" id="{345A3615-47C3-41EF-8E97-EEA0F53965CE}"/>
+              </a:ext>
+            </a:extLst>
+          </p:cNvPr>
+          <p:cNvSpPr txBox="1"/>
+          <p:nvPr>
+            <p:custDataLst>
+              <p:custData r:id="rId2"/>
+            </p:custDataLst>
+          </p:nvPr>
+        </p:nvSpPr>
+        <p:spPr>
+          <a:xfrm>
+            <a:off x="4732494" y="1541610"/>
+            <a:ext cx="3479470" cy="415498"/>
+          </a:xfrm>
+          <a:prstGeom prst="rect">
+            <a:avLst/>
+          </a:prstGeom>
+          <a:noFill/>
+        </p:spPr>
+        <p:txBody>
+          <a:bodyPr wrap="square" lIns="91440" tIns="18288" rIns="91440" bIns="27432" rtlCol="0" anchor="ctr" anchorCtr="0">
+            <a:spAutoFit/>
+          </a:bodyPr>
+          <a:lstStyle/>
+          <a:p>
+            <a:r>
+              <a:rPr lang="en-US" sz="1200" b="1" dirty="0">
+                <a:solidFill>
+                  <a:srgbClr val="000000"/>
+                </a:solidFill>
+                <a:latin typeface="Segoe UI" pitchFamily="34" charset="0"/>
+                <a:ea typeface="Segoe UI" pitchFamily="34" charset="0"/>
+                <a:cs typeface="Segoe UI" pitchFamily="34" charset="0"/>
+              </a:rPr>
+              <a:t>Attention</a:t>
+            </a:r>
+            <a:r>
+              <a:rPr lang="en-US" sz="1200" dirty="0">
+                <a:solidFill>
+                  <a:srgbClr val="000000"/>
+                </a:solidFill>
+                <a:latin typeface="Segoe UI" pitchFamily="34" charset="0"/>
+                <a:ea typeface="Segoe UI" pitchFamily="34" charset="0"/>
+                <a:cs typeface="Segoe UI" pitchFamily="34" charset="0"/>
+              </a:rPr>
+              <a:t> : </a:t>
+            </a:r>
+            <a:r>
+              <a:rPr lang="en-US" sz="1200" dirty="0" err="1">
+                <a:solidFill>
+                  <a:srgbClr val="000000"/>
+                </a:solidFill>
+                <a:latin typeface="Segoe UI" pitchFamily="34" charset="0"/>
+                <a:ea typeface="Segoe UI" pitchFamily="34" charset="0"/>
+                <a:cs typeface="Segoe UI" pitchFamily="34" charset="0"/>
+              </a:rPr>
+              <a:t>garder</a:t>
+            </a:r>
+            <a:r>
+              <a:rPr lang="en-US" sz="1200" dirty="0">
+                <a:solidFill>
+                  <a:srgbClr val="000000"/>
+                </a:solidFill>
+                <a:latin typeface="Segoe UI" pitchFamily="34" charset="0"/>
+                <a:ea typeface="Segoe UI" pitchFamily="34" charset="0"/>
+                <a:cs typeface="Segoe UI" pitchFamily="34" charset="0"/>
+              </a:rPr>
+              <a:t> </a:t>
+            </a:r>
+            <a:r>
+              <a:rPr lang="en-US" sz="1200" dirty="0" err="1">
+                <a:solidFill>
+                  <a:srgbClr val="000000"/>
+                </a:solidFill>
+                <a:latin typeface="Segoe UI" pitchFamily="34" charset="0"/>
+                <a:ea typeface="Segoe UI" pitchFamily="34" charset="0"/>
+                <a:cs typeface="Segoe UI" pitchFamily="34" charset="0"/>
+              </a:rPr>
+              <a:t>précieusement</a:t>
+            </a:r>
+            <a:r>
+              <a:rPr lang="en-US" sz="1200" dirty="0">
+                <a:solidFill>
+                  <a:srgbClr val="000000"/>
+                </a:solidFill>
+                <a:latin typeface="Segoe UI" pitchFamily="34" charset="0"/>
+                <a:ea typeface="Segoe UI" pitchFamily="34" charset="0"/>
+                <a:cs typeface="Segoe UI" pitchFamily="34" charset="0"/>
+              </a:rPr>
+              <a:t> le lien de suppression du </a:t>
+            </a:r>
+            <a:r>
+              <a:rPr lang="en-US" sz="1200" dirty="0" err="1">
+                <a:solidFill>
+                  <a:srgbClr val="000000"/>
+                </a:solidFill>
+                <a:latin typeface="Segoe UI" pitchFamily="34" charset="0"/>
+                <a:ea typeface="Segoe UI" pitchFamily="34" charset="0"/>
+                <a:cs typeface="Segoe UI" pitchFamily="34" charset="0"/>
+              </a:rPr>
+              <a:t>sondage</a:t>
+            </a:r>
+            <a:endParaRPr lang="en-US" sz="1200" dirty="0">
+              <a:solidFill>
+                <a:srgbClr val="000000"/>
+              </a:solidFill>
+              <a:latin typeface="Segoe UI" pitchFamily="34" charset="0"/>
+              <a:ea typeface="Segoe UI" pitchFamily="34" charset="0"/>
+              <a:cs typeface="Segoe UI" pitchFamily="34" charset="0"/>
+            </a:endParaRPr>
+          </a:p>
+        </p:txBody>
+      </p:sp>
+      <p:sp>
+        <p:nvSpPr>
+          <p:cNvPr id="18" name="Titre 17">
+            <a:extLst>
+              <a:ext uri="{FF2B5EF4-FFF2-40B4-BE49-F238E27FC236}">
+                <a16:creationId xmlns:a16="http://schemas.microsoft.com/office/drawing/2014/main" id="{2E0DB31B-2354-425E-BB2E-087355DC64EF}"/>
+              </a:ext>
+            </a:extLst>
+          </p:cNvPr>
+          <p:cNvSpPr>
+            <a:spLocks noGrp="1"/>
+          </p:cNvSpPr>
+          <p:nvPr>
+            <p:ph type="title" idx="4294967295"/>
+          </p:nvPr>
+        </p:nvSpPr>
+        <p:spPr>
+          <a:xfrm>
+            <a:off x="1072662" y="-700339"/>
+            <a:ext cx="10515600" cy="594832"/>
+          </a:xfrm>
+          <a:prstGeom prst="rect">
+            <a:avLst/>
+          </a:prstGeom>
+        </p:spPr>
+        <p:txBody>
+          <a:bodyPr/>
+          <a:lstStyle/>
+          <a:p>
+            <a:r>
+              <a:rPr lang="fr-FR" dirty="0"/>
+              <a:t>URLs</a:t>
+            </a:r>
+          </a:p>
+        </p:txBody>
+      </p:sp>
+    </p:spTree>
+    <p:extLst>
+      <p:ext uri="{BB962C8B-B14F-4D97-AF65-F5344CB8AC3E}">
+        <p14:creationId xmlns:p14="http://schemas.microsoft.com/office/powerpoint/2010/main" val="869967741"/>
+      </p:ext>
+    </p:extLst>
+  </p:cSld>
+  <p:clrMapOvr>
+    <a:masterClrMapping/>
+  </p:clrMapOvr>
+  <mc:AlternateContent xmlns:mc="http://schemas.openxmlformats.org/markup-compatibility/2006" xmlns:p14="http://schemas.microsoft.com/office/powerpoint/2010/main">
+    <mc:Choice Requires="p14">
+      <p:transition spd="slow" p14:dur="2000" advClick="0"/>
+    </mc:Choice>
+    <mc:Fallback xmlns="">
+      <p:transition spd="slow" advClick="0"/>
+    </mc:Fallback>
+  </mc:AlternateContent>
+</p:sld>
+</file>
+
+<file path=ppt/slides/slide7.xml><?xml version="1.0" encoding="utf-8"?>
+<p:sld xmlns:a="http://schemas.openxmlformats.org/drawingml/2006/main" xmlns:r="http://schemas.openxmlformats.org/officeDocument/2006/relationships" xmlns:p="http://schemas.openxmlformats.org/presentationml/2006/main">
+  <p:cSld>
+    <p:spTree>
+      <p:nvGrpSpPr>
+        <p:cNvPr id="1" name=""/>
+        <p:cNvGrpSpPr/>
+        <p:nvPr/>
+      </p:nvGrpSpPr>
+      <p:grpSpPr>
+        <a:xfrm>
+          <a:off x="0" y="0"/>
+          <a:ext cx="0" cy="0"/>
+          <a:chOff x="0" y="0"/>
+          <a:chExt cx="0" cy="0"/>
+        </a:xfrm>
+      </p:grpSpPr>
+      <p:sp>
+        <p:nvSpPr>
+          <p:cNvPr id="2" name="Titre 1">
+            <a:extLst>
+              <a:ext uri="{FF2B5EF4-FFF2-40B4-BE49-F238E27FC236}">
+                <a16:creationId xmlns:a16="http://schemas.microsoft.com/office/drawing/2014/main" id="{6E8B1C18-FB0C-4AA9-BA2A-CDEB18B722BC}"/>
+              </a:ext>
+            </a:extLst>
+          </p:cNvPr>
+          <p:cNvSpPr>
+            <a:spLocks noGrp="1"/>
+          </p:cNvSpPr>
+          <p:nvPr>
+            <p:ph type="title" idx="4294967295"/>
+          </p:nvPr>
+        </p:nvSpPr>
+        <p:spPr>
+          <a:xfrm>
+            <a:off x="838200" y="-662781"/>
+            <a:ext cx="10515600" cy="662782"/>
+          </a:xfrm>
+          <a:prstGeom prst="rect">
+            <a:avLst/>
+          </a:prstGeom>
+        </p:spPr>
+        <p:txBody>
+          <a:bodyPr/>
+          <a:lstStyle/>
+          <a:p>
+            <a:r>
+              <a:rPr lang="fr-FR" dirty="0"/>
+              <a:t>Sondage</a:t>
+            </a:r>
+          </a:p>
+        </p:txBody>
+      </p:sp>
+    </p:spTree>
+    <p:extLst>
+      <p:ext uri="{BB962C8B-B14F-4D97-AF65-F5344CB8AC3E}">
+        <p14:creationId xmlns:p14="http://schemas.microsoft.com/office/powerpoint/2010/main" val="3232920787"/>
+      </p:ext>
+    </p:extLst>
+  </p:cSld>
+  <p:clrMapOvr>
+    <a:masterClrMapping/>
+  </p:clrMapOvr>
+  <mc:AlternateContent xmlns:mc="http://schemas.openxmlformats.org/markup-compatibility/2006" xmlns:p14="http://schemas.microsoft.com/office/powerpoint/2010/main">
+    <mc:Choice Requires="p14">
+      <p:transition spd="slow" p14:dur="2000" advClick="0"/>
+    </mc:Choice>
+    <mc:Fallback xmlns="">
+      <p:transition spd="slow" advClick="0"/>
+    </mc:Fallback>
+  </mc:AlternateContent>
+</p:sld>
+</file>
+
+<file path=ppt/slides/slide8.xml><?xml version="1.0" encoding="utf-8"?>
+<p:sld xmlns:a="http://schemas.openxmlformats.org/drawingml/2006/main" xmlns:r="http://schemas.openxmlformats.org/officeDocument/2006/relationships" xmlns:p="http://schemas.openxmlformats.org/presentationml/2006/main">
+  <p:cSld>
+    <p:spTree>
+      <p:nvGrpSpPr>
+        <p:cNvPr id="1" name=""/>
+        <p:cNvGrpSpPr/>
+        <p:nvPr/>
+      </p:nvGrpSpPr>
+      <p:grpSpPr>
+        <a:xfrm>
+          <a:off x="0" y="0"/>
+          <a:ext cx="0" cy="0"/>
+          <a:chOff x="0" y="0"/>
+          <a:chExt cx="0" cy="0"/>
+        </a:xfrm>
+      </p:grpSpPr>
+      <p:sp>
+        <p:nvSpPr>
+          <p:cNvPr id="2" name="Titre 1">
+            <a:extLst>
+              <a:ext uri="{FF2B5EF4-FFF2-40B4-BE49-F238E27FC236}">
+                <a16:creationId xmlns:a16="http://schemas.microsoft.com/office/drawing/2014/main" id="{D6470CF5-42AF-4E33-9339-C0E713997859}"/>
+              </a:ext>
+            </a:extLst>
+          </p:cNvPr>
+          <p:cNvSpPr>
+            <a:spLocks noGrp="1"/>
+          </p:cNvSpPr>
+          <p:nvPr>
+            <p:ph type="title" idx="4294967295"/>
+          </p:nvPr>
+        </p:nvSpPr>
+        <p:spPr>
+          <a:xfrm>
+            <a:off x="838200" y="-662781"/>
+            <a:ext cx="10515600" cy="662782"/>
+          </a:xfrm>
+          <a:prstGeom prst="rect">
+            <a:avLst/>
+          </a:prstGeom>
+        </p:spPr>
+        <p:txBody>
+          <a:bodyPr/>
+          <a:lstStyle/>
+          <a:p>
+            <a:r>
+              <a:rPr lang="fr-FR" dirty="0" err="1"/>
+              <a:t>Resultats</a:t>
+            </a:r>
+            <a:endParaRPr lang="fr-FR" dirty="0"/>
+          </a:p>
+        </p:txBody>
+      </p:sp>
+    </p:spTree>
+    <p:extLst>
+      <p:ext uri="{BB962C8B-B14F-4D97-AF65-F5344CB8AC3E}">
+        <p14:creationId xmlns:p14="http://schemas.microsoft.com/office/powerpoint/2010/main" val="2204871543"/>
+      </p:ext>
+    </p:extLst>
+  </p:cSld>
+  <p:clrMapOvr>
+    <a:masterClrMapping/>
+  </p:clrMapOvr>
+  <mc:AlternateContent xmlns:mc="http://schemas.openxmlformats.org/markup-compatibility/2006" xmlns:p14="http://schemas.microsoft.com/office/powerpoint/2010/main">
+    <mc:Choice Requires="p14">
+      <p:transition spd="slow" p14:dur="2000" advClick="0"/>
+    </mc:Choice>
+    <mc:Fallback xmlns="">
+      <p:transition spd="slow" advClick="0"/>
+    </mc:Fallback>
+  </mc:AlternateContent>
+</p:sld>
+</file>
+
+<file path=ppt/slides/slide9.xml><?xml version="1.0" encoding="utf-8"?>
+<p:sld xmlns:a="http://schemas.openxmlformats.org/drawingml/2006/main" xmlns:r="http://schemas.openxmlformats.org/officeDocument/2006/relationships" xmlns:p="http://schemas.openxmlformats.org/presentationml/2006/main">
+  <p:cSld>
+    <p:spTree>
+      <p:nvGrpSpPr>
+        <p:cNvPr id="1" name=""/>
+        <p:cNvGrpSpPr/>
+        <p:nvPr/>
+      </p:nvGrpSpPr>
+      <p:grpSpPr>
+        <a:xfrm>
+          <a:off x="0" y="0"/>
+          <a:ext cx="0" cy="0"/>
+          <a:chOff x="0" y="0"/>
+          <a:chExt cx="0" cy="0"/>
+        </a:xfrm>
+      </p:grpSpPr>
+    </p:spTree>
+    <p:extLst>
+      <p:ext uri="{BB962C8B-B14F-4D97-AF65-F5344CB8AC3E}">
+        <p14:creationId xmlns:p14="http://schemas.microsoft.com/office/powerpoint/2010/main" val="1977931334"/>
+      </p:ext>
+    </p:extLst>
+  </p:cSld>
+  <p:clrMapOvr>
+    <a:masterClrMapping/>
+  </p:clrMapOvr>
+  <mc:AlternateContent xmlns:mc="http://schemas.openxmlformats.org/markup-compatibility/2006" xmlns:p14="http://schemas.microsoft.com/office/powerpoint/2010/main">
+    <mc:Choice Requires="p14">
+      <p:transition spd="slow" p14:dur="2000" advClick="0"/>
+    </mc:Choice>
+    <mc:Fallback xmlns="">
       <p:transition spd="slow" advClick="0"/>
     </mc:Fallback>
   </mc:AlternateContent>
@@ -10202,13 +12804,13 @@
 
 <file path=customXml/item1.xml><?xml version="1.0" encoding="utf-8"?>
 <Control xmlns="http://schemas.microsoft.com/VisualStudio/2011/storyboarding/control">
-  <Id Name="System.Storyboarding.Common.Button" Revision="1" Stencil="System.Storyboarding.Common" StencilVersion="0.1"/>
+  <Id Name="System.Storyboarding.Common.TextInput" Revision="1" Stencil="System.Storyboarding.Common" StencilVersion="0.1"/>
 </Control>
 </file>
 
 <file path=customXml/item10.xml><?xml version="1.0" encoding="utf-8"?>
 <Control xmlns="http://schemas.microsoft.com/VisualStudio/2011/storyboarding/control">
-  <Id Name="System.Storyboarding.Common.SearchBox" Revision="1" Stencil="System.Storyboarding.Common" StencilVersion="0.1"/>
+  <Id Name="System.Storyboarding.WindowsAppIcons.Check" Revision="1" Stencil="System.Storyboarding.WindowsAppIcons" StencilVersion="0.1"/>
 </Control>
 </file>
 
@@ -10220,31 +12822,31 @@
 
 <file path=customXml/item12.xml><?xml version="1.0" encoding="utf-8"?>
 <Control xmlns="http://schemas.microsoft.com/VisualStudio/2011/storyboarding/control">
-  <Id Name="System.Storyboarding.Common.TextInput" Revision="1" Stencil="System.Storyboarding.Common" StencilVersion="0.1"/>
+  <Id Name="System.Storyboarding.Common.CheckBoxUnchecked" Revision="1" Stencil="System.Storyboarding.Common" StencilVersion="0.1"/>
 </Control>
 </file>
 
 <file path=customXml/item13.xml><?xml version="1.0" encoding="utf-8"?>
 <Control xmlns="http://schemas.microsoft.com/VisualStudio/2011/storyboarding/control">
-  <Id Name="System.Storyboarding.Common.TextInput" Revision="1" Stencil="System.Storyboarding.Common" StencilVersion="0.1"/>
+  <Id Name="System.Storyboarding.Common.ScrollbarVertical" Revision="1" Stencil="System.Storyboarding.Common" StencilVersion="0.1"/>
 </Control>
 </file>
 
 <file path=customXml/item14.xml><?xml version="1.0" encoding="utf-8"?>
 <Control xmlns="http://schemas.microsoft.com/VisualStudio/2011/storyboarding/control">
-  <Id Name="System.Storyboarding.Common.TextInput" Revision="1" Stencil="System.Storyboarding.Common" StencilVersion="0.1"/>
+  <Id Name="System.Storyboarding.Common.CheckBoxUnchecked" Revision="1" Stencil="System.Storyboarding.Common" StencilVersion="0.1"/>
 </Control>
 </file>
 
 <file path=customXml/item15.xml><?xml version="1.0" encoding="utf-8"?>
 <Control xmlns="http://schemas.microsoft.com/VisualStudio/2011/storyboarding/control">
-  <Id Name="System.Storyboarding.Common.TextInput" Revision="1" Stencil="System.Storyboarding.Common" StencilVersion="0.1"/>
+  <Id Name="System.Storyboarding.Common.Button" Revision="1" Stencil="System.Storyboarding.Common" StencilVersion="0.1"/>
 </Control>
 </file>
 
 <file path=customXml/item16.xml><?xml version="1.0" encoding="utf-8"?>
 <Control xmlns="http://schemas.microsoft.com/VisualStudio/2011/storyboarding/control">
-  <Id Name="System.Storyboarding.Common.TextInput" Revision="1" Stencil="System.Storyboarding.Common" StencilVersion="0.1"/>
+  <Id Name="System.Storyboarding.Backgrounds.WebBrowser" Revision="1" Stencil="System.Storyboarding.Backgrounds" StencilVersion="0.1"/>
 </Control>
 </file>
 
@@ -10256,43 +12858,43 @@
 
 <file path=customXml/item18.xml><?xml version="1.0" encoding="utf-8"?>
 <Control xmlns="http://schemas.microsoft.com/VisualStudio/2011/storyboarding/control">
-  <Id Name="System.Storyboarding.Annotation.StickyNote" Revision="1" Stencil="System.Storyboarding.Annotation" StencilVersion="0.1"/>
+  <Id Name="System.Storyboarding.Common.TextInput" Revision="1" Stencil="System.Storyboarding.Common" StencilVersion="0.1"/>
 </Control>
 </file>
 
 <file path=customXml/item19.xml><?xml version="1.0" encoding="utf-8"?>
+<Control xmlns="http://schemas.microsoft.com/VisualStudio/2011/storyboarding/control">
+  <Id Name="System.Storyboarding.Common.TextInput" Revision="1" Stencil="System.Storyboarding.Common" StencilVersion="0.1"/>
+</Control>
+</file>
+
+<file path=customXml/item2.xml><?xml version="1.0" encoding="utf-8"?>
+<Control xmlns="http://schemas.microsoft.com/VisualStudio/2011/storyboarding/control">
+  <Id Name="System.Storyboarding.Common.Button" Revision="1" Stencil="System.Storyboarding.Common" StencilVersion="0.1"/>
+</Control>
+</file>
+
+<file path=customXml/item20.xml><?xml version="1.0" encoding="utf-8"?>
+<Control xmlns="http://schemas.microsoft.com/VisualStudio/2011/storyboarding/control">
+  <Id Name="System.Storyboarding.Common.TextInput" Revision="1" Stencil="System.Storyboarding.Common" StencilVersion="0.1"/>
+</Control>
+</file>
+
+<file path=customXml/item21.xml><?xml version="1.0" encoding="utf-8"?>
 <Control xmlns="http://schemas.microsoft.com/VisualStudio/2011/storyboarding/control">
   <Id Name="System.Storyboarding.Common.ScrollbarVertical" Revision="1" Stencil="System.Storyboarding.Common" StencilVersion="0.1"/>
 </Control>
 </file>
 
-<file path=customXml/item2.xml><?xml version="1.0" encoding="utf-8"?>
-<Control xmlns="http://schemas.microsoft.com/VisualStudio/2011/storyboarding/control">
-  <Id Name="System.Storyboarding.WindowsAppIcons.Check" Revision="1" Stencil="System.Storyboarding.WindowsAppIcons" StencilVersion="0.1"/>
-</Control>
-</file>
-
-<file path=customXml/item20.xml><?xml version="1.0" encoding="utf-8"?>
+<file path=customXml/item22.xml><?xml version="1.0" encoding="utf-8"?>
 <Control xmlns="http://schemas.microsoft.com/VisualStudio/2011/storyboarding/control">
   <Id Name="System.Storyboarding.Common.CheckBoxUnchecked" Revision="1" Stencil="System.Storyboarding.Common" StencilVersion="0.1"/>
 </Control>
 </file>
 
-<file path=customXml/item21.xml><?xml version="1.0" encoding="utf-8"?>
-<Control xmlns="http://schemas.microsoft.com/VisualStudio/2011/storyboarding/control">
-  <Id Name="System.Storyboarding.Common.Button" Revision="1" Stencil="System.Storyboarding.Common" StencilVersion="0.1"/>
-</Control>
-</file>
-
-<file path=customXml/item22.xml><?xml version="1.0" encoding="utf-8"?>
-<Control xmlns="http://schemas.microsoft.com/VisualStudio/2011/storyboarding/control">
-  <Id Name="System.Storyboarding.Common.SearchBox" Revision="1" Stencil="System.Storyboarding.Common" StencilVersion="0.1"/>
-</Control>
-</file>
-
 <file path=customXml/item23.xml><?xml version="1.0" encoding="utf-8"?>
 <Control xmlns="http://schemas.microsoft.com/VisualStudio/2011/storyboarding/control">
-  <Id Name="System.Storyboarding.Common.TextInput" Revision="1" Stencil="System.Storyboarding.Common" StencilVersion="0.1"/>
+  <Id Name="System.Storyboarding.Backgrounds.WebBrowser" Revision="1" Stencil="System.Storyboarding.Backgrounds" StencilVersion="0.1"/>
 </Control>
 </file>
 
@@ -10310,7 +12912,7 @@
 
 <file path=customXml/item26.xml><?xml version="1.0" encoding="utf-8"?>
 <Control xmlns="http://schemas.microsoft.com/VisualStudio/2011/storyboarding/control">
-  <Id Name="System.Storyboarding.Common.TextInput" Revision="1" Stencil="System.Storyboarding.Common" StencilVersion="0.1"/>
+  <Id Name="System.Storyboarding.Annotation.StickyNote" Revision="1" Stencil="System.Storyboarding.Annotation" StencilVersion="0.1"/>
 </Control>
 </file>
 
@@ -10322,7 +12924,7 @@
 
 <file path=customXml/item28.xml><?xml version="1.0" encoding="utf-8"?>
 <Control xmlns="http://schemas.microsoft.com/VisualStudio/2011/storyboarding/control">
-  <Id Name="System.Storyboarding.Annotation.StickyNote" Revision="1" Stencil="System.Storyboarding.Annotation" StencilVersion="0.1"/>
+  <Id Name="System.Storyboarding.Common.SearchBox" Revision="1" Stencil="System.Storyboarding.Common" StencilVersion="0.1"/>
 </Control>
 </file>
 
@@ -10334,25 +12936,25 @@
 
 <file path=customXml/item3.xml><?xml version="1.0" encoding="utf-8"?>
 <Control xmlns="http://schemas.microsoft.com/VisualStudio/2011/storyboarding/control">
-  <Id Name="System.Storyboarding.Common.TextInput" Revision="1" Stencil="System.Storyboarding.Common" StencilVersion="0.1"/>
+  <Id Name="System.Storyboarding.Backgrounds.WebBrowser" Revision="1" Stencil="System.Storyboarding.Backgrounds" StencilVersion="0.1"/>
 </Control>
 </file>
 
 <file path=customXml/item30.xml><?xml version="1.0" encoding="utf-8"?>
-<Control xmlns="http://schemas.microsoft.com/VisualStudio/2011/storyboarding/control">
-  <Id Name="System.Storyboarding.Common.CheckBoxUnchecked" Revision="1" Stencil="System.Storyboarding.Common" StencilVersion="0.1"/>
-</Control>
-</file>
-
-<file path=customXml/item31.xml><?xml version="1.0" encoding="utf-8"?>
 <Control xmlns="http://schemas.microsoft.com/VisualStudio/2011/storyboarding/control">
   <Id Name="System.Storyboarding.Common.Button" Revision="1" Stencil="System.Storyboarding.Common" StencilVersion="0.1"/>
 </Control>
 </file>
 
+<file path=customXml/item31.xml><?xml version="1.0" encoding="utf-8"?>
+<Control xmlns="http://schemas.microsoft.com/VisualStudio/2011/storyboarding/control">
+  <Id Name="System.Storyboarding.Common.CheckBoxChecked" Revision="1" Stencil="System.Storyboarding.Common" StencilVersion="0.1"/>
+</Control>
+</file>
+
 <file path=customXml/item32.xml><?xml version="1.0" encoding="utf-8"?>
 <Control xmlns="http://schemas.microsoft.com/VisualStudio/2011/storyboarding/control">
-  <Id Name="System.Storyboarding.Common.TextInput" Revision="1" Stencil="System.Storyboarding.Common" StencilVersion="0.1"/>
+  <Id Name="System.Storyboarding.Common.TextArea" Revision="1" Stencil="System.Storyboarding.Common" StencilVersion="0.1"/>
 </Control>
 </file>
 
@@ -10370,7 +12972,7 @@
 
 <file path=customXml/item35.xml><?xml version="1.0" encoding="utf-8"?>
 <Control xmlns="http://schemas.microsoft.com/VisualStudio/2011/storyboarding/control">
-  <Id Name="System.Storyboarding.Common.TextInput" Revision="1" Stencil="System.Storyboarding.Common" StencilVersion="0.1"/>
+  <Id Name="System.Storyboarding.Common.SearchBox" Revision="1" Stencil="System.Storyboarding.Common" StencilVersion="0.1"/>
 </Control>
 </file>
 
@@ -10382,7 +12984,7 @@
 
 <file path=customXml/item37.xml><?xml version="1.0" encoding="utf-8"?>
 <Control xmlns="http://schemas.microsoft.com/VisualStudio/2011/storyboarding/control">
-  <Id Name="System.Storyboarding.Common.TextInput" Revision="1" Stencil="System.Storyboarding.Common" StencilVersion="0.1"/>
+  <Id Name="System.Storyboarding.Common.CheckBoxUnchecked" Revision="1" Stencil="System.Storyboarding.Common" StencilVersion="0.1"/>
 </Control>
 </file>
 
@@ -10394,89 +12996,275 @@
 
 <file path=customXml/item39.xml><?xml version="1.0" encoding="utf-8"?>
 <Control xmlns="http://schemas.microsoft.com/VisualStudio/2011/storyboarding/control">
+  <Id Name="System.Storyboarding.Common.CheckBoxChecked" Revision="1" Stencil="System.Storyboarding.Common" StencilVersion="0.1"/>
+</Control>
+</file>
+
+<file path=customXml/item4.xml><?xml version="1.0" encoding="utf-8"?>
+<Control xmlns="http://schemas.microsoft.com/VisualStudio/2011/storyboarding/control">
+  <Id Name="System.Storyboarding.Common.TextInput" Revision="1" Stencil="System.Storyboarding.Common" StencilVersion="0.1"/>
+</Control>
+</file>
+
+<file path=customXml/item40.xml><?xml version="1.0" encoding="utf-8"?>
+<Control xmlns="http://schemas.microsoft.com/VisualStudio/2011/storyboarding/control">
+  <Id Name="System.Storyboarding.Common.Button" Revision="1" Stencil="System.Storyboarding.Common" StencilVersion="0.1"/>
+</Control>
+</file>
+
+<file path=customXml/item41.xml><?xml version="1.0" encoding="utf-8"?>
+<Control xmlns="http://schemas.microsoft.com/VisualStudio/2011/storyboarding/control">
+  <Id Name="System.Storyboarding.Common.TextInput" Revision="1" Stencil="System.Storyboarding.Common" StencilVersion="0.1"/>
+</Control>
+</file>
+
+<file path=customXml/item42.xml><?xml version="1.0" encoding="utf-8"?>
+<Control xmlns="http://schemas.microsoft.com/VisualStudio/2011/storyboarding/control">
+  <Id Name="System.Storyboarding.Common.TextInput" Revision="1" Stencil="System.Storyboarding.Common" StencilVersion="0.1"/>
+</Control>
+</file>
+
+<file path=customXml/item43.xml><?xml version="1.0" encoding="utf-8"?>
+<Control xmlns="http://schemas.microsoft.com/VisualStudio/2011/storyboarding/control">
   <Id Name="System.Storyboarding.Annotation.StickyNote" Revision="1" Stencil="System.Storyboarding.Annotation" StencilVersion="0.1"/>
 </Control>
 </file>
 
-<file path=customXml/item4.xml><?xml version="1.0" encoding="utf-8"?>
+<file path=customXml/item44.xml><?xml version="1.0" encoding="utf-8"?>
 <Control xmlns="http://schemas.microsoft.com/VisualStudio/2011/storyboarding/control">
-  <Id Name="System.Storyboarding.Common.TextArea" Revision="1" Stencil="System.Storyboarding.Common" StencilVersion="0.1"/>
+  <Id Name="System.Storyboarding.Common.TextInput" Revision="1" Stencil="System.Storyboarding.Common" StencilVersion="0.1"/>
 </Control>
 </file>
 
-<file path=customXml/item40.xml><?xml version="1.0" encoding="utf-8"?>
+<file path=customXml/item45.xml><?xml version="1.0" encoding="utf-8"?>
+<Control xmlns="http://schemas.microsoft.com/VisualStudio/2011/storyboarding/control">
+  <Id Name="System.Storyboarding.Annotation.StickyNote" Revision="1" Stencil="System.Storyboarding.Annotation" StencilVersion="0.1"/>
+</Control>
+</file>
+
+<file path=customXml/item46.xml><?xml version="1.0" encoding="utf-8"?>
+<Control xmlns="http://schemas.microsoft.com/VisualStudio/2011/storyboarding/control">
+  <Id Name="System.Storyboarding.Common.Button" Revision="1" Stencil="System.Storyboarding.Common" StencilVersion="0.1"/>
+</Control>
+</file>
+
+<file path=customXml/item47.xml><?xml version="1.0" encoding="utf-8"?>
+<Control xmlns="http://schemas.microsoft.com/VisualStudio/2011/storyboarding/control">
+  <Id Name="System.Storyboarding.Common.SearchBox" Revision="1" Stencil="System.Storyboarding.Common" StencilVersion="0.1"/>
+</Control>
+</file>
+
+<file path=customXml/item48.xml><?xml version="1.0" encoding="utf-8"?>
+<Control xmlns="http://schemas.microsoft.com/VisualStudio/2011/storyboarding/control">
+  <Id Name="System.Storyboarding.Common.TextInput" Revision="1" Stencil="System.Storyboarding.Common" StencilVersion="0.1"/>
+</Control>
+</file>
+
+<file path=customXml/item49.xml><?xml version="1.0" encoding="utf-8"?>
+<Control xmlns="http://schemas.microsoft.com/VisualStudio/2011/storyboarding/control">
+  <Id Name="System.Storyboarding.Common.TextInput" Revision="1" Stencil="System.Storyboarding.Common" StencilVersion="0.1"/>
+</Control>
+</file>
+
+<file path=customXml/item5.xml><?xml version="1.0" encoding="utf-8"?>
+<Control xmlns="http://schemas.microsoft.com/VisualStudio/2011/storyboarding/control">
+  <Id Name="System.Storyboarding.Common.TextInput" Revision="1" Stencil="System.Storyboarding.Common" StencilVersion="0.1"/>
+</Control>
+</file>
+
+<file path=customXml/item50.xml><?xml version="1.0" encoding="utf-8"?>
+<Control xmlns="http://schemas.microsoft.com/VisualStudio/2011/storyboarding/control">
+  <Id Name="System.Storyboarding.Common.TextInput" Revision="1" Stencil="System.Storyboarding.Common" StencilVersion="0.1"/>
+</Control>
+</file>
+
+<file path=customXml/item51.xml><?xml version="1.0" encoding="utf-8"?>
+<Control xmlns="http://schemas.microsoft.com/VisualStudio/2011/storyboarding/control">
+  <Id Name="System.Storyboarding.Common.TextInput" Revision="1" Stencil="System.Storyboarding.Common" StencilVersion="0.1"/>
+</Control>
+</file>
+
+<file path=customXml/item52.xml><?xml version="1.0" encoding="utf-8"?>
+<Control xmlns="http://schemas.microsoft.com/VisualStudio/2011/storyboarding/control">
+  <Id Name="System.Storyboarding.Common.TextInput" Revision="1" Stencil="System.Storyboarding.Common" StencilVersion="0.1"/>
+</Control>
+</file>
+
+<file path=customXml/item53.xml><?xml version="1.0" encoding="utf-8"?>
+<Control xmlns="http://schemas.microsoft.com/VisualStudio/2011/storyboarding/control">
+  <Id Name="System.Storyboarding.Annotation.StickyNote" Revision="1" Stencil="System.Storyboarding.Annotation" StencilVersion="0.1"/>
+</Control>
+</file>
+
+<file path=customXml/item54.xml><?xml version="1.0" encoding="utf-8"?>
 <Control xmlns="http://schemas.microsoft.com/VisualStudio/2011/storyboarding/control">
   <Id Name="System.Storyboarding.Common.ScrollbarVertical" Revision="1" Stencil="System.Storyboarding.Common" StencilVersion="0.1"/>
 </Control>
 </file>
 
-<file path=customXml/item41.xml><?xml version="1.0" encoding="utf-8"?>
+<file path=customXml/item55.xml><?xml version="1.0" encoding="utf-8"?>
+<Control xmlns="http://schemas.microsoft.com/VisualStudio/2011/storyboarding/control">
+  <Id Name="System.Storyboarding.Common.Button" Revision="1" Stencil="System.Storyboarding.Common" StencilVersion="0.1"/>
+</Control>
+</file>
+
+<file path=customXml/item56.xml><?xml version="1.0" encoding="utf-8"?>
+<Control xmlns="http://schemas.microsoft.com/VisualStudio/2011/storyboarding/control">
+  <Id Name="System.Storyboarding.Common.CheckBoxChecked" Revision="1" Stencil="System.Storyboarding.Common" StencilVersion="0.1"/>
+</Control>
+</file>
+
+<file path=customXml/item57.xml><?xml version="1.0" encoding="utf-8"?>
+<Control xmlns="http://schemas.microsoft.com/VisualStudio/2011/storyboarding/control">
+  <Id Name="System.Storyboarding.Common.TextInput" Revision="1" Stencil="System.Storyboarding.Common" StencilVersion="0.1"/>
+</Control>
+</file>
+
+<file path=customXml/item58.xml><?xml version="1.0" encoding="utf-8"?>
+<Control xmlns="http://schemas.microsoft.com/VisualStudio/2011/storyboarding/control">
+  <Id Name="System.Storyboarding.Common.CheckBoxChecked" Revision="1" Stencil="System.Storyboarding.Common" StencilVersion="0.1"/>
+</Control>
+</file>
+
+<file path=customXml/item59.xml><?xml version="1.0" encoding="utf-8"?>
 <Control xmlns="http://schemas.microsoft.com/VisualStudio/2011/storyboarding/control">
   <Id Name="System.Storyboarding.Common.CheckBoxUnchecked" Revision="1" Stencil="System.Storyboarding.Common" StencilVersion="0.1"/>
 </Control>
 </file>
 
-<file path=customXml/item42.xml><?xml version="1.0" encoding="utf-8"?>
+<file path=customXml/item6.xml><?xml version="1.0" encoding="utf-8"?>
 <Control xmlns="http://schemas.microsoft.com/VisualStudio/2011/storyboarding/control">
-  <Id Name="System.Storyboarding.Common.Button" Revision="1" Stencil="System.Storyboarding.Common" StencilVersion="0.1"/>
+  <Id Name="System.Storyboarding.Common.TextInput" Revision="1" Stencil="System.Storyboarding.Common" StencilVersion="0.1"/>
 </Control>
 </file>
 
-<file path=customXml/item43.xml><?xml version="1.0" encoding="utf-8"?>
-<Control xmlns="http://schemas.microsoft.com/VisualStudio/2011/storyboarding/control">
-  <Id Name="System.Storyboarding.Common.CheckBoxChecked" Revision="1" Stencil="System.Storyboarding.Common" StencilVersion="0.1"/>
-</Control>
-</file>
-
-<file path=customXml/item44.xml><?xml version="1.0" encoding="utf-8"?>
-<Control xmlns="http://schemas.microsoft.com/VisualStudio/2011/storyboarding/control">
-  <Id Name="System.Storyboarding.Common.CheckBoxChecked" Revision="1" Stencil="System.Storyboarding.Common" StencilVersion="0.1"/>
-</Control>
-</file>
-
-<file path=customXml/item45.xml><?xml version="1.0" encoding="utf-8"?>
+<file path=customXml/item60.xml><?xml version="1.0" encoding="utf-8"?>
 <Control xmlns="http://schemas.microsoft.com/VisualStudio/2011/storyboarding/control">
   <Id Name="System.Storyboarding.Common.CheckBoxUnchecked" Revision="1" Stencil="System.Storyboarding.Common" StencilVersion="0.1"/>
 </Control>
 </file>
 
-<file path=customXml/item46.xml><?xml version="1.0" encoding="utf-8"?>
+<file path=customXml/item61.xml><?xml version="1.0" encoding="utf-8"?>
+<Control xmlns="http://schemas.microsoft.com/VisualStudio/2011/storyboarding/control">
+  <Id Name="System.Storyboarding.Common.Hyperlink" Revision="1" Stencil="System.Storyboarding.Common" StencilVersion="0.1"/>
+</Control>
+</file>
+
+<file path=customXml/item62.xml><?xml version="1.0" encoding="utf-8"?>
+<Control xmlns="http://schemas.microsoft.com/VisualStudio/2011/storyboarding/control">
+  <Id Name="System.Storyboarding.Common.TextInput" Revision="1" Stencil="System.Storyboarding.Common" StencilVersion="0.1"/>
+</Control>
+</file>
+
+<file path=customXml/item63.xml><?xml version="1.0" encoding="utf-8"?>
+<Control xmlns="http://schemas.microsoft.com/VisualStudio/2011/storyboarding/control">
+  <Id Name="System.Storyboarding.Common.TextInput" Revision="1" Stencil="System.Storyboarding.Common" StencilVersion="0.1"/>
+</Control>
+</file>
+
+<file path=customXml/item64.xml><?xml version="1.0" encoding="utf-8"?>
+<Control xmlns="http://schemas.microsoft.com/VisualStudio/2011/storyboarding/control">
+  <Id Name="System.Storyboarding.Common.TextInput" Revision="1" Stencil="System.Storyboarding.Common" StencilVersion="0.1"/>
+</Control>
+</file>
+
+<file path=customXml/item65.xml><?xml version="1.0" encoding="utf-8"?>
+<Control xmlns="http://schemas.microsoft.com/VisualStudio/2011/storyboarding/control">
+  <Id Name="System.Storyboarding.Common.Text" Revision="1" Stencil="System.Storyboarding.Common" StencilVersion="0.1"/>
+</Control>
+</file>
+
+<file path=customXml/item66.xml><?xml version="1.0" encoding="utf-8"?>
+<Control xmlns="http://schemas.microsoft.com/VisualStudio/2011/storyboarding/control">
+  <Id Name="System.Storyboarding.Common.Text" Revision="1" Stencil="System.Storyboarding.Common" StencilVersion="0.1"/>
+</Control>
+</file>
+
+<file path=customXml/item67.xml><?xml version="1.0" encoding="utf-8"?>
+<Control xmlns="http://schemas.microsoft.com/VisualStudio/2011/storyboarding/control">
+  <Id Name="System.Storyboarding.Common.Text" Revision="1" Stencil="System.Storyboarding.Common" StencilVersion="0.1"/>
+</Control>
+</file>
+
+<file path=customXml/item68.xml><?xml version="1.0" encoding="utf-8"?>
+<Control xmlns="http://schemas.microsoft.com/VisualStudio/2011/storyboarding/control">
+  <Id Name="System.Storyboarding.Icons.Warning" Revision="1" Stencil="System.Storyboarding.Icons" StencilVersion="0.1"/>
+</Control>
+</file>
+
+<file path=customXml/item69.xml><?xml version="1.0" encoding="utf-8"?>
+<Control xmlns="http://schemas.microsoft.com/VisualStudio/2011/storyboarding/control">
+  <Id Name="System.Storyboarding.Common.Text" Revision="1" Stencil="System.Storyboarding.Common" StencilVersion="0.1"/>
+</Control>
+</file>
+
+<file path=customXml/item7.xml><?xml version="1.0" encoding="utf-8"?>
+<Control xmlns="http://schemas.microsoft.com/VisualStudio/2011/storyboarding/control">
+  <Id Name="System.Storyboarding.Common.SearchBox" Revision="1" Stencil="System.Storyboarding.Common" StencilVersion="0.1"/>
+</Control>
+</file>
+
+<file path=customXml/item8.xml><?xml version="1.0" encoding="utf-8"?>
+<Control xmlns="http://schemas.microsoft.com/VisualStudio/2011/storyboarding/control">
+  <Id Name="System.Storyboarding.Common.TextInput" Revision="1" Stencil="System.Storyboarding.Common" StencilVersion="0.1"/>
+</Control>
+</file>
+
+<file path=customXml/item9.xml><?xml version="1.0" encoding="utf-8"?>
 <Control xmlns="http://schemas.microsoft.com/VisualStudio/2011/storyboarding/control">
   <Id Name="System.Storyboarding.Common.CheckBoxUnchecked" Revision="1" Stencil="System.Storyboarding.Common" StencilVersion="0.1"/>
 </Control>
 </file>
 
-<file path=customXml/item5.xml><?xml version="1.0" encoding="utf-8"?>
-<Control xmlns="http://schemas.microsoft.com/VisualStudio/2011/storyboarding/control">
-  <Id Name="System.Storyboarding.Backgrounds.WebBrowser" Revision="1" Stencil="System.Storyboarding.Backgrounds" StencilVersion="0.1"/>
-</Control>
-</file>
-
-<file path=customXml/item6.xml><?xml version="1.0" encoding="utf-8"?>
-<Control xmlns="http://schemas.microsoft.com/VisualStudio/2011/storyboarding/control">
-  <Id Name="System.Storyboarding.Backgrounds.WebBrowser" Revision="1" Stencil="System.Storyboarding.Backgrounds" StencilVersion="0.1"/>
-</Control>
-</file>
-
-<file path=customXml/item7.xml><?xml version="1.0" encoding="utf-8"?>
-<Control xmlns="http://schemas.microsoft.com/VisualStudio/2011/storyboarding/control">
-  <Id Name="System.Storyboarding.Backgrounds.WebBrowser" Revision="1" Stencil="System.Storyboarding.Backgrounds" StencilVersion="0.1"/>
-</Control>
-</file>
-
-<file path=customXml/item8.xml><?xml version="1.0" encoding="utf-8"?>
-<Control xmlns="http://schemas.microsoft.com/VisualStudio/2011/storyboarding/control">
-  <Id Name="System.Storyboarding.Common.Button" Revision="1" Stencil="System.Storyboarding.Common" StencilVersion="0.1"/>
-</Control>
-</file>
-
-<file path=customXml/item9.xml><?xml version="1.0" encoding="utf-8"?>
-<Control xmlns="http://schemas.microsoft.com/VisualStudio/2011/storyboarding/control">
-  <Id Name="System.Storyboarding.Common.SearchBox" Revision="1" Stencil="System.Storyboarding.Common" StencilVersion="0.1"/>
-</Control>
-</file>
-
 <file path=customXml/itemProps1.xml><?xml version="1.0" encoding="utf-8"?>
+<ds:datastoreItem xmlns:ds="http://schemas.openxmlformats.org/officeDocument/2006/customXml" ds:itemID="{62AA8629-79BF-4A4A-B887-7D1AB040C125}">
+  <ds:schemaRefs>
+    <ds:schemaRef ds:uri="http://schemas.microsoft.com/VisualStudio/2011/storyboarding/control"/>
+  </ds:schemaRefs>
+</ds:datastoreItem>
+</file>
+
+<file path=customXml/itemProps10.xml><?xml version="1.0" encoding="utf-8"?>
+<ds:datastoreItem xmlns:ds="http://schemas.openxmlformats.org/officeDocument/2006/customXml" ds:itemID="{17A9B085-8E1A-4A33-B871-8166221A211A}">
+  <ds:schemaRefs>
+    <ds:schemaRef ds:uri="http://schemas.microsoft.com/VisualStudio/2011/storyboarding/control"/>
+  </ds:schemaRefs>
+</ds:datastoreItem>
+</file>
+
+<file path=customXml/itemProps11.xml><?xml version="1.0" encoding="utf-8"?>
+<ds:datastoreItem xmlns:ds="http://schemas.openxmlformats.org/officeDocument/2006/customXml" ds:itemID="{CF03DD0F-EDED-4182-BF0D-C60EA8AC9FC5}">
+  <ds:schemaRefs>
+    <ds:schemaRef ds:uri="http://schemas.microsoft.com/VisualStudio/2011/storyboarding/control"/>
+  </ds:schemaRefs>
+</ds:datastoreItem>
+</file>
+
+<file path=customXml/itemProps12.xml><?xml version="1.0" encoding="utf-8"?>
+<ds:datastoreItem xmlns:ds="http://schemas.openxmlformats.org/officeDocument/2006/customXml" ds:itemID="{F840D909-519B-49C3-9DCA-97C64A5B9C79}">
+  <ds:schemaRefs>
+    <ds:schemaRef ds:uri="http://schemas.microsoft.com/VisualStudio/2011/storyboarding/control"/>
+  </ds:schemaRefs>
+</ds:datastoreItem>
+</file>
+
+<file path=customXml/itemProps13.xml><?xml version="1.0" encoding="utf-8"?>
+<ds:datastoreItem xmlns:ds="http://schemas.openxmlformats.org/officeDocument/2006/customXml" ds:itemID="{9DAF7C4A-2E75-435E-8C11-B1DC53AC52EB}">
+  <ds:schemaRefs>
+    <ds:schemaRef ds:uri="http://schemas.microsoft.com/VisualStudio/2011/storyboarding/control"/>
+  </ds:schemaRefs>
+</ds:datastoreItem>
+</file>
+
+<file path=customXml/itemProps14.xml><?xml version="1.0" encoding="utf-8"?>
+<ds:datastoreItem xmlns:ds="http://schemas.openxmlformats.org/officeDocument/2006/customXml" ds:itemID="{C2FBE948-B9F1-4F1A-AC4F-03962924DC85}">
+  <ds:schemaRefs>
+    <ds:schemaRef ds:uri="http://schemas.microsoft.com/VisualStudio/2011/storyboarding/control"/>
+  </ds:schemaRefs>
+</ds:datastoreItem>
+</file>
+
+<file path=customXml/itemProps15.xml><?xml version="1.0" encoding="utf-8"?>
 <ds:datastoreItem xmlns:ds="http://schemas.openxmlformats.org/officeDocument/2006/customXml" ds:itemID="{9F80CF27-93E9-4C7B-88EF-82FB0C72DF62}">
   <ds:schemaRefs>
     <ds:schemaRef ds:uri="http://schemas.microsoft.com/VisualStudio/2011/storyboarding/control"/>
@@ -10484,7 +13272,111 @@
 </ds:datastoreItem>
 </file>
 
-<file path=customXml/itemProps10.xml><?xml version="1.0" encoding="utf-8"?>
+<file path=customXml/itemProps16.xml><?xml version="1.0" encoding="utf-8"?>
+<ds:datastoreItem xmlns:ds="http://schemas.openxmlformats.org/officeDocument/2006/customXml" ds:itemID="{7EA327E3-FCFB-4008-8DED-CE47F66639FD}">
+  <ds:schemaRefs>
+    <ds:schemaRef ds:uri="http://schemas.microsoft.com/VisualStudio/2011/storyboarding/control"/>
+  </ds:schemaRefs>
+</ds:datastoreItem>
+</file>
+
+<file path=customXml/itemProps17.xml><?xml version="1.0" encoding="utf-8"?>
+<ds:datastoreItem xmlns:ds="http://schemas.openxmlformats.org/officeDocument/2006/customXml" ds:itemID="{3DDBA3E6-6C5A-4905-87BF-300A95711014}">
+  <ds:schemaRefs>
+    <ds:schemaRef ds:uri="http://schemas.microsoft.com/VisualStudio/2011/storyboarding/control"/>
+  </ds:schemaRefs>
+</ds:datastoreItem>
+</file>
+
+<file path=customXml/itemProps18.xml><?xml version="1.0" encoding="utf-8"?>
+<ds:datastoreItem xmlns:ds="http://schemas.openxmlformats.org/officeDocument/2006/customXml" ds:itemID="{654CBC2D-27EC-43DB-ABA4-3FBDF37D3735}">
+  <ds:schemaRefs>
+    <ds:schemaRef ds:uri="http://schemas.microsoft.com/VisualStudio/2011/storyboarding/control"/>
+  </ds:schemaRefs>
+</ds:datastoreItem>
+</file>
+
+<file path=customXml/itemProps19.xml><?xml version="1.0" encoding="utf-8"?>
+<ds:datastoreItem xmlns:ds="http://schemas.openxmlformats.org/officeDocument/2006/customXml" ds:itemID="{438B7A44-EBDD-41BA-B093-6D278F4F7459}">
+  <ds:schemaRefs>
+    <ds:schemaRef ds:uri="http://schemas.microsoft.com/VisualStudio/2011/storyboarding/control"/>
+  </ds:schemaRefs>
+</ds:datastoreItem>
+</file>
+
+<file path=customXml/itemProps2.xml><?xml version="1.0" encoding="utf-8"?>
+<ds:datastoreItem xmlns:ds="http://schemas.openxmlformats.org/officeDocument/2006/customXml" ds:itemID="{A3209A14-0F86-4BB4-9200-C895ED29F9DA}">
+  <ds:schemaRefs>
+    <ds:schemaRef ds:uri="http://schemas.microsoft.com/VisualStudio/2011/storyboarding/control"/>
+  </ds:schemaRefs>
+</ds:datastoreItem>
+</file>
+
+<file path=customXml/itemProps20.xml><?xml version="1.0" encoding="utf-8"?>
+<ds:datastoreItem xmlns:ds="http://schemas.openxmlformats.org/officeDocument/2006/customXml" ds:itemID="{5AA9117C-EE21-4218-9C9F-C4D2257B122B}">
+  <ds:schemaRefs>
+    <ds:schemaRef ds:uri="http://schemas.microsoft.com/VisualStudio/2011/storyboarding/control"/>
+  </ds:schemaRefs>
+</ds:datastoreItem>
+</file>
+
+<file path=customXml/itemProps21.xml><?xml version="1.0" encoding="utf-8"?>
+<ds:datastoreItem xmlns:ds="http://schemas.openxmlformats.org/officeDocument/2006/customXml" ds:itemID="{37EA982A-C507-43F8-A21D-28E009629826}">
+  <ds:schemaRefs>
+    <ds:schemaRef ds:uri="http://schemas.microsoft.com/VisualStudio/2011/storyboarding/control"/>
+  </ds:schemaRefs>
+</ds:datastoreItem>
+</file>
+
+<file path=customXml/itemProps22.xml><?xml version="1.0" encoding="utf-8"?>
+<ds:datastoreItem xmlns:ds="http://schemas.openxmlformats.org/officeDocument/2006/customXml" ds:itemID="{242277DC-9C6E-4A37-8EF1-8812626C1571}">
+  <ds:schemaRefs>
+    <ds:schemaRef ds:uri="http://schemas.microsoft.com/VisualStudio/2011/storyboarding/control"/>
+  </ds:schemaRefs>
+</ds:datastoreItem>
+</file>
+
+<file path=customXml/itemProps23.xml><?xml version="1.0" encoding="utf-8"?>
+<ds:datastoreItem xmlns:ds="http://schemas.openxmlformats.org/officeDocument/2006/customXml" ds:itemID="{228AF168-33A9-492E-910D-EAE94E644B4A}">
+  <ds:schemaRefs>
+    <ds:schemaRef ds:uri="http://schemas.microsoft.com/VisualStudio/2011/storyboarding/control"/>
+  </ds:schemaRefs>
+</ds:datastoreItem>
+</file>
+
+<file path=customXml/itemProps24.xml><?xml version="1.0" encoding="utf-8"?>
+<ds:datastoreItem xmlns:ds="http://schemas.openxmlformats.org/officeDocument/2006/customXml" ds:itemID="{C170435E-AA56-4732-BD81-63AD243D433D}">
+  <ds:schemaRefs>
+    <ds:schemaRef ds:uri="http://schemas.microsoft.com/VisualStudio/2011/storyboarding/control"/>
+  </ds:schemaRefs>
+</ds:datastoreItem>
+</file>
+
+<file path=customXml/itemProps25.xml><?xml version="1.0" encoding="utf-8"?>
+<ds:datastoreItem xmlns:ds="http://schemas.openxmlformats.org/officeDocument/2006/customXml" ds:itemID="{4ABC8992-C4EA-45C3-A598-324942FE08FB}">
+  <ds:schemaRefs>
+    <ds:schemaRef ds:uri="http://schemas.microsoft.com/VisualStudio/2011/storyboarding/control"/>
+  </ds:schemaRefs>
+</ds:datastoreItem>
+</file>
+
+<file path=customXml/itemProps26.xml><?xml version="1.0" encoding="utf-8"?>
+<ds:datastoreItem xmlns:ds="http://schemas.openxmlformats.org/officeDocument/2006/customXml" ds:itemID="{C30452E4-8A6C-404A-B689-8E04350A6B59}">
+  <ds:schemaRefs>
+    <ds:schemaRef ds:uri="http://schemas.microsoft.com/VisualStudio/2011/storyboarding/control"/>
+  </ds:schemaRefs>
+</ds:datastoreItem>
+</file>
+
+<file path=customXml/itemProps27.xml><?xml version="1.0" encoding="utf-8"?>
+<ds:datastoreItem xmlns:ds="http://schemas.openxmlformats.org/officeDocument/2006/customXml" ds:itemID="{1C2EB5F0-1B67-4013-A008-121325030C8D}">
+  <ds:schemaRefs>
+    <ds:schemaRef ds:uri="http://schemas.microsoft.com/VisualStudio/2011/storyboarding/control"/>
+  </ds:schemaRefs>
+</ds:datastoreItem>
+</file>
+
+<file path=customXml/itemProps28.xml><?xml version="1.0" encoding="utf-8"?>
 <ds:datastoreItem xmlns:ds="http://schemas.openxmlformats.org/officeDocument/2006/customXml" ds:itemID="{AABF63A9-AA30-4DF6-8EF2-972AB7A4097F}">
   <ds:schemaRefs>
     <ds:schemaRef ds:uri="http://schemas.microsoft.com/VisualStudio/2011/storyboarding/control"/>
@@ -10492,15 +13384,103 @@
 </ds:datastoreItem>
 </file>
 
-<file path=customXml/itemProps11.xml><?xml version="1.0" encoding="utf-8"?>
-<ds:datastoreItem xmlns:ds="http://schemas.openxmlformats.org/officeDocument/2006/customXml" ds:itemID="{3DDBA3E6-6C5A-4905-87BF-300A95711014}">
+<file path=customXml/itemProps29.xml><?xml version="1.0" encoding="utf-8"?>
+<ds:datastoreItem xmlns:ds="http://schemas.openxmlformats.org/officeDocument/2006/customXml" ds:itemID="{8A260A91-3FD6-475C-8E6F-434835560933}">
   <ds:schemaRefs>
     <ds:schemaRef ds:uri="http://schemas.microsoft.com/VisualStudio/2011/storyboarding/control"/>
   </ds:schemaRefs>
 </ds:datastoreItem>
 </file>
 
-<file path=customXml/itemProps12.xml><?xml version="1.0" encoding="utf-8"?>
+<file path=customXml/itemProps3.xml><?xml version="1.0" encoding="utf-8"?>
+<ds:datastoreItem xmlns:ds="http://schemas.openxmlformats.org/officeDocument/2006/customXml" ds:itemID="{701AFE5A-ADCF-4311-A5B5-18B338C7E907}">
+  <ds:schemaRefs>
+    <ds:schemaRef ds:uri="http://schemas.microsoft.com/VisualStudio/2011/storyboarding/control"/>
+  </ds:schemaRefs>
+</ds:datastoreItem>
+</file>
+
+<file path=customXml/itemProps30.xml><?xml version="1.0" encoding="utf-8"?>
+<ds:datastoreItem xmlns:ds="http://schemas.openxmlformats.org/officeDocument/2006/customXml" ds:itemID="{FD7A3CF8-3A66-47F9-8AD7-22127504A57F}">
+  <ds:schemaRefs>
+    <ds:schemaRef ds:uri="http://schemas.microsoft.com/VisualStudio/2011/storyboarding/control"/>
+  </ds:schemaRefs>
+</ds:datastoreItem>
+</file>
+
+<file path=customXml/itemProps31.xml><?xml version="1.0" encoding="utf-8"?>
+<ds:datastoreItem xmlns:ds="http://schemas.openxmlformats.org/officeDocument/2006/customXml" ds:itemID="{0B5327E3-0261-4B48-BF6B-FF0257762827}">
+  <ds:schemaRefs>
+    <ds:schemaRef ds:uri="http://schemas.microsoft.com/VisualStudio/2011/storyboarding/control"/>
+  </ds:schemaRefs>
+</ds:datastoreItem>
+</file>
+
+<file path=customXml/itemProps32.xml><?xml version="1.0" encoding="utf-8"?>
+<ds:datastoreItem xmlns:ds="http://schemas.openxmlformats.org/officeDocument/2006/customXml" ds:itemID="{161C1280-5A04-4E6E-8FE3-21E316A51B59}">
+  <ds:schemaRefs>
+    <ds:schemaRef ds:uri="http://schemas.microsoft.com/VisualStudio/2011/storyboarding/control"/>
+  </ds:schemaRefs>
+</ds:datastoreItem>
+</file>
+
+<file path=customXml/itemProps33.xml><?xml version="1.0" encoding="utf-8"?>
+<ds:datastoreItem xmlns:ds="http://schemas.openxmlformats.org/officeDocument/2006/customXml" ds:itemID="{7EC308D9-C28D-40CD-AB00-4A98E0A77CCC}">
+  <ds:schemaRefs>
+    <ds:schemaRef ds:uri="http://schemas.microsoft.com/VisualStudio/2011/storyboarding/control"/>
+  </ds:schemaRefs>
+</ds:datastoreItem>
+</file>
+
+<file path=customXml/itemProps34.xml><?xml version="1.0" encoding="utf-8"?>
+<ds:datastoreItem xmlns:ds="http://schemas.openxmlformats.org/officeDocument/2006/customXml" ds:itemID="{D54CCA4C-C7B0-4AED-9D56-0F76C035783B}">
+  <ds:schemaRefs>
+    <ds:schemaRef ds:uri="http://schemas.microsoft.com/VisualStudio/2011/storyboarding/control"/>
+  </ds:schemaRefs>
+</ds:datastoreItem>
+</file>
+
+<file path=customXml/itemProps35.xml><?xml version="1.0" encoding="utf-8"?>
+<ds:datastoreItem xmlns:ds="http://schemas.openxmlformats.org/officeDocument/2006/customXml" ds:itemID="{8AE17CAA-BEF2-44CD-9DEE-2F8C17585A32}">
+  <ds:schemaRefs>
+    <ds:schemaRef ds:uri="http://schemas.microsoft.com/VisualStudio/2011/storyboarding/control"/>
+  </ds:schemaRefs>
+</ds:datastoreItem>
+</file>
+
+<file path=customXml/itemProps36.xml><?xml version="1.0" encoding="utf-8"?>
+<ds:datastoreItem xmlns:ds="http://schemas.openxmlformats.org/officeDocument/2006/customXml" ds:itemID="{247695CD-B2DD-488A-8575-5345C166802C}">
+  <ds:schemaRefs>
+    <ds:schemaRef ds:uri="http://schemas.microsoft.com/VisualStudio/2011/storyboarding/control"/>
+  </ds:schemaRefs>
+</ds:datastoreItem>
+</file>
+
+<file path=customXml/itemProps37.xml><?xml version="1.0" encoding="utf-8"?>
+<ds:datastoreItem xmlns:ds="http://schemas.openxmlformats.org/officeDocument/2006/customXml" ds:itemID="{7FDD124D-E3E9-4D15-9954-8BE945E00BA2}">
+  <ds:schemaRefs>
+    <ds:schemaRef ds:uri="http://schemas.microsoft.com/VisualStudio/2011/storyboarding/control"/>
+  </ds:schemaRefs>
+</ds:datastoreItem>
+</file>
+
+<file path=customXml/itemProps38.xml><?xml version="1.0" encoding="utf-8"?>
+<ds:datastoreItem xmlns:ds="http://schemas.openxmlformats.org/officeDocument/2006/customXml" ds:itemID="{E46C0A70-C517-4DA3-9709-AC28499E8FFA}">
+  <ds:schemaRefs>
+    <ds:schemaRef ds:uri="http://schemas.microsoft.com/VisualStudio/2011/storyboarding/control"/>
+  </ds:schemaRefs>
+</ds:datastoreItem>
+</file>
+
+<file path=customXml/itemProps39.xml><?xml version="1.0" encoding="utf-8"?>
+<ds:datastoreItem xmlns:ds="http://schemas.openxmlformats.org/officeDocument/2006/customXml" ds:itemID="{834D7D45-E434-4158-A5A7-83E3D8223C55}">
+  <ds:schemaRefs>
+    <ds:schemaRef ds:uri="http://schemas.microsoft.com/VisualStudio/2011/storyboarding/control"/>
+  </ds:schemaRefs>
+</ds:datastoreItem>
+</file>
+
+<file path=customXml/itemProps4.xml><?xml version="1.0" encoding="utf-8"?>
 <ds:datastoreItem xmlns:ds="http://schemas.openxmlformats.org/officeDocument/2006/customXml" ds:itemID="{48A06D39-512F-41A5-AE3C-7B4CDB4AC086}">
   <ds:schemaRefs>
     <ds:schemaRef ds:uri="http://schemas.microsoft.com/VisualStudio/2011/storyboarding/control"/>
@@ -10508,7 +13488,23 @@
 </ds:datastoreItem>
 </file>
 
-<file path=customXml/itemProps13.xml><?xml version="1.0" encoding="utf-8"?>
+<file path=customXml/itemProps40.xml><?xml version="1.0" encoding="utf-8"?>
+<ds:datastoreItem xmlns:ds="http://schemas.openxmlformats.org/officeDocument/2006/customXml" ds:itemID="{32DCF836-3940-427C-8F81-BA183FB52BAC}">
+  <ds:schemaRefs>
+    <ds:schemaRef ds:uri="http://schemas.microsoft.com/VisualStudio/2011/storyboarding/control"/>
+  </ds:schemaRefs>
+</ds:datastoreItem>
+</file>
+
+<file path=customXml/itemProps41.xml><?xml version="1.0" encoding="utf-8"?>
+<ds:datastoreItem xmlns:ds="http://schemas.openxmlformats.org/officeDocument/2006/customXml" ds:itemID="{876AF238-A0AE-4CE4-9709-BB19E770A0FF}">
+  <ds:schemaRefs>
+    <ds:schemaRef ds:uri="http://schemas.microsoft.com/VisualStudio/2011/storyboarding/control"/>
+  </ds:schemaRefs>
+</ds:datastoreItem>
+</file>
+
+<file path=customXml/itemProps42.xml><?xml version="1.0" encoding="utf-8"?>
 <ds:datastoreItem xmlns:ds="http://schemas.openxmlformats.org/officeDocument/2006/customXml" ds:itemID="{43588560-03AB-428A-9CE4-A6AC7508369A}">
   <ds:schemaRefs>
     <ds:schemaRef ds:uri="http://schemas.microsoft.com/VisualStudio/2011/storyboarding/control"/>
@@ -10516,31 +13512,63 @@
 </ds:datastoreItem>
 </file>
 
-<file path=customXml/itemProps14.xml><?xml version="1.0" encoding="utf-8"?>
-<ds:datastoreItem xmlns:ds="http://schemas.openxmlformats.org/officeDocument/2006/customXml" ds:itemID="{D54CCA4C-C7B0-4AED-9D56-0F76C035783B}">
+<file path=customXml/itemProps43.xml><?xml version="1.0" encoding="utf-8"?>
+<ds:datastoreItem xmlns:ds="http://schemas.openxmlformats.org/officeDocument/2006/customXml" ds:itemID="{CABD2B3A-1161-43E2-BA83-58E6B897C9BF}">
   <ds:schemaRefs>
     <ds:schemaRef ds:uri="http://schemas.microsoft.com/VisualStudio/2011/storyboarding/control"/>
   </ds:schemaRefs>
 </ds:datastoreItem>
 </file>
 
-<file path=customXml/itemProps15.xml><?xml version="1.0" encoding="utf-8"?>
-<ds:datastoreItem xmlns:ds="http://schemas.openxmlformats.org/officeDocument/2006/customXml" ds:itemID="{C170435E-AA56-4732-BD81-63AD243D433D}">
+<file path=customXml/itemProps44.xml><?xml version="1.0" encoding="utf-8"?>
+<ds:datastoreItem xmlns:ds="http://schemas.openxmlformats.org/officeDocument/2006/customXml" ds:itemID="{990EA9D7-70A1-4B9E-958D-6A0136D68D06}">
   <ds:schemaRefs>
     <ds:schemaRef ds:uri="http://schemas.microsoft.com/VisualStudio/2011/storyboarding/control"/>
   </ds:schemaRefs>
 </ds:datastoreItem>
 </file>
 
-<file path=customXml/itemProps16.xml><?xml version="1.0" encoding="utf-8"?>
-<ds:datastoreItem xmlns:ds="http://schemas.openxmlformats.org/officeDocument/2006/customXml" ds:itemID="{CF03DD0F-EDED-4182-BF0D-C60EA8AC9FC5}">
+<file path=customXml/itemProps45.xml><?xml version="1.0" encoding="utf-8"?>
+<ds:datastoreItem xmlns:ds="http://schemas.openxmlformats.org/officeDocument/2006/customXml" ds:itemID="{B70A2C2C-82CF-4B04-8174-E87FAC9295FA}">
   <ds:schemaRefs>
     <ds:schemaRef ds:uri="http://schemas.microsoft.com/VisualStudio/2011/storyboarding/control"/>
   </ds:schemaRefs>
 </ds:datastoreItem>
 </file>
 
-<file path=customXml/itemProps17.xml><?xml version="1.0" encoding="utf-8"?>
+<file path=customXml/itemProps46.xml><?xml version="1.0" encoding="utf-8"?>
+<ds:datastoreItem xmlns:ds="http://schemas.openxmlformats.org/officeDocument/2006/customXml" ds:itemID="{B7D85223-23F1-4ACF-89DD-EE38AA7E4772}">
+  <ds:schemaRefs>
+    <ds:schemaRef ds:uri="http://schemas.microsoft.com/VisualStudio/2011/storyboarding/control"/>
+  </ds:schemaRefs>
+</ds:datastoreItem>
+</file>
+
+<file path=customXml/itemProps47.xml><?xml version="1.0" encoding="utf-8"?>
+<ds:datastoreItem xmlns:ds="http://schemas.openxmlformats.org/officeDocument/2006/customXml" ds:itemID="{C9D4FA1C-4BE6-422C-B81D-B68180FAD6C6}">
+  <ds:schemaRefs>
+    <ds:schemaRef ds:uri="http://schemas.microsoft.com/VisualStudio/2011/storyboarding/control"/>
+  </ds:schemaRefs>
+</ds:datastoreItem>
+</file>
+
+<file path=customXml/itemProps48.xml><?xml version="1.0" encoding="utf-8"?>
+<ds:datastoreItem xmlns:ds="http://schemas.openxmlformats.org/officeDocument/2006/customXml" ds:itemID="{28561471-B2C0-4BD5-9F74-027D19A28797}">
+  <ds:schemaRefs>
+    <ds:schemaRef ds:uri="http://schemas.microsoft.com/VisualStudio/2011/storyboarding/control"/>
+  </ds:schemaRefs>
+</ds:datastoreItem>
+</file>
+
+<file path=customXml/itemProps49.xml><?xml version="1.0" encoding="utf-8"?>
+<ds:datastoreItem xmlns:ds="http://schemas.openxmlformats.org/officeDocument/2006/customXml" ds:itemID="{98F8FD7B-6874-4F7E-B807-9E0290A65A7C}">
+  <ds:schemaRefs>
+    <ds:schemaRef ds:uri="http://schemas.microsoft.com/VisualStudio/2011/storyboarding/control"/>
+  </ds:schemaRefs>
+</ds:datastoreItem>
+</file>
+
+<file path=customXml/itemProps5.xml><?xml version="1.0" encoding="utf-8"?>
 <ds:datastoreItem xmlns:ds="http://schemas.openxmlformats.org/officeDocument/2006/customXml" ds:itemID="{CC5F127A-2521-4BB3-9D64-238B9FDD6AF8}">
   <ds:schemaRefs>
     <ds:schemaRef ds:uri="http://schemas.microsoft.com/VisualStudio/2011/storyboarding/control"/>
@@ -10548,71 +13576,87 @@
 </ds:datastoreItem>
 </file>
 
-<file path=customXml/itemProps18.xml><?xml version="1.0" encoding="utf-8"?>
-<ds:datastoreItem xmlns:ds="http://schemas.openxmlformats.org/officeDocument/2006/customXml" ds:itemID="{CABD2B3A-1161-43E2-BA83-58E6B897C9BF}">
+<file path=customXml/itemProps50.xml><?xml version="1.0" encoding="utf-8"?>
+<ds:datastoreItem xmlns:ds="http://schemas.openxmlformats.org/officeDocument/2006/customXml" ds:itemID="{883F8B03-B0D2-492A-9075-EC9523EF2A01}">
   <ds:schemaRefs>
     <ds:schemaRef ds:uri="http://schemas.microsoft.com/VisualStudio/2011/storyboarding/control"/>
   </ds:schemaRefs>
 </ds:datastoreItem>
 </file>
 
-<file path=customXml/itemProps19.xml><?xml version="1.0" encoding="utf-8"?>
-<ds:datastoreItem xmlns:ds="http://schemas.openxmlformats.org/officeDocument/2006/customXml" ds:itemID="{8A260A91-3FD6-475C-8E6F-434835560933}">
+<file path=customXml/itemProps51.xml><?xml version="1.0" encoding="utf-8"?>
+<ds:datastoreItem xmlns:ds="http://schemas.openxmlformats.org/officeDocument/2006/customXml" ds:itemID="{C8E10152-FCFC-4B38-BEBC-93C95F9D3E0D}">
   <ds:schemaRefs>
     <ds:schemaRef ds:uri="http://schemas.microsoft.com/VisualStudio/2011/storyboarding/control"/>
   </ds:schemaRefs>
 </ds:datastoreItem>
 </file>
 
-<file path=customXml/itemProps2.xml><?xml version="1.0" encoding="utf-8"?>
-<ds:datastoreItem xmlns:ds="http://schemas.openxmlformats.org/officeDocument/2006/customXml" ds:itemID="{17A9B085-8E1A-4A33-B871-8166221A211A}">
+<file path=customXml/itemProps52.xml><?xml version="1.0" encoding="utf-8"?>
+<ds:datastoreItem xmlns:ds="http://schemas.openxmlformats.org/officeDocument/2006/customXml" ds:itemID="{E6F668CA-903B-4795-B9F4-53850D4F3EF5}">
   <ds:schemaRefs>
     <ds:schemaRef ds:uri="http://schemas.microsoft.com/VisualStudio/2011/storyboarding/control"/>
   </ds:schemaRefs>
 </ds:datastoreItem>
 </file>
 
-<file path=customXml/itemProps20.xml><?xml version="1.0" encoding="utf-8"?>
-<ds:datastoreItem xmlns:ds="http://schemas.openxmlformats.org/officeDocument/2006/customXml" ds:itemID="{F840D909-519B-49C3-9DCA-97C64A5B9C79}">
+<file path=customXml/itemProps53.xml><?xml version="1.0" encoding="utf-8"?>
+<ds:datastoreItem xmlns:ds="http://schemas.openxmlformats.org/officeDocument/2006/customXml" ds:itemID="{19CD009B-218E-4721-8C38-89747774CF55}">
   <ds:schemaRefs>
     <ds:schemaRef ds:uri="http://schemas.microsoft.com/VisualStudio/2011/storyboarding/control"/>
   </ds:schemaRefs>
 </ds:datastoreItem>
 </file>
 
-<file path=customXml/itemProps21.xml><?xml version="1.0" encoding="utf-8"?>
-<ds:datastoreItem xmlns:ds="http://schemas.openxmlformats.org/officeDocument/2006/customXml" ds:itemID="{B7D85223-23F1-4ACF-89DD-EE38AA7E4772}">
+<file path=customXml/itemProps54.xml><?xml version="1.0" encoding="utf-8"?>
+<ds:datastoreItem xmlns:ds="http://schemas.openxmlformats.org/officeDocument/2006/customXml" ds:itemID="{C245C6D9-2CF2-46D0-A598-7F9B569A8182}">
   <ds:schemaRefs>
     <ds:schemaRef ds:uri="http://schemas.microsoft.com/VisualStudio/2011/storyboarding/control"/>
   </ds:schemaRefs>
 </ds:datastoreItem>
 </file>
 
-<file path=customXml/itemProps22.xml><?xml version="1.0" encoding="utf-8"?>
-<ds:datastoreItem xmlns:ds="http://schemas.openxmlformats.org/officeDocument/2006/customXml" ds:itemID="{8AE17CAA-BEF2-44CD-9DEE-2F8C17585A32}">
+<file path=customXml/itemProps55.xml><?xml version="1.0" encoding="utf-8"?>
+<ds:datastoreItem xmlns:ds="http://schemas.openxmlformats.org/officeDocument/2006/customXml" ds:itemID="{5370AC94-6C83-4610-AB38-DE4D5D592A21}">
   <ds:schemaRefs>
     <ds:schemaRef ds:uri="http://schemas.microsoft.com/VisualStudio/2011/storyboarding/control"/>
   </ds:schemaRefs>
 </ds:datastoreItem>
 </file>
 
-<file path=customXml/itemProps23.xml><?xml version="1.0" encoding="utf-8"?>
-<ds:datastoreItem xmlns:ds="http://schemas.openxmlformats.org/officeDocument/2006/customXml" ds:itemID="{4ABC8992-C4EA-45C3-A598-324942FE08FB}">
+<file path=customXml/itemProps56.xml><?xml version="1.0" encoding="utf-8"?>
+<ds:datastoreItem xmlns:ds="http://schemas.openxmlformats.org/officeDocument/2006/customXml" ds:itemID="{CF8AA2EA-BB64-40F2-B797-60439B0EBFFC}">
   <ds:schemaRefs>
     <ds:schemaRef ds:uri="http://schemas.microsoft.com/VisualStudio/2011/storyboarding/control"/>
   </ds:schemaRefs>
 </ds:datastoreItem>
 </file>
 
-<file path=customXml/itemProps24.xml><?xml version="1.0" encoding="utf-8"?>
-<ds:datastoreItem xmlns:ds="http://schemas.openxmlformats.org/officeDocument/2006/customXml" ds:itemID="{654CBC2D-27EC-43DB-ABA4-3FBDF37D3735}">
+<file path=customXml/itemProps57.xml><?xml version="1.0" encoding="utf-8"?>
+<ds:datastoreItem xmlns:ds="http://schemas.openxmlformats.org/officeDocument/2006/customXml" ds:itemID="{7CF88AB3-1200-43B9-8887-BE3800C866E7}">
   <ds:schemaRefs>
     <ds:schemaRef ds:uri="http://schemas.microsoft.com/VisualStudio/2011/storyboarding/control"/>
   </ds:schemaRefs>
 </ds:datastoreItem>
 </file>
 
-<file path=customXml/itemProps25.xml><?xml version="1.0" encoding="utf-8"?>
+<file path=customXml/itemProps58.xml><?xml version="1.0" encoding="utf-8"?>
+<ds:datastoreItem xmlns:ds="http://schemas.openxmlformats.org/officeDocument/2006/customXml" ds:itemID="{68A0CDC1-3F80-4DE3-8AB3-B532E32DC2D3}">
+  <ds:schemaRefs>
+    <ds:schemaRef ds:uri="http://schemas.microsoft.com/VisualStudio/2011/storyboarding/control"/>
+  </ds:schemaRefs>
+</ds:datastoreItem>
+</file>
+
+<file path=customXml/itemProps59.xml><?xml version="1.0" encoding="utf-8"?>
+<ds:datastoreItem xmlns:ds="http://schemas.openxmlformats.org/officeDocument/2006/customXml" ds:itemID="{8B573C24-C1CA-4AD9-8793-CFC1E42E3841}">
+  <ds:schemaRefs>
+    <ds:schemaRef ds:uri="http://schemas.microsoft.com/VisualStudio/2011/storyboarding/control"/>
+  </ds:schemaRefs>
+</ds:datastoreItem>
+</file>
+
+<file path=customXml/itemProps6.xml><?xml version="1.0" encoding="utf-8"?>
 <ds:datastoreItem xmlns:ds="http://schemas.openxmlformats.org/officeDocument/2006/customXml" ds:itemID="{1159427B-15B9-477B-8DAD-D7C81D705523}">
   <ds:schemaRefs>
     <ds:schemaRef ds:uri="http://schemas.microsoft.com/VisualStudio/2011/storyboarding/control"/>
@@ -10620,71 +13664,87 @@
 </ds:datastoreItem>
 </file>
 
-<file path=customXml/itemProps26.xml><?xml version="1.0" encoding="utf-8"?>
-<ds:datastoreItem xmlns:ds="http://schemas.openxmlformats.org/officeDocument/2006/customXml" ds:itemID="{990EA9D7-70A1-4B9E-958D-6A0136D68D06}">
+<file path=customXml/itemProps60.xml><?xml version="1.0" encoding="utf-8"?>
+<ds:datastoreItem xmlns:ds="http://schemas.openxmlformats.org/officeDocument/2006/customXml" ds:itemID="{149B1CD2-B7C7-4B38-9713-13FEE7CAC5CF}">
   <ds:schemaRefs>
     <ds:schemaRef ds:uri="http://schemas.microsoft.com/VisualStudio/2011/storyboarding/control"/>
   </ds:schemaRefs>
 </ds:datastoreItem>
 </file>
 
-<file path=customXml/itemProps27.xml><?xml version="1.0" encoding="utf-8"?>
-<ds:datastoreItem xmlns:ds="http://schemas.openxmlformats.org/officeDocument/2006/customXml" ds:itemID="{247695CD-B2DD-488A-8575-5345C166802C}">
+<file path=customXml/itemProps61.xml><?xml version="1.0" encoding="utf-8"?>
+<ds:datastoreItem xmlns:ds="http://schemas.openxmlformats.org/officeDocument/2006/customXml" ds:itemID="{26EBF4A3-F17A-4E3E-A734-46BBA9DFA0C8}">
   <ds:schemaRefs>
     <ds:schemaRef ds:uri="http://schemas.microsoft.com/VisualStudio/2011/storyboarding/control"/>
   </ds:schemaRefs>
 </ds:datastoreItem>
 </file>
 
-<file path=customXml/itemProps28.xml><?xml version="1.0" encoding="utf-8"?>
-<ds:datastoreItem xmlns:ds="http://schemas.openxmlformats.org/officeDocument/2006/customXml" ds:itemID="{C30452E4-8A6C-404A-B689-8E04350A6B59}">
+<file path=customXml/itemProps62.xml><?xml version="1.0" encoding="utf-8"?>
+<ds:datastoreItem xmlns:ds="http://schemas.openxmlformats.org/officeDocument/2006/customXml" ds:itemID="{AEAF888D-91A2-4F3F-8857-FCEB236CE5E1}">
   <ds:schemaRefs>
     <ds:schemaRef ds:uri="http://schemas.microsoft.com/VisualStudio/2011/storyboarding/control"/>
   </ds:schemaRefs>
 </ds:datastoreItem>
 </file>
 
-<file path=customXml/itemProps29.xml><?xml version="1.0" encoding="utf-8"?>
-<ds:datastoreItem xmlns:ds="http://schemas.openxmlformats.org/officeDocument/2006/customXml" ds:itemID="{9DAF7C4A-2E75-435E-8C11-B1DC53AC52EB}">
+<file path=customXml/itemProps63.xml><?xml version="1.0" encoding="utf-8"?>
+<ds:datastoreItem xmlns:ds="http://schemas.openxmlformats.org/officeDocument/2006/customXml" ds:itemID="{3B9CF087-A7FD-4919-BEC9-765ED7219F7D}">
   <ds:schemaRefs>
     <ds:schemaRef ds:uri="http://schemas.microsoft.com/VisualStudio/2011/storyboarding/control"/>
   </ds:schemaRefs>
 </ds:datastoreItem>
 </file>
 
-<file path=customXml/itemProps3.xml><?xml version="1.0" encoding="utf-8"?>
-<ds:datastoreItem xmlns:ds="http://schemas.openxmlformats.org/officeDocument/2006/customXml" ds:itemID="{876AF238-A0AE-4CE4-9709-BB19E770A0FF}">
+<file path=customXml/itemProps64.xml><?xml version="1.0" encoding="utf-8"?>
+<ds:datastoreItem xmlns:ds="http://schemas.openxmlformats.org/officeDocument/2006/customXml" ds:itemID="{59E18852-82A2-40BE-915B-5490522B44A0}">
   <ds:schemaRefs>
     <ds:schemaRef ds:uri="http://schemas.microsoft.com/VisualStudio/2011/storyboarding/control"/>
   </ds:schemaRefs>
 </ds:datastoreItem>
 </file>
 
-<file path=customXml/itemProps30.xml><?xml version="1.0" encoding="utf-8"?>
-<ds:datastoreItem xmlns:ds="http://schemas.openxmlformats.org/officeDocument/2006/customXml" ds:itemID="{7FDD124D-E3E9-4D15-9954-8BE945E00BA2}">
+<file path=customXml/itemProps65.xml><?xml version="1.0" encoding="utf-8"?>
+<ds:datastoreItem xmlns:ds="http://schemas.openxmlformats.org/officeDocument/2006/customXml" ds:itemID="{408DBD6E-BA86-4206-898C-8866D621C758}">
   <ds:schemaRefs>
     <ds:schemaRef ds:uri="http://schemas.microsoft.com/VisualStudio/2011/storyboarding/control"/>
   </ds:schemaRefs>
 </ds:datastoreItem>
 </file>
 
-<file path=customXml/itemProps31.xml><?xml version="1.0" encoding="utf-8"?>
-<ds:datastoreItem xmlns:ds="http://schemas.openxmlformats.org/officeDocument/2006/customXml" ds:itemID="{FD7A3CF8-3A66-47F9-8AD7-22127504A57F}">
+<file path=customXml/itemProps66.xml><?xml version="1.0" encoding="utf-8"?>
+<ds:datastoreItem xmlns:ds="http://schemas.openxmlformats.org/officeDocument/2006/customXml" ds:itemID="{E2D66C36-7379-4DD2-AA37-128CF4B262CF}">
   <ds:schemaRefs>
     <ds:schemaRef ds:uri="http://schemas.microsoft.com/VisualStudio/2011/storyboarding/control"/>
   </ds:schemaRefs>
 </ds:datastoreItem>
 </file>
 
-<file path=customXml/itemProps32.xml><?xml version="1.0" encoding="utf-8"?>
-<ds:datastoreItem xmlns:ds="http://schemas.openxmlformats.org/officeDocument/2006/customXml" ds:itemID="{438B7A44-EBDD-41BA-B093-6D278F4F7459}">
+<file path=customXml/itemProps67.xml><?xml version="1.0" encoding="utf-8"?>
+<ds:datastoreItem xmlns:ds="http://schemas.openxmlformats.org/officeDocument/2006/customXml" ds:itemID="{E28B7CEA-1FBD-4F14-BDA2-C48C66B37150}">
   <ds:schemaRefs>
     <ds:schemaRef ds:uri="http://schemas.microsoft.com/VisualStudio/2011/storyboarding/control"/>
   </ds:schemaRefs>
 </ds:datastoreItem>
 </file>
 
-<file path=customXml/itemProps33.xml><?xml version="1.0" encoding="utf-8"?>
+<file path=customXml/itemProps68.xml><?xml version="1.0" encoding="utf-8"?>
+<ds:datastoreItem xmlns:ds="http://schemas.openxmlformats.org/officeDocument/2006/customXml" ds:itemID="{6ADA548F-1BF0-44B5-AD4E-6B89D3ECE98D}">
+  <ds:schemaRefs>
+    <ds:schemaRef ds:uri="http://schemas.microsoft.com/VisualStudio/2011/storyboarding/control"/>
+  </ds:schemaRefs>
+</ds:datastoreItem>
+</file>
+
+<file path=customXml/itemProps69.xml><?xml version="1.0" encoding="utf-8"?>
+<ds:datastoreItem xmlns:ds="http://schemas.openxmlformats.org/officeDocument/2006/customXml" ds:itemID="{C65B337F-737A-48CA-8F75-978A60D7016D}">
+  <ds:schemaRefs>
+    <ds:schemaRef ds:uri="http://schemas.microsoft.com/VisualStudio/2011/storyboarding/control"/>
+  </ds:schemaRefs>
+</ds:datastoreItem>
+</file>
+
+<file path=customXml/itemProps7.xml><?xml version="1.0" encoding="utf-8"?>
 <ds:datastoreItem xmlns:ds="http://schemas.openxmlformats.org/officeDocument/2006/customXml" ds:itemID="{5C224794-B045-4886-829C-92458CB30DC4}">
   <ds:schemaRefs>
     <ds:schemaRef ds:uri="http://schemas.microsoft.com/VisualStudio/2011/storyboarding/control"/>
@@ -10692,39 +13752,7 @@
 </ds:datastoreItem>
 </file>
 
-<file path=customXml/itemProps34.xml><?xml version="1.0" encoding="utf-8"?>
-<ds:datastoreItem xmlns:ds="http://schemas.openxmlformats.org/officeDocument/2006/customXml" ds:itemID="{62AA8629-79BF-4A4A-B887-7D1AB040C125}">
-  <ds:schemaRefs>
-    <ds:schemaRef ds:uri="http://schemas.microsoft.com/VisualStudio/2011/storyboarding/control"/>
-  </ds:schemaRefs>
-</ds:datastoreItem>
-</file>
-
-<file path=customXml/itemProps35.xml><?xml version="1.0" encoding="utf-8"?>
-<ds:datastoreItem xmlns:ds="http://schemas.openxmlformats.org/officeDocument/2006/customXml" ds:itemID="{E46C0A70-C517-4DA3-9709-AC28499E8FFA}">
-  <ds:schemaRefs>
-    <ds:schemaRef ds:uri="http://schemas.microsoft.com/VisualStudio/2011/storyboarding/control"/>
-  </ds:schemaRefs>
-</ds:datastoreItem>
-</file>
-
-<file path=customXml/itemProps36.xml><?xml version="1.0" encoding="utf-8"?>
-<ds:datastoreItem xmlns:ds="http://schemas.openxmlformats.org/officeDocument/2006/customXml" ds:itemID="{1C2EB5F0-1B67-4013-A008-121325030C8D}">
-  <ds:schemaRefs>
-    <ds:schemaRef ds:uri="http://schemas.microsoft.com/VisualStudio/2011/storyboarding/control"/>
-  </ds:schemaRefs>
-</ds:datastoreItem>
-</file>
-
-<file path=customXml/itemProps37.xml><?xml version="1.0" encoding="utf-8"?>
-<ds:datastoreItem xmlns:ds="http://schemas.openxmlformats.org/officeDocument/2006/customXml" ds:itemID="{5AA9117C-EE21-4218-9C9F-C4D2257B122B}">
-  <ds:schemaRefs>
-    <ds:schemaRef ds:uri="http://schemas.microsoft.com/VisualStudio/2011/storyboarding/control"/>
-  </ds:schemaRefs>
-</ds:datastoreItem>
-</file>
-
-<file path=customXml/itemProps38.xml><?xml version="1.0" encoding="utf-8"?>
+<file path=customXml/itemProps8.xml><?xml version="1.0" encoding="utf-8"?>
 <ds:datastoreItem xmlns:ds="http://schemas.openxmlformats.org/officeDocument/2006/customXml" ds:itemID="{19117BA5-C181-4180-919E-D397ACAFD6D8}">
   <ds:schemaRefs>
     <ds:schemaRef ds:uri="http://schemas.microsoft.com/VisualStudio/2011/storyboarding/control"/>
@@ -10732,114 +13760,10 @@
 </ds:datastoreItem>
 </file>
 
-<file path=customXml/itemProps39.xml><?xml version="1.0" encoding="utf-8"?>
-<ds:datastoreItem xmlns:ds="http://schemas.openxmlformats.org/officeDocument/2006/customXml" ds:itemID="{B70A2C2C-82CF-4B04-8174-E87FAC9295FA}">
-  <ds:schemaRefs>
-    <ds:schemaRef ds:uri="http://schemas.microsoft.com/VisualStudio/2011/storyboarding/control"/>
-  </ds:schemaRefs>
-</ds:datastoreItem>
-</file>
-
-<file path=customXml/itemProps4.xml><?xml version="1.0" encoding="utf-8"?>
-<ds:datastoreItem xmlns:ds="http://schemas.openxmlformats.org/officeDocument/2006/customXml" ds:itemID="{161C1280-5A04-4E6E-8FE3-21E316A51B59}">
-  <ds:schemaRefs>
-    <ds:schemaRef ds:uri="http://schemas.microsoft.com/VisualStudio/2011/storyboarding/control"/>
-  </ds:schemaRefs>
-</ds:datastoreItem>
-</file>
-
-<file path=customXml/itemProps40.xml><?xml version="1.0" encoding="utf-8"?>
-<ds:datastoreItem xmlns:ds="http://schemas.openxmlformats.org/officeDocument/2006/customXml" ds:itemID="{37EA982A-C507-43F8-A21D-28E009629826}">
-  <ds:schemaRefs>
-    <ds:schemaRef ds:uri="http://schemas.microsoft.com/VisualStudio/2011/storyboarding/control"/>
-  </ds:schemaRefs>
-</ds:datastoreItem>
-</file>
-
-<file path=customXml/itemProps41.xml><?xml version="1.0" encoding="utf-8"?>
-<ds:datastoreItem xmlns:ds="http://schemas.openxmlformats.org/officeDocument/2006/customXml" ds:itemID="{C2FBE948-B9F1-4F1A-AC4F-03962924DC85}">
-  <ds:schemaRefs>
-    <ds:schemaRef ds:uri="http://schemas.microsoft.com/VisualStudio/2011/storyboarding/control"/>
-  </ds:schemaRefs>
-</ds:datastoreItem>
-</file>
-
-<file path=customXml/itemProps42.xml><?xml version="1.0" encoding="utf-8"?>
-<ds:datastoreItem xmlns:ds="http://schemas.openxmlformats.org/officeDocument/2006/customXml" ds:itemID="{A3209A14-0F86-4BB4-9200-C895ED29F9DA}">
-  <ds:schemaRefs>
-    <ds:schemaRef ds:uri="http://schemas.microsoft.com/VisualStudio/2011/storyboarding/control"/>
-  </ds:schemaRefs>
-</ds:datastoreItem>
-</file>
-
-<file path=customXml/itemProps43.xml><?xml version="1.0" encoding="utf-8"?>
-<ds:datastoreItem xmlns:ds="http://schemas.openxmlformats.org/officeDocument/2006/customXml" ds:itemID="{834D7D45-E434-4158-A5A7-83E3D8223C55}">
-  <ds:schemaRefs>
-    <ds:schemaRef ds:uri="http://schemas.microsoft.com/VisualStudio/2011/storyboarding/control"/>
-  </ds:schemaRefs>
-</ds:datastoreItem>
-</file>
-
-<file path=customXml/itemProps44.xml><?xml version="1.0" encoding="utf-8"?>
-<ds:datastoreItem xmlns:ds="http://schemas.openxmlformats.org/officeDocument/2006/customXml" ds:itemID="{0B5327E3-0261-4B48-BF6B-FF0257762827}">
-  <ds:schemaRefs>
-    <ds:schemaRef ds:uri="http://schemas.microsoft.com/VisualStudio/2011/storyboarding/control"/>
-  </ds:schemaRefs>
-</ds:datastoreItem>
-</file>
-
-<file path=customXml/itemProps45.xml><?xml version="1.0" encoding="utf-8"?>
-<ds:datastoreItem xmlns:ds="http://schemas.openxmlformats.org/officeDocument/2006/customXml" ds:itemID="{242277DC-9C6E-4A37-8EF1-8812626C1571}">
-  <ds:schemaRefs>
-    <ds:schemaRef ds:uri="http://schemas.microsoft.com/VisualStudio/2011/storyboarding/control"/>
-  </ds:schemaRefs>
-</ds:datastoreItem>
-</file>
-
-<file path=customXml/itemProps46.xml><?xml version="1.0" encoding="utf-8"?>
+<file path=customXml/itemProps9.xml><?xml version="1.0" encoding="utf-8"?>
 <ds:datastoreItem xmlns:ds="http://schemas.openxmlformats.org/officeDocument/2006/customXml" ds:itemID="{48F85951-6571-4AA7-9B26-EEF9CD4B541F}">
   <ds:schemaRefs>
     <ds:schemaRef ds:uri="http://schemas.microsoft.com/VisualStudio/2011/storyboarding/control"/>
   </ds:schemaRefs>
 </ds:datastoreItem>
-</file>
-
-<file path=customXml/itemProps5.xml><?xml version="1.0" encoding="utf-8"?>
-<ds:datastoreItem xmlns:ds="http://schemas.openxmlformats.org/officeDocument/2006/customXml" ds:itemID="{228AF168-33A9-492E-910D-EAE94E644B4A}">
-  <ds:schemaRefs>
-    <ds:schemaRef ds:uri="http://schemas.microsoft.com/VisualStudio/2011/storyboarding/control"/>
-  </ds:schemaRefs>
-</ds:datastoreItem>
-</file>
-
-<file path=customXml/itemProps6.xml><?xml version="1.0" encoding="utf-8"?>
-<ds:datastoreItem xmlns:ds="http://schemas.openxmlformats.org/officeDocument/2006/customXml" ds:itemID="{7EA327E3-FCFB-4008-8DED-CE47F66639FD}">
-  <ds:schemaRefs>
-    <ds:schemaRef ds:uri="http://schemas.microsoft.com/VisualStudio/2011/storyboarding/control"/>
-  </ds:schemaRefs>
-</ds:datastoreItem>
-</file>
-
-<file path=customXml/itemProps7.xml><?xml version="1.0" encoding="utf-8"?>
-<ds:datastoreItem xmlns:ds="http://schemas.openxmlformats.org/officeDocument/2006/customXml" ds:itemID="{701AFE5A-ADCF-4311-A5B5-18B338C7E907}">
-  <ds:schemaRefs>
-    <ds:schemaRef ds:uri="http://schemas.microsoft.com/VisualStudio/2011/storyboarding/control"/>
-  </ds:schemaRefs>
-</ds:datastoreItem>
-</file>
-
-<file path=customXml/itemProps8.xml><?xml version="1.0" encoding="utf-8"?>
-<ds:datastoreItem xmlns:ds="http://schemas.openxmlformats.org/officeDocument/2006/customXml" ds:itemID="{32DCF836-3940-427C-8F81-BA183FB52BAC}">
-  <ds:schemaRefs>
-    <ds:schemaRef ds:uri="http://schemas.microsoft.com/VisualStudio/2011/storyboarding/control"/>
-  </ds:schemaRefs>
-</ds:datastoreItem>
-</file>
-
-<file path=customXml/itemProps9.xml><?xml version="1.0" encoding="utf-8"?>
-<ds:datastoreItem xmlns:ds="http://schemas.openxmlformats.org/officeDocument/2006/customXml" ds:itemID="{7EC308D9-C28D-40CD-AB00-4A98E0A77CCC}">
-  <ds:schemaRefs>
-    <ds:schemaRef ds:uri="http://schemas.microsoft.com/VisualStudio/2011/storyboarding/control"/>
-  </ds:schemaRefs>
-</ds:datastoreItem>
 </file>
--- a/Page d’acceuil.pptx
+++ b/Page d’acceuil.pptx
@@ -2,22 +2,22 @@
 <file path=ppt/presentation.xml><?xml version="1.0" encoding="utf-8"?>
 <p:presentation xmlns:a="http://schemas.openxmlformats.org/drawingml/2006/main" xmlns:r="http://schemas.openxmlformats.org/officeDocument/2006/relationships" xmlns:p="http://schemas.openxmlformats.org/presentationml/2006/main" saveSubsetFonts="1">
   <p:sldMasterIdLst>
-    <p:sldMasterId id="2147483648" r:id="rId70"/>
-    <p:sldMasterId id="2147483660" r:id="rId71"/>
+    <p:sldMasterId id="2147483648" r:id="rId96"/>
+    <p:sldMasterId id="2147483660" r:id="rId97"/>
   </p:sldMasterIdLst>
   <p:notesMasterIdLst>
-    <p:notesMasterId r:id="rId81"/>
+    <p:notesMasterId r:id="rId107"/>
   </p:notesMasterIdLst>
   <p:sldIdLst>
-    <p:sldId id="260" r:id="rId72"/>
-    <p:sldId id="258" r:id="rId73"/>
-    <p:sldId id="262" r:id="rId74"/>
-    <p:sldId id="263" r:id="rId75"/>
-    <p:sldId id="261" r:id="rId76"/>
-    <p:sldId id="264" r:id="rId77"/>
-    <p:sldId id="265" r:id="rId78"/>
-    <p:sldId id="266" r:id="rId79"/>
-    <p:sldId id="267" r:id="rId80"/>
+    <p:sldId id="260" r:id="rId98"/>
+    <p:sldId id="258" r:id="rId99"/>
+    <p:sldId id="269" r:id="rId100"/>
+    <p:sldId id="270" r:id="rId101"/>
+    <p:sldId id="271" r:id="rId102"/>
+    <p:sldId id="264" r:id="rId103"/>
+    <p:sldId id="265" r:id="rId104"/>
+    <p:sldId id="266" r:id="rId105"/>
+    <p:sldId id="267" r:id="rId106"/>
   </p:sldIdLst>
   <p:sldSz cx="12192000" cy="6858000"/>
   <p:notesSz cx="6858000" cy="9144000"/>
@@ -210,7 +210,7 @@
           <a:p>
             <a:fld id="{7E539B21-FF63-4FEA-A1D1-EBE8EF669A6E}" type="datetimeFigureOut">
               <a:rPr lang="fr-FR" smtClean="0"/>
-              <a:t>16/11/2017</a:t>
+              <a:t>17/11/2017</a:t>
             </a:fld>
             <a:endParaRPr lang="fr-FR"/>
           </a:p>
@@ -624,7 +624,7 @@
           <a:p>
             <a:fld id="{F353337E-5607-446D-AB74-7A5B8DCFC88F}" type="datetimeFigureOut">
               <a:rPr lang="fr-FR" smtClean="0"/>
-              <a:t>16/11/2017</a:t>
+              <a:t>17/11/2017</a:t>
             </a:fld>
             <a:endParaRPr lang="fr-FR"/>
           </a:p>
@@ -830,7 +830,7 @@
           <a:p>
             <a:fld id="{F353337E-5607-446D-AB74-7A5B8DCFC88F}" type="datetimeFigureOut">
               <a:rPr lang="fr-FR" smtClean="0"/>
-              <a:t>16/11/2017</a:t>
+              <a:t>17/11/2017</a:t>
             </a:fld>
             <a:endParaRPr lang="fr-FR"/>
           </a:p>
@@ -1046,7 +1046,7 @@
           <a:p>
             <a:fld id="{F353337E-5607-446D-AB74-7A5B8DCFC88F}" type="datetimeFigureOut">
               <a:rPr lang="fr-FR" smtClean="0"/>
-              <a:t>16/11/2017</a:t>
+              <a:t>17/11/2017</a:t>
             </a:fld>
             <a:endParaRPr lang="fr-FR"/>
           </a:p>
@@ -1328,7 +1328,7 @@
           <a:p>
             <a:fld id="{F353337E-5607-446D-AB74-7A5B8DCFC88F}" type="datetimeFigureOut">
               <a:rPr lang="fr-FR" smtClean="0"/>
-              <a:t>16/11/2017</a:t>
+              <a:t>17/11/2017</a:t>
             </a:fld>
             <a:endParaRPr lang="fr-FR"/>
           </a:p>
@@ -1611,7 +1611,7 @@
           <a:p>
             <a:fld id="{F353337E-5607-446D-AB74-7A5B8DCFC88F}" type="datetimeFigureOut">
               <a:rPr lang="fr-FR" smtClean="0"/>
-              <a:t>16/11/2017</a:t>
+              <a:t>17/11/2017</a:t>
             </a:fld>
             <a:endParaRPr lang="fr-FR"/>
           </a:p>
@@ -1884,7 +1884,7 @@
           <a:p>
             <a:fld id="{F353337E-5607-446D-AB74-7A5B8DCFC88F}" type="datetimeFigureOut">
               <a:rPr lang="fr-FR" smtClean="0"/>
-              <a:t>16/11/2017</a:t>
+              <a:t>17/11/2017</a:t>
             </a:fld>
             <a:endParaRPr lang="fr-FR"/>
           </a:p>
@@ -2304,7 +2304,7 @@
           <a:p>
             <a:fld id="{F353337E-5607-446D-AB74-7A5B8DCFC88F}" type="datetimeFigureOut">
               <a:rPr lang="fr-FR" smtClean="0"/>
-              <a:t>16/11/2017</a:t>
+              <a:t>17/11/2017</a:t>
             </a:fld>
             <a:endParaRPr lang="fr-FR"/>
           </a:p>
@@ -2453,7 +2453,7 @@
           <a:p>
             <a:fld id="{F353337E-5607-446D-AB74-7A5B8DCFC88F}" type="datetimeFigureOut">
               <a:rPr lang="fr-FR" smtClean="0"/>
-              <a:t>16/11/2017</a:t>
+              <a:t>17/11/2017</a:t>
             </a:fld>
             <a:endParaRPr lang="fr-FR"/>
           </a:p>
@@ -2574,7 +2574,7 @@
           <a:p>
             <a:fld id="{F353337E-5607-446D-AB74-7A5B8DCFC88F}" type="datetimeFigureOut">
               <a:rPr lang="fr-FR" smtClean="0"/>
-              <a:t>16/11/2017</a:t>
+              <a:t>17/11/2017</a:t>
             </a:fld>
             <a:endParaRPr lang="fr-FR"/>
           </a:p>
@@ -2893,7 +2893,7 @@
           <a:p>
             <a:fld id="{F353337E-5607-446D-AB74-7A5B8DCFC88F}" type="datetimeFigureOut">
               <a:rPr lang="fr-FR" smtClean="0"/>
-              <a:t>16/11/2017</a:t>
+              <a:t>17/11/2017</a:t>
             </a:fld>
             <a:endParaRPr lang="fr-FR"/>
           </a:p>
@@ -3189,7 +3189,7 @@
           <a:p>
             <a:fld id="{F353337E-5607-446D-AB74-7A5B8DCFC88F}" type="datetimeFigureOut">
               <a:rPr lang="fr-FR" smtClean="0"/>
-              <a:t>16/11/2017</a:t>
+              <a:t>17/11/2017</a:t>
             </a:fld>
             <a:endParaRPr lang="fr-FR"/>
           </a:p>
@@ -3438,7 +3438,7 @@
           <a:p>
             <a:fld id="{F353337E-5607-446D-AB74-7A5B8DCFC88F}" type="datetimeFigureOut">
               <a:rPr lang="fr-FR" smtClean="0"/>
-              <a:t>16/11/2017</a:t>
+              <a:t>17/11/2017</a:t>
             </a:fld>
             <a:endParaRPr lang="fr-FR"/>
           </a:p>
@@ -5342,13 +5342,13 @@
           <p:nvPr userDrawn="1"/>
         </p:nvPicPr>
         <p:blipFill>
-          <a:blip r:embed="rId13">
+          <a:blip r:embed="rId13" cstate="hqprint">
             <a:extLst>
               <a:ext uri="{28A0092B-C50C-407E-A947-70E740481C1C}">
                 <a14:useLocalDpi xmlns:a14="http://schemas.microsoft.com/office/drawing/2010/main" val="0"/>
               </a:ext>
               <a:ext uri="{837473B0-CC2E-450A-ABE3-18F120FF3D39}">
-                <a1611:picAttrSrcUrl xmlns:a1611="http://schemas.microsoft.com/office/drawing/2016/11/main" r:id="rId14"/>
+                <a1611:picAttrSrcUrl xmlns:a1611="http://schemas.microsoft.com/office/drawing/2016/11/main" xmlns="" r:id="rId14"/>
               </a:ext>
             </a:extLst>
           </a:blip>
@@ -5381,13 +5381,13 @@
           <p:nvPr userDrawn="1"/>
         </p:nvPicPr>
         <p:blipFill>
-          <a:blip r:embed="rId15">
+          <a:blip r:embed="rId15" cstate="hqprint">
             <a:extLst>
               <a:ext uri="{28A0092B-C50C-407E-A947-70E740481C1C}">
                 <a14:useLocalDpi xmlns:a14="http://schemas.microsoft.com/office/drawing/2010/main" val="0"/>
               </a:ext>
               <a:ext uri="{837473B0-CC2E-450A-ABE3-18F120FF3D39}">
-                <a1611:picAttrSrcUrl xmlns:a1611="http://schemas.microsoft.com/office/drawing/2016/11/main" r:id="rId16"/>
+                <a1611:picAttrSrcUrl xmlns:a1611="http://schemas.microsoft.com/office/drawing/2016/11/main" xmlns="" r:id="rId16"/>
               </a:ext>
             </a:extLst>
           </a:blip>
@@ -6004,6 +6004,13 @@
       <p:transition spd="slow" advClick="0"/>
     </mc:Fallback>
   </mc:AlternateContent>
+  <p:timing>
+    <p:tnLst>
+      <p:par>
+        <p:cTn id="1" dur="indefinite" restart="never" nodeType="tmRoot"/>
+      </p:par>
+    </p:tnLst>
+  </p:timing>
 </p:sld>
 </file>
 
@@ -6257,9 +6264,9 @@
         <p:grpSpPr>
           <a:xfrm>
             <a:off x="3734653" y="1441586"/>
-            <a:ext cx="4668683" cy="2816548"/>
+            <a:ext cx="4668683" cy="2764800"/>
             <a:chOff x="3729759" y="1615044"/>
-            <a:chExt cx="4722692" cy="3187251"/>
+            <a:chExt cx="4722692" cy="3157114"/>
           </a:xfrm>
         </p:grpSpPr>
         <p:grpSp>
@@ -6277,9 +6284,9 @@
           <p:grpSpPr>
             <a:xfrm>
               <a:off x="3729760" y="1615044"/>
-              <a:ext cx="4722691" cy="2576847"/>
+              <a:ext cx="4722691" cy="2546710"/>
               <a:chOff x="3675252" y="1056904"/>
-              <a:chExt cx="4722691" cy="2576847"/>
+              <a:chExt cx="4722691" cy="2546710"/>
             </a:xfrm>
           </p:grpSpPr>
           <p:sp>
@@ -6388,7 +6395,7 @@
             <p:spPr>
               <a:xfrm>
                 <a:off x="3675253" y="1793174"/>
-                <a:ext cx="4722690" cy="633062"/>
+                <a:ext cx="4722690" cy="602925"/>
               </a:xfrm>
               <a:prstGeom prst="rect">
                 <a:avLst/>
@@ -6463,7 +6470,7 @@
             </p:nvSpPr>
             <p:spPr>
               <a:xfrm>
-                <a:off x="3675253" y="2426236"/>
+                <a:off x="3675253" y="2396099"/>
                 <a:ext cx="4722690" cy="602925"/>
               </a:xfrm>
               <a:prstGeom prst="rect">
@@ -6535,7 +6542,7 @@
             </p:nvSpPr>
             <p:spPr>
               <a:xfrm>
-                <a:off x="3675252" y="3029161"/>
+                <a:off x="3675252" y="2999024"/>
                 <a:ext cx="4722690" cy="604590"/>
               </a:xfrm>
               <a:prstGeom prst="rect">
@@ -6609,7 +6616,7 @@
           </p:nvSpPr>
           <p:spPr>
             <a:xfrm>
-              <a:off x="3729759" y="4197705"/>
+              <a:off x="3729759" y="4167568"/>
               <a:ext cx="4722690" cy="604590"/>
             </a:xfrm>
             <a:prstGeom prst="rect">
@@ -6685,10 +6692,10 @@
         </p:nvGrpSpPr>
         <p:grpSpPr>
           <a:xfrm>
-            <a:off x="8824625" y="4051735"/>
+            <a:off x="8742617" y="3320113"/>
             <a:ext cx="1946294" cy="1243084"/>
-            <a:chOff x="3886200" y="2629127"/>
-            <a:chExt cx="1371600" cy="1485673"/>
+            <a:chOff x="3886200" y="2629126"/>
+            <a:chExt cx="1371600" cy="1485674"/>
           </a:xfrm>
         </p:grpSpPr>
         <p:sp>
@@ -6705,8 +6712,8 @@
           </p:nvSpPr>
           <p:spPr>
             <a:xfrm>
-              <a:off x="3886200" y="2743200"/>
-              <a:ext cx="1371600" cy="1371600"/>
+              <a:off x="3886200" y="2743199"/>
+              <a:ext cx="1371600" cy="1371601"/>
             </a:xfrm>
             <a:prstGeom prst="rect">
               <a:avLst/>
@@ -6754,7 +6761,7 @@
             <a:lstStyle/>
             <a:p>
               <a:r>
-                <a:rPr lang="en-US" sz="1200" dirty="0">
+                <a:rPr lang="en-US" sz="1200" b="1" dirty="0">
                   <a:solidFill>
                     <a:sysClr val="windowText" lastClr="000000"/>
                   </a:solidFill>
@@ -6784,7 +6791,7 @@
           </p:nvSpPr>
           <p:spPr>
             <a:xfrm rot="401918">
-              <a:off x="4290086" y="2629127"/>
+              <a:off x="4290086" y="2629126"/>
               <a:ext cx="563828" cy="215444"/>
             </a:xfrm>
             <a:prstGeom prst="rect">
@@ -6852,6 +6859,7 @@
       <p:sp>
         <p:nvSpPr>
           <p:cNvPr id="27" name="Content">
+            <a:hlinkClick r:id="rId14" action="ppaction://hlinksldjump"/>
             <a:extLst>
               <a:ext uri="{FF2B5EF4-FFF2-40B4-BE49-F238E27FC236}">
                 <a16:creationId xmlns:a16="http://schemas.microsoft.com/office/drawing/2014/main" id="{CAE245B8-DB6B-4505-A407-52163DED9D5B}"/>
@@ -6994,7 +7002,7 @@
         <p:sp>
           <p:nvSpPr>
             <p:cNvPr id="38" name="CheckBox">
-              <a:hlinkClick r:id="rId14" action="ppaction://hlinksldjump"/>
+              <a:hlinkClick r:id="rId15" action="ppaction://hlinksldjump"/>
               <a:extLst>
                 <a:ext uri="{FF2B5EF4-FFF2-40B4-BE49-F238E27FC236}">
                   <a16:creationId xmlns:a16="http://schemas.microsoft.com/office/drawing/2014/main" id="{3BE24CCA-0243-4B58-80C9-063FB9AB4EEB}"/>
@@ -7120,6 +7128,13 @@
       <p:transition spd="slow" advClick="0"/>
     </mc:Fallback>
   </mc:AlternateContent>
+  <p:timing>
+    <p:tnLst>
+      <p:par>
+        <p:cTn id="1" dur="indefinite" restart="never" nodeType="tmRoot"/>
+      </p:par>
+    </p:tnLst>
+  </p:timing>
 </p:sld>
 </file>
 
@@ -7373,9 +7388,9 @@
         <p:grpSpPr>
           <a:xfrm>
             <a:off x="3734653" y="1441586"/>
-            <a:ext cx="4668683" cy="2816548"/>
+            <a:ext cx="4668683" cy="2764800"/>
             <a:chOff x="3729759" y="1615044"/>
-            <a:chExt cx="4722692" cy="3187251"/>
+            <a:chExt cx="4722692" cy="3157114"/>
           </a:xfrm>
         </p:grpSpPr>
         <p:grpSp>
@@ -7393,9 +7408,9 @@
           <p:grpSpPr>
             <a:xfrm>
               <a:off x="3729760" y="1615044"/>
-              <a:ext cx="4722691" cy="2576847"/>
+              <a:ext cx="4722691" cy="2546710"/>
               <a:chOff x="3675252" y="1056904"/>
-              <a:chExt cx="4722691" cy="2576847"/>
+              <a:chExt cx="4722691" cy="2546710"/>
             </a:xfrm>
           </p:grpSpPr>
           <p:sp>
@@ -7504,7 +7519,7 @@
             <p:spPr>
               <a:xfrm>
                 <a:off x="3675253" y="1793174"/>
-                <a:ext cx="4722690" cy="633062"/>
+                <a:ext cx="4722690" cy="602925"/>
               </a:xfrm>
               <a:prstGeom prst="rect">
                 <a:avLst/>
@@ -7579,7 +7594,7 @@
             </p:nvSpPr>
             <p:spPr>
               <a:xfrm>
-                <a:off x="3675253" y="2426236"/>
+                <a:off x="3675253" y="2396099"/>
                 <a:ext cx="4722690" cy="602925"/>
               </a:xfrm>
               <a:prstGeom prst="rect">
@@ -7651,7 +7666,7 @@
             </p:nvSpPr>
             <p:spPr>
               <a:xfrm>
-                <a:off x="3675252" y="3029161"/>
+                <a:off x="3675252" y="2999024"/>
                 <a:ext cx="4722690" cy="604590"/>
               </a:xfrm>
               <a:prstGeom prst="rect">
@@ -7725,7 +7740,7 @@
           </p:nvSpPr>
           <p:spPr>
             <a:xfrm>
-              <a:off x="3729759" y="4197705"/>
+              <a:off x="3729759" y="4167568"/>
               <a:ext cx="4722690" cy="604590"/>
             </a:xfrm>
             <a:prstGeom prst="rect">
@@ -7783,9 +7798,327 @@
           </p:txBody>
         </p:sp>
       </p:grpSp>
+      <p:sp>
+        <p:nvSpPr>
+          <p:cNvPr id="27" name="Content">
+            <a:hlinkClick r:id="rId14" action="ppaction://hlinksldjump"/>
+            <a:extLst>
+              <a:ext uri="{FF2B5EF4-FFF2-40B4-BE49-F238E27FC236}">
+                <a16:creationId xmlns:a16="http://schemas.microsoft.com/office/drawing/2014/main" id="{CAE245B8-DB6B-4505-A407-52163DED9D5B}"/>
+              </a:ext>
+            </a:extLst>
+          </p:cNvPr>
+          <p:cNvSpPr/>
+          <p:nvPr>
+            <p:custDataLst>
+              <p:custData r:id="rId1"/>
+            </p:custDataLst>
+          </p:nvPr>
+        </p:nvSpPr>
+        <p:spPr>
+          <a:xfrm>
+            <a:off x="4670682" y="5749242"/>
+            <a:ext cx="2850636" cy="427510"/>
+          </a:xfrm>
+          <a:prstGeom prst="roundRect">
+            <a:avLst/>
+          </a:prstGeom>
+          <a:solidFill>
+            <a:srgbClr val="FF0000"/>
+          </a:solidFill>
+          <a:ln w="3175">
+            <a:solidFill>
+              <a:srgbClr val="000000">
+                <a:lumMod val="50000"/>
+                <a:lumOff val="50000"/>
+              </a:srgbClr>
+            </a:solidFill>
+          </a:ln>
+          <a:effectLst/>
+        </p:spPr>
+        <p:style>
+          <a:lnRef idx="2">
+            <a:srgbClr val="4F81BD">
+              <a:shade val="50000"/>
+            </a:srgbClr>
+          </a:lnRef>
+          <a:fillRef idx="1">
+            <a:srgbClr val="4F81BD"/>
+          </a:fillRef>
+          <a:effectRef idx="0">
+            <a:srgbClr val="4F81BD"/>
+          </a:effectRef>
+          <a:fontRef idx="minor">
+            <a:srgbClr val="000000"/>
+          </a:fontRef>
+        </p:style>
+        <p:txBody>
+          <a:bodyPr wrap="square" lIns="91440" tIns="0" rIns="91440" bIns="9144" rtlCol="0" anchor="ctr">
+            <a:noAutofit/>
+          </a:bodyPr>
+          <a:lstStyle/>
+          <a:p>
+            <a:pPr algn="ctr"/>
+            <a:r>
+              <a:rPr lang="en-US" sz="1200" b="1" dirty="0">
+                <a:latin typeface="Segoe UI" pitchFamily="34" charset="0"/>
+                <a:cs typeface="Segoe UI" pitchFamily="34" charset="0"/>
+              </a:rPr>
+              <a:t>VALIDER LE SONDAGE</a:t>
+            </a:r>
+            <a:endParaRPr lang="en-US" sz="1200" b="1" dirty="0">
+              <a:solidFill>
+                <a:srgbClr val="000000"/>
+              </a:solidFill>
+              <a:latin typeface="Segoe UI" pitchFamily="34" charset="0"/>
+              <a:cs typeface="Segoe UI" pitchFamily="34" charset="0"/>
+            </a:endParaRPr>
+          </a:p>
+        </p:txBody>
+      </p:sp>
+      <p:sp>
+        <p:nvSpPr>
+          <p:cNvPr id="14" name="Titre 13">
+            <a:extLst>
+              <a:ext uri="{FF2B5EF4-FFF2-40B4-BE49-F238E27FC236}">
+                <a16:creationId xmlns:a16="http://schemas.microsoft.com/office/drawing/2014/main" id="{38509D17-7AF3-4D58-9C42-7E48670BC38B}"/>
+              </a:ext>
+            </a:extLst>
+          </p:cNvPr>
+          <p:cNvSpPr>
+            <a:spLocks noGrp="1"/>
+          </p:cNvSpPr>
+          <p:nvPr>
+            <p:ph type="title" idx="4294967295"/>
+          </p:nvPr>
+        </p:nvSpPr>
+        <p:spPr>
+          <a:xfrm>
+            <a:off x="838200" y="-680767"/>
+            <a:ext cx="10515600" cy="650637"/>
+          </a:xfrm>
+          <a:prstGeom prst="rect">
+            <a:avLst/>
+          </a:prstGeom>
+        </p:spPr>
+        <p:txBody>
+          <a:bodyPr/>
+          <a:lstStyle/>
+          <a:p>
+            <a:r>
+              <a:rPr lang="fr-FR" dirty="0"/>
+              <a:t>Sondage : Choix=3 </a:t>
+            </a:r>
+            <a:r>
+              <a:rPr lang="fr-FR" dirty="0" err="1"/>
+              <a:t>ChoixMultiple</a:t>
+            </a:r>
+            <a:r>
+              <a:rPr lang="fr-FR" dirty="0"/>
+              <a:t>=0</a:t>
+            </a:r>
+          </a:p>
+        </p:txBody>
+      </p:sp>
       <p:grpSp>
         <p:nvGrpSpPr>
-          <p:cNvPr id="21" name="StickyNote">
+          <p:cNvPr id="24" name="CheckBoxChecked">
+            <a:extLst>
+              <a:ext uri="{FF2B5EF4-FFF2-40B4-BE49-F238E27FC236}">
+                <a16:creationId xmlns:a16="http://schemas.microsoft.com/office/drawing/2014/main" id="{0D4FFFAF-1D19-4FF5-9A8E-1E8DB7BF7D71}"/>
+              </a:ext>
+            </a:extLst>
+          </p:cNvPr>
+          <p:cNvGrpSpPr/>
+          <p:nvPr>
+            <p:custDataLst>
+              <p:custData r:id="rId2"/>
+            </p:custDataLst>
+          </p:nvPr>
+        </p:nvGrpSpPr>
+        <p:grpSpPr>
+          <a:xfrm>
+            <a:off x="3733200" y="5184000"/>
+            <a:ext cx="1292400" cy="230832"/>
+            <a:chOff x="4317072" y="3312427"/>
+            <a:chExt cx="1288511" cy="230832"/>
+          </a:xfrm>
+        </p:grpSpPr>
+        <p:grpSp>
+          <p:nvGrpSpPr>
+            <p:cNvPr id="25" name="Group 2">
+              <a:extLst>
+                <a:ext uri="{FF2B5EF4-FFF2-40B4-BE49-F238E27FC236}">
+                  <a16:creationId xmlns:a16="http://schemas.microsoft.com/office/drawing/2014/main" id="{B6701FC7-B36A-4718-A2F5-DD2D8D0971BB}"/>
+                </a:ext>
+              </a:extLst>
+            </p:cNvPr>
+            <p:cNvGrpSpPr/>
+            <p:nvPr/>
+          </p:nvGrpSpPr>
+          <p:grpSpPr>
+            <a:xfrm>
+              <a:off x="4354470" y="3312427"/>
+              <a:ext cx="1251113" cy="230832"/>
+              <a:chOff x="5179842" y="2087451"/>
+              <a:chExt cx="1172540" cy="216403"/>
+            </a:xfrm>
+          </p:grpSpPr>
+          <p:sp>
+            <p:nvSpPr>
+              <p:cNvPr id="28" name="Content">
+                <a:extLst>
+                  <a:ext uri="{FF2B5EF4-FFF2-40B4-BE49-F238E27FC236}">
+                    <a16:creationId xmlns:a16="http://schemas.microsoft.com/office/drawing/2014/main" id="{35EB55CF-4975-4FDD-9D9F-67AAA63D70CA}"/>
+                  </a:ext>
+                </a:extLst>
+              </p:cNvPr>
+              <p:cNvSpPr txBox="1"/>
+              <p:nvPr/>
+            </p:nvSpPr>
+            <p:spPr>
+              <a:xfrm>
+                <a:off x="5179843" y="2087451"/>
+                <a:ext cx="1172539" cy="216403"/>
+              </a:xfrm>
+              <a:prstGeom prst="rect">
+                <a:avLst/>
+              </a:prstGeom>
+              <a:noFill/>
+            </p:spPr>
+            <p:txBody>
+              <a:bodyPr wrap="none" lIns="164592" tIns="18288" rIns="45720" bIns="27432" rtlCol="0" anchor="ctr" anchorCtr="0">
+                <a:spAutoFit/>
+              </a:bodyPr>
+              <a:lstStyle/>
+              <a:p>
+                <a:r>
+                  <a:rPr lang="en-US" sz="1200" dirty="0">
+                    <a:latin typeface="Segoe UI" pitchFamily="34" charset="0"/>
+                    <a:ea typeface="Segoe UI" pitchFamily="34" charset="0"/>
+                    <a:cs typeface="Segoe UI" pitchFamily="34" charset="0"/>
+                  </a:rPr>
+                  <a:t>Choix multiples</a:t>
+                </a:r>
+              </a:p>
+            </p:txBody>
+          </p:sp>
+          <p:sp>
+            <p:nvSpPr>
+              <p:cNvPr id="29" name="CheckBox">
+                <a:extLst>
+                  <a:ext uri="{FF2B5EF4-FFF2-40B4-BE49-F238E27FC236}">
+                    <a16:creationId xmlns:a16="http://schemas.microsoft.com/office/drawing/2014/main" id="{E0C5CD31-0554-4F23-B0CD-FC1A66C1B014}"/>
+                  </a:ext>
+                </a:extLst>
+              </p:cNvPr>
+              <p:cNvSpPr/>
+              <p:nvPr/>
+            </p:nvSpPr>
+            <p:spPr>
+              <a:xfrm>
+                <a:off x="5179842" y="2150901"/>
+                <a:ext cx="100012" cy="97631"/>
+              </a:xfrm>
+              <a:prstGeom prst="rect">
+                <a:avLst/>
+              </a:prstGeom>
+              <a:solidFill>
+                <a:srgbClr val="FFFFFF"/>
+              </a:solidFill>
+              <a:ln w="3175">
+                <a:solidFill>
+                  <a:srgbClr val="FFFFFF">
+                    <a:lumMod val="65000"/>
+                  </a:srgbClr>
+                </a:solidFill>
+              </a:ln>
+              <a:effectLst>
+                <a:innerShdw blurRad="63500">
+                  <a:prstClr val="black">
+                    <a:alpha val="17000"/>
+                  </a:prstClr>
+                </a:innerShdw>
+              </a:effectLst>
+            </p:spPr>
+            <p:style>
+              <a:lnRef idx="2">
+                <a:srgbClr val="4F81BD">
+                  <a:shade val="50000"/>
+                </a:srgbClr>
+              </a:lnRef>
+              <a:fillRef idx="1">
+                <a:srgbClr val="4F81BD"/>
+              </a:fillRef>
+              <a:effectRef idx="0">
+                <a:srgbClr val="4F81BD"/>
+              </a:effectRef>
+              <a:fontRef idx="minor">
+                <a:srgbClr val="000000"/>
+              </a:fontRef>
+            </p:style>
+            <p:txBody>
+              <a:bodyPr rtlCol="0" anchor="ctr"/>
+              <a:lstStyle/>
+              <a:p>
+                <a:pPr algn="ctr"/>
+                <a:endParaRPr lang="en-US" dirty="0"/>
+              </a:p>
+            </p:txBody>
+          </p:sp>
+        </p:grpSp>
+        <p:pic>
+          <p:nvPicPr>
+            <p:cNvPr id="26" name="Check" descr="C:\Users\t-dantay\Documents\WPIcons\appbar.check.rest.png">
+              <a:hlinkClick r:id="rId15" action="ppaction://hlinksldjump"/>
+              <a:extLst>
+                <a:ext uri="{FF2B5EF4-FFF2-40B4-BE49-F238E27FC236}">
+                  <a16:creationId xmlns:a16="http://schemas.microsoft.com/office/drawing/2014/main" id="{BB274C38-FACE-4E56-8D70-C8DD13D35A6A}"/>
+                </a:ext>
+              </a:extLst>
+            </p:cNvPr>
+            <p:cNvPicPr>
+              <a:picLocks noChangeAspect="1" noChangeArrowheads="1"/>
+            </p:cNvPicPr>
+            <p:nvPr/>
+          </p:nvPicPr>
+          <p:blipFill>
+            <a:blip r:embed="rId16" cstate="print">
+              <a:extLst>
+                <a:ext uri="{28A0092B-C50C-407E-A947-70E740481C1C}">
+                  <a14:useLocalDpi xmlns:a14="http://schemas.microsoft.com/office/drawing/2010/main" val="0"/>
+                </a:ext>
+              </a:extLst>
+            </a:blip>
+            <a:srcRect/>
+            <a:stretch>
+              <a:fillRect/>
+            </a:stretch>
+          </p:blipFill>
+          <p:spPr bwMode="auto">
+            <a:xfrm>
+              <a:off x="4317072" y="3344359"/>
+              <a:ext cx="182880" cy="182880"/>
+            </a:xfrm>
+            <a:prstGeom prst="rect">
+              <a:avLst/>
+            </a:prstGeom>
+            <a:noFill/>
+            <a:extLst>
+              <a:ext uri="{909E8E84-426E-40DD-AFC4-6F175D3DCCD1}">
+                <a14:hiddenFill xmlns:a14="http://schemas.microsoft.com/office/drawing/2010/main">
+                  <a:solidFill>
+                    <a:srgbClr val="FFFFFF"/>
+                  </a:solidFill>
+                </a14:hiddenFill>
+              </a:ext>
+            </a:extLst>
+          </p:spPr>
+        </p:pic>
+      </p:grpSp>
+      <p:grpSp>
+        <p:nvGrpSpPr>
+          <p:cNvPr id="30" name="StickyNote">
             <a:extLst>
               <a:ext uri="{FF2B5EF4-FFF2-40B4-BE49-F238E27FC236}">
                 <a16:creationId xmlns:a16="http://schemas.microsoft.com/office/drawing/2014/main" id="{2470C0E2-9D5F-4914-85E4-50E451E41F96}"/>
@@ -7795,21 +8128,21 @@
           <p:cNvGrpSpPr/>
           <p:nvPr>
             <p:custDataLst>
-              <p:custData r:id="rId1"/>
+              <p:custData r:id="rId3"/>
             </p:custDataLst>
           </p:nvPr>
         </p:nvGrpSpPr>
         <p:grpSpPr>
           <a:xfrm>
-            <a:off x="8824625" y="4051735"/>
+            <a:off x="8742617" y="3320113"/>
             <a:ext cx="1946294" cy="1243084"/>
-            <a:chOff x="3886200" y="2629127"/>
-            <a:chExt cx="1371600" cy="1485673"/>
+            <a:chOff x="3886200" y="2629126"/>
+            <a:chExt cx="1371600" cy="1485674"/>
           </a:xfrm>
         </p:grpSpPr>
         <p:sp>
           <p:nvSpPr>
-            <p:cNvPr id="22" name="Content">
+            <p:cNvPr id="31" name="Content">
               <a:extLst>
                 <a:ext uri="{FF2B5EF4-FFF2-40B4-BE49-F238E27FC236}">
                   <a16:creationId xmlns:a16="http://schemas.microsoft.com/office/drawing/2014/main" id="{71878AA6-7BFF-4E1B-9182-1586E5A8FE64}"/>
@@ -7821,8 +8154,8 @@
           </p:nvSpPr>
           <p:spPr>
             <a:xfrm>
-              <a:off x="3886200" y="2743200"/>
-              <a:ext cx="1371600" cy="1371600"/>
+              <a:off x="3886200" y="2743199"/>
+              <a:ext cx="1371600" cy="1371601"/>
             </a:xfrm>
             <a:prstGeom prst="rect">
               <a:avLst/>
@@ -7870,7 +8203,7 @@
             <a:lstStyle/>
             <a:p>
               <a:r>
-                <a:rPr lang="en-US" sz="1200" dirty="0">
+                <a:rPr lang="en-US" sz="1200" b="1" dirty="0">
                   <a:solidFill>
                     <a:sysClr val="windowText" lastClr="000000"/>
                   </a:solidFill>
@@ -7884,7 +8217,7 @@
         </p:sp>
         <p:sp>
           <p:nvSpPr>
-            <p:cNvPr id="23" name="Tape">
+            <p:cNvPr id="32" name="Tape">
               <a:extLst>
                 <a:ext uri="{FF2B5EF4-FFF2-40B4-BE49-F238E27FC236}">
                   <a16:creationId xmlns:a16="http://schemas.microsoft.com/office/drawing/2014/main" id="{4235CD70-6F9F-4273-8667-2D9A6EB2EB4E}"/>
@@ -7900,7 +8233,7 @@
           </p:nvSpPr>
           <p:spPr>
             <a:xfrm rot="401918">
-              <a:off x="4290086" y="2629127"/>
+              <a:off x="4290086" y="2629126"/>
               <a:ext cx="563828" cy="215444"/>
             </a:xfrm>
             <a:prstGeom prst="rect">
@@ -7965,330 +8298,10 @@
           </p:txBody>
         </p:sp>
       </p:grpSp>
-      <p:sp>
-        <p:nvSpPr>
-          <p:cNvPr id="27" name="Content">
-            <a:extLst>
-              <a:ext uri="{FF2B5EF4-FFF2-40B4-BE49-F238E27FC236}">
-                <a16:creationId xmlns:a16="http://schemas.microsoft.com/office/drawing/2014/main" id="{CAE245B8-DB6B-4505-A407-52163DED9D5B}"/>
-              </a:ext>
-            </a:extLst>
-          </p:cNvPr>
-          <p:cNvSpPr/>
-          <p:nvPr>
-            <p:custDataLst>
-              <p:custData r:id="rId2"/>
-            </p:custDataLst>
-          </p:nvPr>
-        </p:nvSpPr>
-        <p:spPr>
-          <a:xfrm>
-            <a:off x="4670682" y="5749242"/>
-            <a:ext cx="2850636" cy="427510"/>
-          </a:xfrm>
-          <a:prstGeom prst="roundRect">
-            <a:avLst/>
-          </a:prstGeom>
-          <a:solidFill>
-            <a:srgbClr val="FF0000"/>
-          </a:solidFill>
-          <a:ln w="3175">
-            <a:solidFill>
-              <a:srgbClr val="000000">
-                <a:lumMod val="50000"/>
-                <a:lumOff val="50000"/>
-              </a:srgbClr>
-            </a:solidFill>
-          </a:ln>
-          <a:effectLst/>
-        </p:spPr>
-        <p:style>
-          <a:lnRef idx="2">
-            <a:srgbClr val="4F81BD">
-              <a:shade val="50000"/>
-            </a:srgbClr>
-          </a:lnRef>
-          <a:fillRef idx="1">
-            <a:srgbClr val="4F81BD"/>
-          </a:fillRef>
-          <a:effectRef idx="0">
-            <a:srgbClr val="4F81BD"/>
-          </a:effectRef>
-          <a:fontRef idx="minor">
-            <a:srgbClr val="000000"/>
-          </a:fontRef>
-        </p:style>
-        <p:txBody>
-          <a:bodyPr wrap="square" lIns="91440" tIns="0" rIns="91440" bIns="9144" rtlCol="0" anchor="ctr">
-            <a:noAutofit/>
-          </a:bodyPr>
-          <a:lstStyle/>
-          <a:p>
-            <a:pPr algn="ctr"/>
-            <a:r>
-              <a:rPr lang="en-US" sz="1200" b="1" dirty="0">
-                <a:latin typeface="Segoe UI" pitchFamily="34" charset="0"/>
-                <a:cs typeface="Segoe UI" pitchFamily="34" charset="0"/>
-              </a:rPr>
-              <a:t>VALIDER LE SONDAGE</a:t>
-            </a:r>
-            <a:endParaRPr lang="en-US" sz="1200" b="1" dirty="0">
-              <a:solidFill>
-                <a:srgbClr val="000000"/>
-              </a:solidFill>
-              <a:latin typeface="Segoe UI" pitchFamily="34" charset="0"/>
-              <a:cs typeface="Segoe UI" pitchFamily="34" charset="0"/>
-            </a:endParaRPr>
-          </a:p>
-        </p:txBody>
-      </p:sp>
-      <p:grpSp>
-        <p:nvGrpSpPr>
-          <p:cNvPr id="28" name="CheckBoxChecked">
-            <a:extLst>
-              <a:ext uri="{FF2B5EF4-FFF2-40B4-BE49-F238E27FC236}">
-                <a16:creationId xmlns:a16="http://schemas.microsoft.com/office/drawing/2014/main" id="{0D4FFFAF-1D19-4FF5-9A8E-1E8DB7BF7D71}"/>
-              </a:ext>
-            </a:extLst>
-          </p:cNvPr>
-          <p:cNvGrpSpPr/>
-          <p:nvPr>
-            <p:custDataLst>
-              <p:custData r:id="rId3"/>
-            </p:custDataLst>
-          </p:nvPr>
-        </p:nvGrpSpPr>
-        <p:grpSpPr>
-          <a:xfrm>
-            <a:off x="3733200" y="5184000"/>
-            <a:ext cx="1292400" cy="230832"/>
-            <a:chOff x="4317072" y="3312427"/>
-            <a:chExt cx="1288511" cy="230832"/>
-          </a:xfrm>
-        </p:grpSpPr>
-        <p:grpSp>
-          <p:nvGrpSpPr>
-            <p:cNvPr id="29" name="Group 2">
-              <a:extLst>
-                <a:ext uri="{FF2B5EF4-FFF2-40B4-BE49-F238E27FC236}">
-                  <a16:creationId xmlns:a16="http://schemas.microsoft.com/office/drawing/2014/main" id="{B6701FC7-B36A-4718-A2F5-DD2D8D0971BB}"/>
-                </a:ext>
-              </a:extLst>
-            </p:cNvPr>
-            <p:cNvGrpSpPr/>
-            <p:nvPr/>
-          </p:nvGrpSpPr>
-          <p:grpSpPr>
-            <a:xfrm>
-              <a:off x="4354470" y="3312427"/>
-              <a:ext cx="1251113" cy="230832"/>
-              <a:chOff x="5179842" y="2087451"/>
-              <a:chExt cx="1172540" cy="216403"/>
-            </a:xfrm>
-          </p:grpSpPr>
-          <p:sp>
-            <p:nvSpPr>
-              <p:cNvPr id="31" name="Content">
-                <a:extLst>
-                  <a:ext uri="{FF2B5EF4-FFF2-40B4-BE49-F238E27FC236}">
-                    <a16:creationId xmlns:a16="http://schemas.microsoft.com/office/drawing/2014/main" id="{35EB55CF-4975-4FDD-9D9F-67AAA63D70CA}"/>
-                  </a:ext>
-                </a:extLst>
-              </p:cNvPr>
-              <p:cNvSpPr txBox="1"/>
-              <p:nvPr/>
-            </p:nvSpPr>
-            <p:spPr>
-              <a:xfrm>
-                <a:off x="5179843" y="2087451"/>
-                <a:ext cx="1172539" cy="216403"/>
-              </a:xfrm>
-              <a:prstGeom prst="rect">
-                <a:avLst/>
-              </a:prstGeom>
-              <a:noFill/>
-            </p:spPr>
-            <p:txBody>
-              <a:bodyPr wrap="none" lIns="164592" tIns="18288" rIns="45720" bIns="27432" rtlCol="0" anchor="ctr" anchorCtr="0">
-                <a:spAutoFit/>
-              </a:bodyPr>
-              <a:lstStyle/>
-              <a:p>
-                <a:r>
-                  <a:rPr lang="en-US" sz="1200" dirty="0">
-                    <a:latin typeface="Segoe UI" pitchFamily="34" charset="0"/>
-                    <a:ea typeface="Segoe UI" pitchFamily="34" charset="0"/>
-                    <a:cs typeface="Segoe UI" pitchFamily="34" charset="0"/>
-                  </a:rPr>
-                  <a:t>Choix multiples</a:t>
-                </a:r>
-              </a:p>
-            </p:txBody>
-          </p:sp>
-          <p:sp>
-            <p:nvSpPr>
-              <p:cNvPr id="32" name="CheckBox">
-                <a:extLst>
-                  <a:ext uri="{FF2B5EF4-FFF2-40B4-BE49-F238E27FC236}">
-                    <a16:creationId xmlns:a16="http://schemas.microsoft.com/office/drawing/2014/main" id="{E0C5CD31-0554-4F23-B0CD-FC1A66C1B014}"/>
-                  </a:ext>
-                </a:extLst>
-              </p:cNvPr>
-              <p:cNvSpPr/>
-              <p:nvPr/>
-            </p:nvSpPr>
-            <p:spPr>
-              <a:xfrm>
-                <a:off x="5179842" y="2150901"/>
-                <a:ext cx="100012" cy="97631"/>
-              </a:xfrm>
-              <a:prstGeom prst="rect">
-                <a:avLst/>
-              </a:prstGeom>
-              <a:solidFill>
-                <a:srgbClr val="FFFFFF"/>
-              </a:solidFill>
-              <a:ln w="3175">
-                <a:solidFill>
-                  <a:srgbClr val="FFFFFF">
-                    <a:lumMod val="65000"/>
-                  </a:srgbClr>
-                </a:solidFill>
-              </a:ln>
-              <a:effectLst>
-                <a:innerShdw blurRad="63500">
-                  <a:prstClr val="black">
-                    <a:alpha val="17000"/>
-                  </a:prstClr>
-                </a:innerShdw>
-              </a:effectLst>
-            </p:spPr>
-            <p:style>
-              <a:lnRef idx="2">
-                <a:srgbClr val="4F81BD">
-                  <a:shade val="50000"/>
-                </a:srgbClr>
-              </a:lnRef>
-              <a:fillRef idx="1">
-                <a:srgbClr val="4F81BD"/>
-              </a:fillRef>
-              <a:effectRef idx="0">
-                <a:srgbClr val="4F81BD"/>
-              </a:effectRef>
-              <a:fontRef idx="minor">
-                <a:srgbClr val="000000"/>
-              </a:fontRef>
-            </p:style>
-            <p:txBody>
-              <a:bodyPr rtlCol="0" anchor="ctr"/>
-              <a:lstStyle/>
-              <a:p>
-                <a:pPr algn="ctr"/>
-                <a:endParaRPr lang="en-US" dirty="0"/>
-              </a:p>
-            </p:txBody>
-          </p:sp>
-        </p:grpSp>
-        <p:pic>
-          <p:nvPicPr>
-            <p:cNvPr id="30" name="Check" descr="C:\Users\t-dantay\Documents\WPIcons\appbar.check.rest.png">
-              <a:extLst>
-                <a:ext uri="{FF2B5EF4-FFF2-40B4-BE49-F238E27FC236}">
-                  <a16:creationId xmlns:a16="http://schemas.microsoft.com/office/drawing/2014/main" id="{BB274C38-FACE-4E56-8D70-C8DD13D35A6A}"/>
-                </a:ext>
-              </a:extLst>
-            </p:cNvPr>
-            <p:cNvPicPr>
-              <a:picLocks noChangeAspect="1" noChangeArrowheads="1"/>
-            </p:cNvPicPr>
-            <p:nvPr/>
-          </p:nvPicPr>
-          <p:blipFill>
-            <a:blip r:embed="rId14" cstate="print">
-              <a:extLst>
-                <a:ext uri="{28A0092B-C50C-407E-A947-70E740481C1C}">
-                  <a14:useLocalDpi xmlns:a14="http://schemas.microsoft.com/office/drawing/2010/main" val="0"/>
-                </a:ext>
-              </a:extLst>
-            </a:blip>
-            <a:srcRect/>
-            <a:stretch>
-              <a:fillRect/>
-            </a:stretch>
-          </p:blipFill>
-          <p:spPr bwMode="auto">
-            <a:xfrm>
-              <a:off x="4317072" y="3344359"/>
-              <a:ext cx="182880" cy="182880"/>
-            </a:xfrm>
-            <a:prstGeom prst="rect">
-              <a:avLst/>
-            </a:prstGeom>
-            <a:noFill/>
-            <a:extLst>
-              <a:ext uri="{909E8E84-426E-40DD-AFC4-6F175D3DCCD1}">
-                <a14:hiddenFill xmlns:a14="http://schemas.microsoft.com/office/drawing/2010/main">
-                  <a:solidFill>
-                    <a:srgbClr val="FFFFFF"/>
-                  </a:solidFill>
-                </a14:hiddenFill>
-              </a:ext>
-            </a:extLst>
-          </p:spPr>
-        </p:pic>
-      </p:grpSp>
-      <p:sp>
-        <p:nvSpPr>
-          <p:cNvPr id="14" name="Titre 13">
-            <a:extLst>
-              <a:ext uri="{FF2B5EF4-FFF2-40B4-BE49-F238E27FC236}">
-                <a16:creationId xmlns:a16="http://schemas.microsoft.com/office/drawing/2014/main" id="{003BF168-D598-45FE-8D35-F09ACC74BD6F}"/>
-              </a:ext>
-            </a:extLst>
-          </p:cNvPr>
-          <p:cNvSpPr>
-            <a:spLocks noGrp="1"/>
-          </p:cNvSpPr>
-          <p:nvPr>
-            <p:ph type="title" idx="4294967295"/>
-          </p:nvPr>
-        </p:nvSpPr>
-        <p:spPr>
-          <a:xfrm>
-            <a:off x="838200" y="-689861"/>
-            <a:ext cx="10515600" cy="640339"/>
-          </a:xfrm>
-          <a:prstGeom prst="rect">
-            <a:avLst/>
-          </a:prstGeom>
-        </p:spPr>
-        <p:txBody>
-          <a:bodyPr/>
-          <a:lstStyle/>
-          <a:p>
-            <a:r>
-              <a:rPr lang="fr-FR" dirty="0"/>
-              <a:t>Sondage : Choix=3 </a:t>
-            </a:r>
-            <a:r>
-              <a:rPr lang="fr-FR" dirty="0" err="1"/>
-              <a:t>ChoixMultiple</a:t>
-            </a:r>
-            <a:r>
-              <a:rPr lang="fr-FR" dirty="0"/>
-              <a:t>=1</a:t>
-            </a:r>
-            <a:br>
-              <a:rPr lang="fr-FR" dirty="0"/>
-            </a:br>
-            <a:endParaRPr lang="fr-FR" dirty="0"/>
-          </a:p>
-        </p:txBody>
-      </p:sp>
     </p:spTree>
     <p:extLst>
       <p:ext uri="{BB962C8B-B14F-4D97-AF65-F5344CB8AC3E}">
-        <p14:creationId xmlns:p14="http://schemas.microsoft.com/office/powerpoint/2010/main" val="3733227438"/>
+        <p14:creationId xmlns:p14="http://schemas.microsoft.com/office/powerpoint/2010/main" val="1037965918"/>
       </p:ext>
     </p:extLst>
   </p:cSld>
@@ -8303,6 +8316,13 @@
       <p:transition spd="slow" advClick="0"/>
     </mc:Fallback>
   </mc:AlternateContent>
+  <p:timing>
+    <p:tnLst>
+      <p:par>
+        <p:cTn id="1" dur="indefinite" restart="never" nodeType="tmRoot"/>
+      </p:par>
+    </p:tnLst>
+  </p:timing>
 </p:sld>
 </file>
 
@@ -8541,32 +8561,158 @@
           </p:txBody>
         </p:sp>
       </p:grpSp>
+      <p:sp>
+        <p:nvSpPr>
+          <p:cNvPr id="27" name="Content">
+            <a:hlinkClick r:id="rId14" action="ppaction://hlinksldjump"/>
+            <a:extLst>
+              <a:ext uri="{FF2B5EF4-FFF2-40B4-BE49-F238E27FC236}">
+                <a16:creationId xmlns:a16="http://schemas.microsoft.com/office/drawing/2014/main" id="{CAE245B8-DB6B-4505-A407-52163DED9D5B}"/>
+              </a:ext>
+            </a:extLst>
+          </p:cNvPr>
+          <p:cNvSpPr/>
+          <p:nvPr>
+            <p:custDataLst>
+              <p:custData r:id="rId1"/>
+            </p:custDataLst>
+          </p:nvPr>
+        </p:nvSpPr>
+        <p:spPr>
+          <a:xfrm>
+            <a:off x="4670682" y="5749242"/>
+            <a:ext cx="2850636" cy="427510"/>
+          </a:xfrm>
+          <a:prstGeom prst="roundRect">
+            <a:avLst/>
+          </a:prstGeom>
+          <a:solidFill>
+            <a:srgbClr val="FF0000"/>
+          </a:solidFill>
+          <a:ln w="3175">
+            <a:solidFill>
+              <a:srgbClr val="000000">
+                <a:lumMod val="50000"/>
+                <a:lumOff val="50000"/>
+              </a:srgbClr>
+            </a:solidFill>
+          </a:ln>
+          <a:effectLst/>
+        </p:spPr>
+        <p:style>
+          <a:lnRef idx="2">
+            <a:srgbClr val="4F81BD">
+              <a:shade val="50000"/>
+            </a:srgbClr>
+          </a:lnRef>
+          <a:fillRef idx="1">
+            <a:srgbClr val="4F81BD"/>
+          </a:fillRef>
+          <a:effectRef idx="0">
+            <a:srgbClr val="4F81BD"/>
+          </a:effectRef>
+          <a:fontRef idx="minor">
+            <a:srgbClr val="000000"/>
+          </a:fontRef>
+        </p:style>
+        <p:txBody>
+          <a:bodyPr wrap="square" lIns="91440" tIns="0" rIns="91440" bIns="9144" rtlCol="0" anchor="ctr">
+            <a:noAutofit/>
+          </a:bodyPr>
+          <a:lstStyle/>
+          <a:p>
+            <a:pPr algn="ctr"/>
+            <a:r>
+              <a:rPr lang="en-US" sz="1200" b="1" dirty="0">
+                <a:latin typeface="Segoe UI" pitchFamily="34" charset="0"/>
+                <a:cs typeface="Segoe UI" pitchFamily="34" charset="0"/>
+              </a:rPr>
+              <a:t>VALIDER LE SONDAGE</a:t>
+            </a:r>
+            <a:endParaRPr lang="en-US" sz="1200" b="1" dirty="0">
+              <a:solidFill>
+                <a:srgbClr val="000000"/>
+              </a:solidFill>
+              <a:latin typeface="Segoe UI" pitchFamily="34" charset="0"/>
+              <a:cs typeface="Segoe UI" pitchFamily="34" charset="0"/>
+            </a:endParaRPr>
+          </a:p>
+        </p:txBody>
+      </p:sp>
+      <p:sp>
+        <p:nvSpPr>
+          <p:cNvPr id="14" name="Titre 13">
+            <a:extLst>
+              <a:ext uri="{FF2B5EF4-FFF2-40B4-BE49-F238E27FC236}">
+                <a16:creationId xmlns:a16="http://schemas.microsoft.com/office/drawing/2014/main" id="{38509D17-7AF3-4D58-9C42-7E48670BC38B}"/>
+              </a:ext>
+            </a:extLst>
+          </p:cNvPr>
+          <p:cNvSpPr>
+            <a:spLocks noGrp="1"/>
+          </p:cNvSpPr>
+          <p:nvPr>
+            <p:ph type="title" idx="4294967295"/>
+          </p:nvPr>
+        </p:nvSpPr>
+        <p:spPr>
+          <a:xfrm>
+            <a:off x="838200" y="-680767"/>
+            <a:ext cx="10515600" cy="650637"/>
+          </a:xfrm>
+          <a:prstGeom prst="rect">
+            <a:avLst/>
+          </a:prstGeom>
+        </p:spPr>
+        <p:txBody>
+          <a:bodyPr/>
+          <a:lstStyle/>
+          <a:p>
+            <a:r>
+              <a:rPr lang="fr-FR" dirty="0"/>
+              <a:t>Sondage : Choix=3 </a:t>
+            </a:r>
+            <a:r>
+              <a:rPr lang="fr-FR" dirty="0" err="1"/>
+              <a:t>ChoixMultiple</a:t>
+            </a:r>
+            <a:r>
+              <a:rPr lang="fr-FR" dirty="0"/>
+              <a:t>=0</a:t>
+            </a:r>
+          </a:p>
+        </p:txBody>
+      </p:sp>
       <p:grpSp>
         <p:nvGrpSpPr>
-          <p:cNvPr id="7" name="Groupe 6">
+          <p:cNvPr id="24" name="CheckBoxChecked">
             <a:extLst>
               <a:ext uri="{FF2B5EF4-FFF2-40B4-BE49-F238E27FC236}">
-                <a16:creationId xmlns:a16="http://schemas.microsoft.com/office/drawing/2014/main" id="{2F7C9145-B866-40D7-9424-48FF2FBAF2B9}"/>
+                <a16:creationId xmlns:a16="http://schemas.microsoft.com/office/drawing/2014/main" id="{0D4FFFAF-1D19-4FF5-9A8E-1E8DB7BF7D71}"/>
               </a:ext>
             </a:extLst>
           </p:cNvPr>
           <p:cNvGrpSpPr/>
-          <p:nvPr/>
+          <p:nvPr>
+            <p:custDataLst>
+              <p:custData r:id="rId2"/>
+            </p:custDataLst>
+          </p:nvPr>
         </p:nvGrpSpPr>
         <p:grpSpPr>
           <a:xfrm>
-            <a:off x="3733199" y="1441586"/>
-            <a:ext cx="4670137" cy="3351584"/>
-            <a:chOff x="3728288" y="1615044"/>
-            <a:chExt cx="4724163" cy="3792706"/>
+            <a:off x="3733200" y="5184000"/>
+            <a:ext cx="1292400" cy="230832"/>
+            <a:chOff x="4317072" y="3312427"/>
+            <a:chExt cx="1288511" cy="230832"/>
           </a:xfrm>
         </p:grpSpPr>
         <p:grpSp>
           <p:nvGrpSpPr>
-            <p:cNvPr id="8" name="Groupe 7">
+            <p:cNvPr id="25" name="Group 2">
               <a:extLst>
                 <a:ext uri="{FF2B5EF4-FFF2-40B4-BE49-F238E27FC236}">
-                  <a16:creationId xmlns:a16="http://schemas.microsoft.com/office/drawing/2014/main" id="{977D3A8E-59AE-4144-846F-209D962C950D}"/>
+                  <a16:creationId xmlns:a16="http://schemas.microsoft.com/office/drawing/2014/main" id="{B6701FC7-B36A-4718-A2F5-DD2D8D0971BB}"/>
                 </a:ext>
               </a:extLst>
             </p:cNvPr>
@@ -8575,48 +8721,88 @@
           </p:nvGrpSpPr>
           <p:grpSpPr>
             <a:xfrm>
-              <a:off x="3729760" y="1615044"/>
-              <a:ext cx="4722691" cy="2576847"/>
-              <a:chOff x="3675252" y="1056904"/>
-              <a:chExt cx="4722691" cy="2576847"/>
+              <a:off x="4354470" y="3312427"/>
+              <a:ext cx="1251113" cy="230832"/>
+              <a:chOff x="5179842" y="2087451"/>
+              <a:chExt cx="1172540" cy="216403"/>
             </a:xfrm>
           </p:grpSpPr>
           <p:sp>
             <p:nvSpPr>
-              <p:cNvPr id="10" name="Content">
+              <p:cNvPr id="28" name="Content">
                 <a:extLst>
                   <a:ext uri="{FF2B5EF4-FFF2-40B4-BE49-F238E27FC236}">
-                    <a16:creationId xmlns:a16="http://schemas.microsoft.com/office/drawing/2014/main" id="{A4187F21-9E34-4839-90ED-BC9C14D23A35}"/>
+                    <a16:creationId xmlns:a16="http://schemas.microsoft.com/office/drawing/2014/main" id="{35EB55CF-4975-4FDD-9D9F-67AAA63D70CA}"/>
+                  </a:ext>
+                </a:extLst>
+              </p:cNvPr>
+              <p:cNvSpPr txBox="1"/>
+              <p:nvPr/>
+            </p:nvSpPr>
+            <p:spPr>
+              <a:xfrm>
+                <a:off x="5179843" y="2087451"/>
+                <a:ext cx="1172539" cy="216403"/>
+              </a:xfrm>
+              <a:prstGeom prst="rect">
+                <a:avLst/>
+              </a:prstGeom>
+              <a:noFill/>
+            </p:spPr>
+            <p:txBody>
+              <a:bodyPr wrap="none" lIns="164592" tIns="18288" rIns="45720" bIns="27432" rtlCol="0" anchor="ctr" anchorCtr="0">
+                <a:spAutoFit/>
+              </a:bodyPr>
+              <a:lstStyle/>
+              <a:p>
+                <a:r>
+                  <a:rPr lang="en-US" sz="1200" dirty="0">
+                    <a:latin typeface="Segoe UI" pitchFamily="34" charset="0"/>
+                    <a:ea typeface="Segoe UI" pitchFamily="34" charset="0"/>
+                    <a:cs typeface="Segoe UI" pitchFamily="34" charset="0"/>
+                  </a:rPr>
+                  <a:t>Choix multiples</a:t>
+                </a:r>
+              </a:p>
+            </p:txBody>
+          </p:sp>
+          <p:sp>
+            <p:nvSpPr>
+              <p:cNvPr id="29" name="CheckBox">
+                <a:extLst>
+                  <a:ext uri="{FF2B5EF4-FFF2-40B4-BE49-F238E27FC236}">
+                    <a16:creationId xmlns:a16="http://schemas.microsoft.com/office/drawing/2014/main" id="{E0C5CD31-0554-4F23-B0CD-FC1A66C1B014}"/>
                   </a:ext>
                 </a:extLst>
               </p:cNvPr>
               <p:cNvSpPr/>
-              <p:nvPr>
-                <p:custDataLst>
-                  <p:custData r:id="rId7"/>
-                </p:custDataLst>
-              </p:nvPr>
+              <p:nvPr/>
             </p:nvSpPr>
             <p:spPr>
               <a:xfrm>
-                <a:off x="3675253" y="1056904"/>
-                <a:ext cx="4722690" cy="736270"/>
+                <a:off x="5179842" y="2150901"/>
+                <a:ext cx="100012" cy="97631"/>
               </a:xfrm>
               <a:prstGeom prst="rect">
                 <a:avLst/>
               </a:prstGeom>
               <a:solidFill>
-                <a:sysClr val="window" lastClr="FFFFFF"/>
+                <a:srgbClr val="FFFFFF"/>
               </a:solidFill>
               <a:ln w="3175">
                 <a:solidFill>
-                  <a:srgbClr val="000000">
-                    <a:lumMod val="50000"/>
-                    <a:lumOff val="50000"/>
+                  <a:srgbClr val="FFFFFF">
+                    <a:lumMod val="65000"/>
                   </a:srgbClr>
                 </a:solidFill>
               </a:ln>
-              <a:effectLst/>
+              <a:effectLst>
+                <a:innerShdw blurRad="63500">
+                  <a:prstClr val="black">
+                    <a:alpha val="17000"/>
+                  </a:prstClr>
+                </a:innerShdw>
+              </a:effectLst>
             </p:spPr>
             <p:style>
               <a:lnRef idx="2">
@@ -8635,65 +8821,453 @@
               </a:fontRef>
             </p:style>
             <p:txBody>
-              <a:bodyPr wrap="none" lIns="45720" tIns="18288" rIns="45720" bIns="18288" rtlCol="0" anchor="ctr">
-                <a:noAutofit/>
-              </a:bodyPr>
+              <a:bodyPr rtlCol="0" anchor="ctr"/>
               <a:lstStyle/>
               <a:p>
                 <a:pPr algn="ctr"/>
-                <a:r>
-                  <a:rPr lang="en-US" b="1" dirty="0">
+                <a:endParaRPr lang="en-US" dirty="0"/>
+              </a:p>
+            </p:txBody>
+          </p:sp>
+        </p:grpSp>
+        <p:pic>
+          <p:nvPicPr>
+            <p:cNvPr id="26" name="Check" descr="C:\Users\t-dantay\Documents\WPIcons\appbar.check.rest.png">
+              <a:hlinkClick r:id="rId15" action="ppaction://hlinksldjump"/>
+              <a:extLst>
+                <a:ext uri="{FF2B5EF4-FFF2-40B4-BE49-F238E27FC236}">
+                  <a16:creationId xmlns:a16="http://schemas.microsoft.com/office/drawing/2014/main" id="{BB274C38-FACE-4E56-8D70-C8DD13D35A6A}"/>
+                </a:ext>
+              </a:extLst>
+            </p:cNvPr>
+            <p:cNvPicPr>
+              <a:picLocks noChangeAspect="1" noChangeArrowheads="1"/>
+            </p:cNvPicPr>
+            <p:nvPr/>
+          </p:nvPicPr>
+          <p:blipFill>
+            <a:blip r:embed="rId16" cstate="print">
+              <a:extLst>
+                <a:ext uri="{28A0092B-C50C-407E-A947-70E740481C1C}">
+                  <a14:useLocalDpi xmlns:a14="http://schemas.microsoft.com/office/drawing/2010/main" val="0"/>
+                </a:ext>
+              </a:extLst>
+            </a:blip>
+            <a:srcRect/>
+            <a:stretch>
+              <a:fillRect/>
+            </a:stretch>
+          </p:blipFill>
+          <p:spPr bwMode="auto">
+            <a:xfrm>
+              <a:off x="4317072" y="3344359"/>
+              <a:ext cx="182880" cy="182880"/>
+            </a:xfrm>
+            <a:prstGeom prst="rect">
+              <a:avLst/>
+            </a:prstGeom>
+            <a:noFill/>
+            <a:extLst>
+              <a:ext uri="{909E8E84-426E-40DD-AFC4-6F175D3DCCD1}">
+                <a14:hiddenFill xmlns:a14="http://schemas.microsoft.com/office/drawing/2010/main">
+                  <a:solidFill>
+                    <a:srgbClr val="FFFFFF"/>
+                  </a:solidFill>
+                </a14:hiddenFill>
+              </a:ext>
+            </a:extLst>
+          </p:spPr>
+        </p:pic>
+      </p:grpSp>
+      <p:grpSp>
+        <p:nvGrpSpPr>
+          <p:cNvPr id="15" name="Groupe 14"/>
+          <p:cNvGrpSpPr/>
+          <p:nvPr/>
+        </p:nvGrpSpPr>
+        <p:grpSpPr>
+          <a:xfrm>
+            <a:off x="3733200" y="1441586"/>
+            <a:ext cx="4670136" cy="3291763"/>
+            <a:chOff x="3733200" y="1441586"/>
+            <a:chExt cx="4670136" cy="3291763"/>
+          </a:xfrm>
+        </p:grpSpPr>
+        <p:grpSp>
+          <p:nvGrpSpPr>
+            <p:cNvPr id="7" name="Groupe 6">
+              <a:extLst>
+                <a:ext uri="{FF2B5EF4-FFF2-40B4-BE49-F238E27FC236}">
+                  <a16:creationId xmlns:a16="http://schemas.microsoft.com/office/drawing/2014/main" id="{2F7C9145-B866-40D7-9424-48FF2FBAF2B9}"/>
+                </a:ext>
+              </a:extLst>
+            </p:cNvPr>
+            <p:cNvGrpSpPr/>
+            <p:nvPr/>
+          </p:nvGrpSpPr>
+          <p:grpSpPr>
+            <a:xfrm>
+              <a:off x="3734653" y="1441586"/>
+              <a:ext cx="4668683" cy="2764800"/>
+              <a:chOff x="3729759" y="1615044"/>
+              <a:chExt cx="4722692" cy="3157114"/>
+            </a:xfrm>
+          </p:grpSpPr>
+          <p:grpSp>
+            <p:nvGrpSpPr>
+              <p:cNvPr id="8" name="Groupe 7">
+                <a:extLst>
+                  <a:ext uri="{FF2B5EF4-FFF2-40B4-BE49-F238E27FC236}">
+                    <a16:creationId xmlns:a16="http://schemas.microsoft.com/office/drawing/2014/main" id="{977D3A8E-59AE-4144-846F-209D962C950D}"/>
+                  </a:ext>
+                </a:extLst>
+              </p:cNvPr>
+              <p:cNvGrpSpPr/>
+              <p:nvPr/>
+            </p:nvGrpSpPr>
+            <p:grpSpPr>
+              <a:xfrm>
+                <a:off x="3729760" y="1615044"/>
+                <a:ext cx="4722691" cy="2546710"/>
+                <a:chOff x="3675252" y="1056904"/>
+                <a:chExt cx="4722691" cy="2546710"/>
+              </a:xfrm>
+            </p:grpSpPr>
+            <p:sp>
+              <p:nvSpPr>
+                <p:cNvPr id="10" name="Content">
+                  <a:extLst>
+                    <a:ext uri="{FF2B5EF4-FFF2-40B4-BE49-F238E27FC236}">
+                      <a16:creationId xmlns:a16="http://schemas.microsoft.com/office/drawing/2014/main" id="{A4187F21-9E34-4839-90ED-BC9C14D23A35}"/>
+                    </a:ext>
+                  </a:extLst>
+                </p:cNvPr>
+                <p:cNvSpPr/>
+                <p:nvPr>
+                  <p:custDataLst>
+                    <p:custData r:id="rId7"/>
+                  </p:custDataLst>
+                </p:nvPr>
+              </p:nvSpPr>
+              <p:spPr>
+                <a:xfrm>
+                  <a:off x="3675253" y="1056904"/>
+                  <a:ext cx="4722690" cy="736270"/>
+                </a:xfrm>
+                <a:prstGeom prst="rect">
+                  <a:avLst/>
+                </a:prstGeom>
+                <a:solidFill>
+                  <a:sysClr val="window" lastClr="FFFFFF"/>
+                </a:solidFill>
+                <a:ln w="3175">
+                  <a:solidFill>
+                    <a:srgbClr val="000000">
+                      <a:lumMod val="50000"/>
+                      <a:lumOff val="50000"/>
+                    </a:srgbClr>
+                  </a:solidFill>
+                </a:ln>
+                <a:effectLst/>
+              </p:spPr>
+              <p:style>
+                <a:lnRef idx="2">
+                  <a:srgbClr val="4F81BD">
+                    <a:shade val="50000"/>
+                  </a:srgbClr>
+                </a:lnRef>
+                <a:fillRef idx="1">
+                  <a:srgbClr val="4F81BD"/>
+                </a:fillRef>
+                <a:effectRef idx="0">
+                  <a:srgbClr val="4F81BD"/>
+                </a:effectRef>
+                <a:fontRef idx="minor">
+                  <a:srgbClr val="000000"/>
+                </a:fontRef>
+              </p:style>
+              <p:txBody>
+                <a:bodyPr wrap="none" lIns="45720" tIns="18288" rIns="45720" bIns="18288" rtlCol="0" anchor="ctr">
+                  <a:noAutofit/>
+                </a:bodyPr>
+                <a:lstStyle/>
+                <a:p>
+                  <a:pPr algn="ctr"/>
+                  <a:r>
+                    <a:rPr lang="en-US" b="1" dirty="0">
+                      <a:solidFill>
+                        <a:srgbClr val="000000"/>
+                      </a:solidFill>
+                      <a:latin typeface="Segoe UI" pitchFamily="34" charset="0"/>
+                      <a:cs typeface="Segoe UI" pitchFamily="34" charset="0"/>
+                    </a:rPr>
+                    <a:t>Description du son</a:t>
+                  </a:r>
+                  <a:r>
+                    <a:rPr lang="en-US" b="1" dirty="0">
+                      <a:latin typeface="Segoe UI" pitchFamily="34" charset="0"/>
+                      <a:cs typeface="Segoe UI" pitchFamily="34" charset="0"/>
+                    </a:rPr>
+                    <a:t>dage</a:t>
+                  </a:r>
+                  <a:endParaRPr lang="en-US" b="1" dirty="0">
                     <a:solidFill>
                       <a:srgbClr val="000000"/>
                     </a:solidFill>
                     <a:latin typeface="Segoe UI" pitchFamily="34" charset="0"/>
                     <a:cs typeface="Segoe UI" pitchFamily="34" charset="0"/>
-                  </a:rPr>
-                  <a:t>Description du son</a:t>
-                </a:r>
-                <a:r>
-                  <a:rPr lang="en-US" b="1" dirty="0">
+                  </a:endParaRPr>
+                </a:p>
+              </p:txBody>
+            </p:sp>
+            <p:sp>
+              <p:nvSpPr>
+                <p:cNvPr id="11" name="Content">
+                  <a:extLst>
+                    <a:ext uri="{FF2B5EF4-FFF2-40B4-BE49-F238E27FC236}">
+                      <a16:creationId xmlns:a16="http://schemas.microsoft.com/office/drawing/2014/main" id="{2F3C72D7-4FAA-4A45-8D01-E1350B0F6572}"/>
+                    </a:ext>
+                  </a:extLst>
+                </p:cNvPr>
+                <p:cNvSpPr/>
+                <p:nvPr>
+                  <p:custDataLst>
+                    <p:custData r:id="rId8"/>
+                  </p:custDataLst>
+                </p:nvPr>
+              </p:nvSpPr>
+              <p:spPr>
+                <a:xfrm>
+                  <a:off x="3675253" y="1793174"/>
+                  <a:ext cx="4722690" cy="602925"/>
+                </a:xfrm>
+                <a:prstGeom prst="rect">
+                  <a:avLst/>
+                </a:prstGeom>
+                <a:solidFill>
+                  <a:sysClr val="window" lastClr="FFFFFF"/>
+                </a:solidFill>
+                <a:ln w="3175">
+                  <a:solidFill>
+                    <a:srgbClr val="000000">
+                      <a:lumMod val="50000"/>
+                      <a:lumOff val="50000"/>
+                    </a:srgbClr>
+                  </a:solidFill>
+                </a:ln>
+                <a:effectLst/>
+              </p:spPr>
+              <p:style>
+                <a:lnRef idx="2">
+                  <a:srgbClr val="4F81BD">
+                    <a:shade val="50000"/>
+                  </a:srgbClr>
+                </a:lnRef>
+                <a:fillRef idx="1">
+                  <a:srgbClr val="4F81BD"/>
+                </a:fillRef>
+                <a:effectRef idx="0">
+                  <a:srgbClr val="4F81BD"/>
+                </a:effectRef>
+                <a:fontRef idx="minor">
+                  <a:srgbClr val="000000"/>
+                </a:fontRef>
+              </p:style>
+              <p:txBody>
+                <a:bodyPr wrap="none" lIns="45720" tIns="18288" rIns="45720" bIns="18288" rtlCol="0" anchor="ctr">
+                  <a:noAutofit/>
+                </a:bodyPr>
+                <a:lstStyle/>
+                <a:p>
+                  <a:r>
+                    <a:rPr lang="en-US" sz="1200" dirty="0">
+                      <a:latin typeface="Segoe UI" pitchFamily="34" charset="0"/>
+                      <a:cs typeface="Segoe UI" pitchFamily="34" charset="0"/>
+                    </a:rPr>
+                    <a:t> 1. Choix réponse 1	</a:t>
+                  </a:r>
+                  <a:endParaRPr lang="en-US" sz="1200" dirty="0">
+                    <a:solidFill>
+                      <a:srgbClr val="000000"/>
+                    </a:solidFill>
                     <a:latin typeface="Segoe UI" pitchFamily="34" charset="0"/>
                     <a:cs typeface="Segoe UI" pitchFamily="34" charset="0"/>
-                  </a:rPr>
-                  <a:t>dage</a:t>
-                </a:r>
-                <a:endParaRPr lang="en-US" b="1" dirty="0">
+                  </a:endParaRPr>
+                </a:p>
+              </p:txBody>
+            </p:sp>
+            <p:sp>
+              <p:nvSpPr>
+                <p:cNvPr id="12" name="Content">
+                  <a:extLst>
+                    <a:ext uri="{FF2B5EF4-FFF2-40B4-BE49-F238E27FC236}">
+                      <a16:creationId xmlns:a16="http://schemas.microsoft.com/office/drawing/2014/main" id="{55E82B89-7F65-499D-A68D-1BAC8AAC06E0}"/>
+                    </a:ext>
+                  </a:extLst>
+                </p:cNvPr>
+                <p:cNvSpPr/>
+                <p:nvPr>
+                  <p:custDataLst>
+                    <p:custData r:id="rId9"/>
+                  </p:custDataLst>
+                </p:nvPr>
+              </p:nvSpPr>
+              <p:spPr>
+                <a:xfrm>
+                  <a:off x="3675253" y="2396099"/>
+                  <a:ext cx="4722690" cy="602925"/>
+                </a:xfrm>
+                <a:prstGeom prst="rect">
+                  <a:avLst/>
+                </a:prstGeom>
+                <a:solidFill>
+                  <a:sysClr val="window" lastClr="FFFFFF"/>
+                </a:solidFill>
+                <a:ln w="3175">
                   <a:solidFill>
-                    <a:srgbClr val="000000"/>
+                    <a:srgbClr val="000000">
+                      <a:lumMod val="50000"/>
+                      <a:lumOff val="50000"/>
+                    </a:srgbClr>
                   </a:solidFill>
-                  <a:latin typeface="Segoe UI" pitchFamily="34" charset="0"/>
-                  <a:cs typeface="Segoe UI" pitchFamily="34" charset="0"/>
-                </a:endParaRPr>
-              </a:p>
-            </p:txBody>
-          </p:sp>
+                </a:ln>
+                <a:effectLst/>
+              </p:spPr>
+              <p:style>
+                <a:lnRef idx="2">
+                  <a:srgbClr val="4F81BD">
+                    <a:shade val="50000"/>
+                  </a:srgbClr>
+                </a:lnRef>
+                <a:fillRef idx="1">
+                  <a:srgbClr val="4F81BD"/>
+                </a:fillRef>
+                <a:effectRef idx="0">
+                  <a:srgbClr val="4F81BD"/>
+                </a:effectRef>
+                <a:fontRef idx="minor">
+                  <a:srgbClr val="000000"/>
+                </a:fontRef>
+              </p:style>
+              <p:txBody>
+                <a:bodyPr wrap="none" lIns="45720" tIns="18288" rIns="45720" bIns="18288" rtlCol="0" anchor="ctr">
+                  <a:noAutofit/>
+                </a:bodyPr>
+                <a:lstStyle/>
+                <a:p>
+                  <a:r>
+                    <a:rPr lang="en-US" sz="1200" dirty="0">
+                      <a:solidFill>
+                        <a:srgbClr val="000000"/>
+                      </a:solidFill>
+                      <a:latin typeface="Segoe UI" pitchFamily="34" charset="0"/>
+                      <a:cs typeface="Segoe UI" pitchFamily="34" charset="0"/>
+                    </a:rPr>
+                    <a:t>2. Choix réponse 2</a:t>
+                  </a:r>
+                </a:p>
+              </p:txBody>
+            </p:sp>
+            <p:sp>
+              <p:nvSpPr>
+                <p:cNvPr id="13" name="Content">
+                  <a:extLst>
+                    <a:ext uri="{FF2B5EF4-FFF2-40B4-BE49-F238E27FC236}">
+                      <a16:creationId xmlns:a16="http://schemas.microsoft.com/office/drawing/2014/main" id="{CE4D7EE8-5B61-46BA-BB17-DF8200A6150A}"/>
+                    </a:ext>
+                  </a:extLst>
+                </p:cNvPr>
+                <p:cNvSpPr/>
+                <p:nvPr>
+                  <p:custDataLst>
+                    <p:custData r:id="rId10"/>
+                  </p:custDataLst>
+                </p:nvPr>
+              </p:nvSpPr>
+              <p:spPr>
+                <a:xfrm>
+                  <a:off x="3675252" y="2999024"/>
+                  <a:ext cx="4722690" cy="604590"/>
+                </a:xfrm>
+                <a:prstGeom prst="rect">
+                  <a:avLst/>
+                </a:prstGeom>
+                <a:solidFill>
+                  <a:sysClr val="window" lastClr="FFFFFF"/>
+                </a:solidFill>
+                <a:ln w="3175">
+                  <a:solidFill>
+                    <a:srgbClr val="000000">
+                      <a:lumMod val="50000"/>
+                      <a:lumOff val="50000"/>
+                    </a:srgbClr>
+                  </a:solidFill>
+                </a:ln>
+                <a:effectLst/>
+              </p:spPr>
+              <p:style>
+                <a:lnRef idx="2">
+                  <a:srgbClr val="4F81BD">
+                    <a:shade val="50000"/>
+                  </a:srgbClr>
+                </a:lnRef>
+                <a:fillRef idx="1">
+                  <a:srgbClr val="4F81BD"/>
+                </a:fillRef>
+                <a:effectRef idx="0">
+                  <a:srgbClr val="4F81BD"/>
+                </a:effectRef>
+                <a:fontRef idx="minor">
+                  <a:srgbClr val="000000"/>
+                </a:fontRef>
+              </p:style>
+              <p:txBody>
+                <a:bodyPr wrap="none" lIns="45720" tIns="18288" rIns="45720" bIns="18288" rtlCol="0" anchor="ctr">
+                  <a:noAutofit/>
+                </a:bodyPr>
+                <a:lstStyle/>
+                <a:p>
+                  <a:r>
+                    <a:rPr lang="en-US" sz="1200" dirty="0">
+                      <a:solidFill>
+                        <a:srgbClr val="000000"/>
+                      </a:solidFill>
+                      <a:latin typeface="Segoe UI" pitchFamily="34" charset="0"/>
+                      <a:cs typeface="Segoe UI" pitchFamily="34" charset="0"/>
+                    </a:rPr>
+                    <a:t>3. Choix réponse 3</a:t>
+                  </a:r>
+                </a:p>
+              </p:txBody>
+            </p:sp>
+          </p:grpSp>
           <p:sp>
             <p:nvSpPr>
-              <p:cNvPr id="11" name="Content">
+              <p:cNvPr id="9" name="Content">
+                <a:hlinkClick r:id="rId15" action="ppaction://hlinksldjump"/>
                 <a:extLst>
                   <a:ext uri="{FF2B5EF4-FFF2-40B4-BE49-F238E27FC236}">
-                    <a16:creationId xmlns:a16="http://schemas.microsoft.com/office/drawing/2014/main" id="{2F3C72D7-4FAA-4A45-8D01-E1350B0F6572}"/>
+                    <a16:creationId xmlns:a16="http://schemas.microsoft.com/office/drawing/2014/main" id="{6FC0206D-A8F6-44F8-BD05-B828A348F68B}"/>
                   </a:ext>
                 </a:extLst>
               </p:cNvPr>
               <p:cNvSpPr/>
               <p:nvPr>
                 <p:custDataLst>
-                  <p:custData r:id="rId8"/>
+                  <p:custData r:id="rId6"/>
                 </p:custDataLst>
               </p:nvPr>
             </p:nvSpPr>
             <p:spPr>
               <a:xfrm>
-                <a:off x="3675253" y="1793174"/>
-                <a:ext cx="4722690" cy="633062"/>
+                <a:off x="3729759" y="4167568"/>
+                <a:ext cx="4722690" cy="604590"/>
               </a:xfrm>
               <a:prstGeom prst="rect">
                 <a:avLst/>
               </a:prstGeom>
               <a:solidFill>
-                <a:sysClr val="window" lastClr="FFFFFF"/>
+                <a:schemeClr val="bg1"/>
               </a:solidFill>
               <a:ln w="3175">
                 <a:solidFill>
@@ -8732,7 +9306,57 @@
                     <a:latin typeface="Segoe UI" pitchFamily="34" charset="0"/>
                     <a:cs typeface="Segoe UI" pitchFamily="34" charset="0"/>
                   </a:rPr>
-                  <a:t> 1. Choix réponse 1	</a:t>
+                  <a:t>4</a:t>
+                </a:r>
+                <a:r>
+                  <a:rPr lang="en-US" sz="1200" dirty="0" smtClean="0">
+                    <a:solidFill>
+                      <a:srgbClr val="000000"/>
+                    </a:solidFill>
+                    <a:latin typeface="Segoe UI" pitchFamily="34" charset="0"/>
+                    <a:cs typeface="Segoe UI" pitchFamily="34" charset="0"/>
+                  </a:rPr>
+                  <a:t>. </a:t>
+                </a:r>
+                <a:r>
+                  <a:rPr lang="en-US" sz="1200" dirty="0">
+                    <a:solidFill>
+                      <a:srgbClr val="000000"/>
+                    </a:solidFill>
+                    <a:latin typeface="Segoe UI" pitchFamily="34" charset="0"/>
+                    <a:cs typeface="Segoe UI" pitchFamily="34" charset="0"/>
+                  </a:rPr>
+                  <a:t>Choix </a:t>
+                </a:r>
+                <a:r>
+                  <a:rPr lang="en-US" sz="1200" dirty="0" err="1">
+                    <a:solidFill>
+                      <a:srgbClr val="000000"/>
+                    </a:solidFill>
+                    <a:latin typeface="Segoe UI" pitchFamily="34" charset="0"/>
+                    <a:cs typeface="Segoe UI" pitchFamily="34" charset="0"/>
+                  </a:rPr>
+                  <a:t>réponse</a:t>
+                </a:r>
+                <a:r>
+                  <a:rPr lang="en-US" sz="1200" dirty="0">
+                    <a:solidFill>
+                      <a:srgbClr val="000000"/>
+                    </a:solidFill>
+                    <a:latin typeface="Segoe UI" pitchFamily="34" charset="0"/>
+                    <a:cs typeface="Segoe UI" pitchFamily="34" charset="0"/>
+                  </a:rPr>
+                  <a:t> </a:t>
+                </a:r>
+                <a:r>
+                  <a:rPr lang="en-US" sz="1200" dirty="0" smtClean="0">
+                    <a:solidFill>
+                      <a:srgbClr val="000000"/>
+                    </a:solidFill>
+                    <a:latin typeface="Segoe UI" pitchFamily="34" charset="0"/>
+                    <a:cs typeface="Segoe UI" pitchFamily="34" charset="0"/>
+                  </a:rPr>
+                  <a:t>4</a:t>
                 </a:r>
                 <a:endParaRPr lang="en-US" sz="1200" dirty="0">
                   <a:solidFill>
@@ -8744,154 +9368,11 @@
               </a:p>
             </p:txBody>
           </p:sp>
-          <p:sp>
-            <p:nvSpPr>
-              <p:cNvPr id="12" name="Content">
-                <a:extLst>
-                  <a:ext uri="{FF2B5EF4-FFF2-40B4-BE49-F238E27FC236}">
-                    <a16:creationId xmlns:a16="http://schemas.microsoft.com/office/drawing/2014/main" id="{55E82B89-7F65-499D-A68D-1BAC8AAC06E0}"/>
-                  </a:ext>
-                </a:extLst>
-              </p:cNvPr>
-              <p:cNvSpPr/>
-              <p:nvPr>
-                <p:custDataLst>
-                  <p:custData r:id="rId9"/>
-                </p:custDataLst>
-              </p:nvPr>
-            </p:nvSpPr>
-            <p:spPr>
-              <a:xfrm>
-                <a:off x="3675253" y="2426236"/>
-                <a:ext cx="4722690" cy="602925"/>
-              </a:xfrm>
-              <a:prstGeom prst="rect">
-                <a:avLst/>
-              </a:prstGeom>
-              <a:solidFill>
-                <a:sysClr val="window" lastClr="FFFFFF"/>
-              </a:solidFill>
-              <a:ln w="3175">
-                <a:solidFill>
-                  <a:srgbClr val="000000">
-                    <a:lumMod val="50000"/>
-                    <a:lumOff val="50000"/>
-                  </a:srgbClr>
-                </a:solidFill>
-              </a:ln>
-              <a:effectLst/>
-            </p:spPr>
-            <p:style>
-              <a:lnRef idx="2">
-                <a:srgbClr val="4F81BD">
-                  <a:shade val="50000"/>
-                </a:srgbClr>
-              </a:lnRef>
-              <a:fillRef idx="1">
-                <a:srgbClr val="4F81BD"/>
-              </a:fillRef>
-              <a:effectRef idx="0">
-                <a:srgbClr val="4F81BD"/>
-              </a:effectRef>
-              <a:fontRef idx="minor">
-                <a:srgbClr val="000000"/>
-              </a:fontRef>
-            </p:style>
-            <p:txBody>
-              <a:bodyPr wrap="none" lIns="45720" tIns="18288" rIns="45720" bIns="18288" rtlCol="0" anchor="ctr">
-                <a:noAutofit/>
-              </a:bodyPr>
-              <a:lstStyle/>
-              <a:p>
-                <a:r>
-                  <a:rPr lang="en-US" sz="1200" dirty="0">
-                    <a:solidFill>
-                      <a:srgbClr val="000000"/>
-                    </a:solidFill>
-                    <a:latin typeface="Segoe UI" pitchFamily="34" charset="0"/>
-                    <a:cs typeface="Segoe UI" pitchFamily="34" charset="0"/>
-                  </a:rPr>
-                  <a:t>2. Choix réponse 2</a:t>
-                </a:r>
-              </a:p>
-            </p:txBody>
-          </p:sp>
-          <p:sp>
-            <p:nvSpPr>
-              <p:cNvPr id="13" name="Content">
-                <a:extLst>
-                  <a:ext uri="{FF2B5EF4-FFF2-40B4-BE49-F238E27FC236}">
-                    <a16:creationId xmlns:a16="http://schemas.microsoft.com/office/drawing/2014/main" id="{CE4D7EE8-5B61-46BA-BB17-DF8200A6150A}"/>
-                  </a:ext>
-                </a:extLst>
-              </p:cNvPr>
-              <p:cNvSpPr/>
-              <p:nvPr>
-                <p:custDataLst>
-                  <p:custData r:id="rId10"/>
-                </p:custDataLst>
-              </p:nvPr>
-            </p:nvSpPr>
-            <p:spPr>
-              <a:xfrm>
-                <a:off x="3675252" y="3029161"/>
-                <a:ext cx="4722690" cy="604590"/>
-              </a:xfrm>
-              <a:prstGeom prst="rect">
-                <a:avLst/>
-              </a:prstGeom>
-              <a:solidFill>
-                <a:sysClr val="window" lastClr="FFFFFF"/>
-              </a:solidFill>
-              <a:ln w="3175">
-                <a:solidFill>
-                  <a:srgbClr val="000000">
-                    <a:lumMod val="50000"/>
-                    <a:lumOff val="50000"/>
-                  </a:srgbClr>
-                </a:solidFill>
-              </a:ln>
-              <a:effectLst/>
-            </p:spPr>
-            <p:style>
-              <a:lnRef idx="2">
-                <a:srgbClr val="4F81BD">
-                  <a:shade val="50000"/>
-                </a:srgbClr>
-              </a:lnRef>
-              <a:fillRef idx="1">
-                <a:srgbClr val="4F81BD"/>
-              </a:fillRef>
-              <a:effectRef idx="0">
-                <a:srgbClr val="4F81BD"/>
-              </a:effectRef>
-              <a:fontRef idx="minor">
-                <a:srgbClr val="000000"/>
-              </a:fontRef>
-            </p:style>
-            <p:txBody>
-              <a:bodyPr wrap="none" lIns="45720" tIns="18288" rIns="45720" bIns="18288" rtlCol="0" anchor="ctr">
-                <a:noAutofit/>
-              </a:bodyPr>
-              <a:lstStyle/>
-              <a:p>
-                <a:r>
-                  <a:rPr lang="en-US" sz="1200" dirty="0">
-                    <a:solidFill>
-                      <a:srgbClr val="000000"/>
-                    </a:solidFill>
-                    <a:latin typeface="Segoe UI" pitchFamily="34" charset="0"/>
-                    <a:cs typeface="Segoe UI" pitchFamily="34" charset="0"/>
-                  </a:rPr>
-                  <a:t>3. Choix réponse 3</a:t>
-                </a:r>
-              </a:p>
-            </p:txBody>
-          </p:sp>
         </p:grpSp>
         <p:sp>
           <p:nvSpPr>
-            <p:cNvPr id="9" name="Content">
+            <p:cNvPr id="30" name="Content">
+              <a:hlinkClick r:id="rId15" action="ppaction://hlinksldjump"/>
               <a:extLst>
                 <a:ext uri="{FF2B5EF4-FFF2-40B4-BE49-F238E27FC236}">
                   <a16:creationId xmlns:a16="http://schemas.microsoft.com/office/drawing/2014/main" id="{6FC0206D-A8F6-44F8-BD05-B828A348F68B}"/>
@@ -8901,14 +9382,14 @@
             <p:cNvSpPr/>
             <p:nvPr>
               <p:custDataLst>
-                <p:custData r:id="rId6"/>
+                <p:custData r:id="rId5"/>
               </p:custDataLst>
             </p:nvPr>
           </p:nvSpPr>
           <p:spPr>
             <a:xfrm>
-              <a:off x="3728288" y="4803160"/>
-              <a:ext cx="4722690" cy="604590"/>
+              <a:off x="3733200" y="4203887"/>
+              <a:ext cx="4668681" cy="529462"/>
             </a:xfrm>
             <a:prstGeom prst="rect">
               <a:avLst/>
@@ -8967,7 +9448,7 @@
       </p:grpSp>
       <p:grpSp>
         <p:nvGrpSpPr>
-          <p:cNvPr id="21" name="StickyNote">
+          <p:cNvPr id="31" name="StickyNote">
             <a:extLst>
               <a:ext uri="{FF2B5EF4-FFF2-40B4-BE49-F238E27FC236}">
                 <a16:creationId xmlns:a16="http://schemas.microsoft.com/office/drawing/2014/main" id="{2470C0E2-9D5F-4914-85E4-50E451E41F96}"/>
@@ -8977,21 +9458,21 @@
           <p:cNvGrpSpPr/>
           <p:nvPr>
             <p:custDataLst>
-              <p:custData r:id="rId1"/>
+              <p:custData r:id="rId3"/>
             </p:custDataLst>
           </p:nvPr>
         </p:nvGrpSpPr>
         <p:grpSpPr>
           <a:xfrm>
-            <a:off x="8824625" y="4051735"/>
+            <a:off x="8742617" y="3320113"/>
             <a:ext cx="1946294" cy="1243084"/>
-            <a:chOff x="3886200" y="2629127"/>
-            <a:chExt cx="1371600" cy="1485673"/>
+            <a:chOff x="3886200" y="2629126"/>
+            <a:chExt cx="1371600" cy="1485674"/>
           </a:xfrm>
         </p:grpSpPr>
         <p:sp>
           <p:nvSpPr>
-            <p:cNvPr id="22" name="Content">
+            <p:cNvPr id="32" name="Content">
               <a:extLst>
                 <a:ext uri="{FF2B5EF4-FFF2-40B4-BE49-F238E27FC236}">
                   <a16:creationId xmlns:a16="http://schemas.microsoft.com/office/drawing/2014/main" id="{71878AA6-7BFF-4E1B-9182-1586E5A8FE64}"/>
@@ -9003,8 +9484,8 @@
           </p:nvSpPr>
           <p:spPr>
             <a:xfrm>
-              <a:off x="3886200" y="2743200"/>
-              <a:ext cx="1371600" cy="1371600"/>
+              <a:off x="3886200" y="2743199"/>
+              <a:ext cx="1371600" cy="1371601"/>
             </a:xfrm>
             <a:prstGeom prst="rect">
               <a:avLst/>
@@ -9052,7 +9533,7 @@
             <a:lstStyle/>
             <a:p>
               <a:r>
-                <a:rPr lang="en-US" sz="1200" dirty="0">
+                <a:rPr lang="en-US" sz="1200" b="1" dirty="0">
                   <a:solidFill>
                     <a:sysClr val="windowText" lastClr="000000"/>
                   </a:solidFill>
@@ -9066,7 +9547,7 @@
         </p:sp>
         <p:sp>
           <p:nvSpPr>
-            <p:cNvPr id="23" name="Tape">
+            <p:cNvPr id="33" name="Tape">
               <a:extLst>
                 <a:ext uri="{FF2B5EF4-FFF2-40B4-BE49-F238E27FC236}">
                   <a16:creationId xmlns:a16="http://schemas.microsoft.com/office/drawing/2014/main" id="{4235CD70-6F9F-4273-8667-2D9A6EB2EB4E}"/>
@@ -9076,13 +9557,13 @@
             <p:cNvSpPr/>
             <p:nvPr>
               <p:custDataLst>
-                <p:custData r:id="rId5"/>
+                <p:custData r:id="rId4"/>
               </p:custDataLst>
             </p:nvPr>
           </p:nvSpPr>
           <p:spPr>
             <a:xfrm rot="401918">
-              <a:off x="4290086" y="2629127"/>
+              <a:off x="4290086" y="2629126"/>
               <a:ext cx="563828" cy="215444"/>
             </a:xfrm>
             <a:prstGeom prst="rect">
@@ -9147,430 +9628,10 @@
           </p:txBody>
         </p:sp>
       </p:grpSp>
-      <p:sp>
-        <p:nvSpPr>
-          <p:cNvPr id="27" name="Content">
-            <a:extLst>
-              <a:ext uri="{FF2B5EF4-FFF2-40B4-BE49-F238E27FC236}">
-                <a16:creationId xmlns:a16="http://schemas.microsoft.com/office/drawing/2014/main" id="{CAE245B8-DB6B-4505-A407-52163DED9D5B}"/>
-              </a:ext>
-            </a:extLst>
-          </p:cNvPr>
-          <p:cNvSpPr/>
-          <p:nvPr>
-            <p:custDataLst>
-              <p:custData r:id="rId2"/>
-            </p:custDataLst>
-          </p:nvPr>
-        </p:nvSpPr>
-        <p:spPr>
-          <a:xfrm>
-            <a:off x="4670682" y="5749242"/>
-            <a:ext cx="2850636" cy="427510"/>
-          </a:xfrm>
-          <a:prstGeom prst="roundRect">
-            <a:avLst/>
-          </a:prstGeom>
-          <a:solidFill>
-            <a:srgbClr val="FF0000"/>
-          </a:solidFill>
-          <a:ln w="3175">
-            <a:solidFill>
-              <a:srgbClr val="000000">
-                <a:lumMod val="50000"/>
-                <a:lumOff val="50000"/>
-              </a:srgbClr>
-            </a:solidFill>
-          </a:ln>
-          <a:effectLst/>
-        </p:spPr>
-        <p:style>
-          <a:lnRef idx="2">
-            <a:srgbClr val="4F81BD">
-              <a:shade val="50000"/>
-            </a:srgbClr>
-          </a:lnRef>
-          <a:fillRef idx="1">
-            <a:srgbClr val="4F81BD"/>
-          </a:fillRef>
-          <a:effectRef idx="0">
-            <a:srgbClr val="4F81BD"/>
-          </a:effectRef>
-          <a:fontRef idx="minor">
-            <a:srgbClr val="000000"/>
-          </a:fontRef>
-        </p:style>
-        <p:txBody>
-          <a:bodyPr wrap="square" lIns="91440" tIns="0" rIns="91440" bIns="9144" rtlCol="0" anchor="ctr">
-            <a:noAutofit/>
-          </a:bodyPr>
-          <a:lstStyle/>
-          <a:p>
-            <a:pPr algn="ctr"/>
-            <a:r>
-              <a:rPr lang="en-US" sz="1200" b="1" dirty="0">
-                <a:latin typeface="Segoe UI" pitchFamily="34" charset="0"/>
-                <a:cs typeface="Segoe UI" pitchFamily="34" charset="0"/>
-              </a:rPr>
-              <a:t>VALIDER LE SONDAGE</a:t>
-            </a:r>
-            <a:endParaRPr lang="en-US" sz="1200" b="1" dirty="0">
-              <a:solidFill>
-                <a:srgbClr val="000000"/>
-              </a:solidFill>
-              <a:latin typeface="Segoe UI" pitchFamily="34" charset="0"/>
-              <a:cs typeface="Segoe UI" pitchFamily="34" charset="0"/>
-            </a:endParaRPr>
-          </a:p>
-        </p:txBody>
-      </p:sp>
-      <p:grpSp>
-        <p:nvGrpSpPr>
-          <p:cNvPr id="28" name="CheckBoxChecked">
-            <a:extLst>
-              <a:ext uri="{FF2B5EF4-FFF2-40B4-BE49-F238E27FC236}">
-                <a16:creationId xmlns:a16="http://schemas.microsoft.com/office/drawing/2014/main" id="{0D4FFFAF-1D19-4FF5-9A8E-1E8DB7BF7D71}"/>
-              </a:ext>
-            </a:extLst>
-          </p:cNvPr>
-          <p:cNvGrpSpPr/>
-          <p:nvPr>
-            <p:custDataLst>
-              <p:custData r:id="rId3"/>
-            </p:custDataLst>
-          </p:nvPr>
-        </p:nvGrpSpPr>
-        <p:grpSpPr>
-          <a:xfrm>
-            <a:off x="3733200" y="5184000"/>
-            <a:ext cx="1292400" cy="230832"/>
-            <a:chOff x="4317072" y="3312427"/>
-            <a:chExt cx="1288511" cy="230832"/>
-          </a:xfrm>
-        </p:grpSpPr>
-        <p:grpSp>
-          <p:nvGrpSpPr>
-            <p:cNvPr id="29" name="Group 2">
-              <a:extLst>
-                <a:ext uri="{FF2B5EF4-FFF2-40B4-BE49-F238E27FC236}">
-                  <a16:creationId xmlns:a16="http://schemas.microsoft.com/office/drawing/2014/main" id="{B6701FC7-B36A-4718-A2F5-DD2D8D0971BB}"/>
-                </a:ext>
-              </a:extLst>
-            </p:cNvPr>
-            <p:cNvGrpSpPr/>
-            <p:nvPr/>
-          </p:nvGrpSpPr>
-          <p:grpSpPr>
-            <a:xfrm>
-              <a:off x="4354470" y="3312427"/>
-              <a:ext cx="1251113" cy="230832"/>
-              <a:chOff x="5179842" y="2087451"/>
-              <a:chExt cx="1172540" cy="216403"/>
-            </a:xfrm>
-          </p:grpSpPr>
-          <p:sp>
-            <p:nvSpPr>
-              <p:cNvPr id="31" name="Content">
-                <a:extLst>
-                  <a:ext uri="{FF2B5EF4-FFF2-40B4-BE49-F238E27FC236}">
-                    <a16:creationId xmlns:a16="http://schemas.microsoft.com/office/drawing/2014/main" id="{35EB55CF-4975-4FDD-9D9F-67AAA63D70CA}"/>
-                  </a:ext>
-                </a:extLst>
-              </p:cNvPr>
-              <p:cNvSpPr txBox="1"/>
-              <p:nvPr/>
-            </p:nvSpPr>
-            <p:spPr>
-              <a:xfrm>
-                <a:off x="5179843" y="2087451"/>
-                <a:ext cx="1172539" cy="216403"/>
-              </a:xfrm>
-              <a:prstGeom prst="rect">
-                <a:avLst/>
-              </a:prstGeom>
-              <a:noFill/>
-            </p:spPr>
-            <p:txBody>
-              <a:bodyPr wrap="none" lIns="164592" tIns="18288" rIns="45720" bIns="27432" rtlCol="0" anchor="ctr" anchorCtr="0">
-                <a:spAutoFit/>
-              </a:bodyPr>
-              <a:lstStyle/>
-              <a:p>
-                <a:r>
-                  <a:rPr lang="en-US" sz="1200" dirty="0">
-                    <a:latin typeface="Segoe UI" pitchFamily="34" charset="0"/>
-                    <a:ea typeface="Segoe UI" pitchFamily="34" charset="0"/>
-                    <a:cs typeface="Segoe UI" pitchFamily="34" charset="0"/>
-                  </a:rPr>
-                  <a:t>Choix multiples</a:t>
-                </a:r>
-              </a:p>
-            </p:txBody>
-          </p:sp>
-          <p:sp>
-            <p:nvSpPr>
-              <p:cNvPr id="32" name="CheckBox">
-                <a:extLst>
-                  <a:ext uri="{FF2B5EF4-FFF2-40B4-BE49-F238E27FC236}">
-                    <a16:creationId xmlns:a16="http://schemas.microsoft.com/office/drawing/2014/main" id="{E0C5CD31-0554-4F23-B0CD-FC1A66C1B014}"/>
-                  </a:ext>
-                </a:extLst>
-              </p:cNvPr>
-              <p:cNvSpPr/>
-              <p:nvPr/>
-            </p:nvSpPr>
-            <p:spPr>
-              <a:xfrm>
-                <a:off x="5179842" y="2150901"/>
-                <a:ext cx="100012" cy="97631"/>
-              </a:xfrm>
-              <a:prstGeom prst="rect">
-                <a:avLst/>
-              </a:prstGeom>
-              <a:solidFill>
-                <a:srgbClr val="FFFFFF"/>
-              </a:solidFill>
-              <a:ln w="3175">
-                <a:solidFill>
-                  <a:srgbClr val="FFFFFF">
-                    <a:lumMod val="65000"/>
-                  </a:srgbClr>
-                </a:solidFill>
-              </a:ln>
-              <a:effectLst>
-                <a:innerShdw blurRad="63500">
-                  <a:prstClr val="black">
-                    <a:alpha val="17000"/>
-                  </a:prstClr>
-                </a:innerShdw>
-              </a:effectLst>
-            </p:spPr>
-            <p:style>
-              <a:lnRef idx="2">
-                <a:srgbClr val="4F81BD">
-                  <a:shade val="50000"/>
-                </a:srgbClr>
-              </a:lnRef>
-              <a:fillRef idx="1">
-                <a:srgbClr val="4F81BD"/>
-              </a:fillRef>
-              <a:effectRef idx="0">
-                <a:srgbClr val="4F81BD"/>
-              </a:effectRef>
-              <a:fontRef idx="minor">
-                <a:srgbClr val="000000"/>
-              </a:fontRef>
-            </p:style>
-            <p:txBody>
-              <a:bodyPr rtlCol="0" anchor="ctr"/>
-              <a:lstStyle/>
-              <a:p>
-                <a:pPr algn="ctr"/>
-                <a:endParaRPr lang="en-US" dirty="0"/>
-              </a:p>
-            </p:txBody>
-          </p:sp>
-        </p:grpSp>
-        <p:pic>
-          <p:nvPicPr>
-            <p:cNvPr id="30" name="Check" descr="C:\Users\t-dantay\Documents\WPIcons\appbar.check.rest.png">
-              <a:hlinkClick r:id="rId14" action="ppaction://hlinksldjump"/>
-              <a:extLst>
-                <a:ext uri="{FF2B5EF4-FFF2-40B4-BE49-F238E27FC236}">
-                  <a16:creationId xmlns:a16="http://schemas.microsoft.com/office/drawing/2014/main" id="{BB274C38-FACE-4E56-8D70-C8DD13D35A6A}"/>
-                </a:ext>
-              </a:extLst>
-            </p:cNvPr>
-            <p:cNvPicPr>
-              <a:picLocks noChangeAspect="1" noChangeArrowheads="1"/>
-            </p:cNvPicPr>
-            <p:nvPr/>
-          </p:nvPicPr>
-          <p:blipFill>
-            <a:blip r:embed="rId15" cstate="print">
-              <a:extLst>
-                <a:ext uri="{28A0092B-C50C-407E-A947-70E740481C1C}">
-                  <a14:useLocalDpi xmlns:a14="http://schemas.microsoft.com/office/drawing/2010/main" val="0"/>
-                </a:ext>
-              </a:extLst>
-            </a:blip>
-            <a:srcRect/>
-            <a:stretch>
-              <a:fillRect/>
-            </a:stretch>
-          </p:blipFill>
-          <p:spPr bwMode="auto">
-            <a:xfrm>
-              <a:off x="4317072" y="3344359"/>
-              <a:ext cx="182880" cy="182880"/>
-            </a:xfrm>
-            <a:prstGeom prst="rect">
-              <a:avLst/>
-            </a:prstGeom>
-            <a:noFill/>
-            <a:extLst>
-              <a:ext uri="{909E8E84-426E-40DD-AFC4-6F175D3DCCD1}">
-                <a14:hiddenFill xmlns:a14="http://schemas.microsoft.com/office/drawing/2010/main">
-                  <a:solidFill>
-                    <a:srgbClr val="FFFFFF"/>
-                  </a:solidFill>
-                </a14:hiddenFill>
-              </a:ext>
-            </a:extLst>
-          </p:spPr>
-        </p:pic>
-      </p:grpSp>
-      <p:sp>
-        <p:nvSpPr>
-          <p:cNvPr id="24" name="Content">
-            <a:extLst>
-              <a:ext uri="{FF2B5EF4-FFF2-40B4-BE49-F238E27FC236}">
-                <a16:creationId xmlns:a16="http://schemas.microsoft.com/office/drawing/2014/main" id="{7D596822-115D-4AE9-BBB1-1F34E3697AAB}"/>
-              </a:ext>
-            </a:extLst>
-          </p:cNvPr>
-          <p:cNvSpPr/>
-          <p:nvPr>
-            <p:custDataLst>
-              <p:custData r:id="rId4"/>
-            </p:custDataLst>
-          </p:nvPr>
-        </p:nvSpPr>
-        <p:spPr>
-          <a:xfrm>
-            <a:off x="3733199" y="3723787"/>
-            <a:ext cx="4668681" cy="534271"/>
-          </a:xfrm>
-          <a:prstGeom prst="rect">
-            <a:avLst/>
-          </a:prstGeom>
-          <a:solidFill>
-            <a:sysClr val="window" lastClr="FFFFFF"/>
-          </a:solidFill>
-          <a:ln w="3175">
-            <a:solidFill>
-              <a:srgbClr val="000000">
-                <a:lumMod val="50000"/>
-                <a:lumOff val="50000"/>
-              </a:srgbClr>
-            </a:solidFill>
-          </a:ln>
-          <a:effectLst/>
-        </p:spPr>
-        <p:style>
-          <a:lnRef idx="2">
-            <a:srgbClr val="4F81BD">
-              <a:shade val="50000"/>
-            </a:srgbClr>
-          </a:lnRef>
-          <a:fillRef idx="1">
-            <a:srgbClr val="4F81BD"/>
-          </a:fillRef>
-          <a:effectRef idx="0">
-            <a:srgbClr val="4F81BD"/>
-          </a:effectRef>
-          <a:fontRef idx="minor">
-            <a:srgbClr val="000000"/>
-          </a:fontRef>
-        </p:style>
-        <p:txBody>
-          <a:bodyPr wrap="none" lIns="45720" tIns="18288" rIns="45720" bIns="18288" rtlCol="0" anchor="ctr">
-            <a:noAutofit/>
-          </a:bodyPr>
-          <a:lstStyle/>
-          <a:p>
-            <a:r>
-              <a:rPr lang="en-US" sz="1200" dirty="0">
-                <a:latin typeface="Segoe UI" pitchFamily="34" charset="0"/>
-                <a:cs typeface="Segoe UI" pitchFamily="34" charset="0"/>
-              </a:rPr>
-              <a:t>4</a:t>
-            </a:r>
-            <a:r>
-              <a:rPr lang="en-US" sz="1200" dirty="0">
-                <a:solidFill>
-                  <a:srgbClr val="000000"/>
-                </a:solidFill>
-                <a:latin typeface="Segoe UI" pitchFamily="34" charset="0"/>
-                <a:cs typeface="Segoe UI" pitchFamily="34" charset="0"/>
-              </a:rPr>
-              <a:t>. Choix </a:t>
-            </a:r>
-            <a:r>
-              <a:rPr lang="en-US" sz="1200" dirty="0" err="1">
-                <a:solidFill>
-                  <a:srgbClr val="000000"/>
-                </a:solidFill>
-                <a:latin typeface="Segoe UI" pitchFamily="34" charset="0"/>
-                <a:cs typeface="Segoe UI" pitchFamily="34" charset="0"/>
-              </a:rPr>
-              <a:t>réponse</a:t>
-            </a:r>
-            <a:r>
-              <a:rPr lang="en-US" sz="1200" dirty="0">
-                <a:solidFill>
-                  <a:srgbClr val="000000"/>
-                </a:solidFill>
-                <a:latin typeface="Segoe UI" pitchFamily="34" charset="0"/>
-                <a:cs typeface="Segoe UI" pitchFamily="34" charset="0"/>
-              </a:rPr>
-              <a:t> 4</a:t>
-            </a:r>
-          </a:p>
-        </p:txBody>
-      </p:sp>
-      <p:sp>
-        <p:nvSpPr>
-          <p:cNvPr id="14" name="Titre 13">
-            <a:extLst>
-              <a:ext uri="{FF2B5EF4-FFF2-40B4-BE49-F238E27FC236}">
-                <a16:creationId xmlns:a16="http://schemas.microsoft.com/office/drawing/2014/main" id="{0CA17BB1-49BC-4C29-A092-EC3CA7D02F5F}"/>
-              </a:ext>
-            </a:extLst>
-          </p:cNvPr>
-          <p:cNvSpPr>
-            <a:spLocks noGrp="1"/>
-          </p:cNvSpPr>
-          <p:nvPr>
-            <p:ph type="title" idx="4294967295"/>
-          </p:nvPr>
-        </p:nvSpPr>
-        <p:spPr>
-          <a:xfrm>
-            <a:off x="931985" y="-689822"/>
-            <a:ext cx="10515600" cy="650636"/>
-          </a:xfrm>
-          <a:prstGeom prst="rect">
-            <a:avLst/>
-          </a:prstGeom>
-        </p:spPr>
-        <p:txBody>
-          <a:bodyPr/>
-          <a:lstStyle/>
-          <a:p>
-            <a:r>
-              <a:rPr lang="fr-FR" dirty="0"/>
-              <a:t>Sondage : Choix=4 </a:t>
-            </a:r>
-            <a:r>
-              <a:rPr lang="fr-FR" dirty="0" err="1"/>
-              <a:t>ChoixMultiple</a:t>
-            </a:r>
-            <a:r>
-              <a:rPr lang="fr-FR" dirty="0"/>
-              <a:t>=1</a:t>
-            </a:r>
-            <a:br>
-              <a:rPr lang="fr-FR" dirty="0"/>
-            </a:br>
-            <a:endParaRPr lang="fr-FR" dirty="0"/>
-          </a:p>
-        </p:txBody>
-      </p:sp>
     </p:spTree>
     <p:extLst>
       <p:ext uri="{BB962C8B-B14F-4D97-AF65-F5344CB8AC3E}">
-        <p14:creationId xmlns:p14="http://schemas.microsoft.com/office/powerpoint/2010/main" val="3925699107"/>
+        <p14:creationId xmlns:p14="http://schemas.microsoft.com/office/powerpoint/2010/main" val="2331321066"/>
       </p:ext>
     </p:extLst>
   </p:cSld>
@@ -9585,6 +9646,13 @@
       <p:transition spd="slow" advClick="0"/>
     </mc:Fallback>
   </mc:AlternateContent>
+  <p:timing>
+    <p:tnLst>
+      <p:par>
+        <p:cTn id="1" dur="indefinite" restart="never" nodeType="tmRoot"/>
+      </p:par>
+    </p:tnLst>
+  </p:timing>
 </p:sld>
 </file>
 
@@ -9823,617 +9891,10 @@
           </p:txBody>
         </p:sp>
       </p:grpSp>
-      <p:grpSp>
-        <p:nvGrpSpPr>
-          <p:cNvPr id="7" name="Groupe 6">
-            <a:extLst>
-              <a:ext uri="{FF2B5EF4-FFF2-40B4-BE49-F238E27FC236}">
-                <a16:creationId xmlns:a16="http://schemas.microsoft.com/office/drawing/2014/main" id="{2F7C9145-B866-40D7-9424-48FF2FBAF2B9}"/>
-              </a:ext>
-            </a:extLst>
-          </p:cNvPr>
-          <p:cNvGrpSpPr/>
-          <p:nvPr/>
-        </p:nvGrpSpPr>
-        <p:grpSpPr>
-          <a:xfrm>
-            <a:off x="3734654" y="1441586"/>
-            <a:ext cx="4668682" cy="2807207"/>
-            <a:chOff x="3729760" y="1615044"/>
-            <a:chExt cx="4722691" cy="3176681"/>
-          </a:xfrm>
-        </p:grpSpPr>
-        <p:grpSp>
-          <p:nvGrpSpPr>
-            <p:cNvPr id="8" name="Groupe 7">
-              <a:extLst>
-                <a:ext uri="{FF2B5EF4-FFF2-40B4-BE49-F238E27FC236}">
-                  <a16:creationId xmlns:a16="http://schemas.microsoft.com/office/drawing/2014/main" id="{977D3A8E-59AE-4144-846F-209D962C950D}"/>
-                </a:ext>
-              </a:extLst>
-            </p:cNvPr>
-            <p:cNvGrpSpPr/>
-            <p:nvPr/>
-          </p:nvGrpSpPr>
-          <p:grpSpPr>
-            <a:xfrm>
-              <a:off x="3729761" y="1615044"/>
-              <a:ext cx="4722690" cy="2573757"/>
-              <a:chOff x="3675253" y="1056904"/>
-              <a:chExt cx="4722690" cy="2573757"/>
-            </a:xfrm>
-          </p:grpSpPr>
-          <p:sp>
-            <p:nvSpPr>
-              <p:cNvPr id="10" name="Content">
-                <a:extLst>
-                  <a:ext uri="{FF2B5EF4-FFF2-40B4-BE49-F238E27FC236}">
-                    <a16:creationId xmlns:a16="http://schemas.microsoft.com/office/drawing/2014/main" id="{A4187F21-9E34-4839-90ED-BC9C14D23A35}"/>
-                  </a:ext>
-                </a:extLst>
-              </p:cNvPr>
-              <p:cNvSpPr/>
-              <p:nvPr>
-                <p:custDataLst>
-                  <p:custData r:id="rId7"/>
-                </p:custDataLst>
-              </p:nvPr>
-            </p:nvSpPr>
-            <p:spPr>
-              <a:xfrm>
-                <a:off x="3675253" y="1056904"/>
-                <a:ext cx="4722690" cy="736270"/>
-              </a:xfrm>
-              <a:prstGeom prst="rect">
-                <a:avLst/>
-              </a:prstGeom>
-              <a:solidFill>
-                <a:sysClr val="window" lastClr="FFFFFF"/>
-              </a:solidFill>
-              <a:ln w="3175">
-                <a:solidFill>
-                  <a:srgbClr val="000000">
-                    <a:lumMod val="50000"/>
-                    <a:lumOff val="50000"/>
-                  </a:srgbClr>
-                </a:solidFill>
-              </a:ln>
-              <a:effectLst/>
-            </p:spPr>
-            <p:style>
-              <a:lnRef idx="2">
-                <a:srgbClr val="4F81BD">
-                  <a:shade val="50000"/>
-                </a:srgbClr>
-              </a:lnRef>
-              <a:fillRef idx="1">
-                <a:srgbClr val="4F81BD"/>
-              </a:fillRef>
-              <a:effectRef idx="0">
-                <a:srgbClr val="4F81BD"/>
-              </a:effectRef>
-              <a:fontRef idx="minor">
-                <a:srgbClr val="000000"/>
-              </a:fontRef>
-            </p:style>
-            <p:txBody>
-              <a:bodyPr wrap="none" lIns="45720" tIns="18288" rIns="45720" bIns="18288" rtlCol="0" anchor="ctr">
-                <a:noAutofit/>
-              </a:bodyPr>
-              <a:lstStyle/>
-              <a:p>
-                <a:pPr algn="ctr"/>
-                <a:r>
-                  <a:rPr lang="en-US" b="1" dirty="0">
-                    <a:solidFill>
-                      <a:srgbClr val="000000"/>
-                    </a:solidFill>
-                    <a:latin typeface="Segoe UI" pitchFamily="34" charset="0"/>
-                    <a:cs typeface="Segoe UI" pitchFamily="34" charset="0"/>
-                  </a:rPr>
-                  <a:t>Description du son</a:t>
-                </a:r>
-                <a:r>
-                  <a:rPr lang="en-US" b="1" dirty="0">
-                    <a:latin typeface="Segoe UI" pitchFamily="34" charset="0"/>
-                    <a:cs typeface="Segoe UI" pitchFamily="34" charset="0"/>
-                  </a:rPr>
-                  <a:t>dage</a:t>
-                </a:r>
-                <a:endParaRPr lang="en-US" b="1" dirty="0">
-                  <a:solidFill>
-                    <a:srgbClr val="000000"/>
-                  </a:solidFill>
-                  <a:latin typeface="Segoe UI" pitchFamily="34" charset="0"/>
-                  <a:cs typeface="Segoe UI" pitchFamily="34" charset="0"/>
-                </a:endParaRPr>
-              </a:p>
-            </p:txBody>
-          </p:sp>
-          <p:sp>
-            <p:nvSpPr>
-              <p:cNvPr id="11" name="Content">
-                <a:extLst>
-                  <a:ext uri="{FF2B5EF4-FFF2-40B4-BE49-F238E27FC236}">
-                    <a16:creationId xmlns:a16="http://schemas.microsoft.com/office/drawing/2014/main" id="{2F3C72D7-4FAA-4A45-8D01-E1350B0F6572}"/>
-                  </a:ext>
-                </a:extLst>
-              </p:cNvPr>
-              <p:cNvSpPr/>
-              <p:nvPr>
-                <p:custDataLst>
-                  <p:custData r:id="rId8"/>
-                </p:custDataLst>
-              </p:nvPr>
-            </p:nvSpPr>
-            <p:spPr>
-              <a:xfrm>
-                <a:off x="3675253" y="1793174"/>
-                <a:ext cx="4722690" cy="633062"/>
-              </a:xfrm>
-              <a:prstGeom prst="rect">
-                <a:avLst/>
-              </a:prstGeom>
-              <a:solidFill>
-                <a:sysClr val="window" lastClr="FFFFFF"/>
-              </a:solidFill>
-              <a:ln w="3175">
-                <a:solidFill>
-                  <a:srgbClr val="000000">
-                    <a:lumMod val="50000"/>
-                    <a:lumOff val="50000"/>
-                  </a:srgbClr>
-                </a:solidFill>
-              </a:ln>
-              <a:effectLst/>
-            </p:spPr>
-            <p:style>
-              <a:lnRef idx="2">
-                <a:srgbClr val="4F81BD">
-                  <a:shade val="50000"/>
-                </a:srgbClr>
-              </a:lnRef>
-              <a:fillRef idx="1">
-                <a:srgbClr val="4F81BD"/>
-              </a:fillRef>
-              <a:effectRef idx="0">
-                <a:srgbClr val="4F81BD"/>
-              </a:effectRef>
-              <a:fontRef idx="minor">
-                <a:srgbClr val="000000"/>
-              </a:fontRef>
-            </p:style>
-            <p:txBody>
-              <a:bodyPr wrap="none" lIns="45720" tIns="18288" rIns="45720" bIns="18288" rtlCol="0" anchor="ctr">
-                <a:noAutofit/>
-              </a:bodyPr>
-              <a:lstStyle/>
-              <a:p>
-                <a:r>
-                  <a:rPr lang="en-US" sz="1200" dirty="0">
-                    <a:latin typeface="Segoe UI" pitchFamily="34" charset="0"/>
-                    <a:cs typeface="Segoe UI" pitchFamily="34" charset="0"/>
-                  </a:rPr>
-                  <a:t> 1. Choix réponse 1	</a:t>
-                </a:r>
-                <a:endParaRPr lang="en-US" sz="1200" dirty="0">
-                  <a:solidFill>
-                    <a:srgbClr val="000000"/>
-                  </a:solidFill>
-                  <a:latin typeface="Segoe UI" pitchFamily="34" charset="0"/>
-                  <a:cs typeface="Segoe UI" pitchFamily="34" charset="0"/>
-                </a:endParaRPr>
-              </a:p>
-            </p:txBody>
-          </p:sp>
-          <p:sp>
-            <p:nvSpPr>
-              <p:cNvPr id="12" name="Content">
-                <a:extLst>
-                  <a:ext uri="{FF2B5EF4-FFF2-40B4-BE49-F238E27FC236}">
-                    <a16:creationId xmlns:a16="http://schemas.microsoft.com/office/drawing/2014/main" id="{55E82B89-7F65-499D-A68D-1BAC8AAC06E0}"/>
-                  </a:ext>
-                </a:extLst>
-              </p:cNvPr>
-              <p:cNvSpPr/>
-              <p:nvPr>
-                <p:custDataLst>
-                  <p:custData r:id="rId9"/>
-                </p:custDataLst>
-              </p:nvPr>
-            </p:nvSpPr>
-            <p:spPr>
-              <a:xfrm>
-                <a:off x="3675253" y="2426236"/>
-                <a:ext cx="4722690" cy="602925"/>
-              </a:xfrm>
-              <a:prstGeom prst="rect">
-                <a:avLst/>
-              </a:prstGeom>
-              <a:solidFill>
-                <a:sysClr val="window" lastClr="FFFFFF"/>
-              </a:solidFill>
-              <a:ln w="3175">
-                <a:solidFill>
-                  <a:srgbClr val="000000">
-                    <a:lumMod val="50000"/>
-                    <a:lumOff val="50000"/>
-                  </a:srgbClr>
-                </a:solidFill>
-              </a:ln>
-              <a:effectLst/>
-            </p:spPr>
-            <p:style>
-              <a:lnRef idx="2">
-                <a:srgbClr val="4F81BD">
-                  <a:shade val="50000"/>
-                </a:srgbClr>
-              </a:lnRef>
-              <a:fillRef idx="1">
-                <a:srgbClr val="4F81BD"/>
-              </a:fillRef>
-              <a:effectRef idx="0">
-                <a:srgbClr val="4F81BD"/>
-              </a:effectRef>
-              <a:fontRef idx="minor">
-                <a:srgbClr val="000000"/>
-              </a:fontRef>
-            </p:style>
-            <p:txBody>
-              <a:bodyPr wrap="none" lIns="45720" tIns="18288" rIns="45720" bIns="18288" rtlCol="0" anchor="ctr">
-                <a:noAutofit/>
-              </a:bodyPr>
-              <a:lstStyle/>
-              <a:p>
-                <a:r>
-                  <a:rPr lang="en-US" sz="1200" dirty="0">
-                    <a:solidFill>
-                      <a:srgbClr val="000000"/>
-                    </a:solidFill>
-                    <a:latin typeface="Segoe UI" pitchFamily="34" charset="0"/>
-                    <a:cs typeface="Segoe UI" pitchFamily="34" charset="0"/>
-                  </a:rPr>
-                  <a:t>2. Choix réponse 2</a:t>
-                </a:r>
-              </a:p>
-            </p:txBody>
-          </p:sp>
-          <p:sp>
-            <p:nvSpPr>
-              <p:cNvPr id="13" name="Content">
-                <a:extLst>
-                  <a:ext uri="{FF2B5EF4-FFF2-40B4-BE49-F238E27FC236}">
-                    <a16:creationId xmlns:a16="http://schemas.microsoft.com/office/drawing/2014/main" id="{CE4D7EE8-5B61-46BA-BB17-DF8200A6150A}"/>
-                  </a:ext>
-                </a:extLst>
-              </p:cNvPr>
-              <p:cNvSpPr/>
-              <p:nvPr>
-                <p:custDataLst>
-                  <p:custData r:id="rId10"/>
-                </p:custDataLst>
-              </p:nvPr>
-            </p:nvSpPr>
-            <p:spPr>
-              <a:xfrm>
-                <a:off x="3675253" y="3026071"/>
-                <a:ext cx="4722690" cy="604590"/>
-              </a:xfrm>
-              <a:prstGeom prst="rect">
-                <a:avLst/>
-              </a:prstGeom>
-              <a:solidFill>
-                <a:sysClr val="window" lastClr="FFFFFF"/>
-              </a:solidFill>
-              <a:ln w="3175">
-                <a:solidFill>
-                  <a:srgbClr val="000000">
-                    <a:lumMod val="50000"/>
-                    <a:lumOff val="50000"/>
-                  </a:srgbClr>
-                </a:solidFill>
-              </a:ln>
-              <a:effectLst/>
-            </p:spPr>
-            <p:style>
-              <a:lnRef idx="2">
-                <a:srgbClr val="4F81BD">
-                  <a:shade val="50000"/>
-                </a:srgbClr>
-              </a:lnRef>
-              <a:fillRef idx="1">
-                <a:srgbClr val="4F81BD"/>
-              </a:fillRef>
-              <a:effectRef idx="0">
-                <a:srgbClr val="4F81BD"/>
-              </a:effectRef>
-              <a:fontRef idx="minor">
-                <a:srgbClr val="000000"/>
-              </a:fontRef>
-            </p:style>
-            <p:txBody>
-              <a:bodyPr wrap="none" lIns="45720" tIns="18288" rIns="45720" bIns="18288" rtlCol="0" anchor="ctr">
-                <a:noAutofit/>
-              </a:bodyPr>
-              <a:lstStyle/>
-              <a:p>
-                <a:r>
-                  <a:rPr lang="en-US" sz="1200" dirty="0">
-                    <a:solidFill>
-                      <a:srgbClr val="000000"/>
-                    </a:solidFill>
-                    <a:latin typeface="Segoe UI" pitchFamily="34" charset="0"/>
-                    <a:cs typeface="Segoe UI" pitchFamily="34" charset="0"/>
-                  </a:rPr>
-                  <a:t>3. Choix réponse 3</a:t>
-                </a:r>
-              </a:p>
-            </p:txBody>
-          </p:sp>
-        </p:grpSp>
-        <p:sp>
-          <p:nvSpPr>
-            <p:cNvPr id="9" name="Content">
-              <a:extLst>
-                <a:ext uri="{FF2B5EF4-FFF2-40B4-BE49-F238E27FC236}">
-                  <a16:creationId xmlns:a16="http://schemas.microsoft.com/office/drawing/2014/main" id="{6FC0206D-A8F6-44F8-BD05-B828A348F68B}"/>
-                </a:ext>
-              </a:extLst>
-            </p:cNvPr>
-            <p:cNvSpPr/>
-            <p:nvPr>
-              <p:custDataLst>
-                <p:custData r:id="rId6"/>
-              </p:custDataLst>
-            </p:nvPr>
-          </p:nvSpPr>
-          <p:spPr>
-            <a:xfrm>
-              <a:off x="3729760" y="4187135"/>
-              <a:ext cx="4722690" cy="604590"/>
-            </a:xfrm>
-            <a:prstGeom prst="rect">
-              <a:avLst/>
-            </a:prstGeom>
-            <a:noFill/>
-            <a:ln w="3175">
-              <a:solidFill>
-                <a:srgbClr val="000000">
-                  <a:lumMod val="50000"/>
-                  <a:lumOff val="50000"/>
-                </a:srgbClr>
-              </a:solidFill>
-            </a:ln>
-            <a:effectLst/>
-          </p:spPr>
-          <p:style>
-            <a:lnRef idx="2">
-              <a:srgbClr val="4F81BD">
-                <a:shade val="50000"/>
-              </a:srgbClr>
-            </a:lnRef>
-            <a:fillRef idx="1">
-              <a:srgbClr val="4F81BD"/>
-            </a:fillRef>
-            <a:effectRef idx="0">
-              <a:srgbClr val="4F81BD"/>
-            </a:effectRef>
-            <a:fontRef idx="minor">
-              <a:srgbClr val="000000"/>
-            </a:fontRef>
-          </p:style>
-          <p:txBody>
-            <a:bodyPr wrap="none" lIns="45720" tIns="18288" rIns="45720" bIns="18288" rtlCol="0" anchor="ctr">
-              <a:noAutofit/>
-            </a:bodyPr>
-            <a:lstStyle/>
-            <a:p>
-              <a:r>
-                <a:rPr lang="en-US" sz="1200" dirty="0">
-                  <a:latin typeface="Segoe UI" pitchFamily="34" charset="0"/>
-                  <a:cs typeface="Segoe UI" pitchFamily="34" charset="0"/>
-                </a:rPr>
-                <a:t>4.</a:t>
-              </a:r>
-              <a:r>
-                <a:rPr lang="en-US" sz="1200" dirty="0">
-                  <a:solidFill>
-                    <a:srgbClr val="000000"/>
-                  </a:solidFill>
-                  <a:latin typeface="Segoe UI" pitchFamily="34" charset="0"/>
-                  <a:cs typeface="Segoe UI" pitchFamily="34" charset="0"/>
-                </a:rPr>
-                <a:t> Choix réponse 4</a:t>
-              </a:r>
-            </a:p>
-          </p:txBody>
-        </p:sp>
-      </p:grpSp>
-      <p:grpSp>
-        <p:nvGrpSpPr>
-          <p:cNvPr id="21" name="StickyNote">
-            <a:extLst>
-              <a:ext uri="{FF2B5EF4-FFF2-40B4-BE49-F238E27FC236}">
-                <a16:creationId xmlns:a16="http://schemas.microsoft.com/office/drawing/2014/main" id="{2470C0E2-9D5F-4914-85E4-50E451E41F96}"/>
-              </a:ext>
-            </a:extLst>
-          </p:cNvPr>
-          <p:cNvGrpSpPr/>
-          <p:nvPr>
-            <p:custDataLst>
-              <p:custData r:id="rId1"/>
-            </p:custDataLst>
-          </p:nvPr>
-        </p:nvGrpSpPr>
-        <p:grpSpPr>
-          <a:xfrm>
-            <a:off x="8824625" y="4051735"/>
-            <a:ext cx="1946294" cy="1243084"/>
-            <a:chOff x="3886200" y="2629127"/>
-            <a:chExt cx="1371600" cy="1485673"/>
-          </a:xfrm>
-        </p:grpSpPr>
-        <p:sp>
-          <p:nvSpPr>
-            <p:cNvPr id="22" name="Content">
-              <a:extLst>
-                <a:ext uri="{FF2B5EF4-FFF2-40B4-BE49-F238E27FC236}">
-                  <a16:creationId xmlns:a16="http://schemas.microsoft.com/office/drawing/2014/main" id="{71878AA6-7BFF-4E1B-9182-1586E5A8FE64}"/>
-                </a:ext>
-              </a:extLst>
-            </p:cNvPr>
-            <p:cNvSpPr/>
-            <p:nvPr/>
-          </p:nvSpPr>
-          <p:spPr>
-            <a:xfrm>
-              <a:off x="3886200" y="2743200"/>
-              <a:ext cx="1371600" cy="1371600"/>
-            </a:xfrm>
-            <a:prstGeom prst="rect">
-              <a:avLst/>
-            </a:prstGeom>
-            <a:gradFill>
-              <a:gsLst>
-                <a:gs pos="100000">
-                  <a:srgbClr val="FFFF89"/>
-                </a:gs>
-                <a:gs pos="0">
-                  <a:srgbClr val="FFFF99"/>
-                </a:gs>
-              </a:gsLst>
-              <a:lin ang="5400000" scaled="0"/>
-            </a:gradFill>
-            <a:ln w="3175">
-              <a:solidFill>
-                <a:srgbClr val="FFFFFF">
-                  <a:lumMod val="50000"/>
-                </a:srgbClr>
-              </a:solidFill>
-            </a:ln>
-            <a:effectLst/>
-          </p:spPr>
-          <p:style>
-            <a:lnRef idx="2">
-              <a:srgbClr val="4F81BD">
-                <a:shade val="50000"/>
-              </a:srgbClr>
-            </a:lnRef>
-            <a:fillRef idx="1">
-              <a:srgbClr val="4F81BD"/>
-            </a:fillRef>
-            <a:effectRef idx="0">
-              <a:srgbClr val="4F81BD"/>
-            </a:effectRef>
-            <a:fontRef idx="minor">
-              <a:srgbClr val="000000"/>
-            </a:fontRef>
-          </p:style>
-          <p:txBody>
-            <a:bodyPr lIns="91440" tIns="137160" rIns="91440" bIns="45720" rtlCol="0" anchor="t" anchorCtr="0">
-              <a:normAutofit/>
-            </a:bodyPr>
-            <a:lstStyle/>
-            <a:p>
-              <a:r>
-                <a:rPr lang="en-US" sz="1200" dirty="0">
-                  <a:solidFill>
-                    <a:sysClr val="windowText" lastClr="000000"/>
-                  </a:solidFill>
-                  <a:latin typeface="Segoe UI" pitchFamily="34" charset="0"/>
-                  <a:cs typeface="Segoe UI" pitchFamily="34" charset="0"/>
-                </a:rPr>
-                <a:t>Clique sur la réponse n =&gt; Rajoute un choix supplémentaire autant de fois que l’utilisteur le souhaite.</a:t>
-              </a:r>
-            </a:p>
-          </p:txBody>
-        </p:sp>
-        <p:sp>
-          <p:nvSpPr>
-            <p:cNvPr id="23" name="Tape">
-              <a:extLst>
-                <a:ext uri="{FF2B5EF4-FFF2-40B4-BE49-F238E27FC236}">
-                  <a16:creationId xmlns:a16="http://schemas.microsoft.com/office/drawing/2014/main" id="{4235CD70-6F9F-4273-8667-2D9A6EB2EB4E}"/>
-                </a:ext>
-              </a:extLst>
-            </p:cNvPr>
-            <p:cNvSpPr/>
-            <p:nvPr>
-              <p:custDataLst>
-                <p:custData r:id="rId5"/>
-              </p:custDataLst>
-            </p:nvPr>
-          </p:nvSpPr>
-          <p:spPr>
-            <a:xfrm rot="401918">
-              <a:off x="4290086" y="2629127"/>
-              <a:ext cx="563828" cy="215444"/>
-            </a:xfrm>
-            <a:prstGeom prst="rect">
-              <a:avLst/>
-            </a:prstGeom>
-            <a:solidFill>
-              <a:srgbClr val="C00000"/>
-            </a:solidFill>
-            <a:ln w="3175" cap="flat" cmpd="sng" algn="ctr">
-              <a:solidFill>
-                <a:srgbClr val="FFFFFF">
-                  <a:lumMod val="50000"/>
-                </a:srgbClr>
-              </a:solidFill>
-              <a:prstDash val="solid"/>
-            </a:ln>
-            <a:effectLst/>
-          </p:spPr>
-          <p:txBody>
-            <a:bodyPr rot="0" spcFirstLastPara="0" vertOverflow="overflow" horzOverflow="overflow" vert="horz" wrap="square" lIns="45720" tIns="45720" rIns="91440" bIns="45720" numCol="1" spcCol="0" rtlCol="0" fromWordArt="0" anchor="ctr" anchorCtr="0" forceAA="0" compatLnSpc="1">
-              <a:prstTxWarp prst="textNoShape">
-                <a:avLst/>
-              </a:prstTxWarp>
-              <a:noAutofit/>
-            </a:bodyPr>
-            <a:lstStyle/>
-            <a:p>
-              <a:pPr marL="0" marR="0" indent="0" algn="ctr" defTabSz="914400" eaLnBrk="1" fontAlgn="auto" latinLnBrk="0" hangingPunct="1">
-                <a:lnSpc>
-                  <a:spcPct val="100000"/>
-                </a:lnSpc>
-                <a:spcBef>
-                  <a:spcPts val="0"/>
-                </a:spcBef>
-                <a:spcAft>
-                  <a:spcPts val="0"/>
-                </a:spcAft>
-                <a:buClrTx/>
-                <a:buSzTx/>
-                <a:buFontTx/>
-                <a:buNone/>
-                <a:tabLst/>
-              </a:pPr>
-              <a:endParaRPr kumimoji="0" lang="en-US" sz="800" b="0" i="0" u="none" strike="noStrike" kern="0" cap="none" spc="0" normalizeH="0" baseline="0" noProof="0" dirty="0">
-                <a:ln>
-                  <a:noFill/>
-                </a:ln>
-                <a:solidFill>
-                  <a:srgbClr val="000000">
-                    <a:lumMod val="75000"/>
-                    <a:lumOff val="25000"/>
-                  </a:srgbClr>
-                </a:solidFill>
-                <a:effectLst/>
-                <a:uLnTx/>
-                <a:uFillTx/>
-                <a:latin typeface="Segoe UI"/>
-                <a:ea typeface="+mn-ea"/>
-                <a:cs typeface="+mn-cs"/>
-              </a:endParaRPr>
-            </a:p>
-          </p:txBody>
-        </p:sp>
-      </p:grpSp>
       <p:sp>
         <p:nvSpPr>
           <p:cNvPr id="27" name="Content">
+            <a:hlinkClick r:id="rId14" action="ppaction://hlinksldjump"/>
             <a:extLst>
               <a:ext uri="{FF2B5EF4-FFF2-40B4-BE49-F238E27FC236}">
                 <a16:creationId xmlns:a16="http://schemas.microsoft.com/office/drawing/2014/main" id="{CAE245B8-DB6B-4505-A407-52163DED9D5B}"/>
@@ -10443,7 +9904,7 @@
           <p:cNvSpPr/>
           <p:nvPr>
             <p:custDataLst>
-              <p:custData r:id="rId2"/>
+              <p:custData r:id="rId1"/>
             </p:custDataLst>
           </p:nvPr>
         </p:nvSpPr>
@@ -10510,82 +9971,618 @@
       </p:sp>
       <p:sp>
         <p:nvSpPr>
-          <p:cNvPr id="28" name="Content">
+          <p:cNvPr id="14" name="Titre 13">
             <a:extLst>
               <a:ext uri="{FF2B5EF4-FFF2-40B4-BE49-F238E27FC236}">
-                <a16:creationId xmlns:a16="http://schemas.microsoft.com/office/drawing/2014/main" id="{EAE484A1-4731-4025-B923-CDAB92E643BD}"/>
+                <a16:creationId xmlns:a16="http://schemas.microsoft.com/office/drawing/2014/main" id="{38509D17-7AF3-4D58-9C42-7E48670BC38B}"/>
               </a:ext>
             </a:extLst>
           </p:cNvPr>
-          <p:cNvSpPr/>
+          <p:cNvSpPr>
+            <a:spLocks noGrp="1"/>
+          </p:cNvSpPr>
           <p:nvPr>
-            <p:custDataLst>
-              <p:custData r:id="rId3"/>
-            </p:custDataLst>
+            <p:ph type="title" idx="4294967295"/>
           </p:nvPr>
         </p:nvSpPr>
         <p:spPr>
           <a:xfrm>
-            <a:off x="3734653" y="4246063"/>
-            <a:ext cx="4668681" cy="534271"/>
+            <a:off x="838200" y="-680767"/>
+            <a:ext cx="10515600" cy="650637"/>
           </a:xfrm>
           <a:prstGeom prst="rect">
             <a:avLst/>
           </a:prstGeom>
-          <a:solidFill>
-            <a:schemeClr val="accent2">
-              <a:lumMod val="40000"/>
-              <a:lumOff val="60000"/>
-            </a:schemeClr>
-          </a:solidFill>
-          <a:ln w="3175">
-            <a:solidFill>
-              <a:srgbClr val="000000">
-                <a:lumMod val="50000"/>
-                <a:lumOff val="50000"/>
-              </a:srgbClr>
-            </a:solidFill>
-          </a:ln>
-          <a:effectLst/>
         </p:spPr>
-        <p:style>
-          <a:lnRef idx="2">
-            <a:srgbClr val="4F81BD">
-              <a:shade val="50000"/>
-            </a:srgbClr>
-          </a:lnRef>
-          <a:fillRef idx="1">
-            <a:srgbClr val="4F81BD"/>
-          </a:fillRef>
-          <a:effectRef idx="0">
-            <a:srgbClr val="4F81BD"/>
-          </a:effectRef>
-          <a:fontRef idx="minor">
-            <a:srgbClr val="000000"/>
-          </a:fontRef>
-        </p:style>
         <p:txBody>
-          <a:bodyPr wrap="none" lIns="45720" tIns="18288" rIns="45720" bIns="18288" rtlCol="0" anchor="ctr">
-            <a:noAutofit/>
-          </a:bodyPr>
+          <a:bodyPr/>
           <a:lstStyle/>
           <a:p>
             <a:r>
-              <a:rPr lang="en-US" sz="1200" dirty="0">
-                <a:solidFill>
-                  <a:srgbClr val="000000"/>
-                </a:solidFill>
-                <a:latin typeface="Segoe UI" pitchFamily="34" charset="0"/>
-                <a:cs typeface="Segoe UI" pitchFamily="34" charset="0"/>
-              </a:rPr>
-              <a:t>n. Choix réponse n</a:t>
+              <a:rPr lang="fr-FR" dirty="0"/>
+              <a:t>Sondage : Choix=3 </a:t>
+            </a:r>
+            <a:r>
+              <a:rPr lang="fr-FR" dirty="0" err="1"/>
+              <a:t>ChoixMultiple</a:t>
+            </a:r>
+            <a:r>
+              <a:rPr lang="fr-FR" dirty="0"/>
+              <a:t>=0</a:t>
             </a:r>
           </a:p>
         </p:txBody>
       </p:sp>
       <p:grpSp>
         <p:nvGrpSpPr>
-          <p:cNvPr id="40" name="CheckBoxUnchecked">
+          <p:cNvPr id="15" name="Groupe 14"/>
+          <p:cNvGrpSpPr/>
+          <p:nvPr/>
+        </p:nvGrpSpPr>
+        <p:grpSpPr>
+          <a:xfrm>
+            <a:off x="3733200" y="1441586"/>
+            <a:ext cx="4670136" cy="3291763"/>
+            <a:chOff x="3733200" y="1441586"/>
+            <a:chExt cx="4670136" cy="3291763"/>
+          </a:xfrm>
+        </p:grpSpPr>
+        <p:grpSp>
+          <p:nvGrpSpPr>
+            <p:cNvPr id="7" name="Groupe 6">
+              <a:extLst>
+                <a:ext uri="{FF2B5EF4-FFF2-40B4-BE49-F238E27FC236}">
+                  <a16:creationId xmlns:a16="http://schemas.microsoft.com/office/drawing/2014/main" id="{2F7C9145-B866-40D7-9424-48FF2FBAF2B9}"/>
+                </a:ext>
+              </a:extLst>
+            </p:cNvPr>
+            <p:cNvGrpSpPr/>
+            <p:nvPr/>
+          </p:nvGrpSpPr>
+          <p:grpSpPr>
+            <a:xfrm>
+              <a:off x="3734653" y="1441586"/>
+              <a:ext cx="4668683" cy="2764800"/>
+              <a:chOff x="3729759" y="1615044"/>
+              <a:chExt cx="4722692" cy="3157114"/>
+            </a:xfrm>
+          </p:grpSpPr>
+          <p:grpSp>
+            <p:nvGrpSpPr>
+              <p:cNvPr id="8" name="Groupe 7">
+                <a:extLst>
+                  <a:ext uri="{FF2B5EF4-FFF2-40B4-BE49-F238E27FC236}">
+                    <a16:creationId xmlns:a16="http://schemas.microsoft.com/office/drawing/2014/main" id="{977D3A8E-59AE-4144-846F-209D962C950D}"/>
+                  </a:ext>
+                </a:extLst>
+              </p:cNvPr>
+              <p:cNvGrpSpPr/>
+              <p:nvPr/>
+            </p:nvGrpSpPr>
+            <p:grpSpPr>
+              <a:xfrm>
+                <a:off x="3729760" y="1615044"/>
+                <a:ext cx="4722691" cy="2546710"/>
+                <a:chOff x="3675252" y="1056904"/>
+                <a:chExt cx="4722691" cy="2546710"/>
+              </a:xfrm>
+            </p:grpSpPr>
+            <p:sp>
+              <p:nvSpPr>
+                <p:cNvPr id="10" name="Content">
+                  <a:extLst>
+                    <a:ext uri="{FF2B5EF4-FFF2-40B4-BE49-F238E27FC236}">
+                      <a16:creationId xmlns:a16="http://schemas.microsoft.com/office/drawing/2014/main" id="{A4187F21-9E34-4839-90ED-BC9C14D23A35}"/>
+                    </a:ext>
+                  </a:extLst>
+                </p:cNvPr>
+                <p:cNvSpPr/>
+                <p:nvPr>
+                  <p:custDataLst>
+                    <p:custData r:id="rId7"/>
+                  </p:custDataLst>
+                </p:nvPr>
+              </p:nvSpPr>
+              <p:spPr>
+                <a:xfrm>
+                  <a:off x="3675253" y="1056904"/>
+                  <a:ext cx="4722690" cy="736270"/>
+                </a:xfrm>
+                <a:prstGeom prst="rect">
+                  <a:avLst/>
+                </a:prstGeom>
+                <a:solidFill>
+                  <a:sysClr val="window" lastClr="FFFFFF"/>
+                </a:solidFill>
+                <a:ln w="3175">
+                  <a:solidFill>
+                    <a:srgbClr val="000000">
+                      <a:lumMod val="50000"/>
+                      <a:lumOff val="50000"/>
+                    </a:srgbClr>
+                  </a:solidFill>
+                </a:ln>
+                <a:effectLst/>
+              </p:spPr>
+              <p:style>
+                <a:lnRef idx="2">
+                  <a:srgbClr val="4F81BD">
+                    <a:shade val="50000"/>
+                  </a:srgbClr>
+                </a:lnRef>
+                <a:fillRef idx="1">
+                  <a:srgbClr val="4F81BD"/>
+                </a:fillRef>
+                <a:effectRef idx="0">
+                  <a:srgbClr val="4F81BD"/>
+                </a:effectRef>
+                <a:fontRef idx="minor">
+                  <a:srgbClr val="000000"/>
+                </a:fontRef>
+              </p:style>
+              <p:txBody>
+                <a:bodyPr wrap="none" lIns="45720" tIns="18288" rIns="45720" bIns="18288" rtlCol="0" anchor="ctr">
+                  <a:noAutofit/>
+                </a:bodyPr>
+                <a:lstStyle/>
+                <a:p>
+                  <a:pPr algn="ctr"/>
+                  <a:r>
+                    <a:rPr lang="en-US" b="1" dirty="0">
+                      <a:solidFill>
+                        <a:srgbClr val="000000"/>
+                      </a:solidFill>
+                      <a:latin typeface="Segoe UI" pitchFamily="34" charset="0"/>
+                      <a:cs typeface="Segoe UI" pitchFamily="34" charset="0"/>
+                    </a:rPr>
+                    <a:t>Description du son</a:t>
+                  </a:r>
+                  <a:r>
+                    <a:rPr lang="en-US" b="1" dirty="0">
+                      <a:latin typeface="Segoe UI" pitchFamily="34" charset="0"/>
+                      <a:cs typeface="Segoe UI" pitchFamily="34" charset="0"/>
+                    </a:rPr>
+                    <a:t>dage</a:t>
+                  </a:r>
+                  <a:endParaRPr lang="en-US" b="1" dirty="0">
+                    <a:solidFill>
+                      <a:srgbClr val="000000"/>
+                    </a:solidFill>
+                    <a:latin typeface="Segoe UI" pitchFamily="34" charset="0"/>
+                    <a:cs typeface="Segoe UI" pitchFamily="34" charset="0"/>
+                  </a:endParaRPr>
+                </a:p>
+              </p:txBody>
+            </p:sp>
+            <p:sp>
+              <p:nvSpPr>
+                <p:cNvPr id="11" name="Content">
+                  <a:extLst>
+                    <a:ext uri="{FF2B5EF4-FFF2-40B4-BE49-F238E27FC236}">
+                      <a16:creationId xmlns:a16="http://schemas.microsoft.com/office/drawing/2014/main" id="{2F3C72D7-4FAA-4A45-8D01-E1350B0F6572}"/>
+                    </a:ext>
+                  </a:extLst>
+                </p:cNvPr>
+                <p:cNvSpPr/>
+                <p:nvPr>
+                  <p:custDataLst>
+                    <p:custData r:id="rId8"/>
+                  </p:custDataLst>
+                </p:nvPr>
+              </p:nvSpPr>
+              <p:spPr>
+                <a:xfrm>
+                  <a:off x="3675253" y="1793174"/>
+                  <a:ext cx="4722690" cy="602925"/>
+                </a:xfrm>
+                <a:prstGeom prst="rect">
+                  <a:avLst/>
+                </a:prstGeom>
+                <a:solidFill>
+                  <a:sysClr val="window" lastClr="FFFFFF"/>
+                </a:solidFill>
+                <a:ln w="3175">
+                  <a:solidFill>
+                    <a:srgbClr val="000000">
+                      <a:lumMod val="50000"/>
+                      <a:lumOff val="50000"/>
+                    </a:srgbClr>
+                  </a:solidFill>
+                </a:ln>
+                <a:effectLst/>
+              </p:spPr>
+              <p:style>
+                <a:lnRef idx="2">
+                  <a:srgbClr val="4F81BD">
+                    <a:shade val="50000"/>
+                  </a:srgbClr>
+                </a:lnRef>
+                <a:fillRef idx="1">
+                  <a:srgbClr val="4F81BD"/>
+                </a:fillRef>
+                <a:effectRef idx="0">
+                  <a:srgbClr val="4F81BD"/>
+                </a:effectRef>
+                <a:fontRef idx="minor">
+                  <a:srgbClr val="000000"/>
+                </a:fontRef>
+              </p:style>
+              <p:txBody>
+                <a:bodyPr wrap="none" lIns="45720" tIns="18288" rIns="45720" bIns="18288" rtlCol="0" anchor="ctr">
+                  <a:noAutofit/>
+                </a:bodyPr>
+                <a:lstStyle/>
+                <a:p>
+                  <a:r>
+                    <a:rPr lang="en-US" sz="1200" dirty="0">
+                      <a:latin typeface="Segoe UI" pitchFamily="34" charset="0"/>
+                      <a:cs typeface="Segoe UI" pitchFamily="34" charset="0"/>
+                    </a:rPr>
+                    <a:t> 1. Choix réponse 1	</a:t>
+                  </a:r>
+                  <a:endParaRPr lang="en-US" sz="1200" dirty="0">
+                    <a:solidFill>
+                      <a:srgbClr val="000000"/>
+                    </a:solidFill>
+                    <a:latin typeface="Segoe UI" pitchFamily="34" charset="0"/>
+                    <a:cs typeface="Segoe UI" pitchFamily="34" charset="0"/>
+                  </a:endParaRPr>
+                </a:p>
+              </p:txBody>
+            </p:sp>
+            <p:sp>
+              <p:nvSpPr>
+                <p:cNvPr id="12" name="Content">
+                  <a:extLst>
+                    <a:ext uri="{FF2B5EF4-FFF2-40B4-BE49-F238E27FC236}">
+                      <a16:creationId xmlns:a16="http://schemas.microsoft.com/office/drawing/2014/main" id="{55E82B89-7F65-499D-A68D-1BAC8AAC06E0}"/>
+                    </a:ext>
+                  </a:extLst>
+                </p:cNvPr>
+                <p:cNvSpPr/>
+                <p:nvPr>
+                  <p:custDataLst>
+                    <p:custData r:id="rId9"/>
+                  </p:custDataLst>
+                </p:nvPr>
+              </p:nvSpPr>
+              <p:spPr>
+                <a:xfrm>
+                  <a:off x="3675253" y="2396099"/>
+                  <a:ext cx="4722690" cy="602925"/>
+                </a:xfrm>
+                <a:prstGeom prst="rect">
+                  <a:avLst/>
+                </a:prstGeom>
+                <a:solidFill>
+                  <a:sysClr val="window" lastClr="FFFFFF"/>
+                </a:solidFill>
+                <a:ln w="3175">
+                  <a:solidFill>
+                    <a:srgbClr val="000000">
+                      <a:lumMod val="50000"/>
+                      <a:lumOff val="50000"/>
+                    </a:srgbClr>
+                  </a:solidFill>
+                </a:ln>
+                <a:effectLst/>
+              </p:spPr>
+              <p:style>
+                <a:lnRef idx="2">
+                  <a:srgbClr val="4F81BD">
+                    <a:shade val="50000"/>
+                  </a:srgbClr>
+                </a:lnRef>
+                <a:fillRef idx="1">
+                  <a:srgbClr val="4F81BD"/>
+                </a:fillRef>
+                <a:effectRef idx="0">
+                  <a:srgbClr val="4F81BD"/>
+                </a:effectRef>
+                <a:fontRef idx="minor">
+                  <a:srgbClr val="000000"/>
+                </a:fontRef>
+              </p:style>
+              <p:txBody>
+                <a:bodyPr wrap="none" lIns="45720" tIns="18288" rIns="45720" bIns="18288" rtlCol="0" anchor="ctr">
+                  <a:noAutofit/>
+                </a:bodyPr>
+                <a:lstStyle/>
+                <a:p>
+                  <a:r>
+                    <a:rPr lang="en-US" sz="1200" dirty="0">
+                      <a:solidFill>
+                        <a:srgbClr val="000000"/>
+                      </a:solidFill>
+                      <a:latin typeface="Segoe UI" pitchFamily="34" charset="0"/>
+                      <a:cs typeface="Segoe UI" pitchFamily="34" charset="0"/>
+                    </a:rPr>
+                    <a:t>2. Choix réponse 2</a:t>
+                  </a:r>
+                </a:p>
+              </p:txBody>
+            </p:sp>
+            <p:sp>
+              <p:nvSpPr>
+                <p:cNvPr id="13" name="Content">
+                  <a:extLst>
+                    <a:ext uri="{FF2B5EF4-FFF2-40B4-BE49-F238E27FC236}">
+                      <a16:creationId xmlns:a16="http://schemas.microsoft.com/office/drawing/2014/main" id="{CE4D7EE8-5B61-46BA-BB17-DF8200A6150A}"/>
+                    </a:ext>
+                  </a:extLst>
+                </p:cNvPr>
+                <p:cNvSpPr/>
+                <p:nvPr>
+                  <p:custDataLst>
+                    <p:custData r:id="rId10"/>
+                  </p:custDataLst>
+                </p:nvPr>
+              </p:nvSpPr>
+              <p:spPr>
+                <a:xfrm>
+                  <a:off x="3675252" y="2999024"/>
+                  <a:ext cx="4722690" cy="604590"/>
+                </a:xfrm>
+                <a:prstGeom prst="rect">
+                  <a:avLst/>
+                </a:prstGeom>
+                <a:solidFill>
+                  <a:sysClr val="window" lastClr="FFFFFF"/>
+                </a:solidFill>
+                <a:ln w="3175">
+                  <a:solidFill>
+                    <a:srgbClr val="000000">
+                      <a:lumMod val="50000"/>
+                      <a:lumOff val="50000"/>
+                    </a:srgbClr>
+                  </a:solidFill>
+                </a:ln>
+                <a:effectLst/>
+              </p:spPr>
+              <p:style>
+                <a:lnRef idx="2">
+                  <a:srgbClr val="4F81BD">
+                    <a:shade val="50000"/>
+                  </a:srgbClr>
+                </a:lnRef>
+                <a:fillRef idx="1">
+                  <a:srgbClr val="4F81BD"/>
+                </a:fillRef>
+                <a:effectRef idx="0">
+                  <a:srgbClr val="4F81BD"/>
+                </a:effectRef>
+                <a:fontRef idx="minor">
+                  <a:srgbClr val="000000"/>
+                </a:fontRef>
+              </p:style>
+              <p:txBody>
+                <a:bodyPr wrap="none" lIns="45720" tIns="18288" rIns="45720" bIns="18288" rtlCol="0" anchor="ctr">
+                  <a:noAutofit/>
+                </a:bodyPr>
+                <a:lstStyle/>
+                <a:p>
+                  <a:r>
+                    <a:rPr lang="en-US" sz="1200" dirty="0">
+                      <a:solidFill>
+                        <a:srgbClr val="000000"/>
+                      </a:solidFill>
+                      <a:latin typeface="Segoe UI" pitchFamily="34" charset="0"/>
+                      <a:cs typeface="Segoe UI" pitchFamily="34" charset="0"/>
+                    </a:rPr>
+                    <a:t>3. Choix réponse 3</a:t>
+                  </a:r>
+                </a:p>
+              </p:txBody>
+            </p:sp>
+          </p:grpSp>
+          <p:sp>
+            <p:nvSpPr>
+              <p:cNvPr id="9" name="Content">
+                <a:hlinkClick r:id="rId15" action="ppaction://hlinksldjump"/>
+                <a:extLst>
+                  <a:ext uri="{FF2B5EF4-FFF2-40B4-BE49-F238E27FC236}">
+                    <a16:creationId xmlns:a16="http://schemas.microsoft.com/office/drawing/2014/main" id="{6FC0206D-A8F6-44F8-BD05-B828A348F68B}"/>
+                  </a:ext>
+                </a:extLst>
+              </p:cNvPr>
+              <p:cNvSpPr/>
+              <p:nvPr>
+                <p:custDataLst>
+                  <p:custData r:id="rId6"/>
+                </p:custDataLst>
+              </p:nvPr>
+            </p:nvSpPr>
+            <p:spPr>
+              <a:xfrm>
+                <a:off x="3729759" y="4167568"/>
+                <a:ext cx="4722690" cy="604590"/>
+              </a:xfrm>
+              <a:prstGeom prst="rect">
+                <a:avLst/>
+              </a:prstGeom>
+              <a:solidFill>
+                <a:schemeClr val="bg1"/>
+              </a:solidFill>
+              <a:ln w="3175">
+                <a:solidFill>
+                  <a:srgbClr val="000000">
+                    <a:lumMod val="50000"/>
+                    <a:lumOff val="50000"/>
+                  </a:srgbClr>
+                </a:solidFill>
+              </a:ln>
+              <a:effectLst/>
+            </p:spPr>
+            <p:style>
+              <a:lnRef idx="2">
+                <a:srgbClr val="4F81BD">
+                  <a:shade val="50000"/>
+                </a:srgbClr>
+              </a:lnRef>
+              <a:fillRef idx="1">
+                <a:srgbClr val="4F81BD"/>
+              </a:fillRef>
+              <a:effectRef idx="0">
+                <a:srgbClr val="4F81BD"/>
+              </a:effectRef>
+              <a:fontRef idx="minor">
+                <a:srgbClr val="000000"/>
+              </a:fontRef>
+            </p:style>
+            <p:txBody>
+              <a:bodyPr wrap="none" lIns="45720" tIns="18288" rIns="45720" bIns="18288" rtlCol="0" anchor="ctr">
+                <a:noAutofit/>
+              </a:bodyPr>
+              <a:lstStyle/>
+              <a:p>
+                <a:r>
+                  <a:rPr lang="en-US" sz="1200" dirty="0">
+                    <a:latin typeface="Segoe UI" pitchFamily="34" charset="0"/>
+                    <a:cs typeface="Segoe UI" pitchFamily="34" charset="0"/>
+                  </a:rPr>
+                  <a:t>4</a:t>
+                </a:r>
+                <a:r>
+                  <a:rPr lang="en-US" sz="1200" dirty="0" smtClean="0">
+                    <a:solidFill>
+                      <a:srgbClr val="000000"/>
+                    </a:solidFill>
+                    <a:latin typeface="Segoe UI" pitchFamily="34" charset="0"/>
+                    <a:cs typeface="Segoe UI" pitchFamily="34" charset="0"/>
+                  </a:rPr>
+                  <a:t>. </a:t>
+                </a:r>
+                <a:r>
+                  <a:rPr lang="en-US" sz="1200" dirty="0">
+                    <a:solidFill>
+                      <a:srgbClr val="000000"/>
+                    </a:solidFill>
+                    <a:latin typeface="Segoe UI" pitchFamily="34" charset="0"/>
+                    <a:cs typeface="Segoe UI" pitchFamily="34" charset="0"/>
+                  </a:rPr>
+                  <a:t>Choix </a:t>
+                </a:r>
+                <a:r>
+                  <a:rPr lang="en-US" sz="1200" dirty="0" err="1">
+                    <a:solidFill>
+                      <a:srgbClr val="000000"/>
+                    </a:solidFill>
+                    <a:latin typeface="Segoe UI" pitchFamily="34" charset="0"/>
+                    <a:cs typeface="Segoe UI" pitchFamily="34" charset="0"/>
+                  </a:rPr>
+                  <a:t>réponse</a:t>
+                </a:r>
+                <a:r>
+                  <a:rPr lang="en-US" sz="1200" dirty="0">
+                    <a:solidFill>
+                      <a:srgbClr val="000000"/>
+                    </a:solidFill>
+                    <a:latin typeface="Segoe UI" pitchFamily="34" charset="0"/>
+                    <a:cs typeface="Segoe UI" pitchFamily="34" charset="0"/>
+                  </a:rPr>
+                  <a:t> </a:t>
+                </a:r>
+                <a:r>
+                  <a:rPr lang="en-US" sz="1200" dirty="0" smtClean="0">
+                    <a:solidFill>
+                      <a:srgbClr val="000000"/>
+                    </a:solidFill>
+                    <a:latin typeface="Segoe UI" pitchFamily="34" charset="0"/>
+                    <a:cs typeface="Segoe UI" pitchFamily="34" charset="0"/>
+                  </a:rPr>
+                  <a:t>4</a:t>
+                </a:r>
+                <a:endParaRPr lang="en-US" sz="1200" dirty="0">
+                  <a:solidFill>
+                    <a:srgbClr val="000000"/>
+                  </a:solidFill>
+                  <a:latin typeface="Segoe UI" pitchFamily="34" charset="0"/>
+                  <a:cs typeface="Segoe UI" pitchFamily="34" charset="0"/>
+                </a:endParaRPr>
+              </a:p>
+            </p:txBody>
+          </p:sp>
+        </p:grpSp>
+        <p:sp>
+          <p:nvSpPr>
+            <p:cNvPr id="30" name="Content">
+              <a:hlinkClick r:id="rId15" action="ppaction://hlinksldjump"/>
+              <a:extLst>
+                <a:ext uri="{FF2B5EF4-FFF2-40B4-BE49-F238E27FC236}">
+                  <a16:creationId xmlns:a16="http://schemas.microsoft.com/office/drawing/2014/main" id="{6FC0206D-A8F6-44F8-BD05-B828A348F68B}"/>
+                </a:ext>
+              </a:extLst>
+            </p:cNvPr>
+            <p:cNvSpPr/>
+            <p:nvPr>
+              <p:custDataLst>
+                <p:custData r:id="rId5"/>
+              </p:custDataLst>
+            </p:nvPr>
+          </p:nvSpPr>
+          <p:spPr>
+            <a:xfrm>
+              <a:off x="3733200" y="4203887"/>
+              <a:ext cx="4668681" cy="529462"/>
+            </a:xfrm>
+            <a:prstGeom prst="rect">
+              <a:avLst/>
+            </a:prstGeom>
+            <a:solidFill>
+              <a:schemeClr val="accent2">
+                <a:lumMod val="40000"/>
+                <a:lumOff val="60000"/>
+              </a:schemeClr>
+            </a:solidFill>
+            <a:ln w="3175">
+              <a:solidFill>
+                <a:srgbClr val="000000">
+                  <a:lumMod val="50000"/>
+                  <a:lumOff val="50000"/>
+                </a:srgbClr>
+              </a:solidFill>
+            </a:ln>
+            <a:effectLst/>
+          </p:spPr>
+          <p:style>
+            <a:lnRef idx="2">
+              <a:srgbClr val="4F81BD">
+                <a:shade val="50000"/>
+              </a:srgbClr>
+            </a:lnRef>
+            <a:fillRef idx="1">
+              <a:srgbClr val="4F81BD"/>
+            </a:fillRef>
+            <a:effectRef idx="0">
+              <a:srgbClr val="4F81BD"/>
+            </a:effectRef>
+            <a:fontRef idx="minor">
+              <a:srgbClr val="000000"/>
+            </a:fontRef>
+          </p:style>
+          <p:txBody>
+            <a:bodyPr wrap="none" lIns="45720" tIns="18288" rIns="45720" bIns="18288" rtlCol="0" anchor="ctr">
+              <a:noAutofit/>
+            </a:bodyPr>
+            <a:lstStyle/>
+            <a:p>
+              <a:r>
+                <a:rPr lang="en-US" sz="1200" dirty="0">
+                  <a:solidFill>
+                    <a:srgbClr val="000000"/>
+                  </a:solidFill>
+                  <a:latin typeface="Segoe UI" pitchFamily="34" charset="0"/>
+                  <a:cs typeface="Segoe UI" pitchFamily="34" charset="0"/>
+                </a:rPr>
+                <a:t>n. Choix réponse n</a:t>
+              </a:r>
+            </a:p>
+          </p:txBody>
+        </p:sp>
+      </p:grpSp>
+      <p:grpSp>
+        <p:nvGrpSpPr>
+          <p:cNvPr id="31" name="CheckBoxUnchecked">
             <a:extLst>
               <a:ext uri="{FF2B5EF4-FFF2-40B4-BE49-F238E27FC236}">
                 <a16:creationId xmlns:a16="http://schemas.microsoft.com/office/drawing/2014/main" id="{64FF9E80-BCE4-4354-845B-9AA852B1EBDD}"/>
@@ -10595,7 +10592,7 @@
           <p:cNvGrpSpPr/>
           <p:nvPr>
             <p:custDataLst>
-              <p:custData r:id="rId4"/>
+              <p:custData r:id="rId2"/>
             </p:custDataLst>
           </p:nvPr>
         </p:nvGrpSpPr>
@@ -10609,7 +10606,7 @@
         </p:grpSpPr>
         <p:sp>
           <p:nvSpPr>
-            <p:cNvPr id="41" name="Content">
+            <p:cNvPr id="32" name="Content">
               <a:extLst>
                 <a:ext uri="{FF2B5EF4-FFF2-40B4-BE49-F238E27FC236}">
                   <a16:creationId xmlns:a16="http://schemas.microsoft.com/office/drawing/2014/main" id="{2BD3AD4E-725D-417E-9C35-C6387260CAD2}"/>
@@ -10650,8 +10647,8 @@
         </p:sp>
         <p:sp>
           <p:nvSpPr>
-            <p:cNvPr id="42" name="CheckBox">
-              <a:hlinkClick r:id="rId14" action="ppaction://hlinksldjump"/>
+            <p:cNvPr id="33" name="CheckBox">
+              <a:hlinkClick r:id="rId16" action="ppaction://hlinksldjump"/>
               <a:extLst>
                 <a:ext uri="{FF2B5EF4-FFF2-40B4-BE49-F238E27FC236}">
                   <a16:creationId xmlns:a16="http://schemas.microsoft.com/office/drawing/2014/main" id="{77BE66CD-FDE2-4E94-BF38-DA5946BB2D50}"/>
@@ -10715,58 +10712,192 @@
           </p:txBody>
         </p:sp>
       </p:grpSp>
-      <p:sp>
-        <p:nvSpPr>
-          <p:cNvPr id="14" name="Titre 13">
+      <p:grpSp>
+        <p:nvGrpSpPr>
+          <p:cNvPr id="34" name="StickyNote">
             <a:extLst>
               <a:ext uri="{FF2B5EF4-FFF2-40B4-BE49-F238E27FC236}">
-                <a16:creationId xmlns:a16="http://schemas.microsoft.com/office/drawing/2014/main" id="{8BF56DBE-B534-4641-B79B-D3158092DD22}"/>
+                <a16:creationId xmlns:a16="http://schemas.microsoft.com/office/drawing/2014/main" id="{2470C0E2-9D5F-4914-85E4-50E451E41F96}"/>
               </a:ext>
             </a:extLst>
           </p:cNvPr>
-          <p:cNvSpPr>
-            <a:spLocks noGrp="1"/>
-          </p:cNvSpPr>
+          <p:cNvGrpSpPr/>
           <p:nvPr>
-            <p:ph type="title" idx="4294967295"/>
+            <p:custDataLst>
+              <p:custData r:id="rId3"/>
+            </p:custDataLst>
           </p:nvPr>
-        </p:nvSpPr>
-        <p:spPr>
+        </p:nvGrpSpPr>
+        <p:grpSpPr>
           <a:xfrm>
-            <a:off x="967154" y="-617505"/>
-            <a:ext cx="10515600" cy="617506"/>
+            <a:off x="8742617" y="3320113"/>
+            <a:ext cx="1946294" cy="1243084"/>
+            <a:chOff x="3886200" y="2629126"/>
+            <a:chExt cx="1371600" cy="1485674"/>
           </a:xfrm>
-          <a:prstGeom prst="rect">
-            <a:avLst/>
-          </a:prstGeom>
-        </p:spPr>
-        <p:txBody>
-          <a:bodyPr/>
-          <a:lstStyle/>
-          <a:p>
-            <a:r>
-              <a:rPr lang="fr-FR" dirty="0"/>
-              <a:t>Sondage : Choix=3 </a:t>
-            </a:r>
-            <a:r>
-              <a:rPr lang="fr-FR" dirty="0" err="1"/>
-              <a:t>ChoixMultiple</a:t>
-            </a:r>
-            <a:r>
-              <a:rPr lang="fr-FR" dirty="0"/>
-              <a:t>=0</a:t>
-            </a:r>
-            <a:br>
-              <a:rPr lang="fr-FR" dirty="0"/>
-            </a:br>
-            <a:endParaRPr lang="fr-FR" dirty="0"/>
-          </a:p>
-        </p:txBody>
-      </p:sp>
+        </p:grpSpPr>
+        <p:sp>
+          <p:nvSpPr>
+            <p:cNvPr id="35" name="Content">
+              <a:extLst>
+                <a:ext uri="{FF2B5EF4-FFF2-40B4-BE49-F238E27FC236}">
+                  <a16:creationId xmlns:a16="http://schemas.microsoft.com/office/drawing/2014/main" id="{71878AA6-7BFF-4E1B-9182-1586E5A8FE64}"/>
+                </a:ext>
+              </a:extLst>
+            </p:cNvPr>
+            <p:cNvSpPr/>
+            <p:nvPr/>
+          </p:nvSpPr>
+          <p:spPr>
+            <a:xfrm>
+              <a:off x="3886200" y="2743199"/>
+              <a:ext cx="1371600" cy="1371601"/>
+            </a:xfrm>
+            <a:prstGeom prst="rect">
+              <a:avLst/>
+            </a:prstGeom>
+            <a:gradFill>
+              <a:gsLst>
+                <a:gs pos="100000">
+                  <a:srgbClr val="FFFF89"/>
+                </a:gs>
+                <a:gs pos="0">
+                  <a:srgbClr val="FFFF99"/>
+                </a:gs>
+              </a:gsLst>
+              <a:lin ang="5400000" scaled="0"/>
+            </a:gradFill>
+            <a:ln w="3175">
+              <a:solidFill>
+                <a:srgbClr val="FFFFFF">
+                  <a:lumMod val="50000"/>
+                </a:srgbClr>
+              </a:solidFill>
+            </a:ln>
+            <a:effectLst/>
+          </p:spPr>
+          <p:style>
+            <a:lnRef idx="2">
+              <a:srgbClr val="4F81BD">
+                <a:shade val="50000"/>
+              </a:srgbClr>
+            </a:lnRef>
+            <a:fillRef idx="1">
+              <a:srgbClr val="4F81BD"/>
+            </a:fillRef>
+            <a:effectRef idx="0">
+              <a:srgbClr val="4F81BD"/>
+            </a:effectRef>
+            <a:fontRef idx="minor">
+              <a:srgbClr val="000000"/>
+            </a:fontRef>
+          </p:style>
+          <p:txBody>
+            <a:bodyPr lIns="91440" tIns="137160" rIns="91440" bIns="45720" rtlCol="0" anchor="t" anchorCtr="0">
+              <a:normAutofit/>
+            </a:bodyPr>
+            <a:lstStyle/>
+            <a:p>
+              <a:r>
+                <a:rPr lang="en-US" sz="1200" b="1" dirty="0">
+                  <a:solidFill>
+                    <a:sysClr val="windowText" lastClr="000000"/>
+                  </a:solidFill>
+                  <a:latin typeface="Segoe UI" pitchFamily="34" charset="0"/>
+                  <a:cs typeface="Segoe UI" pitchFamily="34" charset="0"/>
+                </a:rPr>
+                <a:t>Clique sur la réponse n =&gt; Rajoute un choix supplémentaire autant de fois que l’utilisteur le souhaite.</a:t>
+              </a:r>
+            </a:p>
+          </p:txBody>
+        </p:sp>
+        <p:sp>
+          <p:nvSpPr>
+            <p:cNvPr id="36" name="Tape">
+              <a:extLst>
+                <a:ext uri="{FF2B5EF4-FFF2-40B4-BE49-F238E27FC236}">
+                  <a16:creationId xmlns:a16="http://schemas.microsoft.com/office/drawing/2014/main" id="{4235CD70-6F9F-4273-8667-2D9A6EB2EB4E}"/>
+                </a:ext>
+              </a:extLst>
+            </p:cNvPr>
+            <p:cNvSpPr/>
+            <p:nvPr>
+              <p:custDataLst>
+                <p:custData r:id="rId4"/>
+              </p:custDataLst>
+            </p:nvPr>
+          </p:nvSpPr>
+          <p:spPr>
+            <a:xfrm rot="401918">
+              <a:off x="4290086" y="2629126"/>
+              <a:ext cx="563828" cy="215444"/>
+            </a:xfrm>
+            <a:prstGeom prst="rect">
+              <a:avLst/>
+            </a:prstGeom>
+            <a:solidFill>
+              <a:srgbClr val="C00000"/>
+            </a:solidFill>
+            <a:ln w="3175" cap="flat" cmpd="sng" algn="ctr">
+              <a:solidFill>
+                <a:srgbClr val="FFFFFF">
+                  <a:lumMod val="50000"/>
+                </a:srgbClr>
+              </a:solidFill>
+              <a:prstDash val="solid"/>
+            </a:ln>
+            <a:effectLst/>
+          </p:spPr>
+          <p:txBody>
+            <a:bodyPr rot="0" spcFirstLastPara="0" vertOverflow="overflow" horzOverflow="overflow" vert="horz" wrap="square" lIns="45720" tIns="45720" rIns="91440" bIns="45720" numCol="1" spcCol="0" rtlCol="0" fromWordArt="0" anchor="ctr" anchorCtr="0" forceAA="0" compatLnSpc="1">
+              <a:prstTxWarp prst="textNoShape">
+                <a:avLst/>
+              </a:prstTxWarp>
+              <a:noAutofit/>
+            </a:bodyPr>
+            <a:lstStyle/>
+            <a:p>
+              <a:pPr marL="0" marR="0" indent="0" algn="ctr" defTabSz="914400" eaLnBrk="1" fontAlgn="auto" latinLnBrk="0" hangingPunct="1">
+                <a:lnSpc>
+                  <a:spcPct val="100000"/>
+                </a:lnSpc>
+                <a:spcBef>
+                  <a:spcPts val="0"/>
+                </a:spcBef>
+                <a:spcAft>
+                  <a:spcPts val="0"/>
+                </a:spcAft>
+                <a:buClrTx/>
+                <a:buSzTx/>
+                <a:buFontTx/>
+                <a:buNone/>
+                <a:tabLst/>
+              </a:pPr>
+              <a:endParaRPr kumimoji="0" lang="en-US" sz="800" b="0" i="0" u="none" strike="noStrike" kern="0" cap="none" spc="0" normalizeH="0" baseline="0" noProof="0" dirty="0">
+                <a:ln>
+                  <a:noFill/>
+                </a:ln>
+                <a:solidFill>
+                  <a:srgbClr val="000000">
+                    <a:lumMod val="75000"/>
+                    <a:lumOff val="25000"/>
+                  </a:srgbClr>
+                </a:solidFill>
+                <a:effectLst/>
+                <a:uLnTx/>
+                <a:uFillTx/>
+                <a:latin typeface="Segoe UI"/>
+                <a:ea typeface="+mn-ea"/>
+                <a:cs typeface="+mn-cs"/>
+              </a:endParaRPr>
+            </a:p>
+          </p:txBody>
+        </p:sp>
+      </p:grpSp>
     </p:spTree>
     <p:extLst>
       <p:ext uri="{BB962C8B-B14F-4D97-AF65-F5344CB8AC3E}">
-        <p14:creationId xmlns:p14="http://schemas.microsoft.com/office/powerpoint/2010/main" val="2662499280"/>
+        <p14:creationId xmlns:p14="http://schemas.microsoft.com/office/powerpoint/2010/main" val="104752069"/>
       </p:ext>
     </p:extLst>
   </p:cSld>
@@ -10781,6 +10912,13 @@
       <p:transition spd="slow" advClick="0"/>
     </mc:Fallback>
   </mc:AlternateContent>
+  <p:timing>
+    <p:tnLst>
+      <p:par>
+        <p:cTn id="1" dur="indefinite" restart="never" nodeType="tmRoot"/>
+      </p:par>
+    </p:tnLst>
+  </p:timing>
 </p:sld>
 </file>
 
@@ -10803,658 +10941,6 @@
       </p:grpSpPr>
       <p:sp>
         <p:nvSpPr>
-          <p:cNvPr id="4" name="Rectangle 3">
-            <a:extLst>
-              <a:ext uri="{FF2B5EF4-FFF2-40B4-BE49-F238E27FC236}">
-                <a16:creationId xmlns:a16="http://schemas.microsoft.com/office/drawing/2014/main" id="{8B2A39CD-93CE-49C0-8D66-2E39B2D0D9BC}"/>
-              </a:ext>
-            </a:extLst>
-          </p:cNvPr>
-          <p:cNvSpPr/>
-          <p:nvPr/>
-        </p:nvSpPr>
-        <p:spPr>
-          <a:xfrm>
-            <a:off x="3714997" y="2410690"/>
-            <a:ext cx="4762006" cy="2766951"/>
-          </a:xfrm>
-          <a:prstGeom prst="rect">
-            <a:avLst/>
-          </a:prstGeom>
-          <a:solidFill>
-            <a:schemeClr val="bg1"/>
-          </a:solidFill>
-        </p:spPr>
-        <p:style>
-          <a:lnRef idx="2">
-            <a:schemeClr val="accent1">
-              <a:shade val="50000"/>
-            </a:schemeClr>
-          </a:lnRef>
-          <a:fillRef idx="1">
-            <a:schemeClr val="accent1"/>
-          </a:fillRef>
-          <a:effectRef idx="0">
-            <a:schemeClr val="accent1"/>
-          </a:effectRef>
-          <a:fontRef idx="minor">
-            <a:schemeClr val="lt1"/>
-          </a:fontRef>
-        </p:style>
-        <p:txBody>
-          <a:bodyPr rtlCol="0" anchor="ctr"/>
-          <a:lstStyle/>
-          <a:p>
-            <a:pPr algn="ctr"/>
-            <a:endParaRPr lang="fr-FR"/>
-          </a:p>
-        </p:txBody>
-      </p:sp>
-      <p:grpSp>
-        <p:nvGrpSpPr>
-          <p:cNvPr id="14" name="Groupe 13">
-            <a:extLst>
-              <a:ext uri="{FF2B5EF4-FFF2-40B4-BE49-F238E27FC236}">
-                <a16:creationId xmlns:a16="http://schemas.microsoft.com/office/drawing/2014/main" id="{6E2168C6-34AB-471B-B17B-C05C627D315E}"/>
-              </a:ext>
-            </a:extLst>
-          </p:cNvPr>
-          <p:cNvGrpSpPr/>
-          <p:nvPr/>
-        </p:nvGrpSpPr>
-        <p:grpSpPr>
-          <a:xfrm>
-            <a:off x="3800105" y="3020156"/>
-            <a:ext cx="4536374" cy="1548017"/>
-            <a:chOff x="3673599" y="3005605"/>
-            <a:chExt cx="4112427" cy="1548017"/>
-          </a:xfrm>
-        </p:grpSpPr>
-        <p:grpSp>
-          <p:nvGrpSpPr>
-            <p:cNvPr id="13" name="Groupe 12">
-              <a:extLst>
-                <a:ext uri="{FF2B5EF4-FFF2-40B4-BE49-F238E27FC236}">
-                  <a16:creationId xmlns:a16="http://schemas.microsoft.com/office/drawing/2014/main" id="{DD9643EF-8230-4386-8F8F-D9D4D0545FAD}"/>
-                </a:ext>
-              </a:extLst>
-            </p:cNvPr>
-            <p:cNvGrpSpPr/>
-            <p:nvPr/>
-          </p:nvGrpSpPr>
-          <p:grpSpPr>
-            <a:xfrm>
-              <a:off x="3673599" y="3005605"/>
-              <a:ext cx="4112427" cy="381831"/>
-              <a:chOff x="3673599" y="3005605"/>
-              <a:chExt cx="4112427" cy="381831"/>
-            </a:xfrm>
-          </p:grpSpPr>
-          <p:sp>
-            <p:nvSpPr>
-              <p:cNvPr id="3" name="Content">
-                <a:extLst>
-                  <a:ext uri="{FF2B5EF4-FFF2-40B4-BE49-F238E27FC236}">
-                    <a16:creationId xmlns:a16="http://schemas.microsoft.com/office/drawing/2014/main" id="{D260F640-541D-4F12-BA66-7C677C682F48}"/>
-                  </a:ext>
-                </a:extLst>
-              </p:cNvPr>
-              <p:cNvSpPr/>
-              <p:nvPr>
-                <p:custDataLst>
-                  <p:custData r:id="rId7"/>
-                </p:custDataLst>
-              </p:nvPr>
-            </p:nvSpPr>
-            <p:spPr>
-              <a:xfrm>
-                <a:off x="6096000" y="3057896"/>
-                <a:ext cx="1690026" cy="329540"/>
-              </a:xfrm>
-              <a:prstGeom prst="rect">
-                <a:avLst/>
-              </a:prstGeom>
-              <a:solidFill>
-                <a:sysClr val="window" lastClr="FFFFFF"/>
-              </a:solidFill>
-              <a:ln w="3175">
-                <a:solidFill>
-                  <a:srgbClr val="000000">
-                    <a:lumMod val="50000"/>
-                    <a:lumOff val="50000"/>
-                  </a:srgbClr>
-                </a:solidFill>
-              </a:ln>
-              <a:effectLst/>
-            </p:spPr>
-            <p:style>
-              <a:lnRef idx="2">
-                <a:srgbClr val="4F81BD">
-                  <a:shade val="50000"/>
-                </a:srgbClr>
-              </a:lnRef>
-              <a:fillRef idx="1">
-                <a:srgbClr val="4F81BD"/>
-              </a:fillRef>
-              <a:effectRef idx="0">
-                <a:srgbClr val="4F81BD"/>
-              </a:effectRef>
-              <a:fontRef idx="minor">
-                <a:srgbClr val="000000"/>
-              </a:fontRef>
-            </p:style>
-            <p:txBody>
-              <a:bodyPr wrap="none" lIns="45720" tIns="18288" rIns="45720" bIns="18288" rtlCol="0" anchor="ctr" anchorCtr="0">
-                <a:noAutofit/>
-              </a:bodyPr>
-              <a:lstStyle/>
-              <a:p>
-                <a:r>
-                  <a:rPr lang="en-US" sz="1200" dirty="0">
-                    <a:latin typeface="Segoe UI" pitchFamily="34" charset="0"/>
-                    <a:cs typeface="Segoe UI" pitchFamily="34" charset="0"/>
-                    <a:hlinkClick r:id="rId10" action="ppaction://hlinksldjump"/>
-                  </a:rPr>
-                  <a:t>Diapositive 1</a:t>
-                </a:r>
-                <a:endParaRPr lang="en-US" sz="1200" dirty="0">
-                  <a:latin typeface="Segoe UI" pitchFamily="34" charset="0"/>
-                  <a:cs typeface="Segoe UI" pitchFamily="34" charset="0"/>
-                </a:endParaRPr>
-              </a:p>
-              <a:p>
-                <a:endParaRPr lang="en-US" sz="1200" dirty="0">
-                  <a:solidFill>
-                    <a:srgbClr val="000000"/>
-                  </a:solidFill>
-                  <a:latin typeface="Segoe UI" pitchFamily="34" charset="0"/>
-                  <a:cs typeface="Segoe UI" pitchFamily="34" charset="0"/>
-                </a:endParaRPr>
-              </a:p>
-            </p:txBody>
-          </p:sp>
-          <p:sp>
-            <p:nvSpPr>
-              <p:cNvPr id="7" name="Content">
-                <a:extLst>
-                  <a:ext uri="{FF2B5EF4-FFF2-40B4-BE49-F238E27FC236}">
-                    <a16:creationId xmlns:a16="http://schemas.microsoft.com/office/drawing/2014/main" id="{E0E39D34-55CF-4CA9-9573-EC7258A972A4}"/>
-                  </a:ext>
-                </a:extLst>
-              </p:cNvPr>
-              <p:cNvSpPr txBox="1"/>
-              <p:nvPr>
-                <p:custDataLst>
-                  <p:custData r:id="rId8"/>
-                </p:custDataLst>
-              </p:nvPr>
-            </p:nvSpPr>
-            <p:spPr>
-              <a:xfrm>
-                <a:off x="3673599" y="3005605"/>
-                <a:ext cx="2422401" cy="230832"/>
-              </a:xfrm>
-              <a:prstGeom prst="rect">
-                <a:avLst/>
-              </a:prstGeom>
-              <a:noFill/>
-            </p:spPr>
-            <p:txBody>
-              <a:bodyPr wrap="square" lIns="91440" tIns="18288" rIns="91440" bIns="27432" rtlCol="0" anchor="ctr" anchorCtr="0">
-                <a:spAutoFit/>
-              </a:bodyPr>
-              <a:lstStyle/>
-              <a:p>
-                <a:r>
-                  <a:rPr lang="en-US" sz="1200" b="1" dirty="0">
-                    <a:solidFill>
-                      <a:srgbClr val="000000"/>
-                    </a:solidFill>
-                    <a:latin typeface="Segoe UI" pitchFamily="34" charset="0"/>
-                    <a:ea typeface="Segoe UI" pitchFamily="34" charset="0"/>
-                    <a:cs typeface="Segoe UI" pitchFamily="34" charset="0"/>
-                  </a:rPr>
-                  <a:t>Lien pour </a:t>
-                </a:r>
-                <a:r>
-                  <a:rPr lang="en-US" sz="1200" b="1" dirty="0" err="1">
-                    <a:solidFill>
-                      <a:srgbClr val="000000"/>
-                    </a:solidFill>
-                    <a:latin typeface="Segoe UI" pitchFamily="34" charset="0"/>
-                    <a:ea typeface="Segoe UI" pitchFamily="34" charset="0"/>
-                    <a:cs typeface="Segoe UI" pitchFamily="34" charset="0"/>
-                  </a:rPr>
-                  <a:t>supprimer</a:t>
-                </a:r>
-                <a:r>
-                  <a:rPr lang="en-US" sz="1200" b="1" dirty="0">
-                    <a:solidFill>
-                      <a:srgbClr val="000000"/>
-                    </a:solidFill>
-                    <a:latin typeface="Segoe UI" pitchFamily="34" charset="0"/>
-                    <a:ea typeface="Segoe UI" pitchFamily="34" charset="0"/>
-                    <a:cs typeface="Segoe UI" pitchFamily="34" charset="0"/>
-                  </a:rPr>
-                  <a:t> le </a:t>
-                </a:r>
-                <a:r>
-                  <a:rPr lang="en-US" sz="1200" b="1" dirty="0" err="1">
-                    <a:solidFill>
-                      <a:srgbClr val="000000"/>
-                    </a:solidFill>
-                    <a:latin typeface="Segoe UI" pitchFamily="34" charset="0"/>
-                    <a:ea typeface="Segoe UI" pitchFamily="34" charset="0"/>
-                    <a:cs typeface="Segoe UI" pitchFamily="34" charset="0"/>
-                  </a:rPr>
-                  <a:t>sondage</a:t>
-                </a:r>
-                <a:r>
-                  <a:rPr lang="en-US" sz="1200" b="1" dirty="0">
-                    <a:solidFill>
-                      <a:srgbClr val="000000"/>
-                    </a:solidFill>
-                    <a:latin typeface="Segoe UI" pitchFamily="34" charset="0"/>
-                    <a:ea typeface="Segoe UI" pitchFamily="34" charset="0"/>
-                    <a:cs typeface="Segoe UI" pitchFamily="34" charset="0"/>
-                  </a:rPr>
-                  <a:t> :</a:t>
-                </a:r>
-              </a:p>
-            </p:txBody>
-          </p:sp>
-        </p:grpSp>
-        <p:grpSp>
-          <p:nvGrpSpPr>
-            <p:cNvPr id="12" name="Groupe 11">
-              <a:extLst>
-                <a:ext uri="{FF2B5EF4-FFF2-40B4-BE49-F238E27FC236}">
-                  <a16:creationId xmlns:a16="http://schemas.microsoft.com/office/drawing/2014/main" id="{F0C51CF4-6D44-4DDC-A16A-905CD188464D}"/>
-                </a:ext>
-              </a:extLst>
-            </p:cNvPr>
-            <p:cNvGrpSpPr/>
-            <p:nvPr/>
-          </p:nvGrpSpPr>
-          <p:grpSpPr>
-            <a:xfrm>
-              <a:off x="3673599" y="3602594"/>
-              <a:ext cx="4112427" cy="356342"/>
-              <a:chOff x="3673599" y="3602594"/>
-              <a:chExt cx="4112427" cy="356342"/>
-            </a:xfrm>
-          </p:grpSpPr>
-          <p:sp>
-            <p:nvSpPr>
-              <p:cNvPr id="5" name="Content">
-                <a:extLst>
-                  <a:ext uri="{FF2B5EF4-FFF2-40B4-BE49-F238E27FC236}">
-                    <a16:creationId xmlns:a16="http://schemas.microsoft.com/office/drawing/2014/main" id="{CBED56F9-EAFA-4087-89E6-5264EA484191}"/>
-                  </a:ext>
-                </a:extLst>
-              </p:cNvPr>
-              <p:cNvSpPr/>
-              <p:nvPr>
-                <p:custDataLst>
-                  <p:custData r:id="rId5"/>
-                </p:custDataLst>
-              </p:nvPr>
-            </p:nvSpPr>
-            <p:spPr>
-              <a:xfrm>
-                <a:off x="6096000" y="3629396"/>
-                <a:ext cx="1690026" cy="329540"/>
-              </a:xfrm>
-              <a:prstGeom prst="rect">
-                <a:avLst/>
-              </a:prstGeom>
-              <a:solidFill>
-                <a:sysClr val="window" lastClr="FFFFFF"/>
-              </a:solidFill>
-              <a:ln w="3175">
-                <a:solidFill>
-                  <a:srgbClr val="000000">
-                    <a:lumMod val="50000"/>
-                    <a:lumOff val="50000"/>
-                  </a:srgbClr>
-                </a:solidFill>
-              </a:ln>
-              <a:effectLst/>
-            </p:spPr>
-            <p:style>
-              <a:lnRef idx="2">
-                <a:srgbClr val="4F81BD">
-                  <a:shade val="50000"/>
-                </a:srgbClr>
-              </a:lnRef>
-              <a:fillRef idx="1">
-                <a:srgbClr val="4F81BD"/>
-              </a:fillRef>
-              <a:effectRef idx="0">
-                <a:srgbClr val="4F81BD"/>
-              </a:effectRef>
-              <a:fontRef idx="minor">
-                <a:srgbClr val="000000"/>
-              </a:fontRef>
-            </p:style>
-            <p:txBody>
-              <a:bodyPr wrap="none" lIns="45720" tIns="18288" rIns="45720" bIns="18288" rtlCol="0" anchor="ctr">
-                <a:noAutofit/>
-              </a:bodyPr>
-              <a:lstStyle/>
-              <a:p>
-                <a:r>
-                  <a:rPr lang="en-US" sz="1200" dirty="0">
-                    <a:latin typeface="Segoe UI" pitchFamily="34" charset="0"/>
-                    <a:cs typeface="Segoe UI" pitchFamily="34" charset="0"/>
-                    <a:hlinkClick r:id="rId11"/>
-                  </a:rPr>
-                  <a:t>http://www.url.com</a:t>
-                </a:r>
-                <a:endParaRPr lang="en-US" sz="1200" dirty="0">
-                  <a:latin typeface="Segoe UI" pitchFamily="34" charset="0"/>
-                  <a:cs typeface="Segoe UI" pitchFamily="34" charset="0"/>
-                </a:endParaRPr>
-              </a:p>
-              <a:p>
-                <a:endParaRPr lang="en-US" sz="1200" dirty="0">
-                  <a:solidFill>
-                    <a:srgbClr val="000000"/>
-                  </a:solidFill>
-                  <a:latin typeface="Segoe UI" pitchFamily="34" charset="0"/>
-                  <a:cs typeface="Segoe UI" pitchFamily="34" charset="0"/>
-                </a:endParaRPr>
-              </a:p>
-            </p:txBody>
-          </p:sp>
-          <p:sp>
-            <p:nvSpPr>
-              <p:cNvPr id="8" name="Content">
-                <a:extLst>
-                  <a:ext uri="{FF2B5EF4-FFF2-40B4-BE49-F238E27FC236}">
-                    <a16:creationId xmlns:a16="http://schemas.microsoft.com/office/drawing/2014/main" id="{EB4B48B7-6B70-4F93-897A-D50ECD267C4B}"/>
-                  </a:ext>
-                </a:extLst>
-              </p:cNvPr>
-              <p:cNvSpPr txBox="1"/>
-              <p:nvPr>
-                <p:custDataLst>
-                  <p:custData r:id="rId6"/>
-                </p:custDataLst>
-              </p:nvPr>
-            </p:nvSpPr>
-            <p:spPr>
-              <a:xfrm>
-                <a:off x="3673599" y="3602594"/>
-                <a:ext cx="2422401" cy="230832"/>
-              </a:xfrm>
-              <a:prstGeom prst="rect">
-                <a:avLst/>
-              </a:prstGeom>
-              <a:noFill/>
-            </p:spPr>
-            <p:txBody>
-              <a:bodyPr wrap="square" lIns="91440" tIns="18288" rIns="91440" bIns="27432" rtlCol="0" anchor="ctr" anchorCtr="0">
-                <a:spAutoFit/>
-              </a:bodyPr>
-              <a:lstStyle/>
-              <a:p>
-                <a:r>
-                  <a:rPr lang="en-US" sz="1200" dirty="0">
-                    <a:solidFill>
-                      <a:srgbClr val="000000"/>
-                    </a:solidFill>
-                    <a:latin typeface="Segoe UI" pitchFamily="34" charset="0"/>
-                    <a:ea typeface="Segoe UI" pitchFamily="34" charset="0"/>
-                    <a:cs typeface="Segoe UI" pitchFamily="34" charset="0"/>
-                  </a:rPr>
-                  <a:t>Lien pour </a:t>
-                </a:r>
-                <a:r>
-                  <a:rPr lang="en-US" sz="1200" dirty="0" err="1">
-                    <a:solidFill>
-                      <a:srgbClr val="000000"/>
-                    </a:solidFill>
-                    <a:latin typeface="Segoe UI" pitchFamily="34" charset="0"/>
-                    <a:ea typeface="Segoe UI" pitchFamily="34" charset="0"/>
-                    <a:cs typeface="Segoe UI" pitchFamily="34" charset="0"/>
-                  </a:rPr>
-                  <a:t>partager</a:t>
-                </a:r>
-                <a:r>
-                  <a:rPr lang="en-US" sz="1200" dirty="0">
-                    <a:solidFill>
-                      <a:srgbClr val="000000"/>
-                    </a:solidFill>
-                    <a:latin typeface="Segoe UI" pitchFamily="34" charset="0"/>
-                    <a:ea typeface="Segoe UI" pitchFamily="34" charset="0"/>
-                    <a:cs typeface="Segoe UI" pitchFamily="34" charset="0"/>
-                  </a:rPr>
-                  <a:t> le </a:t>
-                </a:r>
-                <a:r>
-                  <a:rPr lang="en-US" sz="1200" dirty="0" err="1">
-                    <a:solidFill>
-                      <a:srgbClr val="000000"/>
-                    </a:solidFill>
-                    <a:latin typeface="Segoe UI" pitchFamily="34" charset="0"/>
-                    <a:ea typeface="Segoe UI" pitchFamily="34" charset="0"/>
-                    <a:cs typeface="Segoe UI" pitchFamily="34" charset="0"/>
-                  </a:rPr>
-                  <a:t>sondage</a:t>
-                </a:r>
-                <a:r>
-                  <a:rPr lang="en-US" sz="1200" dirty="0">
-                    <a:solidFill>
-                      <a:srgbClr val="000000"/>
-                    </a:solidFill>
-                    <a:latin typeface="Segoe UI" pitchFamily="34" charset="0"/>
-                    <a:ea typeface="Segoe UI" pitchFamily="34" charset="0"/>
-                    <a:cs typeface="Segoe UI" pitchFamily="34" charset="0"/>
-                  </a:rPr>
-                  <a:t> :</a:t>
-                </a:r>
-              </a:p>
-            </p:txBody>
-          </p:sp>
-        </p:grpSp>
-        <p:grpSp>
-          <p:nvGrpSpPr>
-            <p:cNvPr id="10" name="Groupe 9">
-              <a:extLst>
-                <a:ext uri="{FF2B5EF4-FFF2-40B4-BE49-F238E27FC236}">
-                  <a16:creationId xmlns:a16="http://schemas.microsoft.com/office/drawing/2014/main" id="{0E042AC0-C9D2-482D-9A82-69C726CA2304}"/>
-                </a:ext>
-              </a:extLst>
-            </p:cNvPr>
-            <p:cNvGrpSpPr/>
-            <p:nvPr/>
-          </p:nvGrpSpPr>
-          <p:grpSpPr>
-            <a:xfrm>
-              <a:off x="3673599" y="4199583"/>
-              <a:ext cx="4112427" cy="354039"/>
-              <a:chOff x="3673599" y="4093270"/>
-              <a:chExt cx="4112427" cy="354039"/>
-            </a:xfrm>
-          </p:grpSpPr>
-          <p:sp>
-            <p:nvSpPr>
-              <p:cNvPr id="6" name="Content">
-                <a:extLst>
-                  <a:ext uri="{FF2B5EF4-FFF2-40B4-BE49-F238E27FC236}">
-                    <a16:creationId xmlns:a16="http://schemas.microsoft.com/office/drawing/2014/main" id="{E402B9BF-57BC-4339-AE2A-B08F53DB97F8}"/>
-                  </a:ext>
-                </a:extLst>
-              </p:cNvPr>
-              <p:cNvSpPr/>
-              <p:nvPr>
-                <p:custDataLst>
-                  <p:custData r:id="rId3"/>
-                </p:custDataLst>
-              </p:nvPr>
-            </p:nvSpPr>
-            <p:spPr>
-              <a:xfrm>
-                <a:off x="6096000" y="4117769"/>
-                <a:ext cx="1690026" cy="329540"/>
-              </a:xfrm>
-              <a:prstGeom prst="rect">
-                <a:avLst/>
-              </a:prstGeom>
-              <a:solidFill>
-                <a:sysClr val="window" lastClr="FFFFFF"/>
-              </a:solidFill>
-              <a:ln w="3175">
-                <a:solidFill>
-                  <a:srgbClr val="000000">
-                    <a:lumMod val="50000"/>
-                    <a:lumOff val="50000"/>
-                  </a:srgbClr>
-                </a:solidFill>
-              </a:ln>
-              <a:effectLst/>
-            </p:spPr>
-            <p:style>
-              <a:lnRef idx="2">
-                <a:srgbClr val="4F81BD">
-                  <a:shade val="50000"/>
-                </a:srgbClr>
-              </a:lnRef>
-              <a:fillRef idx="1">
-                <a:srgbClr val="4F81BD"/>
-              </a:fillRef>
-              <a:effectRef idx="0">
-                <a:srgbClr val="4F81BD"/>
-              </a:effectRef>
-              <a:fontRef idx="minor">
-                <a:srgbClr val="000000"/>
-              </a:fontRef>
-            </p:style>
-            <p:txBody>
-              <a:bodyPr wrap="none" lIns="45720" tIns="18288" rIns="45720" bIns="18288" rtlCol="0" anchor="ctr">
-                <a:noAutofit/>
-              </a:bodyPr>
-              <a:lstStyle/>
-              <a:p>
-                <a:r>
-                  <a:rPr lang="en-US" sz="1200" dirty="0">
-                    <a:latin typeface="Segoe UI" pitchFamily="34" charset="0"/>
-                    <a:cs typeface="Segoe UI" pitchFamily="34" charset="0"/>
-                    <a:hlinkClick r:id="rId11"/>
-                  </a:rPr>
-                  <a:t>http://www.url.com</a:t>
-                </a:r>
-                <a:endParaRPr lang="en-US" sz="1200" dirty="0">
-                  <a:latin typeface="Segoe UI" pitchFamily="34" charset="0"/>
-                  <a:cs typeface="Segoe UI" pitchFamily="34" charset="0"/>
-                </a:endParaRPr>
-              </a:p>
-              <a:p>
-                <a:endParaRPr lang="en-US" sz="1200" dirty="0">
-                  <a:solidFill>
-                    <a:srgbClr val="000000"/>
-                  </a:solidFill>
-                  <a:latin typeface="Segoe UI" pitchFamily="34" charset="0"/>
-                  <a:cs typeface="Segoe UI" pitchFamily="34" charset="0"/>
-                </a:endParaRPr>
-              </a:p>
-            </p:txBody>
-          </p:sp>
-          <p:sp>
-            <p:nvSpPr>
-              <p:cNvPr id="9" name="Content">
-                <a:extLst>
-                  <a:ext uri="{FF2B5EF4-FFF2-40B4-BE49-F238E27FC236}">
-                    <a16:creationId xmlns:a16="http://schemas.microsoft.com/office/drawing/2014/main" id="{C141E062-C386-4C46-AC85-3369FD7224FB}"/>
-                  </a:ext>
-                </a:extLst>
-              </p:cNvPr>
-              <p:cNvSpPr txBox="1"/>
-              <p:nvPr>
-                <p:custDataLst>
-                  <p:custData r:id="rId4"/>
-                </p:custDataLst>
-              </p:nvPr>
-            </p:nvSpPr>
-            <p:spPr>
-              <a:xfrm>
-                <a:off x="3673599" y="4093270"/>
-                <a:ext cx="2422401" cy="230832"/>
-              </a:xfrm>
-              <a:prstGeom prst="rect">
-                <a:avLst/>
-              </a:prstGeom>
-              <a:noFill/>
-            </p:spPr>
-            <p:txBody>
-              <a:bodyPr wrap="square" lIns="91440" tIns="18288" rIns="91440" bIns="27432" rtlCol="0" anchor="ctr" anchorCtr="0">
-                <a:spAutoFit/>
-              </a:bodyPr>
-              <a:lstStyle/>
-              <a:p>
-                <a:r>
-                  <a:rPr lang="en-US" sz="1200" dirty="0">
-                    <a:solidFill>
-                      <a:srgbClr val="000000"/>
-                    </a:solidFill>
-                    <a:latin typeface="Segoe UI" pitchFamily="34" charset="0"/>
-                    <a:ea typeface="Segoe UI" pitchFamily="34" charset="0"/>
-                    <a:cs typeface="Segoe UI" pitchFamily="34" charset="0"/>
-                  </a:rPr>
-                  <a:t>Lien pour </a:t>
-                </a:r>
-                <a:r>
-                  <a:rPr lang="en-US" sz="1200" dirty="0" err="1">
-                    <a:solidFill>
-                      <a:srgbClr val="000000"/>
-                    </a:solidFill>
-                    <a:latin typeface="Segoe UI" pitchFamily="34" charset="0"/>
-                    <a:ea typeface="Segoe UI" pitchFamily="34" charset="0"/>
-                    <a:cs typeface="Segoe UI" pitchFamily="34" charset="0"/>
-                  </a:rPr>
-                  <a:t>accéder</a:t>
-                </a:r>
-                <a:r>
-                  <a:rPr lang="en-US" sz="1200" dirty="0">
-                    <a:solidFill>
-                      <a:srgbClr val="000000"/>
-                    </a:solidFill>
-                    <a:latin typeface="Segoe UI" pitchFamily="34" charset="0"/>
-                    <a:ea typeface="Segoe UI" pitchFamily="34" charset="0"/>
-                    <a:cs typeface="Segoe UI" pitchFamily="34" charset="0"/>
-                  </a:rPr>
-                  <a:t> aux </a:t>
-                </a:r>
-                <a:r>
-                  <a:rPr lang="en-US" sz="1200" dirty="0" err="1">
-                    <a:solidFill>
-                      <a:srgbClr val="000000"/>
-                    </a:solidFill>
-                    <a:latin typeface="Segoe UI" pitchFamily="34" charset="0"/>
-                    <a:ea typeface="Segoe UI" pitchFamily="34" charset="0"/>
-                    <a:cs typeface="Segoe UI" pitchFamily="34" charset="0"/>
-                  </a:rPr>
-                  <a:t>résultats</a:t>
-                </a:r>
-                <a:r>
-                  <a:rPr lang="en-US" sz="1200" dirty="0">
-                    <a:solidFill>
-                      <a:srgbClr val="000000"/>
-                    </a:solidFill>
-                    <a:latin typeface="Segoe UI" pitchFamily="34" charset="0"/>
-                    <a:ea typeface="Segoe UI" pitchFamily="34" charset="0"/>
-                    <a:cs typeface="Segoe UI" pitchFamily="34" charset="0"/>
-                  </a:rPr>
-                  <a:t> :</a:t>
-                </a:r>
-              </a:p>
-            </p:txBody>
-          </p:sp>
-        </p:grpSp>
-      </p:grpSp>
-      <p:sp>
-        <p:nvSpPr>
           <p:cNvPr id="15" name="Rectangle 14">
             <a:extLst>
               <a:ext uri="{FF2B5EF4-FFF2-40B4-BE49-F238E27FC236}">
@@ -11467,7 +10953,7 @@
         </p:nvSpPr>
         <p:spPr>
           <a:xfrm>
-            <a:off x="3714997" y="1365662"/>
+            <a:off x="3586864" y="1397586"/>
             <a:ext cx="4762006" cy="678871"/>
           </a:xfrm>
           <a:prstGeom prst="rect">
@@ -11521,7 +11007,7 @@
           </p:nvPr>
         </p:nvPicPr>
         <p:blipFill>
-          <a:blip r:embed="rId12" cstate="print">
+          <a:blip r:embed="rId7" cstate="print">
             <a:extLst>
               <a:ext uri="{28A0092B-C50C-407E-A947-70E740481C1C}">
                 <a14:useLocalDpi xmlns:a14="http://schemas.microsoft.com/office/drawing/2010/main" val="0"/>
@@ -11709,6 +11195,576 @@
           </a:p>
         </p:txBody>
       </p:sp>
+      <p:grpSp>
+        <p:nvGrpSpPr>
+          <p:cNvPr id="11" name="Groupe 10"/>
+          <p:cNvGrpSpPr/>
+          <p:nvPr/>
+        </p:nvGrpSpPr>
+        <p:grpSpPr>
+          <a:xfrm>
+            <a:off x="3586864" y="2427758"/>
+            <a:ext cx="4762006" cy="2766951"/>
+            <a:chOff x="3586864" y="2427758"/>
+            <a:chExt cx="4762006" cy="2766951"/>
+          </a:xfrm>
+        </p:grpSpPr>
+        <p:sp>
+          <p:nvSpPr>
+            <p:cNvPr id="4" name="Rectangle 3">
+              <a:extLst>
+                <a:ext uri="{FF2B5EF4-FFF2-40B4-BE49-F238E27FC236}">
+                  <a16:creationId xmlns:a16="http://schemas.microsoft.com/office/drawing/2014/main" id="{8B2A39CD-93CE-49C0-8D66-2E39B2D0D9BC}"/>
+                </a:ext>
+              </a:extLst>
+            </p:cNvPr>
+            <p:cNvSpPr/>
+            <p:nvPr/>
+          </p:nvSpPr>
+          <p:spPr>
+            <a:xfrm>
+              <a:off x="3586864" y="2427758"/>
+              <a:ext cx="4762006" cy="2766951"/>
+            </a:xfrm>
+            <a:prstGeom prst="rect">
+              <a:avLst/>
+            </a:prstGeom>
+            <a:solidFill>
+              <a:schemeClr val="bg1"/>
+            </a:solidFill>
+          </p:spPr>
+          <p:style>
+            <a:lnRef idx="2">
+              <a:schemeClr val="accent1">
+                <a:shade val="50000"/>
+              </a:schemeClr>
+            </a:lnRef>
+            <a:fillRef idx="1">
+              <a:schemeClr val="accent1"/>
+            </a:fillRef>
+            <a:effectRef idx="0">
+              <a:schemeClr val="accent1"/>
+            </a:effectRef>
+            <a:fontRef idx="minor">
+              <a:schemeClr val="lt1"/>
+            </a:fontRef>
+          </p:style>
+          <p:txBody>
+            <a:bodyPr rtlCol="0" anchor="ctr"/>
+            <a:lstStyle/>
+            <a:p>
+              <a:pPr algn="ctr"/>
+              <a:endParaRPr lang="fr-FR"/>
+            </a:p>
+          </p:txBody>
+        </p:sp>
+        <p:grpSp>
+          <p:nvGrpSpPr>
+            <p:cNvPr id="14" name="Groupe 13">
+              <a:extLst>
+                <a:ext uri="{FF2B5EF4-FFF2-40B4-BE49-F238E27FC236}">
+                  <a16:creationId xmlns:a16="http://schemas.microsoft.com/office/drawing/2014/main" id="{6E2168C6-34AB-471B-B17B-C05C627D315E}"/>
+                </a:ext>
+              </a:extLst>
+            </p:cNvPr>
+            <p:cNvGrpSpPr/>
+            <p:nvPr/>
+          </p:nvGrpSpPr>
+          <p:grpSpPr>
+            <a:xfrm>
+              <a:off x="3800104" y="3020156"/>
+              <a:ext cx="2672124" cy="1320271"/>
+              <a:chOff x="3673599" y="3005605"/>
+              <a:chExt cx="2422401" cy="1320271"/>
+            </a:xfrm>
+          </p:grpSpPr>
+          <p:sp>
+            <p:nvSpPr>
+              <p:cNvPr id="7" name="Content">
+                <a:extLst>
+                  <a:ext uri="{FF2B5EF4-FFF2-40B4-BE49-F238E27FC236}">
+                    <a16:creationId xmlns:a16="http://schemas.microsoft.com/office/drawing/2014/main" id="{E0E39D34-55CF-4CA9-9573-EC7258A972A4}"/>
+                  </a:ext>
+                </a:extLst>
+              </p:cNvPr>
+              <p:cNvSpPr txBox="1"/>
+              <p:nvPr>
+                <p:custDataLst>
+                  <p:custData r:id="rId3"/>
+                </p:custDataLst>
+              </p:nvPr>
+            </p:nvSpPr>
+            <p:spPr>
+              <a:xfrm>
+                <a:off x="3673599" y="3005605"/>
+                <a:ext cx="2422401" cy="230832"/>
+              </a:xfrm>
+              <a:prstGeom prst="rect">
+                <a:avLst/>
+              </a:prstGeom>
+              <a:noFill/>
+            </p:spPr>
+            <p:txBody>
+              <a:bodyPr wrap="square" lIns="91440" tIns="18288" rIns="91440" bIns="27432" rtlCol="0" anchor="ctr" anchorCtr="0">
+                <a:spAutoFit/>
+              </a:bodyPr>
+              <a:lstStyle/>
+              <a:p>
+                <a:r>
+                  <a:rPr lang="en-US" sz="1200" b="1" dirty="0">
+                    <a:solidFill>
+                      <a:srgbClr val="000000"/>
+                    </a:solidFill>
+                    <a:latin typeface="Segoe UI" pitchFamily="34" charset="0"/>
+                    <a:ea typeface="Segoe UI" pitchFamily="34" charset="0"/>
+                    <a:cs typeface="Segoe UI" pitchFamily="34" charset="0"/>
+                  </a:rPr>
+                  <a:t>Lien pour </a:t>
+                </a:r>
+                <a:r>
+                  <a:rPr lang="en-US" sz="1200" b="1" dirty="0" err="1">
+                    <a:solidFill>
+                      <a:srgbClr val="000000"/>
+                    </a:solidFill>
+                    <a:latin typeface="Segoe UI" pitchFamily="34" charset="0"/>
+                    <a:ea typeface="Segoe UI" pitchFamily="34" charset="0"/>
+                    <a:cs typeface="Segoe UI" pitchFamily="34" charset="0"/>
+                  </a:rPr>
+                  <a:t>supprimer</a:t>
+                </a:r>
+                <a:r>
+                  <a:rPr lang="en-US" sz="1200" b="1" dirty="0">
+                    <a:solidFill>
+                      <a:srgbClr val="000000"/>
+                    </a:solidFill>
+                    <a:latin typeface="Segoe UI" pitchFamily="34" charset="0"/>
+                    <a:ea typeface="Segoe UI" pitchFamily="34" charset="0"/>
+                    <a:cs typeface="Segoe UI" pitchFamily="34" charset="0"/>
+                  </a:rPr>
+                  <a:t> le </a:t>
+                </a:r>
+                <a:r>
+                  <a:rPr lang="en-US" sz="1200" b="1" dirty="0" err="1">
+                    <a:solidFill>
+                      <a:srgbClr val="000000"/>
+                    </a:solidFill>
+                    <a:latin typeface="Segoe UI" pitchFamily="34" charset="0"/>
+                    <a:ea typeface="Segoe UI" pitchFamily="34" charset="0"/>
+                    <a:cs typeface="Segoe UI" pitchFamily="34" charset="0"/>
+                  </a:rPr>
+                  <a:t>sondage</a:t>
+                </a:r>
+                <a:r>
+                  <a:rPr lang="en-US" sz="1200" b="1" dirty="0">
+                    <a:solidFill>
+                      <a:srgbClr val="000000"/>
+                    </a:solidFill>
+                    <a:latin typeface="Segoe UI" pitchFamily="34" charset="0"/>
+                    <a:ea typeface="Segoe UI" pitchFamily="34" charset="0"/>
+                    <a:cs typeface="Segoe UI" pitchFamily="34" charset="0"/>
+                  </a:rPr>
+                  <a:t> :</a:t>
+                </a:r>
+              </a:p>
+            </p:txBody>
+          </p:sp>
+          <p:sp>
+            <p:nvSpPr>
+              <p:cNvPr id="8" name="Content">
+                <a:extLst>
+                  <a:ext uri="{FF2B5EF4-FFF2-40B4-BE49-F238E27FC236}">
+                    <a16:creationId xmlns:a16="http://schemas.microsoft.com/office/drawing/2014/main" id="{EB4B48B7-6B70-4F93-897A-D50ECD267C4B}"/>
+                  </a:ext>
+                </a:extLst>
+              </p:cNvPr>
+              <p:cNvSpPr txBox="1"/>
+              <p:nvPr>
+                <p:custDataLst>
+                  <p:custData r:id="rId4"/>
+                </p:custDataLst>
+              </p:nvPr>
+            </p:nvSpPr>
+            <p:spPr>
+              <a:xfrm>
+                <a:off x="3673599" y="3565851"/>
+                <a:ext cx="2422401" cy="230832"/>
+              </a:xfrm>
+              <a:prstGeom prst="rect">
+                <a:avLst/>
+              </a:prstGeom>
+              <a:noFill/>
+            </p:spPr>
+            <p:txBody>
+              <a:bodyPr wrap="square" lIns="91440" tIns="18288" rIns="91440" bIns="27432" rtlCol="0" anchor="ctr" anchorCtr="0">
+                <a:spAutoFit/>
+              </a:bodyPr>
+              <a:lstStyle/>
+              <a:p>
+                <a:r>
+                  <a:rPr lang="en-US" sz="1200" dirty="0">
+                    <a:solidFill>
+                      <a:srgbClr val="000000"/>
+                    </a:solidFill>
+                    <a:latin typeface="Segoe UI" pitchFamily="34" charset="0"/>
+                    <a:ea typeface="Segoe UI" pitchFamily="34" charset="0"/>
+                    <a:cs typeface="Segoe UI" pitchFamily="34" charset="0"/>
+                  </a:rPr>
+                  <a:t>Lien pour </a:t>
+                </a:r>
+                <a:r>
+                  <a:rPr lang="en-US" sz="1200" dirty="0" err="1">
+                    <a:solidFill>
+                      <a:srgbClr val="000000"/>
+                    </a:solidFill>
+                    <a:latin typeface="Segoe UI" pitchFamily="34" charset="0"/>
+                    <a:ea typeface="Segoe UI" pitchFamily="34" charset="0"/>
+                    <a:cs typeface="Segoe UI" pitchFamily="34" charset="0"/>
+                  </a:rPr>
+                  <a:t>partager</a:t>
+                </a:r>
+                <a:r>
+                  <a:rPr lang="en-US" sz="1200" dirty="0">
+                    <a:solidFill>
+                      <a:srgbClr val="000000"/>
+                    </a:solidFill>
+                    <a:latin typeface="Segoe UI" pitchFamily="34" charset="0"/>
+                    <a:ea typeface="Segoe UI" pitchFamily="34" charset="0"/>
+                    <a:cs typeface="Segoe UI" pitchFamily="34" charset="0"/>
+                  </a:rPr>
+                  <a:t> le </a:t>
+                </a:r>
+                <a:r>
+                  <a:rPr lang="en-US" sz="1200" dirty="0" err="1">
+                    <a:solidFill>
+                      <a:srgbClr val="000000"/>
+                    </a:solidFill>
+                    <a:latin typeface="Segoe UI" pitchFamily="34" charset="0"/>
+                    <a:ea typeface="Segoe UI" pitchFamily="34" charset="0"/>
+                    <a:cs typeface="Segoe UI" pitchFamily="34" charset="0"/>
+                  </a:rPr>
+                  <a:t>sondage</a:t>
+                </a:r>
+                <a:r>
+                  <a:rPr lang="en-US" sz="1200" dirty="0">
+                    <a:solidFill>
+                      <a:srgbClr val="000000"/>
+                    </a:solidFill>
+                    <a:latin typeface="Segoe UI" pitchFamily="34" charset="0"/>
+                    <a:ea typeface="Segoe UI" pitchFamily="34" charset="0"/>
+                    <a:cs typeface="Segoe UI" pitchFamily="34" charset="0"/>
+                  </a:rPr>
+                  <a:t> :</a:t>
+                </a:r>
+              </a:p>
+            </p:txBody>
+          </p:sp>
+          <p:sp>
+            <p:nvSpPr>
+              <p:cNvPr id="9" name="Content">
+                <a:extLst>
+                  <a:ext uri="{FF2B5EF4-FFF2-40B4-BE49-F238E27FC236}">
+                    <a16:creationId xmlns:a16="http://schemas.microsoft.com/office/drawing/2014/main" id="{C141E062-C386-4C46-AC85-3369FD7224FB}"/>
+                  </a:ext>
+                </a:extLst>
+              </p:cNvPr>
+              <p:cNvSpPr txBox="1"/>
+              <p:nvPr>
+                <p:custDataLst>
+                  <p:custData r:id="rId5"/>
+                </p:custDataLst>
+              </p:nvPr>
+            </p:nvSpPr>
+            <p:spPr>
+              <a:xfrm>
+                <a:off x="3673599" y="4095044"/>
+                <a:ext cx="2422401" cy="230832"/>
+              </a:xfrm>
+              <a:prstGeom prst="rect">
+                <a:avLst/>
+              </a:prstGeom>
+              <a:noFill/>
+            </p:spPr>
+            <p:txBody>
+              <a:bodyPr wrap="square" lIns="91440" tIns="18288" rIns="91440" bIns="27432" rtlCol="0" anchor="ctr" anchorCtr="0">
+                <a:spAutoFit/>
+              </a:bodyPr>
+              <a:lstStyle/>
+              <a:p>
+                <a:r>
+                  <a:rPr lang="en-US" sz="1200" dirty="0">
+                    <a:solidFill>
+                      <a:srgbClr val="000000"/>
+                    </a:solidFill>
+                    <a:latin typeface="Segoe UI" pitchFamily="34" charset="0"/>
+                    <a:ea typeface="Segoe UI" pitchFamily="34" charset="0"/>
+                    <a:cs typeface="Segoe UI" pitchFamily="34" charset="0"/>
+                  </a:rPr>
+                  <a:t>Lien pour </a:t>
+                </a:r>
+                <a:r>
+                  <a:rPr lang="en-US" sz="1200" dirty="0" err="1">
+                    <a:solidFill>
+                      <a:srgbClr val="000000"/>
+                    </a:solidFill>
+                    <a:latin typeface="Segoe UI" pitchFamily="34" charset="0"/>
+                    <a:ea typeface="Segoe UI" pitchFamily="34" charset="0"/>
+                    <a:cs typeface="Segoe UI" pitchFamily="34" charset="0"/>
+                  </a:rPr>
+                  <a:t>accéder</a:t>
+                </a:r>
+                <a:r>
+                  <a:rPr lang="en-US" sz="1200" dirty="0">
+                    <a:solidFill>
+                      <a:srgbClr val="000000"/>
+                    </a:solidFill>
+                    <a:latin typeface="Segoe UI" pitchFamily="34" charset="0"/>
+                    <a:ea typeface="Segoe UI" pitchFamily="34" charset="0"/>
+                    <a:cs typeface="Segoe UI" pitchFamily="34" charset="0"/>
+                  </a:rPr>
+                  <a:t> aux </a:t>
+                </a:r>
+                <a:r>
+                  <a:rPr lang="en-US" sz="1200" dirty="0" err="1">
+                    <a:solidFill>
+                      <a:srgbClr val="000000"/>
+                    </a:solidFill>
+                    <a:latin typeface="Segoe UI" pitchFamily="34" charset="0"/>
+                    <a:ea typeface="Segoe UI" pitchFamily="34" charset="0"/>
+                    <a:cs typeface="Segoe UI" pitchFamily="34" charset="0"/>
+                  </a:rPr>
+                  <a:t>résultats</a:t>
+                </a:r>
+                <a:r>
+                  <a:rPr lang="en-US" sz="1200" dirty="0">
+                    <a:solidFill>
+                      <a:srgbClr val="000000"/>
+                    </a:solidFill>
+                    <a:latin typeface="Segoe UI" pitchFamily="34" charset="0"/>
+                    <a:ea typeface="Segoe UI" pitchFamily="34" charset="0"/>
+                    <a:cs typeface="Segoe UI" pitchFamily="34" charset="0"/>
+                  </a:rPr>
+                  <a:t> :</a:t>
+                </a:r>
+              </a:p>
+            </p:txBody>
+          </p:sp>
+        </p:grpSp>
+        <p:sp>
+          <p:nvSpPr>
+            <p:cNvPr id="2" name="Rectangle 1"/>
+            <p:cNvSpPr/>
+            <p:nvPr/>
+          </p:nvSpPr>
+          <p:spPr>
+            <a:xfrm>
+              <a:off x="6472228" y="2996424"/>
+              <a:ext cx="1739736" cy="278295"/>
+            </a:xfrm>
+            <a:prstGeom prst="rect">
+              <a:avLst/>
+            </a:prstGeom>
+            <a:solidFill>
+              <a:schemeClr val="accent2">
+                <a:lumMod val="40000"/>
+                <a:lumOff val="60000"/>
+              </a:schemeClr>
+            </a:solidFill>
+            <a:ln>
+              <a:solidFill>
+                <a:schemeClr val="tx1"/>
+              </a:solidFill>
+            </a:ln>
+          </p:spPr>
+          <p:style>
+            <a:lnRef idx="2">
+              <a:schemeClr val="accent1">
+                <a:shade val="50000"/>
+              </a:schemeClr>
+            </a:lnRef>
+            <a:fillRef idx="1">
+              <a:schemeClr val="accent1"/>
+            </a:fillRef>
+            <a:effectRef idx="0">
+              <a:schemeClr val="accent1"/>
+            </a:effectRef>
+            <a:fontRef idx="minor">
+              <a:schemeClr val="lt1"/>
+            </a:fontRef>
+          </p:style>
+          <p:txBody>
+            <a:bodyPr rtlCol="0" anchor="ctr"/>
+            <a:lstStyle/>
+            <a:p>
+              <a:pPr algn="ctr"/>
+              <a:r>
+                <a:rPr lang="fr-FR" sz="1100" dirty="0" smtClean="0">
+                  <a:solidFill>
+                    <a:schemeClr val="tx1"/>
+                  </a:solidFill>
+                </a:rPr>
+                <a:t>https://</a:t>
+              </a:r>
+              <a:r>
+                <a:rPr lang="fr-FR" sz="1100" dirty="0" smtClean="0">
+                  <a:solidFill>
+                    <a:schemeClr val="tx1"/>
+                  </a:solidFill>
+                  <a:hlinkClick r:id="rId8" action="ppaction://hlinksldjump"/>
+                </a:rPr>
+                <a:t>www.doodle.com</a:t>
+              </a:r>
+              <a:r>
+                <a:rPr lang="fr-FR" sz="1100" dirty="0" smtClean="0">
+                  <a:solidFill>
+                    <a:schemeClr val="tx1"/>
+                  </a:solidFill>
+                </a:rPr>
+                <a:t>/</a:t>
+              </a:r>
+              <a:endParaRPr lang="fr-FR" sz="1100" dirty="0">
+                <a:solidFill>
+                  <a:schemeClr val="tx1"/>
+                </a:solidFill>
+              </a:endParaRPr>
+            </a:p>
+          </p:txBody>
+        </p:sp>
+        <p:sp>
+          <p:nvSpPr>
+            <p:cNvPr id="19" name="Rectangle 18"/>
+            <p:cNvSpPr/>
+            <p:nvPr/>
+          </p:nvSpPr>
+          <p:spPr>
+            <a:xfrm>
+              <a:off x="6472228" y="4088860"/>
+              <a:ext cx="1739736" cy="278295"/>
+            </a:xfrm>
+            <a:prstGeom prst="rect">
+              <a:avLst/>
+            </a:prstGeom>
+            <a:solidFill>
+              <a:schemeClr val="accent2">
+                <a:lumMod val="40000"/>
+                <a:lumOff val="60000"/>
+              </a:schemeClr>
+            </a:solidFill>
+            <a:ln>
+              <a:solidFill>
+                <a:schemeClr val="tx1"/>
+              </a:solidFill>
+            </a:ln>
+          </p:spPr>
+          <p:style>
+            <a:lnRef idx="2">
+              <a:schemeClr val="accent1">
+                <a:shade val="50000"/>
+              </a:schemeClr>
+            </a:lnRef>
+            <a:fillRef idx="1">
+              <a:schemeClr val="accent1"/>
+            </a:fillRef>
+            <a:effectRef idx="0">
+              <a:schemeClr val="accent1"/>
+            </a:effectRef>
+            <a:fontRef idx="minor">
+              <a:schemeClr val="lt1"/>
+            </a:fontRef>
+          </p:style>
+          <p:txBody>
+            <a:bodyPr rtlCol="0" anchor="ctr"/>
+            <a:lstStyle/>
+            <a:p>
+              <a:pPr algn="ctr"/>
+              <a:r>
+                <a:rPr lang="fr-FR" sz="1100" dirty="0" smtClean="0">
+                  <a:solidFill>
+                    <a:schemeClr val="tx1"/>
+                  </a:solidFill>
+                </a:rPr>
+                <a:t>https://</a:t>
+              </a:r>
+              <a:r>
+                <a:rPr lang="fr-FR" sz="1100" dirty="0" smtClean="0">
+                  <a:solidFill>
+                    <a:schemeClr val="tx1"/>
+                  </a:solidFill>
+                  <a:hlinkClick r:id="rId9" action="ppaction://hlinksldjump"/>
+                </a:rPr>
+                <a:t>tak.de/dffqse</a:t>
+              </a:r>
+              <a:endParaRPr lang="fr-FR" sz="1100" dirty="0">
+                <a:solidFill>
+                  <a:schemeClr val="tx1"/>
+                </a:solidFill>
+              </a:endParaRPr>
+            </a:p>
+          </p:txBody>
+        </p:sp>
+        <p:sp>
+          <p:nvSpPr>
+            <p:cNvPr id="20" name="Rectangle 19"/>
+            <p:cNvSpPr/>
+            <p:nvPr/>
+          </p:nvSpPr>
+          <p:spPr>
+            <a:xfrm>
+              <a:off x="6472228" y="3556670"/>
+              <a:ext cx="1739736" cy="278295"/>
+            </a:xfrm>
+            <a:prstGeom prst="rect">
+              <a:avLst/>
+            </a:prstGeom>
+            <a:solidFill>
+              <a:schemeClr val="accent2">
+                <a:lumMod val="40000"/>
+                <a:lumOff val="60000"/>
+              </a:schemeClr>
+            </a:solidFill>
+            <a:ln>
+              <a:solidFill>
+                <a:schemeClr val="tx1"/>
+              </a:solidFill>
+            </a:ln>
+          </p:spPr>
+          <p:style>
+            <a:lnRef idx="2">
+              <a:schemeClr val="accent1">
+                <a:shade val="50000"/>
+              </a:schemeClr>
+            </a:lnRef>
+            <a:fillRef idx="1">
+              <a:schemeClr val="accent1"/>
+            </a:fillRef>
+            <a:effectRef idx="0">
+              <a:schemeClr val="accent1"/>
+            </a:effectRef>
+            <a:fontRef idx="minor">
+              <a:schemeClr val="lt1"/>
+            </a:fontRef>
+          </p:style>
+          <p:txBody>
+            <a:bodyPr rtlCol="0" anchor="ctr"/>
+            <a:lstStyle/>
+            <a:p>
+              <a:pPr algn="ctr"/>
+              <a:r>
+                <a:rPr lang="fr-FR" sz="1100" dirty="0" smtClean="0">
+                  <a:solidFill>
+                    <a:schemeClr val="tx1"/>
+                  </a:solidFill>
+                </a:rPr>
+                <a:t>https://www.str.fr/ffde</a:t>
+              </a:r>
+              <a:endParaRPr lang="fr-FR" sz="1100" dirty="0">
+                <a:solidFill>
+                  <a:schemeClr val="tx1"/>
+                </a:solidFill>
+              </a:endParaRPr>
+            </a:p>
+          </p:txBody>
+        </p:sp>
+      </p:grpSp>
     </p:spTree>
     <p:extLst>
       <p:ext uri="{BB962C8B-B14F-4D97-AF65-F5344CB8AC3E}">
@@ -11727,6 +11783,13 @@
       <p:transition spd="slow" advClick="0"/>
     </mc:Fallback>
   </mc:AlternateContent>
+  <p:timing>
+    <p:tnLst>
+      <p:par>
+        <p:cTn id="1" dur="indefinite" restart="never" nodeType="tmRoot"/>
+      </p:par>
+    </p:tnLst>
+  </p:timing>
 </p:sld>
 </file>
 
@@ -11801,6 +11864,13 @@
       <p:transition spd="slow" advClick="0"/>
     </mc:Fallback>
   </mc:AlternateContent>
+  <p:timing>
+    <p:tnLst>
+      <p:par>
+        <p:cTn id="1" dur="indefinite" restart="never" nodeType="tmRoot"/>
+      </p:par>
+    </p:tnLst>
+  </p:timing>
 </p:sld>
 </file>
 
@@ -11876,6 +11946,13 @@
       <p:transition spd="slow" advClick="0"/>
     </mc:Fallback>
   </mc:AlternateContent>
+  <p:timing>
+    <p:tnLst>
+      <p:par>
+        <p:cTn id="1" dur="indefinite" restart="never" nodeType="tmRoot"/>
+      </p:par>
+    </p:tnLst>
+  </p:timing>
 </p:sld>
 </file>
 
@@ -11914,6 +11991,13 @@
       <p:transition spd="slow" advClick="0"/>
     </mc:Fallback>
   </mc:AlternateContent>
+  <p:timing>
+    <p:tnLst>
+      <p:par>
+        <p:cTn id="1" dur="indefinite" restart="never" nodeType="tmRoot"/>
+      </p:par>
+    </p:tnLst>
+  </p:timing>
 </p:sld>
 </file>
 
@@ -12804,73 +12888,73 @@
 
 <file path=customXml/item1.xml><?xml version="1.0" encoding="utf-8"?>
 <Control xmlns="http://schemas.microsoft.com/VisualStudio/2011/storyboarding/control">
-  <Id Name="System.Storyboarding.Common.TextInput" Revision="1" Stencil="System.Storyboarding.Common" StencilVersion="0.1"/>
+  <Id Name="System.Storyboarding.Common.TextArea" Revision="1" Stencil="System.Storyboarding.Common" StencilVersion="0.1"/>
 </Control>
 </file>
 
 <file path=customXml/item10.xml><?xml version="1.0" encoding="utf-8"?>
 <Control xmlns="http://schemas.microsoft.com/VisualStudio/2011/storyboarding/control">
-  <Id Name="System.Storyboarding.WindowsAppIcons.Check" Revision="1" Stencil="System.Storyboarding.WindowsAppIcons" StencilVersion="0.1"/>
+  <Id Name="System.Storyboarding.Annotation.StickyNote" Revision="1" Stencil="System.Storyboarding.Annotation" StencilVersion="0.1"/>
 </Control>
 </file>
 
 <file path=customXml/item11.xml><?xml version="1.0" encoding="utf-8"?>
+<Control xmlns="http://schemas.microsoft.com/VisualStudio/2011/storyboarding/control">
+  <Id Name="System.Storyboarding.Common.Text" Revision="1" Stencil="System.Storyboarding.Common" StencilVersion="0.1"/>
+</Control>
+</file>
+
+<file path=customXml/item12.xml><?xml version="1.0" encoding="utf-8"?>
+<Control xmlns="http://schemas.microsoft.com/VisualStudio/2011/storyboarding/control">
+  <Id Name="System.Storyboarding.Backgrounds.WebBrowser" Revision="1" Stencil="System.Storyboarding.Backgrounds" StencilVersion="0.1"/>
+</Control>
+</file>
+
+<file path=customXml/item13.xml><?xml version="1.0" encoding="utf-8"?>
+<Control xmlns="http://schemas.microsoft.com/VisualStudio/2011/storyboarding/control">
+  <Id Name="System.Storyboarding.Common.CheckBoxUnchecked" Revision="1" Stencil="System.Storyboarding.Common" StencilVersion="0.1"/>
+</Control>
+</file>
+
+<file path=customXml/item14.xml><?xml version="1.0" encoding="utf-8"?>
 <Control xmlns="http://schemas.microsoft.com/VisualStudio/2011/storyboarding/control">
   <Id Name="System.Storyboarding.Common.TextInput" Revision="1" Stencil="System.Storyboarding.Common" StencilVersion="0.1"/>
 </Control>
 </file>
 
-<file path=customXml/item12.xml><?xml version="1.0" encoding="utf-8"?>
+<file path=customXml/item15.xml><?xml version="1.0" encoding="utf-8"?>
+<Control xmlns="http://schemas.microsoft.com/VisualStudio/2011/storyboarding/control">
+  <Id Name="System.Storyboarding.Common.TextInput" Revision="1" Stencil="System.Storyboarding.Common" StencilVersion="0.1"/>
+</Control>
+</file>
+
+<file path=customXml/item16.xml><?xml version="1.0" encoding="utf-8"?>
+<Control xmlns="http://schemas.microsoft.com/VisualStudio/2011/storyboarding/control">
+  <Id Name="System.Storyboarding.Common.SearchBox" Revision="1" Stencil="System.Storyboarding.Common" StencilVersion="0.1"/>
+</Control>
+</file>
+
+<file path=customXml/item17.xml><?xml version="1.0" encoding="utf-8"?>
+<Control xmlns="http://schemas.microsoft.com/VisualStudio/2011/storyboarding/control">
+  <Id Name="System.Storyboarding.Common.Button" Revision="1" Stencil="System.Storyboarding.Common" StencilVersion="0.1"/>
+</Control>
+</file>
+
+<file path=customXml/item18.xml><?xml version="1.0" encoding="utf-8"?>
 <Control xmlns="http://schemas.microsoft.com/VisualStudio/2011/storyboarding/control">
   <Id Name="System.Storyboarding.Common.CheckBoxUnchecked" Revision="1" Stencil="System.Storyboarding.Common" StencilVersion="0.1"/>
 </Control>
 </file>
 
-<file path=customXml/item13.xml><?xml version="1.0" encoding="utf-8"?>
+<file path=customXml/item19.xml><?xml version="1.0" encoding="utf-8"?>
 <Control xmlns="http://schemas.microsoft.com/VisualStudio/2011/storyboarding/control">
-  <Id Name="System.Storyboarding.Common.ScrollbarVertical" Revision="1" Stencil="System.Storyboarding.Common" StencilVersion="0.1"/>
+  <Id Name="System.Storyboarding.Common.Text" Revision="1" Stencil="System.Storyboarding.Common" StencilVersion="0.1"/>
 </Control>
 </file>
 
-<file path=customXml/item14.xml><?xml version="1.0" encoding="utf-8"?>
+<file path=customXml/item2.xml><?xml version="1.0" encoding="utf-8"?>
 <Control xmlns="http://schemas.microsoft.com/VisualStudio/2011/storyboarding/control">
   <Id Name="System.Storyboarding.Common.CheckBoxUnchecked" Revision="1" Stencil="System.Storyboarding.Common" StencilVersion="0.1"/>
-</Control>
-</file>
-
-<file path=customXml/item15.xml><?xml version="1.0" encoding="utf-8"?>
-<Control xmlns="http://schemas.microsoft.com/VisualStudio/2011/storyboarding/control">
-  <Id Name="System.Storyboarding.Common.Button" Revision="1" Stencil="System.Storyboarding.Common" StencilVersion="0.1"/>
-</Control>
-</file>
-
-<file path=customXml/item16.xml><?xml version="1.0" encoding="utf-8"?>
-<Control xmlns="http://schemas.microsoft.com/VisualStudio/2011/storyboarding/control">
-  <Id Name="System.Storyboarding.Backgrounds.WebBrowser" Revision="1" Stencil="System.Storyboarding.Backgrounds" StencilVersion="0.1"/>
-</Control>
-</file>
-
-<file path=customXml/item17.xml><?xml version="1.0" encoding="utf-8"?>
-<Control xmlns="http://schemas.microsoft.com/VisualStudio/2011/storyboarding/control">
-  <Id Name="System.Storyboarding.Common.TextInput" Revision="1" Stencil="System.Storyboarding.Common" StencilVersion="0.1"/>
-</Control>
-</file>
-
-<file path=customXml/item18.xml><?xml version="1.0" encoding="utf-8"?>
-<Control xmlns="http://schemas.microsoft.com/VisualStudio/2011/storyboarding/control">
-  <Id Name="System.Storyboarding.Common.TextInput" Revision="1" Stencil="System.Storyboarding.Common" StencilVersion="0.1"/>
-</Control>
-</file>
-
-<file path=customXml/item19.xml><?xml version="1.0" encoding="utf-8"?>
-<Control xmlns="http://schemas.microsoft.com/VisualStudio/2011/storyboarding/control">
-  <Id Name="System.Storyboarding.Common.TextInput" Revision="1" Stencil="System.Storyboarding.Common" StencilVersion="0.1"/>
-</Control>
-</file>
-
-<file path=customXml/item2.xml><?xml version="1.0" encoding="utf-8"?>
-<Control xmlns="http://schemas.microsoft.com/VisualStudio/2011/storyboarding/control">
-  <Id Name="System.Storyboarding.Common.Button" Revision="1" Stencil="System.Storyboarding.Common" StencilVersion="0.1"/>
 </Control>
 </file>
 
@@ -12882,13 +12966,13 @@
 
 <file path=customXml/item21.xml><?xml version="1.0" encoding="utf-8"?>
 <Control xmlns="http://schemas.microsoft.com/VisualStudio/2011/storyboarding/control">
-  <Id Name="System.Storyboarding.Common.ScrollbarVertical" Revision="1" Stencil="System.Storyboarding.Common" StencilVersion="0.1"/>
+  <Id Name="System.Storyboarding.Common.TextInput" Revision="1" Stencil="System.Storyboarding.Common" StencilVersion="0.1"/>
 </Control>
 </file>
 
 <file path=customXml/item22.xml><?xml version="1.0" encoding="utf-8"?>
 <Control xmlns="http://schemas.microsoft.com/VisualStudio/2011/storyboarding/control">
-  <Id Name="System.Storyboarding.Common.CheckBoxUnchecked" Revision="1" Stencil="System.Storyboarding.Common" StencilVersion="0.1"/>
+  <Id Name="System.Storyboarding.Common.Button" Revision="1" Stencil="System.Storyboarding.Common" StencilVersion="0.1"/>
 </Control>
 </file>
 
@@ -12900,7 +12984,7 @@
 
 <file path=customXml/item24.xml><?xml version="1.0" encoding="utf-8"?>
 <Control xmlns="http://schemas.microsoft.com/VisualStudio/2011/storyboarding/control">
-  <Id Name="System.Storyboarding.Common.TextInput" Revision="1" Stencil="System.Storyboarding.Common" StencilVersion="0.1"/>
+  <Id Name="System.Storyboarding.Common.SearchBox" Revision="1" Stencil="System.Storyboarding.Common" StencilVersion="0.1"/>
 </Control>
 </file>
 
@@ -12912,55 +12996,55 @@
 
 <file path=customXml/item26.xml><?xml version="1.0" encoding="utf-8"?>
 <Control xmlns="http://schemas.microsoft.com/VisualStudio/2011/storyboarding/control">
-  <Id Name="System.Storyboarding.Annotation.StickyNote" Revision="1" Stencil="System.Storyboarding.Annotation" StencilVersion="0.1"/>
+  <Id Name="System.Storyboarding.WindowsAppIcons.Check" Revision="1" Stencil="System.Storyboarding.WindowsAppIcons" StencilVersion="0.1"/>
 </Control>
 </file>
 
 <file path=customXml/item27.xml><?xml version="1.0" encoding="utf-8"?>
+<Control xmlns="http://schemas.microsoft.com/VisualStudio/2011/storyboarding/control">
+  <Id Name="System.Storyboarding.Common.CheckBoxChecked" Revision="1" Stencil="System.Storyboarding.Common" StencilVersion="0.1"/>
+</Control>
+</file>
+
+<file path=customXml/item28.xml><?xml version="1.0" encoding="utf-8"?>
 <Control xmlns="http://schemas.microsoft.com/VisualStudio/2011/storyboarding/control">
   <Id Name="System.Storyboarding.Common.TextInput" Revision="1" Stencil="System.Storyboarding.Common" StencilVersion="0.1"/>
 </Control>
 </file>
 
-<file path=customXml/item28.xml><?xml version="1.0" encoding="utf-8"?>
-<Control xmlns="http://schemas.microsoft.com/VisualStudio/2011/storyboarding/control">
-  <Id Name="System.Storyboarding.Common.SearchBox" Revision="1" Stencil="System.Storyboarding.Common" StencilVersion="0.1"/>
-</Control>
-</file>
-
 <file path=customXml/item29.xml><?xml version="1.0" encoding="utf-8"?>
 <Control xmlns="http://schemas.microsoft.com/VisualStudio/2011/storyboarding/control">
-  <Id Name="System.Storyboarding.Common.ScrollbarVertical" Revision="1" Stencil="System.Storyboarding.Common" StencilVersion="0.1"/>
+  <Id Name="System.Storyboarding.Common.CheckBoxUnchecked" Revision="1" Stencil="System.Storyboarding.Common" StencilVersion="0.1"/>
 </Control>
 </file>
 
 <file path=customXml/item3.xml><?xml version="1.0" encoding="utf-8"?>
-<Control xmlns="http://schemas.microsoft.com/VisualStudio/2011/storyboarding/control">
-  <Id Name="System.Storyboarding.Backgrounds.WebBrowser" Revision="1" Stencil="System.Storyboarding.Backgrounds" StencilVersion="0.1"/>
-</Control>
-</file>
-
-<file path=customXml/item30.xml><?xml version="1.0" encoding="utf-8"?>
-<Control xmlns="http://schemas.microsoft.com/VisualStudio/2011/storyboarding/control">
-  <Id Name="System.Storyboarding.Common.Button" Revision="1" Stencil="System.Storyboarding.Common" StencilVersion="0.1"/>
-</Control>
-</file>
-
-<file path=customXml/item31.xml><?xml version="1.0" encoding="utf-8"?>
 <Control xmlns="http://schemas.microsoft.com/VisualStudio/2011/storyboarding/control">
   <Id Name="System.Storyboarding.Common.CheckBoxChecked" Revision="1" Stencil="System.Storyboarding.Common" StencilVersion="0.1"/>
 </Control>
 </file>
 
+<file path=customXml/item30.xml><?xml version="1.0" encoding="utf-8"?>
+<Control xmlns="http://schemas.microsoft.com/VisualStudio/2011/storyboarding/control">
+  <Id Name="System.Storyboarding.Common.Text" Revision="1" Stencil="System.Storyboarding.Common" StencilVersion="0.1"/>
+</Control>
+</file>
+
+<file path=customXml/item31.xml><?xml version="1.0" encoding="utf-8"?>
+<Control xmlns="http://schemas.microsoft.com/VisualStudio/2011/storyboarding/control">
+  <Id Name="System.Storyboarding.Common.TextInput" Revision="1" Stencil="System.Storyboarding.Common" StencilVersion="0.1"/>
+</Control>
+</file>
+
 <file path=customXml/item32.xml><?xml version="1.0" encoding="utf-8"?>
 <Control xmlns="http://schemas.microsoft.com/VisualStudio/2011/storyboarding/control">
-  <Id Name="System.Storyboarding.Common.TextArea" Revision="1" Stencil="System.Storyboarding.Common" StencilVersion="0.1"/>
+  <Id Name="System.Storyboarding.Common.CheckBoxUnchecked" Revision="1" Stencil="System.Storyboarding.Common" StencilVersion="0.1"/>
 </Control>
 </file>
 
 <file path=customXml/item33.xml><?xml version="1.0" encoding="utf-8"?>
 <Control xmlns="http://schemas.microsoft.com/VisualStudio/2011/storyboarding/control">
-  <Id Name="System.Storyboarding.Common.SearchBox" Revision="1" Stencil="System.Storyboarding.Common" StencilVersion="0.1"/>
+  <Id Name="System.Storyboarding.Common.ScrollbarVertical" Revision="1" Stencil="System.Storyboarding.Common" StencilVersion="0.1"/>
 </Control>
 </file>
 
@@ -12972,31 +13056,31 @@
 
 <file path=customXml/item35.xml><?xml version="1.0" encoding="utf-8"?>
 <Control xmlns="http://schemas.microsoft.com/VisualStudio/2011/storyboarding/control">
-  <Id Name="System.Storyboarding.Common.SearchBox" Revision="1" Stencil="System.Storyboarding.Common" StencilVersion="0.1"/>
+  <Id Name="System.Storyboarding.Common.TextInput" Revision="1" Stencil="System.Storyboarding.Common" StencilVersion="0.1"/>
 </Control>
 </file>
 
 <file path=customXml/item36.xml><?xml version="1.0" encoding="utf-8"?>
+<Control xmlns="http://schemas.microsoft.com/VisualStudio/2011/storyboarding/control">
+  <Id Name="System.Storyboarding.Common.ScrollbarVertical" Revision="1" Stencil="System.Storyboarding.Common" StencilVersion="0.1"/>
+</Control>
+</file>
+
+<file path=customXml/item37.xml><?xml version="1.0" encoding="utf-8"?>
 <Control xmlns="http://schemas.microsoft.com/VisualStudio/2011/storyboarding/control">
   <Id Name="System.Storyboarding.Common.TextInput" Revision="1" Stencil="System.Storyboarding.Common" StencilVersion="0.1"/>
 </Control>
 </file>
 
-<file path=customXml/item37.xml><?xml version="1.0" encoding="utf-8"?>
-<Control xmlns="http://schemas.microsoft.com/VisualStudio/2011/storyboarding/control">
-  <Id Name="System.Storyboarding.Common.CheckBoxUnchecked" Revision="1" Stencil="System.Storyboarding.Common" StencilVersion="0.1"/>
-</Control>
-</file>
-
 <file path=customXml/item38.xml><?xml version="1.0" encoding="utf-8"?>
 <Control xmlns="http://schemas.microsoft.com/VisualStudio/2011/storyboarding/control">
-  <Id Name="System.Storyboarding.Common.TextInput" Revision="1" Stencil="System.Storyboarding.Common" StencilVersion="0.1"/>
+  <Id Name="System.Storyboarding.Common.Button" Revision="1" Stencil="System.Storyboarding.Common" StencilVersion="0.1"/>
 </Control>
 </file>
 
 <file path=customXml/item39.xml><?xml version="1.0" encoding="utf-8"?>
 <Control xmlns="http://schemas.microsoft.com/VisualStudio/2011/storyboarding/control">
-  <Id Name="System.Storyboarding.Common.CheckBoxChecked" Revision="1" Stencil="System.Storyboarding.Common" StencilVersion="0.1"/>
+  <Id Name="System.Storyboarding.Common.Text" Revision="1" Stencil="System.Storyboarding.Common" StencilVersion="0.1"/>
 </Control>
 </file>
 
@@ -13008,13 +13092,13 @@
 
 <file path=customXml/item40.xml><?xml version="1.0" encoding="utf-8"?>
 <Control xmlns="http://schemas.microsoft.com/VisualStudio/2011/storyboarding/control">
-  <Id Name="System.Storyboarding.Common.Button" Revision="1" Stencil="System.Storyboarding.Common" StencilVersion="0.1"/>
+  <Id Name="System.Storyboarding.Common.Hyperlink" Revision="1" Stencil="System.Storyboarding.Common" StencilVersion="0.1"/>
 </Control>
 </file>
 
 <file path=customXml/item41.xml><?xml version="1.0" encoding="utf-8"?>
 <Control xmlns="http://schemas.microsoft.com/VisualStudio/2011/storyboarding/control">
-  <Id Name="System.Storyboarding.Common.TextInput" Revision="1" Stencil="System.Storyboarding.Common" StencilVersion="0.1"/>
+  <Id Name="System.Storyboarding.Annotation.StickyNote" Revision="1" Stencil="System.Storyboarding.Annotation" StencilVersion="0.1"/>
 </Control>
 </file>
 
@@ -13026,31 +13110,31 @@
 
 <file path=customXml/item43.xml><?xml version="1.0" encoding="utf-8"?>
 <Control xmlns="http://schemas.microsoft.com/VisualStudio/2011/storyboarding/control">
-  <Id Name="System.Storyboarding.Annotation.StickyNote" Revision="1" Stencil="System.Storyboarding.Annotation" StencilVersion="0.1"/>
+  <Id Name="System.Storyboarding.Icons.Warning" Revision="1" Stencil="System.Storyboarding.Icons" StencilVersion="0.1"/>
 </Control>
 </file>
 
 <file path=customXml/item44.xml><?xml version="1.0" encoding="utf-8"?>
+<Control xmlns="http://schemas.microsoft.com/VisualStudio/2011/storyboarding/control">
+  <Id Name="System.Storyboarding.Backgrounds.WebBrowser" Revision="1" Stencil="System.Storyboarding.Backgrounds" StencilVersion="0.1"/>
+</Control>
+</file>
+
+<file path=customXml/item45.xml><?xml version="1.0" encoding="utf-8"?>
 <Control xmlns="http://schemas.microsoft.com/VisualStudio/2011/storyboarding/control">
   <Id Name="System.Storyboarding.Common.TextInput" Revision="1" Stencil="System.Storyboarding.Common" StencilVersion="0.1"/>
 </Control>
 </file>
 
-<file path=customXml/item45.xml><?xml version="1.0" encoding="utf-8"?>
-<Control xmlns="http://schemas.microsoft.com/VisualStudio/2011/storyboarding/control">
-  <Id Name="System.Storyboarding.Annotation.StickyNote" Revision="1" Stencil="System.Storyboarding.Annotation" StencilVersion="0.1"/>
-</Control>
-</file>
-
 <file path=customXml/item46.xml><?xml version="1.0" encoding="utf-8"?>
 <Control xmlns="http://schemas.microsoft.com/VisualStudio/2011/storyboarding/control">
-  <Id Name="System.Storyboarding.Common.Button" Revision="1" Stencil="System.Storyboarding.Common" StencilVersion="0.1"/>
+  <Id Name="System.Storyboarding.Common.SearchBox" Revision="1" Stencil="System.Storyboarding.Common" StencilVersion="0.1"/>
 </Control>
 </file>
 
 <file path=customXml/item47.xml><?xml version="1.0" encoding="utf-8"?>
 <Control xmlns="http://schemas.microsoft.com/VisualStudio/2011/storyboarding/control">
-  <Id Name="System.Storyboarding.Common.SearchBox" Revision="1" Stencil="System.Storyboarding.Common" StencilVersion="0.1"/>
+  <Id Name="System.Storyboarding.Common.TextInput" Revision="1" Stencil="System.Storyboarding.Common" StencilVersion="0.1"/>
 </Control>
 </file>
 
@@ -13086,67 +13170,67 @@
 
 <file path=customXml/item52.xml><?xml version="1.0" encoding="utf-8"?>
 <Control xmlns="http://schemas.microsoft.com/VisualStudio/2011/storyboarding/control">
-  <Id Name="System.Storyboarding.Common.TextInput" Revision="1" Stencil="System.Storyboarding.Common" StencilVersion="0.1"/>
-</Control>
-</file>
-
-<file path=customXml/item53.xml><?xml version="1.0" encoding="utf-8"?>
-<Control xmlns="http://schemas.microsoft.com/VisualStudio/2011/storyboarding/control">
   <Id Name="System.Storyboarding.Annotation.StickyNote" Revision="1" Stencil="System.Storyboarding.Annotation" StencilVersion="0.1"/>
 </Control>
 </file>
 
-<file path=customXml/item54.xml><?xml version="1.0" encoding="utf-8"?>
+<file path=customXml/item53.xml><?xml version="1.0" encoding="utf-8"?>
 <Control xmlns="http://schemas.microsoft.com/VisualStudio/2011/storyboarding/control">
   <Id Name="System.Storyboarding.Common.ScrollbarVertical" Revision="1" Stencil="System.Storyboarding.Common" StencilVersion="0.1"/>
 </Control>
 </file>
 
-<file path=customXml/item55.xml><?xml version="1.0" encoding="utf-8"?>
+<file path=customXml/item54.xml><?xml version="1.0" encoding="utf-8"?>
 <Control xmlns="http://schemas.microsoft.com/VisualStudio/2011/storyboarding/control">
   <Id Name="System.Storyboarding.Common.Button" Revision="1" Stencil="System.Storyboarding.Common" StencilVersion="0.1"/>
 </Control>
 </file>
 
-<file path=customXml/item56.xml><?xml version="1.0" encoding="utf-8"?>
+<file path=customXml/item55.xml><?xml version="1.0" encoding="utf-8"?>
 <Control xmlns="http://schemas.microsoft.com/VisualStudio/2011/storyboarding/control">
   <Id Name="System.Storyboarding.Common.CheckBoxChecked" Revision="1" Stencil="System.Storyboarding.Common" StencilVersion="0.1"/>
 </Control>
 </file>
 
-<file path=customXml/item57.xml><?xml version="1.0" encoding="utf-8"?>
+<file path=customXml/item56.xml><?xml version="1.0" encoding="utf-8"?>
 <Control xmlns="http://schemas.microsoft.com/VisualStudio/2011/storyboarding/control">
   <Id Name="System.Storyboarding.Common.TextInput" Revision="1" Stencil="System.Storyboarding.Common" StencilVersion="0.1"/>
 </Control>
 </file>
 
+<file path=customXml/item57.xml><?xml version="1.0" encoding="utf-8"?>
+<Control xmlns="http://schemas.microsoft.com/VisualStudio/2011/storyboarding/control">
+  <Id Name="System.Storyboarding.Common.SearchBox" Revision="1" Stencil="System.Storyboarding.Common" StencilVersion="0.1"/>
+</Control>
+</file>
+
 <file path=customXml/item58.xml><?xml version="1.0" encoding="utf-8"?>
 <Control xmlns="http://schemas.microsoft.com/VisualStudio/2011/storyboarding/control">
-  <Id Name="System.Storyboarding.Common.CheckBoxChecked" Revision="1" Stencil="System.Storyboarding.Common" StencilVersion="0.1"/>
+  <Id Name="System.Storyboarding.Common.TextInput" Revision="1" Stencil="System.Storyboarding.Common" StencilVersion="0.1"/>
 </Control>
 </file>
 
 <file path=customXml/item59.xml><?xml version="1.0" encoding="utf-8"?>
+<Control xmlns="http://schemas.microsoft.com/VisualStudio/2011/storyboarding/control">
+  <Id Name="System.Storyboarding.Common.TextInput" Revision="1" Stencil="System.Storyboarding.Common" StencilVersion="0.1"/>
+</Control>
+</file>
+
+<file path=customXml/item6.xml><?xml version="1.0" encoding="utf-8"?>
 <Control xmlns="http://schemas.microsoft.com/VisualStudio/2011/storyboarding/control">
   <Id Name="System.Storyboarding.Common.CheckBoxUnchecked" Revision="1" Stencil="System.Storyboarding.Common" StencilVersion="0.1"/>
 </Control>
 </file>
 
-<file path=customXml/item6.xml><?xml version="1.0" encoding="utf-8"?>
+<file path=customXml/item60.xml><?xml version="1.0" encoding="utf-8"?>
 <Control xmlns="http://schemas.microsoft.com/VisualStudio/2011/storyboarding/control">
   <Id Name="System.Storyboarding.Common.TextInput" Revision="1" Stencil="System.Storyboarding.Common" StencilVersion="0.1"/>
 </Control>
 </file>
 
-<file path=customXml/item60.xml><?xml version="1.0" encoding="utf-8"?>
-<Control xmlns="http://schemas.microsoft.com/VisualStudio/2011/storyboarding/control">
-  <Id Name="System.Storyboarding.Common.CheckBoxUnchecked" Revision="1" Stencil="System.Storyboarding.Common" StencilVersion="0.1"/>
-</Control>
-</file>
-
 <file path=customXml/item61.xml><?xml version="1.0" encoding="utf-8"?>
 <Control xmlns="http://schemas.microsoft.com/VisualStudio/2011/storyboarding/control">
-  <Id Name="System.Storyboarding.Common.Hyperlink" Revision="1" Stencil="System.Storyboarding.Common" StencilVersion="0.1"/>
+  <Id Name="System.Storyboarding.Common.TextInput" Revision="1" Stencil="System.Storyboarding.Common" StencilVersion="0.1"/>
 </Control>
 </file>
 
@@ -13158,66 +13242,222 @@
 
 <file path=customXml/item63.xml><?xml version="1.0" encoding="utf-8"?>
 <Control xmlns="http://schemas.microsoft.com/VisualStudio/2011/storyboarding/control">
-  <Id Name="System.Storyboarding.Common.TextInput" Revision="1" Stencil="System.Storyboarding.Common" StencilVersion="0.1"/>
+  <Id Name="System.Storyboarding.Annotation.StickyNote" Revision="1" Stencil="System.Storyboarding.Annotation" StencilVersion="0.1"/>
 </Control>
 </file>
 
 <file path=customXml/item64.xml><?xml version="1.0" encoding="utf-8"?>
+<Control xmlns="http://schemas.microsoft.com/VisualStudio/2011/storyboarding/control">
+  <Id Name="System.Storyboarding.Common.ScrollbarVertical" Revision="1" Stencil="System.Storyboarding.Common" StencilVersion="0.1"/>
+</Control>
+</file>
+
+<file path=customXml/item65.xml><?xml version="1.0" encoding="utf-8"?>
+<Control xmlns="http://schemas.microsoft.com/VisualStudio/2011/storyboarding/control">
+  <Id Name="System.Storyboarding.Common.Button" Revision="1" Stencil="System.Storyboarding.Common" StencilVersion="0.1"/>
+</Control>
+</file>
+
+<file path=customXml/item66.xml><?xml version="1.0" encoding="utf-8"?>
+<Control xmlns="http://schemas.microsoft.com/VisualStudio/2011/storyboarding/control">
+  <Id Name="System.Storyboarding.Common.CheckBoxChecked" Revision="1" Stencil="System.Storyboarding.Common" StencilVersion="0.1"/>
+</Control>
+</file>
+
+<file path=customXml/item67.xml><?xml version="1.0" encoding="utf-8"?>
+<Control xmlns="http://schemas.microsoft.com/VisualStudio/2011/storyboarding/control">
+  <Id Name="System.Storyboarding.Common.SearchBox" Revision="1" Stencil="System.Storyboarding.Common" StencilVersion="0.1"/>
+</Control>
+</file>
+
+<file path=customXml/item68.xml><?xml version="1.0" encoding="utf-8"?>
 <Control xmlns="http://schemas.microsoft.com/VisualStudio/2011/storyboarding/control">
   <Id Name="System.Storyboarding.Common.TextInput" Revision="1" Stencil="System.Storyboarding.Common" StencilVersion="0.1"/>
 </Control>
 </file>
 
-<file path=customXml/item65.xml><?xml version="1.0" encoding="utf-8"?>
-<Control xmlns="http://schemas.microsoft.com/VisualStudio/2011/storyboarding/control">
-  <Id Name="System.Storyboarding.Common.Text" Revision="1" Stencil="System.Storyboarding.Common" StencilVersion="0.1"/>
-</Control>
-</file>
-
-<file path=customXml/item66.xml><?xml version="1.0" encoding="utf-8"?>
-<Control xmlns="http://schemas.microsoft.com/VisualStudio/2011/storyboarding/control">
-  <Id Name="System.Storyboarding.Common.Text" Revision="1" Stencil="System.Storyboarding.Common" StencilVersion="0.1"/>
-</Control>
-</file>
-
-<file path=customXml/item67.xml><?xml version="1.0" encoding="utf-8"?>
-<Control xmlns="http://schemas.microsoft.com/VisualStudio/2011/storyboarding/control">
-  <Id Name="System.Storyboarding.Common.Text" Revision="1" Stencil="System.Storyboarding.Common" StencilVersion="0.1"/>
-</Control>
-</file>
-
-<file path=customXml/item68.xml><?xml version="1.0" encoding="utf-8"?>
-<Control xmlns="http://schemas.microsoft.com/VisualStudio/2011/storyboarding/control">
-  <Id Name="System.Storyboarding.Icons.Warning" Revision="1" Stencil="System.Storyboarding.Icons" StencilVersion="0.1"/>
-</Control>
-</file>
-
 <file path=customXml/item69.xml><?xml version="1.0" encoding="utf-8"?>
 <Control xmlns="http://schemas.microsoft.com/VisualStudio/2011/storyboarding/control">
-  <Id Name="System.Storyboarding.Common.Text" Revision="1" Stencil="System.Storyboarding.Common" StencilVersion="0.1"/>
+  <Id Name="System.Storyboarding.Common.TextInput" Revision="1" Stencil="System.Storyboarding.Common" StencilVersion="0.1"/>
 </Control>
 </file>
 
 <file path=customXml/item7.xml><?xml version="1.0" encoding="utf-8"?>
+<Control xmlns="http://schemas.microsoft.com/VisualStudio/2011/storyboarding/control">
+  <Id Name="System.Storyboarding.Common.CheckBoxUnchecked" Revision="1" Stencil="System.Storyboarding.Common" StencilVersion="0.1"/>
+</Control>
+</file>
+
+<file path=customXml/item70.xml><?xml version="1.0" encoding="utf-8"?>
+<Control xmlns="http://schemas.microsoft.com/VisualStudio/2011/storyboarding/control">
+  <Id Name="System.Storyboarding.Common.TextInput" Revision="1" Stencil="System.Storyboarding.Common" StencilVersion="0.1"/>
+</Control>
+</file>
+
+<file path=customXml/item71.xml><?xml version="1.0" encoding="utf-8"?>
+<Control xmlns="http://schemas.microsoft.com/VisualStudio/2011/storyboarding/control">
+  <Id Name="System.Storyboarding.Common.TextInput" Revision="1" Stencil="System.Storyboarding.Common" StencilVersion="0.1"/>
+</Control>
+</file>
+
+<file path=customXml/item72.xml><?xml version="1.0" encoding="utf-8"?>
+<Control xmlns="http://schemas.microsoft.com/VisualStudio/2011/storyboarding/control">
+  <Id Name="System.Storyboarding.Common.TextInput" Revision="1" Stencil="System.Storyboarding.Common" StencilVersion="0.1"/>
+</Control>
+</file>
+
+<file path=customXml/item73.xml><?xml version="1.0" encoding="utf-8"?>
+<Control xmlns="http://schemas.microsoft.com/VisualStudio/2011/storyboarding/control">
+  <Id Name="System.Storyboarding.Annotation.StickyNote" Revision="1" Stencil="System.Storyboarding.Annotation" StencilVersion="0.1"/>
+</Control>
+</file>
+
+<file path=customXml/item74.xml><?xml version="1.0" encoding="utf-8"?>
+<Control xmlns="http://schemas.microsoft.com/VisualStudio/2011/storyboarding/control">
+  <Id Name="System.Storyboarding.Common.ScrollbarVertical" Revision="1" Stencil="System.Storyboarding.Common" StencilVersion="0.1"/>
+</Control>
+</file>
+
+<file path=customXml/item75.xml><?xml version="1.0" encoding="utf-8"?>
+<Control xmlns="http://schemas.microsoft.com/VisualStudio/2011/storyboarding/control">
+  <Id Name="System.Storyboarding.Common.Button" Revision="1" Stencil="System.Storyboarding.Common" StencilVersion="0.1"/>
+</Control>
+</file>
+
+<file path=customXml/item76.xml><?xml version="1.0" encoding="utf-8"?>
+<Control xmlns="http://schemas.microsoft.com/VisualStudio/2011/storyboarding/control">
+  <Id Name="System.Storyboarding.Common.CheckBoxChecked" Revision="1" Stencil="System.Storyboarding.Common" StencilVersion="0.1"/>
+</Control>
+</file>
+
+<file path=customXml/item77.xml><?xml version="1.0" encoding="utf-8"?>
+<Control xmlns="http://schemas.microsoft.com/VisualStudio/2011/storyboarding/control">
+  <Id Name="System.Storyboarding.Common.TextInput" Revision="1" Stencil="System.Storyboarding.Common" StencilVersion="0.1"/>
+</Control>
+</file>
+
+<file path=customXml/item78.xml><?xml version="1.0" encoding="utf-8"?>
 <Control xmlns="http://schemas.microsoft.com/VisualStudio/2011/storyboarding/control">
   <Id Name="System.Storyboarding.Common.SearchBox" Revision="1" Stencil="System.Storyboarding.Common" StencilVersion="0.1"/>
 </Control>
 </file>
 
+<file path=customXml/item79.xml><?xml version="1.0" encoding="utf-8"?>
+<Control xmlns="http://schemas.microsoft.com/VisualStudio/2011/storyboarding/control">
+  <Id Name="System.Storyboarding.Annotation.StickyNote" Revision="1" Stencil="System.Storyboarding.Annotation" StencilVersion="0.1"/>
+</Control>
+</file>
+
 <file path=customXml/item8.xml><?xml version="1.0" encoding="utf-8"?>
+<Control xmlns="http://schemas.microsoft.com/VisualStudio/2011/storyboarding/control">
+  <Id Name="System.Storyboarding.Common.Button" Revision="1" Stencil="System.Storyboarding.Common" StencilVersion="0.1"/>
+</Control>
+</file>
+
+<file path=customXml/item80.xml><?xml version="1.0" encoding="utf-8"?>
+<Control xmlns="http://schemas.microsoft.com/VisualStudio/2011/storyboarding/control">
+  <Id Name="System.Storyboarding.Common.ScrollbarVertical" Revision="1" Stencil="System.Storyboarding.Common" StencilVersion="0.1"/>
+</Control>
+</file>
+
+<file path=customXml/item81.xml><?xml version="1.0" encoding="utf-8"?>
+<Control xmlns="http://schemas.microsoft.com/VisualStudio/2011/storyboarding/control">
+  <Id Name="System.Storyboarding.Common.Button" Revision="1" Stencil="System.Storyboarding.Common" StencilVersion="0.1"/>
+</Control>
+</file>
+
+<file path=customXml/item82.xml><?xml version="1.0" encoding="utf-8"?>
+<Control xmlns="http://schemas.microsoft.com/VisualStudio/2011/storyboarding/control">
+  <Id Name="System.Storyboarding.Common.CheckBoxChecked" Revision="1" Stencil="System.Storyboarding.Common" StencilVersion="0.1"/>
+</Control>
+</file>
+
+<file path=customXml/item83.xml><?xml version="1.0" encoding="utf-8"?>
 <Control xmlns="http://schemas.microsoft.com/VisualStudio/2011/storyboarding/control">
   <Id Name="System.Storyboarding.Common.TextInput" Revision="1" Stencil="System.Storyboarding.Common" StencilVersion="0.1"/>
 </Control>
 </file>
 
-<file path=customXml/item9.xml><?xml version="1.0" encoding="utf-8"?>
+<file path=customXml/item84.xml><?xml version="1.0" encoding="utf-8"?>
+<Control xmlns="http://schemas.microsoft.com/VisualStudio/2011/storyboarding/control">
+  <Id Name="System.Storyboarding.Common.TextInput" Revision="1" Stencil="System.Storyboarding.Common" StencilVersion="0.1"/>
+</Control>
+</file>
+
+<file path=customXml/item85.xml><?xml version="1.0" encoding="utf-8"?>
+<Control xmlns="http://schemas.microsoft.com/VisualStudio/2011/storyboarding/control">
+  <Id Name="System.Storyboarding.Common.TextInput" Revision="1" Stencil="System.Storyboarding.Common" StencilVersion="0.1"/>
+</Control>
+</file>
+
+<file path=customXml/item86.xml><?xml version="1.0" encoding="utf-8"?>
+<Control xmlns="http://schemas.microsoft.com/VisualStudio/2011/storyboarding/control">
+  <Id Name="System.Storyboarding.Common.TextInput" Revision="1" Stencil="System.Storyboarding.Common" StencilVersion="0.1"/>
+</Control>
+</file>
+
+<file path=customXml/item87.xml><?xml version="1.0" encoding="utf-8"?>
+<Control xmlns="http://schemas.microsoft.com/VisualStudio/2011/storyboarding/control">
+  <Id Name="System.Storyboarding.Common.TextInput" Revision="1" Stencil="System.Storyboarding.Common" StencilVersion="0.1"/>
+</Control>
+</file>
+
+<file path=customXml/item88.xml><?xml version="1.0" encoding="utf-8"?>
+<Control xmlns="http://schemas.microsoft.com/VisualStudio/2011/storyboarding/control">
+  <Id Name="System.Storyboarding.Common.TextInput" Revision="1" Stencil="System.Storyboarding.Common" StencilVersion="0.1"/>
+</Control>
+</file>
+
+<file path=customXml/item89.xml><?xml version="1.0" encoding="utf-8"?>
 <Control xmlns="http://schemas.microsoft.com/VisualStudio/2011/storyboarding/control">
   <Id Name="System.Storyboarding.Common.CheckBoxUnchecked" Revision="1" Stencil="System.Storyboarding.Common" StencilVersion="0.1"/>
 </Control>
 </file>
 
+<file path=customXml/item9.xml><?xml version="1.0" encoding="utf-8"?>
+<Control xmlns="http://schemas.microsoft.com/VisualStudio/2011/storyboarding/control">
+  <Id Name="System.Storyboarding.Common.SearchBox" Revision="1" Stencil="System.Storyboarding.Common" StencilVersion="0.1"/>
+</Control>
+</file>
+
+<file path=customXml/item90.xml><?xml version="1.0" encoding="utf-8"?>
+<Control xmlns="http://schemas.microsoft.com/VisualStudio/2011/storyboarding/control">
+  <Id Name="System.Storyboarding.Annotation.StickyNote" Revision="1" Stencil="System.Storyboarding.Annotation" StencilVersion="0.1"/>
+</Control>
+</file>
+
+<file path=customXml/item91.xml><?xml version="1.0" encoding="utf-8"?>
+<Control xmlns="http://schemas.microsoft.com/VisualStudio/2011/storyboarding/control">
+  <Id Name="System.Storyboarding.Common.ScrollbarVertical" Revision="1" Stencil="System.Storyboarding.Common" StencilVersion="0.1"/>
+</Control>
+</file>
+
+<file path=customXml/item92.xml><?xml version="1.0" encoding="utf-8"?>
+<Control xmlns="http://schemas.microsoft.com/VisualStudio/2011/storyboarding/control">
+  <Id Name="System.Storyboarding.Annotation.StickyNote" Revision="1" Stencil="System.Storyboarding.Annotation" StencilVersion="0.1"/>
+</Control>
+</file>
+
+<file path=customXml/item93.xml><?xml version="1.0" encoding="utf-8"?>
+<Control xmlns="http://schemas.microsoft.com/VisualStudio/2011/storyboarding/control">
+  <Id Name="System.Storyboarding.Common.ScrollbarVertical" Revision="1" Stencil="System.Storyboarding.Common" StencilVersion="0.1"/>
+</Control>
+</file>
+
+<file path=customXml/item94.xml><?xml version="1.0" encoding="utf-8"?>
+<Control xmlns="http://schemas.microsoft.com/VisualStudio/2011/storyboarding/control">
+  <Id Name="System.Storyboarding.Annotation.StickyNote" Revision="1" Stencil="System.Storyboarding.Annotation" StencilVersion="0.1"/>
+</Control>
+</file>
+
+<file path=customXml/item95.xml><?xml version="1.0" encoding="utf-8"?>
+<Control xmlns="http://schemas.microsoft.com/VisualStudio/2011/storyboarding/control">
+  <Id Name="System.Storyboarding.Common.ScrollbarVertical" Revision="1" Stencil="System.Storyboarding.Common" StencilVersion="0.1"/>
+</Control>
+</file>
+
 <file path=customXml/itemProps1.xml><?xml version="1.0" encoding="utf-8"?>
-<ds:datastoreItem xmlns:ds="http://schemas.openxmlformats.org/officeDocument/2006/customXml" ds:itemID="{62AA8629-79BF-4A4A-B887-7D1AB040C125}">
+<ds:datastoreItem xmlns:ds="http://schemas.openxmlformats.org/officeDocument/2006/customXml" ds:itemID="{161C1280-5A04-4E6E-8FE3-21E316A51B59}">
   <ds:schemaRefs>
     <ds:schemaRef ds:uri="http://schemas.microsoft.com/VisualStudio/2011/storyboarding/control"/>
   </ds:schemaRefs>
@@ -13225,7 +13465,7 @@
 </file>
 
 <file path=customXml/itemProps10.xml><?xml version="1.0" encoding="utf-8"?>
-<ds:datastoreItem xmlns:ds="http://schemas.openxmlformats.org/officeDocument/2006/customXml" ds:itemID="{17A9B085-8E1A-4A33-B871-8166221A211A}">
+<ds:datastoreItem xmlns:ds="http://schemas.openxmlformats.org/officeDocument/2006/customXml" ds:itemID="{CABD2B3A-1161-43E2-BA83-58E6B897C9BF}">
   <ds:schemaRefs>
     <ds:schemaRef ds:uri="http://schemas.microsoft.com/VisualStudio/2011/storyboarding/control"/>
   </ds:schemaRefs>
@@ -13233,7 +13473,7 @@
 </file>
 
 <file path=customXml/itemProps11.xml><?xml version="1.0" encoding="utf-8"?>
-<ds:datastoreItem xmlns:ds="http://schemas.openxmlformats.org/officeDocument/2006/customXml" ds:itemID="{CF03DD0F-EDED-4182-BF0D-C60EA8AC9FC5}">
+<ds:datastoreItem xmlns:ds="http://schemas.openxmlformats.org/officeDocument/2006/customXml" ds:itemID="{C65B337F-737A-48CA-8F75-978A60D7016D}">
   <ds:schemaRefs>
     <ds:schemaRef ds:uri="http://schemas.microsoft.com/VisualStudio/2011/storyboarding/control"/>
   </ds:schemaRefs>
@@ -13241,6 +13481,14 @@
 </file>
 
 <file path=customXml/itemProps12.xml><?xml version="1.0" encoding="utf-8"?>
+<ds:datastoreItem xmlns:ds="http://schemas.openxmlformats.org/officeDocument/2006/customXml" ds:itemID="{701AFE5A-ADCF-4311-A5B5-18B338C7E907}">
+  <ds:schemaRefs>
+    <ds:schemaRef ds:uri="http://schemas.microsoft.com/VisualStudio/2011/storyboarding/control"/>
+  </ds:schemaRefs>
+</ds:datastoreItem>
+</file>
+
+<file path=customXml/itemProps13.xml><?xml version="1.0" encoding="utf-8"?>
 <ds:datastoreItem xmlns:ds="http://schemas.openxmlformats.org/officeDocument/2006/customXml" ds:itemID="{F840D909-519B-49C3-9DCA-97C64A5B9C79}">
   <ds:schemaRefs>
     <ds:schemaRef ds:uri="http://schemas.microsoft.com/VisualStudio/2011/storyboarding/control"/>
@@ -13248,39 +13496,7 @@
 </ds:datastoreItem>
 </file>
 
-<file path=customXml/itemProps13.xml><?xml version="1.0" encoding="utf-8"?>
-<ds:datastoreItem xmlns:ds="http://schemas.openxmlformats.org/officeDocument/2006/customXml" ds:itemID="{9DAF7C4A-2E75-435E-8C11-B1DC53AC52EB}">
-  <ds:schemaRefs>
-    <ds:schemaRef ds:uri="http://schemas.microsoft.com/VisualStudio/2011/storyboarding/control"/>
-  </ds:schemaRefs>
-</ds:datastoreItem>
-</file>
-
 <file path=customXml/itemProps14.xml><?xml version="1.0" encoding="utf-8"?>
-<ds:datastoreItem xmlns:ds="http://schemas.openxmlformats.org/officeDocument/2006/customXml" ds:itemID="{C2FBE948-B9F1-4F1A-AC4F-03962924DC85}">
-  <ds:schemaRefs>
-    <ds:schemaRef ds:uri="http://schemas.microsoft.com/VisualStudio/2011/storyboarding/control"/>
-  </ds:schemaRefs>
-</ds:datastoreItem>
-</file>
-
-<file path=customXml/itemProps15.xml><?xml version="1.0" encoding="utf-8"?>
-<ds:datastoreItem xmlns:ds="http://schemas.openxmlformats.org/officeDocument/2006/customXml" ds:itemID="{9F80CF27-93E9-4C7B-88EF-82FB0C72DF62}">
-  <ds:schemaRefs>
-    <ds:schemaRef ds:uri="http://schemas.microsoft.com/VisualStudio/2011/storyboarding/control"/>
-  </ds:schemaRefs>
-</ds:datastoreItem>
-</file>
-
-<file path=customXml/itemProps16.xml><?xml version="1.0" encoding="utf-8"?>
-<ds:datastoreItem xmlns:ds="http://schemas.openxmlformats.org/officeDocument/2006/customXml" ds:itemID="{7EA327E3-FCFB-4008-8DED-CE47F66639FD}">
-  <ds:schemaRefs>
-    <ds:schemaRef ds:uri="http://schemas.microsoft.com/VisualStudio/2011/storyboarding/control"/>
-  </ds:schemaRefs>
-</ds:datastoreItem>
-</file>
-
-<file path=customXml/itemProps17.xml><?xml version="1.0" encoding="utf-8"?>
 <ds:datastoreItem xmlns:ds="http://schemas.openxmlformats.org/officeDocument/2006/customXml" ds:itemID="{3DDBA3E6-6C5A-4905-87BF-300A95711014}">
   <ds:schemaRefs>
     <ds:schemaRef ds:uri="http://schemas.microsoft.com/VisualStudio/2011/storyboarding/control"/>
@@ -13288,48 +13504,72 @@
 </ds:datastoreItem>
 </file>
 
-<file path=customXml/itemProps18.xml><?xml version="1.0" encoding="utf-8"?>
-<ds:datastoreItem xmlns:ds="http://schemas.openxmlformats.org/officeDocument/2006/customXml" ds:itemID="{654CBC2D-27EC-43DB-ABA4-3FBDF37D3735}">
+<file path=customXml/itemProps15.xml><?xml version="1.0" encoding="utf-8"?>
+<ds:datastoreItem xmlns:ds="http://schemas.openxmlformats.org/officeDocument/2006/customXml" ds:itemID="{4ABC8992-C4EA-45C3-A598-324942FE08FB}">
   <ds:schemaRefs>
     <ds:schemaRef ds:uri="http://schemas.microsoft.com/VisualStudio/2011/storyboarding/control"/>
   </ds:schemaRefs>
 </ds:datastoreItem>
 </file>
 
-<file path=customXml/itemProps19.xml><?xml version="1.0" encoding="utf-8"?>
-<ds:datastoreItem xmlns:ds="http://schemas.openxmlformats.org/officeDocument/2006/customXml" ds:itemID="{438B7A44-EBDD-41BA-B093-6D278F4F7459}">
+<file path=customXml/itemProps16.xml><?xml version="1.0" encoding="utf-8"?>
+<ds:datastoreItem xmlns:ds="http://schemas.openxmlformats.org/officeDocument/2006/customXml" ds:itemID="{7EC308D9-C28D-40CD-AB00-4A98E0A77CCC}">
   <ds:schemaRefs>
     <ds:schemaRef ds:uri="http://schemas.microsoft.com/VisualStudio/2011/storyboarding/control"/>
   </ds:schemaRefs>
 </ds:datastoreItem>
 </file>
 
-<file path=customXml/itemProps2.xml><?xml version="1.0" encoding="utf-8"?>
-<ds:datastoreItem xmlns:ds="http://schemas.openxmlformats.org/officeDocument/2006/customXml" ds:itemID="{A3209A14-0F86-4BB4-9200-C895ED29F9DA}">
+<file path=customXml/itemProps17.xml><?xml version="1.0" encoding="utf-8"?>
+<ds:datastoreItem xmlns:ds="http://schemas.openxmlformats.org/officeDocument/2006/customXml" ds:itemID="{B7D85223-23F1-4ACF-89DD-EE38AA7E4772}">
   <ds:schemaRefs>
     <ds:schemaRef ds:uri="http://schemas.microsoft.com/VisualStudio/2011/storyboarding/control"/>
   </ds:schemaRefs>
 </ds:datastoreItem>
 </file>
 
-<file path=customXml/itemProps20.xml><?xml version="1.0" encoding="utf-8"?>
-<ds:datastoreItem xmlns:ds="http://schemas.openxmlformats.org/officeDocument/2006/customXml" ds:itemID="{5AA9117C-EE21-4218-9C9F-C4D2257B122B}">
+<file path=customXml/itemProps18.xml><?xml version="1.0" encoding="utf-8"?>
+<ds:datastoreItem xmlns:ds="http://schemas.openxmlformats.org/officeDocument/2006/customXml" ds:itemID="{8B573C24-C1CA-4AD9-8793-CFC1E42E3841}">
   <ds:schemaRefs>
     <ds:schemaRef ds:uri="http://schemas.microsoft.com/VisualStudio/2011/storyboarding/control"/>
   </ds:schemaRefs>
 </ds:datastoreItem>
 </file>
 
-<file path=customXml/itemProps21.xml><?xml version="1.0" encoding="utf-8"?>
-<ds:datastoreItem xmlns:ds="http://schemas.openxmlformats.org/officeDocument/2006/customXml" ds:itemID="{37EA982A-C507-43F8-A21D-28E009629826}">
+<file path=customXml/itemProps19.xml><?xml version="1.0" encoding="utf-8"?>
+<ds:datastoreItem xmlns:ds="http://schemas.openxmlformats.org/officeDocument/2006/customXml" ds:itemID="{E28B7CEA-1FBD-4F14-BDA2-C48C66B37150}">
   <ds:schemaRefs>
     <ds:schemaRef ds:uri="http://schemas.microsoft.com/VisualStudio/2011/storyboarding/control"/>
   </ds:schemaRefs>
 </ds:datastoreItem>
 </file>
 
+<file path=customXml/itemProps2.xml><?xml version="1.0" encoding="utf-8"?>
+<ds:datastoreItem xmlns:ds="http://schemas.openxmlformats.org/officeDocument/2006/customXml" ds:itemID="{7FDD124D-E3E9-4D15-9954-8BE945E00BA2}">
+  <ds:schemaRefs>
+    <ds:schemaRef ds:uri="http://schemas.microsoft.com/VisualStudio/2011/storyboarding/control"/>
+  </ds:schemaRefs>
+</ds:datastoreItem>
+</file>
+
+<file path=customXml/itemProps20.xml><?xml version="1.0" encoding="utf-8"?>
+<ds:datastoreItem xmlns:ds="http://schemas.openxmlformats.org/officeDocument/2006/customXml" ds:itemID="{876AF238-A0AE-4CE4-9709-BB19E770A0FF}">
+  <ds:schemaRefs>
+    <ds:schemaRef ds:uri="http://schemas.microsoft.com/VisualStudio/2011/storyboarding/control"/>
+  </ds:schemaRefs>
+</ds:datastoreItem>
+</file>
+
+<file path=customXml/itemProps21.xml><?xml version="1.0" encoding="utf-8"?>
+<ds:datastoreItem xmlns:ds="http://schemas.openxmlformats.org/officeDocument/2006/customXml" ds:itemID="{1159427B-15B9-477B-8DAD-D7C81D705523}">
+  <ds:schemaRefs>
+    <ds:schemaRef ds:uri="http://schemas.microsoft.com/VisualStudio/2011/storyboarding/control"/>
+  </ds:schemaRefs>
+</ds:datastoreItem>
+</file>
+
 <file path=customXml/itemProps22.xml><?xml version="1.0" encoding="utf-8"?>
-<ds:datastoreItem xmlns:ds="http://schemas.openxmlformats.org/officeDocument/2006/customXml" ds:itemID="{242277DC-9C6E-4A37-8EF1-8812626C1571}">
+<ds:datastoreItem xmlns:ds="http://schemas.openxmlformats.org/officeDocument/2006/customXml" ds:itemID="{9F80CF27-93E9-4C7B-88EF-82FB0C72DF62}">
   <ds:schemaRefs>
     <ds:schemaRef ds:uri="http://schemas.microsoft.com/VisualStudio/2011/storyboarding/control"/>
   </ds:schemaRefs>
@@ -13345,6 +13585,118 @@
 </file>
 
 <file path=customXml/itemProps24.xml><?xml version="1.0" encoding="utf-8"?>
+<ds:datastoreItem xmlns:ds="http://schemas.openxmlformats.org/officeDocument/2006/customXml" ds:itemID="{AABF63A9-AA30-4DF6-8EF2-972AB7A4097F}">
+  <ds:schemaRefs>
+    <ds:schemaRef ds:uri="http://schemas.microsoft.com/VisualStudio/2011/storyboarding/control"/>
+  </ds:schemaRefs>
+</ds:datastoreItem>
+</file>
+
+<file path=customXml/itemProps25.xml><?xml version="1.0" encoding="utf-8"?>
+<ds:datastoreItem xmlns:ds="http://schemas.openxmlformats.org/officeDocument/2006/customXml" ds:itemID="{247695CD-B2DD-488A-8575-5345C166802C}">
+  <ds:schemaRefs>
+    <ds:schemaRef ds:uri="http://schemas.microsoft.com/VisualStudio/2011/storyboarding/control"/>
+  </ds:schemaRefs>
+</ds:datastoreItem>
+</file>
+
+<file path=customXml/itemProps26.xml><?xml version="1.0" encoding="utf-8"?>
+<ds:datastoreItem xmlns:ds="http://schemas.openxmlformats.org/officeDocument/2006/customXml" ds:itemID="{17A9B085-8E1A-4A33-B871-8166221A211A}">
+  <ds:schemaRefs>
+    <ds:schemaRef ds:uri="http://schemas.microsoft.com/VisualStudio/2011/storyboarding/control"/>
+  </ds:schemaRefs>
+</ds:datastoreItem>
+</file>
+
+<file path=customXml/itemProps27.xml><?xml version="1.0" encoding="utf-8"?>
+<ds:datastoreItem xmlns:ds="http://schemas.openxmlformats.org/officeDocument/2006/customXml" ds:itemID="{0B5327E3-0261-4B48-BF6B-FF0257762827}">
+  <ds:schemaRefs>
+    <ds:schemaRef ds:uri="http://schemas.microsoft.com/VisualStudio/2011/storyboarding/control"/>
+  </ds:schemaRefs>
+</ds:datastoreItem>
+</file>
+
+<file path=customXml/itemProps28.xml><?xml version="1.0" encoding="utf-8"?>
+<ds:datastoreItem xmlns:ds="http://schemas.openxmlformats.org/officeDocument/2006/customXml" ds:itemID="{990EA9D7-70A1-4B9E-958D-6A0136D68D06}">
+  <ds:schemaRefs>
+    <ds:schemaRef ds:uri="http://schemas.microsoft.com/VisualStudio/2011/storyboarding/control"/>
+  </ds:schemaRefs>
+</ds:datastoreItem>
+</file>
+
+<file path=customXml/itemProps29.xml><?xml version="1.0" encoding="utf-8"?>
+<ds:datastoreItem xmlns:ds="http://schemas.openxmlformats.org/officeDocument/2006/customXml" ds:itemID="{149B1CD2-B7C7-4B38-9713-13FEE7CAC5CF}">
+  <ds:schemaRefs>
+    <ds:schemaRef ds:uri="http://schemas.microsoft.com/VisualStudio/2011/storyboarding/control"/>
+  </ds:schemaRefs>
+</ds:datastoreItem>
+</file>
+
+<file path=customXml/itemProps3.xml><?xml version="1.0" encoding="utf-8"?>
+<ds:datastoreItem xmlns:ds="http://schemas.openxmlformats.org/officeDocument/2006/customXml" ds:itemID="{68A0CDC1-3F80-4DE3-8AB3-B532E32DC2D3}">
+  <ds:schemaRefs>
+    <ds:schemaRef ds:uri="http://schemas.microsoft.com/VisualStudio/2011/storyboarding/control"/>
+  </ds:schemaRefs>
+</ds:datastoreItem>
+</file>
+
+<file path=customXml/itemProps30.xml><?xml version="1.0" encoding="utf-8"?>
+<ds:datastoreItem xmlns:ds="http://schemas.openxmlformats.org/officeDocument/2006/customXml" ds:itemID="{408DBD6E-BA86-4206-898C-8866D621C758}">
+  <ds:schemaRefs>
+    <ds:schemaRef ds:uri="http://schemas.microsoft.com/VisualStudio/2011/storyboarding/control"/>
+  </ds:schemaRefs>
+</ds:datastoreItem>
+</file>
+
+<file path=customXml/itemProps31.xml><?xml version="1.0" encoding="utf-8"?>
+<ds:datastoreItem xmlns:ds="http://schemas.openxmlformats.org/officeDocument/2006/customXml" ds:itemID="{48A06D39-512F-41A5-AE3C-7B4CDB4AC086}">
+  <ds:schemaRefs>
+    <ds:schemaRef ds:uri="http://schemas.microsoft.com/VisualStudio/2011/storyboarding/control"/>
+  </ds:schemaRefs>
+</ds:datastoreItem>
+</file>
+
+<file path=customXml/itemProps32.xml><?xml version="1.0" encoding="utf-8"?>
+<ds:datastoreItem xmlns:ds="http://schemas.openxmlformats.org/officeDocument/2006/customXml" ds:itemID="{48F85951-6571-4AA7-9B26-EEF9CD4B541F}">
+  <ds:schemaRefs>
+    <ds:schemaRef ds:uri="http://schemas.microsoft.com/VisualStudio/2011/storyboarding/control"/>
+  </ds:schemaRefs>
+</ds:datastoreItem>
+</file>
+
+<file path=customXml/itemProps33.xml><?xml version="1.0" encoding="utf-8"?>
+<ds:datastoreItem xmlns:ds="http://schemas.openxmlformats.org/officeDocument/2006/customXml" ds:itemID="{9DAF7C4A-2E75-435E-8C11-B1DC53AC52EB}">
+  <ds:schemaRefs>
+    <ds:schemaRef ds:uri="http://schemas.microsoft.com/VisualStudio/2011/storyboarding/control"/>
+  </ds:schemaRefs>
+</ds:datastoreItem>
+</file>
+
+<file path=customXml/itemProps34.xml><?xml version="1.0" encoding="utf-8"?>
+<ds:datastoreItem xmlns:ds="http://schemas.openxmlformats.org/officeDocument/2006/customXml" ds:itemID="{654CBC2D-27EC-43DB-ABA4-3FBDF37D3735}">
+  <ds:schemaRefs>
+    <ds:schemaRef ds:uri="http://schemas.microsoft.com/VisualStudio/2011/storyboarding/control"/>
+  </ds:schemaRefs>
+</ds:datastoreItem>
+</file>
+
+<file path=customXml/itemProps35.xml><?xml version="1.0" encoding="utf-8"?>
+<ds:datastoreItem xmlns:ds="http://schemas.openxmlformats.org/officeDocument/2006/customXml" ds:itemID="{D54CCA4C-C7B0-4AED-9D56-0F76C035783B}">
+  <ds:schemaRefs>
+    <ds:schemaRef ds:uri="http://schemas.microsoft.com/VisualStudio/2011/storyboarding/control"/>
+  </ds:schemaRefs>
+</ds:datastoreItem>
+</file>
+
+<file path=customXml/itemProps36.xml><?xml version="1.0" encoding="utf-8"?>
+<ds:datastoreItem xmlns:ds="http://schemas.openxmlformats.org/officeDocument/2006/customXml" ds:itemID="{8A260A91-3FD6-475C-8E6F-434835560933}">
+  <ds:schemaRefs>
+    <ds:schemaRef ds:uri="http://schemas.microsoft.com/VisualStudio/2011/storyboarding/control"/>
+  </ds:schemaRefs>
+</ds:datastoreItem>
+</file>
+
+<file path=customXml/itemProps37.xml><?xml version="1.0" encoding="utf-8"?>
 <ds:datastoreItem xmlns:ds="http://schemas.openxmlformats.org/officeDocument/2006/customXml" ds:itemID="{C170435E-AA56-4732-BD81-63AD243D433D}">
   <ds:schemaRefs>
     <ds:schemaRef ds:uri="http://schemas.microsoft.com/VisualStudio/2011/storyboarding/control"/>
@@ -13352,143 +13704,7 @@
 </ds:datastoreItem>
 </file>
 
-<file path=customXml/itemProps25.xml><?xml version="1.0" encoding="utf-8"?>
-<ds:datastoreItem xmlns:ds="http://schemas.openxmlformats.org/officeDocument/2006/customXml" ds:itemID="{4ABC8992-C4EA-45C3-A598-324942FE08FB}">
-  <ds:schemaRefs>
-    <ds:schemaRef ds:uri="http://schemas.microsoft.com/VisualStudio/2011/storyboarding/control"/>
-  </ds:schemaRefs>
-</ds:datastoreItem>
-</file>
-
-<file path=customXml/itemProps26.xml><?xml version="1.0" encoding="utf-8"?>
-<ds:datastoreItem xmlns:ds="http://schemas.openxmlformats.org/officeDocument/2006/customXml" ds:itemID="{C30452E4-8A6C-404A-B689-8E04350A6B59}">
-  <ds:schemaRefs>
-    <ds:schemaRef ds:uri="http://schemas.microsoft.com/VisualStudio/2011/storyboarding/control"/>
-  </ds:schemaRefs>
-</ds:datastoreItem>
-</file>
-
-<file path=customXml/itemProps27.xml><?xml version="1.0" encoding="utf-8"?>
-<ds:datastoreItem xmlns:ds="http://schemas.openxmlformats.org/officeDocument/2006/customXml" ds:itemID="{1C2EB5F0-1B67-4013-A008-121325030C8D}">
-  <ds:schemaRefs>
-    <ds:schemaRef ds:uri="http://schemas.microsoft.com/VisualStudio/2011/storyboarding/control"/>
-  </ds:schemaRefs>
-</ds:datastoreItem>
-</file>
-
-<file path=customXml/itemProps28.xml><?xml version="1.0" encoding="utf-8"?>
-<ds:datastoreItem xmlns:ds="http://schemas.openxmlformats.org/officeDocument/2006/customXml" ds:itemID="{AABF63A9-AA30-4DF6-8EF2-972AB7A4097F}">
-  <ds:schemaRefs>
-    <ds:schemaRef ds:uri="http://schemas.microsoft.com/VisualStudio/2011/storyboarding/control"/>
-  </ds:schemaRefs>
-</ds:datastoreItem>
-</file>
-
-<file path=customXml/itemProps29.xml><?xml version="1.0" encoding="utf-8"?>
-<ds:datastoreItem xmlns:ds="http://schemas.openxmlformats.org/officeDocument/2006/customXml" ds:itemID="{8A260A91-3FD6-475C-8E6F-434835560933}">
-  <ds:schemaRefs>
-    <ds:schemaRef ds:uri="http://schemas.microsoft.com/VisualStudio/2011/storyboarding/control"/>
-  </ds:schemaRefs>
-</ds:datastoreItem>
-</file>
-
-<file path=customXml/itemProps3.xml><?xml version="1.0" encoding="utf-8"?>
-<ds:datastoreItem xmlns:ds="http://schemas.openxmlformats.org/officeDocument/2006/customXml" ds:itemID="{701AFE5A-ADCF-4311-A5B5-18B338C7E907}">
-  <ds:schemaRefs>
-    <ds:schemaRef ds:uri="http://schemas.microsoft.com/VisualStudio/2011/storyboarding/control"/>
-  </ds:schemaRefs>
-</ds:datastoreItem>
-</file>
-
-<file path=customXml/itemProps30.xml><?xml version="1.0" encoding="utf-8"?>
-<ds:datastoreItem xmlns:ds="http://schemas.openxmlformats.org/officeDocument/2006/customXml" ds:itemID="{FD7A3CF8-3A66-47F9-8AD7-22127504A57F}">
-  <ds:schemaRefs>
-    <ds:schemaRef ds:uri="http://schemas.microsoft.com/VisualStudio/2011/storyboarding/control"/>
-  </ds:schemaRefs>
-</ds:datastoreItem>
-</file>
-
-<file path=customXml/itemProps31.xml><?xml version="1.0" encoding="utf-8"?>
-<ds:datastoreItem xmlns:ds="http://schemas.openxmlformats.org/officeDocument/2006/customXml" ds:itemID="{0B5327E3-0261-4B48-BF6B-FF0257762827}">
-  <ds:schemaRefs>
-    <ds:schemaRef ds:uri="http://schemas.microsoft.com/VisualStudio/2011/storyboarding/control"/>
-  </ds:schemaRefs>
-</ds:datastoreItem>
-</file>
-
-<file path=customXml/itemProps32.xml><?xml version="1.0" encoding="utf-8"?>
-<ds:datastoreItem xmlns:ds="http://schemas.openxmlformats.org/officeDocument/2006/customXml" ds:itemID="{161C1280-5A04-4E6E-8FE3-21E316A51B59}">
-  <ds:schemaRefs>
-    <ds:schemaRef ds:uri="http://schemas.microsoft.com/VisualStudio/2011/storyboarding/control"/>
-  </ds:schemaRefs>
-</ds:datastoreItem>
-</file>
-
-<file path=customXml/itemProps33.xml><?xml version="1.0" encoding="utf-8"?>
-<ds:datastoreItem xmlns:ds="http://schemas.openxmlformats.org/officeDocument/2006/customXml" ds:itemID="{7EC308D9-C28D-40CD-AB00-4A98E0A77CCC}">
-  <ds:schemaRefs>
-    <ds:schemaRef ds:uri="http://schemas.microsoft.com/VisualStudio/2011/storyboarding/control"/>
-  </ds:schemaRefs>
-</ds:datastoreItem>
-</file>
-
-<file path=customXml/itemProps34.xml><?xml version="1.0" encoding="utf-8"?>
-<ds:datastoreItem xmlns:ds="http://schemas.openxmlformats.org/officeDocument/2006/customXml" ds:itemID="{D54CCA4C-C7B0-4AED-9D56-0F76C035783B}">
-  <ds:schemaRefs>
-    <ds:schemaRef ds:uri="http://schemas.microsoft.com/VisualStudio/2011/storyboarding/control"/>
-  </ds:schemaRefs>
-</ds:datastoreItem>
-</file>
-
-<file path=customXml/itemProps35.xml><?xml version="1.0" encoding="utf-8"?>
-<ds:datastoreItem xmlns:ds="http://schemas.openxmlformats.org/officeDocument/2006/customXml" ds:itemID="{8AE17CAA-BEF2-44CD-9DEE-2F8C17585A32}">
-  <ds:schemaRefs>
-    <ds:schemaRef ds:uri="http://schemas.microsoft.com/VisualStudio/2011/storyboarding/control"/>
-  </ds:schemaRefs>
-</ds:datastoreItem>
-</file>
-
-<file path=customXml/itemProps36.xml><?xml version="1.0" encoding="utf-8"?>
-<ds:datastoreItem xmlns:ds="http://schemas.openxmlformats.org/officeDocument/2006/customXml" ds:itemID="{247695CD-B2DD-488A-8575-5345C166802C}">
-  <ds:schemaRefs>
-    <ds:schemaRef ds:uri="http://schemas.microsoft.com/VisualStudio/2011/storyboarding/control"/>
-  </ds:schemaRefs>
-</ds:datastoreItem>
-</file>
-
-<file path=customXml/itemProps37.xml><?xml version="1.0" encoding="utf-8"?>
-<ds:datastoreItem xmlns:ds="http://schemas.openxmlformats.org/officeDocument/2006/customXml" ds:itemID="{7FDD124D-E3E9-4D15-9954-8BE945E00BA2}">
-  <ds:schemaRefs>
-    <ds:schemaRef ds:uri="http://schemas.microsoft.com/VisualStudio/2011/storyboarding/control"/>
-  </ds:schemaRefs>
-</ds:datastoreItem>
-</file>
-
 <file path=customXml/itemProps38.xml><?xml version="1.0" encoding="utf-8"?>
-<ds:datastoreItem xmlns:ds="http://schemas.openxmlformats.org/officeDocument/2006/customXml" ds:itemID="{E46C0A70-C517-4DA3-9709-AC28499E8FFA}">
-  <ds:schemaRefs>
-    <ds:schemaRef ds:uri="http://schemas.microsoft.com/VisualStudio/2011/storyboarding/control"/>
-  </ds:schemaRefs>
-</ds:datastoreItem>
-</file>
-
-<file path=customXml/itemProps39.xml><?xml version="1.0" encoding="utf-8"?>
-<ds:datastoreItem xmlns:ds="http://schemas.openxmlformats.org/officeDocument/2006/customXml" ds:itemID="{834D7D45-E434-4158-A5A7-83E3D8223C55}">
-  <ds:schemaRefs>
-    <ds:schemaRef ds:uri="http://schemas.microsoft.com/VisualStudio/2011/storyboarding/control"/>
-  </ds:schemaRefs>
-</ds:datastoreItem>
-</file>
-
-<file path=customXml/itemProps4.xml><?xml version="1.0" encoding="utf-8"?>
-<ds:datastoreItem xmlns:ds="http://schemas.openxmlformats.org/officeDocument/2006/customXml" ds:itemID="{48A06D39-512F-41A5-AE3C-7B4CDB4AC086}">
-  <ds:schemaRefs>
-    <ds:schemaRef ds:uri="http://schemas.microsoft.com/VisualStudio/2011/storyboarding/control"/>
-  </ds:schemaRefs>
-</ds:datastoreItem>
-</file>
-
-<file path=customXml/itemProps40.xml><?xml version="1.0" encoding="utf-8"?>
 <ds:datastoreItem xmlns:ds="http://schemas.openxmlformats.org/officeDocument/2006/customXml" ds:itemID="{32DCF836-3940-427C-8F81-BA183FB52BAC}">
   <ds:schemaRefs>
     <ds:schemaRef ds:uri="http://schemas.microsoft.com/VisualStudio/2011/storyboarding/control"/>
@@ -13496,8 +13712,32 @@
 </ds:datastoreItem>
 </file>
 
+<file path=customXml/itemProps39.xml><?xml version="1.0" encoding="utf-8"?>
+<ds:datastoreItem xmlns:ds="http://schemas.openxmlformats.org/officeDocument/2006/customXml" ds:itemID="{E2D66C36-7379-4DD2-AA37-128CF4B262CF}">
+  <ds:schemaRefs>
+    <ds:schemaRef ds:uri="http://schemas.microsoft.com/VisualStudio/2011/storyboarding/control"/>
+  </ds:schemaRefs>
+</ds:datastoreItem>
+</file>
+
+<file path=customXml/itemProps4.xml><?xml version="1.0" encoding="utf-8"?>
+<ds:datastoreItem xmlns:ds="http://schemas.openxmlformats.org/officeDocument/2006/customXml" ds:itemID="{CC5F127A-2521-4BB3-9D64-238B9FDD6AF8}">
+  <ds:schemaRefs>
+    <ds:schemaRef ds:uri="http://schemas.microsoft.com/VisualStudio/2011/storyboarding/control"/>
+  </ds:schemaRefs>
+</ds:datastoreItem>
+</file>
+
+<file path=customXml/itemProps40.xml><?xml version="1.0" encoding="utf-8"?>
+<ds:datastoreItem xmlns:ds="http://schemas.openxmlformats.org/officeDocument/2006/customXml" ds:itemID="{26EBF4A3-F17A-4E3E-A734-46BBA9DFA0C8}">
+  <ds:schemaRefs>
+    <ds:schemaRef ds:uri="http://schemas.microsoft.com/VisualStudio/2011/storyboarding/control"/>
+  </ds:schemaRefs>
+</ds:datastoreItem>
+</file>
+
 <file path=customXml/itemProps41.xml><?xml version="1.0" encoding="utf-8"?>
-<ds:datastoreItem xmlns:ds="http://schemas.openxmlformats.org/officeDocument/2006/customXml" ds:itemID="{876AF238-A0AE-4CE4-9709-BB19E770A0FF}">
+<ds:datastoreItem xmlns:ds="http://schemas.openxmlformats.org/officeDocument/2006/customXml" ds:itemID="{C30452E4-8A6C-404A-B689-8E04350A6B59}">
   <ds:schemaRefs>
     <ds:schemaRef ds:uri="http://schemas.microsoft.com/VisualStudio/2011/storyboarding/control"/>
   </ds:schemaRefs>
@@ -13513,222 +13753,6 @@
 </file>
 
 <file path=customXml/itemProps43.xml><?xml version="1.0" encoding="utf-8"?>
-<ds:datastoreItem xmlns:ds="http://schemas.openxmlformats.org/officeDocument/2006/customXml" ds:itemID="{CABD2B3A-1161-43E2-BA83-58E6B897C9BF}">
-  <ds:schemaRefs>
-    <ds:schemaRef ds:uri="http://schemas.microsoft.com/VisualStudio/2011/storyboarding/control"/>
-  </ds:schemaRefs>
-</ds:datastoreItem>
-</file>
-
-<file path=customXml/itemProps44.xml><?xml version="1.0" encoding="utf-8"?>
-<ds:datastoreItem xmlns:ds="http://schemas.openxmlformats.org/officeDocument/2006/customXml" ds:itemID="{990EA9D7-70A1-4B9E-958D-6A0136D68D06}">
-  <ds:schemaRefs>
-    <ds:schemaRef ds:uri="http://schemas.microsoft.com/VisualStudio/2011/storyboarding/control"/>
-  </ds:schemaRefs>
-</ds:datastoreItem>
-</file>
-
-<file path=customXml/itemProps45.xml><?xml version="1.0" encoding="utf-8"?>
-<ds:datastoreItem xmlns:ds="http://schemas.openxmlformats.org/officeDocument/2006/customXml" ds:itemID="{B70A2C2C-82CF-4B04-8174-E87FAC9295FA}">
-  <ds:schemaRefs>
-    <ds:schemaRef ds:uri="http://schemas.microsoft.com/VisualStudio/2011/storyboarding/control"/>
-  </ds:schemaRefs>
-</ds:datastoreItem>
-</file>
-
-<file path=customXml/itemProps46.xml><?xml version="1.0" encoding="utf-8"?>
-<ds:datastoreItem xmlns:ds="http://schemas.openxmlformats.org/officeDocument/2006/customXml" ds:itemID="{B7D85223-23F1-4ACF-89DD-EE38AA7E4772}">
-  <ds:schemaRefs>
-    <ds:schemaRef ds:uri="http://schemas.microsoft.com/VisualStudio/2011/storyboarding/control"/>
-  </ds:schemaRefs>
-</ds:datastoreItem>
-</file>
-
-<file path=customXml/itemProps47.xml><?xml version="1.0" encoding="utf-8"?>
-<ds:datastoreItem xmlns:ds="http://schemas.openxmlformats.org/officeDocument/2006/customXml" ds:itemID="{C9D4FA1C-4BE6-422C-B81D-B68180FAD6C6}">
-  <ds:schemaRefs>
-    <ds:schemaRef ds:uri="http://schemas.microsoft.com/VisualStudio/2011/storyboarding/control"/>
-  </ds:schemaRefs>
-</ds:datastoreItem>
-</file>
-
-<file path=customXml/itemProps48.xml><?xml version="1.0" encoding="utf-8"?>
-<ds:datastoreItem xmlns:ds="http://schemas.openxmlformats.org/officeDocument/2006/customXml" ds:itemID="{28561471-B2C0-4BD5-9F74-027D19A28797}">
-  <ds:schemaRefs>
-    <ds:schemaRef ds:uri="http://schemas.microsoft.com/VisualStudio/2011/storyboarding/control"/>
-  </ds:schemaRefs>
-</ds:datastoreItem>
-</file>
-
-<file path=customXml/itemProps49.xml><?xml version="1.0" encoding="utf-8"?>
-<ds:datastoreItem xmlns:ds="http://schemas.openxmlformats.org/officeDocument/2006/customXml" ds:itemID="{98F8FD7B-6874-4F7E-B807-9E0290A65A7C}">
-  <ds:schemaRefs>
-    <ds:schemaRef ds:uri="http://schemas.microsoft.com/VisualStudio/2011/storyboarding/control"/>
-  </ds:schemaRefs>
-</ds:datastoreItem>
-</file>
-
-<file path=customXml/itemProps5.xml><?xml version="1.0" encoding="utf-8"?>
-<ds:datastoreItem xmlns:ds="http://schemas.openxmlformats.org/officeDocument/2006/customXml" ds:itemID="{CC5F127A-2521-4BB3-9D64-238B9FDD6AF8}">
-  <ds:schemaRefs>
-    <ds:schemaRef ds:uri="http://schemas.microsoft.com/VisualStudio/2011/storyboarding/control"/>
-  </ds:schemaRefs>
-</ds:datastoreItem>
-</file>
-
-<file path=customXml/itemProps50.xml><?xml version="1.0" encoding="utf-8"?>
-<ds:datastoreItem xmlns:ds="http://schemas.openxmlformats.org/officeDocument/2006/customXml" ds:itemID="{883F8B03-B0D2-492A-9075-EC9523EF2A01}">
-  <ds:schemaRefs>
-    <ds:schemaRef ds:uri="http://schemas.microsoft.com/VisualStudio/2011/storyboarding/control"/>
-  </ds:schemaRefs>
-</ds:datastoreItem>
-</file>
-
-<file path=customXml/itemProps51.xml><?xml version="1.0" encoding="utf-8"?>
-<ds:datastoreItem xmlns:ds="http://schemas.openxmlformats.org/officeDocument/2006/customXml" ds:itemID="{C8E10152-FCFC-4B38-BEBC-93C95F9D3E0D}">
-  <ds:schemaRefs>
-    <ds:schemaRef ds:uri="http://schemas.microsoft.com/VisualStudio/2011/storyboarding/control"/>
-  </ds:schemaRefs>
-</ds:datastoreItem>
-</file>
-
-<file path=customXml/itemProps52.xml><?xml version="1.0" encoding="utf-8"?>
-<ds:datastoreItem xmlns:ds="http://schemas.openxmlformats.org/officeDocument/2006/customXml" ds:itemID="{E6F668CA-903B-4795-B9F4-53850D4F3EF5}">
-  <ds:schemaRefs>
-    <ds:schemaRef ds:uri="http://schemas.microsoft.com/VisualStudio/2011/storyboarding/control"/>
-  </ds:schemaRefs>
-</ds:datastoreItem>
-</file>
-
-<file path=customXml/itemProps53.xml><?xml version="1.0" encoding="utf-8"?>
-<ds:datastoreItem xmlns:ds="http://schemas.openxmlformats.org/officeDocument/2006/customXml" ds:itemID="{19CD009B-218E-4721-8C38-89747774CF55}">
-  <ds:schemaRefs>
-    <ds:schemaRef ds:uri="http://schemas.microsoft.com/VisualStudio/2011/storyboarding/control"/>
-  </ds:schemaRefs>
-</ds:datastoreItem>
-</file>
-
-<file path=customXml/itemProps54.xml><?xml version="1.0" encoding="utf-8"?>
-<ds:datastoreItem xmlns:ds="http://schemas.openxmlformats.org/officeDocument/2006/customXml" ds:itemID="{C245C6D9-2CF2-46D0-A598-7F9B569A8182}">
-  <ds:schemaRefs>
-    <ds:schemaRef ds:uri="http://schemas.microsoft.com/VisualStudio/2011/storyboarding/control"/>
-  </ds:schemaRefs>
-</ds:datastoreItem>
-</file>
-
-<file path=customXml/itemProps55.xml><?xml version="1.0" encoding="utf-8"?>
-<ds:datastoreItem xmlns:ds="http://schemas.openxmlformats.org/officeDocument/2006/customXml" ds:itemID="{5370AC94-6C83-4610-AB38-DE4D5D592A21}">
-  <ds:schemaRefs>
-    <ds:schemaRef ds:uri="http://schemas.microsoft.com/VisualStudio/2011/storyboarding/control"/>
-  </ds:schemaRefs>
-</ds:datastoreItem>
-</file>
-
-<file path=customXml/itemProps56.xml><?xml version="1.0" encoding="utf-8"?>
-<ds:datastoreItem xmlns:ds="http://schemas.openxmlformats.org/officeDocument/2006/customXml" ds:itemID="{CF8AA2EA-BB64-40F2-B797-60439B0EBFFC}">
-  <ds:schemaRefs>
-    <ds:schemaRef ds:uri="http://schemas.microsoft.com/VisualStudio/2011/storyboarding/control"/>
-  </ds:schemaRefs>
-</ds:datastoreItem>
-</file>
-
-<file path=customXml/itemProps57.xml><?xml version="1.0" encoding="utf-8"?>
-<ds:datastoreItem xmlns:ds="http://schemas.openxmlformats.org/officeDocument/2006/customXml" ds:itemID="{7CF88AB3-1200-43B9-8887-BE3800C866E7}">
-  <ds:schemaRefs>
-    <ds:schemaRef ds:uri="http://schemas.microsoft.com/VisualStudio/2011/storyboarding/control"/>
-  </ds:schemaRefs>
-</ds:datastoreItem>
-</file>
-
-<file path=customXml/itemProps58.xml><?xml version="1.0" encoding="utf-8"?>
-<ds:datastoreItem xmlns:ds="http://schemas.openxmlformats.org/officeDocument/2006/customXml" ds:itemID="{68A0CDC1-3F80-4DE3-8AB3-B532E32DC2D3}">
-  <ds:schemaRefs>
-    <ds:schemaRef ds:uri="http://schemas.microsoft.com/VisualStudio/2011/storyboarding/control"/>
-  </ds:schemaRefs>
-</ds:datastoreItem>
-</file>
-
-<file path=customXml/itemProps59.xml><?xml version="1.0" encoding="utf-8"?>
-<ds:datastoreItem xmlns:ds="http://schemas.openxmlformats.org/officeDocument/2006/customXml" ds:itemID="{8B573C24-C1CA-4AD9-8793-CFC1E42E3841}">
-  <ds:schemaRefs>
-    <ds:schemaRef ds:uri="http://schemas.microsoft.com/VisualStudio/2011/storyboarding/control"/>
-  </ds:schemaRefs>
-</ds:datastoreItem>
-</file>
-
-<file path=customXml/itemProps6.xml><?xml version="1.0" encoding="utf-8"?>
-<ds:datastoreItem xmlns:ds="http://schemas.openxmlformats.org/officeDocument/2006/customXml" ds:itemID="{1159427B-15B9-477B-8DAD-D7C81D705523}">
-  <ds:schemaRefs>
-    <ds:schemaRef ds:uri="http://schemas.microsoft.com/VisualStudio/2011/storyboarding/control"/>
-  </ds:schemaRefs>
-</ds:datastoreItem>
-</file>
-
-<file path=customXml/itemProps60.xml><?xml version="1.0" encoding="utf-8"?>
-<ds:datastoreItem xmlns:ds="http://schemas.openxmlformats.org/officeDocument/2006/customXml" ds:itemID="{149B1CD2-B7C7-4B38-9713-13FEE7CAC5CF}">
-  <ds:schemaRefs>
-    <ds:schemaRef ds:uri="http://schemas.microsoft.com/VisualStudio/2011/storyboarding/control"/>
-  </ds:schemaRefs>
-</ds:datastoreItem>
-</file>
-
-<file path=customXml/itemProps61.xml><?xml version="1.0" encoding="utf-8"?>
-<ds:datastoreItem xmlns:ds="http://schemas.openxmlformats.org/officeDocument/2006/customXml" ds:itemID="{26EBF4A3-F17A-4E3E-A734-46BBA9DFA0C8}">
-  <ds:schemaRefs>
-    <ds:schemaRef ds:uri="http://schemas.microsoft.com/VisualStudio/2011/storyboarding/control"/>
-  </ds:schemaRefs>
-</ds:datastoreItem>
-</file>
-
-<file path=customXml/itemProps62.xml><?xml version="1.0" encoding="utf-8"?>
-<ds:datastoreItem xmlns:ds="http://schemas.openxmlformats.org/officeDocument/2006/customXml" ds:itemID="{AEAF888D-91A2-4F3F-8857-FCEB236CE5E1}">
-  <ds:schemaRefs>
-    <ds:schemaRef ds:uri="http://schemas.microsoft.com/VisualStudio/2011/storyboarding/control"/>
-  </ds:schemaRefs>
-</ds:datastoreItem>
-</file>
-
-<file path=customXml/itemProps63.xml><?xml version="1.0" encoding="utf-8"?>
-<ds:datastoreItem xmlns:ds="http://schemas.openxmlformats.org/officeDocument/2006/customXml" ds:itemID="{3B9CF087-A7FD-4919-BEC9-765ED7219F7D}">
-  <ds:schemaRefs>
-    <ds:schemaRef ds:uri="http://schemas.microsoft.com/VisualStudio/2011/storyboarding/control"/>
-  </ds:schemaRefs>
-</ds:datastoreItem>
-</file>
-
-<file path=customXml/itemProps64.xml><?xml version="1.0" encoding="utf-8"?>
-<ds:datastoreItem xmlns:ds="http://schemas.openxmlformats.org/officeDocument/2006/customXml" ds:itemID="{59E18852-82A2-40BE-915B-5490522B44A0}">
-  <ds:schemaRefs>
-    <ds:schemaRef ds:uri="http://schemas.microsoft.com/VisualStudio/2011/storyboarding/control"/>
-  </ds:schemaRefs>
-</ds:datastoreItem>
-</file>
-
-<file path=customXml/itemProps65.xml><?xml version="1.0" encoding="utf-8"?>
-<ds:datastoreItem xmlns:ds="http://schemas.openxmlformats.org/officeDocument/2006/customXml" ds:itemID="{408DBD6E-BA86-4206-898C-8866D621C758}">
-  <ds:schemaRefs>
-    <ds:schemaRef ds:uri="http://schemas.microsoft.com/VisualStudio/2011/storyboarding/control"/>
-  </ds:schemaRefs>
-</ds:datastoreItem>
-</file>
-
-<file path=customXml/itemProps66.xml><?xml version="1.0" encoding="utf-8"?>
-<ds:datastoreItem xmlns:ds="http://schemas.openxmlformats.org/officeDocument/2006/customXml" ds:itemID="{E2D66C36-7379-4DD2-AA37-128CF4B262CF}">
-  <ds:schemaRefs>
-    <ds:schemaRef ds:uri="http://schemas.microsoft.com/VisualStudio/2011/storyboarding/control"/>
-  </ds:schemaRefs>
-</ds:datastoreItem>
-</file>
-
-<file path=customXml/itemProps67.xml><?xml version="1.0" encoding="utf-8"?>
-<ds:datastoreItem xmlns:ds="http://schemas.openxmlformats.org/officeDocument/2006/customXml" ds:itemID="{E28B7CEA-1FBD-4F14-BDA2-C48C66B37150}">
-  <ds:schemaRefs>
-    <ds:schemaRef ds:uri="http://schemas.microsoft.com/VisualStudio/2011/storyboarding/control"/>
-  </ds:schemaRefs>
-</ds:datastoreItem>
-</file>
-
-<file path=customXml/itemProps68.xml><?xml version="1.0" encoding="utf-8"?>
 <ds:datastoreItem xmlns:ds="http://schemas.openxmlformats.org/officeDocument/2006/customXml" ds:itemID="{6ADA548F-1BF0-44B5-AD4E-6B89D3ECE98D}">
   <ds:schemaRefs>
     <ds:schemaRef ds:uri="http://schemas.microsoft.com/VisualStudio/2011/storyboarding/control"/>
@@ -13736,32 +13760,456 @@
 </ds:datastoreItem>
 </file>
 
-<file path=customXml/itemProps69.xml><?xml version="1.0" encoding="utf-8"?>
-<ds:datastoreItem xmlns:ds="http://schemas.openxmlformats.org/officeDocument/2006/customXml" ds:itemID="{C65B337F-737A-48CA-8F75-978A60D7016D}">
+<file path=customXml/itemProps44.xml><?xml version="1.0" encoding="utf-8"?>
+<ds:datastoreItem xmlns:ds="http://schemas.openxmlformats.org/officeDocument/2006/customXml" ds:itemID="{7EA327E3-FCFB-4008-8DED-CE47F66639FD}">
   <ds:schemaRefs>
     <ds:schemaRef ds:uri="http://schemas.microsoft.com/VisualStudio/2011/storyboarding/control"/>
   </ds:schemaRefs>
 </ds:datastoreItem>
 </file>
 
-<file path=customXml/itemProps7.xml><?xml version="1.0" encoding="utf-8"?>
-<ds:datastoreItem xmlns:ds="http://schemas.openxmlformats.org/officeDocument/2006/customXml" ds:itemID="{5C224794-B045-4886-829C-92458CB30DC4}">
+<file path=customXml/itemProps45.xml><?xml version="1.0" encoding="utf-8"?>
+<ds:datastoreItem xmlns:ds="http://schemas.openxmlformats.org/officeDocument/2006/customXml" ds:itemID="{CF03DD0F-EDED-4182-BF0D-C60EA8AC9FC5}">
   <ds:schemaRefs>
     <ds:schemaRef ds:uri="http://schemas.microsoft.com/VisualStudio/2011/storyboarding/control"/>
   </ds:schemaRefs>
 </ds:datastoreItem>
 </file>
 
-<file path=customXml/itemProps8.xml><?xml version="1.0" encoding="utf-8"?>
-<ds:datastoreItem xmlns:ds="http://schemas.openxmlformats.org/officeDocument/2006/customXml" ds:itemID="{19117BA5-C181-4180-919E-D397ACAFD6D8}">
+<file path=customXml/itemProps46.xml><?xml version="1.0" encoding="utf-8"?>
+<ds:datastoreItem xmlns:ds="http://schemas.openxmlformats.org/officeDocument/2006/customXml" ds:itemID="{ACB3927E-D579-4694-AD01-62FF7AA261C4}">
   <ds:schemaRefs>
     <ds:schemaRef ds:uri="http://schemas.microsoft.com/VisualStudio/2011/storyboarding/control"/>
   </ds:schemaRefs>
 </ds:datastoreItem>
 </file>
 
+<file path=customXml/itemProps47.xml><?xml version="1.0" encoding="utf-8"?>
+<ds:datastoreItem xmlns:ds="http://schemas.openxmlformats.org/officeDocument/2006/customXml" ds:itemID="{7989F8B3-8E20-4455-9310-361DF73D03B3}">
+  <ds:schemaRefs>
+    <ds:schemaRef ds:uri="http://schemas.microsoft.com/VisualStudio/2011/storyboarding/control"/>
+  </ds:schemaRefs>
+</ds:datastoreItem>
+</file>
+
+<file path=customXml/itemProps48.xml><?xml version="1.0" encoding="utf-8"?>
+<ds:datastoreItem xmlns:ds="http://schemas.openxmlformats.org/officeDocument/2006/customXml" ds:itemID="{F2C13C45-9FD4-46A1-B566-8CFCB6433E4D}">
+  <ds:schemaRefs>
+    <ds:schemaRef ds:uri="http://schemas.microsoft.com/VisualStudio/2011/storyboarding/control"/>
+  </ds:schemaRefs>
+</ds:datastoreItem>
+</file>
+
+<file path=customXml/itemProps49.xml><?xml version="1.0" encoding="utf-8"?>
+<ds:datastoreItem xmlns:ds="http://schemas.openxmlformats.org/officeDocument/2006/customXml" ds:itemID="{6806E131-54C6-48B3-984A-5A1F4C5785D2}">
+  <ds:schemaRefs>
+    <ds:schemaRef ds:uri="http://schemas.microsoft.com/VisualStudio/2011/storyboarding/control"/>
+  </ds:schemaRefs>
+</ds:datastoreItem>
+</file>
+
+<file path=customXml/itemProps5.xml><?xml version="1.0" encoding="utf-8"?>
+<ds:datastoreItem xmlns:ds="http://schemas.openxmlformats.org/officeDocument/2006/customXml" ds:itemID="{438B7A44-EBDD-41BA-B093-6D278F4F7459}">
+  <ds:schemaRefs>
+    <ds:schemaRef ds:uri="http://schemas.microsoft.com/VisualStudio/2011/storyboarding/control"/>
+  </ds:schemaRefs>
+</ds:datastoreItem>
+</file>
+
+<file path=customXml/itemProps50.xml><?xml version="1.0" encoding="utf-8"?>
+<ds:datastoreItem xmlns:ds="http://schemas.openxmlformats.org/officeDocument/2006/customXml" ds:itemID="{914EB071-267D-4D23-8EAD-39A664DF70DC}">
+  <ds:schemaRefs>
+    <ds:schemaRef ds:uri="http://schemas.microsoft.com/VisualStudio/2011/storyboarding/control"/>
+  </ds:schemaRefs>
+</ds:datastoreItem>
+</file>
+
+<file path=customXml/itemProps51.xml><?xml version="1.0" encoding="utf-8"?>
+<ds:datastoreItem xmlns:ds="http://schemas.openxmlformats.org/officeDocument/2006/customXml" ds:itemID="{B8E12DBA-650B-4369-8B51-0ED5654ECE37}">
+  <ds:schemaRefs>
+    <ds:schemaRef ds:uri="http://schemas.microsoft.com/VisualStudio/2011/storyboarding/control"/>
+  </ds:schemaRefs>
+</ds:datastoreItem>
+</file>
+
+<file path=customXml/itemProps52.xml><?xml version="1.0" encoding="utf-8"?>
+<ds:datastoreItem xmlns:ds="http://schemas.openxmlformats.org/officeDocument/2006/customXml" ds:itemID="{24900BF5-C4DC-42A1-8816-A384E671E92A}">
+  <ds:schemaRefs>
+    <ds:schemaRef ds:uri="http://schemas.microsoft.com/VisualStudio/2011/storyboarding/control"/>
+  </ds:schemaRefs>
+</ds:datastoreItem>
+</file>
+
+<file path=customXml/itemProps53.xml><?xml version="1.0" encoding="utf-8"?>
+<ds:datastoreItem xmlns:ds="http://schemas.openxmlformats.org/officeDocument/2006/customXml" ds:itemID="{3E700196-0E07-41FC-8F78-80FE3D9018FD}">
+  <ds:schemaRefs>
+    <ds:schemaRef ds:uri="http://schemas.microsoft.com/VisualStudio/2011/storyboarding/control"/>
+  </ds:schemaRefs>
+</ds:datastoreItem>
+</file>
+
+<file path=customXml/itemProps54.xml><?xml version="1.0" encoding="utf-8"?>
+<ds:datastoreItem xmlns:ds="http://schemas.openxmlformats.org/officeDocument/2006/customXml" ds:itemID="{73C15516-64BE-43A3-9299-7E108DE97C7F}">
+  <ds:schemaRefs>
+    <ds:schemaRef ds:uri="http://schemas.microsoft.com/VisualStudio/2011/storyboarding/control"/>
+  </ds:schemaRefs>
+</ds:datastoreItem>
+</file>
+
+<file path=customXml/itemProps55.xml><?xml version="1.0" encoding="utf-8"?>
+<ds:datastoreItem xmlns:ds="http://schemas.openxmlformats.org/officeDocument/2006/customXml" ds:itemID="{C14734D5-9FB1-4C35-A180-105B4BA15CD3}">
+  <ds:schemaRefs>
+    <ds:schemaRef ds:uri="http://schemas.microsoft.com/VisualStudio/2011/storyboarding/control"/>
+  </ds:schemaRefs>
+</ds:datastoreItem>
+</file>
+
+<file path=customXml/itemProps56.xml><?xml version="1.0" encoding="utf-8"?>
+<ds:datastoreItem xmlns:ds="http://schemas.openxmlformats.org/officeDocument/2006/customXml" ds:itemID="{A099D91D-2540-412F-88B4-6DD3EB1D58E7}">
+  <ds:schemaRefs>
+    <ds:schemaRef ds:uri="http://schemas.microsoft.com/VisualStudio/2011/storyboarding/control"/>
+  </ds:schemaRefs>
+</ds:datastoreItem>
+</file>
+
+<file path=customXml/itemProps57.xml><?xml version="1.0" encoding="utf-8"?>
+<ds:datastoreItem xmlns:ds="http://schemas.openxmlformats.org/officeDocument/2006/customXml" ds:itemID="{A1F43F78-8591-47F2-9A56-991B5C2DCCFC}">
+  <ds:schemaRefs>
+    <ds:schemaRef ds:uri="http://schemas.microsoft.com/VisualStudio/2011/storyboarding/control"/>
+  </ds:schemaRefs>
+</ds:datastoreItem>
+</file>
+
+<file path=customXml/itemProps58.xml><?xml version="1.0" encoding="utf-8"?>
+<ds:datastoreItem xmlns:ds="http://schemas.openxmlformats.org/officeDocument/2006/customXml" ds:itemID="{3AA496B2-48C5-4D07-8E6D-D151EB10A87C}">
+  <ds:schemaRefs>
+    <ds:schemaRef ds:uri="http://schemas.microsoft.com/VisualStudio/2011/storyboarding/control"/>
+  </ds:schemaRefs>
+</ds:datastoreItem>
+</file>
+
+<file path=customXml/itemProps59.xml><?xml version="1.0" encoding="utf-8"?>
+<ds:datastoreItem xmlns:ds="http://schemas.openxmlformats.org/officeDocument/2006/customXml" ds:itemID="{F3F7AF0C-CB1F-490D-B741-C3CD6D42DEAF}">
+  <ds:schemaRefs>
+    <ds:schemaRef ds:uri="http://schemas.microsoft.com/VisualStudio/2011/storyboarding/control"/>
+  </ds:schemaRefs>
+</ds:datastoreItem>
+</file>
+
+<file path=customXml/itemProps6.xml><?xml version="1.0" encoding="utf-8"?>
+<ds:datastoreItem xmlns:ds="http://schemas.openxmlformats.org/officeDocument/2006/customXml" ds:itemID="{C2FBE948-B9F1-4F1A-AC4F-03962924DC85}">
+  <ds:schemaRefs>
+    <ds:schemaRef ds:uri="http://schemas.microsoft.com/VisualStudio/2011/storyboarding/control"/>
+  </ds:schemaRefs>
+</ds:datastoreItem>
+</file>
+
+<file path=customXml/itemProps60.xml><?xml version="1.0" encoding="utf-8"?>
+<ds:datastoreItem xmlns:ds="http://schemas.openxmlformats.org/officeDocument/2006/customXml" ds:itemID="{8AA7AB7F-476B-4FED-8119-67068D226CBF}">
+  <ds:schemaRefs>
+    <ds:schemaRef ds:uri="http://schemas.microsoft.com/VisualStudio/2011/storyboarding/control"/>
+  </ds:schemaRefs>
+</ds:datastoreItem>
+</file>
+
+<file path=customXml/itemProps61.xml><?xml version="1.0" encoding="utf-8"?>
+<ds:datastoreItem xmlns:ds="http://schemas.openxmlformats.org/officeDocument/2006/customXml" ds:itemID="{6EE5C045-4BCE-4BF2-9AA7-42E0DDD0CE72}">
+  <ds:schemaRefs>
+    <ds:schemaRef ds:uri="http://schemas.microsoft.com/VisualStudio/2011/storyboarding/control"/>
+  </ds:schemaRefs>
+</ds:datastoreItem>
+</file>
+
+<file path=customXml/itemProps62.xml><?xml version="1.0" encoding="utf-8"?>
+<ds:datastoreItem xmlns:ds="http://schemas.openxmlformats.org/officeDocument/2006/customXml" ds:itemID="{033CDA06-24C7-442F-B05A-AA97D0DB98EA}">
+  <ds:schemaRefs>
+    <ds:schemaRef ds:uri="http://schemas.microsoft.com/VisualStudio/2011/storyboarding/control"/>
+  </ds:schemaRefs>
+</ds:datastoreItem>
+</file>
+
+<file path=customXml/itemProps63.xml><?xml version="1.0" encoding="utf-8"?>
+<ds:datastoreItem xmlns:ds="http://schemas.openxmlformats.org/officeDocument/2006/customXml" ds:itemID="{CF91C9AF-FB44-4B2D-B964-EA853D542988}">
+  <ds:schemaRefs>
+    <ds:schemaRef ds:uri="http://schemas.microsoft.com/VisualStudio/2011/storyboarding/control"/>
+  </ds:schemaRefs>
+</ds:datastoreItem>
+</file>
+
+<file path=customXml/itemProps64.xml><?xml version="1.0" encoding="utf-8"?>
+<ds:datastoreItem xmlns:ds="http://schemas.openxmlformats.org/officeDocument/2006/customXml" ds:itemID="{29BF925D-CF27-4B21-AC43-2599465F0C8E}">
+  <ds:schemaRefs>
+    <ds:schemaRef ds:uri="http://schemas.microsoft.com/VisualStudio/2011/storyboarding/control"/>
+  </ds:schemaRefs>
+</ds:datastoreItem>
+</file>
+
+<file path=customXml/itemProps65.xml><?xml version="1.0" encoding="utf-8"?>
+<ds:datastoreItem xmlns:ds="http://schemas.openxmlformats.org/officeDocument/2006/customXml" ds:itemID="{3154CB70-BAFF-4B34-BC33-BD1C66EB86D7}">
+  <ds:schemaRefs>
+    <ds:schemaRef ds:uri="http://schemas.microsoft.com/VisualStudio/2011/storyboarding/control"/>
+  </ds:schemaRefs>
+</ds:datastoreItem>
+</file>
+
+<file path=customXml/itemProps66.xml><?xml version="1.0" encoding="utf-8"?>
+<ds:datastoreItem xmlns:ds="http://schemas.openxmlformats.org/officeDocument/2006/customXml" ds:itemID="{8EE50836-C4DB-4AC6-8DFD-677FDEAB9EAD}">
+  <ds:schemaRefs>
+    <ds:schemaRef ds:uri="http://schemas.microsoft.com/VisualStudio/2011/storyboarding/control"/>
+  </ds:schemaRefs>
+</ds:datastoreItem>
+</file>
+
+<file path=customXml/itemProps67.xml><?xml version="1.0" encoding="utf-8"?>
+<ds:datastoreItem xmlns:ds="http://schemas.openxmlformats.org/officeDocument/2006/customXml" ds:itemID="{AF61DBC6-381C-43BF-8974-1BD37D61B73F}">
+  <ds:schemaRefs>
+    <ds:schemaRef ds:uri="http://schemas.microsoft.com/VisualStudio/2011/storyboarding/control"/>
+  </ds:schemaRefs>
+</ds:datastoreItem>
+</file>
+
+<file path=customXml/itemProps68.xml><?xml version="1.0" encoding="utf-8"?>
+<ds:datastoreItem xmlns:ds="http://schemas.openxmlformats.org/officeDocument/2006/customXml" ds:itemID="{9DAE1F11-5474-4CAD-8EC7-A688E310A5AB}">
+  <ds:schemaRefs>
+    <ds:schemaRef ds:uri="http://schemas.microsoft.com/VisualStudio/2011/storyboarding/control"/>
+  </ds:schemaRefs>
+</ds:datastoreItem>
+</file>
+
+<file path=customXml/itemProps69.xml><?xml version="1.0" encoding="utf-8"?>
+<ds:datastoreItem xmlns:ds="http://schemas.openxmlformats.org/officeDocument/2006/customXml" ds:itemID="{3C65476E-E005-4058-A679-B2D8F13FF877}">
+  <ds:schemaRefs>
+    <ds:schemaRef ds:uri="http://schemas.microsoft.com/VisualStudio/2011/storyboarding/control"/>
+  </ds:schemaRefs>
+</ds:datastoreItem>
+</file>
+
+<file path=customXml/itemProps7.xml><?xml version="1.0" encoding="utf-8"?>
+<ds:datastoreItem xmlns:ds="http://schemas.openxmlformats.org/officeDocument/2006/customXml" ds:itemID="{242277DC-9C6E-4A37-8EF1-8812626C1571}">
+  <ds:schemaRefs>
+    <ds:schemaRef ds:uri="http://schemas.microsoft.com/VisualStudio/2011/storyboarding/control"/>
+  </ds:schemaRefs>
+</ds:datastoreItem>
+</file>
+
+<file path=customXml/itemProps70.xml><?xml version="1.0" encoding="utf-8"?>
+<ds:datastoreItem xmlns:ds="http://schemas.openxmlformats.org/officeDocument/2006/customXml" ds:itemID="{E886A3B6-32CF-43FB-BFDC-824E566105C6}">
+  <ds:schemaRefs>
+    <ds:schemaRef ds:uri="http://schemas.microsoft.com/VisualStudio/2011/storyboarding/control"/>
+  </ds:schemaRefs>
+</ds:datastoreItem>
+</file>
+
+<file path=customXml/itemProps71.xml><?xml version="1.0" encoding="utf-8"?>
+<ds:datastoreItem xmlns:ds="http://schemas.openxmlformats.org/officeDocument/2006/customXml" ds:itemID="{83526E43-CC5B-4399-8E1C-823585530259}">
+  <ds:schemaRefs>
+    <ds:schemaRef ds:uri="http://schemas.microsoft.com/VisualStudio/2011/storyboarding/control"/>
+  </ds:schemaRefs>
+</ds:datastoreItem>
+</file>
+
+<file path=customXml/itemProps72.xml><?xml version="1.0" encoding="utf-8"?>
+<ds:datastoreItem xmlns:ds="http://schemas.openxmlformats.org/officeDocument/2006/customXml" ds:itemID="{E5957A30-7F08-42CE-A7C9-9121B3EEDB89}">
+  <ds:schemaRefs>
+    <ds:schemaRef ds:uri="http://schemas.microsoft.com/VisualStudio/2011/storyboarding/control"/>
+  </ds:schemaRefs>
+</ds:datastoreItem>
+</file>
+
+<file path=customXml/itemProps73.xml><?xml version="1.0" encoding="utf-8"?>
+<ds:datastoreItem xmlns:ds="http://schemas.openxmlformats.org/officeDocument/2006/customXml" ds:itemID="{508FF8A2-065C-4CBB-812E-6E03CA0DD0BA}">
+  <ds:schemaRefs>
+    <ds:schemaRef ds:uri="http://schemas.microsoft.com/VisualStudio/2011/storyboarding/control"/>
+  </ds:schemaRefs>
+</ds:datastoreItem>
+</file>
+
+<file path=customXml/itemProps74.xml><?xml version="1.0" encoding="utf-8"?>
+<ds:datastoreItem xmlns:ds="http://schemas.openxmlformats.org/officeDocument/2006/customXml" ds:itemID="{C36DB154-AE5E-441B-8E32-9C0203D538F6}">
+  <ds:schemaRefs>
+    <ds:schemaRef ds:uri="http://schemas.microsoft.com/VisualStudio/2011/storyboarding/control"/>
+  </ds:schemaRefs>
+</ds:datastoreItem>
+</file>
+
+<file path=customXml/itemProps75.xml><?xml version="1.0" encoding="utf-8"?>
+<ds:datastoreItem xmlns:ds="http://schemas.openxmlformats.org/officeDocument/2006/customXml" ds:itemID="{DC24DB23-C3E0-4806-934A-5531299BFC48}">
+  <ds:schemaRefs>
+    <ds:schemaRef ds:uri="http://schemas.microsoft.com/VisualStudio/2011/storyboarding/control"/>
+  </ds:schemaRefs>
+</ds:datastoreItem>
+</file>
+
+<file path=customXml/itemProps76.xml><?xml version="1.0" encoding="utf-8"?>
+<ds:datastoreItem xmlns:ds="http://schemas.openxmlformats.org/officeDocument/2006/customXml" ds:itemID="{FA597DE2-CFB0-4358-AA98-055ACAFB4418}">
+  <ds:schemaRefs>
+    <ds:schemaRef ds:uri="http://schemas.microsoft.com/VisualStudio/2011/storyboarding/control"/>
+  </ds:schemaRefs>
+</ds:datastoreItem>
+</file>
+
+<file path=customXml/itemProps77.xml><?xml version="1.0" encoding="utf-8"?>
+<ds:datastoreItem xmlns:ds="http://schemas.openxmlformats.org/officeDocument/2006/customXml" ds:itemID="{991C2A14-C674-4C12-8CE8-7EAE1ABB4197}">
+  <ds:schemaRefs>
+    <ds:schemaRef ds:uri="http://schemas.microsoft.com/VisualStudio/2011/storyboarding/control"/>
+  </ds:schemaRefs>
+</ds:datastoreItem>
+</file>
+
+<file path=customXml/itemProps78.xml><?xml version="1.0" encoding="utf-8"?>
+<ds:datastoreItem xmlns:ds="http://schemas.openxmlformats.org/officeDocument/2006/customXml" ds:itemID="{46365B3F-8663-4379-AD5B-D0EABBC1EDD3}">
+  <ds:schemaRefs>
+    <ds:schemaRef ds:uri="http://schemas.microsoft.com/VisualStudio/2011/storyboarding/control"/>
+  </ds:schemaRefs>
+</ds:datastoreItem>
+</file>
+
+<file path=customXml/itemProps79.xml><?xml version="1.0" encoding="utf-8"?>
+<ds:datastoreItem xmlns:ds="http://schemas.openxmlformats.org/officeDocument/2006/customXml" ds:itemID="{39E72E8E-79BB-456F-8049-0020919B4763}">
+  <ds:schemaRefs>
+    <ds:schemaRef ds:uri="http://schemas.microsoft.com/VisualStudio/2011/storyboarding/control"/>
+  </ds:schemaRefs>
+</ds:datastoreItem>
+</file>
+
+<file path=customXml/itemProps8.xml><?xml version="1.0" encoding="utf-8"?>
+<ds:datastoreItem xmlns:ds="http://schemas.openxmlformats.org/officeDocument/2006/customXml" ds:itemID="{FD7A3CF8-3A66-47F9-8AD7-22127504A57F}">
+  <ds:schemaRefs>
+    <ds:schemaRef ds:uri="http://schemas.microsoft.com/VisualStudio/2011/storyboarding/control"/>
+  </ds:schemaRefs>
+</ds:datastoreItem>
+</file>
+
+<file path=customXml/itemProps80.xml><?xml version="1.0" encoding="utf-8"?>
+<ds:datastoreItem xmlns:ds="http://schemas.openxmlformats.org/officeDocument/2006/customXml" ds:itemID="{D2FE2441-F4F4-4DD2-A086-4A7D71862FD9}">
+  <ds:schemaRefs>
+    <ds:schemaRef ds:uri="http://schemas.microsoft.com/VisualStudio/2011/storyboarding/control"/>
+  </ds:schemaRefs>
+</ds:datastoreItem>
+</file>
+
+<file path=customXml/itemProps81.xml><?xml version="1.0" encoding="utf-8"?>
+<ds:datastoreItem xmlns:ds="http://schemas.openxmlformats.org/officeDocument/2006/customXml" ds:itemID="{B8677481-C0C6-468D-8B15-ECE0CB48746C}">
+  <ds:schemaRefs>
+    <ds:schemaRef ds:uri="http://schemas.microsoft.com/VisualStudio/2011/storyboarding/control"/>
+  </ds:schemaRefs>
+</ds:datastoreItem>
+</file>
+
+<file path=customXml/itemProps82.xml><?xml version="1.0" encoding="utf-8"?>
+<ds:datastoreItem xmlns:ds="http://schemas.openxmlformats.org/officeDocument/2006/customXml" ds:itemID="{A5548825-A252-43B9-8E93-D05CC009ABBE}">
+  <ds:schemaRefs>
+    <ds:schemaRef ds:uri="http://schemas.microsoft.com/VisualStudio/2011/storyboarding/control"/>
+  </ds:schemaRefs>
+</ds:datastoreItem>
+</file>
+
+<file path=customXml/itemProps83.xml><?xml version="1.0" encoding="utf-8"?>
+<ds:datastoreItem xmlns:ds="http://schemas.openxmlformats.org/officeDocument/2006/customXml" ds:itemID="{20BEEC8C-2D42-49D7-8C60-B851A2787EFD}">
+  <ds:schemaRefs>
+    <ds:schemaRef ds:uri="http://schemas.microsoft.com/VisualStudio/2011/storyboarding/control"/>
+  </ds:schemaRefs>
+</ds:datastoreItem>
+</file>
+
+<file path=customXml/itemProps84.xml><?xml version="1.0" encoding="utf-8"?>
+<ds:datastoreItem xmlns:ds="http://schemas.openxmlformats.org/officeDocument/2006/customXml" ds:itemID="{F84C33E5-A3AC-4218-A548-60F369F70A2C}">
+  <ds:schemaRefs>
+    <ds:schemaRef ds:uri="http://schemas.microsoft.com/VisualStudio/2011/storyboarding/control"/>
+  </ds:schemaRefs>
+</ds:datastoreItem>
+</file>
+
+<file path=customXml/itemProps85.xml><?xml version="1.0" encoding="utf-8"?>
+<ds:datastoreItem xmlns:ds="http://schemas.openxmlformats.org/officeDocument/2006/customXml" ds:itemID="{04A18D92-2BEC-4B6E-A3BF-D86E62F84B4E}">
+  <ds:schemaRefs>
+    <ds:schemaRef ds:uri="http://schemas.microsoft.com/VisualStudio/2011/storyboarding/control"/>
+  </ds:schemaRefs>
+</ds:datastoreItem>
+</file>
+
+<file path=customXml/itemProps86.xml><?xml version="1.0" encoding="utf-8"?>
+<ds:datastoreItem xmlns:ds="http://schemas.openxmlformats.org/officeDocument/2006/customXml" ds:itemID="{99A76A4F-4E1C-4D89-98E6-6C0F7E942211}">
+  <ds:schemaRefs>
+    <ds:schemaRef ds:uri="http://schemas.microsoft.com/VisualStudio/2011/storyboarding/control"/>
+  </ds:schemaRefs>
+</ds:datastoreItem>
+</file>
+
+<file path=customXml/itemProps87.xml><?xml version="1.0" encoding="utf-8"?>
+<ds:datastoreItem xmlns:ds="http://schemas.openxmlformats.org/officeDocument/2006/customXml" ds:itemID="{1A2E5C63-FF2F-41DE-914D-AF005352C261}">
+  <ds:schemaRefs>
+    <ds:schemaRef ds:uri="http://schemas.microsoft.com/VisualStudio/2011/storyboarding/control"/>
+  </ds:schemaRefs>
+</ds:datastoreItem>
+</file>
+
+<file path=customXml/itemProps88.xml><?xml version="1.0" encoding="utf-8"?>
+<ds:datastoreItem xmlns:ds="http://schemas.openxmlformats.org/officeDocument/2006/customXml" ds:itemID="{B9448518-2CB2-4086-B746-EEF1CD2B66FE}">
+  <ds:schemaRefs>
+    <ds:schemaRef ds:uri="http://schemas.microsoft.com/VisualStudio/2011/storyboarding/control"/>
+  </ds:schemaRefs>
+</ds:datastoreItem>
+</file>
+
+<file path=customXml/itemProps89.xml><?xml version="1.0" encoding="utf-8"?>
+<ds:datastoreItem xmlns:ds="http://schemas.openxmlformats.org/officeDocument/2006/customXml" ds:itemID="{4933C5B9-7038-46C8-B65F-9FC1C846A3E0}">
+  <ds:schemaRefs>
+    <ds:schemaRef ds:uri="http://schemas.microsoft.com/VisualStudio/2011/storyboarding/control"/>
+  </ds:schemaRefs>
+</ds:datastoreItem>
+</file>
+
 <file path=customXml/itemProps9.xml><?xml version="1.0" encoding="utf-8"?>
-<ds:datastoreItem xmlns:ds="http://schemas.openxmlformats.org/officeDocument/2006/customXml" ds:itemID="{48F85951-6571-4AA7-9B26-EEF9CD4B541F}">
+<ds:datastoreItem xmlns:ds="http://schemas.openxmlformats.org/officeDocument/2006/customXml" ds:itemID="{8AE17CAA-BEF2-44CD-9DEE-2F8C17585A32}">
+  <ds:schemaRefs>
+    <ds:schemaRef ds:uri="http://schemas.microsoft.com/VisualStudio/2011/storyboarding/control"/>
+  </ds:schemaRefs>
+</ds:datastoreItem>
+</file>
+
+<file path=customXml/itemProps90.xml><?xml version="1.0" encoding="utf-8"?>
+<ds:datastoreItem xmlns:ds="http://schemas.openxmlformats.org/officeDocument/2006/customXml" ds:itemID="{A5B63E18-4237-42D4-B804-B83021F9E8A1}">
+  <ds:schemaRefs>
+    <ds:schemaRef ds:uri="http://schemas.microsoft.com/VisualStudio/2011/storyboarding/control"/>
+  </ds:schemaRefs>
+</ds:datastoreItem>
+</file>
+
+<file path=customXml/itemProps91.xml><?xml version="1.0" encoding="utf-8"?>
+<ds:datastoreItem xmlns:ds="http://schemas.openxmlformats.org/officeDocument/2006/customXml" ds:itemID="{D9B490FA-A64C-40B6-8247-CD5808900A10}">
+  <ds:schemaRefs>
+    <ds:schemaRef ds:uri="http://schemas.microsoft.com/VisualStudio/2011/storyboarding/control"/>
+  </ds:schemaRefs>
+</ds:datastoreItem>
+</file>
+
+<file path=customXml/itemProps92.xml><?xml version="1.0" encoding="utf-8"?>
+<ds:datastoreItem xmlns:ds="http://schemas.openxmlformats.org/officeDocument/2006/customXml" ds:itemID="{BA2CD054-A129-4A67-A712-2F4F4F80DF00}">
+  <ds:schemaRefs>
+    <ds:schemaRef ds:uri="http://schemas.microsoft.com/VisualStudio/2011/storyboarding/control"/>
+  </ds:schemaRefs>
+</ds:datastoreItem>
+</file>
+
+<file path=customXml/itemProps93.xml><?xml version="1.0" encoding="utf-8"?>
+<ds:datastoreItem xmlns:ds="http://schemas.openxmlformats.org/officeDocument/2006/customXml" ds:itemID="{BE30DC31-8F8A-48CF-A072-77607577B2FB}">
+  <ds:schemaRefs>
+    <ds:schemaRef ds:uri="http://schemas.microsoft.com/VisualStudio/2011/storyboarding/control"/>
+  </ds:schemaRefs>
+</ds:datastoreItem>
+</file>
+
+<file path=customXml/itemProps94.xml><?xml version="1.0" encoding="utf-8"?>
+<ds:datastoreItem xmlns:ds="http://schemas.openxmlformats.org/officeDocument/2006/customXml" ds:itemID="{2BDF7FB8-4BA8-46D9-B98A-095F3529F3D4}">
+  <ds:schemaRefs>
+    <ds:schemaRef ds:uri="http://schemas.microsoft.com/VisualStudio/2011/storyboarding/control"/>
+  </ds:schemaRefs>
+</ds:datastoreItem>
+</file>
+
+<file path=customXml/itemProps95.xml><?xml version="1.0" encoding="utf-8"?>
+<ds:datastoreItem xmlns:ds="http://schemas.openxmlformats.org/officeDocument/2006/customXml" ds:itemID="{CE225F83-8706-4484-B4DE-2B7E506A1F45}">
   <ds:schemaRefs>
     <ds:schemaRef ds:uri="http://schemas.microsoft.com/VisualStudio/2011/storyboarding/control"/>
   </ds:schemaRefs>

--- a/Page d’acceuil.pptx
+++ b/Page d’acceuil.pptx
@@ -2,34 +2,34 @@
 <file path=ppt/presentation.xml><?xml version="1.0" encoding="utf-8"?>
 <p:presentation xmlns:a="http://schemas.openxmlformats.org/drawingml/2006/main" xmlns:r="http://schemas.openxmlformats.org/officeDocument/2006/relationships" xmlns:p="http://schemas.openxmlformats.org/presentationml/2006/main" saveSubsetFonts="1">
   <p:sldMasterIdLst>
-    <p:sldMasterId id="2147483648" r:id="rId164"/>
-    <p:sldMasterId id="2147483660" r:id="rId165"/>
+    <p:sldMasterId id="2147483648" r:id="rId169"/>
+    <p:sldMasterId id="2147483660" r:id="rId170"/>
   </p:sldMasterIdLst>
   <p:notesMasterIdLst>
-    <p:notesMasterId r:id="rId187"/>
+    <p:notesMasterId r:id="rId192"/>
   </p:notesMasterIdLst>
   <p:sldIdLst>
-    <p:sldId id="260" r:id="rId166"/>
-    <p:sldId id="258" r:id="rId167"/>
-    <p:sldId id="269" r:id="rId168"/>
-    <p:sldId id="270" r:id="rId169"/>
-    <p:sldId id="271" r:id="rId170"/>
-    <p:sldId id="264" r:id="rId171"/>
-    <p:sldId id="284" r:id="rId172"/>
-    <p:sldId id="265" r:id="rId173"/>
-    <p:sldId id="272" r:id="rId174"/>
-    <p:sldId id="273" r:id="rId175"/>
-    <p:sldId id="274" r:id="rId176"/>
-    <p:sldId id="275" r:id="rId177"/>
-    <p:sldId id="276" r:id="rId178"/>
-    <p:sldId id="278" r:id="rId179"/>
-    <p:sldId id="279" r:id="rId180"/>
-    <p:sldId id="280" r:id="rId181"/>
-    <p:sldId id="282" r:id="rId182"/>
-    <p:sldId id="281" r:id="rId183"/>
-    <p:sldId id="283" r:id="rId184"/>
-    <p:sldId id="266" r:id="rId185"/>
-    <p:sldId id="267" r:id="rId186"/>
+    <p:sldId id="260" r:id="rId171"/>
+    <p:sldId id="258" r:id="rId172"/>
+    <p:sldId id="269" r:id="rId173"/>
+    <p:sldId id="270" r:id="rId174"/>
+    <p:sldId id="271" r:id="rId175"/>
+    <p:sldId id="264" r:id="rId176"/>
+    <p:sldId id="284" r:id="rId177"/>
+    <p:sldId id="265" r:id="rId178"/>
+    <p:sldId id="272" r:id="rId179"/>
+    <p:sldId id="273" r:id="rId180"/>
+    <p:sldId id="274" r:id="rId181"/>
+    <p:sldId id="275" r:id="rId182"/>
+    <p:sldId id="276" r:id="rId183"/>
+    <p:sldId id="278" r:id="rId184"/>
+    <p:sldId id="279" r:id="rId185"/>
+    <p:sldId id="280" r:id="rId186"/>
+    <p:sldId id="282" r:id="rId187"/>
+    <p:sldId id="281" r:id="rId188"/>
+    <p:sldId id="283" r:id="rId189"/>
+    <p:sldId id="266" r:id="rId190"/>
+    <p:sldId id="267" r:id="rId191"/>
   </p:sldIdLst>
   <p:sldSz cx="12192000" cy="6858000"/>
   <p:notesSz cx="6858000" cy="9144000"/>
@@ -141,6 +141,496 @@
 
 <file path=ppt/revisionInfo.xml><?xml version="1.0" encoding="utf-8"?>
 <p1510:revInfo xmlns:a="http://schemas.openxmlformats.org/drawingml/2006/main" xmlns:r="http://schemas.openxmlformats.org/officeDocument/2006/relationships" xmlns:p1510="http://schemas.microsoft.com/office/powerpoint/2015/10/main"/>
+</file>
+
+<file path=ppt/charts/chart1.xml><?xml version="1.0" encoding="utf-8"?>
+<c:chartSpace xmlns:c="http://schemas.openxmlformats.org/drawingml/2006/chart" xmlns:a="http://schemas.openxmlformats.org/drawingml/2006/main" xmlns:r="http://schemas.openxmlformats.org/officeDocument/2006/relationships" xmlns:c16r2="http://schemas.microsoft.com/office/drawing/2015/06/chart">
+  <c:date1904 val="0"/>
+  <c:lang val="fr-FR"/>
+  <c:roundedCorners val="0"/>
+  <mc:AlternateContent xmlns:mc="http://schemas.openxmlformats.org/markup-compatibility/2006">
+    <mc:Choice xmlns:c14="http://schemas.microsoft.com/office/drawing/2007/8/2/chart" Requires="c14">
+      <c14:style val="102"/>
+    </mc:Choice>
+    <mc:Fallback>
+      <c:style val="2"/>
+    </mc:Fallback>
+  </mc:AlternateContent>
+  <c:chart>
+    <c:autoTitleDeleted val="1"/>
+    <c:plotArea>
+      <c:layout/>
+      <c:pieChart>
+        <c:varyColors val="1"/>
+        <c:ser>
+          <c:idx val="0"/>
+          <c:order val="0"/>
+          <c:tx>
+            <c:strRef>
+              <c:f>Sheet1!$B$1</c:f>
+              <c:strCache>
+                <c:ptCount val="1"/>
+                <c:pt idx="0">
+                  <c:v>Sales</c:v>
+                </c:pt>
+              </c:strCache>
+            </c:strRef>
+          </c:tx>
+          <c:spPr>
+            <a:ln w="3175">
+              <a:solidFill>
+                <a:schemeClr val="bg1">
+                  <a:lumMod val="50000"/>
+                </a:schemeClr>
+              </a:solidFill>
+            </a:ln>
+          </c:spPr>
+          <c:dPt>
+            <c:idx val="0"/>
+            <c:bubble3D val="0"/>
+            <c:spPr>
+              <a:solidFill>
+                <a:schemeClr val="bg1">
+                  <a:lumMod val="65000"/>
+                </a:schemeClr>
+              </a:solidFill>
+              <a:ln w="3175">
+                <a:solidFill>
+                  <a:schemeClr val="bg1">
+                    <a:lumMod val="50000"/>
+                  </a:schemeClr>
+                </a:solidFill>
+              </a:ln>
+            </c:spPr>
+            <c:extLst>
+              <c:ext xmlns:c16="http://schemas.microsoft.com/office/drawing/2014/chart" uri="{C3380CC4-5D6E-409C-BE32-E72D297353CC}">
+                <c16:uniqueId val="{00000001-9349-4A6F-A9C1-AA8D54D2C870}"/>
+              </c:ext>
+            </c:extLst>
+          </c:dPt>
+          <c:dPt>
+            <c:idx val="1"/>
+            <c:bubble3D val="0"/>
+            <c:spPr>
+              <a:solidFill>
+                <a:schemeClr val="bg1">
+                  <a:lumMod val="95000"/>
+                </a:schemeClr>
+              </a:solidFill>
+              <a:ln w="3175">
+                <a:solidFill>
+                  <a:schemeClr val="bg1">
+                    <a:lumMod val="50000"/>
+                  </a:schemeClr>
+                </a:solidFill>
+              </a:ln>
+            </c:spPr>
+            <c:extLst>
+              <c:ext xmlns:c16="http://schemas.microsoft.com/office/drawing/2014/chart" uri="{C3380CC4-5D6E-409C-BE32-E72D297353CC}">
+                <c16:uniqueId val="{00000003-9349-4A6F-A9C1-AA8D54D2C870}"/>
+              </c:ext>
+            </c:extLst>
+          </c:dPt>
+          <c:dPt>
+            <c:idx val="2"/>
+            <c:bubble3D val="0"/>
+            <c:spPr>
+              <a:solidFill>
+                <a:schemeClr val="bg1">
+                  <a:lumMod val="85000"/>
+                </a:schemeClr>
+              </a:solidFill>
+              <a:ln w="3175">
+                <a:solidFill>
+                  <a:schemeClr val="bg1">
+                    <a:lumMod val="50000"/>
+                  </a:schemeClr>
+                </a:solidFill>
+              </a:ln>
+            </c:spPr>
+            <c:extLst>
+              <c:ext xmlns:c16="http://schemas.microsoft.com/office/drawing/2014/chart" uri="{C3380CC4-5D6E-409C-BE32-E72D297353CC}">
+                <c16:uniqueId val="{00000005-9349-4A6F-A9C1-AA8D54D2C870}"/>
+              </c:ext>
+            </c:extLst>
+          </c:dPt>
+          <c:cat>
+            <c:strRef>
+              <c:f>Sheet1!$A$2:$A$4</c:f>
+              <c:strCache>
+                <c:ptCount val="3"/>
+                <c:pt idx="0">
+                  <c:v>1st Qtr</c:v>
+                </c:pt>
+                <c:pt idx="1">
+                  <c:v>2nd Qtr</c:v>
+                </c:pt>
+                <c:pt idx="2">
+                  <c:v>3rd Qtr</c:v>
+                </c:pt>
+              </c:strCache>
+            </c:strRef>
+          </c:cat>
+          <c:val>
+            <c:numRef>
+              <c:f>Sheet1!$B$2:$B$4</c:f>
+              <c:numCache>
+                <c:formatCode>General</c:formatCode>
+                <c:ptCount val="3"/>
+                <c:pt idx="0">
+                  <c:v>6</c:v>
+                </c:pt>
+                <c:pt idx="1">
+                  <c:v>3</c:v>
+                </c:pt>
+                <c:pt idx="2">
+                  <c:v>1.8</c:v>
+                </c:pt>
+              </c:numCache>
+            </c:numRef>
+          </c:val>
+          <c:extLst>
+            <c:ext xmlns:c16="http://schemas.microsoft.com/office/drawing/2014/chart" uri="{C3380CC4-5D6E-409C-BE32-E72D297353CC}">
+              <c16:uniqueId val="{00000006-9349-4A6F-A9C1-AA8D54D2C870}"/>
+            </c:ext>
+          </c:extLst>
+        </c:ser>
+        <c:dLbls>
+          <c:showLegendKey val="0"/>
+          <c:showVal val="0"/>
+          <c:showCatName val="0"/>
+          <c:showSerName val="0"/>
+          <c:showPercent val="0"/>
+          <c:showBubbleSize val="0"/>
+          <c:showLeaderLines val="0"/>
+        </c:dLbls>
+        <c:firstSliceAng val="0"/>
+      </c:pieChart>
+    </c:plotArea>
+    <c:plotVisOnly val="1"/>
+    <c:dispBlanksAs val="zero"/>
+    <c:showDLblsOverMax val="0"/>
+  </c:chart>
+  <c:spPr>
+    <a:noFill/>
+  </c:spPr>
+  <c:txPr>
+    <a:bodyPr/>
+    <a:lstStyle/>
+    <a:p>
+      <a:pPr>
+        <a:defRPr sz="1800"/>
+      </a:pPr>
+      <a:endParaRPr lang="fr-FR"/>
+    </a:p>
+  </c:txPr>
+  <c:externalData r:id="rId1">
+    <c:autoUpdate val="0"/>
+  </c:externalData>
+</c:chartSpace>
+</file>
+
+<file path=ppt/charts/chart2.xml><?xml version="1.0" encoding="utf-8"?>
+<c:chartSpace xmlns:c="http://schemas.openxmlformats.org/drawingml/2006/chart" xmlns:a="http://schemas.openxmlformats.org/drawingml/2006/main" xmlns:r="http://schemas.openxmlformats.org/officeDocument/2006/relationships" xmlns:c16r2="http://schemas.microsoft.com/office/drawing/2015/06/chart">
+  <c:date1904 val="0"/>
+  <c:lang val="fr-FR"/>
+  <c:roundedCorners val="0"/>
+  <mc:AlternateContent xmlns:mc="http://schemas.openxmlformats.org/markup-compatibility/2006">
+    <mc:Choice xmlns:c14="http://schemas.microsoft.com/office/drawing/2007/8/2/chart" Requires="c14">
+      <c14:style val="102"/>
+    </mc:Choice>
+    <mc:Fallback>
+      <c:style val="2"/>
+    </mc:Fallback>
+  </mc:AlternateContent>
+  <c:clrMapOvr bg1="lt1" tx1="dk1" bg2="lt2" tx2="dk2" accent1="accent1" accent2="accent2" accent3="accent3" accent4="accent4" accent5="accent5" accent6="accent6" hlink="hlink" folHlink="folHlink"/>
+  <c:chart>
+    <c:autoTitleDeleted val="0"/>
+    <c:plotArea>
+      <c:layout/>
+      <c:barChart>
+        <c:barDir val="col"/>
+        <c:grouping val="clustered"/>
+        <c:varyColors val="0"/>
+        <c:ser>
+          <c:idx val="0"/>
+          <c:order val="0"/>
+          <c:tx>
+            <c:strRef>
+              <c:f>Sheet1!$B$1</c:f>
+              <c:strCache>
+                <c:ptCount val="1"/>
+                <c:pt idx="0">
+                  <c:v>Series 1</c:v>
+                </c:pt>
+              </c:strCache>
+            </c:strRef>
+          </c:tx>
+          <c:spPr>
+            <a:solidFill>
+              <a:schemeClr val="bg1">
+                <a:lumMod val="75000"/>
+              </a:schemeClr>
+            </a:solidFill>
+            <a:ln>
+              <a:solidFill>
+                <a:schemeClr val="tx1">
+                  <a:lumMod val="50000"/>
+                  <a:lumOff val="50000"/>
+                </a:schemeClr>
+              </a:solidFill>
+            </a:ln>
+          </c:spPr>
+          <c:invertIfNegative val="0"/>
+          <c:cat>
+            <c:strRef>
+              <c:f>Sheet1!$A$2:$A$3</c:f>
+              <c:strCache>
+                <c:ptCount val="2"/>
+                <c:pt idx="0">
+                  <c:v>Category 1</c:v>
+                </c:pt>
+                <c:pt idx="1">
+                  <c:v>Category 2</c:v>
+                </c:pt>
+              </c:strCache>
+            </c:strRef>
+          </c:cat>
+          <c:val>
+            <c:numRef>
+              <c:f>Sheet1!$B$2:$B$3</c:f>
+              <c:numCache>
+                <c:formatCode>General</c:formatCode>
+                <c:ptCount val="2"/>
+                <c:pt idx="0">
+                  <c:v>4.3</c:v>
+                </c:pt>
+                <c:pt idx="1">
+                  <c:v>2.5</c:v>
+                </c:pt>
+              </c:numCache>
+            </c:numRef>
+          </c:val>
+          <c:extLst>
+            <c:ext xmlns:c16="http://schemas.microsoft.com/office/drawing/2014/chart" uri="{C3380CC4-5D6E-409C-BE32-E72D297353CC}">
+              <c16:uniqueId val="{00000000-23C1-463A-9155-30CDDD8B3AFB}"/>
+            </c:ext>
+          </c:extLst>
+        </c:ser>
+        <c:ser>
+          <c:idx val="1"/>
+          <c:order val="1"/>
+          <c:tx>
+            <c:strRef>
+              <c:f>Sheet1!$C$1</c:f>
+              <c:strCache>
+                <c:ptCount val="1"/>
+                <c:pt idx="0">
+                  <c:v>Series 2</c:v>
+                </c:pt>
+              </c:strCache>
+            </c:strRef>
+          </c:tx>
+          <c:spPr>
+            <a:solidFill>
+              <a:schemeClr val="bg1">
+                <a:lumMod val="95000"/>
+              </a:schemeClr>
+            </a:solidFill>
+            <a:ln>
+              <a:solidFill>
+                <a:schemeClr val="tx1">
+                  <a:lumMod val="50000"/>
+                  <a:lumOff val="50000"/>
+                </a:schemeClr>
+              </a:solidFill>
+            </a:ln>
+          </c:spPr>
+          <c:invertIfNegative val="0"/>
+          <c:cat>
+            <c:strRef>
+              <c:f>Sheet1!$A$2:$A$3</c:f>
+              <c:strCache>
+                <c:ptCount val="2"/>
+                <c:pt idx="0">
+                  <c:v>Category 1</c:v>
+                </c:pt>
+                <c:pt idx="1">
+                  <c:v>Category 2</c:v>
+                </c:pt>
+              </c:strCache>
+            </c:strRef>
+          </c:cat>
+          <c:val>
+            <c:numRef>
+              <c:f>Sheet1!$C$2:$C$3</c:f>
+              <c:numCache>
+                <c:formatCode>General</c:formatCode>
+                <c:ptCount val="2"/>
+                <c:pt idx="0">
+                  <c:v>2.4</c:v>
+                </c:pt>
+                <c:pt idx="1">
+                  <c:v>4.4000000000000004</c:v>
+                </c:pt>
+              </c:numCache>
+            </c:numRef>
+          </c:val>
+          <c:extLst>
+            <c:ext xmlns:c16="http://schemas.microsoft.com/office/drawing/2014/chart" uri="{C3380CC4-5D6E-409C-BE32-E72D297353CC}">
+              <c16:uniqueId val="{00000001-23C1-463A-9155-30CDDD8B3AFB}"/>
+            </c:ext>
+          </c:extLst>
+        </c:ser>
+        <c:ser>
+          <c:idx val="2"/>
+          <c:order val="2"/>
+          <c:tx>
+            <c:strRef>
+              <c:f>Sheet1!$D$1</c:f>
+              <c:strCache>
+                <c:ptCount val="1"/>
+                <c:pt idx="0">
+                  <c:v>Series 3</c:v>
+                </c:pt>
+              </c:strCache>
+            </c:strRef>
+          </c:tx>
+          <c:spPr>
+            <a:solidFill>
+              <a:schemeClr val="bg1">
+                <a:lumMod val="85000"/>
+              </a:schemeClr>
+            </a:solidFill>
+            <a:ln>
+              <a:solidFill>
+                <a:schemeClr val="tx1">
+                  <a:lumMod val="50000"/>
+                  <a:lumOff val="50000"/>
+                </a:schemeClr>
+              </a:solidFill>
+            </a:ln>
+          </c:spPr>
+          <c:invertIfNegative val="0"/>
+          <c:cat>
+            <c:strRef>
+              <c:f>Sheet1!$A$2:$A$3</c:f>
+              <c:strCache>
+                <c:ptCount val="2"/>
+                <c:pt idx="0">
+                  <c:v>Category 1</c:v>
+                </c:pt>
+                <c:pt idx="1">
+                  <c:v>Category 2</c:v>
+                </c:pt>
+              </c:strCache>
+            </c:strRef>
+          </c:cat>
+          <c:val>
+            <c:numRef>
+              <c:f>Sheet1!$D$2:$D$3</c:f>
+              <c:numCache>
+                <c:formatCode>General</c:formatCode>
+                <c:ptCount val="2"/>
+                <c:pt idx="0">
+                  <c:v>3</c:v>
+                </c:pt>
+                <c:pt idx="1">
+                  <c:v>4</c:v>
+                </c:pt>
+              </c:numCache>
+            </c:numRef>
+          </c:val>
+          <c:extLst>
+            <c:ext xmlns:c16="http://schemas.microsoft.com/office/drawing/2014/chart" uri="{C3380CC4-5D6E-409C-BE32-E72D297353CC}">
+              <c16:uniqueId val="{00000002-23C1-463A-9155-30CDDD8B3AFB}"/>
+            </c:ext>
+          </c:extLst>
+        </c:ser>
+        <c:dLbls>
+          <c:showLegendKey val="0"/>
+          <c:showVal val="0"/>
+          <c:showCatName val="0"/>
+          <c:showSerName val="0"/>
+          <c:showPercent val="0"/>
+          <c:showBubbleSize val="0"/>
+        </c:dLbls>
+        <c:gapWidth val="150"/>
+        <c:axId val="80589184"/>
+        <c:axId val="80590720"/>
+      </c:barChart>
+      <c:catAx>
+        <c:axId val="80589184"/>
+        <c:scaling>
+          <c:orientation val="minMax"/>
+        </c:scaling>
+        <c:delete val="0"/>
+        <c:axPos val="b"/>
+        <c:numFmt formatCode="General" sourceLinked="0"/>
+        <c:majorTickMark val="none"/>
+        <c:minorTickMark val="none"/>
+        <c:tickLblPos val="none"/>
+        <c:spPr>
+          <a:ln w="3175"/>
+        </c:spPr>
+        <c:crossAx val="80590720"/>
+        <c:crosses val="autoZero"/>
+        <c:auto val="1"/>
+        <c:lblAlgn val="ctr"/>
+        <c:lblOffset val="100"/>
+        <c:noMultiLvlLbl val="0"/>
+      </c:catAx>
+      <c:valAx>
+        <c:axId val="80590720"/>
+        <c:scaling>
+          <c:orientation val="minMax"/>
+        </c:scaling>
+        <c:delete val="0"/>
+        <c:axPos val="l"/>
+        <c:majorGridlines>
+          <c:spPr>
+            <a:ln w="3175">
+              <a:solidFill>
+                <a:schemeClr val="bg1">
+                  <a:lumMod val="85000"/>
+                </a:schemeClr>
+              </a:solidFill>
+              <a:prstDash val="dash"/>
+            </a:ln>
+          </c:spPr>
+        </c:majorGridlines>
+        <c:numFmt formatCode="General" sourceLinked="1"/>
+        <c:majorTickMark val="none"/>
+        <c:minorTickMark val="none"/>
+        <c:tickLblPos val="none"/>
+        <c:crossAx val="80589184"/>
+        <c:crosses val="autoZero"/>
+        <c:crossBetween val="between"/>
+      </c:valAx>
+    </c:plotArea>
+    <c:plotVisOnly val="1"/>
+    <c:dispBlanksAs val="gap"/>
+    <c:showDLblsOverMax val="0"/>
+  </c:chart>
+  <c:spPr>
+    <a:solidFill>
+      <a:sysClr val="window" lastClr="FFFFFF"/>
+    </a:solidFill>
+  </c:spPr>
+  <c:txPr>
+    <a:bodyPr/>
+    <a:lstStyle/>
+    <a:p>
+      <a:pPr>
+        <a:defRPr sz="1800"/>
+      </a:pPr>
+      <a:endParaRPr lang="fr-FR"/>
+    </a:p>
+  </c:txPr>
+  <c:externalData r:id="rId2">
+    <c:autoUpdate val="0"/>
+  </c:externalData>
+</c:chartSpace>
 </file>
 
 <file path=ppt/notesMasters/notesMaster1.xml><?xml version="1.0" encoding="utf-8"?>
@@ -5363,7 +5853,7 @@
                 <a14:useLocalDpi xmlns:a14="http://schemas.microsoft.com/office/drawing/2010/main" val="0"/>
               </a:ext>
               <a:ext uri="{837473B0-CC2E-450A-ABE3-18F120FF3D39}">
-                <a1611:picAttrSrcUrl xmlns="" xmlns:a1611="http://schemas.microsoft.com/office/drawing/2016/11/main" r:id="rId14"/>
+                <a1611:picAttrSrcUrl xmlns:a1611="http://schemas.microsoft.com/office/drawing/2016/11/main" r:id="rId14"/>
               </a:ext>
             </a:extLst>
           </a:blip>
@@ -5402,7 +5892,7 @@
                 <a14:useLocalDpi xmlns:a14="http://schemas.microsoft.com/office/drawing/2010/main" val="0"/>
               </a:ext>
               <a:ext uri="{837473B0-CC2E-450A-ABE3-18F120FF3D39}">
-                <a1611:picAttrSrcUrl xmlns="" xmlns:a1611="http://schemas.microsoft.com/office/drawing/2016/11/main" r:id="rId16"/>
+                <a1611:picAttrSrcUrl xmlns:a1611="http://schemas.microsoft.com/office/drawing/2016/11/main" r:id="rId16"/>
               </a:ext>
             </a:extLst>
           </a:blip>
@@ -6019,13 +6509,6 @@
       <p:transition spd="slow" advClick="0"/>
     </mc:Fallback>
   </mc:AlternateContent>
-  <p:timing>
-    <p:tnLst>
-      <p:par>
-        <p:cTn id="1" dur="indefinite" restart="never" nodeType="tmRoot"/>
-      </p:par>
-    </p:tnLst>
-  </p:timing>
 </p:sld>
 </file>
 
@@ -6428,7 +6911,7 @@
               <a:lstStyle/>
               <a:p>
                 <a:r>
-                  <a:rPr lang="en-US" sz="1200" dirty="0" err="1" smtClean="0">
+                  <a:rPr lang="en-US" sz="1200" dirty="0" err="1">
                     <a:latin typeface="Segoe UI" pitchFamily="34" charset="0"/>
                     <a:ea typeface="Segoe UI" pitchFamily="34" charset="0"/>
                     <a:cs typeface="Segoe UI" pitchFamily="34" charset="0"/>
@@ -6436,18 +6919,13 @@
                   <a:t>Réponse</a:t>
                 </a:r>
                 <a:r>
-                  <a:rPr lang="en-US" sz="1200" dirty="0" smtClean="0">
+                  <a:rPr lang="en-US" sz="1200" dirty="0">
                     <a:latin typeface="Segoe UI" pitchFamily="34" charset="0"/>
                     <a:ea typeface="Segoe UI" pitchFamily="34" charset="0"/>
                     <a:cs typeface="Segoe UI" pitchFamily="34" charset="0"/>
                   </a:rPr>
                   <a:t> 2</a:t>
                 </a:r>
-                <a:endParaRPr lang="en-US" sz="1200" dirty="0" smtClean="0">
-                  <a:latin typeface="Segoe UI" pitchFamily="34" charset="0"/>
-                  <a:ea typeface="Segoe UI" pitchFamily="34" charset="0"/>
-                  <a:cs typeface="Segoe UI" pitchFamily="34" charset="0"/>
-                </a:endParaRPr>
               </a:p>
             </p:txBody>
           </p:sp>
@@ -6594,7 +7072,7 @@
             <a:lstStyle/>
             <a:p>
               <a:r>
-                <a:rPr lang="en-US" sz="1200" dirty="0" err="1" smtClean="0">
+                <a:rPr lang="en-US" sz="1200" dirty="0" err="1">
                   <a:latin typeface="Segoe UI" pitchFamily="34" charset="0"/>
                   <a:ea typeface="Segoe UI" pitchFamily="34" charset="0"/>
                   <a:cs typeface="Segoe UI" pitchFamily="34" charset="0"/>
@@ -6602,18 +7080,13 @@
                 <a:t>Réponse</a:t>
               </a:r>
               <a:r>
-                <a:rPr lang="en-US" sz="1200" dirty="0" smtClean="0">
+                <a:rPr lang="en-US" sz="1200" dirty="0">
                   <a:latin typeface="Segoe UI" pitchFamily="34" charset="0"/>
                   <a:ea typeface="Segoe UI" pitchFamily="34" charset="0"/>
                   <a:cs typeface="Segoe UI" pitchFamily="34" charset="0"/>
                 </a:rPr>
                 <a:t> 3</a:t>
               </a:r>
-              <a:endParaRPr lang="en-US" sz="1200" dirty="0" smtClean="0">
-                <a:latin typeface="Segoe UI" pitchFamily="34" charset="0"/>
-                <a:ea typeface="Segoe UI" pitchFamily="34" charset="0"/>
-                <a:cs typeface="Segoe UI" pitchFamily="34" charset="0"/>
-              </a:endParaRPr>
             </a:p>
           </p:txBody>
         </p:sp>
@@ -6736,7 +7209,7 @@
               <a:lstStyle/>
               <a:p>
                 <a:r>
-                  <a:rPr lang="en-US" sz="1200" dirty="0" err="1" smtClean="0">
+                  <a:rPr lang="en-US" sz="1200" dirty="0" err="1">
                     <a:latin typeface="Segoe UI" pitchFamily="34" charset="0"/>
                     <a:ea typeface="Segoe UI" pitchFamily="34" charset="0"/>
                     <a:cs typeface="Segoe UI" pitchFamily="34" charset="0"/>
@@ -6744,18 +7217,13 @@
                   <a:t>Réponse</a:t>
                 </a:r>
                 <a:r>
-                  <a:rPr lang="en-US" sz="1200" dirty="0" smtClean="0">
+                  <a:rPr lang="en-US" sz="1200" dirty="0">
                     <a:latin typeface="Segoe UI" pitchFamily="34" charset="0"/>
                     <a:ea typeface="Segoe UI" pitchFamily="34" charset="0"/>
                     <a:cs typeface="Segoe UI" pitchFamily="34" charset="0"/>
                   </a:rPr>
                   <a:t> 1</a:t>
                 </a:r>
-                <a:endParaRPr lang="en-US" sz="1200" dirty="0" smtClean="0">
-                  <a:latin typeface="Segoe UI" pitchFamily="34" charset="0"/>
-                  <a:ea typeface="Segoe UI" pitchFamily="34" charset="0"/>
-                  <a:cs typeface="Segoe UI" pitchFamily="34" charset="0"/>
-                </a:endParaRPr>
               </a:p>
             </p:txBody>
           </p:sp>
@@ -6881,13 +7349,6 @@
       <p:transition spd="slow" advClick="0"/>
     </mc:Fallback>
   </mc:AlternateContent>
-  <p:timing>
-    <p:tnLst>
-      <p:par>
-        <p:cTn id="1" dur="indefinite" restart="never" nodeType="tmRoot"/>
-      </p:par>
-    </p:tnLst>
-  </p:timing>
 </p:sld>
 </file>
 
@@ -7290,7 +7751,7 @@
               <a:lstStyle/>
               <a:p>
                 <a:r>
-                  <a:rPr lang="en-US" sz="1200" dirty="0" err="1" smtClean="0">
+                  <a:rPr lang="en-US" sz="1200" dirty="0" err="1">
                     <a:latin typeface="Segoe UI" pitchFamily="34" charset="0"/>
                     <a:ea typeface="Segoe UI" pitchFamily="34" charset="0"/>
                     <a:cs typeface="Segoe UI" pitchFamily="34" charset="0"/>
@@ -7298,18 +7759,13 @@
                   <a:t>Réponse</a:t>
                 </a:r>
                 <a:r>
-                  <a:rPr lang="en-US" sz="1200" dirty="0" smtClean="0">
+                  <a:rPr lang="en-US" sz="1200" dirty="0">
                     <a:latin typeface="Segoe UI" pitchFamily="34" charset="0"/>
                     <a:ea typeface="Segoe UI" pitchFamily="34" charset="0"/>
                     <a:cs typeface="Segoe UI" pitchFamily="34" charset="0"/>
                   </a:rPr>
                   <a:t> 2</a:t>
                 </a:r>
-                <a:endParaRPr lang="en-US" sz="1200" dirty="0" smtClean="0">
-                  <a:latin typeface="Segoe UI" pitchFamily="34" charset="0"/>
-                  <a:ea typeface="Segoe UI" pitchFamily="34" charset="0"/>
-                  <a:cs typeface="Segoe UI" pitchFamily="34" charset="0"/>
-                </a:endParaRPr>
               </a:p>
             </p:txBody>
           </p:sp>
@@ -7474,7 +7930,7 @@
               <a:lstStyle/>
               <a:p>
                 <a:r>
-                  <a:rPr lang="en-US" sz="1200" dirty="0" err="1" smtClean="0">
+                  <a:rPr lang="en-US" sz="1200" dirty="0" err="1">
                     <a:latin typeface="Segoe UI" pitchFamily="34" charset="0"/>
                     <a:ea typeface="Segoe UI" pitchFamily="34" charset="0"/>
                     <a:cs typeface="Segoe UI" pitchFamily="34" charset="0"/>
@@ -7482,18 +7938,13 @@
                   <a:t>Réponse</a:t>
                 </a:r>
                 <a:r>
-                  <a:rPr lang="en-US" sz="1200" dirty="0" smtClean="0">
+                  <a:rPr lang="en-US" sz="1200" dirty="0">
                     <a:latin typeface="Segoe UI" pitchFamily="34" charset="0"/>
                     <a:ea typeface="Segoe UI" pitchFamily="34" charset="0"/>
                     <a:cs typeface="Segoe UI" pitchFamily="34" charset="0"/>
                   </a:rPr>
                   <a:t> 3</a:t>
                 </a:r>
-                <a:endParaRPr lang="en-US" sz="1200" dirty="0" smtClean="0">
-                  <a:latin typeface="Segoe UI" pitchFamily="34" charset="0"/>
-                  <a:ea typeface="Segoe UI" pitchFamily="34" charset="0"/>
-                  <a:cs typeface="Segoe UI" pitchFamily="34" charset="0"/>
-                </a:endParaRPr>
               </a:p>
             </p:txBody>
           </p:sp>
@@ -7658,7 +8109,7 @@
               <a:lstStyle/>
               <a:p>
                 <a:r>
-                  <a:rPr lang="en-US" sz="1200" dirty="0" err="1" smtClean="0">
+                  <a:rPr lang="en-US" sz="1200" dirty="0" err="1">
                     <a:latin typeface="Segoe UI" pitchFamily="34" charset="0"/>
                     <a:ea typeface="Segoe UI" pitchFamily="34" charset="0"/>
                     <a:cs typeface="Segoe UI" pitchFamily="34" charset="0"/>
@@ -7666,18 +8117,13 @@
                   <a:t>Réponse</a:t>
                 </a:r>
                 <a:r>
-                  <a:rPr lang="en-US" sz="1200" dirty="0" smtClean="0">
+                  <a:rPr lang="en-US" sz="1200" dirty="0">
                     <a:latin typeface="Segoe UI" pitchFamily="34" charset="0"/>
                     <a:ea typeface="Segoe UI" pitchFamily="34" charset="0"/>
                     <a:cs typeface="Segoe UI" pitchFamily="34" charset="0"/>
                   </a:rPr>
                   <a:t> 1</a:t>
                 </a:r>
-                <a:endParaRPr lang="en-US" sz="1200" dirty="0" smtClean="0">
-                  <a:latin typeface="Segoe UI" pitchFamily="34" charset="0"/>
-                  <a:ea typeface="Segoe UI" pitchFamily="34" charset="0"/>
-                  <a:cs typeface="Segoe UI" pitchFamily="34" charset="0"/>
-                </a:endParaRPr>
               </a:p>
             </p:txBody>
           </p:sp>
@@ -7803,13 +8249,6 @@
       <p:transition spd="slow" advClick="0"/>
     </mc:Fallback>
   </mc:AlternateContent>
-  <p:timing>
-    <p:tnLst>
-      <p:par>
-        <p:cTn id="1" dur="indefinite" restart="never" nodeType="tmRoot"/>
-      </p:par>
-    </p:tnLst>
-  </p:timing>
 </p:sld>
 </file>
 
@@ -8194,7 +8633,7 @@
             <a:lstStyle/>
             <a:p>
               <a:r>
-                <a:rPr lang="en-US" sz="1200" dirty="0" err="1" smtClean="0">
+                <a:rPr lang="en-US" sz="1200" dirty="0" err="1">
                   <a:latin typeface="Segoe UI" pitchFamily="34" charset="0"/>
                   <a:ea typeface="Segoe UI" pitchFamily="34" charset="0"/>
                   <a:cs typeface="Segoe UI" pitchFamily="34" charset="0"/>
@@ -8202,18 +8641,13 @@
                 <a:t>Réponse</a:t>
               </a:r>
               <a:r>
-                <a:rPr lang="en-US" sz="1200" dirty="0" smtClean="0">
+                <a:rPr lang="en-US" sz="1200" dirty="0">
                   <a:latin typeface="Segoe UI" pitchFamily="34" charset="0"/>
                   <a:ea typeface="Segoe UI" pitchFamily="34" charset="0"/>
                   <a:cs typeface="Segoe UI" pitchFamily="34" charset="0"/>
                 </a:rPr>
                 <a:t> 2</a:t>
               </a:r>
-              <a:endParaRPr lang="en-US" sz="1200" dirty="0" smtClean="0">
-                <a:latin typeface="Segoe UI" pitchFamily="34" charset="0"/>
-                <a:ea typeface="Segoe UI" pitchFamily="34" charset="0"/>
-                <a:cs typeface="Segoe UI" pitchFamily="34" charset="0"/>
-              </a:endParaRPr>
             </a:p>
           </p:txBody>
         </p:sp>
@@ -8336,7 +8770,7 @@
               <a:lstStyle/>
               <a:p>
                 <a:r>
-                  <a:rPr lang="en-US" sz="1200" dirty="0" err="1" smtClean="0">
+                  <a:rPr lang="en-US" sz="1200" dirty="0" err="1">
                     <a:latin typeface="Segoe UI" pitchFamily="34" charset="0"/>
                     <a:ea typeface="Segoe UI" pitchFamily="34" charset="0"/>
                     <a:cs typeface="Segoe UI" pitchFamily="34" charset="0"/>
@@ -8344,18 +8778,13 @@
                   <a:t>Réponse</a:t>
                 </a:r>
                 <a:r>
-                  <a:rPr lang="en-US" sz="1200" dirty="0" smtClean="0">
+                  <a:rPr lang="en-US" sz="1200" dirty="0">
                     <a:latin typeface="Segoe UI" pitchFamily="34" charset="0"/>
                     <a:ea typeface="Segoe UI" pitchFamily="34" charset="0"/>
                     <a:cs typeface="Segoe UI" pitchFamily="34" charset="0"/>
                   </a:rPr>
                   <a:t> 3</a:t>
                 </a:r>
-                <a:endParaRPr lang="en-US" sz="1200" dirty="0" smtClean="0">
-                  <a:latin typeface="Segoe UI" pitchFamily="34" charset="0"/>
-                  <a:ea typeface="Segoe UI" pitchFamily="34" charset="0"/>
-                  <a:cs typeface="Segoe UI" pitchFamily="34" charset="0"/>
-                </a:endParaRPr>
               </a:p>
             </p:txBody>
           </p:sp>
@@ -8520,7 +8949,7 @@
               <a:lstStyle/>
               <a:p>
                 <a:r>
-                  <a:rPr lang="en-US" sz="1200" dirty="0" err="1" smtClean="0">
+                  <a:rPr lang="en-US" sz="1200" dirty="0" err="1">
                     <a:latin typeface="Segoe UI" pitchFamily="34" charset="0"/>
                     <a:ea typeface="Segoe UI" pitchFamily="34" charset="0"/>
                     <a:cs typeface="Segoe UI" pitchFamily="34" charset="0"/>
@@ -8528,18 +8957,13 @@
                   <a:t>Réponse</a:t>
                 </a:r>
                 <a:r>
-                  <a:rPr lang="en-US" sz="1200" dirty="0" smtClean="0">
+                  <a:rPr lang="en-US" sz="1200" dirty="0">
                     <a:latin typeface="Segoe UI" pitchFamily="34" charset="0"/>
                     <a:ea typeface="Segoe UI" pitchFamily="34" charset="0"/>
                     <a:cs typeface="Segoe UI" pitchFamily="34" charset="0"/>
                   </a:rPr>
                   <a:t> 1</a:t>
                 </a:r>
-                <a:endParaRPr lang="en-US" sz="1200" dirty="0" smtClean="0">
-                  <a:latin typeface="Segoe UI" pitchFamily="34" charset="0"/>
-                  <a:ea typeface="Segoe UI" pitchFamily="34" charset="0"/>
-                  <a:cs typeface="Segoe UI" pitchFamily="34" charset="0"/>
-                </a:endParaRPr>
               </a:p>
             </p:txBody>
           </p:sp>
@@ -8665,13 +9089,6 @@
       <p:transition spd="slow" advClick="0"/>
     </mc:Fallback>
   </mc:AlternateContent>
-  <p:timing>
-    <p:tnLst>
-      <p:par>
-        <p:cTn id="1" dur="indefinite" restart="never" nodeType="tmRoot"/>
-      </p:par>
-    </p:tnLst>
-  </p:timing>
 </p:sld>
 </file>
 
@@ -9074,7 +9491,7 @@
               <a:lstStyle/>
               <a:p>
                 <a:r>
-                  <a:rPr lang="en-US" sz="1200" dirty="0" err="1" smtClean="0">
+                  <a:rPr lang="en-US" sz="1200" dirty="0" err="1">
                     <a:latin typeface="Segoe UI" pitchFamily="34" charset="0"/>
                     <a:ea typeface="Segoe UI" pitchFamily="34" charset="0"/>
                     <a:cs typeface="Segoe UI" pitchFamily="34" charset="0"/>
@@ -9082,18 +9499,13 @@
                   <a:t>Réponse</a:t>
                 </a:r>
                 <a:r>
-                  <a:rPr lang="en-US" sz="1200" dirty="0" smtClean="0">
+                  <a:rPr lang="en-US" sz="1200" dirty="0">
                     <a:latin typeface="Segoe UI" pitchFamily="34" charset="0"/>
                     <a:ea typeface="Segoe UI" pitchFamily="34" charset="0"/>
                     <a:cs typeface="Segoe UI" pitchFamily="34" charset="0"/>
                   </a:rPr>
                   <a:t> 2</a:t>
                 </a:r>
-                <a:endParaRPr lang="en-US" sz="1200" dirty="0" smtClean="0">
-                  <a:latin typeface="Segoe UI" pitchFamily="34" charset="0"/>
-                  <a:ea typeface="Segoe UI" pitchFamily="34" charset="0"/>
-                  <a:cs typeface="Segoe UI" pitchFamily="34" charset="0"/>
-                </a:endParaRPr>
               </a:p>
             </p:txBody>
           </p:sp>
@@ -9240,7 +9652,7 @@
             <a:lstStyle/>
             <a:p>
               <a:r>
-                <a:rPr lang="en-US" sz="1200" dirty="0" err="1" smtClean="0">
+                <a:rPr lang="en-US" sz="1200" dirty="0" err="1">
                   <a:latin typeface="Segoe UI" pitchFamily="34" charset="0"/>
                   <a:ea typeface="Segoe UI" pitchFamily="34" charset="0"/>
                   <a:cs typeface="Segoe UI" pitchFamily="34" charset="0"/>
@@ -9248,18 +9660,13 @@
                 <a:t>Réponse</a:t>
               </a:r>
               <a:r>
-                <a:rPr lang="en-US" sz="1200" dirty="0" smtClean="0">
+                <a:rPr lang="en-US" sz="1200" dirty="0">
                   <a:latin typeface="Segoe UI" pitchFamily="34" charset="0"/>
                   <a:ea typeface="Segoe UI" pitchFamily="34" charset="0"/>
                   <a:cs typeface="Segoe UI" pitchFamily="34" charset="0"/>
                 </a:rPr>
                 <a:t> 3</a:t>
               </a:r>
-              <a:endParaRPr lang="en-US" sz="1200" dirty="0" smtClean="0">
-                <a:latin typeface="Segoe UI" pitchFamily="34" charset="0"/>
-                <a:ea typeface="Segoe UI" pitchFamily="34" charset="0"/>
-                <a:cs typeface="Segoe UI" pitchFamily="34" charset="0"/>
-              </a:endParaRPr>
             </a:p>
           </p:txBody>
         </p:sp>
@@ -9364,7 +9771,7 @@
             <a:lstStyle/>
             <a:p>
               <a:r>
-                <a:rPr lang="en-US" sz="1200" dirty="0" err="1" smtClean="0">
+                <a:rPr lang="en-US" sz="1200" dirty="0" err="1">
                   <a:latin typeface="Segoe UI" pitchFamily="34" charset="0"/>
                   <a:ea typeface="Segoe UI" pitchFamily="34" charset="0"/>
                   <a:cs typeface="Segoe UI" pitchFamily="34" charset="0"/>
@@ -9372,18 +9779,13 @@
                 <a:t>Réponse</a:t>
               </a:r>
               <a:r>
-                <a:rPr lang="en-US" sz="1200" dirty="0" smtClean="0">
+                <a:rPr lang="en-US" sz="1200" dirty="0">
                   <a:latin typeface="Segoe UI" pitchFamily="34" charset="0"/>
                   <a:ea typeface="Segoe UI" pitchFamily="34" charset="0"/>
                   <a:cs typeface="Segoe UI" pitchFamily="34" charset="0"/>
                 </a:rPr>
                 <a:t> 1</a:t>
               </a:r>
-              <a:endParaRPr lang="en-US" sz="1200" dirty="0" smtClean="0">
-                <a:latin typeface="Segoe UI" pitchFamily="34" charset="0"/>
-                <a:ea typeface="Segoe UI" pitchFamily="34" charset="0"/>
-                <a:cs typeface="Segoe UI" pitchFamily="34" charset="0"/>
-              </a:endParaRPr>
             </a:p>
           </p:txBody>
         </p:sp>
@@ -9467,13 +9869,6 @@
       <p:transition spd="slow" advClick="0"/>
     </mc:Fallback>
   </mc:AlternateContent>
-  <p:timing>
-    <p:tnLst>
-      <p:par>
-        <p:cTn id="1" dur="indefinite" restart="never" nodeType="tmRoot"/>
-      </p:par>
-    </p:tnLst>
-  </p:timing>
 </p:sld>
 </file>
 
@@ -9858,7 +10253,7 @@
             <a:lstStyle/>
             <a:p>
               <a:r>
-                <a:rPr lang="en-US" sz="1200" dirty="0" err="1" smtClean="0">
+                <a:rPr lang="en-US" sz="1200" dirty="0" err="1">
                   <a:latin typeface="Segoe UI" pitchFamily="34" charset="0"/>
                   <a:ea typeface="Segoe UI" pitchFamily="34" charset="0"/>
                   <a:cs typeface="Segoe UI" pitchFamily="34" charset="0"/>
@@ -9866,18 +10261,13 @@
                 <a:t>Réponse</a:t>
               </a:r>
               <a:r>
-                <a:rPr lang="en-US" sz="1200" dirty="0" smtClean="0">
+                <a:rPr lang="en-US" sz="1200" dirty="0">
                   <a:latin typeface="Segoe UI" pitchFamily="34" charset="0"/>
                   <a:ea typeface="Segoe UI" pitchFamily="34" charset="0"/>
                   <a:cs typeface="Segoe UI" pitchFamily="34" charset="0"/>
                 </a:rPr>
                 <a:t> 2</a:t>
               </a:r>
-              <a:endParaRPr lang="en-US" sz="1200" dirty="0" smtClean="0">
-                <a:latin typeface="Segoe UI" pitchFamily="34" charset="0"/>
-                <a:ea typeface="Segoe UI" pitchFamily="34" charset="0"/>
-                <a:cs typeface="Segoe UI" pitchFamily="34" charset="0"/>
-              </a:endParaRPr>
             </a:p>
           </p:txBody>
         </p:sp>
@@ -10000,7 +10390,7 @@
               <a:lstStyle/>
               <a:p>
                 <a:r>
-                  <a:rPr lang="en-US" sz="1200" dirty="0" err="1" smtClean="0">
+                  <a:rPr lang="en-US" sz="1200" dirty="0" err="1">
                     <a:latin typeface="Segoe UI" pitchFamily="34" charset="0"/>
                     <a:ea typeface="Segoe UI" pitchFamily="34" charset="0"/>
                     <a:cs typeface="Segoe UI" pitchFamily="34" charset="0"/>
@@ -10008,18 +10398,13 @@
                   <a:t>Réponse</a:t>
                 </a:r>
                 <a:r>
-                  <a:rPr lang="en-US" sz="1200" dirty="0" smtClean="0">
+                  <a:rPr lang="en-US" sz="1200" dirty="0">
                     <a:latin typeface="Segoe UI" pitchFamily="34" charset="0"/>
                     <a:ea typeface="Segoe UI" pitchFamily="34" charset="0"/>
                     <a:cs typeface="Segoe UI" pitchFamily="34" charset="0"/>
                   </a:rPr>
                   <a:t> 3</a:t>
                 </a:r>
-                <a:endParaRPr lang="en-US" sz="1200" dirty="0" smtClean="0">
-                  <a:latin typeface="Segoe UI" pitchFamily="34" charset="0"/>
-                  <a:ea typeface="Segoe UI" pitchFamily="34" charset="0"/>
-                  <a:cs typeface="Segoe UI" pitchFamily="34" charset="0"/>
-                </a:endParaRPr>
               </a:p>
             </p:txBody>
           </p:sp>
@@ -10166,7 +10551,7 @@
             <a:lstStyle/>
             <a:p>
               <a:r>
-                <a:rPr lang="en-US" sz="1200" dirty="0" err="1" smtClean="0">
+                <a:rPr lang="en-US" sz="1200" dirty="0" err="1">
                   <a:latin typeface="Segoe UI" pitchFamily="34" charset="0"/>
                   <a:ea typeface="Segoe UI" pitchFamily="34" charset="0"/>
                   <a:cs typeface="Segoe UI" pitchFamily="34" charset="0"/>
@@ -10174,18 +10559,13 @@
                 <a:t>Réponse</a:t>
               </a:r>
               <a:r>
-                <a:rPr lang="en-US" sz="1200" dirty="0" smtClean="0">
+                <a:rPr lang="en-US" sz="1200" dirty="0">
                   <a:latin typeface="Segoe UI" pitchFamily="34" charset="0"/>
                   <a:ea typeface="Segoe UI" pitchFamily="34" charset="0"/>
                   <a:cs typeface="Segoe UI" pitchFamily="34" charset="0"/>
                 </a:rPr>
                 <a:t> 1</a:t>
               </a:r>
-              <a:endParaRPr lang="en-US" sz="1200" dirty="0" smtClean="0">
-                <a:latin typeface="Segoe UI" pitchFamily="34" charset="0"/>
-                <a:ea typeface="Segoe UI" pitchFamily="34" charset="0"/>
-                <a:cs typeface="Segoe UI" pitchFamily="34" charset="0"/>
-              </a:endParaRPr>
             </a:p>
           </p:txBody>
         </p:sp>
@@ -10269,13 +10649,6 @@
       <p:transition spd="slow" advClick="0"/>
     </mc:Fallback>
   </mc:AlternateContent>
-  <p:timing>
-    <p:tnLst>
-      <p:par>
-        <p:cTn id="1" dur="indefinite" restart="never" nodeType="tmRoot"/>
-      </p:par>
-    </p:tnLst>
-  </p:timing>
 </p:sld>
 </file>
 
@@ -10678,7 +11051,7 @@
               <a:lstStyle/>
               <a:p>
                 <a:r>
-                  <a:rPr lang="en-US" sz="1200" dirty="0" err="1" smtClean="0">
+                  <a:rPr lang="en-US" sz="1200" dirty="0" err="1">
                     <a:latin typeface="Segoe UI" pitchFamily="34" charset="0"/>
                     <a:ea typeface="Segoe UI" pitchFamily="34" charset="0"/>
                     <a:cs typeface="Segoe UI" pitchFamily="34" charset="0"/>
@@ -10686,18 +11059,13 @@
                   <a:t>Réponse</a:t>
                 </a:r>
                 <a:r>
-                  <a:rPr lang="en-US" sz="1200" dirty="0" smtClean="0">
+                  <a:rPr lang="en-US" sz="1200" dirty="0">
                     <a:latin typeface="Segoe UI" pitchFamily="34" charset="0"/>
                     <a:ea typeface="Segoe UI" pitchFamily="34" charset="0"/>
                     <a:cs typeface="Segoe UI" pitchFamily="34" charset="0"/>
                   </a:rPr>
                   <a:t> 2</a:t>
                 </a:r>
-                <a:endParaRPr lang="en-US" sz="1200" dirty="0" smtClean="0">
-                  <a:latin typeface="Segoe UI" pitchFamily="34" charset="0"/>
-                  <a:ea typeface="Segoe UI" pitchFamily="34" charset="0"/>
-                  <a:cs typeface="Segoe UI" pitchFamily="34" charset="0"/>
-                </a:endParaRPr>
               </a:p>
             </p:txBody>
           </p:sp>
@@ -10862,7 +11230,7 @@
               <a:lstStyle/>
               <a:p>
                 <a:r>
-                  <a:rPr lang="en-US" sz="1200" dirty="0" err="1" smtClean="0">
+                  <a:rPr lang="en-US" sz="1200" dirty="0" err="1">
                     <a:latin typeface="Segoe UI" pitchFamily="34" charset="0"/>
                     <a:ea typeface="Segoe UI" pitchFamily="34" charset="0"/>
                     <a:cs typeface="Segoe UI" pitchFamily="34" charset="0"/>
@@ -10870,18 +11238,13 @@
                   <a:t>Réponse</a:t>
                 </a:r>
                 <a:r>
-                  <a:rPr lang="en-US" sz="1200" dirty="0" smtClean="0">
+                  <a:rPr lang="en-US" sz="1200" dirty="0">
                     <a:latin typeface="Segoe UI" pitchFamily="34" charset="0"/>
                     <a:ea typeface="Segoe UI" pitchFamily="34" charset="0"/>
                     <a:cs typeface="Segoe UI" pitchFamily="34" charset="0"/>
                   </a:rPr>
                   <a:t> 3</a:t>
                 </a:r>
-                <a:endParaRPr lang="en-US" sz="1200" dirty="0" smtClean="0">
-                  <a:latin typeface="Segoe UI" pitchFamily="34" charset="0"/>
-                  <a:ea typeface="Segoe UI" pitchFamily="34" charset="0"/>
-                  <a:cs typeface="Segoe UI" pitchFamily="34" charset="0"/>
-                </a:endParaRPr>
               </a:p>
             </p:txBody>
           </p:sp>
@@ -11028,7 +11391,7 @@
             <a:lstStyle/>
             <a:p>
               <a:r>
-                <a:rPr lang="en-US" sz="1200" dirty="0" err="1" smtClean="0">
+                <a:rPr lang="en-US" sz="1200" dirty="0" err="1">
                   <a:latin typeface="Segoe UI" pitchFamily="34" charset="0"/>
                   <a:ea typeface="Segoe UI" pitchFamily="34" charset="0"/>
                   <a:cs typeface="Segoe UI" pitchFamily="34" charset="0"/>
@@ -11036,18 +11399,13 @@
                 <a:t>Réponse</a:t>
               </a:r>
               <a:r>
-                <a:rPr lang="en-US" sz="1200" dirty="0" smtClean="0">
+                <a:rPr lang="en-US" sz="1200" dirty="0">
                   <a:latin typeface="Segoe UI" pitchFamily="34" charset="0"/>
                   <a:ea typeface="Segoe UI" pitchFamily="34" charset="0"/>
                   <a:cs typeface="Segoe UI" pitchFamily="34" charset="0"/>
                 </a:rPr>
                 <a:t> 1</a:t>
               </a:r>
-              <a:endParaRPr lang="en-US" sz="1200" dirty="0" smtClean="0">
-                <a:latin typeface="Segoe UI" pitchFamily="34" charset="0"/>
-                <a:ea typeface="Segoe UI" pitchFamily="34" charset="0"/>
-                <a:cs typeface="Segoe UI" pitchFamily="34" charset="0"/>
-              </a:endParaRPr>
             </a:p>
           </p:txBody>
         </p:sp>
@@ -11131,13 +11489,6 @@
       <p:transition spd="slow" advClick="0"/>
     </mc:Fallback>
   </mc:AlternateContent>
-  <p:timing>
-    <p:tnLst>
-      <p:par>
-        <p:cTn id="1" dur="indefinite" restart="never" nodeType="tmRoot"/>
-      </p:par>
-    </p:tnLst>
-  </p:timing>
 </p:sld>
 </file>
 
@@ -11522,7 +11873,7 @@
             <a:lstStyle/>
             <a:p>
               <a:r>
-                <a:rPr lang="en-US" sz="1200" dirty="0" err="1" smtClean="0">
+                <a:rPr lang="en-US" sz="1200" dirty="0" err="1">
                   <a:latin typeface="Segoe UI" pitchFamily="34" charset="0"/>
                   <a:ea typeface="Segoe UI" pitchFamily="34" charset="0"/>
                   <a:cs typeface="Segoe UI" pitchFamily="34" charset="0"/>
@@ -11530,18 +11881,13 @@
                 <a:t>Réponse</a:t>
               </a:r>
               <a:r>
-                <a:rPr lang="en-US" sz="1200" dirty="0" smtClean="0">
+                <a:rPr lang="en-US" sz="1200" dirty="0">
                   <a:latin typeface="Segoe UI" pitchFamily="34" charset="0"/>
                   <a:ea typeface="Segoe UI" pitchFamily="34" charset="0"/>
                   <a:cs typeface="Segoe UI" pitchFamily="34" charset="0"/>
                 </a:rPr>
                 <a:t> 2</a:t>
               </a:r>
-              <a:endParaRPr lang="en-US" sz="1200" dirty="0" smtClean="0">
-                <a:latin typeface="Segoe UI" pitchFamily="34" charset="0"/>
-                <a:ea typeface="Segoe UI" pitchFamily="34" charset="0"/>
-                <a:cs typeface="Segoe UI" pitchFamily="34" charset="0"/>
-              </a:endParaRPr>
             </a:p>
           </p:txBody>
         </p:sp>
@@ -11646,7 +11992,7 @@
             <a:lstStyle/>
             <a:p>
               <a:r>
-                <a:rPr lang="en-US" sz="1200" dirty="0" err="1" smtClean="0">
+                <a:rPr lang="en-US" sz="1200" dirty="0" err="1">
                   <a:latin typeface="Segoe UI" pitchFamily="34" charset="0"/>
                   <a:ea typeface="Segoe UI" pitchFamily="34" charset="0"/>
                   <a:cs typeface="Segoe UI" pitchFamily="34" charset="0"/>
@@ -11654,18 +12000,13 @@
                 <a:t>Réponse</a:t>
               </a:r>
               <a:r>
-                <a:rPr lang="en-US" sz="1200" dirty="0" smtClean="0">
+                <a:rPr lang="en-US" sz="1200" dirty="0">
                   <a:latin typeface="Segoe UI" pitchFamily="34" charset="0"/>
                   <a:ea typeface="Segoe UI" pitchFamily="34" charset="0"/>
                   <a:cs typeface="Segoe UI" pitchFamily="34" charset="0"/>
                 </a:rPr>
                 <a:t> 3</a:t>
               </a:r>
-              <a:endParaRPr lang="en-US" sz="1200" dirty="0" smtClean="0">
-                <a:latin typeface="Segoe UI" pitchFamily="34" charset="0"/>
-                <a:ea typeface="Segoe UI" pitchFamily="34" charset="0"/>
-                <a:cs typeface="Segoe UI" pitchFamily="34" charset="0"/>
-              </a:endParaRPr>
             </a:p>
           </p:txBody>
         </p:sp>
@@ -11770,7 +12111,7 @@
             <a:lstStyle/>
             <a:p>
               <a:r>
-                <a:rPr lang="en-US" sz="1200" dirty="0" err="1" smtClean="0">
+                <a:rPr lang="en-US" sz="1200" dirty="0" err="1">
                   <a:latin typeface="Segoe UI" pitchFamily="34" charset="0"/>
                   <a:ea typeface="Segoe UI" pitchFamily="34" charset="0"/>
                   <a:cs typeface="Segoe UI" pitchFamily="34" charset="0"/>
@@ -11778,18 +12119,13 @@
                 <a:t>Réponse</a:t>
               </a:r>
               <a:r>
-                <a:rPr lang="en-US" sz="1200" dirty="0" smtClean="0">
+                <a:rPr lang="en-US" sz="1200" dirty="0">
                   <a:latin typeface="Segoe UI" pitchFamily="34" charset="0"/>
                   <a:ea typeface="Segoe UI" pitchFamily="34" charset="0"/>
                   <a:cs typeface="Segoe UI" pitchFamily="34" charset="0"/>
                 </a:rPr>
                 <a:t> 1</a:t>
               </a:r>
-              <a:endParaRPr lang="en-US" sz="1200" dirty="0" smtClean="0">
-                <a:latin typeface="Segoe UI" pitchFamily="34" charset="0"/>
-                <a:ea typeface="Segoe UI" pitchFamily="34" charset="0"/>
-                <a:cs typeface="Segoe UI" pitchFamily="34" charset="0"/>
-              </a:endParaRPr>
             </a:p>
           </p:txBody>
         </p:sp>
@@ -11873,13 +12209,6 @@
       <p:transition spd="slow" advClick="0"/>
     </mc:Fallback>
   </mc:AlternateContent>
-  <p:timing>
-    <p:tnLst>
-      <p:par>
-        <p:cTn id="1" dur="indefinite" restart="never" nodeType="tmRoot"/>
-      </p:par>
-    </p:tnLst>
-  </p:timing>
 </p:sld>
 </file>
 
@@ -12264,7 +12593,7 @@
             <a:lstStyle/>
             <a:p>
               <a:r>
-                <a:rPr lang="en-US" sz="1200" dirty="0" err="1" smtClean="0">
+                <a:rPr lang="en-US" sz="1200" dirty="0" err="1">
                   <a:latin typeface="Segoe UI" pitchFamily="34" charset="0"/>
                   <a:ea typeface="Segoe UI" pitchFamily="34" charset="0"/>
                   <a:cs typeface="Segoe UI" pitchFamily="34" charset="0"/>
@@ -12272,18 +12601,13 @@
                 <a:t>Réponse</a:t>
               </a:r>
               <a:r>
-                <a:rPr lang="en-US" sz="1200" dirty="0" smtClean="0">
+                <a:rPr lang="en-US" sz="1200" dirty="0">
                   <a:latin typeface="Segoe UI" pitchFamily="34" charset="0"/>
                   <a:ea typeface="Segoe UI" pitchFamily="34" charset="0"/>
                   <a:cs typeface="Segoe UI" pitchFamily="34" charset="0"/>
                 </a:rPr>
                 <a:t> 2</a:t>
               </a:r>
-              <a:endParaRPr lang="en-US" sz="1200" dirty="0" smtClean="0">
-                <a:latin typeface="Segoe UI" pitchFamily="34" charset="0"/>
-                <a:ea typeface="Segoe UI" pitchFamily="34" charset="0"/>
-                <a:cs typeface="Segoe UI" pitchFamily="34" charset="0"/>
-              </a:endParaRPr>
             </a:p>
           </p:txBody>
         </p:sp>
@@ -12386,7 +12710,7 @@
             <a:lstStyle/>
             <a:p>
               <a:r>
-                <a:rPr lang="en-US" sz="1200" dirty="0" err="1" smtClean="0">
+                <a:rPr lang="en-US" sz="1200" dirty="0" err="1">
                   <a:latin typeface="Segoe UI" pitchFamily="34" charset="0"/>
                   <a:ea typeface="Segoe UI" pitchFamily="34" charset="0"/>
                   <a:cs typeface="Segoe UI" pitchFamily="34" charset="0"/>
@@ -12394,18 +12718,13 @@
                 <a:t>Réponse</a:t>
               </a:r>
               <a:r>
-                <a:rPr lang="en-US" sz="1200" dirty="0" smtClean="0">
+                <a:rPr lang="en-US" sz="1200" dirty="0">
                   <a:latin typeface="Segoe UI" pitchFamily="34" charset="0"/>
                   <a:ea typeface="Segoe UI" pitchFamily="34" charset="0"/>
                   <a:cs typeface="Segoe UI" pitchFamily="34" charset="0"/>
                 </a:rPr>
                 <a:t> 3</a:t>
               </a:r>
-              <a:endParaRPr lang="en-US" sz="1200" dirty="0" smtClean="0">
-                <a:latin typeface="Segoe UI" pitchFamily="34" charset="0"/>
-                <a:ea typeface="Segoe UI" pitchFamily="34" charset="0"/>
-                <a:cs typeface="Segoe UI" pitchFamily="34" charset="0"/>
-              </a:endParaRPr>
             </a:p>
           </p:txBody>
         </p:sp>
@@ -12526,7 +12845,7 @@
               <a:lstStyle/>
               <a:p>
                 <a:r>
-                  <a:rPr lang="en-US" sz="1200" dirty="0" err="1" smtClean="0">
+                  <a:rPr lang="en-US" sz="1200" dirty="0" err="1">
                     <a:latin typeface="Segoe UI" pitchFamily="34" charset="0"/>
                     <a:ea typeface="Segoe UI" pitchFamily="34" charset="0"/>
                     <a:cs typeface="Segoe UI" pitchFamily="34" charset="0"/>
@@ -12534,18 +12853,13 @@
                   <a:t>Réponse</a:t>
                 </a:r>
                 <a:r>
-                  <a:rPr lang="en-US" sz="1200" dirty="0" smtClean="0">
+                  <a:rPr lang="en-US" sz="1200" dirty="0">
                     <a:latin typeface="Segoe UI" pitchFamily="34" charset="0"/>
                     <a:ea typeface="Segoe UI" pitchFamily="34" charset="0"/>
                     <a:cs typeface="Segoe UI" pitchFamily="34" charset="0"/>
                   </a:rPr>
                   <a:t> 1</a:t>
                 </a:r>
-                <a:endParaRPr lang="en-US" sz="1200" dirty="0" smtClean="0">
-                  <a:latin typeface="Segoe UI" pitchFamily="34" charset="0"/>
-                  <a:ea typeface="Segoe UI" pitchFamily="34" charset="0"/>
-                  <a:cs typeface="Segoe UI" pitchFamily="34" charset="0"/>
-                </a:endParaRPr>
               </a:p>
             </p:txBody>
           </p:sp>
@@ -12671,13 +12985,6 @@
       <p:transition spd="slow" advClick="0"/>
     </mc:Fallback>
   </mc:AlternateContent>
-  <p:timing>
-    <p:tnLst>
-      <p:par>
-        <p:cTn id="1" dur="indefinite" restart="never" nodeType="tmRoot"/>
-      </p:par>
-    </p:tnLst>
-  </p:timing>
 </p:sld>
 </file>
 
@@ -13080,7 +13387,7 @@
               <a:lstStyle/>
               <a:p>
                 <a:r>
-                  <a:rPr lang="en-US" sz="1200" dirty="0" err="1" smtClean="0">
+                  <a:rPr lang="en-US" sz="1200" dirty="0" err="1">
                     <a:latin typeface="Segoe UI" pitchFamily="34" charset="0"/>
                     <a:ea typeface="Segoe UI" pitchFamily="34" charset="0"/>
                     <a:cs typeface="Segoe UI" pitchFamily="34" charset="0"/>
@@ -13088,18 +13395,13 @@
                   <a:t>Réponse</a:t>
                 </a:r>
                 <a:r>
-                  <a:rPr lang="en-US" sz="1200" dirty="0" smtClean="0">
+                  <a:rPr lang="en-US" sz="1200" dirty="0">
                     <a:latin typeface="Segoe UI" pitchFamily="34" charset="0"/>
                     <a:ea typeface="Segoe UI" pitchFamily="34" charset="0"/>
                     <a:cs typeface="Segoe UI" pitchFamily="34" charset="0"/>
                   </a:rPr>
                   <a:t> 2</a:t>
                 </a:r>
-                <a:endParaRPr lang="en-US" sz="1200" dirty="0" smtClean="0">
-                  <a:latin typeface="Segoe UI" pitchFamily="34" charset="0"/>
-                  <a:ea typeface="Segoe UI" pitchFamily="34" charset="0"/>
-                  <a:cs typeface="Segoe UI" pitchFamily="34" charset="0"/>
-                </a:endParaRPr>
               </a:p>
             </p:txBody>
           </p:sp>
@@ -13246,7 +13548,7 @@
             <a:lstStyle/>
             <a:p>
               <a:r>
-                <a:rPr lang="en-US" sz="1200" dirty="0" err="1" smtClean="0">
+                <a:rPr lang="en-US" sz="1200" dirty="0" err="1">
                   <a:latin typeface="Segoe UI" pitchFamily="34" charset="0"/>
                   <a:ea typeface="Segoe UI" pitchFamily="34" charset="0"/>
                   <a:cs typeface="Segoe UI" pitchFamily="34" charset="0"/>
@@ -13254,18 +13556,13 @@
                 <a:t>Réponse</a:t>
               </a:r>
               <a:r>
-                <a:rPr lang="en-US" sz="1200" dirty="0" smtClean="0">
+                <a:rPr lang="en-US" sz="1200" dirty="0">
                   <a:latin typeface="Segoe UI" pitchFamily="34" charset="0"/>
                   <a:ea typeface="Segoe UI" pitchFamily="34" charset="0"/>
                   <a:cs typeface="Segoe UI" pitchFamily="34" charset="0"/>
                 </a:rPr>
                 <a:t> 3</a:t>
               </a:r>
-              <a:endParaRPr lang="en-US" sz="1200" dirty="0" smtClean="0">
-                <a:latin typeface="Segoe UI" pitchFamily="34" charset="0"/>
-                <a:ea typeface="Segoe UI" pitchFamily="34" charset="0"/>
-                <a:cs typeface="Segoe UI" pitchFamily="34" charset="0"/>
-              </a:endParaRPr>
             </a:p>
           </p:txBody>
         </p:sp>
@@ -13368,7 +13665,7 @@
             <a:lstStyle/>
             <a:p>
               <a:r>
-                <a:rPr lang="en-US" sz="1200" dirty="0" err="1" smtClean="0">
+                <a:rPr lang="en-US" sz="1200" dirty="0" err="1">
                   <a:latin typeface="Segoe UI" pitchFamily="34" charset="0"/>
                   <a:ea typeface="Segoe UI" pitchFamily="34" charset="0"/>
                   <a:cs typeface="Segoe UI" pitchFamily="34" charset="0"/>
@@ -13376,18 +13673,13 @@
                 <a:t>Réponse</a:t>
               </a:r>
               <a:r>
-                <a:rPr lang="en-US" sz="1200" dirty="0" smtClean="0">
+                <a:rPr lang="en-US" sz="1200" dirty="0">
                   <a:latin typeface="Segoe UI" pitchFamily="34" charset="0"/>
                   <a:ea typeface="Segoe UI" pitchFamily="34" charset="0"/>
                   <a:cs typeface="Segoe UI" pitchFamily="34" charset="0"/>
                 </a:rPr>
                 <a:t> 1</a:t>
               </a:r>
-              <a:endParaRPr lang="en-US" sz="1200" dirty="0" smtClean="0">
-                <a:latin typeface="Segoe UI" pitchFamily="34" charset="0"/>
-                <a:ea typeface="Segoe UI" pitchFamily="34" charset="0"/>
-                <a:cs typeface="Segoe UI" pitchFamily="34" charset="0"/>
-              </a:endParaRPr>
             </a:p>
           </p:txBody>
         </p:sp>
@@ -13469,13 +13761,6 @@
       <p:transition spd="slow" advClick="0"/>
     </mc:Fallback>
   </mc:AlternateContent>
-  <p:timing>
-    <p:tnLst>
-      <p:par>
-        <p:cTn id="1" dur="indefinite" restart="never" nodeType="tmRoot"/>
-      </p:par>
-    </p:tnLst>
-  </p:timing>
 </p:sld>
 </file>
 
@@ -13860,7 +14145,7 @@
             <a:lstStyle/>
             <a:p>
               <a:r>
-                <a:rPr lang="en-US" sz="1200" dirty="0" err="1" smtClean="0">
+                <a:rPr lang="en-US" sz="1200" dirty="0" err="1">
                   <a:latin typeface="Segoe UI" pitchFamily="34" charset="0"/>
                   <a:ea typeface="Segoe UI" pitchFamily="34" charset="0"/>
                   <a:cs typeface="Segoe UI" pitchFamily="34" charset="0"/>
@@ -13868,18 +14153,13 @@
                 <a:t>Réponse</a:t>
               </a:r>
               <a:r>
-                <a:rPr lang="en-US" sz="1200" dirty="0" smtClean="0">
+                <a:rPr lang="en-US" sz="1200" dirty="0">
                   <a:latin typeface="Segoe UI" pitchFamily="34" charset="0"/>
                   <a:ea typeface="Segoe UI" pitchFamily="34" charset="0"/>
                   <a:cs typeface="Segoe UI" pitchFamily="34" charset="0"/>
                 </a:rPr>
                 <a:t> 2</a:t>
               </a:r>
-              <a:endParaRPr lang="en-US" sz="1200" dirty="0" smtClean="0">
-                <a:latin typeface="Segoe UI" pitchFamily="34" charset="0"/>
-                <a:ea typeface="Segoe UI" pitchFamily="34" charset="0"/>
-                <a:cs typeface="Segoe UI" pitchFamily="34" charset="0"/>
-              </a:endParaRPr>
             </a:p>
           </p:txBody>
         </p:sp>
@@ -14000,7 +14280,7 @@
               <a:lstStyle/>
               <a:p>
                 <a:r>
-                  <a:rPr lang="en-US" sz="1200" dirty="0" err="1" smtClean="0">
+                  <a:rPr lang="en-US" sz="1200" dirty="0" err="1">
                     <a:latin typeface="Segoe UI" pitchFamily="34" charset="0"/>
                     <a:ea typeface="Segoe UI" pitchFamily="34" charset="0"/>
                     <a:cs typeface="Segoe UI" pitchFamily="34" charset="0"/>
@@ -14008,18 +14288,13 @@
                   <a:t>Réponse</a:t>
                 </a:r>
                 <a:r>
-                  <a:rPr lang="en-US" sz="1200" dirty="0" smtClean="0">
+                  <a:rPr lang="en-US" sz="1200" dirty="0">
                     <a:latin typeface="Segoe UI" pitchFamily="34" charset="0"/>
                     <a:ea typeface="Segoe UI" pitchFamily="34" charset="0"/>
                     <a:cs typeface="Segoe UI" pitchFamily="34" charset="0"/>
                   </a:rPr>
                   <a:t> 3</a:t>
                 </a:r>
-                <a:endParaRPr lang="en-US" sz="1200" dirty="0" smtClean="0">
-                  <a:latin typeface="Segoe UI" pitchFamily="34" charset="0"/>
-                  <a:ea typeface="Segoe UI" pitchFamily="34" charset="0"/>
-                  <a:cs typeface="Segoe UI" pitchFamily="34" charset="0"/>
-                </a:endParaRPr>
               </a:p>
             </p:txBody>
           </p:sp>
@@ -14166,7 +14441,7 @@
             <a:lstStyle/>
             <a:p>
               <a:r>
-                <a:rPr lang="en-US" sz="1200" dirty="0" err="1" smtClean="0">
+                <a:rPr lang="en-US" sz="1200" dirty="0" err="1">
                   <a:latin typeface="Segoe UI" pitchFamily="34" charset="0"/>
                   <a:ea typeface="Segoe UI" pitchFamily="34" charset="0"/>
                   <a:cs typeface="Segoe UI" pitchFamily="34" charset="0"/>
@@ -14174,18 +14449,13 @@
                 <a:t>Réponse</a:t>
               </a:r>
               <a:r>
-                <a:rPr lang="en-US" sz="1200" dirty="0" smtClean="0">
+                <a:rPr lang="en-US" sz="1200" dirty="0">
                   <a:latin typeface="Segoe UI" pitchFamily="34" charset="0"/>
                   <a:ea typeface="Segoe UI" pitchFamily="34" charset="0"/>
                   <a:cs typeface="Segoe UI" pitchFamily="34" charset="0"/>
                 </a:rPr>
                 <a:t> 1</a:t>
               </a:r>
-              <a:endParaRPr lang="en-US" sz="1200" dirty="0" smtClean="0">
-                <a:latin typeface="Segoe UI" pitchFamily="34" charset="0"/>
-                <a:ea typeface="Segoe UI" pitchFamily="34" charset="0"/>
-                <a:cs typeface="Segoe UI" pitchFamily="34" charset="0"/>
-              </a:endParaRPr>
             </a:p>
           </p:txBody>
         </p:sp>
@@ -14267,13 +14537,6 @@
       <p:transition spd="slow" advClick="0"/>
     </mc:Fallback>
   </mc:AlternateContent>
-  <p:timing>
-    <p:tnLst>
-      <p:par>
-        <p:cTn id="1" dur="indefinite" restart="never" nodeType="tmRoot"/>
-      </p:par>
-    </p:tnLst>
-  </p:timing>
 </p:sld>
 </file>
 
@@ -15368,13 +15631,6 @@
       <p:transition spd="slow" advClick="0"/>
     </mc:Fallback>
   </mc:AlternateContent>
-  <p:timing>
-    <p:tnLst>
-      <p:par>
-        <p:cTn id="1" dur="indefinite" restart="never" nodeType="tmRoot"/>
-      </p:par>
-    </p:tnLst>
-  </p:timing>
 </p:sld>
 </file>
 
@@ -15432,6 +15688,201 @@
           </a:p>
         </p:txBody>
       </p:sp>
+      <p:sp>
+        <p:nvSpPr>
+          <p:cNvPr id="4" name="Content">
+            <a:extLst>
+              <a:ext uri="{FF2B5EF4-FFF2-40B4-BE49-F238E27FC236}">
+                <a16:creationId xmlns:a16="http://schemas.microsoft.com/office/drawing/2014/main" id="{D9A720D5-AC79-4DB2-86B3-E6DF082E7541}"/>
+              </a:ext>
+            </a:extLst>
+          </p:cNvPr>
+          <p:cNvSpPr txBox="1"/>
+          <p:nvPr>
+            <p:custDataLst>
+              <p:custData r:id="rId1"/>
+            </p:custDataLst>
+          </p:nvPr>
+        </p:nvSpPr>
+        <p:spPr>
+          <a:xfrm>
+            <a:off x="4420298" y="1812733"/>
+            <a:ext cx="3671279" cy="415498"/>
+          </a:xfrm>
+          <a:prstGeom prst="rect">
+            <a:avLst/>
+          </a:prstGeom>
+          <a:noFill/>
+        </p:spPr>
+        <p:txBody>
+          <a:bodyPr wrap="square" lIns="91440" tIns="18288" rIns="91440" bIns="27432" rtlCol="0" anchor="ctr" anchorCtr="0">
+            <a:spAutoFit/>
+          </a:bodyPr>
+          <a:lstStyle/>
+          <a:p>
+            <a:r>
+              <a:rPr lang="en-US" sz="2400" b="1" u="sng" dirty="0" err="1">
+                <a:solidFill>
+                  <a:srgbClr val="000000"/>
+                </a:solidFill>
+                <a:latin typeface="Segoe UI" pitchFamily="34" charset="0"/>
+                <a:ea typeface="Segoe UI" pitchFamily="34" charset="0"/>
+                <a:cs typeface="Segoe UI" pitchFamily="34" charset="0"/>
+              </a:rPr>
+              <a:t>Resultat</a:t>
+            </a:r>
+            <a:r>
+              <a:rPr lang="en-US" sz="2400" b="1" u="sng" dirty="0">
+                <a:solidFill>
+                  <a:srgbClr val="000000"/>
+                </a:solidFill>
+                <a:latin typeface="Segoe UI" pitchFamily="34" charset="0"/>
+                <a:ea typeface="Segoe UI" pitchFamily="34" charset="0"/>
+                <a:cs typeface="Segoe UI" pitchFamily="34" charset="0"/>
+              </a:rPr>
+              <a:t> du </a:t>
+            </a:r>
+            <a:r>
+              <a:rPr lang="en-US" sz="2400" b="1" u="sng" dirty="0" err="1">
+                <a:solidFill>
+                  <a:srgbClr val="000000"/>
+                </a:solidFill>
+                <a:latin typeface="Segoe UI" pitchFamily="34" charset="0"/>
+                <a:ea typeface="Segoe UI" pitchFamily="34" charset="0"/>
+                <a:cs typeface="Segoe UI" pitchFamily="34" charset="0"/>
+              </a:rPr>
+              <a:t>sondage</a:t>
+            </a:r>
+            <a:endParaRPr lang="en-US" sz="2400" b="1" u="sng" dirty="0">
+              <a:solidFill>
+                <a:srgbClr val="000000"/>
+              </a:solidFill>
+              <a:latin typeface="Segoe UI" pitchFamily="34" charset="0"/>
+              <a:ea typeface="Segoe UI" pitchFamily="34" charset="0"/>
+              <a:cs typeface="Segoe UI" pitchFamily="34" charset="0"/>
+            </a:endParaRPr>
+          </a:p>
+        </p:txBody>
+      </p:sp>
+      <p:graphicFrame>
+        <p:nvGraphicFramePr>
+          <p:cNvPr id="5" name="PieChart">
+            <a:extLst>
+              <a:ext uri="{FF2B5EF4-FFF2-40B4-BE49-F238E27FC236}">
+                <a16:creationId xmlns:a16="http://schemas.microsoft.com/office/drawing/2014/main" id="{51F76CE4-1C78-498F-9F0C-31B3A4971238}"/>
+              </a:ext>
+            </a:extLst>
+          </p:cNvPr>
+          <p:cNvGraphicFramePr/>
+          <p:nvPr>
+            <p:custDataLst>
+              <p:custData r:id="rId2"/>
+            </p:custDataLst>
+            <p:extLst>
+              <p:ext uri="{D42A27DB-BD31-4B8C-83A1-F6EECF244321}">
+                <p14:modId xmlns:p14="http://schemas.microsoft.com/office/powerpoint/2010/main" val="4196058342"/>
+              </p:ext>
+            </p:extLst>
+          </p:nvPr>
+        </p:nvGraphicFramePr>
+        <p:xfrm>
+          <a:off x="7015559" y="2873375"/>
+          <a:ext cx="2291556" cy="2085975"/>
+        </p:xfrm>
+        <a:graphic>
+          <a:graphicData uri="http://schemas.openxmlformats.org/drawingml/2006/chart">
+            <c:chart xmlns:c="http://schemas.openxmlformats.org/drawingml/2006/chart" xmlns:r="http://schemas.openxmlformats.org/officeDocument/2006/relationships" r:id="rId6"/>
+          </a:graphicData>
+        </a:graphic>
+      </p:graphicFrame>
+      <p:graphicFrame>
+        <p:nvGraphicFramePr>
+          <p:cNvPr id="6" name="VerticalBarChart">
+            <a:extLst>
+              <a:ext uri="{FF2B5EF4-FFF2-40B4-BE49-F238E27FC236}">
+                <a16:creationId xmlns:a16="http://schemas.microsoft.com/office/drawing/2014/main" id="{4C4EF610-317C-40CC-9120-2BBEEDAF5A04}"/>
+              </a:ext>
+            </a:extLst>
+          </p:cNvPr>
+          <p:cNvGraphicFramePr/>
+          <p:nvPr>
+            <p:custDataLst>
+              <p:custData r:id="rId3"/>
+            </p:custDataLst>
+            <p:extLst>
+              <p:ext uri="{D42A27DB-BD31-4B8C-83A1-F6EECF244321}">
+                <p14:modId xmlns:p14="http://schemas.microsoft.com/office/powerpoint/2010/main" val="1998808343"/>
+              </p:ext>
+            </p:extLst>
+          </p:nvPr>
+        </p:nvGraphicFramePr>
+        <p:xfrm>
+          <a:off x="1614263" y="2498725"/>
+          <a:ext cx="3223074" cy="2765425"/>
+        </p:xfrm>
+        <a:graphic>
+          <a:graphicData uri="http://schemas.openxmlformats.org/drawingml/2006/chart">
+            <c:chart xmlns:c="http://schemas.openxmlformats.org/drawingml/2006/chart" xmlns:r="http://schemas.openxmlformats.org/officeDocument/2006/relationships" r:id="rId7"/>
+          </a:graphicData>
+        </a:graphic>
+      </p:graphicFrame>
+      <p:sp>
+        <p:nvSpPr>
+          <p:cNvPr id="7" name="Content">
+            <a:extLst>
+              <a:ext uri="{FF2B5EF4-FFF2-40B4-BE49-F238E27FC236}">
+                <a16:creationId xmlns:a16="http://schemas.microsoft.com/office/drawing/2014/main" id="{32A539A6-64E5-4EB1-82EA-F3BD4AC6C164}"/>
+              </a:ext>
+            </a:extLst>
+          </p:cNvPr>
+          <p:cNvSpPr txBox="1"/>
+          <p:nvPr>
+            <p:custDataLst>
+              <p:custData r:id="rId4"/>
+            </p:custDataLst>
+          </p:nvPr>
+        </p:nvSpPr>
+        <p:spPr>
+          <a:xfrm>
+            <a:off x="7159925" y="5717725"/>
+            <a:ext cx="2587923" cy="323165"/>
+          </a:xfrm>
+          <a:prstGeom prst="rect">
+            <a:avLst/>
+          </a:prstGeom>
+          <a:noFill/>
+        </p:spPr>
+        <p:txBody>
+          <a:bodyPr wrap="square" lIns="91440" tIns="18288" rIns="91440" bIns="27432" rtlCol="0" anchor="ctr" anchorCtr="0">
+            <a:spAutoFit/>
+          </a:bodyPr>
+          <a:lstStyle/>
+          <a:p>
+            <a:r>
+              <a:rPr lang="en-US" dirty="0" err="1">
+                <a:solidFill>
+                  <a:srgbClr val="000000"/>
+                </a:solidFill>
+                <a:latin typeface="Segoe UI" pitchFamily="34" charset="0"/>
+                <a:ea typeface="Segoe UI" pitchFamily="34" charset="0"/>
+                <a:cs typeface="Segoe UI" pitchFamily="34" charset="0"/>
+              </a:rPr>
+              <a:t>Resultat</a:t>
+            </a:r>
+            <a:r>
+              <a:rPr lang="en-US" dirty="0">
+                <a:solidFill>
+                  <a:srgbClr val="000000"/>
+                </a:solidFill>
+                <a:latin typeface="Segoe UI" pitchFamily="34" charset="0"/>
+                <a:ea typeface="Segoe UI" pitchFamily="34" charset="0"/>
+                <a:cs typeface="Segoe UI" pitchFamily="34" charset="0"/>
+              </a:rPr>
+              <a:t> pour n votes</a:t>
+            </a:r>
+          </a:p>
+        </p:txBody>
+      </p:sp>
     </p:spTree>
     <p:extLst>
       <p:ext uri="{BB962C8B-B14F-4D97-AF65-F5344CB8AC3E}">
@@ -15450,13 +15901,6 @@
       <p:transition spd="slow" advClick="0"/>
     </mc:Fallback>
   </mc:AlternateContent>
-  <p:timing>
-    <p:tnLst>
-      <p:par>
-        <p:cTn id="1" dur="indefinite" restart="never" nodeType="tmRoot"/>
-      </p:par>
-    </p:tnLst>
-  </p:timing>
 </p:sld>
 </file>
 
@@ -15495,13 +15939,6 @@
       <p:transition spd="slow" advClick="0"/>
     </mc:Fallback>
   </mc:AlternateContent>
-  <p:timing>
-    <p:tnLst>
-      <p:par>
-        <p:cTn id="1" dur="indefinite" restart="never" nodeType="tmRoot"/>
-      </p:par>
-    </p:tnLst>
-  </p:timing>
 </p:sld>
 </file>
 
@@ -16668,13 +17105,6 @@
       <p:transition spd="slow" advClick="0"/>
     </mc:Fallback>
   </mc:AlternateContent>
-  <p:timing>
-    <p:tnLst>
-      <p:par>
-        <p:cTn id="1" dur="indefinite" restart="never" nodeType="tmRoot"/>
-      </p:par>
-    </p:tnLst>
-  </p:timing>
 </p:sld>
 </file>
 
@@ -17645,16 +18075,6 @@
                   <a:t>4</a:t>
                 </a:r>
                 <a:r>
-                  <a:rPr lang="en-US" sz="1200" dirty="0" smtClean="0">
-                    <a:solidFill>
-                      <a:srgbClr val="000000"/>
-                    </a:solidFill>
-                    <a:latin typeface="Segoe UI" pitchFamily="34" charset="0"/>
-                    <a:cs typeface="Segoe UI" pitchFamily="34" charset="0"/>
-                  </a:rPr>
-                  <a:t>. </a:t>
-                </a:r>
-                <a:r>
                   <a:rPr lang="en-US" sz="1200" dirty="0">
                     <a:solidFill>
                       <a:srgbClr val="000000"/>
@@ -17662,7 +18082,7 @@
                     <a:latin typeface="Segoe UI" pitchFamily="34" charset="0"/>
                     <a:cs typeface="Segoe UI" pitchFamily="34" charset="0"/>
                   </a:rPr>
-                  <a:t>Choix </a:t>
+                  <a:t>. Choix </a:t>
                 </a:r>
                 <a:r>
                   <a:rPr lang="en-US" sz="1200" dirty="0" err="1">
@@ -17682,25 +18102,8 @@
                     <a:latin typeface="Segoe UI" pitchFamily="34" charset="0"/>
                     <a:cs typeface="Segoe UI" pitchFamily="34" charset="0"/>
                   </a:rPr>
-                  <a:t> </a:t>
+                  <a:t> 4</a:t>
                 </a:r>
-                <a:r>
-                  <a:rPr lang="en-US" sz="1200" dirty="0" smtClean="0">
-                    <a:solidFill>
-                      <a:srgbClr val="000000"/>
-                    </a:solidFill>
-                    <a:latin typeface="Segoe UI" pitchFamily="34" charset="0"/>
-                    <a:cs typeface="Segoe UI" pitchFamily="34" charset="0"/>
-                  </a:rPr>
-                  <a:t>4</a:t>
-                </a:r>
-                <a:endParaRPr lang="en-US" sz="1200" dirty="0">
-                  <a:solidFill>
-                    <a:srgbClr val="000000"/>
-                  </a:solidFill>
-                  <a:latin typeface="Segoe UI" pitchFamily="34" charset="0"/>
-                  <a:cs typeface="Segoe UI" pitchFamily="34" charset="0"/>
-                </a:endParaRPr>
               </a:p>
             </p:txBody>
           </p:sp>
@@ -17978,13 +18381,6 @@
       <p:transition spd="slow" advClick="0"/>
     </mc:Fallback>
   </mc:AlternateContent>
-  <p:timing>
-    <p:tnLst>
-      <p:par>
-        <p:cTn id="1" dur="indefinite" restart="never" nodeType="tmRoot"/>
-      </p:par>
-    </p:tnLst>
-  </p:timing>
 </p:sld>
 </file>
 
@@ -19065,16 +19461,6 @@
                   <a:t>4</a:t>
                 </a:r>
                 <a:r>
-                  <a:rPr lang="en-US" sz="1200" dirty="0" smtClean="0">
-                    <a:solidFill>
-                      <a:srgbClr val="000000"/>
-                    </a:solidFill>
-                    <a:latin typeface="Segoe UI" pitchFamily="34" charset="0"/>
-                    <a:cs typeface="Segoe UI" pitchFamily="34" charset="0"/>
-                  </a:rPr>
-                  <a:t>. </a:t>
-                </a:r>
-                <a:r>
                   <a:rPr lang="en-US" sz="1200" dirty="0">
                     <a:solidFill>
                       <a:srgbClr val="000000"/>
@@ -19082,7 +19468,7 @@
                     <a:latin typeface="Segoe UI" pitchFamily="34" charset="0"/>
                     <a:cs typeface="Segoe UI" pitchFamily="34" charset="0"/>
                   </a:rPr>
-                  <a:t>Choix </a:t>
+                  <a:t>. Choix </a:t>
                 </a:r>
                 <a:r>
                   <a:rPr lang="en-US" sz="1200" dirty="0" err="1">
@@ -19102,25 +19488,8 @@
                     <a:latin typeface="Segoe UI" pitchFamily="34" charset="0"/>
                     <a:cs typeface="Segoe UI" pitchFamily="34" charset="0"/>
                   </a:rPr>
-                  <a:t> </a:t>
+                  <a:t> 4</a:t>
                 </a:r>
-                <a:r>
-                  <a:rPr lang="en-US" sz="1200" dirty="0" smtClean="0">
-                    <a:solidFill>
-                      <a:srgbClr val="000000"/>
-                    </a:solidFill>
-                    <a:latin typeface="Segoe UI" pitchFamily="34" charset="0"/>
-                    <a:cs typeface="Segoe UI" pitchFamily="34" charset="0"/>
-                  </a:rPr>
-                  <a:t>4</a:t>
-                </a:r>
-                <a:endParaRPr lang="en-US" sz="1200" dirty="0">
-                  <a:solidFill>
-                    <a:srgbClr val="000000"/>
-                  </a:solidFill>
-                  <a:latin typeface="Segoe UI" pitchFamily="34" charset="0"/>
-                  <a:cs typeface="Segoe UI" pitchFamily="34" charset="0"/>
-                </a:endParaRPr>
               </a:p>
             </p:txBody>
           </p:sp>
@@ -19216,13 +19585,6 @@
       <p:transition spd="slow" advClick="0"/>
     </mc:Fallback>
   </mc:AlternateContent>
-  <p:timing>
-    <p:tnLst>
-      <p:par>
-        <p:cTn id="1" dur="indefinite" restart="never" nodeType="tmRoot"/>
-      </p:par>
-    </p:tnLst>
-  </p:timing>
 </p:sld>
 </file>
 
@@ -19498,14 +19860,13 @@
           <a:lstStyle/>
           <a:p>
             <a:r>
-              <a:rPr lang="fr-FR" dirty="0" err="1" smtClean="0"/>
+              <a:rPr lang="fr-FR" dirty="0" err="1"/>
               <a:t>URLs</a:t>
             </a:r>
             <a:r>
-              <a:rPr lang="fr-FR" dirty="0" smtClean="0"/>
+              <a:rPr lang="fr-FR" dirty="0"/>
               <a:t> Choix multiple</a:t>
             </a:r>
-            <a:endParaRPr lang="fr-FR" dirty="0"/>
           </a:p>
         </p:txBody>
       </p:sp>
@@ -19918,18 +20279,13 @@
             <a:p>
               <a:pPr algn="ctr"/>
               <a:r>
-                <a:rPr lang="fr-FR" sz="1100" dirty="0" smtClean="0">
+                <a:rPr lang="fr-FR" sz="1100" dirty="0">
                   <a:solidFill>
                     <a:schemeClr val="tx1"/>
                   </a:solidFill>
                 </a:rPr>
                 <a:t>https://www.doodle.com/</a:t>
               </a:r>
-              <a:endParaRPr lang="fr-FR" sz="1100" dirty="0">
-                <a:solidFill>
-                  <a:schemeClr val="tx1"/>
-                </a:solidFill>
-              </a:endParaRPr>
             </a:p>
           </p:txBody>
         </p:sp>
@@ -19981,10 +20337,11 @@
             <a:p>
               <a:pPr algn="ctr"/>
               <a:r>
-                <a:rPr lang="fr-FR" sz="1100" dirty="0" smtClean="0">
+                <a:rPr lang="fr-FR" sz="1100" dirty="0">
                   <a:solidFill>
                     <a:schemeClr val="tx1"/>
                   </a:solidFill>
+                  <a:hlinkClick r:id="rId9" action="ppaction://hlinksldjump"/>
                 </a:rPr>
                 <a:t>https://tak.de/dffqse</a:t>
               </a:r>
@@ -19999,7 +20356,7 @@
         <p:sp>
           <p:nvSpPr>
             <p:cNvPr id="20" name="Rectangle 19">
-              <a:hlinkClick r:id="rId9" action="ppaction://hlinksldjump"/>
+              <a:hlinkClick r:id="rId10" action="ppaction://hlinksldjump"/>
             </p:cNvPr>
             <p:cNvSpPr/>
             <p:nvPr/>
@@ -20046,18 +20403,13 @@
             <a:p>
               <a:pPr algn="ctr"/>
               <a:r>
-                <a:rPr lang="fr-FR" sz="1100" dirty="0" smtClean="0">
+                <a:rPr lang="fr-FR" sz="1100" dirty="0">
                   <a:solidFill>
                     <a:schemeClr val="tx1"/>
                   </a:solidFill>
                 </a:rPr>
                 <a:t>https://www.str.fr/ffde</a:t>
               </a:r>
-              <a:endParaRPr lang="fr-FR" sz="1100" dirty="0">
-                <a:solidFill>
-                  <a:schemeClr val="tx1"/>
-                </a:solidFill>
-              </a:endParaRPr>
             </a:p>
           </p:txBody>
         </p:sp>
@@ -20080,13 +20432,6 @@
       <p:transition spd="slow" advClick="0"/>
     </mc:Fallback>
   </mc:AlternateContent>
-  <p:timing>
-    <p:tnLst>
-      <p:par>
-        <p:cTn id="1" dur="indefinite" restart="never" nodeType="tmRoot"/>
-      </p:par>
-    </p:tnLst>
-  </p:timing>
 </p:sld>
 </file>
 
@@ -20362,14 +20707,13 @@
           <a:lstStyle/>
           <a:p>
             <a:r>
-              <a:rPr lang="fr-FR" dirty="0" err="1" smtClean="0"/>
+              <a:rPr lang="fr-FR" dirty="0" err="1"/>
               <a:t>URLs</a:t>
             </a:r>
             <a:r>
-              <a:rPr lang="fr-FR" dirty="0" smtClean="0"/>
+              <a:rPr lang="fr-FR" dirty="0"/>
               <a:t> Choix Unique</a:t>
             </a:r>
-            <a:endParaRPr lang="fr-FR" dirty="0"/>
           </a:p>
         </p:txBody>
       </p:sp>
@@ -20782,18 +21126,13 @@
             <a:p>
               <a:pPr algn="ctr"/>
               <a:r>
-                <a:rPr lang="fr-FR" sz="1100" dirty="0" smtClean="0">
+                <a:rPr lang="fr-FR" sz="1100" dirty="0">
                   <a:solidFill>
                     <a:schemeClr val="tx1"/>
                   </a:solidFill>
                 </a:rPr>
                 <a:t>https://www.doodle.com/</a:t>
               </a:r>
-              <a:endParaRPr lang="fr-FR" sz="1100" dirty="0">
-                <a:solidFill>
-                  <a:schemeClr val="tx1"/>
-                </a:solidFill>
-              </a:endParaRPr>
             </a:p>
           </p:txBody>
         </p:sp>
@@ -20845,10 +21184,11 @@
             <a:p>
               <a:pPr algn="ctr"/>
               <a:r>
-                <a:rPr lang="fr-FR" sz="1100" dirty="0" smtClean="0">
+                <a:rPr lang="fr-FR" sz="1100" dirty="0">
                   <a:solidFill>
                     <a:schemeClr val="tx1"/>
                   </a:solidFill>
+                  <a:hlinkClick r:id="rId9" action="ppaction://hlinksldjump"/>
                 </a:rPr>
                 <a:t>https://tak.de/dffqse</a:t>
               </a:r>
@@ -20863,7 +21203,7 @@
         <p:sp>
           <p:nvSpPr>
             <p:cNvPr id="20" name="Rectangle 19">
-              <a:hlinkClick r:id="rId9" action="ppaction://hlinksldjump"/>
+              <a:hlinkClick r:id="rId10" action="ppaction://hlinksldjump"/>
             </p:cNvPr>
             <p:cNvSpPr/>
             <p:nvPr/>
@@ -20910,18 +21250,13 @@
             <a:p>
               <a:pPr algn="ctr"/>
               <a:r>
-                <a:rPr lang="fr-FR" sz="1100" dirty="0" smtClean="0">
+                <a:rPr lang="fr-FR" sz="1100" dirty="0">
                   <a:solidFill>
                     <a:schemeClr val="tx1"/>
                   </a:solidFill>
                 </a:rPr>
                 <a:t>https://www.str.fr/ffde</a:t>
               </a:r>
-              <a:endParaRPr lang="fr-FR" sz="1100" dirty="0">
-                <a:solidFill>
-                  <a:schemeClr val="tx1"/>
-                </a:solidFill>
-              </a:endParaRPr>
             </a:p>
           </p:txBody>
         </p:sp>
@@ -20944,13 +21279,6 @@
       <p:transition spd="slow" advClick="0"/>
     </mc:Fallback>
   </mc:AlternateContent>
-  <p:timing>
-    <p:tnLst>
-      <p:par>
-        <p:cTn id="1" dur="indefinite" restart="never" nodeType="tmRoot"/>
-      </p:par>
-    </p:tnLst>
-  </p:timing>
 </p:sld>
 </file>
 
@@ -21335,7 +21663,7 @@
             <a:lstStyle/>
             <a:p>
               <a:r>
-                <a:rPr lang="en-US" sz="1200" dirty="0" err="1" smtClean="0">
+                <a:rPr lang="en-US" sz="1200" dirty="0" err="1">
                   <a:latin typeface="Segoe UI" pitchFamily="34" charset="0"/>
                   <a:ea typeface="Segoe UI" pitchFamily="34" charset="0"/>
                   <a:cs typeface="Segoe UI" pitchFamily="34" charset="0"/>
@@ -21343,18 +21671,13 @@
                 <a:t>Réponse</a:t>
               </a:r>
               <a:r>
-                <a:rPr lang="en-US" sz="1200" dirty="0" smtClean="0">
+                <a:rPr lang="en-US" sz="1200" dirty="0">
                   <a:latin typeface="Segoe UI" pitchFamily="34" charset="0"/>
                   <a:ea typeface="Segoe UI" pitchFamily="34" charset="0"/>
                   <a:cs typeface="Segoe UI" pitchFamily="34" charset="0"/>
                 </a:rPr>
                 <a:t> 2</a:t>
               </a:r>
-              <a:endParaRPr lang="en-US" sz="1200" dirty="0" smtClean="0">
-                <a:latin typeface="Segoe UI" pitchFamily="34" charset="0"/>
-                <a:ea typeface="Segoe UI" pitchFamily="34" charset="0"/>
-                <a:cs typeface="Segoe UI" pitchFamily="34" charset="0"/>
-              </a:endParaRPr>
             </a:p>
           </p:txBody>
         </p:sp>
@@ -21459,7 +21782,7 @@
             <a:lstStyle/>
             <a:p>
               <a:r>
-                <a:rPr lang="en-US" sz="1200" dirty="0" err="1" smtClean="0">
+                <a:rPr lang="en-US" sz="1200" dirty="0" err="1">
                   <a:latin typeface="Segoe UI" pitchFamily="34" charset="0"/>
                   <a:ea typeface="Segoe UI" pitchFamily="34" charset="0"/>
                   <a:cs typeface="Segoe UI" pitchFamily="34" charset="0"/>
@@ -21467,18 +21790,13 @@
                 <a:t>Réponse</a:t>
               </a:r>
               <a:r>
-                <a:rPr lang="en-US" sz="1200" dirty="0" smtClean="0">
+                <a:rPr lang="en-US" sz="1200" dirty="0">
                   <a:latin typeface="Segoe UI" pitchFamily="34" charset="0"/>
                   <a:ea typeface="Segoe UI" pitchFamily="34" charset="0"/>
                   <a:cs typeface="Segoe UI" pitchFamily="34" charset="0"/>
                 </a:rPr>
                 <a:t> 3</a:t>
               </a:r>
-              <a:endParaRPr lang="en-US" sz="1200" dirty="0" smtClean="0">
-                <a:latin typeface="Segoe UI" pitchFamily="34" charset="0"/>
-                <a:ea typeface="Segoe UI" pitchFamily="34" charset="0"/>
-                <a:cs typeface="Segoe UI" pitchFamily="34" charset="0"/>
-              </a:endParaRPr>
             </a:p>
           </p:txBody>
         </p:sp>
@@ -21583,7 +21901,7 @@
             <a:lstStyle/>
             <a:p>
               <a:r>
-                <a:rPr lang="en-US" sz="1200" dirty="0" err="1" smtClean="0">
+                <a:rPr lang="en-US" sz="1200" dirty="0" err="1">
                   <a:latin typeface="Segoe UI" pitchFamily="34" charset="0"/>
                   <a:ea typeface="Segoe UI" pitchFamily="34" charset="0"/>
                   <a:cs typeface="Segoe UI" pitchFamily="34" charset="0"/>
@@ -21591,18 +21909,13 @@
                 <a:t>Réponse</a:t>
               </a:r>
               <a:r>
-                <a:rPr lang="en-US" sz="1200" dirty="0" smtClean="0">
+                <a:rPr lang="en-US" sz="1200" dirty="0">
                   <a:latin typeface="Segoe UI" pitchFamily="34" charset="0"/>
                   <a:ea typeface="Segoe UI" pitchFamily="34" charset="0"/>
                   <a:cs typeface="Segoe UI" pitchFamily="34" charset="0"/>
                 </a:rPr>
                 <a:t> 1</a:t>
               </a:r>
-              <a:endParaRPr lang="en-US" sz="1200" dirty="0" smtClean="0">
-                <a:latin typeface="Segoe UI" pitchFamily="34" charset="0"/>
-                <a:ea typeface="Segoe UI" pitchFamily="34" charset="0"/>
-                <a:cs typeface="Segoe UI" pitchFamily="34" charset="0"/>
-              </a:endParaRPr>
             </a:p>
           </p:txBody>
         </p:sp>
@@ -21686,13 +21999,6 @@
       <p:transition spd="slow" advClick="0"/>
     </mc:Fallback>
   </mc:AlternateContent>
-  <p:timing>
-    <p:tnLst>
-      <p:par>
-        <p:cTn id="1" dur="indefinite" restart="never" nodeType="tmRoot"/>
-      </p:par>
-    </p:tnLst>
-  </p:timing>
 </p:sld>
 </file>
 
@@ -22077,7 +22383,7 @@
             <a:lstStyle/>
             <a:p>
               <a:r>
-                <a:rPr lang="en-US" sz="1200" dirty="0" err="1" smtClean="0">
+                <a:rPr lang="en-US" sz="1200" dirty="0" err="1">
                   <a:latin typeface="Segoe UI" pitchFamily="34" charset="0"/>
                   <a:ea typeface="Segoe UI" pitchFamily="34" charset="0"/>
                   <a:cs typeface="Segoe UI" pitchFamily="34" charset="0"/>
@@ -22085,18 +22391,13 @@
                 <a:t>Réponse</a:t>
               </a:r>
               <a:r>
-                <a:rPr lang="en-US" sz="1200" dirty="0" smtClean="0">
+                <a:rPr lang="en-US" sz="1200" dirty="0">
                   <a:latin typeface="Segoe UI" pitchFamily="34" charset="0"/>
                   <a:ea typeface="Segoe UI" pitchFamily="34" charset="0"/>
                   <a:cs typeface="Segoe UI" pitchFamily="34" charset="0"/>
                 </a:rPr>
                 <a:t> 2</a:t>
               </a:r>
-              <a:endParaRPr lang="en-US" sz="1200" dirty="0" smtClean="0">
-                <a:latin typeface="Segoe UI" pitchFamily="34" charset="0"/>
-                <a:ea typeface="Segoe UI" pitchFamily="34" charset="0"/>
-                <a:cs typeface="Segoe UI" pitchFamily="34" charset="0"/>
-              </a:endParaRPr>
             </a:p>
           </p:txBody>
         </p:sp>
@@ -22201,7 +22502,7 @@
             <a:lstStyle/>
             <a:p>
               <a:r>
-                <a:rPr lang="en-US" sz="1200" dirty="0" err="1" smtClean="0">
+                <a:rPr lang="en-US" sz="1200" dirty="0" err="1">
                   <a:latin typeface="Segoe UI" pitchFamily="34" charset="0"/>
                   <a:ea typeface="Segoe UI" pitchFamily="34" charset="0"/>
                   <a:cs typeface="Segoe UI" pitchFamily="34" charset="0"/>
@@ -22209,18 +22510,13 @@
                 <a:t>Réponse</a:t>
               </a:r>
               <a:r>
-                <a:rPr lang="en-US" sz="1200" dirty="0" smtClean="0">
+                <a:rPr lang="en-US" sz="1200" dirty="0">
                   <a:latin typeface="Segoe UI" pitchFamily="34" charset="0"/>
                   <a:ea typeface="Segoe UI" pitchFamily="34" charset="0"/>
                   <a:cs typeface="Segoe UI" pitchFamily="34" charset="0"/>
                 </a:rPr>
                 <a:t> 3</a:t>
               </a:r>
-              <a:endParaRPr lang="en-US" sz="1200" dirty="0" smtClean="0">
-                <a:latin typeface="Segoe UI" pitchFamily="34" charset="0"/>
-                <a:ea typeface="Segoe UI" pitchFamily="34" charset="0"/>
-                <a:cs typeface="Segoe UI" pitchFamily="34" charset="0"/>
-              </a:endParaRPr>
             </a:p>
           </p:txBody>
         </p:sp>
@@ -22343,7 +22639,7 @@
               <a:lstStyle/>
               <a:p>
                 <a:r>
-                  <a:rPr lang="en-US" sz="1200" dirty="0" err="1" smtClean="0">
+                  <a:rPr lang="en-US" sz="1200" dirty="0" err="1">
                     <a:latin typeface="Segoe UI" pitchFamily="34" charset="0"/>
                     <a:ea typeface="Segoe UI" pitchFamily="34" charset="0"/>
                     <a:cs typeface="Segoe UI" pitchFamily="34" charset="0"/>
@@ -22351,18 +22647,13 @@
                   <a:t>Réponse</a:t>
                 </a:r>
                 <a:r>
-                  <a:rPr lang="en-US" sz="1200" dirty="0" smtClean="0">
+                  <a:rPr lang="en-US" sz="1200" dirty="0">
                     <a:latin typeface="Segoe UI" pitchFamily="34" charset="0"/>
                     <a:ea typeface="Segoe UI" pitchFamily="34" charset="0"/>
                     <a:cs typeface="Segoe UI" pitchFamily="34" charset="0"/>
                   </a:rPr>
                   <a:t> 1</a:t>
                 </a:r>
-                <a:endParaRPr lang="en-US" sz="1200" dirty="0" smtClean="0">
-                  <a:latin typeface="Segoe UI" pitchFamily="34" charset="0"/>
-                  <a:ea typeface="Segoe UI" pitchFamily="34" charset="0"/>
-                  <a:cs typeface="Segoe UI" pitchFamily="34" charset="0"/>
-                </a:endParaRPr>
               </a:p>
             </p:txBody>
           </p:sp>
@@ -22488,13 +22779,6 @@
       <p:transition spd="slow" advClick="0"/>
     </mc:Fallback>
   </mc:AlternateContent>
-  <p:timing>
-    <p:tnLst>
-      <p:par>
-        <p:cTn id="1" dur="indefinite" restart="never" nodeType="tmRoot"/>
-      </p:par>
-    </p:tnLst>
-  </p:timing>
 </p:sld>
 </file>
 
@@ -23383,15 +23667,296 @@
 </a:theme>
 </file>
 
+<file path=ppt/theme/themeOverride1.xml><?xml version="1.0" encoding="utf-8"?>
+<a:themeOverride xmlns:a="http://schemas.openxmlformats.org/drawingml/2006/main">
+  <a:clrScheme name="Office">
+    <a:dk1>
+      <a:sysClr val="windowText" lastClr="000000"/>
+    </a:dk1>
+    <a:lt1>
+      <a:sysClr val="window" lastClr="FFFFFF"/>
+    </a:lt1>
+    <a:dk2>
+      <a:srgbClr val="1F497D"/>
+    </a:dk2>
+    <a:lt2>
+      <a:srgbClr val="EEECE1"/>
+    </a:lt2>
+    <a:accent1>
+      <a:srgbClr val="4F81BD"/>
+    </a:accent1>
+    <a:accent2>
+      <a:srgbClr val="C0504D"/>
+    </a:accent2>
+    <a:accent3>
+      <a:srgbClr val="9BBB59"/>
+    </a:accent3>
+    <a:accent4>
+      <a:srgbClr val="8064A2"/>
+    </a:accent4>
+    <a:accent5>
+      <a:srgbClr val="4BACC6"/>
+    </a:accent5>
+    <a:accent6>
+      <a:srgbClr val="F79646"/>
+    </a:accent6>
+    <a:hlink>
+      <a:srgbClr val="0000FF"/>
+    </a:hlink>
+    <a:folHlink>
+      <a:srgbClr val="800080"/>
+    </a:folHlink>
+  </a:clrScheme>
+  <a:fontScheme name="Office">
+    <a:majorFont>
+      <a:latin typeface="Calibri"/>
+      <a:ea typeface=""/>
+      <a:cs typeface=""/>
+      <a:font script="Jpan" typeface="ＭＳ Ｐゴシック"/>
+      <a:font script="Hang" typeface="맑은 고딕"/>
+      <a:font script="Hans" typeface="宋体"/>
+      <a:font script="Hant" typeface="新細明體"/>
+      <a:font script="Arab" typeface="Times New Roman"/>
+      <a:font script="Hebr" typeface="Times New Roman"/>
+      <a:font script="Thai" typeface="Angsana New"/>
+      <a:font script="Ethi" typeface="Nyala"/>
+      <a:font script="Beng" typeface="Vrinda"/>
+      <a:font script="Gujr" typeface="Shruti"/>
+      <a:font script="Khmr" typeface="MoolBoran"/>
+      <a:font script="Knda" typeface="Tunga"/>
+      <a:font script="Guru" typeface="Raavi"/>
+      <a:font script="Cans" typeface="Euphemia"/>
+      <a:font script="Cher" typeface="Plantagenet Cherokee"/>
+      <a:font script="Yiii" typeface="Microsoft Yi Baiti"/>
+      <a:font script="Tibt" typeface="Microsoft Himalaya"/>
+      <a:font script="Thaa" typeface="MV Boli"/>
+      <a:font script="Deva" typeface="Mangal"/>
+      <a:font script="Telu" typeface="Gautami"/>
+      <a:font script="Taml" typeface="Latha"/>
+      <a:font script="Syrc" typeface="Estrangelo Edessa"/>
+      <a:font script="Orya" typeface="Kalinga"/>
+      <a:font script="Mlym" typeface="Kartika"/>
+      <a:font script="Laoo" typeface="DokChampa"/>
+      <a:font script="Sinh" typeface="Iskoola Pota"/>
+      <a:font script="Mong" typeface="Mongolian Baiti"/>
+      <a:font script="Viet" typeface="Times New Roman"/>
+      <a:font script="Uigh" typeface="Microsoft Uighur"/>
+      <a:font script="Geor" typeface="Sylfaen"/>
+    </a:majorFont>
+    <a:minorFont>
+      <a:latin typeface="Calibri"/>
+      <a:ea typeface=""/>
+      <a:cs typeface=""/>
+      <a:font script="Jpan" typeface="ＭＳ Ｐゴシック"/>
+      <a:font script="Hang" typeface="맑은 고딕"/>
+      <a:font script="Hans" typeface="宋体"/>
+      <a:font script="Hant" typeface="新細明體"/>
+      <a:font script="Arab" typeface="Arial"/>
+      <a:font script="Hebr" typeface="Arial"/>
+      <a:font script="Thai" typeface="Cordia New"/>
+      <a:font script="Ethi" typeface="Nyala"/>
+      <a:font script="Beng" typeface="Vrinda"/>
+      <a:font script="Gujr" typeface="Shruti"/>
+      <a:font script="Khmr" typeface="DaunPenh"/>
+      <a:font script="Knda" typeface="Tunga"/>
+      <a:font script="Guru" typeface="Raavi"/>
+      <a:font script="Cans" typeface="Euphemia"/>
+      <a:font script="Cher" typeface="Plantagenet Cherokee"/>
+      <a:font script="Yiii" typeface="Microsoft Yi Baiti"/>
+      <a:font script="Tibt" typeface="Microsoft Himalaya"/>
+      <a:font script="Thaa" typeface="MV Boli"/>
+      <a:font script="Deva" typeface="Mangal"/>
+      <a:font script="Telu" typeface="Gautami"/>
+      <a:font script="Taml" typeface="Latha"/>
+      <a:font script="Syrc" typeface="Estrangelo Edessa"/>
+      <a:font script="Orya" typeface="Kalinga"/>
+      <a:font script="Mlym" typeface="Kartika"/>
+      <a:font script="Laoo" typeface="DokChampa"/>
+      <a:font script="Sinh" typeface="Iskoola Pota"/>
+      <a:font script="Mong" typeface="Mongolian Baiti"/>
+      <a:font script="Viet" typeface="Arial"/>
+      <a:font script="Uigh" typeface="Microsoft Uighur"/>
+      <a:font script="Geor" typeface="Sylfaen"/>
+    </a:minorFont>
+  </a:fontScheme>
+  <a:fmtScheme name="Office">
+    <a:fillStyleLst>
+      <a:solidFill>
+        <a:schemeClr val="phClr"/>
+      </a:solidFill>
+      <a:gradFill rotWithShape="1">
+        <a:gsLst>
+          <a:gs pos="0">
+            <a:schemeClr val="phClr">
+              <a:tint val="50000"/>
+              <a:satMod val="300000"/>
+            </a:schemeClr>
+          </a:gs>
+          <a:gs pos="35000">
+            <a:schemeClr val="phClr">
+              <a:tint val="37000"/>
+              <a:satMod val="300000"/>
+            </a:schemeClr>
+          </a:gs>
+          <a:gs pos="100000">
+            <a:schemeClr val="phClr">
+              <a:tint val="15000"/>
+              <a:satMod val="350000"/>
+            </a:schemeClr>
+          </a:gs>
+        </a:gsLst>
+        <a:lin ang="16200000" scaled="1"/>
+      </a:gradFill>
+      <a:gradFill rotWithShape="1">
+        <a:gsLst>
+          <a:gs pos="0">
+            <a:schemeClr val="phClr">
+              <a:shade val="51000"/>
+              <a:satMod val="130000"/>
+            </a:schemeClr>
+          </a:gs>
+          <a:gs pos="80000">
+            <a:schemeClr val="phClr">
+              <a:shade val="93000"/>
+              <a:satMod val="130000"/>
+            </a:schemeClr>
+          </a:gs>
+          <a:gs pos="100000">
+            <a:schemeClr val="phClr">
+              <a:shade val="94000"/>
+              <a:satMod val="135000"/>
+            </a:schemeClr>
+          </a:gs>
+        </a:gsLst>
+        <a:lin ang="16200000" scaled="0"/>
+      </a:gradFill>
+    </a:fillStyleLst>
+    <a:lnStyleLst>
+      <a:ln w="9525" cap="flat" cmpd="sng" algn="ctr">
+        <a:solidFill>
+          <a:schemeClr val="phClr">
+            <a:shade val="95000"/>
+            <a:satMod val="105000"/>
+          </a:schemeClr>
+        </a:solidFill>
+        <a:prstDash val="solid"/>
+      </a:ln>
+      <a:ln w="25400" cap="flat" cmpd="sng" algn="ctr">
+        <a:solidFill>
+          <a:schemeClr val="phClr"/>
+        </a:solidFill>
+        <a:prstDash val="solid"/>
+      </a:ln>
+      <a:ln w="38100" cap="flat" cmpd="sng" algn="ctr">
+        <a:solidFill>
+          <a:schemeClr val="phClr"/>
+        </a:solidFill>
+        <a:prstDash val="solid"/>
+      </a:ln>
+    </a:lnStyleLst>
+    <a:effectStyleLst>
+      <a:effectStyle>
+        <a:effectLst>
+          <a:outerShdw blurRad="40000" dist="20000" dir="5400000" rotWithShape="0">
+            <a:srgbClr val="000000">
+              <a:alpha val="38000"/>
+            </a:srgbClr>
+          </a:outerShdw>
+        </a:effectLst>
+      </a:effectStyle>
+      <a:effectStyle>
+        <a:effectLst>
+          <a:outerShdw blurRad="40000" dist="23000" dir="5400000" rotWithShape="0">
+            <a:srgbClr val="000000">
+              <a:alpha val="35000"/>
+            </a:srgbClr>
+          </a:outerShdw>
+        </a:effectLst>
+      </a:effectStyle>
+      <a:effectStyle>
+        <a:effectLst>
+          <a:outerShdw blurRad="40000" dist="23000" dir="5400000" rotWithShape="0">
+            <a:srgbClr val="000000">
+              <a:alpha val="35000"/>
+            </a:srgbClr>
+          </a:outerShdw>
+        </a:effectLst>
+        <a:scene3d>
+          <a:camera prst="orthographicFront">
+            <a:rot lat="0" lon="0" rev="0"/>
+          </a:camera>
+          <a:lightRig rig="threePt" dir="t">
+            <a:rot lat="0" lon="0" rev="1200000"/>
+          </a:lightRig>
+        </a:scene3d>
+        <a:sp3d>
+          <a:bevelT w="63500" h="25400"/>
+        </a:sp3d>
+      </a:effectStyle>
+    </a:effectStyleLst>
+    <a:bgFillStyleLst>
+      <a:solidFill>
+        <a:schemeClr val="phClr"/>
+      </a:solidFill>
+      <a:gradFill rotWithShape="1">
+        <a:gsLst>
+          <a:gs pos="0">
+            <a:schemeClr val="phClr">
+              <a:tint val="40000"/>
+              <a:satMod val="350000"/>
+            </a:schemeClr>
+          </a:gs>
+          <a:gs pos="40000">
+            <a:schemeClr val="phClr">
+              <a:tint val="45000"/>
+              <a:shade val="99000"/>
+              <a:satMod val="350000"/>
+            </a:schemeClr>
+          </a:gs>
+          <a:gs pos="100000">
+            <a:schemeClr val="phClr">
+              <a:shade val="20000"/>
+              <a:satMod val="255000"/>
+            </a:schemeClr>
+          </a:gs>
+        </a:gsLst>
+        <a:path path="circle">
+          <a:fillToRect l="50000" t="-80000" r="50000" b="180000"/>
+        </a:path>
+      </a:gradFill>
+      <a:gradFill rotWithShape="1">
+        <a:gsLst>
+          <a:gs pos="0">
+            <a:schemeClr val="phClr">
+              <a:tint val="80000"/>
+              <a:satMod val="300000"/>
+            </a:schemeClr>
+          </a:gs>
+          <a:gs pos="100000">
+            <a:schemeClr val="phClr">
+              <a:shade val="30000"/>
+              <a:satMod val="200000"/>
+            </a:schemeClr>
+          </a:gs>
+        </a:gsLst>
+        <a:path path="circle">
+          <a:fillToRect l="50000" t="50000" r="50000" b="50000"/>
+        </a:path>
+      </a:gradFill>
+    </a:bgFillStyleLst>
+  </a:fmtScheme>
+</a:themeOverride>
+</file>
+
 <file path=customXml/item1.xml><?xml version="1.0" encoding="utf-8"?>
 <Control xmlns="http://schemas.microsoft.com/VisualStudio/2011/storyboarding/control">
-  <Id Name="System.Storyboarding.Common.CheckBoxUnchecked" Revision="1" Stencil="System.Storyboarding.Common" StencilVersion="0.1"/>
+  <Id Name="System.Storyboarding.Common.ScrollbarVertical" Revision="1" Stencil="System.Storyboarding.Common" StencilVersion="0.1"/>
 </Control>
 </file>
 
 <file path=customXml/item10.xml><?xml version="1.0" encoding="utf-8"?>
 <Control xmlns="http://schemas.microsoft.com/VisualStudio/2011/storyboarding/control">
-  <Id Name="System.Storyboarding.Common.TextInput" Revision="1" Stencil="System.Storyboarding.Common" StencilVersion="0.1"/>
+  <Id Name="System.Storyboarding.Common.CheckBoxUnchecked" Revision="1" Stencil="System.Storyboarding.Common" StencilVersion="0.1"/>
 </Control>
 </file>
 
@@ -23403,13 +23968,13 @@
 
 <file path=customXml/item101.xml><?xml version="1.0" encoding="utf-8"?>
 <Control xmlns="http://schemas.microsoft.com/VisualStudio/2011/storyboarding/control">
-  <Id Name="System.Storyboarding.Common.TextInput" Revision="1" Stencil="System.Storyboarding.Common" StencilVersion="0.1"/>
+  <Id Name="System.Storyboarding.Common.TextArea" Revision="1" Stencil="System.Storyboarding.Common" StencilVersion="0.1"/>
 </Control>
 </file>
 
 <file path=customXml/item102.xml><?xml version="1.0" encoding="utf-8"?>
 <Control xmlns="http://schemas.microsoft.com/VisualStudio/2011/storyboarding/control">
-  <Id Name="System.Storyboarding.Common.TextInput" Revision="1" Stencil="System.Storyboarding.Common" StencilVersion="0.1"/>
+  <Id Name="System.Storyboarding.Common.SearchBox" Revision="1" Stencil="System.Storyboarding.Common" StencilVersion="0.1"/>
 </Control>
 </file>
 
@@ -23421,7 +23986,7 @@
 
 <file path=customXml/item104.xml><?xml version="1.0" encoding="utf-8"?>
 <Control xmlns="http://schemas.microsoft.com/VisualStudio/2011/storyboarding/control">
-  <Id Name="System.Storyboarding.Common.CheckBoxChecked" Revision="1" Stencil="System.Storyboarding.Common" StencilVersion="0.1"/>
+  <Id Name="System.Storyboarding.Common.Text" Revision="1" Stencil="System.Storyboarding.Common" StencilVersion="0.1"/>
 </Control>
 </file>
 
@@ -23445,25 +24010,25 @@
 
 <file path=customXml/item108.xml><?xml version="1.0" encoding="utf-8"?>
 <Control xmlns="http://schemas.microsoft.com/VisualStudio/2011/storyboarding/control">
-  <Id Name="System.Storyboarding.Common.TextInput" Revision="1" Stencil="System.Storyboarding.Common" StencilVersion="0.1"/>
-</Control>
-</file>
-
-<file path=customXml/item109.xml><?xml version="1.0" encoding="utf-8"?>
-<Control xmlns="http://schemas.microsoft.com/VisualStudio/2011/storyboarding/control">
   <Id Name="System.Storyboarding.Common.CheckBoxChecked" Revision="1" Stencil="System.Storyboarding.Common" StencilVersion="0.1"/>
 </Control>
 </file>
 
-<file path=customXml/item11.xml><?xml version="1.0" encoding="utf-8"?>
+<file path=customXml/item109.xml><?xml version="1.0" encoding="utf-8"?>
 <Control xmlns="http://schemas.microsoft.com/VisualStudio/2011/storyboarding/control">
   <Id Name="System.Storyboarding.Common.TextInput" Revision="1" Stencil="System.Storyboarding.Common" StencilVersion="0.1"/>
 </Control>
 </file>
 
+<file path=customXml/item11.xml><?xml version="1.0" encoding="utf-8"?>
+<Control xmlns="http://schemas.microsoft.com/VisualStudio/2011/storyboarding/control">
+  <Id Name="System.Storyboarding.Common.Button" Revision="1" Stencil="System.Storyboarding.Common" StencilVersion="0.1"/>
+</Control>
+</file>
+
 <file path=customXml/item110.xml><?xml version="1.0" encoding="utf-8"?>
 <Control xmlns="http://schemas.microsoft.com/VisualStudio/2011/storyboarding/control">
-  <Id Name="System.Storyboarding.Common.CheckBoxChecked" Revision="1" Stencil="System.Storyboarding.Common" StencilVersion="0.1"/>
+  <Id Name="System.Storyboarding.Common.TextInput" Revision="1" Stencil="System.Storyboarding.Common" StencilVersion="0.1"/>
 </Control>
 </file>
 
@@ -23493,19 +24058,19 @@
 
 <file path=customXml/item115.xml><?xml version="1.0" encoding="utf-8"?>
 <Control xmlns="http://schemas.microsoft.com/VisualStudio/2011/storyboarding/control">
-  <Id Name="System.Storyboarding.Common.CheckBoxChecked" Revision="1" Stencil="System.Storyboarding.Common" StencilVersion="0.1"/>
+  <Id Name="System.Storyboarding.Common.CheckBoxUnchecked" Revision="1" Stencil="System.Storyboarding.Common" StencilVersion="0.1"/>
 </Control>
 </file>
 
 <file path=customXml/item116.xml><?xml version="1.0" encoding="utf-8"?>
 <Control xmlns="http://schemas.microsoft.com/VisualStudio/2011/storyboarding/control">
-  <Id Name="System.Storyboarding.Common.CheckBoxChecked" Revision="1" Stencil="System.Storyboarding.Common" StencilVersion="0.1"/>
+  <Id Name="System.Storyboarding.Common.TextInput" Revision="1" Stencil="System.Storyboarding.Common" StencilVersion="0.1"/>
 </Control>
 </file>
 
 <file path=customXml/item117.xml><?xml version="1.0" encoding="utf-8"?>
 <Control xmlns="http://schemas.microsoft.com/VisualStudio/2011/storyboarding/control">
-  <Id Name="System.Storyboarding.Common.CheckBoxChecked" Revision="1" Stencil="System.Storyboarding.Common" StencilVersion="0.1"/>
+  <Id Name="System.Storyboarding.Common.TextInput" Revision="1" Stencil="System.Storyboarding.Common" StencilVersion="0.1"/>
 </Control>
 </file>
 
@@ -23523,7 +24088,7 @@
 
 <file path=customXml/item12.xml><?xml version="1.0" encoding="utf-8"?>
 <Control xmlns="http://schemas.microsoft.com/VisualStudio/2011/storyboarding/control">
-  <Id Name="System.Storyboarding.Common.Button" Revision="1" Stencil="System.Storyboarding.Common" StencilVersion="0.1"/>
+  <Id Name="System.Storyboarding.Common.CheckBoxChecked" Revision="1" Stencil="System.Storyboarding.Common" StencilVersion="0.1"/>
 </Control>
 </file>
 
@@ -23535,19 +24100,19 @@
 
 <file path=customXml/item121.xml><?xml version="1.0" encoding="utf-8"?>
 <Control xmlns="http://schemas.microsoft.com/VisualStudio/2011/storyboarding/control">
-  <Id Name="System.Storyboarding.Common.TextInput" Revision="1" Stencil="System.Storyboarding.Common" StencilVersion="0.1"/>
+  <Id Name="System.Storyboarding.Common.Text" Revision="1" Stencil="System.Storyboarding.Common" StencilVersion="0.1"/>
 </Control>
 </file>
 
 <file path=customXml/item122.xml><?xml version="1.0" encoding="utf-8"?>
 <Control xmlns="http://schemas.microsoft.com/VisualStudio/2011/storyboarding/control">
-  <Id Name="System.Storyboarding.Common.CheckBoxChecked" Revision="1" Stencil="System.Storyboarding.Common" StencilVersion="0.1"/>
+  <Id Name="System.Storyboarding.Annotation.StickyNote" Revision="1" Stencil="System.Storyboarding.Annotation" StencilVersion="0.1"/>
 </Control>
 </file>
 
 <file path=customXml/item123.xml><?xml version="1.0" encoding="utf-8"?>
 <Control xmlns="http://schemas.microsoft.com/VisualStudio/2011/storyboarding/control">
-  <Id Name="System.Storyboarding.Common.CheckBoxChecked" Revision="1" Stencil="System.Storyboarding.Common" StencilVersion="0.1"/>
+  <Id Name="System.Storyboarding.Annotation.StickyNote" Revision="1" Stencil="System.Storyboarding.Annotation" StencilVersion="0.1"/>
 </Control>
 </file>
 
@@ -23559,13 +24124,13 @@
 
 <file path=customXml/item125.xml><?xml version="1.0" encoding="utf-8"?>
 <Control xmlns="http://schemas.microsoft.com/VisualStudio/2011/storyboarding/control">
-  <Id Name="System.Storyboarding.Common.TextInput" Revision="1" Stencil="System.Storyboarding.Common" StencilVersion="0.1"/>
+  <Id Name="System.Storyboarding.Common.CheckBoxChecked" Revision="1" Stencil="System.Storyboarding.Common" StencilVersion="0.1"/>
 </Control>
 </file>
 
 <file path=customXml/item126.xml><?xml version="1.0" encoding="utf-8"?>
 <Control xmlns="http://schemas.microsoft.com/VisualStudio/2011/storyboarding/control">
-  <Id Name="System.Storyboarding.Common.TextInput" Revision="1" Stencil="System.Storyboarding.Common" StencilVersion="0.1"/>
+  <Id Name="System.Storyboarding.Common.CheckBoxChecked" Revision="1" Stencil="System.Storyboarding.Common" StencilVersion="0.1"/>
 </Control>
 </file>
 
@@ -23583,7 +24148,7 @@
 
 <file path=customXml/item129.xml><?xml version="1.0" encoding="utf-8"?>
 <Control xmlns="http://schemas.microsoft.com/VisualStudio/2011/storyboarding/control">
-  <Id Name="System.Storyboarding.Common.TextInput" Revision="1" Stencil="System.Storyboarding.Common" StencilVersion="0.1"/>
+  <Id Name="System.Storyboarding.Common.Button" Revision="1" Stencil="System.Storyboarding.Common" StencilVersion="0.1"/>
 </Control>
 </file>
 
@@ -23601,19 +24166,19 @@
 
 <file path=customXml/item131.xml><?xml version="1.0" encoding="utf-8"?>
 <Control xmlns="http://schemas.microsoft.com/VisualStudio/2011/storyboarding/control">
-  <Id Name="System.Storyboarding.Common.TextInput" Revision="1" Stencil="System.Storyboarding.Common" StencilVersion="0.1"/>
+  <Id Name="System.Storyboarding.Annotation.StickyNote" Revision="1" Stencil="System.Storyboarding.Annotation" StencilVersion="0.1"/>
 </Control>
 </file>
 
 <file path=customXml/item132.xml><?xml version="1.0" encoding="utf-8"?>
 <Control xmlns="http://schemas.microsoft.com/VisualStudio/2011/storyboarding/control">
-  <Id Name="System.Storyboarding.Common.TextInput" Revision="1" Stencil="System.Storyboarding.Common" StencilVersion="0.1"/>
+  <Id Name="System.Storyboarding.Common.Button" Revision="1" Stencil="System.Storyboarding.Common" StencilVersion="0.1"/>
 </Control>
 </file>
 
 <file path=customXml/item133.xml><?xml version="1.0" encoding="utf-8"?>
 <Control xmlns="http://schemas.microsoft.com/VisualStudio/2011/storyboarding/control">
-  <Id Name="System.Storyboarding.Common.CheckBoxChecked" Revision="1" Stencil="System.Storyboarding.Common" StencilVersion="0.1"/>
+  <Id Name="System.Storyboarding.Common.TextInput" Revision="1" Stencil="System.Storyboarding.Common" StencilVersion="0.1"/>
 </Control>
 </file>
 
@@ -23631,31 +24196,31 @@
 
 <file path=customXml/item136.xml><?xml version="1.0" encoding="utf-8"?>
 <Control xmlns="http://schemas.microsoft.com/VisualStudio/2011/storyboarding/control">
-  <Id Name="System.Storyboarding.Common.TextInput" Revision="1" Stencil="System.Storyboarding.Common" StencilVersion="0.1"/>
+  <Id Name="System.Storyboarding.Common.CheckBoxChecked" Revision="1" Stencil="System.Storyboarding.Common" StencilVersion="0.1"/>
 </Control>
 </file>
 
 <file path=customXml/item137.xml><?xml version="1.0" encoding="utf-8"?>
 <Control xmlns="http://schemas.microsoft.com/VisualStudio/2011/storyboarding/control">
-  <Id Name="System.Storyboarding.Common.TextInput" Revision="1" Stencil="System.Storyboarding.Common" StencilVersion="0.1"/>
+  <Id Name="System.Storyboarding.Common.Button" Revision="1" Stencil="System.Storyboarding.Common" StencilVersion="0.1"/>
 </Control>
 </file>
 
 <file path=customXml/item138.xml><?xml version="1.0" encoding="utf-8"?>
 <Control xmlns="http://schemas.microsoft.com/VisualStudio/2011/storyboarding/control">
-  <Id Name="System.Storyboarding.Common.CheckBoxChecked" Revision="1" Stencil="System.Storyboarding.Common" StencilVersion="0.1"/>
+  <Id Name="System.Storyboarding.Common.ScrollbarVertical" Revision="1" Stencil="System.Storyboarding.Common" StencilVersion="0.1"/>
 </Control>
 </file>
 
 <file path=customXml/item139.xml><?xml version="1.0" encoding="utf-8"?>
 <Control xmlns="http://schemas.microsoft.com/VisualStudio/2011/storyboarding/control">
-  <Id Name="System.Storyboarding.Common.CheckBoxChecked" Revision="1" Stencil="System.Storyboarding.Common" StencilVersion="0.1"/>
+  <Id Name="System.Storyboarding.Annotation.StickyNote" Revision="1" Stencil="System.Storyboarding.Annotation" StencilVersion="0.1"/>
 </Control>
 </file>
 
 <file path=customXml/item14.xml><?xml version="1.0" encoding="utf-8"?>
 <Control xmlns="http://schemas.microsoft.com/VisualStudio/2011/storyboarding/control">
-  <Id Name="System.Storyboarding.Common.TextInput" Revision="1" Stencil="System.Storyboarding.Common" StencilVersion="0.1"/>
+  <Id Name="System.Storyboarding.Backgrounds.WebBrowser" Revision="1" Stencil="System.Storyboarding.Backgrounds" StencilVersion="0.1"/>
 </Control>
 </file>
 
@@ -23691,7 +24256,7 @@
 
 <file path=customXml/item145.xml><?xml version="1.0" encoding="utf-8"?>
 <Control xmlns="http://schemas.microsoft.com/VisualStudio/2011/storyboarding/control">
-  <Id Name="System.Storyboarding.Common.TextInput" Revision="1" Stencil="System.Storyboarding.Common" StencilVersion="0.1"/>
+  <Id Name="System.Storyboarding.Common.CheckBoxUnchecked" Revision="1" Stencil="System.Storyboarding.Common" StencilVersion="0.1"/>
 </Control>
 </file>
 
@@ -23709,7 +24274,7 @@
 
 <file path=customXml/item148.xml><?xml version="1.0" encoding="utf-8"?>
 <Control xmlns="http://schemas.microsoft.com/VisualStudio/2011/storyboarding/control">
-  <Id Name="System.Storyboarding.Common.CheckBoxChecked" Revision="1" Stencil="System.Storyboarding.Common" StencilVersion="0.1"/>
+  <Id Name="System.Storyboarding.Common.TextInput" Revision="1" Stencil="System.Storyboarding.Common" StencilVersion="0.1"/>
 </Control>
 </file>
 
@@ -23721,13 +24286,13 @@
 
 <file path=customXml/item15.xml><?xml version="1.0" encoding="utf-8"?>
 <Control xmlns="http://schemas.microsoft.com/VisualStudio/2011/storyboarding/control">
-  <Id Name="System.Storyboarding.Common.Button" Revision="1" Stencil="System.Storyboarding.Common" StencilVersion="0.1"/>
+  <Id Name="System.Storyboarding.Common.Text" Revision="1" Stencil="System.Storyboarding.Common" StencilVersion="0.1"/>
 </Control>
 </file>
 
 <file path=customXml/item150.xml><?xml version="1.0" encoding="utf-8"?>
 <Control xmlns="http://schemas.microsoft.com/VisualStudio/2011/storyboarding/control">
-  <Id Name="System.Storyboarding.Common.TextInput" Revision="1" Stencil="System.Storyboarding.Common" StencilVersion="0.1"/>
+  <Id Name="System.Storyboarding.Common.CheckBoxChecked" Revision="1" Stencil="System.Storyboarding.Common" StencilVersion="0.1"/>
 </Control>
 </file>
 
@@ -23739,31 +24304,31 @@
 
 <file path=customXml/item152.xml><?xml version="1.0" encoding="utf-8"?>
 <Control xmlns="http://schemas.microsoft.com/VisualStudio/2011/storyboarding/control">
-  <Id Name="System.Storyboarding.Common.TextInput" Revision="1" Stencil="System.Storyboarding.Common" StencilVersion="0.1"/>
+  <Id Name="System.Storyboarding.Common.CheckBoxChecked" Revision="1" Stencil="System.Storyboarding.Common" StencilVersion="0.1"/>
 </Control>
 </file>
 
 <file path=customXml/item153.xml><?xml version="1.0" encoding="utf-8"?>
+<Control xmlns="http://schemas.microsoft.com/VisualStudio/2011/storyboarding/control">
+  <Id Name="System.Storyboarding.Common.ScrollbarVertical" Revision="1" Stencil="System.Storyboarding.Common" StencilVersion="0.1"/>
+</Control>
+</file>
+
+<file path=customXml/item154.xml><?xml version="1.0" encoding="utf-8"?>
+<Control xmlns="http://schemas.microsoft.com/VisualStudio/2011/storyboarding/control">
+  <Id Name="System.Storyboarding.Common.Button" Revision="1" Stencil="System.Storyboarding.Common" StencilVersion="0.1"/>
+</Control>
+</file>
+
+<file path=customXml/item155.xml><?xml version="1.0" encoding="utf-8"?>
 <Control xmlns="http://schemas.microsoft.com/VisualStudio/2011/storyboarding/control">
   <Id Name="System.Storyboarding.Common.CheckBoxChecked" Revision="1" Stencil="System.Storyboarding.Common" StencilVersion="0.1"/>
 </Control>
 </file>
 
-<file path=customXml/item154.xml><?xml version="1.0" encoding="utf-8"?>
-<Control xmlns="http://schemas.microsoft.com/VisualStudio/2011/storyboarding/control">
-  <Id Name="System.Storyboarding.Common.TextInput" Revision="1" Stencil="System.Storyboarding.Common" StencilVersion="0.1"/>
-</Control>
-</file>
-
-<file path=customXml/item155.xml><?xml version="1.0" encoding="utf-8"?>
-<Control xmlns="http://schemas.microsoft.com/VisualStudio/2011/storyboarding/control">
-  <Id Name="System.Storyboarding.Common.TextInput" Revision="1" Stencil="System.Storyboarding.Common" StencilVersion="0.1"/>
-</Control>
-</file>
-
 <file path=customXml/item156.xml><?xml version="1.0" encoding="utf-8"?>
 <Control xmlns="http://schemas.microsoft.com/VisualStudio/2011/storyboarding/control">
-  <Id Name="System.Storyboarding.Common.TextInput" Revision="1" Stencil="System.Storyboarding.Common" StencilVersion="0.1"/>
+  <Id Name="System.Storyboarding.Annotation.StickyNote" Revision="1" Stencil="System.Storyboarding.Annotation" StencilVersion="0.1"/>
 </Control>
 </file>
 
@@ -23775,61 +24340,91 @@
 
 <file path=customXml/item158.xml><?xml version="1.0" encoding="utf-8"?>
 <Control xmlns="http://schemas.microsoft.com/VisualStudio/2011/storyboarding/control">
+  <Id Name="System.Storyboarding.Annotation.StickyNote" Revision="1" Stencil="System.Storyboarding.Annotation" StencilVersion="0.1"/>
+</Control>
+</file>
+
+<file path=customXml/item159.xml><?xml version="1.0" encoding="utf-8"?>
+<Control xmlns="http://schemas.microsoft.com/VisualStudio/2011/storyboarding/control">
+  <Id Name="System.Storyboarding.Common.SearchBox" Revision="1" Stencil="System.Storyboarding.Common" StencilVersion="0.1"/>
+</Control>
+</file>
+
+<file path=customXml/item16.xml><?xml version="1.0" encoding="utf-8"?>
+<Control xmlns="http://schemas.microsoft.com/VisualStudio/2011/storyboarding/control">
+  <Id Name="System.Storyboarding.Common.TextInput" Revision="1" Stencil="System.Storyboarding.Common" StencilVersion="0.1"/>
+</Control>
+</file>
+
+<file path=customXml/item160.xml><?xml version="1.0" encoding="utf-8"?>
+<Control xmlns="http://schemas.microsoft.com/VisualStudio/2011/storyboarding/control">
+  <Id Name="System.Storyboarding.Common.TextInput" Revision="1" Stencil="System.Storyboarding.Common" StencilVersion="0.1"/>
+</Control>
+</file>
+
+<file path=customXml/item161.xml><?xml version="1.0" encoding="utf-8"?>
+<Control xmlns="http://schemas.microsoft.com/VisualStudio/2011/storyboarding/control">
   <Id Name="System.Storyboarding.Common.CheckBoxChecked" Revision="1" Stencil="System.Storyboarding.Common" StencilVersion="0.1"/>
 </Control>
 </file>
 
-<file path=customXml/item159.xml><?xml version="1.0" encoding="utf-8"?>
+<file path=customXml/item162.xml><?xml version="1.0" encoding="utf-8"?>
 <Control xmlns="http://schemas.microsoft.com/VisualStudio/2011/storyboarding/control">
   <Id Name="System.Storyboarding.Icons.Warning" Revision="1" Stencil="System.Storyboarding.Icons" StencilVersion="0.1"/>
 </Control>
 </file>
 
-<file path=customXml/item16.xml><?xml version="1.0" encoding="utf-8"?>
+<file path=customXml/item163.xml><?xml version="1.0" encoding="utf-8"?>
 <Control xmlns="http://schemas.microsoft.com/VisualStudio/2011/storyboarding/control">
-  <Id Name="System.Storyboarding.Common.Button" Revision="1" Stencil="System.Storyboarding.Common" StencilVersion="0.1"/>
+  <Id Name="System.Storyboarding.Common.SearchBox" Revision="1" Stencil="System.Storyboarding.Common" StencilVersion="0.1"/>
 </Control>
 </file>
 
-<file path=customXml/item160.xml><?xml version="1.0" encoding="utf-8"?>
+<file path=customXml/item164.xml><?xml version="1.0" encoding="utf-8"?>
 <Control xmlns="http://schemas.microsoft.com/VisualStudio/2011/storyboarding/control">
   <Id Name="System.Storyboarding.Common.Text" Revision="1" Stencil="System.Storyboarding.Common" StencilVersion="0.1"/>
 </Control>
 </file>
 
-<file path=customXml/item161.xml><?xml version="1.0" encoding="utf-8"?>
+<file path=customXml/item165.xml><?xml version="1.0" encoding="utf-8"?>
 <Control xmlns="http://schemas.microsoft.com/VisualStudio/2011/storyboarding/control">
   <Id Name="System.Storyboarding.Common.Text" Revision="1" Stencil="System.Storyboarding.Common" StencilVersion="0.1"/>
 </Control>
 </file>
 
-<file path=customXml/item162.xml><?xml version="1.0" encoding="utf-8"?>
+<file path=customXml/item166.xml><?xml version="1.0" encoding="utf-8"?>
+<Control xmlns="http://schemas.microsoft.com/VisualStudio/2011/storyboarding/control">
+  <Id Name="System.Storyboarding.Media.PieChart" Revision="1" Stencil="System.Storyboarding.Media" StencilVersion="0.1"/>
+</Control>
+</file>
+
+<file path=customXml/item167.xml><?xml version="1.0" encoding="utf-8"?>
+<Control xmlns="http://schemas.microsoft.com/VisualStudio/2011/storyboarding/control">
+  <Id Name="System.Storyboarding.Media.VerticalBarChart" Revision="1" Stencil="System.Storyboarding.Media" StencilVersion="0.1"/>
+</Control>
+</file>
+
+<file path=customXml/item168.xml><?xml version="1.0" encoding="utf-8"?>
 <Control xmlns="http://schemas.microsoft.com/VisualStudio/2011/storyboarding/control">
   <Id Name="System.Storyboarding.Common.Text" Revision="1" Stencil="System.Storyboarding.Common" StencilVersion="0.1"/>
 </Control>
 </file>
 
-<file path=customXml/item163.xml><?xml version="1.0" encoding="utf-8"?>
-<Control xmlns="http://schemas.microsoft.com/VisualStudio/2011/storyboarding/control">
-  <Id Name="System.Storyboarding.Common.Text" Revision="1" Stencil="System.Storyboarding.Common" StencilVersion="0.1"/>
-</Control>
-</file>
-
 <file path=customXml/item17.xml><?xml version="1.0" encoding="utf-8"?>
 <Control xmlns="http://schemas.microsoft.com/VisualStudio/2011/storyboarding/control">
-  <Id Name="System.Storyboarding.Common.SearchBox" Revision="1" Stencil="System.Storyboarding.Common" StencilVersion="0.1"/>
+  <Id Name="System.Storyboarding.Common.TextInput" Revision="1" Stencil="System.Storyboarding.Common" StencilVersion="0.1"/>
 </Control>
 </file>
 
 <file path=customXml/item18.xml><?xml version="1.0" encoding="utf-8"?>
 <Control xmlns="http://schemas.microsoft.com/VisualStudio/2011/storyboarding/control">
-  <Id Name="System.Storyboarding.Common.ScrollbarVertical" Revision="1" Stencil="System.Storyboarding.Common" StencilVersion="0.1"/>
+  <Id Name="System.Storyboarding.Common.CheckBoxChecked" Revision="1" Stencil="System.Storyboarding.Common" StencilVersion="0.1"/>
 </Control>
 </file>
 
 <file path=customXml/item19.xml><?xml version="1.0" encoding="utf-8"?>
 <Control xmlns="http://schemas.microsoft.com/VisualStudio/2011/storyboarding/control">
-  <Id Name="System.Storyboarding.Common.Text" Revision="1" Stencil="System.Storyboarding.Common" StencilVersion="0.1"/>
+  <Id Name="System.Storyboarding.Common.TextInput" Revision="1" Stencil="System.Storyboarding.Common" StencilVersion="0.1"/>
 </Control>
 </file>
 
@@ -23841,7 +24436,7 @@
 
 <file path=customXml/item20.xml><?xml version="1.0" encoding="utf-8"?>
 <Control xmlns="http://schemas.microsoft.com/VisualStudio/2011/storyboarding/control">
-  <Id Name="System.Storyboarding.Common.Button" Revision="1" Stencil="System.Storyboarding.Common" StencilVersion="0.1"/>
+  <Id Name="System.Storyboarding.Common.Text" Revision="1" Stencil="System.Storyboarding.Common" StencilVersion="0.1"/>
 </Control>
 </file>
 
@@ -23853,19 +24448,19 @@
 
 <file path=customXml/item22.xml><?xml version="1.0" encoding="utf-8"?>
 <Control xmlns="http://schemas.microsoft.com/VisualStudio/2011/storyboarding/control">
-  <Id Name="System.Storyboarding.Annotation.StickyNote" Revision="1" Stencil="System.Storyboarding.Annotation" StencilVersion="0.1"/>
+  <Id Name="System.Storyboarding.Common.Text" Revision="1" Stencil="System.Storyboarding.Common" StencilVersion="0.1"/>
 </Control>
 </file>
 
 <file path=customXml/item23.xml><?xml version="1.0" encoding="utf-8"?>
 <Control xmlns="http://schemas.microsoft.com/VisualStudio/2011/storyboarding/control">
-  <Id Name="System.Storyboarding.Common.CheckBoxUnchecked" Revision="1" Stencil="System.Storyboarding.Common" StencilVersion="0.1"/>
+  <Id Name="System.Storyboarding.Common.TextInput" Revision="1" Stencil="System.Storyboarding.Common" StencilVersion="0.1"/>
 </Control>
 </file>
 
 <file path=customXml/item24.xml><?xml version="1.0" encoding="utf-8"?>
 <Control xmlns="http://schemas.microsoft.com/VisualStudio/2011/storyboarding/control">
-  <Id Name="System.Storyboarding.Icons.Warning" Revision="1" Stencil="System.Storyboarding.Icons" StencilVersion="0.1"/>
+  <Id Name="System.Storyboarding.Annotation.StickyNote" Revision="1" Stencil="System.Storyboarding.Annotation" StencilVersion="0.1"/>
 </Control>
 </file>
 
@@ -23877,37 +24472,37 @@
 
 <file path=customXml/item26.xml><?xml version="1.0" encoding="utf-8"?>
 <Control xmlns="http://schemas.microsoft.com/VisualStudio/2011/storyboarding/control">
-  <Id Name="System.Storyboarding.Annotation.StickyNote" Revision="1" Stencil="System.Storyboarding.Annotation" StencilVersion="0.1"/>
+  <Id Name="System.Storyboarding.Common.SearchBox" Revision="1" Stencil="System.Storyboarding.Common" StencilVersion="0.1"/>
 </Control>
 </file>
 
 <file path=customXml/item27.xml><?xml version="1.0" encoding="utf-8"?>
+<Control xmlns="http://schemas.microsoft.com/VisualStudio/2011/storyboarding/control">
+  <Id Name="System.Storyboarding.Common.TextInput" Revision="1" Stencil="System.Storyboarding.Common" StencilVersion="0.1"/>
+</Control>
+</file>
+
+<file path=customXml/item28.xml><?xml version="1.0" encoding="utf-8"?>
+<Control xmlns="http://schemas.microsoft.com/VisualStudio/2011/storyboarding/control">
+  <Id Name="System.Storyboarding.Common.CheckBoxChecked" Revision="1" Stencil="System.Storyboarding.Common" StencilVersion="0.1"/>
+</Control>
+</file>
+
+<file path=customXml/item29.xml><?xml version="1.0" encoding="utf-8"?>
 <Control xmlns="http://schemas.microsoft.com/VisualStudio/2011/storyboarding/control">
   <Id Name="System.Storyboarding.Common.ScrollbarVertical" Revision="1" Stencil="System.Storyboarding.Common" StencilVersion="0.1"/>
 </Control>
 </file>
 
-<file path=customXml/item28.xml><?xml version="1.0" encoding="utf-8"?>
+<file path=customXml/item3.xml><?xml version="1.0" encoding="utf-8"?>
 <Control xmlns="http://schemas.microsoft.com/VisualStudio/2011/storyboarding/control">
   <Id Name="System.Storyboarding.Common.TextInput" Revision="1" Stencil="System.Storyboarding.Common" StencilVersion="0.1"/>
 </Control>
 </file>
 
-<file path=customXml/item29.xml><?xml version="1.0" encoding="utf-8"?>
-<Control xmlns="http://schemas.microsoft.com/VisualStudio/2011/storyboarding/control">
-  <Id Name="System.Storyboarding.Common.TextInput" Revision="1" Stencil="System.Storyboarding.Common" StencilVersion="0.1"/>
-</Control>
-</file>
-
-<file path=customXml/item3.xml><?xml version="1.0" encoding="utf-8"?>
-<Control xmlns="http://schemas.microsoft.com/VisualStudio/2011/storyboarding/control">
-  <Id Name="System.Storyboarding.Annotation.StickyNote" Revision="1" Stencil="System.Storyboarding.Annotation" StencilVersion="0.1"/>
-</Control>
-</file>
-
 <file path=customXml/item30.xml><?xml version="1.0" encoding="utf-8"?>
 <Control xmlns="http://schemas.microsoft.com/VisualStudio/2011/storyboarding/control">
-  <Id Name="System.Storyboarding.Common.TextInput" Revision="1" Stencil="System.Storyboarding.Common" StencilVersion="0.1"/>
+  <Id Name="System.Storyboarding.Common.ScrollbarVertical" Revision="1" Stencil="System.Storyboarding.Common" StencilVersion="0.1"/>
 </Control>
 </file>
 
@@ -23919,7 +24514,7 @@
 
 <file path=customXml/item32.xml><?xml version="1.0" encoding="utf-8"?>
 <Control xmlns="http://schemas.microsoft.com/VisualStudio/2011/storyboarding/control">
-  <Id Name="System.Storyboarding.Common.SearchBox" Revision="1" Stencil="System.Storyboarding.Common" StencilVersion="0.1"/>
+  <Id Name="System.Storyboarding.Common.TextInput" Revision="1" Stencil="System.Storyboarding.Common" StencilVersion="0.1"/>
 </Control>
 </file>
 
@@ -23931,7 +24526,7 @@
 
 <file path=customXml/item34.xml><?xml version="1.0" encoding="utf-8"?>
 <Control xmlns="http://schemas.microsoft.com/VisualStudio/2011/storyboarding/control">
-  <Id Name="System.Storyboarding.Common.ScrollbarVertical" Revision="1" Stencil="System.Storyboarding.Common" StencilVersion="0.1"/>
+  <Id Name="System.Storyboarding.Common.TextInput" Revision="1" Stencil="System.Storyboarding.Common" StencilVersion="0.1"/>
 </Control>
 </file>
 
@@ -23943,31 +24538,31 @@
 
 <file path=customXml/item36.xml><?xml version="1.0" encoding="utf-8"?>
 <Control xmlns="http://schemas.microsoft.com/VisualStudio/2011/storyboarding/control">
-  <Id Name="System.Storyboarding.Common.ScrollbarVertical" Revision="1" Stencil="System.Storyboarding.Common" StencilVersion="0.1"/>
+  <Id Name="System.Storyboarding.Common.CheckBoxChecked" Revision="1" Stencil="System.Storyboarding.Common" StencilVersion="0.1"/>
 </Control>
 </file>
 
 <file path=customXml/item37.xml><?xml version="1.0" encoding="utf-8"?>
 <Control xmlns="http://schemas.microsoft.com/VisualStudio/2011/storyboarding/control">
-  <Id Name="System.Storyboarding.Backgrounds.WebBrowser" Revision="1" Stencil="System.Storyboarding.Backgrounds" StencilVersion="0.1"/>
+  <Id Name="System.Storyboarding.Common.TextInput" Revision="1" Stencil="System.Storyboarding.Common" StencilVersion="0.1"/>
 </Control>
 </file>
 
 <file path=customXml/item38.xml><?xml version="1.0" encoding="utf-8"?>
 <Control xmlns="http://schemas.microsoft.com/VisualStudio/2011/storyboarding/control">
-  <Id Name="System.Storyboarding.Common.Text" Revision="1" Stencil="System.Storyboarding.Common" StencilVersion="0.1"/>
+  <Id Name="System.Storyboarding.Common.Button" Revision="1" Stencil="System.Storyboarding.Common" StencilVersion="0.1"/>
 </Control>
 </file>
 
 <file path=customXml/item39.xml><?xml version="1.0" encoding="utf-8"?>
 <Control xmlns="http://schemas.microsoft.com/VisualStudio/2011/storyboarding/control">
-  <Id Name="System.Storyboarding.Common.CheckBoxChecked" Revision="1" Stencil="System.Storyboarding.Common" StencilVersion="0.1"/>
+  <Id Name="System.Storyboarding.Common.TextInput" Revision="1" Stencil="System.Storyboarding.Common" StencilVersion="0.1"/>
 </Control>
 </file>
 
 <file path=customXml/item4.xml><?xml version="1.0" encoding="utf-8"?>
 <Control xmlns="http://schemas.microsoft.com/VisualStudio/2011/storyboarding/control">
-  <Id Name="System.Storyboarding.Common.ScrollbarVertical" Revision="1" Stencil="System.Storyboarding.Common" StencilVersion="0.1"/>
+  <Id Name="System.Storyboarding.Common.CheckBoxChecked" Revision="1" Stencil="System.Storyboarding.Common" StencilVersion="0.1"/>
 </Control>
 </file>
 
@@ -23985,25 +24580,25 @@
 
 <file path=customXml/item42.xml><?xml version="1.0" encoding="utf-8"?>
 <Control xmlns="http://schemas.microsoft.com/VisualStudio/2011/storyboarding/control">
-  <Id Name="System.Storyboarding.Annotation.StickyNote" Revision="1" Stencil="System.Storyboarding.Annotation" StencilVersion="0.1"/>
+  <Id Name="System.Storyboarding.Common.SearchBox" Revision="1" Stencil="System.Storyboarding.Common" StencilVersion="0.1"/>
 </Control>
 </file>
 
 <file path=customXml/item43.xml><?xml version="1.0" encoding="utf-8"?>
 <Control xmlns="http://schemas.microsoft.com/VisualStudio/2011/storyboarding/control">
-  <Id Name="System.Storyboarding.Annotation.StickyNote" Revision="1" Stencil="System.Storyboarding.Annotation" StencilVersion="0.1"/>
+  <Id Name="System.Storyboarding.Common.Text" Revision="1" Stencil="System.Storyboarding.Common" StencilVersion="0.1"/>
 </Control>
 </file>
 
 <file path=customXml/item44.xml><?xml version="1.0" encoding="utf-8"?>
 <Control xmlns="http://schemas.microsoft.com/VisualStudio/2011/storyboarding/control">
-  <Id Name="System.Storyboarding.Common.ScrollbarVertical" Revision="1" Stencil="System.Storyboarding.Common" StencilVersion="0.1"/>
+  <Id Name="System.Storyboarding.Common.SearchBox" Revision="1" Stencil="System.Storyboarding.Common" StencilVersion="0.1"/>
 </Control>
 </file>
 
 <file path=customXml/item45.xml><?xml version="1.0" encoding="utf-8"?>
 <Control xmlns="http://schemas.microsoft.com/VisualStudio/2011/storyboarding/control">
-  <Id Name="System.Storyboarding.Common.Button" Revision="1" Stencil="System.Storyboarding.Common" StencilVersion="0.1"/>
+  <Id Name="System.Storyboarding.Common.TextInput" Revision="1" Stencil="System.Storyboarding.Common" StencilVersion="0.1"/>
 </Control>
 </file>
 
@@ -24015,85 +24610,85 @@
 
 <file path=customXml/item47.xml><?xml version="1.0" encoding="utf-8"?>
 <Control xmlns="http://schemas.microsoft.com/VisualStudio/2011/storyboarding/control">
-  <Id Name="System.Storyboarding.Common.SearchBox" Revision="1" Stencil="System.Storyboarding.Common" StencilVersion="0.1"/>
+  <Id Name="System.Storyboarding.Common.Hyperlink" Revision="1" Stencil="System.Storyboarding.Common" StencilVersion="0.1"/>
 </Control>
 </file>
 
 <file path=customXml/item48.xml><?xml version="1.0" encoding="utf-8"?>
 <Control xmlns="http://schemas.microsoft.com/VisualStudio/2011/storyboarding/control">
-  <Id Name="System.Storyboarding.Common.ScrollbarVertical" Revision="1" Stencil="System.Storyboarding.Common" StencilVersion="0.1"/>
+  <Id Name="System.Storyboarding.Common.CheckBoxUnchecked" Revision="1" Stencil="System.Storyboarding.Common" StencilVersion="0.1"/>
 </Control>
 </file>
 
 <file path=customXml/item49.xml><?xml version="1.0" encoding="utf-8"?>
+<Control xmlns="http://schemas.microsoft.com/VisualStudio/2011/storyboarding/control">
+  <Id Name="System.Storyboarding.Common.TextInput" Revision="1" Stencil="System.Storyboarding.Common" StencilVersion="0.1"/>
+</Control>
+</file>
+
+<file path=customXml/item5.xml><?xml version="1.0" encoding="utf-8"?>
+<Control xmlns="http://schemas.microsoft.com/VisualStudio/2011/storyboarding/control">
+  <Id Name="System.Storyboarding.Common.TextInput" Revision="1" Stencil="System.Storyboarding.Common" StencilVersion="0.1"/>
+</Control>
+</file>
+
+<file path=customXml/item50.xml><?xml version="1.0" encoding="utf-8"?>
+<Control xmlns="http://schemas.microsoft.com/VisualStudio/2011/storyboarding/control">
+  <Id Name="System.Storyboarding.Common.TextInput" Revision="1" Stencil="System.Storyboarding.Common" StencilVersion="0.1"/>
+</Control>
+</file>
+
+<file path=customXml/item51.xml><?xml version="1.0" encoding="utf-8"?>
+<Control xmlns="http://schemas.microsoft.com/VisualStudio/2011/storyboarding/control">
+  <Id Name="System.Storyboarding.Common.Text" Revision="1" Stencil="System.Storyboarding.Common" StencilVersion="0.1"/>
+</Control>
+</file>
+
+<file path=customXml/item52.xml><?xml version="1.0" encoding="utf-8"?>
 <Control xmlns="http://schemas.microsoft.com/VisualStudio/2011/storyboarding/control">
   <Id Name="System.Storyboarding.Common.CheckBoxChecked" Revision="1" Stencil="System.Storyboarding.Common" StencilVersion="0.1"/>
 </Control>
 </file>
 
-<file path=customXml/item5.xml><?xml version="1.0" encoding="utf-8"?>
+<file path=customXml/item53.xml><?xml version="1.0" encoding="utf-8"?>
 <Control xmlns="http://schemas.microsoft.com/VisualStudio/2011/storyboarding/control">
-  <Id Name="System.Storyboarding.Common.Text" Revision="1" Stencil="System.Storyboarding.Common" StencilVersion="0.1"/>
+  <Id Name="System.Storyboarding.Common.TextInput" Revision="1" Stencil="System.Storyboarding.Common" StencilVersion="0.1"/>
 </Control>
 </file>
 
-<file path=customXml/item50.xml><?xml version="1.0" encoding="utf-8"?>
+<file path=customXml/item54.xml><?xml version="1.0" encoding="utf-8"?>
 <Control xmlns="http://schemas.microsoft.com/VisualStudio/2011/storyboarding/control">
-  <Id Name="System.Storyboarding.Common.CheckBoxChecked" Revision="1" Stencil="System.Storyboarding.Common" StencilVersion="0.1"/>
+  <Id Name="System.Storyboarding.Common.TextInput" Revision="1" Stencil="System.Storyboarding.Common" StencilVersion="0.1"/>
 </Control>
 </file>
 
-<file path=customXml/item51.xml><?xml version="1.0" encoding="utf-8"?>
+<file path=customXml/item55.xml><?xml version="1.0" encoding="utf-8"?>
+<Control xmlns="http://schemas.microsoft.com/VisualStudio/2011/storyboarding/control">
+  <Id Name="System.Storyboarding.Common.TextInput" Revision="1" Stencil="System.Storyboarding.Common" StencilVersion="0.1"/>
+</Control>
+</file>
+
+<file path=customXml/item56.xml><?xml version="1.0" encoding="utf-8"?>
 <Control xmlns="http://schemas.microsoft.com/VisualStudio/2011/storyboarding/control">
   <Id Name="System.Storyboarding.Common.CheckBoxUnchecked" Revision="1" Stencil="System.Storyboarding.Common" StencilVersion="0.1"/>
 </Control>
 </file>
 
-<file path=customXml/item52.xml><?xml version="1.0" encoding="utf-8"?>
+<file path=customXml/item57.xml><?xml version="1.0" encoding="utf-8"?>
+<Control xmlns="http://schemas.microsoft.com/VisualStudio/2011/storyboarding/control">
+  <Id Name="System.Storyboarding.Common.CheckBoxUnchecked" Revision="1" Stencil="System.Storyboarding.Common" StencilVersion="0.1"/>
+</Control>
+</file>
+
+<file path=customXml/item58.xml><?xml version="1.0" encoding="utf-8"?>
 <Control xmlns="http://schemas.microsoft.com/VisualStudio/2011/storyboarding/control">
   <Id Name="System.Storyboarding.Common.TextInput" Revision="1" Stencil="System.Storyboarding.Common" StencilVersion="0.1"/>
 </Control>
 </file>
 
-<file path=customXml/item53.xml><?xml version="1.0" encoding="utf-8"?>
-<Control xmlns="http://schemas.microsoft.com/VisualStudio/2011/storyboarding/control">
-  <Id Name="System.Storyboarding.Common.CheckBoxUnchecked" Revision="1" Stencil="System.Storyboarding.Common" StencilVersion="0.1"/>
-</Control>
-</file>
-
-<file path=customXml/item54.xml><?xml version="1.0" encoding="utf-8"?>
-<Control xmlns="http://schemas.microsoft.com/VisualStudio/2011/storyboarding/control">
-  <Id Name="System.Storyboarding.Common.Hyperlink" Revision="1" Stencil="System.Storyboarding.Common" StencilVersion="0.1"/>
-</Control>
-</file>
-
-<file path=customXml/item55.xml><?xml version="1.0" encoding="utf-8"?>
-<Control xmlns="http://schemas.microsoft.com/VisualStudio/2011/storyboarding/control">
-  <Id Name="System.Storyboarding.Common.ScrollbarVertical" Revision="1" Stencil="System.Storyboarding.Common" StencilVersion="0.1"/>
-</Control>
-</file>
-
-<file path=customXml/item56.xml><?xml version="1.0" encoding="utf-8"?>
-<Control xmlns="http://schemas.microsoft.com/VisualStudio/2011/storyboarding/control">
-  <Id Name="System.Storyboarding.Common.CheckBoxChecked" Revision="1" Stencil="System.Storyboarding.Common" StencilVersion="0.1"/>
-</Control>
-</file>
-
-<file path=customXml/item57.xml><?xml version="1.0" encoding="utf-8"?>
-<Control xmlns="http://schemas.microsoft.com/VisualStudio/2011/storyboarding/control">
-  <Id Name="System.Storyboarding.Annotation.StickyNote" Revision="1" Stencil="System.Storyboarding.Annotation" StencilVersion="0.1"/>
-</Control>
-</file>
-
-<file path=customXml/item58.xml><?xml version="1.0" encoding="utf-8"?>
-<Control xmlns="http://schemas.microsoft.com/VisualStudio/2011/storyboarding/control">
-  <Id Name="System.Storyboarding.Common.Text" Revision="1" Stencil="System.Storyboarding.Common" StencilVersion="0.1"/>
-</Control>
-</file>
-
 <file path=customXml/item59.xml><?xml version="1.0" encoding="utf-8"?>
 <Control xmlns="http://schemas.microsoft.com/VisualStudio/2011/storyboarding/control">
-  <Id Name="System.Storyboarding.Common.SearchBox" Revision="1" Stencil="System.Storyboarding.Common" StencilVersion="0.1"/>
+  <Id Name="System.Storyboarding.Common.TextInput" Revision="1" Stencil="System.Storyboarding.Common" StencilVersion="0.1"/>
 </Control>
 </file>
 
@@ -24105,31 +24700,31 @@
 
 <file path=customXml/item60.xml><?xml version="1.0" encoding="utf-8"?>
 <Control xmlns="http://schemas.microsoft.com/VisualStudio/2011/storyboarding/control">
-  <Id Name="System.Storyboarding.WindowsAppIcons.Check" Revision="1" Stencil="System.Storyboarding.WindowsAppIcons" StencilVersion="0.1"/>
+  <Id Name="System.Storyboarding.Common.CheckBoxChecked" Revision="1" Stencil="System.Storyboarding.Common" StencilVersion="0.1"/>
 </Control>
 </file>
 
 <file path=customXml/item61.xml><?xml version="1.0" encoding="utf-8"?>
 <Control xmlns="http://schemas.microsoft.com/VisualStudio/2011/storyboarding/control">
-  <Id Name="System.Storyboarding.Common.TextArea" Revision="1" Stencil="System.Storyboarding.Common" StencilVersion="0.1"/>
+  <Id Name="System.Storyboarding.Common.TextInput" Revision="1" Stencil="System.Storyboarding.Common" StencilVersion="0.1"/>
 </Control>
 </file>
 
 <file path=customXml/item62.xml><?xml version="1.0" encoding="utf-8"?>
 <Control xmlns="http://schemas.microsoft.com/VisualStudio/2011/storyboarding/control">
-  <Id Name="System.Storyboarding.Annotation.StickyNote" Revision="1" Stencil="System.Storyboarding.Annotation" StencilVersion="0.1"/>
+  <Id Name="System.Storyboarding.Common.ScrollbarVertical" Revision="1" Stencil="System.Storyboarding.Common" StencilVersion="0.1"/>
 </Control>
 </file>
 
 <file path=customXml/item63.xml><?xml version="1.0" encoding="utf-8"?>
 <Control xmlns="http://schemas.microsoft.com/VisualStudio/2011/storyboarding/control">
-  <Id Name="System.Storyboarding.Common.SearchBox" Revision="1" Stencil="System.Storyboarding.Common" StencilVersion="0.1"/>
+  <Id Name="System.Storyboarding.Common.TextInput" Revision="1" Stencil="System.Storyboarding.Common" StencilVersion="0.1"/>
 </Control>
 </file>
 
 <file path=customXml/item64.xml><?xml version="1.0" encoding="utf-8"?>
 <Control xmlns="http://schemas.microsoft.com/VisualStudio/2011/storyboarding/control">
-  <Id Name="System.Storyboarding.Common.SearchBox" Revision="1" Stencil="System.Storyboarding.Common" StencilVersion="0.1"/>
+  <Id Name="System.Storyboarding.Common.TextInput" Revision="1" Stencil="System.Storyboarding.Common" StencilVersion="0.1"/>
 </Control>
 </file>
 
@@ -24147,13 +24742,13 @@
 
 <file path=customXml/item67.xml><?xml version="1.0" encoding="utf-8"?>
 <Control xmlns="http://schemas.microsoft.com/VisualStudio/2011/storyboarding/control">
-  <Id Name="System.Storyboarding.Common.CheckBoxChecked" Revision="1" Stencil="System.Storyboarding.Common" StencilVersion="0.1"/>
+  <Id Name="System.Storyboarding.WindowsAppIcons.Check" Revision="1" Stencil="System.Storyboarding.WindowsAppIcons" StencilVersion="0.1"/>
 </Control>
 </file>
 
 <file path=customXml/item68.xml><?xml version="1.0" encoding="utf-8"?>
 <Control xmlns="http://schemas.microsoft.com/VisualStudio/2011/storyboarding/control">
-  <Id Name="System.Storyboarding.Common.ScrollbarVertical" Revision="1" Stencil="System.Storyboarding.Common" StencilVersion="0.1"/>
+  <Id Name="System.Storyboarding.Annotation.StickyNote" Revision="1" Stencil="System.Storyboarding.Annotation" StencilVersion="0.1"/>
 </Control>
 </file>
 
@@ -24165,61 +24760,61 @@
 
 <file path=customXml/item7.xml><?xml version="1.0" encoding="utf-8"?>
 <Control xmlns="http://schemas.microsoft.com/VisualStudio/2011/storyboarding/control">
-  <Id Name="System.Storyboarding.Common.CheckBoxUnchecked" Revision="1" Stencil="System.Storyboarding.Common" StencilVersion="0.1"/>
+  <Id Name="System.Storyboarding.Common.Button" Revision="1" Stencil="System.Storyboarding.Common" StencilVersion="0.1"/>
 </Control>
 </file>
 
 <file path=customXml/item70.xml><?xml version="1.0" encoding="utf-8"?>
+<Control xmlns="http://schemas.microsoft.com/VisualStudio/2011/storyboarding/control">
+  <Id Name="System.Storyboarding.Common.TextInput" Revision="1" Stencil="System.Storyboarding.Common" StencilVersion="0.1"/>
+</Control>
+</file>
+
+<file path=customXml/item71.xml><?xml version="1.0" encoding="utf-8"?>
+<Control xmlns="http://schemas.microsoft.com/VisualStudio/2011/storyboarding/control">
+  <Id Name="System.Storyboarding.Common.TextInput" Revision="1" Stencil="System.Storyboarding.Common" StencilVersion="0.1"/>
+</Control>
+</file>
+
+<file path=customXml/item72.xml><?xml version="1.0" encoding="utf-8"?>
+<Control xmlns="http://schemas.microsoft.com/VisualStudio/2011/storyboarding/control">
+  <Id Name="System.Storyboarding.Common.ScrollbarVertical" Revision="1" Stencil="System.Storyboarding.Common" StencilVersion="0.1"/>
+</Control>
+</file>
+
+<file path=customXml/item73.xml><?xml version="1.0" encoding="utf-8"?>
 <Control xmlns="http://schemas.microsoft.com/VisualStudio/2011/storyboarding/control">
   <Id Name="System.Storyboarding.Common.CheckBoxChecked" Revision="1" Stencil="System.Storyboarding.Common" StencilVersion="0.1"/>
 </Control>
 </file>
 
-<file path=customXml/item71.xml><?xml version="1.0" encoding="utf-8"?>
+<file path=customXml/item74.xml><?xml version="1.0" encoding="utf-8"?>
+<Control xmlns="http://schemas.microsoft.com/VisualStudio/2011/storyboarding/control">
+  <Id Name="System.Storyboarding.Common.CheckBoxChecked" Revision="1" Stencil="System.Storyboarding.Common" StencilVersion="0.1"/>
+</Control>
+</file>
+
+<file path=customXml/item75.xml><?xml version="1.0" encoding="utf-8"?>
+<Control xmlns="http://schemas.microsoft.com/VisualStudio/2011/storyboarding/control">
+  <Id Name="System.Storyboarding.Common.ScrollbarVertical" Revision="1" Stencil="System.Storyboarding.Common" StencilVersion="0.1"/>
+</Control>
+</file>
+
+<file path=customXml/item76.xml><?xml version="1.0" encoding="utf-8"?>
+<Control xmlns="http://schemas.microsoft.com/VisualStudio/2011/storyboarding/control">
+  <Id Name="System.Storyboarding.Common.CheckBoxChecked" Revision="1" Stencil="System.Storyboarding.Common" StencilVersion="0.1"/>
+</Control>
+</file>
+
+<file path=customXml/item77.xml><?xml version="1.0" encoding="utf-8"?>
+<Control xmlns="http://schemas.microsoft.com/VisualStudio/2011/storyboarding/control">
+  <Id Name="System.Storyboarding.Common.ScrollbarVertical" Revision="1" Stencil="System.Storyboarding.Common" StencilVersion="0.1"/>
+</Control>
+</file>
+
+<file path=customXml/item78.xml><?xml version="1.0" encoding="utf-8"?>
 <Control xmlns="http://schemas.microsoft.com/VisualStudio/2011/storyboarding/control">
   <Id Name="System.Storyboarding.Backgrounds.WebBrowser" Revision="1" Stencil="System.Storyboarding.Backgrounds" StencilVersion="0.1"/>
-</Control>
-</file>
-
-<file path=customXml/item72.xml><?xml version="1.0" encoding="utf-8"?>
-<Control xmlns="http://schemas.microsoft.com/VisualStudio/2011/storyboarding/control">
-  <Id Name="System.Storyboarding.Common.TextInput" Revision="1" Stencil="System.Storyboarding.Common" StencilVersion="0.1"/>
-</Control>
-</file>
-
-<file path=customXml/item73.xml><?xml version="1.0" encoding="utf-8"?>
-<Control xmlns="http://schemas.microsoft.com/VisualStudio/2011/storyboarding/control">
-  <Id Name="System.Storyboarding.Common.CheckBoxUnchecked" Revision="1" Stencil="System.Storyboarding.Common" StencilVersion="0.1"/>
-</Control>
-</file>
-
-<file path=customXml/item74.xml><?xml version="1.0" encoding="utf-8"?>
-<Control xmlns="http://schemas.microsoft.com/VisualStudio/2011/storyboarding/control">
-  <Id Name="System.Storyboarding.Common.Button" Revision="1" Stencil="System.Storyboarding.Common" StencilVersion="0.1"/>
-</Control>
-</file>
-
-<file path=customXml/item75.xml><?xml version="1.0" encoding="utf-8"?>
-<Control xmlns="http://schemas.microsoft.com/VisualStudio/2011/storyboarding/control">
-  <Id Name="System.Storyboarding.Common.CheckBoxUnchecked" Revision="1" Stencil="System.Storyboarding.Common" StencilVersion="0.1"/>
-</Control>
-</file>
-
-<file path=customXml/item76.xml><?xml version="1.0" encoding="utf-8"?>
-<Control xmlns="http://schemas.microsoft.com/VisualStudio/2011/storyboarding/control">
-  <Id Name="System.Storyboarding.Backgrounds.WebBrowser" Revision="1" Stencil="System.Storyboarding.Backgrounds" StencilVersion="0.1"/>
-</Control>
-</file>
-
-<file path=customXml/item77.xml><?xml version="1.0" encoding="utf-8"?>
-<Control xmlns="http://schemas.microsoft.com/VisualStudio/2011/storyboarding/control">
-  <Id Name="System.Storyboarding.Common.TextInput" Revision="1" Stencil="System.Storyboarding.Common" StencilVersion="0.1"/>
-</Control>
-</file>
-
-<file path=customXml/item78.xml><?xml version="1.0" encoding="utf-8"?>
-<Control xmlns="http://schemas.microsoft.com/VisualStudio/2011/storyboarding/control">
-  <Id Name="System.Storyboarding.Common.TextInput" Revision="1" Stencil="System.Storyboarding.Common" StencilVersion="0.1"/>
 </Control>
 </file>
 
@@ -24243,19 +24838,19 @@
 
 <file path=customXml/item81.xml><?xml version="1.0" encoding="utf-8"?>
 <Control xmlns="http://schemas.microsoft.com/VisualStudio/2011/storyboarding/control">
-  <Id Name="System.Storyboarding.Annotation.StickyNote" Revision="1" Stencil="System.Storyboarding.Annotation" StencilVersion="0.1"/>
+  <Id Name="System.Storyboarding.Common.TextInput" Revision="1" Stencil="System.Storyboarding.Common" StencilVersion="0.1"/>
 </Control>
 </file>
 
 <file path=customXml/item82.xml><?xml version="1.0" encoding="utf-8"?>
 <Control xmlns="http://schemas.microsoft.com/VisualStudio/2011/storyboarding/control">
-  <Id Name="System.Storyboarding.Common.SearchBox" Revision="1" Stencil="System.Storyboarding.Common" StencilVersion="0.1"/>
+  <Id Name="System.Storyboarding.Common.TextInput" Revision="1" Stencil="System.Storyboarding.Common" StencilVersion="0.1"/>
 </Control>
 </file>
 
 <file path=customXml/item83.xml><?xml version="1.0" encoding="utf-8"?>
 <Control xmlns="http://schemas.microsoft.com/VisualStudio/2011/storyboarding/control">
-  <Id Name="System.Storyboarding.Common.Button" Revision="1" Stencil="System.Storyboarding.Common" StencilVersion="0.1"/>
+  <Id Name="System.Storyboarding.Common.TextInput" Revision="1" Stencil="System.Storyboarding.Common" StencilVersion="0.1"/>
 </Control>
 </file>
 
@@ -24267,13 +24862,13 @@
 
 <file path=customXml/item85.xml><?xml version="1.0" encoding="utf-8"?>
 <Control xmlns="http://schemas.microsoft.com/VisualStudio/2011/storyboarding/control">
-  <Id Name="System.Storyboarding.Common.TextInput" Revision="1" Stencil="System.Storyboarding.Common" StencilVersion="0.1"/>
+  <Id Name="System.Storyboarding.Common.CheckBoxUnchecked" Revision="1" Stencil="System.Storyboarding.Common" StencilVersion="0.1"/>
 </Control>
 </file>
 
 <file path=customXml/item86.xml><?xml version="1.0" encoding="utf-8"?>
 <Control xmlns="http://schemas.microsoft.com/VisualStudio/2011/storyboarding/control">
-  <Id Name="System.Storyboarding.Common.TextInput" Revision="1" Stencil="System.Storyboarding.Common" StencilVersion="0.1"/>
+  <Id Name="System.Storyboarding.Backgrounds.WebBrowser" Revision="1" Stencil="System.Storyboarding.Backgrounds" StencilVersion="0.1"/>
 </Control>
 </file>
 
@@ -24285,7 +24880,7 @@
 
 <file path=customXml/item88.xml><?xml version="1.0" encoding="utf-8"?>
 <Control xmlns="http://schemas.microsoft.com/VisualStudio/2011/storyboarding/control">
-  <Id Name="System.Storyboarding.Common.TextInput" Revision="1" Stencil="System.Storyboarding.Common" StencilVersion="0.1"/>
+  <Id Name="System.Storyboarding.Common.Text" Revision="1" Stencil="System.Storyboarding.Common" StencilVersion="0.1"/>
 </Control>
 </file>
 
@@ -24297,7 +24892,7 @@
 
 <file path=customXml/item9.xml><?xml version="1.0" encoding="utf-8"?>
 <Control xmlns="http://schemas.microsoft.com/VisualStudio/2011/storyboarding/control">
-  <Id Name="System.Storyboarding.Common.Button" Revision="1" Stencil="System.Storyboarding.Common" StencilVersion="0.1"/>
+  <Id Name="System.Storyboarding.Common.SearchBox" Revision="1" Stencil="System.Storyboarding.Common" StencilVersion="0.1"/>
 </Control>
 </file>
 
@@ -24309,7 +24904,7 @@
 
 <file path=customXml/item91.xml><?xml version="1.0" encoding="utf-8"?>
 <Control xmlns="http://schemas.microsoft.com/VisualStudio/2011/storyboarding/control">
-  <Id Name="System.Storyboarding.Common.TextInput" Revision="1" Stencil="System.Storyboarding.Common" StencilVersion="0.1"/>
+  <Id Name="System.Storyboarding.Icons.Warning" Revision="1" Stencil="System.Storyboarding.Icons" StencilVersion="0.1"/>
 </Control>
 </file>
 
@@ -24321,7 +24916,7 @@
 
 <file path=customXml/item93.xml><?xml version="1.0" encoding="utf-8"?>
 <Control xmlns="http://schemas.microsoft.com/VisualStudio/2011/storyboarding/control">
-  <Id Name="System.Storyboarding.Common.TextInput" Revision="1" Stencil="System.Storyboarding.Common" StencilVersion="0.1"/>
+  <Id Name="System.Storyboarding.Common.Button" Revision="1" Stencil="System.Storyboarding.Common" StencilVersion="0.1"/>
 </Control>
 </file>
 
@@ -24339,13 +24934,13 @@
 
 <file path=customXml/item96.xml><?xml version="1.0" encoding="utf-8"?>
 <Control xmlns="http://schemas.microsoft.com/VisualStudio/2011/storyboarding/control">
-  <Id Name="System.Storyboarding.Common.TextInput" Revision="1" Stencil="System.Storyboarding.Common" StencilVersion="0.1"/>
+  <Id Name="System.Storyboarding.Common.CheckBoxChecked" Revision="1" Stencil="System.Storyboarding.Common" StencilVersion="0.1"/>
 </Control>
 </file>
 
 <file path=customXml/item97.xml><?xml version="1.0" encoding="utf-8"?>
 <Control xmlns="http://schemas.microsoft.com/VisualStudio/2011/storyboarding/control">
-  <Id Name="System.Storyboarding.Common.TextInput" Revision="1" Stencil="System.Storyboarding.Common" StencilVersion="0.1"/>
+  <Id Name="System.Storyboarding.Common.CheckBoxChecked" Revision="1" Stencil="System.Storyboarding.Common" StencilVersion="0.1"/>
 </Control>
 </file>
 
@@ -24362,6 +24957,966 @@
 </file>
 
 <file path=customXml/itemProps1.xml><?xml version="1.0" encoding="utf-8"?>
+<ds:datastoreItem xmlns:ds="http://schemas.openxmlformats.org/officeDocument/2006/customXml" ds:itemID="{D2FE2441-F4F4-4DD2-A086-4A7D71862FD9}">
+  <ds:schemaRefs>
+    <ds:schemaRef ds:uri="http://schemas.microsoft.com/VisualStudio/2011/storyboarding/control"/>
+  </ds:schemaRefs>
+</ds:datastoreItem>
+</file>
+
+<file path=customXml/itemProps10.xml><?xml version="1.0" encoding="utf-8"?>
+<ds:datastoreItem xmlns:ds="http://schemas.openxmlformats.org/officeDocument/2006/customXml" ds:itemID="{C2FBE948-B9F1-4F1A-AC4F-03962924DC85}">
+  <ds:schemaRefs>
+    <ds:schemaRef ds:uri="http://schemas.microsoft.com/VisualStudio/2011/storyboarding/control"/>
+  </ds:schemaRefs>
+</ds:datastoreItem>
+</file>
+
+<file path=customXml/itemProps100.xml><?xml version="1.0" encoding="utf-8"?>
+<ds:datastoreItem xmlns:ds="http://schemas.openxmlformats.org/officeDocument/2006/customXml" ds:itemID="{42FDEB12-2513-4D55-BA2A-18EF5D159E91}">
+  <ds:schemaRefs>
+    <ds:schemaRef ds:uri="http://schemas.microsoft.com/VisualStudio/2011/storyboarding/control"/>
+  </ds:schemaRefs>
+</ds:datastoreItem>
+</file>
+
+<file path=customXml/itemProps101.xml><?xml version="1.0" encoding="utf-8"?>
+<ds:datastoreItem xmlns:ds="http://schemas.openxmlformats.org/officeDocument/2006/customXml" ds:itemID="{161C1280-5A04-4E6E-8FE3-21E316A51B59}">
+  <ds:schemaRefs>
+    <ds:schemaRef ds:uri="http://schemas.microsoft.com/VisualStudio/2011/storyboarding/control"/>
+  </ds:schemaRefs>
+</ds:datastoreItem>
+</file>
+
+<file path=customXml/itemProps102.xml><?xml version="1.0" encoding="utf-8"?>
+<ds:datastoreItem xmlns:ds="http://schemas.openxmlformats.org/officeDocument/2006/customXml" ds:itemID="{AF61DBC6-381C-43BF-8974-1BD37D61B73F}">
+  <ds:schemaRefs>
+    <ds:schemaRef ds:uri="http://schemas.microsoft.com/VisualStudio/2011/storyboarding/control"/>
+  </ds:schemaRefs>
+</ds:datastoreItem>
+</file>
+
+<file path=customXml/itemProps103.xml><?xml version="1.0" encoding="utf-8"?>
+<ds:datastoreItem xmlns:ds="http://schemas.openxmlformats.org/officeDocument/2006/customXml" ds:itemID="{46C73D8E-C66E-4332-8B81-F1B9658FF49D}">
+  <ds:schemaRefs>
+    <ds:schemaRef ds:uri="http://schemas.microsoft.com/VisualStudio/2011/storyboarding/control"/>
+  </ds:schemaRefs>
+</ds:datastoreItem>
+</file>
+
+<file path=customXml/itemProps104.xml><?xml version="1.0" encoding="utf-8"?>
+<ds:datastoreItem xmlns:ds="http://schemas.openxmlformats.org/officeDocument/2006/customXml" ds:itemID="{E28B7CEA-1FBD-4F14-BDA2-C48C66B37150}">
+  <ds:schemaRefs>
+    <ds:schemaRef ds:uri="http://schemas.microsoft.com/VisualStudio/2011/storyboarding/control"/>
+  </ds:schemaRefs>
+</ds:datastoreItem>
+</file>
+
+<file path=customXml/itemProps105.xml><?xml version="1.0" encoding="utf-8"?>
+<ds:datastoreItem xmlns:ds="http://schemas.openxmlformats.org/officeDocument/2006/customXml" ds:itemID="{C170435E-AA56-4732-BD81-63AD243D433D}">
+  <ds:schemaRefs>
+    <ds:schemaRef ds:uri="http://schemas.microsoft.com/VisualStudio/2011/storyboarding/control"/>
+  </ds:schemaRefs>
+</ds:datastoreItem>
+</file>
+
+<file path=customXml/itemProps106.xml><?xml version="1.0" encoding="utf-8"?>
+<ds:datastoreItem xmlns:ds="http://schemas.openxmlformats.org/officeDocument/2006/customXml" ds:itemID="{48A06D39-512F-41A5-AE3C-7B4CDB4AC086}">
+  <ds:schemaRefs>
+    <ds:schemaRef ds:uri="http://schemas.microsoft.com/VisualStudio/2011/storyboarding/control"/>
+  </ds:schemaRefs>
+</ds:datastoreItem>
+</file>
+
+<file path=customXml/itemProps107.xml><?xml version="1.0" encoding="utf-8"?>
+<ds:datastoreItem xmlns:ds="http://schemas.openxmlformats.org/officeDocument/2006/customXml" ds:itemID="{43588560-03AB-428A-9CE4-A6AC7508369A}">
+  <ds:schemaRefs>
+    <ds:schemaRef ds:uri="http://schemas.microsoft.com/VisualStudio/2011/storyboarding/control"/>
+  </ds:schemaRefs>
+</ds:datastoreItem>
+</file>
+
+<file path=customXml/itemProps108.xml><?xml version="1.0" encoding="utf-8"?>
+<ds:datastoreItem xmlns:ds="http://schemas.openxmlformats.org/officeDocument/2006/customXml" ds:itemID="{B472B8AC-8A53-4AB2-879D-1716C227F63F}">
+  <ds:schemaRefs>
+    <ds:schemaRef ds:uri="http://schemas.microsoft.com/VisualStudio/2011/storyboarding/control"/>
+  </ds:schemaRefs>
+</ds:datastoreItem>
+</file>
+
+<file path=customXml/itemProps109.xml><?xml version="1.0" encoding="utf-8"?>
+<ds:datastoreItem xmlns:ds="http://schemas.openxmlformats.org/officeDocument/2006/customXml" ds:itemID="{E886A3B6-32CF-43FB-BFDC-824E566105C6}">
+  <ds:schemaRefs>
+    <ds:schemaRef ds:uri="http://schemas.microsoft.com/VisualStudio/2011/storyboarding/control"/>
+  </ds:schemaRefs>
+</ds:datastoreItem>
+</file>
+
+<file path=customXml/itemProps11.xml><?xml version="1.0" encoding="utf-8"?>
+<ds:datastoreItem xmlns:ds="http://schemas.openxmlformats.org/officeDocument/2006/customXml" ds:itemID="{9F80CF27-93E9-4C7B-88EF-82FB0C72DF62}">
+  <ds:schemaRefs>
+    <ds:schemaRef ds:uri="http://schemas.microsoft.com/VisualStudio/2011/storyboarding/control"/>
+  </ds:schemaRefs>
+</ds:datastoreItem>
+</file>
+
+<file path=customXml/itemProps110.xml><?xml version="1.0" encoding="utf-8"?>
+<ds:datastoreItem xmlns:ds="http://schemas.openxmlformats.org/officeDocument/2006/customXml" ds:itemID="{9A59738E-0CC4-436E-B451-F09AF7853BEC}">
+  <ds:schemaRefs>
+    <ds:schemaRef ds:uri="http://schemas.microsoft.com/VisualStudio/2011/storyboarding/control"/>
+  </ds:schemaRefs>
+</ds:datastoreItem>
+</file>
+
+<file path=customXml/itemProps111.xml><?xml version="1.0" encoding="utf-8"?>
+<ds:datastoreItem xmlns:ds="http://schemas.openxmlformats.org/officeDocument/2006/customXml" ds:itemID="{7D9FEB58-73F6-462F-A88A-C490995E4318}">
+  <ds:schemaRefs>
+    <ds:schemaRef ds:uri="http://schemas.microsoft.com/VisualStudio/2011/storyboarding/control"/>
+  </ds:schemaRefs>
+</ds:datastoreItem>
+</file>
+
+<file path=customXml/itemProps112.xml><?xml version="1.0" encoding="utf-8"?>
+<ds:datastoreItem xmlns:ds="http://schemas.openxmlformats.org/officeDocument/2006/customXml" ds:itemID="{500E728B-7A9B-4D12-B59B-8083B681FF18}">
+  <ds:schemaRefs>
+    <ds:schemaRef ds:uri="http://schemas.microsoft.com/VisualStudio/2011/storyboarding/control"/>
+  </ds:schemaRefs>
+</ds:datastoreItem>
+</file>
+
+<file path=customXml/itemProps113.xml><?xml version="1.0" encoding="utf-8"?>
+<ds:datastoreItem xmlns:ds="http://schemas.openxmlformats.org/officeDocument/2006/customXml" ds:itemID="{318A67F4-7454-49D3-B5F7-EDF3AEE6B3CC}">
+  <ds:schemaRefs>
+    <ds:schemaRef ds:uri="http://schemas.microsoft.com/VisualStudio/2011/storyboarding/control"/>
+  </ds:schemaRefs>
+</ds:datastoreItem>
+</file>
+
+<file path=customXml/itemProps114.xml><?xml version="1.0" encoding="utf-8"?>
+<ds:datastoreItem xmlns:ds="http://schemas.openxmlformats.org/officeDocument/2006/customXml" ds:itemID="{654CBC2D-27EC-43DB-ABA4-3FBDF37D3735}">
+  <ds:schemaRefs>
+    <ds:schemaRef ds:uri="http://schemas.microsoft.com/VisualStudio/2011/storyboarding/control"/>
+  </ds:schemaRefs>
+</ds:datastoreItem>
+</file>
+
+<file path=customXml/itemProps115.xml><?xml version="1.0" encoding="utf-8"?>
+<ds:datastoreItem xmlns:ds="http://schemas.openxmlformats.org/officeDocument/2006/customXml" ds:itemID="{8B573C24-C1CA-4AD9-8793-CFC1E42E3841}">
+  <ds:schemaRefs>
+    <ds:schemaRef ds:uri="http://schemas.microsoft.com/VisualStudio/2011/storyboarding/control"/>
+  </ds:schemaRefs>
+</ds:datastoreItem>
+</file>
+
+<file path=customXml/itemProps116.xml><?xml version="1.0" encoding="utf-8"?>
+<ds:datastoreItem xmlns:ds="http://schemas.openxmlformats.org/officeDocument/2006/customXml" ds:itemID="{914EB071-267D-4D23-8EAD-39A664DF70DC}">
+  <ds:schemaRefs>
+    <ds:schemaRef ds:uri="http://schemas.microsoft.com/VisualStudio/2011/storyboarding/control"/>
+  </ds:schemaRefs>
+</ds:datastoreItem>
+</file>
+
+<file path=customXml/itemProps117.xml><?xml version="1.0" encoding="utf-8"?>
+<ds:datastoreItem xmlns:ds="http://schemas.openxmlformats.org/officeDocument/2006/customXml" ds:itemID="{DAF42908-C10A-4B0A-BD53-0A9168593350}">
+  <ds:schemaRefs>
+    <ds:schemaRef ds:uri="http://schemas.microsoft.com/VisualStudio/2011/storyboarding/control"/>
+  </ds:schemaRefs>
+</ds:datastoreItem>
+</file>
+
+<file path=customXml/itemProps118.xml><?xml version="1.0" encoding="utf-8"?>
+<ds:datastoreItem xmlns:ds="http://schemas.openxmlformats.org/officeDocument/2006/customXml" ds:itemID="{766F77BC-3956-438F-94BE-CF6CF9C915C0}">
+  <ds:schemaRefs>
+    <ds:schemaRef ds:uri="http://schemas.microsoft.com/VisualStudio/2011/storyboarding/control"/>
+  </ds:schemaRefs>
+</ds:datastoreItem>
+</file>
+
+<file path=customXml/itemProps119.xml><?xml version="1.0" encoding="utf-8"?>
+<ds:datastoreItem xmlns:ds="http://schemas.openxmlformats.org/officeDocument/2006/customXml" ds:itemID="{063AF5E8-36AD-451D-9B6A-4390E8F3CF38}">
+  <ds:schemaRefs>
+    <ds:schemaRef ds:uri="http://schemas.microsoft.com/VisualStudio/2011/storyboarding/control"/>
+  </ds:schemaRefs>
+</ds:datastoreItem>
+</file>
+
+<file path=customXml/itemProps12.xml><?xml version="1.0" encoding="utf-8"?>
+<ds:datastoreItem xmlns:ds="http://schemas.openxmlformats.org/officeDocument/2006/customXml" ds:itemID="{199B4AEE-2A28-4269-AEAC-CF63B1A2C9C1}">
+  <ds:schemaRefs>
+    <ds:schemaRef ds:uri="http://schemas.microsoft.com/VisualStudio/2011/storyboarding/control"/>
+  </ds:schemaRefs>
+</ds:datastoreItem>
+</file>
+
+<file path=customXml/itemProps120.xml><?xml version="1.0" encoding="utf-8"?>
+<ds:datastoreItem xmlns:ds="http://schemas.openxmlformats.org/officeDocument/2006/customXml" ds:itemID="{8E111B87-A381-46AA-BB11-318F8ACB4BCA}">
+  <ds:schemaRefs>
+    <ds:schemaRef ds:uri="http://schemas.microsoft.com/VisualStudio/2011/storyboarding/control"/>
+  </ds:schemaRefs>
+</ds:datastoreItem>
+</file>
+
+<file path=customXml/itemProps121.xml><?xml version="1.0" encoding="utf-8"?>
+<ds:datastoreItem xmlns:ds="http://schemas.openxmlformats.org/officeDocument/2006/customXml" ds:itemID="{6555F547-BDDA-4C26-9CE1-4C61E93A284F}">
+  <ds:schemaRefs>
+    <ds:schemaRef ds:uri="http://schemas.microsoft.com/VisualStudio/2011/storyboarding/control"/>
+  </ds:schemaRefs>
+</ds:datastoreItem>
+</file>
+
+<file path=customXml/itemProps122.xml><?xml version="1.0" encoding="utf-8"?>
+<ds:datastoreItem xmlns:ds="http://schemas.openxmlformats.org/officeDocument/2006/customXml" ds:itemID="{A5B63E18-4237-42D4-B804-B83021F9E8A1}">
+  <ds:schemaRefs>
+    <ds:schemaRef ds:uri="http://schemas.microsoft.com/VisualStudio/2011/storyboarding/control"/>
+  </ds:schemaRefs>
+</ds:datastoreItem>
+</file>
+
+<file path=customXml/itemProps123.xml><?xml version="1.0" encoding="utf-8"?>
+<ds:datastoreItem xmlns:ds="http://schemas.openxmlformats.org/officeDocument/2006/customXml" ds:itemID="{39E72E8E-79BB-456F-8049-0020919B4763}">
+  <ds:schemaRefs>
+    <ds:schemaRef ds:uri="http://schemas.microsoft.com/VisualStudio/2011/storyboarding/control"/>
+  </ds:schemaRefs>
+</ds:datastoreItem>
+</file>
+
+<file path=customXml/itemProps124.xml><?xml version="1.0" encoding="utf-8"?>
+<ds:datastoreItem xmlns:ds="http://schemas.openxmlformats.org/officeDocument/2006/customXml" ds:itemID="{247695CD-B2DD-488A-8575-5345C166802C}">
+  <ds:schemaRefs>
+    <ds:schemaRef ds:uri="http://schemas.microsoft.com/VisualStudio/2011/storyboarding/control"/>
+  </ds:schemaRefs>
+</ds:datastoreItem>
+</file>
+
+<file path=customXml/itemProps125.xml><?xml version="1.0" encoding="utf-8"?>
+<ds:datastoreItem xmlns:ds="http://schemas.openxmlformats.org/officeDocument/2006/customXml" ds:itemID="{68A0CDC1-3F80-4DE3-8AB3-B532E32DC2D3}">
+  <ds:schemaRefs>
+    <ds:schemaRef ds:uri="http://schemas.microsoft.com/VisualStudio/2011/storyboarding/control"/>
+  </ds:schemaRefs>
+</ds:datastoreItem>
+</file>
+
+<file path=customXml/itemProps126.xml><?xml version="1.0" encoding="utf-8"?>
+<ds:datastoreItem xmlns:ds="http://schemas.openxmlformats.org/officeDocument/2006/customXml" ds:itemID="{F2B3FB12-0841-4AD8-9A0B-0A04CC6A8CFC}">
+  <ds:schemaRefs>
+    <ds:schemaRef ds:uri="http://schemas.microsoft.com/VisualStudio/2011/storyboarding/control"/>
+  </ds:schemaRefs>
+</ds:datastoreItem>
+</file>
+
+<file path=customXml/itemProps127.xml><?xml version="1.0" encoding="utf-8"?>
+<ds:datastoreItem xmlns:ds="http://schemas.openxmlformats.org/officeDocument/2006/customXml" ds:itemID="{FD6778B7-8FE2-4C81-885D-09500CE283B1}">
+  <ds:schemaRefs>
+    <ds:schemaRef ds:uri="http://schemas.microsoft.com/VisualStudio/2011/storyboarding/control"/>
+  </ds:schemaRefs>
+</ds:datastoreItem>
+</file>
+
+<file path=customXml/itemProps128.xml><?xml version="1.0" encoding="utf-8"?>
+<ds:datastoreItem xmlns:ds="http://schemas.openxmlformats.org/officeDocument/2006/customXml" ds:itemID="{9C6114CB-F4BA-4F35-827A-2DA5F8B255B0}">
+  <ds:schemaRefs>
+    <ds:schemaRef ds:uri="http://schemas.microsoft.com/VisualStudio/2011/storyboarding/control"/>
+  </ds:schemaRefs>
+</ds:datastoreItem>
+</file>
+
+<file path=customXml/itemProps129.xml><?xml version="1.0" encoding="utf-8"?>
+<ds:datastoreItem xmlns:ds="http://schemas.openxmlformats.org/officeDocument/2006/customXml" ds:itemID="{32DCF836-3940-427C-8F81-BA183FB52BAC}">
+  <ds:schemaRefs>
+    <ds:schemaRef ds:uri="http://schemas.microsoft.com/VisualStudio/2011/storyboarding/control"/>
+  </ds:schemaRefs>
+</ds:datastoreItem>
+</file>
+
+<file path=customXml/itemProps13.xml><?xml version="1.0" encoding="utf-8"?>
+<ds:datastoreItem xmlns:ds="http://schemas.openxmlformats.org/officeDocument/2006/customXml" ds:itemID="{7CABBE05-1DB8-413F-B922-E51F51DB6CB5}">
+  <ds:schemaRefs>
+    <ds:schemaRef ds:uri="http://schemas.microsoft.com/VisualStudio/2011/storyboarding/control"/>
+  </ds:schemaRefs>
+</ds:datastoreItem>
+</file>
+
+<file path=customXml/itemProps130.xml><?xml version="1.0" encoding="utf-8"?>
+<ds:datastoreItem xmlns:ds="http://schemas.openxmlformats.org/officeDocument/2006/customXml" ds:itemID="{876AF238-A0AE-4CE4-9709-BB19E770A0FF}">
+  <ds:schemaRefs>
+    <ds:schemaRef ds:uri="http://schemas.microsoft.com/VisualStudio/2011/storyboarding/control"/>
+  </ds:schemaRefs>
+</ds:datastoreItem>
+</file>
+
+<file path=customXml/itemProps131.xml><?xml version="1.0" encoding="utf-8"?>
+<ds:datastoreItem xmlns:ds="http://schemas.openxmlformats.org/officeDocument/2006/customXml" ds:itemID="{508FF8A2-065C-4CBB-812E-6E03CA0DD0BA}">
+  <ds:schemaRefs>
+    <ds:schemaRef ds:uri="http://schemas.microsoft.com/VisualStudio/2011/storyboarding/control"/>
+  </ds:schemaRefs>
+</ds:datastoreItem>
+</file>
+
+<file path=customXml/itemProps132.xml><?xml version="1.0" encoding="utf-8"?>
+<ds:datastoreItem xmlns:ds="http://schemas.openxmlformats.org/officeDocument/2006/customXml" ds:itemID="{B7D85223-23F1-4ACF-89DD-EE38AA7E4772}">
+  <ds:schemaRefs>
+    <ds:schemaRef ds:uri="http://schemas.microsoft.com/VisualStudio/2011/storyboarding/control"/>
+  </ds:schemaRefs>
+</ds:datastoreItem>
+</file>
+
+<file path=customXml/itemProps133.xml><?xml version="1.0" encoding="utf-8"?>
+<ds:datastoreItem xmlns:ds="http://schemas.openxmlformats.org/officeDocument/2006/customXml" ds:itemID="{A1C8479A-2384-424B-B607-91A9FC70F6A4}">
+  <ds:schemaRefs>
+    <ds:schemaRef ds:uri="http://schemas.microsoft.com/VisualStudio/2011/storyboarding/control"/>
+  </ds:schemaRefs>
+</ds:datastoreItem>
+</file>
+
+<file path=customXml/itemProps134.xml><?xml version="1.0" encoding="utf-8"?>
+<ds:datastoreItem xmlns:ds="http://schemas.openxmlformats.org/officeDocument/2006/customXml" ds:itemID="{E0CC2506-29F9-46DF-9492-65B12C0522D5}">
+  <ds:schemaRefs>
+    <ds:schemaRef ds:uri="http://schemas.microsoft.com/VisualStudio/2011/storyboarding/control"/>
+  </ds:schemaRefs>
+</ds:datastoreItem>
+</file>
+
+<file path=customXml/itemProps135.xml><?xml version="1.0" encoding="utf-8"?>
+<ds:datastoreItem xmlns:ds="http://schemas.openxmlformats.org/officeDocument/2006/customXml" ds:itemID="{B0C9E300-5CAC-4E8C-B9CB-B4EDDB0EC3C8}">
+  <ds:schemaRefs>
+    <ds:schemaRef ds:uri="http://schemas.microsoft.com/VisualStudio/2011/storyboarding/control"/>
+  </ds:schemaRefs>
+</ds:datastoreItem>
+</file>
+
+<file path=customXml/itemProps136.xml><?xml version="1.0" encoding="utf-8"?>
+<ds:datastoreItem xmlns:ds="http://schemas.openxmlformats.org/officeDocument/2006/customXml" ds:itemID="{4B7335D3-7249-47CB-993B-C371E630393B}">
+  <ds:schemaRefs>
+    <ds:schemaRef ds:uri="http://schemas.microsoft.com/VisualStudio/2011/storyboarding/control"/>
+  </ds:schemaRefs>
+</ds:datastoreItem>
+</file>
+
+<file path=customXml/itemProps137.xml><?xml version="1.0" encoding="utf-8"?>
+<ds:datastoreItem xmlns:ds="http://schemas.openxmlformats.org/officeDocument/2006/customXml" ds:itemID="{B8677481-C0C6-468D-8B15-ECE0CB48746C}">
+  <ds:schemaRefs>
+    <ds:schemaRef ds:uri="http://schemas.microsoft.com/VisualStudio/2011/storyboarding/control"/>
+  </ds:schemaRefs>
+</ds:datastoreItem>
+</file>
+
+<file path=customXml/itemProps138.xml><?xml version="1.0" encoding="utf-8"?>
+<ds:datastoreItem xmlns:ds="http://schemas.openxmlformats.org/officeDocument/2006/customXml" ds:itemID="{BE30DC31-8F8A-48CF-A072-77607577B2FB}">
+  <ds:schemaRefs>
+    <ds:schemaRef ds:uri="http://schemas.microsoft.com/VisualStudio/2011/storyboarding/control"/>
+  </ds:schemaRefs>
+</ds:datastoreItem>
+</file>
+
+<file path=customXml/itemProps139.xml><?xml version="1.0" encoding="utf-8"?>
+<ds:datastoreItem xmlns:ds="http://schemas.openxmlformats.org/officeDocument/2006/customXml" ds:itemID="{BA2CD054-A129-4A67-A712-2F4F4F80DF00}">
+  <ds:schemaRefs>
+    <ds:schemaRef ds:uri="http://schemas.microsoft.com/VisualStudio/2011/storyboarding/control"/>
+  </ds:schemaRefs>
+</ds:datastoreItem>
+</file>
+
+<file path=customXml/itemProps14.xml><?xml version="1.0" encoding="utf-8"?>
+<ds:datastoreItem xmlns:ds="http://schemas.openxmlformats.org/officeDocument/2006/customXml" ds:itemID="{7EA327E3-FCFB-4008-8DED-CE47F66639FD}">
+  <ds:schemaRefs>
+    <ds:schemaRef ds:uri="http://schemas.microsoft.com/VisualStudio/2011/storyboarding/control"/>
+  </ds:schemaRefs>
+</ds:datastoreItem>
+</file>
+
+<file path=customXml/itemProps140.xml><?xml version="1.0" encoding="utf-8"?>
+<ds:datastoreItem xmlns:ds="http://schemas.openxmlformats.org/officeDocument/2006/customXml" ds:itemID="{DB2000C8-B277-4324-8B80-CDB83E8CE835}">
+  <ds:schemaRefs>
+    <ds:schemaRef ds:uri="http://schemas.microsoft.com/VisualStudio/2011/storyboarding/control"/>
+  </ds:schemaRefs>
+</ds:datastoreItem>
+</file>
+
+<file path=customXml/itemProps141.xml><?xml version="1.0" encoding="utf-8"?>
+<ds:datastoreItem xmlns:ds="http://schemas.openxmlformats.org/officeDocument/2006/customXml" ds:itemID="{425D7E26-BB5E-460D-97B3-E693C38FDA69}">
+  <ds:schemaRefs>
+    <ds:schemaRef ds:uri="http://schemas.microsoft.com/VisualStudio/2011/storyboarding/control"/>
+  </ds:schemaRefs>
+</ds:datastoreItem>
+</file>
+
+<file path=customXml/itemProps142.xml><?xml version="1.0" encoding="utf-8"?>
+<ds:datastoreItem xmlns:ds="http://schemas.openxmlformats.org/officeDocument/2006/customXml" ds:itemID="{1159427B-15B9-477B-8DAD-D7C81D705523}">
+  <ds:schemaRefs>
+    <ds:schemaRef ds:uri="http://schemas.microsoft.com/VisualStudio/2011/storyboarding/control"/>
+  </ds:schemaRefs>
+</ds:datastoreItem>
+</file>
+
+<file path=customXml/itemProps143.xml><?xml version="1.0" encoding="utf-8"?>
+<ds:datastoreItem xmlns:ds="http://schemas.openxmlformats.org/officeDocument/2006/customXml" ds:itemID="{7989F8B3-8E20-4455-9310-361DF73D03B3}">
+  <ds:schemaRefs>
+    <ds:schemaRef ds:uri="http://schemas.microsoft.com/VisualStudio/2011/storyboarding/control"/>
+  </ds:schemaRefs>
+</ds:datastoreItem>
+</file>
+
+<file path=customXml/itemProps144.xml><?xml version="1.0" encoding="utf-8"?>
+<ds:datastoreItem xmlns:ds="http://schemas.openxmlformats.org/officeDocument/2006/customXml" ds:itemID="{991C2A14-C674-4C12-8CE8-7EAE1ABB4197}">
+  <ds:schemaRefs>
+    <ds:schemaRef ds:uri="http://schemas.microsoft.com/VisualStudio/2011/storyboarding/control"/>
+  </ds:schemaRefs>
+</ds:datastoreItem>
+</file>
+
+<file path=customXml/itemProps145.xml><?xml version="1.0" encoding="utf-8"?>
+<ds:datastoreItem xmlns:ds="http://schemas.openxmlformats.org/officeDocument/2006/customXml" ds:itemID="{149B1CD2-B7C7-4B38-9713-13FEE7CAC5CF}">
+  <ds:schemaRefs>
+    <ds:schemaRef ds:uri="http://schemas.microsoft.com/VisualStudio/2011/storyboarding/control"/>
+  </ds:schemaRefs>
+</ds:datastoreItem>
+</file>
+
+<file path=customXml/itemProps146.xml><?xml version="1.0" encoding="utf-8"?>
+<ds:datastoreItem xmlns:ds="http://schemas.openxmlformats.org/officeDocument/2006/customXml" ds:itemID="{3DDBA3E6-6C5A-4905-87BF-300A95711014}">
+  <ds:schemaRefs>
+    <ds:schemaRef ds:uri="http://schemas.microsoft.com/VisualStudio/2011/storyboarding/control"/>
+  </ds:schemaRefs>
+</ds:datastoreItem>
+</file>
+
+<file path=customXml/itemProps147.xml><?xml version="1.0" encoding="utf-8"?>
+<ds:datastoreItem xmlns:ds="http://schemas.openxmlformats.org/officeDocument/2006/customXml" ds:itemID="{7A7C8F38-0BA1-42E1-8BF5-DEED4B0E03B5}">
+  <ds:schemaRefs>
+    <ds:schemaRef ds:uri="http://schemas.microsoft.com/VisualStudio/2011/storyboarding/control"/>
+  </ds:schemaRefs>
+</ds:datastoreItem>
+</file>
+
+<file path=customXml/itemProps148.xml><?xml version="1.0" encoding="utf-8"?>
+<ds:datastoreItem xmlns:ds="http://schemas.openxmlformats.org/officeDocument/2006/customXml" ds:itemID="{2AEF63D2-D198-4CCC-904A-422119B9CA6F}">
+  <ds:schemaRefs>
+    <ds:schemaRef ds:uri="http://schemas.microsoft.com/VisualStudio/2011/storyboarding/control"/>
+  </ds:schemaRefs>
+</ds:datastoreItem>
+</file>
+
+<file path=customXml/itemProps149.xml><?xml version="1.0" encoding="utf-8"?>
+<ds:datastoreItem xmlns:ds="http://schemas.openxmlformats.org/officeDocument/2006/customXml" ds:itemID="{9D841488-D9C9-470B-9DF0-06BC6C2C0775}">
+  <ds:schemaRefs>
+    <ds:schemaRef ds:uri="http://schemas.microsoft.com/VisualStudio/2011/storyboarding/control"/>
+  </ds:schemaRefs>
+</ds:datastoreItem>
+</file>
+
+<file path=customXml/itemProps15.xml><?xml version="1.0" encoding="utf-8"?>
+<ds:datastoreItem xmlns:ds="http://schemas.openxmlformats.org/officeDocument/2006/customXml" ds:itemID="{E2D66C36-7379-4DD2-AA37-128CF4B262CF}">
+  <ds:schemaRefs>
+    <ds:schemaRef ds:uri="http://schemas.microsoft.com/VisualStudio/2011/storyboarding/control"/>
+  </ds:schemaRefs>
+</ds:datastoreItem>
+</file>
+
+<file path=customXml/itemProps150.xml><?xml version="1.0" encoding="utf-8"?>
+<ds:datastoreItem xmlns:ds="http://schemas.openxmlformats.org/officeDocument/2006/customXml" ds:itemID="{43446240-B211-4F80-A50E-E1B38445E2A1}">
+  <ds:schemaRefs>
+    <ds:schemaRef ds:uri="http://schemas.microsoft.com/VisualStudio/2011/storyboarding/control"/>
+  </ds:schemaRefs>
+</ds:datastoreItem>
+</file>
+
+<file path=customXml/itemProps151.xml><?xml version="1.0" encoding="utf-8"?>
+<ds:datastoreItem xmlns:ds="http://schemas.openxmlformats.org/officeDocument/2006/customXml" ds:itemID="{0987803F-8C29-460C-9CFE-90D062BBF340}">
+  <ds:schemaRefs>
+    <ds:schemaRef ds:uri="http://schemas.microsoft.com/VisualStudio/2011/storyboarding/control"/>
+  </ds:schemaRefs>
+</ds:datastoreItem>
+</file>
+
+<file path=customXml/itemProps152.xml><?xml version="1.0" encoding="utf-8"?>
+<ds:datastoreItem xmlns:ds="http://schemas.openxmlformats.org/officeDocument/2006/customXml" ds:itemID="{A41DC63A-40F8-492D-A1AF-3E8E88975D17}">
+  <ds:schemaRefs>
+    <ds:schemaRef ds:uri="http://schemas.microsoft.com/VisualStudio/2011/storyboarding/control"/>
+  </ds:schemaRefs>
+</ds:datastoreItem>
+</file>
+
+<file path=customXml/itemProps153.xml><?xml version="1.0" encoding="utf-8"?>
+<ds:datastoreItem xmlns:ds="http://schemas.openxmlformats.org/officeDocument/2006/customXml" ds:itemID="{8A260A91-3FD6-475C-8E6F-434835560933}">
+  <ds:schemaRefs>
+    <ds:schemaRef ds:uri="http://schemas.microsoft.com/VisualStudio/2011/storyboarding/control"/>
+  </ds:schemaRefs>
+</ds:datastoreItem>
+</file>
+
+<file path=customXml/itemProps154.xml><?xml version="1.0" encoding="utf-8"?>
+<ds:datastoreItem xmlns:ds="http://schemas.openxmlformats.org/officeDocument/2006/customXml" ds:itemID="{3154CB70-BAFF-4B34-BC33-BD1C66EB86D7}">
+  <ds:schemaRefs>
+    <ds:schemaRef ds:uri="http://schemas.microsoft.com/VisualStudio/2011/storyboarding/control"/>
+  </ds:schemaRefs>
+</ds:datastoreItem>
+</file>
+
+<file path=customXml/itemProps155.xml><?xml version="1.0" encoding="utf-8"?>
+<ds:datastoreItem xmlns:ds="http://schemas.openxmlformats.org/officeDocument/2006/customXml" ds:itemID="{2E8BF867-BA02-4DD2-B1A2-C9A27CC92F1F}">
+  <ds:schemaRefs>
+    <ds:schemaRef ds:uri="http://schemas.microsoft.com/VisualStudio/2011/storyboarding/control"/>
+  </ds:schemaRefs>
+</ds:datastoreItem>
+</file>
+
+<file path=customXml/itemProps156.xml><?xml version="1.0" encoding="utf-8"?>
+<ds:datastoreItem xmlns:ds="http://schemas.openxmlformats.org/officeDocument/2006/customXml" ds:itemID="{2BDF7FB8-4BA8-46D9-B98A-095F3529F3D4}">
+  <ds:schemaRefs>
+    <ds:schemaRef ds:uri="http://schemas.microsoft.com/VisualStudio/2011/storyboarding/control"/>
+  </ds:schemaRefs>
+</ds:datastoreItem>
+</file>
+
+<file path=customXml/itemProps157.xml><?xml version="1.0" encoding="utf-8"?>
+<ds:datastoreItem xmlns:ds="http://schemas.openxmlformats.org/officeDocument/2006/customXml" ds:itemID="{4ABC8992-C4EA-45C3-A598-324942FE08FB}">
+  <ds:schemaRefs>
+    <ds:schemaRef ds:uri="http://schemas.microsoft.com/VisualStudio/2011/storyboarding/control"/>
+  </ds:schemaRefs>
+</ds:datastoreItem>
+</file>
+
+<file path=customXml/itemProps158.xml><?xml version="1.0" encoding="utf-8"?>
+<ds:datastoreItem xmlns:ds="http://schemas.openxmlformats.org/officeDocument/2006/customXml" ds:itemID="{C30452E4-8A6C-404A-B689-8E04350A6B59}">
+  <ds:schemaRefs>
+    <ds:schemaRef ds:uri="http://schemas.microsoft.com/VisualStudio/2011/storyboarding/control"/>
+  </ds:schemaRefs>
+</ds:datastoreItem>
+</file>
+
+<file path=customXml/itemProps159.xml><?xml version="1.0" encoding="utf-8"?>
+<ds:datastoreItem xmlns:ds="http://schemas.openxmlformats.org/officeDocument/2006/customXml" ds:itemID="{7EC308D9-C28D-40CD-AB00-4A98E0A77CCC}">
+  <ds:schemaRefs>
+    <ds:schemaRef ds:uri="http://schemas.microsoft.com/VisualStudio/2011/storyboarding/control"/>
+  </ds:schemaRefs>
+</ds:datastoreItem>
+</file>
+
+<file path=customXml/itemProps16.xml><?xml version="1.0" encoding="utf-8"?>
+<ds:datastoreItem xmlns:ds="http://schemas.openxmlformats.org/officeDocument/2006/customXml" ds:itemID="{3C65476E-E005-4058-A679-B2D8F13FF877}">
+  <ds:schemaRefs>
+    <ds:schemaRef ds:uri="http://schemas.microsoft.com/VisualStudio/2011/storyboarding/control"/>
+  </ds:schemaRefs>
+</ds:datastoreItem>
+</file>
+
+<file path=customXml/itemProps160.xml><?xml version="1.0" encoding="utf-8"?>
+<ds:datastoreItem xmlns:ds="http://schemas.openxmlformats.org/officeDocument/2006/customXml" ds:itemID="{CF03DD0F-EDED-4182-BF0D-C60EA8AC9FC5}">
+  <ds:schemaRefs>
+    <ds:schemaRef ds:uri="http://schemas.microsoft.com/VisualStudio/2011/storyboarding/control"/>
+  </ds:schemaRefs>
+</ds:datastoreItem>
+</file>
+
+<file path=customXml/itemProps161.xml><?xml version="1.0" encoding="utf-8"?>
+<ds:datastoreItem xmlns:ds="http://schemas.openxmlformats.org/officeDocument/2006/customXml" ds:itemID="{57FFB7F0-24A5-4BA8-AA91-8BFC251E2323}">
+  <ds:schemaRefs>
+    <ds:schemaRef ds:uri="http://schemas.microsoft.com/VisualStudio/2011/storyboarding/control"/>
+  </ds:schemaRefs>
+</ds:datastoreItem>
+</file>
+
+<file path=customXml/itemProps162.xml><?xml version="1.0" encoding="utf-8"?>
+<ds:datastoreItem xmlns:ds="http://schemas.openxmlformats.org/officeDocument/2006/customXml" ds:itemID="{ADDA3575-2CD6-4AA3-BAD6-EE20DE74340F}">
+  <ds:schemaRefs>
+    <ds:schemaRef ds:uri="http://schemas.microsoft.com/VisualStudio/2011/storyboarding/control"/>
+  </ds:schemaRefs>
+</ds:datastoreItem>
+</file>
+
+<file path=customXml/itemProps163.xml><?xml version="1.0" encoding="utf-8"?>
+<ds:datastoreItem xmlns:ds="http://schemas.openxmlformats.org/officeDocument/2006/customXml" ds:itemID="{46365B3F-8663-4379-AD5B-D0EABBC1EDD3}">
+  <ds:schemaRefs>
+    <ds:schemaRef ds:uri="http://schemas.microsoft.com/VisualStudio/2011/storyboarding/control"/>
+  </ds:schemaRefs>
+</ds:datastoreItem>
+</file>
+
+<file path=customXml/itemProps164.xml><?xml version="1.0" encoding="utf-8"?>
+<ds:datastoreItem xmlns:ds="http://schemas.openxmlformats.org/officeDocument/2006/customXml" ds:itemID="{F0564582-AFE3-40AE-AC24-282E787FE867}">
+  <ds:schemaRefs>
+    <ds:schemaRef ds:uri="http://schemas.microsoft.com/VisualStudio/2011/storyboarding/control"/>
+  </ds:schemaRefs>
+</ds:datastoreItem>
+</file>
+
+<file path=customXml/itemProps165.xml><?xml version="1.0" encoding="utf-8"?>
+<ds:datastoreItem xmlns:ds="http://schemas.openxmlformats.org/officeDocument/2006/customXml" ds:itemID="{518A7A68-78B7-4838-B312-03860E01DFC2}">
+  <ds:schemaRefs>
+    <ds:schemaRef ds:uri="http://schemas.microsoft.com/VisualStudio/2011/storyboarding/control"/>
+  </ds:schemaRefs>
+</ds:datastoreItem>
+</file>
+
+<file path=customXml/itemProps166.xml><?xml version="1.0" encoding="utf-8"?>
+<ds:datastoreItem xmlns:ds="http://schemas.openxmlformats.org/officeDocument/2006/customXml" ds:itemID="{C02037DD-3248-4DE3-A985-ACC0F2406BE8}">
+  <ds:schemaRefs>
+    <ds:schemaRef ds:uri="http://schemas.microsoft.com/VisualStudio/2011/storyboarding/control"/>
+  </ds:schemaRefs>
+</ds:datastoreItem>
+</file>
+
+<file path=customXml/itemProps167.xml><?xml version="1.0" encoding="utf-8"?>
+<ds:datastoreItem xmlns:ds="http://schemas.openxmlformats.org/officeDocument/2006/customXml" ds:itemID="{06D91DB4-751F-47F3-B3CD-CDDA280C9652}">
+  <ds:schemaRefs>
+    <ds:schemaRef ds:uri="http://schemas.microsoft.com/VisualStudio/2011/storyboarding/control"/>
+  </ds:schemaRefs>
+</ds:datastoreItem>
+</file>
+
+<file path=customXml/itemProps168.xml><?xml version="1.0" encoding="utf-8"?>
+<ds:datastoreItem xmlns:ds="http://schemas.openxmlformats.org/officeDocument/2006/customXml" ds:itemID="{7D7DCE13-136F-43F5-85AB-F325A838BD5C}">
+  <ds:schemaRefs>
+    <ds:schemaRef ds:uri="http://schemas.microsoft.com/VisualStudio/2011/storyboarding/control"/>
+  </ds:schemaRefs>
+</ds:datastoreItem>
+</file>
+
+<file path=customXml/itemProps17.xml><?xml version="1.0" encoding="utf-8"?>
+<ds:datastoreItem xmlns:ds="http://schemas.openxmlformats.org/officeDocument/2006/customXml" ds:itemID="{726BE286-E05E-4A7E-9BF6-44FFEC27C080}">
+  <ds:schemaRefs>
+    <ds:schemaRef ds:uri="http://schemas.microsoft.com/VisualStudio/2011/storyboarding/control"/>
+  </ds:schemaRefs>
+</ds:datastoreItem>
+</file>
+
+<file path=customXml/itemProps18.xml><?xml version="1.0" encoding="utf-8"?>
+<ds:datastoreItem xmlns:ds="http://schemas.openxmlformats.org/officeDocument/2006/customXml" ds:itemID="{5F6247E0-2660-41E0-8816-07BF7F4C712D}">
+  <ds:schemaRefs>
+    <ds:schemaRef ds:uri="http://schemas.microsoft.com/VisualStudio/2011/storyboarding/control"/>
+  </ds:schemaRefs>
+</ds:datastoreItem>
+</file>
+
+<file path=customXml/itemProps19.xml><?xml version="1.0" encoding="utf-8"?>
+<ds:datastoreItem xmlns:ds="http://schemas.openxmlformats.org/officeDocument/2006/customXml" ds:itemID="{650ADCBF-4D86-43BF-9817-E7EF6E55BBE7}">
+  <ds:schemaRefs>
+    <ds:schemaRef ds:uri="http://schemas.microsoft.com/VisualStudio/2011/storyboarding/control"/>
+  </ds:schemaRefs>
+</ds:datastoreItem>
+</file>
+
+<file path=customXml/itemProps2.xml><?xml version="1.0" encoding="utf-8"?>
+<ds:datastoreItem xmlns:ds="http://schemas.openxmlformats.org/officeDocument/2006/customXml" ds:itemID="{A75B2111-FBDC-4291-9EA3-2B57563F245C}">
+  <ds:schemaRefs>
+    <ds:schemaRef ds:uri="http://schemas.microsoft.com/VisualStudio/2011/storyboarding/control"/>
+  </ds:schemaRefs>
+</ds:datastoreItem>
+</file>
+
+<file path=customXml/itemProps20.xml><?xml version="1.0" encoding="utf-8"?>
+<ds:datastoreItem xmlns:ds="http://schemas.openxmlformats.org/officeDocument/2006/customXml" ds:itemID="{408DBD6E-BA86-4206-898C-8866D621C758}">
+  <ds:schemaRefs>
+    <ds:schemaRef ds:uri="http://schemas.microsoft.com/VisualStudio/2011/storyboarding/control"/>
+  </ds:schemaRefs>
+</ds:datastoreItem>
+</file>
+
+<file path=customXml/itemProps21.xml><?xml version="1.0" encoding="utf-8"?>
+<ds:datastoreItem xmlns:ds="http://schemas.openxmlformats.org/officeDocument/2006/customXml" ds:itemID="{9F2E68F6-6824-42A7-A3A1-3AE0F539496E}">
+  <ds:schemaRefs>
+    <ds:schemaRef ds:uri="http://schemas.microsoft.com/VisualStudio/2011/storyboarding/control"/>
+  </ds:schemaRefs>
+</ds:datastoreItem>
+</file>
+
+<file path=customXml/itemProps22.xml><?xml version="1.0" encoding="utf-8"?>
+<ds:datastoreItem xmlns:ds="http://schemas.openxmlformats.org/officeDocument/2006/customXml" ds:itemID="{DC4F4190-4090-481C-95E3-E7A883513D24}">
+  <ds:schemaRefs>
+    <ds:schemaRef ds:uri="http://schemas.microsoft.com/VisualStudio/2011/storyboarding/control"/>
+  </ds:schemaRefs>
+</ds:datastoreItem>
+</file>
+
+<file path=customXml/itemProps23.xml><?xml version="1.0" encoding="utf-8"?>
+<ds:datastoreItem xmlns:ds="http://schemas.openxmlformats.org/officeDocument/2006/customXml" ds:itemID="{99FFFAFB-7A40-49A1-B04F-4A1F6ECF0BAF}">
+  <ds:schemaRefs>
+    <ds:schemaRef ds:uri="http://schemas.microsoft.com/VisualStudio/2011/storyboarding/control"/>
+  </ds:schemaRefs>
+</ds:datastoreItem>
+</file>
+
+<file path=customXml/itemProps24.xml><?xml version="1.0" encoding="utf-8"?>
+<ds:datastoreItem xmlns:ds="http://schemas.openxmlformats.org/officeDocument/2006/customXml" ds:itemID="{CF91C9AF-FB44-4B2D-B964-EA853D542988}">
+  <ds:schemaRefs>
+    <ds:schemaRef ds:uri="http://schemas.microsoft.com/VisualStudio/2011/storyboarding/control"/>
+  </ds:schemaRefs>
+</ds:datastoreItem>
+</file>
+
+<file path=customXml/itemProps25.xml><?xml version="1.0" encoding="utf-8"?>
+<ds:datastoreItem xmlns:ds="http://schemas.openxmlformats.org/officeDocument/2006/customXml" ds:itemID="{CABD2B3A-1161-43E2-BA83-58E6B897C9BF}">
+  <ds:schemaRefs>
+    <ds:schemaRef ds:uri="http://schemas.microsoft.com/VisualStudio/2011/storyboarding/control"/>
+  </ds:schemaRefs>
+</ds:datastoreItem>
+</file>
+
+<file path=customXml/itemProps26.xml><?xml version="1.0" encoding="utf-8"?>
+<ds:datastoreItem xmlns:ds="http://schemas.openxmlformats.org/officeDocument/2006/customXml" ds:itemID="{A1F43F78-8591-47F2-9A56-991B5C2DCCFC}">
+  <ds:schemaRefs>
+    <ds:schemaRef ds:uri="http://schemas.microsoft.com/VisualStudio/2011/storyboarding/control"/>
+  </ds:schemaRefs>
+</ds:datastoreItem>
+</file>
+
+<file path=customXml/itemProps27.xml><?xml version="1.0" encoding="utf-8"?>
+<ds:datastoreItem xmlns:ds="http://schemas.openxmlformats.org/officeDocument/2006/customXml" ds:itemID="{E194B3CD-86C3-4F6B-A743-1D8043783C25}">
+  <ds:schemaRefs>
+    <ds:schemaRef ds:uri="http://schemas.microsoft.com/VisualStudio/2011/storyboarding/control"/>
+  </ds:schemaRefs>
+</ds:datastoreItem>
+</file>
+
+<file path=customXml/itemProps28.xml><?xml version="1.0" encoding="utf-8"?>
+<ds:datastoreItem xmlns:ds="http://schemas.openxmlformats.org/officeDocument/2006/customXml" ds:itemID="{46714D06-B7FD-48A9-91D0-7F1510C73858}">
+  <ds:schemaRefs>
+    <ds:schemaRef ds:uri="http://schemas.microsoft.com/VisualStudio/2011/storyboarding/control"/>
+  </ds:schemaRefs>
+</ds:datastoreItem>
+</file>
+
+<file path=customXml/itemProps29.xml><?xml version="1.0" encoding="utf-8"?>
+<ds:datastoreItem xmlns:ds="http://schemas.openxmlformats.org/officeDocument/2006/customXml" ds:itemID="{29BF925D-CF27-4B21-AC43-2599465F0C8E}">
+  <ds:schemaRefs>
+    <ds:schemaRef ds:uri="http://schemas.microsoft.com/VisualStudio/2011/storyboarding/control"/>
+  </ds:schemaRefs>
+</ds:datastoreItem>
+</file>
+
+<file path=customXml/itemProps3.xml><?xml version="1.0" encoding="utf-8"?>
+<ds:datastoreItem xmlns:ds="http://schemas.openxmlformats.org/officeDocument/2006/customXml" ds:itemID="{BC9894E6-7AC8-4518-A802-8C98F8565837}">
+  <ds:schemaRefs>
+    <ds:schemaRef ds:uri="http://schemas.microsoft.com/VisualStudio/2011/storyboarding/control"/>
+  </ds:schemaRefs>
+</ds:datastoreItem>
+</file>
+
+<file path=customXml/itemProps30.xml><?xml version="1.0" encoding="utf-8"?>
+<ds:datastoreItem xmlns:ds="http://schemas.openxmlformats.org/officeDocument/2006/customXml" ds:itemID="{D9B490FA-A64C-40B6-8247-CD5808900A10}">
+  <ds:schemaRefs>
+    <ds:schemaRef ds:uri="http://schemas.microsoft.com/VisualStudio/2011/storyboarding/control"/>
+  </ds:schemaRefs>
+</ds:datastoreItem>
+</file>
+
+<file path=customXml/itemProps31.xml><?xml version="1.0" encoding="utf-8"?>
+<ds:datastoreItem xmlns:ds="http://schemas.openxmlformats.org/officeDocument/2006/customXml" ds:itemID="{6806E131-54C6-48B3-984A-5A1F4C5785D2}">
+  <ds:schemaRefs>
+    <ds:schemaRef ds:uri="http://schemas.microsoft.com/VisualStudio/2011/storyboarding/control"/>
+  </ds:schemaRefs>
+</ds:datastoreItem>
+</file>
+
+<file path=customXml/itemProps32.xml><?xml version="1.0" encoding="utf-8"?>
+<ds:datastoreItem xmlns:ds="http://schemas.openxmlformats.org/officeDocument/2006/customXml" ds:itemID="{69E02AD5-3C7C-4F1D-9766-B18ECF2212C6}">
+  <ds:schemaRefs>
+    <ds:schemaRef ds:uri="http://schemas.microsoft.com/VisualStudio/2011/storyboarding/control"/>
+  </ds:schemaRefs>
+</ds:datastoreItem>
+</file>
+
+<file path=customXml/itemProps33.xml><?xml version="1.0" encoding="utf-8"?>
+<ds:datastoreItem xmlns:ds="http://schemas.openxmlformats.org/officeDocument/2006/customXml" ds:itemID="{D9AB7FC7-C062-483E-9B7E-6CCCBB79B494}">
+  <ds:schemaRefs>
+    <ds:schemaRef ds:uri="http://schemas.microsoft.com/VisualStudio/2011/storyboarding/control"/>
+  </ds:schemaRefs>
+</ds:datastoreItem>
+</file>
+
+<file path=customXml/itemProps34.xml><?xml version="1.0" encoding="utf-8"?>
+<ds:datastoreItem xmlns:ds="http://schemas.openxmlformats.org/officeDocument/2006/customXml" ds:itemID="{20DE1362-1BC4-4883-A16F-96A9C8F4B18F}">
+  <ds:schemaRefs>
+    <ds:schemaRef ds:uri="http://schemas.microsoft.com/VisualStudio/2011/storyboarding/control"/>
+  </ds:schemaRefs>
+</ds:datastoreItem>
+</file>
+
+<file path=customXml/itemProps35.xml><?xml version="1.0" encoding="utf-8"?>
+<ds:datastoreItem xmlns:ds="http://schemas.openxmlformats.org/officeDocument/2006/customXml" ds:itemID="{6226C0E4-0364-460C-AAB7-9D347567DCC8}">
+  <ds:schemaRefs>
+    <ds:schemaRef ds:uri="http://schemas.microsoft.com/VisualStudio/2011/storyboarding/control"/>
+  </ds:schemaRefs>
+</ds:datastoreItem>
+</file>
+
+<file path=customXml/itemProps36.xml><?xml version="1.0" encoding="utf-8"?>
+<ds:datastoreItem xmlns:ds="http://schemas.openxmlformats.org/officeDocument/2006/customXml" ds:itemID="{8EE50836-C4DB-4AC6-8DFD-677FDEAB9EAD}">
+  <ds:schemaRefs>
+    <ds:schemaRef ds:uri="http://schemas.microsoft.com/VisualStudio/2011/storyboarding/control"/>
+  </ds:schemaRefs>
+</ds:datastoreItem>
+</file>
+
+<file path=customXml/itemProps37.xml><?xml version="1.0" encoding="utf-8"?>
+<ds:datastoreItem xmlns:ds="http://schemas.openxmlformats.org/officeDocument/2006/customXml" ds:itemID="{0D8F2650-9E27-4603-BD35-5A059BB60334}">
+  <ds:schemaRefs>
+    <ds:schemaRef ds:uri="http://schemas.microsoft.com/VisualStudio/2011/storyboarding/control"/>
+  </ds:schemaRefs>
+</ds:datastoreItem>
+</file>
+
+<file path=customXml/itemProps38.xml><?xml version="1.0" encoding="utf-8"?>
+<ds:datastoreItem xmlns:ds="http://schemas.openxmlformats.org/officeDocument/2006/customXml" ds:itemID="{FD7A3CF8-3A66-47F9-8AD7-22127504A57F}">
+  <ds:schemaRefs>
+    <ds:schemaRef ds:uri="http://schemas.microsoft.com/VisualStudio/2011/storyboarding/control"/>
+  </ds:schemaRefs>
+</ds:datastoreItem>
+</file>
+
+<file path=customXml/itemProps39.xml><?xml version="1.0" encoding="utf-8"?>
+<ds:datastoreItem xmlns:ds="http://schemas.openxmlformats.org/officeDocument/2006/customXml" ds:itemID="{438B7A44-EBDD-41BA-B093-6D278F4F7459}">
+  <ds:schemaRefs>
+    <ds:schemaRef ds:uri="http://schemas.microsoft.com/VisualStudio/2011/storyboarding/control"/>
+  </ds:schemaRefs>
+</ds:datastoreItem>
+</file>
+
+<file path=customXml/itemProps4.xml><?xml version="1.0" encoding="utf-8"?>
+<ds:datastoreItem xmlns:ds="http://schemas.openxmlformats.org/officeDocument/2006/customXml" ds:itemID="{C05A56CC-DCFE-4A97-B103-5E1633E28254}">
+  <ds:schemaRefs>
+    <ds:schemaRef ds:uri="http://schemas.microsoft.com/VisualStudio/2011/storyboarding/control"/>
+  </ds:schemaRefs>
+</ds:datastoreItem>
+</file>
+
+<file path=customXml/itemProps40.xml><?xml version="1.0" encoding="utf-8"?>
+<ds:datastoreItem xmlns:ds="http://schemas.openxmlformats.org/officeDocument/2006/customXml" ds:itemID="{186177FB-D9AA-47FB-AA70-F2EB801F860E}">
+  <ds:schemaRefs>
+    <ds:schemaRef ds:uri="http://schemas.microsoft.com/VisualStudio/2011/storyboarding/control"/>
+  </ds:schemaRefs>
+</ds:datastoreItem>
+</file>
+
+<file path=customXml/itemProps41.xml><?xml version="1.0" encoding="utf-8"?>
+<ds:datastoreItem xmlns:ds="http://schemas.openxmlformats.org/officeDocument/2006/customXml" ds:itemID="{3339E7B3-364E-4EE1-ABAB-0EFEF3F7CE1F}">
+  <ds:schemaRefs>
+    <ds:schemaRef ds:uri="http://schemas.microsoft.com/VisualStudio/2011/storyboarding/control"/>
+  </ds:schemaRefs>
+</ds:datastoreItem>
+</file>
+
+<file path=customXml/itemProps42.xml><?xml version="1.0" encoding="utf-8"?>
+<ds:datastoreItem xmlns:ds="http://schemas.openxmlformats.org/officeDocument/2006/customXml" ds:itemID="{AABF63A9-AA30-4DF6-8EF2-972AB7A4097F}">
+  <ds:schemaRefs>
+    <ds:schemaRef ds:uri="http://schemas.microsoft.com/VisualStudio/2011/storyboarding/control"/>
+  </ds:schemaRefs>
+</ds:datastoreItem>
+</file>
+
+<file path=customXml/itemProps43.xml><?xml version="1.0" encoding="utf-8"?>
+<ds:datastoreItem xmlns:ds="http://schemas.openxmlformats.org/officeDocument/2006/customXml" ds:itemID="{C65B337F-737A-48CA-8F75-978A60D7016D}">
+  <ds:schemaRefs>
+    <ds:schemaRef ds:uri="http://schemas.microsoft.com/VisualStudio/2011/storyboarding/control"/>
+  </ds:schemaRefs>
+</ds:datastoreItem>
+</file>
+
+<file path=customXml/itemProps44.xml><?xml version="1.0" encoding="utf-8"?>
+<ds:datastoreItem xmlns:ds="http://schemas.openxmlformats.org/officeDocument/2006/customXml" ds:itemID="{ACB3927E-D579-4694-AD01-62FF7AA261C4}">
+  <ds:schemaRefs>
+    <ds:schemaRef ds:uri="http://schemas.microsoft.com/VisualStudio/2011/storyboarding/control"/>
+  </ds:schemaRefs>
+</ds:datastoreItem>
+</file>
+
+<file path=customXml/itemProps45.xml><?xml version="1.0" encoding="utf-8"?>
+<ds:datastoreItem xmlns:ds="http://schemas.openxmlformats.org/officeDocument/2006/customXml" ds:itemID="{451A7426-E19E-4AAF-BFD2-F92A9C112E84}">
+  <ds:schemaRefs>
+    <ds:schemaRef ds:uri="http://schemas.microsoft.com/VisualStudio/2011/storyboarding/control"/>
+  </ds:schemaRefs>
+</ds:datastoreItem>
+</file>
+
+<file path=customXml/itemProps46.xml><?xml version="1.0" encoding="utf-8"?>
+<ds:datastoreItem xmlns:ds="http://schemas.openxmlformats.org/officeDocument/2006/customXml" ds:itemID="{1F111213-9B54-4464-8973-266EF211797B}">
+  <ds:schemaRefs>
+    <ds:schemaRef ds:uri="http://schemas.microsoft.com/VisualStudio/2011/storyboarding/control"/>
+  </ds:schemaRefs>
+</ds:datastoreItem>
+</file>
+
+<file path=customXml/itemProps47.xml><?xml version="1.0" encoding="utf-8"?>
+<ds:datastoreItem xmlns:ds="http://schemas.openxmlformats.org/officeDocument/2006/customXml" ds:itemID="{26EBF4A3-F17A-4E3E-A734-46BBA9DFA0C8}">
+  <ds:schemaRefs>
+    <ds:schemaRef ds:uri="http://schemas.microsoft.com/VisualStudio/2011/storyboarding/control"/>
+  </ds:schemaRefs>
+</ds:datastoreItem>
+</file>
+
+<file path=customXml/itemProps48.xml><?xml version="1.0" encoding="utf-8"?>
+<ds:datastoreItem xmlns:ds="http://schemas.openxmlformats.org/officeDocument/2006/customXml" ds:itemID="{7FDD124D-E3E9-4D15-9954-8BE945E00BA2}">
+  <ds:schemaRefs>
+    <ds:schemaRef ds:uri="http://schemas.microsoft.com/VisualStudio/2011/storyboarding/control"/>
+  </ds:schemaRefs>
+</ds:datastoreItem>
+</file>
+
+<file path=customXml/itemProps49.xml><?xml version="1.0" encoding="utf-8"?>
+<ds:datastoreItem xmlns:ds="http://schemas.openxmlformats.org/officeDocument/2006/customXml" ds:itemID="{C4583063-FB7A-486E-B271-71E78059E19B}">
+  <ds:schemaRefs>
+    <ds:schemaRef ds:uri="http://schemas.microsoft.com/VisualStudio/2011/storyboarding/control"/>
+  </ds:schemaRefs>
+</ds:datastoreItem>
+</file>
+
+<file path=customXml/itemProps5.xml><?xml version="1.0" encoding="utf-8"?>
+<ds:datastoreItem xmlns:ds="http://schemas.openxmlformats.org/officeDocument/2006/customXml" ds:itemID="{BDF653D0-0803-4E4F-AB2B-0C004B440C9C}">
+  <ds:schemaRefs>
+    <ds:schemaRef ds:uri="http://schemas.microsoft.com/VisualStudio/2011/storyboarding/control"/>
+  </ds:schemaRefs>
+</ds:datastoreItem>
+</file>
+
+<file path=customXml/itemProps50.xml><?xml version="1.0" encoding="utf-8"?>
+<ds:datastoreItem xmlns:ds="http://schemas.openxmlformats.org/officeDocument/2006/customXml" ds:itemID="{D12E1D60-E53D-431F-ABC8-B98207B7D1E6}">
+  <ds:schemaRefs>
+    <ds:schemaRef ds:uri="http://schemas.microsoft.com/VisualStudio/2011/storyboarding/control"/>
+  </ds:schemaRefs>
+</ds:datastoreItem>
+</file>
+
+<file path=customXml/itemProps51.xml><?xml version="1.0" encoding="utf-8"?>
+<ds:datastoreItem xmlns:ds="http://schemas.openxmlformats.org/officeDocument/2006/customXml" ds:itemID="{F9C34A43-6DD3-45D9-8C33-A2A94686CFF4}">
+  <ds:schemaRefs>
+    <ds:schemaRef ds:uri="http://schemas.microsoft.com/VisualStudio/2011/storyboarding/control"/>
+  </ds:schemaRefs>
+</ds:datastoreItem>
+</file>
+
+<file path=customXml/itemProps52.xml><?xml version="1.0" encoding="utf-8"?>
+<ds:datastoreItem xmlns:ds="http://schemas.openxmlformats.org/officeDocument/2006/customXml" ds:itemID="{A5548825-A252-43B9-8E93-D05CC009ABBE}">
+  <ds:schemaRefs>
+    <ds:schemaRef ds:uri="http://schemas.microsoft.com/VisualStudio/2011/storyboarding/control"/>
+  </ds:schemaRefs>
+</ds:datastoreItem>
+</file>
+
+<file path=customXml/itemProps53.xml><?xml version="1.0" encoding="utf-8"?>
+<ds:datastoreItem xmlns:ds="http://schemas.openxmlformats.org/officeDocument/2006/customXml" ds:itemID="{12FD62BF-A11E-4BD8-9FB1-B9028E90A22E}">
+  <ds:schemaRefs>
+    <ds:schemaRef ds:uri="http://schemas.microsoft.com/VisualStudio/2011/storyboarding/control"/>
+  </ds:schemaRefs>
+</ds:datastoreItem>
+</file>
+
+<file path=customXml/itemProps54.xml><?xml version="1.0" encoding="utf-8"?>
+<ds:datastoreItem xmlns:ds="http://schemas.openxmlformats.org/officeDocument/2006/customXml" ds:itemID="{B01456BF-31CD-4F81-B283-64D56CC0D084}">
+  <ds:schemaRefs>
+    <ds:schemaRef ds:uri="http://schemas.microsoft.com/VisualStudio/2011/storyboarding/control"/>
+  </ds:schemaRefs>
+</ds:datastoreItem>
+</file>
+
+<file path=customXml/itemProps55.xml><?xml version="1.0" encoding="utf-8"?>
+<ds:datastoreItem xmlns:ds="http://schemas.openxmlformats.org/officeDocument/2006/customXml" ds:itemID="{E5957A30-7F08-42CE-A7C9-9121B3EEDB89}">
+  <ds:schemaRefs>
+    <ds:schemaRef ds:uri="http://schemas.microsoft.com/VisualStudio/2011/storyboarding/control"/>
+  </ds:schemaRefs>
+</ds:datastoreItem>
+</file>
+
+<file path=customXml/itemProps56.xml><?xml version="1.0" encoding="utf-8"?>
 <ds:datastoreItem xmlns:ds="http://schemas.openxmlformats.org/officeDocument/2006/customXml" ds:itemID="{4933C5B9-7038-46C8-B65F-9FC1C846A3E0}">
   <ds:schemaRefs>
     <ds:schemaRef ds:uri="http://schemas.microsoft.com/VisualStudio/2011/storyboarding/control"/>
@@ -24369,47 +25924,215 @@
 </ds:datastoreItem>
 </file>
 
-<file path=customXml/itemProps10.xml><?xml version="1.0" encoding="utf-8"?>
-<ds:datastoreItem xmlns:ds="http://schemas.openxmlformats.org/officeDocument/2006/customXml" ds:itemID="{1159427B-15B9-477B-8DAD-D7C81D705523}">
+<file path=customXml/itemProps57.xml><?xml version="1.0" encoding="utf-8"?>
+<ds:datastoreItem xmlns:ds="http://schemas.openxmlformats.org/officeDocument/2006/customXml" ds:itemID="{F840D909-519B-49C3-9DCA-97C64A5B9C79}">
   <ds:schemaRefs>
     <ds:schemaRef ds:uri="http://schemas.microsoft.com/VisualStudio/2011/storyboarding/control"/>
   </ds:schemaRefs>
 </ds:datastoreItem>
 </file>
 
-<file path=customXml/itemProps100.xml><?xml version="1.0" encoding="utf-8"?>
-<ds:datastoreItem xmlns:ds="http://schemas.openxmlformats.org/officeDocument/2006/customXml" ds:itemID="{9A59738E-0CC4-436E-B451-F09AF7853BEC}">
+<file path=customXml/itemProps58.xml><?xml version="1.0" encoding="utf-8"?>
+<ds:datastoreItem xmlns:ds="http://schemas.openxmlformats.org/officeDocument/2006/customXml" ds:itemID="{A05C083F-66B9-4E32-B2F5-E377C3A489DF}">
   <ds:schemaRefs>
     <ds:schemaRef ds:uri="http://schemas.microsoft.com/VisualStudio/2011/storyboarding/control"/>
   </ds:schemaRefs>
 </ds:datastoreItem>
 </file>
 
-<file path=customXml/itemProps101.xml><?xml version="1.0" encoding="utf-8"?>
-<ds:datastoreItem xmlns:ds="http://schemas.openxmlformats.org/officeDocument/2006/customXml" ds:itemID="{9D841488-D9C9-470B-9DF0-06BC6C2C0775}">
+<file path=customXml/itemProps59.xml><?xml version="1.0" encoding="utf-8"?>
+<ds:datastoreItem xmlns:ds="http://schemas.openxmlformats.org/officeDocument/2006/customXml" ds:itemID="{83526E43-CC5B-4399-8E1C-823585530259}">
   <ds:schemaRefs>
     <ds:schemaRef ds:uri="http://schemas.microsoft.com/VisualStudio/2011/storyboarding/control"/>
   </ds:schemaRefs>
 </ds:datastoreItem>
 </file>
 
-<file path=customXml/itemProps102.xml><?xml version="1.0" encoding="utf-8"?>
-<ds:datastoreItem xmlns:ds="http://schemas.openxmlformats.org/officeDocument/2006/customXml" ds:itemID="{726BE286-E05E-4A7E-9BF6-44FFEC27C080}">
+<file path=customXml/itemProps6.xml><?xml version="1.0" encoding="utf-8"?>
+<ds:datastoreItem xmlns:ds="http://schemas.openxmlformats.org/officeDocument/2006/customXml" ds:itemID="{0CCA9F88-8784-4D3A-B544-5E75264A0988}">
   <ds:schemaRefs>
     <ds:schemaRef ds:uri="http://schemas.microsoft.com/VisualStudio/2011/storyboarding/control"/>
   </ds:schemaRefs>
 </ds:datastoreItem>
 </file>
 
-<file path=customXml/itemProps103.xml><?xml version="1.0" encoding="utf-8"?>
-<ds:datastoreItem xmlns:ds="http://schemas.openxmlformats.org/officeDocument/2006/customXml" ds:itemID="{451A7426-E19E-4AAF-BFD2-F92A9C112E84}">
+<file path=customXml/itemProps60.xml><?xml version="1.0" encoding="utf-8"?>
+<ds:datastoreItem xmlns:ds="http://schemas.openxmlformats.org/officeDocument/2006/customXml" ds:itemID="{0B5327E3-0261-4B48-BF6B-FF0257762827}">
   <ds:schemaRefs>
     <ds:schemaRef ds:uri="http://schemas.microsoft.com/VisualStudio/2011/storyboarding/control"/>
   </ds:schemaRefs>
 </ds:datastoreItem>
 </file>
 
-<file path=customXml/itemProps104.xml><?xml version="1.0" encoding="utf-8"?>
+<file path=customXml/itemProps61.xml><?xml version="1.0" encoding="utf-8"?>
+<ds:datastoreItem xmlns:ds="http://schemas.openxmlformats.org/officeDocument/2006/customXml" ds:itemID="{3CA43762-3F39-470A-9564-3739655F8186}">
+  <ds:schemaRefs>
+    <ds:schemaRef ds:uri="http://schemas.microsoft.com/VisualStudio/2011/storyboarding/control"/>
+  </ds:schemaRefs>
+</ds:datastoreItem>
+</file>
+
+<file path=customXml/itemProps62.xml><?xml version="1.0" encoding="utf-8"?>
+<ds:datastoreItem xmlns:ds="http://schemas.openxmlformats.org/officeDocument/2006/customXml" ds:itemID="{3E700196-0E07-41FC-8F78-80FE3D9018FD}">
+  <ds:schemaRefs>
+    <ds:schemaRef ds:uri="http://schemas.microsoft.com/VisualStudio/2011/storyboarding/control"/>
+  </ds:schemaRefs>
+</ds:datastoreItem>
+</file>
+
+<file path=customXml/itemProps63.xml><?xml version="1.0" encoding="utf-8"?>
+<ds:datastoreItem xmlns:ds="http://schemas.openxmlformats.org/officeDocument/2006/customXml" ds:itemID="{B8E12DBA-650B-4369-8B51-0ED5654ECE37}">
+  <ds:schemaRefs>
+    <ds:schemaRef ds:uri="http://schemas.microsoft.com/VisualStudio/2011/storyboarding/control"/>
+  </ds:schemaRefs>
+</ds:datastoreItem>
+</file>
+
+<file path=customXml/itemProps64.xml><?xml version="1.0" encoding="utf-8"?>
+<ds:datastoreItem xmlns:ds="http://schemas.openxmlformats.org/officeDocument/2006/customXml" ds:itemID="{242CB00D-BA5D-43C6-B335-4CBC590CA72E}">
+  <ds:schemaRefs>
+    <ds:schemaRef ds:uri="http://schemas.microsoft.com/VisualStudio/2011/storyboarding/control"/>
+  </ds:schemaRefs>
+</ds:datastoreItem>
+</file>
+
+<file path=customXml/itemProps65.xml><?xml version="1.0" encoding="utf-8"?>
+<ds:datastoreItem xmlns:ds="http://schemas.openxmlformats.org/officeDocument/2006/customXml" ds:itemID="{A3F62A8C-3D6E-45AB-989A-0299CCDC7BDF}">
+  <ds:schemaRefs>
+    <ds:schemaRef ds:uri="http://schemas.microsoft.com/VisualStudio/2011/storyboarding/control"/>
+  </ds:schemaRefs>
+</ds:datastoreItem>
+</file>
+
+<file path=customXml/itemProps66.xml><?xml version="1.0" encoding="utf-8"?>
+<ds:datastoreItem xmlns:ds="http://schemas.openxmlformats.org/officeDocument/2006/customXml" ds:itemID="{E243988D-F926-45CE-8E57-8F03AD990A6C}">
+  <ds:schemaRefs>
+    <ds:schemaRef ds:uri="http://schemas.microsoft.com/VisualStudio/2011/storyboarding/control"/>
+  </ds:schemaRefs>
+</ds:datastoreItem>
+</file>
+
+<file path=customXml/itemProps67.xml><?xml version="1.0" encoding="utf-8"?>
+<ds:datastoreItem xmlns:ds="http://schemas.openxmlformats.org/officeDocument/2006/customXml" ds:itemID="{17A9B085-8E1A-4A33-B871-8166221A211A}">
+  <ds:schemaRefs>
+    <ds:schemaRef ds:uri="http://schemas.microsoft.com/VisualStudio/2011/storyboarding/control"/>
+  </ds:schemaRefs>
+</ds:datastoreItem>
+</file>
+
+<file path=customXml/itemProps68.xml><?xml version="1.0" encoding="utf-8"?>
+<ds:datastoreItem xmlns:ds="http://schemas.openxmlformats.org/officeDocument/2006/customXml" ds:itemID="{24900BF5-C4DC-42A1-8816-A384E671E92A}">
+  <ds:schemaRefs>
+    <ds:schemaRef ds:uri="http://schemas.microsoft.com/VisualStudio/2011/storyboarding/control"/>
+  </ds:schemaRefs>
+</ds:datastoreItem>
+</file>
+
+<file path=customXml/itemProps69.xml><?xml version="1.0" encoding="utf-8"?>
+<ds:datastoreItem xmlns:ds="http://schemas.openxmlformats.org/officeDocument/2006/customXml" ds:itemID="{29F09D18-0D3C-4F1D-ABE0-73E2474806CB}">
+  <ds:schemaRefs>
+    <ds:schemaRef ds:uri="http://schemas.microsoft.com/VisualStudio/2011/storyboarding/control"/>
+  </ds:schemaRefs>
+</ds:datastoreItem>
+</file>
+
+<file path=customXml/itemProps7.xml><?xml version="1.0" encoding="utf-8"?>
+<ds:datastoreItem xmlns:ds="http://schemas.openxmlformats.org/officeDocument/2006/customXml" ds:itemID="{73C15516-64BE-43A3-9299-7E108DE97C7F}">
+  <ds:schemaRefs>
+    <ds:schemaRef ds:uri="http://schemas.microsoft.com/VisualStudio/2011/storyboarding/control"/>
+  </ds:schemaRefs>
+</ds:datastoreItem>
+</file>
+
+<file path=customXml/itemProps70.xml><?xml version="1.0" encoding="utf-8"?>
+<ds:datastoreItem xmlns:ds="http://schemas.openxmlformats.org/officeDocument/2006/customXml" ds:itemID="{8481EF94-D4A7-4149-8E7B-C8738D2597CA}">
+  <ds:schemaRefs>
+    <ds:schemaRef ds:uri="http://schemas.microsoft.com/VisualStudio/2011/storyboarding/control"/>
+  </ds:schemaRefs>
+</ds:datastoreItem>
+</file>
+
+<file path=customXml/itemProps71.xml><?xml version="1.0" encoding="utf-8"?>
+<ds:datastoreItem xmlns:ds="http://schemas.openxmlformats.org/officeDocument/2006/customXml" ds:itemID="{A099D91D-2540-412F-88B4-6DD3EB1D58E7}">
+  <ds:schemaRefs>
+    <ds:schemaRef ds:uri="http://schemas.microsoft.com/VisualStudio/2011/storyboarding/control"/>
+  </ds:schemaRefs>
+</ds:datastoreItem>
+</file>
+
+<file path=customXml/itemProps72.xml><?xml version="1.0" encoding="utf-8"?>
+<ds:datastoreItem xmlns:ds="http://schemas.openxmlformats.org/officeDocument/2006/customXml" ds:itemID="{9DAF7C4A-2E75-435E-8C11-B1DC53AC52EB}">
+  <ds:schemaRefs>
+    <ds:schemaRef ds:uri="http://schemas.microsoft.com/VisualStudio/2011/storyboarding/control"/>
+  </ds:schemaRefs>
+</ds:datastoreItem>
+</file>
+
+<file path=customXml/itemProps73.xml><?xml version="1.0" encoding="utf-8"?>
+<ds:datastoreItem xmlns:ds="http://schemas.openxmlformats.org/officeDocument/2006/customXml" ds:itemID="{FA597DE2-CFB0-4358-AA98-055ACAFB4418}">
+  <ds:schemaRefs>
+    <ds:schemaRef ds:uri="http://schemas.microsoft.com/VisualStudio/2011/storyboarding/control"/>
+  </ds:schemaRefs>
+</ds:datastoreItem>
+</file>
+
+<file path=customXml/itemProps74.xml><?xml version="1.0" encoding="utf-8"?>
+<ds:datastoreItem xmlns:ds="http://schemas.openxmlformats.org/officeDocument/2006/customXml" ds:itemID="{E9B3074F-7568-498E-AB18-CABC99245B58}">
+  <ds:schemaRefs>
+    <ds:schemaRef ds:uri="http://schemas.microsoft.com/VisualStudio/2011/storyboarding/control"/>
+  </ds:schemaRefs>
+</ds:datastoreItem>
+</file>
+
+<file path=customXml/itemProps75.xml><?xml version="1.0" encoding="utf-8"?>
+<ds:datastoreItem xmlns:ds="http://schemas.openxmlformats.org/officeDocument/2006/customXml" ds:itemID="{C36DB154-AE5E-441B-8E32-9C0203D538F6}">
+  <ds:schemaRefs>
+    <ds:schemaRef ds:uri="http://schemas.microsoft.com/VisualStudio/2011/storyboarding/control"/>
+  </ds:schemaRefs>
+</ds:datastoreItem>
+</file>
+
+<file path=customXml/itemProps76.xml><?xml version="1.0" encoding="utf-8"?>
+<ds:datastoreItem xmlns:ds="http://schemas.openxmlformats.org/officeDocument/2006/customXml" ds:itemID="{C14734D5-9FB1-4C35-A180-105B4BA15CD3}">
+  <ds:schemaRefs>
+    <ds:schemaRef ds:uri="http://schemas.microsoft.com/VisualStudio/2011/storyboarding/control"/>
+  </ds:schemaRefs>
+</ds:datastoreItem>
+</file>
+
+<file path=customXml/itemProps77.xml><?xml version="1.0" encoding="utf-8"?>
+<ds:datastoreItem xmlns:ds="http://schemas.openxmlformats.org/officeDocument/2006/customXml" ds:itemID="{CE225F83-8706-4484-B4DE-2B7E506A1F45}">
+  <ds:schemaRefs>
+    <ds:schemaRef ds:uri="http://schemas.microsoft.com/VisualStudio/2011/storyboarding/control"/>
+  </ds:schemaRefs>
+</ds:datastoreItem>
+</file>
+
+<file path=customXml/itemProps78.xml><?xml version="1.0" encoding="utf-8"?>
+<ds:datastoreItem xmlns:ds="http://schemas.openxmlformats.org/officeDocument/2006/customXml" ds:itemID="{701AFE5A-ADCF-4311-A5B5-18B338C7E907}">
+  <ds:schemaRefs>
+    <ds:schemaRef ds:uri="http://schemas.microsoft.com/VisualStudio/2011/storyboarding/control"/>
+  </ds:schemaRefs>
+</ds:datastoreItem>
+</file>
+
+<file path=customXml/itemProps79.xml><?xml version="1.0" encoding="utf-8"?>
+<ds:datastoreItem xmlns:ds="http://schemas.openxmlformats.org/officeDocument/2006/customXml" ds:itemID="{8F7399B1-A9DB-4D84-95B4-5DD6BBAA5187}">
+  <ds:schemaRefs>
+    <ds:schemaRef ds:uri="http://schemas.microsoft.com/VisualStudio/2011/storyboarding/control"/>
+  </ds:schemaRefs>
+</ds:datastoreItem>
+</file>
+
+<file path=customXml/itemProps8.xml><?xml version="1.0" encoding="utf-8"?>
+<ds:datastoreItem xmlns:ds="http://schemas.openxmlformats.org/officeDocument/2006/customXml" ds:itemID="{990EA9D7-70A1-4B9E-958D-6A0136D68D06}">
+  <ds:schemaRefs>
+    <ds:schemaRef ds:uri="http://schemas.microsoft.com/VisualStudio/2011/storyboarding/control"/>
+  </ds:schemaRefs>
+</ds:datastoreItem>
+</file>
+
+<file path=customXml/itemProps80.xml><?xml version="1.0" encoding="utf-8"?>
 <ds:datastoreItem xmlns:ds="http://schemas.openxmlformats.org/officeDocument/2006/customXml" ds:itemID="{ABD876F2-87B3-4F2F-9405-BCB26B393D8D}">
   <ds:schemaRefs>
     <ds:schemaRef ds:uri="http://schemas.microsoft.com/VisualStudio/2011/storyboarding/control"/>
@@ -24417,55 +26140,135 @@
 </ds:datastoreItem>
 </file>
 
-<file path=customXml/itemProps105.xml><?xml version="1.0" encoding="utf-8"?>
-<ds:datastoreItem xmlns:ds="http://schemas.openxmlformats.org/officeDocument/2006/customXml" ds:itemID="{7D9FEB58-73F6-462F-A88A-C490995E4318}">
+<file path=customXml/itemProps81.xml><?xml version="1.0" encoding="utf-8"?>
+<ds:datastoreItem xmlns:ds="http://schemas.openxmlformats.org/officeDocument/2006/customXml" ds:itemID="{AB1DB933-7DE2-4FB6-94F8-DE6617D86614}">
   <ds:schemaRefs>
     <ds:schemaRef ds:uri="http://schemas.microsoft.com/VisualStudio/2011/storyboarding/control"/>
   </ds:schemaRefs>
 </ds:datastoreItem>
 </file>
 
-<file path=customXml/itemProps106.xml><?xml version="1.0" encoding="utf-8"?>
-<ds:datastoreItem xmlns:ds="http://schemas.openxmlformats.org/officeDocument/2006/customXml" ds:itemID="{DB2000C8-B277-4324-8B80-CDB83E8CE835}">
+<file path=customXml/itemProps82.xml><?xml version="1.0" encoding="utf-8"?>
+<ds:datastoreItem xmlns:ds="http://schemas.openxmlformats.org/officeDocument/2006/customXml" ds:itemID="{6E9F6603-6B7C-453B-A486-459839EF1163}">
   <ds:schemaRefs>
     <ds:schemaRef ds:uri="http://schemas.microsoft.com/VisualStudio/2011/storyboarding/control"/>
   </ds:schemaRefs>
 </ds:datastoreItem>
 </file>
 
-<file path=customXml/itemProps107.xml><?xml version="1.0" encoding="utf-8"?>
-<ds:datastoreItem xmlns:ds="http://schemas.openxmlformats.org/officeDocument/2006/customXml" ds:itemID="{0CCA9F88-8784-4D3A-B544-5E75264A0988}">
+<file path=customXml/itemProps83.xml><?xml version="1.0" encoding="utf-8"?>
+<ds:datastoreItem xmlns:ds="http://schemas.openxmlformats.org/officeDocument/2006/customXml" ds:itemID="{EF5EA3E2-3902-4CA0-93F4-4F361DF72ABD}">
   <ds:schemaRefs>
     <ds:schemaRef ds:uri="http://schemas.microsoft.com/VisualStudio/2011/storyboarding/control"/>
   </ds:schemaRefs>
 </ds:datastoreItem>
 </file>
 
-<file path=customXml/itemProps108.xml><?xml version="1.0" encoding="utf-8"?>
-<ds:datastoreItem xmlns:ds="http://schemas.openxmlformats.org/officeDocument/2006/customXml" ds:itemID="{186177FB-D9AA-47FB-AA70-F2EB801F860E}">
+<file path=customXml/itemProps84.xml><?xml version="1.0" encoding="utf-8"?>
+<ds:datastoreItem xmlns:ds="http://schemas.openxmlformats.org/officeDocument/2006/customXml" ds:itemID="{D3E69636-CCB7-4030-8B08-9159922F7C18}">
   <ds:schemaRefs>
     <ds:schemaRef ds:uri="http://schemas.microsoft.com/VisualStudio/2011/storyboarding/control"/>
   </ds:schemaRefs>
 </ds:datastoreItem>
 </file>
 
-<file path=customXml/itemProps109.xml><?xml version="1.0" encoding="utf-8"?>
-<ds:datastoreItem xmlns:ds="http://schemas.openxmlformats.org/officeDocument/2006/customXml" ds:itemID="{E9B3074F-7568-498E-AB18-CABC99245B58}">
+<file path=customXml/itemProps85.xml><?xml version="1.0" encoding="utf-8"?>
+<ds:datastoreItem xmlns:ds="http://schemas.openxmlformats.org/officeDocument/2006/customXml" ds:itemID="{48F85951-6571-4AA7-9B26-EEF9CD4B541F}">
   <ds:schemaRefs>
     <ds:schemaRef ds:uri="http://schemas.microsoft.com/VisualStudio/2011/storyboarding/control"/>
   </ds:schemaRefs>
 </ds:datastoreItem>
 </file>
 
-<file path=customXml/itemProps11.xml><?xml version="1.0" encoding="utf-8"?>
-<ds:datastoreItem xmlns:ds="http://schemas.openxmlformats.org/officeDocument/2006/customXml" ds:itemID="{990EA9D7-70A1-4B9E-958D-6A0136D68D06}">
+<file path=customXml/itemProps86.xml><?xml version="1.0" encoding="utf-8"?>
+<ds:datastoreItem xmlns:ds="http://schemas.openxmlformats.org/officeDocument/2006/customXml" ds:itemID="{228AF168-33A9-492E-910D-EAE94E644B4A}">
   <ds:schemaRefs>
     <ds:schemaRef ds:uri="http://schemas.microsoft.com/VisualStudio/2011/storyboarding/control"/>
   </ds:schemaRefs>
 </ds:datastoreItem>
 </file>
 
-<file path=customXml/itemProps110.xml><?xml version="1.0" encoding="utf-8"?>
+<file path=customXml/itemProps87.xml><?xml version="1.0" encoding="utf-8"?>
+<ds:datastoreItem xmlns:ds="http://schemas.openxmlformats.org/officeDocument/2006/customXml" ds:itemID="{1877004B-50A8-4877-B8FF-7DD1DC8224C2}">
+  <ds:schemaRefs>
+    <ds:schemaRef ds:uri="http://schemas.microsoft.com/VisualStudio/2011/storyboarding/control"/>
+  </ds:schemaRefs>
+</ds:datastoreItem>
+</file>
+
+<file path=customXml/itemProps88.xml><?xml version="1.0" encoding="utf-8"?>
+<ds:datastoreItem xmlns:ds="http://schemas.openxmlformats.org/officeDocument/2006/customXml" ds:itemID="{D1100CDA-4C0B-4B20-A344-A7360173EF0F}">
+  <ds:schemaRefs>
+    <ds:schemaRef ds:uri="http://schemas.microsoft.com/VisualStudio/2011/storyboarding/control"/>
+  </ds:schemaRefs>
+</ds:datastoreItem>
+</file>
+
+<file path=customXml/itemProps89.xml><?xml version="1.0" encoding="utf-8"?>
+<ds:datastoreItem xmlns:ds="http://schemas.openxmlformats.org/officeDocument/2006/customXml" ds:itemID="{F2C13C45-9FD4-46A1-B566-8CFCB6433E4D}">
+  <ds:schemaRefs>
+    <ds:schemaRef ds:uri="http://schemas.microsoft.com/VisualStudio/2011/storyboarding/control"/>
+  </ds:schemaRefs>
+</ds:datastoreItem>
+</file>
+
+<file path=customXml/itemProps9.xml><?xml version="1.0" encoding="utf-8"?>
+<ds:datastoreItem xmlns:ds="http://schemas.openxmlformats.org/officeDocument/2006/customXml" ds:itemID="{8AE17CAA-BEF2-44CD-9DEE-2F8C17585A32}">
+  <ds:schemaRefs>
+    <ds:schemaRef ds:uri="http://schemas.microsoft.com/VisualStudio/2011/storyboarding/control"/>
+  </ds:schemaRefs>
+</ds:datastoreItem>
+</file>
+
+<file path=customXml/itemProps90.xml><?xml version="1.0" encoding="utf-8"?>
+<ds:datastoreItem xmlns:ds="http://schemas.openxmlformats.org/officeDocument/2006/customXml" ds:itemID="{CC5F127A-2521-4BB3-9D64-238B9FDD6AF8}">
+  <ds:schemaRefs>
+    <ds:schemaRef ds:uri="http://schemas.microsoft.com/VisualStudio/2011/storyboarding/control"/>
+  </ds:schemaRefs>
+</ds:datastoreItem>
+</file>
+
+<file path=customXml/itemProps91.xml><?xml version="1.0" encoding="utf-8"?>
+<ds:datastoreItem xmlns:ds="http://schemas.openxmlformats.org/officeDocument/2006/customXml" ds:itemID="{6ADA548F-1BF0-44B5-AD4E-6B89D3ECE98D}">
+  <ds:schemaRefs>
+    <ds:schemaRef ds:uri="http://schemas.microsoft.com/VisualStudio/2011/storyboarding/control"/>
+  </ds:schemaRefs>
+</ds:datastoreItem>
+</file>
+
+<file path=customXml/itemProps92.xml><?xml version="1.0" encoding="utf-8"?>
+<ds:datastoreItem xmlns:ds="http://schemas.openxmlformats.org/officeDocument/2006/customXml" ds:itemID="{9DAE1F11-5474-4CAD-8EC7-A688E310A5AB}">
+  <ds:schemaRefs>
+    <ds:schemaRef ds:uri="http://schemas.microsoft.com/VisualStudio/2011/storyboarding/control"/>
+  </ds:schemaRefs>
+</ds:datastoreItem>
+</file>
+
+<file path=customXml/itemProps93.xml><?xml version="1.0" encoding="utf-8"?>
+<ds:datastoreItem xmlns:ds="http://schemas.openxmlformats.org/officeDocument/2006/customXml" ds:itemID="{DC24DB23-C3E0-4806-934A-5531299BFC48}">
+  <ds:schemaRefs>
+    <ds:schemaRef ds:uri="http://schemas.microsoft.com/VisualStudio/2011/storyboarding/control"/>
+  </ds:schemaRefs>
+</ds:datastoreItem>
+</file>
+
+<file path=customXml/itemProps94.xml><?xml version="1.0" encoding="utf-8"?>
+<ds:datastoreItem xmlns:ds="http://schemas.openxmlformats.org/officeDocument/2006/customXml" ds:itemID="{D54CCA4C-C7B0-4AED-9D56-0F76C035783B}">
+  <ds:schemaRefs>
+    <ds:schemaRef ds:uri="http://schemas.microsoft.com/VisualStudio/2011/storyboarding/control"/>
+  </ds:schemaRefs>
+</ds:datastoreItem>
+</file>
+
+<file path=customXml/itemProps95.xml><?xml version="1.0" encoding="utf-8"?>
+<ds:datastoreItem xmlns:ds="http://schemas.openxmlformats.org/officeDocument/2006/customXml" ds:itemID="{70E3F600-4C8D-4A3A-BE16-3540F66AD848}">
+  <ds:schemaRefs>
+    <ds:schemaRef ds:uri="http://schemas.microsoft.com/VisualStudio/2011/storyboarding/control"/>
+  </ds:schemaRefs>
+</ds:datastoreItem>
+</file>
+
+<file path=customXml/itemProps96.xml><?xml version="1.0" encoding="utf-8"?>
 <ds:datastoreItem xmlns:ds="http://schemas.openxmlformats.org/officeDocument/2006/customXml" ds:itemID="{FC6544C5-9902-4F92-B15E-0F0FB91FC344}">
   <ds:schemaRefs>
     <ds:schemaRef ds:uri="http://schemas.microsoft.com/VisualStudio/2011/storyboarding/control"/>
@@ -24473,39 +26276,7 @@
 </ds:datastoreItem>
 </file>
 
-<file path=customXml/itemProps111.xml><?xml version="1.0" encoding="utf-8"?>
-<ds:datastoreItem xmlns:ds="http://schemas.openxmlformats.org/officeDocument/2006/customXml" ds:itemID="{E0CC2506-29F9-46DF-9492-65B12C0522D5}">
-  <ds:schemaRefs>
-    <ds:schemaRef ds:uri="http://schemas.microsoft.com/VisualStudio/2011/storyboarding/control"/>
-  </ds:schemaRefs>
-</ds:datastoreItem>
-</file>
-
-<file path=customXml/itemProps112.xml><?xml version="1.0" encoding="utf-8"?>
-<ds:datastoreItem xmlns:ds="http://schemas.openxmlformats.org/officeDocument/2006/customXml" ds:itemID="{BC9894E6-7AC8-4518-A802-8C98F8565837}">
-  <ds:schemaRefs>
-    <ds:schemaRef ds:uri="http://schemas.microsoft.com/VisualStudio/2011/storyboarding/control"/>
-  </ds:schemaRefs>
-</ds:datastoreItem>
-</file>
-
-<file path=customXml/itemProps113.xml><?xml version="1.0" encoding="utf-8"?>
-<ds:datastoreItem xmlns:ds="http://schemas.openxmlformats.org/officeDocument/2006/customXml" ds:itemID="{69E02AD5-3C7C-4F1D-9766-B18ECF2212C6}">
-  <ds:schemaRefs>
-    <ds:schemaRef ds:uri="http://schemas.microsoft.com/VisualStudio/2011/storyboarding/control"/>
-  </ds:schemaRefs>
-</ds:datastoreItem>
-</file>
-
-<file path=customXml/itemProps114.xml><?xml version="1.0" encoding="utf-8"?>
-<ds:datastoreItem xmlns:ds="http://schemas.openxmlformats.org/officeDocument/2006/customXml" ds:itemID="{3CA43762-3F39-470A-9564-3739655F8186}">
-  <ds:schemaRefs>
-    <ds:schemaRef ds:uri="http://schemas.microsoft.com/VisualStudio/2011/storyboarding/control"/>
-  </ds:schemaRefs>
-</ds:datastoreItem>
-</file>
-
-<file path=customXml/itemProps115.xml><?xml version="1.0" encoding="utf-8"?>
+<file path=customXml/itemProps97.xml><?xml version="1.0" encoding="utf-8"?>
 <ds:datastoreItem xmlns:ds="http://schemas.openxmlformats.org/officeDocument/2006/customXml" ds:itemID="{559BF73F-CE64-4B91-BD49-510468F35CB9}">
   <ds:schemaRefs>
     <ds:schemaRef ds:uri="http://schemas.microsoft.com/VisualStudio/2011/storyboarding/control"/>
@@ -24513,143 +26284,7 @@
 </ds:datastoreItem>
 </file>
 
-<file path=customXml/itemProps116.xml><?xml version="1.0" encoding="utf-8"?>
-<ds:datastoreItem xmlns:ds="http://schemas.openxmlformats.org/officeDocument/2006/customXml" ds:itemID="{F2B3FB12-0841-4AD8-9A0B-0A04CC6A8CFC}">
-  <ds:schemaRefs>
-    <ds:schemaRef ds:uri="http://schemas.microsoft.com/VisualStudio/2011/storyboarding/control"/>
-  </ds:schemaRefs>
-</ds:datastoreItem>
-</file>
-
-<file path=customXml/itemProps117.xml><?xml version="1.0" encoding="utf-8"?>
-<ds:datastoreItem xmlns:ds="http://schemas.openxmlformats.org/officeDocument/2006/customXml" ds:itemID="{2E8BF867-BA02-4DD2-B1A2-C9A27CC92F1F}">
-  <ds:schemaRefs>
-    <ds:schemaRef ds:uri="http://schemas.microsoft.com/VisualStudio/2011/storyboarding/control"/>
-  </ds:schemaRefs>
-</ds:datastoreItem>
-</file>
-
-<file path=customXml/itemProps118.xml><?xml version="1.0" encoding="utf-8"?>
-<ds:datastoreItem xmlns:ds="http://schemas.openxmlformats.org/officeDocument/2006/customXml" ds:itemID="{E194B3CD-86C3-4F6B-A743-1D8043783C25}">
-  <ds:schemaRefs>
-    <ds:schemaRef ds:uri="http://schemas.microsoft.com/VisualStudio/2011/storyboarding/control"/>
-  </ds:schemaRefs>
-</ds:datastoreItem>
-</file>
-
-<file path=customXml/itemProps119.xml><?xml version="1.0" encoding="utf-8"?>
-<ds:datastoreItem xmlns:ds="http://schemas.openxmlformats.org/officeDocument/2006/customXml" ds:itemID="{A05C083F-66B9-4E32-B2F5-E377C3A489DF}">
-  <ds:schemaRefs>
-    <ds:schemaRef ds:uri="http://schemas.microsoft.com/VisualStudio/2011/storyboarding/control"/>
-  </ds:schemaRefs>
-</ds:datastoreItem>
-</file>
-
-<file path=customXml/itemProps12.xml><?xml version="1.0" encoding="utf-8"?>
-<ds:datastoreItem xmlns:ds="http://schemas.openxmlformats.org/officeDocument/2006/customXml" ds:itemID="{FD7A3CF8-3A66-47F9-8AD7-22127504A57F}">
-  <ds:schemaRefs>
-    <ds:schemaRef ds:uri="http://schemas.microsoft.com/VisualStudio/2011/storyboarding/control"/>
-  </ds:schemaRefs>
-</ds:datastoreItem>
-</file>
-
-<file path=customXml/itemProps120.xml><?xml version="1.0" encoding="utf-8"?>
-<ds:datastoreItem xmlns:ds="http://schemas.openxmlformats.org/officeDocument/2006/customXml" ds:itemID="{AB1DB933-7DE2-4FB6-94F8-DE6617D86614}">
-  <ds:schemaRefs>
-    <ds:schemaRef ds:uri="http://schemas.microsoft.com/VisualStudio/2011/storyboarding/control"/>
-  </ds:schemaRefs>
-</ds:datastoreItem>
-</file>
-
-<file path=customXml/itemProps121.xml><?xml version="1.0" encoding="utf-8"?>
-<ds:datastoreItem xmlns:ds="http://schemas.openxmlformats.org/officeDocument/2006/customXml" ds:itemID="{063AF5E8-36AD-451D-9B6A-4390E8F3CF38}">
-  <ds:schemaRefs>
-    <ds:schemaRef ds:uri="http://schemas.microsoft.com/VisualStudio/2011/storyboarding/control"/>
-  </ds:schemaRefs>
-</ds:datastoreItem>
-</file>
-
-<file path=customXml/itemProps122.xml><?xml version="1.0" encoding="utf-8"?>
-<ds:datastoreItem xmlns:ds="http://schemas.openxmlformats.org/officeDocument/2006/customXml" ds:itemID="{43446240-B211-4F80-A50E-E1B38445E2A1}">
-  <ds:schemaRefs>
-    <ds:schemaRef ds:uri="http://schemas.microsoft.com/VisualStudio/2011/storyboarding/control"/>
-  </ds:schemaRefs>
-</ds:datastoreItem>
-</file>
-
-<file path=customXml/itemProps123.xml><?xml version="1.0" encoding="utf-8"?>
-<ds:datastoreItem xmlns:ds="http://schemas.openxmlformats.org/officeDocument/2006/customXml" ds:itemID="{5F6247E0-2660-41E0-8816-07BF7F4C712D}">
-  <ds:schemaRefs>
-    <ds:schemaRef ds:uri="http://schemas.microsoft.com/VisualStudio/2011/storyboarding/control"/>
-  </ds:schemaRefs>
-</ds:datastoreItem>
-</file>
-
-<file path=customXml/itemProps124.xml><?xml version="1.0" encoding="utf-8"?>
-<ds:datastoreItem xmlns:ds="http://schemas.openxmlformats.org/officeDocument/2006/customXml" ds:itemID="{1F111213-9B54-4464-8973-266EF211797B}">
-  <ds:schemaRefs>
-    <ds:schemaRef ds:uri="http://schemas.microsoft.com/VisualStudio/2011/storyboarding/control"/>
-  </ds:schemaRefs>
-</ds:datastoreItem>
-</file>
-
-<file path=customXml/itemProps125.xml><?xml version="1.0" encoding="utf-8"?>
-<ds:datastoreItem xmlns:ds="http://schemas.openxmlformats.org/officeDocument/2006/customXml" ds:itemID="{6E9F6603-6B7C-453B-A486-459839EF1163}">
-  <ds:schemaRefs>
-    <ds:schemaRef ds:uri="http://schemas.microsoft.com/VisualStudio/2011/storyboarding/control"/>
-  </ds:schemaRefs>
-</ds:datastoreItem>
-</file>
-
-<file path=customXml/itemProps126.xml><?xml version="1.0" encoding="utf-8"?>
-<ds:datastoreItem xmlns:ds="http://schemas.openxmlformats.org/officeDocument/2006/customXml" ds:itemID="{500E728B-7A9B-4D12-B59B-8083B681FF18}">
-  <ds:schemaRefs>
-    <ds:schemaRef ds:uri="http://schemas.microsoft.com/VisualStudio/2011/storyboarding/control"/>
-  </ds:schemaRefs>
-</ds:datastoreItem>
-</file>
-
-<file path=customXml/itemProps127.xml><?xml version="1.0" encoding="utf-8"?>
-<ds:datastoreItem xmlns:ds="http://schemas.openxmlformats.org/officeDocument/2006/customXml" ds:itemID="{425D7E26-BB5E-460D-97B3-E693C38FDA69}">
-  <ds:schemaRefs>
-    <ds:schemaRef ds:uri="http://schemas.microsoft.com/VisualStudio/2011/storyboarding/control"/>
-  </ds:schemaRefs>
-</ds:datastoreItem>
-</file>
-
-<file path=customXml/itemProps128.xml><?xml version="1.0" encoding="utf-8"?>
-<ds:datastoreItem xmlns:ds="http://schemas.openxmlformats.org/officeDocument/2006/customXml" ds:itemID="{199B4AEE-2A28-4269-AEAC-CF63B1A2C9C1}">
-  <ds:schemaRefs>
-    <ds:schemaRef ds:uri="http://schemas.microsoft.com/VisualStudio/2011/storyboarding/control"/>
-  </ds:schemaRefs>
-</ds:datastoreItem>
-</file>
-
-<file path=customXml/itemProps129.xml><?xml version="1.0" encoding="utf-8"?>
-<ds:datastoreItem xmlns:ds="http://schemas.openxmlformats.org/officeDocument/2006/customXml" ds:itemID="{3339E7B3-364E-4EE1-ABAB-0EFEF3F7CE1F}">
-  <ds:schemaRefs>
-    <ds:schemaRef ds:uri="http://schemas.microsoft.com/VisualStudio/2011/storyboarding/control"/>
-  </ds:schemaRefs>
-</ds:datastoreItem>
-</file>
-
-<file path=customXml/itemProps13.xml><?xml version="1.0" encoding="utf-8"?>
-<ds:datastoreItem xmlns:ds="http://schemas.openxmlformats.org/officeDocument/2006/customXml" ds:itemID="{A099D91D-2540-412F-88B4-6DD3EB1D58E7}">
-  <ds:schemaRefs>
-    <ds:schemaRef ds:uri="http://schemas.microsoft.com/VisualStudio/2011/storyboarding/control"/>
-  </ds:schemaRefs>
-</ds:datastoreItem>
-</file>
-
-<file path=customXml/itemProps130.xml><?xml version="1.0" encoding="utf-8"?>
-<ds:datastoreItem xmlns:ds="http://schemas.openxmlformats.org/officeDocument/2006/customXml" ds:itemID="{A3F62A8C-3D6E-45AB-989A-0299CCDC7BDF}">
-  <ds:schemaRefs>
-    <ds:schemaRef ds:uri="http://schemas.microsoft.com/VisualStudio/2011/storyboarding/control"/>
-  </ds:schemaRefs>
-</ds:datastoreItem>
-</file>
-
-<file path=customXml/itemProps131.xml><?xml version="1.0" encoding="utf-8"?>
+<file path=customXml/itemProps98.xml><?xml version="1.0" encoding="utf-8"?>
 <ds:datastoreItem xmlns:ds="http://schemas.openxmlformats.org/officeDocument/2006/customXml" ds:itemID="{B0402FE7-8C5A-480B-84D5-E3BA5D7DDA9A}">
   <ds:schemaRefs>
     <ds:schemaRef ds:uri="http://schemas.microsoft.com/VisualStudio/2011/storyboarding/control"/>
@@ -24657,1010 +26292,10 @@
 </ds:datastoreItem>
 </file>
 
-<file path=customXml/itemProps132.xml><?xml version="1.0" encoding="utf-8"?>
-<ds:datastoreItem xmlns:ds="http://schemas.openxmlformats.org/officeDocument/2006/customXml" ds:itemID="{B0C9E300-5CAC-4E8C-B9CB-B4EDDB0EC3C8}">
-  <ds:schemaRefs>
-    <ds:schemaRef ds:uri="http://schemas.microsoft.com/VisualStudio/2011/storyboarding/control"/>
-  </ds:schemaRefs>
-</ds:datastoreItem>
-</file>
-
-<file path=customXml/itemProps133.xml><?xml version="1.0" encoding="utf-8"?>
-<ds:datastoreItem xmlns:ds="http://schemas.openxmlformats.org/officeDocument/2006/customXml" ds:itemID="{C05A56CC-DCFE-4A97-B103-5E1633E28254}">
-  <ds:schemaRefs>
-    <ds:schemaRef ds:uri="http://schemas.microsoft.com/VisualStudio/2011/storyboarding/control"/>
-  </ds:schemaRefs>
-</ds:datastoreItem>
-</file>
-
-<file path=customXml/itemProps134.xml><?xml version="1.0" encoding="utf-8"?>
-<ds:datastoreItem xmlns:ds="http://schemas.openxmlformats.org/officeDocument/2006/customXml" ds:itemID="{D9AB7FC7-C062-483E-9B7E-6CCCBB79B494}">
-  <ds:schemaRefs>
-    <ds:schemaRef ds:uri="http://schemas.microsoft.com/VisualStudio/2011/storyboarding/control"/>
-  </ds:schemaRefs>
-</ds:datastoreItem>
-</file>
-
-<file path=customXml/itemProps135.xml><?xml version="1.0" encoding="utf-8"?>
-<ds:datastoreItem xmlns:ds="http://schemas.openxmlformats.org/officeDocument/2006/customXml" ds:itemID="{29F09D18-0D3C-4F1D-ABE0-73E2474806CB}">
-  <ds:schemaRefs>
-    <ds:schemaRef ds:uri="http://schemas.microsoft.com/VisualStudio/2011/storyboarding/control"/>
-  </ds:schemaRefs>
-</ds:datastoreItem>
-</file>
-
-<file path=customXml/itemProps136.xml><?xml version="1.0" encoding="utf-8"?>
+<file path=customXml/itemProps99.xml><?xml version="1.0" encoding="utf-8"?>
 <ds:datastoreItem xmlns:ds="http://schemas.openxmlformats.org/officeDocument/2006/customXml" ds:itemID="{F2C546CF-9CDC-44DE-AAD6-9FBD6A29F8B2}">
   <ds:schemaRefs>
     <ds:schemaRef ds:uri="http://schemas.microsoft.com/VisualStudio/2011/storyboarding/control"/>
   </ds:schemaRefs>
 </ds:datastoreItem>
-</file>
-
-<file path=customXml/itemProps137.xml><?xml version="1.0" encoding="utf-8"?>
-<ds:datastoreItem xmlns:ds="http://schemas.openxmlformats.org/officeDocument/2006/customXml" ds:itemID="{FD6778B7-8FE2-4C81-885D-09500CE283B1}">
-  <ds:schemaRefs>
-    <ds:schemaRef ds:uri="http://schemas.microsoft.com/VisualStudio/2011/storyboarding/control"/>
-  </ds:schemaRefs>
-</ds:datastoreItem>
-</file>
-
-<file path=customXml/itemProps138.xml><?xml version="1.0" encoding="utf-8"?>
-<ds:datastoreItem xmlns:ds="http://schemas.openxmlformats.org/officeDocument/2006/customXml" ds:itemID="{57FFB7F0-24A5-4BA8-AA91-8BFC251E2323}">
-  <ds:schemaRefs>
-    <ds:schemaRef ds:uri="http://schemas.microsoft.com/VisualStudio/2011/storyboarding/control"/>
-  </ds:schemaRefs>
-</ds:datastoreItem>
-</file>
-
-<file path=customXml/itemProps139.xml><?xml version="1.0" encoding="utf-8"?>
-<ds:datastoreItem xmlns:ds="http://schemas.openxmlformats.org/officeDocument/2006/customXml" ds:itemID="{46714D06-B7FD-48A9-91D0-7F1510C73858}">
-  <ds:schemaRefs>
-    <ds:schemaRef ds:uri="http://schemas.microsoft.com/VisualStudio/2011/storyboarding/control"/>
-  </ds:schemaRefs>
-</ds:datastoreItem>
-</file>
-
-<file path=customXml/itemProps14.xml><?xml version="1.0" encoding="utf-8"?>
-<ds:datastoreItem xmlns:ds="http://schemas.openxmlformats.org/officeDocument/2006/customXml" ds:itemID="{C170435E-AA56-4732-BD81-63AD243D433D}">
-  <ds:schemaRefs>
-    <ds:schemaRef ds:uri="http://schemas.microsoft.com/VisualStudio/2011/storyboarding/control"/>
-  </ds:schemaRefs>
-</ds:datastoreItem>
-</file>
-
-<file path=customXml/itemProps140.xml><?xml version="1.0" encoding="utf-8"?>
-<ds:datastoreItem xmlns:ds="http://schemas.openxmlformats.org/officeDocument/2006/customXml" ds:itemID="{D12E1D60-E53D-431F-ABC8-B98207B7D1E6}">
-  <ds:schemaRefs>
-    <ds:schemaRef ds:uri="http://schemas.microsoft.com/VisualStudio/2011/storyboarding/control"/>
-  </ds:schemaRefs>
-</ds:datastoreItem>
-</file>
-
-<file path=customXml/itemProps141.xml><?xml version="1.0" encoding="utf-8"?>
-<ds:datastoreItem xmlns:ds="http://schemas.openxmlformats.org/officeDocument/2006/customXml" ds:itemID="{EF5EA3E2-3902-4CA0-93F4-4F361DF72ABD}">
-  <ds:schemaRefs>
-    <ds:schemaRef ds:uri="http://schemas.microsoft.com/VisualStudio/2011/storyboarding/control"/>
-  </ds:schemaRefs>
-</ds:datastoreItem>
-</file>
-
-<file path=customXml/itemProps142.xml><?xml version="1.0" encoding="utf-8"?>
-<ds:datastoreItem xmlns:ds="http://schemas.openxmlformats.org/officeDocument/2006/customXml" ds:itemID="{8E111B87-A381-46AA-BB11-318F8ACB4BCA}">
-  <ds:schemaRefs>
-    <ds:schemaRef ds:uri="http://schemas.microsoft.com/VisualStudio/2011/storyboarding/control"/>
-  </ds:schemaRefs>
-</ds:datastoreItem>
-</file>
-
-<file path=customXml/itemProps143.xml><?xml version="1.0" encoding="utf-8"?>
-<ds:datastoreItem xmlns:ds="http://schemas.openxmlformats.org/officeDocument/2006/customXml" ds:itemID="{0987803F-8C29-460C-9CFE-90D062BBF340}">
-  <ds:schemaRefs>
-    <ds:schemaRef ds:uri="http://schemas.microsoft.com/VisualStudio/2011/storyboarding/control"/>
-  </ds:schemaRefs>
-</ds:datastoreItem>
-</file>
-
-<file path=customXml/itemProps144.xml><?xml version="1.0" encoding="utf-8"?>
-<ds:datastoreItem xmlns:ds="http://schemas.openxmlformats.org/officeDocument/2006/customXml" ds:itemID="{650ADCBF-4D86-43BF-9817-E7EF6E55BBE7}">
-  <ds:schemaRefs>
-    <ds:schemaRef ds:uri="http://schemas.microsoft.com/VisualStudio/2011/storyboarding/control"/>
-  </ds:schemaRefs>
-</ds:datastoreItem>
-</file>
-
-<file path=customXml/itemProps145.xml><?xml version="1.0" encoding="utf-8"?>
-<ds:datastoreItem xmlns:ds="http://schemas.openxmlformats.org/officeDocument/2006/customXml" ds:itemID="{B01456BF-31CD-4F81-B283-64D56CC0D084}">
-  <ds:schemaRefs>
-    <ds:schemaRef ds:uri="http://schemas.microsoft.com/VisualStudio/2011/storyboarding/control"/>
-  </ds:schemaRefs>
-</ds:datastoreItem>
-</file>
-
-<file path=customXml/itemProps146.xml><?xml version="1.0" encoding="utf-8"?>
-<ds:datastoreItem xmlns:ds="http://schemas.openxmlformats.org/officeDocument/2006/customXml" ds:itemID="{D3E69636-CCB7-4030-8B08-9159922F7C18}">
-  <ds:schemaRefs>
-    <ds:schemaRef ds:uri="http://schemas.microsoft.com/VisualStudio/2011/storyboarding/control"/>
-  </ds:schemaRefs>
-</ds:datastoreItem>
-</file>
-
-<file path=customXml/itemProps147.xml><?xml version="1.0" encoding="utf-8"?>
-<ds:datastoreItem xmlns:ds="http://schemas.openxmlformats.org/officeDocument/2006/customXml" ds:itemID="{318A67F4-7454-49D3-B5F7-EDF3AEE6B3CC}">
-  <ds:schemaRefs>
-    <ds:schemaRef ds:uri="http://schemas.microsoft.com/VisualStudio/2011/storyboarding/control"/>
-  </ds:schemaRefs>
-</ds:datastoreItem>
-</file>
-
-<file path=customXml/itemProps148.xml><?xml version="1.0" encoding="utf-8"?>
-<ds:datastoreItem xmlns:ds="http://schemas.openxmlformats.org/officeDocument/2006/customXml" ds:itemID="{A41DC63A-40F8-492D-A1AF-3E8E88975D17}">
-  <ds:schemaRefs>
-    <ds:schemaRef ds:uri="http://schemas.microsoft.com/VisualStudio/2011/storyboarding/control"/>
-  </ds:schemaRefs>
-</ds:datastoreItem>
-</file>
-
-<file path=customXml/itemProps149.xml><?xml version="1.0" encoding="utf-8"?>
-<ds:datastoreItem xmlns:ds="http://schemas.openxmlformats.org/officeDocument/2006/customXml" ds:itemID="{7CABBE05-1DB8-413F-B922-E51F51DB6CB5}">
-  <ds:schemaRefs>
-    <ds:schemaRef ds:uri="http://schemas.microsoft.com/VisualStudio/2011/storyboarding/control"/>
-  </ds:schemaRefs>
-</ds:datastoreItem>
-</file>
-
-<file path=customXml/itemProps15.xml><?xml version="1.0" encoding="utf-8"?>
-<ds:datastoreItem xmlns:ds="http://schemas.openxmlformats.org/officeDocument/2006/customXml" ds:itemID="{B8677481-C0C6-468D-8B15-ECE0CB48746C}">
-  <ds:schemaRefs>
-    <ds:schemaRef ds:uri="http://schemas.microsoft.com/VisualStudio/2011/storyboarding/control"/>
-  </ds:schemaRefs>
-</ds:datastoreItem>
-</file>
-
-<file path=customXml/itemProps150.xml><?xml version="1.0" encoding="utf-8"?>
-<ds:datastoreItem xmlns:ds="http://schemas.openxmlformats.org/officeDocument/2006/customXml" ds:itemID="{6226C0E4-0364-460C-AAB7-9D347567DCC8}">
-  <ds:schemaRefs>
-    <ds:schemaRef ds:uri="http://schemas.microsoft.com/VisualStudio/2011/storyboarding/control"/>
-  </ds:schemaRefs>
-</ds:datastoreItem>
-</file>
-
-<file path=customXml/itemProps151.xml><?xml version="1.0" encoding="utf-8"?>
-<ds:datastoreItem xmlns:ds="http://schemas.openxmlformats.org/officeDocument/2006/customXml" ds:itemID="{E243988D-F926-45CE-8E57-8F03AD990A6C}">
-  <ds:schemaRefs>
-    <ds:schemaRef ds:uri="http://schemas.microsoft.com/VisualStudio/2011/storyboarding/control"/>
-  </ds:schemaRefs>
-</ds:datastoreItem>
-</file>
-
-<file path=customXml/itemProps152.xml><?xml version="1.0" encoding="utf-8"?>
-<ds:datastoreItem xmlns:ds="http://schemas.openxmlformats.org/officeDocument/2006/customXml" ds:itemID="{46C73D8E-C66E-4332-8B81-F1B9658FF49D}">
-  <ds:schemaRefs>
-    <ds:schemaRef ds:uri="http://schemas.microsoft.com/VisualStudio/2011/storyboarding/control"/>
-  </ds:schemaRefs>
-</ds:datastoreItem>
-</file>
-
-<file path=customXml/itemProps153.xml><?xml version="1.0" encoding="utf-8"?>
-<ds:datastoreItem xmlns:ds="http://schemas.openxmlformats.org/officeDocument/2006/customXml" ds:itemID="{4B7335D3-7249-47CB-993B-C371E630393B}">
-  <ds:schemaRefs>
-    <ds:schemaRef ds:uri="http://schemas.microsoft.com/VisualStudio/2011/storyboarding/control"/>
-  </ds:schemaRefs>
-</ds:datastoreItem>
-</file>
-
-<file path=customXml/itemProps154.xml><?xml version="1.0" encoding="utf-8"?>
-<ds:datastoreItem xmlns:ds="http://schemas.openxmlformats.org/officeDocument/2006/customXml" ds:itemID="{BDF653D0-0803-4E4F-AB2B-0C004B440C9C}">
-  <ds:schemaRefs>
-    <ds:schemaRef ds:uri="http://schemas.microsoft.com/VisualStudio/2011/storyboarding/control"/>
-  </ds:schemaRefs>
-</ds:datastoreItem>
-</file>
-
-<file path=customXml/itemProps155.xml><?xml version="1.0" encoding="utf-8"?>
-<ds:datastoreItem xmlns:ds="http://schemas.openxmlformats.org/officeDocument/2006/customXml" ds:itemID="{0D8F2650-9E27-4603-BD35-5A059BB60334}">
-  <ds:schemaRefs>
-    <ds:schemaRef ds:uri="http://schemas.microsoft.com/VisualStudio/2011/storyboarding/control"/>
-  </ds:schemaRefs>
-</ds:datastoreItem>
-</file>
-
-<file path=customXml/itemProps156.xml><?xml version="1.0" encoding="utf-8"?>
-<ds:datastoreItem xmlns:ds="http://schemas.openxmlformats.org/officeDocument/2006/customXml" ds:itemID="{8481EF94-D4A7-4149-8E7B-C8738D2597CA}">
-  <ds:schemaRefs>
-    <ds:schemaRef ds:uri="http://schemas.microsoft.com/VisualStudio/2011/storyboarding/control"/>
-  </ds:schemaRefs>
-</ds:datastoreItem>
-</file>
-
-<file path=customXml/itemProps157.xml><?xml version="1.0" encoding="utf-8"?>
-<ds:datastoreItem xmlns:ds="http://schemas.openxmlformats.org/officeDocument/2006/customXml" ds:itemID="{42FDEB12-2513-4D55-BA2A-18EF5D159E91}">
-  <ds:schemaRefs>
-    <ds:schemaRef ds:uri="http://schemas.microsoft.com/VisualStudio/2011/storyboarding/control"/>
-  </ds:schemaRefs>
-</ds:datastoreItem>
-</file>
-
-<file path=customXml/itemProps158.xml><?xml version="1.0" encoding="utf-8"?>
-<ds:datastoreItem xmlns:ds="http://schemas.openxmlformats.org/officeDocument/2006/customXml" ds:itemID="{9C6114CB-F4BA-4F35-827A-2DA5F8B255B0}">
-  <ds:schemaRefs>
-    <ds:schemaRef ds:uri="http://schemas.microsoft.com/VisualStudio/2011/storyboarding/control"/>
-  </ds:schemaRefs>
-</ds:datastoreItem>
-</file>
-
-<file path=customXml/itemProps159.xml><?xml version="1.0" encoding="utf-8"?>
-<ds:datastoreItem xmlns:ds="http://schemas.openxmlformats.org/officeDocument/2006/customXml" ds:itemID="{ADDA3575-2CD6-4AA3-BAD6-EE20DE74340F}">
-  <ds:schemaRefs>
-    <ds:schemaRef ds:uri="http://schemas.microsoft.com/VisualStudio/2011/storyboarding/control"/>
-  </ds:schemaRefs>
-</ds:datastoreItem>
-</file>
-
-<file path=customXml/itemProps16.xml><?xml version="1.0" encoding="utf-8"?>
-<ds:datastoreItem xmlns:ds="http://schemas.openxmlformats.org/officeDocument/2006/customXml" ds:itemID="{73C15516-64BE-43A3-9299-7E108DE97C7F}">
-  <ds:schemaRefs>
-    <ds:schemaRef ds:uri="http://schemas.microsoft.com/VisualStudio/2011/storyboarding/control"/>
-  </ds:schemaRefs>
-</ds:datastoreItem>
-</file>
-
-<file path=customXml/itemProps160.xml><?xml version="1.0" encoding="utf-8"?>
-<ds:datastoreItem xmlns:ds="http://schemas.openxmlformats.org/officeDocument/2006/customXml" ds:itemID="{DC4F4190-4090-481C-95E3-E7A883513D24}">
-  <ds:schemaRefs>
-    <ds:schemaRef ds:uri="http://schemas.microsoft.com/VisualStudio/2011/storyboarding/control"/>
-  </ds:schemaRefs>
-</ds:datastoreItem>
-</file>
-
-<file path=customXml/itemProps161.xml><?xml version="1.0" encoding="utf-8"?>
-<ds:datastoreItem xmlns:ds="http://schemas.openxmlformats.org/officeDocument/2006/customXml" ds:itemID="{F9C34A43-6DD3-45D9-8C33-A2A94686CFF4}">
-  <ds:schemaRefs>
-    <ds:schemaRef ds:uri="http://schemas.microsoft.com/VisualStudio/2011/storyboarding/control"/>
-  </ds:schemaRefs>
-</ds:datastoreItem>
-</file>
-
-<file path=customXml/itemProps162.xml><?xml version="1.0" encoding="utf-8"?>
-<ds:datastoreItem xmlns:ds="http://schemas.openxmlformats.org/officeDocument/2006/customXml" ds:itemID="{D1100CDA-4C0B-4B20-A344-A7360173EF0F}">
-  <ds:schemaRefs>
-    <ds:schemaRef ds:uri="http://schemas.microsoft.com/VisualStudio/2011/storyboarding/control"/>
-  </ds:schemaRefs>
-</ds:datastoreItem>
-</file>
-
-<file path=customXml/itemProps163.xml><?xml version="1.0" encoding="utf-8"?>
-<ds:datastoreItem xmlns:ds="http://schemas.openxmlformats.org/officeDocument/2006/customXml" ds:itemID="{6555F547-BDDA-4C26-9CE1-4C61E93A284F}">
-  <ds:schemaRefs>
-    <ds:schemaRef ds:uri="http://schemas.microsoft.com/VisualStudio/2011/storyboarding/control"/>
-  </ds:schemaRefs>
-</ds:datastoreItem>
-</file>
-
-<file path=customXml/itemProps17.xml><?xml version="1.0" encoding="utf-8"?>
-<ds:datastoreItem xmlns:ds="http://schemas.openxmlformats.org/officeDocument/2006/customXml" ds:itemID="{AABF63A9-AA30-4DF6-8EF2-972AB7A4097F}">
-  <ds:schemaRefs>
-    <ds:schemaRef ds:uri="http://schemas.microsoft.com/VisualStudio/2011/storyboarding/control"/>
-  </ds:schemaRefs>
-</ds:datastoreItem>
-</file>
-
-<file path=customXml/itemProps18.xml><?xml version="1.0" encoding="utf-8"?>
-<ds:datastoreItem xmlns:ds="http://schemas.openxmlformats.org/officeDocument/2006/customXml" ds:itemID="{9DAF7C4A-2E75-435E-8C11-B1DC53AC52EB}">
-  <ds:schemaRefs>
-    <ds:schemaRef ds:uri="http://schemas.microsoft.com/VisualStudio/2011/storyboarding/control"/>
-  </ds:schemaRefs>
-</ds:datastoreItem>
-</file>
-
-<file path=customXml/itemProps19.xml><?xml version="1.0" encoding="utf-8"?>
-<ds:datastoreItem xmlns:ds="http://schemas.openxmlformats.org/officeDocument/2006/customXml" ds:itemID="{E28B7CEA-1FBD-4F14-BDA2-C48C66B37150}">
-  <ds:schemaRefs>
-    <ds:schemaRef ds:uri="http://schemas.microsoft.com/VisualStudio/2011/storyboarding/control"/>
-  </ds:schemaRefs>
-</ds:datastoreItem>
-</file>
-
-<file path=customXml/itemProps2.xml><?xml version="1.0" encoding="utf-8"?>
-<ds:datastoreItem xmlns:ds="http://schemas.openxmlformats.org/officeDocument/2006/customXml" ds:itemID="{F2C13C45-9FD4-46A1-B566-8CFCB6433E4D}">
-  <ds:schemaRefs>
-    <ds:schemaRef ds:uri="http://schemas.microsoft.com/VisualStudio/2011/storyboarding/control"/>
-  </ds:schemaRefs>
-</ds:datastoreItem>
-</file>
-
-<file path=customXml/itemProps20.xml><?xml version="1.0" encoding="utf-8"?>
-<ds:datastoreItem xmlns:ds="http://schemas.openxmlformats.org/officeDocument/2006/customXml" ds:itemID="{32DCF836-3940-427C-8F81-BA183FB52BAC}">
-  <ds:schemaRefs>
-    <ds:schemaRef ds:uri="http://schemas.microsoft.com/VisualStudio/2011/storyboarding/control"/>
-  </ds:schemaRefs>
-</ds:datastoreItem>
-</file>
-
-<file path=customXml/itemProps21.xml><?xml version="1.0" encoding="utf-8"?>
-<ds:datastoreItem xmlns:ds="http://schemas.openxmlformats.org/officeDocument/2006/customXml" ds:itemID="{4ABC8992-C4EA-45C3-A598-324942FE08FB}">
-  <ds:schemaRefs>
-    <ds:schemaRef ds:uri="http://schemas.microsoft.com/VisualStudio/2011/storyboarding/control"/>
-  </ds:schemaRefs>
-</ds:datastoreItem>
-</file>
-
-<file path=customXml/itemProps22.xml><?xml version="1.0" encoding="utf-8"?>
-<ds:datastoreItem xmlns:ds="http://schemas.openxmlformats.org/officeDocument/2006/customXml" ds:itemID="{CF91C9AF-FB44-4B2D-B964-EA853D542988}">
-  <ds:schemaRefs>
-    <ds:schemaRef ds:uri="http://schemas.microsoft.com/VisualStudio/2011/storyboarding/control"/>
-  </ds:schemaRefs>
-</ds:datastoreItem>
-</file>
-
-<file path=customXml/itemProps23.xml><?xml version="1.0" encoding="utf-8"?>
-<ds:datastoreItem xmlns:ds="http://schemas.openxmlformats.org/officeDocument/2006/customXml" ds:itemID="{F840D909-519B-49C3-9DCA-97C64A5B9C79}">
-  <ds:schemaRefs>
-    <ds:schemaRef ds:uri="http://schemas.microsoft.com/VisualStudio/2011/storyboarding/control"/>
-  </ds:schemaRefs>
-</ds:datastoreItem>
-</file>
-
-<file path=customXml/itemProps24.xml><?xml version="1.0" encoding="utf-8"?>
-<ds:datastoreItem xmlns:ds="http://schemas.openxmlformats.org/officeDocument/2006/customXml" ds:itemID="{6ADA548F-1BF0-44B5-AD4E-6B89D3ECE98D}">
-  <ds:schemaRefs>
-    <ds:schemaRef ds:uri="http://schemas.microsoft.com/VisualStudio/2011/storyboarding/control"/>
-  </ds:schemaRefs>
-</ds:datastoreItem>
-</file>
-
-<file path=customXml/itemProps25.xml><?xml version="1.0" encoding="utf-8"?>
-<ds:datastoreItem xmlns:ds="http://schemas.openxmlformats.org/officeDocument/2006/customXml" ds:itemID="{39E72E8E-79BB-456F-8049-0020919B4763}">
-  <ds:schemaRefs>
-    <ds:schemaRef ds:uri="http://schemas.microsoft.com/VisualStudio/2011/storyboarding/control"/>
-  </ds:schemaRefs>
-</ds:datastoreItem>
-</file>
-
-<file path=customXml/itemProps26.xml><?xml version="1.0" encoding="utf-8"?>
-<ds:datastoreItem xmlns:ds="http://schemas.openxmlformats.org/officeDocument/2006/customXml" ds:itemID="{2BDF7FB8-4BA8-46D9-B98A-095F3529F3D4}">
-  <ds:schemaRefs>
-    <ds:schemaRef ds:uri="http://schemas.microsoft.com/VisualStudio/2011/storyboarding/control"/>
-  </ds:schemaRefs>
-</ds:datastoreItem>
-</file>
-
-<file path=customXml/itemProps27.xml><?xml version="1.0" encoding="utf-8"?>
-<ds:datastoreItem xmlns:ds="http://schemas.openxmlformats.org/officeDocument/2006/customXml" ds:itemID="{29BF925D-CF27-4B21-AC43-2599465F0C8E}">
-  <ds:schemaRefs>
-    <ds:schemaRef ds:uri="http://schemas.microsoft.com/VisualStudio/2011/storyboarding/control"/>
-  </ds:schemaRefs>
-</ds:datastoreItem>
-</file>
-
-<file path=customXml/itemProps28.xml><?xml version="1.0" encoding="utf-8"?>
-<ds:datastoreItem xmlns:ds="http://schemas.openxmlformats.org/officeDocument/2006/customXml" ds:itemID="{83526E43-CC5B-4399-8E1C-823585530259}">
-  <ds:schemaRefs>
-    <ds:schemaRef ds:uri="http://schemas.microsoft.com/VisualStudio/2011/storyboarding/control"/>
-  </ds:schemaRefs>
-</ds:datastoreItem>
-</file>
-
-<file path=customXml/itemProps29.xml><?xml version="1.0" encoding="utf-8"?>
-<ds:datastoreItem xmlns:ds="http://schemas.openxmlformats.org/officeDocument/2006/customXml" ds:itemID="{CC5F127A-2521-4BB3-9D64-238B9FDD6AF8}">
-  <ds:schemaRefs>
-    <ds:schemaRef ds:uri="http://schemas.microsoft.com/VisualStudio/2011/storyboarding/control"/>
-  </ds:schemaRefs>
-</ds:datastoreItem>
-</file>
-
-<file path=customXml/itemProps3.xml><?xml version="1.0" encoding="utf-8"?>
-<ds:datastoreItem xmlns:ds="http://schemas.openxmlformats.org/officeDocument/2006/customXml" ds:itemID="{A5B63E18-4237-42D4-B804-B83021F9E8A1}">
-  <ds:schemaRefs>
-    <ds:schemaRef ds:uri="http://schemas.microsoft.com/VisualStudio/2011/storyboarding/control"/>
-  </ds:schemaRefs>
-</ds:datastoreItem>
-</file>
-
-<file path=customXml/itemProps30.xml><?xml version="1.0" encoding="utf-8"?>
-<ds:datastoreItem xmlns:ds="http://schemas.openxmlformats.org/officeDocument/2006/customXml" ds:itemID="{48A06D39-512F-41A5-AE3C-7B4CDB4AC086}">
-  <ds:schemaRefs>
-    <ds:schemaRef ds:uri="http://schemas.microsoft.com/VisualStudio/2011/storyboarding/control"/>
-  </ds:schemaRefs>
-</ds:datastoreItem>
-</file>
-
-<file path=customXml/itemProps31.xml><?xml version="1.0" encoding="utf-8"?>
-<ds:datastoreItem xmlns:ds="http://schemas.openxmlformats.org/officeDocument/2006/customXml" ds:itemID="{7989F8B3-8E20-4455-9310-361DF73D03B3}">
-  <ds:schemaRefs>
-    <ds:schemaRef ds:uri="http://schemas.microsoft.com/VisualStudio/2011/storyboarding/control"/>
-  </ds:schemaRefs>
-</ds:datastoreItem>
-</file>
-
-<file path=customXml/itemProps32.xml><?xml version="1.0" encoding="utf-8"?>
-<ds:datastoreItem xmlns:ds="http://schemas.openxmlformats.org/officeDocument/2006/customXml" ds:itemID="{8AE17CAA-BEF2-44CD-9DEE-2F8C17585A32}">
-  <ds:schemaRefs>
-    <ds:schemaRef ds:uri="http://schemas.microsoft.com/VisualStudio/2011/storyboarding/control"/>
-  </ds:schemaRefs>
-</ds:datastoreItem>
-</file>
-
-<file path=customXml/itemProps33.xml><?xml version="1.0" encoding="utf-8"?>
-<ds:datastoreItem xmlns:ds="http://schemas.openxmlformats.org/officeDocument/2006/customXml" ds:itemID="{438B7A44-EBDD-41BA-B093-6D278F4F7459}">
-  <ds:schemaRefs>
-    <ds:schemaRef ds:uri="http://schemas.microsoft.com/VisualStudio/2011/storyboarding/control"/>
-  </ds:schemaRefs>
-</ds:datastoreItem>
-</file>
-
-<file path=customXml/itemProps34.xml><?xml version="1.0" encoding="utf-8"?>
-<ds:datastoreItem xmlns:ds="http://schemas.openxmlformats.org/officeDocument/2006/customXml" ds:itemID="{C36DB154-AE5E-441B-8E32-9C0203D538F6}">
-  <ds:schemaRefs>
-    <ds:schemaRef ds:uri="http://schemas.microsoft.com/VisualStudio/2011/storyboarding/control"/>
-  </ds:schemaRefs>
-</ds:datastoreItem>
-</file>
-
-<file path=customXml/itemProps35.xml><?xml version="1.0" encoding="utf-8"?>
-<ds:datastoreItem xmlns:ds="http://schemas.openxmlformats.org/officeDocument/2006/customXml" ds:itemID="{43588560-03AB-428A-9CE4-A6AC7508369A}">
-  <ds:schemaRefs>
-    <ds:schemaRef ds:uri="http://schemas.microsoft.com/VisualStudio/2011/storyboarding/control"/>
-  </ds:schemaRefs>
-</ds:datastoreItem>
-</file>
-
-<file path=customXml/itemProps36.xml><?xml version="1.0" encoding="utf-8"?>
-<ds:datastoreItem xmlns:ds="http://schemas.openxmlformats.org/officeDocument/2006/customXml" ds:itemID="{BE30DC31-8F8A-48CF-A072-77607577B2FB}">
-  <ds:schemaRefs>
-    <ds:schemaRef ds:uri="http://schemas.microsoft.com/VisualStudio/2011/storyboarding/control"/>
-  </ds:schemaRefs>
-</ds:datastoreItem>
-</file>
-
-<file path=customXml/itemProps37.xml><?xml version="1.0" encoding="utf-8"?>
-<ds:datastoreItem xmlns:ds="http://schemas.openxmlformats.org/officeDocument/2006/customXml" ds:itemID="{7EA327E3-FCFB-4008-8DED-CE47F66639FD}">
-  <ds:schemaRefs>
-    <ds:schemaRef ds:uri="http://schemas.microsoft.com/VisualStudio/2011/storyboarding/control"/>
-  </ds:schemaRefs>
-</ds:datastoreItem>
-</file>
-
-<file path=customXml/itemProps38.xml><?xml version="1.0" encoding="utf-8"?>
-<ds:datastoreItem xmlns:ds="http://schemas.openxmlformats.org/officeDocument/2006/customXml" ds:itemID="{C65B337F-737A-48CA-8F75-978A60D7016D}">
-  <ds:schemaRefs>
-    <ds:schemaRef ds:uri="http://schemas.microsoft.com/VisualStudio/2011/storyboarding/control"/>
-  </ds:schemaRefs>
-</ds:datastoreItem>
-</file>
-
-<file path=customXml/itemProps39.xml><?xml version="1.0" encoding="utf-8"?>
-<ds:datastoreItem xmlns:ds="http://schemas.openxmlformats.org/officeDocument/2006/customXml" ds:itemID="{FA597DE2-CFB0-4358-AA98-055ACAFB4418}">
-  <ds:schemaRefs>
-    <ds:schemaRef ds:uri="http://schemas.microsoft.com/VisualStudio/2011/storyboarding/control"/>
-  </ds:schemaRefs>
-</ds:datastoreItem>
-</file>
-
-<file path=customXml/itemProps4.xml><?xml version="1.0" encoding="utf-8"?>
-<ds:datastoreItem xmlns:ds="http://schemas.openxmlformats.org/officeDocument/2006/customXml" ds:itemID="{8A260A91-3FD6-475C-8E6F-434835560933}">
-  <ds:schemaRefs>
-    <ds:schemaRef ds:uri="http://schemas.microsoft.com/VisualStudio/2011/storyboarding/control"/>
-  </ds:schemaRefs>
-</ds:datastoreItem>
-</file>
-
-<file path=customXml/itemProps40.xml><?xml version="1.0" encoding="utf-8"?>
-<ds:datastoreItem xmlns:ds="http://schemas.openxmlformats.org/officeDocument/2006/customXml" ds:itemID="{9DAE1F11-5474-4CAD-8EC7-A688E310A5AB}">
-  <ds:schemaRefs>
-    <ds:schemaRef ds:uri="http://schemas.microsoft.com/VisualStudio/2011/storyboarding/control"/>
-  </ds:schemaRefs>
-</ds:datastoreItem>
-</file>
-
-<file path=customXml/itemProps41.xml><?xml version="1.0" encoding="utf-8"?>
-<ds:datastoreItem xmlns:ds="http://schemas.openxmlformats.org/officeDocument/2006/customXml" ds:itemID="{876AF238-A0AE-4CE4-9709-BB19E770A0FF}">
-  <ds:schemaRefs>
-    <ds:schemaRef ds:uri="http://schemas.microsoft.com/VisualStudio/2011/storyboarding/control"/>
-  </ds:schemaRefs>
-</ds:datastoreItem>
-</file>
-
-<file path=customXml/itemProps42.xml><?xml version="1.0" encoding="utf-8"?>
-<ds:datastoreItem xmlns:ds="http://schemas.openxmlformats.org/officeDocument/2006/customXml" ds:itemID="{C30452E4-8A6C-404A-B689-8E04350A6B59}">
-  <ds:schemaRefs>
-    <ds:schemaRef ds:uri="http://schemas.microsoft.com/VisualStudio/2011/storyboarding/control"/>
-  </ds:schemaRefs>
-</ds:datastoreItem>
-</file>
-
-<file path=customXml/itemProps43.xml><?xml version="1.0" encoding="utf-8"?>
-<ds:datastoreItem xmlns:ds="http://schemas.openxmlformats.org/officeDocument/2006/customXml" ds:itemID="{CABD2B3A-1161-43E2-BA83-58E6B897C9BF}">
-  <ds:schemaRefs>
-    <ds:schemaRef ds:uri="http://schemas.microsoft.com/VisualStudio/2011/storyboarding/control"/>
-  </ds:schemaRefs>
-</ds:datastoreItem>
-</file>
-
-<file path=customXml/itemProps44.xml><?xml version="1.0" encoding="utf-8"?>
-<ds:datastoreItem xmlns:ds="http://schemas.openxmlformats.org/officeDocument/2006/customXml" ds:itemID="{3E700196-0E07-41FC-8F78-80FE3D9018FD}">
-  <ds:schemaRefs>
-    <ds:schemaRef ds:uri="http://schemas.microsoft.com/VisualStudio/2011/storyboarding/control"/>
-  </ds:schemaRefs>
-</ds:datastoreItem>
-</file>
-
-<file path=customXml/itemProps45.xml><?xml version="1.0" encoding="utf-8"?>
-<ds:datastoreItem xmlns:ds="http://schemas.openxmlformats.org/officeDocument/2006/customXml" ds:itemID="{DC24DB23-C3E0-4806-934A-5531299BFC48}">
-  <ds:schemaRefs>
-    <ds:schemaRef ds:uri="http://schemas.microsoft.com/VisualStudio/2011/storyboarding/control"/>
-  </ds:schemaRefs>
-</ds:datastoreItem>
-</file>
-
-<file path=customXml/itemProps46.xml><?xml version="1.0" encoding="utf-8"?>
-<ds:datastoreItem xmlns:ds="http://schemas.openxmlformats.org/officeDocument/2006/customXml" ds:itemID="{247695CD-B2DD-488A-8575-5345C166802C}">
-  <ds:schemaRefs>
-    <ds:schemaRef ds:uri="http://schemas.microsoft.com/VisualStudio/2011/storyboarding/control"/>
-  </ds:schemaRefs>
-</ds:datastoreItem>
-</file>
-
-<file path=customXml/itemProps47.xml><?xml version="1.0" encoding="utf-8"?>
-<ds:datastoreItem xmlns:ds="http://schemas.openxmlformats.org/officeDocument/2006/customXml" ds:itemID="{46365B3F-8663-4379-AD5B-D0EABBC1EDD3}">
-  <ds:schemaRefs>
-    <ds:schemaRef ds:uri="http://schemas.microsoft.com/VisualStudio/2011/storyboarding/control"/>
-  </ds:schemaRefs>
-</ds:datastoreItem>
-</file>
-
-<file path=customXml/itemProps48.xml><?xml version="1.0" encoding="utf-8"?>
-<ds:datastoreItem xmlns:ds="http://schemas.openxmlformats.org/officeDocument/2006/customXml" ds:itemID="{D9B490FA-A64C-40B6-8247-CD5808900A10}">
-  <ds:schemaRefs>
-    <ds:schemaRef ds:uri="http://schemas.microsoft.com/VisualStudio/2011/storyboarding/control"/>
-  </ds:schemaRefs>
-</ds:datastoreItem>
-</file>
-
-<file path=customXml/itemProps49.xml><?xml version="1.0" encoding="utf-8"?>
-<ds:datastoreItem xmlns:ds="http://schemas.openxmlformats.org/officeDocument/2006/customXml" ds:itemID="{0B5327E3-0261-4B48-BF6B-FF0257762827}">
-  <ds:schemaRefs>
-    <ds:schemaRef ds:uri="http://schemas.microsoft.com/VisualStudio/2011/storyboarding/control"/>
-  </ds:schemaRefs>
-</ds:datastoreItem>
-</file>
-
-<file path=customXml/itemProps5.xml><?xml version="1.0" encoding="utf-8"?>
-<ds:datastoreItem xmlns:ds="http://schemas.openxmlformats.org/officeDocument/2006/customXml" ds:itemID="{408DBD6E-BA86-4206-898C-8866D621C758}">
-  <ds:schemaRefs>
-    <ds:schemaRef ds:uri="http://schemas.microsoft.com/VisualStudio/2011/storyboarding/control"/>
-  </ds:schemaRefs>
-</ds:datastoreItem>
-</file>
-
-<file path=customXml/itemProps50.xml><?xml version="1.0" encoding="utf-8"?>
-<ds:datastoreItem xmlns:ds="http://schemas.openxmlformats.org/officeDocument/2006/customXml" ds:itemID="{C14734D5-9FB1-4C35-A180-105B4BA15CD3}">
-  <ds:schemaRefs>
-    <ds:schemaRef ds:uri="http://schemas.microsoft.com/VisualStudio/2011/storyboarding/control"/>
-  </ds:schemaRefs>
-</ds:datastoreItem>
-</file>
-
-<file path=customXml/itemProps51.xml><?xml version="1.0" encoding="utf-8"?>
-<ds:datastoreItem xmlns:ds="http://schemas.openxmlformats.org/officeDocument/2006/customXml" ds:itemID="{8B573C24-C1CA-4AD9-8793-CFC1E42E3841}">
-  <ds:schemaRefs>
-    <ds:schemaRef ds:uri="http://schemas.microsoft.com/VisualStudio/2011/storyboarding/control"/>
-  </ds:schemaRefs>
-</ds:datastoreItem>
-</file>
-
-<file path=customXml/itemProps52.xml><?xml version="1.0" encoding="utf-8"?>
-<ds:datastoreItem xmlns:ds="http://schemas.openxmlformats.org/officeDocument/2006/customXml" ds:itemID="{991C2A14-C674-4C12-8CE8-7EAE1ABB4197}">
-  <ds:schemaRefs>
-    <ds:schemaRef ds:uri="http://schemas.microsoft.com/VisualStudio/2011/storyboarding/control"/>
-  </ds:schemaRefs>
-</ds:datastoreItem>
-</file>
-
-<file path=customXml/itemProps53.xml><?xml version="1.0" encoding="utf-8"?>
-<ds:datastoreItem xmlns:ds="http://schemas.openxmlformats.org/officeDocument/2006/customXml" ds:itemID="{C2FBE948-B9F1-4F1A-AC4F-03962924DC85}">
-  <ds:schemaRefs>
-    <ds:schemaRef ds:uri="http://schemas.microsoft.com/VisualStudio/2011/storyboarding/control"/>
-  </ds:schemaRefs>
-</ds:datastoreItem>
-</file>
-
-<file path=customXml/itemProps54.xml><?xml version="1.0" encoding="utf-8"?>
-<ds:datastoreItem xmlns:ds="http://schemas.openxmlformats.org/officeDocument/2006/customXml" ds:itemID="{26EBF4A3-F17A-4E3E-A734-46BBA9DFA0C8}">
-  <ds:schemaRefs>
-    <ds:schemaRef ds:uri="http://schemas.microsoft.com/VisualStudio/2011/storyboarding/control"/>
-  </ds:schemaRefs>
-</ds:datastoreItem>
-</file>
-
-<file path=customXml/itemProps55.xml><?xml version="1.0" encoding="utf-8"?>
-<ds:datastoreItem xmlns:ds="http://schemas.openxmlformats.org/officeDocument/2006/customXml" ds:itemID="{CE225F83-8706-4484-B4DE-2B7E506A1F45}">
-  <ds:schemaRefs>
-    <ds:schemaRef ds:uri="http://schemas.microsoft.com/VisualStudio/2011/storyboarding/control"/>
-  </ds:schemaRefs>
-</ds:datastoreItem>
-</file>
-
-<file path=customXml/itemProps56.xml><?xml version="1.0" encoding="utf-8"?>
-<ds:datastoreItem xmlns:ds="http://schemas.openxmlformats.org/officeDocument/2006/customXml" ds:itemID="{B472B8AC-8A53-4AB2-879D-1716C227F63F}">
-  <ds:schemaRefs>
-    <ds:schemaRef ds:uri="http://schemas.microsoft.com/VisualStudio/2011/storyboarding/control"/>
-  </ds:schemaRefs>
-</ds:datastoreItem>
-</file>
-
-<file path=customXml/itemProps57.xml><?xml version="1.0" encoding="utf-8"?>
-<ds:datastoreItem xmlns:ds="http://schemas.openxmlformats.org/officeDocument/2006/customXml" ds:itemID="{BA2CD054-A129-4A67-A712-2F4F4F80DF00}">
-  <ds:schemaRefs>
-    <ds:schemaRef ds:uri="http://schemas.microsoft.com/VisualStudio/2011/storyboarding/control"/>
-  </ds:schemaRefs>
-</ds:datastoreItem>
-</file>
-
-<file path=customXml/itemProps58.xml><?xml version="1.0" encoding="utf-8"?>
-<ds:datastoreItem xmlns:ds="http://schemas.openxmlformats.org/officeDocument/2006/customXml" ds:itemID="{E2D66C36-7379-4DD2-AA37-128CF4B262CF}">
-  <ds:schemaRefs>
-    <ds:schemaRef ds:uri="http://schemas.microsoft.com/VisualStudio/2011/storyboarding/control"/>
-  </ds:schemaRefs>
-</ds:datastoreItem>
-</file>
-
-<file path=customXml/itemProps59.xml><?xml version="1.0" encoding="utf-8"?>
-<ds:datastoreItem xmlns:ds="http://schemas.openxmlformats.org/officeDocument/2006/customXml" ds:itemID="{ACB3927E-D579-4694-AD01-62FF7AA261C4}">
-  <ds:schemaRefs>
-    <ds:schemaRef ds:uri="http://schemas.microsoft.com/VisualStudio/2011/storyboarding/control"/>
-  </ds:schemaRefs>
-</ds:datastoreItem>
-</file>
-
-<file path=customXml/itemProps6.xml><?xml version="1.0" encoding="utf-8"?>
-<ds:datastoreItem xmlns:ds="http://schemas.openxmlformats.org/officeDocument/2006/customXml" ds:itemID="{E5957A30-7F08-42CE-A7C9-9121B3EEDB89}">
-  <ds:schemaRefs>
-    <ds:schemaRef ds:uri="http://schemas.microsoft.com/VisualStudio/2011/storyboarding/control"/>
-  </ds:schemaRefs>
-</ds:datastoreItem>
-</file>
-
-<file path=customXml/itemProps60.xml><?xml version="1.0" encoding="utf-8"?>
-<ds:datastoreItem xmlns:ds="http://schemas.openxmlformats.org/officeDocument/2006/customXml" ds:itemID="{17A9B085-8E1A-4A33-B871-8166221A211A}">
-  <ds:schemaRefs>
-    <ds:schemaRef ds:uri="http://schemas.microsoft.com/VisualStudio/2011/storyboarding/control"/>
-  </ds:schemaRefs>
-</ds:datastoreItem>
-</file>
-
-<file path=customXml/itemProps61.xml><?xml version="1.0" encoding="utf-8"?>
-<ds:datastoreItem xmlns:ds="http://schemas.openxmlformats.org/officeDocument/2006/customXml" ds:itemID="{161C1280-5A04-4E6E-8FE3-21E316A51B59}">
-  <ds:schemaRefs>
-    <ds:schemaRef ds:uri="http://schemas.microsoft.com/VisualStudio/2011/storyboarding/control"/>
-  </ds:schemaRefs>
-</ds:datastoreItem>
-</file>
-
-<file path=customXml/itemProps62.xml><?xml version="1.0" encoding="utf-8"?>
-<ds:datastoreItem xmlns:ds="http://schemas.openxmlformats.org/officeDocument/2006/customXml" ds:itemID="{508FF8A2-065C-4CBB-812E-6E03CA0DD0BA}">
-  <ds:schemaRefs>
-    <ds:schemaRef ds:uri="http://schemas.microsoft.com/VisualStudio/2011/storyboarding/control"/>
-  </ds:schemaRefs>
-</ds:datastoreItem>
-</file>
-
-<file path=customXml/itemProps63.xml><?xml version="1.0" encoding="utf-8"?>
-<ds:datastoreItem xmlns:ds="http://schemas.openxmlformats.org/officeDocument/2006/customXml" ds:itemID="{7EC308D9-C28D-40CD-AB00-4A98E0A77CCC}">
-  <ds:schemaRefs>
-    <ds:schemaRef ds:uri="http://schemas.microsoft.com/VisualStudio/2011/storyboarding/control"/>
-  </ds:schemaRefs>
-</ds:datastoreItem>
-</file>
-
-<file path=customXml/itemProps64.xml><?xml version="1.0" encoding="utf-8"?>
-<ds:datastoreItem xmlns:ds="http://schemas.openxmlformats.org/officeDocument/2006/customXml" ds:itemID="{A1F43F78-8591-47F2-9A56-991B5C2DCCFC}">
-  <ds:schemaRefs>
-    <ds:schemaRef ds:uri="http://schemas.microsoft.com/VisualStudio/2011/storyboarding/control"/>
-  </ds:schemaRefs>
-</ds:datastoreItem>
-</file>
-
-<file path=customXml/itemProps65.xml><?xml version="1.0" encoding="utf-8"?>
-<ds:datastoreItem xmlns:ds="http://schemas.openxmlformats.org/officeDocument/2006/customXml" ds:itemID="{B8E12DBA-650B-4369-8B51-0ED5654ECE37}">
-  <ds:schemaRefs>
-    <ds:schemaRef ds:uri="http://schemas.microsoft.com/VisualStudio/2011/storyboarding/control"/>
-  </ds:schemaRefs>
-</ds:datastoreItem>
-</file>
-
-<file path=customXml/itemProps66.xml><?xml version="1.0" encoding="utf-8"?>
-<ds:datastoreItem xmlns:ds="http://schemas.openxmlformats.org/officeDocument/2006/customXml" ds:itemID="{D54CCA4C-C7B0-4AED-9D56-0F76C035783B}">
-  <ds:schemaRefs>
-    <ds:schemaRef ds:uri="http://schemas.microsoft.com/VisualStudio/2011/storyboarding/control"/>
-  </ds:schemaRefs>
-</ds:datastoreItem>
-</file>
-
-<file path=customXml/itemProps67.xml><?xml version="1.0" encoding="utf-8"?>
-<ds:datastoreItem xmlns:ds="http://schemas.openxmlformats.org/officeDocument/2006/customXml" ds:itemID="{68A0CDC1-3F80-4DE3-8AB3-B532E32DC2D3}">
-  <ds:schemaRefs>
-    <ds:schemaRef ds:uri="http://schemas.microsoft.com/VisualStudio/2011/storyboarding/control"/>
-  </ds:schemaRefs>
-</ds:datastoreItem>
-</file>
-
-<file path=customXml/itemProps68.xml><?xml version="1.0" encoding="utf-8"?>
-<ds:datastoreItem xmlns:ds="http://schemas.openxmlformats.org/officeDocument/2006/customXml" ds:itemID="{D2FE2441-F4F4-4DD2-A086-4A7D71862FD9}">
-  <ds:schemaRefs>
-    <ds:schemaRef ds:uri="http://schemas.microsoft.com/VisualStudio/2011/storyboarding/control"/>
-  </ds:schemaRefs>
-</ds:datastoreItem>
-</file>
-
-<file path=customXml/itemProps69.xml><?xml version="1.0" encoding="utf-8"?>
-<ds:datastoreItem xmlns:ds="http://schemas.openxmlformats.org/officeDocument/2006/customXml" ds:itemID="{6806E131-54C6-48B3-984A-5A1F4C5785D2}">
-  <ds:schemaRefs>
-    <ds:schemaRef ds:uri="http://schemas.microsoft.com/VisualStudio/2011/storyboarding/control"/>
-  </ds:schemaRefs>
-</ds:datastoreItem>
-</file>
-
-<file path=customXml/itemProps7.xml><?xml version="1.0" encoding="utf-8"?>
-<ds:datastoreItem xmlns:ds="http://schemas.openxmlformats.org/officeDocument/2006/customXml" ds:itemID="{48F85951-6571-4AA7-9B26-EEF9CD4B541F}">
-  <ds:schemaRefs>
-    <ds:schemaRef ds:uri="http://schemas.microsoft.com/VisualStudio/2011/storyboarding/control"/>
-  </ds:schemaRefs>
-</ds:datastoreItem>
-</file>
-
-<file path=customXml/itemProps70.xml><?xml version="1.0" encoding="utf-8"?>
-<ds:datastoreItem xmlns:ds="http://schemas.openxmlformats.org/officeDocument/2006/customXml" ds:itemID="{A5548825-A252-43B9-8E93-D05CC009ABBE}">
-  <ds:schemaRefs>
-    <ds:schemaRef ds:uri="http://schemas.microsoft.com/VisualStudio/2011/storyboarding/control"/>
-  </ds:schemaRefs>
-</ds:datastoreItem>
-</file>
-
-<file path=customXml/itemProps71.xml><?xml version="1.0" encoding="utf-8"?>
-<ds:datastoreItem xmlns:ds="http://schemas.openxmlformats.org/officeDocument/2006/customXml" ds:itemID="{228AF168-33A9-492E-910D-EAE94E644B4A}">
-  <ds:schemaRefs>
-    <ds:schemaRef ds:uri="http://schemas.microsoft.com/VisualStudio/2011/storyboarding/control"/>
-  </ds:schemaRefs>
-</ds:datastoreItem>
-</file>
-
-<file path=customXml/itemProps72.xml><?xml version="1.0" encoding="utf-8"?>
-<ds:datastoreItem xmlns:ds="http://schemas.openxmlformats.org/officeDocument/2006/customXml" ds:itemID="{914EB071-267D-4D23-8EAD-39A664DF70DC}">
-  <ds:schemaRefs>
-    <ds:schemaRef ds:uri="http://schemas.microsoft.com/VisualStudio/2011/storyboarding/control"/>
-  </ds:schemaRefs>
-</ds:datastoreItem>
-</file>
-
-<file path=customXml/itemProps73.xml><?xml version="1.0" encoding="utf-8"?>
-<ds:datastoreItem xmlns:ds="http://schemas.openxmlformats.org/officeDocument/2006/customXml" ds:itemID="{149B1CD2-B7C7-4B38-9713-13FEE7CAC5CF}">
-  <ds:schemaRefs>
-    <ds:schemaRef ds:uri="http://schemas.microsoft.com/VisualStudio/2011/storyboarding/control"/>
-  </ds:schemaRefs>
-</ds:datastoreItem>
-</file>
-
-<file path=customXml/itemProps74.xml><?xml version="1.0" encoding="utf-8"?>
-<ds:datastoreItem xmlns:ds="http://schemas.openxmlformats.org/officeDocument/2006/customXml" ds:itemID="{9F80CF27-93E9-4C7B-88EF-82FB0C72DF62}">
-  <ds:schemaRefs>
-    <ds:schemaRef ds:uri="http://schemas.microsoft.com/VisualStudio/2011/storyboarding/control"/>
-  </ds:schemaRefs>
-</ds:datastoreItem>
-</file>
-
-<file path=customXml/itemProps75.xml><?xml version="1.0" encoding="utf-8"?>
-<ds:datastoreItem xmlns:ds="http://schemas.openxmlformats.org/officeDocument/2006/customXml" ds:itemID="{7FDD124D-E3E9-4D15-9954-8BE945E00BA2}">
-  <ds:schemaRefs>
-    <ds:schemaRef ds:uri="http://schemas.microsoft.com/VisualStudio/2011/storyboarding/control"/>
-  </ds:schemaRefs>
-</ds:datastoreItem>
-</file>
-
-<file path=customXml/itemProps76.xml><?xml version="1.0" encoding="utf-8"?>
-<ds:datastoreItem xmlns:ds="http://schemas.openxmlformats.org/officeDocument/2006/customXml" ds:itemID="{701AFE5A-ADCF-4311-A5B5-18B338C7E907}">
-  <ds:schemaRefs>
-    <ds:schemaRef ds:uri="http://schemas.microsoft.com/VisualStudio/2011/storyboarding/control"/>
-  </ds:schemaRefs>
-</ds:datastoreItem>
-</file>
-
-<file path=customXml/itemProps77.xml><?xml version="1.0" encoding="utf-8"?>
-<ds:datastoreItem xmlns:ds="http://schemas.openxmlformats.org/officeDocument/2006/customXml" ds:itemID="{E886A3B6-32CF-43FB-BFDC-824E566105C6}">
-  <ds:schemaRefs>
-    <ds:schemaRef ds:uri="http://schemas.microsoft.com/VisualStudio/2011/storyboarding/control"/>
-  </ds:schemaRefs>
-</ds:datastoreItem>
-</file>
-
-<file path=customXml/itemProps78.xml><?xml version="1.0" encoding="utf-8"?>
-<ds:datastoreItem xmlns:ds="http://schemas.openxmlformats.org/officeDocument/2006/customXml" ds:itemID="{3DDBA3E6-6C5A-4905-87BF-300A95711014}">
-  <ds:schemaRefs>
-    <ds:schemaRef ds:uri="http://schemas.microsoft.com/VisualStudio/2011/storyboarding/control"/>
-  </ds:schemaRefs>
-</ds:datastoreItem>
-</file>
-
-<file path=customXml/itemProps79.xml><?xml version="1.0" encoding="utf-8"?>
-<ds:datastoreItem xmlns:ds="http://schemas.openxmlformats.org/officeDocument/2006/customXml" ds:itemID="{3C65476E-E005-4058-A679-B2D8F13FF877}">
-  <ds:schemaRefs>
-    <ds:schemaRef ds:uri="http://schemas.microsoft.com/VisualStudio/2011/storyboarding/control"/>
-  </ds:schemaRefs>
-</ds:datastoreItem>
-</file>
-
-<file path=customXml/itemProps8.xml><?xml version="1.0" encoding="utf-8"?>
-<ds:datastoreItem xmlns:ds="http://schemas.openxmlformats.org/officeDocument/2006/customXml" ds:itemID="{654CBC2D-27EC-43DB-ABA4-3FBDF37D3735}">
-  <ds:schemaRefs>
-    <ds:schemaRef ds:uri="http://schemas.microsoft.com/VisualStudio/2011/storyboarding/control"/>
-  </ds:schemaRefs>
-</ds:datastoreItem>
-</file>
-
-<file path=customXml/itemProps80.xml><?xml version="1.0" encoding="utf-8"?>
-<ds:datastoreItem xmlns:ds="http://schemas.openxmlformats.org/officeDocument/2006/customXml" ds:itemID="{8EE50836-C4DB-4AC6-8DFD-677FDEAB9EAD}">
-  <ds:schemaRefs>
-    <ds:schemaRef ds:uri="http://schemas.microsoft.com/VisualStudio/2011/storyboarding/control"/>
-  </ds:schemaRefs>
-</ds:datastoreItem>
-</file>
-
-<file path=customXml/itemProps81.xml><?xml version="1.0" encoding="utf-8"?>
-<ds:datastoreItem xmlns:ds="http://schemas.openxmlformats.org/officeDocument/2006/customXml" ds:itemID="{24900BF5-C4DC-42A1-8816-A384E671E92A}">
-  <ds:schemaRefs>
-    <ds:schemaRef ds:uri="http://schemas.microsoft.com/VisualStudio/2011/storyboarding/control"/>
-  </ds:schemaRefs>
-</ds:datastoreItem>
-</file>
-
-<file path=customXml/itemProps82.xml><?xml version="1.0" encoding="utf-8"?>
-<ds:datastoreItem xmlns:ds="http://schemas.openxmlformats.org/officeDocument/2006/customXml" ds:itemID="{AF61DBC6-381C-43BF-8974-1BD37D61B73F}">
-  <ds:schemaRefs>
-    <ds:schemaRef ds:uri="http://schemas.microsoft.com/VisualStudio/2011/storyboarding/control"/>
-  </ds:schemaRefs>
-</ds:datastoreItem>
-</file>
-
-<file path=customXml/itemProps83.xml><?xml version="1.0" encoding="utf-8"?>
-<ds:datastoreItem xmlns:ds="http://schemas.openxmlformats.org/officeDocument/2006/customXml" ds:itemID="{B7D85223-23F1-4ACF-89DD-EE38AA7E4772}">
-  <ds:schemaRefs>
-    <ds:schemaRef ds:uri="http://schemas.microsoft.com/VisualStudio/2011/storyboarding/control"/>
-  </ds:schemaRefs>
-</ds:datastoreItem>
-</file>
-
-<file path=customXml/itemProps84.xml><?xml version="1.0" encoding="utf-8"?>
-<ds:datastoreItem xmlns:ds="http://schemas.openxmlformats.org/officeDocument/2006/customXml" ds:itemID="{CF03DD0F-EDED-4182-BF0D-C60EA8AC9FC5}">
-  <ds:schemaRefs>
-    <ds:schemaRef ds:uri="http://schemas.microsoft.com/VisualStudio/2011/storyboarding/control"/>
-  </ds:schemaRefs>
-</ds:datastoreItem>
-</file>
-
-<file path=customXml/itemProps85.xml><?xml version="1.0" encoding="utf-8"?>
-<ds:datastoreItem xmlns:ds="http://schemas.openxmlformats.org/officeDocument/2006/customXml" ds:itemID="{20DE1362-1BC4-4883-A16F-96A9C8F4B18F}">
-  <ds:schemaRefs>
-    <ds:schemaRef ds:uri="http://schemas.microsoft.com/VisualStudio/2011/storyboarding/control"/>
-  </ds:schemaRefs>
-</ds:datastoreItem>
-</file>
-
-<file path=customXml/itemProps86.xml><?xml version="1.0" encoding="utf-8"?>
-<ds:datastoreItem xmlns:ds="http://schemas.openxmlformats.org/officeDocument/2006/customXml" ds:itemID="{242CB00D-BA5D-43C6-B335-4CBC590CA72E}">
-  <ds:schemaRefs>
-    <ds:schemaRef ds:uri="http://schemas.microsoft.com/VisualStudio/2011/storyboarding/control"/>
-  </ds:schemaRefs>
-</ds:datastoreItem>
-</file>
-
-<file path=customXml/itemProps87.xml><?xml version="1.0" encoding="utf-8"?>
-<ds:datastoreItem xmlns:ds="http://schemas.openxmlformats.org/officeDocument/2006/customXml" ds:itemID="{70E3F600-4C8D-4A3A-BE16-3540F66AD848}">
-  <ds:schemaRefs>
-    <ds:schemaRef ds:uri="http://schemas.microsoft.com/VisualStudio/2011/storyboarding/control"/>
-  </ds:schemaRefs>
-</ds:datastoreItem>
-</file>
-
-<file path=customXml/itemProps88.xml><?xml version="1.0" encoding="utf-8"?>
-<ds:datastoreItem xmlns:ds="http://schemas.openxmlformats.org/officeDocument/2006/customXml" ds:itemID="{A1C8479A-2384-424B-B607-91A9FC70F6A4}">
-  <ds:schemaRefs>
-    <ds:schemaRef ds:uri="http://schemas.microsoft.com/VisualStudio/2011/storyboarding/control"/>
-  </ds:schemaRefs>
-</ds:datastoreItem>
-</file>
-
-<file path=customXml/itemProps89.xml><?xml version="1.0" encoding="utf-8"?>
-<ds:datastoreItem xmlns:ds="http://schemas.openxmlformats.org/officeDocument/2006/customXml" ds:itemID="{A75B2111-FBDC-4291-9EA3-2B57563F245C}">
-  <ds:schemaRefs>
-    <ds:schemaRef ds:uri="http://schemas.microsoft.com/VisualStudio/2011/storyboarding/control"/>
-  </ds:schemaRefs>
-</ds:datastoreItem>
-</file>
-
-<file path=customXml/itemProps9.xml><?xml version="1.0" encoding="utf-8"?>
-<ds:datastoreItem xmlns:ds="http://schemas.openxmlformats.org/officeDocument/2006/customXml" ds:itemID="{3154CB70-BAFF-4B34-BC33-BD1C66EB86D7}">
-  <ds:schemaRefs>
-    <ds:schemaRef ds:uri="http://schemas.microsoft.com/VisualStudio/2011/storyboarding/control"/>
-  </ds:schemaRefs>
-</ds:datastoreItem>
-</file>
-
-<file path=customXml/itemProps90.xml><?xml version="1.0" encoding="utf-8"?>
-<ds:datastoreItem xmlns:ds="http://schemas.openxmlformats.org/officeDocument/2006/customXml" ds:itemID="{99FFFAFB-7A40-49A1-B04F-4A1F6ECF0BAF}">
-  <ds:schemaRefs>
-    <ds:schemaRef ds:uri="http://schemas.microsoft.com/VisualStudio/2011/storyboarding/control"/>
-  </ds:schemaRefs>
-</ds:datastoreItem>
-</file>
-
-<file path=customXml/itemProps91.xml><?xml version="1.0" encoding="utf-8"?>
-<ds:datastoreItem xmlns:ds="http://schemas.openxmlformats.org/officeDocument/2006/customXml" ds:itemID="{12FD62BF-A11E-4BD8-9FB1-B9028E90A22E}">
-  <ds:schemaRefs>
-    <ds:schemaRef ds:uri="http://schemas.microsoft.com/VisualStudio/2011/storyboarding/control"/>
-  </ds:schemaRefs>
-</ds:datastoreItem>
-</file>
-
-<file path=customXml/itemProps92.xml><?xml version="1.0" encoding="utf-8"?>
-<ds:datastoreItem xmlns:ds="http://schemas.openxmlformats.org/officeDocument/2006/customXml" ds:itemID="{1877004B-50A8-4877-B8FF-7DD1DC8224C2}">
-  <ds:schemaRefs>
-    <ds:schemaRef ds:uri="http://schemas.microsoft.com/VisualStudio/2011/storyboarding/control"/>
-  </ds:schemaRefs>
-</ds:datastoreItem>
-</file>
-
-<file path=customXml/itemProps93.xml><?xml version="1.0" encoding="utf-8"?>
-<ds:datastoreItem xmlns:ds="http://schemas.openxmlformats.org/officeDocument/2006/customXml" ds:itemID="{DAF42908-C10A-4B0A-BD53-0A9168593350}">
-  <ds:schemaRefs>
-    <ds:schemaRef ds:uri="http://schemas.microsoft.com/VisualStudio/2011/storyboarding/control"/>
-  </ds:schemaRefs>
-</ds:datastoreItem>
-</file>
-
-<file path=customXml/itemProps94.xml><?xml version="1.0" encoding="utf-8"?>
-<ds:datastoreItem xmlns:ds="http://schemas.openxmlformats.org/officeDocument/2006/customXml" ds:itemID="{7A7C8F38-0BA1-42E1-8BF5-DEED4B0E03B5}">
-  <ds:schemaRefs>
-    <ds:schemaRef ds:uri="http://schemas.microsoft.com/VisualStudio/2011/storyboarding/control"/>
-  </ds:schemaRefs>
-</ds:datastoreItem>
-</file>
-
-<file path=customXml/itemProps95.xml><?xml version="1.0" encoding="utf-8"?>
-<ds:datastoreItem xmlns:ds="http://schemas.openxmlformats.org/officeDocument/2006/customXml" ds:itemID="{9F2E68F6-6824-42A7-A3A1-3AE0F539496E}">
-  <ds:schemaRefs>
-    <ds:schemaRef ds:uri="http://schemas.microsoft.com/VisualStudio/2011/storyboarding/control"/>
-  </ds:schemaRefs>
-</ds:datastoreItem>
-</file>
-
-<file path=customXml/itemProps96.xml><?xml version="1.0" encoding="utf-8"?>
-<ds:datastoreItem xmlns:ds="http://schemas.openxmlformats.org/officeDocument/2006/customXml" ds:itemID="{C4583063-FB7A-486E-B271-71E78059E19B}">
-  <ds:schemaRefs>
-    <ds:schemaRef ds:uri="http://schemas.microsoft.com/VisualStudio/2011/storyboarding/control"/>
-  </ds:schemaRefs>
-</ds:datastoreItem>
-</file>
-
-<file path=customXml/itemProps97.xml><?xml version="1.0" encoding="utf-8"?>
-<ds:datastoreItem xmlns:ds="http://schemas.openxmlformats.org/officeDocument/2006/customXml" ds:itemID="{8F7399B1-A9DB-4D84-95B4-5DD6BBAA5187}">
-  <ds:schemaRefs>
-    <ds:schemaRef ds:uri="http://schemas.microsoft.com/VisualStudio/2011/storyboarding/control"/>
-  </ds:schemaRefs>
-</ds:datastoreItem>
-</file>
-
-<file path=customXml/itemProps98.xml><?xml version="1.0" encoding="utf-8"?>
-<ds:datastoreItem xmlns:ds="http://schemas.openxmlformats.org/officeDocument/2006/customXml" ds:itemID="{766F77BC-3956-438F-94BE-CF6CF9C915C0}">
-  <ds:schemaRefs>
-    <ds:schemaRef ds:uri="http://schemas.microsoft.com/VisualStudio/2011/storyboarding/control"/>
-  </ds:schemaRefs>
-</ds:datastoreItem>
-</file>
-
-<file path=customXml/itemProps99.xml><?xml version="1.0" encoding="utf-8"?>
-<ds:datastoreItem xmlns:ds="http://schemas.openxmlformats.org/officeDocument/2006/customXml" ds:itemID="{2AEF63D2-D198-4CCC-904A-422119B9CA6F}">
-  <ds:schemaRefs>
-    <ds:schemaRef ds:uri="http://schemas.microsoft.com/VisualStudio/2011/storyboarding/control"/>
-  </ds:schemaRefs>
-</ds:datastoreItem>
 </file>
--- a/Page d’acceuil.pptx
+++ b/Page d’acceuil.pptx
@@ -717,7 +717,7 @@
           <a:p>
             <a:fld id="{7E539B21-FF63-4FEA-A1D1-EBE8EF669A6E}" type="datetimeFigureOut">
               <a:rPr lang="fr-FR" smtClean="0"/>
-              <a:t>19/11/2017</a:t>
+              <a:t>22/11/2017</a:t>
             </a:fld>
             <a:endParaRPr lang="fr-FR"/>
           </a:p>
@@ -1131,7 +1131,7 @@
           <a:p>
             <a:fld id="{F353337E-5607-446D-AB74-7A5B8DCFC88F}" type="datetimeFigureOut">
               <a:rPr lang="fr-FR" smtClean="0"/>
-              <a:t>19/11/2017</a:t>
+              <a:t>22/11/2017</a:t>
             </a:fld>
             <a:endParaRPr lang="fr-FR"/>
           </a:p>
@@ -1337,7 +1337,7 @@
           <a:p>
             <a:fld id="{F353337E-5607-446D-AB74-7A5B8DCFC88F}" type="datetimeFigureOut">
               <a:rPr lang="fr-FR" smtClean="0"/>
-              <a:t>19/11/2017</a:t>
+              <a:t>22/11/2017</a:t>
             </a:fld>
             <a:endParaRPr lang="fr-FR"/>
           </a:p>
@@ -1553,7 +1553,7 @@
           <a:p>
             <a:fld id="{F353337E-5607-446D-AB74-7A5B8DCFC88F}" type="datetimeFigureOut">
               <a:rPr lang="fr-FR" smtClean="0"/>
-              <a:t>19/11/2017</a:t>
+              <a:t>22/11/2017</a:t>
             </a:fld>
             <a:endParaRPr lang="fr-FR"/>
           </a:p>
@@ -1835,7 +1835,7 @@
           <a:p>
             <a:fld id="{F353337E-5607-446D-AB74-7A5B8DCFC88F}" type="datetimeFigureOut">
               <a:rPr lang="fr-FR" smtClean="0"/>
-              <a:t>19/11/2017</a:t>
+              <a:t>22/11/2017</a:t>
             </a:fld>
             <a:endParaRPr lang="fr-FR"/>
           </a:p>
@@ -2118,7 +2118,7 @@
           <a:p>
             <a:fld id="{F353337E-5607-446D-AB74-7A5B8DCFC88F}" type="datetimeFigureOut">
               <a:rPr lang="fr-FR" smtClean="0"/>
-              <a:t>19/11/2017</a:t>
+              <a:t>22/11/2017</a:t>
             </a:fld>
             <a:endParaRPr lang="fr-FR"/>
           </a:p>
@@ -2391,7 +2391,7 @@
           <a:p>
             <a:fld id="{F353337E-5607-446D-AB74-7A5B8DCFC88F}" type="datetimeFigureOut">
               <a:rPr lang="fr-FR" smtClean="0"/>
-              <a:t>19/11/2017</a:t>
+              <a:t>22/11/2017</a:t>
             </a:fld>
             <a:endParaRPr lang="fr-FR"/>
           </a:p>
@@ -2811,7 +2811,7 @@
           <a:p>
             <a:fld id="{F353337E-5607-446D-AB74-7A5B8DCFC88F}" type="datetimeFigureOut">
               <a:rPr lang="fr-FR" smtClean="0"/>
-              <a:t>19/11/2017</a:t>
+              <a:t>22/11/2017</a:t>
             </a:fld>
             <a:endParaRPr lang="fr-FR"/>
           </a:p>
@@ -2960,7 +2960,7 @@
           <a:p>
             <a:fld id="{F353337E-5607-446D-AB74-7A5B8DCFC88F}" type="datetimeFigureOut">
               <a:rPr lang="fr-FR" smtClean="0"/>
-              <a:t>19/11/2017</a:t>
+              <a:t>22/11/2017</a:t>
             </a:fld>
             <a:endParaRPr lang="fr-FR"/>
           </a:p>
@@ -3081,7 +3081,7 @@
           <a:p>
             <a:fld id="{F353337E-5607-446D-AB74-7A5B8DCFC88F}" type="datetimeFigureOut">
               <a:rPr lang="fr-FR" smtClean="0"/>
-              <a:t>19/11/2017</a:t>
+              <a:t>22/11/2017</a:t>
             </a:fld>
             <a:endParaRPr lang="fr-FR"/>
           </a:p>
@@ -3400,7 +3400,7 @@
           <a:p>
             <a:fld id="{F353337E-5607-446D-AB74-7A5B8DCFC88F}" type="datetimeFigureOut">
               <a:rPr lang="fr-FR" smtClean="0"/>
-              <a:t>19/11/2017</a:t>
+              <a:t>22/11/2017</a:t>
             </a:fld>
             <a:endParaRPr lang="fr-FR"/>
           </a:p>
@@ -3696,7 +3696,7 @@
           <a:p>
             <a:fld id="{F353337E-5607-446D-AB74-7A5B8DCFC88F}" type="datetimeFigureOut">
               <a:rPr lang="fr-FR" smtClean="0"/>
-              <a:t>19/11/2017</a:t>
+              <a:t>22/11/2017</a:t>
             </a:fld>
             <a:endParaRPr lang="fr-FR"/>
           </a:p>
@@ -3945,7 +3945,7 @@
           <a:p>
             <a:fld id="{F353337E-5607-446D-AB74-7A5B8DCFC88F}" type="datetimeFigureOut">
               <a:rPr lang="fr-FR" smtClean="0"/>
-              <a:t>19/11/2017</a:t>
+              <a:t>22/11/2017</a:t>
             </a:fld>
             <a:endParaRPr lang="fr-FR"/>
           </a:p>
@@ -16778,7 +16778,7 @@
         </p:nvSpPr>
         <p:spPr>
           <a:xfrm>
-            <a:off x="3648618" y="2222513"/>
+            <a:off x="3115396" y="2289530"/>
             <a:ext cx="5961207" cy="323165"/>
           </a:xfrm>
           <a:prstGeom prst="rect">
@@ -17020,7 +17020,7 @@
         </p:nvSpPr>
         <p:spPr>
           <a:xfrm>
-            <a:off x="6606329" y="3802063"/>
+            <a:off x="6388010" y="3802063"/>
             <a:ext cx="1106592" cy="228600"/>
           </a:xfrm>
           <a:prstGeom prst="roundRect">
@@ -17167,7 +17167,7 @@
         </p:nvSpPr>
         <p:spPr>
           <a:xfrm>
-            <a:off x="3648618" y="2222513"/>
+            <a:off x="3115396" y="2259835"/>
             <a:ext cx="5961207" cy="323165"/>
           </a:xfrm>
           <a:prstGeom prst="rect">
@@ -17409,7 +17409,7 @@
         </p:nvSpPr>
         <p:spPr>
           <a:xfrm>
-            <a:off x="6606329" y="3802063"/>
+            <a:off x="6388010" y="3802063"/>
             <a:ext cx="1106592" cy="228600"/>
           </a:xfrm>
           <a:prstGeom prst="roundRect">
@@ -17520,8 +17520,8 @@
         </p:nvSpPr>
         <p:spPr>
           <a:xfrm>
-            <a:off x="3326920" y="2390589"/>
-            <a:ext cx="5538159" cy="323165"/>
+            <a:off x="3161404" y="2381445"/>
+            <a:ext cx="4683224" cy="323165"/>
           </a:xfrm>
           <a:prstGeom prst="rect">
             <a:avLst/>
@@ -17666,7 +17666,7 @@
         </p:nvSpPr>
         <p:spPr>
           <a:xfrm>
-            <a:off x="5503016" y="3775760"/>
+            <a:off x="4949720" y="3780784"/>
             <a:ext cx="1106592" cy="323165"/>
           </a:xfrm>
           <a:prstGeom prst="roundRect">
@@ -25969,7 +25969,7 @@
 
 <file path=customXml/item1.xml><?xml version="1.0" encoding="utf-8"?>
 <Control xmlns="http://schemas.microsoft.com/VisualStudio/2011/storyboarding/control">
-  <Id Name="System.Storyboarding.Common.TextInput" Revision="1" Stencil="System.Storyboarding.Common" StencilVersion="0.1"/>
+  <Id Name="System.Storyboarding.Backgrounds.WebBrowser" Revision="1" Stencil="System.Storyboarding.Backgrounds" StencilVersion="0.1"/>
 </Control>
 </file>
 
@@ -25981,13 +25981,13 @@
 
 <file path=customXml/item100.xml><?xml version="1.0" encoding="utf-8"?>
 <Control xmlns="http://schemas.microsoft.com/VisualStudio/2011/storyboarding/control">
-  <Id Name="System.Storyboarding.Annotation.StickyNote" Revision="1" Stencil="System.Storyboarding.Annotation" StencilVersion="0.1"/>
+  <Id Name="System.Storyboarding.Common.CheckBoxChecked" Revision="1" Stencil="System.Storyboarding.Common" StencilVersion="0.1"/>
 </Control>
 </file>
 
 <file path=customXml/item101.xml><?xml version="1.0" encoding="utf-8"?>
 <Control xmlns="http://schemas.microsoft.com/VisualStudio/2011/storyboarding/control">
-  <Id Name="System.Storyboarding.Common.CheckBoxChecked" Revision="1" Stencil="System.Storyboarding.Common" StencilVersion="0.1"/>
+  <Id Name="System.Storyboarding.Common.Button" Revision="1" Stencil="System.Storyboarding.Common" StencilVersion="0.1"/>
 </Control>
 </file>
 
@@ -26005,13 +26005,13 @@
 
 <file path=customXml/item104.xml><?xml version="1.0" encoding="utf-8"?>
 <Control xmlns="http://schemas.microsoft.com/VisualStudio/2011/storyboarding/control">
-  <Id Name="System.Storyboarding.Common.TextInput" Revision="1" Stencil="System.Storyboarding.Common" StencilVersion="0.1"/>
+  <Id Name="System.Storyboarding.Common.TextArea" Revision="1" Stencil="System.Storyboarding.Common" StencilVersion="0.1"/>
 </Control>
 </file>
 
 <file path=customXml/item105.xml><?xml version="1.0" encoding="utf-8"?>
 <Control xmlns="http://schemas.microsoft.com/VisualStudio/2011/storyboarding/control">
-  <Id Name="System.Storyboarding.Common.CheckBoxChecked" Revision="1" Stencil="System.Storyboarding.Common" StencilVersion="0.1"/>
+  <Id Name="System.Storyboarding.Common.Button" Revision="1" Stencil="System.Storyboarding.Common" StencilVersion="0.1"/>
 </Control>
 </file>
 
@@ -26023,19 +26023,19 @@
 
 <file path=customXml/item107.xml><?xml version="1.0" encoding="utf-8"?>
 <Control xmlns="http://schemas.microsoft.com/VisualStudio/2011/storyboarding/control">
-  <Id Name="System.Storyboarding.Backgrounds.WebBrowser" Revision="1" Stencil="System.Storyboarding.Backgrounds" StencilVersion="0.1"/>
+  <Id Name="System.Storyboarding.Common.SearchBox" Revision="1" Stencil="System.Storyboarding.Common" StencilVersion="0.1"/>
 </Control>
 </file>
 
 <file path=customXml/item108.xml><?xml version="1.0" encoding="utf-8"?>
 <Control xmlns="http://schemas.microsoft.com/VisualStudio/2011/storyboarding/control">
-  <Id Name="System.Storyboarding.Common.ScrollbarVertical" Revision="1" Stencil="System.Storyboarding.Common" StencilVersion="0.1"/>
+  <Id Name="System.Storyboarding.Common.TextInput" Revision="1" Stencil="System.Storyboarding.Common" StencilVersion="0.1"/>
 </Control>
 </file>
 
 <file path=customXml/item109.xml><?xml version="1.0" encoding="utf-8"?>
 <Control xmlns="http://schemas.microsoft.com/VisualStudio/2011/storyboarding/control">
-  <Id Name="System.Storyboarding.Common.TextInput" Revision="1" Stencil="System.Storyboarding.Common" StencilVersion="0.1"/>
+  <Id Name="System.Storyboarding.Common.CheckBoxUnchecked" Revision="1" Stencil="System.Storyboarding.Common" StencilVersion="0.1"/>
 </Control>
 </file>
 
@@ -26047,43 +26047,43 @@
 
 <file path=customXml/item110.xml><?xml version="1.0" encoding="utf-8"?>
 <Control xmlns="http://schemas.microsoft.com/VisualStudio/2011/storyboarding/control">
-  <Id Name="System.Storyboarding.Common.CheckBoxUnchecked" Revision="1" Stencil="System.Storyboarding.Common" StencilVersion="0.1"/>
-</Control>
-</file>
-
-<file path=customXml/item111.xml><?xml version="1.0" encoding="utf-8"?>
-<Control xmlns="http://schemas.microsoft.com/VisualStudio/2011/storyboarding/control">
   <Id Name="System.Storyboarding.Common.ScrollbarVertical" Revision="1" Stencil="System.Storyboarding.Common" StencilVersion="0.1"/>
 </Control>
 </file>
 
-<file path=customXml/item112.xml><?xml version="1.0" encoding="utf-8"?>
+<file path=customXml/item111.xml><?xml version="1.0" encoding="utf-8"?>
 <Control xmlns="http://schemas.microsoft.com/VisualStudio/2011/storyboarding/control">
   <Id Name="System.Storyboarding.Common.TextInput" Revision="1" Stencil="System.Storyboarding.Common" StencilVersion="0.1"/>
 </Control>
 </file>
 
+<file path=customXml/item112.xml><?xml version="1.0" encoding="utf-8"?>
+<Control xmlns="http://schemas.microsoft.com/VisualStudio/2011/storyboarding/control">
+  <Id Name="System.Storyboarding.Annotation.StickyNote" Revision="1" Stencil="System.Storyboarding.Annotation" StencilVersion="0.1"/>
+</Control>
+</file>
+
 <file path=customXml/item113.xml><?xml version="1.0" encoding="utf-8"?>
-<Control xmlns="http://schemas.microsoft.com/VisualStudio/2011/storyboarding/control">
-  <Id Name="System.Storyboarding.Common.TextInput" Revision="1" Stencil="System.Storyboarding.Common" StencilVersion="0.1"/>
-</Control>
-</file>
-
-<file path=customXml/item114.xml><?xml version="1.0" encoding="utf-8"?>
 <Control xmlns="http://schemas.microsoft.com/VisualStudio/2011/storyboarding/control">
   <Id Name="System.Storyboarding.Common.CheckBoxChecked" Revision="1" Stencil="System.Storyboarding.Common" StencilVersion="0.1"/>
 </Control>
 </file>
 
+<file path=customXml/item114.xml><?xml version="1.0" encoding="utf-8"?>
+<Control xmlns="http://schemas.microsoft.com/VisualStudio/2011/storyboarding/control">
+  <Id Name="System.Storyboarding.Annotation.StickyNote" Revision="1" Stencil="System.Storyboarding.Annotation" StencilVersion="0.1"/>
+</Control>
+</file>
+
 <file path=customXml/item115.xml><?xml version="1.0" encoding="utf-8"?>
 <Control xmlns="http://schemas.microsoft.com/VisualStudio/2011/storyboarding/control">
-  <Id Name="System.Storyboarding.Common.TextInput" Revision="1" Stencil="System.Storyboarding.Common" StencilVersion="0.1"/>
+  <Id Name="System.Storyboarding.Common.CheckBoxChecked" Revision="1" Stencil="System.Storyboarding.Common" StencilVersion="0.1"/>
 </Control>
 </file>
 
 <file path=customXml/item116.xml><?xml version="1.0" encoding="utf-8"?>
 <Control xmlns="http://schemas.microsoft.com/VisualStudio/2011/storyboarding/control">
-  <Id Name="System.Storyboarding.Common.Text" Revision="1" Stencil="System.Storyboarding.Common" StencilVersion="0.1"/>
+  <Id Name="System.Storyboarding.Common.TextInput" Revision="1" Stencil="System.Storyboarding.Common" StencilVersion="0.1"/>
 </Control>
 </file>
 
@@ -26095,25 +26095,25 @@
 
 <file path=customXml/item118.xml><?xml version="1.0" encoding="utf-8"?>
 <Control xmlns="http://schemas.microsoft.com/VisualStudio/2011/storyboarding/control">
-  <Id Name="System.Storyboarding.Common.Text" Revision="1" Stencil="System.Storyboarding.Common" StencilVersion="0.1"/>
+  <Id Name="System.Storyboarding.Common.CheckBoxChecked" Revision="1" Stencil="System.Storyboarding.Common" StencilVersion="0.1"/>
 </Control>
 </file>
 
 <file path=customXml/item119.xml><?xml version="1.0" encoding="utf-8"?>
 <Control xmlns="http://schemas.microsoft.com/VisualStudio/2011/storyboarding/control">
-  <Id Name="System.Storyboarding.Common.ScrollbarVertical" Revision="1" Stencil="System.Storyboarding.Common" StencilVersion="0.1"/>
+  <Id Name="System.Storyboarding.Common.TextInput" Revision="1" Stencil="System.Storyboarding.Common" StencilVersion="0.1"/>
 </Control>
 </file>
 
 <file path=customXml/item12.xml><?xml version="1.0" encoding="utf-8"?>
 <Control xmlns="http://schemas.microsoft.com/VisualStudio/2011/storyboarding/control">
-  <Id Name="System.Storyboarding.Common.CheckBoxChecked" Revision="1" Stencil="System.Storyboarding.Common" StencilVersion="0.1"/>
+  <Id Name="System.Storyboarding.Annotation.StickyNote" Revision="1" Stencil="System.Storyboarding.Annotation" StencilVersion="0.1"/>
 </Control>
 </file>
 
 <file path=customXml/item120.xml><?xml version="1.0" encoding="utf-8"?>
 <Control xmlns="http://schemas.microsoft.com/VisualStudio/2011/storyboarding/control">
-  <Id Name="System.Storyboarding.Common.Button" Revision="1" Stencil="System.Storyboarding.Common" StencilVersion="0.1"/>
+  <Id Name="System.Storyboarding.Annotation.StickyNote" Revision="1" Stencil="System.Storyboarding.Annotation" StencilVersion="0.1"/>
 </Control>
 </file>
 
@@ -26125,31 +26125,31 @@
 
 <file path=customXml/item122.xml><?xml version="1.0" encoding="utf-8"?>
 <Control xmlns="http://schemas.microsoft.com/VisualStudio/2011/storyboarding/control">
-  <Id Name="System.Storyboarding.Common.Text" Revision="1" Stencil="System.Storyboarding.Common" StencilVersion="0.1"/>
+  <Id Name="System.Storyboarding.Common.TextInput" Revision="1" Stencil="System.Storyboarding.Common" StencilVersion="0.1"/>
 </Control>
 </file>
 
 <file path=customXml/item123.xml><?xml version="1.0" encoding="utf-8"?>
 <Control xmlns="http://schemas.microsoft.com/VisualStudio/2011/storyboarding/control">
-  <Id Name="System.Storyboarding.Common.TextInput" Revision="1" Stencil="System.Storyboarding.Common" StencilVersion="0.1"/>
+  <Id Name="System.Storyboarding.Common.CheckBoxUnchecked" Revision="1" Stencil="System.Storyboarding.Common" StencilVersion="0.1"/>
 </Control>
 </file>
 
 <file path=customXml/item124.xml><?xml version="1.0" encoding="utf-8"?>
 <Control xmlns="http://schemas.microsoft.com/VisualStudio/2011/storyboarding/control">
-  <Id Name="System.Storyboarding.Common.SearchBox" Revision="1" Stencil="System.Storyboarding.Common" StencilVersion="0.1"/>
+  <Id Name="System.Storyboarding.Common.Hyperlink" Revision="1" Stencil="System.Storyboarding.Common" StencilVersion="0.1"/>
 </Control>
 </file>
 
 <file path=customXml/item125.xml><?xml version="1.0" encoding="utf-8"?>
 <Control xmlns="http://schemas.microsoft.com/VisualStudio/2011/storyboarding/control">
-  <Id Name="System.Storyboarding.Common.TextInput" Revision="1" Stencil="System.Storyboarding.Common" StencilVersion="0.1"/>
+  <Id Name="System.Storyboarding.Common.Button" Revision="1" Stencil="System.Storyboarding.Common" StencilVersion="0.1"/>
 </Control>
 </file>
 
 <file path=customXml/item126.xml><?xml version="1.0" encoding="utf-8"?>
 <Control xmlns="http://schemas.microsoft.com/VisualStudio/2011/storyboarding/control">
-  <Id Name="System.Storyboarding.Annotation.StickyNote" Revision="1" Stencil="System.Storyboarding.Annotation" StencilVersion="0.1"/>
+  <Id Name="System.Storyboarding.Common.Button" Revision="1" Stencil="System.Storyboarding.Common" StencilVersion="0.1"/>
 </Control>
 </file>
 
@@ -26161,37 +26161,37 @@
 
 <file path=customXml/item128.xml><?xml version="1.0" encoding="utf-8"?>
 <Control xmlns="http://schemas.microsoft.com/VisualStudio/2011/storyboarding/control">
-  <Id Name="System.Storyboarding.WindowsAppIcons.Check" Revision="1" Stencil="System.Storyboarding.WindowsAppIcons" StencilVersion="0.1"/>
+  <Id Name="System.Storyboarding.Common.Button" Revision="1" Stencil="System.Storyboarding.Common" StencilVersion="0.1"/>
 </Control>
 </file>
 
 <file path=customXml/item129.xml><?xml version="1.0" encoding="utf-8"?>
+<Control xmlns="http://schemas.microsoft.com/VisualStudio/2011/storyboarding/control">
+  <Id Name="System.Storyboarding.Backgrounds.WebBrowser" Revision="1" Stencil="System.Storyboarding.Backgrounds" StencilVersion="0.1"/>
+</Control>
+</file>
+
+<file path=customXml/item13.xml><?xml version="1.0" encoding="utf-8"?>
+<Control xmlns="http://schemas.microsoft.com/VisualStudio/2011/storyboarding/control">
+  <Id Name="System.Storyboarding.Common.Button" Revision="1" Stencil="System.Storyboarding.Common" StencilVersion="0.1"/>
+</Control>
+</file>
+
+<file path=customXml/item130.xml><?xml version="1.0" encoding="utf-8"?>
+<Control xmlns="http://schemas.microsoft.com/VisualStudio/2011/storyboarding/control">
+  <Id Name="System.Storyboarding.Common.Text" Revision="1" Stencil="System.Storyboarding.Common" StencilVersion="0.1"/>
+</Control>
+</file>
+
+<file path=customXml/item131.xml><?xml version="1.0" encoding="utf-8"?>
 <Control xmlns="http://schemas.microsoft.com/VisualStudio/2011/storyboarding/control">
   <Id Name="System.Storyboarding.Common.TextInput" Revision="1" Stencil="System.Storyboarding.Common" StencilVersion="0.1"/>
 </Control>
 </file>
 
-<file path=customXml/item13.xml><?xml version="1.0" encoding="utf-8"?>
-<Control xmlns="http://schemas.microsoft.com/VisualStudio/2011/storyboarding/control">
-  <Id Name="System.Storyboarding.Common.TextInput" Revision="1" Stencil="System.Storyboarding.Common" StencilVersion="0.1"/>
-</Control>
-</file>
-
-<file path=customXml/item130.xml><?xml version="1.0" encoding="utf-8"?>
-<Control xmlns="http://schemas.microsoft.com/VisualStudio/2011/storyboarding/control">
-  <Id Name="System.Storyboarding.Common.Button" Revision="1" Stencil="System.Storyboarding.Common" StencilVersion="0.1"/>
-</Control>
-</file>
-
-<file path=customXml/item131.xml><?xml version="1.0" encoding="utf-8"?>
-<Control xmlns="http://schemas.microsoft.com/VisualStudio/2011/storyboarding/control">
-  <Id Name="System.Storyboarding.Annotation.StickyNote" Revision="1" Stencil="System.Storyboarding.Annotation" StencilVersion="0.1"/>
-</Control>
-</file>
-
 <file path=customXml/item132.xml><?xml version="1.0" encoding="utf-8"?>
 <Control xmlns="http://schemas.microsoft.com/VisualStudio/2011/storyboarding/control">
-  <Id Name="System.Storyboarding.Common.Text" Revision="1" Stencil="System.Storyboarding.Common" StencilVersion="0.1"/>
+  <Id Name="System.Storyboarding.Common.SearchBox" Revision="1" Stencil="System.Storyboarding.Common" StencilVersion="0.1"/>
 </Control>
 </file>
 
@@ -26203,7 +26203,7 @@
 
 <file path=customXml/item134.xml><?xml version="1.0" encoding="utf-8"?>
 <Control xmlns="http://schemas.microsoft.com/VisualStudio/2011/storyboarding/control">
-  <Id Name="System.Storyboarding.Common.ScrollbarVertical" Revision="1" Stencil="System.Storyboarding.Common" StencilVersion="0.1"/>
+  <Id Name="System.Storyboarding.Common.Button" Revision="1" Stencil="System.Storyboarding.Common" StencilVersion="0.1"/>
 </Control>
 </file>
 
@@ -26215,7 +26215,7 @@
 
 <file path=customXml/item136.xml><?xml version="1.0" encoding="utf-8"?>
 <Control xmlns="http://schemas.microsoft.com/VisualStudio/2011/storyboarding/control">
-  <Id Name="System.Storyboarding.Common.Text" Revision="1" Stencil="System.Storyboarding.Common" StencilVersion="0.1"/>
+  <Id Name="System.Storyboarding.Common.CheckBoxChecked" Revision="1" Stencil="System.Storyboarding.Common" StencilVersion="0.1"/>
 </Control>
 </file>
 
@@ -26227,55 +26227,55 @@
 
 <file path=customXml/item138.xml><?xml version="1.0" encoding="utf-8"?>
 <Control xmlns="http://schemas.microsoft.com/VisualStudio/2011/storyboarding/control">
-  <Id Name="System.Storyboarding.Common.Button" Revision="1" Stencil="System.Storyboarding.Common" StencilVersion="0.1"/>
-</Control>
-</file>
-
-<file path=customXml/item139.xml><?xml version="1.0" encoding="utf-8"?>
-<Control xmlns="http://schemas.microsoft.com/VisualStudio/2011/storyboarding/control">
   <Id Name="System.Storyboarding.Common.ScrollbarVertical" Revision="1" Stencil="System.Storyboarding.Common" StencilVersion="0.1"/>
 </Control>
 </file>
 
-<file path=customXml/item14.xml><?xml version="1.0" encoding="utf-8"?>
-<Control xmlns="http://schemas.microsoft.com/VisualStudio/2011/storyboarding/control">
-  <Id Name="System.Storyboarding.Common.SearchBox" Revision="1" Stencil="System.Storyboarding.Common" StencilVersion="0.1"/>
-</Control>
-</file>
-
-<file path=customXml/item140.xml><?xml version="1.0" encoding="utf-8"?>
+<file path=customXml/item139.xml><?xml version="1.0" encoding="utf-8"?>
 <Control xmlns="http://schemas.microsoft.com/VisualStudio/2011/storyboarding/control">
   <Id Name="System.Storyboarding.Common.Text" Revision="1" Stencil="System.Storyboarding.Common" StencilVersion="0.1"/>
 </Control>
 </file>
 
+<file path=customXml/item14.xml><?xml version="1.0" encoding="utf-8"?>
+<Control xmlns="http://schemas.microsoft.com/VisualStudio/2011/storyboarding/control">
+  <Id Name="System.Storyboarding.Common.Button" Revision="1" Stencil="System.Storyboarding.Common" StencilVersion="0.1"/>
+</Control>
+</file>
+
+<file path=customXml/item140.xml><?xml version="1.0" encoding="utf-8"?>
+<Control xmlns="http://schemas.microsoft.com/VisualStudio/2011/storyboarding/control">
+  <Id Name="System.Storyboarding.Annotation.StickyNote" Revision="1" Stencil="System.Storyboarding.Annotation" StencilVersion="0.1"/>
+</Control>
+</file>
+
 <file path=customXml/item141.xml><?xml version="1.0" encoding="utf-8"?>
+<Control xmlns="http://schemas.microsoft.com/VisualStudio/2011/storyboarding/control">
+  <Id Name="System.Storyboarding.Common.Button" Revision="1" Stencil="System.Storyboarding.Common" StencilVersion="0.1"/>
+</Control>
+</file>
+
+<file path=customXml/item142.xml><?xml version="1.0" encoding="utf-8"?>
+<Control xmlns="http://schemas.microsoft.com/VisualStudio/2011/storyboarding/control">
+  <Id Name="System.Storyboarding.Common.Button" Revision="1" Stencil="System.Storyboarding.Common" StencilVersion="0.1"/>
+</Control>
+</file>
+
+<file path=customXml/item143.xml><?xml version="1.0" encoding="utf-8"?>
+<Control xmlns="http://schemas.microsoft.com/VisualStudio/2011/storyboarding/control">
+  <Id Name="System.Storyboarding.Annotation.StickyNote" Revision="1" Stencil="System.Storyboarding.Annotation" StencilVersion="0.1"/>
+</Control>
+</file>
+
+<file path=customXml/item144.xml><?xml version="1.0" encoding="utf-8"?>
 <Control xmlns="http://schemas.microsoft.com/VisualStudio/2011/storyboarding/control">
   <Id Name="System.Storyboarding.Common.CheckBoxChecked" Revision="1" Stencil="System.Storyboarding.Common" StencilVersion="0.1"/>
 </Control>
 </file>
 
-<file path=customXml/item142.xml><?xml version="1.0" encoding="utf-8"?>
-<Control xmlns="http://schemas.microsoft.com/VisualStudio/2011/storyboarding/control">
-  <Id Name="System.Storyboarding.Common.CheckBoxUnchecked" Revision="1" Stencil="System.Storyboarding.Common" StencilVersion="0.1"/>
-</Control>
-</file>
-
-<file path=customXml/item143.xml><?xml version="1.0" encoding="utf-8"?>
+<file path=customXml/item145.xml><?xml version="1.0" encoding="utf-8"?>
 <Control xmlns="http://schemas.microsoft.com/VisualStudio/2011/storyboarding/control">
   <Id Name="System.Storyboarding.Common.TextInput" Revision="1" Stencil="System.Storyboarding.Common" StencilVersion="0.1"/>
-</Control>
-</file>
-
-<file path=customXml/item144.xml><?xml version="1.0" encoding="utf-8"?>
-<Control xmlns="http://schemas.microsoft.com/VisualStudio/2011/storyboarding/control">
-  <Id Name="System.Storyboarding.Common.TextInput" Revision="1" Stencil="System.Storyboarding.Common" StencilVersion="0.1"/>
-</Control>
-</file>
-
-<file path=customXml/item145.xml><?xml version="1.0" encoding="utf-8"?>
-<Control xmlns="http://schemas.microsoft.com/VisualStudio/2011/storyboarding/control">
-  <Id Name="System.Storyboarding.Common.CheckBoxUnchecked" Revision="1" Stencil="System.Storyboarding.Common" StencilVersion="0.1"/>
 </Control>
 </file>
 
@@ -26287,25 +26287,25 @@
 
 <file path=customXml/item147.xml><?xml version="1.0" encoding="utf-8"?>
 <Control xmlns="http://schemas.microsoft.com/VisualStudio/2011/storyboarding/control">
-  <Id Name="System.Storyboarding.Common.CheckBoxChecked" Revision="1" Stencil="System.Storyboarding.Common" StencilVersion="0.1"/>
+  <Id Name="System.Storyboarding.Common.TextInput" Revision="1" Stencil="System.Storyboarding.Common" StencilVersion="0.1"/>
 </Control>
 </file>
 
 <file path=customXml/item148.xml><?xml version="1.0" encoding="utf-8"?>
 <Control xmlns="http://schemas.microsoft.com/VisualStudio/2011/storyboarding/control">
-  <Id Name="System.Storyboarding.Common.CheckBoxChecked" Revision="1" Stencil="System.Storyboarding.Common" StencilVersion="0.1"/>
+  <Id Name="System.Storyboarding.Common.TextInput" Revision="1" Stencil="System.Storyboarding.Common" StencilVersion="0.1"/>
 </Control>
 </file>
 
 <file path=customXml/item149.xml><?xml version="1.0" encoding="utf-8"?>
 <Control xmlns="http://schemas.microsoft.com/VisualStudio/2011/storyboarding/control">
-  <Id Name="System.Storyboarding.Backgrounds.WebBrowser" Revision="1" Stencil="System.Storyboarding.Backgrounds" StencilVersion="0.1"/>
+  <Id Name="System.Storyboarding.Common.TextInput" Revision="1" Stencil="System.Storyboarding.Common" StencilVersion="0.1"/>
 </Control>
 </file>
 
 <file path=customXml/item15.xml><?xml version="1.0" encoding="utf-8"?>
 <Control xmlns="http://schemas.microsoft.com/VisualStudio/2011/storyboarding/control">
-  <Id Name="System.Storyboarding.Annotation.StickyNote" Revision="1" Stencil="System.Storyboarding.Annotation" StencilVersion="0.1"/>
+  <Id Name="System.Storyboarding.Common.TextInput" Revision="1" Stencil="System.Storyboarding.Common" StencilVersion="0.1"/>
 </Control>
 </file>
 
@@ -26317,31 +26317,31 @@
 
 <file path=customXml/item151.xml><?xml version="1.0" encoding="utf-8"?>
 <Control xmlns="http://schemas.microsoft.com/VisualStudio/2011/storyboarding/control">
-  <Id Name="System.Storyboarding.Common.TextInput" Revision="1" Stencil="System.Storyboarding.Common" StencilVersion="0.1"/>
+  <Id Name="System.Storyboarding.Common.CheckBoxChecked" Revision="1" Stencil="System.Storyboarding.Common" StencilVersion="0.1"/>
 </Control>
 </file>
 
 <file path=customXml/item152.xml><?xml version="1.0" encoding="utf-8"?>
-<Control xmlns="http://schemas.microsoft.com/VisualStudio/2011/storyboarding/control">
-  <Id Name="System.Storyboarding.Common.TextArea" Revision="1" Stencil="System.Storyboarding.Common" StencilVersion="0.1"/>
-</Control>
-</file>
-
-<file path=customXml/item153.xml><?xml version="1.0" encoding="utf-8"?>
-<Control xmlns="http://schemas.microsoft.com/VisualStudio/2011/storyboarding/control">
-  <Id Name="System.Storyboarding.Annotation.StickyNote" Revision="1" Stencil="System.Storyboarding.Annotation" StencilVersion="0.1"/>
-</Control>
-</file>
-
-<file path=customXml/item154.xml><?xml version="1.0" encoding="utf-8"?>
 <Control xmlns="http://schemas.microsoft.com/VisualStudio/2011/storyboarding/control">
   <Id Name="System.Storyboarding.Common.TextInput" Revision="1" Stencil="System.Storyboarding.Common" StencilVersion="0.1"/>
 </Control>
 </file>
 
+<file path=customXml/item153.xml><?xml version="1.0" encoding="utf-8"?>
+<Control xmlns="http://schemas.microsoft.com/VisualStudio/2011/storyboarding/control">
+  <Id Name="System.Storyboarding.Common.TextInput" Revision="1" Stencil="System.Storyboarding.Common" StencilVersion="0.1"/>
+</Control>
+</file>
+
+<file path=customXml/item154.xml><?xml version="1.0" encoding="utf-8"?>
+<Control xmlns="http://schemas.microsoft.com/VisualStudio/2011/storyboarding/control">
+  <Id Name="System.Storyboarding.Common.CheckBoxUnchecked" Revision="1" Stencil="System.Storyboarding.Common" StencilVersion="0.1"/>
+</Control>
+</file>
+
 <file path=customXml/item155.xml><?xml version="1.0" encoding="utf-8"?>
 <Control xmlns="http://schemas.microsoft.com/VisualStudio/2011/storyboarding/control">
-  <Id Name="System.Storyboarding.Common.TextInput" Revision="1" Stencil="System.Storyboarding.Common" StencilVersion="0.1"/>
+  <Id Name="System.Storyboarding.Common.CheckBoxChecked" Revision="1" Stencil="System.Storyboarding.Common" StencilVersion="0.1"/>
 </Control>
 </file>
 
@@ -26353,37 +26353,37 @@
 
 <file path=customXml/item157.xml><?xml version="1.0" encoding="utf-8"?>
 <Control xmlns="http://schemas.microsoft.com/VisualStudio/2011/storyboarding/control">
-  <Id Name="System.Storyboarding.Common.CheckBoxChecked" Revision="1" Stencil="System.Storyboarding.Common" StencilVersion="0.1"/>
+  <Id Name="System.Storyboarding.Common.TextInput" Revision="1" Stencil="System.Storyboarding.Common" StencilVersion="0.1"/>
 </Control>
 </file>
 
 <file path=customXml/item158.xml><?xml version="1.0" encoding="utf-8"?>
-<Control xmlns="http://schemas.microsoft.com/VisualStudio/2011/storyboarding/control">
-  <Id Name="System.Storyboarding.Common.SearchBox" Revision="1" Stencil="System.Storyboarding.Common" StencilVersion="0.1"/>
-</Control>
-</file>
-
-<file path=customXml/item159.xml><?xml version="1.0" encoding="utf-8"?>
-<Control xmlns="http://schemas.microsoft.com/VisualStudio/2011/storyboarding/control">
-  <Id Name="System.Storyboarding.Common.SearchBox" Revision="1" Stencil="System.Storyboarding.Common" StencilVersion="0.1"/>
-</Control>
-</file>
-
-<file path=customXml/item16.xml><?xml version="1.0" encoding="utf-8"?>
 <Control xmlns="http://schemas.microsoft.com/VisualStudio/2011/storyboarding/control">
   <Id Name="System.Storyboarding.Common.CheckBoxChecked" Revision="1" Stencil="System.Storyboarding.Common" StencilVersion="0.1"/>
 </Control>
 </file>
 
-<file path=customXml/item160.xml><?xml version="1.0" encoding="utf-8"?>
+<file path=customXml/item159.xml><?xml version="1.0" encoding="utf-8"?>
 <Control xmlns="http://schemas.microsoft.com/VisualStudio/2011/storyboarding/control">
   <Id Name="System.Storyboarding.Common.TextInput" Revision="1" Stencil="System.Storyboarding.Common" StencilVersion="0.1"/>
 </Control>
 </file>
 
+<file path=customXml/item16.xml><?xml version="1.0" encoding="utf-8"?>
+<Control xmlns="http://schemas.microsoft.com/VisualStudio/2011/storyboarding/control">
+  <Id Name="System.Storyboarding.Common.CheckBoxUnchecked" Revision="1" Stencil="System.Storyboarding.Common" StencilVersion="0.1"/>
+</Control>
+</file>
+
+<file path=customXml/item160.xml><?xml version="1.0" encoding="utf-8"?>
+<Control xmlns="http://schemas.microsoft.com/VisualStudio/2011/storyboarding/control">
+  <Id Name="System.Storyboarding.Common.Button" Revision="1" Stencil="System.Storyboarding.Common" StencilVersion="0.1"/>
+</Control>
+</file>
+
 <file path=customXml/item161.xml><?xml version="1.0" encoding="utf-8"?>
 <Control xmlns="http://schemas.microsoft.com/VisualStudio/2011/storyboarding/control">
-  <Id Name="System.Storyboarding.Common.TextInput" Revision="1" Stencil="System.Storyboarding.Common" StencilVersion="0.1"/>
+  <Id Name="System.Storyboarding.Common.Text" Revision="1" Stencil="System.Storyboarding.Common" StencilVersion="0.1"/>
 </Control>
 </file>
 
@@ -26395,19 +26395,19 @@
 
 <file path=customXml/item163.xml><?xml version="1.0" encoding="utf-8"?>
 <Control xmlns="http://schemas.microsoft.com/VisualStudio/2011/storyboarding/control">
-  <Id Name="System.Storyboarding.Common.Hyperlink" Revision="1" Stencil="System.Storyboarding.Common" StencilVersion="0.1"/>
+  <Id Name="System.Storyboarding.Common.TextInput" Revision="1" Stencil="System.Storyboarding.Common" StencilVersion="0.1"/>
 </Control>
 </file>
 
 <file path=customXml/item164.xml><?xml version="1.0" encoding="utf-8"?>
 <Control xmlns="http://schemas.microsoft.com/VisualStudio/2011/storyboarding/control">
-  <Id Name="System.Storyboarding.Common.TextInput" Revision="1" Stencil="System.Storyboarding.Common" StencilVersion="0.1"/>
+  <Id Name="System.Storyboarding.Common.Text" Revision="1" Stencil="System.Storyboarding.Common" StencilVersion="0.1"/>
 </Control>
 </file>
 
 <file path=customXml/item165.xml><?xml version="1.0" encoding="utf-8"?>
 <Control xmlns="http://schemas.microsoft.com/VisualStudio/2011/storyboarding/control">
-  <Id Name="System.Storyboarding.Annotation.StickyNote" Revision="1" Stencil="System.Storyboarding.Annotation" StencilVersion="0.1"/>
+  <Id Name="System.Storyboarding.Common.Text" Revision="1" Stencil="System.Storyboarding.Common" StencilVersion="0.1"/>
 </Control>
 </file>
 
@@ -26431,7 +26431,7 @@
 
 <file path=customXml/item169.xml><?xml version="1.0" encoding="utf-8"?>
 <Control xmlns="http://schemas.microsoft.com/VisualStudio/2011/storyboarding/control">
-  <Id Name="System.Storyboarding.Common.Button" Revision="1" Stencil="System.Storyboarding.Common" StencilVersion="0.1"/>
+  <Id Name="System.Storyboarding.Common.TextInput" Revision="1" Stencil="System.Storyboarding.Common" StencilVersion="0.1"/>
 </Control>
 </file>
 
@@ -26443,13 +26443,13 @@
 
 <file path=customXml/item170.xml><?xml version="1.0" encoding="utf-8"?>
 <Control xmlns="http://schemas.microsoft.com/VisualStudio/2011/storyboarding/control">
-  <Id Name="System.Storyboarding.Common.Button" Revision="1" Stencil="System.Storyboarding.Common" StencilVersion="0.1"/>
+  <Id Name="System.Storyboarding.Common.TextInput" Revision="1" Stencil="System.Storyboarding.Common" StencilVersion="0.1"/>
 </Control>
 </file>
 
 <file path=customXml/item171.xml><?xml version="1.0" encoding="utf-8"?>
 <Control xmlns="http://schemas.microsoft.com/VisualStudio/2011/storyboarding/control">
-  <Id Name="System.Storyboarding.Common.Button" Revision="1" Stencil="System.Storyboarding.Common" StencilVersion="0.1"/>
+  <Id Name="System.Storyboarding.Common.TextInput" Revision="1" Stencil="System.Storyboarding.Common" StencilVersion="0.1"/>
 </Control>
 </file>
 
@@ -26461,43 +26461,43 @@
 
 <file path=customXml/item173.xml><?xml version="1.0" encoding="utf-8"?>
 <Control xmlns="http://schemas.microsoft.com/VisualStudio/2011/storyboarding/control">
-  <Id Name="System.Storyboarding.Common.Button" Revision="1" Stencil="System.Storyboarding.Common" StencilVersion="0.1"/>
+  <Id Name="System.Storyboarding.Common.CheckBoxChecked" Revision="1" Stencil="System.Storyboarding.Common" StencilVersion="0.1"/>
 </Control>
 </file>
 
 <file path=customXml/item174.xml><?xml version="1.0" encoding="utf-8"?>
 <Control xmlns="http://schemas.microsoft.com/VisualStudio/2011/storyboarding/control">
-  <Id Name="System.Storyboarding.Common.Button" Revision="1" Stencil="System.Storyboarding.Common" StencilVersion="0.1"/>
+  <Id Name="System.Storyboarding.Common.CheckBoxChecked" Revision="1" Stencil="System.Storyboarding.Common" StencilVersion="0.1"/>
 </Control>
 </file>
 
 <file path=customXml/item175.xml><?xml version="1.0" encoding="utf-8"?>
 <Control xmlns="http://schemas.microsoft.com/VisualStudio/2011/storyboarding/control">
-  <Id Name="System.Storyboarding.Common.Button" Revision="1" Stencil="System.Storyboarding.Common" StencilVersion="0.1"/>
+  <Id Name="System.Storyboarding.Common.TextInput" Revision="1" Stencil="System.Storyboarding.Common" StencilVersion="0.1"/>
 </Control>
 </file>
 
 <file path=customXml/item176.xml><?xml version="1.0" encoding="utf-8"?>
 <Control xmlns="http://schemas.microsoft.com/VisualStudio/2011/storyboarding/control">
-  <Id Name="System.Storyboarding.Common.Button" Revision="1" Stencil="System.Storyboarding.Common" StencilVersion="0.1"/>
+  <Id Name="System.Storyboarding.Common.CheckBoxChecked" Revision="1" Stencil="System.Storyboarding.Common" StencilVersion="0.1"/>
 </Control>
 </file>
 
 <file path=customXml/item177.xml><?xml version="1.0" encoding="utf-8"?>
 <Control xmlns="http://schemas.microsoft.com/VisualStudio/2011/storyboarding/control">
-  <Id Name="System.Storyboarding.Common.Button" Revision="1" Stencil="System.Storyboarding.Common" StencilVersion="0.1"/>
+  <Id Name="System.Storyboarding.Common.TextInput" Revision="1" Stencil="System.Storyboarding.Common" StencilVersion="0.1"/>
 </Control>
 </file>
 
 <file path=customXml/item178.xml><?xml version="1.0" encoding="utf-8"?>
 <Control xmlns="http://schemas.microsoft.com/VisualStudio/2011/storyboarding/control">
-  <Id Name="System.Storyboarding.Common.Button" Revision="1" Stencil="System.Storyboarding.Common" StencilVersion="0.1"/>
+  <Id Name="System.Storyboarding.Common.TextInput" Revision="1" Stencil="System.Storyboarding.Common" StencilVersion="0.1"/>
 </Control>
 </file>
 
 <file path=customXml/item179.xml><?xml version="1.0" encoding="utf-8"?>
 <Control xmlns="http://schemas.microsoft.com/VisualStudio/2011/storyboarding/control">
-  <Id Name="System.Storyboarding.Common.Button" Revision="1" Stencil="System.Storyboarding.Common" StencilVersion="0.1"/>
+  <Id Name="System.Storyboarding.Common.TextInput" Revision="1" Stencil="System.Storyboarding.Common" StencilVersion="0.1"/>
 </Control>
 </file>
 
@@ -26509,43 +26509,43 @@
 
 <file path=customXml/item180.xml><?xml version="1.0" encoding="utf-8"?>
 <Control xmlns="http://schemas.microsoft.com/VisualStudio/2011/storyboarding/control">
-  <Id Name="System.Storyboarding.Common.Text" Revision="1" Stencil="System.Storyboarding.Common" StencilVersion="0.1"/>
+  <Id Name="System.Storyboarding.Common.TextInput" Revision="1" Stencil="System.Storyboarding.Common" StencilVersion="0.1"/>
 </Control>
 </file>
 
 <file path=customXml/item181.xml><?xml version="1.0" encoding="utf-8"?>
+<Control xmlns="http://schemas.microsoft.com/VisualStudio/2011/storyboarding/control">
+  <Id Name="System.Storyboarding.Common.TextInput" Revision="1" Stencil="System.Storyboarding.Common" StencilVersion="0.1"/>
+</Control>
+</file>
+
+<file path=customXml/item182.xml><?xml version="1.0" encoding="utf-8"?>
+<Control xmlns="http://schemas.microsoft.com/VisualStudio/2011/storyboarding/control">
+  <Id Name="System.Storyboarding.Common.TextInput" Revision="1" Stencil="System.Storyboarding.Common" StencilVersion="0.1"/>
+</Control>
+</file>
+
+<file path=customXml/item183.xml><?xml version="1.0" encoding="utf-8"?>
+<Control xmlns="http://schemas.microsoft.com/VisualStudio/2011/storyboarding/control">
+  <Id Name="System.Storyboarding.Common.SearchBox" Revision="1" Stencil="System.Storyboarding.Common" StencilVersion="0.1"/>
+</Control>
+</file>
+
+<file path=customXml/item184.xml><?xml version="1.0" encoding="utf-8"?>
+<Control xmlns="http://schemas.microsoft.com/VisualStudio/2011/storyboarding/control">
+  <Id Name="System.Storyboarding.Common.TextInput" Revision="1" Stencil="System.Storyboarding.Common" StencilVersion="0.1"/>
+</Control>
+</file>
+
+<file path=customXml/item185.xml><?xml version="1.0" encoding="utf-8"?>
 <Control xmlns="http://schemas.microsoft.com/VisualStudio/2011/storyboarding/control">
   <Id Name="System.Storyboarding.Common.Button" Revision="1" Stencil="System.Storyboarding.Common" StencilVersion="0.1"/>
 </Control>
 </file>
 
-<file path=customXml/item182.xml><?xml version="1.0" encoding="utf-8"?>
-<Control xmlns="http://schemas.microsoft.com/VisualStudio/2011/storyboarding/control">
-  <Id Name="System.Storyboarding.Common.Button" Revision="1" Stencil="System.Storyboarding.Common" StencilVersion="0.1"/>
-</Control>
-</file>
-
-<file path=customXml/item183.xml><?xml version="1.0" encoding="utf-8"?>
-<Control xmlns="http://schemas.microsoft.com/VisualStudio/2011/storyboarding/control">
-  <Id Name="System.Storyboarding.Common.Text" Revision="1" Stencil="System.Storyboarding.Common" StencilVersion="0.1"/>
-</Control>
-</file>
-
-<file path=customXml/item184.xml><?xml version="1.0" encoding="utf-8"?>
-<Control xmlns="http://schemas.microsoft.com/VisualStudio/2011/storyboarding/control">
-  <Id Name="System.Storyboarding.Common.Button" Revision="1" Stencil="System.Storyboarding.Common" StencilVersion="0.1"/>
-</Control>
-</file>
-
-<file path=customXml/item185.xml><?xml version="1.0" encoding="utf-8"?>
-<Control xmlns="http://schemas.microsoft.com/VisualStudio/2011/storyboarding/control">
-  <Id Name="System.Storyboarding.Common.Text" Revision="1" Stencil="System.Storyboarding.Common" StencilVersion="0.1"/>
-</Control>
-</file>
-
 <file path=customXml/item186.xml><?xml version="1.0" encoding="utf-8"?>
 <Control xmlns="http://schemas.microsoft.com/VisualStudio/2011/storyboarding/control">
-  <Id Name="System.Storyboarding.Common.Button" Revision="1" Stencil="System.Storyboarding.Common" StencilVersion="0.1"/>
+  <Id Name="System.Storyboarding.Common.SearchBox" Revision="1" Stencil="System.Storyboarding.Common" StencilVersion="0.1"/>
 </Control>
 </file>
 
@@ -26557,13 +26557,13 @@
 
 <file path=customXml/item19.xml><?xml version="1.0" encoding="utf-8"?>
 <Control xmlns="http://schemas.microsoft.com/VisualStudio/2011/storyboarding/control">
-  <Id Name="System.Storyboarding.Common.TextInput" Revision="1" Stencil="System.Storyboarding.Common" StencilVersion="0.1"/>
+  <Id Name="System.Storyboarding.Common.CheckBoxChecked" Revision="1" Stencil="System.Storyboarding.Common" StencilVersion="0.1"/>
 </Control>
 </file>
 
 <file path=customXml/item2.xml><?xml version="1.0" encoding="utf-8"?>
 <Control xmlns="http://schemas.microsoft.com/VisualStudio/2011/storyboarding/control">
-  <Id Name="System.Storyboarding.Common.ScrollbarVertical" Revision="1" Stencil="System.Storyboarding.Common" StencilVersion="0.1"/>
+  <Id Name="System.Storyboarding.Common.TextInput" Revision="1" Stencil="System.Storyboarding.Common" StencilVersion="0.1"/>
 </Control>
 </file>
 
@@ -26581,37 +26581,37 @@
 
 <file path=customXml/item22.xml><?xml version="1.0" encoding="utf-8"?>
 <Control xmlns="http://schemas.microsoft.com/VisualStudio/2011/storyboarding/control">
-  <Id Name="System.Storyboarding.Common.TextInput" Revision="1" Stencil="System.Storyboarding.Common" StencilVersion="0.1"/>
+  <Id Name="System.Storyboarding.Common.Text" Revision="1" Stencil="System.Storyboarding.Common" StencilVersion="0.1"/>
 </Control>
 </file>
 
 <file path=customXml/item23.xml><?xml version="1.0" encoding="utf-8"?>
 <Control xmlns="http://schemas.microsoft.com/VisualStudio/2011/storyboarding/control">
-  <Id Name="System.Storyboarding.Common.Text" Revision="1" Stencil="System.Storyboarding.Common" StencilVersion="0.1"/>
+  <Id Name="System.Storyboarding.Common.ScrollbarVertical" Revision="1" Stencil="System.Storyboarding.Common" StencilVersion="0.1"/>
 </Control>
 </file>
 
 <file path=customXml/item24.xml><?xml version="1.0" encoding="utf-8"?>
 <Control xmlns="http://schemas.microsoft.com/VisualStudio/2011/storyboarding/control">
-  <Id Name="System.Storyboarding.Common.Text" Revision="1" Stencil="System.Storyboarding.Common" StencilVersion="0.1"/>
+  <Id Name="System.Storyboarding.Common.ScrollbarVertical" Revision="1" Stencil="System.Storyboarding.Common" StencilVersion="0.1"/>
 </Control>
 </file>
 
 <file path=customXml/item25.xml><?xml version="1.0" encoding="utf-8"?>
+<Control xmlns="http://schemas.microsoft.com/VisualStudio/2011/storyboarding/control">
+  <Id Name="System.Storyboarding.Common.CheckBoxChecked" Revision="1" Stencil="System.Storyboarding.Common" StencilVersion="0.1"/>
+</Control>
+</file>
+
+<file path=customXml/item26.xml><?xml version="1.0" encoding="utf-8"?>
 <Control xmlns="http://schemas.microsoft.com/VisualStudio/2011/storyboarding/control">
   <Id Name="System.Storyboarding.Common.TextInput" Revision="1" Stencil="System.Storyboarding.Common" StencilVersion="0.1"/>
 </Control>
 </file>
 
-<file path=customXml/item26.xml><?xml version="1.0" encoding="utf-8"?>
-<Control xmlns="http://schemas.microsoft.com/VisualStudio/2011/storyboarding/control">
-  <Id Name="System.Storyboarding.Common.Text" Revision="1" Stencil="System.Storyboarding.Common" StencilVersion="0.1"/>
-</Control>
-</file>
-
 <file path=customXml/item27.xml><?xml version="1.0" encoding="utf-8"?>
 <Control xmlns="http://schemas.microsoft.com/VisualStudio/2011/storyboarding/control">
-  <Id Name="System.Storyboarding.Common.CheckBoxUnchecked" Revision="1" Stencil="System.Storyboarding.Common" StencilVersion="0.1"/>
+  <Id Name="System.Storyboarding.Common.TextInput" Revision="1" Stencil="System.Storyboarding.Common" StencilVersion="0.1"/>
 </Control>
 </file>
 
@@ -26623,25 +26623,25 @@
 
 <file path=customXml/item29.xml><?xml version="1.0" encoding="utf-8"?>
 <Control xmlns="http://schemas.microsoft.com/VisualStudio/2011/storyboarding/control">
+  <Id Name="System.Storyboarding.Common.Button" Revision="1" Stencil="System.Storyboarding.Common" StencilVersion="0.1"/>
+</Control>
+</file>
+
+<file path=customXml/item3.xml><?xml version="1.0" encoding="utf-8"?>
+<Control xmlns="http://schemas.microsoft.com/VisualStudio/2011/storyboarding/control">
   <Id Name="System.Storyboarding.Common.TextInput" Revision="1" Stencil="System.Storyboarding.Common" StencilVersion="0.1"/>
 </Control>
 </file>
 
-<file path=customXml/item3.xml><?xml version="1.0" encoding="utf-8"?>
+<file path=customXml/item30.xml><?xml version="1.0" encoding="utf-8"?>
 <Control xmlns="http://schemas.microsoft.com/VisualStudio/2011/storyboarding/control">
   <Id Name="System.Storyboarding.Common.Button" Revision="1" Stencil="System.Storyboarding.Common" StencilVersion="0.1"/>
 </Control>
 </file>
 
-<file path=customXml/item30.xml><?xml version="1.0" encoding="utf-8"?>
-<Control xmlns="http://schemas.microsoft.com/VisualStudio/2011/storyboarding/control">
-  <Id Name="System.Storyboarding.Common.TextInput" Revision="1" Stencil="System.Storyboarding.Common" StencilVersion="0.1"/>
-</Control>
-</file>
-
 <file path=customXml/item31.xml><?xml version="1.0" encoding="utf-8"?>
 <Control xmlns="http://schemas.microsoft.com/VisualStudio/2011/storyboarding/control">
-  <Id Name="System.Storyboarding.Common.TextInput" Revision="1" Stencil="System.Storyboarding.Common" StencilVersion="0.1"/>
+  <Id Name="System.Storyboarding.Common.CheckBoxChecked" Revision="1" Stencil="System.Storyboarding.Common" StencilVersion="0.1"/>
 </Control>
 </file>
 
@@ -26665,25 +26665,25 @@
 
 <file path=customXml/item35.xml><?xml version="1.0" encoding="utf-8"?>
 <Control xmlns="http://schemas.microsoft.com/VisualStudio/2011/storyboarding/control">
-  <Id Name="System.Storyboarding.Common.CheckBoxUnchecked" Revision="1" Stencil="System.Storyboarding.Common" StencilVersion="0.1"/>
+  <Id Name="System.Storyboarding.Common.CheckBoxChecked" Revision="1" Stencil="System.Storyboarding.Common" StencilVersion="0.1"/>
 </Control>
 </file>
 
 <file path=customXml/item36.xml><?xml version="1.0" encoding="utf-8"?>
 <Control xmlns="http://schemas.microsoft.com/VisualStudio/2011/storyboarding/control">
-  <Id Name="System.Storyboarding.Common.CheckBoxChecked" Revision="1" Stencil="System.Storyboarding.Common" StencilVersion="0.1"/>
+  <Id Name="System.Storyboarding.Common.TextInput" Revision="1" Stencil="System.Storyboarding.Common" StencilVersion="0.1"/>
 </Control>
 </file>
 
 <file path=customXml/item37.xml><?xml version="1.0" encoding="utf-8"?>
 <Control xmlns="http://schemas.microsoft.com/VisualStudio/2011/storyboarding/control">
-  <Id Name="System.Storyboarding.Common.CheckBoxChecked" Revision="1" Stencil="System.Storyboarding.Common" StencilVersion="0.1"/>
+  <Id Name="System.Storyboarding.Common.ScrollbarVertical" Revision="1" Stencil="System.Storyboarding.Common" StencilVersion="0.1"/>
 </Control>
 </file>
 
 <file path=customXml/item38.xml><?xml version="1.0" encoding="utf-8"?>
 <Control xmlns="http://schemas.microsoft.com/VisualStudio/2011/storyboarding/control">
-  <Id Name="System.Storyboarding.Common.CheckBoxChecked" Revision="1" Stencil="System.Storyboarding.Common" StencilVersion="0.1"/>
+  <Id Name="System.Storyboarding.Common.SearchBox" Revision="1" Stencil="System.Storyboarding.Common" StencilVersion="0.1"/>
 </Control>
 </file>
 
@@ -26695,19 +26695,19 @@
 
 <file path=customXml/item4.xml><?xml version="1.0" encoding="utf-8"?>
 <Control xmlns="http://schemas.microsoft.com/VisualStudio/2011/storyboarding/control">
-  <Id Name="System.Storyboarding.Common.SearchBox" Revision="1" Stencil="System.Storyboarding.Common" StencilVersion="0.1"/>
+  <Id Name="System.Storyboarding.Common.CheckBoxUnchecked" Revision="1" Stencil="System.Storyboarding.Common" StencilVersion="0.1"/>
 </Control>
 </file>
 
 <file path=customXml/item40.xml><?xml version="1.0" encoding="utf-8"?>
 <Control xmlns="http://schemas.microsoft.com/VisualStudio/2011/storyboarding/control">
-  <Id Name="System.Storyboarding.Common.TextInput" Revision="1" Stencil="System.Storyboarding.Common" StencilVersion="0.1"/>
+  <Id Name="System.Storyboarding.Common.CheckBoxChecked" Revision="1" Stencil="System.Storyboarding.Common" StencilVersion="0.1"/>
 </Control>
 </file>
 
 <file path=customXml/item41.xml><?xml version="1.0" encoding="utf-8"?>
 <Control xmlns="http://schemas.microsoft.com/VisualStudio/2011/storyboarding/control">
-  <Id Name="System.Storyboarding.Common.Button" Revision="1" Stencil="System.Storyboarding.Common" StencilVersion="0.1"/>
+  <Id Name="System.Storyboarding.Common.TextInput" Revision="1" Stencil="System.Storyboarding.Common" StencilVersion="0.1"/>
 </Control>
 </file>
 
@@ -26725,19 +26725,19 @@
 
 <file path=customXml/item44.xml><?xml version="1.0" encoding="utf-8"?>
 <Control xmlns="http://schemas.microsoft.com/VisualStudio/2011/storyboarding/control">
-  <Id Name="System.Storyboarding.Common.CheckBoxChecked" Revision="1" Stencil="System.Storyboarding.Common" StencilVersion="0.1"/>
+  <Id Name="System.Storyboarding.Common.TextInput" Revision="1" Stencil="System.Storyboarding.Common" StencilVersion="0.1"/>
 </Control>
 </file>
 
 <file path=customXml/item45.xml><?xml version="1.0" encoding="utf-8"?>
 <Control xmlns="http://schemas.microsoft.com/VisualStudio/2011/storyboarding/control">
-  <Id Name="System.Storyboarding.Common.TextInput" Revision="1" Stencil="System.Storyboarding.Common" StencilVersion="0.1"/>
+  <Id Name="System.Storyboarding.Common.Text" Revision="1" Stencil="System.Storyboarding.Common" StencilVersion="0.1"/>
 </Control>
 </file>
 
 <file path=customXml/item46.xml><?xml version="1.0" encoding="utf-8"?>
 <Control xmlns="http://schemas.microsoft.com/VisualStudio/2011/storyboarding/control">
-  <Id Name="System.Storyboarding.Common.Button" Revision="1" Stencil="System.Storyboarding.Common" StencilVersion="0.1"/>
+  <Id Name="System.Storyboarding.Common.CheckBoxUnchecked" Revision="1" Stencil="System.Storyboarding.Common" StencilVersion="0.1"/>
 </Control>
 </file>
 
@@ -26755,7 +26755,7 @@
 
 <file path=customXml/item49.xml><?xml version="1.0" encoding="utf-8"?>
 <Control xmlns="http://schemas.microsoft.com/VisualStudio/2011/storyboarding/control">
-  <Id Name="System.Storyboarding.Common.ScrollbarVertical" Revision="1" Stencil="System.Storyboarding.Common" StencilVersion="0.1"/>
+  <Id Name="System.Storyboarding.Common.Button" Revision="1" Stencil="System.Storyboarding.Common" StencilVersion="0.1"/>
 </Control>
 </file>
 
@@ -26767,13 +26767,13 @@
 
 <file path=customXml/item50.xml><?xml version="1.0" encoding="utf-8"?>
 <Control xmlns="http://schemas.microsoft.com/VisualStudio/2011/storyboarding/control">
-  <Id Name="System.Storyboarding.Icons.Warning" Revision="1" Stencil="System.Storyboarding.Icons" StencilVersion="0.1"/>
+  <Id Name="System.Storyboarding.Common.Button" Revision="1" Stencil="System.Storyboarding.Common" StencilVersion="0.1"/>
 </Control>
 </file>
 
 <file path=customXml/item51.xml><?xml version="1.0" encoding="utf-8"?>
 <Control xmlns="http://schemas.microsoft.com/VisualStudio/2011/storyboarding/control">
-  <Id Name="System.Storyboarding.Common.CheckBoxChecked" Revision="1" Stencil="System.Storyboarding.Common" StencilVersion="0.1"/>
+  <Id Name="System.Storyboarding.Common.TextInput" Revision="1" Stencil="System.Storyboarding.Common" StencilVersion="0.1"/>
 </Control>
 </file>
 
@@ -26785,49 +26785,49 @@
 
 <file path=customXml/item53.xml><?xml version="1.0" encoding="utf-8"?>
 <Control xmlns="http://schemas.microsoft.com/VisualStudio/2011/storyboarding/control">
-  <Id Name="System.Storyboarding.Common.CheckBoxUnchecked" Revision="1" Stencil="System.Storyboarding.Common" StencilVersion="0.1"/>
+  <Id Name="System.Storyboarding.Common.Text" Revision="1" Stencil="System.Storyboarding.Common" StencilVersion="0.1"/>
 </Control>
 </file>
 
 <file path=customXml/item54.xml><?xml version="1.0" encoding="utf-8"?>
+<Control xmlns="http://schemas.microsoft.com/VisualStudio/2011/storyboarding/control">
+  <Id Name="System.Storyboarding.Common.TextInput" Revision="1" Stencil="System.Storyboarding.Common" StencilVersion="0.1"/>
+</Control>
+</file>
+
+<file path=customXml/item55.xml><?xml version="1.0" encoding="utf-8"?>
+<Control xmlns="http://schemas.microsoft.com/VisualStudio/2011/storyboarding/control">
+  <Id Name="System.Storyboarding.Common.ScrollbarVertical" Revision="1" Stencil="System.Storyboarding.Common" StencilVersion="0.1"/>
+</Control>
+</file>
+
+<file path=customXml/item56.xml><?xml version="1.0" encoding="utf-8"?>
 <Control xmlns="http://schemas.microsoft.com/VisualStudio/2011/storyboarding/control">
   <Id Name="System.Storyboarding.Common.CheckBoxChecked" Revision="1" Stencil="System.Storyboarding.Common" StencilVersion="0.1"/>
 </Control>
 </file>
 
-<file path=customXml/item55.xml><?xml version="1.0" encoding="utf-8"?>
-<Control xmlns="http://schemas.microsoft.com/VisualStudio/2011/storyboarding/control">
-  <Id Name="System.Storyboarding.Media.PieChart" Revision="1" Stencil="System.Storyboarding.Media" StencilVersion="0.1"/>
-</Control>
-</file>
-
-<file path=customXml/item56.xml><?xml version="1.0" encoding="utf-8"?>
+<file path=customXml/item57.xml><?xml version="1.0" encoding="utf-8"?>
 <Control xmlns="http://schemas.microsoft.com/VisualStudio/2011/storyboarding/control">
   <Id Name="System.Storyboarding.Common.ScrollbarVertical" Revision="1" Stencil="System.Storyboarding.Common" StencilVersion="0.1"/>
 </Control>
 </file>
 
-<file path=customXml/item57.xml><?xml version="1.0" encoding="utf-8"?>
+<file path=customXml/item58.xml><?xml version="1.0" encoding="utf-8"?>
+<Control xmlns="http://schemas.microsoft.com/VisualStudio/2011/storyboarding/control">
+  <Id Name="System.Storyboarding.Common.CheckBoxChecked" Revision="1" Stencil="System.Storyboarding.Common" StencilVersion="0.1"/>
+</Control>
+</file>
+
+<file path=customXml/item59.xml><?xml version="1.0" encoding="utf-8"?>
 <Control xmlns="http://schemas.microsoft.com/VisualStudio/2011/storyboarding/control">
   <Id Name="System.Storyboarding.Common.TextInput" Revision="1" Stencil="System.Storyboarding.Common" StencilVersion="0.1"/>
 </Control>
 </file>
 
-<file path=customXml/item58.xml><?xml version="1.0" encoding="utf-8"?>
-<Control xmlns="http://schemas.microsoft.com/VisualStudio/2011/storyboarding/control">
-  <Id Name="System.Storyboarding.Common.TextInput" Revision="1" Stencil="System.Storyboarding.Common" StencilVersion="0.1"/>
-</Control>
-</file>
-
-<file path=customXml/item59.xml><?xml version="1.0" encoding="utf-8"?>
-<Control xmlns="http://schemas.microsoft.com/VisualStudio/2011/storyboarding/control">
-  <Id Name="System.Storyboarding.Common.CheckBoxChecked" Revision="1" Stencil="System.Storyboarding.Common" StencilVersion="0.1"/>
-</Control>
-</file>
-
 <file path=customXml/item6.xml><?xml version="1.0" encoding="utf-8"?>
 <Control xmlns="http://schemas.microsoft.com/VisualStudio/2011/storyboarding/control">
-  <Id Name="System.Storyboarding.Common.TextInput" Revision="1" Stencil="System.Storyboarding.Common" StencilVersion="0.1"/>
+  <Id Name="System.Storyboarding.WindowsAppIcons.Check" Revision="1" Stencil="System.Storyboarding.WindowsAppIcons" StencilVersion="0.1"/>
 </Control>
 </file>
 
@@ -26839,25 +26839,25 @@
 
 <file path=customXml/item61.xml><?xml version="1.0" encoding="utf-8"?>
 <Control xmlns="http://schemas.microsoft.com/VisualStudio/2011/storyboarding/control">
-  <Id Name="System.Storyboarding.Common.TextInput" Revision="1" Stencil="System.Storyboarding.Common" StencilVersion="0.1"/>
+  <Id Name="System.Storyboarding.Common.Text" Revision="1" Stencil="System.Storyboarding.Common" StencilVersion="0.1"/>
 </Control>
 </file>
 
 <file path=customXml/item62.xml><?xml version="1.0" encoding="utf-8"?>
 <Control xmlns="http://schemas.microsoft.com/VisualStudio/2011/storyboarding/control">
-  <Id Name="System.Storyboarding.Common.TextInput" Revision="1" Stencil="System.Storyboarding.Common" StencilVersion="0.1"/>
+  <Id Name="System.Storyboarding.Media.VerticalBarChart" Revision="1" Stencil="System.Storyboarding.Media" StencilVersion="0.1"/>
 </Control>
 </file>
 
 <file path=customXml/item63.xml><?xml version="1.0" encoding="utf-8"?>
 <Control xmlns="http://schemas.microsoft.com/VisualStudio/2011/storyboarding/control">
-  <Id Name="System.Storyboarding.Common.SearchBox" Revision="1" Stencil="System.Storyboarding.Common" StencilVersion="0.1"/>
+  <Id Name="System.Storyboarding.Common.Button" Revision="1" Stencil="System.Storyboarding.Common" StencilVersion="0.1"/>
 </Control>
 </file>
 
 <file path=customXml/item64.xml><?xml version="1.0" encoding="utf-8"?>
 <Control xmlns="http://schemas.microsoft.com/VisualStudio/2011/storyboarding/control">
-  <Id Name="System.Storyboarding.Common.CheckBoxChecked" Revision="1" Stencil="System.Storyboarding.Common" StencilVersion="0.1"/>
+  <Id Name="System.Storyboarding.Common.TextInput" Revision="1" Stencil="System.Storyboarding.Common" StencilVersion="0.1"/>
 </Control>
 </file>
 
@@ -26869,19 +26869,19 @@
 
 <file path=customXml/item66.xml><?xml version="1.0" encoding="utf-8"?>
 <Control xmlns="http://schemas.microsoft.com/VisualStudio/2011/storyboarding/control">
-  <Id Name="System.Storyboarding.Common.TextInput" Revision="1" Stencil="System.Storyboarding.Common" StencilVersion="0.1"/>
+  <Id Name="System.Storyboarding.Common.Text" Revision="1" Stencil="System.Storyboarding.Common" StencilVersion="0.1"/>
 </Control>
 </file>
 
 <file path=customXml/item67.xml><?xml version="1.0" encoding="utf-8"?>
 <Control xmlns="http://schemas.microsoft.com/VisualStudio/2011/storyboarding/control">
-  <Id Name="System.Storyboarding.Backgrounds.WebBrowser" Revision="1" Stencil="System.Storyboarding.Backgrounds" StencilVersion="0.1"/>
+  <Id Name="System.Storyboarding.Common.Button" Revision="1" Stencil="System.Storyboarding.Common" StencilVersion="0.1"/>
 </Control>
 </file>
 
 <file path=customXml/item68.xml><?xml version="1.0" encoding="utf-8"?>
 <Control xmlns="http://schemas.microsoft.com/VisualStudio/2011/storyboarding/control">
-  <Id Name="System.Storyboarding.Common.TextInput" Revision="1" Stencil="System.Storyboarding.Common" StencilVersion="0.1"/>
+  <Id Name="System.Storyboarding.Common.Button" Revision="1" Stencil="System.Storyboarding.Common" StencilVersion="0.1"/>
 </Control>
 </file>
 
@@ -26893,7 +26893,7 @@
 
 <file path=customXml/item7.xml><?xml version="1.0" encoding="utf-8"?>
 <Control xmlns="http://schemas.microsoft.com/VisualStudio/2011/storyboarding/control">
-  <Id Name="System.Storyboarding.Common.Button" Revision="1" Stencil="System.Storyboarding.Common" StencilVersion="0.1"/>
+  <Id Name="System.Storyboarding.Backgrounds.WebBrowser" Revision="1" Stencil="System.Storyboarding.Backgrounds" StencilVersion="0.1"/>
 </Control>
 </file>
 
@@ -26905,7 +26905,7 @@
 
 <file path=customXml/item71.xml><?xml version="1.0" encoding="utf-8"?>
 <Control xmlns="http://schemas.microsoft.com/VisualStudio/2011/storyboarding/control">
-  <Id Name="System.Storyboarding.Annotation.StickyNote" Revision="1" Stencil="System.Storyboarding.Annotation" StencilVersion="0.1"/>
+  <Id Name="System.Storyboarding.Common.TextInput" Revision="1" Stencil="System.Storyboarding.Common" StencilVersion="0.1"/>
 </Control>
 </file>
 
@@ -26923,13 +26923,13 @@
 
 <file path=customXml/item74.xml><?xml version="1.0" encoding="utf-8"?>
 <Control xmlns="http://schemas.microsoft.com/VisualStudio/2011/storyboarding/control">
-  <Id Name="System.Storyboarding.Common.TextInput" Revision="1" Stencil="System.Storyboarding.Common" StencilVersion="0.1"/>
+  <Id Name="System.Storyboarding.Icons.Warning" Revision="1" Stencil="System.Storyboarding.Icons" StencilVersion="0.1"/>
 </Control>
 </file>
 
 <file path=customXml/item75.xml><?xml version="1.0" encoding="utf-8"?>
 <Control xmlns="http://schemas.microsoft.com/VisualStudio/2011/storyboarding/control">
-  <Id Name="System.Storyboarding.Common.TextInput" Revision="1" Stencil="System.Storyboarding.Common" StencilVersion="0.1"/>
+  <Id Name="System.Storyboarding.Media.PieChart" Revision="1" Stencil="System.Storyboarding.Media" StencilVersion="0.1"/>
 </Control>
 </file>
 
@@ -26953,7 +26953,7 @@
 
 <file path=customXml/item79.xml><?xml version="1.0" encoding="utf-8"?>
 <Control xmlns="http://schemas.microsoft.com/VisualStudio/2011/storyboarding/control">
-  <Id Name="System.Storyboarding.Common.CheckBoxChecked" Revision="1" Stencil="System.Storyboarding.Common" StencilVersion="0.1"/>
+  <Id Name="System.Storyboarding.Common.Button" Revision="1" Stencil="System.Storyboarding.Common" StencilVersion="0.1"/>
 </Control>
 </file>
 
@@ -26965,13 +26965,13 @@
 
 <file path=customXml/item80.xml><?xml version="1.0" encoding="utf-8"?>
 <Control xmlns="http://schemas.microsoft.com/VisualStudio/2011/storyboarding/control">
-  <Id Name="System.Storyboarding.Common.CheckBoxChecked" Revision="1" Stencil="System.Storyboarding.Common" StencilVersion="0.1"/>
+  <Id Name="System.Storyboarding.Common.TextInput" Revision="1" Stencil="System.Storyboarding.Common" StencilVersion="0.1"/>
 </Control>
 </file>
 
 <file path=customXml/item81.xml><?xml version="1.0" encoding="utf-8"?>
 <Control xmlns="http://schemas.microsoft.com/VisualStudio/2011/storyboarding/control">
-  <Id Name="System.Storyboarding.Common.Text" Revision="1" Stencil="System.Storyboarding.Common" StencilVersion="0.1"/>
+  <Id Name="System.Storyboarding.Common.CheckBoxChecked" Revision="1" Stencil="System.Storyboarding.Common" StencilVersion="0.1"/>
 </Control>
 </file>
 
@@ -26983,73 +26983,73 @@
 
 <file path=customXml/item83.xml><?xml version="1.0" encoding="utf-8"?>
 <Control xmlns="http://schemas.microsoft.com/VisualStudio/2011/storyboarding/control">
-  <Id Name="System.Storyboarding.Common.CheckBoxChecked" Revision="1" Stencil="System.Storyboarding.Common" StencilVersion="0.1"/>
+  <Id Name="System.Storyboarding.Common.TextInput" Revision="1" Stencil="System.Storyboarding.Common" StencilVersion="0.1"/>
 </Control>
 </file>
 
 <file path=customXml/item84.xml><?xml version="1.0" encoding="utf-8"?>
+<Control xmlns="http://schemas.microsoft.com/VisualStudio/2011/storyboarding/control">
+  <Id Name="System.Storyboarding.Common.Button" Revision="1" Stencil="System.Storyboarding.Common" StencilVersion="0.1"/>
+</Control>
+</file>
+
+<file path=customXml/item85.xml><?xml version="1.0" encoding="utf-8"?>
+<Control xmlns="http://schemas.microsoft.com/VisualStudio/2011/storyboarding/control">
+  <Id Name="System.Storyboarding.Annotation.StickyNote" Revision="1" Stencil="System.Storyboarding.Annotation" StencilVersion="0.1"/>
+</Control>
+</file>
+
+<file path=customXml/item86.xml><?xml version="1.0" encoding="utf-8"?>
+<Control xmlns="http://schemas.microsoft.com/VisualStudio/2011/storyboarding/control">
+  <Id Name="System.Storyboarding.Common.ScrollbarVertical" Revision="1" Stencil="System.Storyboarding.Common" StencilVersion="0.1"/>
+</Control>
+</file>
+
+<file path=customXml/item87.xml><?xml version="1.0" encoding="utf-8"?>
+<Control xmlns="http://schemas.microsoft.com/VisualStudio/2011/storyboarding/control">
+  <Id Name="System.Storyboarding.Common.SearchBox" Revision="1" Stencil="System.Storyboarding.Common" StencilVersion="0.1"/>
+</Control>
+</file>
+
+<file path=customXml/item88.xml><?xml version="1.0" encoding="utf-8"?>
+<Control xmlns="http://schemas.microsoft.com/VisualStudio/2011/storyboarding/control">
+  <Id Name="System.Storyboarding.Common.Text" Revision="1" Stencil="System.Storyboarding.Common" StencilVersion="0.1"/>
+</Control>
+</file>
+
+<file path=customXml/item89.xml><?xml version="1.0" encoding="utf-8"?>
+<Control xmlns="http://schemas.microsoft.com/VisualStudio/2011/storyboarding/control">
+  <Id Name="System.Storyboarding.Common.ScrollbarVertical" Revision="1" Stencil="System.Storyboarding.Common" StencilVersion="0.1"/>
+</Control>
+</file>
+
+<file path=customXml/item9.xml><?xml version="1.0" encoding="utf-8"?>
+<Control xmlns="http://schemas.microsoft.com/VisualStudio/2011/storyboarding/control">
+  <Id Name="System.Storyboarding.Icons.Warning" Revision="1" Stencil="System.Storyboarding.Icons" StencilVersion="0.1"/>
+</Control>
+</file>
+
+<file path=customXml/item90.xml><?xml version="1.0" encoding="utf-8"?>
 <Control xmlns="http://schemas.microsoft.com/VisualStudio/2011/storyboarding/control">
   <Id Name="System.Storyboarding.Common.TextInput" Revision="1" Stencil="System.Storyboarding.Common" StencilVersion="0.1"/>
 </Control>
 </file>
 
-<file path=customXml/item85.xml><?xml version="1.0" encoding="utf-8"?>
+<file path=customXml/item91.xml><?xml version="1.0" encoding="utf-8"?>
+<Control xmlns="http://schemas.microsoft.com/VisualStudio/2011/storyboarding/control">
+  <Id Name="System.Storyboarding.Common.Text" Revision="1" Stencil="System.Storyboarding.Common" StencilVersion="0.1"/>
+</Control>
+</file>
+
+<file path=customXml/item92.xml><?xml version="1.0" encoding="utf-8"?>
 <Control xmlns="http://schemas.microsoft.com/VisualStudio/2011/storyboarding/control">
   <Id Name="System.Storyboarding.Common.TextInput" Revision="1" Stencil="System.Storyboarding.Common" StencilVersion="0.1"/>
 </Control>
 </file>
 
-<file path=customXml/item86.xml><?xml version="1.0" encoding="utf-8"?>
-<Control xmlns="http://schemas.microsoft.com/VisualStudio/2011/storyboarding/control">
-  <Id Name="System.Storyboarding.Media.VerticalBarChart" Revision="1" Stencil="System.Storyboarding.Media" StencilVersion="0.1"/>
-</Control>
-</file>
-
-<file path=customXml/item87.xml><?xml version="1.0" encoding="utf-8"?>
-<Control xmlns="http://schemas.microsoft.com/VisualStudio/2011/storyboarding/control">
-  <Id Name="System.Storyboarding.Common.Button" Revision="1" Stencil="System.Storyboarding.Common" StencilVersion="0.1"/>
-</Control>
-</file>
-
-<file path=customXml/item88.xml><?xml version="1.0" encoding="utf-8"?>
+<file path=customXml/item93.xml><?xml version="1.0" encoding="utf-8"?>
 <Control xmlns="http://schemas.microsoft.com/VisualStudio/2011/storyboarding/control">
   <Id Name="System.Storyboarding.Common.TextInput" Revision="1" Stencil="System.Storyboarding.Common" StencilVersion="0.1"/>
-</Control>
-</file>
-
-<file path=customXml/item89.xml><?xml version="1.0" encoding="utf-8"?>
-<Control xmlns="http://schemas.microsoft.com/VisualStudio/2011/storyboarding/control">
-  <Id Name="System.Storyboarding.Common.TextInput" Revision="1" Stencil="System.Storyboarding.Common" StencilVersion="0.1"/>
-</Control>
-</file>
-
-<file path=customXml/item9.xml><?xml version="1.0" encoding="utf-8"?>
-<Control xmlns="http://schemas.microsoft.com/VisualStudio/2011/storyboarding/control">
-  <Id Name="System.Storyboarding.Common.TextInput" Revision="1" Stencil="System.Storyboarding.Common" StencilVersion="0.1"/>
-</Control>
-</file>
-
-<file path=customXml/item90.xml><?xml version="1.0" encoding="utf-8"?>
-<Control xmlns="http://schemas.microsoft.com/VisualStudio/2011/storyboarding/control">
-  <Id Name="System.Storyboarding.Icons.Warning" Revision="1" Stencil="System.Storyboarding.Icons" StencilVersion="0.1"/>
-</Control>
-</file>
-
-<file path=customXml/item91.xml><?xml version="1.0" encoding="utf-8"?>
-<Control xmlns="http://schemas.microsoft.com/VisualStudio/2011/storyboarding/control">
-  <Id Name="System.Storyboarding.Common.TextInput" Revision="1" Stencil="System.Storyboarding.Common" StencilVersion="0.1"/>
-</Control>
-</file>
-
-<file path=customXml/item92.xml><?xml version="1.0" encoding="utf-8"?>
-<Control xmlns="http://schemas.microsoft.com/VisualStudio/2011/storyboarding/control">
-  <Id Name="System.Storyboarding.Common.ScrollbarVertical" Revision="1" Stencil="System.Storyboarding.Common" StencilVersion="0.1"/>
-</Control>
-</file>
-
-<file path=customXml/item93.xml><?xml version="1.0" encoding="utf-8"?>
-<Control xmlns="http://schemas.microsoft.com/VisualStudio/2011/storyboarding/control">
-  <Id Name="System.Storyboarding.Annotation.StickyNote" Revision="1" Stencil="System.Storyboarding.Annotation" StencilVersion="0.1"/>
 </Control>
 </file>
 
@@ -27061,13 +27061,13 @@
 
 <file path=customXml/item95.xml><?xml version="1.0" encoding="utf-8"?>
 <Control xmlns="http://schemas.microsoft.com/VisualStudio/2011/storyboarding/control">
-  <Id Name="System.Storyboarding.Common.TextInput" Revision="1" Stencil="System.Storyboarding.Common" StencilVersion="0.1"/>
+  <Id Name="System.Storyboarding.Common.Button" Revision="1" Stencil="System.Storyboarding.Common" StencilVersion="0.1"/>
 </Control>
 </file>
 
 <file path=customXml/item96.xml><?xml version="1.0" encoding="utf-8"?>
 <Control xmlns="http://schemas.microsoft.com/VisualStudio/2011/storyboarding/control">
-  <Id Name="System.Storyboarding.Common.TextInput" Revision="1" Stencil="System.Storyboarding.Common" StencilVersion="0.1"/>
+  <Id Name="System.Storyboarding.Common.CheckBoxUnchecked" Revision="1" Stencil="System.Storyboarding.Common" StencilVersion="0.1"/>
 </Control>
 </file>
 
@@ -27079,18 +27079,18 @@
 
 <file path=customXml/item98.xml><?xml version="1.0" encoding="utf-8"?>
 <Control xmlns="http://schemas.microsoft.com/VisualStudio/2011/storyboarding/control">
-  <Id Name="System.Storyboarding.Common.TextInput" Revision="1" Stencil="System.Storyboarding.Common" StencilVersion="0.1"/>
+  <Id Name="System.Storyboarding.Annotation.StickyNote" Revision="1" Stencil="System.Storyboarding.Annotation" StencilVersion="0.1"/>
 </Control>
 </file>
 
 <file path=customXml/item99.xml><?xml version="1.0" encoding="utf-8"?>
 <Control xmlns="http://schemas.microsoft.com/VisualStudio/2011/storyboarding/control">
-  <Id Name="System.Storyboarding.Common.CheckBoxUnchecked" Revision="1" Stencil="System.Storyboarding.Common" StencilVersion="0.1"/>
+  <Id Name="System.Storyboarding.Common.Text" Revision="1" Stencil="System.Storyboarding.Common" StencilVersion="0.1"/>
 </Control>
 </file>
 
 <file path=customXml/itemProps1.xml><?xml version="1.0" encoding="utf-8"?>
-<ds:datastoreItem xmlns:ds="http://schemas.openxmlformats.org/officeDocument/2006/customXml" ds:itemID="{A1C8479A-2384-424B-B607-91A9FC70F6A4}">
+<ds:datastoreItem xmlns:ds="http://schemas.openxmlformats.org/officeDocument/2006/customXml" ds:itemID="{7EA327E3-FCFB-4008-8DED-CE47F66639FD}">
   <ds:schemaRefs>
     <ds:schemaRef ds:uri="http://schemas.microsoft.com/VisualStudio/2011/storyboarding/control"/>
   </ds:schemaRefs>
@@ -27098,6 +27098,430 @@
 </file>
 
 <file path=customXml/itemProps10.xml><?xml version="1.0" encoding="utf-8"?>
+<ds:datastoreItem xmlns:ds="http://schemas.openxmlformats.org/officeDocument/2006/customXml" ds:itemID="{451A7426-E19E-4AAF-BFD2-F92A9C112E84}">
+  <ds:schemaRefs>
+    <ds:schemaRef ds:uri="http://schemas.microsoft.com/VisualStudio/2011/storyboarding/control"/>
+  </ds:schemaRefs>
+</ds:datastoreItem>
+</file>
+
+<file path=customXml/itemProps100.xml><?xml version="1.0" encoding="utf-8"?>
+<ds:datastoreItem xmlns:ds="http://schemas.openxmlformats.org/officeDocument/2006/customXml" ds:itemID="{C05A56CC-DCFE-4A97-B103-5E1633E28254}">
+  <ds:schemaRefs>
+    <ds:schemaRef ds:uri="http://schemas.microsoft.com/VisualStudio/2011/storyboarding/control"/>
+  </ds:schemaRefs>
+</ds:datastoreItem>
+</file>
+
+<file path=customXml/itemProps101.xml><?xml version="1.0" encoding="utf-8"?>
+<ds:datastoreItem xmlns:ds="http://schemas.openxmlformats.org/officeDocument/2006/customXml" ds:itemID="{39B4EC38-E361-46E0-8D00-ECAF682C5ACD}">
+  <ds:schemaRefs>
+    <ds:schemaRef ds:uri="http://schemas.microsoft.com/VisualStudio/2011/storyboarding/control"/>
+  </ds:schemaRefs>
+</ds:datastoreItem>
+</file>
+
+<file path=customXml/itemProps102.xml><?xml version="1.0" encoding="utf-8"?>
+<ds:datastoreItem xmlns:ds="http://schemas.openxmlformats.org/officeDocument/2006/customXml" ds:itemID="{654CBC2D-27EC-43DB-ABA4-3FBDF37D3735}">
+  <ds:schemaRefs>
+    <ds:schemaRef ds:uri="http://schemas.microsoft.com/VisualStudio/2011/storyboarding/control"/>
+  </ds:schemaRefs>
+</ds:datastoreItem>
+</file>
+
+<file path=customXml/itemProps103.xml><?xml version="1.0" encoding="utf-8"?>
+<ds:datastoreItem xmlns:ds="http://schemas.openxmlformats.org/officeDocument/2006/customXml" ds:itemID="{8E111B87-A381-46AA-BB11-318F8ACB4BCA}">
+  <ds:schemaRefs>
+    <ds:schemaRef ds:uri="http://schemas.microsoft.com/VisualStudio/2011/storyboarding/control"/>
+  </ds:schemaRefs>
+</ds:datastoreItem>
+</file>
+
+<file path=customXml/itemProps104.xml><?xml version="1.0" encoding="utf-8"?>
+<ds:datastoreItem xmlns:ds="http://schemas.openxmlformats.org/officeDocument/2006/customXml" ds:itemID="{161C1280-5A04-4E6E-8FE3-21E316A51B59}">
+  <ds:schemaRefs>
+    <ds:schemaRef ds:uri="http://schemas.microsoft.com/VisualStudio/2011/storyboarding/control"/>
+  </ds:schemaRefs>
+</ds:datastoreItem>
+</file>
+
+<file path=customXml/itemProps105.xml><?xml version="1.0" encoding="utf-8"?>
+<ds:datastoreItem xmlns:ds="http://schemas.openxmlformats.org/officeDocument/2006/customXml" ds:itemID="{478663F0-6D22-40DF-A721-0D85AF0A841E}">
+  <ds:schemaRefs>
+    <ds:schemaRef ds:uri="http://schemas.microsoft.com/VisualStudio/2011/storyboarding/control"/>
+  </ds:schemaRefs>
+</ds:datastoreItem>
+</file>
+
+<file path=customXml/itemProps106.xml><?xml version="1.0" encoding="utf-8"?>
+<ds:datastoreItem xmlns:ds="http://schemas.openxmlformats.org/officeDocument/2006/customXml" ds:itemID="{BDF653D0-0803-4E4F-AB2B-0C004B440C9C}">
+  <ds:schemaRefs>
+    <ds:schemaRef ds:uri="http://schemas.microsoft.com/VisualStudio/2011/storyboarding/control"/>
+  </ds:schemaRefs>
+</ds:datastoreItem>
+</file>
+
+<file path=customXml/itemProps107.xml><?xml version="1.0" encoding="utf-8"?>
+<ds:datastoreItem xmlns:ds="http://schemas.openxmlformats.org/officeDocument/2006/customXml" ds:itemID="{AF61DBC6-381C-43BF-8974-1BD37D61B73F}">
+  <ds:schemaRefs>
+    <ds:schemaRef ds:uri="http://schemas.microsoft.com/VisualStudio/2011/storyboarding/control"/>
+  </ds:schemaRefs>
+</ds:datastoreItem>
+</file>
+
+<file path=customXml/itemProps108.xml><?xml version="1.0" encoding="utf-8"?>
+<ds:datastoreItem xmlns:ds="http://schemas.openxmlformats.org/officeDocument/2006/customXml" ds:itemID="{318A67F4-7454-49D3-B5F7-EDF3AEE6B3CC}">
+  <ds:schemaRefs>
+    <ds:schemaRef ds:uri="http://schemas.microsoft.com/VisualStudio/2011/storyboarding/control"/>
+  </ds:schemaRefs>
+</ds:datastoreItem>
+</file>
+
+<file path=customXml/itemProps109.xml><?xml version="1.0" encoding="utf-8"?>
+<ds:datastoreItem xmlns:ds="http://schemas.openxmlformats.org/officeDocument/2006/customXml" ds:itemID="{48F85951-6571-4AA7-9B26-EEF9CD4B541F}">
+  <ds:schemaRefs>
+    <ds:schemaRef ds:uri="http://schemas.microsoft.com/VisualStudio/2011/storyboarding/control"/>
+  </ds:schemaRefs>
+</ds:datastoreItem>
+</file>
+
+<file path=customXml/itemProps11.xml><?xml version="1.0" encoding="utf-8"?>
+<ds:datastoreItem xmlns:ds="http://schemas.openxmlformats.org/officeDocument/2006/customXml" ds:itemID="{DAF42908-C10A-4B0A-BD53-0A9168593350}">
+  <ds:schemaRefs>
+    <ds:schemaRef ds:uri="http://schemas.microsoft.com/VisualStudio/2011/storyboarding/control"/>
+  </ds:schemaRefs>
+</ds:datastoreItem>
+</file>
+
+<file path=customXml/itemProps110.xml><?xml version="1.0" encoding="utf-8"?>
+<ds:datastoreItem xmlns:ds="http://schemas.openxmlformats.org/officeDocument/2006/customXml" ds:itemID="{D2FE2441-F4F4-4DD2-A086-4A7D71862FD9}">
+  <ds:schemaRefs>
+    <ds:schemaRef ds:uri="http://schemas.microsoft.com/VisualStudio/2011/storyboarding/control"/>
+  </ds:schemaRefs>
+</ds:datastoreItem>
+</file>
+
+<file path=customXml/itemProps111.xml><?xml version="1.0" encoding="utf-8"?>
+<ds:datastoreItem xmlns:ds="http://schemas.openxmlformats.org/officeDocument/2006/customXml" ds:itemID="{D12E1D60-E53D-431F-ABC8-B98207B7D1E6}">
+  <ds:schemaRefs>
+    <ds:schemaRef ds:uri="http://schemas.microsoft.com/VisualStudio/2011/storyboarding/control"/>
+  </ds:schemaRefs>
+</ds:datastoreItem>
+</file>
+
+<file path=customXml/itemProps112.xml><?xml version="1.0" encoding="utf-8"?>
+<ds:datastoreItem xmlns:ds="http://schemas.openxmlformats.org/officeDocument/2006/customXml" ds:itemID="{508FF8A2-065C-4CBB-812E-6E03CA0DD0BA}">
+  <ds:schemaRefs>
+    <ds:schemaRef ds:uri="http://schemas.microsoft.com/VisualStudio/2011/storyboarding/control"/>
+  </ds:schemaRefs>
+</ds:datastoreItem>
+</file>
+
+<file path=customXml/itemProps113.xml><?xml version="1.0" encoding="utf-8"?>
+<ds:datastoreItem xmlns:ds="http://schemas.openxmlformats.org/officeDocument/2006/customXml" ds:itemID="{A41DC63A-40F8-492D-A1AF-3E8E88975D17}">
+  <ds:schemaRefs>
+    <ds:schemaRef ds:uri="http://schemas.microsoft.com/VisualStudio/2011/storyboarding/control"/>
+  </ds:schemaRefs>
+</ds:datastoreItem>
+</file>
+
+<file path=customXml/itemProps114.xml><?xml version="1.0" encoding="utf-8"?>
+<ds:datastoreItem xmlns:ds="http://schemas.openxmlformats.org/officeDocument/2006/customXml" ds:itemID="{CABD2B3A-1161-43E2-BA83-58E6B897C9BF}">
+  <ds:schemaRefs>
+    <ds:schemaRef ds:uri="http://schemas.microsoft.com/VisualStudio/2011/storyboarding/control"/>
+  </ds:schemaRefs>
+</ds:datastoreItem>
+</file>
+
+<file path=customXml/itemProps115.xml><?xml version="1.0" encoding="utf-8"?>
+<ds:datastoreItem xmlns:ds="http://schemas.openxmlformats.org/officeDocument/2006/customXml" ds:itemID="{A5548825-A252-43B9-8E93-D05CC009ABBE}">
+  <ds:schemaRefs>
+    <ds:schemaRef ds:uri="http://schemas.microsoft.com/VisualStudio/2011/storyboarding/control"/>
+  </ds:schemaRefs>
+</ds:datastoreItem>
+</file>
+
+<file path=customXml/itemProps116.xml><?xml version="1.0" encoding="utf-8"?>
+<ds:datastoreItem xmlns:ds="http://schemas.openxmlformats.org/officeDocument/2006/customXml" ds:itemID="{500E728B-7A9B-4D12-B59B-8083B681FF18}">
+  <ds:schemaRefs>
+    <ds:schemaRef ds:uri="http://schemas.microsoft.com/VisualStudio/2011/storyboarding/control"/>
+  </ds:schemaRefs>
+</ds:datastoreItem>
+</file>
+
+<file path=customXml/itemProps117.xml><?xml version="1.0" encoding="utf-8"?>
+<ds:datastoreItem xmlns:ds="http://schemas.openxmlformats.org/officeDocument/2006/customXml" ds:itemID="{69E02AD5-3C7C-4F1D-9766-B18ECF2212C6}">
+  <ds:schemaRefs>
+    <ds:schemaRef ds:uri="http://schemas.microsoft.com/VisualStudio/2011/storyboarding/control"/>
+  </ds:schemaRefs>
+</ds:datastoreItem>
+</file>
+
+<file path=customXml/itemProps118.xml><?xml version="1.0" encoding="utf-8"?>
+<ds:datastoreItem xmlns:ds="http://schemas.openxmlformats.org/officeDocument/2006/customXml" ds:itemID="{FC6544C5-9902-4F92-B15E-0F0FB91FC344}">
+  <ds:schemaRefs>
+    <ds:schemaRef ds:uri="http://schemas.microsoft.com/VisualStudio/2011/storyboarding/control"/>
+  </ds:schemaRefs>
+</ds:datastoreItem>
+</file>
+
+<file path=customXml/itemProps119.xml><?xml version="1.0" encoding="utf-8"?>
+<ds:datastoreItem xmlns:ds="http://schemas.openxmlformats.org/officeDocument/2006/customXml" ds:itemID="{7CABBE05-1DB8-413F-B922-E51F51DB6CB5}">
+  <ds:schemaRefs>
+    <ds:schemaRef ds:uri="http://schemas.microsoft.com/VisualStudio/2011/storyboarding/control"/>
+  </ds:schemaRefs>
+</ds:datastoreItem>
+</file>
+
+<file path=customXml/itemProps12.xml><?xml version="1.0" encoding="utf-8"?>
+<ds:datastoreItem xmlns:ds="http://schemas.openxmlformats.org/officeDocument/2006/customXml" ds:itemID="{24900BF5-C4DC-42A1-8816-A384E671E92A}">
+  <ds:schemaRefs>
+    <ds:schemaRef ds:uri="http://schemas.microsoft.com/VisualStudio/2011/storyboarding/control"/>
+  </ds:schemaRefs>
+</ds:datastoreItem>
+</file>
+
+<file path=customXml/itemProps120.xml><?xml version="1.0" encoding="utf-8"?>
+<ds:datastoreItem xmlns:ds="http://schemas.openxmlformats.org/officeDocument/2006/customXml" ds:itemID="{CF91C9AF-FB44-4B2D-B964-EA853D542988}">
+  <ds:schemaRefs>
+    <ds:schemaRef ds:uri="http://schemas.microsoft.com/VisualStudio/2011/storyboarding/control"/>
+  </ds:schemaRefs>
+</ds:datastoreItem>
+</file>
+
+<file path=customXml/itemProps121.xml><?xml version="1.0" encoding="utf-8"?>
+<ds:datastoreItem xmlns:ds="http://schemas.openxmlformats.org/officeDocument/2006/customXml" ds:itemID="{9A59738E-0CC4-436E-B451-F09AF7853BEC}">
+  <ds:schemaRefs>
+    <ds:schemaRef ds:uri="http://schemas.microsoft.com/VisualStudio/2011/storyboarding/control"/>
+  </ds:schemaRefs>
+</ds:datastoreItem>
+</file>
+
+<file path=customXml/itemProps122.xml><?xml version="1.0" encoding="utf-8"?>
+<ds:datastoreItem xmlns:ds="http://schemas.openxmlformats.org/officeDocument/2006/customXml" ds:itemID="{B0402FE7-8C5A-480B-84D5-E3BA5D7DDA9A}">
+  <ds:schemaRefs>
+    <ds:schemaRef ds:uri="http://schemas.microsoft.com/VisualStudio/2011/storyboarding/control"/>
+  </ds:schemaRefs>
+</ds:datastoreItem>
+</file>
+
+<file path=customXml/itemProps123.xml><?xml version="1.0" encoding="utf-8"?>
+<ds:datastoreItem xmlns:ds="http://schemas.openxmlformats.org/officeDocument/2006/customXml" ds:itemID="{F840D909-519B-49C3-9DCA-97C64A5B9C79}">
+  <ds:schemaRefs>
+    <ds:schemaRef ds:uri="http://schemas.microsoft.com/VisualStudio/2011/storyboarding/control"/>
+  </ds:schemaRefs>
+</ds:datastoreItem>
+</file>
+
+<file path=customXml/itemProps124.xml><?xml version="1.0" encoding="utf-8"?>
+<ds:datastoreItem xmlns:ds="http://schemas.openxmlformats.org/officeDocument/2006/customXml" ds:itemID="{26EBF4A3-F17A-4E3E-A734-46BBA9DFA0C8}">
+  <ds:schemaRefs>
+    <ds:schemaRef ds:uri="http://schemas.microsoft.com/VisualStudio/2011/storyboarding/control"/>
+  </ds:schemaRefs>
+</ds:datastoreItem>
+</file>
+
+<file path=customXml/itemProps125.xml><?xml version="1.0" encoding="utf-8"?>
+<ds:datastoreItem xmlns:ds="http://schemas.openxmlformats.org/officeDocument/2006/customXml" ds:itemID="{417DBAC8-3D39-4B42-B14B-DAEC2E68913B}">
+  <ds:schemaRefs>
+    <ds:schemaRef ds:uri="http://schemas.microsoft.com/VisualStudio/2011/storyboarding/control"/>
+  </ds:schemaRefs>
+</ds:datastoreItem>
+</file>
+
+<file path=customXml/itemProps126.xml><?xml version="1.0" encoding="utf-8"?>
+<ds:datastoreItem xmlns:ds="http://schemas.openxmlformats.org/officeDocument/2006/customXml" ds:itemID="{3154CB70-BAFF-4B34-BC33-BD1C66EB86D7}">
+  <ds:schemaRefs>
+    <ds:schemaRef ds:uri="http://schemas.microsoft.com/VisualStudio/2011/storyboarding/control"/>
+  </ds:schemaRefs>
+</ds:datastoreItem>
+</file>
+
+<file path=customXml/itemProps127.xml><?xml version="1.0" encoding="utf-8"?>
+<ds:datastoreItem xmlns:ds="http://schemas.openxmlformats.org/officeDocument/2006/customXml" ds:itemID="{E194B3CD-86C3-4F6B-A743-1D8043783C25}">
+  <ds:schemaRefs>
+    <ds:schemaRef ds:uri="http://schemas.microsoft.com/VisualStudio/2011/storyboarding/control"/>
+  </ds:schemaRefs>
+</ds:datastoreItem>
+</file>
+
+<file path=customXml/itemProps128.xml><?xml version="1.0" encoding="utf-8"?>
+<ds:datastoreItem xmlns:ds="http://schemas.openxmlformats.org/officeDocument/2006/customXml" ds:itemID="{32DCF836-3940-427C-8F81-BA183FB52BAC}">
+  <ds:schemaRefs>
+    <ds:schemaRef ds:uri="http://schemas.microsoft.com/VisualStudio/2011/storyboarding/control"/>
+  </ds:schemaRefs>
+</ds:datastoreItem>
+</file>
+
+<file path=customXml/itemProps129.xml><?xml version="1.0" encoding="utf-8"?>
+<ds:datastoreItem xmlns:ds="http://schemas.openxmlformats.org/officeDocument/2006/customXml" ds:itemID="{228AF168-33A9-492E-910D-EAE94E644B4A}">
+  <ds:schemaRefs>
+    <ds:schemaRef ds:uri="http://schemas.microsoft.com/VisualStudio/2011/storyboarding/control"/>
+  </ds:schemaRefs>
+</ds:datastoreItem>
+</file>
+
+<file path=customXml/itemProps13.xml><?xml version="1.0" encoding="utf-8"?>
+<ds:datastoreItem xmlns:ds="http://schemas.openxmlformats.org/officeDocument/2006/customXml" ds:itemID="{905F7CBB-FF77-4853-ADB2-0B0D37590AA0}">
+  <ds:schemaRefs>
+    <ds:schemaRef ds:uri="http://schemas.microsoft.com/VisualStudio/2011/storyboarding/control"/>
+  </ds:schemaRefs>
+</ds:datastoreItem>
+</file>
+
+<file path=customXml/itemProps130.xml><?xml version="1.0" encoding="utf-8"?>
+<ds:datastoreItem xmlns:ds="http://schemas.openxmlformats.org/officeDocument/2006/customXml" ds:itemID="{7D7DCE13-136F-43F5-85AB-F325A838BD5C}">
+  <ds:schemaRefs>
+    <ds:schemaRef ds:uri="http://schemas.microsoft.com/VisualStudio/2011/storyboarding/control"/>
+  </ds:schemaRefs>
+</ds:datastoreItem>
+</file>
+
+<file path=customXml/itemProps131.xml><?xml version="1.0" encoding="utf-8"?>
+<ds:datastoreItem xmlns:ds="http://schemas.openxmlformats.org/officeDocument/2006/customXml" ds:itemID="{7D9FEB58-73F6-462F-A88A-C490995E4318}">
+  <ds:schemaRefs>
+    <ds:schemaRef ds:uri="http://schemas.microsoft.com/VisualStudio/2011/storyboarding/control"/>
+  </ds:schemaRefs>
+</ds:datastoreItem>
+</file>
+
+<file path=customXml/itemProps132.xml><?xml version="1.0" encoding="utf-8"?>
+<ds:datastoreItem xmlns:ds="http://schemas.openxmlformats.org/officeDocument/2006/customXml" ds:itemID="{8AE17CAA-BEF2-44CD-9DEE-2F8C17585A32}">
+  <ds:schemaRefs>
+    <ds:schemaRef ds:uri="http://schemas.microsoft.com/VisualStudio/2011/storyboarding/control"/>
+  </ds:schemaRefs>
+</ds:datastoreItem>
+</file>
+
+<file path=customXml/itemProps133.xml><?xml version="1.0" encoding="utf-8"?>
+<ds:datastoreItem xmlns:ds="http://schemas.openxmlformats.org/officeDocument/2006/customXml" ds:itemID="{CC5F127A-2521-4BB3-9D64-238B9FDD6AF8}">
+  <ds:schemaRefs>
+    <ds:schemaRef ds:uri="http://schemas.microsoft.com/VisualStudio/2011/storyboarding/control"/>
+  </ds:schemaRefs>
+</ds:datastoreItem>
+</file>
+
+<file path=customXml/itemProps134.xml><?xml version="1.0" encoding="utf-8"?>
+<ds:datastoreItem xmlns:ds="http://schemas.openxmlformats.org/officeDocument/2006/customXml" ds:itemID="{FD7A3CF8-3A66-47F9-8AD7-22127504A57F}">
+  <ds:schemaRefs>
+    <ds:schemaRef ds:uri="http://schemas.microsoft.com/VisualStudio/2011/storyboarding/control"/>
+  </ds:schemaRefs>
+</ds:datastoreItem>
+</file>
+
+<file path=customXml/itemProps135.xml><?xml version="1.0" encoding="utf-8"?>
+<ds:datastoreItem xmlns:ds="http://schemas.openxmlformats.org/officeDocument/2006/customXml" ds:itemID="{063AF5E8-36AD-451D-9B6A-4390E8F3CF38}">
+  <ds:schemaRefs>
+    <ds:schemaRef ds:uri="http://schemas.microsoft.com/VisualStudio/2011/storyboarding/control"/>
+  </ds:schemaRefs>
+</ds:datastoreItem>
+</file>
+
+<file path=customXml/itemProps136.xml><?xml version="1.0" encoding="utf-8"?>
+<ds:datastoreItem xmlns:ds="http://schemas.openxmlformats.org/officeDocument/2006/customXml" ds:itemID="{68A0CDC1-3F80-4DE3-8AB3-B532E32DC2D3}">
+  <ds:schemaRefs>
+    <ds:schemaRef ds:uri="http://schemas.microsoft.com/VisualStudio/2011/storyboarding/control"/>
+  </ds:schemaRefs>
+</ds:datastoreItem>
+</file>
+
+<file path=customXml/itemProps137.xml><?xml version="1.0" encoding="utf-8"?>
+<ds:datastoreItem xmlns:ds="http://schemas.openxmlformats.org/officeDocument/2006/customXml" ds:itemID="{A099D91D-2540-412F-88B4-6DD3EB1D58E7}">
+  <ds:schemaRefs>
+    <ds:schemaRef ds:uri="http://schemas.microsoft.com/VisualStudio/2011/storyboarding/control"/>
+  </ds:schemaRefs>
+</ds:datastoreItem>
+</file>
+
+<file path=customXml/itemProps138.xml><?xml version="1.0" encoding="utf-8"?>
+<ds:datastoreItem xmlns:ds="http://schemas.openxmlformats.org/officeDocument/2006/customXml" ds:itemID="{CE225F83-8706-4484-B4DE-2B7E506A1F45}">
+  <ds:schemaRefs>
+    <ds:schemaRef ds:uri="http://schemas.microsoft.com/VisualStudio/2011/storyboarding/control"/>
+  </ds:schemaRefs>
+</ds:datastoreItem>
+</file>
+
+<file path=customXml/itemProps139.xml><?xml version="1.0" encoding="utf-8"?>
+<ds:datastoreItem xmlns:ds="http://schemas.openxmlformats.org/officeDocument/2006/customXml" ds:itemID="{408DBD6E-BA86-4206-898C-8866D621C758}">
+  <ds:schemaRefs>
+    <ds:schemaRef ds:uri="http://schemas.microsoft.com/VisualStudio/2011/storyboarding/control"/>
+  </ds:schemaRefs>
+</ds:datastoreItem>
+</file>
+
+<file path=customXml/itemProps14.xml><?xml version="1.0" encoding="utf-8"?>
+<ds:datastoreItem xmlns:ds="http://schemas.openxmlformats.org/officeDocument/2006/customXml" ds:itemID="{E4B490A2-F594-479F-8C41-55AF5E408214}">
+  <ds:schemaRefs>
+    <ds:schemaRef ds:uri="http://schemas.microsoft.com/VisualStudio/2011/storyboarding/control"/>
+  </ds:schemaRefs>
+</ds:datastoreItem>
+</file>
+
+<file path=customXml/itemProps140.xml><?xml version="1.0" encoding="utf-8"?>
+<ds:datastoreItem xmlns:ds="http://schemas.openxmlformats.org/officeDocument/2006/customXml" ds:itemID="{A5B63E18-4237-42D4-B804-B83021F9E8A1}">
+  <ds:schemaRefs>
+    <ds:schemaRef ds:uri="http://schemas.microsoft.com/VisualStudio/2011/storyboarding/control"/>
+  </ds:schemaRefs>
+</ds:datastoreItem>
+</file>
+
+<file path=customXml/itemProps141.xml><?xml version="1.0" encoding="utf-8"?>
+<ds:datastoreItem xmlns:ds="http://schemas.openxmlformats.org/officeDocument/2006/customXml" ds:itemID="{4E626C7F-4024-4418-87D9-7BEE58688CEB}">
+  <ds:schemaRefs>
+    <ds:schemaRef ds:uri="http://schemas.microsoft.com/VisualStudio/2011/storyboarding/control"/>
+  </ds:schemaRefs>
+</ds:datastoreItem>
+</file>
+
+<file path=customXml/itemProps142.xml><?xml version="1.0" encoding="utf-8"?>
+<ds:datastoreItem xmlns:ds="http://schemas.openxmlformats.org/officeDocument/2006/customXml" ds:itemID="{A0B644F4-E7AB-4C5F-99FA-46E0F4A05135}">
+  <ds:schemaRefs>
+    <ds:schemaRef ds:uri="http://schemas.microsoft.com/VisualStudio/2011/storyboarding/control"/>
+  </ds:schemaRefs>
+</ds:datastoreItem>
+</file>
+
+<file path=customXml/itemProps143.xml><?xml version="1.0" encoding="utf-8"?>
+<ds:datastoreItem xmlns:ds="http://schemas.openxmlformats.org/officeDocument/2006/customXml" ds:itemID="{39E72E8E-79BB-456F-8049-0020919B4763}">
+  <ds:schemaRefs>
+    <ds:schemaRef ds:uri="http://schemas.microsoft.com/VisualStudio/2011/storyboarding/control"/>
+  </ds:schemaRefs>
+</ds:datastoreItem>
+</file>
+
+<file path=customXml/itemProps144.xml><?xml version="1.0" encoding="utf-8"?>
+<ds:datastoreItem xmlns:ds="http://schemas.openxmlformats.org/officeDocument/2006/customXml" ds:itemID="{43446240-B211-4F80-A50E-E1B38445E2A1}">
+  <ds:schemaRefs>
+    <ds:schemaRef ds:uri="http://schemas.microsoft.com/VisualStudio/2011/storyboarding/control"/>
+  </ds:schemaRefs>
+</ds:datastoreItem>
+</file>
+
+<file path=customXml/itemProps145.xml><?xml version="1.0" encoding="utf-8"?>
+<ds:datastoreItem xmlns:ds="http://schemas.openxmlformats.org/officeDocument/2006/customXml" ds:itemID="{0CCA9F88-8784-4D3A-B544-5E75264A0988}">
+  <ds:schemaRefs>
+    <ds:schemaRef ds:uri="http://schemas.microsoft.com/VisualStudio/2011/storyboarding/control"/>
+  </ds:schemaRefs>
+</ds:datastoreItem>
+</file>
+
+<file path=customXml/itemProps146.xml><?xml version="1.0" encoding="utf-8"?>
+<ds:datastoreItem xmlns:ds="http://schemas.openxmlformats.org/officeDocument/2006/customXml" ds:itemID="{650ADCBF-4D86-43BF-9817-E7EF6E55BBE7}">
+  <ds:schemaRefs>
+    <ds:schemaRef ds:uri="http://schemas.microsoft.com/VisualStudio/2011/storyboarding/control"/>
+  </ds:schemaRefs>
+</ds:datastoreItem>
+</file>
+
+<file path=customXml/itemProps147.xml><?xml version="1.0" encoding="utf-8"?>
+<ds:datastoreItem xmlns:ds="http://schemas.openxmlformats.org/officeDocument/2006/customXml" ds:itemID="{1F111213-9B54-4464-8973-266EF211797B}">
+  <ds:schemaRefs>
+    <ds:schemaRef ds:uri="http://schemas.microsoft.com/VisualStudio/2011/storyboarding/control"/>
+  </ds:schemaRefs>
+</ds:datastoreItem>
+</file>
+
+<file path=customXml/itemProps148.xml><?xml version="1.0" encoding="utf-8"?>
 <ds:datastoreItem xmlns:ds="http://schemas.openxmlformats.org/officeDocument/2006/customXml" ds:itemID="{12FD62BF-A11E-4BD8-9FB1-B9028E90A22E}">
   <ds:schemaRefs>
     <ds:schemaRef ds:uri="http://schemas.microsoft.com/VisualStudio/2011/storyboarding/control"/>
@@ -27105,15 +27529,63 @@
 </ds:datastoreItem>
 </file>
 
-<file path=customXml/itemProps100.xml><?xml version="1.0" encoding="utf-8"?>
-<ds:datastoreItem xmlns:ds="http://schemas.openxmlformats.org/officeDocument/2006/customXml" ds:itemID="{508FF8A2-065C-4CBB-812E-6E03CA0DD0BA}">
+<file path=customXml/itemProps149.xml><?xml version="1.0" encoding="utf-8"?>
+<ds:datastoreItem xmlns:ds="http://schemas.openxmlformats.org/officeDocument/2006/customXml" ds:itemID="{766F77BC-3956-438F-94BE-CF6CF9C915C0}">
   <ds:schemaRefs>
     <ds:schemaRef ds:uri="http://schemas.microsoft.com/VisualStudio/2011/storyboarding/control"/>
   </ds:schemaRefs>
 </ds:datastoreItem>
 </file>
 
-<file path=customXml/itemProps101.xml><?xml version="1.0" encoding="utf-8"?>
+<file path=customXml/itemProps15.xml><?xml version="1.0" encoding="utf-8"?>
+<ds:datastoreItem xmlns:ds="http://schemas.openxmlformats.org/officeDocument/2006/customXml" ds:itemID="{CF03DD0F-EDED-4182-BF0D-C60EA8AC9FC5}">
+  <ds:schemaRefs>
+    <ds:schemaRef ds:uri="http://schemas.microsoft.com/VisualStudio/2011/storyboarding/control"/>
+  </ds:schemaRefs>
+</ds:datastoreItem>
+</file>
+
+<file path=customXml/itemProps150.xml><?xml version="1.0" encoding="utf-8"?>
+<ds:datastoreItem xmlns:ds="http://schemas.openxmlformats.org/officeDocument/2006/customXml" ds:itemID="{DB2000C8-B277-4324-8B80-CDB83E8CE835}">
+  <ds:schemaRefs>
+    <ds:schemaRef ds:uri="http://schemas.microsoft.com/VisualStudio/2011/storyboarding/control"/>
+  </ds:schemaRefs>
+</ds:datastoreItem>
+</file>
+
+<file path=customXml/itemProps151.xml><?xml version="1.0" encoding="utf-8"?>
+<ds:datastoreItem xmlns:ds="http://schemas.openxmlformats.org/officeDocument/2006/customXml" ds:itemID="{5F6247E0-2660-41E0-8816-07BF7F4C712D}">
+  <ds:schemaRefs>
+    <ds:schemaRef ds:uri="http://schemas.microsoft.com/VisualStudio/2011/storyboarding/control"/>
+  </ds:schemaRefs>
+</ds:datastoreItem>
+</file>
+
+<file path=customXml/itemProps152.xml><?xml version="1.0" encoding="utf-8"?>
+<ds:datastoreItem xmlns:ds="http://schemas.openxmlformats.org/officeDocument/2006/customXml" ds:itemID="{E5957A30-7F08-42CE-A7C9-9121B3EEDB89}">
+  <ds:schemaRefs>
+    <ds:schemaRef ds:uri="http://schemas.microsoft.com/VisualStudio/2011/storyboarding/control"/>
+  </ds:schemaRefs>
+</ds:datastoreItem>
+</file>
+
+<file path=customXml/itemProps153.xml><?xml version="1.0" encoding="utf-8"?>
+<ds:datastoreItem xmlns:ds="http://schemas.openxmlformats.org/officeDocument/2006/customXml" ds:itemID="{186177FB-D9AA-47FB-AA70-F2EB801F860E}">
+  <ds:schemaRefs>
+    <ds:schemaRef ds:uri="http://schemas.microsoft.com/VisualStudio/2011/storyboarding/control"/>
+  </ds:schemaRefs>
+</ds:datastoreItem>
+</file>
+
+<file path=customXml/itemProps154.xml><?xml version="1.0" encoding="utf-8"?>
+<ds:datastoreItem xmlns:ds="http://schemas.openxmlformats.org/officeDocument/2006/customXml" ds:itemID="{8B573C24-C1CA-4AD9-8793-CFC1E42E3841}">
+  <ds:schemaRefs>
+    <ds:schemaRef ds:uri="http://schemas.microsoft.com/VisualStudio/2011/storyboarding/control"/>
+  </ds:schemaRefs>
+</ds:datastoreItem>
+</file>
+
+<file path=customXml/itemProps155.xml><?xml version="1.0" encoding="utf-8"?>
 <ds:datastoreItem xmlns:ds="http://schemas.openxmlformats.org/officeDocument/2006/customXml" ds:itemID="{4B7335D3-7249-47CB-993B-C371E630393B}">
   <ds:schemaRefs>
     <ds:schemaRef ds:uri="http://schemas.microsoft.com/VisualStudio/2011/storyboarding/control"/>
@@ -27121,7 +27593,191 @@
 </ds:datastoreItem>
 </file>
 
-<file path=customXml/itemProps102.xml><?xml version="1.0" encoding="utf-8"?>
+<file path=customXml/itemProps156.xml><?xml version="1.0" encoding="utf-8"?>
+<ds:datastoreItem xmlns:ds="http://schemas.openxmlformats.org/officeDocument/2006/customXml" ds:itemID="{6555F547-BDDA-4C26-9CE1-4C61E93A284F}">
+  <ds:schemaRefs>
+    <ds:schemaRef ds:uri="http://schemas.microsoft.com/VisualStudio/2011/storyboarding/control"/>
+  </ds:schemaRefs>
+</ds:datastoreItem>
+</file>
+
+<file path=customXml/itemProps157.xml><?xml version="1.0" encoding="utf-8"?>
+<ds:datastoreItem xmlns:ds="http://schemas.openxmlformats.org/officeDocument/2006/customXml" ds:itemID="{48A06D39-512F-41A5-AE3C-7B4CDB4AC086}">
+  <ds:schemaRefs>
+    <ds:schemaRef ds:uri="http://schemas.microsoft.com/VisualStudio/2011/storyboarding/control"/>
+  </ds:schemaRefs>
+</ds:datastoreItem>
+</file>
+
+<file path=customXml/itemProps158.xml><?xml version="1.0" encoding="utf-8"?>
+<ds:datastoreItem xmlns:ds="http://schemas.openxmlformats.org/officeDocument/2006/customXml" ds:itemID="{FA597DE2-CFB0-4358-AA98-055ACAFB4418}">
+  <ds:schemaRefs>
+    <ds:schemaRef ds:uri="http://schemas.microsoft.com/VisualStudio/2011/storyboarding/control"/>
+  </ds:schemaRefs>
+</ds:datastoreItem>
+</file>
+
+<file path=customXml/itemProps159.xml><?xml version="1.0" encoding="utf-8"?>
+<ds:datastoreItem xmlns:ds="http://schemas.openxmlformats.org/officeDocument/2006/customXml" ds:itemID="{B8E12DBA-650B-4369-8B51-0ED5654ECE37}">
+  <ds:schemaRefs>
+    <ds:schemaRef ds:uri="http://schemas.microsoft.com/VisualStudio/2011/storyboarding/control"/>
+  </ds:schemaRefs>
+</ds:datastoreItem>
+</file>
+
+<file path=customXml/itemProps16.xml><?xml version="1.0" encoding="utf-8"?>
+<ds:datastoreItem xmlns:ds="http://schemas.openxmlformats.org/officeDocument/2006/customXml" ds:itemID="{7FDD124D-E3E9-4D15-9954-8BE945E00BA2}">
+  <ds:schemaRefs>
+    <ds:schemaRef ds:uri="http://schemas.microsoft.com/VisualStudio/2011/storyboarding/control"/>
+  </ds:schemaRefs>
+</ds:datastoreItem>
+</file>
+
+<file path=customXml/itemProps160.xml><?xml version="1.0" encoding="utf-8"?>
+<ds:datastoreItem xmlns:ds="http://schemas.openxmlformats.org/officeDocument/2006/customXml" ds:itemID="{6BD97E69-24BE-47DA-8FEB-131A11003B19}">
+  <ds:schemaRefs>
+    <ds:schemaRef ds:uri="http://schemas.microsoft.com/VisualStudio/2011/storyboarding/control"/>
+  </ds:schemaRefs>
+</ds:datastoreItem>
+</file>
+
+<file path=customXml/itemProps161.xml><?xml version="1.0" encoding="utf-8"?>
+<ds:datastoreItem xmlns:ds="http://schemas.openxmlformats.org/officeDocument/2006/customXml" ds:itemID="{10A6C904-68E1-4411-B457-0419F97C209A}">
+  <ds:schemaRefs>
+    <ds:schemaRef ds:uri="http://schemas.microsoft.com/VisualStudio/2011/storyboarding/control"/>
+  </ds:schemaRefs>
+</ds:datastoreItem>
+</file>
+
+<file path=customXml/itemProps162.xml><?xml version="1.0" encoding="utf-8"?>
+<ds:datastoreItem xmlns:ds="http://schemas.openxmlformats.org/officeDocument/2006/customXml" ds:itemID="{7EC308D9-C28D-40CD-AB00-4A98E0A77CCC}">
+  <ds:schemaRefs>
+    <ds:schemaRef ds:uri="http://schemas.microsoft.com/VisualStudio/2011/storyboarding/control"/>
+  </ds:schemaRefs>
+</ds:datastoreItem>
+</file>
+
+<file path=customXml/itemProps163.xml><?xml version="1.0" encoding="utf-8"?>
+<ds:datastoreItem xmlns:ds="http://schemas.openxmlformats.org/officeDocument/2006/customXml" ds:itemID="{0D8F2650-9E27-4603-BD35-5A059BB60334}">
+  <ds:schemaRefs>
+    <ds:schemaRef ds:uri="http://schemas.microsoft.com/VisualStudio/2011/storyboarding/control"/>
+  </ds:schemaRefs>
+</ds:datastoreItem>
+</file>
+
+<file path=customXml/itemProps164.xml><?xml version="1.0" encoding="utf-8"?>
+<ds:datastoreItem xmlns:ds="http://schemas.openxmlformats.org/officeDocument/2006/customXml" ds:itemID="{0D174F31-1395-420D-AE3A-5DBEFF0F4455}">
+  <ds:schemaRefs>
+    <ds:schemaRef ds:uri="http://schemas.microsoft.com/VisualStudio/2011/storyboarding/control"/>
+  </ds:schemaRefs>
+</ds:datastoreItem>
+</file>
+
+<file path=customXml/itemProps165.xml><?xml version="1.0" encoding="utf-8"?>
+<ds:datastoreItem xmlns:ds="http://schemas.openxmlformats.org/officeDocument/2006/customXml" ds:itemID="{C65B337F-737A-48CA-8F75-978A60D7016D}">
+  <ds:schemaRefs>
+    <ds:schemaRef ds:uri="http://schemas.microsoft.com/VisualStudio/2011/storyboarding/control"/>
+  </ds:schemaRefs>
+</ds:datastoreItem>
+</file>
+
+<file path=customXml/itemProps166.xml><?xml version="1.0" encoding="utf-8"?>
+<ds:datastoreItem xmlns:ds="http://schemas.openxmlformats.org/officeDocument/2006/customXml" ds:itemID="{B01456BF-31CD-4F81-B283-64D56CC0D084}">
+  <ds:schemaRefs>
+    <ds:schemaRef ds:uri="http://schemas.microsoft.com/VisualStudio/2011/storyboarding/control"/>
+  </ds:schemaRefs>
+</ds:datastoreItem>
+</file>
+
+<file path=customXml/itemProps167.xml><?xml version="1.0" encoding="utf-8"?>
+<ds:datastoreItem xmlns:ds="http://schemas.openxmlformats.org/officeDocument/2006/customXml" ds:itemID="{876AF238-A0AE-4CE4-9709-BB19E770A0FF}">
+  <ds:schemaRefs>
+    <ds:schemaRef ds:uri="http://schemas.microsoft.com/VisualStudio/2011/storyboarding/control"/>
+  </ds:schemaRefs>
+</ds:datastoreItem>
+</file>
+
+<file path=customXml/itemProps168.xml><?xml version="1.0" encoding="utf-8"?>
+<ds:datastoreItem xmlns:ds="http://schemas.openxmlformats.org/officeDocument/2006/customXml" ds:itemID="{9DAE1F11-5474-4CAD-8EC7-A688E310A5AB}">
+  <ds:schemaRefs>
+    <ds:schemaRef ds:uri="http://schemas.microsoft.com/VisualStudio/2011/storyboarding/control"/>
+  </ds:schemaRefs>
+</ds:datastoreItem>
+</file>
+
+<file path=customXml/itemProps169.xml><?xml version="1.0" encoding="utf-8"?>
+<ds:datastoreItem xmlns:ds="http://schemas.openxmlformats.org/officeDocument/2006/customXml" ds:itemID="{42FDEB12-2513-4D55-BA2A-18EF5D159E91}">
+  <ds:schemaRefs>
+    <ds:schemaRef ds:uri="http://schemas.microsoft.com/VisualStudio/2011/storyboarding/control"/>
+  </ds:schemaRefs>
+</ds:datastoreItem>
+</file>
+
+<file path=customXml/itemProps17.xml><?xml version="1.0" encoding="utf-8"?>
+<ds:datastoreItem xmlns:ds="http://schemas.openxmlformats.org/officeDocument/2006/customXml" ds:itemID="{46C73D8E-C66E-4332-8B81-F1B9658FF49D}">
+  <ds:schemaRefs>
+    <ds:schemaRef ds:uri="http://schemas.microsoft.com/VisualStudio/2011/storyboarding/control"/>
+  </ds:schemaRefs>
+</ds:datastoreItem>
+</file>
+
+<file path=customXml/itemProps170.xml><?xml version="1.0" encoding="utf-8"?>
+<ds:datastoreItem xmlns:ds="http://schemas.openxmlformats.org/officeDocument/2006/customXml" ds:itemID="{3339E7B3-364E-4EE1-ABAB-0EFEF3F7CE1F}">
+  <ds:schemaRefs>
+    <ds:schemaRef ds:uri="http://schemas.microsoft.com/VisualStudio/2011/storyboarding/control"/>
+  </ds:schemaRefs>
+</ds:datastoreItem>
+</file>
+
+<file path=customXml/itemProps171.xml><?xml version="1.0" encoding="utf-8"?>
+<ds:datastoreItem xmlns:ds="http://schemas.openxmlformats.org/officeDocument/2006/customXml" ds:itemID="{7989F8B3-8E20-4455-9310-361DF73D03B3}">
+  <ds:schemaRefs>
+    <ds:schemaRef ds:uri="http://schemas.microsoft.com/VisualStudio/2011/storyboarding/control"/>
+  </ds:schemaRefs>
+</ds:datastoreItem>
+</file>
+
+<file path=customXml/itemProps172.xml><?xml version="1.0" encoding="utf-8"?>
+<ds:datastoreItem xmlns:ds="http://schemas.openxmlformats.org/officeDocument/2006/customXml" ds:itemID="{C8AF95B6-D0D3-4619-AB57-6FEEA90FA132}">
+  <ds:schemaRefs>
+    <ds:schemaRef ds:uri="http://schemas.microsoft.com/VisualStudio/2011/storyboarding/control"/>
+  </ds:schemaRefs>
+</ds:datastoreItem>
+</file>
+
+<file path=customXml/itemProps173.xml><?xml version="1.0" encoding="utf-8"?>
+<ds:datastoreItem xmlns:ds="http://schemas.openxmlformats.org/officeDocument/2006/customXml" ds:itemID="{9C6114CB-F4BA-4F35-827A-2DA5F8B255B0}">
+  <ds:schemaRefs>
+    <ds:schemaRef ds:uri="http://schemas.microsoft.com/VisualStudio/2011/storyboarding/control"/>
+  </ds:schemaRefs>
+</ds:datastoreItem>
+</file>
+
+<file path=customXml/itemProps174.xml><?xml version="1.0" encoding="utf-8"?>
+<ds:datastoreItem xmlns:ds="http://schemas.openxmlformats.org/officeDocument/2006/customXml" ds:itemID="{2E8BF867-BA02-4DD2-B1A2-C9A27CC92F1F}">
+  <ds:schemaRefs>
+    <ds:schemaRef ds:uri="http://schemas.microsoft.com/VisualStudio/2011/storyboarding/control"/>
+  </ds:schemaRefs>
+</ds:datastoreItem>
+</file>
+
+<file path=customXml/itemProps175.xml><?xml version="1.0" encoding="utf-8"?>
+<ds:datastoreItem xmlns:ds="http://schemas.openxmlformats.org/officeDocument/2006/customXml" ds:itemID="{99FFFAFB-7A40-49A1-B04F-4A1F6ECF0BAF}">
+  <ds:schemaRefs>
+    <ds:schemaRef ds:uri="http://schemas.microsoft.com/VisualStudio/2011/storyboarding/control"/>
+  </ds:schemaRefs>
+</ds:datastoreItem>
+</file>
+
+<file path=customXml/itemProps176.xml><?xml version="1.0" encoding="utf-8"?>
+<ds:datastoreItem xmlns:ds="http://schemas.openxmlformats.org/officeDocument/2006/customXml" ds:itemID="{C14734D5-9FB1-4C35-A180-105B4BA15CD3}">
+  <ds:schemaRefs>
+    <ds:schemaRef ds:uri="http://schemas.microsoft.com/VisualStudio/2011/storyboarding/control"/>
+  </ds:schemaRefs>
+</ds:datastoreItem>
+</file>
+
+<file path=customXml/itemProps177.xml><?xml version="1.0" encoding="utf-8"?>
 <ds:datastoreItem xmlns:ds="http://schemas.openxmlformats.org/officeDocument/2006/customXml" ds:itemID="{4ABC8992-C4EA-45C3-A598-324942FE08FB}">
   <ds:schemaRefs>
     <ds:schemaRef ds:uri="http://schemas.microsoft.com/VisualStudio/2011/storyboarding/control"/>
@@ -27129,63 +27785,103 @@
 </ds:datastoreItem>
 </file>
 
-<file path=customXml/itemProps103.xml><?xml version="1.0" encoding="utf-8"?>
-<ds:datastoreItem xmlns:ds="http://schemas.openxmlformats.org/officeDocument/2006/customXml" ds:itemID="{3CA43762-3F39-470A-9564-3739655F8186}">
+<file path=customXml/itemProps178.xml><?xml version="1.0" encoding="utf-8"?>
+<ds:datastoreItem xmlns:ds="http://schemas.openxmlformats.org/officeDocument/2006/customXml" ds:itemID="{1159427B-15B9-477B-8DAD-D7C81D705523}">
   <ds:schemaRefs>
     <ds:schemaRef ds:uri="http://schemas.microsoft.com/VisualStudio/2011/storyboarding/control"/>
   </ds:schemaRefs>
 </ds:datastoreItem>
 </file>
 
-<file path=customXml/itemProps104.xml><?xml version="1.0" encoding="utf-8"?>
-<ds:datastoreItem xmlns:ds="http://schemas.openxmlformats.org/officeDocument/2006/customXml" ds:itemID="{6E9F6603-6B7C-453B-A486-459839EF1163}">
+<file path=customXml/itemProps179.xml><?xml version="1.0" encoding="utf-8"?>
+<ds:datastoreItem xmlns:ds="http://schemas.openxmlformats.org/officeDocument/2006/customXml" ds:itemID="{FD6778B7-8FE2-4C81-885D-09500CE283B1}">
   <ds:schemaRefs>
     <ds:schemaRef ds:uri="http://schemas.microsoft.com/VisualStudio/2011/storyboarding/control"/>
   </ds:schemaRefs>
 </ds:datastoreItem>
 </file>
 
-<file path=customXml/itemProps105.xml><?xml version="1.0" encoding="utf-8"?>
-<ds:datastoreItem xmlns:ds="http://schemas.openxmlformats.org/officeDocument/2006/customXml" ds:itemID="{A41DC63A-40F8-492D-A1AF-3E8E88975D17}">
+<file path=customXml/itemProps18.xml><?xml version="1.0" encoding="utf-8"?>
+<ds:datastoreItem xmlns:ds="http://schemas.openxmlformats.org/officeDocument/2006/customXml" ds:itemID="{8481EF94-D4A7-4149-8E7B-C8738D2597CA}">
   <ds:schemaRefs>
     <ds:schemaRef ds:uri="http://schemas.microsoft.com/VisualStudio/2011/storyboarding/control"/>
   </ds:schemaRefs>
 </ds:datastoreItem>
 </file>
 
-<file path=customXml/itemProps106.xml><?xml version="1.0" encoding="utf-8"?>
-<ds:datastoreItem xmlns:ds="http://schemas.openxmlformats.org/officeDocument/2006/customXml" ds:itemID="{650ADCBF-4D86-43BF-9817-E7EF6E55BBE7}">
+<file path=customXml/itemProps180.xml><?xml version="1.0" encoding="utf-8"?>
+<ds:datastoreItem xmlns:ds="http://schemas.openxmlformats.org/officeDocument/2006/customXml" ds:itemID="{990EA9D7-70A1-4B9E-958D-6A0136D68D06}">
   <ds:schemaRefs>
     <ds:schemaRef ds:uri="http://schemas.microsoft.com/VisualStudio/2011/storyboarding/control"/>
   </ds:schemaRefs>
 </ds:datastoreItem>
 </file>
 
-<file path=customXml/itemProps107.xml><?xml version="1.0" encoding="utf-8"?>
-<ds:datastoreItem xmlns:ds="http://schemas.openxmlformats.org/officeDocument/2006/customXml" ds:itemID="{7EA327E3-FCFB-4008-8DED-CE47F66639FD}">
+<file path=customXml/itemProps181.xml><?xml version="1.0" encoding="utf-8"?>
+<ds:datastoreItem xmlns:ds="http://schemas.openxmlformats.org/officeDocument/2006/customXml" ds:itemID="{70E3F600-4C8D-4A3A-BE16-3540F66AD848}">
   <ds:schemaRefs>
     <ds:schemaRef ds:uri="http://schemas.microsoft.com/VisualStudio/2011/storyboarding/control"/>
   </ds:schemaRefs>
 </ds:datastoreItem>
 </file>
 
-<file path=customXml/itemProps108.xml><?xml version="1.0" encoding="utf-8"?>
-<ds:datastoreItem xmlns:ds="http://schemas.openxmlformats.org/officeDocument/2006/customXml" ds:itemID="{D9B490FA-A64C-40B6-8247-CD5808900A10}">
+<file path=customXml/itemProps182.xml><?xml version="1.0" encoding="utf-8"?>
+<ds:datastoreItem xmlns:ds="http://schemas.openxmlformats.org/officeDocument/2006/customXml" ds:itemID="{83526E43-CC5B-4399-8E1C-823585530259}">
   <ds:schemaRefs>
     <ds:schemaRef ds:uri="http://schemas.microsoft.com/VisualStudio/2011/storyboarding/control"/>
   </ds:schemaRefs>
 </ds:datastoreItem>
 </file>
 
-<file path=customXml/itemProps109.xml><?xml version="1.0" encoding="utf-8"?>
-<ds:datastoreItem xmlns:ds="http://schemas.openxmlformats.org/officeDocument/2006/customXml" ds:itemID="{6226C0E4-0364-460C-AAB7-9D347567DCC8}">
+<file path=customXml/itemProps183.xml><?xml version="1.0" encoding="utf-8"?>
+<ds:datastoreItem xmlns:ds="http://schemas.openxmlformats.org/officeDocument/2006/customXml" ds:itemID="{ACB3927E-D579-4694-AD01-62FF7AA261C4}">
   <ds:schemaRefs>
     <ds:schemaRef ds:uri="http://schemas.microsoft.com/VisualStudio/2011/storyboarding/control"/>
   </ds:schemaRefs>
 </ds:datastoreItem>
 </file>
 
-<file path=customXml/itemProps11.xml><?xml version="1.0" encoding="utf-8"?>
+<file path=customXml/itemProps184.xml><?xml version="1.0" encoding="utf-8"?>
+<ds:datastoreItem xmlns:ds="http://schemas.openxmlformats.org/officeDocument/2006/customXml" ds:itemID="{425D7E26-BB5E-460D-97B3-E693C38FDA69}">
+  <ds:schemaRefs>
+    <ds:schemaRef ds:uri="http://schemas.microsoft.com/VisualStudio/2011/storyboarding/control"/>
+  </ds:schemaRefs>
+</ds:datastoreItem>
+</file>
+
+<file path=customXml/itemProps185.xml><?xml version="1.0" encoding="utf-8"?>
+<ds:datastoreItem xmlns:ds="http://schemas.openxmlformats.org/officeDocument/2006/customXml" ds:itemID="{B7D85223-23F1-4ACF-89DD-EE38AA7E4772}">
+  <ds:schemaRefs>
+    <ds:schemaRef ds:uri="http://schemas.microsoft.com/VisualStudio/2011/storyboarding/control"/>
+  </ds:schemaRefs>
+</ds:datastoreItem>
+</file>
+
+<file path=customXml/itemProps186.xml><?xml version="1.0" encoding="utf-8"?>
+<ds:datastoreItem xmlns:ds="http://schemas.openxmlformats.org/officeDocument/2006/customXml" ds:itemID="{A1F43F78-8591-47F2-9A56-991B5C2DCCFC}">
+  <ds:schemaRefs>
+    <ds:schemaRef ds:uri="http://schemas.microsoft.com/VisualStudio/2011/storyboarding/control"/>
+  </ds:schemaRefs>
+</ds:datastoreItem>
+</file>
+
+<file path=customXml/itemProps187.xml><?xml version="1.0" encoding="utf-8"?>
+<ds:datastoreItem xmlns:ds="http://schemas.openxmlformats.org/officeDocument/2006/customXml" ds:itemID="{E0FB4629-EC57-49BA-A2DF-156D734D924B}">
+  <ds:schemaRefs>
+    <ds:schemaRef ds:uri="http://schemas.microsoft.com/VisualStudio/2011/storyboarding/control"/>
+  </ds:schemaRefs>
+</ds:datastoreItem>
+</file>
+
+<file path=customXml/itemProps19.xml><?xml version="1.0" encoding="utf-8"?>
+<ds:datastoreItem xmlns:ds="http://schemas.openxmlformats.org/officeDocument/2006/customXml" ds:itemID="{0B5327E3-0261-4B48-BF6B-FF0257762827}">
+  <ds:schemaRefs>
+    <ds:schemaRef ds:uri="http://schemas.microsoft.com/VisualStudio/2011/storyboarding/control"/>
+  </ds:schemaRefs>
+</ds:datastoreItem>
+</file>
+
+<file path=customXml/itemProps2.xml><?xml version="1.0" encoding="utf-8"?>
 <ds:datastoreItem xmlns:ds="http://schemas.openxmlformats.org/officeDocument/2006/customXml" ds:itemID="{A05C083F-66B9-4E32-B2F5-E377C3A489DF}">
   <ds:schemaRefs>
     <ds:schemaRef ds:uri="http://schemas.microsoft.com/VisualStudio/2011/storyboarding/control"/>
@@ -27193,31 +27889,15 @@
 </ds:datastoreItem>
 </file>
 
-<file path=customXml/itemProps110.xml><?xml version="1.0" encoding="utf-8"?>
-<ds:datastoreItem xmlns:ds="http://schemas.openxmlformats.org/officeDocument/2006/customXml" ds:itemID="{4933C5B9-7038-46C8-B65F-9FC1C846A3E0}">
+<file path=customXml/itemProps20.xml><?xml version="1.0" encoding="utf-8"?>
+<ds:datastoreItem xmlns:ds="http://schemas.openxmlformats.org/officeDocument/2006/customXml" ds:itemID="{B0C9E300-5CAC-4E8C-B9CB-B4EDDB0EC3C8}">
   <ds:schemaRefs>
     <ds:schemaRef ds:uri="http://schemas.microsoft.com/VisualStudio/2011/storyboarding/control"/>
   </ds:schemaRefs>
 </ds:datastoreItem>
 </file>
 
-<file path=customXml/itemProps111.xml><?xml version="1.0" encoding="utf-8"?>
-<ds:datastoreItem xmlns:ds="http://schemas.openxmlformats.org/officeDocument/2006/customXml" ds:itemID="{CE225F83-8706-4484-B4DE-2B7E506A1F45}">
-  <ds:schemaRefs>
-    <ds:schemaRef ds:uri="http://schemas.microsoft.com/VisualStudio/2011/storyboarding/control"/>
-  </ds:schemaRefs>
-</ds:datastoreItem>
-</file>
-
-<file path=customXml/itemProps112.xml><?xml version="1.0" encoding="utf-8"?>
-<ds:datastoreItem xmlns:ds="http://schemas.openxmlformats.org/officeDocument/2006/customXml" ds:itemID="{42FDEB12-2513-4D55-BA2A-18EF5D159E91}">
-  <ds:schemaRefs>
-    <ds:schemaRef ds:uri="http://schemas.microsoft.com/VisualStudio/2011/storyboarding/control"/>
-  </ds:schemaRefs>
-</ds:datastoreItem>
-</file>
-
-<file path=customXml/itemProps113.xml><?xml version="1.0" encoding="utf-8"?>
+<file path=customXml/itemProps21.xml><?xml version="1.0" encoding="utf-8"?>
 <ds:datastoreItem xmlns:ds="http://schemas.openxmlformats.org/officeDocument/2006/customXml" ds:itemID="{C170435E-AA56-4732-BD81-63AD243D433D}">
   <ds:schemaRefs>
     <ds:schemaRef ds:uri="http://schemas.microsoft.com/VisualStudio/2011/storyboarding/control"/>
@@ -27225,39 +27905,7 @@
 </ds:datastoreItem>
 </file>
 
-<file path=customXml/itemProps114.xml><?xml version="1.0" encoding="utf-8"?>
-<ds:datastoreItem xmlns:ds="http://schemas.openxmlformats.org/officeDocument/2006/customXml" ds:itemID="{F2B3FB12-0841-4AD8-9A0B-0A04CC6A8CFC}">
-  <ds:schemaRefs>
-    <ds:schemaRef ds:uri="http://schemas.microsoft.com/VisualStudio/2011/storyboarding/control"/>
-  </ds:schemaRefs>
-</ds:datastoreItem>
-</file>
-
-<file path=customXml/itemProps115.xml><?xml version="1.0" encoding="utf-8"?>
-<ds:datastoreItem xmlns:ds="http://schemas.openxmlformats.org/officeDocument/2006/customXml" ds:itemID="{7A7C8F38-0BA1-42E1-8BF5-DEED4B0E03B5}">
-  <ds:schemaRefs>
-    <ds:schemaRef ds:uri="http://schemas.microsoft.com/VisualStudio/2011/storyboarding/control"/>
-  </ds:schemaRefs>
-</ds:datastoreItem>
-</file>
-
-<file path=customXml/itemProps116.xml><?xml version="1.0" encoding="utf-8"?>
-<ds:datastoreItem xmlns:ds="http://schemas.openxmlformats.org/officeDocument/2006/customXml" ds:itemID="{7D7DCE13-136F-43F5-85AB-F325A838BD5C}">
-  <ds:schemaRefs>
-    <ds:schemaRef ds:uri="http://schemas.microsoft.com/VisualStudio/2011/storyboarding/control"/>
-  </ds:schemaRefs>
-</ds:datastoreItem>
-</file>
-
-<file path=customXml/itemProps117.xml><?xml version="1.0" encoding="utf-8"?>
-<ds:datastoreItem xmlns:ds="http://schemas.openxmlformats.org/officeDocument/2006/customXml" ds:itemID="{990EA9D7-70A1-4B9E-958D-6A0136D68D06}">
-  <ds:schemaRefs>
-    <ds:schemaRef ds:uri="http://schemas.microsoft.com/VisualStudio/2011/storyboarding/control"/>
-  </ds:schemaRefs>
-</ds:datastoreItem>
-</file>
-
-<file path=customXml/itemProps118.xml><?xml version="1.0" encoding="utf-8"?>
+<file path=customXml/itemProps22.xml><?xml version="1.0" encoding="utf-8"?>
 <ds:datastoreItem xmlns:ds="http://schemas.openxmlformats.org/officeDocument/2006/customXml" ds:itemID="{F9C34A43-6DD3-45D9-8C33-A2A94686CFF4}">
   <ds:schemaRefs>
     <ds:schemaRef ds:uri="http://schemas.microsoft.com/VisualStudio/2011/storyboarding/control"/>
@@ -27265,15 +27913,79 @@
 </ds:datastoreItem>
 </file>
 
-<file path=customXml/itemProps119.xml><?xml version="1.0" encoding="utf-8"?>
-<ds:datastoreItem xmlns:ds="http://schemas.openxmlformats.org/officeDocument/2006/customXml" ds:itemID="{9DAF7C4A-2E75-435E-8C11-B1DC53AC52EB}">
+<file path=customXml/itemProps23.xml><?xml version="1.0" encoding="utf-8"?>
+<ds:datastoreItem xmlns:ds="http://schemas.openxmlformats.org/officeDocument/2006/customXml" ds:itemID="{3E700196-0E07-41FC-8F78-80FE3D9018FD}">
   <ds:schemaRefs>
     <ds:schemaRef ds:uri="http://schemas.microsoft.com/VisualStudio/2011/storyboarding/control"/>
   </ds:schemaRefs>
 </ds:datastoreItem>
 </file>
 
-<file path=customXml/itemProps12.xml><?xml version="1.0" encoding="utf-8"?>
+<file path=customXml/itemProps24.xml><?xml version="1.0" encoding="utf-8"?>
+<ds:datastoreItem xmlns:ds="http://schemas.openxmlformats.org/officeDocument/2006/customXml" ds:itemID="{8A260A91-3FD6-475C-8E6F-434835560933}">
+  <ds:schemaRefs>
+    <ds:schemaRef ds:uri="http://schemas.microsoft.com/VisualStudio/2011/storyboarding/control"/>
+  </ds:schemaRefs>
+</ds:datastoreItem>
+</file>
+
+<file path=customXml/itemProps25.xml><?xml version="1.0" encoding="utf-8"?>
+<ds:datastoreItem xmlns:ds="http://schemas.openxmlformats.org/officeDocument/2006/customXml" ds:itemID="{559BF73F-CE64-4B91-BD49-510468F35CB9}">
+  <ds:schemaRefs>
+    <ds:schemaRef ds:uri="http://schemas.microsoft.com/VisualStudio/2011/storyboarding/control"/>
+  </ds:schemaRefs>
+</ds:datastoreItem>
+</file>
+
+<file path=customXml/itemProps26.xml><?xml version="1.0" encoding="utf-8"?>
+<ds:datastoreItem xmlns:ds="http://schemas.openxmlformats.org/officeDocument/2006/customXml" ds:itemID="{3DDBA3E6-6C5A-4905-87BF-300A95711014}">
+  <ds:schemaRefs>
+    <ds:schemaRef ds:uri="http://schemas.microsoft.com/VisualStudio/2011/storyboarding/control"/>
+  </ds:schemaRefs>
+</ds:datastoreItem>
+</file>
+
+<file path=customXml/itemProps27.xml><?xml version="1.0" encoding="utf-8"?>
+<ds:datastoreItem xmlns:ds="http://schemas.openxmlformats.org/officeDocument/2006/customXml" ds:itemID="{D54CCA4C-C7B0-4AED-9D56-0F76C035783B}">
+  <ds:schemaRefs>
+    <ds:schemaRef ds:uri="http://schemas.microsoft.com/VisualStudio/2011/storyboarding/control"/>
+  </ds:schemaRefs>
+</ds:datastoreItem>
+</file>
+
+<file path=customXml/itemProps28.xml><?xml version="1.0" encoding="utf-8"?>
+<ds:datastoreItem xmlns:ds="http://schemas.openxmlformats.org/officeDocument/2006/customXml" ds:itemID="{2AEF63D2-D198-4CCC-904A-422119B9CA6F}">
+  <ds:schemaRefs>
+    <ds:schemaRef ds:uri="http://schemas.microsoft.com/VisualStudio/2011/storyboarding/control"/>
+  </ds:schemaRefs>
+</ds:datastoreItem>
+</file>
+
+<file path=customXml/itemProps29.xml><?xml version="1.0" encoding="utf-8"?>
+<ds:datastoreItem xmlns:ds="http://schemas.openxmlformats.org/officeDocument/2006/customXml" ds:itemID="{215132C6-5D8F-4E41-9882-494A7FC0C124}">
+  <ds:schemaRefs>
+    <ds:schemaRef ds:uri="http://schemas.microsoft.com/VisualStudio/2011/storyboarding/control"/>
+  </ds:schemaRefs>
+</ds:datastoreItem>
+</file>
+
+<file path=customXml/itemProps3.xml><?xml version="1.0" encoding="utf-8"?>
+<ds:datastoreItem xmlns:ds="http://schemas.openxmlformats.org/officeDocument/2006/customXml" ds:itemID="{E0CC2506-29F9-46DF-9492-65B12C0522D5}">
+  <ds:schemaRefs>
+    <ds:schemaRef ds:uri="http://schemas.microsoft.com/VisualStudio/2011/storyboarding/control"/>
+  </ds:schemaRefs>
+</ds:datastoreItem>
+</file>
+
+<file path=customXml/itemProps30.xml><?xml version="1.0" encoding="utf-8"?>
+<ds:datastoreItem xmlns:ds="http://schemas.openxmlformats.org/officeDocument/2006/customXml" ds:itemID="{6E62CDAE-686E-4F52-AABB-86BDB1154A1E}">
+  <ds:schemaRefs>
+    <ds:schemaRef ds:uri="http://schemas.microsoft.com/VisualStudio/2011/storyboarding/control"/>
+  </ds:schemaRefs>
+</ds:datastoreItem>
+</file>
+
+<file path=customXml/itemProps31.xml><?xml version="1.0" encoding="utf-8"?>
 <ds:datastoreItem xmlns:ds="http://schemas.openxmlformats.org/officeDocument/2006/customXml" ds:itemID="{E9B3074F-7568-498E-AB18-CABC99245B58}">
   <ds:schemaRefs>
     <ds:schemaRef ds:uri="http://schemas.microsoft.com/VisualStudio/2011/storyboarding/control"/>
@@ -27281,720 +27993,8 @@
 </ds:datastoreItem>
 </file>
 
-<file path=customXml/itemProps120.xml><?xml version="1.0" encoding="utf-8"?>
-<ds:datastoreItem xmlns:ds="http://schemas.openxmlformats.org/officeDocument/2006/customXml" ds:itemID="{DC24DB23-C3E0-4806-934A-5531299BFC48}">
-  <ds:schemaRefs>
-    <ds:schemaRef ds:uri="http://schemas.microsoft.com/VisualStudio/2011/storyboarding/control"/>
-  </ds:schemaRefs>
-</ds:datastoreItem>
-</file>
-
-<file path=customXml/itemProps121.xml><?xml version="1.0" encoding="utf-8"?>
-<ds:datastoreItem xmlns:ds="http://schemas.openxmlformats.org/officeDocument/2006/customXml" ds:itemID="{B0402FE7-8C5A-480B-84D5-E3BA5D7DDA9A}">
-  <ds:schemaRefs>
-    <ds:schemaRef ds:uri="http://schemas.microsoft.com/VisualStudio/2011/storyboarding/control"/>
-  </ds:schemaRefs>
-</ds:datastoreItem>
-</file>
-
-<file path=customXml/itemProps122.xml><?xml version="1.0" encoding="utf-8"?>
-<ds:datastoreItem xmlns:ds="http://schemas.openxmlformats.org/officeDocument/2006/customXml" ds:itemID="{6555F547-BDDA-4C26-9CE1-4C61E93A284F}">
-  <ds:schemaRefs>
-    <ds:schemaRef ds:uri="http://schemas.microsoft.com/VisualStudio/2011/storyboarding/control"/>
-  </ds:schemaRefs>
-</ds:datastoreItem>
-</file>
-
-<file path=customXml/itemProps123.xml><?xml version="1.0" encoding="utf-8"?>
-<ds:datastoreItem xmlns:ds="http://schemas.openxmlformats.org/officeDocument/2006/customXml" ds:itemID="{1159427B-15B9-477B-8DAD-D7C81D705523}">
-  <ds:schemaRefs>
-    <ds:schemaRef ds:uri="http://schemas.microsoft.com/VisualStudio/2011/storyboarding/control"/>
-  </ds:schemaRefs>
-</ds:datastoreItem>
-</file>
-
-<file path=customXml/itemProps124.xml><?xml version="1.0" encoding="utf-8"?>
-<ds:datastoreItem xmlns:ds="http://schemas.openxmlformats.org/officeDocument/2006/customXml" ds:itemID="{46365B3F-8663-4379-AD5B-D0EABBC1EDD3}">
-  <ds:schemaRefs>
-    <ds:schemaRef ds:uri="http://schemas.microsoft.com/VisualStudio/2011/storyboarding/control"/>
-  </ds:schemaRefs>
-</ds:datastoreItem>
-</file>
-
-<file path=customXml/itemProps125.xml><?xml version="1.0" encoding="utf-8"?>
-<ds:datastoreItem xmlns:ds="http://schemas.openxmlformats.org/officeDocument/2006/customXml" ds:itemID="{BC9894E6-7AC8-4518-A802-8C98F8565837}">
-  <ds:schemaRefs>
-    <ds:schemaRef ds:uri="http://schemas.microsoft.com/VisualStudio/2011/storyboarding/control"/>
-  </ds:schemaRefs>
-</ds:datastoreItem>
-</file>
-
-<file path=customXml/itemProps126.xml><?xml version="1.0" encoding="utf-8"?>
-<ds:datastoreItem xmlns:ds="http://schemas.openxmlformats.org/officeDocument/2006/customXml" ds:itemID="{CABD2B3A-1161-43E2-BA83-58E6B897C9BF}">
-  <ds:schemaRefs>
-    <ds:schemaRef ds:uri="http://schemas.microsoft.com/VisualStudio/2011/storyboarding/control"/>
-  </ds:schemaRefs>
-</ds:datastoreItem>
-</file>
-
-<file path=customXml/itemProps127.xml><?xml version="1.0" encoding="utf-8"?>
-<ds:datastoreItem xmlns:ds="http://schemas.openxmlformats.org/officeDocument/2006/customXml" ds:itemID="{1F111213-9B54-4464-8973-266EF211797B}">
-  <ds:schemaRefs>
-    <ds:schemaRef ds:uri="http://schemas.microsoft.com/VisualStudio/2011/storyboarding/control"/>
-  </ds:schemaRefs>
-</ds:datastoreItem>
-</file>
-
-<file path=customXml/itemProps128.xml><?xml version="1.0" encoding="utf-8"?>
-<ds:datastoreItem xmlns:ds="http://schemas.openxmlformats.org/officeDocument/2006/customXml" ds:itemID="{17A9B085-8E1A-4A33-B871-8166221A211A}">
-  <ds:schemaRefs>
-    <ds:schemaRef ds:uri="http://schemas.microsoft.com/VisualStudio/2011/storyboarding/control"/>
-  </ds:schemaRefs>
-</ds:datastoreItem>
-</file>
-
-<file path=customXml/itemProps129.xml><?xml version="1.0" encoding="utf-8"?>
-<ds:datastoreItem xmlns:ds="http://schemas.openxmlformats.org/officeDocument/2006/customXml" ds:itemID="{914EB071-267D-4D23-8EAD-39A664DF70DC}">
-  <ds:schemaRefs>
-    <ds:schemaRef ds:uri="http://schemas.microsoft.com/VisualStudio/2011/storyboarding/control"/>
-  </ds:schemaRefs>
-</ds:datastoreItem>
-</file>
-
-<file path=customXml/itemProps13.xml><?xml version="1.0" encoding="utf-8"?>
-<ds:datastoreItem xmlns:ds="http://schemas.openxmlformats.org/officeDocument/2006/customXml" ds:itemID="{8F7399B1-A9DB-4D84-95B4-5DD6BBAA5187}">
-  <ds:schemaRefs>
-    <ds:schemaRef ds:uri="http://schemas.microsoft.com/VisualStudio/2011/storyboarding/control"/>
-  </ds:schemaRefs>
-</ds:datastoreItem>
-</file>
-
-<file path=customXml/itemProps130.xml><?xml version="1.0" encoding="utf-8"?>
-<ds:datastoreItem xmlns:ds="http://schemas.openxmlformats.org/officeDocument/2006/customXml" ds:itemID="{B8677481-C0C6-468D-8B15-ECE0CB48746C}">
-  <ds:schemaRefs>
-    <ds:schemaRef ds:uri="http://schemas.microsoft.com/VisualStudio/2011/storyboarding/control"/>
-  </ds:schemaRefs>
-</ds:datastoreItem>
-</file>
-
-<file path=customXml/itemProps131.xml><?xml version="1.0" encoding="utf-8"?>
-<ds:datastoreItem xmlns:ds="http://schemas.openxmlformats.org/officeDocument/2006/customXml" ds:itemID="{C30452E4-8A6C-404A-B689-8E04350A6B59}">
-  <ds:schemaRefs>
-    <ds:schemaRef ds:uri="http://schemas.microsoft.com/VisualStudio/2011/storyboarding/control"/>
-  </ds:schemaRefs>
-</ds:datastoreItem>
-</file>
-
-<file path=customXml/itemProps132.xml><?xml version="1.0" encoding="utf-8"?>
-<ds:datastoreItem xmlns:ds="http://schemas.openxmlformats.org/officeDocument/2006/customXml" ds:itemID="{408DBD6E-BA86-4206-898C-8866D621C758}">
-  <ds:schemaRefs>
-    <ds:schemaRef ds:uri="http://schemas.microsoft.com/VisualStudio/2011/storyboarding/control"/>
-  </ds:schemaRefs>
-</ds:datastoreItem>
-</file>
-
-<file path=customXml/itemProps133.xml><?xml version="1.0" encoding="utf-8"?>
-<ds:datastoreItem xmlns:ds="http://schemas.openxmlformats.org/officeDocument/2006/customXml" ds:itemID="{3339E7B3-364E-4EE1-ABAB-0EFEF3F7CE1F}">
-  <ds:schemaRefs>
-    <ds:schemaRef ds:uri="http://schemas.microsoft.com/VisualStudio/2011/storyboarding/control"/>
-  </ds:schemaRefs>
-</ds:datastoreItem>
-</file>
-
-<file path=customXml/itemProps134.xml><?xml version="1.0" encoding="utf-8"?>
-<ds:datastoreItem xmlns:ds="http://schemas.openxmlformats.org/officeDocument/2006/customXml" ds:itemID="{3E700196-0E07-41FC-8F78-80FE3D9018FD}">
-  <ds:schemaRefs>
-    <ds:schemaRef ds:uri="http://schemas.microsoft.com/VisualStudio/2011/storyboarding/control"/>
-  </ds:schemaRefs>
-</ds:datastoreItem>
-</file>
-
-<file path=customXml/itemProps135.xml><?xml version="1.0" encoding="utf-8"?>
-<ds:datastoreItem xmlns:ds="http://schemas.openxmlformats.org/officeDocument/2006/customXml" ds:itemID="{EF5EA3E2-3902-4CA0-93F4-4F361DF72ABD}">
-  <ds:schemaRefs>
-    <ds:schemaRef ds:uri="http://schemas.microsoft.com/VisualStudio/2011/storyboarding/control"/>
-  </ds:schemaRefs>
-</ds:datastoreItem>
-</file>
-
-<file path=customXml/itemProps136.xml><?xml version="1.0" encoding="utf-8"?>
-<ds:datastoreItem xmlns:ds="http://schemas.openxmlformats.org/officeDocument/2006/customXml" ds:itemID="{D1100CDA-4C0B-4B20-A344-A7360173EF0F}">
-  <ds:schemaRefs>
-    <ds:schemaRef ds:uri="http://schemas.microsoft.com/VisualStudio/2011/storyboarding/control"/>
-  </ds:schemaRefs>
-</ds:datastoreItem>
-</file>
-
-<file path=customXml/itemProps137.xml><?xml version="1.0" encoding="utf-8"?>
-<ds:datastoreItem xmlns:ds="http://schemas.openxmlformats.org/officeDocument/2006/customXml" ds:itemID="{7D9FEB58-73F6-462F-A88A-C490995E4318}">
-  <ds:schemaRefs>
-    <ds:schemaRef ds:uri="http://schemas.microsoft.com/VisualStudio/2011/storyboarding/control"/>
-  </ds:schemaRefs>
-</ds:datastoreItem>
-</file>
-
-<file path=customXml/itemProps138.xml><?xml version="1.0" encoding="utf-8"?>
-<ds:datastoreItem xmlns:ds="http://schemas.openxmlformats.org/officeDocument/2006/customXml" ds:itemID="{B7D85223-23F1-4ACF-89DD-EE38AA7E4772}">
-  <ds:schemaRefs>
-    <ds:schemaRef ds:uri="http://schemas.microsoft.com/VisualStudio/2011/storyboarding/control"/>
-  </ds:schemaRefs>
-</ds:datastoreItem>
-</file>
-
-<file path=customXml/itemProps139.xml><?xml version="1.0" encoding="utf-8"?>
-<ds:datastoreItem xmlns:ds="http://schemas.openxmlformats.org/officeDocument/2006/customXml" ds:itemID="{8A260A91-3FD6-475C-8E6F-434835560933}">
-  <ds:schemaRefs>
-    <ds:schemaRef ds:uri="http://schemas.microsoft.com/VisualStudio/2011/storyboarding/control"/>
-  </ds:schemaRefs>
-</ds:datastoreItem>
-</file>
-
-<file path=customXml/itemProps14.xml><?xml version="1.0" encoding="utf-8"?>
-<ds:datastoreItem xmlns:ds="http://schemas.openxmlformats.org/officeDocument/2006/customXml" ds:itemID="{AF61DBC6-381C-43BF-8974-1BD37D61B73F}">
-  <ds:schemaRefs>
-    <ds:schemaRef ds:uri="http://schemas.microsoft.com/VisualStudio/2011/storyboarding/control"/>
-  </ds:schemaRefs>
-</ds:datastoreItem>
-</file>
-
-<file path=customXml/itemProps140.xml><?xml version="1.0" encoding="utf-8"?>
-<ds:datastoreItem xmlns:ds="http://schemas.openxmlformats.org/officeDocument/2006/customXml" ds:itemID="{E2D66C36-7379-4DD2-AA37-128CF4B262CF}">
-  <ds:schemaRefs>
-    <ds:schemaRef ds:uri="http://schemas.microsoft.com/VisualStudio/2011/storyboarding/control"/>
-  </ds:schemaRefs>
-</ds:datastoreItem>
-</file>
-
-<file path=customXml/itemProps141.xml><?xml version="1.0" encoding="utf-8"?>
-<ds:datastoreItem xmlns:ds="http://schemas.openxmlformats.org/officeDocument/2006/customXml" ds:itemID="{8EE50836-C4DB-4AC6-8DFD-677FDEAB9EAD}">
-  <ds:schemaRefs>
-    <ds:schemaRef ds:uri="http://schemas.microsoft.com/VisualStudio/2011/storyboarding/control"/>
-  </ds:schemaRefs>
-</ds:datastoreItem>
-</file>
-
-<file path=customXml/itemProps142.xml><?xml version="1.0" encoding="utf-8"?>
-<ds:datastoreItem xmlns:ds="http://schemas.openxmlformats.org/officeDocument/2006/customXml" ds:itemID="{F840D909-519B-49C3-9DCA-97C64A5B9C79}">
-  <ds:schemaRefs>
-    <ds:schemaRef ds:uri="http://schemas.microsoft.com/VisualStudio/2011/storyboarding/control"/>
-  </ds:schemaRefs>
-</ds:datastoreItem>
-</file>
-
-<file path=customXml/itemProps143.xml><?xml version="1.0" encoding="utf-8"?>
-<ds:datastoreItem xmlns:ds="http://schemas.openxmlformats.org/officeDocument/2006/customXml" ds:itemID="{48A06D39-512F-41A5-AE3C-7B4CDB4AC086}">
-  <ds:schemaRefs>
-    <ds:schemaRef ds:uri="http://schemas.microsoft.com/VisualStudio/2011/storyboarding/control"/>
-  </ds:schemaRefs>
-</ds:datastoreItem>
-</file>
-
-<file path=customXml/itemProps144.xml><?xml version="1.0" encoding="utf-8"?>
-<ds:datastoreItem xmlns:ds="http://schemas.openxmlformats.org/officeDocument/2006/customXml" ds:itemID="{FD6778B7-8FE2-4C81-885D-09500CE283B1}">
-  <ds:schemaRefs>
-    <ds:schemaRef ds:uri="http://schemas.microsoft.com/VisualStudio/2011/storyboarding/control"/>
-  </ds:schemaRefs>
-</ds:datastoreItem>
-</file>
-
-<file path=customXml/itemProps145.xml><?xml version="1.0" encoding="utf-8"?>
-<ds:datastoreItem xmlns:ds="http://schemas.openxmlformats.org/officeDocument/2006/customXml" ds:itemID="{C2FBE948-B9F1-4F1A-AC4F-03962924DC85}">
-  <ds:schemaRefs>
-    <ds:schemaRef ds:uri="http://schemas.microsoft.com/VisualStudio/2011/storyboarding/control"/>
-  </ds:schemaRefs>
-</ds:datastoreItem>
-</file>
-
-<file path=customXml/itemProps146.xml><?xml version="1.0" encoding="utf-8"?>
-<ds:datastoreItem xmlns:ds="http://schemas.openxmlformats.org/officeDocument/2006/customXml" ds:itemID="{6806E131-54C6-48B3-984A-5A1F4C5785D2}">
-  <ds:schemaRefs>
-    <ds:schemaRef ds:uri="http://schemas.microsoft.com/VisualStudio/2011/storyboarding/control"/>
-  </ds:schemaRefs>
-</ds:datastoreItem>
-</file>
-
-<file path=customXml/itemProps147.xml><?xml version="1.0" encoding="utf-8"?>
-<ds:datastoreItem xmlns:ds="http://schemas.openxmlformats.org/officeDocument/2006/customXml" ds:itemID="{A5548825-A252-43B9-8E93-D05CC009ABBE}">
-  <ds:schemaRefs>
-    <ds:schemaRef ds:uri="http://schemas.microsoft.com/VisualStudio/2011/storyboarding/control"/>
-  </ds:schemaRefs>
-</ds:datastoreItem>
-</file>
-
-<file path=customXml/itemProps148.xml><?xml version="1.0" encoding="utf-8"?>
-<ds:datastoreItem xmlns:ds="http://schemas.openxmlformats.org/officeDocument/2006/customXml" ds:itemID="{FA597DE2-CFB0-4358-AA98-055ACAFB4418}">
-  <ds:schemaRefs>
-    <ds:schemaRef ds:uri="http://schemas.microsoft.com/VisualStudio/2011/storyboarding/control"/>
-  </ds:schemaRefs>
-</ds:datastoreItem>
-</file>
-
-<file path=customXml/itemProps149.xml><?xml version="1.0" encoding="utf-8"?>
-<ds:datastoreItem xmlns:ds="http://schemas.openxmlformats.org/officeDocument/2006/customXml" ds:itemID="{701AFE5A-ADCF-4311-A5B5-18B338C7E907}">
-  <ds:schemaRefs>
-    <ds:schemaRef ds:uri="http://schemas.microsoft.com/VisualStudio/2011/storyboarding/control"/>
-  </ds:schemaRefs>
-</ds:datastoreItem>
-</file>
-
-<file path=customXml/itemProps15.xml><?xml version="1.0" encoding="utf-8"?>
-<ds:datastoreItem xmlns:ds="http://schemas.openxmlformats.org/officeDocument/2006/customXml" ds:itemID="{39E72E8E-79BB-456F-8049-0020919B4763}">
-  <ds:schemaRefs>
-    <ds:schemaRef ds:uri="http://schemas.microsoft.com/VisualStudio/2011/storyboarding/control"/>
-  </ds:schemaRefs>
-</ds:datastoreItem>
-</file>
-
-<file path=customXml/itemProps150.xml><?xml version="1.0" encoding="utf-8"?>
-<ds:datastoreItem xmlns:ds="http://schemas.openxmlformats.org/officeDocument/2006/customXml" ds:itemID="{D54CCA4C-C7B0-4AED-9D56-0F76C035783B}">
-  <ds:schemaRefs>
-    <ds:schemaRef ds:uri="http://schemas.microsoft.com/VisualStudio/2011/storyboarding/control"/>
-  </ds:schemaRefs>
-</ds:datastoreItem>
-</file>
-
-<file path=customXml/itemProps151.xml><?xml version="1.0" encoding="utf-8"?>
-<ds:datastoreItem xmlns:ds="http://schemas.openxmlformats.org/officeDocument/2006/customXml" ds:itemID="{F2C546CF-9CDC-44DE-AAD6-9FBD6A29F8B2}">
-  <ds:schemaRefs>
-    <ds:schemaRef ds:uri="http://schemas.microsoft.com/VisualStudio/2011/storyboarding/control"/>
-  </ds:schemaRefs>
-</ds:datastoreItem>
-</file>
-
-<file path=customXml/itemProps152.xml><?xml version="1.0" encoding="utf-8"?>
-<ds:datastoreItem xmlns:ds="http://schemas.openxmlformats.org/officeDocument/2006/customXml" ds:itemID="{161C1280-5A04-4E6E-8FE3-21E316A51B59}">
-  <ds:schemaRefs>
-    <ds:schemaRef ds:uri="http://schemas.microsoft.com/VisualStudio/2011/storyboarding/control"/>
-  </ds:schemaRefs>
-</ds:datastoreItem>
-</file>
-
-<file path=customXml/itemProps153.xml><?xml version="1.0" encoding="utf-8"?>
-<ds:datastoreItem xmlns:ds="http://schemas.openxmlformats.org/officeDocument/2006/customXml" ds:itemID="{A5B63E18-4237-42D4-B804-B83021F9E8A1}">
-  <ds:schemaRefs>
-    <ds:schemaRef ds:uri="http://schemas.microsoft.com/VisualStudio/2011/storyboarding/control"/>
-  </ds:schemaRefs>
-</ds:datastoreItem>
-</file>
-
-<file path=customXml/itemProps154.xml><?xml version="1.0" encoding="utf-8"?>
-<ds:datastoreItem xmlns:ds="http://schemas.openxmlformats.org/officeDocument/2006/customXml" ds:itemID="{7989F8B3-8E20-4455-9310-361DF73D03B3}">
-  <ds:schemaRefs>
-    <ds:schemaRef ds:uri="http://schemas.microsoft.com/VisualStudio/2011/storyboarding/control"/>
-  </ds:schemaRefs>
-</ds:datastoreItem>
-</file>
-
-<file path=customXml/itemProps155.xml><?xml version="1.0" encoding="utf-8"?>
-<ds:datastoreItem xmlns:ds="http://schemas.openxmlformats.org/officeDocument/2006/customXml" ds:itemID="{2AEF63D2-D198-4CCC-904A-422119B9CA6F}">
-  <ds:schemaRefs>
-    <ds:schemaRef ds:uri="http://schemas.microsoft.com/VisualStudio/2011/storyboarding/control"/>
-  </ds:schemaRefs>
-</ds:datastoreItem>
-</file>
-
-<file path=customXml/itemProps156.xml><?xml version="1.0" encoding="utf-8"?>
-<ds:datastoreItem xmlns:ds="http://schemas.openxmlformats.org/officeDocument/2006/customXml" ds:itemID="{F0564582-AFE3-40AE-AC24-282E787FE867}">
-  <ds:schemaRefs>
-    <ds:schemaRef ds:uri="http://schemas.microsoft.com/VisualStudio/2011/storyboarding/control"/>
-  </ds:schemaRefs>
-</ds:datastoreItem>
-</file>
-
-<file path=customXml/itemProps157.xml><?xml version="1.0" encoding="utf-8"?>
-<ds:datastoreItem xmlns:ds="http://schemas.openxmlformats.org/officeDocument/2006/customXml" ds:itemID="{C05A56CC-DCFE-4A97-B103-5E1633E28254}">
-  <ds:schemaRefs>
-    <ds:schemaRef ds:uri="http://schemas.microsoft.com/VisualStudio/2011/storyboarding/control"/>
-  </ds:schemaRefs>
-</ds:datastoreItem>
-</file>
-
-<file path=customXml/itemProps158.xml><?xml version="1.0" encoding="utf-8"?>
-<ds:datastoreItem xmlns:ds="http://schemas.openxmlformats.org/officeDocument/2006/customXml" ds:itemID="{8AE17CAA-BEF2-44CD-9DEE-2F8C17585A32}">
-  <ds:schemaRefs>
-    <ds:schemaRef ds:uri="http://schemas.microsoft.com/VisualStudio/2011/storyboarding/control"/>
-  </ds:schemaRefs>
-</ds:datastoreItem>
-</file>
-
-<file path=customXml/itemProps159.xml><?xml version="1.0" encoding="utf-8"?>
-<ds:datastoreItem xmlns:ds="http://schemas.openxmlformats.org/officeDocument/2006/customXml" ds:itemID="{A1F43F78-8591-47F2-9A56-991B5C2DCCFC}">
-  <ds:schemaRefs>
-    <ds:schemaRef ds:uri="http://schemas.microsoft.com/VisualStudio/2011/storyboarding/control"/>
-  </ds:schemaRefs>
-</ds:datastoreItem>
-</file>
-
-<file path=customXml/itemProps16.xml><?xml version="1.0" encoding="utf-8"?>
-<ds:datastoreItem xmlns:ds="http://schemas.openxmlformats.org/officeDocument/2006/customXml" ds:itemID="{9C6114CB-F4BA-4F35-827A-2DA5F8B255B0}">
-  <ds:schemaRefs>
-    <ds:schemaRef ds:uri="http://schemas.microsoft.com/VisualStudio/2011/storyboarding/control"/>
-  </ds:schemaRefs>
-</ds:datastoreItem>
-</file>
-
-<file path=customXml/itemProps160.xml><?xml version="1.0" encoding="utf-8"?>
-<ds:datastoreItem xmlns:ds="http://schemas.openxmlformats.org/officeDocument/2006/customXml" ds:itemID="{DAF42908-C10A-4B0A-BD53-0A9168593350}">
-  <ds:schemaRefs>
-    <ds:schemaRef ds:uri="http://schemas.microsoft.com/VisualStudio/2011/storyboarding/control"/>
-  </ds:schemaRefs>
-</ds:datastoreItem>
-</file>
-
-<file path=customXml/itemProps161.xml><?xml version="1.0" encoding="utf-8"?>
-<ds:datastoreItem xmlns:ds="http://schemas.openxmlformats.org/officeDocument/2006/customXml" ds:itemID="{9F2E68F6-6824-42A7-A3A1-3AE0F539496E}">
-  <ds:schemaRefs>
-    <ds:schemaRef ds:uri="http://schemas.microsoft.com/VisualStudio/2011/storyboarding/control"/>
-  </ds:schemaRefs>
-</ds:datastoreItem>
-</file>
-
-<file path=customXml/itemProps162.xml><?xml version="1.0" encoding="utf-8"?>
-<ds:datastoreItem xmlns:ds="http://schemas.openxmlformats.org/officeDocument/2006/customXml" ds:itemID="{AABF63A9-AA30-4DF6-8EF2-972AB7A4097F}">
-  <ds:schemaRefs>
-    <ds:schemaRef ds:uri="http://schemas.microsoft.com/VisualStudio/2011/storyboarding/control"/>
-  </ds:schemaRefs>
-</ds:datastoreItem>
-</file>
-
-<file path=customXml/itemProps163.xml><?xml version="1.0" encoding="utf-8"?>
-<ds:datastoreItem xmlns:ds="http://schemas.openxmlformats.org/officeDocument/2006/customXml" ds:itemID="{26EBF4A3-F17A-4E3E-A734-46BBA9DFA0C8}">
-  <ds:schemaRefs>
-    <ds:schemaRef ds:uri="http://schemas.microsoft.com/VisualStudio/2011/storyboarding/control"/>
-  </ds:schemaRefs>
-</ds:datastoreItem>
-</file>
-
-<file path=customXml/itemProps164.xml><?xml version="1.0" encoding="utf-8"?>
-<ds:datastoreItem xmlns:ds="http://schemas.openxmlformats.org/officeDocument/2006/customXml" ds:itemID="{B8E12DBA-650B-4369-8B51-0ED5654ECE37}">
-  <ds:schemaRefs>
-    <ds:schemaRef ds:uri="http://schemas.microsoft.com/VisualStudio/2011/storyboarding/control"/>
-  </ds:schemaRefs>
-</ds:datastoreItem>
-</file>
-
-<file path=customXml/itemProps165.xml><?xml version="1.0" encoding="utf-8"?>
-<ds:datastoreItem xmlns:ds="http://schemas.openxmlformats.org/officeDocument/2006/customXml" ds:itemID="{24900BF5-C4DC-42A1-8816-A384E671E92A}">
-  <ds:schemaRefs>
-    <ds:schemaRef ds:uri="http://schemas.microsoft.com/VisualStudio/2011/storyboarding/control"/>
-  </ds:schemaRefs>
-</ds:datastoreItem>
-</file>
-
-<file path=customXml/itemProps166.xml><?xml version="1.0" encoding="utf-8"?>
-<ds:datastoreItem xmlns:ds="http://schemas.openxmlformats.org/officeDocument/2006/customXml" ds:itemID="{D3E69636-CCB7-4030-8B08-9159922F7C18}">
-  <ds:schemaRefs>
-    <ds:schemaRef ds:uri="http://schemas.microsoft.com/VisualStudio/2011/storyboarding/control"/>
-  </ds:schemaRefs>
-</ds:datastoreItem>
-</file>
-
-<file path=customXml/itemProps167.xml><?xml version="1.0" encoding="utf-8"?>
-<ds:datastoreItem xmlns:ds="http://schemas.openxmlformats.org/officeDocument/2006/customXml" ds:itemID="{F2C13C45-9FD4-46A1-B566-8CFCB6433E4D}">
-  <ds:schemaRefs>
-    <ds:schemaRef ds:uri="http://schemas.microsoft.com/VisualStudio/2011/storyboarding/control"/>
-  </ds:schemaRefs>
-</ds:datastoreItem>
-</file>
-
-<file path=customXml/itemProps168.xml><?xml version="1.0" encoding="utf-8"?>
-<ds:datastoreItem xmlns:ds="http://schemas.openxmlformats.org/officeDocument/2006/customXml" ds:itemID="{500E728B-7A9B-4D12-B59B-8083B681FF18}">
-  <ds:schemaRefs>
-    <ds:schemaRef ds:uri="http://schemas.microsoft.com/VisualStudio/2011/storyboarding/control"/>
-  </ds:schemaRefs>
-</ds:datastoreItem>
-</file>
-
-<file path=customXml/itemProps169.xml><?xml version="1.0" encoding="utf-8"?>
-<ds:datastoreItem xmlns:ds="http://schemas.openxmlformats.org/officeDocument/2006/customXml" ds:itemID="{6BD97E69-24BE-47DA-8FEB-131A11003B19}">
-  <ds:schemaRefs>
-    <ds:schemaRef ds:uri="http://schemas.microsoft.com/VisualStudio/2011/storyboarding/control"/>
-  </ds:schemaRefs>
-</ds:datastoreItem>
-</file>
-
-<file path=customXml/itemProps17.xml><?xml version="1.0" encoding="utf-8"?>
+<file path=customXml/itemProps32.xml><?xml version="1.0" encoding="utf-8"?>
 <ds:datastoreItem xmlns:ds="http://schemas.openxmlformats.org/officeDocument/2006/customXml" ds:itemID="{991C2A14-C674-4C12-8CE8-7EAE1ABB4197}">
-  <ds:schemaRefs>
-    <ds:schemaRef ds:uri="http://schemas.microsoft.com/VisualStudio/2011/storyboarding/control"/>
-  </ds:schemaRefs>
-</ds:datastoreItem>
-</file>
-
-<file path=customXml/itemProps170.xml><?xml version="1.0" encoding="utf-8"?>
-<ds:datastoreItem xmlns:ds="http://schemas.openxmlformats.org/officeDocument/2006/customXml" ds:itemID="{E0FB4629-EC57-49BA-A2DF-156D734D924B}">
-  <ds:schemaRefs>
-    <ds:schemaRef ds:uri="http://schemas.microsoft.com/VisualStudio/2011/storyboarding/control"/>
-  </ds:schemaRefs>
-</ds:datastoreItem>
-</file>
-
-<file path=customXml/itemProps171.xml><?xml version="1.0" encoding="utf-8"?>
-<ds:datastoreItem xmlns:ds="http://schemas.openxmlformats.org/officeDocument/2006/customXml" ds:itemID="{215132C6-5D8F-4E41-9882-494A7FC0C124}">
-  <ds:schemaRefs>
-    <ds:schemaRef ds:uri="http://schemas.microsoft.com/VisualStudio/2011/storyboarding/control"/>
-  </ds:schemaRefs>
-</ds:datastoreItem>
-</file>
-
-<file path=customXml/itemProps172.xml><?xml version="1.0" encoding="utf-8"?>
-<ds:datastoreItem xmlns:ds="http://schemas.openxmlformats.org/officeDocument/2006/customXml" ds:itemID="{C85E147C-F6F1-445A-8F29-1DFA76FA167C}">
-  <ds:schemaRefs>
-    <ds:schemaRef ds:uri="http://schemas.microsoft.com/VisualStudio/2011/storyboarding/control"/>
-  </ds:schemaRefs>
-</ds:datastoreItem>
-</file>
-
-<file path=customXml/itemProps173.xml><?xml version="1.0" encoding="utf-8"?>
-<ds:datastoreItem xmlns:ds="http://schemas.openxmlformats.org/officeDocument/2006/customXml" ds:itemID="{478663F0-6D22-40DF-A721-0D85AF0A841E}">
-  <ds:schemaRefs>
-    <ds:schemaRef ds:uri="http://schemas.microsoft.com/VisualStudio/2011/storyboarding/control"/>
-  </ds:schemaRefs>
-</ds:datastoreItem>
-</file>
-
-<file path=customXml/itemProps174.xml><?xml version="1.0" encoding="utf-8"?>
-<ds:datastoreItem xmlns:ds="http://schemas.openxmlformats.org/officeDocument/2006/customXml" ds:itemID="{4E626C7F-4024-4418-87D9-7BEE58688CEB}">
-  <ds:schemaRefs>
-    <ds:schemaRef ds:uri="http://schemas.microsoft.com/VisualStudio/2011/storyboarding/control"/>
-  </ds:schemaRefs>
-</ds:datastoreItem>
-</file>
-
-<file path=customXml/itemProps175.xml><?xml version="1.0" encoding="utf-8"?>
-<ds:datastoreItem xmlns:ds="http://schemas.openxmlformats.org/officeDocument/2006/customXml" ds:itemID="{C8AF95B6-D0D3-4619-AB57-6FEEA90FA132}">
-  <ds:schemaRefs>
-    <ds:schemaRef ds:uri="http://schemas.microsoft.com/VisualStudio/2011/storyboarding/control"/>
-  </ds:schemaRefs>
-</ds:datastoreItem>
-</file>
-
-<file path=customXml/itemProps176.xml><?xml version="1.0" encoding="utf-8"?>
-<ds:datastoreItem xmlns:ds="http://schemas.openxmlformats.org/officeDocument/2006/customXml" ds:itemID="{6E62CDAE-686E-4F52-AABB-86BDB1154A1E}">
-  <ds:schemaRefs>
-    <ds:schemaRef ds:uri="http://schemas.microsoft.com/VisualStudio/2011/storyboarding/control"/>
-  </ds:schemaRefs>
-</ds:datastoreItem>
-</file>
-
-<file path=customXml/itemProps177.xml><?xml version="1.0" encoding="utf-8"?>
-<ds:datastoreItem xmlns:ds="http://schemas.openxmlformats.org/officeDocument/2006/customXml" ds:itemID="{F2E40C13-D83C-4295-AAE8-6BAF5097B834}">
-  <ds:schemaRefs>
-    <ds:schemaRef ds:uri="http://schemas.microsoft.com/VisualStudio/2011/storyboarding/control"/>
-  </ds:schemaRefs>
-</ds:datastoreItem>
-</file>
-
-<file path=customXml/itemProps178.xml><?xml version="1.0" encoding="utf-8"?>
-<ds:datastoreItem xmlns:ds="http://schemas.openxmlformats.org/officeDocument/2006/customXml" ds:itemID="{39B4EC38-E361-46E0-8D00-ECAF682C5ACD}">
-  <ds:schemaRefs>
-    <ds:schemaRef ds:uri="http://schemas.microsoft.com/VisualStudio/2011/storyboarding/control"/>
-  </ds:schemaRefs>
-</ds:datastoreItem>
-</file>
-
-<file path=customXml/itemProps179.xml><?xml version="1.0" encoding="utf-8"?>
-<ds:datastoreItem xmlns:ds="http://schemas.openxmlformats.org/officeDocument/2006/customXml" ds:itemID="{A0B644F4-E7AB-4C5F-99FA-46E0F4A05135}">
-  <ds:schemaRefs>
-    <ds:schemaRef ds:uri="http://schemas.microsoft.com/VisualStudio/2011/storyboarding/control"/>
-  </ds:schemaRefs>
-</ds:datastoreItem>
-</file>
-
-<file path=customXml/itemProps18.xml><?xml version="1.0" encoding="utf-8"?>
-<ds:datastoreItem xmlns:ds="http://schemas.openxmlformats.org/officeDocument/2006/customXml" ds:itemID="{9D841488-D9C9-470B-9DF0-06BC6C2C0775}">
-  <ds:schemaRefs>
-    <ds:schemaRef ds:uri="http://schemas.microsoft.com/VisualStudio/2011/storyboarding/control"/>
-  </ds:schemaRefs>
-</ds:datastoreItem>
-</file>
-
-<file path=customXml/itemProps180.xml><?xml version="1.0" encoding="utf-8"?>
-<ds:datastoreItem xmlns:ds="http://schemas.openxmlformats.org/officeDocument/2006/customXml" ds:itemID="{0D174F31-1395-420D-AE3A-5DBEFF0F4455}">
-  <ds:schemaRefs>
-    <ds:schemaRef ds:uri="http://schemas.microsoft.com/VisualStudio/2011/storyboarding/control"/>
-  </ds:schemaRefs>
-</ds:datastoreItem>
-</file>
-
-<file path=customXml/itemProps181.xml><?xml version="1.0" encoding="utf-8"?>
-<ds:datastoreItem xmlns:ds="http://schemas.openxmlformats.org/officeDocument/2006/customXml" ds:itemID="{905F7CBB-FF77-4853-ADB2-0B0D37590AA0}">
-  <ds:schemaRefs>
-    <ds:schemaRef ds:uri="http://schemas.microsoft.com/VisualStudio/2011/storyboarding/control"/>
-  </ds:schemaRefs>
-</ds:datastoreItem>
-</file>
-
-<file path=customXml/itemProps182.xml><?xml version="1.0" encoding="utf-8"?>
-<ds:datastoreItem xmlns:ds="http://schemas.openxmlformats.org/officeDocument/2006/customXml" ds:itemID="{1F20FE02-C571-465B-A4B9-BE3971D16C58}">
-  <ds:schemaRefs>
-    <ds:schemaRef ds:uri="http://schemas.microsoft.com/VisualStudio/2011/storyboarding/control"/>
-  </ds:schemaRefs>
-</ds:datastoreItem>
-</file>
-
-<file path=customXml/itemProps183.xml><?xml version="1.0" encoding="utf-8"?>
-<ds:datastoreItem xmlns:ds="http://schemas.openxmlformats.org/officeDocument/2006/customXml" ds:itemID="{4032A915-244F-4EED-B3D6-A7E329608545}">
-  <ds:schemaRefs>
-    <ds:schemaRef ds:uri="http://schemas.microsoft.com/VisualStudio/2011/storyboarding/control"/>
-  </ds:schemaRefs>
-</ds:datastoreItem>
-</file>
-
-<file path=customXml/itemProps184.xml><?xml version="1.0" encoding="utf-8"?>
-<ds:datastoreItem xmlns:ds="http://schemas.openxmlformats.org/officeDocument/2006/customXml" ds:itemID="{417DBAC8-3D39-4B42-B14B-DAEC2E68913B}">
-  <ds:schemaRefs>
-    <ds:schemaRef ds:uri="http://schemas.microsoft.com/VisualStudio/2011/storyboarding/control"/>
-  </ds:schemaRefs>
-</ds:datastoreItem>
-</file>
-
-<file path=customXml/itemProps185.xml><?xml version="1.0" encoding="utf-8"?>
-<ds:datastoreItem xmlns:ds="http://schemas.openxmlformats.org/officeDocument/2006/customXml" ds:itemID="{10A6C904-68E1-4411-B457-0419F97C209A}">
-  <ds:schemaRefs>
-    <ds:schemaRef ds:uri="http://schemas.microsoft.com/VisualStudio/2011/storyboarding/control"/>
-  </ds:schemaRefs>
-</ds:datastoreItem>
-</file>
-
-<file path=customXml/itemProps186.xml><?xml version="1.0" encoding="utf-8"?>
-<ds:datastoreItem xmlns:ds="http://schemas.openxmlformats.org/officeDocument/2006/customXml" ds:itemID="{E4B490A2-F594-479F-8C41-55AF5E408214}">
-  <ds:schemaRefs>
-    <ds:schemaRef ds:uri="http://schemas.microsoft.com/VisualStudio/2011/storyboarding/control"/>
-  </ds:schemaRefs>
-</ds:datastoreItem>
-</file>
-
-<file path=customXml/itemProps187.xml><?xml version="1.0" encoding="utf-8"?>
-<ds:datastoreItem xmlns:ds="http://schemas.openxmlformats.org/officeDocument/2006/customXml" ds:itemID="{0B9DBAA4-EBE1-45AE-B925-2C045568C049}">
-  <ds:schemaRefs>
-    <ds:schemaRef ds:uri="http://schemas.microsoft.com/VisualStudio/2011/storyboarding/control"/>
-  </ds:schemaRefs>
-</ds:datastoreItem>
-</file>
-
-<file path=customXml/itemProps19.xml><?xml version="1.0" encoding="utf-8"?>
-<ds:datastoreItem xmlns:ds="http://schemas.openxmlformats.org/officeDocument/2006/customXml" ds:itemID="{BDF653D0-0803-4E4F-AB2B-0C004B440C9C}">
-  <ds:schemaRefs>
-    <ds:schemaRef ds:uri="http://schemas.microsoft.com/VisualStudio/2011/storyboarding/control"/>
-  </ds:schemaRefs>
-</ds:datastoreItem>
-</file>
-
-<file path=customXml/itemProps2.xml><?xml version="1.0" encoding="utf-8"?>
-<ds:datastoreItem xmlns:ds="http://schemas.openxmlformats.org/officeDocument/2006/customXml" ds:itemID="{BE30DC31-8F8A-48CF-A072-77607577B2FB}">
-  <ds:schemaRefs>
-    <ds:schemaRef ds:uri="http://schemas.microsoft.com/VisualStudio/2011/storyboarding/control"/>
-  </ds:schemaRefs>
-</ds:datastoreItem>
-</file>
-
-<file path=customXml/itemProps20.xml><?xml version="1.0" encoding="utf-8"?>
-<ds:datastoreItem xmlns:ds="http://schemas.openxmlformats.org/officeDocument/2006/customXml" ds:itemID="{CC5F127A-2521-4BB3-9D64-238B9FDD6AF8}">
-  <ds:schemaRefs>
-    <ds:schemaRef ds:uri="http://schemas.microsoft.com/VisualStudio/2011/storyboarding/control"/>
-  </ds:schemaRefs>
-</ds:datastoreItem>
-</file>
-
-<file path=customXml/itemProps21.xml><?xml version="1.0" encoding="utf-8"?>
-<ds:datastoreItem xmlns:ds="http://schemas.openxmlformats.org/officeDocument/2006/customXml" ds:itemID="{70E3F600-4C8D-4A3A-BE16-3540F66AD848}">
-  <ds:schemaRefs>
-    <ds:schemaRef ds:uri="http://schemas.microsoft.com/VisualStudio/2011/storyboarding/control"/>
-  </ds:schemaRefs>
-</ds:datastoreItem>
-</file>
-
-<file path=customXml/itemProps22.xml><?xml version="1.0" encoding="utf-8"?>
-<ds:datastoreItem xmlns:ds="http://schemas.openxmlformats.org/officeDocument/2006/customXml" ds:itemID="{CF03DD0F-EDED-4182-BF0D-C60EA8AC9FC5}">
-  <ds:schemaRefs>
-    <ds:schemaRef ds:uri="http://schemas.microsoft.com/VisualStudio/2011/storyboarding/control"/>
-  </ds:schemaRefs>
-</ds:datastoreItem>
-</file>
-
-<file path=customXml/itemProps23.xml><?xml version="1.0" encoding="utf-8"?>
-<ds:datastoreItem xmlns:ds="http://schemas.openxmlformats.org/officeDocument/2006/customXml" ds:itemID="{518A7A68-78B7-4838-B312-03860E01DFC2}">
-  <ds:schemaRefs>
-    <ds:schemaRef ds:uri="http://schemas.microsoft.com/VisualStudio/2011/storyboarding/control"/>
-  </ds:schemaRefs>
-</ds:datastoreItem>
-</file>
-
-<file path=customXml/itemProps24.xml><?xml version="1.0" encoding="utf-8"?>
-<ds:datastoreItem xmlns:ds="http://schemas.openxmlformats.org/officeDocument/2006/customXml" ds:itemID="{DC4F4190-4090-481C-95E3-E7A883513D24}">
-  <ds:schemaRefs>
-    <ds:schemaRef ds:uri="http://schemas.microsoft.com/VisualStudio/2011/storyboarding/control"/>
-  </ds:schemaRefs>
-</ds:datastoreItem>
-</file>
-
-<file path=customXml/itemProps25.xml><?xml version="1.0" encoding="utf-8"?>
-<ds:datastoreItem xmlns:ds="http://schemas.openxmlformats.org/officeDocument/2006/customXml" ds:itemID="{E194B3CD-86C3-4F6B-A743-1D8043783C25}">
-  <ds:schemaRefs>
-    <ds:schemaRef ds:uri="http://schemas.microsoft.com/VisualStudio/2011/storyboarding/control"/>
-  </ds:schemaRefs>
-</ds:datastoreItem>
-</file>
-
-<file path=customXml/itemProps26.xml><?xml version="1.0" encoding="utf-8"?>
-<ds:datastoreItem xmlns:ds="http://schemas.openxmlformats.org/officeDocument/2006/customXml" ds:itemID="{C65B337F-737A-48CA-8F75-978A60D7016D}">
-  <ds:schemaRefs>
-    <ds:schemaRef ds:uri="http://schemas.microsoft.com/VisualStudio/2011/storyboarding/control"/>
-  </ds:schemaRefs>
-</ds:datastoreItem>
-</file>
-
-<file path=customXml/itemProps27.xml><?xml version="1.0" encoding="utf-8"?>
-<ds:datastoreItem xmlns:ds="http://schemas.openxmlformats.org/officeDocument/2006/customXml" ds:itemID="{7FDD124D-E3E9-4D15-9954-8BE945E00BA2}">
-  <ds:schemaRefs>
-    <ds:schemaRef ds:uri="http://schemas.microsoft.com/VisualStudio/2011/storyboarding/control"/>
-  </ds:schemaRefs>
-</ds:datastoreItem>
-</file>
-
-<file path=customXml/itemProps28.xml><?xml version="1.0" encoding="utf-8"?>
-<ds:datastoreItem xmlns:ds="http://schemas.openxmlformats.org/officeDocument/2006/customXml" ds:itemID="{242CB00D-BA5D-43C6-B335-4CBC590CA72E}">
-  <ds:schemaRefs>
-    <ds:schemaRef ds:uri="http://schemas.microsoft.com/VisualStudio/2011/storyboarding/control"/>
-  </ds:schemaRefs>
-</ds:datastoreItem>
-</file>
-
-<file path=customXml/itemProps29.xml><?xml version="1.0" encoding="utf-8"?>
-<ds:datastoreItem xmlns:ds="http://schemas.openxmlformats.org/officeDocument/2006/customXml" ds:itemID="{29F09D18-0D3C-4F1D-ABE0-73E2474806CB}">
-  <ds:schemaRefs>
-    <ds:schemaRef ds:uri="http://schemas.microsoft.com/VisualStudio/2011/storyboarding/control"/>
-  </ds:schemaRefs>
-</ds:datastoreItem>
-</file>
-
-<file path=customXml/itemProps3.xml><?xml version="1.0" encoding="utf-8"?>
-<ds:datastoreItem xmlns:ds="http://schemas.openxmlformats.org/officeDocument/2006/customXml" ds:itemID="{3154CB70-BAFF-4B34-BC33-BD1C66EB86D7}">
-  <ds:schemaRefs>
-    <ds:schemaRef ds:uri="http://schemas.microsoft.com/VisualStudio/2011/storyboarding/control"/>
-  </ds:schemaRefs>
-</ds:datastoreItem>
-</file>
-
-<file path=customXml/itemProps30.xml><?xml version="1.0" encoding="utf-8"?>
-<ds:datastoreItem xmlns:ds="http://schemas.openxmlformats.org/officeDocument/2006/customXml" ds:itemID="{318A67F4-7454-49D3-B5F7-EDF3AEE6B3CC}">
-  <ds:schemaRefs>
-    <ds:schemaRef ds:uri="http://schemas.microsoft.com/VisualStudio/2011/storyboarding/control"/>
-  </ds:schemaRefs>
-</ds:datastoreItem>
-</file>
-
-<file path=customXml/itemProps31.xml><?xml version="1.0" encoding="utf-8"?>
-<ds:datastoreItem xmlns:ds="http://schemas.openxmlformats.org/officeDocument/2006/customXml" ds:itemID="{766F77BC-3956-438F-94BE-CF6CF9C915C0}">
-  <ds:schemaRefs>
-    <ds:schemaRef ds:uri="http://schemas.microsoft.com/VisualStudio/2011/storyboarding/control"/>
-  </ds:schemaRefs>
-</ds:datastoreItem>
-</file>
-
-<file path=customXml/itemProps32.xml><?xml version="1.0" encoding="utf-8"?>
-<ds:datastoreItem xmlns:ds="http://schemas.openxmlformats.org/officeDocument/2006/customXml" ds:itemID="{E0CC2506-29F9-46DF-9492-65B12C0522D5}">
   <ds:schemaRefs>
     <ds:schemaRef ds:uri="http://schemas.microsoft.com/VisualStudio/2011/storyboarding/control"/>
   </ds:schemaRefs>
@@ -28010,6 +28010,350 @@
 </file>
 
 <file path=customXml/itemProps34.xml><?xml version="1.0" encoding="utf-8"?>
+<ds:datastoreItem xmlns:ds="http://schemas.openxmlformats.org/officeDocument/2006/customXml" ds:itemID="{199B4AEE-2A28-4269-AEAC-CF63B1A2C9C1}">
+  <ds:schemaRefs>
+    <ds:schemaRef ds:uri="http://schemas.microsoft.com/VisualStudio/2011/storyboarding/control"/>
+  </ds:schemaRefs>
+</ds:datastoreItem>
+</file>
+
+<file path=customXml/itemProps35.xml><?xml version="1.0" encoding="utf-8"?>
+<ds:datastoreItem xmlns:ds="http://schemas.openxmlformats.org/officeDocument/2006/customXml" ds:itemID="{46714D06-B7FD-48A9-91D0-7F1510C73858}">
+  <ds:schemaRefs>
+    <ds:schemaRef ds:uri="http://schemas.microsoft.com/VisualStudio/2011/storyboarding/control"/>
+  </ds:schemaRefs>
+</ds:datastoreItem>
+</file>
+
+<file path=customXml/itemProps36.xml><?xml version="1.0" encoding="utf-8"?>
+<ds:datastoreItem xmlns:ds="http://schemas.openxmlformats.org/officeDocument/2006/customXml" ds:itemID="{3CA43762-3F39-470A-9564-3739655F8186}">
+  <ds:schemaRefs>
+    <ds:schemaRef ds:uri="http://schemas.microsoft.com/VisualStudio/2011/storyboarding/control"/>
+  </ds:schemaRefs>
+</ds:datastoreItem>
+</file>
+
+<file path=customXml/itemProps37.xml><?xml version="1.0" encoding="utf-8"?>
+<ds:datastoreItem xmlns:ds="http://schemas.openxmlformats.org/officeDocument/2006/customXml" ds:itemID="{D9B490FA-A64C-40B6-8247-CD5808900A10}">
+  <ds:schemaRefs>
+    <ds:schemaRef ds:uri="http://schemas.microsoft.com/VisualStudio/2011/storyboarding/control"/>
+  </ds:schemaRefs>
+</ds:datastoreItem>
+</file>
+
+<file path=customXml/itemProps38.xml><?xml version="1.0" encoding="utf-8"?>
+<ds:datastoreItem xmlns:ds="http://schemas.openxmlformats.org/officeDocument/2006/customXml" ds:itemID="{46365B3F-8663-4379-AD5B-D0EABBC1EDD3}">
+  <ds:schemaRefs>
+    <ds:schemaRef ds:uri="http://schemas.microsoft.com/VisualStudio/2011/storyboarding/control"/>
+  </ds:schemaRefs>
+</ds:datastoreItem>
+</file>
+
+<file path=customXml/itemProps39.xml><?xml version="1.0" encoding="utf-8"?>
+<ds:datastoreItem xmlns:ds="http://schemas.openxmlformats.org/officeDocument/2006/customXml" ds:itemID="{914EB071-267D-4D23-8EAD-39A664DF70DC}">
+  <ds:schemaRefs>
+    <ds:schemaRef ds:uri="http://schemas.microsoft.com/VisualStudio/2011/storyboarding/control"/>
+  </ds:schemaRefs>
+</ds:datastoreItem>
+</file>
+
+<file path=customXml/itemProps4.xml><?xml version="1.0" encoding="utf-8"?>
+<ds:datastoreItem xmlns:ds="http://schemas.openxmlformats.org/officeDocument/2006/customXml" ds:itemID="{149B1CD2-B7C7-4B38-9713-13FEE7CAC5CF}">
+  <ds:schemaRefs>
+    <ds:schemaRef ds:uri="http://schemas.microsoft.com/VisualStudio/2011/storyboarding/control"/>
+  </ds:schemaRefs>
+</ds:datastoreItem>
+</file>
+
+<file path=customXml/itemProps40.xml><?xml version="1.0" encoding="utf-8"?>
+<ds:datastoreItem xmlns:ds="http://schemas.openxmlformats.org/officeDocument/2006/customXml" ds:itemID="{57FFB7F0-24A5-4BA8-AA91-8BFC251E2323}">
+  <ds:schemaRefs>
+    <ds:schemaRef ds:uri="http://schemas.microsoft.com/VisualStudio/2011/storyboarding/control"/>
+  </ds:schemaRefs>
+</ds:datastoreItem>
+</file>
+
+<file path=customXml/itemProps41.xml><?xml version="1.0" encoding="utf-8"?>
+<ds:datastoreItem xmlns:ds="http://schemas.openxmlformats.org/officeDocument/2006/customXml" ds:itemID="{0987803F-8C29-460C-9CFE-90D062BBF340}">
+  <ds:schemaRefs>
+    <ds:schemaRef ds:uri="http://schemas.microsoft.com/VisualStudio/2011/storyboarding/control"/>
+  </ds:schemaRefs>
+</ds:datastoreItem>
+</file>
+
+<file path=customXml/itemProps42.xml><?xml version="1.0" encoding="utf-8"?>
+<ds:datastoreItem xmlns:ds="http://schemas.openxmlformats.org/officeDocument/2006/customXml" ds:itemID="{E886A3B6-32CF-43FB-BFDC-824E566105C6}">
+  <ds:schemaRefs>
+    <ds:schemaRef ds:uri="http://schemas.microsoft.com/VisualStudio/2011/storyboarding/control"/>
+  </ds:schemaRefs>
+</ds:datastoreItem>
+</file>
+
+<file path=customXml/itemProps43.xml><?xml version="1.0" encoding="utf-8"?>
+<ds:datastoreItem xmlns:ds="http://schemas.openxmlformats.org/officeDocument/2006/customXml" ds:itemID="{A75B2111-FBDC-4291-9EA3-2B57563F245C}">
+  <ds:schemaRefs>
+    <ds:schemaRef ds:uri="http://schemas.microsoft.com/VisualStudio/2011/storyboarding/control"/>
+  </ds:schemaRefs>
+</ds:datastoreItem>
+</file>
+
+<file path=customXml/itemProps44.xml><?xml version="1.0" encoding="utf-8"?>
+<ds:datastoreItem xmlns:ds="http://schemas.openxmlformats.org/officeDocument/2006/customXml" ds:itemID="{E243988D-F926-45CE-8E57-8F03AD990A6C}">
+  <ds:schemaRefs>
+    <ds:schemaRef ds:uri="http://schemas.microsoft.com/VisualStudio/2011/storyboarding/control"/>
+  </ds:schemaRefs>
+</ds:datastoreItem>
+</file>
+
+<file path=customXml/itemProps45.xml><?xml version="1.0" encoding="utf-8"?>
+<ds:datastoreItem xmlns:ds="http://schemas.openxmlformats.org/officeDocument/2006/customXml" ds:itemID="{E2D66C36-7379-4DD2-AA37-128CF4B262CF}">
+  <ds:schemaRefs>
+    <ds:schemaRef ds:uri="http://schemas.microsoft.com/VisualStudio/2011/storyboarding/control"/>
+  </ds:schemaRefs>
+</ds:datastoreItem>
+</file>
+
+<file path=customXml/itemProps46.xml><?xml version="1.0" encoding="utf-8"?>
+<ds:datastoreItem xmlns:ds="http://schemas.openxmlformats.org/officeDocument/2006/customXml" ds:itemID="{C2FBE948-B9F1-4F1A-AC4F-03962924DC85}">
+  <ds:schemaRefs>
+    <ds:schemaRef ds:uri="http://schemas.microsoft.com/VisualStudio/2011/storyboarding/control"/>
+  </ds:schemaRefs>
+</ds:datastoreItem>
+</file>
+
+<file path=customXml/itemProps47.xml><?xml version="1.0" encoding="utf-8"?>
+<ds:datastoreItem xmlns:ds="http://schemas.openxmlformats.org/officeDocument/2006/customXml" ds:itemID="{9F2E68F6-6824-42A7-A3A1-3AE0F539496E}">
+  <ds:schemaRefs>
+    <ds:schemaRef ds:uri="http://schemas.microsoft.com/VisualStudio/2011/storyboarding/control"/>
+  </ds:schemaRefs>
+</ds:datastoreItem>
+</file>
+
+<file path=customXml/itemProps48.xml><?xml version="1.0" encoding="utf-8"?>
+<ds:datastoreItem xmlns:ds="http://schemas.openxmlformats.org/officeDocument/2006/customXml" ds:itemID="{D3E69636-CCB7-4030-8B08-9159922F7C18}">
+  <ds:schemaRefs>
+    <ds:schemaRef ds:uri="http://schemas.microsoft.com/VisualStudio/2011/storyboarding/control"/>
+  </ds:schemaRefs>
+</ds:datastoreItem>
+</file>
+
+<file path=customXml/itemProps49.xml><?xml version="1.0" encoding="utf-8"?>
+<ds:datastoreItem xmlns:ds="http://schemas.openxmlformats.org/officeDocument/2006/customXml" ds:itemID="{1F20FE02-C571-465B-A4B9-BE3971D16C58}">
+  <ds:schemaRefs>
+    <ds:schemaRef ds:uri="http://schemas.microsoft.com/VisualStudio/2011/storyboarding/control"/>
+  </ds:schemaRefs>
+</ds:datastoreItem>
+</file>
+
+<file path=customXml/itemProps5.xml><?xml version="1.0" encoding="utf-8"?>
+<ds:datastoreItem xmlns:ds="http://schemas.openxmlformats.org/officeDocument/2006/customXml" ds:itemID="{438B7A44-EBDD-41BA-B093-6D278F4F7459}">
+  <ds:schemaRefs>
+    <ds:schemaRef ds:uri="http://schemas.microsoft.com/VisualStudio/2011/storyboarding/control"/>
+  </ds:schemaRefs>
+</ds:datastoreItem>
+</file>
+
+<file path=customXml/itemProps50.xml><?xml version="1.0" encoding="utf-8"?>
+<ds:datastoreItem xmlns:ds="http://schemas.openxmlformats.org/officeDocument/2006/customXml" ds:itemID="{0B9DBAA4-EBE1-45AE-B925-2C045568C049}">
+  <ds:schemaRefs>
+    <ds:schemaRef ds:uri="http://schemas.microsoft.com/VisualStudio/2011/storyboarding/control"/>
+  </ds:schemaRefs>
+</ds:datastoreItem>
+</file>
+
+<file path=customXml/itemProps51.xml><?xml version="1.0" encoding="utf-8"?>
+<ds:datastoreItem xmlns:ds="http://schemas.openxmlformats.org/officeDocument/2006/customXml" ds:itemID="{A1C8479A-2384-424B-B607-91A9FC70F6A4}">
+  <ds:schemaRefs>
+    <ds:schemaRef ds:uri="http://schemas.microsoft.com/VisualStudio/2011/storyboarding/control"/>
+  </ds:schemaRefs>
+</ds:datastoreItem>
+</file>
+
+<file path=customXml/itemProps52.xml><?xml version="1.0" encoding="utf-8"?>
+<ds:datastoreItem xmlns:ds="http://schemas.openxmlformats.org/officeDocument/2006/customXml" ds:itemID="{43588560-03AB-428A-9CE4-A6AC7508369A}">
+  <ds:schemaRefs>
+    <ds:schemaRef ds:uri="http://schemas.microsoft.com/VisualStudio/2011/storyboarding/control"/>
+  </ds:schemaRefs>
+</ds:datastoreItem>
+</file>
+
+<file path=customXml/itemProps53.xml><?xml version="1.0" encoding="utf-8"?>
+<ds:datastoreItem xmlns:ds="http://schemas.openxmlformats.org/officeDocument/2006/customXml" ds:itemID="{518A7A68-78B7-4838-B312-03860E01DFC2}">
+  <ds:schemaRefs>
+    <ds:schemaRef ds:uri="http://schemas.microsoft.com/VisualStudio/2011/storyboarding/control"/>
+  </ds:schemaRefs>
+</ds:datastoreItem>
+</file>
+
+<file path=customXml/itemProps54.xml><?xml version="1.0" encoding="utf-8"?>
+<ds:datastoreItem xmlns:ds="http://schemas.openxmlformats.org/officeDocument/2006/customXml" ds:itemID="{242CB00D-BA5D-43C6-B335-4CBC590CA72E}">
+  <ds:schemaRefs>
+    <ds:schemaRef ds:uri="http://schemas.microsoft.com/VisualStudio/2011/storyboarding/control"/>
+  </ds:schemaRefs>
+</ds:datastoreItem>
+</file>
+
+<file path=customXml/itemProps55.xml><?xml version="1.0" encoding="utf-8"?>
+<ds:datastoreItem xmlns:ds="http://schemas.openxmlformats.org/officeDocument/2006/customXml" ds:itemID="{C36DB154-AE5E-441B-8E32-9C0203D538F6}">
+  <ds:schemaRefs>
+    <ds:schemaRef ds:uri="http://schemas.microsoft.com/VisualStudio/2011/storyboarding/control"/>
+  </ds:schemaRefs>
+</ds:datastoreItem>
+</file>
+
+<file path=customXml/itemProps56.xml><?xml version="1.0" encoding="utf-8"?>
+<ds:datastoreItem xmlns:ds="http://schemas.openxmlformats.org/officeDocument/2006/customXml" ds:itemID="{F2B3FB12-0841-4AD8-9A0B-0A04CC6A8CFC}">
+  <ds:schemaRefs>
+    <ds:schemaRef ds:uri="http://schemas.microsoft.com/VisualStudio/2011/storyboarding/control"/>
+  </ds:schemaRefs>
+</ds:datastoreItem>
+</file>
+
+<file path=customXml/itemProps57.xml><?xml version="1.0" encoding="utf-8"?>
+<ds:datastoreItem xmlns:ds="http://schemas.openxmlformats.org/officeDocument/2006/customXml" ds:itemID="{9DAF7C4A-2E75-435E-8C11-B1DC53AC52EB}">
+  <ds:schemaRefs>
+    <ds:schemaRef ds:uri="http://schemas.microsoft.com/VisualStudio/2011/storyboarding/control"/>
+  </ds:schemaRefs>
+</ds:datastoreItem>
+</file>
+
+<file path=customXml/itemProps58.xml><?xml version="1.0" encoding="utf-8"?>
+<ds:datastoreItem xmlns:ds="http://schemas.openxmlformats.org/officeDocument/2006/customXml" ds:itemID="{B472B8AC-8A53-4AB2-879D-1716C227F63F}">
+  <ds:schemaRefs>
+    <ds:schemaRef ds:uri="http://schemas.microsoft.com/VisualStudio/2011/storyboarding/control"/>
+  </ds:schemaRefs>
+</ds:datastoreItem>
+</file>
+
+<file path=customXml/itemProps59.xml><?xml version="1.0" encoding="utf-8"?>
+<ds:datastoreItem xmlns:ds="http://schemas.openxmlformats.org/officeDocument/2006/customXml" ds:itemID="{C4583063-FB7A-486E-B271-71E78059E19B}">
+  <ds:schemaRefs>
+    <ds:schemaRef ds:uri="http://schemas.microsoft.com/VisualStudio/2011/storyboarding/control"/>
+  </ds:schemaRefs>
+</ds:datastoreItem>
+</file>
+
+<file path=customXml/itemProps6.xml><?xml version="1.0" encoding="utf-8"?>
+<ds:datastoreItem xmlns:ds="http://schemas.openxmlformats.org/officeDocument/2006/customXml" ds:itemID="{17A9B085-8E1A-4A33-B871-8166221A211A}">
+  <ds:schemaRefs>
+    <ds:schemaRef ds:uri="http://schemas.microsoft.com/VisualStudio/2011/storyboarding/control"/>
+  </ds:schemaRefs>
+</ds:datastoreItem>
+</file>
+
+<file path=customXml/itemProps60.xml><?xml version="1.0" encoding="utf-8"?>
+<ds:datastoreItem xmlns:ds="http://schemas.openxmlformats.org/officeDocument/2006/customXml" ds:itemID="{A3F62A8C-3D6E-45AB-989A-0299CCDC7BDF}">
+  <ds:schemaRefs>
+    <ds:schemaRef ds:uri="http://schemas.microsoft.com/VisualStudio/2011/storyboarding/control"/>
+  </ds:schemaRefs>
+</ds:datastoreItem>
+</file>
+
+<file path=customXml/itemProps61.xml><?xml version="1.0" encoding="utf-8"?>
+<ds:datastoreItem xmlns:ds="http://schemas.openxmlformats.org/officeDocument/2006/customXml" ds:itemID="{E28B7CEA-1FBD-4F14-BDA2-C48C66B37150}">
+  <ds:schemaRefs>
+    <ds:schemaRef ds:uri="http://schemas.microsoft.com/VisualStudio/2011/storyboarding/control"/>
+  </ds:schemaRefs>
+</ds:datastoreItem>
+</file>
+
+<file path=customXml/itemProps62.xml><?xml version="1.0" encoding="utf-8"?>
+<ds:datastoreItem xmlns:ds="http://schemas.openxmlformats.org/officeDocument/2006/customXml" ds:itemID="{06D91DB4-751F-47F3-B3CD-CDDA280C9652}">
+  <ds:schemaRefs>
+    <ds:schemaRef ds:uri="http://schemas.microsoft.com/VisualStudio/2011/storyboarding/control"/>
+  </ds:schemaRefs>
+</ds:datastoreItem>
+</file>
+
+<file path=customXml/itemProps63.xml><?xml version="1.0" encoding="utf-8"?>
+<ds:datastoreItem xmlns:ds="http://schemas.openxmlformats.org/officeDocument/2006/customXml" ds:itemID="{B8677481-C0C6-468D-8B15-ECE0CB48746C}">
+  <ds:schemaRefs>
+    <ds:schemaRef ds:uri="http://schemas.microsoft.com/VisualStudio/2011/storyboarding/control"/>
+  </ds:schemaRefs>
+</ds:datastoreItem>
+</file>
+
+<file path=customXml/itemProps64.xml><?xml version="1.0" encoding="utf-8"?>
+<ds:datastoreItem xmlns:ds="http://schemas.openxmlformats.org/officeDocument/2006/customXml" ds:itemID="{EF5EA3E2-3902-4CA0-93F4-4F361DF72ABD}">
+  <ds:schemaRefs>
+    <ds:schemaRef ds:uri="http://schemas.microsoft.com/VisualStudio/2011/storyboarding/control"/>
+  </ds:schemaRefs>
+</ds:datastoreItem>
+</file>
+
+<file path=customXml/itemProps65.xml><?xml version="1.0" encoding="utf-8"?>
+<ds:datastoreItem xmlns:ds="http://schemas.openxmlformats.org/officeDocument/2006/customXml" ds:itemID="{F2C546CF-9CDC-44DE-AAD6-9FBD6A29F8B2}">
+  <ds:schemaRefs>
+    <ds:schemaRef ds:uri="http://schemas.microsoft.com/VisualStudio/2011/storyboarding/control"/>
+  </ds:schemaRefs>
+</ds:datastoreItem>
+</file>
+
+<file path=customXml/itemProps66.xml><?xml version="1.0" encoding="utf-8"?>
+<ds:datastoreItem xmlns:ds="http://schemas.openxmlformats.org/officeDocument/2006/customXml" ds:itemID="{F0564582-AFE3-40AE-AC24-282E787FE867}">
+  <ds:schemaRefs>
+    <ds:schemaRef ds:uri="http://schemas.microsoft.com/VisualStudio/2011/storyboarding/control"/>
+  </ds:schemaRefs>
+</ds:datastoreItem>
+</file>
+
+<file path=customXml/itemProps67.xml><?xml version="1.0" encoding="utf-8"?>
+<ds:datastoreItem xmlns:ds="http://schemas.openxmlformats.org/officeDocument/2006/customXml" ds:itemID="{F2E40C13-D83C-4295-AAE8-6BAF5097B834}">
+  <ds:schemaRefs>
+    <ds:schemaRef ds:uri="http://schemas.microsoft.com/VisualStudio/2011/storyboarding/control"/>
+  </ds:schemaRefs>
+</ds:datastoreItem>
+</file>
+
+<file path=customXml/itemProps68.xml><?xml version="1.0" encoding="utf-8"?>
+<ds:datastoreItem xmlns:ds="http://schemas.openxmlformats.org/officeDocument/2006/customXml" ds:itemID="{C85E147C-F6F1-445A-8F29-1DFA76FA167C}">
+  <ds:schemaRefs>
+    <ds:schemaRef ds:uri="http://schemas.microsoft.com/VisualStudio/2011/storyboarding/control"/>
+  </ds:schemaRefs>
+</ds:datastoreItem>
+</file>
+
+<file path=customXml/itemProps69.xml><?xml version="1.0" encoding="utf-8"?>
+<ds:datastoreItem xmlns:ds="http://schemas.openxmlformats.org/officeDocument/2006/customXml" ds:itemID="{8F7399B1-A9DB-4D84-95B4-5DD6BBAA5187}">
+  <ds:schemaRefs>
+    <ds:schemaRef ds:uri="http://schemas.microsoft.com/VisualStudio/2011/storyboarding/control"/>
+  </ds:schemaRefs>
+</ds:datastoreItem>
+</file>
+
+<file path=customXml/itemProps7.xml><?xml version="1.0" encoding="utf-8"?>
+<ds:datastoreItem xmlns:ds="http://schemas.openxmlformats.org/officeDocument/2006/customXml" ds:itemID="{701AFE5A-ADCF-4311-A5B5-18B338C7E907}">
+  <ds:schemaRefs>
+    <ds:schemaRef ds:uri="http://schemas.microsoft.com/VisualStudio/2011/storyboarding/control"/>
+  </ds:schemaRefs>
+</ds:datastoreItem>
+</file>
+
+<file path=customXml/itemProps70.xml><?xml version="1.0" encoding="utf-8"?>
+<ds:datastoreItem xmlns:ds="http://schemas.openxmlformats.org/officeDocument/2006/customXml" ds:itemID="{9D841488-D9C9-470B-9DF0-06BC6C2C0775}">
+  <ds:schemaRefs>
+    <ds:schemaRef ds:uri="http://schemas.microsoft.com/VisualStudio/2011/storyboarding/control"/>
+  </ds:schemaRefs>
+</ds:datastoreItem>
+</file>
+
+<file path=customXml/itemProps71.xml><?xml version="1.0" encoding="utf-8"?>
+<ds:datastoreItem xmlns:ds="http://schemas.openxmlformats.org/officeDocument/2006/customXml" ds:itemID="{726BE286-E05E-4A7E-9BF6-44FFEC27C080}">
+  <ds:schemaRefs>
+    <ds:schemaRef ds:uri="http://schemas.microsoft.com/VisualStudio/2011/storyboarding/control"/>
+  </ds:schemaRefs>
+</ds:datastoreItem>
+</file>
+
+<file path=customXml/itemProps72.xml><?xml version="1.0" encoding="utf-8"?>
+<ds:datastoreItem xmlns:ds="http://schemas.openxmlformats.org/officeDocument/2006/customXml" ds:itemID="{6226C0E4-0364-460C-AAB7-9D347567DCC8}">
+  <ds:schemaRefs>
+    <ds:schemaRef ds:uri="http://schemas.microsoft.com/VisualStudio/2011/storyboarding/control"/>
+  </ds:schemaRefs>
+</ds:datastoreItem>
+</file>
+
+<file path=customXml/itemProps73.xml><?xml version="1.0" encoding="utf-8"?>
 <ds:datastoreItem xmlns:ds="http://schemas.openxmlformats.org/officeDocument/2006/customXml" ds:itemID="{ABD876F2-87B3-4F2F-9405-BCB26B393D8D}">
   <ds:schemaRefs>
     <ds:schemaRef ds:uri="http://schemas.microsoft.com/VisualStudio/2011/storyboarding/control"/>
@@ -28017,143 +28361,7 @@
 </ds:datastoreItem>
 </file>
 
-<file path=customXml/itemProps35.xml><?xml version="1.0" encoding="utf-8"?>
-<ds:datastoreItem xmlns:ds="http://schemas.openxmlformats.org/officeDocument/2006/customXml" ds:itemID="{48F85951-6571-4AA7-9B26-EEF9CD4B541F}">
-  <ds:schemaRefs>
-    <ds:schemaRef ds:uri="http://schemas.microsoft.com/VisualStudio/2011/storyboarding/control"/>
-  </ds:schemaRefs>
-</ds:datastoreItem>
-</file>
-
-<file path=customXml/itemProps36.xml><?xml version="1.0" encoding="utf-8"?>
-<ds:datastoreItem xmlns:ds="http://schemas.openxmlformats.org/officeDocument/2006/customXml" ds:itemID="{43446240-B211-4F80-A50E-E1B38445E2A1}">
-  <ds:schemaRefs>
-    <ds:schemaRef ds:uri="http://schemas.microsoft.com/VisualStudio/2011/storyboarding/control"/>
-  </ds:schemaRefs>
-</ds:datastoreItem>
-</file>
-
-<file path=customXml/itemProps37.xml><?xml version="1.0" encoding="utf-8"?>
-<ds:datastoreItem xmlns:ds="http://schemas.openxmlformats.org/officeDocument/2006/customXml" ds:itemID="{2E8BF867-BA02-4DD2-B1A2-C9A27CC92F1F}">
-  <ds:schemaRefs>
-    <ds:schemaRef ds:uri="http://schemas.microsoft.com/VisualStudio/2011/storyboarding/control"/>
-  </ds:schemaRefs>
-</ds:datastoreItem>
-</file>
-
-<file path=customXml/itemProps38.xml><?xml version="1.0" encoding="utf-8"?>
-<ds:datastoreItem xmlns:ds="http://schemas.openxmlformats.org/officeDocument/2006/customXml" ds:itemID="{199B4AEE-2A28-4269-AEAC-CF63B1A2C9C1}">
-  <ds:schemaRefs>
-    <ds:schemaRef ds:uri="http://schemas.microsoft.com/VisualStudio/2011/storyboarding/control"/>
-  </ds:schemaRefs>
-</ds:datastoreItem>
-</file>
-
-<file path=customXml/itemProps39.xml><?xml version="1.0" encoding="utf-8"?>
-<ds:datastoreItem xmlns:ds="http://schemas.openxmlformats.org/officeDocument/2006/customXml" ds:itemID="{726BE286-E05E-4A7E-9BF6-44FFEC27C080}">
-  <ds:schemaRefs>
-    <ds:schemaRef ds:uri="http://schemas.microsoft.com/VisualStudio/2011/storyboarding/control"/>
-  </ds:schemaRefs>
-</ds:datastoreItem>
-</file>
-
-<file path=customXml/itemProps4.xml><?xml version="1.0" encoding="utf-8"?>
-<ds:datastoreItem xmlns:ds="http://schemas.openxmlformats.org/officeDocument/2006/customXml" ds:itemID="{7EC308D9-C28D-40CD-AB00-4A98E0A77CCC}">
-  <ds:schemaRefs>
-    <ds:schemaRef ds:uri="http://schemas.microsoft.com/VisualStudio/2011/storyboarding/control"/>
-  </ds:schemaRefs>
-</ds:datastoreItem>
-</file>
-
-<file path=customXml/itemProps40.xml><?xml version="1.0" encoding="utf-8"?>
-<ds:datastoreItem xmlns:ds="http://schemas.openxmlformats.org/officeDocument/2006/customXml" ds:itemID="{D9AB7FC7-C062-483E-9B7E-6CCCBB79B494}">
-  <ds:schemaRefs>
-    <ds:schemaRef ds:uri="http://schemas.microsoft.com/VisualStudio/2011/storyboarding/control"/>
-  </ds:schemaRefs>
-</ds:datastoreItem>
-</file>
-
-<file path=customXml/itemProps41.xml><?xml version="1.0" encoding="utf-8"?>
-<ds:datastoreItem xmlns:ds="http://schemas.openxmlformats.org/officeDocument/2006/customXml" ds:itemID="{FD7A3CF8-3A66-47F9-8AD7-22127504A57F}">
-  <ds:schemaRefs>
-    <ds:schemaRef ds:uri="http://schemas.microsoft.com/VisualStudio/2011/storyboarding/control"/>
-  </ds:schemaRefs>
-</ds:datastoreItem>
-</file>
-
-<file path=customXml/itemProps42.xml><?xml version="1.0" encoding="utf-8"?>
-<ds:datastoreItem xmlns:ds="http://schemas.openxmlformats.org/officeDocument/2006/customXml" ds:itemID="{83526E43-CC5B-4399-8E1C-823585530259}">
-  <ds:schemaRefs>
-    <ds:schemaRef ds:uri="http://schemas.microsoft.com/VisualStudio/2011/storyboarding/control"/>
-  </ds:schemaRefs>
-</ds:datastoreItem>
-</file>
-
-<file path=customXml/itemProps43.xml><?xml version="1.0" encoding="utf-8"?>
-<ds:datastoreItem xmlns:ds="http://schemas.openxmlformats.org/officeDocument/2006/customXml" ds:itemID="{46C73D8E-C66E-4332-8B81-F1B9658FF49D}">
-  <ds:schemaRefs>
-    <ds:schemaRef ds:uri="http://schemas.microsoft.com/VisualStudio/2011/storyboarding/control"/>
-  </ds:schemaRefs>
-</ds:datastoreItem>
-</file>
-
-<file path=customXml/itemProps44.xml><?xml version="1.0" encoding="utf-8"?>
-<ds:datastoreItem xmlns:ds="http://schemas.openxmlformats.org/officeDocument/2006/customXml" ds:itemID="{B472B8AC-8A53-4AB2-879D-1716C227F63F}">
-  <ds:schemaRefs>
-    <ds:schemaRef ds:uri="http://schemas.microsoft.com/VisualStudio/2011/storyboarding/control"/>
-  </ds:schemaRefs>
-</ds:datastoreItem>
-</file>
-
-<file path=customXml/itemProps45.xml><?xml version="1.0" encoding="utf-8"?>
-<ds:datastoreItem xmlns:ds="http://schemas.openxmlformats.org/officeDocument/2006/customXml" ds:itemID="{247695CD-B2DD-488A-8575-5345C166802C}">
-  <ds:schemaRefs>
-    <ds:schemaRef ds:uri="http://schemas.microsoft.com/VisualStudio/2011/storyboarding/control"/>
-  </ds:schemaRefs>
-</ds:datastoreItem>
-</file>
-
-<file path=customXml/itemProps46.xml><?xml version="1.0" encoding="utf-8"?>
-<ds:datastoreItem xmlns:ds="http://schemas.openxmlformats.org/officeDocument/2006/customXml" ds:itemID="{32DCF836-3940-427C-8F81-BA183FB52BAC}">
-  <ds:schemaRefs>
-    <ds:schemaRef ds:uri="http://schemas.microsoft.com/VisualStudio/2011/storyboarding/control"/>
-  </ds:schemaRefs>
-</ds:datastoreItem>
-</file>
-
-<file path=customXml/itemProps47.xml><?xml version="1.0" encoding="utf-8"?>
-<ds:datastoreItem xmlns:ds="http://schemas.openxmlformats.org/officeDocument/2006/customXml" ds:itemID="{B01456BF-31CD-4F81-B283-64D56CC0D084}">
-  <ds:schemaRefs>
-    <ds:schemaRef ds:uri="http://schemas.microsoft.com/VisualStudio/2011/storyboarding/control"/>
-  </ds:schemaRefs>
-</ds:datastoreItem>
-</file>
-
-<file path=customXml/itemProps48.xml><?xml version="1.0" encoding="utf-8"?>
-<ds:datastoreItem xmlns:ds="http://schemas.openxmlformats.org/officeDocument/2006/customXml" ds:itemID="{8481EF94-D4A7-4149-8E7B-C8738D2597CA}">
-  <ds:schemaRefs>
-    <ds:schemaRef ds:uri="http://schemas.microsoft.com/VisualStudio/2011/storyboarding/control"/>
-  </ds:schemaRefs>
-</ds:datastoreItem>
-</file>
-
-<file path=customXml/itemProps49.xml><?xml version="1.0" encoding="utf-8"?>
-<ds:datastoreItem xmlns:ds="http://schemas.openxmlformats.org/officeDocument/2006/customXml" ds:itemID="{C36DB154-AE5E-441B-8E32-9C0203D538F6}">
-  <ds:schemaRefs>
-    <ds:schemaRef ds:uri="http://schemas.microsoft.com/VisualStudio/2011/storyboarding/control"/>
-  </ds:schemaRefs>
-</ds:datastoreItem>
-</file>
-
-<file path=customXml/itemProps5.xml><?xml version="1.0" encoding="utf-8"?>
-<ds:datastoreItem xmlns:ds="http://schemas.openxmlformats.org/officeDocument/2006/customXml" ds:itemID="{3C65476E-E005-4058-A679-B2D8F13FF877}">
-  <ds:schemaRefs>
-    <ds:schemaRef ds:uri="http://schemas.microsoft.com/VisualStudio/2011/storyboarding/control"/>
-  </ds:schemaRefs>
-</ds:datastoreItem>
-</file>
-
-<file path=customXml/itemProps50.xml><?xml version="1.0" encoding="utf-8"?>
+<file path=customXml/itemProps74.xml><?xml version="1.0" encoding="utf-8"?>
 <ds:datastoreItem xmlns:ds="http://schemas.openxmlformats.org/officeDocument/2006/customXml" ds:itemID="{6ADA548F-1BF0-44B5-AD4E-6B89D3ECE98D}">
   <ds:schemaRefs>
     <ds:schemaRef ds:uri="http://schemas.microsoft.com/VisualStudio/2011/storyboarding/control"/>
@@ -28161,216 +28369,8 @@
 </ds:datastoreItem>
 </file>
 
-<file path=customXml/itemProps51.xml><?xml version="1.0" encoding="utf-8"?>
-<ds:datastoreItem xmlns:ds="http://schemas.openxmlformats.org/officeDocument/2006/customXml" ds:itemID="{FC6544C5-9902-4F92-B15E-0F0FB91FC344}">
-  <ds:schemaRefs>
-    <ds:schemaRef ds:uri="http://schemas.microsoft.com/VisualStudio/2011/storyboarding/control"/>
-  </ds:schemaRefs>
-</ds:datastoreItem>
-</file>
-
-<file path=customXml/itemProps52.xml><?xml version="1.0" encoding="utf-8"?>
-<ds:datastoreItem xmlns:ds="http://schemas.openxmlformats.org/officeDocument/2006/customXml" ds:itemID="{DB2000C8-B277-4324-8B80-CDB83E8CE835}">
-  <ds:schemaRefs>
-    <ds:schemaRef ds:uri="http://schemas.microsoft.com/VisualStudio/2011/storyboarding/control"/>
-  </ds:schemaRefs>
-</ds:datastoreItem>
-</file>
-
-<file path=customXml/itemProps53.xml><?xml version="1.0" encoding="utf-8"?>
-<ds:datastoreItem xmlns:ds="http://schemas.openxmlformats.org/officeDocument/2006/customXml" ds:itemID="{149B1CD2-B7C7-4B38-9713-13FEE7CAC5CF}">
-  <ds:schemaRefs>
-    <ds:schemaRef ds:uri="http://schemas.microsoft.com/VisualStudio/2011/storyboarding/control"/>
-  </ds:schemaRefs>
-</ds:datastoreItem>
-</file>
-
-<file path=customXml/itemProps54.xml><?xml version="1.0" encoding="utf-8"?>
-<ds:datastoreItem xmlns:ds="http://schemas.openxmlformats.org/officeDocument/2006/customXml" ds:itemID="{57FFB7F0-24A5-4BA8-AA91-8BFC251E2323}">
-  <ds:schemaRefs>
-    <ds:schemaRef ds:uri="http://schemas.microsoft.com/VisualStudio/2011/storyboarding/control"/>
-  </ds:schemaRefs>
-</ds:datastoreItem>
-</file>
-
-<file path=customXml/itemProps55.xml><?xml version="1.0" encoding="utf-8"?>
+<file path=customXml/itemProps75.xml><?xml version="1.0" encoding="utf-8"?>
 <ds:datastoreItem xmlns:ds="http://schemas.openxmlformats.org/officeDocument/2006/customXml" ds:itemID="{C02037DD-3248-4DE3-A985-ACC0F2406BE8}">
-  <ds:schemaRefs>
-    <ds:schemaRef ds:uri="http://schemas.microsoft.com/VisualStudio/2011/storyboarding/control"/>
-  </ds:schemaRefs>
-</ds:datastoreItem>
-</file>
-
-<file path=customXml/itemProps56.xml><?xml version="1.0" encoding="utf-8"?>
-<ds:datastoreItem xmlns:ds="http://schemas.openxmlformats.org/officeDocument/2006/customXml" ds:itemID="{D2FE2441-F4F4-4DD2-A086-4A7D71862FD9}">
-  <ds:schemaRefs>
-    <ds:schemaRef ds:uri="http://schemas.microsoft.com/VisualStudio/2011/storyboarding/control"/>
-  </ds:schemaRefs>
-</ds:datastoreItem>
-</file>
-
-<file path=customXml/itemProps57.xml><?xml version="1.0" encoding="utf-8"?>
-<ds:datastoreItem xmlns:ds="http://schemas.openxmlformats.org/officeDocument/2006/customXml" ds:itemID="{0CCA9F88-8784-4D3A-B544-5E75264A0988}">
-  <ds:schemaRefs>
-    <ds:schemaRef ds:uri="http://schemas.microsoft.com/VisualStudio/2011/storyboarding/control"/>
-  </ds:schemaRefs>
-</ds:datastoreItem>
-</file>
-
-<file path=customXml/itemProps58.xml><?xml version="1.0" encoding="utf-8"?>
-<ds:datastoreItem xmlns:ds="http://schemas.openxmlformats.org/officeDocument/2006/customXml" ds:itemID="{99FFFAFB-7A40-49A1-B04F-4A1F6ECF0BAF}">
-  <ds:schemaRefs>
-    <ds:schemaRef ds:uri="http://schemas.microsoft.com/VisualStudio/2011/storyboarding/control"/>
-  </ds:schemaRefs>
-</ds:datastoreItem>
-</file>
-
-<file path=customXml/itemProps59.xml><?xml version="1.0" encoding="utf-8"?>
-<ds:datastoreItem xmlns:ds="http://schemas.openxmlformats.org/officeDocument/2006/customXml" ds:itemID="{46714D06-B7FD-48A9-91D0-7F1510C73858}">
-  <ds:schemaRefs>
-    <ds:schemaRef ds:uri="http://schemas.microsoft.com/VisualStudio/2011/storyboarding/control"/>
-  </ds:schemaRefs>
-</ds:datastoreItem>
-</file>
-
-<file path=customXml/itemProps6.xml><?xml version="1.0" encoding="utf-8"?>
-<ds:datastoreItem xmlns:ds="http://schemas.openxmlformats.org/officeDocument/2006/customXml" ds:itemID="{43588560-03AB-428A-9CE4-A6AC7508369A}">
-  <ds:schemaRefs>
-    <ds:schemaRef ds:uri="http://schemas.microsoft.com/VisualStudio/2011/storyboarding/control"/>
-  </ds:schemaRefs>
-</ds:datastoreItem>
-</file>
-
-<file path=customXml/itemProps60.xml><?xml version="1.0" encoding="utf-8"?>
-<ds:datastoreItem xmlns:ds="http://schemas.openxmlformats.org/officeDocument/2006/customXml" ds:itemID="{C4583063-FB7A-486E-B271-71E78059E19B}">
-  <ds:schemaRefs>
-    <ds:schemaRef ds:uri="http://schemas.microsoft.com/VisualStudio/2011/storyboarding/control"/>
-  </ds:schemaRefs>
-</ds:datastoreItem>
-</file>
-
-<file path=customXml/itemProps61.xml><?xml version="1.0" encoding="utf-8"?>
-<ds:datastoreItem xmlns:ds="http://schemas.openxmlformats.org/officeDocument/2006/customXml" ds:itemID="{654CBC2D-27EC-43DB-ABA4-3FBDF37D3735}">
-  <ds:schemaRefs>
-    <ds:schemaRef ds:uri="http://schemas.microsoft.com/VisualStudio/2011/storyboarding/control"/>
-  </ds:schemaRefs>
-</ds:datastoreItem>
-</file>
-
-<file path=customXml/itemProps62.xml><?xml version="1.0" encoding="utf-8"?>
-<ds:datastoreItem xmlns:ds="http://schemas.openxmlformats.org/officeDocument/2006/customXml" ds:itemID="{063AF5E8-36AD-451D-9B6A-4390E8F3CF38}">
-  <ds:schemaRefs>
-    <ds:schemaRef ds:uri="http://schemas.microsoft.com/VisualStudio/2011/storyboarding/control"/>
-  </ds:schemaRefs>
-</ds:datastoreItem>
-</file>
-
-<file path=customXml/itemProps63.xml><?xml version="1.0" encoding="utf-8"?>
-<ds:datastoreItem xmlns:ds="http://schemas.openxmlformats.org/officeDocument/2006/customXml" ds:itemID="{ACB3927E-D579-4694-AD01-62FF7AA261C4}">
-  <ds:schemaRefs>
-    <ds:schemaRef ds:uri="http://schemas.microsoft.com/VisualStudio/2011/storyboarding/control"/>
-  </ds:schemaRefs>
-</ds:datastoreItem>
-</file>
-
-<file path=customXml/itemProps64.xml><?xml version="1.0" encoding="utf-8"?>
-<ds:datastoreItem xmlns:ds="http://schemas.openxmlformats.org/officeDocument/2006/customXml" ds:itemID="{0B5327E3-0261-4B48-BF6B-FF0257762827}">
-  <ds:schemaRefs>
-    <ds:schemaRef ds:uri="http://schemas.microsoft.com/VisualStudio/2011/storyboarding/control"/>
-  </ds:schemaRefs>
-</ds:datastoreItem>
-</file>
-
-<file path=customXml/itemProps65.xml><?xml version="1.0" encoding="utf-8"?>
-<ds:datastoreItem xmlns:ds="http://schemas.openxmlformats.org/officeDocument/2006/customXml" ds:itemID="{A3F62A8C-3D6E-45AB-989A-0299CCDC7BDF}">
-  <ds:schemaRefs>
-    <ds:schemaRef ds:uri="http://schemas.microsoft.com/VisualStudio/2011/storyboarding/control"/>
-  </ds:schemaRefs>
-</ds:datastoreItem>
-</file>
-
-<file path=customXml/itemProps66.xml><?xml version="1.0" encoding="utf-8"?>
-<ds:datastoreItem xmlns:ds="http://schemas.openxmlformats.org/officeDocument/2006/customXml" ds:itemID="{AB1DB933-7DE2-4FB6-94F8-DE6617D86614}">
-  <ds:schemaRefs>
-    <ds:schemaRef ds:uri="http://schemas.microsoft.com/VisualStudio/2011/storyboarding/control"/>
-  </ds:schemaRefs>
-</ds:datastoreItem>
-</file>
-
-<file path=customXml/itemProps67.xml><?xml version="1.0" encoding="utf-8"?>
-<ds:datastoreItem xmlns:ds="http://schemas.openxmlformats.org/officeDocument/2006/customXml" ds:itemID="{228AF168-33A9-492E-910D-EAE94E644B4A}">
-  <ds:schemaRefs>
-    <ds:schemaRef ds:uri="http://schemas.microsoft.com/VisualStudio/2011/storyboarding/control"/>
-  </ds:schemaRefs>
-</ds:datastoreItem>
-</file>
-
-<file path=customXml/itemProps68.xml><?xml version="1.0" encoding="utf-8"?>
-<ds:datastoreItem xmlns:ds="http://schemas.openxmlformats.org/officeDocument/2006/customXml" ds:itemID="{876AF238-A0AE-4CE4-9709-BB19E770A0FF}">
-  <ds:schemaRefs>
-    <ds:schemaRef ds:uri="http://schemas.microsoft.com/VisualStudio/2011/storyboarding/control"/>
-  </ds:schemaRefs>
-</ds:datastoreItem>
-</file>
-
-<file path=customXml/itemProps69.xml><?xml version="1.0" encoding="utf-8"?>
-<ds:datastoreItem xmlns:ds="http://schemas.openxmlformats.org/officeDocument/2006/customXml" ds:itemID="{B0C9E300-5CAC-4E8C-B9CB-B4EDDB0EC3C8}">
-  <ds:schemaRefs>
-    <ds:schemaRef ds:uri="http://schemas.microsoft.com/VisualStudio/2011/storyboarding/control"/>
-  </ds:schemaRefs>
-</ds:datastoreItem>
-</file>
-
-<file path=customXml/itemProps7.xml><?xml version="1.0" encoding="utf-8"?>
-<ds:datastoreItem xmlns:ds="http://schemas.openxmlformats.org/officeDocument/2006/customXml" ds:itemID="{9F80CF27-93E9-4C7B-88EF-82FB0C72DF62}">
-  <ds:schemaRefs>
-    <ds:schemaRef ds:uri="http://schemas.microsoft.com/VisualStudio/2011/storyboarding/control"/>
-  </ds:schemaRefs>
-</ds:datastoreItem>
-</file>
-
-<file path=customXml/itemProps70.xml><?xml version="1.0" encoding="utf-8"?>
-<ds:datastoreItem xmlns:ds="http://schemas.openxmlformats.org/officeDocument/2006/customXml" ds:itemID="{0987803F-8C29-460C-9CFE-90D062BBF340}">
-  <ds:schemaRefs>
-    <ds:schemaRef ds:uri="http://schemas.microsoft.com/VisualStudio/2011/storyboarding/control"/>
-  </ds:schemaRefs>
-</ds:datastoreItem>
-</file>
-
-<file path=customXml/itemProps71.xml><?xml version="1.0" encoding="utf-8"?>
-<ds:datastoreItem xmlns:ds="http://schemas.openxmlformats.org/officeDocument/2006/customXml" ds:itemID="{2BDF7FB8-4BA8-46D9-B98A-095F3529F3D4}">
-  <ds:schemaRefs>
-    <ds:schemaRef ds:uri="http://schemas.microsoft.com/VisualStudio/2011/storyboarding/control"/>
-  </ds:schemaRefs>
-</ds:datastoreItem>
-</file>
-
-<file path=customXml/itemProps72.xml><?xml version="1.0" encoding="utf-8"?>
-<ds:datastoreItem xmlns:ds="http://schemas.openxmlformats.org/officeDocument/2006/customXml" ds:itemID="{7CABBE05-1DB8-413F-B922-E51F51DB6CB5}">
-  <ds:schemaRefs>
-    <ds:schemaRef ds:uri="http://schemas.microsoft.com/VisualStudio/2011/storyboarding/control"/>
-  </ds:schemaRefs>
-</ds:datastoreItem>
-</file>
-
-<file path=customXml/itemProps73.xml><?xml version="1.0" encoding="utf-8"?>
-<ds:datastoreItem xmlns:ds="http://schemas.openxmlformats.org/officeDocument/2006/customXml" ds:itemID="{5F6247E0-2660-41E0-8816-07BF7F4C712D}">
-  <ds:schemaRefs>
-    <ds:schemaRef ds:uri="http://schemas.microsoft.com/VisualStudio/2011/storyboarding/control"/>
-  </ds:schemaRefs>
-</ds:datastoreItem>
-</file>
-
-<file path=customXml/itemProps74.xml><?xml version="1.0" encoding="utf-8"?>
-<ds:datastoreItem xmlns:ds="http://schemas.openxmlformats.org/officeDocument/2006/customXml" ds:itemID="{438B7A44-EBDD-41BA-B093-6D278F4F7459}">
-  <ds:schemaRefs>
-    <ds:schemaRef ds:uri="http://schemas.microsoft.com/VisualStudio/2011/storyboarding/control"/>
-  </ds:schemaRefs>
-</ds:datastoreItem>
-</file>
-
-<file path=customXml/itemProps75.xml><?xml version="1.0" encoding="utf-8"?>
-<ds:datastoreItem xmlns:ds="http://schemas.openxmlformats.org/officeDocument/2006/customXml" ds:itemID="{E886A3B6-32CF-43FB-BFDC-824E566105C6}">
   <ds:schemaRefs>
     <ds:schemaRef ds:uri="http://schemas.microsoft.com/VisualStudio/2011/storyboarding/control"/>
   </ds:schemaRefs>
@@ -28386,7 +28386,7 @@
 </file>
 
 <file path=customXml/itemProps77.xml><?xml version="1.0" encoding="utf-8"?>
-<ds:datastoreItem xmlns:ds="http://schemas.openxmlformats.org/officeDocument/2006/customXml" ds:itemID="{D12E1D60-E53D-431F-ABC8-B98207B7D1E6}">
+<ds:datastoreItem xmlns:ds="http://schemas.openxmlformats.org/officeDocument/2006/customXml" ds:itemID="{1877004B-50A8-4877-B8FF-7DD1DC8224C2}">
   <ds:schemaRefs>
     <ds:schemaRef ds:uri="http://schemas.microsoft.com/VisualStudio/2011/storyboarding/control"/>
   </ds:schemaRefs>
@@ -28394,7 +28394,7 @@
 </file>
 
 <file path=customXml/itemProps78.xml><?xml version="1.0" encoding="utf-8"?>
-<ds:datastoreItem xmlns:ds="http://schemas.openxmlformats.org/officeDocument/2006/customXml" ds:itemID="{E5957A30-7F08-42CE-A7C9-9121B3EEDB89}">
+<ds:datastoreItem xmlns:ds="http://schemas.openxmlformats.org/officeDocument/2006/customXml" ds:itemID="{6E9F6603-6B7C-453B-A486-459839EF1163}">
   <ds:schemaRefs>
     <ds:schemaRef ds:uri="http://schemas.microsoft.com/VisualStudio/2011/storyboarding/control"/>
   </ds:schemaRefs>
@@ -28402,7 +28402,7 @@
 </file>
 
 <file path=customXml/itemProps79.xml><?xml version="1.0" encoding="utf-8"?>
-<ds:datastoreItem xmlns:ds="http://schemas.openxmlformats.org/officeDocument/2006/customXml" ds:itemID="{C14734D5-9FB1-4C35-A180-105B4BA15CD3}">
+<ds:datastoreItem xmlns:ds="http://schemas.openxmlformats.org/officeDocument/2006/customXml" ds:itemID="{DC24DB23-C3E0-4806-934A-5531299BFC48}">
   <ds:schemaRefs>
     <ds:schemaRef ds:uri="http://schemas.microsoft.com/VisualStudio/2011/storyboarding/control"/>
   </ds:schemaRefs>
@@ -28410,7 +28410,7 @@
 </file>
 
 <file path=customXml/itemProps8.xml><?xml version="1.0" encoding="utf-8"?>
-<ds:datastoreItem xmlns:ds="http://schemas.openxmlformats.org/officeDocument/2006/customXml" ds:itemID="{69E02AD5-3C7C-4F1D-9766-B18ECF2212C6}">
+<ds:datastoreItem xmlns:ds="http://schemas.openxmlformats.org/officeDocument/2006/customXml" ds:itemID="{3C65476E-E005-4058-A679-B2D8F13FF877}">
   <ds:schemaRefs>
     <ds:schemaRef ds:uri="http://schemas.microsoft.com/VisualStudio/2011/storyboarding/control"/>
   </ds:schemaRefs>
@@ -28418,7 +28418,7 @@
 </file>
 
 <file path=customXml/itemProps80.xml><?xml version="1.0" encoding="utf-8"?>
-<ds:datastoreItem xmlns:ds="http://schemas.openxmlformats.org/officeDocument/2006/customXml" ds:itemID="{559BF73F-CE64-4B91-BD49-510468F35CB9}">
+<ds:datastoreItem xmlns:ds="http://schemas.openxmlformats.org/officeDocument/2006/customXml" ds:itemID="{BC9894E6-7AC8-4518-A802-8C98F8565837}">
   <ds:schemaRefs>
     <ds:schemaRef ds:uri="http://schemas.microsoft.com/VisualStudio/2011/storyboarding/control"/>
   </ds:schemaRefs>
@@ -28426,7 +28426,7 @@
 </file>
 
 <file path=customXml/itemProps81.xml><?xml version="1.0" encoding="utf-8"?>
-<ds:datastoreItem xmlns:ds="http://schemas.openxmlformats.org/officeDocument/2006/customXml" ds:itemID="{E28B7CEA-1FBD-4F14-BDA2-C48C66B37150}">
+<ds:datastoreItem xmlns:ds="http://schemas.openxmlformats.org/officeDocument/2006/customXml" ds:itemID="{8EE50836-C4DB-4AC6-8DFD-677FDEAB9EAD}">
   <ds:schemaRefs>
     <ds:schemaRef ds:uri="http://schemas.microsoft.com/VisualStudio/2011/storyboarding/control"/>
   </ds:schemaRefs>
@@ -28434,7 +28434,7 @@
 </file>
 
 <file path=customXml/itemProps82.xml><?xml version="1.0" encoding="utf-8"?>
-<ds:datastoreItem xmlns:ds="http://schemas.openxmlformats.org/officeDocument/2006/customXml" ds:itemID="{8E111B87-A381-46AA-BB11-318F8ACB4BCA}">
+<ds:datastoreItem xmlns:ds="http://schemas.openxmlformats.org/officeDocument/2006/customXml" ds:itemID="{6806E131-54C6-48B3-984A-5A1F4C5785D2}">
   <ds:schemaRefs>
     <ds:schemaRef ds:uri="http://schemas.microsoft.com/VisualStudio/2011/storyboarding/control"/>
   </ds:schemaRefs>
@@ -28442,7 +28442,7 @@
 </file>
 
 <file path=customXml/itemProps83.xml><?xml version="1.0" encoding="utf-8"?>
-<ds:datastoreItem xmlns:ds="http://schemas.openxmlformats.org/officeDocument/2006/customXml" ds:itemID="{68A0CDC1-3F80-4DE3-8AB3-B532E32DC2D3}">
+<ds:datastoreItem xmlns:ds="http://schemas.openxmlformats.org/officeDocument/2006/customXml" ds:itemID="{F2C13C45-9FD4-46A1-B566-8CFCB6433E4D}">
   <ds:schemaRefs>
     <ds:schemaRef ds:uri="http://schemas.microsoft.com/VisualStudio/2011/storyboarding/control"/>
   </ds:schemaRefs>
@@ -28450,7 +28450,7 @@
 </file>
 
 <file path=customXml/itemProps84.xml><?xml version="1.0" encoding="utf-8"?>
-<ds:datastoreItem xmlns:ds="http://schemas.openxmlformats.org/officeDocument/2006/customXml" ds:itemID="{425D7E26-BB5E-460D-97B3-E693C38FDA69}">
+<ds:datastoreItem xmlns:ds="http://schemas.openxmlformats.org/officeDocument/2006/customXml" ds:itemID="{9F80CF27-93E9-4C7B-88EF-82FB0C72DF62}">
   <ds:schemaRefs>
     <ds:schemaRef ds:uri="http://schemas.microsoft.com/VisualStudio/2011/storyboarding/control"/>
   </ds:schemaRefs>
@@ -28458,7 +28458,7 @@
 </file>
 
 <file path=customXml/itemProps85.xml><?xml version="1.0" encoding="utf-8"?>
-<ds:datastoreItem xmlns:ds="http://schemas.openxmlformats.org/officeDocument/2006/customXml" ds:itemID="{3DDBA3E6-6C5A-4905-87BF-300A95711014}">
+<ds:datastoreItem xmlns:ds="http://schemas.openxmlformats.org/officeDocument/2006/customXml" ds:itemID="{2BDF7FB8-4BA8-46D9-B98A-095F3529F3D4}">
   <ds:schemaRefs>
     <ds:schemaRef ds:uri="http://schemas.microsoft.com/VisualStudio/2011/storyboarding/control"/>
   </ds:schemaRefs>
@@ -28466,7 +28466,7 @@
 </file>
 
 <file path=customXml/itemProps86.xml><?xml version="1.0" encoding="utf-8"?>
-<ds:datastoreItem xmlns:ds="http://schemas.openxmlformats.org/officeDocument/2006/customXml" ds:itemID="{06D91DB4-751F-47F3-B3CD-CDDA280C9652}">
+<ds:datastoreItem xmlns:ds="http://schemas.openxmlformats.org/officeDocument/2006/customXml" ds:itemID="{29BF925D-CF27-4B21-AC43-2599465F0C8E}">
   <ds:schemaRefs>
     <ds:schemaRef ds:uri="http://schemas.microsoft.com/VisualStudio/2011/storyboarding/control"/>
   </ds:schemaRefs>
@@ -28474,6 +28474,78 @@
 </file>
 
 <file path=customXml/itemProps87.xml><?xml version="1.0" encoding="utf-8"?>
+<ds:datastoreItem xmlns:ds="http://schemas.openxmlformats.org/officeDocument/2006/customXml" ds:itemID="{AABF63A9-AA30-4DF6-8EF2-972AB7A4097F}">
+  <ds:schemaRefs>
+    <ds:schemaRef ds:uri="http://schemas.microsoft.com/VisualStudio/2011/storyboarding/control"/>
+  </ds:schemaRefs>
+</ds:datastoreItem>
+</file>
+
+<file path=customXml/itemProps88.xml><?xml version="1.0" encoding="utf-8"?>
+<ds:datastoreItem xmlns:ds="http://schemas.openxmlformats.org/officeDocument/2006/customXml" ds:itemID="{4032A915-244F-4EED-B3D6-A7E329608545}">
+  <ds:schemaRefs>
+    <ds:schemaRef ds:uri="http://schemas.microsoft.com/VisualStudio/2011/storyboarding/control"/>
+  </ds:schemaRefs>
+</ds:datastoreItem>
+</file>
+
+<file path=customXml/itemProps89.xml><?xml version="1.0" encoding="utf-8"?>
+<ds:datastoreItem xmlns:ds="http://schemas.openxmlformats.org/officeDocument/2006/customXml" ds:itemID="{BE30DC31-8F8A-48CF-A072-77607577B2FB}">
+  <ds:schemaRefs>
+    <ds:schemaRef ds:uri="http://schemas.microsoft.com/VisualStudio/2011/storyboarding/control"/>
+  </ds:schemaRefs>
+</ds:datastoreItem>
+</file>
+
+<file path=customXml/itemProps9.xml><?xml version="1.0" encoding="utf-8"?>
+<ds:datastoreItem xmlns:ds="http://schemas.openxmlformats.org/officeDocument/2006/customXml" ds:itemID="{ADDA3575-2CD6-4AA3-BAD6-EE20DE74340F}">
+  <ds:schemaRefs>
+    <ds:schemaRef ds:uri="http://schemas.microsoft.com/VisualStudio/2011/storyboarding/control"/>
+  </ds:schemaRefs>
+</ds:datastoreItem>
+</file>
+
+<file path=customXml/itemProps90.xml><?xml version="1.0" encoding="utf-8"?>
+<ds:datastoreItem xmlns:ds="http://schemas.openxmlformats.org/officeDocument/2006/customXml" ds:itemID="{29F09D18-0D3C-4F1D-ABE0-73E2474806CB}">
+  <ds:schemaRefs>
+    <ds:schemaRef ds:uri="http://schemas.microsoft.com/VisualStudio/2011/storyboarding/control"/>
+  </ds:schemaRefs>
+</ds:datastoreItem>
+</file>
+
+<file path=customXml/itemProps91.xml><?xml version="1.0" encoding="utf-8"?>
+<ds:datastoreItem xmlns:ds="http://schemas.openxmlformats.org/officeDocument/2006/customXml" ds:itemID="{DC4F4190-4090-481C-95E3-E7A883513D24}">
+  <ds:schemaRefs>
+    <ds:schemaRef ds:uri="http://schemas.microsoft.com/VisualStudio/2011/storyboarding/control"/>
+  </ds:schemaRefs>
+</ds:datastoreItem>
+</file>
+
+<file path=customXml/itemProps92.xml><?xml version="1.0" encoding="utf-8"?>
+<ds:datastoreItem xmlns:ds="http://schemas.openxmlformats.org/officeDocument/2006/customXml" ds:itemID="{D9AB7FC7-C062-483E-9B7E-6CCCBB79B494}">
+  <ds:schemaRefs>
+    <ds:schemaRef ds:uri="http://schemas.microsoft.com/VisualStudio/2011/storyboarding/control"/>
+  </ds:schemaRefs>
+</ds:datastoreItem>
+</file>
+
+<file path=customXml/itemProps93.xml><?xml version="1.0" encoding="utf-8"?>
+<ds:datastoreItem xmlns:ds="http://schemas.openxmlformats.org/officeDocument/2006/customXml" ds:itemID="{247695CD-B2DD-488A-8575-5345C166802C}">
+  <ds:schemaRefs>
+    <ds:schemaRef ds:uri="http://schemas.microsoft.com/VisualStudio/2011/storyboarding/control"/>
+  </ds:schemaRefs>
+</ds:datastoreItem>
+</file>
+
+<file path=customXml/itemProps94.xml><?xml version="1.0" encoding="utf-8"?>
+<ds:datastoreItem xmlns:ds="http://schemas.openxmlformats.org/officeDocument/2006/customXml" ds:itemID="{AB1DB933-7DE2-4FB6-94F8-DE6617D86614}">
+  <ds:schemaRefs>
+    <ds:schemaRef ds:uri="http://schemas.microsoft.com/VisualStudio/2011/storyboarding/control"/>
+  </ds:schemaRefs>
+</ds:datastoreItem>
+</file>
+
+<file path=customXml/itemProps95.xml><?xml version="1.0" encoding="utf-8"?>
 <ds:datastoreItem xmlns:ds="http://schemas.openxmlformats.org/officeDocument/2006/customXml" ds:itemID="{73C15516-64BE-43A3-9299-7E108DE97C7F}">
   <ds:schemaRefs>
     <ds:schemaRef ds:uri="http://schemas.microsoft.com/VisualStudio/2011/storyboarding/control"/>
@@ -28481,104 +28553,32 @@
 </ds:datastoreItem>
 </file>
 
-<file path=customXml/itemProps88.xml><?xml version="1.0" encoding="utf-8"?>
-<ds:datastoreItem xmlns:ds="http://schemas.openxmlformats.org/officeDocument/2006/customXml" ds:itemID="{A099D91D-2540-412F-88B4-6DD3EB1D58E7}">
+<file path=customXml/itemProps96.xml><?xml version="1.0" encoding="utf-8"?>
+<ds:datastoreItem xmlns:ds="http://schemas.openxmlformats.org/officeDocument/2006/customXml" ds:itemID="{4933C5B9-7038-46C8-B65F-9FC1C846A3E0}">
   <ds:schemaRefs>
     <ds:schemaRef ds:uri="http://schemas.microsoft.com/VisualStudio/2011/storyboarding/control"/>
   </ds:schemaRefs>
 </ds:datastoreItem>
 </file>
 
-<file path=customXml/itemProps89.xml><?xml version="1.0" encoding="utf-8"?>
-<ds:datastoreItem xmlns:ds="http://schemas.openxmlformats.org/officeDocument/2006/customXml" ds:itemID="{9DAE1F11-5474-4CAD-8EC7-A688E310A5AB}">
+<file path=customXml/itemProps97.xml><?xml version="1.0" encoding="utf-8"?>
+<ds:datastoreItem xmlns:ds="http://schemas.openxmlformats.org/officeDocument/2006/customXml" ds:itemID="{7A7C8F38-0BA1-42E1-8BF5-DEED4B0E03B5}">
   <ds:schemaRefs>
     <ds:schemaRef ds:uri="http://schemas.microsoft.com/VisualStudio/2011/storyboarding/control"/>
   </ds:schemaRefs>
 </ds:datastoreItem>
 </file>
 
-<file path=customXml/itemProps9.xml><?xml version="1.0" encoding="utf-8"?>
-<ds:datastoreItem xmlns:ds="http://schemas.openxmlformats.org/officeDocument/2006/customXml" ds:itemID="{0D8F2650-9E27-4603-BD35-5A059BB60334}">
+<file path=customXml/itemProps98.xml><?xml version="1.0" encoding="utf-8"?>
+<ds:datastoreItem xmlns:ds="http://schemas.openxmlformats.org/officeDocument/2006/customXml" ds:itemID="{C30452E4-8A6C-404A-B689-8E04350A6B59}">
   <ds:schemaRefs>
     <ds:schemaRef ds:uri="http://schemas.microsoft.com/VisualStudio/2011/storyboarding/control"/>
   </ds:schemaRefs>
 </ds:datastoreItem>
 </file>
 
-<file path=customXml/itemProps90.xml><?xml version="1.0" encoding="utf-8"?>
-<ds:datastoreItem xmlns:ds="http://schemas.openxmlformats.org/officeDocument/2006/customXml" ds:itemID="{ADDA3575-2CD6-4AA3-BAD6-EE20DE74340F}">
-  <ds:schemaRefs>
-    <ds:schemaRef ds:uri="http://schemas.microsoft.com/VisualStudio/2011/storyboarding/control"/>
-  </ds:schemaRefs>
-</ds:datastoreItem>
-</file>
-
-<file path=customXml/itemProps91.xml><?xml version="1.0" encoding="utf-8"?>
-<ds:datastoreItem xmlns:ds="http://schemas.openxmlformats.org/officeDocument/2006/customXml" ds:itemID="{A75B2111-FBDC-4291-9EA3-2B57563F245C}">
-  <ds:schemaRefs>
-    <ds:schemaRef ds:uri="http://schemas.microsoft.com/VisualStudio/2011/storyboarding/control"/>
-  </ds:schemaRefs>
-</ds:datastoreItem>
-</file>
-
-<file path=customXml/itemProps92.xml><?xml version="1.0" encoding="utf-8"?>
-<ds:datastoreItem xmlns:ds="http://schemas.openxmlformats.org/officeDocument/2006/customXml" ds:itemID="{29BF925D-CF27-4B21-AC43-2599465F0C8E}">
-  <ds:schemaRefs>
-    <ds:schemaRef ds:uri="http://schemas.microsoft.com/VisualStudio/2011/storyboarding/control"/>
-  </ds:schemaRefs>
-</ds:datastoreItem>
-</file>
-
-<file path=customXml/itemProps93.xml><?xml version="1.0" encoding="utf-8"?>
-<ds:datastoreItem xmlns:ds="http://schemas.openxmlformats.org/officeDocument/2006/customXml" ds:itemID="{CF91C9AF-FB44-4B2D-B964-EA853D542988}">
-  <ds:schemaRefs>
-    <ds:schemaRef ds:uri="http://schemas.microsoft.com/VisualStudio/2011/storyboarding/control"/>
-  </ds:schemaRefs>
-</ds:datastoreItem>
-</file>
-
-<file path=customXml/itemProps94.xml><?xml version="1.0" encoding="utf-8"?>
-<ds:datastoreItem xmlns:ds="http://schemas.openxmlformats.org/officeDocument/2006/customXml" ds:itemID="{186177FB-D9AA-47FB-AA70-F2EB801F860E}">
-  <ds:schemaRefs>
-    <ds:schemaRef ds:uri="http://schemas.microsoft.com/VisualStudio/2011/storyboarding/control"/>
-  </ds:schemaRefs>
-</ds:datastoreItem>
-</file>
-
-<file path=customXml/itemProps95.xml><?xml version="1.0" encoding="utf-8"?>
-<ds:datastoreItem xmlns:ds="http://schemas.openxmlformats.org/officeDocument/2006/customXml" ds:itemID="{451A7426-E19E-4AAF-BFD2-F92A9C112E84}">
-  <ds:schemaRefs>
-    <ds:schemaRef ds:uri="http://schemas.microsoft.com/VisualStudio/2011/storyboarding/control"/>
-  </ds:schemaRefs>
-</ds:datastoreItem>
-</file>
-
-<file path=customXml/itemProps96.xml><?xml version="1.0" encoding="utf-8"?>
-<ds:datastoreItem xmlns:ds="http://schemas.openxmlformats.org/officeDocument/2006/customXml" ds:itemID="{E243988D-F926-45CE-8E57-8F03AD990A6C}">
-  <ds:schemaRefs>
-    <ds:schemaRef ds:uri="http://schemas.microsoft.com/VisualStudio/2011/storyboarding/control"/>
-  </ds:schemaRefs>
-</ds:datastoreItem>
-</file>
-
-<file path=customXml/itemProps97.xml><?xml version="1.0" encoding="utf-8"?>
-<ds:datastoreItem xmlns:ds="http://schemas.openxmlformats.org/officeDocument/2006/customXml" ds:itemID="{1877004B-50A8-4877-B8FF-7DD1DC8224C2}">
-  <ds:schemaRefs>
-    <ds:schemaRef ds:uri="http://schemas.microsoft.com/VisualStudio/2011/storyboarding/control"/>
-  </ds:schemaRefs>
-</ds:datastoreItem>
-</file>
-
-<file path=customXml/itemProps98.xml><?xml version="1.0" encoding="utf-8"?>
-<ds:datastoreItem xmlns:ds="http://schemas.openxmlformats.org/officeDocument/2006/customXml" ds:itemID="{9A59738E-0CC4-436E-B451-F09AF7853BEC}">
-  <ds:schemaRefs>
-    <ds:schemaRef ds:uri="http://schemas.microsoft.com/VisualStudio/2011/storyboarding/control"/>
-  </ds:schemaRefs>
-</ds:datastoreItem>
-</file>
-
 <file path=customXml/itemProps99.xml><?xml version="1.0" encoding="utf-8"?>
-<ds:datastoreItem xmlns:ds="http://schemas.openxmlformats.org/officeDocument/2006/customXml" ds:itemID="{8B573C24-C1CA-4AD9-8793-CFC1E42E3841}">
+<ds:datastoreItem xmlns:ds="http://schemas.openxmlformats.org/officeDocument/2006/customXml" ds:itemID="{D1100CDA-4C0B-4B20-A344-A7360173EF0F}">
   <ds:schemaRefs>
     <ds:schemaRef ds:uri="http://schemas.microsoft.com/VisualStudio/2011/storyboarding/control"/>
   </ds:schemaRefs>

--- a/Page d’acceuil.pptx
+++ b/Page d’acceuil.pptx
@@ -2,36 +2,36 @@
 <file path=ppt/presentation.xml><?xml version="1.0" encoding="utf-8"?>
 <p:presentation xmlns:a="http://schemas.openxmlformats.org/drawingml/2006/main" xmlns:r="http://schemas.openxmlformats.org/officeDocument/2006/relationships" xmlns:p="http://schemas.openxmlformats.org/presentationml/2006/main" saveSubsetFonts="1">
   <p:sldMasterIdLst>
-    <p:sldMasterId id="2147483648" r:id="rId188"/>
-    <p:sldMasterId id="2147483660" r:id="rId189"/>
+    <p:sldMasterId id="2147483648" r:id="rId204"/>
+    <p:sldMasterId id="2147483660" r:id="rId205"/>
   </p:sldMasterIdLst>
   <p:notesMasterIdLst>
-    <p:notesMasterId r:id="rId213"/>
+    <p:notesMasterId r:id="rId229"/>
   </p:notesMasterIdLst>
   <p:sldIdLst>
-    <p:sldId id="260" r:id="rId190"/>
-    <p:sldId id="258" r:id="rId191"/>
-    <p:sldId id="269" r:id="rId192"/>
-    <p:sldId id="270" r:id="rId193"/>
-    <p:sldId id="271" r:id="rId194"/>
-    <p:sldId id="264" r:id="rId195"/>
-    <p:sldId id="284" r:id="rId196"/>
-    <p:sldId id="265" r:id="rId197"/>
-    <p:sldId id="272" r:id="rId198"/>
-    <p:sldId id="273" r:id="rId199"/>
-    <p:sldId id="274" r:id="rId200"/>
-    <p:sldId id="275" r:id="rId201"/>
-    <p:sldId id="276" r:id="rId202"/>
-    <p:sldId id="278" r:id="rId203"/>
-    <p:sldId id="279" r:id="rId204"/>
-    <p:sldId id="280" r:id="rId205"/>
-    <p:sldId id="282" r:id="rId206"/>
-    <p:sldId id="281" r:id="rId207"/>
-    <p:sldId id="283" r:id="rId208"/>
-    <p:sldId id="266" r:id="rId209"/>
-    <p:sldId id="267" r:id="rId210"/>
-    <p:sldId id="286" r:id="rId211"/>
-    <p:sldId id="285" r:id="rId212"/>
+    <p:sldId id="260" r:id="rId206"/>
+    <p:sldId id="258" r:id="rId207"/>
+    <p:sldId id="269" r:id="rId208"/>
+    <p:sldId id="270" r:id="rId209"/>
+    <p:sldId id="271" r:id="rId210"/>
+    <p:sldId id="264" r:id="rId211"/>
+    <p:sldId id="284" r:id="rId212"/>
+    <p:sldId id="265" r:id="rId213"/>
+    <p:sldId id="272" r:id="rId214"/>
+    <p:sldId id="273" r:id="rId215"/>
+    <p:sldId id="274" r:id="rId216"/>
+    <p:sldId id="275" r:id="rId217"/>
+    <p:sldId id="276" r:id="rId218"/>
+    <p:sldId id="278" r:id="rId219"/>
+    <p:sldId id="279" r:id="rId220"/>
+    <p:sldId id="280" r:id="rId221"/>
+    <p:sldId id="282" r:id="rId222"/>
+    <p:sldId id="281" r:id="rId223"/>
+    <p:sldId id="283" r:id="rId224"/>
+    <p:sldId id="287" r:id="rId225"/>
+    <p:sldId id="266" r:id="rId226"/>
+    <p:sldId id="267" r:id="rId227"/>
+    <p:sldId id="285" r:id="rId228"/>
   </p:sldIdLst>
   <p:sldSz cx="12192000" cy="6858000"/>
   <p:notesSz cx="6858000" cy="9144000"/>
@@ -146,6 +146,654 @@
 </file>
 
 <file path=ppt/charts/chart1.xml><?xml version="1.0" encoding="utf-8"?>
+<c:chartSpace xmlns:c="http://schemas.openxmlformats.org/drawingml/2006/chart" xmlns:a="http://schemas.openxmlformats.org/drawingml/2006/main" xmlns:r="http://schemas.openxmlformats.org/officeDocument/2006/relationships" xmlns:c16r2="http://schemas.microsoft.com/office/drawing/2015/06/chart">
+  <c:date1904 val="0"/>
+  <c:lang val="fr-FR"/>
+  <c:roundedCorners val="0"/>
+  <mc:AlternateContent xmlns:mc="http://schemas.openxmlformats.org/markup-compatibility/2006">
+    <mc:Choice xmlns:c14="http://schemas.microsoft.com/office/drawing/2007/8/2/chart" Requires="c14">
+      <c14:style val="102"/>
+    </mc:Choice>
+    <mc:Fallback>
+      <c:style val="2"/>
+    </mc:Fallback>
+  </mc:AlternateContent>
+  <c:chart>
+    <c:autoTitleDeleted val="1"/>
+    <c:plotArea>
+      <c:layout/>
+      <c:pieChart>
+        <c:varyColors val="1"/>
+        <c:ser>
+          <c:idx val="0"/>
+          <c:order val="0"/>
+          <c:tx>
+            <c:strRef>
+              <c:f>Sheet1!$B$1</c:f>
+              <c:strCache>
+                <c:ptCount val="1"/>
+                <c:pt idx="0">
+                  <c:v>Sales</c:v>
+                </c:pt>
+              </c:strCache>
+            </c:strRef>
+          </c:tx>
+          <c:dPt>
+            <c:idx val="0"/>
+            <c:bubble3D val="0"/>
+            <c:spPr>
+              <a:solidFill>
+                <a:schemeClr val="accent1"/>
+              </a:solidFill>
+              <a:ln>
+                <a:noFill/>
+              </a:ln>
+              <a:effectLst/>
+              <a:scene3d>
+                <a:camera prst="orthographicFront"/>
+                <a:lightRig rig="brightRoom" dir="t"/>
+              </a:scene3d>
+              <a:sp3d prstMaterial="flat">
+                <a:bevelT w="50800" h="101600" prst="angle"/>
+                <a:contourClr>
+                  <a:srgbClr val="000000"/>
+                </a:contourClr>
+              </a:sp3d>
+            </c:spPr>
+            <c:extLst>
+              <c:ext xmlns:c16="http://schemas.microsoft.com/office/drawing/2014/chart" uri="{C3380CC4-5D6E-409C-BE32-E72D297353CC}">
+                <c16:uniqueId val="{00000001-0731-4FAD-8A2E-D4AA66AD1324}"/>
+              </c:ext>
+            </c:extLst>
+          </c:dPt>
+          <c:dPt>
+            <c:idx val="1"/>
+            <c:bubble3D val="0"/>
+            <c:spPr>
+              <a:solidFill>
+                <a:schemeClr val="accent2"/>
+              </a:solidFill>
+              <a:ln>
+                <a:noFill/>
+              </a:ln>
+              <a:effectLst/>
+              <a:scene3d>
+                <a:camera prst="orthographicFront"/>
+                <a:lightRig rig="brightRoom" dir="t"/>
+              </a:scene3d>
+              <a:sp3d prstMaterial="flat">
+                <a:bevelT w="50800" h="101600" prst="angle"/>
+                <a:contourClr>
+                  <a:srgbClr val="000000"/>
+                </a:contourClr>
+              </a:sp3d>
+            </c:spPr>
+            <c:extLst>
+              <c:ext xmlns:c16="http://schemas.microsoft.com/office/drawing/2014/chart" uri="{C3380CC4-5D6E-409C-BE32-E72D297353CC}">
+                <c16:uniqueId val="{00000003-0731-4FAD-8A2E-D4AA66AD1324}"/>
+              </c:ext>
+            </c:extLst>
+          </c:dPt>
+          <c:dPt>
+            <c:idx val="2"/>
+            <c:bubble3D val="0"/>
+            <c:spPr>
+              <a:solidFill>
+                <a:schemeClr val="accent3"/>
+              </a:solidFill>
+              <a:ln>
+                <a:noFill/>
+              </a:ln>
+              <a:effectLst/>
+              <a:scene3d>
+                <a:camera prst="orthographicFront"/>
+                <a:lightRig rig="brightRoom" dir="t"/>
+              </a:scene3d>
+              <a:sp3d prstMaterial="flat">
+                <a:bevelT w="50800" h="101600" prst="angle"/>
+                <a:contourClr>
+                  <a:srgbClr val="000000"/>
+                </a:contourClr>
+              </a:sp3d>
+            </c:spPr>
+            <c:extLst>
+              <c:ext xmlns:c16="http://schemas.microsoft.com/office/drawing/2014/chart" uri="{C3380CC4-5D6E-409C-BE32-E72D297353CC}">
+                <c16:uniqueId val="{00000005-0731-4FAD-8A2E-D4AA66AD1324}"/>
+              </c:ext>
+            </c:extLst>
+          </c:dPt>
+          <c:dLbls>
+            <c:spPr>
+              <a:noFill/>
+              <a:ln>
+                <a:noFill/>
+              </a:ln>
+              <a:effectLst/>
+            </c:spPr>
+            <c:txPr>
+              <a:bodyPr rot="0" spcFirstLastPara="1" vertOverflow="ellipsis" vert="horz" wrap="square" lIns="38100" tIns="19050" rIns="38100" bIns="19050" anchor="ctr" anchorCtr="1">
+                <a:spAutoFit/>
+              </a:bodyPr>
+              <a:lstStyle/>
+              <a:p>
+                <a:pPr>
+                  <a:defRPr sz="1197" b="1" i="0" u="none" strike="noStrike" kern="1200" baseline="0">
+                    <a:solidFill>
+                      <a:schemeClr val="lt1"/>
+                    </a:solidFill>
+                    <a:latin typeface="+mn-lt"/>
+                    <a:ea typeface="+mn-ea"/>
+                    <a:cs typeface="+mn-cs"/>
+                  </a:defRPr>
+                </a:pPr>
+                <a:endParaRPr lang="fr-FR"/>
+              </a:p>
+            </c:txPr>
+            <c:dLblPos val="inEnd"/>
+            <c:showLegendKey val="0"/>
+            <c:showVal val="0"/>
+            <c:showCatName val="0"/>
+            <c:showSerName val="0"/>
+            <c:showPercent val="1"/>
+            <c:showBubbleSize val="0"/>
+            <c:showLeaderLines val="0"/>
+            <c:extLst>
+              <c:ext xmlns:c15="http://schemas.microsoft.com/office/drawing/2012/chart" uri="{CE6537A1-D6FC-4f65-9D91-7224C49458BB}"/>
+            </c:extLst>
+          </c:dLbls>
+          <c:cat>
+            <c:strRef>
+              <c:f>Sheet1!$A$2:$A$4</c:f>
+              <c:strCache>
+                <c:ptCount val="3"/>
+                <c:pt idx="0">
+                  <c:v>Réponse 1</c:v>
+                </c:pt>
+                <c:pt idx="1">
+                  <c:v>Réponse 2</c:v>
+                </c:pt>
+                <c:pt idx="2">
+                  <c:v>Réponse 3</c:v>
+                </c:pt>
+              </c:strCache>
+            </c:strRef>
+          </c:cat>
+          <c:val>
+            <c:numRef>
+              <c:f>Sheet1!$B$2:$B$4</c:f>
+              <c:numCache>
+                <c:formatCode>General</c:formatCode>
+                <c:ptCount val="3"/>
+                <c:pt idx="0">
+                  <c:v>1.8</c:v>
+                </c:pt>
+                <c:pt idx="1">
+                  <c:v>3</c:v>
+                </c:pt>
+                <c:pt idx="2">
+                  <c:v>6</c:v>
+                </c:pt>
+              </c:numCache>
+            </c:numRef>
+          </c:val>
+          <c:extLst>
+            <c:ext xmlns:c16="http://schemas.microsoft.com/office/drawing/2014/chart" uri="{C3380CC4-5D6E-409C-BE32-E72D297353CC}">
+              <c16:uniqueId val="{00000006-0731-4FAD-8A2E-D4AA66AD1324}"/>
+            </c:ext>
+          </c:extLst>
+        </c:ser>
+        <c:dLbls>
+          <c:dLblPos val="inEnd"/>
+          <c:showLegendKey val="0"/>
+          <c:showVal val="0"/>
+          <c:showCatName val="0"/>
+          <c:showSerName val="0"/>
+          <c:showPercent val="1"/>
+          <c:showBubbleSize val="0"/>
+          <c:showLeaderLines val="0"/>
+        </c:dLbls>
+        <c:firstSliceAng val="0"/>
+      </c:pieChart>
+      <c:spPr>
+        <a:noFill/>
+        <a:ln>
+          <a:noFill/>
+        </a:ln>
+        <a:effectLst/>
+      </c:spPr>
+    </c:plotArea>
+    <c:legend>
+      <c:legendPos val="t"/>
+      <c:overlay val="0"/>
+      <c:spPr>
+        <a:noFill/>
+        <a:ln>
+          <a:noFill/>
+        </a:ln>
+        <a:effectLst/>
+      </c:spPr>
+      <c:txPr>
+        <a:bodyPr rot="0" spcFirstLastPara="1" vertOverflow="ellipsis" vert="horz" wrap="square" anchor="ctr" anchorCtr="1"/>
+        <a:lstStyle/>
+        <a:p>
+          <a:pPr>
+            <a:defRPr sz="1197" b="0" i="0" u="none" strike="noStrike" kern="1200" baseline="0">
+              <a:solidFill>
+                <a:schemeClr val="tx1">
+                  <a:lumMod val="65000"/>
+                  <a:lumOff val="35000"/>
+                </a:schemeClr>
+              </a:solidFill>
+              <a:latin typeface="+mn-lt"/>
+              <a:ea typeface="+mn-ea"/>
+              <a:cs typeface="+mn-cs"/>
+            </a:defRPr>
+          </a:pPr>
+          <a:endParaRPr lang="fr-FR"/>
+        </a:p>
+      </c:txPr>
+    </c:legend>
+    <c:plotVisOnly val="1"/>
+    <c:dispBlanksAs val="zero"/>
+    <c:showDLblsOverMax val="0"/>
+  </c:chart>
+  <c:spPr>
+    <a:noFill/>
+    <a:ln>
+      <a:noFill/>
+    </a:ln>
+    <a:effectLst/>
+  </c:spPr>
+  <c:txPr>
+    <a:bodyPr/>
+    <a:lstStyle/>
+    <a:p>
+      <a:pPr>
+        <a:defRPr/>
+      </a:pPr>
+      <a:endParaRPr lang="fr-FR"/>
+    </a:p>
+  </c:txPr>
+  <c:externalData r:id="rId3">
+    <c:autoUpdate val="0"/>
+  </c:externalData>
+</c:chartSpace>
+</file>
+
+<file path=ppt/charts/chart2.xml><?xml version="1.0" encoding="utf-8"?>
+<c:chartSpace xmlns:c="http://schemas.openxmlformats.org/drawingml/2006/chart" xmlns:a="http://schemas.openxmlformats.org/drawingml/2006/main" xmlns:r="http://schemas.openxmlformats.org/officeDocument/2006/relationships" xmlns:c16r2="http://schemas.microsoft.com/office/drawing/2015/06/chart">
+  <c:date1904 val="0"/>
+  <c:lang val="fr-FR"/>
+  <c:roundedCorners val="0"/>
+  <mc:AlternateContent xmlns:mc="http://schemas.openxmlformats.org/markup-compatibility/2006">
+    <mc:Choice xmlns:c14="http://schemas.microsoft.com/office/drawing/2007/8/2/chart" Requires="c14">
+      <c14:style val="102"/>
+    </mc:Choice>
+    <mc:Fallback>
+      <c:style val="2"/>
+    </mc:Fallback>
+  </mc:AlternateContent>
+  <c:chart>
+    <c:autoTitleDeleted val="0"/>
+    <c:plotArea>
+      <c:layout>
+        <c:manualLayout>
+          <c:layoutTarget val="inner"/>
+          <c:xMode val="edge"/>
+          <c:yMode val="edge"/>
+          <c:x val="3.7858045445751658E-2"/>
+          <c:y val="0"/>
+          <c:w val="0.55464952134236511"/>
+          <c:h val="0.56756756756756754"/>
+        </c:manualLayout>
+      </c:layout>
+      <c:barChart>
+        <c:barDir val="bar"/>
+        <c:grouping val="clustered"/>
+        <c:varyColors val="0"/>
+        <c:ser>
+          <c:idx val="0"/>
+          <c:order val="0"/>
+          <c:tx>
+            <c:strRef>
+              <c:f>Sheet1!$B$1</c:f>
+              <c:strCache>
+                <c:ptCount val="1"/>
+                <c:pt idx="0">
+                  <c:v>Réponse 1</c:v>
+                </c:pt>
+              </c:strCache>
+            </c:strRef>
+          </c:tx>
+          <c:spPr>
+            <a:solidFill>
+              <a:schemeClr val="accent1"/>
+            </a:solidFill>
+            <a:ln>
+              <a:noFill/>
+            </a:ln>
+            <a:effectLst/>
+          </c:spPr>
+          <c:invertIfNegative val="0"/>
+          <c:cat>
+            <c:strRef>
+              <c:f>Sheet1!$A$2:$A$3</c:f>
+              <c:strCache>
+                <c:ptCount val="1"/>
+                <c:pt idx="0">
+                  <c:v>Pourcentage</c:v>
+                </c:pt>
+              </c:strCache>
+            </c:strRef>
+          </c:cat>
+          <c:val>
+            <c:numRef>
+              <c:f>Sheet1!$B$2:$B$3</c:f>
+              <c:numCache>
+                <c:formatCode>General</c:formatCode>
+                <c:ptCount val="2"/>
+                <c:pt idx="0">
+                  <c:v>1.3</c:v>
+                </c:pt>
+              </c:numCache>
+            </c:numRef>
+          </c:val>
+          <c:extLst>
+            <c:ext xmlns:c16="http://schemas.microsoft.com/office/drawing/2014/chart" uri="{C3380CC4-5D6E-409C-BE32-E72D297353CC}">
+              <c16:uniqueId val="{00000000-2E53-469B-85D6-D10C7D3FCFB3}"/>
+            </c:ext>
+          </c:extLst>
+        </c:ser>
+        <c:ser>
+          <c:idx val="1"/>
+          <c:order val="1"/>
+          <c:tx>
+            <c:strRef>
+              <c:f>Sheet1!$C$1</c:f>
+              <c:strCache>
+                <c:ptCount val="1"/>
+                <c:pt idx="0">
+                  <c:v>Réponse 2</c:v>
+                </c:pt>
+              </c:strCache>
+            </c:strRef>
+          </c:tx>
+          <c:spPr>
+            <a:solidFill>
+              <a:schemeClr val="accent2"/>
+            </a:solidFill>
+            <a:ln>
+              <a:noFill/>
+            </a:ln>
+            <a:effectLst/>
+          </c:spPr>
+          <c:invertIfNegative val="0"/>
+          <c:cat>
+            <c:strRef>
+              <c:f>Sheet1!$A$2:$A$3</c:f>
+              <c:strCache>
+                <c:ptCount val="1"/>
+                <c:pt idx="0">
+                  <c:v>Pourcentage</c:v>
+                </c:pt>
+              </c:strCache>
+            </c:strRef>
+          </c:cat>
+          <c:val>
+            <c:numRef>
+              <c:f>Sheet1!$C$2:$C$3</c:f>
+              <c:numCache>
+                <c:formatCode>General</c:formatCode>
+                <c:ptCount val="2"/>
+                <c:pt idx="0">
+                  <c:v>3</c:v>
+                </c:pt>
+              </c:numCache>
+            </c:numRef>
+          </c:val>
+          <c:extLst>
+            <c:ext xmlns:c16="http://schemas.microsoft.com/office/drawing/2014/chart" uri="{C3380CC4-5D6E-409C-BE32-E72D297353CC}">
+              <c16:uniqueId val="{00000001-2E53-469B-85D6-D10C7D3FCFB3}"/>
+            </c:ext>
+          </c:extLst>
+        </c:ser>
+        <c:ser>
+          <c:idx val="2"/>
+          <c:order val="2"/>
+          <c:tx>
+            <c:strRef>
+              <c:f>Sheet1!$D$1</c:f>
+              <c:strCache>
+                <c:ptCount val="1"/>
+                <c:pt idx="0">
+                  <c:v>Réponse 3</c:v>
+                </c:pt>
+              </c:strCache>
+            </c:strRef>
+          </c:tx>
+          <c:spPr>
+            <a:solidFill>
+              <a:schemeClr val="accent3"/>
+            </a:solidFill>
+            <a:ln>
+              <a:noFill/>
+            </a:ln>
+            <a:effectLst/>
+          </c:spPr>
+          <c:invertIfNegative val="0"/>
+          <c:cat>
+            <c:strRef>
+              <c:f>Sheet1!$A$2:$A$3</c:f>
+              <c:strCache>
+                <c:ptCount val="1"/>
+                <c:pt idx="0">
+                  <c:v>Pourcentage</c:v>
+                </c:pt>
+              </c:strCache>
+            </c:strRef>
+          </c:cat>
+          <c:val>
+            <c:numRef>
+              <c:f>Sheet1!$D$2:$D$3</c:f>
+              <c:numCache>
+                <c:formatCode>General</c:formatCode>
+                <c:ptCount val="2"/>
+                <c:pt idx="0">
+                  <c:v>6</c:v>
+                </c:pt>
+              </c:numCache>
+            </c:numRef>
+          </c:val>
+          <c:extLst>
+            <c:ext xmlns:c16="http://schemas.microsoft.com/office/drawing/2014/chart" uri="{C3380CC4-5D6E-409C-BE32-E72D297353CC}">
+              <c16:uniqueId val="{00000002-2E53-469B-85D6-D10C7D3FCFB3}"/>
+            </c:ext>
+          </c:extLst>
+        </c:ser>
+        <c:dLbls>
+          <c:showLegendKey val="0"/>
+          <c:showVal val="0"/>
+          <c:showCatName val="0"/>
+          <c:showSerName val="0"/>
+          <c:showPercent val="0"/>
+          <c:showBubbleSize val="0"/>
+        </c:dLbls>
+        <c:gapWidth val="150"/>
+        <c:axId val="80403840"/>
+        <c:axId val="82439168"/>
+      </c:barChart>
+      <c:catAx>
+        <c:axId val="80403840"/>
+        <c:scaling>
+          <c:orientation val="minMax"/>
+        </c:scaling>
+        <c:delete val="1"/>
+        <c:axPos val="l"/>
+        <c:numFmt formatCode="General" sourceLinked="0"/>
+        <c:majorTickMark val="none"/>
+        <c:minorTickMark val="none"/>
+        <c:tickLblPos val="none"/>
+        <c:crossAx val="82439168"/>
+        <c:crosses val="autoZero"/>
+        <c:auto val="1"/>
+        <c:lblAlgn val="ctr"/>
+        <c:lblOffset val="100"/>
+        <c:noMultiLvlLbl val="0"/>
+      </c:catAx>
+      <c:valAx>
+        <c:axId val="82439168"/>
+        <c:scaling>
+          <c:orientation val="minMax"/>
+        </c:scaling>
+        <c:delete val="1"/>
+        <c:axPos val="b"/>
+        <c:numFmt formatCode="General" sourceLinked="1"/>
+        <c:majorTickMark val="none"/>
+        <c:minorTickMark val="none"/>
+        <c:tickLblPos val="none"/>
+        <c:crossAx val="80403840"/>
+        <c:crosses val="autoZero"/>
+        <c:crossBetween val="between"/>
+        <c:majorUnit val="1"/>
+      </c:valAx>
+      <c:spPr>
+        <a:noFill/>
+        <a:ln>
+          <a:noFill/>
+        </a:ln>
+        <a:effectLst/>
+      </c:spPr>
+    </c:plotArea>
+    <c:legend>
+      <c:legendPos val="r"/>
+      <c:legendEntry>
+        <c:idx val="0"/>
+        <c:txPr>
+          <a:bodyPr rot="0" spcFirstLastPara="1" vertOverflow="ellipsis" vert="horz" wrap="square" anchor="ctr" anchorCtr="1"/>
+          <a:lstStyle/>
+          <a:p>
+            <a:pPr>
+              <a:defRPr sz="1500" b="0" i="0" u="none" strike="noStrike" kern="1200" baseline="0">
+                <a:solidFill>
+                  <a:schemeClr val="tx1"/>
+                </a:solidFill>
+                <a:latin typeface="+mn-lt"/>
+                <a:ea typeface="+mn-ea"/>
+                <a:cs typeface="+mn-cs"/>
+              </a:defRPr>
+            </a:pPr>
+            <a:endParaRPr lang="fr-FR"/>
+          </a:p>
+        </c:txPr>
+      </c:legendEntry>
+      <c:legendEntry>
+        <c:idx val="1"/>
+        <c:txPr>
+          <a:bodyPr rot="0" spcFirstLastPara="1" vertOverflow="ellipsis" vert="horz" wrap="square" anchor="ctr" anchorCtr="1"/>
+          <a:lstStyle/>
+          <a:p>
+            <a:pPr>
+              <a:defRPr sz="1500" b="0" i="0" u="none" strike="noStrike" kern="1200" baseline="0">
+                <a:solidFill>
+                  <a:schemeClr val="tx1"/>
+                </a:solidFill>
+                <a:latin typeface="+mn-lt"/>
+                <a:ea typeface="+mn-ea"/>
+                <a:cs typeface="+mn-cs"/>
+              </a:defRPr>
+            </a:pPr>
+            <a:endParaRPr lang="fr-FR"/>
+          </a:p>
+        </c:txPr>
+      </c:legendEntry>
+      <c:legendEntry>
+        <c:idx val="2"/>
+        <c:txPr>
+          <a:bodyPr rot="0" spcFirstLastPara="1" vertOverflow="ellipsis" vert="horz" wrap="square" anchor="ctr" anchorCtr="1"/>
+          <a:lstStyle/>
+          <a:p>
+            <a:pPr>
+              <a:defRPr sz="1500" b="0" i="0" u="none" strike="noStrike" kern="1200" baseline="0">
+                <a:solidFill>
+                  <a:schemeClr val="tx1"/>
+                </a:solidFill>
+                <a:latin typeface="+mn-lt"/>
+                <a:ea typeface="+mn-ea"/>
+                <a:cs typeface="+mn-cs"/>
+              </a:defRPr>
+            </a:pPr>
+            <a:endParaRPr lang="fr-FR"/>
+          </a:p>
+        </c:txPr>
+      </c:legendEntry>
+      <c:layout>
+        <c:manualLayout>
+          <c:xMode val="edge"/>
+          <c:yMode val="edge"/>
+          <c:x val="4.9444395921227846E-2"/>
+          <c:y val="0.5931126881760227"/>
+          <c:w val="0.3258978542238698"/>
+          <c:h val="0.34021410660917673"/>
+        </c:manualLayout>
+      </c:layout>
+      <c:overlay val="0"/>
+      <c:spPr>
+        <a:noFill/>
+        <a:ln>
+          <a:noFill/>
+        </a:ln>
+        <a:effectLst/>
+      </c:spPr>
+      <c:txPr>
+        <a:bodyPr rot="0" spcFirstLastPara="1" vertOverflow="ellipsis" vert="horz" wrap="square" anchor="ctr" anchorCtr="1"/>
+        <a:lstStyle/>
+        <a:p>
+          <a:pPr>
+            <a:defRPr sz="1800" b="0" i="0" u="none" strike="noStrike" kern="1200" baseline="0">
+              <a:solidFill>
+                <a:schemeClr val="tx1"/>
+              </a:solidFill>
+              <a:latin typeface="+mn-lt"/>
+              <a:ea typeface="+mn-ea"/>
+              <a:cs typeface="+mn-cs"/>
+            </a:defRPr>
+          </a:pPr>
+          <a:endParaRPr lang="fr-FR"/>
+        </a:p>
+      </c:txPr>
+    </c:legend>
+    <c:plotVisOnly val="1"/>
+    <c:dispBlanksAs val="gap"/>
+    <c:showDLblsOverMax val="0"/>
+  </c:chart>
+  <c:spPr>
+    <a:solidFill>
+      <a:sysClr val="window" lastClr="FFFFFF"/>
+    </a:solidFill>
+    <a:ln w="6350" cap="flat" cmpd="sng" algn="ctr">
+      <a:noFill/>
+      <a:prstDash val="solid"/>
+      <a:miter lim="800000"/>
+    </a:ln>
+    <a:effectLst/>
+  </c:spPr>
+  <c:txPr>
+    <a:bodyPr/>
+    <a:lstStyle/>
+    <a:p>
+      <a:pPr>
+        <a:defRPr sz="1800"/>
+      </a:pPr>
+      <a:endParaRPr lang="fr-FR"/>
+    </a:p>
+  </c:txPr>
+  <c:externalData r:id="rId3">
+    <c:autoUpdate val="0"/>
+  </c:externalData>
+</c:chartSpace>
+</file>
+
+<file path=ppt/charts/chart3.xml><?xml version="1.0" encoding="utf-8"?>
 <c:chartSpace xmlns:c="http://schemas.openxmlformats.org/drawingml/2006/chart" xmlns:a="http://schemas.openxmlformats.org/drawingml/2006/main" xmlns:r="http://schemas.openxmlformats.org/officeDocument/2006/relationships" xmlns:c16r2="http://schemas.microsoft.com/office/drawing/2015/06/chart">
   <c:date1904 val="0"/>
   <c:lang val="fr-FR"/>
@@ -332,7 +980,7 @@
 </c:chartSpace>
 </file>
 
-<file path=ppt/charts/chart2.xml><?xml version="1.0" encoding="utf-8"?>
+<file path=ppt/charts/chart4.xml><?xml version="1.0" encoding="utf-8"?>
 <c:chartSpace xmlns:c="http://schemas.openxmlformats.org/drawingml/2006/chart" xmlns:a="http://schemas.openxmlformats.org/drawingml/2006/main" xmlns:r="http://schemas.openxmlformats.org/officeDocument/2006/relationships" xmlns:c16r2="http://schemas.microsoft.com/office/drawing/2015/06/chart">
   <c:date1904 val="0"/>
   <c:lang val="fr-FR"/>
@@ -635,6 +1283,1043 @@
 </c:chartSpace>
 </file>
 
+<file path=ppt/charts/colors1.xml><?xml version="1.0" encoding="utf-8"?>
+<cs:colorStyle xmlns:cs="http://schemas.microsoft.com/office/drawing/2012/chartStyle" xmlns:a="http://schemas.openxmlformats.org/drawingml/2006/main" meth="cycle" id="10">
+  <a:schemeClr val="accent1"/>
+  <a:schemeClr val="accent2"/>
+  <a:schemeClr val="accent3"/>
+  <a:schemeClr val="accent4"/>
+  <a:schemeClr val="accent5"/>
+  <a:schemeClr val="accent6"/>
+  <cs:variation/>
+  <cs:variation>
+    <a:lumMod val="60000"/>
+  </cs:variation>
+  <cs:variation>
+    <a:lumMod val="80000"/>
+    <a:lumOff val="20000"/>
+  </cs:variation>
+  <cs:variation>
+    <a:lumMod val="80000"/>
+  </cs:variation>
+  <cs:variation>
+    <a:lumMod val="60000"/>
+    <a:lumOff val="40000"/>
+  </cs:variation>
+  <cs:variation>
+    <a:lumMod val="50000"/>
+  </cs:variation>
+  <cs:variation>
+    <a:lumMod val="70000"/>
+    <a:lumOff val="30000"/>
+  </cs:variation>
+  <cs:variation>
+    <a:lumMod val="70000"/>
+  </cs:variation>
+  <cs:variation>
+    <a:lumMod val="50000"/>
+    <a:lumOff val="50000"/>
+  </cs:variation>
+</cs:colorStyle>
+</file>
+
+<file path=ppt/charts/colors2.xml><?xml version="1.0" encoding="utf-8"?>
+<cs:colorStyle xmlns:cs="http://schemas.microsoft.com/office/drawing/2012/chartStyle" xmlns:a="http://schemas.openxmlformats.org/drawingml/2006/main" meth="cycle" id="10">
+  <a:schemeClr val="accent1"/>
+  <a:schemeClr val="accent2"/>
+  <a:schemeClr val="accent3"/>
+  <a:schemeClr val="accent4"/>
+  <a:schemeClr val="accent5"/>
+  <a:schemeClr val="accent6"/>
+  <cs:variation/>
+  <cs:variation>
+    <a:lumMod val="60000"/>
+  </cs:variation>
+  <cs:variation>
+    <a:lumMod val="80000"/>
+    <a:lumOff val="20000"/>
+  </cs:variation>
+  <cs:variation>
+    <a:lumMod val="80000"/>
+  </cs:variation>
+  <cs:variation>
+    <a:lumMod val="60000"/>
+    <a:lumOff val="40000"/>
+  </cs:variation>
+  <cs:variation>
+    <a:lumMod val="50000"/>
+  </cs:variation>
+  <cs:variation>
+    <a:lumMod val="70000"/>
+    <a:lumOff val="30000"/>
+  </cs:variation>
+  <cs:variation>
+    <a:lumMod val="70000"/>
+  </cs:variation>
+  <cs:variation>
+    <a:lumMod val="50000"/>
+    <a:lumOff val="50000"/>
+  </cs:variation>
+</cs:colorStyle>
+</file>
+
+<file path=ppt/charts/style1.xml><?xml version="1.0" encoding="utf-8"?>
+<cs:chartStyle xmlns:cs="http://schemas.microsoft.com/office/drawing/2012/chartStyle" xmlns:a="http://schemas.openxmlformats.org/drawingml/2006/main" id="258">
+  <cs:axisTitle>
+    <cs:lnRef idx="0"/>
+    <cs:fillRef idx="0"/>
+    <cs:effectRef idx="0"/>
+    <cs:fontRef idx="minor">
+      <a:schemeClr val="tx1">
+        <a:lumMod val="65000"/>
+        <a:lumOff val="35000"/>
+      </a:schemeClr>
+    </cs:fontRef>
+    <cs:defRPr sz="1197" kern="1200"/>
+  </cs:axisTitle>
+  <cs:categoryAxis>
+    <cs:lnRef idx="0"/>
+    <cs:fillRef idx="0"/>
+    <cs:effectRef idx="0"/>
+    <cs:fontRef idx="minor">
+      <a:schemeClr val="tx1">
+        <a:lumMod val="65000"/>
+        <a:lumOff val="35000"/>
+      </a:schemeClr>
+    </cs:fontRef>
+    <cs:defRPr sz="1197" kern="1200"/>
+  </cs:categoryAxis>
+  <cs:chartArea mods="allowNoFillOverride allowNoLineOverride">
+    <cs:lnRef idx="0"/>
+    <cs:fillRef idx="0"/>
+    <cs:effectRef idx="0"/>
+    <cs:fontRef idx="minor">
+      <a:schemeClr val="tx1"/>
+    </cs:fontRef>
+    <cs:spPr>
+      <a:solidFill>
+        <a:schemeClr val="bg1"/>
+      </a:solidFill>
+      <a:ln w="9525" cap="flat" cmpd="sng" algn="ctr">
+        <a:solidFill>
+          <a:schemeClr val="tx1">
+            <a:lumMod val="15000"/>
+            <a:lumOff val="85000"/>
+          </a:schemeClr>
+        </a:solidFill>
+        <a:round/>
+      </a:ln>
+    </cs:spPr>
+    <cs:defRPr sz="1197" kern="1200"/>
+  </cs:chartArea>
+  <cs:dataLabel>
+    <cs:lnRef idx="0"/>
+    <cs:fillRef idx="0"/>
+    <cs:effectRef idx="0"/>
+    <cs:fontRef idx="minor">
+      <a:schemeClr val="lt1"/>
+    </cs:fontRef>
+    <cs:defRPr sz="1197" b="1" kern="1200"/>
+  </cs:dataLabel>
+  <cs:dataLabelCallout>
+    <cs:lnRef idx="0"/>
+    <cs:fillRef idx="0"/>
+    <cs:effectRef idx="0"/>
+    <cs:fontRef idx="minor">
+      <a:schemeClr val="dk1">
+        <a:lumMod val="65000"/>
+        <a:lumOff val="35000"/>
+      </a:schemeClr>
+    </cs:fontRef>
+    <cs:spPr>
+      <a:solidFill>
+        <a:schemeClr val="lt1"/>
+      </a:solidFill>
+      <a:ln>
+        <a:solidFill>
+          <a:schemeClr val="dk1">
+            <a:lumMod val="25000"/>
+            <a:lumOff val="75000"/>
+          </a:schemeClr>
+        </a:solidFill>
+      </a:ln>
+    </cs:spPr>
+    <cs:defRPr sz="1197" kern="1200"/>
+    <cs:bodyPr rot="0" spcFirstLastPara="1" vertOverflow="clip" horzOverflow="clip" vert="horz" wrap="square" lIns="36576" tIns="18288" rIns="36576" bIns="18288" anchor="ctr" anchorCtr="1">
+      <a:spAutoFit/>
+    </cs:bodyPr>
+  </cs:dataLabelCallout>
+  <cs:dataPoint>
+    <cs:lnRef idx="0"/>
+    <cs:fillRef idx="0">
+      <cs:styleClr val="auto"/>
+    </cs:fillRef>
+    <cs:effectRef idx="0"/>
+    <cs:fontRef idx="minor">
+      <a:schemeClr val="tx1"/>
+    </cs:fontRef>
+    <cs:spPr>
+      <a:solidFill>
+        <a:schemeClr val="phClr"/>
+      </a:solidFill>
+      <a:scene3d>
+        <a:camera prst="orthographicFront"/>
+        <a:lightRig rig="brightRoom" dir="t"/>
+      </a:scene3d>
+      <a:sp3d prstMaterial="flat">
+        <a:bevelT w="50800" h="101600" prst="angle"/>
+        <a:contourClr>
+          <a:srgbClr val="000000"/>
+        </a:contourClr>
+      </a:sp3d>
+    </cs:spPr>
+  </cs:dataPoint>
+  <cs:dataPoint3D>
+    <cs:lnRef idx="0"/>
+    <cs:fillRef idx="0">
+      <cs:styleClr val="auto"/>
+    </cs:fillRef>
+    <cs:effectRef idx="0"/>
+    <cs:fontRef idx="minor">
+      <a:schemeClr val="tx1"/>
+    </cs:fontRef>
+    <cs:spPr>
+      <a:solidFill>
+        <a:schemeClr val="phClr"/>
+      </a:solidFill>
+      <a:ln w="19050">
+        <a:solidFill>
+          <a:schemeClr val="lt1"/>
+        </a:solidFill>
+      </a:ln>
+    </cs:spPr>
+  </cs:dataPoint3D>
+  <cs:dataPointLine>
+    <cs:lnRef idx="0">
+      <cs:styleClr val="auto"/>
+    </cs:lnRef>
+    <cs:fillRef idx="0"/>
+    <cs:effectRef idx="0"/>
+    <cs:fontRef idx="minor">
+      <a:schemeClr val="tx1"/>
+    </cs:fontRef>
+    <cs:spPr>
+      <a:ln w="28575" cap="rnd">
+        <a:solidFill>
+          <a:schemeClr val="phClr"/>
+        </a:solidFill>
+        <a:round/>
+      </a:ln>
+    </cs:spPr>
+  </cs:dataPointLine>
+  <cs:dataPointMarker>
+    <cs:lnRef idx="0"/>
+    <cs:fillRef idx="0">
+      <cs:styleClr val="auto"/>
+    </cs:fillRef>
+    <cs:effectRef idx="0"/>
+    <cs:fontRef idx="minor">
+      <a:schemeClr val="tx1"/>
+    </cs:fontRef>
+    <cs:spPr>
+      <a:solidFill>
+        <a:schemeClr val="phClr"/>
+      </a:solidFill>
+      <a:ln w="9525">
+        <a:solidFill>
+          <a:schemeClr val="lt1"/>
+        </a:solidFill>
+      </a:ln>
+    </cs:spPr>
+  </cs:dataPointMarker>
+  <cs:dataPointMarkerLayout symbol="circle" size="6"/>
+  <cs:dataPointWireframe>
+    <cs:lnRef idx="0">
+      <cs:styleClr val="auto"/>
+    </cs:lnRef>
+    <cs:fillRef idx="0"/>
+    <cs:effectRef idx="0"/>
+    <cs:fontRef idx="minor">
+      <a:schemeClr val="tx1"/>
+    </cs:fontRef>
+    <cs:spPr>
+      <a:ln w="9525" cap="rnd">
+        <a:solidFill>
+          <a:schemeClr val="phClr"/>
+        </a:solidFill>
+        <a:round/>
+      </a:ln>
+    </cs:spPr>
+  </cs:dataPointWireframe>
+  <cs:dataTable>
+    <cs:lnRef idx="0"/>
+    <cs:fillRef idx="0"/>
+    <cs:effectRef idx="0"/>
+    <cs:fontRef idx="minor">
+      <a:schemeClr val="tx1">
+        <a:lumMod val="65000"/>
+        <a:lumOff val="35000"/>
+      </a:schemeClr>
+    </cs:fontRef>
+    <cs:spPr>
+      <a:noFill/>
+      <a:ln w="9525" cap="flat" cmpd="sng" algn="ctr">
+        <a:solidFill>
+          <a:schemeClr val="tx1">
+            <a:lumMod val="15000"/>
+            <a:lumOff val="85000"/>
+          </a:schemeClr>
+        </a:solidFill>
+        <a:round/>
+      </a:ln>
+    </cs:spPr>
+    <cs:defRPr sz="1197" kern="1200"/>
+  </cs:dataTable>
+  <cs:downBar>
+    <cs:lnRef idx="0"/>
+    <cs:fillRef idx="0"/>
+    <cs:effectRef idx="0"/>
+    <cs:fontRef idx="minor">
+      <a:schemeClr val="tx1"/>
+    </cs:fontRef>
+    <cs:spPr>
+      <a:solidFill>
+        <a:schemeClr val="dk1">
+          <a:lumMod val="75000"/>
+          <a:lumOff val="25000"/>
+        </a:schemeClr>
+      </a:solidFill>
+      <a:ln w="9525" cap="flat" cmpd="sng" algn="ctr">
+        <a:solidFill>
+          <a:schemeClr val="tx1">
+            <a:lumMod val="65000"/>
+            <a:lumOff val="35000"/>
+          </a:schemeClr>
+        </a:solidFill>
+        <a:round/>
+      </a:ln>
+    </cs:spPr>
+  </cs:downBar>
+  <cs:dropLine>
+    <cs:lnRef idx="0"/>
+    <cs:fillRef idx="0"/>
+    <cs:effectRef idx="0"/>
+    <cs:fontRef idx="minor">
+      <a:schemeClr val="tx1"/>
+    </cs:fontRef>
+    <cs:spPr>
+      <a:ln w="9525" cap="flat" cmpd="sng" algn="ctr">
+        <a:solidFill>
+          <a:schemeClr val="tx1">
+            <a:lumMod val="35000"/>
+            <a:lumOff val="65000"/>
+          </a:schemeClr>
+        </a:solidFill>
+        <a:round/>
+      </a:ln>
+    </cs:spPr>
+  </cs:dropLine>
+  <cs:errorBar>
+    <cs:lnRef idx="0"/>
+    <cs:fillRef idx="0"/>
+    <cs:effectRef idx="0"/>
+    <cs:fontRef idx="minor">
+      <a:schemeClr val="tx1"/>
+    </cs:fontRef>
+    <cs:spPr>
+      <a:ln w="9525" cap="flat" cmpd="sng" algn="ctr">
+        <a:solidFill>
+          <a:schemeClr val="tx1">
+            <a:lumMod val="65000"/>
+            <a:lumOff val="35000"/>
+          </a:schemeClr>
+        </a:solidFill>
+        <a:round/>
+      </a:ln>
+    </cs:spPr>
+  </cs:errorBar>
+  <cs:floor>
+    <cs:lnRef idx="0"/>
+    <cs:fillRef idx="0"/>
+    <cs:effectRef idx="0"/>
+    <cs:fontRef idx="minor">
+      <a:schemeClr val="tx1"/>
+    </cs:fontRef>
+    <cs:spPr>
+      <a:noFill/>
+      <a:ln>
+        <a:noFill/>
+      </a:ln>
+    </cs:spPr>
+  </cs:floor>
+  <cs:gridlineMajor>
+    <cs:lnRef idx="0"/>
+    <cs:fillRef idx="0"/>
+    <cs:effectRef idx="0"/>
+    <cs:fontRef idx="minor">
+      <a:schemeClr val="tx1"/>
+    </cs:fontRef>
+    <cs:spPr>
+      <a:ln w="9525" cap="flat" cmpd="sng" algn="ctr">
+        <a:solidFill>
+          <a:schemeClr val="tx1">
+            <a:lumMod val="15000"/>
+            <a:lumOff val="85000"/>
+          </a:schemeClr>
+        </a:solidFill>
+        <a:round/>
+      </a:ln>
+    </cs:spPr>
+  </cs:gridlineMajor>
+  <cs:gridlineMinor>
+    <cs:lnRef idx="0"/>
+    <cs:fillRef idx="0"/>
+    <cs:effectRef idx="0"/>
+    <cs:fontRef idx="minor">
+      <a:schemeClr val="tx1"/>
+    </cs:fontRef>
+    <cs:spPr>
+      <a:ln w="9525" cap="flat" cmpd="sng" algn="ctr">
+        <a:solidFill>
+          <a:schemeClr val="tx1">
+            <a:lumMod val="5000"/>
+            <a:lumOff val="95000"/>
+          </a:schemeClr>
+        </a:solidFill>
+        <a:round/>
+      </a:ln>
+    </cs:spPr>
+  </cs:gridlineMinor>
+  <cs:hiLoLine>
+    <cs:lnRef idx="0"/>
+    <cs:fillRef idx="0"/>
+    <cs:effectRef idx="0"/>
+    <cs:fontRef idx="minor">
+      <a:schemeClr val="tx1"/>
+    </cs:fontRef>
+    <cs:spPr>
+      <a:ln w="9525" cap="flat" cmpd="sng" algn="ctr">
+        <a:solidFill>
+          <a:schemeClr val="tx1">
+            <a:lumMod val="50000"/>
+            <a:lumOff val="50000"/>
+          </a:schemeClr>
+        </a:solidFill>
+        <a:round/>
+      </a:ln>
+    </cs:spPr>
+  </cs:hiLoLine>
+  <cs:leaderLine>
+    <cs:lnRef idx="0"/>
+    <cs:fillRef idx="0"/>
+    <cs:effectRef idx="0"/>
+    <cs:fontRef idx="minor">
+      <a:schemeClr val="tx1"/>
+    </cs:fontRef>
+    <cs:spPr>
+      <a:ln w="9525" cap="flat" cmpd="sng" algn="ctr">
+        <a:solidFill>
+          <a:schemeClr val="tx1">
+            <a:lumMod val="35000"/>
+            <a:lumOff val="65000"/>
+          </a:schemeClr>
+        </a:solidFill>
+        <a:round/>
+      </a:ln>
+    </cs:spPr>
+  </cs:leaderLine>
+  <cs:legend>
+    <cs:lnRef idx="0"/>
+    <cs:fillRef idx="0"/>
+    <cs:effectRef idx="0"/>
+    <cs:fontRef idx="minor">
+      <a:schemeClr val="tx1">
+        <a:lumMod val="65000"/>
+        <a:lumOff val="35000"/>
+      </a:schemeClr>
+    </cs:fontRef>
+    <cs:defRPr sz="1197" kern="1200"/>
+  </cs:legend>
+  <cs:plotArea mods="allowNoFillOverride allowNoLineOverride">
+    <cs:lnRef idx="0"/>
+    <cs:fillRef idx="0"/>
+    <cs:effectRef idx="0"/>
+    <cs:fontRef idx="minor">
+      <a:schemeClr val="tx1"/>
+    </cs:fontRef>
+  </cs:plotArea>
+  <cs:plotArea3D mods="allowNoFillOverride allowNoLineOverride">
+    <cs:lnRef idx="0"/>
+    <cs:fillRef idx="0"/>
+    <cs:effectRef idx="0"/>
+    <cs:fontRef idx="minor">
+      <a:schemeClr val="tx1"/>
+    </cs:fontRef>
+  </cs:plotArea3D>
+  <cs:seriesAxis>
+    <cs:lnRef idx="0"/>
+    <cs:fillRef idx="0"/>
+    <cs:effectRef idx="0"/>
+    <cs:fontRef idx="minor">
+      <a:schemeClr val="tx1">
+        <a:lumMod val="65000"/>
+        <a:lumOff val="35000"/>
+      </a:schemeClr>
+    </cs:fontRef>
+    <cs:defRPr sz="1197" kern="1200"/>
+  </cs:seriesAxis>
+  <cs:seriesLine>
+    <cs:lnRef idx="0"/>
+    <cs:fillRef idx="0"/>
+    <cs:effectRef idx="0"/>
+    <cs:fontRef idx="minor">
+      <a:schemeClr val="tx1"/>
+    </cs:fontRef>
+    <cs:spPr>
+      <a:ln w="9525" cap="flat" cmpd="sng" algn="ctr">
+        <a:solidFill>
+          <a:schemeClr val="tx1">
+            <a:lumMod val="35000"/>
+            <a:lumOff val="65000"/>
+          </a:schemeClr>
+        </a:solidFill>
+        <a:round/>
+      </a:ln>
+    </cs:spPr>
+  </cs:seriesLine>
+  <cs:title>
+    <cs:lnRef idx="0"/>
+    <cs:fillRef idx="0"/>
+    <cs:effectRef idx="0"/>
+    <cs:fontRef idx="minor">
+      <a:schemeClr val="tx1">
+        <a:lumMod val="65000"/>
+        <a:lumOff val="35000"/>
+      </a:schemeClr>
+    </cs:fontRef>
+    <cs:defRPr sz="1862" b="1" i="0" kern="1200" cap="all" spc="50" baseline="0"/>
+  </cs:title>
+  <cs:trendline>
+    <cs:lnRef idx="0">
+      <cs:styleClr val="auto"/>
+    </cs:lnRef>
+    <cs:fillRef idx="0"/>
+    <cs:effectRef idx="0"/>
+    <cs:fontRef idx="minor">
+      <a:schemeClr val="tx1"/>
+    </cs:fontRef>
+    <cs:spPr>
+      <a:ln w="19050" cap="rnd">
+        <a:solidFill>
+          <a:schemeClr val="phClr"/>
+        </a:solidFill>
+        <a:prstDash val="sysDash"/>
+      </a:ln>
+    </cs:spPr>
+  </cs:trendline>
+  <cs:trendlineLabel>
+    <cs:lnRef idx="0"/>
+    <cs:fillRef idx="0"/>
+    <cs:effectRef idx="0"/>
+    <cs:fontRef idx="minor">
+      <a:schemeClr val="tx1">
+        <a:lumMod val="65000"/>
+        <a:lumOff val="35000"/>
+      </a:schemeClr>
+    </cs:fontRef>
+    <cs:defRPr sz="1197" kern="1200"/>
+  </cs:trendlineLabel>
+  <cs:upBar>
+    <cs:lnRef idx="0"/>
+    <cs:fillRef idx="0"/>
+    <cs:effectRef idx="0"/>
+    <cs:fontRef idx="minor">
+      <a:schemeClr val="tx1"/>
+    </cs:fontRef>
+    <cs:spPr>
+      <a:solidFill>
+        <a:schemeClr val="lt1"/>
+      </a:solidFill>
+      <a:ln w="9525" cap="flat" cmpd="sng" algn="ctr">
+        <a:solidFill>
+          <a:schemeClr val="tx1">
+            <a:lumMod val="65000"/>
+            <a:lumOff val="35000"/>
+          </a:schemeClr>
+        </a:solidFill>
+        <a:round/>
+      </a:ln>
+    </cs:spPr>
+  </cs:upBar>
+  <cs:valueAxis>
+    <cs:lnRef idx="0"/>
+    <cs:fillRef idx="0"/>
+    <cs:effectRef idx="0"/>
+    <cs:fontRef idx="minor">
+      <a:schemeClr val="tx1">
+        <a:lumMod val="65000"/>
+        <a:lumOff val="35000"/>
+      </a:schemeClr>
+    </cs:fontRef>
+    <cs:defRPr sz="1197" kern="1200"/>
+  </cs:valueAxis>
+  <cs:wall>
+    <cs:lnRef idx="0"/>
+    <cs:fillRef idx="0"/>
+    <cs:effectRef idx="0"/>
+    <cs:fontRef idx="minor">
+      <a:schemeClr val="tx1"/>
+    </cs:fontRef>
+    <cs:spPr>
+      <a:noFill/>
+      <a:ln>
+        <a:noFill/>
+      </a:ln>
+    </cs:spPr>
+  </cs:wall>
+</cs:chartStyle>
+</file>
+
+<file path=ppt/charts/style2.xml><?xml version="1.0" encoding="utf-8"?>
+<cs:chartStyle xmlns:cs="http://schemas.microsoft.com/office/drawing/2012/chartStyle" xmlns:a="http://schemas.openxmlformats.org/drawingml/2006/main" id="102">
+  <cs:axisTitle>
+    <cs:lnRef idx="0"/>
+    <cs:fillRef idx="0"/>
+    <cs:effectRef idx="0"/>
+    <cs:fontRef idx="minor">
+      <a:schemeClr val="tx1"/>
+    </cs:fontRef>
+    <cs:defRPr sz="1000" b="1" kern="1200"/>
+  </cs:axisTitle>
+  <cs:categoryAxis>
+    <cs:lnRef idx="1">
+      <a:schemeClr val="tx1">
+        <a:tint val="75000"/>
+      </a:schemeClr>
+    </cs:lnRef>
+    <cs:fillRef idx="0"/>
+    <cs:effectRef idx="0"/>
+    <cs:fontRef idx="minor">
+      <a:schemeClr val="tx1"/>
+    </cs:fontRef>
+    <cs:spPr>
+      <a:ln>
+        <a:round/>
+      </a:ln>
+    </cs:spPr>
+    <cs:defRPr sz="1000" kern="1200"/>
+  </cs:categoryAxis>
+  <cs:chartArea mods="allowNoFillOverride allowNoLineOverride">
+    <cs:lnRef idx="1">
+      <a:schemeClr val="tx1">
+        <a:tint val="75000"/>
+      </a:schemeClr>
+    </cs:lnRef>
+    <cs:fillRef idx="1">
+      <a:schemeClr val="bg1"/>
+    </cs:fillRef>
+    <cs:effectRef idx="0"/>
+    <cs:fontRef idx="minor">
+      <a:schemeClr val="tx1"/>
+    </cs:fontRef>
+    <cs:spPr>
+      <a:ln>
+        <a:round/>
+      </a:ln>
+    </cs:spPr>
+    <cs:defRPr sz="1000" kern="1200"/>
+  </cs:chartArea>
+  <cs:dataLabel>
+    <cs:lnRef idx="0"/>
+    <cs:fillRef idx="0"/>
+    <cs:effectRef idx="0"/>
+    <cs:fontRef idx="minor">
+      <a:schemeClr val="tx1"/>
+    </cs:fontRef>
+    <cs:defRPr sz="1000" kern="1200"/>
+  </cs:dataLabel>
+  <cs:dataLabelCallout>
+    <cs:lnRef idx="0"/>
+    <cs:fillRef idx="0"/>
+    <cs:effectRef idx="0"/>
+    <cs:fontRef idx="minor">
+      <a:schemeClr val="dk1"/>
+    </cs:fontRef>
+    <cs:spPr>
+      <a:solidFill>
+        <a:schemeClr val="lt1"/>
+      </a:solidFill>
+      <a:ln>
+        <a:solidFill>
+          <a:schemeClr val="dk1">
+            <a:lumMod val="65000"/>
+            <a:lumOff val="35000"/>
+          </a:schemeClr>
+        </a:solidFill>
+      </a:ln>
+    </cs:spPr>
+    <cs:defRPr sz="1000" kern="1200"/>
+  </cs:dataLabelCallout>
+  <cs:dataPoint>
+    <cs:lnRef idx="0"/>
+    <cs:fillRef idx="1">
+      <cs:styleClr val="auto"/>
+    </cs:fillRef>
+    <cs:effectRef idx="0"/>
+    <cs:fontRef idx="minor">
+      <a:schemeClr val="tx1"/>
+    </cs:fontRef>
+  </cs:dataPoint>
+  <cs:dataPoint3D>
+    <cs:lnRef idx="0"/>
+    <cs:fillRef idx="1">
+      <cs:styleClr val="auto"/>
+    </cs:fillRef>
+    <cs:effectRef idx="0"/>
+    <cs:fontRef idx="minor">
+      <a:schemeClr val="tx1"/>
+    </cs:fontRef>
+  </cs:dataPoint3D>
+  <cs:dataPointLine>
+    <cs:lnRef idx="1">
+      <cs:styleClr val="auto"/>
+    </cs:lnRef>
+    <cs:lineWidthScale>3</cs:lineWidthScale>
+    <cs:fillRef idx="0"/>
+    <cs:effectRef idx="0"/>
+    <cs:fontRef idx="minor">
+      <a:schemeClr val="tx1"/>
+    </cs:fontRef>
+    <cs:spPr>
+      <a:ln cap="rnd">
+        <a:round/>
+      </a:ln>
+    </cs:spPr>
+  </cs:dataPointLine>
+  <cs:dataPointMarker>
+    <cs:lnRef idx="1">
+      <cs:styleClr val="auto"/>
+    </cs:lnRef>
+    <cs:fillRef idx="1">
+      <cs:styleClr val="auto"/>
+    </cs:fillRef>
+    <cs:effectRef idx="0"/>
+    <cs:fontRef idx="minor">
+      <a:schemeClr val="tx1"/>
+    </cs:fontRef>
+    <cs:spPr>
+      <a:ln>
+        <a:round/>
+      </a:ln>
+    </cs:spPr>
+  </cs:dataPointMarker>
+  <cs:dataPointMarkerLayout/>
+  <cs:dataPointWireframe>
+    <cs:lnRef idx="1">
+      <cs:styleClr val="auto"/>
+    </cs:lnRef>
+    <cs:fillRef idx="0"/>
+    <cs:effectRef idx="0"/>
+    <cs:fontRef idx="minor">
+      <a:schemeClr val="tx1"/>
+    </cs:fontRef>
+    <cs:spPr>
+      <a:ln>
+        <a:round/>
+      </a:ln>
+    </cs:spPr>
+  </cs:dataPointWireframe>
+  <cs:dataTable>
+    <cs:lnRef idx="1">
+      <a:schemeClr val="tx1">
+        <a:tint val="75000"/>
+      </a:schemeClr>
+    </cs:lnRef>
+    <cs:fillRef idx="0"/>
+    <cs:effectRef idx="0"/>
+    <cs:fontRef idx="minor">
+      <a:schemeClr val="tx1"/>
+    </cs:fontRef>
+    <cs:spPr>
+      <a:ln>
+        <a:round/>
+      </a:ln>
+    </cs:spPr>
+    <cs:defRPr sz="1000" kern="1200"/>
+  </cs:dataTable>
+  <cs:downBar>
+    <cs:lnRef idx="1">
+      <a:schemeClr val="tx1"/>
+    </cs:lnRef>
+    <cs:fillRef idx="1">
+      <a:schemeClr val="dk1">
+        <a:tint val="95000"/>
+      </a:schemeClr>
+    </cs:fillRef>
+    <cs:effectRef idx="0"/>
+    <cs:fontRef idx="minor">
+      <a:schemeClr val="tx1"/>
+    </cs:fontRef>
+    <cs:spPr>
+      <a:ln>
+        <a:round/>
+      </a:ln>
+    </cs:spPr>
+  </cs:downBar>
+  <cs:dropLine>
+    <cs:lnRef idx="1">
+      <a:schemeClr val="tx1"/>
+    </cs:lnRef>
+    <cs:fillRef idx="0"/>
+    <cs:effectRef idx="0"/>
+    <cs:fontRef idx="minor">
+      <a:schemeClr val="tx1"/>
+    </cs:fontRef>
+    <cs:spPr>
+      <a:ln>
+        <a:round/>
+      </a:ln>
+    </cs:spPr>
+  </cs:dropLine>
+  <cs:errorBar>
+    <cs:lnRef idx="1">
+      <a:schemeClr val="tx1"/>
+    </cs:lnRef>
+    <cs:fillRef idx="1">
+      <a:schemeClr val="tx1"/>
+    </cs:fillRef>
+    <cs:effectRef idx="0"/>
+    <cs:fontRef idx="minor">
+      <a:schemeClr val="tx1"/>
+    </cs:fontRef>
+    <cs:spPr>
+      <a:ln>
+        <a:round/>
+      </a:ln>
+    </cs:spPr>
+  </cs:errorBar>
+  <cs:floor>
+    <cs:lnRef idx="1">
+      <a:schemeClr val="tx1">
+        <a:tint val="75000"/>
+      </a:schemeClr>
+    </cs:lnRef>
+    <cs:fillRef idx="0"/>
+    <cs:effectRef idx="0"/>
+    <cs:fontRef idx="minor">
+      <a:schemeClr val="tx1"/>
+    </cs:fontRef>
+    <cs:spPr>
+      <a:ln>
+        <a:round/>
+      </a:ln>
+    </cs:spPr>
+  </cs:floor>
+  <cs:gridlineMajor>
+    <cs:lnRef idx="1">
+      <a:schemeClr val="tx1">
+        <a:tint val="75000"/>
+      </a:schemeClr>
+    </cs:lnRef>
+    <cs:fillRef idx="0"/>
+    <cs:effectRef idx="0"/>
+    <cs:fontRef idx="minor">
+      <a:schemeClr val="tx1"/>
+    </cs:fontRef>
+    <cs:spPr>
+      <a:ln>
+        <a:round/>
+      </a:ln>
+    </cs:spPr>
+  </cs:gridlineMajor>
+  <cs:gridlineMinor>
+    <cs:lnRef idx="1">
+      <a:schemeClr val="tx1">
+        <a:tint val="50000"/>
+      </a:schemeClr>
+    </cs:lnRef>
+    <cs:fillRef idx="0"/>
+    <cs:effectRef idx="0"/>
+    <cs:fontRef idx="minor">
+      <a:schemeClr val="tx1"/>
+    </cs:fontRef>
+    <cs:spPr>
+      <a:ln>
+        <a:round/>
+      </a:ln>
+    </cs:spPr>
+  </cs:gridlineMinor>
+  <cs:hiLoLine>
+    <cs:lnRef idx="1">
+      <a:schemeClr val="tx1"/>
+    </cs:lnRef>
+    <cs:fillRef idx="0"/>
+    <cs:effectRef idx="0"/>
+    <cs:fontRef idx="minor">
+      <a:schemeClr val="tx1"/>
+    </cs:fontRef>
+    <cs:spPr>
+      <a:ln>
+        <a:round/>
+      </a:ln>
+    </cs:spPr>
+  </cs:hiLoLine>
+  <cs:leaderLine>
+    <cs:lnRef idx="1">
+      <a:schemeClr val="tx1"/>
+    </cs:lnRef>
+    <cs:fillRef idx="0"/>
+    <cs:effectRef idx="0"/>
+    <cs:fontRef idx="minor">
+      <a:schemeClr val="tx1"/>
+    </cs:fontRef>
+    <cs:spPr>
+      <a:ln>
+        <a:round/>
+      </a:ln>
+    </cs:spPr>
+  </cs:leaderLine>
+  <cs:legend>
+    <cs:lnRef idx="0"/>
+    <cs:fillRef idx="0"/>
+    <cs:effectRef idx="0"/>
+    <cs:fontRef idx="minor">
+      <a:schemeClr val="tx1"/>
+    </cs:fontRef>
+    <cs:defRPr sz="1000" kern="1200"/>
+  </cs:legend>
+  <cs:plotArea mods="allowNoFillOverride allowNoLineOverride">
+    <cs:lnRef idx="0"/>
+    <cs:fillRef idx="1">
+      <a:schemeClr val="bg1"/>
+    </cs:fillRef>
+    <cs:effectRef idx="0"/>
+    <cs:fontRef idx="minor">
+      <a:schemeClr val="tx1"/>
+    </cs:fontRef>
+  </cs:plotArea>
+  <cs:plotArea3D>
+    <cs:lnRef idx="0"/>
+    <cs:fillRef idx="0"/>
+    <cs:effectRef idx="0"/>
+    <cs:fontRef idx="minor">
+      <a:schemeClr val="tx1"/>
+    </cs:fontRef>
+  </cs:plotArea3D>
+  <cs:seriesAxis>
+    <cs:lnRef idx="1">
+      <a:schemeClr val="tx1">
+        <a:tint val="75000"/>
+      </a:schemeClr>
+    </cs:lnRef>
+    <cs:fillRef idx="0"/>
+    <cs:effectRef idx="0"/>
+    <cs:fontRef idx="minor">
+      <a:schemeClr val="tx1"/>
+    </cs:fontRef>
+    <cs:spPr>
+      <a:ln>
+        <a:round/>
+      </a:ln>
+    </cs:spPr>
+    <cs:defRPr sz="1000" kern="1200"/>
+  </cs:seriesAxis>
+  <cs:seriesLine>
+    <cs:lnRef idx="1">
+      <a:schemeClr val="tx1"/>
+    </cs:lnRef>
+    <cs:fillRef idx="0"/>
+    <cs:effectRef idx="0"/>
+    <cs:fontRef idx="minor">
+      <a:schemeClr val="tx1"/>
+    </cs:fontRef>
+    <cs:spPr>
+      <a:ln>
+        <a:round/>
+      </a:ln>
+    </cs:spPr>
+  </cs:seriesLine>
+  <cs:title>
+    <cs:lnRef idx="0"/>
+    <cs:fillRef idx="0"/>
+    <cs:effectRef idx="0"/>
+    <cs:fontRef idx="minor">
+      <a:schemeClr val="tx1"/>
+    </cs:fontRef>
+    <cs:defRPr sz="1800" b="1" kern="1200"/>
+  </cs:title>
+  <cs:trendline>
+    <cs:lnRef idx="1">
+      <a:schemeClr val="tx1"/>
+    </cs:lnRef>
+    <cs:fillRef idx="0"/>
+    <cs:effectRef idx="0"/>
+    <cs:fontRef idx="minor">
+      <a:schemeClr val="tx1"/>
+    </cs:fontRef>
+    <cs:spPr>
+      <a:ln cap="rnd">
+        <a:round/>
+      </a:ln>
+    </cs:spPr>
+  </cs:trendline>
+  <cs:trendlineLabel>
+    <cs:lnRef idx="0"/>
+    <cs:fillRef idx="0"/>
+    <cs:effectRef idx="0"/>
+    <cs:fontRef idx="minor">
+      <a:schemeClr val="tx1"/>
+    </cs:fontRef>
+    <cs:defRPr sz="1000" kern="1200"/>
+  </cs:trendlineLabel>
+  <cs:upBar>
+    <cs:lnRef idx="1">
+      <a:schemeClr val="tx1"/>
+    </cs:lnRef>
+    <cs:fillRef idx="1">
+      <a:schemeClr val="dk1">
+        <a:tint val="5000"/>
+      </a:schemeClr>
+    </cs:fillRef>
+    <cs:effectRef idx="0"/>
+    <cs:fontRef idx="minor">
+      <a:schemeClr val="tx1"/>
+    </cs:fontRef>
+    <cs:spPr>
+      <a:ln>
+        <a:round/>
+      </a:ln>
+    </cs:spPr>
+  </cs:upBar>
+  <cs:valueAxis>
+    <cs:lnRef idx="1">
+      <a:schemeClr val="tx1">
+        <a:tint val="75000"/>
+      </a:schemeClr>
+    </cs:lnRef>
+    <cs:fillRef idx="0"/>
+    <cs:effectRef idx="0"/>
+    <cs:fontRef idx="minor">
+      <a:schemeClr val="tx1"/>
+    </cs:fontRef>
+    <cs:spPr>
+      <a:ln>
+        <a:round/>
+      </a:ln>
+    </cs:spPr>
+    <cs:defRPr sz="1000" kern="1200"/>
+  </cs:valueAxis>
+  <cs:wall>
+    <cs:lnRef idx="0"/>
+    <cs:fillRef idx="0"/>
+    <cs:effectRef idx="0"/>
+    <cs:fontRef idx="minor">
+      <a:schemeClr val="tx1"/>
+    </cs:fontRef>
+  </cs:wall>
+</cs:chartStyle>
+</file>
+
 <file path=ppt/notesMasters/notesMaster1.xml><?xml version="1.0" encoding="utf-8"?>
 <p:notesMaster xmlns:a="http://schemas.openxmlformats.org/drawingml/2006/main" xmlns:r="http://schemas.openxmlformats.org/officeDocument/2006/relationships" xmlns:p="http://schemas.openxmlformats.org/presentationml/2006/main">
   <p:cSld>
@@ -717,7 +2402,7 @@
           <a:p>
             <a:fld id="{7E539B21-FF63-4FEA-A1D1-EBE8EF669A6E}" type="datetimeFigureOut">
               <a:rPr lang="fr-FR" smtClean="0"/>
-              <a:t>22/11/2017</a:t>
+              <a:t>01/12/2017</a:t>
             </a:fld>
             <a:endParaRPr lang="fr-FR"/>
           </a:p>
@@ -1131,7 +2816,7 @@
           <a:p>
             <a:fld id="{F353337E-5607-446D-AB74-7A5B8DCFC88F}" type="datetimeFigureOut">
               <a:rPr lang="fr-FR" smtClean="0"/>
-              <a:t>22/11/2017</a:t>
+              <a:t>01/12/2017</a:t>
             </a:fld>
             <a:endParaRPr lang="fr-FR"/>
           </a:p>
@@ -1337,7 +3022,7 @@
           <a:p>
             <a:fld id="{F353337E-5607-446D-AB74-7A5B8DCFC88F}" type="datetimeFigureOut">
               <a:rPr lang="fr-FR" smtClean="0"/>
-              <a:t>22/11/2017</a:t>
+              <a:t>01/12/2017</a:t>
             </a:fld>
             <a:endParaRPr lang="fr-FR"/>
           </a:p>
@@ -1553,7 +3238,7 @@
           <a:p>
             <a:fld id="{F353337E-5607-446D-AB74-7A5B8DCFC88F}" type="datetimeFigureOut">
               <a:rPr lang="fr-FR" smtClean="0"/>
-              <a:t>22/11/2017</a:t>
+              <a:t>01/12/2017</a:t>
             </a:fld>
             <a:endParaRPr lang="fr-FR"/>
           </a:p>
@@ -1835,7 +3520,7 @@
           <a:p>
             <a:fld id="{F353337E-5607-446D-AB74-7A5B8DCFC88F}" type="datetimeFigureOut">
               <a:rPr lang="fr-FR" smtClean="0"/>
-              <a:t>22/11/2017</a:t>
+              <a:t>01/12/2017</a:t>
             </a:fld>
             <a:endParaRPr lang="fr-FR"/>
           </a:p>
@@ -2118,7 +3803,7 @@
           <a:p>
             <a:fld id="{F353337E-5607-446D-AB74-7A5B8DCFC88F}" type="datetimeFigureOut">
               <a:rPr lang="fr-FR" smtClean="0"/>
-              <a:t>22/11/2017</a:t>
+              <a:t>01/12/2017</a:t>
             </a:fld>
             <a:endParaRPr lang="fr-FR"/>
           </a:p>
@@ -2391,7 +4076,7 @@
           <a:p>
             <a:fld id="{F353337E-5607-446D-AB74-7A5B8DCFC88F}" type="datetimeFigureOut">
               <a:rPr lang="fr-FR" smtClean="0"/>
-              <a:t>22/11/2017</a:t>
+              <a:t>01/12/2017</a:t>
             </a:fld>
             <a:endParaRPr lang="fr-FR"/>
           </a:p>
@@ -2811,7 +4496,7 @@
           <a:p>
             <a:fld id="{F353337E-5607-446D-AB74-7A5B8DCFC88F}" type="datetimeFigureOut">
               <a:rPr lang="fr-FR" smtClean="0"/>
-              <a:t>22/11/2017</a:t>
+              <a:t>01/12/2017</a:t>
             </a:fld>
             <a:endParaRPr lang="fr-FR"/>
           </a:p>
@@ -2960,7 +4645,7 @@
           <a:p>
             <a:fld id="{F353337E-5607-446D-AB74-7A5B8DCFC88F}" type="datetimeFigureOut">
               <a:rPr lang="fr-FR" smtClean="0"/>
-              <a:t>22/11/2017</a:t>
+              <a:t>01/12/2017</a:t>
             </a:fld>
             <a:endParaRPr lang="fr-FR"/>
           </a:p>
@@ -3081,7 +4766,7 @@
           <a:p>
             <a:fld id="{F353337E-5607-446D-AB74-7A5B8DCFC88F}" type="datetimeFigureOut">
               <a:rPr lang="fr-FR" smtClean="0"/>
-              <a:t>22/11/2017</a:t>
+              <a:t>01/12/2017</a:t>
             </a:fld>
             <a:endParaRPr lang="fr-FR"/>
           </a:p>
@@ -3400,7 +5085,7 @@
           <a:p>
             <a:fld id="{F353337E-5607-446D-AB74-7A5B8DCFC88F}" type="datetimeFigureOut">
               <a:rPr lang="fr-FR" smtClean="0"/>
-              <a:t>22/11/2017</a:t>
+              <a:t>01/12/2017</a:t>
             </a:fld>
             <a:endParaRPr lang="fr-FR"/>
           </a:p>
@@ -3696,7 +5381,7 @@
           <a:p>
             <a:fld id="{F353337E-5607-446D-AB74-7A5B8DCFC88F}" type="datetimeFigureOut">
               <a:rPr lang="fr-FR" smtClean="0"/>
-              <a:t>22/11/2017</a:t>
+              <a:t>01/12/2017</a:t>
             </a:fld>
             <a:endParaRPr lang="fr-FR"/>
           </a:p>
@@ -3945,7 +5630,7 @@
           <a:p>
             <a:fld id="{F353337E-5607-446D-AB74-7A5B8DCFC88F}" type="datetimeFigureOut">
               <a:rPr lang="fr-FR" smtClean="0"/>
-              <a:t>22/11/2017</a:t>
+              <a:t>01/12/2017</a:t>
             </a:fld>
             <a:endParaRPr lang="fr-FR"/>
           </a:p>
@@ -6367,9 +8052,7 @@
             <a:avLst/>
           </a:prstGeom>
           <a:solidFill>
-            <a:srgbClr val="FFFFFF">
-              <a:lumMod val="95000"/>
-            </a:srgbClr>
+            <a:srgbClr val="FF0000"/>
           </a:solidFill>
           <a:ln w="3175">
             <a:solidFill>
@@ -7335,11 +9018,11 @@
       </p:grpSp>
       <p:sp>
         <p:nvSpPr>
-          <p:cNvPr id="20" name="Content">
+          <p:cNvPr id="21" name="Content">
             <a:hlinkClick r:id="rId13" action="ppaction://hlinksldjump"/>
             <a:extLst>
               <a:ext uri="{FF2B5EF4-FFF2-40B4-BE49-F238E27FC236}">
-                <a16:creationId xmlns:a16="http://schemas.microsoft.com/office/drawing/2014/main" id="{8A823A3B-EBE3-4A20-B167-3754781DA5BF}"/>
+                <a16:creationId xmlns:a16="http://schemas.microsoft.com/office/drawing/2014/main" id="{205F3E5C-928E-40F9-AE79-4A06D7B556E8}"/>
               </a:ext>
             </a:extLst>
           </p:cNvPr>
@@ -7352,8 +9035,8 @@
         </p:nvSpPr>
         <p:spPr>
           <a:xfrm>
-            <a:off x="6814868" y="4727840"/>
-            <a:ext cx="1588467" cy="361745"/>
+            <a:off x="4670682" y="5749242"/>
+            <a:ext cx="2850636" cy="427510"/>
           </a:xfrm>
           <a:prstGeom prst="roundRect">
             <a:avLst/>
@@ -7395,27 +9078,16 @@
           <a:p>
             <a:pPr algn="ctr"/>
             <a:r>
-              <a:rPr lang="en-US" sz="1400" b="1" dirty="0" err="1">
+              <a:rPr lang="en-US" sz="1200" b="1" dirty="0">
                 <a:latin typeface="Segoe UI" pitchFamily="34" charset="0"/>
                 <a:cs typeface="Segoe UI" pitchFamily="34" charset="0"/>
               </a:rPr>
-              <a:t>Valider</a:t>
+              <a:t>VALIDER LE SONDAGE</a:t>
             </a:r>
-            <a:r>
-              <a:rPr lang="en-US" sz="1400" b="1" dirty="0">
-                <a:latin typeface="Segoe UI" pitchFamily="34" charset="0"/>
-                <a:cs typeface="Segoe UI" pitchFamily="34" charset="0"/>
-              </a:rPr>
-              <a:t> le </a:t>
-            </a:r>
-            <a:r>
-              <a:rPr lang="en-US" sz="1400" b="1" dirty="0" err="1">
-                <a:latin typeface="Segoe UI" pitchFamily="34" charset="0"/>
-                <a:cs typeface="Segoe UI" pitchFamily="34" charset="0"/>
-              </a:rPr>
-              <a:t>choix</a:t>
-            </a:r>
-            <a:endParaRPr lang="en-US" sz="1400" b="1" dirty="0">
+            <a:endParaRPr lang="en-US" sz="1200" b="1" dirty="0">
+              <a:solidFill>
+                <a:srgbClr val="000000"/>
+              </a:solidFill>
               <a:latin typeface="Segoe UI" pitchFamily="34" charset="0"/>
               <a:cs typeface="Segoe UI" pitchFamily="34" charset="0"/>
             </a:endParaRPr>
@@ -8324,11 +9996,11 @@
       </p:grpSp>
       <p:sp>
         <p:nvSpPr>
-          <p:cNvPr id="22" name="Content">
+          <p:cNvPr id="38" name="Content">
             <a:hlinkClick r:id="rId14" action="ppaction://hlinksldjump"/>
             <a:extLst>
               <a:ext uri="{FF2B5EF4-FFF2-40B4-BE49-F238E27FC236}">
-                <a16:creationId xmlns:a16="http://schemas.microsoft.com/office/drawing/2014/main" id="{5A37E7F9-540D-4EF3-9F9F-239723E06308}"/>
+                <a16:creationId xmlns:a16="http://schemas.microsoft.com/office/drawing/2014/main" id="{55BE714F-5A16-481C-9D18-4F3DE0C1A902}"/>
               </a:ext>
             </a:extLst>
           </p:cNvPr>
@@ -8341,8 +10013,8 @@
         </p:nvSpPr>
         <p:spPr>
           <a:xfrm>
-            <a:off x="6814868" y="4727840"/>
-            <a:ext cx="1588467" cy="361745"/>
+            <a:off x="4670682" y="5749242"/>
+            <a:ext cx="2850636" cy="427510"/>
           </a:xfrm>
           <a:prstGeom prst="roundRect">
             <a:avLst/>
@@ -8384,27 +10056,16 @@
           <a:p>
             <a:pPr algn="ctr"/>
             <a:r>
-              <a:rPr lang="en-US" sz="1400" b="1" dirty="0" err="1">
+              <a:rPr lang="en-US" sz="1200" b="1" dirty="0">
                 <a:latin typeface="Segoe UI" pitchFamily="34" charset="0"/>
                 <a:cs typeface="Segoe UI" pitchFamily="34" charset="0"/>
               </a:rPr>
-              <a:t>Valider</a:t>
+              <a:t>VALIDER LE SONDAGE</a:t>
             </a:r>
-            <a:r>
-              <a:rPr lang="en-US" sz="1400" b="1" dirty="0">
-                <a:latin typeface="Segoe UI" pitchFamily="34" charset="0"/>
-                <a:cs typeface="Segoe UI" pitchFamily="34" charset="0"/>
-              </a:rPr>
-              <a:t> le </a:t>
-            </a:r>
-            <a:r>
-              <a:rPr lang="en-US" sz="1400" b="1" dirty="0" err="1">
-                <a:latin typeface="Segoe UI" pitchFamily="34" charset="0"/>
-                <a:cs typeface="Segoe UI" pitchFamily="34" charset="0"/>
-              </a:rPr>
-              <a:t>choix</a:t>
-            </a:r>
-            <a:endParaRPr lang="en-US" sz="1400" b="1" dirty="0">
+            <a:endParaRPr lang="en-US" sz="1200" b="1" dirty="0">
+              <a:solidFill>
+                <a:srgbClr val="000000"/>
+              </a:solidFill>
               <a:latin typeface="Segoe UI" pitchFamily="34" charset="0"/>
               <a:cs typeface="Segoe UI" pitchFamily="34" charset="0"/>
             </a:endParaRPr>
@@ -9253,11 +10914,11 @@
       </p:grpSp>
       <p:sp>
         <p:nvSpPr>
-          <p:cNvPr id="20" name="Content">
+          <p:cNvPr id="21" name="Content">
             <a:hlinkClick r:id="rId13" action="ppaction://hlinksldjump"/>
             <a:extLst>
               <a:ext uri="{FF2B5EF4-FFF2-40B4-BE49-F238E27FC236}">
-                <a16:creationId xmlns:a16="http://schemas.microsoft.com/office/drawing/2014/main" id="{DC814BF2-C974-4BE0-B1C5-39136606B788}"/>
+                <a16:creationId xmlns:a16="http://schemas.microsoft.com/office/drawing/2014/main" id="{21432A11-FA6C-4796-A363-E522D148AAA1}"/>
               </a:ext>
             </a:extLst>
           </p:cNvPr>
@@ -9270,8 +10931,8 @@
         </p:nvSpPr>
         <p:spPr>
           <a:xfrm>
-            <a:off x="6814868" y="4727840"/>
-            <a:ext cx="1588467" cy="361745"/>
+            <a:off x="4670682" y="5749242"/>
+            <a:ext cx="2850636" cy="427510"/>
           </a:xfrm>
           <a:prstGeom prst="roundRect">
             <a:avLst/>
@@ -9313,27 +10974,16 @@
           <a:p>
             <a:pPr algn="ctr"/>
             <a:r>
-              <a:rPr lang="en-US" sz="1400" b="1" dirty="0" err="1">
+              <a:rPr lang="en-US" sz="1200" b="1" dirty="0">
                 <a:latin typeface="Segoe UI" pitchFamily="34" charset="0"/>
                 <a:cs typeface="Segoe UI" pitchFamily="34" charset="0"/>
               </a:rPr>
-              <a:t>Valider</a:t>
+              <a:t>VALIDER LE SONDAGE</a:t>
             </a:r>
-            <a:r>
-              <a:rPr lang="en-US" sz="1400" b="1" dirty="0">
-                <a:latin typeface="Segoe UI" pitchFamily="34" charset="0"/>
-                <a:cs typeface="Segoe UI" pitchFamily="34" charset="0"/>
-              </a:rPr>
-              <a:t> le </a:t>
-            </a:r>
-            <a:r>
-              <a:rPr lang="en-US" sz="1400" b="1" dirty="0" err="1">
-                <a:latin typeface="Segoe UI" pitchFamily="34" charset="0"/>
-                <a:cs typeface="Segoe UI" pitchFamily="34" charset="0"/>
-              </a:rPr>
-              <a:t>choix</a:t>
-            </a:r>
-            <a:endParaRPr lang="en-US" sz="1400" b="1" dirty="0">
+            <a:endParaRPr lang="en-US" sz="1200" b="1" dirty="0">
+              <a:solidFill>
+                <a:srgbClr val="000000"/>
+              </a:solidFill>
               <a:latin typeface="Segoe UI" pitchFamily="34" charset="0"/>
               <a:cs typeface="Segoe UI" pitchFamily="34" charset="0"/>
             </a:endParaRPr>
@@ -10122,11 +11772,11 @@
       </p:grpSp>
       <p:sp>
         <p:nvSpPr>
-          <p:cNvPr id="18" name="Content">
+          <p:cNvPr id="19" name="Content">
             <a:hlinkClick r:id="rId12" action="ppaction://hlinksldjump"/>
             <a:extLst>
               <a:ext uri="{FF2B5EF4-FFF2-40B4-BE49-F238E27FC236}">
-                <a16:creationId xmlns:a16="http://schemas.microsoft.com/office/drawing/2014/main" id="{4BAD597E-E205-4C82-9E4D-3BCC40BDEA3E}"/>
+                <a16:creationId xmlns:a16="http://schemas.microsoft.com/office/drawing/2014/main" id="{49C24C30-3ADF-4A3E-A309-F603434E81E4}"/>
               </a:ext>
             </a:extLst>
           </p:cNvPr>
@@ -10139,8 +11789,8 @@
         </p:nvSpPr>
         <p:spPr>
           <a:xfrm>
-            <a:off x="6814868" y="4727840"/>
-            <a:ext cx="1588467" cy="361745"/>
+            <a:off x="4670682" y="5749242"/>
+            <a:ext cx="2850636" cy="427510"/>
           </a:xfrm>
           <a:prstGeom prst="roundRect">
             <a:avLst/>
@@ -10182,27 +11832,16 @@
           <a:p>
             <a:pPr algn="ctr"/>
             <a:r>
-              <a:rPr lang="en-US" sz="1400" b="1" dirty="0" err="1">
+              <a:rPr lang="en-US" sz="1200" b="1" dirty="0">
                 <a:latin typeface="Segoe UI" pitchFamily="34" charset="0"/>
                 <a:cs typeface="Segoe UI" pitchFamily="34" charset="0"/>
               </a:rPr>
-              <a:t>Valider</a:t>
+              <a:t>VALIDER LE SONDAGE</a:t>
             </a:r>
-            <a:r>
-              <a:rPr lang="en-US" sz="1400" b="1" dirty="0">
-                <a:latin typeface="Segoe UI" pitchFamily="34" charset="0"/>
-                <a:cs typeface="Segoe UI" pitchFamily="34" charset="0"/>
-              </a:rPr>
-              <a:t> le </a:t>
-            </a:r>
-            <a:r>
-              <a:rPr lang="en-US" sz="1400" b="1" dirty="0" err="1">
-                <a:latin typeface="Segoe UI" pitchFamily="34" charset="0"/>
-                <a:cs typeface="Segoe UI" pitchFamily="34" charset="0"/>
-              </a:rPr>
-              <a:t>choix</a:t>
-            </a:r>
-            <a:endParaRPr lang="en-US" sz="1400" b="1" dirty="0">
+            <a:endParaRPr lang="en-US" sz="1200" b="1" dirty="0">
+              <a:solidFill>
+                <a:srgbClr val="000000"/>
+              </a:solidFill>
               <a:latin typeface="Segoe UI" pitchFamily="34" charset="0"/>
               <a:cs typeface="Segoe UI" pitchFamily="34" charset="0"/>
             </a:endParaRPr>
@@ -10991,11 +12630,11 @@
       </p:grpSp>
       <p:sp>
         <p:nvSpPr>
-          <p:cNvPr id="18" name="Content">
+          <p:cNvPr id="19" name="Content">
             <a:hlinkClick r:id="rId12" action="ppaction://hlinksldjump"/>
             <a:extLst>
               <a:ext uri="{FF2B5EF4-FFF2-40B4-BE49-F238E27FC236}">
-                <a16:creationId xmlns:a16="http://schemas.microsoft.com/office/drawing/2014/main" id="{4E66CEDC-6BA5-4DB6-8ECC-B55F9F4B5B46}"/>
+                <a16:creationId xmlns:a16="http://schemas.microsoft.com/office/drawing/2014/main" id="{E710C3A8-F069-4287-A33F-EFCC3313BE0B}"/>
               </a:ext>
             </a:extLst>
           </p:cNvPr>
@@ -11008,8 +12647,8 @@
         </p:nvSpPr>
         <p:spPr>
           <a:xfrm>
-            <a:off x="6814868" y="4727840"/>
-            <a:ext cx="1588467" cy="361745"/>
+            <a:off x="4670682" y="5749242"/>
+            <a:ext cx="2850636" cy="427510"/>
           </a:xfrm>
           <a:prstGeom prst="roundRect">
             <a:avLst/>
@@ -11051,27 +12690,16 @@
           <a:p>
             <a:pPr algn="ctr"/>
             <a:r>
-              <a:rPr lang="en-US" sz="1400" b="1" dirty="0" err="1">
+              <a:rPr lang="en-US" sz="1200" b="1" dirty="0">
                 <a:latin typeface="Segoe UI" pitchFamily="34" charset="0"/>
                 <a:cs typeface="Segoe UI" pitchFamily="34" charset="0"/>
               </a:rPr>
-              <a:t>Valider</a:t>
+              <a:t>VALIDER LE SONDAGE</a:t>
             </a:r>
-            <a:r>
-              <a:rPr lang="en-US" sz="1400" b="1" dirty="0">
-                <a:latin typeface="Segoe UI" pitchFamily="34" charset="0"/>
-                <a:cs typeface="Segoe UI" pitchFamily="34" charset="0"/>
-              </a:rPr>
-              <a:t> le </a:t>
-            </a:r>
-            <a:r>
-              <a:rPr lang="en-US" sz="1400" b="1" dirty="0" err="1">
-                <a:latin typeface="Segoe UI" pitchFamily="34" charset="0"/>
-                <a:cs typeface="Segoe UI" pitchFamily="34" charset="0"/>
-              </a:rPr>
-              <a:t>choix</a:t>
-            </a:r>
-            <a:endParaRPr lang="en-US" sz="1400" b="1" dirty="0">
+            <a:endParaRPr lang="en-US" sz="1200" b="1" dirty="0">
+              <a:solidFill>
+                <a:srgbClr val="000000"/>
+              </a:solidFill>
               <a:latin typeface="Segoe UI" pitchFamily="34" charset="0"/>
               <a:cs typeface="Segoe UI" pitchFamily="34" charset="0"/>
             </a:endParaRPr>
@@ -11920,11 +13548,11 @@
       </p:grpSp>
       <p:sp>
         <p:nvSpPr>
-          <p:cNvPr id="20" name="Content">
+          <p:cNvPr id="21" name="Content">
             <a:hlinkClick r:id="rId13" action="ppaction://hlinksldjump"/>
             <a:extLst>
               <a:ext uri="{FF2B5EF4-FFF2-40B4-BE49-F238E27FC236}">
-                <a16:creationId xmlns:a16="http://schemas.microsoft.com/office/drawing/2014/main" id="{887A6CD0-E318-470F-BAF9-4268D7A6BA49}"/>
+                <a16:creationId xmlns:a16="http://schemas.microsoft.com/office/drawing/2014/main" id="{35633721-137E-4CD5-9BC3-06AA91AD4C27}"/>
               </a:ext>
             </a:extLst>
           </p:cNvPr>
@@ -11937,8 +13565,8 @@
         </p:nvSpPr>
         <p:spPr>
           <a:xfrm>
-            <a:off x="6814868" y="4727840"/>
-            <a:ext cx="1588467" cy="361745"/>
+            <a:off x="4670682" y="5749242"/>
+            <a:ext cx="2850636" cy="427510"/>
           </a:xfrm>
           <a:prstGeom prst="roundRect">
             <a:avLst/>
@@ -11980,27 +13608,16 @@
           <a:p>
             <a:pPr algn="ctr"/>
             <a:r>
-              <a:rPr lang="en-US" sz="1400" b="1" dirty="0" err="1">
+              <a:rPr lang="en-US" sz="1200" b="1" dirty="0">
                 <a:latin typeface="Segoe UI" pitchFamily="34" charset="0"/>
                 <a:cs typeface="Segoe UI" pitchFamily="34" charset="0"/>
               </a:rPr>
-              <a:t>Valider</a:t>
+              <a:t>VALIDER LE SONDAGE</a:t>
             </a:r>
-            <a:r>
-              <a:rPr lang="en-US" sz="1400" b="1" dirty="0">
-                <a:latin typeface="Segoe UI" pitchFamily="34" charset="0"/>
-                <a:cs typeface="Segoe UI" pitchFamily="34" charset="0"/>
-              </a:rPr>
-              <a:t> le </a:t>
-            </a:r>
-            <a:r>
-              <a:rPr lang="en-US" sz="1400" b="1" dirty="0" err="1">
-                <a:latin typeface="Segoe UI" pitchFamily="34" charset="0"/>
-                <a:cs typeface="Segoe UI" pitchFamily="34" charset="0"/>
-              </a:rPr>
-              <a:t>choix</a:t>
-            </a:r>
-            <a:endParaRPr lang="en-US" sz="1400" b="1" dirty="0">
+            <a:endParaRPr lang="en-US" sz="1200" b="1" dirty="0">
+              <a:solidFill>
+                <a:srgbClr val="000000"/>
+              </a:solidFill>
               <a:latin typeface="Segoe UI" pitchFamily="34" charset="0"/>
               <a:cs typeface="Segoe UI" pitchFamily="34" charset="0"/>
             </a:endParaRPr>
@@ -13505,11 +15122,11 @@
       </p:grpSp>
       <p:sp>
         <p:nvSpPr>
-          <p:cNvPr id="18" name="Content">
+          <p:cNvPr id="19" name="Content">
             <a:hlinkClick r:id="rId10" action="ppaction://hlinksldjump"/>
             <a:extLst>
               <a:ext uri="{FF2B5EF4-FFF2-40B4-BE49-F238E27FC236}">
-                <a16:creationId xmlns:a16="http://schemas.microsoft.com/office/drawing/2014/main" id="{C31EFD12-E4E9-43BF-AE2C-38F617980275}"/>
+                <a16:creationId xmlns:a16="http://schemas.microsoft.com/office/drawing/2014/main" id="{0669ED1C-5AF1-4A67-BD80-18EC7B7E04EE}"/>
               </a:ext>
             </a:extLst>
           </p:cNvPr>
@@ -13522,8 +15139,8 @@
         </p:nvSpPr>
         <p:spPr>
           <a:xfrm>
-            <a:off x="6814868" y="4727840"/>
-            <a:ext cx="1588467" cy="361745"/>
+            <a:off x="4670682" y="5749242"/>
+            <a:ext cx="2850636" cy="427510"/>
           </a:xfrm>
           <a:prstGeom prst="roundRect">
             <a:avLst/>
@@ -13565,27 +15182,16 @@
           <a:p>
             <a:pPr algn="ctr"/>
             <a:r>
-              <a:rPr lang="en-US" sz="1400" b="1" dirty="0" err="1">
+              <a:rPr lang="en-US" sz="1200" b="1" dirty="0">
                 <a:latin typeface="Segoe UI" pitchFamily="34" charset="0"/>
                 <a:cs typeface="Segoe UI" pitchFamily="34" charset="0"/>
               </a:rPr>
-              <a:t>Valider</a:t>
+              <a:t>VALIDER LE SONDAGE</a:t>
             </a:r>
-            <a:r>
-              <a:rPr lang="en-US" sz="1400" b="1" dirty="0">
-                <a:latin typeface="Segoe UI" pitchFamily="34" charset="0"/>
-                <a:cs typeface="Segoe UI" pitchFamily="34" charset="0"/>
-              </a:rPr>
-              <a:t> le </a:t>
-            </a:r>
-            <a:r>
-              <a:rPr lang="en-US" sz="1400" b="1" dirty="0" err="1">
-                <a:latin typeface="Segoe UI" pitchFamily="34" charset="0"/>
-                <a:cs typeface="Segoe UI" pitchFamily="34" charset="0"/>
-              </a:rPr>
-              <a:t>choix</a:t>
-            </a:r>
-            <a:endParaRPr lang="en-US" sz="1400" b="1" dirty="0">
+            <a:endParaRPr lang="en-US" sz="1200" b="1" dirty="0">
+              <a:solidFill>
+                <a:srgbClr val="000000"/>
+              </a:solidFill>
               <a:latin typeface="Segoe UI" pitchFamily="34" charset="0"/>
               <a:cs typeface="Segoe UI" pitchFamily="34" charset="0"/>
             </a:endParaRPr>
@@ -14093,7 +15699,7 @@
         <p:pic>
           <p:nvPicPr>
             <p:cNvPr id="25" name="Check" descr="C:\Users\t-dantay\Documents\WPIcons\appbar.check.rest.png">
-              <a:hlinkClick r:id="rId8" action="ppaction://hlinksldjump"/>
+              <a:hlinkClick r:id="rId9" action="ppaction://hlinksldjump"/>
             </p:cNvPr>
             <p:cNvPicPr>
               <a:picLocks noChangeAspect="1" noChangeArrowheads="1"/>
@@ -14101,7 +15707,7 @@
             <p:nvPr/>
           </p:nvPicPr>
           <p:blipFill>
-            <a:blip r:embed="rId9" cstate="print">
+            <a:blip r:embed="rId10" cstate="print">
               <a:extLst>
                 <a:ext uri="{28A0092B-C50C-407E-A947-70E740481C1C}">
                   <a14:useLocalDpi xmlns:a14="http://schemas.microsoft.com/office/drawing/2010/main" val="0"/>
@@ -14370,11 +15976,11 @@
       </p:grpSp>
       <p:sp>
         <p:nvSpPr>
-          <p:cNvPr id="18" name="Content">
-            <a:hlinkClick r:id="rId10" action="ppaction://hlinksldjump"/>
+          <p:cNvPr id="19" name="Content">
+            <a:hlinkClick r:id="rId11" action="ppaction://hlinksldjump"/>
             <a:extLst>
               <a:ext uri="{FF2B5EF4-FFF2-40B4-BE49-F238E27FC236}">
-                <a16:creationId xmlns:a16="http://schemas.microsoft.com/office/drawing/2014/main" id="{455B5549-F2C9-4287-8F62-1FFF84BA3B81}"/>
+                <a16:creationId xmlns:a16="http://schemas.microsoft.com/office/drawing/2014/main" id="{47ACC239-8B2F-4BCA-835F-B4AE041BF538}"/>
               </a:ext>
             </a:extLst>
           </p:cNvPr>
@@ -14382,13 +15988,14 @@
           <p:nvPr>
             <p:custDataLst>
               <p:custData r:id="rId6"/>
+              <p:custData r:id="rId7"/>
             </p:custDataLst>
           </p:nvPr>
         </p:nvSpPr>
         <p:spPr>
           <a:xfrm>
-            <a:off x="6814868" y="4727840"/>
-            <a:ext cx="1588467" cy="361745"/>
+            <a:off x="4670682" y="5749242"/>
+            <a:ext cx="2850636" cy="427510"/>
           </a:xfrm>
           <a:prstGeom prst="roundRect">
             <a:avLst/>
@@ -14430,27 +16037,16 @@
           <a:p>
             <a:pPr algn="ctr"/>
             <a:r>
-              <a:rPr lang="en-US" sz="1400" b="1" dirty="0" err="1">
+              <a:rPr lang="en-US" sz="1200" b="1" dirty="0">
                 <a:latin typeface="Segoe UI" pitchFamily="34" charset="0"/>
                 <a:cs typeface="Segoe UI" pitchFamily="34" charset="0"/>
               </a:rPr>
-              <a:t>Valider</a:t>
+              <a:t>VALIDER LE SONDAGE</a:t>
             </a:r>
-            <a:r>
-              <a:rPr lang="en-US" sz="1400" b="1" dirty="0">
-                <a:latin typeface="Segoe UI" pitchFamily="34" charset="0"/>
-                <a:cs typeface="Segoe UI" pitchFamily="34" charset="0"/>
-              </a:rPr>
-              <a:t> le </a:t>
-            </a:r>
-            <a:r>
-              <a:rPr lang="en-US" sz="1400" b="1" dirty="0" err="1">
-                <a:latin typeface="Segoe UI" pitchFamily="34" charset="0"/>
-                <a:cs typeface="Segoe UI" pitchFamily="34" charset="0"/>
-              </a:rPr>
-              <a:t>choix</a:t>
-            </a:r>
-            <a:endParaRPr lang="en-US" sz="1400" b="1" dirty="0">
+            <a:endParaRPr lang="en-US" sz="1200" b="1" dirty="0">
+              <a:solidFill>
+                <a:srgbClr val="000000"/>
+              </a:solidFill>
               <a:latin typeface="Segoe UI" pitchFamily="34" charset="0"/>
               <a:cs typeface="Segoe UI" pitchFamily="34" charset="0"/>
             </a:endParaRPr>
@@ -15235,11 +16831,11 @@
       </p:grpSp>
       <p:sp>
         <p:nvSpPr>
-          <p:cNvPr id="18" name="Content">
+          <p:cNvPr id="19" name="Content">
             <a:hlinkClick r:id="rId10" action="ppaction://hlinksldjump"/>
             <a:extLst>
               <a:ext uri="{FF2B5EF4-FFF2-40B4-BE49-F238E27FC236}">
-                <a16:creationId xmlns:a16="http://schemas.microsoft.com/office/drawing/2014/main" id="{7C5A7AFA-8F23-4012-96D9-FE836F5AD230}"/>
+                <a16:creationId xmlns:a16="http://schemas.microsoft.com/office/drawing/2014/main" id="{15B05C2B-DC27-4783-B271-338D4DD89D91}"/>
               </a:ext>
             </a:extLst>
           </p:cNvPr>
@@ -15252,8 +16848,8 @@
         </p:nvSpPr>
         <p:spPr>
           <a:xfrm>
-            <a:off x="6814868" y="4727840"/>
-            <a:ext cx="1588467" cy="361745"/>
+            <a:off x="4670682" y="5749242"/>
+            <a:ext cx="2850636" cy="427510"/>
           </a:xfrm>
           <a:prstGeom prst="roundRect">
             <a:avLst/>
@@ -15295,27 +16891,16 @@
           <a:p>
             <a:pPr algn="ctr"/>
             <a:r>
-              <a:rPr lang="en-US" sz="1400" b="1" dirty="0" err="1">
+              <a:rPr lang="en-US" sz="1200" b="1" dirty="0">
                 <a:latin typeface="Segoe UI" pitchFamily="34" charset="0"/>
                 <a:cs typeface="Segoe UI" pitchFamily="34" charset="0"/>
               </a:rPr>
-              <a:t>Valider</a:t>
+              <a:t>VALIDER LE SONDAGE</a:t>
             </a:r>
-            <a:r>
-              <a:rPr lang="en-US" sz="1400" b="1" dirty="0">
-                <a:latin typeface="Segoe UI" pitchFamily="34" charset="0"/>
-                <a:cs typeface="Segoe UI" pitchFamily="34" charset="0"/>
-              </a:rPr>
-              <a:t> le </a:t>
-            </a:r>
-            <a:r>
-              <a:rPr lang="en-US" sz="1400" b="1" dirty="0" err="1">
-                <a:latin typeface="Segoe UI" pitchFamily="34" charset="0"/>
-                <a:cs typeface="Segoe UI" pitchFamily="34" charset="0"/>
-              </a:rPr>
-              <a:t>choix</a:t>
-            </a:r>
-            <a:endParaRPr lang="en-US" sz="1400" b="1" dirty="0">
+            <a:endParaRPr lang="en-US" sz="1200" b="1" dirty="0">
+              <a:solidFill>
+                <a:srgbClr val="000000"/>
+              </a:solidFill>
               <a:latin typeface="Segoe UI" pitchFamily="34" charset="0"/>
               <a:cs typeface="Segoe UI" pitchFamily="34" charset="0"/>
             </a:endParaRPr>
@@ -16456,6 +18041,237 @@
       </p:grpSpPr>
       <p:sp>
         <p:nvSpPr>
+          <p:cNvPr id="3" name="Rectangle 2">
+            <a:extLst>
+              <a:ext uri="{FF2B5EF4-FFF2-40B4-BE49-F238E27FC236}">
+                <a16:creationId xmlns:a16="http://schemas.microsoft.com/office/drawing/2014/main" id="{CE8251B4-153A-45E0-B15C-47C7AB063492}"/>
+              </a:ext>
+            </a:extLst>
+          </p:cNvPr>
+          <p:cNvSpPr/>
+          <p:nvPr/>
+        </p:nvSpPr>
+        <p:spPr>
+          <a:xfrm>
+            <a:off x="3048871" y="1759761"/>
+            <a:ext cx="6094257" cy="4011647"/>
+          </a:xfrm>
+          <a:prstGeom prst="rect">
+            <a:avLst/>
+          </a:prstGeom>
+          <a:solidFill>
+            <a:schemeClr val="bg1"/>
+          </a:solidFill>
+          <a:ln>
+            <a:solidFill>
+              <a:schemeClr val="tx1"/>
+            </a:solidFill>
+          </a:ln>
+        </p:spPr>
+        <p:style>
+          <a:lnRef idx="2">
+            <a:schemeClr val="accent1">
+              <a:shade val="50000"/>
+            </a:schemeClr>
+          </a:lnRef>
+          <a:fillRef idx="1">
+            <a:schemeClr val="accent1"/>
+          </a:fillRef>
+          <a:effectRef idx="0">
+            <a:schemeClr val="accent1"/>
+          </a:effectRef>
+          <a:fontRef idx="minor">
+            <a:schemeClr val="lt1"/>
+          </a:fontRef>
+        </p:style>
+        <p:txBody>
+          <a:bodyPr rtlCol="0" anchor="ctr"/>
+          <a:lstStyle/>
+          <a:p>
+            <a:pPr algn="ctr"/>
+            <a:endParaRPr lang="fr-FR"/>
+          </a:p>
+        </p:txBody>
+      </p:sp>
+      <p:graphicFrame>
+        <p:nvGraphicFramePr>
+          <p:cNvPr id="12" name="PieChart">
+            <a:extLst>
+              <a:ext uri="{FF2B5EF4-FFF2-40B4-BE49-F238E27FC236}">
+                <a16:creationId xmlns:a16="http://schemas.microsoft.com/office/drawing/2014/main" id="{AA8303F3-D17C-47B5-8A08-1756D0B8B9C7}"/>
+              </a:ext>
+            </a:extLst>
+          </p:cNvPr>
+          <p:cNvGraphicFramePr/>
+          <p:nvPr>
+            <p:custDataLst>
+              <p:custData r:id="rId1"/>
+            </p:custDataLst>
+            <p:extLst>
+              <p:ext uri="{D42A27DB-BD31-4B8C-83A1-F6EECF244321}">
+                <p14:modId xmlns:p14="http://schemas.microsoft.com/office/powerpoint/2010/main" val="1231815599"/>
+              </p:ext>
+            </p:extLst>
+          </p:nvPr>
+        </p:nvGraphicFramePr>
+        <p:xfrm>
+          <a:off x="6724969" y="2663824"/>
+          <a:ext cx="2253777" cy="2238682"/>
+        </p:xfrm>
+        <a:graphic>
+          <a:graphicData uri="http://schemas.openxmlformats.org/drawingml/2006/chart">
+            <c:chart xmlns:c="http://schemas.openxmlformats.org/drawingml/2006/chart" xmlns:r="http://schemas.openxmlformats.org/officeDocument/2006/relationships" r:id="rId5"/>
+          </a:graphicData>
+        </a:graphic>
+      </p:graphicFrame>
+      <p:sp>
+        <p:nvSpPr>
+          <p:cNvPr id="13" name="Content">
+            <a:extLst>
+              <a:ext uri="{FF2B5EF4-FFF2-40B4-BE49-F238E27FC236}">
+                <a16:creationId xmlns:a16="http://schemas.microsoft.com/office/drawing/2014/main" id="{FEC7A20C-704A-425C-B5E3-D36EDCEFE36B}"/>
+              </a:ext>
+            </a:extLst>
+          </p:cNvPr>
+          <p:cNvSpPr txBox="1"/>
+          <p:nvPr>
+            <p:custDataLst>
+              <p:custData r:id="rId2"/>
+            </p:custDataLst>
+          </p:nvPr>
+        </p:nvSpPr>
+        <p:spPr>
+          <a:xfrm>
+            <a:off x="4260359" y="2034822"/>
+            <a:ext cx="3671279" cy="353943"/>
+          </a:xfrm>
+          <a:prstGeom prst="rect">
+            <a:avLst/>
+          </a:prstGeom>
+          <a:noFill/>
+        </p:spPr>
+        <p:txBody>
+          <a:bodyPr wrap="square" lIns="91440" tIns="18288" rIns="91440" bIns="27432" rtlCol="0" anchor="ctr" anchorCtr="0">
+            <a:spAutoFit/>
+          </a:bodyPr>
+          <a:lstStyle/>
+          <a:p>
+            <a:pPr algn="ctr"/>
+            <a:r>
+              <a:rPr lang="en-US" sz="2000" b="1" u="sng" dirty="0" err="1">
+                <a:solidFill>
+                  <a:srgbClr val="000000"/>
+                </a:solidFill>
+                <a:latin typeface="Segoe UI" pitchFamily="34" charset="0"/>
+                <a:ea typeface="Segoe UI" pitchFamily="34" charset="0"/>
+                <a:cs typeface="Segoe UI" pitchFamily="34" charset="0"/>
+              </a:rPr>
+              <a:t>Resultat</a:t>
+            </a:r>
+            <a:r>
+              <a:rPr lang="en-US" sz="2000" b="1" u="sng" dirty="0">
+                <a:solidFill>
+                  <a:srgbClr val="000000"/>
+                </a:solidFill>
+                <a:latin typeface="Segoe UI" pitchFamily="34" charset="0"/>
+                <a:ea typeface="Segoe UI" pitchFamily="34" charset="0"/>
+                <a:cs typeface="Segoe UI" pitchFamily="34" charset="0"/>
+              </a:rPr>
+              <a:t> du </a:t>
+            </a:r>
+            <a:r>
+              <a:rPr lang="en-US" sz="2000" b="1" u="sng" dirty="0" err="1">
+                <a:solidFill>
+                  <a:srgbClr val="000000"/>
+                </a:solidFill>
+                <a:latin typeface="Segoe UI" pitchFamily="34" charset="0"/>
+                <a:ea typeface="Segoe UI" pitchFamily="34" charset="0"/>
+                <a:cs typeface="Segoe UI" pitchFamily="34" charset="0"/>
+              </a:rPr>
+              <a:t>sondage</a:t>
+            </a:r>
+            <a:endParaRPr lang="en-US" sz="2000" b="1" u="sng" dirty="0">
+              <a:solidFill>
+                <a:srgbClr val="000000"/>
+              </a:solidFill>
+              <a:latin typeface="Segoe UI" pitchFamily="34" charset="0"/>
+              <a:ea typeface="Segoe UI" pitchFamily="34" charset="0"/>
+              <a:cs typeface="Segoe UI" pitchFamily="34" charset="0"/>
+            </a:endParaRPr>
+          </a:p>
+        </p:txBody>
+      </p:sp>
+      <p:graphicFrame>
+        <p:nvGraphicFramePr>
+          <p:cNvPr id="14" name="HorizontalBarChart">
+            <a:extLst>
+              <a:ext uri="{FF2B5EF4-FFF2-40B4-BE49-F238E27FC236}">
+                <a16:creationId xmlns:a16="http://schemas.microsoft.com/office/drawing/2014/main" id="{6AB4A354-AAAC-4E3D-9305-EB79E8AA1922}"/>
+              </a:ext>
+            </a:extLst>
+          </p:cNvPr>
+          <p:cNvGraphicFramePr/>
+          <p:nvPr>
+            <p:custDataLst>
+              <p:custData r:id="rId3"/>
+            </p:custDataLst>
+            <p:extLst>
+              <p:ext uri="{D42A27DB-BD31-4B8C-83A1-F6EECF244321}">
+                <p14:modId xmlns:p14="http://schemas.microsoft.com/office/powerpoint/2010/main" val="915653806"/>
+              </p:ext>
+            </p:extLst>
+          </p:nvPr>
+        </p:nvGraphicFramePr>
+        <p:xfrm>
+          <a:off x="3200399" y="2414621"/>
+          <a:ext cx="3354637" cy="2701925"/>
+        </p:xfrm>
+        <a:graphic>
+          <a:graphicData uri="http://schemas.openxmlformats.org/drawingml/2006/chart">
+            <c:chart xmlns:c="http://schemas.openxmlformats.org/drawingml/2006/chart" xmlns:r="http://schemas.openxmlformats.org/officeDocument/2006/relationships" r:id="rId6"/>
+          </a:graphicData>
+        </a:graphic>
+      </p:graphicFrame>
+    </p:spTree>
+    <p:extLst>
+      <p:ext uri="{BB962C8B-B14F-4D97-AF65-F5344CB8AC3E}">
+        <p14:creationId xmlns:p14="http://schemas.microsoft.com/office/powerpoint/2010/main" val="2745914701"/>
+      </p:ext>
+    </p:extLst>
+  </p:cSld>
+  <p:clrMapOvr>
+    <a:masterClrMapping/>
+  </p:clrMapOvr>
+  <mc:AlternateContent xmlns:mc="http://schemas.openxmlformats.org/markup-compatibility/2006" xmlns:p14="http://schemas.microsoft.com/office/powerpoint/2010/main">
+    <mc:Choice Requires="p14">
+      <p:transition spd="slow" p14:dur="2000" advClick="0"/>
+    </mc:Choice>
+    <mc:Fallback xmlns="">
+      <p:transition spd="slow" advClick="0"/>
+    </mc:Fallback>
+  </mc:AlternateContent>
+</p:sld>
+</file>
+
+<file path=ppt/slides/slide21.xml><?xml version="1.0" encoding="utf-8"?>
+<p:sld xmlns:a="http://schemas.openxmlformats.org/drawingml/2006/main" xmlns:r="http://schemas.openxmlformats.org/officeDocument/2006/relationships" xmlns:p="http://schemas.openxmlformats.org/presentationml/2006/main">
+  <p:cSld>
+    <p:spTree>
+      <p:nvGrpSpPr>
+        <p:cNvPr id="1" name=""/>
+        <p:cNvGrpSpPr/>
+        <p:nvPr/>
+      </p:nvGrpSpPr>
+      <p:grpSpPr>
+        <a:xfrm>
+          <a:off x="0" y="0"/>
+          <a:ext cx="0" cy="0"/>
+          <a:chOff x="0" y="0"/>
+          <a:chExt cx="0" cy="0"/>
+        </a:xfrm>
+      </p:grpSpPr>
+      <p:sp>
+        <p:nvSpPr>
           <p:cNvPr id="2" name="Titre 1">
             <a:extLst>
               <a:ext uri="{FF2B5EF4-FFF2-40B4-BE49-F238E27FC236}">
@@ -16707,7 +18523,7 @@
 </p:sld>
 </file>
 
-<file path=ppt/slides/slide21.xml><?xml version="1.0" encoding="utf-8"?>
+<file path=ppt/slides/slide22.xml><?xml version="1.0" encoding="utf-8"?>
 <p:sld xmlns:a="http://schemas.openxmlformats.org/drawingml/2006/main" xmlns:r="http://schemas.openxmlformats.org/officeDocument/2006/relationships" xmlns:p="http://schemas.openxmlformats.org/presentationml/2006/main">
   <p:cSld>
     <p:spTree>
@@ -16724,6 +18540,50 @@
           <a:chExt cx="0" cy="0"/>
         </a:xfrm>
       </p:grpSpPr>
+      <p:sp>
+        <p:nvSpPr>
+          <p:cNvPr id="7" name="Rectangle 6">
+            <a:extLst>
+              <a:ext uri="{FF2B5EF4-FFF2-40B4-BE49-F238E27FC236}">
+                <a16:creationId xmlns:a16="http://schemas.microsoft.com/office/drawing/2014/main" id="{1055AD01-8C9F-40E7-A101-FC2A5BC657F5}"/>
+              </a:ext>
+            </a:extLst>
+          </p:cNvPr>
+          <p:cNvSpPr/>
+          <p:nvPr/>
+        </p:nvSpPr>
+        <p:spPr>
+          <a:xfrm>
+            <a:off x="3575304" y="1997964"/>
+            <a:ext cx="5176810" cy="3096550"/>
+          </a:xfrm>
+          <a:prstGeom prst="rect">
+            <a:avLst/>
+          </a:prstGeom>
+        </p:spPr>
+        <p:style>
+          <a:lnRef idx="2">
+            <a:schemeClr val="dk1"/>
+          </a:lnRef>
+          <a:fillRef idx="1">
+            <a:schemeClr val="lt1"/>
+          </a:fillRef>
+          <a:effectRef idx="0">
+            <a:schemeClr val="dk1"/>
+          </a:effectRef>
+          <a:fontRef idx="minor">
+            <a:schemeClr val="dk1"/>
+          </a:fontRef>
+        </p:style>
+        <p:txBody>
+          <a:bodyPr rtlCol="0" anchor="ctr"/>
+          <a:lstStyle/>
+          <a:p>
+            <a:pPr algn="ctr"/>
+            <a:endParaRPr lang="fr-FR"/>
+          </a:p>
+        </p:txBody>
+      </p:sp>
       <p:sp>
         <p:nvSpPr>
           <p:cNvPr id="2" name="Titre 1">
@@ -16778,8 +18638,8 @@
         </p:nvSpPr>
         <p:spPr>
           <a:xfrm>
-            <a:off x="3115396" y="2289530"/>
-            <a:ext cx="5961207" cy="323165"/>
+            <a:off x="3238048" y="2285968"/>
+            <a:ext cx="5851321" cy="292388"/>
           </a:xfrm>
           <a:prstGeom prst="rect">
             <a:avLst/>
@@ -16792,8 +18652,9 @@
           </a:bodyPr>
           <a:lstStyle/>
           <a:p>
+            <a:pPr algn="ctr"/>
             <a:r>
-              <a:rPr lang="en-US" b="1" u="sng" dirty="0" err="1">
+              <a:rPr lang="en-US" sz="1600" b="1" dirty="0" err="1">
                 <a:solidFill>
                   <a:srgbClr val="000000"/>
                 </a:solidFill>
@@ -16804,7 +18665,7 @@
               <a:t>Etes</a:t>
             </a:r>
             <a:r>
-              <a:rPr lang="en-US" b="1" u="sng" dirty="0">
+              <a:rPr lang="en-US" sz="1600" b="1" dirty="0">
                 <a:solidFill>
                   <a:srgbClr val="000000"/>
                 </a:solidFill>
@@ -16815,7 +18676,7 @@
               <a:t> </a:t>
             </a:r>
             <a:r>
-              <a:rPr lang="en-US" b="1" u="sng" dirty="0" err="1">
+              <a:rPr lang="en-US" sz="1600" b="1" dirty="0" err="1">
                 <a:solidFill>
                   <a:srgbClr val="000000"/>
                 </a:solidFill>
@@ -16826,7 +18687,7 @@
               <a:t>vous</a:t>
             </a:r>
             <a:r>
-              <a:rPr lang="en-US" b="1" u="sng" dirty="0">
+              <a:rPr lang="en-US" sz="1600" b="1" dirty="0">
                 <a:solidFill>
                   <a:srgbClr val="000000"/>
                 </a:solidFill>
@@ -16834,10 +18695,32 @@
                 <a:ea typeface="Segoe UI" pitchFamily="34" charset="0"/>
                 <a:cs typeface="Segoe UI" pitchFamily="34" charset="0"/>
               </a:rPr>
-              <a:t> sure de </a:t>
+              <a:t> </a:t>
             </a:r>
             <a:r>
-              <a:rPr lang="en-US" b="1" u="sng" dirty="0" err="1">
+              <a:rPr lang="en-US" sz="1600" b="1" dirty="0" err="1">
+                <a:solidFill>
+                  <a:srgbClr val="000000"/>
+                </a:solidFill>
+                <a:latin typeface="Segoe UI" pitchFamily="34" charset="0"/>
+                <a:ea typeface="Segoe UI" pitchFamily="34" charset="0"/>
+                <a:cs typeface="Segoe UI" pitchFamily="34" charset="0"/>
+              </a:rPr>
+              <a:t>sûr</a:t>
+            </a:r>
+            <a:r>
+              <a:rPr lang="en-US" sz="1600" b="1" dirty="0">
+                <a:solidFill>
+                  <a:srgbClr val="000000"/>
+                </a:solidFill>
+                <a:latin typeface="Segoe UI" pitchFamily="34" charset="0"/>
+                <a:ea typeface="Segoe UI" pitchFamily="34" charset="0"/>
+                <a:cs typeface="Segoe UI" pitchFamily="34" charset="0"/>
+              </a:rPr>
+              <a:t> de </a:t>
+            </a:r>
+            <a:r>
+              <a:rPr lang="en-US" sz="1600" b="1" dirty="0" err="1">
                 <a:solidFill>
                   <a:srgbClr val="000000"/>
                 </a:solidFill>
@@ -16848,7 +18731,7 @@
               <a:t>vouloir</a:t>
             </a:r>
             <a:r>
-              <a:rPr lang="en-US" b="1" u="sng" dirty="0">
+              <a:rPr lang="en-US" sz="1600" b="1" dirty="0">
                 <a:solidFill>
                   <a:srgbClr val="000000"/>
                 </a:solidFill>
@@ -16859,7 +18742,7 @@
               <a:t> </a:t>
             </a:r>
             <a:r>
-              <a:rPr lang="en-US" b="1" u="sng" dirty="0" err="1">
+              <a:rPr lang="en-US" sz="1600" b="1" dirty="0" err="1">
                 <a:solidFill>
                   <a:srgbClr val="000000"/>
                 </a:solidFill>
@@ -16870,7 +18753,7 @@
               <a:t>supprimer</a:t>
             </a:r>
             <a:r>
-              <a:rPr lang="en-US" b="1" u="sng" dirty="0">
+              <a:rPr lang="en-US" sz="1600" b="1" dirty="0">
                 <a:solidFill>
                   <a:srgbClr val="000000"/>
                 </a:solidFill>
@@ -16881,7 +18764,7 @@
               <a:t> </a:t>
             </a:r>
             <a:r>
-              <a:rPr lang="en-US" b="1" u="sng" dirty="0" err="1">
+              <a:rPr lang="en-US" sz="1600" b="1" dirty="0" err="1">
                 <a:solidFill>
                   <a:srgbClr val="000000"/>
                 </a:solidFill>
@@ -16892,7 +18775,7 @@
               <a:t>votre</a:t>
             </a:r>
             <a:r>
-              <a:rPr lang="en-US" b="1" u="sng" dirty="0">
+              <a:rPr lang="en-US" sz="1600" b="1" dirty="0">
                 <a:solidFill>
                   <a:srgbClr val="000000"/>
                 </a:solidFill>
@@ -16903,7 +18786,7 @@
               <a:t> </a:t>
             </a:r>
             <a:r>
-              <a:rPr lang="en-US" b="1" u="sng" dirty="0" err="1">
+              <a:rPr lang="en-US" sz="1600" b="1" dirty="0" err="1">
                 <a:solidFill>
                   <a:srgbClr val="000000"/>
                 </a:solidFill>
@@ -16914,7 +18797,7 @@
               <a:t>sondage</a:t>
             </a:r>
             <a:r>
-              <a:rPr lang="en-US" b="1" u="sng" dirty="0">
+              <a:rPr lang="en-US" sz="1600" b="1" dirty="0">
                 <a:solidFill>
                   <a:srgbClr val="000000"/>
                 </a:solidFill>
@@ -16947,7 +18830,7 @@
         <p:spPr>
           <a:xfrm>
             <a:off x="4697400" y="3802063"/>
-            <a:ext cx="1106592" cy="228600"/>
+            <a:ext cx="1106591" cy="292388"/>
           </a:xfrm>
           <a:prstGeom prst="roundRect">
             <a:avLst/>
@@ -17021,7 +18904,7 @@
         <p:spPr>
           <a:xfrm>
             <a:off x="6388010" y="3802063"/>
-            <a:ext cx="1106592" cy="228600"/>
+            <a:ext cx="1106591" cy="292388"/>
           </a:xfrm>
           <a:prstGeom prst="roundRect">
             <a:avLst/>
@@ -17096,395 +18979,6 @@
 </p:sld>
 </file>
 
-<file path=ppt/slides/slide22.xml><?xml version="1.0" encoding="utf-8"?>
-<p:sld xmlns:a="http://schemas.openxmlformats.org/drawingml/2006/main" xmlns:r="http://schemas.openxmlformats.org/officeDocument/2006/relationships" xmlns:p="http://schemas.openxmlformats.org/presentationml/2006/main">
-  <p:cSld>
-    <p:spTree>
-      <p:nvGrpSpPr>
-        <p:cNvPr id="1" name=""/>
-        <p:cNvGrpSpPr/>
-        <p:nvPr/>
-      </p:nvGrpSpPr>
-      <p:grpSpPr>
-        <a:xfrm>
-          <a:off x="0" y="0"/>
-          <a:ext cx="0" cy="0"/>
-          <a:chOff x="0" y="0"/>
-          <a:chExt cx="0" cy="0"/>
-        </a:xfrm>
-      </p:grpSpPr>
-      <p:sp>
-        <p:nvSpPr>
-          <p:cNvPr id="2" name="Titre 1">
-            <a:extLst>
-              <a:ext uri="{FF2B5EF4-FFF2-40B4-BE49-F238E27FC236}">
-                <a16:creationId xmlns:a16="http://schemas.microsoft.com/office/drawing/2014/main" id="{29760A6F-49BC-4A4F-AE56-A59D6D5396B8}"/>
-              </a:ext>
-            </a:extLst>
-          </p:cNvPr>
-          <p:cNvSpPr>
-            <a:spLocks noGrp="1"/>
-          </p:cNvSpPr>
-          <p:nvPr>
-            <p:ph type="title" idx="4294967295"/>
-          </p:nvPr>
-        </p:nvSpPr>
-        <p:spPr>
-          <a:xfrm>
-            <a:off x="0" y="-1091715"/>
-            <a:ext cx="10501393" cy="642265"/>
-          </a:xfrm>
-          <a:prstGeom prst="rect">
-            <a:avLst/>
-          </a:prstGeom>
-        </p:spPr>
-        <p:txBody>
-          <a:bodyPr/>
-          <a:lstStyle/>
-          <a:p>
-            <a:r>
-              <a:rPr lang="fr-FR" dirty="0"/>
-              <a:t>Validation de la suppression choix unique</a:t>
-            </a:r>
-          </a:p>
-        </p:txBody>
-      </p:sp>
-      <p:sp>
-        <p:nvSpPr>
-          <p:cNvPr id="3" name="Content">
-            <a:extLst>
-              <a:ext uri="{FF2B5EF4-FFF2-40B4-BE49-F238E27FC236}">
-                <a16:creationId xmlns:a16="http://schemas.microsoft.com/office/drawing/2014/main" id="{FD2E3C13-40C1-4842-B049-F862BC73881B}"/>
-              </a:ext>
-            </a:extLst>
-          </p:cNvPr>
-          <p:cNvSpPr txBox="1"/>
-          <p:nvPr>
-            <p:custDataLst>
-              <p:custData r:id="rId1"/>
-            </p:custDataLst>
-          </p:nvPr>
-        </p:nvSpPr>
-        <p:spPr>
-          <a:xfrm>
-            <a:off x="3115396" y="2259835"/>
-            <a:ext cx="5961207" cy="323165"/>
-          </a:xfrm>
-          <a:prstGeom prst="rect">
-            <a:avLst/>
-          </a:prstGeom>
-          <a:noFill/>
-        </p:spPr>
-        <p:txBody>
-          <a:bodyPr wrap="square" lIns="91440" tIns="18288" rIns="91440" bIns="27432" rtlCol="0" anchor="ctr" anchorCtr="0">
-            <a:spAutoFit/>
-          </a:bodyPr>
-          <a:lstStyle/>
-          <a:p>
-            <a:r>
-              <a:rPr lang="en-US" b="1" u="sng" dirty="0" err="1">
-                <a:solidFill>
-                  <a:srgbClr val="000000"/>
-                </a:solidFill>
-                <a:latin typeface="Segoe UI" pitchFamily="34" charset="0"/>
-                <a:ea typeface="Segoe UI" pitchFamily="34" charset="0"/>
-                <a:cs typeface="Segoe UI" pitchFamily="34" charset="0"/>
-              </a:rPr>
-              <a:t>Etes</a:t>
-            </a:r>
-            <a:r>
-              <a:rPr lang="en-US" b="1" u="sng" dirty="0">
-                <a:solidFill>
-                  <a:srgbClr val="000000"/>
-                </a:solidFill>
-                <a:latin typeface="Segoe UI" pitchFamily="34" charset="0"/>
-                <a:ea typeface="Segoe UI" pitchFamily="34" charset="0"/>
-                <a:cs typeface="Segoe UI" pitchFamily="34" charset="0"/>
-              </a:rPr>
-              <a:t> </a:t>
-            </a:r>
-            <a:r>
-              <a:rPr lang="en-US" b="1" u="sng" dirty="0" err="1">
-                <a:solidFill>
-                  <a:srgbClr val="000000"/>
-                </a:solidFill>
-                <a:latin typeface="Segoe UI" pitchFamily="34" charset="0"/>
-                <a:ea typeface="Segoe UI" pitchFamily="34" charset="0"/>
-                <a:cs typeface="Segoe UI" pitchFamily="34" charset="0"/>
-              </a:rPr>
-              <a:t>vous</a:t>
-            </a:r>
-            <a:r>
-              <a:rPr lang="en-US" b="1" u="sng" dirty="0">
-                <a:solidFill>
-                  <a:srgbClr val="000000"/>
-                </a:solidFill>
-                <a:latin typeface="Segoe UI" pitchFamily="34" charset="0"/>
-                <a:ea typeface="Segoe UI" pitchFamily="34" charset="0"/>
-                <a:cs typeface="Segoe UI" pitchFamily="34" charset="0"/>
-              </a:rPr>
-              <a:t> sure de </a:t>
-            </a:r>
-            <a:r>
-              <a:rPr lang="en-US" b="1" u="sng" dirty="0" err="1">
-                <a:solidFill>
-                  <a:srgbClr val="000000"/>
-                </a:solidFill>
-                <a:latin typeface="Segoe UI" pitchFamily="34" charset="0"/>
-                <a:ea typeface="Segoe UI" pitchFamily="34" charset="0"/>
-                <a:cs typeface="Segoe UI" pitchFamily="34" charset="0"/>
-              </a:rPr>
-              <a:t>vouloir</a:t>
-            </a:r>
-            <a:r>
-              <a:rPr lang="en-US" b="1" u="sng" dirty="0">
-                <a:solidFill>
-                  <a:srgbClr val="000000"/>
-                </a:solidFill>
-                <a:latin typeface="Segoe UI" pitchFamily="34" charset="0"/>
-                <a:ea typeface="Segoe UI" pitchFamily="34" charset="0"/>
-                <a:cs typeface="Segoe UI" pitchFamily="34" charset="0"/>
-              </a:rPr>
-              <a:t> </a:t>
-            </a:r>
-            <a:r>
-              <a:rPr lang="en-US" b="1" u="sng" dirty="0" err="1">
-                <a:solidFill>
-                  <a:srgbClr val="000000"/>
-                </a:solidFill>
-                <a:latin typeface="Segoe UI" pitchFamily="34" charset="0"/>
-                <a:ea typeface="Segoe UI" pitchFamily="34" charset="0"/>
-                <a:cs typeface="Segoe UI" pitchFamily="34" charset="0"/>
-              </a:rPr>
-              <a:t>supprimer</a:t>
-            </a:r>
-            <a:r>
-              <a:rPr lang="en-US" b="1" u="sng" dirty="0">
-                <a:solidFill>
-                  <a:srgbClr val="000000"/>
-                </a:solidFill>
-                <a:latin typeface="Segoe UI" pitchFamily="34" charset="0"/>
-                <a:ea typeface="Segoe UI" pitchFamily="34" charset="0"/>
-                <a:cs typeface="Segoe UI" pitchFamily="34" charset="0"/>
-              </a:rPr>
-              <a:t> </a:t>
-            </a:r>
-            <a:r>
-              <a:rPr lang="en-US" b="1" u="sng" dirty="0" err="1">
-                <a:solidFill>
-                  <a:srgbClr val="000000"/>
-                </a:solidFill>
-                <a:latin typeface="Segoe UI" pitchFamily="34" charset="0"/>
-                <a:ea typeface="Segoe UI" pitchFamily="34" charset="0"/>
-                <a:cs typeface="Segoe UI" pitchFamily="34" charset="0"/>
-              </a:rPr>
-              <a:t>votre</a:t>
-            </a:r>
-            <a:r>
-              <a:rPr lang="en-US" b="1" u="sng" dirty="0">
-                <a:solidFill>
-                  <a:srgbClr val="000000"/>
-                </a:solidFill>
-                <a:latin typeface="Segoe UI" pitchFamily="34" charset="0"/>
-                <a:ea typeface="Segoe UI" pitchFamily="34" charset="0"/>
-                <a:cs typeface="Segoe UI" pitchFamily="34" charset="0"/>
-              </a:rPr>
-              <a:t> </a:t>
-            </a:r>
-            <a:r>
-              <a:rPr lang="en-US" b="1" u="sng" dirty="0" err="1">
-                <a:solidFill>
-                  <a:srgbClr val="000000"/>
-                </a:solidFill>
-                <a:latin typeface="Segoe UI" pitchFamily="34" charset="0"/>
-                <a:ea typeface="Segoe UI" pitchFamily="34" charset="0"/>
-                <a:cs typeface="Segoe UI" pitchFamily="34" charset="0"/>
-              </a:rPr>
-              <a:t>sondage</a:t>
-            </a:r>
-            <a:r>
-              <a:rPr lang="en-US" b="1" u="sng" dirty="0">
-                <a:solidFill>
-                  <a:srgbClr val="000000"/>
-                </a:solidFill>
-                <a:latin typeface="Segoe UI" pitchFamily="34" charset="0"/>
-                <a:ea typeface="Segoe UI" pitchFamily="34" charset="0"/>
-                <a:cs typeface="Segoe UI" pitchFamily="34" charset="0"/>
-              </a:rPr>
-              <a:t> ?</a:t>
-            </a:r>
-          </a:p>
-        </p:txBody>
-      </p:sp>
-      <p:sp>
-        <p:nvSpPr>
-          <p:cNvPr id="4" name="Content">
-            <a:hlinkClick r:id="rId5" action="ppaction://hlinksldjump"/>
-            <a:extLst>
-              <a:ext uri="{FF2B5EF4-FFF2-40B4-BE49-F238E27FC236}">
-                <a16:creationId xmlns:a16="http://schemas.microsoft.com/office/drawing/2014/main" id="{2E973EE3-F317-4484-BBF7-1ABF7422657D}"/>
-              </a:ext>
-            </a:extLst>
-          </p:cNvPr>
-          <p:cNvSpPr/>
-          <p:nvPr>
-            <p:custDataLst>
-              <p:custData r:id="rId2"/>
-            </p:custDataLst>
-          </p:nvPr>
-        </p:nvSpPr>
-        <p:spPr>
-          <a:xfrm>
-            <a:off x="4697400" y="3802063"/>
-            <a:ext cx="1106592" cy="228600"/>
-          </a:xfrm>
-          <a:prstGeom prst="roundRect">
-            <a:avLst/>
-          </a:prstGeom>
-          <a:solidFill>
-            <a:srgbClr val="FF0000"/>
-          </a:solidFill>
-          <a:ln w="3175">
-            <a:solidFill>
-              <a:srgbClr val="000000">
-                <a:lumMod val="50000"/>
-                <a:lumOff val="50000"/>
-              </a:srgbClr>
-            </a:solidFill>
-          </a:ln>
-          <a:effectLst/>
-        </p:spPr>
-        <p:style>
-          <a:lnRef idx="2">
-            <a:srgbClr val="4F81BD">
-              <a:shade val="50000"/>
-            </a:srgbClr>
-          </a:lnRef>
-          <a:fillRef idx="1">
-            <a:srgbClr val="4F81BD"/>
-          </a:fillRef>
-          <a:effectRef idx="0">
-            <a:srgbClr val="4F81BD"/>
-          </a:effectRef>
-          <a:fontRef idx="minor">
-            <a:srgbClr val="000000"/>
-          </a:fontRef>
-        </p:style>
-        <p:txBody>
-          <a:bodyPr wrap="square" lIns="91440" tIns="0" rIns="91440" bIns="9144" rtlCol="0" anchor="ctr">
-            <a:noAutofit/>
-          </a:bodyPr>
-          <a:lstStyle/>
-          <a:p>
-            <a:pPr algn="ctr"/>
-            <a:r>
-              <a:rPr lang="en-US" sz="1200" b="1" dirty="0">
-                <a:solidFill>
-                  <a:schemeClr val="tx1"/>
-                </a:solidFill>
-                <a:latin typeface="Segoe UI" pitchFamily="34" charset="0"/>
-                <a:cs typeface="Segoe UI" pitchFamily="34" charset="0"/>
-              </a:rPr>
-              <a:t>OUI</a:t>
-            </a:r>
-          </a:p>
-        </p:txBody>
-      </p:sp>
-      <p:sp>
-        <p:nvSpPr>
-          <p:cNvPr id="5" name="Content">
-            <a:hlinkClick r:id="rId6" action="ppaction://hlinksldjump"/>
-            <a:extLst>
-              <a:ext uri="{FF2B5EF4-FFF2-40B4-BE49-F238E27FC236}">
-                <a16:creationId xmlns:a16="http://schemas.microsoft.com/office/drawing/2014/main" id="{86A472A2-C9FD-4AF4-8C61-B369C56A80B2}"/>
-              </a:ext>
-            </a:extLst>
-          </p:cNvPr>
-          <p:cNvSpPr/>
-          <p:nvPr>
-            <p:custDataLst>
-              <p:custData r:id="rId3"/>
-            </p:custDataLst>
-          </p:nvPr>
-        </p:nvSpPr>
-        <p:spPr>
-          <a:xfrm>
-            <a:off x="6388010" y="3802063"/>
-            <a:ext cx="1106592" cy="228600"/>
-          </a:xfrm>
-          <a:prstGeom prst="roundRect">
-            <a:avLst/>
-          </a:prstGeom>
-          <a:solidFill>
-            <a:srgbClr val="FFFF00"/>
-          </a:solidFill>
-          <a:ln w="3175">
-            <a:solidFill>
-              <a:srgbClr val="000000">
-                <a:lumMod val="50000"/>
-                <a:lumOff val="50000"/>
-              </a:srgbClr>
-            </a:solidFill>
-          </a:ln>
-          <a:effectLst/>
-        </p:spPr>
-        <p:style>
-          <a:lnRef idx="2">
-            <a:srgbClr val="4F81BD">
-              <a:shade val="50000"/>
-            </a:srgbClr>
-          </a:lnRef>
-          <a:fillRef idx="1">
-            <a:srgbClr val="4F81BD"/>
-          </a:fillRef>
-          <a:effectRef idx="0">
-            <a:srgbClr val="4F81BD"/>
-          </a:effectRef>
-          <a:fontRef idx="minor">
-            <a:srgbClr val="000000"/>
-          </a:fontRef>
-        </p:style>
-        <p:txBody>
-          <a:bodyPr wrap="square" lIns="91440" tIns="0" rIns="91440" bIns="9144" rtlCol="0" anchor="ctr">
-            <a:noAutofit/>
-          </a:bodyPr>
-          <a:lstStyle/>
-          <a:p>
-            <a:pPr algn="ctr"/>
-            <a:r>
-              <a:rPr lang="en-US" sz="1200" b="1" dirty="0">
-                <a:highlight>
-                  <a:srgbClr val="FFFF00"/>
-                </a:highlight>
-                <a:latin typeface="Segoe UI" pitchFamily="34" charset="0"/>
-                <a:cs typeface="Segoe UI" pitchFamily="34" charset="0"/>
-              </a:rPr>
-              <a:t>NON</a:t>
-            </a:r>
-          </a:p>
-        </p:txBody>
-      </p:sp>
-    </p:spTree>
-    <p:extLst>
-      <p:ext uri="{BB962C8B-B14F-4D97-AF65-F5344CB8AC3E}">
-        <p14:creationId xmlns:p14="http://schemas.microsoft.com/office/powerpoint/2010/main" val="697549837"/>
-      </p:ext>
-    </p:extLst>
-  </p:cSld>
-  <p:clrMapOvr>
-    <a:masterClrMapping/>
-  </p:clrMapOvr>
-  <mc:AlternateContent xmlns:mc="http://schemas.openxmlformats.org/markup-compatibility/2006" xmlns:p14="http://schemas.microsoft.com/office/powerpoint/2010/main">
-    <mc:Choice Requires="p14">
-      <p:transition spd="slow" p14:dur="2000" advClick="0"/>
-    </mc:Choice>
-    <mc:Fallback xmlns="">
-      <p:transition spd="slow" advClick="0"/>
-    </mc:Fallback>
-  </mc:AlternateContent>
-</p:sld>
-</file>
-
 <file path=ppt/slides/slide23.xml><?xml version="1.0" encoding="utf-8"?>
 <p:sld xmlns:a="http://schemas.openxmlformats.org/drawingml/2006/main" xmlns:r="http://schemas.openxmlformats.org/officeDocument/2006/relationships" xmlns:p="http://schemas.openxmlformats.org/presentationml/2006/main">
   <p:cSld>
@@ -17504,6 +18998,50 @@
       </p:grpSpPr>
       <p:sp>
         <p:nvSpPr>
+          <p:cNvPr id="5" name="Rectangle 4">
+            <a:extLst>
+              <a:ext uri="{FF2B5EF4-FFF2-40B4-BE49-F238E27FC236}">
+                <a16:creationId xmlns:a16="http://schemas.microsoft.com/office/drawing/2014/main" id="{C22B5A2C-4072-4661-A948-65F9E71E47B7}"/>
+              </a:ext>
+            </a:extLst>
+          </p:cNvPr>
+          <p:cNvSpPr/>
+          <p:nvPr/>
+        </p:nvSpPr>
+        <p:spPr>
+          <a:xfrm>
+            <a:off x="3575304" y="1997964"/>
+            <a:ext cx="5176810" cy="3096550"/>
+          </a:xfrm>
+          <a:prstGeom prst="rect">
+            <a:avLst/>
+          </a:prstGeom>
+        </p:spPr>
+        <p:style>
+          <a:lnRef idx="2">
+            <a:schemeClr val="dk1"/>
+          </a:lnRef>
+          <a:fillRef idx="1">
+            <a:schemeClr val="lt1"/>
+          </a:fillRef>
+          <a:effectRef idx="0">
+            <a:schemeClr val="dk1"/>
+          </a:effectRef>
+          <a:fontRef idx="minor">
+            <a:schemeClr val="dk1"/>
+          </a:fontRef>
+        </p:style>
+        <p:txBody>
+          <a:bodyPr rtlCol="0" anchor="ctr"/>
+          <a:lstStyle/>
+          <a:p>
+            <a:pPr algn="ctr"/>
+            <a:endParaRPr lang="fr-FR"/>
+          </a:p>
+        </p:txBody>
+      </p:sp>
+      <p:sp>
+        <p:nvSpPr>
           <p:cNvPr id="2" name="Content">
             <a:extLst>
               <a:ext uri="{FF2B5EF4-FFF2-40B4-BE49-F238E27FC236}">
@@ -17520,7 +19058,7 @@
         </p:nvSpPr>
         <p:spPr>
           <a:xfrm>
-            <a:off x="3161404" y="2381445"/>
+            <a:off x="3926514" y="2324267"/>
             <a:ext cx="4683224" cy="323165"/>
           </a:xfrm>
           <a:prstGeom prst="rect">
@@ -17534,6 +19072,7 @@
           </a:bodyPr>
           <a:lstStyle/>
           <a:p>
+            <a:pPr algn="r"/>
             <a:r>
               <a:rPr lang="en-US" b="1" u="sng" dirty="0" err="1">
                 <a:solidFill>
@@ -23525,7 +25064,7 @@
         <p:sp>
           <p:nvSpPr>
             <p:cNvPr id="27" name="CheckBox">
-              <a:hlinkClick r:id="rId7" action="ppaction://hlinksldjump"/>
+              <a:hlinkClick r:id="rId6" action="ppaction://hlinksldjump"/>
             </p:cNvPr>
             <p:cNvSpPr>
               <a:spLocks/>
@@ -23644,7 +25183,7 @@
         <p:sp>
           <p:nvSpPr>
             <p:cNvPr id="32" name="CheckBox">
-              <a:hlinkClick r:id="rId8" action="ppaction://hlinksldjump"/>
+              <a:hlinkClick r:id="rId7" action="ppaction://hlinksldjump"/>
             </p:cNvPr>
             <p:cNvSpPr>
               <a:spLocks/>
@@ -23763,7 +25302,7 @@
         <p:sp>
           <p:nvSpPr>
             <p:cNvPr id="37" name="CheckBox">
-              <a:hlinkClick r:id="rId9" action="ppaction://hlinksldjump"/>
+              <a:hlinkClick r:id="rId8" action="ppaction://hlinksldjump"/>
             </p:cNvPr>
             <p:cNvSpPr>
               <a:spLocks/>
@@ -23822,95 +25361,6 @@
           </p:txBody>
         </p:sp>
       </p:grpSp>
-      <p:sp>
-        <p:nvSpPr>
-          <p:cNvPr id="16" name="Content">
-            <a:hlinkClick r:id="rId10" action="ppaction://hlinksldjump"/>
-            <a:extLst>
-              <a:ext uri="{FF2B5EF4-FFF2-40B4-BE49-F238E27FC236}">
-                <a16:creationId xmlns:a16="http://schemas.microsoft.com/office/drawing/2014/main" id="{1218BAF7-6A66-45E7-8C06-9DF34EEE32B3}"/>
-              </a:ext>
-            </a:extLst>
-          </p:cNvPr>
-          <p:cNvSpPr/>
-          <p:nvPr>
-            <p:custDataLst>
-              <p:custData r:id="rId5"/>
-            </p:custDataLst>
-          </p:nvPr>
-        </p:nvSpPr>
-        <p:spPr>
-          <a:xfrm>
-            <a:off x="6814868" y="4727840"/>
-            <a:ext cx="1588467" cy="361745"/>
-          </a:xfrm>
-          <a:prstGeom prst="roundRect">
-            <a:avLst/>
-          </a:prstGeom>
-          <a:solidFill>
-            <a:srgbClr val="FF0000"/>
-          </a:solidFill>
-          <a:ln w="3175">
-            <a:solidFill>
-              <a:srgbClr val="000000">
-                <a:lumMod val="50000"/>
-                <a:lumOff val="50000"/>
-              </a:srgbClr>
-            </a:solidFill>
-          </a:ln>
-          <a:effectLst/>
-        </p:spPr>
-        <p:style>
-          <a:lnRef idx="2">
-            <a:srgbClr val="4F81BD">
-              <a:shade val="50000"/>
-            </a:srgbClr>
-          </a:lnRef>
-          <a:fillRef idx="1">
-            <a:srgbClr val="4F81BD"/>
-          </a:fillRef>
-          <a:effectRef idx="0">
-            <a:srgbClr val="4F81BD"/>
-          </a:effectRef>
-          <a:fontRef idx="minor">
-            <a:srgbClr val="000000"/>
-          </a:fontRef>
-        </p:style>
-        <p:txBody>
-          <a:bodyPr wrap="square" lIns="91440" tIns="0" rIns="91440" bIns="9144" rtlCol="0" anchor="ctr">
-            <a:noAutofit/>
-          </a:bodyPr>
-          <a:lstStyle/>
-          <a:p>
-            <a:pPr algn="ctr"/>
-            <a:r>
-              <a:rPr lang="en-US" sz="1400" b="1" dirty="0" err="1">
-                <a:latin typeface="Segoe UI" pitchFamily="34" charset="0"/>
-                <a:cs typeface="Segoe UI" pitchFamily="34" charset="0"/>
-              </a:rPr>
-              <a:t>Valider</a:t>
-            </a:r>
-            <a:r>
-              <a:rPr lang="en-US" sz="1400" b="1" dirty="0">
-                <a:latin typeface="Segoe UI" pitchFamily="34" charset="0"/>
-                <a:cs typeface="Segoe UI" pitchFamily="34" charset="0"/>
-              </a:rPr>
-              <a:t> le </a:t>
-            </a:r>
-            <a:r>
-              <a:rPr lang="en-US" sz="1400" b="1" dirty="0" err="1">
-                <a:latin typeface="Segoe UI" pitchFamily="34" charset="0"/>
-                <a:cs typeface="Segoe UI" pitchFamily="34" charset="0"/>
-              </a:rPr>
-              <a:t>choix</a:t>
-            </a:r>
-            <a:endParaRPr lang="en-US" sz="1400" b="1" dirty="0">
-              <a:latin typeface="Segoe UI" pitchFamily="34" charset="0"/>
-              <a:cs typeface="Segoe UI" pitchFamily="34" charset="0"/>
-            </a:endParaRPr>
-          </a:p>
-        </p:txBody>
-      </p:sp>
     </p:spTree>
     <p:extLst>
       <p:ext uri="{BB962C8B-B14F-4D97-AF65-F5344CB8AC3E}">
@@ -24693,11 +26143,11 @@
       </p:grpSp>
       <p:sp>
         <p:nvSpPr>
-          <p:cNvPr id="18" name="Content">
+          <p:cNvPr id="19" name="Content">
             <a:hlinkClick r:id="rId12" action="ppaction://hlinksldjump"/>
             <a:extLst>
               <a:ext uri="{FF2B5EF4-FFF2-40B4-BE49-F238E27FC236}">
-                <a16:creationId xmlns:a16="http://schemas.microsoft.com/office/drawing/2014/main" id="{571CAC6D-C166-4A9B-B458-F59F35F84F2E}"/>
+                <a16:creationId xmlns:a16="http://schemas.microsoft.com/office/drawing/2014/main" id="{2B39A971-6A84-4129-8EC6-B11B0D98C08A}"/>
               </a:ext>
             </a:extLst>
           </p:cNvPr>
@@ -24710,8 +26160,8 @@
         </p:nvSpPr>
         <p:spPr>
           <a:xfrm>
-            <a:off x="6814868" y="4727840"/>
-            <a:ext cx="1588467" cy="361745"/>
+            <a:off x="4670682" y="5228735"/>
+            <a:ext cx="2850636" cy="427510"/>
           </a:xfrm>
           <a:prstGeom prst="roundRect">
             <a:avLst/>
@@ -24753,27 +26203,16 @@
           <a:p>
             <a:pPr algn="ctr"/>
             <a:r>
-              <a:rPr lang="en-US" sz="1400" b="1" dirty="0" err="1">
+              <a:rPr lang="en-US" sz="1200" b="1" dirty="0">
                 <a:latin typeface="Segoe UI" pitchFamily="34" charset="0"/>
                 <a:cs typeface="Segoe UI" pitchFamily="34" charset="0"/>
               </a:rPr>
-              <a:t>Valider</a:t>
+              <a:t>VALIDER LE SONDAGE</a:t>
             </a:r>
-            <a:r>
-              <a:rPr lang="en-US" sz="1400" b="1" dirty="0">
-                <a:latin typeface="Segoe UI" pitchFamily="34" charset="0"/>
-                <a:cs typeface="Segoe UI" pitchFamily="34" charset="0"/>
-              </a:rPr>
-              <a:t> le </a:t>
-            </a:r>
-            <a:r>
-              <a:rPr lang="en-US" sz="1400" b="1" dirty="0" err="1">
-                <a:latin typeface="Segoe UI" pitchFamily="34" charset="0"/>
-                <a:cs typeface="Segoe UI" pitchFamily="34" charset="0"/>
-              </a:rPr>
-              <a:t>choix</a:t>
-            </a:r>
-            <a:endParaRPr lang="en-US" sz="1400" b="1" dirty="0">
+            <a:endParaRPr lang="en-US" sz="1200" b="1" dirty="0">
+              <a:solidFill>
+                <a:srgbClr val="000000"/>
+              </a:solidFill>
               <a:latin typeface="Segoe UI" pitchFamily="34" charset="0"/>
               <a:cs typeface="Segoe UI" pitchFamily="34" charset="0"/>
             </a:endParaRPr>
@@ -25969,25 +27408,25 @@
 
 <file path=customXml/item1.xml><?xml version="1.0" encoding="utf-8"?>
 <Control xmlns="http://schemas.microsoft.com/VisualStudio/2011/storyboarding/control">
-  <Id Name="System.Storyboarding.Backgrounds.WebBrowser" Revision="1" Stencil="System.Storyboarding.Backgrounds" StencilVersion="0.1"/>
+  <Id Name="System.Storyboarding.Common.SearchBox" Revision="1" Stencil="System.Storyboarding.Common" StencilVersion="0.1"/>
 </Control>
 </file>
 
 <file path=customXml/item10.xml><?xml version="1.0" encoding="utf-8"?>
 <Control xmlns="http://schemas.microsoft.com/VisualStudio/2011/storyboarding/control">
-  <Id Name="System.Storyboarding.Common.TextInput" Revision="1" Stencil="System.Storyboarding.Common" StencilVersion="0.1"/>
+  <Id Name="System.Storyboarding.Common.Button" Revision="1" Stencil="System.Storyboarding.Common" StencilVersion="0.1"/>
 </Control>
 </file>
 
 <file path=customXml/item100.xml><?xml version="1.0" encoding="utf-8"?>
 <Control xmlns="http://schemas.microsoft.com/VisualStudio/2011/storyboarding/control">
-  <Id Name="System.Storyboarding.Common.CheckBoxChecked" Revision="1" Stencil="System.Storyboarding.Common" StencilVersion="0.1"/>
+  <Id Name="System.Storyboarding.Common.Text" Revision="1" Stencil="System.Storyboarding.Common" StencilVersion="0.1"/>
 </Control>
 </file>
 
 <file path=customXml/item101.xml><?xml version="1.0" encoding="utf-8"?>
 <Control xmlns="http://schemas.microsoft.com/VisualStudio/2011/storyboarding/control">
-  <Id Name="System.Storyboarding.Common.Button" Revision="1" Stencil="System.Storyboarding.Common" StencilVersion="0.1"/>
+  <Id Name="System.Storyboarding.Common.TextInput" Revision="1" Stencil="System.Storyboarding.Common" StencilVersion="0.1"/>
 </Control>
 </file>
 
@@ -25999,13 +27438,13 @@
 
 <file path=customXml/item103.xml><?xml version="1.0" encoding="utf-8"?>
 <Control xmlns="http://schemas.microsoft.com/VisualStudio/2011/storyboarding/control">
-  <Id Name="System.Storyboarding.Common.TextInput" Revision="1" Stencil="System.Storyboarding.Common" StencilVersion="0.1"/>
+  <Id Name="System.Storyboarding.Common.CheckBoxChecked" Revision="1" Stencil="System.Storyboarding.Common" StencilVersion="0.1"/>
 </Control>
 </file>
 
 <file path=customXml/item104.xml><?xml version="1.0" encoding="utf-8"?>
 <Control xmlns="http://schemas.microsoft.com/VisualStudio/2011/storyboarding/control">
-  <Id Name="System.Storyboarding.Common.TextArea" Revision="1" Stencil="System.Storyboarding.Common" StencilVersion="0.1"/>
+  <Id Name="System.Storyboarding.Common.CheckBoxChecked" Revision="1" Stencil="System.Storyboarding.Common" StencilVersion="0.1"/>
 </Control>
 </file>
 
@@ -26017,13 +27456,13 @@
 
 <file path=customXml/item106.xml><?xml version="1.0" encoding="utf-8"?>
 <Control xmlns="http://schemas.microsoft.com/VisualStudio/2011/storyboarding/control">
-  <Id Name="System.Storyboarding.Common.TextInput" Revision="1" Stencil="System.Storyboarding.Common" StencilVersion="0.1"/>
+  <Id Name="System.Storyboarding.Common.CheckBoxChecked" Revision="1" Stencil="System.Storyboarding.Common" StencilVersion="0.1"/>
 </Control>
 </file>
 
 <file path=customXml/item107.xml><?xml version="1.0" encoding="utf-8"?>
 <Control xmlns="http://schemas.microsoft.com/VisualStudio/2011/storyboarding/control">
-  <Id Name="System.Storyboarding.Common.SearchBox" Revision="1" Stencil="System.Storyboarding.Common" StencilVersion="0.1"/>
+  <Id Name="System.Storyboarding.Common.CheckBoxChecked" Revision="1" Stencil="System.Storyboarding.Common" StencilVersion="0.1"/>
 </Control>
 </file>
 
@@ -26035,49 +27474,49 @@
 
 <file path=customXml/item109.xml><?xml version="1.0" encoding="utf-8"?>
 <Control xmlns="http://schemas.microsoft.com/VisualStudio/2011/storyboarding/control">
-  <Id Name="System.Storyboarding.Common.CheckBoxUnchecked" Revision="1" Stencil="System.Storyboarding.Common" StencilVersion="0.1"/>
+  <Id Name="System.Storyboarding.Common.CheckBoxChecked" Revision="1" Stencil="System.Storyboarding.Common" StencilVersion="0.1"/>
 </Control>
 </file>
 
 <file path=customXml/item11.xml><?xml version="1.0" encoding="utf-8"?>
+<Control xmlns="http://schemas.microsoft.com/VisualStudio/2011/storyboarding/control">
+  <Id Name="System.Storyboarding.Common.Button" Revision="1" Stencil="System.Storyboarding.Common" StencilVersion="0.1"/>
+</Control>
+</file>
+
+<file path=customXml/item110.xml><?xml version="1.0" encoding="utf-8"?>
+<Control xmlns="http://schemas.microsoft.com/VisualStudio/2011/storyboarding/control">
+  <Id Name="System.Storyboarding.Common.Button" Revision="1" Stencil="System.Storyboarding.Common" StencilVersion="0.1"/>
+</Control>
+</file>
+
+<file path=customXml/item111.xml><?xml version="1.0" encoding="utf-8"?>
+<Control xmlns="http://schemas.microsoft.com/VisualStudio/2011/storyboarding/control">
+  <Id Name="System.Storyboarding.Common.Button" Revision="1" Stencil="System.Storyboarding.Common" StencilVersion="0.1"/>
+</Control>
+</file>
+
+<file path=customXml/item112.xml><?xml version="1.0" encoding="utf-8"?>
 <Control xmlns="http://schemas.microsoft.com/VisualStudio/2011/storyboarding/control">
   <Id Name="System.Storyboarding.Common.TextInput" Revision="1" Stencil="System.Storyboarding.Common" StencilVersion="0.1"/>
 </Control>
 </file>
 
-<file path=customXml/item110.xml><?xml version="1.0" encoding="utf-8"?>
-<Control xmlns="http://schemas.microsoft.com/VisualStudio/2011/storyboarding/control">
-  <Id Name="System.Storyboarding.Common.ScrollbarVertical" Revision="1" Stencil="System.Storyboarding.Common" StencilVersion="0.1"/>
-</Control>
-</file>
-
-<file path=customXml/item111.xml><?xml version="1.0" encoding="utf-8"?>
+<file path=customXml/item113.xml><?xml version="1.0" encoding="utf-8"?>
 <Control xmlns="http://schemas.microsoft.com/VisualStudio/2011/storyboarding/control">
   <Id Name="System.Storyboarding.Common.TextInput" Revision="1" Stencil="System.Storyboarding.Common" StencilVersion="0.1"/>
 </Control>
 </file>
 
-<file path=customXml/item112.xml><?xml version="1.0" encoding="utf-8"?>
-<Control xmlns="http://schemas.microsoft.com/VisualStudio/2011/storyboarding/control">
-  <Id Name="System.Storyboarding.Annotation.StickyNote" Revision="1" Stencil="System.Storyboarding.Annotation" StencilVersion="0.1"/>
-</Control>
-</file>
-
-<file path=customXml/item113.xml><?xml version="1.0" encoding="utf-8"?>
-<Control xmlns="http://schemas.microsoft.com/VisualStudio/2011/storyboarding/control">
-  <Id Name="System.Storyboarding.Common.CheckBoxChecked" Revision="1" Stencil="System.Storyboarding.Common" StencilVersion="0.1"/>
-</Control>
-</file>
-
 <file path=customXml/item114.xml><?xml version="1.0" encoding="utf-8"?>
 <Control xmlns="http://schemas.microsoft.com/VisualStudio/2011/storyboarding/control">
-  <Id Name="System.Storyboarding.Annotation.StickyNote" Revision="1" Stencil="System.Storyboarding.Annotation" StencilVersion="0.1"/>
+  <Id Name="System.Storyboarding.Common.TextInput" Revision="1" Stencil="System.Storyboarding.Common" StencilVersion="0.1"/>
 </Control>
 </file>
 
 <file path=customXml/item115.xml><?xml version="1.0" encoding="utf-8"?>
 <Control xmlns="http://schemas.microsoft.com/VisualStudio/2011/storyboarding/control">
-  <Id Name="System.Storyboarding.Common.CheckBoxChecked" Revision="1" Stencil="System.Storyboarding.Common" StencilVersion="0.1"/>
+  <Id Name="System.Storyboarding.Common.TextInput" Revision="1" Stencil="System.Storyboarding.Common" StencilVersion="0.1"/>
 </Control>
 </file>
 
@@ -26095,7 +27534,7 @@
 
 <file path=customXml/item118.xml><?xml version="1.0" encoding="utf-8"?>
 <Control xmlns="http://schemas.microsoft.com/VisualStudio/2011/storyboarding/control">
-  <Id Name="System.Storyboarding.Common.CheckBoxChecked" Revision="1" Stencil="System.Storyboarding.Common" StencilVersion="0.1"/>
+  <Id Name="System.Storyboarding.Annotation.StickyNote" Revision="1" Stencil="System.Storyboarding.Annotation" StencilVersion="0.1"/>
 </Control>
 </file>
 
@@ -26107,13 +27546,13 @@
 
 <file path=customXml/item12.xml><?xml version="1.0" encoding="utf-8"?>
 <Control xmlns="http://schemas.microsoft.com/VisualStudio/2011/storyboarding/control">
-  <Id Name="System.Storyboarding.Annotation.StickyNote" Revision="1" Stencil="System.Storyboarding.Annotation" StencilVersion="0.1"/>
+  <Id Name="System.Storyboarding.Common.Text" Revision="1" Stencil="System.Storyboarding.Common" StencilVersion="0.1"/>
 </Control>
 </file>
 
 <file path=customXml/item120.xml><?xml version="1.0" encoding="utf-8"?>
 <Control xmlns="http://schemas.microsoft.com/VisualStudio/2011/storyboarding/control">
-  <Id Name="System.Storyboarding.Annotation.StickyNote" Revision="1" Stencil="System.Storyboarding.Annotation" StencilVersion="0.1"/>
+  <Id Name="System.Storyboarding.Common.Button" Revision="1" Stencil="System.Storyboarding.Common" StencilVersion="0.1"/>
 </Control>
 </file>
 
@@ -26131,19 +27570,19 @@
 
 <file path=customXml/item123.xml><?xml version="1.0" encoding="utf-8"?>
 <Control xmlns="http://schemas.microsoft.com/VisualStudio/2011/storyboarding/control">
-  <Id Name="System.Storyboarding.Common.CheckBoxUnchecked" Revision="1" Stencil="System.Storyboarding.Common" StencilVersion="0.1"/>
+  <Id Name="System.Storyboarding.Common.TextInput" Revision="1" Stencil="System.Storyboarding.Common" StencilVersion="0.1"/>
 </Control>
 </file>
 
 <file path=customXml/item124.xml><?xml version="1.0" encoding="utf-8"?>
 <Control xmlns="http://schemas.microsoft.com/VisualStudio/2011/storyboarding/control">
-  <Id Name="System.Storyboarding.Common.Hyperlink" Revision="1" Stencil="System.Storyboarding.Common" StencilVersion="0.1"/>
+  <Id Name="System.Storyboarding.Common.CheckBoxChecked" Revision="1" Stencil="System.Storyboarding.Common" StencilVersion="0.1"/>
 </Control>
 </file>
 
 <file path=customXml/item125.xml><?xml version="1.0" encoding="utf-8"?>
 <Control xmlns="http://schemas.microsoft.com/VisualStudio/2011/storyboarding/control">
-  <Id Name="System.Storyboarding.Common.Button" Revision="1" Stencil="System.Storyboarding.Common" StencilVersion="0.1"/>
+  <Id Name="System.Storyboarding.Common.CheckBoxUnchecked" Revision="1" Stencil="System.Storyboarding.Common" StencilVersion="0.1"/>
 </Control>
 </file>
 
@@ -26161,25 +27600,25 @@
 
 <file path=customXml/item128.xml><?xml version="1.0" encoding="utf-8"?>
 <Control xmlns="http://schemas.microsoft.com/VisualStudio/2011/storyboarding/control">
-  <Id Name="System.Storyboarding.Common.Button" Revision="1" Stencil="System.Storyboarding.Common" StencilVersion="0.1"/>
+  <Id Name="System.Storyboarding.Common.TextInput" Revision="1" Stencil="System.Storyboarding.Common" StencilVersion="0.1"/>
 </Control>
 </file>
 
 <file path=customXml/item129.xml><?xml version="1.0" encoding="utf-8"?>
 <Control xmlns="http://schemas.microsoft.com/VisualStudio/2011/storyboarding/control">
-  <Id Name="System.Storyboarding.Backgrounds.WebBrowser" Revision="1" Stencil="System.Storyboarding.Backgrounds" StencilVersion="0.1"/>
+  <Id Name="System.Storyboarding.Common.CheckBoxChecked" Revision="1" Stencil="System.Storyboarding.Common" StencilVersion="0.1"/>
 </Control>
 </file>
 
 <file path=customXml/item13.xml><?xml version="1.0" encoding="utf-8"?>
 <Control xmlns="http://schemas.microsoft.com/VisualStudio/2011/storyboarding/control">
-  <Id Name="System.Storyboarding.Common.Button" Revision="1" Stencil="System.Storyboarding.Common" StencilVersion="0.1"/>
+  <Id Name="System.Storyboarding.Common.TextInput" Revision="1" Stencil="System.Storyboarding.Common" StencilVersion="0.1"/>
 </Control>
 </file>
 
 <file path=customXml/item130.xml><?xml version="1.0" encoding="utf-8"?>
 <Control xmlns="http://schemas.microsoft.com/VisualStudio/2011/storyboarding/control">
-  <Id Name="System.Storyboarding.Common.Text" Revision="1" Stencil="System.Storyboarding.Common" StencilVersion="0.1"/>
+  <Id Name="System.Storyboarding.Common.TextInput" Revision="1" Stencil="System.Storyboarding.Common" StencilVersion="0.1"/>
 </Control>
 </file>
 
@@ -26191,7 +27630,7 @@
 
 <file path=customXml/item132.xml><?xml version="1.0" encoding="utf-8"?>
 <Control xmlns="http://schemas.microsoft.com/VisualStudio/2011/storyboarding/control">
-  <Id Name="System.Storyboarding.Common.SearchBox" Revision="1" Stencil="System.Storyboarding.Common" StencilVersion="0.1"/>
+  <Id Name="System.Storyboarding.Media.VerticalBarChart" Revision="1" Stencil="System.Storyboarding.Media" StencilVersion="0.1"/>
 </Control>
 </file>
 
@@ -26203,7 +27642,7 @@
 
 <file path=customXml/item134.xml><?xml version="1.0" encoding="utf-8"?>
 <Control xmlns="http://schemas.microsoft.com/VisualStudio/2011/storyboarding/control">
-  <Id Name="System.Storyboarding.Common.Button" Revision="1" Stencil="System.Storyboarding.Common" StencilVersion="0.1"/>
+  <Id Name="System.Storyboarding.Common.Text" Revision="1" Stencil="System.Storyboarding.Common" StencilVersion="0.1"/>
 </Control>
 </file>
 
@@ -26215,7 +27654,7 @@
 
 <file path=customXml/item136.xml><?xml version="1.0" encoding="utf-8"?>
 <Control xmlns="http://schemas.microsoft.com/VisualStudio/2011/storyboarding/control">
-  <Id Name="System.Storyboarding.Common.CheckBoxChecked" Revision="1" Stencil="System.Storyboarding.Common" StencilVersion="0.1"/>
+  <Id Name="System.Storyboarding.Common.SearchBox" Revision="1" Stencil="System.Storyboarding.Common" StencilVersion="0.1"/>
 </Control>
 </file>
 
@@ -26227,49 +27666,49 @@
 
 <file path=customXml/item138.xml><?xml version="1.0" encoding="utf-8"?>
 <Control xmlns="http://schemas.microsoft.com/VisualStudio/2011/storyboarding/control">
+  <Id Name="System.Storyboarding.Common.CheckBoxChecked" Revision="1" Stencil="System.Storyboarding.Common" StencilVersion="0.1"/>
+</Control>
+</file>
+
+<file path=customXml/item139.xml><?xml version="1.0" encoding="utf-8"?>
+<Control xmlns="http://schemas.microsoft.com/VisualStudio/2011/storyboarding/control">
+  <Id Name="System.Storyboarding.Common.TextInput" Revision="1" Stencil="System.Storyboarding.Common" StencilVersion="0.1"/>
+</Control>
+</file>
+
+<file path=customXml/item14.xml><?xml version="1.0" encoding="utf-8"?>
+<Control xmlns="http://schemas.microsoft.com/VisualStudio/2011/storyboarding/control">
+  <Id Name="System.Storyboarding.Common.SearchBox" Revision="1" Stencil="System.Storyboarding.Common" StencilVersion="0.1"/>
+</Control>
+</file>
+
+<file path=customXml/item140.xml><?xml version="1.0" encoding="utf-8"?>
+<Control xmlns="http://schemas.microsoft.com/VisualStudio/2011/storyboarding/control">
+  <Id Name="System.Storyboarding.Common.TextInput" Revision="1" Stencil="System.Storyboarding.Common" StencilVersion="0.1"/>
+</Control>
+</file>
+
+<file path=customXml/item141.xml><?xml version="1.0" encoding="utf-8"?>
+<Control xmlns="http://schemas.microsoft.com/VisualStudio/2011/storyboarding/control">
+  <Id Name="System.Storyboarding.Common.TextInput" Revision="1" Stencil="System.Storyboarding.Common" StencilVersion="0.1"/>
+</Control>
+</file>
+
+<file path=customXml/item142.xml><?xml version="1.0" encoding="utf-8"?>
+<Control xmlns="http://schemas.microsoft.com/VisualStudio/2011/storyboarding/control">
   <Id Name="System.Storyboarding.Common.ScrollbarVertical" Revision="1" Stencil="System.Storyboarding.Common" StencilVersion="0.1"/>
 </Control>
 </file>
 
-<file path=customXml/item139.xml><?xml version="1.0" encoding="utf-8"?>
-<Control xmlns="http://schemas.microsoft.com/VisualStudio/2011/storyboarding/control">
-  <Id Name="System.Storyboarding.Common.Text" Revision="1" Stencil="System.Storyboarding.Common" StencilVersion="0.1"/>
-</Control>
-</file>
-
-<file path=customXml/item14.xml><?xml version="1.0" encoding="utf-8"?>
-<Control xmlns="http://schemas.microsoft.com/VisualStudio/2011/storyboarding/control">
-  <Id Name="System.Storyboarding.Common.Button" Revision="1" Stencil="System.Storyboarding.Common" StencilVersion="0.1"/>
-</Control>
-</file>
-
-<file path=customXml/item140.xml><?xml version="1.0" encoding="utf-8"?>
-<Control xmlns="http://schemas.microsoft.com/VisualStudio/2011/storyboarding/control">
-  <Id Name="System.Storyboarding.Annotation.StickyNote" Revision="1" Stencil="System.Storyboarding.Annotation" StencilVersion="0.1"/>
-</Control>
-</file>
-
-<file path=customXml/item141.xml><?xml version="1.0" encoding="utf-8"?>
-<Control xmlns="http://schemas.microsoft.com/VisualStudio/2011/storyboarding/control">
-  <Id Name="System.Storyboarding.Common.Button" Revision="1" Stencil="System.Storyboarding.Common" StencilVersion="0.1"/>
-</Control>
-</file>
-
-<file path=customXml/item142.xml><?xml version="1.0" encoding="utf-8"?>
-<Control xmlns="http://schemas.microsoft.com/VisualStudio/2011/storyboarding/control">
-  <Id Name="System.Storyboarding.Common.Button" Revision="1" Stencil="System.Storyboarding.Common" StencilVersion="0.1"/>
-</Control>
-</file>
-
 <file path=customXml/item143.xml><?xml version="1.0" encoding="utf-8"?>
 <Control xmlns="http://schemas.microsoft.com/VisualStudio/2011/storyboarding/control">
-  <Id Name="System.Storyboarding.Annotation.StickyNote" Revision="1" Stencil="System.Storyboarding.Annotation" StencilVersion="0.1"/>
+  <Id Name="System.Storyboarding.Common.TextInput" Revision="1" Stencil="System.Storyboarding.Common" StencilVersion="0.1"/>
 </Control>
 </file>
 
 <file path=customXml/item144.xml><?xml version="1.0" encoding="utf-8"?>
 <Control xmlns="http://schemas.microsoft.com/VisualStudio/2011/storyboarding/control">
-  <Id Name="System.Storyboarding.Common.CheckBoxChecked" Revision="1" Stencil="System.Storyboarding.Common" StencilVersion="0.1"/>
+  <Id Name="System.Storyboarding.Common.TextInput" Revision="1" Stencil="System.Storyboarding.Common" StencilVersion="0.1"/>
 </Control>
 </file>
 
@@ -26281,7 +27720,7 @@
 
 <file path=customXml/item146.xml><?xml version="1.0" encoding="utf-8"?>
 <Control xmlns="http://schemas.microsoft.com/VisualStudio/2011/storyboarding/control">
-  <Id Name="System.Storyboarding.Common.TextInput" Revision="1" Stencil="System.Storyboarding.Common" StencilVersion="0.1"/>
+  <Id Name="System.Storyboarding.Common.CheckBoxChecked" Revision="1" Stencil="System.Storyboarding.Common" StencilVersion="0.1"/>
 </Control>
 </file>
 
@@ -26293,7 +27732,7 @@
 
 <file path=customXml/item148.xml><?xml version="1.0" encoding="utf-8"?>
 <Control xmlns="http://schemas.microsoft.com/VisualStudio/2011/storyboarding/control">
-  <Id Name="System.Storyboarding.Common.TextInput" Revision="1" Stencil="System.Storyboarding.Common" StencilVersion="0.1"/>
+  <Id Name="System.Storyboarding.Common.CheckBoxChecked" Revision="1" Stencil="System.Storyboarding.Common" StencilVersion="0.1"/>
 </Control>
 </file>
 
@@ -26305,7 +27744,7 @@
 
 <file path=customXml/item15.xml><?xml version="1.0" encoding="utf-8"?>
 <Control xmlns="http://schemas.microsoft.com/VisualStudio/2011/storyboarding/control">
-  <Id Name="System.Storyboarding.Common.TextInput" Revision="1" Stencil="System.Storyboarding.Common" StencilVersion="0.1"/>
+  <Id Name="System.Storyboarding.Common.Text" Revision="1" Stencil="System.Storyboarding.Common" StencilVersion="0.1"/>
 </Control>
 </file>
 
@@ -26317,13 +27756,13 @@
 
 <file path=customXml/item151.xml><?xml version="1.0" encoding="utf-8"?>
 <Control xmlns="http://schemas.microsoft.com/VisualStudio/2011/storyboarding/control">
-  <Id Name="System.Storyboarding.Common.CheckBoxChecked" Revision="1" Stencil="System.Storyboarding.Common" StencilVersion="0.1"/>
+  <Id Name="System.Storyboarding.Common.Text" Revision="1" Stencil="System.Storyboarding.Common" StencilVersion="0.1"/>
 </Control>
 </file>
 
 <file path=customXml/item152.xml><?xml version="1.0" encoding="utf-8"?>
 <Control xmlns="http://schemas.microsoft.com/VisualStudio/2011/storyboarding/control">
-  <Id Name="System.Storyboarding.Common.TextInput" Revision="1" Stencil="System.Storyboarding.Common" StencilVersion="0.1"/>
+  <Id Name="System.Storyboarding.Common.Button" Revision="1" Stencil="System.Storyboarding.Common" StencilVersion="0.1"/>
 </Control>
 </file>
 
@@ -26335,13 +27774,13 @@
 
 <file path=customXml/item154.xml><?xml version="1.0" encoding="utf-8"?>
 <Control xmlns="http://schemas.microsoft.com/VisualStudio/2011/storyboarding/control">
-  <Id Name="System.Storyboarding.Common.CheckBoxUnchecked" Revision="1" Stencil="System.Storyboarding.Common" StencilVersion="0.1"/>
+  <Id Name="System.Storyboarding.Annotation.StickyNote" Revision="1" Stencil="System.Storyboarding.Annotation" StencilVersion="0.1"/>
 </Control>
 </file>
 
 <file path=customXml/item155.xml><?xml version="1.0" encoding="utf-8"?>
 <Control xmlns="http://schemas.microsoft.com/VisualStudio/2011/storyboarding/control">
-  <Id Name="System.Storyboarding.Common.CheckBoxChecked" Revision="1" Stencil="System.Storyboarding.Common" StencilVersion="0.1"/>
+  <Id Name="System.Storyboarding.Common.TextInput" Revision="1" Stencil="System.Storyboarding.Common" StencilVersion="0.1"/>
 </Control>
 </file>
 
@@ -26359,37 +27798,37 @@
 
 <file path=customXml/item158.xml><?xml version="1.0" encoding="utf-8"?>
 <Control xmlns="http://schemas.microsoft.com/VisualStudio/2011/storyboarding/control">
-  <Id Name="System.Storyboarding.Common.CheckBoxChecked" Revision="1" Stencil="System.Storyboarding.Common" StencilVersion="0.1"/>
+  <Id Name="System.Storyboarding.Common.Button" Revision="1" Stencil="System.Storyboarding.Common" StencilVersion="0.1"/>
 </Control>
 </file>
 
 <file path=customXml/item159.xml><?xml version="1.0" encoding="utf-8"?>
+<Control xmlns="http://schemas.microsoft.com/VisualStudio/2011/storyboarding/control">
+  <Id Name="System.Storyboarding.Common.CheckBoxUnchecked" Revision="1" Stencil="System.Storyboarding.Common" StencilVersion="0.1"/>
+</Control>
+</file>
+
+<file path=customXml/item16.xml><?xml version="1.0" encoding="utf-8"?>
 <Control xmlns="http://schemas.microsoft.com/VisualStudio/2011/storyboarding/control">
   <Id Name="System.Storyboarding.Common.TextInput" Revision="1" Stencil="System.Storyboarding.Common" StencilVersion="0.1"/>
 </Control>
 </file>
 
-<file path=customXml/item16.xml><?xml version="1.0" encoding="utf-8"?>
-<Control xmlns="http://schemas.microsoft.com/VisualStudio/2011/storyboarding/control">
-  <Id Name="System.Storyboarding.Common.CheckBoxUnchecked" Revision="1" Stencil="System.Storyboarding.Common" StencilVersion="0.1"/>
-</Control>
-</file>
-
 <file path=customXml/item160.xml><?xml version="1.0" encoding="utf-8"?>
 <Control xmlns="http://schemas.microsoft.com/VisualStudio/2011/storyboarding/control">
-  <Id Name="System.Storyboarding.Common.Button" Revision="1" Stencil="System.Storyboarding.Common" StencilVersion="0.1"/>
+  <Id Name="System.Storyboarding.Icons.Warning" Revision="1" Stencil="System.Storyboarding.Icons" StencilVersion="0.1"/>
 </Control>
 </file>
 
 <file path=customXml/item161.xml><?xml version="1.0" encoding="utf-8"?>
 <Control xmlns="http://schemas.microsoft.com/VisualStudio/2011/storyboarding/control">
-  <Id Name="System.Storyboarding.Common.Text" Revision="1" Stencil="System.Storyboarding.Common" StencilVersion="0.1"/>
+  <Id Name="System.Storyboarding.Common.TextInput" Revision="1" Stencil="System.Storyboarding.Common" StencilVersion="0.1"/>
 </Control>
 </file>
 
 <file path=customXml/item162.xml><?xml version="1.0" encoding="utf-8"?>
 <Control xmlns="http://schemas.microsoft.com/VisualStudio/2011/storyboarding/control">
-  <Id Name="System.Storyboarding.Common.SearchBox" Revision="1" Stencil="System.Storyboarding.Common" StencilVersion="0.1"/>
+  <Id Name="System.Storyboarding.Common.TextInput" Revision="1" Stencil="System.Storyboarding.Common" StencilVersion="0.1"/>
 </Control>
 </file>
 
@@ -26401,19 +27840,19 @@
 
 <file path=customXml/item164.xml><?xml version="1.0" encoding="utf-8"?>
 <Control xmlns="http://schemas.microsoft.com/VisualStudio/2011/storyboarding/control">
-  <Id Name="System.Storyboarding.Common.Text" Revision="1" Stencil="System.Storyboarding.Common" StencilVersion="0.1"/>
+  <Id Name="System.Storyboarding.Common.Button" Revision="1" Stencil="System.Storyboarding.Common" StencilVersion="0.1"/>
 </Control>
 </file>
 
 <file path=customXml/item165.xml><?xml version="1.0" encoding="utf-8"?>
 <Control xmlns="http://schemas.microsoft.com/VisualStudio/2011/storyboarding/control">
-  <Id Name="System.Storyboarding.Common.Text" Revision="1" Stencil="System.Storyboarding.Common" StencilVersion="0.1"/>
+  <Id Name="System.Storyboarding.Common.ScrollbarVertical" Revision="1" Stencil="System.Storyboarding.Common" StencilVersion="0.1"/>
 </Control>
 </file>
 
 <file path=customXml/item166.xml><?xml version="1.0" encoding="utf-8"?>
 <Control xmlns="http://schemas.microsoft.com/VisualStudio/2011/storyboarding/control">
-  <Id Name="System.Storyboarding.Common.TextInput" Revision="1" Stencil="System.Storyboarding.Common" StencilVersion="0.1"/>
+  <Id Name="System.Storyboarding.Annotation.StickyNote" Revision="1" Stencil="System.Storyboarding.Annotation" StencilVersion="0.1"/>
 </Control>
 </file>
 
@@ -26425,7 +27864,7 @@
 
 <file path=customXml/item168.xml><?xml version="1.0" encoding="utf-8"?>
 <Control xmlns="http://schemas.microsoft.com/VisualStudio/2011/storyboarding/control">
-  <Id Name="System.Storyboarding.Common.TextInput" Revision="1" Stencil="System.Storyboarding.Common" StencilVersion="0.1"/>
+  <Id Name="System.Storyboarding.Common.CheckBoxUnchecked" Revision="1" Stencil="System.Storyboarding.Common" StencilVersion="0.1"/>
 </Control>
 </file>
 
@@ -26443,37 +27882,37 @@
 
 <file path=customXml/item170.xml><?xml version="1.0" encoding="utf-8"?>
 <Control xmlns="http://schemas.microsoft.com/VisualStudio/2011/storyboarding/control">
-  <Id Name="System.Storyboarding.Common.TextInput" Revision="1" Stencil="System.Storyboarding.Common" StencilVersion="0.1"/>
+  <Id Name="System.Storyboarding.Common.CheckBoxUnchecked" Revision="1" Stencil="System.Storyboarding.Common" StencilVersion="0.1"/>
 </Control>
 </file>
 
 <file path=customXml/item171.xml><?xml version="1.0" encoding="utf-8"?>
+<Control xmlns="http://schemas.microsoft.com/VisualStudio/2011/storyboarding/control">
+  <Id Name="System.Storyboarding.Common.ScrollbarVertical" Revision="1" Stencil="System.Storyboarding.Common" StencilVersion="0.1"/>
+</Control>
+</file>
+
+<file path=customXml/item172.xml><?xml version="1.0" encoding="utf-8"?>
+<Control xmlns="http://schemas.microsoft.com/VisualStudio/2011/storyboarding/control">
+  <Id Name="System.Storyboarding.Common.CheckBoxChecked" Revision="1" Stencil="System.Storyboarding.Common" StencilVersion="0.1"/>
+</Control>
+</file>
+
+<file path=customXml/item173.xml><?xml version="1.0" encoding="utf-8"?>
+<Control xmlns="http://schemas.microsoft.com/VisualStudio/2011/storyboarding/control">
+  <Id Name="System.Storyboarding.Common.Button" Revision="1" Stencil="System.Storyboarding.Common" StencilVersion="0.1"/>
+</Control>
+</file>
+
+<file path=customXml/item174.xml><?xml version="1.0" encoding="utf-8"?>
 <Control xmlns="http://schemas.microsoft.com/VisualStudio/2011/storyboarding/control">
   <Id Name="System.Storyboarding.Common.TextInput" Revision="1" Stencil="System.Storyboarding.Common" StencilVersion="0.1"/>
 </Control>
 </file>
 
-<file path=customXml/item172.xml><?xml version="1.0" encoding="utf-8"?>
-<Control xmlns="http://schemas.microsoft.com/VisualStudio/2011/storyboarding/control">
-  <Id Name="System.Storyboarding.Common.Button" Revision="1" Stencil="System.Storyboarding.Common" StencilVersion="0.1"/>
-</Control>
-</file>
-
-<file path=customXml/item173.xml><?xml version="1.0" encoding="utf-8"?>
-<Control xmlns="http://schemas.microsoft.com/VisualStudio/2011/storyboarding/control">
-  <Id Name="System.Storyboarding.Common.CheckBoxChecked" Revision="1" Stencil="System.Storyboarding.Common" StencilVersion="0.1"/>
-</Control>
-</file>
-
-<file path=customXml/item174.xml><?xml version="1.0" encoding="utf-8"?>
-<Control xmlns="http://schemas.microsoft.com/VisualStudio/2011/storyboarding/control">
-  <Id Name="System.Storyboarding.Common.CheckBoxChecked" Revision="1" Stencil="System.Storyboarding.Common" StencilVersion="0.1"/>
-</Control>
-</file>
-
 <file path=customXml/item175.xml><?xml version="1.0" encoding="utf-8"?>
 <Control xmlns="http://schemas.microsoft.com/VisualStudio/2011/storyboarding/control">
-  <Id Name="System.Storyboarding.Common.TextInput" Revision="1" Stencil="System.Storyboarding.Common" StencilVersion="0.1"/>
+  <Id Name="System.Storyboarding.Common.CheckBoxUnchecked" Revision="1" Stencil="System.Storyboarding.Common" StencilVersion="0.1"/>
 </Control>
 </file>
 
@@ -26509,25 +27948,25 @@
 
 <file path=customXml/item180.xml><?xml version="1.0" encoding="utf-8"?>
 <Control xmlns="http://schemas.microsoft.com/VisualStudio/2011/storyboarding/control">
-  <Id Name="System.Storyboarding.Common.TextInput" Revision="1" Stencil="System.Storyboarding.Common" StencilVersion="0.1"/>
+  <Id Name="System.Storyboarding.Common.Button" Revision="1" Stencil="System.Storyboarding.Common" StencilVersion="0.1"/>
 </Control>
 </file>
 
 <file path=customXml/item181.xml><?xml version="1.0" encoding="utf-8"?>
 <Control xmlns="http://schemas.microsoft.com/VisualStudio/2011/storyboarding/control">
-  <Id Name="System.Storyboarding.Common.TextInput" Revision="1" Stencil="System.Storyboarding.Common" StencilVersion="0.1"/>
+  <Id Name="System.Storyboarding.Common.Button" Revision="1" Stencil="System.Storyboarding.Common" StencilVersion="0.1"/>
 </Control>
 </file>
 
 <file path=customXml/item182.xml><?xml version="1.0" encoding="utf-8"?>
 <Control xmlns="http://schemas.microsoft.com/VisualStudio/2011/storyboarding/control">
-  <Id Name="System.Storyboarding.Common.TextInput" Revision="1" Stencil="System.Storyboarding.Common" StencilVersion="0.1"/>
+  <Id Name="System.Storyboarding.Common.ScrollbarVertical" Revision="1" Stencil="System.Storyboarding.Common" StencilVersion="0.1"/>
 </Control>
 </file>
 
 <file path=customXml/item183.xml><?xml version="1.0" encoding="utf-8"?>
 <Control xmlns="http://schemas.microsoft.com/VisualStudio/2011/storyboarding/control">
-  <Id Name="System.Storyboarding.Common.SearchBox" Revision="1" Stencil="System.Storyboarding.Common" StencilVersion="0.1"/>
+  <Id Name="System.Storyboarding.Common.TextInput" Revision="1" Stencil="System.Storyboarding.Common" StencilVersion="0.1"/>
 </Control>
 </file>
 
@@ -26539,25 +27978,97 @@
 
 <file path=customXml/item185.xml><?xml version="1.0" encoding="utf-8"?>
 <Control xmlns="http://schemas.microsoft.com/VisualStudio/2011/storyboarding/control">
-  <Id Name="System.Storyboarding.Common.Button" Revision="1" Stencil="System.Storyboarding.Common" StencilVersion="0.1"/>
+  <Id Name="System.Storyboarding.Common.Text" Revision="1" Stencil="System.Storyboarding.Common" StencilVersion="0.1"/>
 </Control>
 </file>
 
 <file path=customXml/item186.xml><?xml version="1.0" encoding="utf-8"?>
 <Control xmlns="http://schemas.microsoft.com/VisualStudio/2011/storyboarding/control">
-  <Id Name="System.Storyboarding.Common.SearchBox" Revision="1" Stencil="System.Storyboarding.Common" StencilVersion="0.1"/>
+  <Id Name="System.Storyboarding.Common.Text" Revision="1" Stencil="System.Storyboarding.Common" StencilVersion="0.1"/>
 </Control>
 </file>
 
 <file path=customXml/item187.xml><?xml version="1.0" encoding="utf-8"?>
+<Control xmlns="http://schemas.microsoft.com/VisualStudio/2011/storyboarding/control">
+  <Id Name="System.Storyboarding.Common.Text" Revision="1" Stencil="System.Storyboarding.Common" StencilVersion="0.1"/>
+</Control>
+</file>
+
+<file path=customXml/item188.xml><?xml version="1.0" encoding="utf-8"?>
+<Control xmlns="http://schemas.microsoft.com/VisualStudio/2011/storyboarding/control">
+  <Id Name="System.Storyboarding.Media.VerticalBarChart" Revision="1" Stencil="System.Storyboarding.Media" StencilVersion="0.1"/>
+</Control>
+</file>
+
+<file path=customXml/item189.xml><?xml version="1.0" encoding="utf-8"?>
+<Control xmlns="http://schemas.microsoft.com/VisualStudio/2011/storyboarding/control">
+  <Id Name="System.Storyboarding.Media.PieChart" Revision="1" Stencil="System.Storyboarding.Media" StencilVersion="0.1"/>
+</Control>
+</file>
+
+<file path=customXml/item19.xml><?xml version="1.0" encoding="utf-8"?>
+<Control xmlns="http://schemas.microsoft.com/VisualStudio/2011/storyboarding/control">
+  <Id Name="System.Storyboarding.Common.TextInput" Revision="1" Stencil="System.Storyboarding.Common" StencilVersion="0.1"/>
+</Control>
+</file>
+
+<file path=customXml/item190.xml><?xml version="1.0" encoding="utf-8"?>
+<Control xmlns="http://schemas.microsoft.com/VisualStudio/2011/storyboarding/control">
+  <Id Name="System.Storyboarding.Common.Text" Revision="1" Stencil="System.Storyboarding.Common" StencilVersion="0.1"/>
+</Control>
+</file>
+
+<file path=customXml/item191.xml><?xml version="1.0" encoding="utf-8"?>
+<Control xmlns="http://schemas.microsoft.com/VisualStudio/2011/storyboarding/control">
+  <Id Name="System.Storyboarding.Media.HorizontalBarChart" Revision="1" Stencil="System.Storyboarding.Media" StencilVersion="0.1"/>
+</Control>
+</file>
+
+<file path=customXml/item192.xml><?xml version="1.0" encoding="utf-8"?>
 <Control xmlns="http://schemas.microsoft.com/VisualStudio/2011/storyboarding/control">
   <Id Name="System.Storyboarding.Common.Button" Revision="1" Stencil="System.Storyboarding.Common" StencilVersion="0.1"/>
 </Control>
 </file>
 
-<file path=customXml/item19.xml><?xml version="1.0" encoding="utf-8"?>
+<file path=customXml/item193.xml><?xml version="1.0" encoding="utf-8"?>
 <Control xmlns="http://schemas.microsoft.com/VisualStudio/2011/storyboarding/control">
-  <Id Name="System.Storyboarding.Common.CheckBoxChecked" Revision="1" Stencil="System.Storyboarding.Common" StencilVersion="0.1"/>
+  <Id Name="System.Storyboarding.Common.Button" Revision="1" Stencil="System.Storyboarding.Common" StencilVersion="0.1"/>
+</Control>
+</file>
+
+<file path=customXml/item194.xml><?xml version="1.0" encoding="utf-8"?>
+<Control xmlns="http://schemas.microsoft.com/VisualStudio/2011/storyboarding/control">
+  <Id Name="System.Storyboarding.Common.Button" Revision="1" Stencil="System.Storyboarding.Common" StencilVersion="0.1"/>
+</Control>
+</file>
+
+<file path=customXml/item195.xml><?xml version="1.0" encoding="utf-8"?>
+<Control xmlns="http://schemas.microsoft.com/VisualStudio/2011/storyboarding/control">
+  <Id Name="System.Storyboarding.Common.Button" Revision="1" Stencil="System.Storyboarding.Common" StencilVersion="0.1"/>
+</Control>
+</file>
+
+<file path=customXml/item196.xml><?xml version="1.0" encoding="utf-8"?>
+<Control xmlns="http://schemas.microsoft.com/VisualStudio/2011/storyboarding/control">
+  <Id Name="System.Storyboarding.Common.Button" Revision="1" Stencil="System.Storyboarding.Common" StencilVersion="0.1"/>
+</Control>
+</file>
+
+<file path=customXml/item197.xml><?xml version="1.0" encoding="utf-8"?>
+<Control xmlns="http://schemas.microsoft.com/VisualStudio/2011/storyboarding/control">
+  <Id Name="System.Storyboarding.Common.Button" Revision="1" Stencil="System.Storyboarding.Common" StencilVersion="0.1"/>
+</Control>
+</file>
+
+<file path=customXml/item198.xml><?xml version="1.0" encoding="utf-8"?>
+<Control xmlns="http://schemas.microsoft.com/VisualStudio/2011/storyboarding/control">
+  <Id Name="System.Storyboarding.Common.Button" Revision="1" Stencil="System.Storyboarding.Common" StencilVersion="0.1"/>
+</Control>
+</file>
+
+<file path=customXml/item199.xml><?xml version="1.0" encoding="utf-8"?>
+<Control xmlns="http://schemas.microsoft.com/VisualStudio/2011/storyboarding/control">
+  <Id Name="System.Storyboarding.Common.Button" Revision="1" Stencil="System.Storyboarding.Common" StencilVersion="0.1"/>
 </Control>
 </file>
 
@@ -26573,39 +28084,63 @@
 </Control>
 </file>
 
+<file path=customXml/item200.xml><?xml version="1.0" encoding="utf-8"?>
+<Control xmlns="http://schemas.microsoft.com/VisualStudio/2011/storyboarding/control">
+  <Id Name="System.Storyboarding.Common.Button" Revision="1" Stencil="System.Storyboarding.Common" StencilVersion="0.1"/>
+</Control>
+</file>
+
+<file path=customXml/item201.xml><?xml version="1.0" encoding="utf-8"?>
+<Control xmlns="http://schemas.microsoft.com/VisualStudio/2011/storyboarding/control">
+  <Id Name="System.Storyboarding.Common.Button" Revision="1" Stencil="System.Storyboarding.Common" StencilVersion="0.1"/>
+</Control>
+</file>
+
+<file path=customXml/item202.xml><?xml version="1.0" encoding="utf-8"?>
+<Control xmlns="http://schemas.microsoft.com/VisualStudio/2011/storyboarding/control">
+  <Id Name="System.Storyboarding.Common.Button" Revision="1" Stencil="System.Storyboarding.Common" StencilVersion="0.1"/>
+</Control>
+</file>
+
+<file path=customXml/item203.xml><?xml version="1.0" encoding="utf-8"?>
+<Control xmlns="http://schemas.microsoft.com/VisualStudio/2011/storyboarding/control">
+  <Id Name="System.Storyboarding.Common.Button" Revision="1" Stencil="System.Storyboarding.Common" StencilVersion="0.1"/>
+</Control>
+</file>
+
 <file path=customXml/item21.xml><?xml version="1.0" encoding="utf-8"?>
+<Control xmlns="http://schemas.microsoft.com/VisualStudio/2011/storyboarding/control">
+  <Id Name="System.Storyboarding.Common.CheckBoxChecked" Revision="1" Stencil="System.Storyboarding.Common" StencilVersion="0.1"/>
+</Control>
+</file>
+
+<file path=customXml/item22.xml><?xml version="1.0" encoding="utf-8"?>
+<Control xmlns="http://schemas.microsoft.com/VisualStudio/2011/storyboarding/control">
+  <Id Name="System.Storyboarding.Common.CheckBoxChecked" Revision="1" Stencil="System.Storyboarding.Common" StencilVersion="0.1"/>
+</Control>
+</file>
+
+<file path=customXml/item23.xml><?xml version="1.0" encoding="utf-8"?>
+<Control xmlns="http://schemas.microsoft.com/VisualStudio/2011/storyboarding/control">
+  <Id Name="System.Storyboarding.Common.Button" Revision="1" Stencil="System.Storyboarding.Common" StencilVersion="0.1"/>
+</Control>
+</file>
+
+<file path=customXml/item24.xml><?xml version="1.0" encoding="utf-8"?>
+<Control xmlns="http://schemas.microsoft.com/VisualStudio/2011/storyboarding/control">
+  <Id Name="System.Storyboarding.Common.Text" Revision="1" Stencil="System.Storyboarding.Common" StencilVersion="0.1"/>
+</Control>
+</file>
+
+<file path=customXml/item25.xml><?xml version="1.0" encoding="utf-8"?>
 <Control xmlns="http://schemas.microsoft.com/VisualStudio/2011/storyboarding/control">
   <Id Name="System.Storyboarding.Common.TextInput" Revision="1" Stencil="System.Storyboarding.Common" StencilVersion="0.1"/>
 </Control>
 </file>
 
-<file path=customXml/item22.xml><?xml version="1.0" encoding="utf-8"?>
-<Control xmlns="http://schemas.microsoft.com/VisualStudio/2011/storyboarding/control">
-  <Id Name="System.Storyboarding.Common.Text" Revision="1" Stencil="System.Storyboarding.Common" StencilVersion="0.1"/>
-</Control>
-</file>
-
-<file path=customXml/item23.xml><?xml version="1.0" encoding="utf-8"?>
-<Control xmlns="http://schemas.microsoft.com/VisualStudio/2011/storyboarding/control">
-  <Id Name="System.Storyboarding.Common.ScrollbarVertical" Revision="1" Stencil="System.Storyboarding.Common" StencilVersion="0.1"/>
-</Control>
-</file>
-
-<file path=customXml/item24.xml><?xml version="1.0" encoding="utf-8"?>
-<Control xmlns="http://schemas.microsoft.com/VisualStudio/2011/storyboarding/control">
-  <Id Name="System.Storyboarding.Common.ScrollbarVertical" Revision="1" Stencil="System.Storyboarding.Common" StencilVersion="0.1"/>
-</Control>
-</file>
-
-<file path=customXml/item25.xml><?xml version="1.0" encoding="utf-8"?>
-<Control xmlns="http://schemas.microsoft.com/VisualStudio/2011/storyboarding/control">
-  <Id Name="System.Storyboarding.Common.CheckBoxChecked" Revision="1" Stencil="System.Storyboarding.Common" StencilVersion="0.1"/>
-</Control>
-</file>
-
 <file path=customXml/item26.xml><?xml version="1.0" encoding="utf-8"?>
 <Control xmlns="http://schemas.microsoft.com/VisualStudio/2011/storyboarding/control">
-  <Id Name="System.Storyboarding.Common.TextInput" Revision="1" Stencil="System.Storyboarding.Common" StencilVersion="0.1"/>
+  <Id Name="System.Storyboarding.Annotation.StickyNote" Revision="1" Stencil="System.Storyboarding.Annotation" StencilVersion="0.1"/>
 </Control>
 </file>
 
@@ -26617,13 +28152,13 @@
 
 <file path=customXml/item28.xml><?xml version="1.0" encoding="utf-8"?>
 <Control xmlns="http://schemas.microsoft.com/VisualStudio/2011/storyboarding/control">
-  <Id Name="System.Storyboarding.Common.TextInput" Revision="1" Stencil="System.Storyboarding.Common" StencilVersion="0.1"/>
+  <Id Name="System.Storyboarding.Common.CheckBoxChecked" Revision="1" Stencil="System.Storyboarding.Common" StencilVersion="0.1"/>
 </Control>
 </file>
 
 <file path=customXml/item29.xml><?xml version="1.0" encoding="utf-8"?>
 <Control xmlns="http://schemas.microsoft.com/VisualStudio/2011/storyboarding/control">
-  <Id Name="System.Storyboarding.Common.Button" Revision="1" Stencil="System.Storyboarding.Common" StencilVersion="0.1"/>
+  <Id Name="System.Storyboarding.Common.TextInput" Revision="1" Stencil="System.Storyboarding.Common" StencilVersion="0.1"/>
 </Control>
 </file>
 
@@ -26635,13 +28170,13 @@
 
 <file path=customXml/item30.xml><?xml version="1.0" encoding="utf-8"?>
 <Control xmlns="http://schemas.microsoft.com/VisualStudio/2011/storyboarding/control">
-  <Id Name="System.Storyboarding.Common.Button" Revision="1" Stencil="System.Storyboarding.Common" StencilVersion="0.1"/>
+  <Id Name="System.Storyboarding.Common.CheckBoxChecked" Revision="1" Stencil="System.Storyboarding.Common" StencilVersion="0.1"/>
 </Control>
 </file>
 
 <file path=customXml/item31.xml><?xml version="1.0" encoding="utf-8"?>
 <Control xmlns="http://schemas.microsoft.com/VisualStudio/2011/storyboarding/control">
-  <Id Name="System.Storyboarding.Common.CheckBoxChecked" Revision="1" Stencil="System.Storyboarding.Common" StencilVersion="0.1"/>
+  <Id Name="System.Storyboarding.Annotation.StickyNote" Revision="1" Stencil="System.Storyboarding.Annotation" StencilVersion="0.1"/>
 </Control>
 </file>
 
@@ -26659,13 +28194,13 @@
 
 <file path=customXml/item34.xml><?xml version="1.0" encoding="utf-8"?>
 <Control xmlns="http://schemas.microsoft.com/VisualStudio/2011/storyboarding/control">
-  <Id Name="System.Storyboarding.Common.CheckBoxChecked" Revision="1" Stencil="System.Storyboarding.Common" StencilVersion="0.1"/>
+  <Id Name="System.Storyboarding.Common.SearchBox" Revision="1" Stencil="System.Storyboarding.Common" StencilVersion="0.1"/>
 </Control>
 </file>
 
 <file path=customXml/item35.xml><?xml version="1.0" encoding="utf-8"?>
 <Control xmlns="http://schemas.microsoft.com/VisualStudio/2011/storyboarding/control">
-  <Id Name="System.Storyboarding.Common.CheckBoxChecked" Revision="1" Stencil="System.Storyboarding.Common" StencilVersion="0.1"/>
+  <Id Name="System.Storyboarding.Common.TextInput" Revision="1" Stencil="System.Storyboarding.Common" StencilVersion="0.1"/>
 </Control>
 </file>
 
@@ -26677,31 +28212,31 @@
 
 <file path=customXml/item37.xml><?xml version="1.0" encoding="utf-8"?>
 <Control xmlns="http://schemas.microsoft.com/VisualStudio/2011/storyboarding/control">
-  <Id Name="System.Storyboarding.Common.ScrollbarVertical" Revision="1" Stencil="System.Storyboarding.Common" StencilVersion="0.1"/>
+  <Id Name="System.Storyboarding.Common.TextInput" Revision="1" Stencil="System.Storyboarding.Common" StencilVersion="0.1"/>
 </Control>
 </file>
 
 <file path=customXml/item38.xml><?xml version="1.0" encoding="utf-8"?>
 <Control xmlns="http://schemas.microsoft.com/VisualStudio/2011/storyboarding/control">
-  <Id Name="System.Storyboarding.Common.SearchBox" Revision="1" Stencil="System.Storyboarding.Common" StencilVersion="0.1"/>
+  <Id Name="System.Storyboarding.Common.Hyperlink" Revision="1" Stencil="System.Storyboarding.Common" StencilVersion="0.1"/>
 </Control>
 </file>
 
 <file path=customXml/item39.xml><?xml version="1.0" encoding="utf-8"?>
 <Control xmlns="http://schemas.microsoft.com/VisualStudio/2011/storyboarding/control">
-  <Id Name="System.Storyboarding.Common.TextInput" Revision="1" Stencil="System.Storyboarding.Common" StencilVersion="0.1"/>
+  <Id Name="System.Storyboarding.Backgrounds.WebBrowser" Revision="1" Stencil="System.Storyboarding.Backgrounds" StencilVersion="0.1"/>
 </Control>
 </file>
 
 <file path=customXml/item4.xml><?xml version="1.0" encoding="utf-8"?>
 <Control xmlns="http://schemas.microsoft.com/VisualStudio/2011/storyboarding/control">
-  <Id Name="System.Storyboarding.Common.CheckBoxUnchecked" Revision="1" Stencil="System.Storyboarding.Common" StencilVersion="0.1"/>
+  <Id Name="System.Storyboarding.Common.Text" Revision="1" Stencil="System.Storyboarding.Common" StencilVersion="0.1"/>
 </Control>
 </file>
 
 <file path=customXml/item40.xml><?xml version="1.0" encoding="utf-8"?>
 <Control xmlns="http://schemas.microsoft.com/VisualStudio/2011/storyboarding/control">
-  <Id Name="System.Storyboarding.Common.CheckBoxChecked" Revision="1" Stencil="System.Storyboarding.Common" StencilVersion="0.1"/>
+  <Id Name="System.Storyboarding.Common.TextInput" Revision="1" Stencil="System.Storyboarding.Common" StencilVersion="0.1"/>
 </Control>
 </file>
 
@@ -26713,31 +28248,31 @@
 
 <file path=customXml/item42.xml><?xml version="1.0" encoding="utf-8"?>
 <Control xmlns="http://schemas.microsoft.com/VisualStudio/2011/storyboarding/control">
-  <Id Name="System.Storyboarding.Common.TextInput" Revision="1" Stencil="System.Storyboarding.Common" StencilVersion="0.1"/>
+  <Id Name="System.Storyboarding.Media.PieChart" Revision="1" Stencil="System.Storyboarding.Media" StencilVersion="0.1"/>
 </Control>
 </file>
 
 <file path=customXml/item43.xml><?xml version="1.0" encoding="utf-8"?>
-<Control xmlns="http://schemas.microsoft.com/VisualStudio/2011/storyboarding/control">
-  <Id Name="System.Storyboarding.Common.TextInput" Revision="1" Stencil="System.Storyboarding.Common" StencilVersion="0.1"/>
-</Control>
-</file>
-
-<file path=customXml/item44.xml><?xml version="1.0" encoding="utf-8"?>
-<Control xmlns="http://schemas.microsoft.com/VisualStudio/2011/storyboarding/control">
-  <Id Name="System.Storyboarding.Common.TextInput" Revision="1" Stencil="System.Storyboarding.Common" StencilVersion="0.1"/>
-</Control>
-</file>
-
-<file path=customXml/item45.xml><?xml version="1.0" encoding="utf-8"?>
 <Control xmlns="http://schemas.microsoft.com/VisualStudio/2011/storyboarding/control">
   <Id Name="System.Storyboarding.Common.Text" Revision="1" Stencil="System.Storyboarding.Common" StencilVersion="0.1"/>
 </Control>
 </file>
 
+<file path=customXml/item44.xml><?xml version="1.0" encoding="utf-8"?>
+<Control xmlns="http://schemas.microsoft.com/VisualStudio/2011/storyboarding/control">
+  <Id Name="System.Storyboarding.Common.CheckBoxUnchecked" Revision="1" Stencil="System.Storyboarding.Common" StencilVersion="0.1"/>
+</Control>
+</file>
+
+<file path=customXml/item45.xml><?xml version="1.0" encoding="utf-8"?>
+<Control xmlns="http://schemas.microsoft.com/VisualStudio/2011/storyboarding/control">
+  <Id Name="System.Storyboarding.Annotation.StickyNote" Revision="1" Stencil="System.Storyboarding.Annotation" StencilVersion="0.1"/>
+</Control>
+</file>
+
 <file path=customXml/item46.xml><?xml version="1.0" encoding="utf-8"?>
 <Control xmlns="http://schemas.microsoft.com/VisualStudio/2011/storyboarding/control">
-  <Id Name="System.Storyboarding.Common.CheckBoxUnchecked" Revision="1" Stencil="System.Storyboarding.Common" StencilVersion="0.1"/>
+  <Id Name="System.Storyboarding.Common.TextInput" Revision="1" Stencil="System.Storyboarding.Common" StencilVersion="0.1"/>
 </Control>
 </file>
 
@@ -26761,61 +28296,61 @@
 
 <file path=customXml/item5.xml><?xml version="1.0" encoding="utf-8"?>
 <Control xmlns="http://schemas.microsoft.com/VisualStudio/2011/storyboarding/control">
+  <Id Name="System.Storyboarding.Icons.Warning" Revision="1" Stencil="System.Storyboarding.Icons" StencilVersion="0.1"/>
+</Control>
+</file>
+
+<file path=customXml/item50.xml><?xml version="1.0" encoding="utf-8"?>
+<Control xmlns="http://schemas.microsoft.com/VisualStudio/2011/storyboarding/control">
+  <Id Name="System.Storyboarding.Backgrounds.WebBrowser" Revision="1" Stencil="System.Storyboarding.Backgrounds" StencilVersion="0.1"/>
+</Control>
+</file>
+
+<file path=customXml/item51.xml><?xml version="1.0" encoding="utf-8"?>
+<Control xmlns="http://schemas.microsoft.com/VisualStudio/2011/storyboarding/control">
+  <Id Name="System.Storyboarding.WindowsAppIcons.Check" Revision="1" Stencil="System.Storyboarding.WindowsAppIcons" StencilVersion="0.1"/>
+</Control>
+</file>
+
+<file path=customXml/item52.xml><?xml version="1.0" encoding="utf-8"?>
+<Control xmlns="http://schemas.microsoft.com/VisualStudio/2011/storyboarding/control">
+  <Id Name="System.Storyboarding.Common.ScrollbarVertical" Revision="1" Stencil="System.Storyboarding.Common" StencilVersion="0.1"/>
+</Control>
+</file>
+
+<file path=customXml/item53.xml><?xml version="1.0" encoding="utf-8"?>
+<Control xmlns="http://schemas.microsoft.com/VisualStudio/2011/storyboarding/control">
   <Id Name="System.Storyboarding.Common.TextInput" Revision="1" Stencil="System.Storyboarding.Common" StencilVersion="0.1"/>
 </Control>
 </file>
 
-<file path=customXml/item50.xml><?xml version="1.0" encoding="utf-8"?>
+<file path=customXml/item54.xml><?xml version="1.0" encoding="utf-8"?>
 <Control xmlns="http://schemas.microsoft.com/VisualStudio/2011/storyboarding/control">
   <Id Name="System.Storyboarding.Common.Button" Revision="1" Stencil="System.Storyboarding.Common" StencilVersion="0.1"/>
 </Control>
 </file>
 
-<file path=customXml/item51.xml><?xml version="1.0" encoding="utf-8"?>
+<file path=customXml/item55.xml><?xml version="1.0" encoding="utf-8"?>
+<Control xmlns="http://schemas.microsoft.com/VisualStudio/2011/storyboarding/control">
+  <Id Name="System.Storyboarding.Annotation.StickyNote" Revision="1" Stencil="System.Storyboarding.Annotation" StencilVersion="0.1"/>
+</Control>
+</file>
+
+<file path=customXml/item56.xml><?xml version="1.0" encoding="utf-8"?>
 <Control xmlns="http://schemas.microsoft.com/VisualStudio/2011/storyboarding/control">
   <Id Name="System.Storyboarding.Common.TextInput" Revision="1" Stencil="System.Storyboarding.Common" StencilVersion="0.1"/>
 </Control>
 </file>
 
-<file path=customXml/item52.xml><?xml version="1.0" encoding="utf-8"?>
+<file path=customXml/item57.xml><?xml version="1.0" encoding="utf-8"?>
 <Control xmlns="http://schemas.microsoft.com/VisualStudio/2011/storyboarding/control">
   <Id Name="System.Storyboarding.Common.TextInput" Revision="1" Stencil="System.Storyboarding.Common" StencilVersion="0.1"/>
 </Control>
 </file>
 
-<file path=customXml/item53.xml><?xml version="1.0" encoding="utf-8"?>
-<Control xmlns="http://schemas.microsoft.com/VisualStudio/2011/storyboarding/control">
-  <Id Name="System.Storyboarding.Common.Text" Revision="1" Stencil="System.Storyboarding.Common" StencilVersion="0.1"/>
-</Control>
-</file>
-
-<file path=customXml/item54.xml><?xml version="1.0" encoding="utf-8"?>
+<file path=customXml/item58.xml><?xml version="1.0" encoding="utf-8"?>
 <Control xmlns="http://schemas.microsoft.com/VisualStudio/2011/storyboarding/control">
   <Id Name="System.Storyboarding.Common.TextInput" Revision="1" Stencil="System.Storyboarding.Common" StencilVersion="0.1"/>
-</Control>
-</file>
-
-<file path=customXml/item55.xml><?xml version="1.0" encoding="utf-8"?>
-<Control xmlns="http://schemas.microsoft.com/VisualStudio/2011/storyboarding/control">
-  <Id Name="System.Storyboarding.Common.ScrollbarVertical" Revision="1" Stencil="System.Storyboarding.Common" StencilVersion="0.1"/>
-</Control>
-</file>
-
-<file path=customXml/item56.xml><?xml version="1.0" encoding="utf-8"?>
-<Control xmlns="http://schemas.microsoft.com/VisualStudio/2011/storyboarding/control">
-  <Id Name="System.Storyboarding.Common.CheckBoxChecked" Revision="1" Stencil="System.Storyboarding.Common" StencilVersion="0.1"/>
-</Control>
-</file>
-
-<file path=customXml/item57.xml><?xml version="1.0" encoding="utf-8"?>
-<Control xmlns="http://schemas.microsoft.com/VisualStudio/2011/storyboarding/control">
-  <Id Name="System.Storyboarding.Common.ScrollbarVertical" Revision="1" Stencil="System.Storyboarding.Common" StencilVersion="0.1"/>
-</Control>
-</file>
-
-<file path=customXml/item58.xml><?xml version="1.0" encoding="utf-8"?>
-<Control xmlns="http://schemas.microsoft.com/VisualStudio/2011/storyboarding/control">
-  <Id Name="System.Storyboarding.Common.CheckBoxChecked" Revision="1" Stencil="System.Storyboarding.Common" StencilVersion="0.1"/>
 </Control>
 </file>
 
@@ -26827,49 +28362,49 @@
 
 <file path=customXml/item6.xml><?xml version="1.0" encoding="utf-8"?>
 <Control xmlns="http://schemas.microsoft.com/VisualStudio/2011/storyboarding/control">
-  <Id Name="System.Storyboarding.WindowsAppIcons.Check" Revision="1" Stencil="System.Storyboarding.WindowsAppIcons" StencilVersion="0.1"/>
+  <Id Name="System.Storyboarding.Common.Button" Revision="1" Stencil="System.Storyboarding.Common" StencilVersion="0.1"/>
 </Control>
 </file>
 
 <file path=customXml/item60.xml><?xml version="1.0" encoding="utf-8"?>
+<Control xmlns="http://schemas.microsoft.com/VisualStudio/2011/storyboarding/control">
+  <Id Name="System.Storyboarding.Common.CheckBoxChecked" Revision="1" Stencil="System.Storyboarding.Common" StencilVersion="0.1"/>
+</Control>
+</file>
+
+<file path=customXml/item61.xml><?xml version="1.0" encoding="utf-8"?>
+<Control xmlns="http://schemas.microsoft.com/VisualStudio/2011/storyboarding/control">
+  <Id Name="System.Storyboarding.Common.ScrollbarVertical" Revision="1" Stencil="System.Storyboarding.Common" StencilVersion="0.1"/>
+</Control>
+</file>
+
+<file path=customXml/item62.xml><?xml version="1.0" encoding="utf-8"?>
+<Control xmlns="http://schemas.microsoft.com/VisualStudio/2011/storyboarding/control">
+  <Id Name="System.Storyboarding.Common.Text" Revision="1" Stencil="System.Storyboarding.Common" StencilVersion="0.1"/>
+</Control>
+</file>
+
+<file path=customXml/item63.xml><?xml version="1.0" encoding="utf-8"?>
 <Control xmlns="http://schemas.microsoft.com/VisualStudio/2011/storyboarding/control">
   <Id Name="System.Storyboarding.Common.TextInput" Revision="1" Stencil="System.Storyboarding.Common" StencilVersion="0.1"/>
 </Control>
 </file>
 
-<file path=customXml/item61.xml><?xml version="1.0" encoding="utf-8"?>
+<file path=customXml/item64.xml><?xml version="1.0" encoding="utf-8"?>
+<Control xmlns="http://schemas.microsoft.com/VisualStudio/2011/storyboarding/control">
+  <Id Name="System.Storyboarding.Common.CheckBoxChecked" Revision="1" Stencil="System.Storyboarding.Common" StencilVersion="0.1"/>
+</Control>
+</file>
+
+<file path=customXml/item65.xml><?xml version="1.0" encoding="utf-8"?>
 <Control xmlns="http://schemas.microsoft.com/VisualStudio/2011/storyboarding/control">
   <Id Name="System.Storyboarding.Common.Text" Revision="1" Stencil="System.Storyboarding.Common" StencilVersion="0.1"/>
 </Control>
 </file>
 
-<file path=customXml/item62.xml><?xml version="1.0" encoding="utf-8"?>
-<Control xmlns="http://schemas.microsoft.com/VisualStudio/2011/storyboarding/control">
-  <Id Name="System.Storyboarding.Media.VerticalBarChart" Revision="1" Stencil="System.Storyboarding.Media" StencilVersion="0.1"/>
-</Control>
-</file>
-
-<file path=customXml/item63.xml><?xml version="1.0" encoding="utf-8"?>
-<Control xmlns="http://schemas.microsoft.com/VisualStudio/2011/storyboarding/control">
-  <Id Name="System.Storyboarding.Common.Button" Revision="1" Stencil="System.Storyboarding.Common" StencilVersion="0.1"/>
-</Control>
-</file>
-
-<file path=customXml/item64.xml><?xml version="1.0" encoding="utf-8"?>
+<file path=customXml/item66.xml><?xml version="1.0" encoding="utf-8"?>
 <Control xmlns="http://schemas.microsoft.com/VisualStudio/2011/storyboarding/control">
   <Id Name="System.Storyboarding.Common.TextInput" Revision="1" Stencil="System.Storyboarding.Common" StencilVersion="0.1"/>
-</Control>
-</file>
-
-<file path=customXml/item65.xml><?xml version="1.0" encoding="utf-8"?>
-<Control xmlns="http://schemas.microsoft.com/VisualStudio/2011/storyboarding/control">
-  <Id Name="System.Storyboarding.Common.TextInput" Revision="1" Stencil="System.Storyboarding.Common" StencilVersion="0.1"/>
-</Control>
-</file>
-
-<file path=customXml/item66.xml><?xml version="1.0" encoding="utf-8"?>
-<Control xmlns="http://schemas.microsoft.com/VisualStudio/2011/storyboarding/control">
-  <Id Name="System.Storyboarding.Common.Text" Revision="1" Stencil="System.Storyboarding.Common" StencilVersion="0.1"/>
 </Control>
 </file>
 
@@ -26893,7 +28428,7 @@
 
 <file path=customXml/item7.xml><?xml version="1.0" encoding="utf-8"?>
 <Control xmlns="http://schemas.microsoft.com/VisualStudio/2011/storyboarding/control">
-  <Id Name="System.Storyboarding.Backgrounds.WebBrowser" Revision="1" Stencil="System.Storyboarding.Backgrounds" StencilVersion="0.1"/>
+  <Id Name="System.Storyboarding.Common.TextInput" Revision="1" Stencil="System.Storyboarding.Common" StencilVersion="0.1"/>
 </Control>
 </file>
 
@@ -26905,49 +28440,49 @@
 
 <file path=customXml/item71.xml><?xml version="1.0" encoding="utf-8"?>
 <Control xmlns="http://schemas.microsoft.com/VisualStudio/2011/storyboarding/control">
-  <Id Name="System.Storyboarding.Common.TextInput" Revision="1" Stencil="System.Storyboarding.Common" StencilVersion="0.1"/>
+  <Id Name="System.Storyboarding.Common.CheckBoxUnchecked" Revision="1" Stencil="System.Storyboarding.Common" StencilVersion="0.1"/>
 </Control>
 </file>
 
 <file path=customXml/item72.xml><?xml version="1.0" encoding="utf-8"?>
+<Control xmlns="http://schemas.microsoft.com/VisualStudio/2011/storyboarding/control">
+  <Id Name="System.Storyboarding.Common.CheckBoxChecked" Revision="1" Stencil="System.Storyboarding.Common" StencilVersion="0.1"/>
+</Control>
+</file>
+
+<file path=customXml/item73.xml><?xml version="1.0" encoding="utf-8"?>
+<Control xmlns="http://schemas.microsoft.com/VisualStudio/2011/storyboarding/control">
+  <Id Name="System.Storyboarding.Common.ScrollbarVertical" Revision="1" Stencil="System.Storyboarding.Common" StencilVersion="0.1"/>
+</Control>
+</file>
+
+<file path=customXml/item74.xml><?xml version="1.0" encoding="utf-8"?>
 <Control xmlns="http://schemas.microsoft.com/VisualStudio/2011/storyboarding/control">
   <Id Name="System.Storyboarding.Common.TextInput" Revision="1" Stencil="System.Storyboarding.Common" StencilVersion="0.1"/>
 </Control>
 </file>
 
-<file path=customXml/item73.xml><?xml version="1.0" encoding="utf-8"?>
-<Control xmlns="http://schemas.microsoft.com/VisualStudio/2011/storyboarding/control">
-  <Id Name="System.Storyboarding.Common.CheckBoxChecked" Revision="1" Stencil="System.Storyboarding.Common" StencilVersion="0.1"/>
-</Control>
-</file>
-
-<file path=customXml/item74.xml><?xml version="1.0" encoding="utf-8"?>
-<Control xmlns="http://schemas.microsoft.com/VisualStudio/2011/storyboarding/control">
-  <Id Name="System.Storyboarding.Icons.Warning" Revision="1" Stencil="System.Storyboarding.Icons" StencilVersion="0.1"/>
-</Control>
-</file>
-
 <file path=customXml/item75.xml><?xml version="1.0" encoding="utf-8"?>
-<Control xmlns="http://schemas.microsoft.com/VisualStudio/2011/storyboarding/control">
-  <Id Name="System.Storyboarding.Media.PieChart" Revision="1" Stencil="System.Storyboarding.Media" StencilVersion="0.1"/>
-</Control>
-</file>
-
-<file path=customXml/item76.xml><?xml version="1.0" encoding="utf-8"?>
 <Control xmlns="http://schemas.microsoft.com/VisualStudio/2011/storyboarding/control">
   <Id Name="System.Storyboarding.Common.TextInput" Revision="1" Stencil="System.Storyboarding.Common" StencilVersion="0.1"/>
 </Control>
 </file>
 
+<file path=customXml/item76.xml><?xml version="1.0" encoding="utf-8"?>
+<Control xmlns="http://schemas.microsoft.com/VisualStudio/2011/storyboarding/control">
+  <Id Name="System.Storyboarding.Common.TextArea" Revision="1" Stencil="System.Storyboarding.Common" StencilVersion="0.1"/>
+</Control>
+</file>
+
 <file path=customXml/item77.xml><?xml version="1.0" encoding="utf-8"?>
 <Control xmlns="http://schemas.microsoft.com/VisualStudio/2011/storyboarding/control">
-  <Id Name="System.Storyboarding.Common.TextInput" Revision="1" Stencil="System.Storyboarding.Common" StencilVersion="0.1"/>
+  <Id Name="System.Storyboarding.Annotation.StickyNote" Revision="1" Stencil="System.Storyboarding.Annotation" StencilVersion="0.1"/>
 </Control>
 </file>
 
 <file path=customXml/item78.xml><?xml version="1.0" encoding="utf-8"?>
 <Control xmlns="http://schemas.microsoft.com/VisualStudio/2011/storyboarding/control">
-  <Id Name="System.Storyboarding.Common.TextInput" Revision="1" Stencil="System.Storyboarding.Common" StencilVersion="0.1"/>
+  <Id Name="System.Storyboarding.Common.Button" Revision="1" Stencil="System.Storyboarding.Common" StencilVersion="0.1"/>
 </Control>
 </file>
 
@@ -26971,13 +28506,13 @@
 
 <file path=customXml/item81.xml><?xml version="1.0" encoding="utf-8"?>
 <Control xmlns="http://schemas.microsoft.com/VisualStudio/2011/storyboarding/control">
-  <Id Name="System.Storyboarding.Common.CheckBoxChecked" Revision="1" Stencil="System.Storyboarding.Common" StencilVersion="0.1"/>
+  <Id Name="System.Storyboarding.Common.TextInput" Revision="1" Stencil="System.Storyboarding.Common" StencilVersion="0.1"/>
 </Control>
 </file>
 
 <file path=customXml/item82.xml><?xml version="1.0" encoding="utf-8"?>
 <Control xmlns="http://schemas.microsoft.com/VisualStudio/2011/storyboarding/control">
-  <Id Name="System.Storyboarding.Common.TextInput" Revision="1" Stencil="System.Storyboarding.Common" StencilVersion="0.1"/>
+  <Id Name="System.Storyboarding.Backgrounds.WebBrowser" Revision="1" Stencil="System.Storyboarding.Backgrounds" StencilVersion="0.1"/>
 </Control>
 </file>
 
@@ -26989,31 +28524,31 @@
 
 <file path=customXml/item84.xml><?xml version="1.0" encoding="utf-8"?>
 <Control xmlns="http://schemas.microsoft.com/VisualStudio/2011/storyboarding/control">
-  <Id Name="System.Storyboarding.Common.Button" Revision="1" Stencil="System.Storyboarding.Common" StencilVersion="0.1"/>
+  <Id Name="System.Storyboarding.Common.TextInput" Revision="1" Stencil="System.Storyboarding.Common" StencilVersion="0.1"/>
 </Control>
 </file>
 
 <file path=customXml/item85.xml><?xml version="1.0" encoding="utf-8"?>
-<Control xmlns="http://schemas.microsoft.com/VisualStudio/2011/storyboarding/control">
-  <Id Name="System.Storyboarding.Annotation.StickyNote" Revision="1" Stencil="System.Storyboarding.Annotation" StencilVersion="0.1"/>
-</Control>
-</file>
-
-<file path=customXml/item86.xml><?xml version="1.0" encoding="utf-8"?>
-<Control xmlns="http://schemas.microsoft.com/VisualStudio/2011/storyboarding/control">
-  <Id Name="System.Storyboarding.Common.ScrollbarVertical" Revision="1" Stencil="System.Storyboarding.Common" StencilVersion="0.1"/>
-</Control>
-</file>
-
-<file path=customXml/item87.xml><?xml version="1.0" encoding="utf-8"?>
 <Control xmlns="http://schemas.microsoft.com/VisualStudio/2011/storyboarding/control">
   <Id Name="System.Storyboarding.Common.SearchBox" Revision="1" Stencil="System.Storyboarding.Common" StencilVersion="0.1"/>
 </Control>
 </file>
 
+<file path=customXml/item86.xml><?xml version="1.0" encoding="utf-8"?>
+<Control xmlns="http://schemas.microsoft.com/VisualStudio/2011/storyboarding/control">
+  <Id Name="System.Storyboarding.Common.SearchBox" Revision="1" Stencil="System.Storyboarding.Common" StencilVersion="0.1"/>
+</Control>
+</file>
+
+<file path=customXml/item87.xml><?xml version="1.0" encoding="utf-8"?>
+<Control xmlns="http://schemas.microsoft.com/VisualStudio/2011/storyboarding/control">
+  <Id Name="System.Storyboarding.Common.TextInput" Revision="1" Stencil="System.Storyboarding.Common" StencilVersion="0.1"/>
+</Control>
+</file>
+
 <file path=customXml/item88.xml><?xml version="1.0" encoding="utf-8"?>
 <Control xmlns="http://schemas.microsoft.com/VisualStudio/2011/storyboarding/control">
-  <Id Name="System.Storyboarding.Common.Text" Revision="1" Stencil="System.Storyboarding.Common" StencilVersion="0.1"/>
+  <Id Name="System.Storyboarding.Common.Button" Revision="1" Stencil="System.Storyboarding.Common" StencilVersion="0.1"/>
 </Control>
 </file>
 
@@ -27025,13 +28560,13 @@
 
 <file path=customXml/item9.xml><?xml version="1.0" encoding="utf-8"?>
 <Control xmlns="http://schemas.microsoft.com/VisualStudio/2011/storyboarding/control">
-  <Id Name="System.Storyboarding.Icons.Warning" Revision="1" Stencil="System.Storyboarding.Icons" StencilVersion="0.1"/>
+  <Id Name="System.Storyboarding.Common.TextInput" Revision="1" Stencil="System.Storyboarding.Common" StencilVersion="0.1"/>
 </Control>
 </file>
 
 <file path=customXml/item90.xml><?xml version="1.0" encoding="utf-8"?>
 <Control xmlns="http://schemas.microsoft.com/VisualStudio/2011/storyboarding/control">
-  <Id Name="System.Storyboarding.Common.TextInput" Revision="1" Stencil="System.Storyboarding.Common" StencilVersion="0.1"/>
+  <Id Name="System.Storyboarding.Common.CheckBoxChecked" Revision="1" Stencil="System.Storyboarding.Common" StencilVersion="0.1"/>
 </Control>
 </file>
 
@@ -27043,54 +28578,54 @@
 
 <file path=customXml/item92.xml><?xml version="1.0" encoding="utf-8"?>
 <Control xmlns="http://schemas.microsoft.com/VisualStudio/2011/storyboarding/control">
-  <Id Name="System.Storyboarding.Common.TextInput" Revision="1" Stencil="System.Storyboarding.Common" StencilVersion="0.1"/>
+  <Id Name="System.Storyboarding.Common.Text" Revision="1" Stencil="System.Storyboarding.Common" StencilVersion="0.1"/>
 </Control>
 </file>
 
 <file path=customXml/item93.xml><?xml version="1.0" encoding="utf-8"?>
+<Control xmlns="http://schemas.microsoft.com/VisualStudio/2011/storyboarding/control">
+  <Id Name="System.Storyboarding.Common.SearchBox" Revision="1" Stencil="System.Storyboarding.Common" StencilVersion="0.1"/>
+</Control>
+</file>
+
+<file path=customXml/item94.xml><?xml version="1.0" encoding="utf-8"?>
+<Control xmlns="http://schemas.microsoft.com/VisualStudio/2011/storyboarding/control">
+  <Id Name="System.Storyboarding.Common.ScrollbarVertical" Revision="1" Stencil="System.Storyboarding.Common" StencilVersion="0.1"/>
+</Control>
+</file>
+
+<file path=customXml/item95.xml><?xml version="1.0" encoding="utf-8"?>
+<Control xmlns="http://schemas.microsoft.com/VisualStudio/2011/storyboarding/control">
+  <Id Name="System.Storyboarding.Common.CheckBoxChecked" Revision="1" Stencil="System.Storyboarding.Common" StencilVersion="0.1"/>
+</Control>
+</file>
+
+<file path=customXml/item96.xml><?xml version="1.0" encoding="utf-8"?>
 <Control xmlns="http://schemas.microsoft.com/VisualStudio/2011/storyboarding/control">
   <Id Name="System.Storyboarding.Common.TextInput" Revision="1" Stencil="System.Storyboarding.Common" StencilVersion="0.1"/>
 </Control>
 </file>
 
-<file path=customXml/item94.xml><?xml version="1.0" encoding="utf-8"?>
+<file path=customXml/item97.xml><?xml version="1.0" encoding="utf-8"?>
+<Control xmlns="http://schemas.microsoft.com/VisualStudio/2011/storyboarding/control">
+  <Id Name="System.Storyboarding.Common.CheckBoxChecked" Revision="1" Stencil="System.Storyboarding.Common" StencilVersion="0.1"/>
+</Control>
+</file>
+
+<file path=customXml/item98.xml><?xml version="1.0" encoding="utf-8"?>
 <Control xmlns="http://schemas.microsoft.com/VisualStudio/2011/storyboarding/control">
   <Id Name="System.Storyboarding.Common.TextInput" Revision="1" Stencil="System.Storyboarding.Common" StencilVersion="0.1"/>
 </Control>
 </file>
 
-<file path=customXml/item95.xml><?xml version="1.0" encoding="utf-8"?>
-<Control xmlns="http://schemas.microsoft.com/VisualStudio/2011/storyboarding/control">
-  <Id Name="System.Storyboarding.Common.Button" Revision="1" Stencil="System.Storyboarding.Common" StencilVersion="0.1"/>
-</Control>
-</file>
-
-<file path=customXml/item96.xml><?xml version="1.0" encoding="utf-8"?>
-<Control xmlns="http://schemas.microsoft.com/VisualStudio/2011/storyboarding/control">
-  <Id Name="System.Storyboarding.Common.CheckBoxUnchecked" Revision="1" Stencil="System.Storyboarding.Common" StencilVersion="0.1"/>
-</Control>
-</file>
-
-<file path=customXml/item97.xml><?xml version="1.0" encoding="utf-8"?>
+<file path=customXml/item99.xml><?xml version="1.0" encoding="utf-8"?>
 <Control xmlns="http://schemas.microsoft.com/VisualStudio/2011/storyboarding/control">
   <Id Name="System.Storyboarding.Common.TextInput" Revision="1" Stencil="System.Storyboarding.Common" StencilVersion="0.1"/>
 </Control>
 </file>
 
-<file path=customXml/item98.xml><?xml version="1.0" encoding="utf-8"?>
-<Control xmlns="http://schemas.microsoft.com/VisualStudio/2011/storyboarding/control">
-  <Id Name="System.Storyboarding.Annotation.StickyNote" Revision="1" Stencil="System.Storyboarding.Annotation" StencilVersion="0.1"/>
-</Control>
-</file>
-
-<file path=customXml/item99.xml><?xml version="1.0" encoding="utf-8"?>
-<Control xmlns="http://schemas.microsoft.com/VisualStudio/2011/storyboarding/control">
-  <Id Name="System.Storyboarding.Common.Text" Revision="1" Stencil="System.Storyboarding.Common" StencilVersion="0.1"/>
-</Control>
-</file>
-
 <file path=customXml/itemProps1.xml><?xml version="1.0" encoding="utf-8"?>
-<ds:datastoreItem xmlns:ds="http://schemas.openxmlformats.org/officeDocument/2006/customXml" ds:itemID="{7EA327E3-FCFB-4008-8DED-CE47F66639FD}">
+<ds:datastoreItem xmlns:ds="http://schemas.openxmlformats.org/officeDocument/2006/customXml" ds:itemID="{AF61DBC6-381C-43BF-8974-1BD37D61B73F}">
   <ds:schemaRefs>
     <ds:schemaRef ds:uri="http://schemas.microsoft.com/VisualStudio/2011/storyboarding/control"/>
   </ds:schemaRefs>
@@ -27098,6 +28633,406 @@
 </file>
 
 <file path=customXml/itemProps10.xml><?xml version="1.0" encoding="utf-8"?>
+<ds:datastoreItem xmlns:ds="http://schemas.openxmlformats.org/officeDocument/2006/customXml" ds:itemID="{73C15516-64BE-43A3-9299-7E108DE97C7F}">
+  <ds:schemaRefs>
+    <ds:schemaRef ds:uri="http://schemas.microsoft.com/VisualStudio/2011/storyboarding/control"/>
+  </ds:schemaRefs>
+</ds:datastoreItem>
+</file>
+
+<file path=customXml/itemProps100.xml><?xml version="1.0" encoding="utf-8"?>
+<ds:datastoreItem xmlns:ds="http://schemas.openxmlformats.org/officeDocument/2006/customXml" ds:itemID="{E28B7CEA-1FBD-4F14-BDA2-C48C66B37150}">
+  <ds:schemaRefs>
+    <ds:schemaRef ds:uri="http://schemas.microsoft.com/VisualStudio/2011/storyboarding/control"/>
+  </ds:schemaRefs>
+</ds:datastoreItem>
+</file>
+
+<file path=customXml/itemProps101.xml><?xml version="1.0" encoding="utf-8"?>
+<ds:datastoreItem xmlns:ds="http://schemas.openxmlformats.org/officeDocument/2006/customXml" ds:itemID="{6806E131-54C6-48B3-984A-5A1F4C5785D2}">
+  <ds:schemaRefs>
+    <ds:schemaRef ds:uri="http://schemas.microsoft.com/VisualStudio/2011/storyboarding/control"/>
+  </ds:schemaRefs>
+</ds:datastoreItem>
+</file>
+
+<file path=customXml/itemProps102.xml><?xml version="1.0" encoding="utf-8"?>
+<ds:datastoreItem xmlns:ds="http://schemas.openxmlformats.org/officeDocument/2006/customXml" ds:itemID="{E5957A30-7F08-42CE-A7C9-9121B3EEDB89}">
+  <ds:schemaRefs>
+    <ds:schemaRef ds:uri="http://schemas.microsoft.com/VisualStudio/2011/storyboarding/control"/>
+  </ds:schemaRefs>
+</ds:datastoreItem>
+</file>
+
+<file path=customXml/itemProps103.xml><?xml version="1.0" encoding="utf-8"?>
+<ds:datastoreItem xmlns:ds="http://schemas.openxmlformats.org/officeDocument/2006/customXml" ds:itemID="{9C6114CB-F4BA-4F35-827A-2DA5F8B255B0}">
+  <ds:schemaRefs>
+    <ds:schemaRef ds:uri="http://schemas.microsoft.com/VisualStudio/2011/storyboarding/control"/>
+  </ds:schemaRefs>
+</ds:datastoreItem>
+</file>
+
+<file path=customXml/itemProps104.xml><?xml version="1.0" encoding="utf-8"?>
+<ds:datastoreItem xmlns:ds="http://schemas.openxmlformats.org/officeDocument/2006/customXml" ds:itemID="{0B5327E3-0261-4B48-BF6B-FF0257762827}">
+  <ds:schemaRefs>
+    <ds:schemaRef ds:uri="http://schemas.microsoft.com/VisualStudio/2011/storyboarding/control"/>
+  </ds:schemaRefs>
+</ds:datastoreItem>
+</file>
+
+<file path=customXml/itemProps105.xml><?xml version="1.0" encoding="utf-8"?>
+<ds:datastoreItem xmlns:ds="http://schemas.openxmlformats.org/officeDocument/2006/customXml" ds:itemID="{6E62CDAE-686E-4F52-AABB-86BDB1154A1E}">
+  <ds:schemaRefs>
+    <ds:schemaRef ds:uri="http://schemas.microsoft.com/VisualStudio/2011/storyboarding/control"/>
+  </ds:schemaRefs>
+</ds:datastoreItem>
+</file>
+
+<file path=customXml/itemProps106.xml><?xml version="1.0" encoding="utf-8"?>
+<ds:datastoreItem xmlns:ds="http://schemas.openxmlformats.org/officeDocument/2006/customXml" ds:itemID="{46714D06-B7FD-48A9-91D0-7F1510C73858}">
+  <ds:schemaRefs>
+    <ds:schemaRef ds:uri="http://schemas.microsoft.com/VisualStudio/2011/storyboarding/control"/>
+  </ds:schemaRefs>
+</ds:datastoreItem>
+</file>
+
+<file path=customXml/itemProps107.xml><?xml version="1.0" encoding="utf-8"?>
+<ds:datastoreItem xmlns:ds="http://schemas.openxmlformats.org/officeDocument/2006/customXml" ds:itemID="{F2B3FB12-0841-4AD8-9A0B-0A04CC6A8CFC}">
+  <ds:schemaRefs>
+    <ds:schemaRef ds:uri="http://schemas.microsoft.com/VisualStudio/2011/storyboarding/control"/>
+  </ds:schemaRefs>
+</ds:datastoreItem>
+</file>
+
+<file path=customXml/itemProps108.xml><?xml version="1.0" encoding="utf-8"?>
+<ds:datastoreItem xmlns:ds="http://schemas.openxmlformats.org/officeDocument/2006/customXml" ds:itemID="{1877004B-50A8-4877-B8FF-7DD1DC8224C2}">
+  <ds:schemaRefs>
+    <ds:schemaRef ds:uri="http://schemas.microsoft.com/VisualStudio/2011/storyboarding/control"/>
+  </ds:schemaRefs>
+</ds:datastoreItem>
+</file>
+
+<file path=customXml/itemProps109.xml><?xml version="1.0" encoding="utf-8"?>
+<ds:datastoreItem xmlns:ds="http://schemas.openxmlformats.org/officeDocument/2006/customXml" ds:itemID="{C05A56CC-DCFE-4A97-B103-5E1633E28254}">
+  <ds:schemaRefs>
+    <ds:schemaRef ds:uri="http://schemas.microsoft.com/VisualStudio/2011/storyboarding/control"/>
+  </ds:schemaRefs>
+</ds:datastoreItem>
+</file>
+
+<file path=customXml/itemProps11.xml><?xml version="1.0" encoding="utf-8"?>
+<ds:datastoreItem xmlns:ds="http://schemas.openxmlformats.org/officeDocument/2006/customXml" ds:itemID="{6BD97E69-24BE-47DA-8FEB-131A11003B19}">
+  <ds:schemaRefs>
+    <ds:schemaRef ds:uri="http://schemas.microsoft.com/VisualStudio/2011/storyboarding/control"/>
+  </ds:schemaRefs>
+</ds:datastoreItem>
+</file>
+
+<file path=customXml/itemProps110.xml><?xml version="1.0" encoding="utf-8"?>
+<ds:datastoreItem xmlns:ds="http://schemas.openxmlformats.org/officeDocument/2006/customXml" ds:itemID="{478663F0-6D22-40DF-A721-0D85AF0A841E}">
+  <ds:schemaRefs>
+    <ds:schemaRef ds:uri="http://schemas.microsoft.com/VisualStudio/2011/storyboarding/control"/>
+  </ds:schemaRefs>
+</ds:datastoreItem>
+</file>
+
+<file path=customXml/itemProps111.xml><?xml version="1.0" encoding="utf-8"?>
+<ds:datastoreItem xmlns:ds="http://schemas.openxmlformats.org/officeDocument/2006/customXml" ds:itemID="{3154CB70-BAFF-4B34-BC33-BD1C66EB86D7}">
+  <ds:schemaRefs>
+    <ds:schemaRef ds:uri="http://schemas.microsoft.com/VisualStudio/2011/storyboarding/control"/>
+  </ds:schemaRefs>
+</ds:datastoreItem>
+</file>
+
+<file path=customXml/itemProps112.xml><?xml version="1.0" encoding="utf-8"?>
+<ds:datastoreItem xmlns:ds="http://schemas.openxmlformats.org/officeDocument/2006/customXml" ds:itemID="{1F111213-9B54-4464-8973-266EF211797B}">
+  <ds:schemaRefs>
+    <ds:schemaRef ds:uri="http://schemas.microsoft.com/VisualStudio/2011/storyboarding/control"/>
+  </ds:schemaRefs>
+</ds:datastoreItem>
+</file>
+
+<file path=customXml/itemProps113.xml><?xml version="1.0" encoding="utf-8"?>
+<ds:datastoreItem xmlns:ds="http://schemas.openxmlformats.org/officeDocument/2006/customXml" ds:itemID="{9DAE1F11-5474-4CAD-8EC7-A688E310A5AB}">
+  <ds:schemaRefs>
+    <ds:schemaRef ds:uri="http://schemas.microsoft.com/VisualStudio/2011/storyboarding/control"/>
+  </ds:schemaRefs>
+</ds:datastoreItem>
+</file>
+
+<file path=customXml/itemProps114.xml><?xml version="1.0" encoding="utf-8"?>
+<ds:datastoreItem xmlns:ds="http://schemas.openxmlformats.org/officeDocument/2006/customXml" ds:itemID="{3C65476E-E005-4058-A679-B2D8F13FF877}">
+  <ds:schemaRefs>
+    <ds:schemaRef ds:uri="http://schemas.microsoft.com/VisualStudio/2011/storyboarding/control"/>
+  </ds:schemaRefs>
+</ds:datastoreItem>
+</file>
+
+<file path=customXml/itemProps115.xml><?xml version="1.0" encoding="utf-8"?>
+<ds:datastoreItem xmlns:ds="http://schemas.openxmlformats.org/officeDocument/2006/customXml" ds:itemID="{A1C8479A-2384-424B-B607-91A9FC70F6A4}">
+  <ds:schemaRefs>
+    <ds:schemaRef ds:uri="http://schemas.microsoft.com/VisualStudio/2011/storyboarding/control"/>
+  </ds:schemaRefs>
+</ds:datastoreItem>
+</file>
+
+<file path=customXml/itemProps116.xml><?xml version="1.0" encoding="utf-8"?>
+<ds:datastoreItem xmlns:ds="http://schemas.openxmlformats.org/officeDocument/2006/customXml" ds:itemID="{6226C0E4-0364-460C-AAB7-9D347567DCC8}">
+  <ds:schemaRefs>
+    <ds:schemaRef ds:uri="http://schemas.microsoft.com/VisualStudio/2011/storyboarding/control"/>
+  </ds:schemaRefs>
+</ds:datastoreItem>
+</file>
+
+<file path=customXml/itemProps117.xml><?xml version="1.0" encoding="utf-8"?>
+<ds:datastoreItem xmlns:ds="http://schemas.openxmlformats.org/officeDocument/2006/customXml" ds:itemID="{247695CD-B2DD-488A-8575-5345C166802C}">
+  <ds:schemaRefs>
+    <ds:schemaRef ds:uri="http://schemas.microsoft.com/VisualStudio/2011/storyboarding/control"/>
+  </ds:schemaRefs>
+</ds:datastoreItem>
+</file>
+
+<file path=customXml/itemProps118.xml><?xml version="1.0" encoding="utf-8"?>
+<ds:datastoreItem xmlns:ds="http://schemas.openxmlformats.org/officeDocument/2006/customXml" ds:itemID="{C30452E4-8A6C-404A-B689-8E04350A6B59}">
+  <ds:schemaRefs>
+    <ds:schemaRef ds:uri="http://schemas.microsoft.com/VisualStudio/2011/storyboarding/control"/>
+  </ds:schemaRefs>
+</ds:datastoreItem>
+</file>
+
+<file path=customXml/itemProps119.xml><?xml version="1.0" encoding="utf-8"?>
+<ds:datastoreItem xmlns:ds="http://schemas.openxmlformats.org/officeDocument/2006/customXml" ds:itemID="{9A59738E-0CC4-436E-B451-F09AF7853BEC}">
+  <ds:schemaRefs>
+    <ds:schemaRef ds:uri="http://schemas.microsoft.com/VisualStudio/2011/storyboarding/control"/>
+  </ds:schemaRefs>
+</ds:datastoreItem>
+</file>
+
+<file path=customXml/itemProps12.xml><?xml version="1.0" encoding="utf-8"?>
+<ds:datastoreItem xmlns:ds="http://schemas.openxmlformats.org/officeDocument/2006/customXml" ds:itemID="{C65B337F-737A-48CA-8F75-978A60D7016D}">
+  <ds:schemaRefs>
+    <ds:schemaRef ds:uri="http://schemas.microsoft.com/VisualStudio/2011/storyboarding/control"/>
+  </ds:schemaRefs>
+</ds:datastoreItem>
+</file>
+
+<file path=customXml/itemProps120.xml><?xml version="1.0" encoding="utf-8"?>
+<ds:datastoreItem xmlns:ds="http://schemas.openxmlformats.org/officeDocument/2006/customXml" ds:itemID="{A0B644F4-E7AB-4C5F-99FA-46E0F4A05135}">
+  <ds:schemaRefs>
+    <ds:schemaRef ds:uri="http://schemas.microsoft.com/VisualStudio/2011/storyboarding/control"/>
+  </ds:schemaRefs>
+</ds:datastoreItem>
+</file>
+
+<file path=customXml/itemProps121.xml><?xml version="1.0" encoding="utf-8"?>
+<ds:datastoreItem xmlns:ds="http://schemas.openxmlformats.org/officeDocument/2006/customXml" ds:itemID="{0D8F2650-9E27-4603-BD35-5A059BB60334}">
+  <ds:schemaRefs>
+    <ds:schemaRef ds:uri="http://schemas.microsoft.com/VisualStudio/2011/storyboarding/control"/>
+  </ds:schemaRefs>
+</ds:datastoreItem>
+</file>
+
+<file path=customXml/itemProps122.xml><?xml version="1.0" encoding="utf-8"?>
+<ds:datastoreItem xmlns:ds="http://schemas.openxmlformats.org/officeDocument/2006/customXml" ds:itemID="{425D7E26-BB5E-460D-97B3-E693C38FDA69}">
+  <ds:schemaRefs>
+    <ds:schemaRef ds:uri="http://schemas.microsoft.com/VisualStudio/2011/storyboarding/control"/>
+  </ds:schemaRefs>
+</ds:datastoreItem>
+</file>
+
+<file path=customXml/itemProps123.xml><?xml version="1.0" encoding="utf-8"?>
+<ds:datastoreItem xmlns:ds="http://schemas.openxmlformats.org/officeDocument/2006/customXml" ds:itemID="{E0CC2506-29F9-46DF-9492-65B12C0522D5}">
+  <ds:schemaRefs>
+    <ds:schemaRef ds:uri="http://schemas.microsoft.com/VisualStudio/2011/storyboarding/control"/>
+  </ds:schemaRefs>
+</ds:datastoreItem>
+</file>
+
+<file path=customXml/itemProps124.xml><?xml version="1.0" encoding="utf-8"?>
+<ds:datastoreItem xmlns:ds="http://schemas.openxmlformats.org/officeDocument/2006/customXml" ds:itemID="{559BF73F-CE64-4B91-BD49-510468F35CB9}">
+  <ds:schemaRefs>
+    <ds:schemaRef ds:uri="http://schemas.microsoft.com/VisualStudio/2011/storyboarding/control"/>
+  </ds:schemaRefs>
+</ds:datastoreItem>
+</file>
+
+<file path=customXml/itemProps125.xml><?xml version="1.0" encoding="utf-8"?>
+<ds:datastoreItem xmlns:ds="http://schemas.openxmlformats.org/officeDocument/2006/customXml" ds:itemID="{C2FBE948-B9F1-4F1A-AC4F-03962924DC85}">
+  <ds:schemaRefs>
+    <ds:schemaRef ds:uri="http://schemas.microsoft.com/VisualStudio/2011/storyboarding/control"/>
+  </ds:schemaRefs>
+</ds:datastoreItem>
+</file>
+
+<file path=customXml/itemProps126.xml><?xml version="1.0" encoding="utf-8"?>
+<ds:datastoreItem xmlns:ds="http://schemas.openxmlformats.org/officeDocument/2006/customXml" ds:itemID="{F2E40C13-D83C-4295-AAE8-6BAF5097B834}">
+  <ds:schemaRefs>
+    <ds:schemaRef ds:uri="http://schemas.microsoft.com/VisualStudio/2011/storyboarding/control"/>
+  </ds:schemaRefs>
+</ds:datastoreItem>
+</file>
+
+<file path=customXml/itemProps127.xml><?xml version="1.0" encoding="utf-8"?>
+<ds:datastoreItem xmlns:ds="http://schemas.openxmlformats.org/officeDocument/2006/customXml" ds:itemID="{500E728B-7A9B-4D12-B59B-8083B681FF18}">
+  <ds:schemaRefs>
+    <ds:schemaRef ds:uri="http://schemas.microsoft.com/VisualStudio/2011/storyboarding/control"/>
+  </ds:schemaRefs>
+</ds:datastoreItem>
+</file>
+
+<file path=customXml/itemProps128.xml><?xml version="1.0" encoding="utf-8"?>
+<ds:datastoreItem xmlns:ds="http://schemas.openxmlformats.org/officeDocument/2006/customXml" ds:itemID="{A099D91D-2540-412F-88B4-6DD3EB1D58E7}">
+  <ds:schemaRefs>
+    <ds:schemaRef ds:uri="http://schemas.microsoft.com/VisualStudio/2011/storyboarding/control"/>
+  </ds:schemaRefs>
+</ds:datastoreItem>
+</file>
+
+<file path=customXml/itemProps129.xml><?xml version="1.0" encoding="utf-8"?>
+<ds:datastoreItem xmlns:ds="http://schemas.openxmlformats.org/officeDocument/2006/customXml" ds:itemID="{FA597DE2-CFB0-4358-AA98-055ACAFB4418}">
+  <ds:schemaRefs>
+    <ds:schemaRef ds:uri="http://schemas.microsoft.com/VisualStudio/2011/storyboarding/control"/>
+  </ds:schemaRefs>
+</ds:datastoreItem>
+</file>
+
+<file path=customXml/itemProps13.xml><?xml version="1.0" encoding="utf-8"?>
+<ds:datastoreItem xmlns:ds="http://schemas.openxmlformats.org/officeDocument/2006/customXml" ds:itemID="{70E3F600-4C8D-4A3A-BE16-3540F66AD848}">
+  <ds:schemaRefs>
+    <ds:schemaRef ds:uri="http://schemas.microsoft.com/VisualStudio/2011/storyboarding/control"/>
+  </ds:schemaRefs>
+</ds:datastoreItem>
+</file>
+
+<file path=customXml/itemProps130.xml><?xml version="1.0" encoding="utf-8"?>
+<ds:datastoreItem xmlns:ds="http://schemas.openxmlformats.org/officeDocument/2006/customXml" ds:itemID="{B0C9E300-5CAC-4E8C-B9CB-B4EDDB0EC3C8}">
+  <ds:schemaRefs>
+    <ds:schemaRef ds:uri="http://schemas.microsoft.com/VisualStudio/2011/storyboarding/control"/>
+  </ds:schemaRefs>
+</ds:datastoreItem>
+</file>
+
+<file path=customXml/itemProps131.xml><?xml version="1.0" encoding="utf-8"?>
+<ds:datastoreItem xmlns:ds="http://schemas.openxmlformats.org/officeDocument/2006/customXml" ds:itemID="{0987803F-8C29-460C-9CFE-90D062BBF340}">
+  <ds:schemaRefs>
+    <ds:schemaRef ds:uri="http://schemas.microsoft.com/VisualStudio/2011/storyboarding/control"/>
+  </ds:schemaRefs>
+</ds:datastoreItem>
+</file>
+
+<file path=customXml/itemProps132.xml><?xml version="1.0" encoding="utf-8"?>
+<ds:datastoreItem xmlns:ds="http://schemas.openxmlformats.org/officeDocument/2006/customXml" ds:itemID="{06D91DB4-751F-47F3-B3CD-CDDA280C9652}">
+  <ds:schemaRefs>
+    <ds:schemaRef ds:uri="http://schemas.microsoft.com/VisualStudio/2011/storyboarding/control"/>
+  </ds:schemaRefs>
+</ds:datastoreItem>
+</file>
+
+<file path=customXml/itemProps133.xml><?xml version="1.0" encoding="utf-8"?>
+<ds:datastoreItem xmlns:ds="http://schemas.openxmlformats.org/officeDocument/2006/customXml" ds:itemID="{F2C13C45-9FD4-46A1-B566-8CFCB6433E4D}">
+  <ds:schemaRefs>
+    <ds:schemaRef ds:uri="http://schemas.microsoft.com/VisualStudio/2011/storyboarding/control"/>
+  </ds:schemaRefs>
+</ds:datastoreItem>
+</file>
+
+<file path=customXml/itemProps134.xml><?xml version="1.0" encoding="utf-8"?>
+<ds:datastoreItem xmlns:ds="http://schemas.openxmlformats.org/officeDocument/2006/customXml" ds:itemID="{4032A915-244F-4EED-B3D6-A7E329608545}">
+  <ds:schemaRefs>
+    <ds:schemaRef ds:uri="http://schemas.microsoft.com/VisualStudio/2011/storyboarding/control"/>
+  </ds:schemaRefs>
+</ds:datastoreItem>
+</file>
+
+<file path=customXml/itemProps135.xml><?xml version="1.0" encoding="utf-8"?>
+<ds:datastoreItem xmlns:ds="http://schemas.openxmlformats.org/officeDocument/2006/customXml" ds:itemID="{D12E1D60-E53D-431F-ABC8-B98207B7D1E6}">
+  <ds:schemaRefs>
+    <ds:schemaRef ds:uri="http://schemas.microsoft.com/VisualStudio/2011/storyboarding/control"/>
+  </ds:schemaRefs>
+</ds:datastoreItem>
+</file>
+
+<file path=customXml/itemProps136.xml><?xml version="1.0" encoding="utf-8"?>
+<ds:datastoreItem xmlns:ds="http://schemas.openxmlformats.org/officeDocument/2006/customXml" ds:itemID="{8AE17CAA-BEF2-44CD-9DEE-2F8C17585A32}">
+  <ds:schemaRefs>
+    <ds:schemaRef ds:uri="http://schemas.microsoft.com/VisualStudio/2011/storyboarding/control"/>
+  </ds:schemaRefs>
+</ds:datastoreItem>
+</file>
+
+<file path=customXml/itemProps137.xml><?xml version="1.0" encoding="utf-8"?>
+<ds:datastoreItem xmlns:ds="http://schemas.openxmlformats.org/officeDocument/2006/customXml" ds:itemID="{186177FB-D9AA-47FB-AA70-F2EB801F860E}">
+  <ds:schemaRefs>
+    <ds:schemaRef ds:uri="http://schemas.microsoft.com/VisualStudio/2011/storyboarding/control"/>
+  </ds:schemaRefs>
+</ds:datastoreItem>
+</file>
+
+<file path=customXml/itemProps138.xml><?xml version="1.0" encoding="utf-8"?>
+<ds:datastoreItem xmlns:ds="http://schemas.openxmlformats.org/officeDocument/2006/customXml" ds:itemID="{2E8BF867-BA02-4DD2-B1A2-C9A27CC92F1F}">
+  <ds:schemaRefs>
+    <ds:schemaRef ds:uri="http://schemas.microsoft.com/VisualStudio/2011/storyboarding/control"/>
+  </ds:schemaRefs>
+</ds:datastoreItem>
+</file>
+
+<file path=customXml/itemProps139.xml><?xml version="1.0" encoding="utf-8"?>
+<ds:datastoreItem xmlns:ds="http://schemas.openxmlformats.org/officeDocument/2006/customXml" ds:itemID="{FD6778B7-8FE2-4C81-885D-09500CE283B1}">
+  <ds:schemaRefs>
+    <ds:schemaRef ds:uri="http://schemas.microsoft.com/VisualStudio/2011/storyboarding/control"/>
+  </ds:schemaRefs>
+</ds:datastoreItem>
+</file>
+
+<file path=customXml/itemProps14.xml><?xml version="1.0" encoding="utf-8"?>
+<ds:datastoreItem xmlns:ds="http://schemas.openxmlformats.org/officeDocument/2006/customXml" ds:itemID="{A1F43F78-8591-47F2-9A56-991B5C2DCCFC}">
+  <ds:schemaRefs>
+    <ds:schemaRef ds:uri="http://schemas.microsoft.com/VisualStudio/2011/storyboarding/control"/>
+  </ds:schemaRefs>
+</ds:datastoreItem>
+</file>
+
+<file path=customXml/itemProps140.xml><?xml version="1.0" encoding="utf-8"?>
+<ds:datastoreItem xmlns:ds="http://schemas.openxmlformats.org/officeDocument/2006/customXml" ds:itemID="{CF03DD0F-EDED-4182-BF0D-C60EA8AC9FC5}">
+  <ds:schemaRefs>
+    <ds:schemaRef ds:uri="http://schemas.microsoft.com/VisualStudio/2011/storyboarding/control"/>
+  </ds:schemaRefs>
+</ds:datastoreItem>
+</file>
+
+<file path=customXml/itemProps141.xml><?xml version="1.0" encoding="utf-8"?>
+<ds:datastoreItem xmlns:ds="http://schemas.openxmlformats.org/officeDocument/2006/customXml" ds:itemID="{3CA43762-3F39-470A-9564-3739655F8186}">
+  <ds:schemaRefs>
+    <ds:schemaRef ds:uri="http://schemas.microsoft.com/VisualStudio/2011/storyboarding/control"/>
+  </ds:schemaRefs>
+</ds:datastoreItem>
+</file>
+
+<file path=customXml/itemProps142.xml><?xml version="1.0" encoding="utf-8"?>
+<ds:datastoreItem xmlns:ds="http://schemas.openxmlformats.org/officeDocument/2006/customXml" ds:itemID="{9DAF7C4A-2E75-435E-8C11-B1DC53AC52EB}">
+  <ds:schemaRefs>
+    <ds:schemaRef ds:uri="http://schemas.microsoft.com/VisualStudio/2011/storyboarding/control"/>
+  </ds:schemaRefs>
+</ds:datastoreItem>
+</file>
+
+<file path=customXml/itemProps143.xml><?xml version="1.0" encoding="utf-8"?>
+<ds:datastoreItem xmlns:ds="http://schemas.openxmlformats.org/officeDocument/2006/customXml" ds:itemID="{BDF653D0-0803-4E4F-AB2B-0C004B440C9C}">
+  <ds:schemaRefs>
+    <ds:schemaRef ds:uri="http://schemas.microsoft.com/VisualStudio/2011/storyboarding/control"/>
+  </ds:schemaRefs>
+</ds:datastoreItem>
+</file>
+
+<file path=customXml/itemProps144.xml><?xml version="1.0" encoding="utf-8"?>
+<ds:datastoreItem xmlns:ds="http://schemas.openxmlformats.org/officeDocument/2006/customXml" ds:itemID="{E194B3CD-86C3-4F6B-A743-1D8043783C25}">
+  <ds:schemaRefs>
+    <ds:schemaRef ds:uri="http://schemas.microsoft.com/VisualStudio/2011/storyboarding/control"/>
+  </ds:schemaRefs>
+</ds:datastoreItem>
+</file>
+
+<file path=customXml/itemProps145.xml><?xml version="1.0" encoding="utf-8"?>
 <ds:datastoreItem xmlns:ds="http://schemas.openxmlformats.org/officeDocument/2006/customXml" ds:itemID="{451A7426-E19E-4AAF-BFD2-F92A9C112E84}">
   <ds:schemaRefs>
     <ds:schemaRef ds:uri="http://schemas.microsoft.com/VisualStudio/2011/storyboarding/control"/>
@@ -27105,15 +29040,63 @@
 </ds:datastoreItem>
 </file>
 
-<file path=customXml/itemProps100.xml><?xml version="1.0" encoding="utf-8"?>
-<ds:datastoreItem xmlns:ds="http://schemas.openxmlformats.org/officeDocument/2006/customXml" ds:itemID="{C05A56CC-DCFE-4A97-B103-5E1633E28254}">
+<file path=customXml/itemProps146.xml><?xml version="1.0" encoding="utf-8"?>
+<ds:datastoreItem xmlns:ds="http://schemas.openxmlformats.org/officeDocument/2006/customXml" ds:itemID="{E9B3074F-7568-498E-AB18-CABC99245B58}">
   <ds:schemaRefs>
     <ds:schemaRef ds:uri="http://schemas.microsoft.com/VisualStudio/2011/storyboarding/control"/>
   </ds:schemaRefs>
 </ds:datastoreItem>
 </file>
 
-<file path=customXml/itemProps101.xml><?xml version="1.0" encoding="utf-8"?>
+<file path=customXml/itemProps147.xml><?xml version="1.0" encoding="utf-8"?>
+<ds:datastoreItem xmlns:ds="http://schemas.openxmlformats.org/officeDocument/2006/customXml" ds:itemID="{43588560-03AB-428A-9CE4-A6AC7508369A}">
+  <ds:schemaRefs>
+    <ds:schemaRef ds:uri="http://schemas.microsoft.com/VisualStudio/2011/storyboarding/control"/>
+  </ds:schemaRefs>
+</ds:datastoreItem>
+</file>
+
+<file path=customXml/itemProps148.xml><?xml version="1.0" encoding="utf-8"?>
+<ds:datastoreItem xmlns:ds="http://schemas.openxmlformats.org/officeDocument/2006/customXml" ds:itemID="{ABD876F2-87B3-4F2F-9405-BCB26B393D8D}">
+  <ds:schemaRefs>
+    <ds:schemaRef ds:uri="http://schemas.microsoft.com/VisualStudio/2011/storyboarding/control"/>
+  </ds:schemaRefs>
+</ds:datastoreItem>
+</file>
+
+<file path=customXml/itemProps149.xml><?xml version="1.0" encoding="utf-8"?>
+<ds:datastoreItem xmlns:ds="http://schemas.openxmlformats.org/officeDocument/2006/customXml" ds:itemID="{6E9F6603-6B7C-453B-A486-459839EF1163}">
+  <ds:schemaRefs>
+    <ds:schemaRef ds:uri="http://schemas.microsoft.com/VisualStudio/2011/storyboarding/control"/>
+  </ds:schemaRefs>
+</ds:datastoreItem>
+</file>
+
+<file path=customXml/itemProps15.xml><?xml version="1.0" encoding="utf-8"?>
+<ds:datastoreItem xmlns:ds="http://schemas.openxmlformats.org/officeDocument/2006/customXml" ds:itemID="{F9C34A43-6DD3-45D9-8C33-A2A94686CFF4}">
+  <ds:schemaRefs>
+    <ds:schemaRef ds:uri="http://schemas.microsoft.com/VisualStudio/2011/storyboarding/control"/>
+  </ds:schemaRefs>
+</ds:datastoreItem>
+</file>
+
+<file path=customXml/itemProps150.xml><?xml version="1.0" encoding="utf-8"?>
+<ds:datastoreItem xmlns:ds="http://schemas.openxmlformats.org/officeDocument/2006/customXml" ds:itemID="{AB1DB933-7DE2-4FB6-94F8-DE6617D86614}">
+  <ds:schemaRefs>
+    <ds:schemaRef ds:uri="http://schemas.microsoft.com/VisualStudio/2011/storyboarding/control"/>
+  </ds:schemaRefs>
+</ds:datastoreItem>
+</file>
+
+<file path=customXml/itemProps151.xml><?xml version="1.0" encoding="utf-8"?>
+<ds:datastoreItem xmlns:ds="http://schemas.openxmlformats.org/officeDocument/2006/customXml" ds:itemID="{D1100CDA-4C0B-4B20-A344-A7360173EF0F}">
+  <ds:schemaRefs>
+    <ds:schemaRef ds:uri="http://schemas.microsoft.com/VisualStudio/2011/storyboarding/control"/>
+  </ds:schemaRefs>
+</ds:datastoreItem>
+</file>
+
+<file path=customXml/itemProps152.xml><?xml version="1.0" encoding="utf-8"?>
 <ds:datastoreItem xmlns:ds="http://schemas.openxmlformats.org/officeDocument/2006/customXml" ds:itemID="{39B4EC38-E361-46E0-8D00-ECAF682C5ACD}">
   <ds:schemaRefs>
     <ds:schemaRef ds:uri="http://schemas.microsoft.com/VisualStudio/2011/storyboarding/control"/>
@@ -27121,7 +29104,191 @@
 </ds:datastoreItem>
 </file>
 
-<file path=customXml/itemProps102.xml><?xml version="1.0" encoding="utf-8"?>
+<file path=customXml/itemProps153.xml><?xml version="1.0" encoding="utf-8"?>
+<ds:datastoreItem xmlns:ds="http://schemas.openxmlformats.org/officeDocument/2006/customXml" ds:itemID="{B0402FE7-8C5A-480B-84D5-E3BA5D7DDA9A}">
+  <ds:schemaRefs>
+    <ds:schemaRef ds:uri="http://schemas.microsoft.com/VisualStudio/2011/storyboarding/control"/>
+  </ds:schemaRefs>
+</ds:datastoreItem>
+</file>
+
+<file path=customXml/itemProps154.xml><?xml version="1.0" encoding="utf-8"?>
+<ds:datastoreItem xmlns:ds="http://schemas.openxmlformats.org/officeDocument/2006/customXml" ds:itemID="{39E72E8E-79BB-456F-8049-0020919B4763}">
+  <ds:schemaRefs>
+    <ds:schemaRef ds:uri="http://schemas.microsoft.com/VisualStudio/2011/storyboarding/control"/>
+  </ds:schemaRefs>
+</ds:datastoreItem>
+</file>
+
+<file path=customXml/itemProps155.xml><?xml version="1.0" encoding="utf-8"?>
+<ds:datastoreItem xmlns:ds="http://schemas.openxmlformats.org/officeDocument/2006/customXml" ds:itemID="{12FD62BF-A11E-4BD8-9FB1-B9028E90A22E}">
+  <ds:schemaRefs>
+    <ds:schemaRef ds:uri="http://schemas.microsoft.com/VisualStudio/2011/storyboarding/control"/>
+  </ds:schemaRefs>
+</ds:datastoreItem>
+</file>
+
+<file path=customXml/itemProps156.xml><?xml version="1.0" encoding="utf-8"?>
+<ds:datastoreItem xmlns:ds="http://schemas.openxmlformats.org/officeDocument/2006/customXml" ds:itemID="{0D174F31-1395-420D-AE3A-5DBEFF0F4455}">
+  <ds:schemaRefs>
+    <ds:schemaRef ds:uri="http://schemas.microsoft.com/VisualStudio/2011/storyboarding/control"/>
+  </ds:schemaRefs>
+</ds:datastoreItem>
+</file>
+
+<file path=customXml/itemProps157.xml><?xml version="1.0" encoding="utf-8"?>
+<ds:datastoreItem xmlns:ds="http://schemas.openxmlformats.org/officeDocument/2006/customXml" ds:itemID="{42FDEB12-2513-4D55-BA2A-18EF5D159E91}">
+  <ds:schemaRefs>
+    <ds:schemaRef ds:uri="http://schemas.microsoft.com/VisualStudio/2011/storyboarding/control"/>
+  </ds:schemaRefs>
+</ds:datastoreItem>
+</file>
+
+<file path=customXml/itemProps158.xml><?xml version="1.0" encoding="utf-8"?>
+<ds:datastoreItem xmlns:ds="http://schemas.openxmlformats.org/officeDocument/2006/customXml" ds:itemID="{B7D85223-23F1-4ACF-89DD-EE38AA7E4772}">
+  <ds:schemaRefs>
+    <ds:schemaRef ds:uri="http://schemas.microsoft.com/VisualStudio/2011/storyboarding/control"/>
+  </ds:schemaRefs>
+</ds:datastoreItem>
+</file>
+
+<file path=customXml/itemProps159.xml><?xml version="1.0" encoding="utf-8"?>
+<ds:datastoreItem xmlns:ds="http://schemas.openxmlformats.org/officeDocument/2006/customXml" ds:itemID="{149B1CD2-B7C7-4B38-9713-13FEE7CAC5CF}">
+  <ds:schemaRefs>
+    <ds:schemaRef ds:uri="http://schemas.microsoft.com/VisualStudio/2011/storyboarding/control"/>
+  </ds:schemaRefs>
+</ds:datastoreItem>
+</file>
+
+<file path=customXml/itemProps16.xml><?xml version="1.0" encoding="utf-8"?>
+<ds:datastoreItem xmlns:ds="http://schemas.openxmlformats.org/officeDocument/2006/customXml" ds:itemID="{D54CCA4C-C7B0-4AED-9D56-0F76C035783B}">
+  <ds:schemaRefs>
+    <ds:schemaRef ds:uri="http://schemas.microsoft.com/VisualStudio/2011/storyboarding/control"/>
+  </ds:schemaRefs>
+</ds:datastoreItem>
+</file>
+
+<file path=customXml/itemProps160.xml><?xml version="1.0" encoding="utf-8"?>
+<ds:datastoreItem xmlns:ds="http://schemas.openxmlformats.org/officeDocument/2006/customXml" ds:itemID="{ADDA3575-2CD6-4AA3-BAD6-EE20DE74340F}">
+  <ds:schemaRefs>
+    <ds:schemaRef ds:uri="http://schemas.microsoft.com/VisualStudio/2011/storyboarding/control"/>
+  </ds:schemaRefs>
+</ds:datastoreItem>
+</file>
+
+<file path=customXml/itemProps161.xml><?xml version="1.0" encoding="utf-8"?>
+<ds:datastoreItem xmlns:ds="http://schemas.openxmlformats.org/officeDocument/2006/customXml" ds:itemID="{990EA9D7-70A1-4B9E-958D-6A0136D68D06}">
+  <ds:schemaRefs>
+    <ds:schemaRef ds:uri="http://schemas.microsoft.com/VisualStudio/2011/storyboarding/control"/>
+  </ds:schemaRefs>
+</ds:datastoreItem>
+</file>
+
+<file path=customXml/itemProps162.xml><?xml version="1.0" encoding="utf-8"?>
+<ds:datastoreItem xmlns:ds="http://schemas.openxmlformats.org/officeDocument/2006/customXml" ds:itemID="{3DDBA3E6-6C5A-4905-87BF-300A95711014}">
+  <ds:schemaRefs>
+    <ds:schemaRef ds:uri="http://schemas.microsoft.com/VisualStudio/2011/storyboarding/control"/>
+  </ds:schemaRefs>
+</ds:datastoreItem>
+</file>
+
+<file path=customXml/itemProps163.xml><?xml version="1.0" encoding="utf-8"?>
+<ds:datastoreItem xmlns:ds="http://schemas.openxmlformats.org/officeDocument/2006/customXml" ds:itemID="{9F2E68F6-6824-42A7-A3A1-3AE0F539496E}">
+  <ds:schemaRefs>
+    <ds:schemaRef ds:uri="http://schemas.microsoft.com/VisualStudio/2011/storyboarding/control"/>
+  </ds:schemaRefs>
+</ds:datastoreItem>
+</file>
+
+<file path=customXml/itemProps164.xml><?xml version="1.0" encoding="utf-8"?>
+<ds:datastoreItem xmlns:ds="http://schemas.openxmlformats.org/officeDocument/2006/customXml" ds:itemID="{C85E147C-F6F1-445A-8F29-1DFA76FA167C}">
+  <ds:schemaRefs>
+    <ds:schemaRef ds:uri="http://schemas.microsoft.com/VisualStudio/2011/storyboarding/control"/>
+  </ds:schemaRefs>
+</ds:datastoreItem>
+</file>
+
+<file path=customXml/itemProps165.xml><?xml version="1.0" encoding="utf-8"?>
+<ds:datastoreItem xmlns:ds="http://schemas.openxmlformats.org/officeDocument/2006/customXml" ds:itemID="{BE30DC31-8F8A-48CF-A072-77607577B2FB}">
+  <ds:schemaRefs>
+    <ds:schemaRef ds:uri="http://schemas.microsoft.com/VisualStudio/2011/storyboarding/control"/>
+  </ds:schemaRefs>
+</ds:datastoreItem>
+</file>
+
+<file path=customXml/itemProps166.xml><?xml version="1.0" encoding="utf-8"?>
+<ds:datastoreItem xmlns:ds="http://schemas.openxmlformats.org/officeDocument/2006/customXml" ds:itemID="{508FF8A2-065C-4CBB-812E-6E03CA0DD0BA}">
+  <ds:schemaRefs>
+    <ds:schemaRef ds:uri="http://schemas.microsoft.com/VisualStudio/2011/storyboarding/control"/>
+  </ds:schemaRefs>
+</ds:datastoreItem>
+</file>
+
+<file path=customXml/itemProps167.xml><?xml version="1.0" encoding="utf-8"?>
+<ds:datastoreItem xmlns:ds="http://schemas.openxmlformats.org/officeDocument/2006/customXml" ds:itemID="{CC5F127A-2521-4BB3-9D64-238B9FDD6AF8}">
+  <ds:schemaRefs>
+    <ds:schemaRef ds:uri="http://schemas.microsoft.com/VisualStudio/2011/storyboarding/control"/>
+  </ds:schemaRefs>
+</ds:datastoreItem>
+</file>
+
+<file path=customXml/itemProps168.xml><?xml version="1.0" encoding="utf-8"?>
+<ds:datastoreItem xmlns:ds="http://schemas.openxmlformats.org/officeDocument/2006/customXml" ds:itemID="{8B573C24-C1CA-4AD9-8793-CFC1E42E3841}">
+  <ds:schemaRefs>
+    <ds:schemaRef ds:uri="http://schemas.microsoft.com/VisualStudio/2011/storyboarding/control"/>
+  </ds:schemaRefs>
+</ds:datastoreItem>
+</file>
+
+<file path=customXml/itemProps169.xml><?xml version="1.0" encoding="utf-8"?>
+<ds:datastoreItem xmlns:ds="http://schemas.openxmlformats.org/officeDocument/2006/customXml" ds:itemID="{99FFFAFB-7A40-49A1-B04F-4A1F6ECF0BAF}">
+  <ds:schemaRefs>
+    <ds:schemaRef ds:uri="http://schemas.microsoft.com/VisualStudio/2011/storyboarding/control"/>
+  </ds:schemaRefs>
+</ds:datastoreItem>
+</file>
+
+<file path=customXml/itemProps17.xml><?xml version="1.0" encoding="utf-8"?>
+<ds:datastoreItem xmlns:ds="http://schemas.openxmlformats.org/officeDocument/2006/customXml" ds:itemID="{A75B2111-FBDC-4291-9EA3-2B57563F245C}">
+  <ds:schemaRefs>
+    <ds:schemaRef ds:uri="http://schemas.microsoft.com/VisualStudio/2011/storyboarding/control"/>
+  </ds:schemaRefs>
+</ds:datastoreItem>
+</file>
+
+<file path=customXml/itemProps170.xml><?xml version="1.0" encoding="utf-8"?>
+<ds:datastoreItem xmlns:ds="http://schemas.openxmlformats.org/officeDocument/2006/customXml" ds:itemID="{7FDD124D-E3E9-4D15-9954-8BE945E00BA2}">
+  <ds:schemaRefs>
+    <ds:schemaRef ds:uri="http://schemas.microsoft.com/VisualStudio/2011/storyboarding/control"/>
+  </ds:schemaRefs>
+</ds:datastoreItem>
+</file>
+
+<file path=customXml/itemProps171.xml><?xml version="1.0" encoding="utf-8"?>
+<ds:datastoreItem xmlns:ds="http://schemas.openxmlformats.org/officeDocument/2006/customXml" ds:itemID="{D9B490FA-A64C-40B6-8247-CD5808900A10}">
+  <ds:schemaRefs>
+    <ds:schemaRef ds:uri="http://schemas.microsoft.com/VisualStudio/2011/storyboarding/control"/>
+  </ds:schemaRefs>
+</ds:datastoreItem>
+</file>
+
+<file path=customXml/itemProps172.xml><?xml version="1.0" encoding="utf-8"?>
+<ds:datastoreItem xmlns:ds="http://schemas.openxmlformats.org/officeDocument/2006/customXml" ds:itemID="{B472B8AC-8A53-4AB2-879D-1716C227F63F}">
+  <ds:schemaRefs>
+    <ds:schemaRef ds:uri="http://schemas.microsoft.com/VisualStudio/2011/storyboarding/control"/>
+  </ds:schemaRefs>
+</ds:datastoreItem>
+</file>
+
+<file path=customXml/itemProps173.xml><?xml version="1.0" encoding="utf-8"?>
+<ds:datastoreItem xmlns:ds="http://schemas.openxmlformats.org/officeDocument/2006/customXml" ds:itemID="{DC24DB23-C3E0-4806-934A-5531299BFC48}">
+  <ds:schemaRefs>
+    <ds:schemaRef ds:uri="http://schemas.microsoft.com/VisualStudio/2011/storyboarding/control"/>
+  </ds:schemaRefs>
+</ds:datastoreItem>
+</file>
+
+<file path=customXml/itemProps174.xml><?xml version="1.0" encoding="utf-8"?>
 <ds:datastoreItem xmlns:ds="http://schemas.openxmlformats.org/officeDocument/2006/customXml" ds:itemID="{654CBC2D-27EC-43DB-ABA4-3FBDF37D3735}">
   <ds:schemaRefs>
     <ds:schemaRef ds:uri="http://schemas.microsoft.com/VisualStudio/2011/storyboarding/control"/>
@@ -27129,63 +29296,223 @@
 </ds:datastoreItem>
 </file>
 
-<file path=customXml/itemProps103.xml><?xml version="1.0" encoding="utf-8"?>
-<ds:datastoreItem xmlns:ds="http://schemas.openxmlformats.org/officeDocument/2006/customXml" ds:itemID="{8E111B87-A381-46AA-BB11-318F8ACB4BCA}">
+<file path=customXml/itemProps175.xml><?xml version="1.0" encoding="utf-8"?>
+<ds:datastoreItem xmlns:ds="http://schemas.openxmlformats.org/officeDocument/2006/customXml" ds:itemID="{F840D909-519B-49C3-9DCA-97C64A5B9C79}">
   <ds:schemaRefs>
     <ds:schemaRef ds:uri="http://schemas.microsoft.com/VisualStudio/2011/storyboarding/control"/>
   </ds:schemaRefs>
 </ds:datastoreItem>
 </file>
 
-<file path=customXml/itemProps104.xml><?xml version="1.0" encoding="utf-8"?>
-<ds:datastoreItem xmlns:ds="http://schemas.openxmlformats.org/officeDocument/2006/customXml" ds:itemID="{161C1280-5A04-4E6E-8FE3-21E316A51B59}">
+<file path=customXml/itemProps176.xml><?xml version="1.0" encoding="utf-8"?>
+<ds:datastoreItem xmlns:ds="http://schemas.openxmlformats.org/officeDocument/2006/customXml" ds:itemID="{43446240-B211-4F80-A50E-E1B38445E2A1}">
   <ds:schemaRefs>
     <ds:schemaRef ds:uri="http://schemas.microsoft.com/VisualStudio/2011/storyboarding/control"/>
   </ds:schemaRefs>
 </ds:datastoreItem>
 </file>
 
-<file path=customXml/itemProps105.xml><?xml version="1.0" encoding="utf-8"?>
-<ds:datastoreItem xmlns:ds="http://schemas.openxmlformats.org/officeDocument/2006/customXml" ds:itemID="{478663F0-6D22-40DF-A721-0D85AF0A841E}">
+<file path=customXml/itemProps177.xml><?xml version="1.0" encoding="utf-8"?>
+<ds:datastoreItem xmlns:ds="http://schemas.openxmlformats.org/officeDocument/2006/customXml" ds:itemID="{69E02AD5-3C7C-4F1D-9766-B18ECF2212C6}">
   <ds:schemaRefs>
     <ds:schemaRef ds:uri="http://schemas.microsoft.com/VisualStudio/2011/storyboarding/control"/>
   </ds:schemaRefs>
 </ds:datastoreItem>
 </file>
 
-<file path=customXml/itemProps106.xml><?xml version="1.0" encoding="utf-8"?>
-<ds:datastoreItem xmlns:ds="http://schemas.openxmlformats.org/officeDocument/2006/customXml" ds:itemID="{BDF653D0-0803-4E4F-AB2B-0C004B440C9C}">
+<file path=customXml/itemProps178.xml><?xml version="1.0" encoding="utf-8"?>
+<ds:datastoreItem xmlns:ds="http://schemas.openxmlformats.org/officeDocument/2006/customXml" ds:itemID="{C170435E-AA56-4732-BD81-63AD243D433D}">
   <ds:schemaRefs>
     <ds:schemaRef ds:uri="http://schemas.microsoft.com/VisualStudio/2011/storyboarding/control"/>
   </ds:schemaRefs>
 </ds:datastoreItem>
 </file>
 
-<file path=customXml/itemProps107.xml><?xml version="1.0" encoding="utf-8"?>
-<ds:datastoreItem xmlns:ds="http://schemas.openxmlformats.org/officeDocument/2006/customXml" ds:itemID="{AF61DBC6-381C-43BF-8974-1BD37D61B73F}">
+<file path=customXml/itemProps179.xml><?xml version="1.0" encoding="utf-8"?>
+<ds:datastoreItem xmlns:ds="http://schemas.openxmlformats.org/officeDocument/2006/customXml" ds:itemID="{E886A3B6-32CF-43FB-BFDC-824E566105C6}">
   <ds:schemaRefs>
     <ds:schemaRef ds:uri="http://schemas.microsoft.com/VisualStudio/2011/storyboarding/control"/>
   </ds:schemaRefs>
 </ds:datastoreItem>
 </file>
 
-<file path=customXml/itemProps108.xml><?xml version="1.0" encoding="utf-8"?>
-<ds:datastoreItem xmlns:ds="http://schemas.openxmlformats.org/officeDocument/2006/customXml" ds:itemID="{318A67F4-7454-49D3-B5F7-EDF3AEE6B3CC}">
+<file path=customXml/itemProps18.xml><?xml version="1.0" encoding="utf-8"?>
+<ds:datastoreItem xmlns:ds="http://schemas.openxmlformats.org/officeDocument/2006/customXml" ds:itemID="{D3E69636-CCB7-4030-8B08-9159922F7C18}">
   <ds:schemaRefs>
     <ds:schemaRef ds:uri="http://schemas.microsoft.com/VisualStudio/2011/storyboarding/control"/>
   </ds:schemaRefs>
 </ds:datastoreItem>
 </file>
 
-<file path=customXml/itemProps109.xml><?xml version="1.0" encoding="utf-8"?>
-<ds:datastoreItem xmlns:ds="http://schemas.openxmlformats.org/officeDocument/2006/customXml" ds:itemID="{48F85951-6571-4AA7-9B26-EEF9CD4B541F}">
+<file path=customXml/itemProps180.xml><?xml version="1.0" encoding="utf-8"?>
+<ds:datastoreItem xmlns:ds="http://schemas.openxmlformats.org/officeDocument/2006/customXml" ds:itemID="{B8677481-C0C6-468D-8B15-ECE0CB48746C}">
   <ds:schemaRefs>
     <ds:schemaRef ds:uri="http://schemas.microsoft.com/VisualStudio/2011/storyboarding/control"/>
   </ds:schemaRefs>
 </ds:datastoreItem>
 </file>
 
-<file path=customXml/itemProps11.xml><?xml version="1.0" encoding="utf-8"?>
+<file path=customXml/itemProps181.xml><?xml version="1.0" encoding="utf-8"?>
+<ds:datastoreItem xmlns:ds="http://schemas.openxmlformats.org/officeDocument/2006/customXml" ds:itemID="{9F80CF27-93E9-4C7B-88EF-82FB0C72DF62}">
+  <ds:schemaRefs>
+    <ds:schemaRef ds:uri="http://schemas.microsoft.com/VisualStudio/2011/storyboarding/control"/>
+  </ds:schemaRefs>
+</ds:datastoreItem>
+</file>
+
+<file path=customXml/itemProps182.xml><?xml version="1.0" encoding="utf-8"?>
+<ds:datastoreItem xmlns:ds="http://schemas.openxmlformats.org/officeDocument/2006/customXml" ds:itemID="{CE225F83-8706-4484-B4DE-2B7E506A1F45}">
+  <ds:schemaRefs>
+    <ds:schemaRef ds:uri="http://schemas.microsoft.com/VisualStudio/2011/storyboarding/control"/>
+  </ds:schemaRefs>
+</ds:datastoreItem>
+</file>
+
+<file path=customXml/itemProps183.xml><?xml version="1.0" encoding="utf-8"?>
+<ds:datastoreItem xmlns:ds="http://schemas.openxmlformats.org/officeDocument/2006/customXml" ds:itemID="{B8E12DBA-650B-4369-8B51-0ED5654ECE37}">
+  <ds:schemaRefs>
+    <ds:schemaRef ds:uri="http://schemas.microsoft.com/VisualStudio/2011/storyboarding/control"/>
+  </ds:schemaRefs>
+</ds:datastoreItem>
+</file>
+
+<file path=customXml/itemProps184.xml><?xml version="1.0" encoding="utf-8"?>
+<ds:datastoreItem xmlns:ds="http://schemas.openxmlformats.org/officeDocument/2006/customXml" ds:itemID="{3339E7B3-364E-4EE1-ABAB-0EFEF3F7CE1F}">
+  <ds:schemaRefs>
+    <ds:schemaRef ds:uri="http://schemas.microsoft.com/VisualStudio/2011/storyboarding/control"/>
+  </ds:schemaRefs>
+</ds:datastoreItem>
+</file>
+
+<file path=customXml/itemProps185.xml><?xml version="1.0" encoding="utf-8"?>
+<ds:datastoreItem xmlns:ds="http://schemas.openxmlformats.org/officeDocument/2006/customXml" ds:itemID="{FAF279A2-D818-4A3B-9CA3-F56054F0F403}">
+  <ds:schemaRefs>
+    <ds:schemaRef ds:uri="http://schemas.microsoft.com/VisualStudio/2011/storyboarding/control"/>
+  </ds:schemaRefs>
+</ds:datastoreItem>
+</file>
+
+<file path=customXml/itemProps186.xml><?xml version="1.0" encoding="utf-8"?>
+<ds:datastoreItem xmlns:ds="http://schemas.openxmlformats.org/officeDocument/2006/customXml" ds:itemID="{9D302521-BA49-4917-9E8F-7F06410FFC0F}">
+  <ds:schemaRefs>
+    <ds:schemaRef ds:uri="http://schemas.microsoft.com/VisualStudio/2011/storyboarding/control"/>
+  </ds:schemaRefs>
+</ds:datastoreItem>
+</file>
+
+<file path=customXml/itemProps187.xml><?xml version="1.0" encoding="utf-8"?>
+<ds:datastoreItem xmlns:ds="http://schemas.openxmlformats.org/officeDocument/2006/customXml" ds:itemID="{A4CF6FD0-887D-4C12-8BFE-3ACC259D1B31}">
+  <ds:schemaRefs>
+    <ds:schemaRef ds:uri="http://schemas.microsoft.com/VisualStudio/2011/storyboarding/control"/>
+  </ds:schemaRefs>
+</ds:datastoreItem>
+</file>
+
+<file path=customXml/itemProps188.xml><?xml version="1.0" encoding="utf-8"?>
+<ds:datastoreItem xmlns:ds="http://schemas.openxmlformats.org/officeDocument/2006/customXml" ds:itemID="{120BD3BD-92EA-4CFC-B566-0662642315EB}">
+  <ds:schemaRefs>
+    <ds:schemaRef ds:uri="http://schemas.microsoft.com/VisualStudio/2011/storyboarding/control"/>
+  </ds:schemaRefs>
+</ds:datastoreItem>
+</file>
+
+<file path=customXml/itemProps189.xml><?xml version="1.0" encoding="utf-8"?>
+<ds:datastoreItem xmlns:ds="http://schemas.openxmlformats.org/officeDocument/2006/customXml" ds:itemID="{8A2DA60F-9248-4608-A0A6-DFDF19A97A2E}">
+  <ds:schemaRefs>
+    <ds:schemaRef ds:uri="http://schemas.microsoft.com/VisualStudio/2011/storyboarding/control"/>
+  </ds:schemaRefs>
+</ds:datastoreItem>
+</file>
+
+<file path=customXml/itemProps19.xml><?xml version="1.0" encoding="utf-8"?>
+<ds:datastoreItem xmlns:ds="http://schemas.openxmlformats.org/officeDocument/2006/customXml" ds:itemID="{EF5EA3E2-3902-4CA0-93F4-4F361DF72ABD}">
+  <ds:schemaRefs>
+    <ds:schemaRef ds:uri="http://schemas.microsoft.com/VisualStudio/2011/storyboarding/control"/>
+  </ds:schemaRefs>
+</ds:datastoreItem>
+</file>
+
+<file path=customXml/itemProps190.xml><?xml version="1.0" encoding="utf-8"?>
+<ds:datastoreItem xmlns:ds="http://schemas.openxmlformats.org/officeDocument/2006/customXml" ds:itemID="{1E1DC9F1-383D-48D9-A158-FD61EFFEC310}">
+  <ds:schemaRefs>
+    <ds:schemaRef ds:uri="http://schemas.microsoft.com/VisualStudio/2011/storyboarding/control"/>
+  </ds:schemaRefs>
+</ds:datastoreItem>
+</file>
+
+<file path=customXml/itemProps191.xml><?xml version="1.0" encoding="utf-8"?>
+<ds:datastoreItem xmlns:ds="http://schemas.openxmlformats.org/officeDocument/2006/customXml" ds:itemID="{7BE42E91-3DB4-479E-BE54-A7AF8D6CC46F}">
+  <ds:schemaRefs>
+    <ds:schemaRef ds:uri="http://schemas.microsoft.com/VisualStudio/2011/storyboarding/control"/>
+  </ds:schemaRefs>
+</ds:datastoreItem>
+</file>
+
+<file path=customXml/itemProps192.xml><?xml version="1.0" encoding="utf-8"?>
+<ds:datastoreItem xmlns:ds="http://schemas.openxmlformats.org/officeDocument/2006/customXml" ds:itemID="{D328CE00-11C7-43FB-8EA1-3120331CB9BF}">
+  <ds:schemaRefs>
+    <ds:schemaRef ds:uri="http://schemas.microsoft.com/VisualStudio/2011/storyboarding/control"/>
+  </ds:schemaRefs>
+</ds:datastoreItem>
+</file>
+
+<file path=customXml/itemProps193.xml><?xml version="1.0" encoding="utf-8"?>
+<ds:datastoreItem xmlns:ds="http://schemas.openxmlformats.org/officeDocument/2006/customXml" ds:itemID="{F45E6997-4B4B-4727-A4D1-A85B6363A2C9}">
+  <ds:schemaRefs>
+    <ds:schemaRef ds:uri="http://schemas.microsoft.com/VisualStudio/2011/storyboarding/control"/>
+  </ds:schemaRefs>
+</ds:datastoreItem>
+</file>
+
+<file path=customXml/itemProps194.xml><?xml version="1.0" encoding="utf-8"?>
+<ds:datastoreItem xmlns:ds="http://schemas.openxmlformats.org/officeDocument/2006/customXml" ds:itemID="{66473726-355D-4770-B3A7-C570829AF4FF}">
+  <ds:schemaRefs>
+    <ds:schemaRef ds:uri="http://schemas.microsoft.com/VisualStudio/2011/storyboarding/control"/>
+  </ds:schemaRefs>
+</ds:datastoreItem>
+</file>
+
+<file path=customXml/itemProps195.xml><?xml version="1.0" encoding="utf-8"?>
+<ds:datastoreItem xmlns:ds="http://schemas.openxmlformats.org/officeDocument/2006/customXml" ds:itemID="{88AA68C0-8773-416C-9DC4-14824D3391C3}">
+  <ds:schemaRefs>
+    <ds:schemaRef ds:uri="http://schemas.microsoft.com/VisualStudio/2011/storyboarding/control"/>
+  </ds:schemaRefs>
+</ds:datastoreItem>
+</file>
+
+<file path=customXml/itemProps196.xml><?xml version="1.0" encoding="utf-8"?>
+<ds:datastoreItem xmlns:ds="http://schemas.openxmlformats.org/officeDocument/2006/customXml" ds:itemID="{B989AF36-C9FB-411F-9E56-CEC5A99810B6}">
+  <ds:schemaRefs>
+    <ds:schemaRef ds:uri="http://schemas.microsoft.com/VisualStudio/2011/storyboarding/control"/>
+  </ds:schemaRefs>
+</ds:datastoreItem>
+</file>
+
+<file path=customXml/itemProps197.xml><?xml version="1.0" encoding="utf-8"?>
+<ds:datastoreItem xmlns:ds="http://schemas.openxmlformats.org/officeDocument/2006/customXml" ds:itemID="{CD6136E2-70EF-4A25-98DD-72EF9D3B7745}">
+  <ds:schemaRefs>
+    <ds:schemaRef ds:uri="http://schemas.microsoft.com/VisualStudio/2011/storyboarding/control"/>
+  </ds:schemaRefs>
+</ds:datastoreItem>
+</file>
+
+<file path=customXml/itemProps198.xml><?xml version="1.0" encoding="utf-8"?>
+<ds:datastoreItem xmlns:ds="http://schemas.openxmlformats.org/officeDocument/2006/customXml" ds:itemID="{066448F1-1CC6-4A95-846E-C7223AD46EE6}">
+  <ds:schemaRefs>
+    <ds:schemaRef ds:uri="http://schemas.microsoft.com/VisualStudio/2011/storyboarding/control"/>
+  </ds:schemaRefs>
+</ds:datastoreItem>
+</file>
+
+<file path=customXml/itemProps199.xml><?xml version="1.0" encoding="utf-8"?>
+<ds:datastoreItem xmlns:ds="http://schemas.openxmlformats.org/officeDocument/2006/customXml" ds:itemID="{E294892A-3658-4202-AA42-2B0D6B79927E}">
+  <ds:schemaRefs>
+    <ds:schemaRef ds:uri="http://schemas.microsoft.com/VisualStudio/2011/storyboarding/control"/>
+  </ds:schemaRefs>
+</ds:datastoreItem>
+</file>
+
+<file path=customXml/itemProps2.xml><?xml version="1.0" encoding="utf-8"?>
 <ds:datastoreItem xmlns:ds="http://schemas.openxmlformats.org/officeDocument/2006/customXml" ds:itemID="{DAF42908-C10A-4B0A-BD53-0A9168593350}">
   <ds:schemaRefs>
     <ds:schemaRef ds:uri="http://schemas.microsoft.com/VisualStudio/2011/storyboarding/control"/>
@@ -27193,31 +29520,47 @@
 </ds:datastoreItem>
 </file>
 
-<file path=customXml/itemProps110.xml><?xml version="1.0" encoding="utf-8"?>
-<ds:datastoreItem xmlns:ds="http://schemas.openxmlformats.org/officeDocument/2006/customXml" ds:itemID="{D2FE2441-F4F4-4DD2-A086-4A7D71862FD9}">
+<file path=customXml/itemProps20.xml><?xml version="1.0" encoding="utf-8"?>
+<ds:datastoreItem xmlns:ds="http://schemas.openxmlformats.org/officeDocument/2006/customXml" ds:itemID="{8F7399B1-A9DB-4D84-95B4-5DD6BBAA5187}">
   <ds:schemaRefs>
     <ds:schemaRef ds:uri="http://schemas.microsoft.com/VisualStudio/2011/storyboarding/control"/>
   </ds:schemaRefs>
 </ds:datastoreItem>
 </file>
 
-<file path=customXml/itemProps111.xml><?xml version="1.0" encoding="utf-8"?>
-<ds:datastoreItem xmlns:ds="http://schemas.openxmlformats.org/officeDocument/2006/customXml" ds:itemID="{D12E1D60-E53D-431F-ABC8-B98207B7D1E6}">
+<file path=customXml/itemProps200.xml><?xml version="1.0" encoding="utf-8"?>
+<ds:datastoreItem xmlns:ds="http://schemas.openxmlformats.org/officeDocument/2006/customXml" ds:itemID="{EB677E35-D137-4C84-9B97-22DCA390BD9F}">
   <ds:schemaRefs>
     <ds:schemaRef ds:uri="http://schemas.microsoft.com/VisualStudio/2011/storyboarding/control"/>
   </ds:schemaRefs>
 </ds:datastoreItem>
 </file>
 
-<file path=customXml/itemProps112.xml><?xml version="1.0" encoding="utf-8"?>
-<ds:datastoreItem xmlns:ds="http://schemas.openxmlformats.org/officeDocument/2006/customXml" ds:itemID="{508FF8A2-065C-4CBB-812E-6E03CA0DD0BA}">
+<file path=customXml/itemProps201.xml><?xml version="1.0" encoding="utf-8"?>
+<ds:datastoreItem xmlns:ds="http://schemas.openxmlformats.org/officeDocument/2006/customXml" ds:itemID="{1614024A-3643-477B-806B-8CB820196DA4}">
   <ds:schemaRefs>
     <ds:schemaRef ds:uri="http://schemas.microsoft.com/VisualStudio/2011/storyboarding/control"/>
   </ds:schemaRefs>
 </ds:datastoreItem>
 </file>
 
-<file path=customXml/itemProps113.xml><?xml version="1.0" encoding="utf-8"?>
+<file path=customXml/itemProps202.xml><?xml version="1.0" encoding="utf-8"?>
+<ds:datastoreItem xmlns:ds="http://schemas.openxmlformats.org/officeDocument/2006/customXml" ds:itemID="{84A1C4FF-CF8B-48C0-B2E8-79556D35A499}">
+  <ds:schemaRefs>
+    <ds:schemaRef ds:uri="http://schemas.microsoft.com/VisualStudio/2011/storyboarding/control"/>
+  </ds:schemaRefs>
+</ds:datastoreItem>
+</file>
+
+<file path=customXml/itemProps203.xml><?xml version="1.0" encoding="utf-8"?>
+<ds:datastoreItem xmlns:ds="http://schemas.openxmlformats.org/officeDocument/2006/customXml" ds:itemID="{F01453C2-8AA6-4320-933D-80786B0C2F4B}">
+  <ds:schemaRefs>
+    <ds:schemaRef ds:uri="http://schemas.microsoft.com/VisualStudio/2011/storyboarding/control"/>
+  </ds:schemaRefs>
+</ds:datastoreItem>
+</file>
+
+<file path=customXml/itemProps21.xml><?xml version="1.0" encoding="utf-8"?>
 <ds:datastoreItem xmlns:ds="http://schemas.openxmlformats.org/officeDocument/2006/customXml" ds:itemID="{A41DC63A-40F8-492D-A1AF-3E8E88975D17}">
   <ds:schemaRefs>
     <ds:schemaRef ds:uri="http://schemas.microsoft.com/VisualStudio/2011/storyboarding/control"/>
@@ -27225,39 +29568,7 @@
 </ds:datastoreItem>
 </file>
 
-<file path=customXml/itemProps114.xml><?xml version="1.0" encoding="utf-8"?>
-<ds:datastoreItem xmlns:ds="http://schemas.openxmlformats.org/officeDocument/2006/customXml" ds:itemID="{CABD2B3A-1161-43E2-BA83-58E6B897C9BF}">
-  <ds:schemaRefs>
-    <ds:schemaRef ds:uri="http://schemas.microsoft.com/VisualStudio/2011/storyboarding/control"/>
-  </ds:schemaRefs>
-</ds:datastoreItem>
-</file>
-
-<file path=customXml/itemProps115.xml><?xml version="1.0" encoding="utf-8"?>
-<ds:datastoreItem xmlns:ds="http://schemas.openxmlformats.org/officeDocument/2006/customXml" ds:itemID="{A5548825-A252-43B9-8E93-D05CC009ABBE}">
-  <ds:schemaRefs>
-    <ds:schemaRef ds:uri="http://schemas.microsoft.com/VisualStudio/2011/storyboarding/control"/>
-  </ds:schemaRefs>
-</ds:datastoreItem>
-</file>
-
-<file path=customXml/itemProps116.xml><?xml version="1.0" encoding="utf-8"?>
-<ds:datastoreItem xmlns:ds="http://schemas.openxmlformats.org/officeDocument/2006/customXml" ds:itemID="{500E728B-7A9B-4D12-B59B-8083B681FF18}">
-  <ds:schemaRefs>
-    <ds:schemaRef ds:uri="http://schemas.microsoft.com/VisualStudio/2011/storyboarding/control"/>
-  </ds:schemaRefs>
-</ds:datastoreItem>
-</file>
-
-<file path=customXml/itemProps117.xml><?xml version="1.0" encoding="utf-8"?>
-<ds:datastoreItem xmlns:ds="http://schemas.openxmlformats.org/officeDocument/2006/customXml" ds:itemID="{69E02AD5-3C7C-4F1D-9766-B18ECF2212C6}">
-  <ds:schemaRefs>
-    <ds:schemaRef ds:uri="http://schemas.microsoft.com/VisualStudio/2011/storyboarding/control"/>
-  </ds:schemaRefs>
-</ds:datastoreItem>
-</file>
-
-<file path=customXml/itemProps118.xml><?xml version="1.0" encoding="utf-8"?>
+<file path=customXml/itemProps22.xml><?xml version="1.0" encoding="utf-8"?>
 <ds:datastoreItem xmlns:ds="http://schemas.openxmlformats.org/officeDocument/2006/customXml" ds:itemID="{FC6544C5-9902-4F92-B15E-0F0FB91FC344}">
   <ds:schemaRefs>
     <ds:schemaRef ds:uri="http://schemas.microsoft.com/VisualStudio/2011/storyboarding/control"/>
@@ -27265,15 +29576,79 @@
 </ds:datastoreItem>
 </file>
 
-<file path=customXml/itemProps119.xml><?xml version="1.0" encoding="utf-8"?>
-<ds:datastoreItem xmlns:ds="http://schemas.openxmlformats.org/officeDocument/2006/customXml" ds:itemID="{7CABBE05-1DB8-413F-B922-E51F51DB6CB5}">
+<file path=customXml/itemProps23.xml><?xml version="1.0" encoding="utf-8"?>
+<ds:datastoreItem xmlns:ds="http://schemas.openxmlformats.org/officeDocument/2006/customXml" ds:itemID="{FD7A3CF8-3A66-47F9-8AD7-22127504A57F}">
   <ds:schemaRefs>
     <ds:schemaRef ds:uri="http://schemas.microsoft.com/VisualStudio/2011/storyboarding/control"/>
   </ds:schemaRefs>
 </ds:datastoreItem>
 </file>
 
-<file path=customXml/itemProps12.xml><?xml version="1.0" encoding="utf-8"?>
+<file path=customXml/itemProps24.xml><?xml version="1.0" encoding="utf-8"?>
+<ds:datastoreItem xmlns:ds="http://schemas.openxmlformats.org/officeDocument/2006/customXml" ds:itemID="{408DBD6E-BA86-4206-898C-8866D621C758}">
+  <ds:schemaRefs>
+    <ds:schemaRef ds:uri="http://schemas.microsoft.com/VisualStudio/2011/storyboarding/control"/>
+  </ds:schemaRefs>
+</ds:datastoreItem>
+</file>
+
+<file path=customXml/itemProps25.xml><?xml version="1.0" encoding="utf-8"?>
+<ds:datastoreItem xmlns:ds="http://schemas.openxmlformats.org/officeDocument/2006/customXml" ds:itemID="{BC9894E6-7AC8-4518-A802-8C98F8565837}">
+  <ds:schemaRefs>
+    <ds:schemaRef ds:uri="http://schemas.microsoft.com/VisualStudio/2011/storyboarding/control"/>
+  </ds:schemaRefs>
+</ds:datastoreItem>
+</file>
+
+<file path=customXml/itemProps26.xml><?xml version="1.0" encoding="utf-8"?>
+<ds:datastoreItem xmlns:ds="http://schemas.openxmlformats.org/officeDocument/2006/customXml" ds:itemID="{2BDF7FB8-4BA8-46D9-B98A-095F3529F3D4}">
+  <ds:schemaRefs>
+    <ds:schemaRef ds:uri="http://schemas.microsoft.com/VisualStudio/2011/storyboarding/control"/>
+  </ds:schemaRefs>
+</ds:datastoreItem>
+</file>
+
+<file path=customXml/itemProps27.xml><?xml version="1.0" encoding="utf-8"?>
+<ds:datastoreItem xmlns:ds="http://schemas.openxmlformats.org/officeDocument/2006/customXml" ds:itemID="{DB2000C8-B277-4324-8B80-CDB83E8CE835}">
+  <ds:schemaRefs>
+    <ds:schemaRef ds:uri="http://schemas.microsoft.com/VisualStudio/2011/storyboarding/control"/>
+  </ds:schemaRefs>
+</ds:datastoreItem>
+</file>
+
+<file path=customXml/itemProps28.xml><?xml version="1.0" encoding="utf-8"?>
+<ds:datastoreItem xmlns:ds="http://schemas.openxmlformats.org/officeDocument/2006/customXml" ds:itemID="{4B7335D3-7249-47CB-993B-C371E630393B}">
+  <ds:schemaRefs>
+    <ds:schemaRef ds:uri="http://schemas.microsoft.com/VisualStudio/2011/storyboarding/control"/>
+  </ds:schemaRefs>
+</ds:datastoreItem>
+</file>
+
+<file path=customXml/itemProps29.xml><?xml version="1.0" encoding="utf-8"?>
+<ds:datastoreItem xmlns:ds="http://schemas.openxmlformats.org/officeDocument/2006/customXml" ds:itemID="{7989F8B3-8E20-4455-9310-361DF73D03B3}">
+  <ds:schemaRefs>
+    <ds:schemaRef ds:uri="http://schemas.microsoft.com/VisualStudio/2011/storyboarding/control"/>
+  </ds:schemaRefs>
+</ds:datastoreItem>
+</file>
+
+<file path=customXml/itemProps3.xml><?xml version="1.0" encoding="utf-8"?>
+<ds:datastoreItem xmlns:ds="http://schemas.openxmlformats.org/officeDocument/2006/customXml" ds:itemID="{991C2A14-C674-4C12-8CE8-7EAE1ABB4197}">
+  <ds:schemaRefs>
+    <ds:schemaRef ds:uri="http://schemas.microsoft.com/VisualStudio/2011/storyboarding/control"/>
+  </ds:schemaRefs>
+</ds:datastoreItem>
+</file>
+
+<file path=customXml/itemProps30.xml><?xml version="1.0" encoding="utf-8"?>
+<ds:datastoreItem xmlns:ds="http://schemas.openxmlformats.org/officeDocument/2006/customXml" ds:itemID="{C14734D5-9FB1-4C35-A180-105B4BA15CD3}">
+  <ds:schemaRefs>
+    <ds:schemaRef ds:uri="http://schemas.microsoft.com/VisualStudio/2011/storyboarding/control"/>
+  </ds:schemaRefs>
+</ds:datastoreItem>
+</file>
+
+<file path=customXml/itemProps31.xml><?xml version="1.0" encoding="utf-8"?>
 <ds:datastoreItem xmlns:ds="http://schemas.openxmlformats.org/officeDocument/2006/customXml" ds:itemID="{24900BF5-C4DC-42A1-8816-A384E671E92A}">
   <ds:schemaRefs>
     <ds:schemaRef ds:uri="http://schemas.microsoft.com/VisualStudio/2011/storyboarding/control"/>
@@ -27281,720 +29656,8 @@
 </ds:datastoreItem>
 </file>
 
-<file path=customXml/itemProps120.xml><?xml version="1.0" encoding="utf-8"?>
-<ds:datastoreItem xmlns:ds="http://schemas.openxmlformats.org/officeDocument/2006/customXml" ds:itemID="{CF91C9AF-FB44-4B2D-B964-EA853D542988}">
-  <ds:schemaRefs>
-    <ds:schemaRef ds:uri="http://schemas.microsoft.com/VisualStudio/2011/storyboarding/control"/>
-  </ds:schemaRefs>
-</ds:datastoreItem>
-</file>
-
-<file path=customXml/itemProps121.xml><?xml version="1.0" encoding="utf-8"?>
-<ds:datastoreItem xmlns:ds="http://schemas.openxmlformats.org/officeDocument/2006/customXml" ds:itemID="{9A59738E-0CC4-436E-B451-F09AF7853BEC}">
-  <ds:schemaRefs>
-    <ds:schemaRef ds:uri="http://schemas.microsoft.com/VisualStudio/2011/storyboarding/control"/>
-  </ds:schemaRefs>
-</ds:datastoreItem>
-</file>
-
-<file path=customXml/itemProps122.xml><?xml version="1.0" encoding="utf-8"?>
-<ds:datastoreItem xmlns:ds="http://schemas.openxmlformats.org/officeDocument/2006/customXml" ds:itemID="{B0402FE7-8C5A-480B-84D5-E3BA5D7DDA9A}">
-  <ds:schemaRefs>
-    <ds:schemaRef ds:uri="http://schemas.microsoft.com/VisualStudio/2011/storyboarding/control"/>
-  </ds:schemaRefs>
-</ds:datastoreItem>
-</file>
-
-<file path=customXml/itemProps123.xml><?xml version="1.0" encoding="utf-8"?>
-<ds:datastoreItem xmlns:ds="http://schemas.openxmlformats.org/officeDocument/2006/customXml" ds:itemID="{F840D909-519B-49C3-9DCA-97C64A5B9C79}">
-  <ds:schemaRefs>
-    <ds:schemaRef ds:uri="http://schemas.microsoft.com/VisualStudio/2011/storyboarding/control"/>
-  </ds:schemaRefs>
-</ds:datastoreItem>
-</file>
-
-<file path=customXml/itemProps124.xml><?xml version="1.0" encoding="utf-8"?>
-<ds:datastoreItem xmlns:ds="http://schemas.openxmlformats.org/officeDocument/2006/customXml" ds:itemID="{26EBF4A3-F17A-4E3E-A734-46BBA9DFA0C8}">
-  <ds:schemaRefs>
-    <ds:schemaRef ds:uri="http://schemas.microsoft.com/VisualStudio/2011/storyboarding/control"/>
-  </ds:schemaRefs>
-</ds:datastoreItem>
-</file>
-
-<file path=customXml/itemProps125.xml><?xml version="1.0" encoding="utf-8"?>
-<ds:datastoreItem xmlns:ds="http://schemas.openxmlformats.org/officeDocument/2006/customXml" ds:itemID="{417DBAC8-3D39-4B42-B14B-DAEC2E68913B}">
-  <ds:schemaRefs>
-    <ds:schemaRef ds:uri="http://schemas.microsoft.com/VisualStudio/2011/storyboarding/control"/>
-  </ds:schemaRefs>
-</ds:datastoreItem>
-</file>
-
-<file path=customXml/itemProps126.xml><?xml version="1.0" encoding="utf-8"?>
-<ds:datastoreItem xmlns:ds="http://schemas.openxmlformats.org/officeDocument/2006/customXml" ds:itemID="{3154CB70-BAFF-4B34-BC33-BD1C66EB86D7}">
-  <ds:schemaRefs>
-    <ds:schemaRef ds:uri="http://schemas.microsoft.com/VisualStudio/2011/storyboarding/control"/>
-  </ds:schemaRefs>
-</ds:datastoreItem>
-</file>
-
-<file path=customXml/itemProps127.xml><?xml version="1.0" encoding="utf-8"?>
-<ds:datastoreItem xmlns:ds="http://schemas.openxmlformats.org/officeDocument/2006/customXml" ds:itemID="{E194B3CD-86C3-4F6B-A743-1D8043783C25}">
-  <ds:schemaRefs>
-    <ds:schemaRef ds:uri="http://schemas.microsoft.com/VisualStudio/2011/storyboarding/control"/>
-  </ds:schemaRefs>
-</ds:datastoreItem>
-</file>
-
-<file path=customXml/itemProps128.xml><?xml version="1.0" encoding="utf-8"?>
-<ds:datastoreItem xmlns:ds="http://schemas.openxmlformats.org/officeDocument/2006/customXml" ds:itemID="{32DCF836-3940-427C-8F81-BA183FB52BAC}">
-  <ds:schemaRefs>
-    <ds:schemaRef ds:uri="http://schemas.microsoft.com/VisualStudio/2011/storyboarding/control"/>
-  </ds:schemaRefs>
-</ds:datastoreItem>
-</file>
-
-<file path=customXml/itemProps129.xml><?xml version="1.0" encoding="utf-8"?>
-<ds:datastoreItem xmlns:ds="http://schemas.openxmlformats.org/officeDocument/2006/customXml" ds:itemID="{228AF168-33A9-492E-910D-EAE94E644B4A}">
-  <ds:schemaRefs>
-    <ds:schemaRef ds:uri="http://schemas.microsoft.com/VisualStudio/2011/storyboarding/control"/>
-  </ds:schemaRefs>
-</ds:datastoreItem>
-</file>
-
-<file path=customXml/itemProps13.xml><?xml version="1.0" encoding="utf-8"?>
-<ds:datastoreItem xmlns:ds="http://schemas.openxmlformats.org/officeDocument/2006/customXml" ds:itemID="{905F7CBB-FF77-4853-ADB2-0B0D37590AA0}">
-  <ds:schemaRefs>
-    <ds:schemaRef ds:uri="http://schemas.microsoft.com/VisualStudio/2011/storyboarding/control"/>
-  </ds:schemaRefs>
-</ds:datastoreItem>
-</file>
-
-<file path=customXml/itemProps130.xml><?xml version="1.0" encoding="utf-8"?>
-<ds:datastoreItem xmlns:ds="http://schemas.openxmlformats.org/officeDocument/2006/customXml" ds:itemID="{7D7DCE13-136F-43F5-85AB-F325A838BD5C}">
-  <ds:schemaRefs>
-    <ds:schemaRef ds:uri="http://schemas.microsoft.com/VisualStudio/2011/storyboarding/control"/>
-  </ds:schemaRefs>
-</ds:datastoreItem>
-</file>
-
-<file path=customXml/itemProps131.xml><?xml version="1.0" encoding="utf-8"?>
-<ds:datastoreItem xmlns:ds="http://schemas.openxmlformats.org/officeDocument/2006/customXml" ds:itemID="{7D9FEB58-73F6-462F-A88A-C490995E4318}">
-  <ds:schemaRefs>
-    <ds:schemaRef ds:uri="http://schemas.microsoft.com/VisualStudio/2011/storyboarding/control"/>
-  </ds:schemaRefs>
-</ds:datastoreItem>
-</file>
-
-<file path=customXml/itemProps132.xml><?xml version="1.0" encoding="utf-8"?>
-<ds:datastoreItem xmlns:ds="http://schemas.openxmlformats.org/officeDocument/2006/customXml" ds:itemID="{8AE17CAA-BEF2-44CD-9DEE-2F8C17585A32}">
-  <ds:schemaRefs>
-    <ds:schemaRef ds:uri="http://schemas.microsoft.com/VisualStudio/2011/storyboarding/control"/>
-  </ds:schemaRefs>
-</ds:datastoreItem>
-</file>
-
-<file path=customXml/itemProps133.xml><?xml version="1.0" encoding="utf-8"?>
-<ds:datastoreItem xmlns:ds="http://schemas.openxmlformats.org/officeDocument/2006/customXml" ds:itemID="{CC5F127A-2521-4BB3-9D64-238B9FDD6AF8}">
-  <ds:schemaRefs>
-    <ds:schemaRef ds:uri="http://schemas.microsoft.com/VisualStudio/2011/storyboarding/control"/>
-  </ds:schemaRefs>
-</ds:datastoreItem>
-</file>
-
-<file path=customXml/itemProps134.xml><?xml version="1.0" encoding="utf-8"?>
-<ds:datastoreItem xmlns:ds="http://schemas.openxmlformats.org/officeDocument/2006/customXml" ds:itemID="{FD7A3CF8-3A66-47F9-8AD7-22127504A57F}">
-  <ds:schemaRefs>
-    <ds:schemaRef ds:uri="http://schemas.microsoft.com/VisualStudio/2011/storyboarding/control"/>
-  </ds:schemaRefs>
-</ds:datastoreItem>
-</file>
-
-<file path=customXml/itemProps135.xml><?xml version="1.0" encoding="utf-8"?>
-<ds:datastoreItem xmlns:ds="http://schemas.openxmlformats.org/officeDocument/2006/customXml" ds:itemID="{063AF5E8-36AD-451D-9B6A-4390E8F3CF38}">
-  <ds:schemaRefs>
-    <ds:schemaRef ds:uri="http://schemas.microsoft.com/VisualStudio/2011/storyboarding/control"/>
-  </ds:schemaRefs>
-</ds:datastoreItem>
-</file>
-
-<file path=customXml/itemProps136.xml><?xml version="1.0" encoding="utf-8"?>
-<ds:datastoreItem xmlns:ds="http://schemas.openxmlformats.org/officeDocument/2006/customXml" ds:itemID="{68A0CDC1-3F80-4DE3-8AB3-B532E32DC2D3}">
-  <ds:schemaRefs>
-    <ds:schemaRef ds:uri="http://schemas.microsoft.com/VisualStudio/2011/storyboarding/control"/>
-  </ds:schemaRefs>
-</ds:datastoreItem>
-</file>
-
-<file path=customXml/itemProps137.xml><?xml version="1.0" encoding="utf-8"?>
-<ds:datastoreItem xmlns:ds="http://schemas.openxmlformats.org/officeDocument/2006/customXml" ds:itemID="{A099D91D-2540-412F-88B4-6DD3EB1D58E7}">
-  <ds:schemaRefs>
-    <ds:schemaRef ds:uri="http://schemas.microsoft.com/VisualStudio/2011/storyboarding/control"/>
-  </ds:schemaRefs>
-</ds:datastoreItem>
-</file>
-
-<file path=customXml/itemProps138.xml><?xml version="1.0" encoding="utf-8"?>
-<ds:datastoreItem xmlns:ds="http://schemas.openxmlformats.org/officeDocument/2006/customXml" ds:itemID="{CE225F83-8706-4484-B4DE-2B7E506A1F45}">
-  <ds:schemaRefs>
-    <ds:schemaRef ds:uri="http://schemas.microsoft.com/VisualStudio/2011/storyboarding/control"/>
-  </ds:schemaRefs>
-</ds:datastoreItem>
-</file>
-
-<file path=customXml/itemProps139.xml><?xml version="1.0" encoding="utf-8"?>
-<ds:datastoreItem xmlns:ds="http://schemas.openxmlformats.org/officeDocument/2006/customXml" ds:itemID="{408DBD6E-BA86-4206-898C-8866D621C758}">
-  <ds:schemaRefs>
-    <ds:schemaRef ds:uri="http://schemas.microsoft.com/VisualStudio/2011/storyboarding/control"/>
-  </ds:schemaRefs>
-</ds:datastoreItem>
-</file>
-
-<file path=customXml/itemProps14.xml><?xml version="1.0" encoding="utf-8"?>
-<ds:datastoreItem xmlns:ds="http://schemas.openxmlformats.org/officeDocument/2006/customXml" ds:itemID="{E4B490A2-F594-479F-8C41-55AF5E408214}">
-  <ds:schemaRefs>
-    <ds:schemaRef ds:uri="http://schemas.microsoft.com/VisualStudio/2011/storyboarding/control"/>
-  </ds:schemaRefs>
-</ds:datastoreItem>
-</file>
-
-<file path=customXml/itemProps140.xml><?xml version="1.0" encoding="utf-8"?>
-<ds:datastoreItem xmlns:ds="http://schemas.openxmlformats.org/officeDocument/2006/customXml" ds:itemID="{A5B63E18-4237-42D4-B804-B83021F9E8A1}">
-  <ds:schemaRefs>
-    <ds:schemaRef ds:uri="http://schemas.microsoft.com/VisualStudio/2011/storyboarding/control"/>
-  </ds:schemaRefs>
-</ds:datastoreItem>
-</file>
-
-<file path=customXml/itemProps141.xml><?xml version="1.0" encoding="utf-8"?>
-<ds:datastoreItem xmlns:ds="http://schemas.openxmlformats.org/officeDocument/2006/customXml" ds:itemID="{4E626C7F-4024-4418-87D9-7BEE58688CEB}">
-  <ds:schemaRefs>
-    <ds:schemaRef ds:uri="http://schemas.microsoft.com/VisualStudio/2011/storyboarding/control"/>
-  </ds:schemaRefs>
-</ds:datastoreItem>
-</file>
-
-<file path=customXml/itemProps142.xml><?xml version="1.0" encoding="utf-8"?>
-<ds:datastoreItem xmlns:ds="http://schemas.openxmlformats.org/officeDocument/2006/customXml" ds:itemID="{A0B644F4-E7AB-4C5F-99FA-46E0F4A05135}">
-  <ds:schemaRefs>
-    <ds:schemaRef ds:uri="http://schemas.microsoft.com/VisualStudio/2011/storyboarding/control"/>
-  </ds:schemaRefs>
-</ds:datastoreItem>
-</file>
-
-<file path=customXml/itemProps143.xml><?xml version="1.0" encoding="utf-8"?>
-<ds:datastoreItem xmlns:ds="http://schemas.openxmlformats.org/officeDocument/2006/customXml" ds:itemID="{39E72E8E-79BB-456F-8049-0020919B4763}">
-  <ds:schemaRefs>
-    <ds:schemaRef ds:uri="http://schemas.microsoft.com/VisualStudio/2011/storyboarding/control"/>
-  </ds:schemaRefs>
-</ds:datastoreItem>
-</file>
-
-<file path=customXml/itemProps144.xml><?xml version="1.0" encoding="utf-8"?>
-<ds:datastoreItem xmlns:ds="http://schemas.openxmlformats.org/officeDocument/2006/customXml" ds:itemID="{43446240-B211-4F80-A50E-E1B38445E2A1}">
-  <ds:schemaRefs>
-    <ds:schemaRef ds:uri="http://schemas.microsoft.com/VisualStudio/2011/storyboarding/control"/>
-  </ds:schemaRefs>
-</ds:datastoreItem>
-</file>
-
-<file path=customXml/itemProps145.xml><?xml version="1.0" encoding="utf-8"?>
-<ds:datastoreItem xmlns:ds="http://schemas.openxmlformats.org/officeDocument/2006/customXml" ds:itemID="{0CCA9F88-8784-4D3A-B544-5E75264A0988}">
-  <ds:schemaRefs>
-    <ds:schemaRef ds:uri="http://schemas.microsoft.com/VisualStudio/2011/storyboarding/control"/>
-  </ds:schemaRefs>
-</ds:datastoreItem>
-</file>
-
-<file path=customXml/itemProps146.xml><?xml version="1.0" encoding="utf-8"?>
-<ds:datastoreItem xmlns:ds="http://schemas.openxmlformats.org/officeDocument/2006/customXml" ds:itemID="{650ADCBF-4D86-43BF-9817-E7EF6E55BBE7}">
-  <ds:schemaRefs>
-    <ds:schemaRef ds:uri="http://schemas.microsoft.com/VisualStudio/2011/storyboarding/control"/>
-  </ds:schemaRefs>
-</ds:datastoreItem>
-</file>
-
-<file path=customXml/itemProps147.xml><?xml version="1.0" encoding="utf-8"?>
-<ds:datastoreItem xmlns:ds="http://schemas.openxmlformats.org/officeDocument/2006/customXml" ds:itemID="{1F111213-9B54-4464-8973-266EF211797B}">
-  <ds:schemaRefs>
-    <ds:schemaRef ds:uri="http://schemas.microsoft.com/VisualStudio/2011/storyboarding/control"/>
-  </ds:schemaRefs>
-</ds:datastoreItem>
-</file>
-
-<file path=customXml/itemProps148.xml><?xml version="1.0" encoding="utf-8"?>
-<ds:datastoreItem xmlns:ds="http://schemas.openxmlformats.org/officeDocument/2006/customXml" ds:itemID="{12FD62BF-A11E-4BD8-9FB1-B9028E90A22E}">
-  <ds:schemaRefs>
-    <ds:schemaRef ds:uri="http://schemas.microsoft.com/VisualStudio/2011/storyboarding/control"/>
-  </ds:schemaRefs>
-</ds:datastoreItem>
-</file>
-
-<file path=customXml/itemProps149.xml><?xml version="1.0" encoding="utf-8"?>
-<ds:datastoreItem xmlns:ds="http://schemas.openxmlformats.org/officeDocument/2006/customXml" ds:itemID="{766F77BC-3956-438F-94BE-CF6CF9C915C0}">
-  <ds:schemaRefs>
-    <ds:schemaRef ds:uri="http://schemas.microsoft.com/VisualStudio/2011/storyboarding/control"/>
-  </ds:schemaRefs>
-</ds:datastoreItem>
-</file>
-
-<file path=customXml/itemProps15.xml><?xml version="1.0" encoding="utf-8"?>
-<ds:datastoreItem xmlns:ds="http://schemas.openxmlformats.org/officeDocument/2006/customXml" ds:itemID="{CF03DD0F-EDED-4182-BF0D-C60EA8AC9FC5}">
-  <ds:schemaRefs>
-    <ds:schemaRef ds:uri="http://schemas.microsoft.com/VisualStudio/2011/storyboarding/control"/>
-  </ds:schemaRefs>
-</ds:datastoreItem>
-</file>
-
-<file path=customXml/itemProps150.xml><?xml version="1.0" encoding="utf-8"?>
-<ds:datastoreItem xmlns:ds="http://schemas.openxmlformats.org/officeDocument/2006/customXml" ds:itemID="{DB2000C8-B277-4324-8B80-CDB83E8CE835}">
-  <ds:schemaRefs>
-    <ds:schemaRef ds:uri="http://schemas.microsoft.com/VisualStudio/2011/storyboarding/control"/>
-  </ds:schemaRefs>
-</ds:datastoreItem>
-</file>
-
-<file path=customXml/itemProps151.xml><?xml version="1.0" encoding="utf-8"?>
-<ds:datastoreItem xmlns:ds="http://schemas.openxmlformats.org/officeDocument/2006/customXml" ds:itemID="{5F6247E0-2660-41E0-8816-07BF7F4C712D}">
-  <ds:schemaRefs>
-    <ds:schemaRef ds:uri="http://schemas.microsoft.com/VisualStudio/2011/storyboarding/control"/>
-  </ds:schemaRefs>
-</ds:datastoreItem>
-</file>
-
-<file path=customXml/itemProps152.xml><?xml version="1.0" encoding="utf-8"?>
-<ds:datastoreItem xmlns:ds="http://schemas.openxmlformats.org/officeDocument/2006/customXml" ds:itemID="{E5957A30-7F08-42CE-A7C9-9121B3EEDB89}">
-  <ds:schemaRefs>
-    <ds:schemaRef ds:uri="http://schemas.microsoft.com/VisualStudio/2011/storyboarding/control"/>
-  </ds:schemaRefs>
-</ds:datastoreItem>
-</file>
-
-<file path=customXml/itemProps153.xml><?xml version="1.0" encoding="utf-8"?>
-<ds:datastoreItem xmlns:ds="http://schemas.openxmlformats.org/officeDocument/2006/customXml" ds:itemID="{186177FB-D9AA-47FB-AA70-F2EB801F860E}">
-  <ds:schemaRefs>
-    <ds:schemaRef ds:uri="http://schemas.microsoft.com/VisualStudio/2011/storyboarding/control"/>
-  </ds:schemaRefs>
-</ds:datastoreItem>
-</file>
-
-<file path=customXml/itemProps154.xml><?xml version="1.0" encoding="utf-8"?>
-<ds:datastoreItem xmlns:ds="http://schemas.openxmlformats.org/officeDocument/2006/customXml" ds:itemID="{8B573C24-C1CA-4AD9-8793-CFC1E42E3841}">
-  <ds:schemaRefs>
-    <ds:schemaRef ds:uri="http://schemas.microsoft.com/VisualStudio/2011/storyboarding/control"/>
-  </ds:schemaRefs>
-</ds:datastoreItem>
-</file>
-
-<file path=customXml/itemProps155.xml><?xml version="1.0" encoding="utf-8"?>
-<ds:datastoreItem xmlns:ds="http://schemas.openxmlformats.org/officeDocument/2006/customXml" ds:itemID="{4B7335D3-7249-47CB-993B-C371E630393B}">
-  <ds:schemaRefs>
-    <ds:schemaRef ds:uri="http://schemas.microsoft.com/VisualStudio/2011/storyboarding/control"/>
-  </ds:schemaRefs>
-</ds:datastoreItem>
-</file>
-
-<file path=customXml/itemProps156.xml><?xml version="1.0" encoding="utf-8"?>
-<ds:datastoreItem xmlns:ds="http://schemas.openxmlformats.org/officeDocument/2006/customXml" ds:itemID="{6555F547-BDDA-4C26-9CE1-4C61E93A284F}">
-  <ds:schemaRefs>
-    <ds:schemaRef ds:uri="http://schemas.microsoft.com/VisualStudio/2011/storyboarding/control"/>
-  </ds:schemaRefs>
-</ds:datastoreItem>
-</file>
-
-<file path=customXml/itemProps157.xml><?xml version="1.0" encoding="utf-8"?>
-<ds:datastoreItem xmlns:ds="http://schemas.openxmlformats.org/officeDocument/2006/customXml" ds:itemID="{48A06D39-512F-41A5-AE3C-7B4CDB4AC086}">
-  <ds:schemaRefs>
-    <ds:schemaRef ds:uri="http://schemas.microsoft.com/VisualStudio/2011/storyboarding/control"/>
-  </ds:schemaRefs>
-</ds:datastoreItem>
-</file>
-
-<file path=customXml/itemProps158.xml><?xml version="1.0" encoding="utf-8"?>
-<ds:datastoreItem xmlns:ds="http://schemas.openxmlformats.org/officeDocument/2006/customXml" ds:itemID="{FA597DE2-CFB0-4358-AA98-055ACAFB4418}">
-  <ds:schemaRefs>
-    <ds:schemaRef ds:uri="http://schemas.microsoft.com/VisualStudio/2011/storyboarding/control"/>
-  </ds:schemaRefs>
-</ds:datastoreItem>
-</file>
-
-<file path=customXml/itemProps159.xml><?xml version="1.0" encoding="utf-8"?>
-<ds:datastoreItem xmlns:ds="http://schemas.openxmlformats.org/officeDocument/2006/customXml" ds:itemID="{B8E12DBA-650B-4369-8B51-0ED5654ECE37}">
-  <ds:schemaRefs>
-    <ds:schemaRef ds:uri="http://schemas.microsoft.com/VisualStudio/2011/storyboarding/control"/>
-  </ds:schemaRefs>
-</ds:datastoreItem>
-</file>
-
-<file path=customXml/itemProps16.xml><?xml version="1.0" encoding="utf-8"?>
-<ds:datastoreItem xmlns:ds="http://schemas.openxmlformats.org/officeDocument/2006/customXml" ds:itemID="{7FDD124D-E3E9-4D15-9954-8BE945E00BA2}">
-  <ds:schemaRefs>
-    <ds:schemaRef ds:uri="http://schemas.microsoft.com/VisualStudio/2011/storyboarding/control"/>
-  </ds:schemaRefs>
-</ds:datastoreItem>
-</file>
-
-<file path=customXml/itemProps160.xml><?xml version="1.0" encoding="utf-8"?>
-<ds:datastoreItem xmlns:ds="http://schemas.openxmlformats.org/officeDocument/2006/customXml" ds:itemID="{6BD97E69-24BE-47DA-8FEB-131A11003B19}">
-  <ds:schemaRefs>
-    <ds:schemaRef ds:uri="http://schemas.microsoft.com/VisualStudio/2011/storyboarding/control"/>
-  </ds:schemaRefs>
-</ds:datastoreItem>
-</file>
-
-<file path=customXml/itemProps161.xml><?xml version="1.0" encoding="utf-8"?>
-<ds:datastoreItem xmlns:ds="http://schemas.openxmlformats.org/officeDocument/2006/customXml" ds:itemID="{10A6C904-68E1-4411-B457-0419F97C209A}">
-  <ds:schemaRefs>
-    <ds:schemaRef ds:uri="http://schemas.microsoft.com/VisualStudio/2011/storyboarding/control"/>
-  </ds:schemaRefs>
-</ds:datastoreItem>
-</file>
-
-<file path=customXml/itemProps162.xml><?xml version="1.0" encoding="utf-8"?>
-<ds:datastoreItem xmlns:ds="http://schemas.openxmlformats.org/officeDocument/2006/customXml" ds:itemID="{7EC308D9-C28D-40CD-AB00-4A98E0A77CCC}">
-  <ds:schemaRefs>
-    <ds:schemaRef ds:uri="http://schemas.microsoft.com/VisualStudio/2011/storyboarding/control"/>
-  </ds:schemaRefs>
-</ds:datastoreItem>
-</file>
-
-<file path=customXml/itemProps163.xml><?xml version="1.0" encoding="utf-8"?>
-<ds:datastoreItem xmlns:ds="http://schemas.openxmlformats.org/officeDocument/2006/customXml" ds:itemID="{0D8F2650-9E27-4603-BD35-5A059BB60334}">
-  <ds:schemaRefs>
-    <ds:schemaRef ds:uri="http://schemas.microsoft.com/VisualStudio/2011/storyboarding/control"/>
-  </ds:schemaRefs>
-</ds:datastoreItem>
-</file>
-
-<file path=customXml/itemProps164.xml><?xml version="1.0" encoding="utf-8"?>
-<ds:datastoreItem xmlns:ds="http://schemas.openxmlformats.org/officeDocument/2006/customXml" ds:itemID="{0D174F31-1395-420D-AE3A-5DBEFF0F4455}">
-  <ds:schemaRefs>
-    <ds:schemaRef ds:uri="http://schemas.microsoft.com/VisualStudio/2011/storyboarding/control"/>
-  </ds:schemaRefs>
-</ds:datastoreItem>
-</file>
-
-<file path=customXml/itemProps165.xml><?xml version="1.0" encoding="utf-8"?>
-<ds:datastoreItem xmlns:ds="http://schemas.openxmlformats.org/officeDocument/2006/customXml" ds:itemID="{C65B337F-737A-48CA-8F75-978A60D7016D}">
-  <ds:schemaRefs>
-    <ds:schemaRef ds:uri="http://schemas.microsoft.com/VisualStudio/2011/storyboarding/control"/>
-  </ds:schemaRefs>
-</ds:datastoreItem>
-</file>
-
-<file path=customXml/itemProps166.xml><?xml version="1.0" encoding="utf-8"?>
-<ds:datastoreItem xmlns:ds="http://schemas.openxmlformats.org/officeDocument/2006/customXml" ds:itemID="{B01456BF-31CD-4F81-B283-64D56CC0D084}">
-  <ds:schemaRefs>
-    <ds:schemaRef ds:uri="http://schemas.microsoft.com/VisualStudio/2011/storyboarding/control"/>
-  </ds:schemaRefs>
-</ds:datastoreItem>
-</file>
-
-<file path=customXml/itemProps167.xml><?xml version="1.0" encoding="utf-8"?>
-<ds:datastoreItem xmlns:ds="http://schemas.openxmlformats.org/officeDocument/2006/customXml" ds:itemID="{876AF238-A0AE-4CE4-9709-BB19E770A0FF}">
-  <ds:schemaRefs>
-    <ds:schemaRef ds:uri="http://schemas.microsoft.com/VisualStudio/2011/storyboarding/control"/>
-  </ds:schemaRefs>
-</ds:datastoreItem>
-</file>
-
-<file path=customXml/itemProps168.xml><?xml version="1.0" encoding="utf-8"?>
-<ds:datastoreItem xmlns:ds="http://schemas.openxmlformats.org/officeDocument/2006/customXml" ds:itemID="{9DAE1F11-5474-4CAD-8EC7-A688E310A5AB}">
-  <ds:schemaRefs>
-    <ds:schemaRef ds:uri="http://schemas.microsoft.com/VisualStudio/2011/storyboarding/control"/>
-  </ds:schemaRefs>
-</ds:datastoreItem>
-</file>
-
-<file path=customXml/itemProps169.xml><?xml version="1.0" encoding="utf-8"?>
-<ds:datastoreItem xmlns:ds="http://schemas.openxmlformats.org/officeDocument/2006/customXml" ds:itemID="{42FDEB12-2513-4D55-BA2A-18EF5D159E91}">
-  <ds:schemaRefs>
-    <ds:schemaRef ds:uri="http://schemas.microsoft.com/VisualStudio/2011/storyboarding/control"/>
-  </ds:schemaRefs>
-</ds:datastoreItem>
-</file>
-
-<file path=customXml/itemProps17.xml><?xml version="1.0" encoding="utf-8"?>
+<file path=customXml/itemProps32.xml><?xml version="1.0" encoding="utf-8"?>
 <ds:datastoreItem xmlns:ds="http://schemas.openxmlformats.org/officeDocument/2006/customXml" ds:itemID="{46C73D8E-C66E-4332-8B81-F1B9658FF49D}">
-  <ds:schemaRefs>
-    <ds:schemaRef ds:uri="http://schemas.microsoft.com/VisualStudio/2011/storyboarding/control"/>
-  </ds:schemaRefs>
-</ds:datastoreItem>
-</file>
-
-<file path=customXml/itemProps170.xml><?xml version="1.0" encoding="utf-8"?>
-<ds:datastoreItem xmlns:ds="http://schemas.openxmlformats.org/officeDocument/2006/customXml" ds:itemID="{3339E7B3-364E-4EE1-ABAB-0EFEF3F7CE1F}">
-  <ds:schemaRefs>
-    <ds:schemaRef ds:uri="http://schemas.microsoft.com/VisualStudio/2011/storyboarding/control"/>
-  </ds:schemaRefs>
-</ds:datastoreItem>
-</file>
-
-<file path=customXml/itemProps171.xml><?xml version="1.0" encoding="utf-8"?>
-<ds:datastoreItem xmlns:ds="http://schemas.openxmlformats.org/officeDocument/2006/customXml" ds:itemID="{7989F8B3-8E20-4455-9310-361DF73D03B3}">
-  <ds:schemaRefs>
-    <ds:schemaRef ds:uri="http://schemas.microsoft.com/VisualStudio/2011/storyboarding/control"/>
-  </ds:schemaRefs>
-</ds:datastoreItem>
-</file>
-
-<file path=customXml/itemProps172.xml><?xml version="1.0" encoding="utf-8"?>
-<ds:datastoreItem xmlns:ds="http://schemas.openxmlformats.org/officeDocument/2006/customXml" ds:itemID="{C8AF95B6-D0D3-4619-AB57-6FEEA90FA132}">
-  <ds:schemaRefs>
-    <ds:schemaRef ds:uri="http://schemas.microsoft.com/VisualStudio/2011/storyboarding/control"/>
-  </ds:schemaRefs>
-</ds:datastoreItem>
-</file>
-
-<file path=customXml/itemProps173.xml><?xml version="1.0" encoding="utf-8"?>
-<ds:datastoreItem xmlns:ds="http://schemas.openxmlformats.org/officeDocument/2006/customXml" ds:itemID="{9C6114CB-F4BA-4F35-827A-2DA5F8B255B0}">
-  <ds:schemaRefs>
-    <ds:schemaRef ds:uri="http://schemas.microsoft.com/VisualStudio/2011/storyboarding/control"/>
-  </ds:schemaRefs>
-</ds:datastoreItem>
-</file>
-
-<file path=customXml/itemProps174.xml><?xml version="1.0" encoding="utf-8"?>
-<ds:datastoreItem xmlns:ds="http://schemas.openxmlformats.org/officeDocument/2006/customXml" ds:itemID="{2E8BF867-BA02-4DD2-B1A2-C9A27CC92F1F}">
-  <ds:schemaRefs>
-    <ds:schemaRef ds:uri="http://schemas.microsoft.com/VisualStudio/2011/storyboarding/control"/>
-  </ds:schemaRefs>
-</ds:datastoreItem>
-</file>
-
-<file path=customXml/itemProps175.xml><?xml version="1.0" encoding="utf-8"?>
-<ds:datastoreItem xmlns:ds="http://schemas.openxmlformats.org/officeDocument/2006/customXml" ds:itemID="{99FFFAFB-7A40-49A1-B04F-4A1F6ECF0BAF}">
-  <ds:schemaRefs>
-    <ds:schemaRef ds:uri="http://schemas.microsoft.com/VisualStudio/2011/storyboarding/control"/>
-  </ds:schemaRefs>
-</ds:datastoreItem>
-</file>
-
-<file path=customXml/itemProps176.xml><?xml version="1.0" encoding="utf-8"?>
-<ds:datastoreItem xmlns:ds="http://schemas.openxmlformats.org/officeDocument/2006/customXml" ds:itemID="{C14734D5-9FB1-4C35-A180-105B4BA15CD3}">
-  <ds:schemaRefs>
-    <ds:schemaRef ds:uri="http://schemas.microsoft.com/VisualStudio/2011/storyboarding/control"/>
-  </ds:schemaRefs>
-</ds:datastoreItem>
-</file>
-
-<file path=customXml/itemProps177.xml><?xml version="1.0" encoding="utf-8"?>
-<ds:datastoreItem xmlns:ds="http://schemas.openxmlformats.org/officeDocument/2006/customXml" ds:itemID="{4ABC8992-C4EA-45C3-A598-324942FE08FB}">
-  <ds:schemaRefs>
-    <ds:schemaRef ds:uri="http://schemas.microsoft.com/VisualStudio/2011/storyboarding/control"/>
-  </ds:schemaRefs>
-</ds:datastoreItem>
-</file>
-
-<file path=customXml/itemProps178.xml><?xml version="1.0" encoding="utf-8"?>
-<ds:datastoreItem xmlns:ds="http://schemas.openxmlformats.org/officeDocument/2006/customXml" ds:itemID="{1159427B-15B9-477B-8DAD-D7C81D705523}">
-  <ds:schemaRefs>
-    <ds:schemaRef ds:uri="http://schemas.microsoft.com/VisualStudio/2011/storyboarding/control"/>
-  </ds:schemaRefs>
-</ds:datastoreItem>
-</file>
-
-<file path=customXml/itemProps179.xml><?xml version="1.0" encoding="utf-8"?>
-<ds:datastoreItem xmlns:ds="http://schemas.openxmlformats.org/officeDocument/2006/customXml" ds:itemID="{FD6778B7-8FE2-4C81-885D-09500CE283B1}">
-  <ds:schemaRefs>
-    <ds:schemaRef ds:uri="http://schemas.microsoft.com/VisualStudio/2011/storyboarding/control"/>
-  </ds:schemaRefs>
-</ds:datastoreItem>
-</file>
-
-<file path=customXml/itemProps18.xml><?xml version="1.0" encoding="utf-8"?>
-<ds:datastoreItem xmlns:ds="http://schemas.openxmlformats.org/officeDocument/2006/customXml" ds:itemID="{8481EF94-D4A7-4149-8E7B-C8738D2597CA}">
-  <ds:schemaRefs>
-    <ds:schemaRef ds:uri="http://schemas.microsoft.com/VisualStudio/2011/storyboarding/control"/>
-  </ds:schemaRefs>
-</ds:datastoreItem>
-</file>
-
-<file path=customXml/itemProps180.xml><?xml version="1.0" encoding="utf-8"?>
-<ds:datastoreItem xmlns:ds="http://schemas.openxmlformats.org/officeDocument/2006/customXml" ds:itemID="{990EA9D7-70A1-4B9E-958D-6A0136D68D06}">
-  <ds:schemaRefs>
-    <ds:schemaRef ds:uri="http://schemas.microsoft.com/VisualStudio/2011/storyboarding/control"/>
-  </ds:schemaRefs>
-</ds:datastoreItem>
-</file>
-
-<file path=customXml/itemProps181.xml><?xml version="1.0" encoding="utf-8"?>
-<ds:datastoreItem xmlns:ds="http://schemas.openxmlformats.org/officeDocument/2006/customXml" ds:itemID="{70E3F600-4C8D-4A3A-BE16-3540F66AD848}">
-  <ds:schemaRefs>
-    <ds:schemaRef ds:uri="http://schemas.microsoft.com/VisualStudio/2011/storyboarding/control"/>
-  </ds:schemaRefs>
-</ds:datastoreItem>
-</file>
-
-<file path=customXml/itemProps182.xml><?xml version="1.0" encoding="utf-8"?>
-<ds:datastoreItem xmlns:ds="http://schemas.openxmlformats.org/officeDocument/2006/customXml" ds:itemID="{83526E43-CC5B-4399-8E1C-823585530259}">
-  <ds:schemaRefs>
-    <ds:schemaRef ds:uri="http://schemas.microsoft.com/VisualStudio/2011/storyboarding/control"/>
-  </ds:schemaRefs>
-</ds:datastoreItem>
-</file>
-
-<file path=customXml/itemProps183.xml><?xml version="1.0" encoding="utf-8"?>
-<ds:datastoreItem xmlns:ds="http://schemas.openxmlformats.org/officeDocument/2006/customXml" ds:itemID="{ACB3927E-D579-4694-AD01-62FF7AA261C4}">
-  <ds:schemaRefs>
-    <ds:schemaRef ds:uri="http://schemas.microsoft.com/VisualStudio/2011/storyboarding/control"/>
-  </ds:schemaRefs>
-</ds:datastoreItem>
-</file>
-
-<file path=customXml/itemProps184.xml><?xml version="1.0" encoding="utf-8"?>
-<ds:datastoreItem xmlns:ds="http://schemas.openxmlformats.org/officeDocument/2006/customXml" ds:itemID="{425D7E26-BB5E-460D-97B3-E693C38FDA69}">
-  <ds:schemaRefs>
-    <ds:schemaRef ds:uri="http://schemas.microsoft.com/VisualStudio/2011/storyboarding/control"/>
-  </ds:schemaRefs>
-</ds:datastoreItem>
-</file>
-
-<file path=customXml/itemProps185.xml><?xml version="1.0" encoding="utf-8"?>
-<ds:datastoreItem xmlns:ds="http://schemas.openxmlformats.org/officeDocument/2006/customXml" ds:itemID="{B7D85223-23F1-4ACF-89DD-EE38AA7E4772}">
-  <ds:schemaRefs>
-    <ds:schemaRef ds:uri="http://schemas.microsoft.com/VisualStudio/2011/storyboarding/control"/>
-  </ds:schemaRefs>
-</ds:datastoreItem>
-</file>
-
-<file path=customXml/itemProps186.xml><?xml version="1.0" encoding="utf-8"?>
-<ds:datastoreItem xmlns:ds="http://schemas.openxmlformats.org/officeDocument/2006/customXml" ds:itemID="{A1F43F78-8591-47F2-9A56-991B5C2DCCFC}">
-  <ds:schemaRefs>
-    <ds:schemaRef ds:uri="http://schemas.microsoft.com/VisualStudio/2011/storyboarding/control"/>
-  </ds:schemaRefs>
-</ds:datastoreItem>
-</file>
-
-<file path=customXml/itemProps187.xml><?xml version="1.0" encoding="utf-8"?>
-<ds:datastoreItem xmlns:ds="http://schemas.openxmlformats.org/officeDocument/2006/customXml" ds:itemID="{E0FB4629-EC57-49BA-A2DF-156D734D924B}">
-  <ds:schemaRefs>
-    <ds:schemaRef ds:uri="http://schemas.microsoft.com/VisualStudio/2011/storyboarding/control"/>
-  </ds:schemaRefs>
-</ds:datastoreItem>
-</file>
-
-<file path=customXml/itemProps19.xml><?xml version="1.0" encoding="utf-8"?>
-<ds:datastoreItem xmlns:ds="http://schemas.openxmlformats.org/officeDocument/2006/customXml" ds:itemID="{0B5327E3-0261-4B48-BF6B-FF0257762827}">
-  <ds:schemaRefs>
-    <ds:schemaRef ds:uri="http://schemas.microsoft.com/VisualStudio/2011/storyboarding/control"/>
-  </ds:schemaRefs>
-</ds:datastoreItem>
-</file>
-
-<file path=customXml/itemProps2.xml><?xml version="1.0" encoding="utf-8"?>
-<ds:datastoreItem xmlns:ds="http://schemas.openxmlformats.org/officeDocument/2006/customXml" ds:itemID="{A05C083F-66B9-4E32-B2F5-E377C3A489DF}">
-  <ds:schemaRefs>
-    <ds:schemaRef ds:uri="http://schemas.microsoft.com/VisualStudio/2011/storyboarding/control"/>
-  </ds:schemaRefs>
-</ds:datastoreItem>
-</file>
-
-<file path=customXml/itemProps20.xml><?xml version="1.0" encoding="utf-8"?>
-<ds:datastoreItem xmlns:ds="http://schemas.openxmlformats.org/officeDocument/2006/customXml" ds:itemID="{B0C9E300-5CAC-4E8C-B9CB-B4EDDB0EC3C8}">
-  <ds:schemaRefs>
-    <ds:schemaRef ds:uri="http://schemas.microsoft.com/VisualStudio/2011/storyboarding/control"/>
-  </ds:schemaRefs>
-</ds:datastoreItem>
-</file>
-
-<file path=customXml/itemProps21.xml><?xml version="1.0" encoding="utf-8"?>
-<ds:datastoreItem xmlns:ds="http://schemas.openxmlformats.org/officeDocument/2006/customXml" ds:itemID="{C170435E-AA56-4732-BD81-63AD243D433D}">
-  <ds:schemaRefs>
-    <ds:schemaRef ds:uri="http://schemas.microsoft.com/VisualStudio/2011/storyboarding/control"/>
-  </ds:schemaRefs>
-</ds:datastoreItem>
-</file>
-
-<file path=customXml/itemProps22.xml><?xml version="1.0" encoding="utf-8"?>
-<ds:datastoreItem xmlns:ds="http://schemas.openxmlformats.org/officeDocument/2006/customXml" ds:itemID="{F9C34A43-6DD3-45D9-8C33-A2A94686CFF4}">
-  <ds:schemaRefs>
-    <ds:schemaRef ds:uri="http://schemas.microsoft.com/VisualStudio/2011/storyboarding/control"/>
-  </ds:schemaRefs>
-</ds:datastoreItem>
-</file>
-
-<file path=customXml/itemProps23.xml><?xml version="1.0" encoding="utf-8"?>
-<ds:datastoreItem xmlns:ds="http://schemas.openxmlformats.org/officeDocument/2006/customXml" ds:itemID="{3E700196-0E07-41FC-8F78-80FE3D9018FD}">
-  <ds:schemaRefs>
-    <ds:schemaRef ds:uri="http://schemas.microsoft.com/VisualStudio/2011/storyboarding/control"/>
-  </ds:schemaRefs>
-</ds:datastoreItem>
-</file>
-
-<file path=customXml/itemProps24.xml><?xml version="1.0" encoding="utf-8"?>
-<ds:datastoreItem xmlns:ds="http://schemas.openxmlformats.org/officeDocument/2006/customXml" ds:itemID="{8A260A91-3FD6-475C-8E6F-434835560933}">
-  <ds:schemaRefs>
-    <ds:schemaRef ds:uri="http://schemas.microsoft.com/VisualStudio/2011/storyboarding/control"/>
-  </ds:schemaRefs>
-</ds:datastoreItem>
-</file>
-
-<file path=customXml/itemProps25.xml><?xml version="1.0" encoding="utf-8"?>
-<ds:datastoreItem xmlns:ds="http://schemas.openxmlformats.org/officeDocument/2006/customXml" ds:itemID="{559BF73F-CE64-4B91-BD49-510468F35CB9}">
-  <ds:schemaRefs>
-    <ds:schemaRef ds:uri="http://schemas.microsoft.com/VisualStudio/2011/storyboarding/control"/>
-  </ds:schemaRefs>
-</ds:datastoreItem>
-</file>
-
-<file path=customXml/itemProps26.xml><?xml version="1.0" encoding="utf-8"?>
-<ds:datastoreItem xmlns:ds="http://schemas.openxmlformats.org/officeDocument/2006/customXml" ds:itemID="{3DDBA3E6-6C5A-4905-87BF-300A95711014}">
-  <ds:schemaRefs>
-    <ds:schemaRef ds:uri="http://schemas.microsoft.com/VisualStudio/2011/storyboarding/control"/>
-  </ds:schemaRefs>
-</ds:datastoreItem>
-</file>
-
-<file path=customXml/itemProps27.xml><?xml version="1.0" encoding="utf-8"?>
-<ds:datastoreItem xmlns:ds="http://schemas.openxmlformats.org/officeDocument/2006/customXml" ds:itemID="{D54CCA4C-C7B0-4AED-9D56-0F76C035783B}">
-  <ds:schemaRefs>
-    <ds:schemaRef ds:uri="http://schemas.microsoft.com/VisualStudio/2011/storyboarding/control"/>
-  </ds:schemaRefs>
-</ds:datastoreItem>
-</file>
-
-<file path=customXml/itemProps28.xml><?xml version="1.0" encoding="utf-8"?>
-<ds:datastoreItem xmlns:ds="http://schemas.openxmlformats.org/officeDocument/2006/customXml" ds:itemID="{2AEF63D2-D198-4CCC-904A-422119B9CA6F}">
-  <ds:schemaRefs>
-    <ds:schemaRef ds:uri="http://schemas.microsoft.com/VisualStudio/2011/storyboarding/control"/>
-  </ds:schemaRefs>
-</ds:datastoreItem>
-</file>
-
-<file path=customXml/itemProps29.xml><?xml version="1.0" encoding="utf-8"?>
-<ds:datastoreItem xmlns:ds="http://schemas.openxmlformats.org/officeDocument/2006/customXml" ds:itemID="{215132C6-5D8F-4E41-9882-494A7FC0C124}">
-  <ds:schemaRefs>
-    <ds:schemaRef ds:uri="http://schemas.microsoft.com/VisualStudio/2011/storyboarding/control"/>
-  </ds:schemaRefs>
-</ds:datastoreItem>
-</file>
-
-<file path=customXml/itemProps3.xml><?xml version="1.0" encoding="utf-8"?>
-<ds:datastoreItem xmlns:ds="http://schemas.openxmlformats.org/officeDocument/2006/customXml" ds:itemID="{E0CC2506-29F9-46DF-9492-65B12C0522D5}">
-  <ds:schemaRefs>
-    <ds:schemaRef ds:uri="http://schemas.microsoft.com/VisualStudio/2011/storyboarding/control"/>
-  </ds:schemaRefs>
-</ds:datastoreItem>
-</file>
-
-<file path=customXml/itemProps30.xml><?xml version="1.0" encoding="utf-8"?>
-<ds:datastoreItem xmlns:ds="http://schemas.openxmlformats.org/officeDocument/2006/customXml" ds:itemID="{6E62CDAE-686E-4F52-AABB-86BDB1154A1E}">
-  <ds:schemaRefs>
-    <ds:schemaRef ds:uri="http://schemas.microsoft.com/VisualStudio/2011/storyboarding/control"/>
-  </ds:schemaRefs>
-</ds:datastoreItem>
-</file>
-
-<file path=customXml/itemProps31.xml><?xml version="1.0" encoding="utf-8"?>
-<ds:datastoreItem xmlns:ds="http://schemas.openxmlformats.org/officeDocument/2006/customXml" ds:itemID="{E9B3074F-7568-498E-AB18-CABC99245B58}">
-  <ds:schemaRefs>
-    <ds:schemaRef ds:uri="http://schemas.microsoft.com/VisualStudio/2011/storyboarding/control"/>
-  </ds:schemaRefs>
-</ds:datastoreItem>
-</file>
-
-<file path=customXml/itemProps32.xml><?xml version="1.0" encoding="utf-8"?>
-<ds:datastoreItem xmlns:ds="http://schemas.openxmlformats.org/officeDocument/2006/customXml" ds:itemID="{991C2A14-C674-4C12-8CE8-7EAE1ABB4197}">
   <ds:schemaRefs>
     <ds:schemaRef ds:uri="http://schemas.microsoft.com/VisualStudio/2011/storyboarding/control"/>
   </ds:schemaRefs>
@@ -28010,6 +29673,342 @@
 </file>
 
 <file path=customXml/itemProps34.xml><?xml version="1.0" encoding="utf-8"?>
+<ds:datastoreItem xmlns:ds="http://schemas.openxmlformats.org/officeDocument/2006/customXml" ds:itemID="{46365B3F-8663-4379-AD5B-D0EABBC1EDD3}">
+  <ds:schemaRefs>
+    <ds:schemaRef ds:uri="http://schemas.microsoft.com/VisualStudio/2011/storyboarding/control"/>
+  </ds:schemaRefs>
+</ds:datastoreItem>
+</file>
+
+<file path=customXml/itemProps35.xml><?xml version="1.0" encoding="utf-8"?>
+<ds:datastoreItem xmlns:ds="http://schemas.openxmlformats.org/officeDocument/2006/customXml" ds:itemID="{C4583063-FB7A-486E-B271-71E78059E19B}">
+  <ds:schemaRefs>
+    <ds:schemaRef ds:uri="http://schemas.microsoft.com/VisualStudio/2011/storyboarding/control"/>
+  </ds:schemaRefs>
+</ds:datastoreItem>
+</file>
+
+<file path=customXml/itemProps36.xml><?xml version="1.0" encoding="utf-8"?>
+<ds:datastoreItem xmlns:ds="http://schemas.openxmlformats.org/officeDocument/2006/customXml" ds:itemID="{8E111B87-A381-46AA-BB11-318F8ACB4BCA}">
+  <ds:schemaRefs>
+    <ds:schemaRef ds:uri="http://schemas.microsoft.com/VisualStudio/2011/storyboarding/control"/>
+  </ds:schemaRefs>
+</ds:datastoreItem>
+</file>
+
+<file path=customXml/itemProps37.xml><?xml version="1.0" encoding="utf-8"?>
+<ds:datastoreItem xmlns:ds="http://schemas.openxmlformats.org/officeDocument/2006/customXml" ds:itemID="{318A67F4-7454-49D3-B5F7-EDF3AEE6B3CC}">
+  <ds:schemaRefs>
+    <ds:schemaRef ds:uri="http://schemas.microsoft.com/VisualStudio/2011/storyboarding/control"/>
+  </ds:schemaRefs>
+</ds:datastoreItem>
+</file>
+
+<file path=customXml/itemProps38.xml><?xml version="1.0" encoding="utf-8"?>
+<ds:datastoreItem xmlns:ds="http://schemas.openxmlformats.org/officeDocument/2006/customXml" ds:itemID="{26EBF4A3-F17A-4E3E-A734-46BBA9DFA0C8}">
+  <ds:schemaRefs>
+    <ds:schemaRef ds:uri="http://schemas.microsoft.com/VisualStudio/2011/storyboarding/control"/>
+  </ds:schemaRefs>
+</ds:datastoreItem>
+</file>
+
+<file path=customXml/itemProps39.xml><?xml version="1.0" encoding="utf-8"?>
+<ds:datastoreItem xmlns:ds="http://schemas.openxmlformats.org/officeDocument/2006/customXml" ds:itemID="{228AF168-33A9-492E-910D-EAE94E644B4A}">
+  <ds:schemaRefs>
+    <ds:schemaRef ds:uri="http://schemas.microsoft.com/VisualStudio/2011/storyboarding/control"/>
+  </ds:schemaRefs>
+</ds:datastoreItem>
+</file>
+
+<file path=customXml/itemProps4.xml><?xml version="1.0" encoding="utf-8"?>
+<ds:datastoreItem xmlns:ds="http://schemas.openxmlformats.org/officeDocument/2006/customXml" ds:itemID="{518A7A68-78B7-4838-B312-03860E01DFC2}">
+  <ds:schemaRefs>
+    <ds:schemaRef ds:uri="http://schemas.microsoft.com/VisualStudio/2011/storyboarding/control"/>
+  </ds:schemaRefs>
+</ds:datastoreItem>
+</file>
+
+<file path=customXml/itemProps40.xml><?xml version="1.0" encoding="utf-8"?>
+<ds:datastoreItem xmlns:ds="http://schemas.openxmlformats.org/officeDocument/2006/customXml" ds:itemID="{242CB00D-BA5D-43C6-B335-4CBC590CA72E}">
+  <ds:schemaRefs>
+    <ds:schemaRef ds:uri="http://schemas.microsoft.com/VisualStudio/2011/storyboarding/control"/>
+  </ds:schemaRefs>
+</ds:datastoreItem>
+</file>
+
+<file path=customXml/itemProps41.xml><?xml version="1.0" encoding="utf-8"?>
+<ds:datastoreItem xmlns:ds="http://schemas.openxmlformats.org/officeDocument/2006/customXml" ds:itemID="{9D841488-D9C9-470B-9DF0-06BC6C2C0775}">
+  <ds:schemaRefs>
+    <ds:schemaRef ds:uri="http://schemas.microsoft.com/VisualStudio/2011/storyboarding/control"/>
+  </ds:schemaRefs>
+</ds:datastoreItem>
+</file>
+
+<file path=customXml/itemProps42.xml><?xml version="1.0" encoding="utf-8"?>
+<ds:datastoreItem xmlns:ds="http://schemas.openxmlformats.org/officeDocument/2006/customXml" ds:itemID="{C02037DD-3248-4DE3-A985-ACC0F2406BE8}">
+  <ds:schemaRefs>
+    <ds:schemaRef ds:uri="http://schemas.microsoft.com/VisualStudio/2011/storyboarding/control"/>
+  </ds:schemaRefs>
+</ds:datastoreItem>
+</file>
+
+<file path=customXml/itemProps43.xml><?xml version="1.0" encoding="utf-8"?>
+<ds:datastoreItem xmlns:ds="http://schemas.openxmlformats.org/officeDocument/2006/customXml" ds:itemID="{DC4F4190-4090-481C-95E3-E7A883513D24}">
+  <ds:schemaRefs>
+    <ds:schemaRef ds:uri="http://schemas.microsoft.com/VisualStudio/2011/storyboarding/control"/>
+  </ds:schemaRefs>
+</ds:datastoreItem>
+</file>
+
+<file path=customXml/itemProps44.xml><?xml version="1.0" encoding="utf-8"?>
+<ds:datastoreItem xmlns:ds="http://schemas.openxmlformats.org/officeDocument/2006/customXml" ds:itemID="{4933C5B9-7038-46C8-B65F-9FC1C846A3E0}">
+  <ds:schemaRefs>
+    <ds:schemaRef ds:uri="http://schemas.microsoft.com/VisualStudio/2011/storyboarding/control"/>
+  </ds:schemaRefs>
+</ds:datastoreItem>
+</file>
+
+<file path=customXml/itemProps45.xml><?xml version="1.0" encoding="utf-8"?>
+<ds:datastoreItem xmlns:ds="http://schemas.openxmlformats.org/officeDocument/2006/customXml" ds:itemID="{A5B63E18-4237-42D4-B804-B83021F9E8A1}">
+  <ds:schemaRefs>
+    <ds:schemaRef ds:uri="http://schemas.microsoft.com/VisualStudio/2011/storyboarding/control"/>
+  </ds:schemaRefs>
+</ds:datastoreItem>
+</file>
+
+<file path=customXml/itemProps46.xml><?xml version="1.0" encoding="utf-8"?>
+<ds:datastoreItem xmlns:ds="http://schemas.openxmlformats.org/officeDocument/2006/customXml" ds:itemID="{0CCA9F88-8784-4D3A-B544-5E75264A0988}">
+  <ds:schemaRefs>
+    <ds:schemaRef ds:uri="http://schemas.microsoft.com/VisualStudio/2011/storyboarding/control"/>
+  </ds:schemaRefs>
+</ds:datastoreItem>
+</file>
+
+<file path=customXml/itemProps47.xml><?xml version="1.0" encoding="utf-8"?>
+<ds:datastoreItem xmlns:ds="http://schemas.openxmlformats.org/officeDocument/2006/customXml" ds:itemID="{B01456BF-31CD-4F81-B283-64D56CC0D084}">
+  <ds:schemaRefs>
+    <ds:schemaRef ds:uri="http://schemas.microsoft.com/VisualStudio/2011/storyboarding/control"/>
+  </ds:schemaRefs>
+</ds:datastoreItem>
+</file>
+
+<file path=customXml/itemProps48.xml><?xml version="1.0" encoding="utf-8"?>
+<ds:datastoreItem xmlns:ds="http://schemas.openxmlformats.org/officeDocument/2006/customXml" ds:itemID="{83526E43-CC5B-4399-8E1C-823585530259}">
+  <ds:schemaRefs>
+    <ds:schemaRef ds:uri="http://schemas.microsoft.com/VisualStudio/2011/storyboarding/control"/>
+  </ds:schemaRefs>
+</ds:datastoreItem>
+</file>
+
+<file path=customXml/itemProps49.xml><?xml version="1.0" encoding="utf-8"?>
+<ds:datastoreItem xmlns:ds="http://schemas.openxmlformats.org/officeDocument/2006/customXml" ds:itemID="{E0FB4629-EC57-49BA-A2DF-156D734D924B}">
+  <ds:schemaRefs>
+    <ds:schemaRef ds:uri="http://schemas.microsoft.com/VisualStudio/2011/storyboarding/control"/>
+  </ds:schemaRefs>
+</ds:datastoreItem>
+</file>
+
+<file path=customXml/itemProps5.xml><?xml version="1.0" encoding="utf-8"?>
+<ds:datastoreItem xmlns:ds="http://schemas.openxmlformats.org/officeDocument/2006/customXml" ds:itemID="{6ADA548F-1BF0-44B5-AD4E-6B89D3ECE98D}">
+  <ds:schemaRefs>
+    <ds:schemaRef ds:uri="http://schemas.microsoft.com/VisualStudio/2011/storyboarding/control"/>
+  </ds:schemaRefs>
+</ds:datastoreItem>
+</file>
+
+<file path=customXml/itemProps50.xml><?xml version="1.0" encoding="utf-8"?>
+<ds:datastoreItem xmlns:ds="http://schemas.openxmlformats.org/officeDocument/2006/customXml" ds:itemID="{7EA327E3-FCFB-4008-8DED-CE47F66639FD}">
+  <ds:schemaRefs>
+    <ds:schemaRef ds:uri="http://schemas.microsoft.com/VisualStudio/2011/storyboarding/control"/>
+  </ds:schemaRefs>
+</ds:datastoreItem>
+</file>
+
+<file path=customXml/itemProps51.xml><?xml version="1.0" encoding="utf-8"?>
+<ds:datastoreItem xmlns:ds="http://schemas.openxmlformats.org/officeDocument/2006/customXml" ds:itemID="{17A9B085-8E1A-4A33-B871-8166221A211A}">
+  <ds:schemaRefs>
+    <ds:schemaRef ds:uri="http://schemas.microsoft.com/VisualStudio/2011/storyboarding/control"/>
+  </ds:schemaRefs>
+</ds:datastoreItem>
+</file>
+
+<file path=customXml/itemProps52.xml><?xml version="1.0" encoding="utf-8"?>
+<ds:datastoreItem xmlns:ds="http://schemas.openxmlformats.org/officeDocument/2006/customXml" ds:itemID="{3E700196-0E07-41FC-8F78-80FE3D9018FD}">
+  <ds:schemaRefs>
+    <ds:schemaRef ds:uri="http://schemas.microsoft.com/VisualStudio/2011/storyboarding/control"/>
+  </ds:schemaRefs>
+</ds:datastoreItem>
+</file>
+
+<file path=customXml/itemProps53.xml><?xml version="1.0" encoding="utf-8"?>
+<ds:datastoreItem xmlns:ds="http://schemas.openxmlformats.org/officeDocument/2006/customXml" ds:itemID="{2AEF63D2-D198-4CCC-904A-422119B9CA6F}">
+  <ds:schemaRefs>
+    <ds:schemaRef ds:uri="http://schemas.microsoft.com/VisualStudio/2011/storyboarding/control"/>
+  </ds:schemaRefs>
+</ds:datastoreItem>
+</file>
+
+<file path=customXml/itemProps54.xml><?xml version="1.0" encoding="utf-8"?>
+<ds:datastoreItem xmlns:ds="http://schemas.openxmlformats.org/officeDocument/2006/customXml" ds:itemID="{1F20FE02-C571-465B-A4B9-BE3971D16C58}">
+  <ds:schemaRefs>
+    <ds:schemaRef ds:uri="http://schemas.microsoft.com/VisualStudio/2011/storyboarding/control"/>
+  </ds:schemaRefs>
+</ds:datastoreItem>
+</file>
+
+<file path=customXml/itemProps55.xml><?xml version="1.0" encoding="utf-8"?>
+<ds:datastoreItem xmlns:ds="http://schemas.openxmlformats.org/officeDocument/2006/customXml" ds:itemID="{CABD2B3A-1161-43E2-BA83-58E6B897C9BF}">
+  <ds:schemaRefs>
+    <ds:schemaRef ds:uri="http://schemas.microsoft.com/VisualStudio/2011/storyboarding/control"/>
+  </ds:schemaRefs>
+</ds:datastoreItem>
+</file>
+
+<file path=customXml/itemProps56.xml><?xml version="1.0" encoding="utf-8"?>
+<ds:datastoreItem xmlns:ds="http://schemas.openxmlformats.org/officeDocument/2006/customXml" ds:itemID="{7CABBE05-1DB8-413F-B922-E51F51DB6CB5}">
+  <ds:schemaRefs>
+    <ds:schemaRef ds:uri="http://schemas.microsoft.com/VisualStudio/2011/storyboarding/control"/>
+  </ds:schemaRefs>
+</ds:datastoreItem>
+</file>
+
+<file path=customXml/itemProps57.xml><?xml version="1.0" encoding="utf-8"?>
+<ds:datastoreItem xmlns:ds="http://schemas.openxmlformats.org/officeDocument/2006/customXml" ds:itemID="{E243988D-F926-45CE-8E57-8F03AD990A6C}">
+  <ds:schemaRefs>
+    <ds:schemaRef ds:uri="http://schemas.microsoft.com/VisualStudio/2011/storyboarding/control"/>
+  </ds:schemaRefs>
+</ds:datastoreItem>
+</file>
+
+<file path=customXml/itemProps58.xml><?xml version="1.0" encoding="utf-8"?>
+<ds:datastoreItem xmlns:ds="http://schemas.openxmlformats.org/officeDocument/2006/customXml" ds:itemID="{A3F62A8C-3D6E-45AB-989A-0299CCDC7BDF}">
+  <ds:schemaRefs>
+    <ds:schemaRef ds:uri="http://schemas.microsoft.com/VisualStudio/2011/storyboarding/control"/>
+  </ds:schemaRefs>
+</ds:datastoreItem>
+</file>
+
+<file path=customXml/itemProps59.xml><?xml version="1.0" encoding="utf-8"?>
+<ds:datastoreItem xmlns:ds="http://schemas.openxmlformats.org/officeDocument/2006/customXml" ds:itemID="{F2C546CF-9CDC-44DE-AAD6-9FBD6A29F8B2}">
+  <ds:schemaRefs>
+    <ds:schemaRef ds:uri="http://schemas.microsoft.com/VisualStudio/2011/storyboarding/control"/>
+  </ds:schemaRefs>
+</ds:datastoreItem>
+</file>
+
+<file path=customXml/itemProps6.xml><?xml version="1.0" encoding="utf-8"?>
+<ds:datastoreItem xmlns:ds="http://schemas.openxmlformats.org/officeDocument/2006/customXml" ds:itemID="{32DCF836-3940-427C-8F81-BA183FB52BAC}">
+  <ds:schemaRefs>
+    <ds:schemaRef ds:uri="http://schemas.microsoft.com/VisualStudio/2011/storyboarding/control"/>
+  </ds:schemaRefs>
+</ds:datastoreItem>
+</file>
+
+<file path=customXml/itemProps60.xml><?xml version="1.0" encoding="utf-8"?>
+<ds:datastoreItem xmlns:ds="http://schemas.openxmlformats.org/officeDocument/2006/customXml" ds:itemID="{8EE50836-C4DB-4AC6-8DFD-677FDEAB9EAD}">
+  <ds:schemaRefs>
+    <ds:schemaRef ds:uri="http://schemas.microsoft.com/VisualStudio/2011/storyboarding/control"/>
+  </ds:schemaRefs>
+</ds:datastoreItem>
+</file>
+
+<file path=customXml/itemProps61.xml><?xml version="1.0" encoding="utf-8"?>
+<ds:datastoreItem xmlns:ds="http://schemas.openxmlformats.org/officeDocument/2006/customXml" ds:itemID="{29BF925D-CF27-4B21-AC43-2599465F0C8E}">
+  <ds:schemaRefs>
+    <ds:schemaRef ds:uri="http://schemas.microsoft.com/VisualStudio/2011/storyboarding/control"/>
+  </ds:schemaRefs>
+</ds:datastoreItem>
+</file>
+
+<file path=customXml/itemProps62.xml><?xml version="1.0" encoding="utf-8"?>
+<ds:datastoreItem xmlns:ds="http://schemas.openxmlformats.org/officeDocument/2006/customXml" ds:itemID="{7D7DCE13-136F-43F5-85AB-F325A838BD5C}">
+  <ds:schemaRefs>
+    <ds:schemaRef ds:uri="http://schemas.microsoft.com/VisualStudio/2011/storyboarding/control"/>
+  </ds:schemaRefs>
+</ds:datastoreItem>
+</file>
+
+<file path=customXml/itemProps63.xml><?xml version="1.0" encoding="utf-8"?>
+<ds:datastoreItem xmlns:ds="http://schemas.openxmlformats.org/officeDocument/2006/customXml" ds:itemID="{063AF5E8-36AD-451D-9B6A-4390E8F3CF38}">
+  <ds:schemaRefs>
+    <ds:schemaRef ds:uri="http://schemas.microsoft.com/VisualStudio/2011/storyboarding/control"/>
+  </ds:schemaRefs>
+</ds:datastoreItem>
+</file>
+
+<file path=customXml/itemProps64.xml><?xml version="1.0" encoding="utf-8"?>
+<ds:datastoreItem xmlns:ds="http://schemas.openxmlformats.org/officeDocument/2006/customXml" ds:itemID="{5F6247E0-2660-41E0-8816-07BF7F4C712D}">
+  <ds:schemaRefs>
+    <ds:schemaRef ds:uri="http://schemas.microsoft.com/VisualStudio/2011/storyboarding/control"/>
+  </ds:schemaRefs>
+</ds:datastoreItem>
+</file>
+
+<file path=customXml/itemProps65.xml><?xml version="1.0" encoding="utf-8"?>
+<ds:datastoreItem xmlns:ds="http://schemas.openxmlformats.org/officeDocument/2006/customXml" ds:itemID="{6555F547-BDDA-4C26-9CE1-4C61E93A284F}">
+  <ds:schemaRefs>
+    <ds:schemaRef ds:uri="http://schemas.microsoft.com/VisualStudio/2011/storyboarding/control"/>
+  </ds:schemaRefs>
+</ds:datastoreItem>
+</file>
+
+<file path=customXml/itemProps66.xml><?xml version="1.0" encoding="utf-8"?>
+<ds:datastoreItem xmlns:ds="http://schemas.openxmlformats.org/officeDocument/2006/customXml" ds:itemID="{4ABC8992-C4EA-45C3-A598-324942FE08FB}">
+  <ds:schemaRefs>
+    <ds:schemaRef ds:uri="http://schemas.microsoft.com/VisualStudio/2011/storyboarding/control"/>
+  </ds:schemaRefs>
+</ds:datastoreItem>
+</file>
+
+<file path=customXml/itemProps67.xml><?xml version="1.0" encoding="utf-8"?>
+<ds:datastoreItem xmlns:ds="http://schemas.openxmlformats.org/officeDocument/2006/customXml" ds:itemID="{C8AF95B6-D0D3-4619-AB57-6FEEA90FA132}">
+  <ds:schemaRefs>
+    <ds:schemaRef ds:uri="http://schemas.microsoft.com/VisualStudio/2011/storyboarding/control"/>
+  </ds:schemaRefs>
+</ds:datastoreItem>
+</file>
+
+<file path=customXml/itemProps68.xml><?xml version="1.0" encoding="utf-8"?>
+<ds:datastoreItem xmlns:ds="http://schemas.openxmlformats.org/officeDocument/2006/customXml" ds:itemID="{905F7CBB-FF77-4853-ADB2-0B0D37590AA0}">
+  <ds:schemaRefs>
+    <ds:schemaRef ds:uri="http://schemas.microsoft.com/VisualStudio/2011/storyboarding/control"/>
+  </ds:schemaRefs>
+</ds:datastoreItem>
+</file>
+
+<file path=customXml/itemProps69.xml><?xml version="1.0" encoding="utf-8"?>
+<ds:datastoreItem xmlns:ds="http://schemas.openxmlformats.org/officeDocument/2006/customXml" ds:itemID="{8481EF94-D4A7-4149-8E7B-C8738D2597CA}">
+  <ds:schemaRefs>
+    <ds:schemaRef ds:uri="http://schemas.microsoft.com/VisualStudio/2011/storyboarding/control"/>
+  </ds:schemaRefs>
+</ds:datastoreItem>
+</file>
+
+<file path=customXml/itemProps7.xml><?xml version="1.0" encoding="utf-8"?>
+<ds:datastoreItem xmlns:ds="http://schemas.openxmlformats.org/officeDocument/2006/customXml" ds:itemID="{766F77BC-3956-438F-94BE-CF6CF9C915C0}">
+  <ds:schemaRefs>
+    <ds:schemaRef ds:uri="http://schemas.microsoft.com/VisualStudio/2011/storyboarding/control"/>
+  </ds:schemaRefs>
+</ds:datastoreItem>
+</file>
+
+<file path=customXml/itemProps70.xml><?xml version="1.0" encoding="utf-8"?>
+<ds:datastoreItem xmlns:ds="http://schemas.openxmlformats.org/officeDocument/2006/customXml" ds:itemID="{914EB071-267D-4D23-8EAD-39A664DF70DC}">
+  <ds:schemaRefs>
+    <ds:schemaRef ds:uri="http://schemas.microsoft.com/VisualStudio/2011/storyboarding/control"/>
+  </ds:schemaRefs>
+</ds:datastoreItem>
+</file>
+
+<file path=customXml/itemProps71.xml><?xml version="1.0" encoding="utf-8"?>
+<ds:datastoreItem xmlns:ds="http://schemas.openxmlformats.org/officeDocument/2006/customXml" ds:itemID="{48F85951-6571-4AA7-9B26-EEF9CD4B541F}">
+  <ds:schemaRefs>
+    <ds:schemaRef ds:uri="http://schemas.microsoft.com/VisualStudio/2011/storyboarding/control"/>
+  </ds:schemaRefs>
+</ds:datastoreItem>
+</file>
+
+<file path=customXml/itemProps72.xml><?xml version="1.0" encoding="utf-8"?>
 <ds:datastoreItem xmlns:ds="http://schemas.openxmlformats.org/officeDocument/2006/customXml" ds:itemID="{199B4AEE-2A28-4269-AEAC-CF63B1A2C9C1}">
   <ds:schemaRefs>
     <ds:schemaRef ds:uri="http://schemas.microsoft.com/VisualStudio/2011/storyboarding/control"/>
@@ -28017,55 +30016,159 @@
 </ds:datastoreItem>
 </file>
 
-<file path=customXml/itemProps35.xml><?xml version="1.0" encoding="utf-8"?>
-<ds:datastoreItem xmlns:ds="http://schemas.openxmlformats.org/officeDocument/2006/customXml" ds:itemID="{46714D06-B7FD-48A9-91D0-7F1510C73858}">
+<file path=customXml/itemProps73.xml><?xml version="1.0" encoding="utf-8"?>
+<ds:datastoreItem xmlns:ds="http://schemas.openxmlformats.org/officeDocument/2006/customXml" ds:itemID="{C36DB154-AE5E-441B-8E32-9C0203D538F6}">
   <ds:schemaRefs>
     <ds:schemaRef ds:uri="http://schemas.microsoft.com/VisualStudio/2011/storyboarding/control"/>
   </ds:schemaRefs>
 </ds:datastoreItem>
 </file>
 
-<file path=customXml/itemProps36.xml><?xml version="1.0" encoding="utf-8"?>
-<ds:datastoreItem xmlns:ds="http://schemas.openxmlformats.org/officeDocument/2006/customXml" ds:itemID="{3CA43762-3F39-470A-9564-3739655F8186}">
+<file path=customXml/itemProps74.xml><?xml version="1.0" encoding="utf-8"?>
+<ds:datastoreItem xmlns:ds="http://schemas.openxmlformats.org/officeDocument/2006/customXml" ds:itemID="{20DE1362-1BC4-4883-A16F-96A9C8F4B18F}">
   <ds:schemaRefs>
     <ds:schemaRef ds:uri="http://schemas.microsoft.com/VisualStudio/2011/storyboarding/control"/>
   </ds:schemaRefs>
 </ds:datastoreItem>
 </file>
 
-<file path=customXml/itemProps37.xml><?xml version="1.0" encoding="utf-8"?>
-<ds:datastoreItem xmlns:ds="http://schemas.openxmlformats.org/officeDocument/2006/customXml" ds:itemID="{D9B490FA-A64C-40B6-8247-CD5808900A10}">
+<file path=customXml/itemProps75.xml><?xml version="1.0" encoding="utf-8"?>
+<ds:datastoreItem xmlns:ds="http://schemas.openxmlformats.org/officeDocument/2006/customXml" ds:itemID="{7A7C8F38-0BA1-42E1-8BF5-DEED4B0E03B5}">
   <ds:schemaRefs>
     <ds:schemaRef ds:uri="http://schemas.microsoft.com/VisualStudio/2011/storyboarding/control"/>
   </ds:schemaRefs>
 </ds:datastoreItem>
 </file>
 
-<file path=customXml/itemProps38.xml><?xml version="1.0" encoding="utf-8"?>
-<ds:datastoreItem xmlns:ds="http://schemas.openxmlformats.org/officeDocument/2006/customXml" ds:itemID="{46365B3F-8663-4379-AD5B-D0EABBC1EDD3}">
+<file path=customXml/itemProps76.xml><?xml version="1.0" encoding="utf-8"?>
+<ds:datastoreItem xmlns:ds="http://schemas.openxmlformats.org/officeDocument/2006/customXml" ds:itemID="{161C1280-5A04-4E6E-8FE3-21E316A51B59}">
   <ds:schemaRefs>
     <ds:schemaRef ds:uri="http://schemas.microsoft.com/VisualStudio/2011/storyboarding/control"/>
   </ds:schemaRefs>
 </ds:datastoreItem>
 </file>
 
-<file path=customXml/itemProps39.xml><?xml version="1.0" encoding="utf-8"?>
-<ds:datastoreItem xmlns:ds="http://schemas.openxmlformats.org/officeDocument/2006/customXml" ds:itemID="{914EB071-267D-4D23-8EAD-39A664DF70DC}">
+<file path=customXml/itemProps77.xml><?xml version="1.0" encoding="utf-8"?>
+<ds:datastoreItem xmlns:ds="http://schemas.openxmlformats.org/officeDocument/2006/customXml" ds:itemID="{CF91C9AF-FB44-4B2D-B964-EA853D542988}">
   <ds:schemaRefs>
     <ds:schemaRef ds:uri="http://schemas.microsoft.com/VisualStudio/2011/storyboarding/control"/>
   </ds:schemaRefs>
 </ds:datastoreItem>
 </file>
 
-<file path=customXml/itemProps4.xml><?xml version="1.0" encoding="utf-8"?>
-<ds:datastoreItem xmlns:ds="http://schemas.openxmlformats.org/officeDocument/2006/customXml" ds:itemID="{149B1CD2-B7C7-4B38-9713-13FEE7CAC5CF}">
+<file path=customXml/itemProps78.xml><?xml version="1.0" encoding="utf-8"?>
+<ds:datastoreItem xmlns:ds="http://schemas.openxmlformats.org/officeDocument/2006/customXml" ds:itemID="{417DBAC8-3D39-4B42-B14B-DAEC2E68913B}">
   <ds:schemaRefs>
     <ds:schemaRef ds:uri="http://schemas.microsoft.com/VisualStudio/2011/storyboarding/control"/>
   </ds:schemaRefs>
 </ds:datastoreItem>
 </file>
 
-<file path=customXml/itemProps40.xml><?xml version="1.0" encoding="utf-8"?>
+<file path=customXml/itemProps79.xml><?xml version="1.0" encoding="utf-8"?>
+<ds:datastoreItem xmlns:ds="http://schemas.openxmlformats.org/officeDocument/2006/customXml" ds:itemID="{4E626C7F-4024-4418-87D9-7BEE58688CEB}">
+  <ds:schemaRefs>
+    <ds:schemaRef ds:uri="http://schemas.microsoft.com/VisualStudio/2011/storyboarding/control"/>
+  </ds:schemaRefs>
+</ds:datastoreItem>
+</file>
+
+<file path=customXml/itemProps8.xml><?xml version="1.0" encoding="utf-8"?>
+<ds:datastoreItem xmlns:ds="http://schemas.openxmlformats.org/officeDocument/2006/customXml" ds:itemID="{438B7A44-EBDD-41BA-B093-6D278F4F7459}">
+  <ds:schemaRefs>
+    <ds:schemaRef ds:uri="http://schemas.microsoft.com/VisualStudio/2011/storyboarding/control"/>
+  </ds:schemaRefs>
+</ds:datastoreItem>
+</file>
+
+<file path=customXml/itemProps80.xml><?xml version="1.0" encoding="utf-8"?>
+<ds:datastoreItem xmlns:ds="http://schemas.openxmlformats.org/officeDocument/2006/customXml" ds:itemID="{650ADCBF-4D86-43BF-9817-E7EF6E55BBE7}">
+  <ds:schemaRefs>
+    <ds:schemaRef ds:uri="http://schemas.microsoft.com/VisualStudio/2011/storyboarding/control"/>
+  </ds:schemaRefs>
+</ds:datastoreItem>
+</file>
+
+<file path=customXml/itemProps81.xml><?xml version="1.0" encoding="utf-8"?>
+<ds:datastoreItem xmlns:ds="http://schemas.openxmlformats.org/officeDocument/2006/customXml" ds:itemID="{876AF238-A0AE-4CE4-9709-BB19E770A0FF}">
+  <ds:schemaRefs>
+    <ds:schemaRef ds:uri="http://schemas.microsoft.com/VisualStudio/2011/storyboarding/control"/>
+  </ds:schemaRefs>
+</ds:datastoreItem>
+</file>
+
+<file path=customXml/itemProps82.xml><?xml version="1.0" encoding="utf-8"?>
+<ds:datastoreItem xmlns:ds="http://schemas.openxmlformats.org/officeDocument/2006/customXml" ds:itemID="{701AFE5A-ADCF-4311-A5B5-18B338C7E907}">
+  <ds:schemaRefs>
+    <ds:schemaRef ds:uri="http://schemas.microsoft.com/VisualStudio/2011/storyboarding/control"/>
+  </ds:schemaRefs>
+</ds:datastoreItem>
+</file>
+
+<file path=customXml/itemProps83.xml><?xml version="1.0" encoding="utf-8"?>
+<ds:datastoreItem xmlns:ds="http://schemas.openxmlformats.org/officeDocument/2006/customXml" ds:itemID="{726BE286-E05E-4A7E-9BF6-44FFEC27C080}">
+  <ds:schemaRefs>
+    <ds:schemaRef ds:uri="http://schemas.microsoft.com/VisualStudio/2011/storyboarding/control"/>
+  </ds:schemaRefs>
+</ds:datastoreItem>
+</file>
+
+<file path=customXml/itemProps84.xml><?xml version="1.0" encoding="utf-8"?>
+<ds:datastoreItem xmlns:ds="http://schemas.openxmlformats.org/officeDocument/2006/customXml" ds:itemID="{D9AB7FC7-C062-483E-9B7E-6CCCBB79B494}">
+  <ds:schemaRefs>
+    <ds:schemaRef ds:uri="http://schemas.microsoft.com/VisualStudio/2011/storyboarding/control"/>
+  </ds:schemaRefs>
+</ds:datastoreItem>
+</file>
+
+<file path=customXml/itemProps85.xml><?xml version="1.0" encoding="utf-8"?>
+<ds:datastoreItem xmlns:ds="http://schemas.openxmlformats.org/officeDocument/2006/customXml" ds:itemID="{7EC308D9-C28D-40CD-AB00-4A98E0A77CCC}">
+  <ds:schemaRefs>
+    <ds:schemaRef ds:uri="http://schemas.microsoft.com/VisualStudio/2011/storyboarding/control"/>
+  </ds:schemaRefs>
+</ds:datastoreItem>
+</file>
+
+<file path=customXml/itemProps86.xml><?xml version="1.0" encoding="utf-8"?>
+<ds:datastoreItem xmlns:ds="http://schemas.openxmlformats.org/officeDocument/2006/customXml" ds:itemID="{ACB3927E-D579-4694-AD01-62FF7AA261C4}">
+  <ds:schemaRefs>
+    <ds:schemaRef ds:uri="http://schemas.microsoft.com/VisualStudio/2011/storyboarding/control"/>
+  </ds:schemaRefs>
+</ds:datastoreItem>
+</file>
+
+<file path=customXml/itemProps87.xml><?xml version="1.0" encoding="utf-8"?>
+<ds:datastoreItem xmlns:ds="http://schemas.openxmlformats.org/officeDocument/2006/customXml" ds:itemID="{A05C083F-66B9-4E32-B2F5-E377C3A489DF}">
+  <ds:schemaRefs>
+    <ds:schemaRef ds:uri="http://schemas.microsoft.com/VisualStudio/2011/storyboarding/control"/>
+  </ds:schemaRefs>
+</ds:datastoreItem>
+</file>
+
+<file path=customXml/itemProps88.xml><?xml version="1.0" encoding="utf-8"?>
+<ds:datastoreItem xmlns:ds="http://schemas.openxmlformats.org/officeDocument/2006/customXml" ds:itemID="{215132C6-5D8F-4E41-9882-494A7FC0C124}">
+  <ds:schemaRefs>
+    <ds:schemaRef ds:uri="http://schemas.microsoft.com/VisualStudio/2011/storyboarding/control"/>
+  </ds:schemaRefs>
+</ds:datastoreItem>
+</file>
+
+<file path=customXml/itemProps89.xml><?xml version="1.0" encoding="utf-8"?>
+<ds:datastoreItem xmlns:ds="http://schemas.openxmlformats.org/officeDocument/2006/customXml" ds:itemID="{8A260A91-3FD6-475C-8E6F-434835560933}">
+  <ds:schemaRefs>
+    <ds:schemaRef ds:uri="http://schemas.microsoft.com/VisualStudio/2011/storyboarding/control"/>
+  </ds:schemaRefs>
+</ds:datastoreItem>
+</file>
+
+<file path=customXml/itemProps9.xml><?xml version="1.0" encoding="utf-8"?>
+<ds:datastoreItem xmlns:ds="http://schemas.openxmlformats.org/officeDocument/2006/customXml" ds:itemID="{29F09D18-0D3C-4F1D-ABE0-73E2474806CB}">
+  <ds:schemaRefs>
+    <ds:schemaRef ds:uri="http://schemas.microsoft.com/VisualStudio/2011/storyboarding/control"/>
+  </ds:schemaRefs>
+</ds:datastoreItem>
+</file>
+
+<file path=customXml/itemProps90.xml><?xml version="1.0" encoding="utf-8"?>
 <ds:datastoreItem xmlns:ds="http://schemas.openxmlformats.org/officeDocument/2006/customXml" ds:itemID="{57FFB7F0-24A5-4BA8-AA91-8BFC251E2323}">
   <ds:schemaRefs>
     <ds:schemaRef ds:uri="http://schemas.microsoft.com/VisualStudio/2011/storyboarding/control"/>
@@ -28073,39 +30176,7 @@
 </ds:datastoreItem>
 </file>
 
-<file path=customXml/itemProps41.xml><?xml version="1.0" encoding="utf-8"?>
-<ds:datastoreItem xmlns:ds="http://schemas.openxmlformats.org/officeDocument/2006/customXml" ds:itemID="{0987803F-8C29-460C-9CFE-90D062BBF340}">
-  <ds:schemaRefs>
-    <ds:schemaRef ds:uri="http://schemas.microsoft.com/VisualStudio/2011/storyboarding/control"/>
-  </ds:schemaRefs>
-</ds:datastoreItem>
-</file>
-
-<file path=customXml/itemProps42.xml><?xml version="1.0" encoding="utf-8"?>
-<ds:datastoreItem xmlns:ds="http://schemas.openxmlformats.org/officeDocument/2006/customXml" ds:itemID="{E886A3B6-32CF-43FB-BFDC-824E566105C6}">
-  <ds:schemaRefs>
-    <ds:schemaRef ds:uri="http://schemas.microsoft.com/VisualStudio/2011/storyboarding/control"/>
-  </ds:schemaRefs>
-</ds:datastoreItem>
-</file>
-
-<file path=customXml/itemProps43.xml><?xml version="1.0" encoding="utf-8"?>
-<ds:datastoreItem xmlns:ds="http://schemas.openxmlformats.org/officeDocument/2006/customXml" ds:itemID="{A75B2111-FBDC-4291-9EA3-2B57563F245C}">
-  <ds:schemaRefs>
-    <ds:schemaRef ds:uri="http://schemas.microsoft.com/VisualStudio/2011/storyboarding/control"/>
-  </ds:schemaRefs>
-</ds:datastoreItem>
-</file>
-
-<file path=customXml/itemProps44.xml><?xml version="1.0" encoding="utf-8"?>
-<ds:datastoreItem xmlns:ds="http://schemas.openxmlformats.org/officeDocument/2006/customXml" ds:itemID="{E243988D-F926-45CE-8E57-8F03AD990A6C}">
-  <ds:schemaRefs>
-    <ds:schemaRef ds:uri="http://schemas.microsoft.com/VisualStudio/2011/storyboarding/control"/>
-  </ds:schemaRefs>
-</ds:datastoreItem>
-</file>
-
-<file path=customXml/itemProps45.xml><?xml version="1.0" encoding="utf-8"?>
+<file path=customXml/itemProps91.xml><?xml version="1.0" encoding="utf-8"?>
 <ds:datastoreItem xmlns:ds="http://schemas.openxmlformats.org/officeDocument/2006/customXml" ds:itemID="{E2D66C36-7379-4DD2-AA37-128CF4B262CF}">
   <ds:schemaRefs>
     <ds:schemaRef ds:uri="http://schemas.microsoft.com/VisualStudio/2011/storyboarding/control"/>
@@ -28113,183 +30184,7 @@
 </ds:datastoreItem>
 </file>
 
-<file path=customXml/itemProps46.xml><?xml version="1.0" encoding="utf-8"?>
-<ds:datastoreItem xmlns:ds="http://schemas.openxmlformats.org/officeDocument/2006/customXml" ds:itemID="{C2FBE948-B9F1-4F1A-AC4F-03962924DC85}">
-  <ds:schemaRefs>
-    <ds:schemaRef ds:uri="http://schemas.microsoft.com/VisualStudio/2011/storyboarding/control"/>
-  </ds:schemaRefs>
-</ds:datastoreItem>
-</file>
-
-<file path=customXml/itemProps47.xml><?xml version="1.0" encoding="utf-8"?>
-<ds:datastoreItem xmlns:ds="http://schemas.openxmlformats.org/officeDocument/2006/customXml" ds:itemID="{9F2E68F6-6824-42A7-A3A1-3AE0F539496E}">
-  <ds:schemaRefs>
-    <ds:schemaRef ds:uri="http://schemas.microsoft.com/VisualStudio/2011/storyboarding/control"/>
-  </ds:schemaRefs>
-</ds:datastoreItem>
-</file>
-
-<file path=customXml/itemProps48.xml><?xml version="1.0" encoding="utf-8"?>
-<ds:datastoreItem xmlns:ds="http://schemas.openxmlformats.org/officeDocument/2006/customXml" ds:itemID="{D3E69636-CCB7-4030-8B08-9159922F7C18}">
-  <ds:schemaRefs>
-    <ds:schemaRef ds:uri="http://schemas.microsoft.com/VisualStudio/2011/storyboarding/control"/>
-  </ds:schemaRefs>
-</ds:datastoreItem>
-</file>
-
-<file path=customXml/itemProps49.xml><?xml version="1.0" encoding="utf-8"?>
-<ds:datastoreItem xmlns:ds="http://schemas.openxmlformats.org/officeDocument/2006/customXml" ds:itemID="{1F20FE02-C571-465B-A4B9-BE3971D16C58}">
-  <ds:schemaRefs>
-    <ds:schemaRef ds:uri="http://schemas.microsoft.com/VisualStudio/2011/storyboarding/control"/>
-  </ds:schemaRefs>
-</ds:datastoreItem>
-</file>
-
-<file path=customXml/itemProps5.xml><?xml version="1.0" encoding="utf-8"?>
-<ds:datastoreItem xmlns:ds="http://schemas.openxmlformats.org/officeDocument/2006/customXml" ds:itemID="{438B7A44-EBDD-41BA-B093-6D278F4F7459}">
-  <ds:schemaRefs>
-    <ds:schemaRef ds:uri="http://schemas.microsoft.com/VisualStudio/2011/storyboarding/control"/>
-  </ds:schemaRefs>
-</ds:datastoreItem>
-</file>
-
-<file path=customXml/itemProps50.xml><?xml version="1.0" encoding="utf-8"?>
-<ds:datastoreItem xmlns:ds="http://schemas.openxmlformats.org/officeDocument/2006/customXml" ds:itemID="{0B9DBAA4-EBE1-45AE-B925-2C045568C049}">
-  <ds:schemaRefs>
-    <ds:schemaRef ds:uri="http://schemas.microsoft.com/VisualStudio/2011/storyboarding/control"/>
-  </ds:schemaRefs>
-</ds:datastoreItem>
-</file>
-
-<file path=customXml/itemProps51.xml><?xml version="1.0" encoding="utf-8"?>
-<ds:datastoreItem xmlns:ds="http://schemas.openxmlformats.org/officeDocument/2006/customXml" ds:itemID="{A1C8479A-2384-424B-B607-91A9FC70F6A4}">
-  <ds:schemaRefs>
-    <ds:schemaRef ds:uri="http://schemas.microsoft.com/VisualStudio/2011/storyboarding/control"/>
-  </ds:schemaRefs>
-</ds:datastoreItem>
-</file>
-
-<file path=customXml/itemProps52.xml><?xml version="1.0" encoding="utf-8"?>
-<ds:datastoreItem xmlns:ds="http://schemas.openxmlformats.org/officeDocument/2006/customXml" ds:itemID="{43588560-03AB-428A-9CE4-A6AC7508369A}">
-  <ds:schemaRefs>
-    <ds:schemaRef ds:uri="http://schemas.microsoft.com/VisualStudio/2011/storyboarding/control"/>
-  </ds:schemaRefs>
-</ds:datastoreItem>
-</file>
-
-<file path=customXml/itemProps53.xml><?xml version="1.0" encoding="utf-8"?>
-<ds:datastoreItem xmlns:ds="http://schemas.openxmlformats.org/officeDocument/2006/customXml" ds:itemID="{518A7A68-78B7-4838-B312-03860E01DFC2}">
-  <ds:schemaRefs>
-    <ds:schemaRef ds:uri="http://schemas.microsoft.com/VisualStudio/2011/storyboarding/control"/>
-  </ds:schemaRefs>
-</ds:datastoreItem>
-</file>
-
-<file path=customXml/itemProps54.xml><?xml version="1.0" encoding="utf-8"?>
-<ds:datastoreItem xmlns:ds="http://schemas.openxmlformats.org/officeDocument/2006/customXml" ds:itemID="{242CB00D-BA5D-43C6-B335-4CBC590CA72E}">
-  <ds:schemaRefs>
-    <ds:schemaRef ds:uri="http://schemas.microsoft.com/VisualStudio/2011/storyboarding/control"/>
-  </ds:schemaRefs>
-</ds:datastoreItem>
-</file>
-
-<file path=customXml/itemProps55.xml><?xml version="1.0" encoding="utf-8"?>
-<ds:datastoreItem xmlns:ds="http://schemas.openxmlformats.org/officeDocument/2006/customXml" ds:itemID="{C36DB154-AE5E-441B-8E32-9C0203D538F6}">
-  <ds:schemaRefs>
-    <ds:schemaRef ds:uri="http://schemas.microsoft.com/VisualStudio/2011/storyboarding/control"/>
-  </ds:schemaRefs>
-</ds:datastoreItem>
-</file>
-
-<file path=customXml/itemProps56.xml><?xml version="1.0" encoding="utf-8"?>
-<ds:datastoreItem xmlns:ds="http://schemas.openxmlformats.org/officeDocument/2006/customXml" ds:itemID="{F2B3FB12-0841-4AD8-9A0B-0A04CC6A8CFC}">
-  <ds:schemaRefs>
-    <ds:schemaRef ds:uri="http://schemas.microsoft.com/VisualStudio/2011/storyboarding/control"/>
-  </ds:schemaRefs>
-</ds:datastoreItem>
-</file>
-
-<file path=customXml/itemProps57.xml><?xml version="1.0" encoding="utf-8"?>
-<ds:datastoreItem xmlns:ds="http://schemas.openxmlformats.org/officeDocument/2006/customXml" ds:itemID="{9DAF7C4A-2E75-435E-8C11-B1DC53AC52EB}">
-  <ds:schemaRefs>
-    <ds:schemaRef ds:uri="http://schemas.microsoft.com/VisualStudio/2011/storyboarding/control"/>
-  </ds:schemaRefs>
-</ds:datastoreItem>
-</file>
-
-<file path=customXml/itemProps58.xml><?xml version="1.0" encoding="utf-8"?>
-<ds:datastoreItem xmlns:ds="http://schemas.openxmlformats.org/officeDocument/2006/customXml" ds:itemID="{B472B8AC-8A53-4AB2-879D-1716C227F63F}">
-  <ds:schemaRefs>
-    <ds:schemaRef ds:uri="http://schemas.microsoft.com/VisualStudio/2011/storyboarding/control"/>
-  </ds:schemaRefs>
-</ds:datastoreItem>
-</file>
-
-<file path=customXml/itemProps59.xml><?xml version="1.0" encoding="utf-8"?>
-<ds:datastoreItem xmlns:ds="http://schemas.openxmlformats.org/officeDocument/2006/customXml" ds:itemID="{C4583063-FB7A-486E-B271-71E78059E19B}">
-  <ds:schemaRefs>
-    <ds:schemaRef ds:uri="http://schemas.microsoft.com/VisualStudio/2011/storyboarding/control"/>
-  </ds:schemaRefs>
-</ds:datastoreItem>
-</file>
-
-<file path=customXml/itemProps6.xml><?xml version="1.0" encoding="utf-8"?>
-<ds:datastoreItem xmlns:ds="http://schemas.openxmlformats.org/officeDocument/2006/customXml" ds:itemID="{17A9B085-8E1A-4A33-B871-8166221A211A}">
-  <ds:schemaRefs>
-    <ds:schemaRef ds:uri="http://schemas.microsoft.com/VisualStudio/2011/storyboarding/control"/>
-  </ds:schemaRefs>
-</ds:datastoreItem>
-</file>
-
-<file path=customXml/itemProps60.xml><?xml version="1.0" encoding="utf-8"?>
-<ds:datastoreItem xmlns:ds="http://schemas.openxmlformats.org/officeDocument/2006/customXml" ds:itemID="{A3F62A8C-3D6E-45AB-989A-0299CCDC7BDF}">
-  <ds:schemaRefs>
-    <ds:schemaRef ds:uri="http://schemas.microsoft.com/VisualStudio/2011/storyboarding/control"/>
-  </ds:schemaRefs>
-</ds:datastoreItem>
-</file>
-
-<file path=customXml/itemProps61.xml><?xml version="1.0" encoding="utf-8"?>
-<ds:datastoreItem xmlns:ds="http://schemas.openxmlformats.org/officeDocument/2006/customXml" ds:itemID="{E28B7CEA-1FBD-4F14-BDA2-C48C66B37150}">
-  <ds:schemaRefs>
-    <ds:schemaRef ds:uri="http://schemas.microsoft.com/VisualStudio/2011/storyboarding/control"/>
-  </ds:schemaRefs>
-</ds:datastoreItem>
-</file>
-
-<file path=customXml/itemProps62.xml><?xml version="1.0" encoding="utf-8"?>
-<ds:datastoreItem xmlns:ds="http://schemas.openxmlformats.org/officeDocument/2006/customXml" ds:itemID="{06D91DB4-751F-47F3-B3CD-CDDA280C9652}">
-  <ds:schemaRefs>
-    <ds:schemaRef ds:uri="http://schemas.microsoft.com/VisualStudio/2011/storyboarding/control"/>
-  </ds:schemaRefs>
-</ds:datastoreItem>
-</file>
-
-<file path=customXml/itemProps63.xml><?xml version="1.0" encoding="utf-8"?>
-<ds:datastoreItem xmlns:ds="http://schemas.openxmlformats.org/officeDocument/2006/customXml" ds:itemID="{B8677481-C0C6-468D-8B15-ECE0CB48746C}">
-  <ds:schemaRefs>
-    <ds:schemaRef ds:uri="http://schemas.microsoft.com/VisualStudio/2011/storyboarding/control"/>
-  </ds:schemaRefs>
-</ds:datastoreItem>
-</file>
-
-<file path=customXml/itemProps64.xml><?xml version="1.0" encoding="utf-8"?>
-<ds:datastoreItem xmlns:ds="http://schemas.openxmlformats.org/officeDocument/2006/customXml" ds:itemID="{EF5EA3E2-3902-4CA0-93F4-4F361DF72ABD}">
-  <ds:schemaRefs>
-    <ds:schemaRef ds:uri="http://schemas.microsoft.com/VisualStudio/2011/storyboarding/control"/>
-  </ds:schemaRefs>
-</ds:datastoreItem>
-</file>
-
-<file path=customXml/itemProps65.xml><?xml version="1.0" encoding="utf-8"?>
-<ds:datastoreItem xmlns:ds="http://schemas.openxmlformats.org/officeDocument/2006/customXml" ds:itemID="{F2C546CF-9CDC-44DE-AAD6-9FBD6A29F8B2}">
-  <ds:schemaRefs>
-    <ds:schemaRef ds:uri="http://schemas.microsoft.com/VisualStudio/2011/storyboarding/control"/>
-  </ds:schemaRefs>
-</ds:datastoreItem>
-</file>
-
-<file path=customXml/itemProps66.xml><?xml version="1.0" encoding="utf-8"?>
+<file path=customXml/itemProps92.xml><?xml version="1.0" encoding="utf-8"?>
 <ds:datastoreItem xmlns:ds="http://schemas.openxmlformats.org/officeDocument/2006/customXml" ds:itemID="{F0564582-AFE3-40AE-AC24-282E787FE867}">
   <ds:schemaRefs>
     <ds:schemaRef ds:uri="http://schemas.microsoft.com/VisualStudio/2011/storyboarding/control"/>
@@ -28297,183 +30192,7 @@
 </ds:datastoreItem>
 </file>
 
-<file path=customXml/itemProps67.xml><?xml version="1.0" encoding="utf-8"?>
-<ds:datastoreItem xmlns:ds="http://schemas.openxmlformats.org/officeDocument/2006/customXml" ds:itemID="{F2E40C13-D83C-4295-AAE8-6BAF5097B834}">
-  <ds:schemaRefs>
-    <ds:schemaRef ds:uri="http://schemas.microsoft.com/VisualStudio/2011/storyboarding/control"/>
-  </ds:schemaRefs>
-</ds:datastoreItem>
-</file>
-
-<file path=customXml/itemProps68.xml><?xml version="1.0" encoding="utf-8"?>
-<ds:datastoreItem xmlns:ds="http://schemas.openxmlformats.org/officeDocument/2006/customXml" ds:itemID="{C85E147C-F6F1-445A-8F29-1DFA76FA167C}">
-  <ds:schemaRefs>
-    <ds:schemaRef ds:uri="http://schemas.microsoft.com/VisualStudio/2011/storyboarding/control"/>
-  </ds:schemaRefs>
-</ds:datastoreItem>
-</file>
-
-<file path=customXml/itemProps69.xml><?xml version="1.0" encoding="utf-8"?>
-<ds:datastoreItem xmlns:ds="http://schemas.openxmlformats.org/officeDocument/2006/customXml" ds:itemID="{8F7399B1-A9DB-4D84-95B4-5DD6BBAA5187}">
-  <ds:schemaRefs>
-    <ds:schemaRef ds:uri="http://schemas.microsoft.com/VisualStudio/2011/storyboarding/control"/>
-  </ds:schemaRefs>
-</ds:datastoreItem>
-</file>
-
-<file path=customXml/itemProps7.xml><?xml version="1.0" encoding="utf-8"?>
-<ds:datastoreItem xmlns:ds="http://schemas.openxmlformats.org/officeDocument/2006/customXml" ds:itemID="{701AFE5A-ADCF-4311-A5B5-18B338C7E907}">
-  <ds:schemaRefs>
-    <ds:schemaRef ds:uri="http://schemas.microsoft.com/VisualStudio/2011/storyboarding/control"/>
-  </ds:schemaRefs>
-</ds:datastoreItem>
-</file>
-
-<file path=customXml/itemProps70.xml><?xml version="1.0" encoding="utf-8"?>
-<ds:datastoreItem xmlns:ds="http://schemas.openxmlformats.org/officeDocument/2006/customXml" ds:itemID="{9D841488-D9C9-470B-9DF0-06BC6C2C0775}">
-  <ds:schemaRefs>
-    <ds:schemaRef ds:uri="http://schemas.microsoft.com/VisualStudio/2011/storyboarding/control"/>
-  </ds:schemaRefs>
-</ds:datastoreItem>
-</file>
-
-<file path=customXml/itemProps71.xml><?xml version="1.0" encoding="utf-8"?>
-<ds:datastoreItem xmlns:ds="http://schemas.openxmlformats.org/officeDocument/2006/customXml" ds:itemID="{726BE286-E05E-4A7E-9BF6-44FFEC27C080}">
-  <ds:schemaRefs>
-    <ds:schemaRef ds:uri="http://schemas.microsoft.com/VisualStudio/2011/storyboarding/control"/>
-  </ds:schemaRefs>
-</ds:datastoreItem>
-</file>
-
-<file path=customXml/itemProps72.xml><?xml version="1.0" encoding="utf-8"?>
-<ds:datastoreItem xmlns:ds="http://schemas.openxmlformats.org/officeDocument/2006/customXml" ds:itemID="{6226C0E4-0364-460C-AAB7-9D347567DCC8}">
-  <ds:schemaRefs>
-    <ds:schemaRef ds:uri="http://schemas.microsoft.com/VisualStudio/2011/storyboarding/control"/>
-  </ds:schemaRefs>
-</ds:datastoreItem>
-</file>
-
-<file path=customXml/itemProps73.xml><?xml version="1.0" encoding="utf-8"?>
-<ds:datastoreItem xmlns:ds="http://schemas.openxmlformats.org/officeDocument/2006/customXml" ds:itemID="{ABD876F2-87B3-4F2F-9405-BCB26B393D8D}">
-  <ds:schemaRefs>
-    <ds:schemaRef ds:uri="http://schemas.microsoft.com/VisualStudio/2011/storyboarding/control"/>
-  </ds:schemaRefs>
-</ds:datastoreItem>
-</file>
-
-<file path=customXml/itemProps74.xml><?xml version="1.0" encoding="utf-8"?>
-<ds:datastoreItem xmlns:ds="http://schemas.openxmlformats.org/officeDocument/2006/customXml" ds:itemID="{6ADA548F-1BF0-44B5-AD4E-6B89D3ECE98D}">
-  <ds:schemaRefs>
-    <ds:schemaRef ds:uri="http://schemas.microsoft.com/VisualStudio/2011/storyboarding/control"/>
-  </ds:schemaRefs>
-</ds:datastoreItem>
-</file>
-
-<file path=customXml/itemProps75.xml><?xml version="1.0" encoding="utf-8"?>
-<ds:datastoreItem xmlns:ds="http://schemas.openxmlformats.org/officeDocument/2006/customXml" ds:itemID="{C02037DD-3248-4DE3-A985-ACC0F2406BE8}">
-  <ds:schemaRefs>
-    <ds:schemaRef ds:uri="http://schemas.microsoft.com/VisualStudio/2011/storyboarding/control"/>
-  </ds:schemaRefs>
-</ds:datastoreItem>
-</file>
-
-<file path=customXml/itemProps76.xml><?xml version="1.0" encoding="utf-8"?>
-<ds:datastoreItem xmlns:ds="http://schemas.openxmlformats.org/officeDocument/2006/customXml" ds:itemID="{20DE1362-1BC4-4883-A16F-96A9C8F4B18F}">
-  <ds:schemaRefs>
-    <ds:schemaRef ds:uri="http://schemas.microsoft.com/VisualStudio/2011/storyboarding/control"/>
-  </ds:schemaRefs>
-</ds:datastoreItem>
-</file>
-
-<file path=customXml/itemProps77.xml><?xml version="1.0" encoding="utf-8"?>
-<ds:datastoreItem xmlns:ds="http://schemas.openxmlformats.org/officeDocument/2006/customXml" ds:itemID="{1877004B-50A8-4877-B8FF-7DD1DC8224C2}">
-  <ds:schemaRefs>
-    <ds:schemaRef ds:uri="http://schemas.microsoft.com/VisualStudio/2011/storyboarding/control"/>
-  </ds:schemaRefs>
-</ds:datastoreItem>
-</file>
-
-<file path=customXml/itemProps78.xml><?xml version="1.0" encoding="utf-8"?>
-<ds:datastoreItem xmlns:ds="http://schemas.openxmlformats.org/officeDocument/2006/customXml" ds:itemID="{6E9F6603-6B7C-453B-A486-459839EF1163}">
-  <ds:schemaRefs>
-    <ds:schemaRef ds:uri="http://schemas.microsoft.com/VisualStudio/2011/storyboarding/control"/>
-  </ds:schemaRefs>
-</ds:datastoreItem>
-</file>
-
-<file path=customXml/itemProps79.xml><?xml version="1.0" encoding="utf-8"?>
-<ds:datastoreItem xmlns:ds="http://schemas.openxmlformats.org/officeDocument/2006/customXml" ds:itemID="{DC24DB23-C3E0-4806-934A-5531299BFC48}">
-  <ds:schemaRefs>
-    <ds:schemaRef ds:uri="http://schemas.microsoft.com/VisualStudio/2011/storyboarding/control"/>
-  </ds:schemaRefs>
-</ds:datastoreItem>
-</file>
-
-<file path=customXml/itemProps8.xml><?xml version="1.0" encoding="utf-8"?>
-<ds:datastoreItem xmlns:ds="http://schemas.openxmlformats.org/officeDocument/2006/customXml" ds:itemID="{3C65476E-E005-4058-A679-B2D8F13FF877}">
-  <ds:schemaRefs>
-    <ds:schemaRef ds:uri="http://schemas.microsoft.com/VisualStudio/2011/storyboarding/control"/>
-  </ds:schemaRefs>
-</ds:datastoreItem>
-</file>
-
-<file path=customXml/itemProps80.xml><?xml version="1.0" encoding="utf-8"?>
-<ds:datastoreItem xmlns:ds="http://schemas.openxmlformats.org/officeDocument/2006/customXml" ds:itemID="{BC9894E6-7AC8-4518-A802-8C98F8565837}">
-  <ds:schemaRefs>
-    <ds:schemaRef ds:uri="http://schemas.microsoft.com/VisualStudio/2011/storyboarding/control"/>
-  </ds:schemaRefs>
-</ds:datastoreItem>
-</file>
-
-<file path=customXml/itemProps81.xml><?xml version="1.0" encoding="utf-8"?>
-<ds:datastoreItem xmlns:ds="http://schemas.openxmlformats.org/officeDocument/2006/customXml" ds:itemID="{8EE50836-C4DB-4AC6-8DFD-677FDEAB9EAD}">
-  <ds:schemaRefs>
-    <ds:schemaRef ds:uri="http://schemas.microsoft.com/VisualStudio/2011/storyboarding/control"/>
-  </ds:schemaRefs>
-</ds:datastoreItem>
-</file>
-
-<file path=customXml/itemProps82.xml><?xml version="1.0" encoding="utf-8"?>
-<ds:datastoreItem xmlns:ds="http://schemas.openxmlformats.org/officeDocument/2006/customXml" ds:itemID="{6806E131-54C6-48B3-984A-5A1F4C5785D2}">
-  <ds:schemaRefs>
-    <ds:schemaRef ds:uri="http://schemas.microsoft.com/VisualStudio/2011/storyboarding/control"/>
-  </ds:schemaRefs>
-</ds:datastoreItem>
-</file>
-
-<file path=customXml/itemProps83.xml><?xml version="1.0" encoding="utf-8"?>
-<ds:datastoreItem xmlns:ds="http://schemas.openxmlformats.org/officeDocument/2006/customXml" ds:itemID="{F2C13C45-9FD4-46A1-B566-8CFCB6433E4D}">
-  <ds:schemaRefs>
-    <ds:schemaRef ds:uri="http://schemas.microsoft.com/VisualStudio/2011/storyboarding/control"/>
-  </ds:schemaRefs>
-</ds:datastoreItem>
-</file>
-
-<file path=customXml/itemProps84.xml><?xml version="1.0" encoding="utf-8"?>
-<ds:datastoreItem xmlns:ds="http://schemas.openxmlformats.org/officeDocument/2006/customXml" ds:itemID="{9F80CF27-93E9-4C7B-88EF-82FB0C72DF62}">
-  <ds:schemaRefs>
-    <ds:schemaRef ds:uri="http://schemas.microsoft.com/VisualStudio/2011/storyboarding/control"/>
-  </ds:schemaRefs>
-</ds:datastoreItem>
-</file>
-
-<file path=customXml/itemProps85.xml><?xml version="1.0" encoding="utf-8"?>
-<ds:datastoreItem xmlns:ds="http://schemas.openxmlformats.org/officeDocument/2006/customXml" ds:itemID="{2BDF7FB8-4BA8-46D9-B98A-095F3529F3D4}">
-  <ds:schemaRefs>
-    <ds:schemaRef ds:uri="http://schemas.microsoft.com/VisualStudio/2011/storyboarding/control"/>
-  </ds:schemaRefs>
-</ds:datastoreItem>
-</file>
-
-<file path=customXml/itemProps86.xml><?xml version="1.0" encoding="utf-8"?>
-<ds:datastoreItem xmlns:ds="http://schemas.openxmlformats.org/officeDocument/2006/customXml" ds:itemID="{29BF925D-CF27-4B21-AC43-2599465F0C8E}">
-  <ds:schemaRefs>
-    <ds:schemaRef ds:uri="http://schemas.microsoft.com/VisualStudio/2011/storyboarding/control"/>
-  </ds:schemaRefs>
-</ds:datastoreItem>
-</file>
-
-<file path=customXml/itemProps87.xml><?xml version="1.0" encoding="utf-8"?>
+<file path=customXml/itemProps93.xml><?xml version="1.0" encoding="utf-8"?>
 <ds:datastoreItem xmlns:ds="http://schemas.openxmlformats.org/officeDocument/2006/customXml" ds:itemID="{AABF63A9-AA30-4DF6-8EF2-972AB7A4097F}">
   <ds:schemaRefs>
     <ds:schemaRef ds:uri="http://schemas.microsoft.com/VisualStudio/2011/storyboarding/control"/>
@@ -28481,104 +30200,48 @@
 </ds:datastoreItem>
 </file>
 
-<file path=customXml/itemProps88.xml><?xml version="1.0" encoding="utf-8"?>
-<ds:datastoreItem xmlns:ds="http://schemas.openxmlformats.org/officeDocument/2006/customXml" ds:itemID="{4032A915-244F-4EED-B3D6-A7E329608545}">
+<file path=customXml/itemProps94.xml><?xml version="1.0" encoding="utf-8"?>
+<ds:datastoreItem xmlns:ds="http://schemas.openxmlformats.org/officeDocument/2006/customXml" ds:itemID="{D2FE2441-F4F4-4DD2-A086-4A7D71862FD9}">
   <ds:schemaRefs>
     <ds:schemaRef ds:uri="http://schemas.microsoft.com/VisualStudio/2011/storyboarding/control"/>
   </ds:schemaRefs>
 </ds:datastoreItem>
 </file>
 
-<file path=customXml/itemProps89.xml><?xml version="1.0" encoding="utf-8"?>
-<ds:datastoreItem xmlns:ds="http://schemas.openxmlformats.org/officeDocument/2006/customXml" ds:itemID="{BE30DC31-8F8A-48CF-A072-77607577B2FB}">
+<file path=customXml/itemProps95.xml><?xml version="1.0" encoding="utf-8"?>
+<ds:datastoreItem xmlns:ds="http://schemas.openxmlformats.org/officeDocument/2006/customXml" ds:itemID="{A5548825-A252-43B9-8E93-D05CC009ABBE}">
   <ds:schemaRefs>
     <ds:schemaRef ds:uri="http://schemas.microsoft.com/VisualStudio/2011/storyboarding/control"/>
   </ds:schemaRefs>
 </ds:datastoreItem>
 </file>
 
-<file path=customXml/itemProps9.xml><?xml version="1.0" encoding="utf-8"?>
-<ds:datastoreItem xmlns:ds="http://schemas.openxmlformats.org/officeDocument/2006/customXml" ds:itemID="{ADDA3575-2CD6-4AA3-BAD6-EE20DE74340F}">
+<file path=customXml/itemProps96.xml><?xml version="1.0" encoding="utf-8"?>
+<ds:datastoreItem xmlns:ds="http://schemas.openxmlformats.org/officeDocument/2006/customXml" ds:itemID="{7D9FEB58-73F6-462F-A88A-C490995E4318}">
   <ds:schemaRefs>
     <ds:schemaRef ds:uri="http://schemas.microsoft.com/VisualStudio/2011/storyboarding/control"/>
   </ds:schemaRefs>
 </ds:datastoreItem>
 </file>
 
-<file path=customXml/itemProps90.xml><?xml version="1.0" encoding="utf-8"?>
-<ds:datastoreItem xmlns:ds="http://schemas.openxmlformats.org/officeDocument/2006/customXml" ds:itemID="{29F09D18-0D3C-4F1D-ABE0-73E2474806CB}">
+<file path=customXml/itemProps97.xml><?xml version="1.0" encoding="utf-8"?>
+<ds:datastoreItem xmlns:ds="http://schemas.openxmlformats.org/officeDocument/2006/customXml" ds:itemID="{68A0CDC1-3F80-4DE3-8AB3-B532E32DC2D3}">
   <ds:schemaRefs>
     <ds:schemaRef ds:uri="http://schemas.microsoft.com/VisualStudio/2011/storyboarding/control"/>
   </ds:schemaRefs>
 </ds:datastoreItem>
 </file>
 
-<file path=customXml/itemProps91.xml><?xml version="1.0" encoding="utf-8"?>
-<ds:datastoreItem xmlns:ds="http://schemas.openxmlformats.org/officeDocument/2006/customXml" ds:itemID="{DC4F4190-4090-481C-95E3-E7A883513D24}">
+<file path=customXml/itemProps98.xml><?xml version="1.0" encoding="utf-8"?>
+<ds:datastoreItem xmlns:ds="http://schemas.openxmlformats.org/officeDocument/2006/customXml" ds:itemID="{48A06D39-512F-41A5-AE3C-7B4CDB4AC086}">
   <ds:schemaRefs>
     <ds:schemaRef ds:uri="http://schemas.microsoft.com/VisualStudio/2011/storyboarding/control"/>
   </ds:schemaRefs>
 </ds:datastoreItem>
 </file>
 
-<file path=customXml/itemProps92.xml><?xml version="1.0" encoding="utf-8"?>
-<ds:datastoreItem xmlns:ds="http://schemas.openxmlformats.org/officeDocument/2006/customXml" ds:itemID="{D9AB7FC7-C062-483E-9B7E-6CCCBB79B494}">
-  <ds:schemaRefs>
-    <ds:schemaRef ds:uri="http://schemas.microsoft.com/VisualStudio/2011/storyboarding/control"/>
-  </ds:schemaRefs>
-</ds:datastoreItem>
-</file>
-
-<file path=customXml/itemProps93.xml><?xml version="1.0" encoding="utf-8"?>
-<ds:datastoreItem xmlns:ds="http://schemas.openxmlformats.org/officeDocument/2006/customXml" ds:itemID="{247695CD-B2DD-488A-8575-5345C166802C}">
-  <ds:schemaRefs>
-    <ds:schemaRef ds:uri="http://schemas.microsoft.com/VisualStudio/2011/storyboarding/control"/>
-  </ds:schemaRefs>
-</ds:datastoreItem>
-</file>
-
-<file path=customXml/itemProps94.xml><?xml version="1.0" encoding="utf-8"?>
-<ds:datastoreItem xmlns:ds="http://schemas.openxmlformats.org/officeDocument/2006/customXml" ds:itemID="{AB1DB933-7DE2-4FB6-94F8-DE6617D86614}">
-  <ds:schemaRefs>
-    <ds:schemaRef ds:uri="http://schemas.microsoft.com/VisualStudio/2011/storyboarding/control"/>
-  </ds:schemaRefs>
-</ds:datastoreItem>
-</file>
-
-<file path=customXml/itemProps95.xml><?xml version="1.0" encoding="utf-8"?>
-<ds:datastoreItem xmlns:ds="http://schemas.openxmlformats.org/officeDocument/2006/customXml" ds:itemID="{73C15516-64BE-43A3-9299-7E108DE97C7F}">
-  <ds:schemaRefs>
-    <ds:schemaRef ds:uri="http://schemas.microsoft.com/VisualStudio/2011/storyboarding/control"/>
-  </ds:schemaRefs>
-</ds:datastoreItem>
-</file>
-
-<file path=customXml/itemProps96.xml><?xml version="1.0" encoding="utf-8"?>
-<ds:datastoreItem xmlns:ds="http://schemas.openxmlformats.org/officeDocument/2006/customXml" ds:itemID="{4933C5B9-7038-46C8-B65F-9FC1C846A3E0}">
-  <ds:schemaRefs>
-    <ds:schemaRef ds:uri="http://schemas.microsoft.com/VisualStudio/2011/storyboarding/control"/>
-  </ds:schemaRefs>
-</ds:datastoreItem>
-</file>
-
-<file path=customXml/itemProps97.xml><?xml version="1.0" encoding="utf-8"?>
-<ds:datastoreItem xmlns:ds="http://schemas.openxmlformats.org/officeDocument/2006/customXml" ds:itemID="{7A7C8F38-0BA1-42E1-8BF5-DEED4B0E03B5}">
-  <ds:schemaRefs>
-    <ds:schemaRef ds:uri="http://schemas.microsoft.com/VisualStudio/2011/storyboarding/control"/>
-  </ds:schemaRefs>
-</ds:datastoreItem>
-</file>
-
-<file path=customXml/itemProps98.xml><?xml version="1.0" encoding="utf-8"?>
-<ds:datastoreItem xmlns:ds="http://schemas.openxmlformats.org/officeDocument/2006/customXml" ds:itemID="{C30452E4-8A6C-404A-B689-8E04350A6B59}">
-  <ds:schemaRefs>
-    <ds:schemaRef ds:uri="http://schemas.microsoft.com/VisualStudio/2011/storyboarding/control"/>
-  </ds:schemaRefs>
-</ds:datastoreItem>
-</file>
-
 <file path=customXml/itemProps99.xml><?xml version="1.0" encoding="utf-8"?>
-<ds:datastoreItem xmlns:ds="http://schemas.openxmlformats.org/officeDocument/2006/customXml" ds:itemID="{D1100CDA-4C0B-4B20-A344-A7360173EF0F}">
+<ds:datastoreItem xmlns:ds="http://schemas.openxmlformats.org/officeDocument/2006/customXml" ds:itemID="{1159427B-15B9-477B-8DAD-D7C81D705523}">
   <ds:schemaRefs>
     <ds:schemaRef ds:uri="http://schemas.microsoft.com/VisualStudio/2011/storyboarding/control"/>
   </ds:schemaRefs>

--- a/Page d’acceuil.pptx
+++ b/Page d’acceuil.pptx
@@ -2,36 +2,35 @@
 <file path=ppt/presentation.xml><?xml version="1.0" encoding="utf-8"?>
 <p:presentation xmlns:a="http://schemas.openxmlformats.org/drawingml/2006/main" xmlns:r="http://schemas.openxmlformats.org/officeDocument/2006/relationships" xmlns:p="http://schemas.openxmlformats.org/presentationml/2006/main" saveSubsetFonts="1">
   <p:sldMasterIdLst>
-    <p:sldMasterId id="2147483648" r:id="rId204"/>
-    <p:sldMasterId id="2147483660" r:id="rId205"/>
+    <p:sldMasterId id="2147483648" r:id="rId200"/>
+    <p:sldMasterId id="2147483660" r:id="rId201"/>
   </p:sldMasterIdLst>
   <p:notesMasterIdLst>
-    <p:notesMasterId r:id="rId229"/>
+    <p:notesMasterId r:id="rId224"/>
   </p:notesMasterIdLst>
   <p:sldIdLst>
-    <p:sldId id="260" r:id="rId206"/>
-    <p:sldId id="258" r:id="rId207"/>
-    <p:sldId id="269" r:id="rId208"/>
-    <p:sldId id="270" r:id="rId209"/>
-    <p:sldId id="271" r:id="rId210"/>
-    <p:sldId id="264" r:id="rId211"/>
-    <p:sldId id="284" r:id="rId212"/>
-    <p:sldId id="265" r:id="rId213"/>
-    <p:sldId id="272" r:id="rId214"/>
-    <p:sldId id="273" r:id="rId215"/>
-    <p:sldId id="274" r:id="rId216"/>
-    <p:sldId id="275" r:id="rId217"/>
-    <p:sldId id="276" r:id="rId218"/>
-    <p:sldId id="278" r:id="rId219"/>
-    <p:sldId id="279" r:id="rId220"/>
-    <p:sldId id="280" r:id="rId221"/>
-    <p:sldId id="282" r:id="rId222"/>
-    <p:sldId id="281" r:id="rId223"/>
-    <p:sldId id="283" r:id="rId224"/>
-    <p:sldId id="287" r:id="rId225"/>
-    <p:sldId id="266" r:id="rId226"/>
-    <p:sldId id="267" r:id="rId227"/>
-    <p:sldId id="285" r:id="rId228"/>
+    <p:sldId id="260" r:id="rId202"/>
+    <p:sldId id="258" r:id="rId203"/>
+    <p:sldId id="269" r:id="rId204"/>
+    <p:sldId id="270" r:id="rId205"/>
+    <p:sldId id="271" r:id="rId206"/>
+    <p:sldId id="264" r:id="rId207"/>
+    <p:sldId id="284" r:id="rId208"/>
+    <p:sldId id="265" r:id="rId209"/>
+    <p:sldId id="272" r:id="rId210"/>
+    <p:sldId id="273" r:id="rId211"/>
+    <p:sldId id="274" r:id="rId212"/>
+    <p:sldId id="275" r:id="rId213"/>
+    <p:sldId id="276" r:id="rId214"/>
+    <p:sldId id="278" r:id="rId215"/>
+    <p:sldId id="279" r:id="rId216"/>
+    <p:sldId id="280" r:id="rId217"/>
+    <p:sldId id="282" r:id="rId218"/>
+    <p:sldId id="281" r:id="rId219"/>
+    <p:sldId id="283" r:id="rId220"/>
+    <p:sldId id="287" r:id="rId221"/>
+    <p:sldId id="267" r:id="rId222"/>
+    <p:sldId id="285" r:id="rId223"/>
   </p:sldIdLst>
   <p:sldSz cx="12192000" cy="6858000"/>
   <p:notesSz cx="6858000" cy="9144000"/>
@@ -788,496 +787,6 @@
     </a:p>
   </c:txPr>
   <c:externalData r:id="rId3">
-    <c:autoUpdate val="0"/>
-  </c:externalData>
-</c:chartSpace>
-</file>
-
-<file path=ppt/charts/chart3.xml><?xml version="1.0" encoding="utf-8"?>
-<c:chartSpace xmlns:c="http://schemas.openxmlformats.org/drawingml/2006/chart" xmlns:a="http://schemas.openxmlformats.org/drawingml/2006/main" xmlns:r="http://schemas.openxmlformats.org/officeDocument/2006/relationships" xmlns:c16r2="http://schemas.microsoft.com/office/drawing/2015/06/chart">
-  <c:date1904 val="0"/>
-  <c:lang val="fr-FR"/>
-  <c:roundedCorners val="0"/>
-  <mc:AlternateContent xmlns:mc="http://schemas.openxmlformats.org/markup-compatibility/2006">
-    <mc:Choice xmlns:c14="http://schemas.microsoft.com/office/drawing/2007/8/2/chart" Requires="c14">
-      <c14:style val="102"/>
-    </mc:Choice>
-    <mc:Fallback>
-      <c:style val="2"/>
-    </mc:Fallback>
-  </mc:AlternateContent>
-  <c:chart>
-    <c:autoTitleDeleted val="1"/>
-    <c:plotArea>
-      <c:layout/>
-      <c:pieChart>
-        <c:varyColors val="1"/>
-        <c:ser>
-          <c:idx val="0"/>
-          <c:order val="0"/>
-          <c:tx>
-            <c:strRef>
-              <c:f>Sheet1!$B$1</c:f>
-              <c:strCache>
-                <c:ptCount val="1"/>
-                <c:pt idx="0">
-                  <c:v>Sales</c:v>
-                </c:pt>
-              </c:strCache>
-            </c:strRef>
-          </c:tx>
-          <c:spPr>
-            <a:ln w="3175">
-              <a:solidFill>
-                <a:schemeClr val="bg1">
-                  <a:lumMod val="50000"/>
-                </a:schemeClr>
-              </a:solidFill>
-            </a:ln>
-          </c:spPr>
-          <c:dPt>
-            <c:idx val="0"/>
-            <c:bubble3D val="0"/>
-            <c:spPr>
-              <a:solidFill>
-                <a:schemeClr val="bg1">
-                  <a:lumMod val="65000"/>
-                </a:schemeClr>
-              </a:solidFill>
-              <a:ln w="3175">
-                <a:solidFill>
-                  <a:schemeClr val="bg1">
-                    <a:lumMod val="50000"/>
-                  </a:schemeClr>
-                </a:solidFill>
-              </a:ln>
-            </c:spPr>
-            <c:extLst>
-              <c:ext xmlns:c16="http://schemas.microsoft.com/office/drawing/2014/chart" uri="{C3380CC4-5D6E-409C-BE32-E72D297353CC}">
-                <c16:uniqueId val="{00000001-9349-4A6F-A9C1-AA8D54D2C870}"/>
-              </c:ext>
-            </c:extLst>
-          </c:dPt>
-          <c:dPt>
-            <c:idx val="1"/>
-            <c:bubble3D val="0"/>
-            <c:spPr>
-              <a:solidFill>
-                <a:schemeClr val="bg1">
-                  <a:lumMod val="95000"/>
-                </a:schemeClr>
-              </a:solidFill>
-              <a:ln w="3175">
-                <a:solidFill>
-                  <a:schemeClr val="bg1">
-                    <a:lumMod val="50000"/>
-                  </a:schemeClr>
-                </a:solidFill>
-              </a:ln>
-            </c:spPr>
-            <c:extLst>
-              <c:ext xmlns:c16="http://schemas.microsoft.com/office/drawing/2014/chart" uri="{C3380CC4-5D6E-409C-BE32-E72D297353CC}">
-                <c16:uniqueId val="{00000003-9349-4A6F-A9C1-AA8D54D2C870}"/>
-              </c:ext>
-            </c:extLst>
-          </c:dPt>
-          <c:dPt>
-            <c:idx val="2"/>
-            <c:bubble3D val="0"/>
-            <c:spPr>
-              <a:solidFill>
-                <a:schemeClr val="bg1">
-                  <a:lumMod val="85000"/>
-                </a:schemeClr>
-              </a:solidFill>
-              <a:ln w="3175">
-                <a:solidFill>
-                  <a:schemeClr val="bg1">
-                    <a:lumMod val="50000"/>
-                  </a:schemeClr>
-                </a:solidFill>
-              </a:ln>
-            </c:spPr>
-            <c:extLst>
-              <c:ext xmlns:c16="http://schemas.microsoft.com/office/drawing/2014/chart" uri="{C3380CC4-5D6E-409C-BE32-E72D297353CC}">
-                <c16:uniqueId val="{00000005-9349-4A6F-A9C1-AA8D54D2C870}"/>
-              </c:ext>
-            </c:extLst>
-          </c:dPt>
-          <c:cat>
-            <c:strRef>
-              <c:f>Sheet1!$A$2:$A$4</c:f>
-              <c:strCache>
-                <c:ptCount val="3"/>
-                <c:pt idx="0">
-                  <c:v>1st Qtr</c:v>
-                </c:pt>
-                <c:pt idx="1">
-                  <c:v>2nd Qtr</c:v>
-                </c:pt>
-                <c:pt idx="2">
-                  <c:v>3rd Qtr</c:v>
-                </c:pt>
-              </c:strCache>
-            </c:strRef>
-          </c:cat>
-          <c:val>
-            <c:numRef>
-              <c:f>Sheet1!$B$2:$B$4</c:f>
-              <c:numCache>
-                <c:formatCode>General</c:formatCode>
-                <c:ptCount val="3"/>
-                <c:pt idx="0">
-                  <c:v>6</c:v>
-                </c:pt>
-                <c:pt idx="1">
-                  <c:v>3</c:v>
-                </c:pt>
-                <c:pt idx="2">
-                  <c:v>1.8</c:v>
-                </c:pt>
-              </c:numCache>
-            </c:numRef>
-          </c:val>
-          <c:extLst>
-            <c:ext xmlns:c16="http://schemas.microsoft.com/office/drawing/2014/chart" uri="{C3380CC4-5D6E-409C-BE32-E72D297353CC}">
-              <c16:uniqueId val="{00000006-9349-4A6F-A9C1-AA8D54D2C870}"/>
-            </c:ext>
-          </c:extLst>
-        </c:ser>
-        <c:dLbls>
-          <c:showLegendKey val="0"/>
-          <c:showVal val="0"/>
-          <c:showCatName val="0"/>
-          <c:showSerName val="0"/>
-          <c:showPercent val="0"/>
-          <c:showBubbleSize val="0"/>
-          <c:showLeaderLines val="0"/>
-        </c:dLbls>
-        <c:firstSliceAng val="0"/>
-      </c:pieChart>
-    </c:plotArea>
-    <c:plotVisOnly val="1"/>
-    <c:dispBlanksAs val="zero"/>
-    <c:showDLblsOverMax val="0"/>
-  </c:chart>
-  <c:spPr>
-    <a:noFill/>
-  </c:spPr>
-  <c:txPr>
-    <a:bodyPr/>
-    <a:lstStyle/>
-    <a:p>
-      <a:pPr>
-        <a:defRPr sz="1800"/>
-      </a:pPr>
-      <a:endParaRPr lang="fr-FR"/>
-    </a:p>
-  </c:txPr>
-  <c:externalData r:id="rId1">
-    <c:autoUpdate val="0"/>
-  </c:externalData>
-</c:chartSpace>
-</file>
-
-<file path=ppt/charts/chart4.xml><?xml version="1.0" encoding="utf-8"?>
-<c:chartSpace xmlns:c="http://schemas.openxmlformats.org/drawingml/2006/chart" xmlns:a="http://schemas.openxmlformats.org/drawingml/2006/main" xmlns:r="http://schemas.openxmlformats.org/officeDocument/2006/relationships" xmlns:c16r2="http://schemas.microsoft.com/office/drawing/2015/06/chart">
-  <c:date1904 val="0"/>
-  <c:lang val="fr-FR"/>
-  <c:roundedCorners val="0"/>
-  <mc:AlternateContent xmlns:mc="http://schemas.openxmlformats.org/markup-compatibility/2006">
-    <mc:Choice xmlns:c14="http://schemas.microsoft.com/office/drawing/2007/8/2/chart" Requires="c14">
-      <c14:style val="102"/>
-    </mc:Choice>
-    <mc:Fallback>
-      <c:style val="2"/>
-    </mc:Fallback>
-  </mc:AlternateContent>
-  <c:clrMapOvr bg1="lt1" tx1="dk1" bg2="lt2" tx2="dk2" accent1="accent1" accent2="accent2" accent3="accent3" accent4="accent4" accent5="accent5" accent6="accent6" hlink="hlink" folHlink="folHlink"/>
-  <c:chart>
-    <c:autoTitleDeleted val="0"/>
-    <c:plotArea>
-      <c:layout/>
-      <c:barChart>
-        <c:barDir val="col"/>
-        <c:grouping val="clustered"/>
-        <c:varyColors val="0"/>
-        <c:ser>
-          <c:idx val="0"/>
-          <c:order val="0"/>
-          <c:tx>
-            <c:strRef>
-              <c:f>Sheet1!$B$1</c:f>
-              <c:strCache>
-                <c:ptCount val="1"/>
-                <c:pt idx="0">
-                  <c:v>Series 1</c:v>
-                </c:pt>
-              </c:strCache>
-            </c:strRef>
-          </c:tx>
-          <c:spPr>
-            <a:solidFill>
-              <a:schemeClr val="bg1">
-                <a:lumMod val="75000"/>
-              </a:schemeClr>
-            </a:solidFill>
-            <a:ln>
-              <a:solidFill>
-                <a:schemeClr val="tx1">
-                  <a:lumMod val="50000"/>
-                  <a:lumOff val="50000"/>
-                </a:schemeClr>
-              </a:solidFill>
-            </a:ln>
-          </c:spPr>
-          <c:invertIfNegative val="0"/>
-          <c:cat>
-            <c:strRef>
-              <c:f>Sheet1!$A$2:$A$3</c:f>
-              <c:strCache>
-                <c:ptCount val="2"/>
-                <c:pt idx="0">
-                  <c:v>Category 1</c:v>
-                </c:pt>
-                <c:pt idx="1">
-                  <c:v>Category 2</c:v>
-                </c:pt>
-              </c:strCache>
-            </c:strRef>
-          </c:cat>
-          <c:val>
-            <c:numRef>
-              <c:f>Sheet1!$B$2:$B$3</c:f>
-              <c:numCache>
-                <c:formatCode>General</c:formatCode>
-                <c:ptCount val="2"/>
-                <c:pt idx="0">
-                  <c:v>4.3</c:v>
-                </c:pt>
-                <c:pt idx="1">
-                  <c:v>2.5</c:v>
-                </c:pt>
-              </c:numCache>
-            </c:numRef>
-          </c:val>
-          <c:extLst>
-            <c:ext xmlns:c16="http://schemas.microsoft.com/office/drawing/2014/chart" uri="{C3380CC4-5D6E-409C-BE32-E72D297353CC}">
-              <c16:uniqueId val="{00000000-23C1-463A-9155-30CDDD8B3AFB}"/>
-            </c:ext>
-          </c:extLst>
-        </c:ser>
-        <c:ser>
-          <c:idx val="1"/>
-          <c:order val="1"/>
-          <c:tx>
-            <c:strRef>
-              <c:f>Sheet1!$C$1</c:f>
-              <c:strCache>
-                <c:ptCount val="1"/>
-                <c:pt idx="0">
-                  <c:v>Series 2</c:v>
-                </c:pt>
-              </c:strCache>
-            </c:strRef>
-          </c:tx>
-          <c:spPr>
-            <a:solidFill>
-              <a:schemeClr val="bg1">
-                <a:lumMod val="95000"/>
-              </a:schemeClr>
-            </a:solidFill>
-            <a:ln>
-              <a:solidFill>
-                <a:schemeClr val="tx1">
-                  <a:lumMod val="50000"/>
-                  <a:lumOff val="50000"/>
-                </a:schemeClr>
-              </a:solidFill>
-            </a:ln>
-          </c:spPr>
-          <c:invertIfNegative val="0"/>
-          <c:cat>
-            <c:strRef>
-              <c:f>Sheet1!$A$2:$A$3</c:f>
-              <c:strCache>
-                <c:ptCount val="2"/>
-                <c:pt idx="0">
-                  <c:v>Category 1</c:v>
-                </c:pt>
-                <c:pt idx="1">
-                  <c:v>Category 2</c:v>
-                </c:pt>
-              </c:strCache>
-            </c:strRef>
-          </c:cat>
-          <c:val>
-            <c:numRef>
-              <c:f>Sheet1!$C$2:$C$3</c:f>
-              <c:numCache>
-                <c:formatCode>General</c:formatCode>
-                <c:ptCount val="2"/>
-                <c:pt idx="0">
-                  <c:v>2.4</c:v>
-                </c:pt>
-                <c:pt idx="1">
-                  <c:v>4.4000000000000004</c:v>
-                </c:pt>
-              </c:numCache>
-            </c:numRef>
-          </c:val>
-          <c:extLst>
-            <c:ext xmlns:c16="http://schemas.microsoft.com/office/drawing/2014/chart" uri="{C3380CC4-5D6E-409C-BE32-E72D297353CC}">
-              <c16:uniqueId val="{00000001-23C1-463A-9155-30CDDD8B3AFB}"/>
-            </c:ext>
-          </c:extLst>
-        </c:ser>
-        <c:ser>
-          <c:idx val="2"/>
-          <c:order val="2"/>
-          <c:tx>
-            <c:strRef>
-              <c:f>Sheet1!$D$1</c:f>
-              <c:strCache>
-                <c:ptCount val="1"/>
-                <c:pt idx="0">
-                  <c:v>Series 3</c:v>
-                </c:pt>
-              </c:strCache>
-            </c:strRef>
-          </c:tx>
-          <c:spPr>
-            <a:solidFill>
-              <a:schemeClr val="bg1">
-                <a:lumMod val="85000"/>
-              </a:schemeClr>
-            </a:solidFill>
-            <a:ln>
-              <a:solidFill>
-                <a:schemeClr val="tx1">
-                  <a:lumMod val="50000"/>
-                  <a:lumOff val="50000"/>
-                </a:schemeClr>
-              </a:solidFill>
-            </a:ln>
-          </c:spPr>
-          <c:invertIfNegative val="0"/>
-          <c:cat>
-            <c:strRef>
-              <c:f>Sheet1!$A$2:$A$3</c:f>
-              <c:strCache>
-                <c:ptCount val="2"/>
-                <c:pt idx="0">
-                  <c:v>Category 1</c:v>
-                </c:pt>
-                <c:pt idx="1">
-                  <c:v>Category 2</c:v>
-                </c:pt>
-              </c:strCache>
-            </c:strRef>
-          </c:cat>
-          <c:val>
-            <c:numRef>
-              <c:f>Sheet1!$D$2:$D$3</c:f>
-              <c:numCache>
-                <c:formatCode>General</c:formatCode>
-                <c:ptCount val="2"/>
-                <c:pt idx="0">
-                  <c:v>3</c:v>
-                </c:pt>
-                <c:pt idx="1">
-                  <c:v>4</c:v>
-                </c:pt>
-              </c:numCache>
-            </c:numRef>
-          </c:val>
-          <c:extLst>
-            <c:ext xmlns:c16="http://schemas.microsoft.com/office/drawing/2014/chart" uri="{C3380CC4-5D6E-409C-BE32-E72D297353CC}">
-              <c16:uniqueId val="{00000002-23C1-463A-9155-30CDDD8B3AFB}"/>
-            </c:ext>
-          </c:extLst>
-        </c:ser>
-        <c:dLbls>
-          <c:showLegendKey val="0"/>
-          <c:showVal val="0"/>
-          <c:showCatName val="0"/>
-          <c:showSerName val="0"/>
-          <c:showPercent val="0"/>
-          <c:showBubbleSize val="0"/>
-        </c:dLbls>
-        <c:gapWidth val="150"/>
-        <c:axId val="80589184"/>
-        <c:axId val="80590720"/>
-      </c:barChart>
-      <c:catAx>
-        <c:axId val="80589184"/>
-        <c:scaling>
-          <c:orientation val="minMax"/>
-        </c:scaling>
-        <c:delete val="0"/>
-        <c:axPos val="b"/>
-        <c:numFmt formatCode="General" sourceLinked="0"/>
-        <c:majorTickMark val="none"/>
-        <c:minorTickMark val="none"/>
-        <c:tickLblPos val="none"/>
-        <c:spPr>
-          <a:ln w="3175"/>
-        </c:spPr>
-        <c:crossAx val="80590720"/>
-        <c:crosses val="autoZero"/>
-        <c:auto val="1"/>
-        <c:lblAlgn val="ctr"/>
-        <c:lblOffset val="100"/>
-        <c:noMultiLvlLbl val="0"/>
-      </c:catAx>
-      <c:valAx>
-        <c:axId val="80590720"/>
-        <c:scaling>
-          <c:orientation val="minMax"/>
-        </c:scaling>
-        <c:delete val="0"/>
-        <c:axPos val="l"/>
-        <c:majorGridlines>
-          <c:spPr>
-            <a:ln w="3175">
-              <a:solidFill>
-                <a:schemeClr val="bg1">
-                  <a:lumMod val="85000"/>
-                </a:schemeClr>
-              </a:solidFill>
-              <a:prstDash val="dash"/>
-            </a:ln>
-          </c:spPr>
-        </c:majorGridlines>
-        <c:numFmt formatCode="General" sourceLinked="1"/>
-        <c:majorTickMark val="none"/>
-        <c:minorTickMark val="none"/>
-        <c:tickLblPos val="none"/>
-        <c:crossAx val="80589184"/>
-        <c:crosses val="autoZero"/>
-        <c:crossBetween val="between"/>
-      </c:valAx>
-    </c:plotArea>
-    <c:plotVisOnly val="1"/>
-    <c:dispBlanksAs val="gap"/>
-    <c:showDLblsOverMax val="0"/>
-  </c:chart>
-  <c:spPr>
-    <a:solidFill>
-      <a:sysClr val="window" lastClr="FFFFFF"/>
-    </a:solidFill>
-  </c:spPr>
-  <c:txPr>
-    <a:bodyPr/>
-    <a:lstStyle/>
-    <a:p>
-      <a:pPr>
-        <a:defRPr sz="1800"/>
-      </a:pPr>
-      <a:endParaRPr lang="fr-FR"/>
-    </a:p>
-  </c:txPr>
-  <c:externalData r:id="rId2">
     <c:autoUpdate val="0"/>
   </c:externalData>
 </c:chartSpace>
@@ -8596,20 +8105,12 @@
               <a:lstStyle/>
               <a:p>
                 <a:r>
-                  <a:rPr lang="en-US" sz="1200" dirty="0" err="1">
-                    <a:latin typeface="Segoe UI" pitchFamily="34" charset="0"/>
-                    <a:ea typeface="Segoe UI" pitchFamily="34" charset="0"/>
-                    <a:cs typeface="Segoe UI" pitchFamily="34" charset="0"/>
-                  </a:rPr>
-                  <a:t>Réponse</a:t>
-                </a:r>
-                <a:r>
                   <a:rPr lang="en-US" sz="1200" dirty="0">
                     <a:latin typeface="Segoe UI" pitchFamily="34" charset="0"/>
                     <a:ea typeface="Segoe UI" pitchFamily="34" charset="0"/>
                     <a:cs typeface="Segoe UI" pitchFamily="34" charset="0"/>
                   </a:rPr>
-                  <a:t> 2</a:t>
+                  <a:t>Réponse 2</a:t>
                 </a:r>
               </a:p>
             </p:txBody>
@@ -8757,20 +8258,12 @@
             <a:lstStyle/>
             <a:p>
               <a:r>
-                <a:rPr lang="en-US" sz="1200" dirty="0" err="1">
-                  <a:latin typeface="Segoe UI" pitchFamily="34" charset="0"/>
-                  <a:ea typeface="Segoe UI" pitchFamily="34" charset="0"/>
-                  <a:cs typeface="Segoe UI" pitchFamily="34" charset="0"/>
-                </a:rPr>
-                <a:t>Réponse</a:t>
-              </a:r>
-              <a:r>
                 <a:rPr lang="en-US" sz="1200" dirty="0">
                   <a:latin typeface="Segoe UI" pitchFamily="34" charset="0"/>
                   <a:ea typeface="Segoe UI" pitchFamily="34" charset="0"/>
                   <a:cs typeface="Segoe UI" pitchFamily="34" charset="0"/>
                 </a:rPr>
-                <a:t> 3</a:t>
+                <a:t>Réponse 3</a:t>
               </a:r>
             </a:p>
           </p:txBody>
@@ -8894,20 +8387,12 @@
               <a:lstStyle/>
               <a:p>
                 <a:r>
-                  <a:rPr lang="en-US" sz="1200" dirty="0" err="1">
-                    <a:latin typeface="Segoe UI" pitchFamily="34" charset="0"/>
-                    <a:ea typeface="Segoe UI" pitchFamily="34" charset="0"/>
-                    <a:cs typeface="Segoe UI" pitchFamily="34" charset="0"/>
-                  </a:rPr>
-                  <a:t>Réponse</a:t>
-                </a:r>
-                <a:r>
                   <a:rPr lang="en-US" sz="1200" dirty="0">
                     <a:latin typeface="Segoe UI" pitchFamily="34" charset="0"/>
                     <a:ea typeface="Segoe UI" pitchFamily="34" charset="0"/>
                     <a:cs typeface="Segoe UI" pitchFamily="34" charset="0"/>
                   </a:rPr>
-                  <a:t> 1</a:t>
+                  <a:t>Réponse 1</a:t>
                 </a:r>
               </a:p>
             </p:txBody>
@@ -9078,13 +8563,13 @@
           <a:p>
             <a:pPr algn="ctr"/>
             <a:r>
-              <a:rPr lang="en-US" sz="1200" b="1" dirty="0">
+              <a:rPr lang="en-US" sz="1600" b="1" dirty="0">
                 <a:latin typeface="Segoe UI" pitchFamily="34" charset="0"/>
                 <a:cs typeface="Segoe UI" pitchFamily="34" charset="0"/>
               </a:rPr>
-              <a:t>VALIDER LE SONDAGE</a:t>
+              <a:t>VALIDER</a:t>
             </a:r>
-            <a:endParaRPr lang="en-US" sz="1200" b="1" dirty="0">
+            <a:endParaRPr lang="en-US" sz="1600" b="1" dirty="0">
               <a:solidFill>
                 <a:srgbClr val="000000"/>
               </a:solidFill>
@@ -9514,20 +8999,12 @@
               <a:lstStyle/>
               <a:p>
                 <a:r>
-                  <a:rPr lang="en-US" sz="1200" dirty="0" err="1">
-                    <a:latin typeface="Segoe UI" pitchFamily="34" charset="0"/>
-                    <a:ea typeface="Segoe UI" pitchFamily="34" charset="0"/>
-                    <a:cs typeface="Segoe UI" pitchFamily="34" charset="0"/>
-                  </a:rPr>
-                  <a:t>Réponse</a:t>
-                </a:r>
-                <a:r>
                   <a:rPr lang="en-US" sz="1200" dirty="0">
                     <a:latin typeface="Segoe UI" pitchFamily="34" charset="0"/>
                     <a:ea typeface="Segoe UI" pitchFamily="34" charset="0"/>
                     <a:cs typeface="Segoe UI" pitchFamily="34" charset="0"/>
                   </a:rPr>
-                  <a:t> 2</a:t>
+                  <a:t>Réponse 2</a:t>
                 </a:r>
               </a:p>
             </p:txBody>
@@ -9693,20 +9170,12 @@
               <a:lstStyle/>
               <a:p>
                 <a:r>
-                  <a:rPr lang="en-US" sz="1200" dirty="0" err="1">
-                    <a:latin typeface="Segoe UI" pitchFamily="34" charset="0"/>
-                    <a:ea typeface="Segoe UI" pitchFamily="34" charset="0"/>
-                    <a:cs typeface="Segoe UI" pitchFamily="34" charset="0"/>
-                  </a:rPr>
-                  <a:t>Réponse</a:t>
-                </a:r>
-                <a:r>
                   <a:rPr lang="en-US" sz="1200" dirty="0">
                     <a:latin typeface="Segoe UI" pitchFamily="34" charset="0"/>
                     <a:ea typeface="Segoe UI" pitchFamily="34" charset="0"/>
                     <a:cs typeface="Segoe UI" pitchFamily="34" charset="0"/>
                   </a:rPr>
-                  <a:t> 3</a:t>
+                  <a:t>Réponse 3</a:t>
                 </a:r>
               </a:p>
             </p:txBody>
@@ -9872,20 +9341,12 @@
               <a:lstStyle/>
               <a:p>
                 <a:r>
-                  <a:rPr lang="en-US" sz="1200" dirty="0" err="1">
-                    <a:latin typeface="Segoe UI" pitchFamily="34" charset="0"/>
-                    <a:ea typeface="Segoe UI" pitchFamily="34" charset="0"/>
-                    <a:cs typeface="Segoe UI" pitchFamily="34" charset="0"/>
-                  </a:rPr>
-                  <a:t>Réponse</a:t>
-                </a:r>
-                <a:r>
                   <a:rPr lang="en-US" sz="1200" dirty="0">
                     <a:latin typeface="Segoe UI" pitchFamily="34" charset="0"/>
                     <a:ea typeface="Segoe UI" pitchFamily="34" charset="0"/>
                     <a:cs typeface="Segoe UI" pitchFamily="34" charset="0"/>
                   </a:rPr>
-                  <a:t> 1</a:t>
+                  <a:t>Réponse 1</a:t>
                 </a:r>
               </a:p>
             </p:txBody>
@@ -10056,13 +9517,13 @@
           <a:p>
             <a:pPr algn="ctr"/>
             <a:r>
-              <a:rPr lang="en-US" sz="1200" b="1" dirty="0">
+              <a:rPr lang="en-US" sz="1600" b="1" dirty="0">
                 <a:latin typeface="Segoe UI" pitchFamily="34" charset="0"/>
                 <a:cs typeface="Segoe UI" pitchFamily="34" charset="0"/>
               </a:rPr>
-              <a:t>VALIDER LE SONDAGE</a:t>
+              <a:t>VALIDER</a:t>
             </a:r>
-            <a:endParaRPr lang="en-US" sz="1200" b="1" dirty="0">
+            <a:endParaRPr lang="en-US" sz="1600" b="1" dirty="0">
               <a:solidFill>
                 <a:srgbClr val="000000"/>
               </a:solidFill>
@@ -10474,20 +9935,12 @@
             <a:lstStyle/>
             <a:p>
               <a:r>
-                <a:rPr lang="en-US" sz="1200" dirty="0" err="1">
-                  <a:latin typeface="Segoe UI" pitchFamily="34" charset="0"/>
-                  <a:ea typeface="Segoe UI" pitchFamily="34" charset="0"/>
-                  <a:cs typeface="Segoe UI" pitchFamily="34" charset="0"/>
-                </a:rPr>
-                <a:t>Réponse</a:t>
-              </a:r>
-              <a:r>
                 <a:rPr lang="en-US" sz="1200" dirty="0">
                   <a:latin typeface="Segoe UI" pitchFamily="34" charset="0"/>
                   <a:ea typeface="Segoe UI" pitchFamily="34" charset="0"/>
                   <a:cs typeface="Segoe UI" pitchFamily="34" charset="0"/>
                 </a:rPr>
-                <a:t> 2</a:t>
+                <a:t>Réponse 2</a:t>
               </a:r>
             </a:p>
           </p:txBody>
@@ -10611,20 +10064,12 @@
               <a:lstStyle/>
               <a:p>
                 <a:r>
-                  <a:rPr lang="en-US" sz="1200" dirty="0" err="1">
-                    <a:latin typeface="Segoe UI" pitchFamily="34" charset="0"/>
-                    <a:ea typeface="Segoe UI" pitchFamily="34" charset="0"/>
-                    <a:cs typeface="Segoe UI" pitchFamily="34" charset="0"/>
-                  </a:rPr>
-                  <a:t>Réponse</a:t>
-                </a:r>
-                <a:r>
                   <a:rPr lang="en-US" sz="1200" dirty="0">
                     <a:latin typeface="Segoe UI" pitchFamily="34" charset="0"/>
                     <a:ea typeface="Segoe UI" pitchFamily="34" charset="0"/>
                     <a:cs typeface="Segoe UI" pitchFamily="34" charset="0"/>
                   </a:rPr>
-                  <a:t> 3</a:t>
+                  <a:t>Réponse 3</a:t>
                 </a:r>
               </a:p>
             </p:txBody>
@@ -10790,20 +10235,12 @@
               <a:lstStyle/>
               <a:p>
                 <a:r>
-                  <a:rPr lang="en-US" sz="1200" dirty="0" err="1">
-                    <a:latin typeface="Segoe UI" pitchFamily="34" charset="0"/>
-                    <a:ea typeface="Segoe UI" pitchFamily="34" charset="0"/>
-                    <a:cs typeface="Segoe UI" pitchFamily="34" charset="0"/>
-                  </a:rPr>
-                  <a:t>Réponse</a:t>
-                </a:r>
-                <a:r>
                   <a:rPr lang="en-US" sz="1200" dirty="0">
                     <a:latin typeface="Segoe UI" pitchFamily="34" charset="0"/>
                     <a:ea typeface="Segoe UI" pitchFamily="34" charset="0"/>
                     <a:cs typeface="Segoe UI" pitchFamily="34" charset="0"/>
                   </a:rPr>
-                  <a:t> 1</a:t>
+                  <a:t>Réponse 1</a:t>
                 </a:r>
               </a:p>
             </p:txBody>
@@ -10974,13 +10411,13 @@
           <a:p>
             <a:pPr algn="ctr"/>
             <a:r>
-              <a:rPr lang="en-US" sz="1200" b="1" dirty="0">
+              <a:rPr lang="en-US" sz="1600" b="1" dirty="0">
                 <a:latin typeface="Segoe UI" pitchFamily="34" charset="0"/>
                 <a:cs typeface="Segoe UI" pitchFamily="34" charset="0"/>
               </a:rPr>
-              <a:t>VALIDER LE SONDAGE</a:t>
+              <a:t>VALIDER</a:t>
             </a:r>
-            <a:endParaRPr lang="en-US" sz="1200" b="1" dirty="0">
+            <a:endParaRPr lang="en-US" sz="1600" b="1" dirty="0">
               <a:solidFill>
                 <a:srgbClr val="000000"/>
               </a:solidFill>
@@ -11410,20 +10847,12 @@
               <a:lstStyle/>
               <a:p>
                 <a:r>
-                  <a:rPr lang="en-US" sz="1200" dirty="0" err="1">
-                    <a:latin typeface="Segoe UI" pitchFamily="34" charset="0"/>
-                    <a:ea typeface="Segoe UI" pitchFamily="34" charset="0"/>
-                    <a:cs typeface="Segoe UI" pitchFamily="34" charset="0"/>
-                  </a:rPr>
-                  <a:t>Réponse</a:t>
-                </a:r>
-                <a:r>
                   <a:rPr lang="en-US" sz="1200" dirty="0">
                     <a:latin typeface="Segoe UI" pitchFamily="34" charset="0"/>
                     <a:ea typeface="Segoe UI" pitchFamily="34" charset="0"/>
                     <a:cs typeface="Segoe UI" pitchFamily="34" charset="0"/>
                   </a:rPr>
-                  <a:t> 2</a:t>
+                  <a:t>Réponse 2</a:t>
                 </a:r>
               </a:p>
             </p:txBody>
@@ -11571,20 +11000,12 @@
             <a:lstStyle/>
             <a:p>
               <a:r>
-                <a:rPr lang="en-US" sz="1200" dirty="0" err="1">
-                  <a:latin typeface="Segoe UI" pitchFamily="34" charset="0"/>
-                  <a:ea typeface="Segoe UI" pitchFamily="34" charset="0"/>
-                  <a:cs typeface="Segoe UI" pitchFamily="34" charset="0"/>
-                </a:rPr>
-                <a:t>Réponse</a:t>
-              </a:r>
-              <a:r>
                 <a:rPr lang="en-US" sz="1200" dirty="0">
                   <a:latin typeface="Segoe UI" pitchFamily="34" charset="0"/>
                   <a:ea typeface="Segoe UI" pitchFamily="34" charset="0"/>
                   <a:cs typeface="Segoe UI" pitchFamily="34" charset="0"/>
                 </a:rPr>
-                <a:t> 3</a:t>
+                <a:t>Réponse 3</a:t>
               </a:r>
             </a:p>
           </p:txBody>
@@ -11690,20 +11111,12 @@
             <a:lstStyle/>
             <a:p>
               <a:r>
-                <a:rPr lang="en-US" sz="1200" dirty="0" err="1">
-                  <a:latin typeface="Segoe UI" pitchFamily="34" charset="0"/>
-                  <a:ea typeface="Segoe UI" pitchFamily="34" charset="0"/>
-                  <a:cs typeface="Segoe UI" pitchFamily="34" charset="0"/>
-                </a:rPr>
-                <a:t>Réponse</a:t>
-              </a:r>
-              <a:r>
                 <a:rPr lang="en-US" sz="1200" dirty="0">
                   <a:latin typeface="Segoe UI" pitchFamily="34" charset="0"/>
                   <a:ea typeface="Segoe UI" pitchFamily="34" charset="0"/>
                   <a:cs typeface="Segoe UI" pitchFamily="34" charset="0"/>
                 </a:rPr>
-                <a:t> 1</a:t>
+                <a:t>Réponse 1</a:t>
               </a:r>
             </a:p>
           </p:txBody>
@@ -11832,13 +11245,13 @@
           <a:p>
             <a:pPr algn="ctr"/>
             <a:r>
-              <a:rPr lang="en-US" sz="1200" b="1" dirty="0">
+              <a:rPr lang="en-US" sz="1600" b="1" dirty="0">
                 <a:latin typeface="Segoe UI" pitchFamily="34" charset="0"/>
                 <a:cs typeface="Segoe UI" pitchFamily="34" charset="0"/>
               </a:rPr>
-              <a:t>VALIDER LE SONDAGE</a:t>
+              <a:t>VALIDER</a:t>
             </a:r>
-            <a:endParaRPr lang="en-US" sz="1200" b="1" dirty="0">
+            <a:endParaRPr lang="en-US" sz="1600" b="1" dirty="0">
               <a:solidFill>
                 <a:srgbClr val="000000"/>
               </a:solidFill>
@@ -12250,20 +11663,12 @@
             <a:lstStyle/>
             <a:p>
               <a:r>
-                <a:rPr lang="en-US" sz="1200" dirty="0" err="1">
-                  <a:latin typeface="Segoe UI" pitchFamily="34" charset="0"/>
-                  <a:ea typeface="Segoe UI" pitchFamily="34" charset="0"/>
-                  <a:cs typeface="Segoe UI" pitchFamily="34" charset="0"/>
-                </a:rPr>
-                <a:t>Réponse</a:t>
-              </a:r>
-              <a:r>
                 <a:rPr lang="en-US" sz="1200" dirty="0">
                   <a:latin typeface="Segoe UI" pitchFamily="34" charset="0"/>
                   <a:ea typeface="Segoe UI" pitchFamily="34" charset="0"/>
                   <a:cs typeface="Segoe UI" pitchFamily="34" charset="0"/>
                 </a:rPr>
-                <a:t> 2</a:t>
+                <a:t>Réponse 2</a:t>
               </a:r>
             </a:p>
           </p:txBody>
@@ -12387,20 +11792,12 @@
               <a:lstStyle/>
               <a:p>
                 <a:r>
-                  <a:rPr lang="en-US" sz="1200" dirty="0" err="1">
-                    <a:latin typeface="Segoe UI" pitchFamily="34" charset="0"/>
-                    <a:ea typeface="Segoe UI" pitchFamily="34" charset="0"/>
-                    <a:cs typeface="Segoe UI" pitchFamily="34" charset="0"/>
-                  </a:rPr>
-                  <a:t>Réponse</a:t>
-                </a:r>
-                <a:r>
                   <a:rPr lang="en-US" sz="1200" dirty="0">
                     <a:latin typeface="Segoe UI" pitchFamily="34" charset="0"/>
                     <a:ea typeface="Segoe UI" pitchFamily="34" charset="0"/>
                     <a:cs typeface="Segoe UI" pitchFamily="34" charset="0"/>
                   </a:rPr>
-                  <a:t> 3</a:t>
+                  <a:t>Réponse 3</a:t>
                 </a:r>
               </a:p>
             </p:txBody>
@@ -12548,20 +11945,12 @@
             <a:lstStyle/>
             <a:p>
               <a:r>
-                <a:rPr lang="en-US" sz="1200" dirty="0" err="1">
-                  <a:latin typeface="Segoe UI" pitchFamily="34" charset="0"/>
-                  <a:ea typeface="Segoe UI" pitchFamily="34" charset="0"/>
-                  <a:cs typeface="Segoe UI" pitchFamily="34" charset="0"/>
-                </a:rPr>
-                <a:t>Réponse</a:t>
-              </a:r>
-              <a:r>
                 <a:rPr lang="en-US" sz="1200" dirty="0">
                   <a:latin typeface="Segoe UI" pitchFamily="34" charset="0"/>
                   <a:ea typeface="Segoe UI" pitchFamily="34" charset="0"/>
                   <a:cs typeface="Segoe UI" pitchFamily="34" charset="0"/>
                 </a:rPr>
-                <a:t> 1</a:t>
+                <a:t>Réponse 1</a:t>
               </a:r>
             </a:p>
           </p:txBody>
@@ -12690,13 +12079,13 @@
           <a:p>
             <a:pPr algn="ctr"/>
             <a:r>
-              <a:rPr lang="en-US" sz="1200" b="1" dirty="0">
+              <a:rPr lang="en-US" sz="1600" b="1" dirty="0">
                 <a:latin typeface="Segoe UI" pitchFamily="34" charset="0"/>
                 <a:cs typeface="Segoe UI" pitchFamily="34" charset="0"/>
               </a:rPr>
-              <a:t>VALIDER LE SONDAGE</a:t>
+              <a:t>VALIDER</a:t>
             </a:r>
-            <a:endParaRPr lang="en-US" sz="1200" b="1" dirty="0">
+            <a:endParaRPr lang="en-US" sz="1600" b="1" dirty="0">
               <a:solidFill>
                 <a:srgbClr val="000000"/>
               </a:solidFill>
@@ -13126,20 +12515,12 @@
               <a:lstStyle/>
               <a:p>
                 <a:r>
-                  <a:rPr lang="en-US" sz="1200" dirty="0" err="1">
-                    <a:latin typeface="Segoe UI" pitchFamily="34" charset="0"/>
-                    <a:ea typeface="Segoe UI" pitchFamily="34" charset="0"/>
-                    <a:cs typeface="Segoe UI" pitchFamily="34" charset="0"/>
-                  </a:rPr>
-                  <a:t>Réponse</a:t>
-                </a:r>
-                <a:r>
                   <a:rPr lang="en-US" sz="1200" dirty="0">
                     <a:latin typeface="Segoe UI" pitchFamily="34" charset="0"/>
                     <a:ea typeface="Segoe UI" pitchFamily="34" charset="0"/>
                     <a:cs typeface="Segoe UI" pitchFamily="34" charset="0"/>
                   </a:rPr>
-                  <a:t> 2</a:t>
+                  <a:t>Réponse 2</a:t>
                 </a:r>
               </a:p>
             </p:txBody>
@@ -13305,20 +12686,12 @@
               <a:lstStyle/>
               <a:p>
                 <a:r>
-                  <a:rPr lang="en-US" sz="1200" dirty="0" err="1">
-                    <a:latin typeface="Segoe UI" pitchFamily="34" charset="0"/>
-                    <a:ea typeface="Segoe UI" pitchFamily="34" charset="0"/>
-                    <a:cs typeface="Segoe UI" pitchFamily="34" charset="0"/>
-                  </a:rPr>
-                  <a:t>Réponse</a:t>
-                </a:r>
-                <a:r>
                   <a:rPr lang="en-US" sz="1200" dirty="0">
                     <a:latin typeface="Segoe UI" pitchFamily="34" charset="0"/>
                     <a:ea typeface="Segoe UI" pitchFamily="34" charset="0"/>
                     <a:cs typeface="Segoe UI" pitchFamily="34" charset="0"/>
                   </a:rPr>
-                  <a:t> 3</a:t>
+                  <a:t>Réponse 3</a:t>
                 </a:r>
               </a:p>
             </p:txBody>
@@ -13466,20 +12839,12 @@
             <a:lstStyle/>
             <a:p>
               <a:r>
-                <a:rPr lang="en-US" sz="1200" dirty="0" err="1">
-                  <a:latin typeface="Segoe UI" pitchFamily="34" charset="0"/>
-                  <a:ea typeface="Segoe UI" pitchFamily="34" charset="0"/>
-                  <a:cs typeface="Segoe UI" pitchFamily="34" charset="0"/>
-                </a:rPr>
-                <a:t>Réponse</a:t>
-              </a:r>
-              <a:r>
                 <a:rPr lang="en-US" sz="1200" dirty="0">
                   <a:latin typeface="Segoe UI" pitchFamily="34" charset="0"/>
                   <a:ea typeface="Segoe UI" pitchFamily="34" charset="0"/>
                   <a:cs typeface="Segoe UI" pitchFamily="34" charset="0"/>
                 </a:rPr>
-                <a:t> 1</a:t>
+                <a:t>Réponse 1</a:t>
               </a:r>
             </a:p>
           </p:txBody>
@@ -13608,13 +12973,13 @@
           <a:p>
             <a:pPr algn="ctr"/>
             <a:r>
-              <a:rPr lang="en-US" sz="1200" b="1" dirty="0">
+              <a:rPr lang="en-US" sz="1600" b="1" dirty="0">
                 <a:latin typeface="Segoe UI" pitchFamily="34" charset="0"/>
                 <a:cs typeface="Segoe UI" pitchFamily="34" charset="0"/>
               </a:rPr>
-              <a:t>VALIDER LE SONDAGE</a:t>
+              <a:t>VALIDER</a:t>
             </a:r>
-            <a:endParaRPr lang="en-US" sz="1200" b="1" dirty="0">
+            <a:endParaRPr lang="en-US" sz="1600" b="1" dirty="0">
               <a:solidFill>
                 <a:srgbClr val="000000"/>
               </a:solidFill>
@@ -14026,20 +13391,12 @@
             <a:lstStyle/>
             <a:p>
               <a:r>
-                <a:rPr lang="en-US" sz="1200" dirty="0" err="1">
-                  <a:latin typeface="Segoe UI" pitchFamily="34" charset="0"/>
-                  <a:ea typeface="Segoe UI" pitchFamily="34" charset="0"/>
-                  <a:cs typeface="Segoe UI" pitchFamily="34" charset="0"/>
-                </a:rPr>
-                <a:t>Réponse</a:t>
-              </a:r>
-              <a:r>
                 <a:rPr lang="en-US" sz="1200" dirty="0">
                   <a:latin typeface="Segoe UI" pitchFamily="34" charset="0"/>
                   <a:ea typeface="Segoe UI" pitchFamily="34" charset="0"/>
                   <a:cs typeface="Segoe UI" pitchFamily="34" charset="0"/>
                 </a:rPr>
-                <a:t> 2</a:t>
+                <a:t>Réponse 2</a:t>
               </a:r>
             </a:p>
           </p:txBody>
@@ -14145,20 +13502,12 @@
             <a:lstStyle/>
             <a:p>
               <a:r>
-                <a:rPr lang="en-US" sz="1200" dirty="0" err="1">
-                  <a:latin typeface="Segoe UI" pitchFamily="34" charset="0"/>
-                  <a:ea typeface="Segoe UI" pitchFamily="34" charset="0"/>
-                  <a:cs typeface="Segoe UI" pitchFamily="34" charset="0"/>
-                </a:rPr>
-                <a:t>Réponse</a:t>
-              </a:r>
-              <a:r>
                 <a:rPr lang="en-US" sz="1200" dirty="0">
                   <a:latin typeface="Segoe UI" pitchFamily="34" charset="0"/>
                   <a:ea typeface="Segoe UI" pitchFamily="34" charset="0"/>
                   <a:cs typeface="Segoe UI" pitchFamily="34" charset="0"/>
                 </a:rPr>
-                <a:t> 3</a:t>
+                <a:t>Réponse 3</a:t>
               </a:r>
             </a:p>
           </p:txBody>
@@ -14264,20 +13613,12 @@
             <a:lstStyle/>
             <a:p>
               <a:r>
-                <a:rPr lang="en-US" sz="1200" dirty="0" err="1">
-                  <a:latin typeface="Segoe UI" pitchFamily="34" charset="0"/>
-                  <a:ea typeface="Segoe UI" pitchFamily="34" charset="0"/>
-                  <a:cs typeface="Segoe UI" pitchFamily="34" charset="0"/>
-                </a:rPr>
-                <a:t>Réponse</a:t>
-              </a:r>
-              <a:r>
                 <a:rPr lang="en-US" sz="1200" dirty="0">
                   <a:latin typeface="Segoe UI" pitchFamily="34" charset="0"/>
                   <a:ea typeface="Segoe UI" pitchFamily="34" charset="0"/>
                   <a:cs typeface="Segoe UI" pitchFamily="34" charset="0"/>
                 </a:rPr>
-                <a:t> 1</a:t>
+                <a:t>Réponse 1</a:t>
               </a:r>
             </a:p>
           </p:txBody>
@@ -14746,20 +14087,12 @@
             <a:lstStyle/>
             <a:p>
               <a:r>
-                <a:rPr lang="en-US" sz="1200" dirty="0" err="1">
-                  <a:latin typeface="Segoe UI" pitchFamily="34" charset="0"/>
-                  <a:ea typeface="Segoe UI" pitchFamily="34" charset="0"/>
-                  <a:cs typeface="Segoe UI" pitchFamily="34" charset="0"/>
-                </a:rPr>
-                <a:t>Réponse</a:t>
-              </a:r>
-              <a:r>
                 <a:rPr lang="en-US" sz="1200" dirty="0">
                   <a:latin typeface="Segoe UI" pitchFamily="34" charset="0"/>
                   <a:ea typeface="Segoe UI" pitchFamily="34" charset="0"/>
                   <a:cs typeface="Segoe UI" pitchFamily="34" charset="0"/>
                 </a:rPr>
-                <a:t> 2</a:t>
+                <a:t>Réponse 2</a:t>
               </a:r>
             </a:p>
           </p:txBody>
@@ -14863,20 +14196,12 @@
             <a:lstStyle/>
             <a:p>
               <a:r>
-                <a:rPr lang="en-US" sz="1200" dirty="0" err="1">
-                  <a:latin typeface="Segoe UI" pitchFamily="34" charset="0"/>
-                  <a:ea typeface="Segoe UI" pitchFamily="34" charset="0"/>
-                  <a:cs typeface="Segoe UI" pitchFamily="34" charset="0"/>
-                </a:rPr>
-                <a:t>Réponse</a:t>
-              </a:r>
-              <a:r>
                 <a:rPr lang="en-US" sz="1200" dirty="0">
                   <a:latin typeface="Segoe UI" pitchFamily="34" charset="0"/>
                   <a:ea typeface="Segoe UI" pitchFamily="34" charset="0"/>
                   <a:cs typeface="Segoe UI" pitchFamily="34" charset="0"/>
                 </a:rPr>
-                <a:t> 3</a:t>
+                <a:t>Réponse 3</a:t>
               </a:r>
             </a:p>
           </p:txBody>
@@ -14998,20 +14323,12 @@
               <a:lstStyle/>
               <a:p>
                 <a:r>
-                  <a:rPr lang="en-US" sz="1200" dirty="0" err="1">
-                    <a:latin typeface="Segoe UI" pitchFamily="34" charset="0"/>
-                    <a:ea typeface="Segoe UI" pitchFamily="34" charset="0"/>
-                    <a:cs typeface="Segoe UI" pitchFamily="34" charset="0"/>
-                  </a:rPr>
-                  <a:t>Réponse</a:t>
-                </a:r>
-                <a:r>
                   <a:rPr lang="en-US" sz="1200" dirty="0">
                     <a:latin typeface="Segoe UI" pitchFamily="34" charset="0"/>
                     <a:ea typeface="Segoe UI" pitchFamily="34" charset="0"/>
                     <a:cs typeface="Segoe UI" pitchFamily="34" charset="0"/>
                   </a:rPr>
-                  <a:t> 1</a:t>
+                  <a:t>Réponse 1</a:t>
                 </a:r>
               </a:p>
             </p:txBody>
@@ -15182,13 +14499,13 @@
           <a:p>
             <a:pPr algn="ctr"/>
             <a:r>
-              <a:rPr lang="en-US" sz="1200" b="1" dirty="0">
+              <a:rPr lang="en-US" sz="1600" b="1" dirty="0">
                 <a:latin typeface="Segoe UI" pitchFamily="34" charset="0"/>
                 <a:cs typeface="Segoe UI" pitchFamily="34" charset="0"/>
               </a:rPr>
-              <a:t>VALIDER LE SONDAGE</a:t>
+              <a:t>VALIDER</a:t>
             </a:r>
-            <a:endParaRPr lang="en-US" sz="1200" b="1" dirty="0">
+            <a:endParaRPr lang="en-US" sz="1600" b="1" dirty="0">
               <a:solidFill>
                 <a:srgbClr val="000000"/>
               </a:solidFill>
@@ -15618,20 +14935,12 @@
               <a:lstStyle/>
               <a:p>
                 <a:r>
-                  <a:rPr lang="en-US" sz="1200" dirty="0" err="1">
-                    <a:latin typeface="Segoe UI" pitchFamily="34" charset="0"/>
-                    <a:ea typeface="Segoe UI" pitchFamily="34" charset="0"/>
-                    <a:cs typeface="Segoe UI" pitchFamily="34" charset="0"/>
-                  </a:rPr>
-                  <a:t>Réponse</a:t>
-                </a:r>
-                <a:r>
                   <a:rPr lang="en-US" sz="1200" dirty="0">
                     <a:latin typeface="Segoe UI" pitchFamily="34" charset="0"/>
                     <a:ea typeface="Segoe UI" pitchFamily="34" charset="0"/>
                     <a:cs typeface="Segoe UI" pitchFamily="34" charset="0"/>
                   </a:rPr>
-                  <a:t> 2</a:t>
+                  <a:t>Réponse 2</a:t>
                 </a:r>
               </a:p>
             </p:txBody>
@@ -15779,20 +15088,12 @@
             <a:lstStyle/>
             <a:p>
               <a:r>
-                <a:rPr lang="en-US" sz="1200" dirty="0" err="1">
-                  <a:latin typeface="Segoe UI" pitchFamily="34" charset="0"/>
-                  <a:ea typeface="Segoe UI" pitchFamily="34" charset="0"/>
-                  <a:cs typeface="Segoe UI" pitchFamily="34" charset="0"/>
-                </a:rPr>
-                <a:t>Réponse</a:t>
-              </a:r>
-              <a:r>
                 <a:rPr lang="en-US" sz="1200" dirty="0">
                   <a:latin typeface="Segoe UI" pitchFamily="34" charset="0"/>
                   <a:ea typeface="Segoe UI" pitchFamily="34" charset="0"/>
                   <a:cs typeface="Segoe UI" pitchFamily="34" charset="0"/>
                 </a:rPr>
-                <a:t> 3</a:t>
+                <a:t>Réponse 3</a:t>
               </a:r>
             </a:p>
           </p:txBody>
@@ -15896,20 +15197,12 @@
             <a:lstStyle/>
             <a:p>
               <a:r>
-                <a:rPr lang="en-US" sz="1200" dirty="0" err="1">
-                  <a:latin typeface="Segoe UI" pitchFamily="34" charset="0"/>
-                  <a:ea typeface="Segoe UI" pitchFamily="34" charset="0"/>
-                  <a:cs typeface="Segoe UI" pitchFamily="34" charset="0"/>
-                </a:rPr>
-                <a:t>Réponse</a:t>
-              </a:r>
-              <a:r>
                 <a:rPr lang="en-US" sz="1200" dirty="0">
                   <a:latin typeface="Segoe UI" pitchFamily="34" charset="0"/>
                   <a:ea typeface="Segoe UI" pitchFamily="34" charset="0"/>
                   <a:cs typeface="Segoe UI" pitchFamily="34" charset="0"/>
                 </a:rPr>
-                <a:t> 1</a:t>
+                <a:t>Réponse 1</a:t>
               </a:r>
             </a:p>
           </p:txBody>
@@ -16037,13 +15330,13 @@
           <a:p>
             <a:pPr algn="ctr"/>
             <a:r>
-              <a:rPr lang="en-US" sz="1200" b="1" dirty="0">
+              <a:rPr lang="en-US" sz="1600" b="1" dirty="0">
                 <a:latin typeface="Segoe UI" pitchFamily="34" charset="0"/>
                 <a:cs typeface="Segoe UI" pitchFamily="34" charset="0"/>
               </a:rPr>
-              <a:t>VALIDER LE SONDAGE</a:t>
+              <a:t>VALIDER</a:t>
             </a:r>
-            <a:endParaRPr lang="en-US" sz="1200" b="1" dirty="0">
+            <a:endParaRPr lang="en-US" sz="1600" b="1" dirty="0">
               <a:solidFill>
                 <a:srgbClr val="000000"/>
               </a:solidFill>
@@ -16455,20 +15748,12 @@
             <a:lstStyle/>
             <a:p>
               <a:r>
-                <a:rPr lang="en-US" sz="1200" dirty="0" err="1">
-                  <a:latin typeface="Segoe UI" pitchFamily="34" charset="0"/>
-                  <a:ea typeface="Segoe UI" pitchFamily="34" charset="0"/>
-                  <a:cs typeface="Segoe UI" pitchFamily="34" charset="0"/>
-                </a:rPr>
-                <a:t>Réponse</a:t>
-              </a:r>
-              <a:r>
                 <a:rPr lang="en-US" sz="1200" dirty="0">
                   <a:latin typeface="Segoe UI" pitchFamily="34" charset="0"/>
                   <a:ea typeface="Segoe UI" pitchFamily="34" charset="0"/>
                   <a:cs typeface="Segoe UI" pitchFamily="34" charset="0"/>
                 </a:rPr>
-                <a:t> 2</a:t>
+                <a:t>Réponse 2</a:t>
               </a:r>
             </a:p>
           </p:txBody>
@@ -16590,20 +15875,12 @@
               <a:lstStyle/>
               <a:p>
                 <a:r>
-                  <a:rPr lang="en-US" sz="1200" dirty="0" err="1">
-                    <a:latin typeface="Segoe UI" pitchFamily="34" charset="0"/>
-                    <a:ea typeface="Segoe UI" pitchFamily="34" charset="0"/>
-                    <a:cs typeface="Segoe UI" pitchFamily="34" charset="0"/>
-                  </a:rPr>
-                  <a:t>Réponse</a:t>
-                </a:r>
-                <a:r>
                   <a:rPr lang="en-US" sz="1200" dirty="0">
                     <a:latin typeface="Segoe UI" pitchFamily="34" charset="0"/>
                     <a:ea typeface="Segoe UI" pitchFamily="34" charset="0"/>
                     <a:cs typeface="Segoe UI" pitchFamily="34" charset="0"/>
                   </a:rPr>
-                  <a:t> 3</a:t>
+                  <a:t>Réponse 3</a:t>
                 </a:r>
               </a:p>
             </p:txBody>
@@ -16751,20 +16028,12 @@
             <a:lstStyle/>
             <a:p>
               <a:r>
-                <a:rPr lang="en-US" sz="1200" dirty="0" err="1">
-                  <a:latin typeface="Segoe UI" pitchFamily="34" charset="0"/>
-                  <a:ea typeface="Segoe UI" pitchFamily="34" charset="0"/>
-                  <a:cs typeface="Segoe UI" pitchFamily="34" charset="0"/>
-                </a:rPr>
-                <a:t>Réponse</a:t>
-              </a:r>
-              <a:r>
                 <a:rPr lang="en-US" sz="1200" dirty="0">
                   <a:latin typeface="Segoe UI" pitchFamily="34" charset="0"/>
                   <a:ea typeface="Segoe UI" pitchFamily="34" charset="0"/>
                   <a:cs typeface="Segoe UI" pitchFamily="34" charset="0"/>
                 </a:rPr>
-                <a:t> 1</a:t>
+                <a:t>Réponse 1</a:t>
               </a:r>
             </a:p>
           </p:txBody>
@@ -16891,13 +16160,13 @@
           <a:p>
             <a:pPr algn="ctr"/>
             <a:r>
-              <a:rPr lang="en-US" sz="1200" b="1" dirty="0">
+              <a:rPr lang="en-US" sz="1600" b="1" dirty="0">
                 <a:latin typeface="Segoe UI" pitchFamily="34" charset="0"/>
                 <a:cs typeface="Segoe UI" pitchFamily="34" charset="0"/>
               </a:rPr>
-              <a:t>VALIDER LE SONDAGE</a:t>
+              <a:t>VALIDER</a:t>
             </a:r>
-            <a:endParaRPr lang="en-US" sz="1200" b="1" dirty="0">
+            <a:endParaRPr lang="en-US" sz="1600" b="1" dirty="0">
               <a:solidFill>
                 <a:srgbClr val="000000"/>
               </a:solidFill>
@@ -17348,7 +16617,21 @@
                     <a:latin typeface="Segoe UI" pitchFamily="34" charset="0"/>
                     <a:cs typeface="Segoe UI" pitchFamily="34" charset="0"/>
                   </a:rPr>
-                  <a:t> 1. Choix réponse 1	</a:t>
+                  <a:t> 1. Choix </a:t>
+                </a:r>
+                <a:r>
+                  <a:rPr lang="en-US" sz="1200" dirty="0" err="1">
+                    <a:latin typeface="Segoe UI" pitchFamily="34" charset="0"/>
+                    <a:cs typeface="Segoe UI" pitchFamily="34" charset="0"/>
+                  </a:rPr>
+                  <a:t>réponse</a:t>
+                </a:r>
+                <a:r>
+                  <a:rPr lang="en-US" sz="1200" dirty="0">
+                    <a:latin typeface="Segoe UI" pitchFamily="34" charset="0"/>
+                    <a:cs typeface="Segoe UI" pitchFamily="34" charset="0"/>
+                  </a:rPr>
+                  <a:t> 1	</a:t>
                 </a:r>
                 <a:endParaRPr lang="en-US" sz="1200" dirty="0">
                   <a:solidFill>
@@ -17424,7 +16707,27 @@
                     <a:latin typeface="Segoe UI" pitchFamily="34" charset="0"/>
                     <a:cs typeface="Segoe UI" pitchFamily="34" charset="0"/>
                   </a:rPr>
-                  <a:t>2. Choix réponse 2</a:t>
+                  <a:t>2. Choix </a:t>
+                </a:r>
+                <a:r>
+                  <a:rPr lang="en-US" sz="1200" dirty="0" err="1">
+                    <a:solidFill>
+                      <a:srgbClr val="000000"/>
+                    </a:solidFill>
+                    <a:latin typeface="Segoe UI" pitchFamily="34" charset="0"/>
+                    <a:cs typeface="Segoe UI" pitchFamily="34" charset="0"/>
+                  </a:rPr>
+                  <a:t>réponse</a:t>
+                </a:r>
+                <a:r>
+                  <a:rPr lang="en-US" sz="1200" dirty="0">
+                    <a:solidFill>
+                      <a:srgbClr val="000000"/>
+                    </a:solidFill>
+                    <a:latin typeface="Segoe UI" pitchFamily="34" charset="0"/>
+                    <a:cs typeface="Segoe UI" pitchFamily="34" charset="0"/>
+                  </a:rPr>
+                  <a:t> 2</a:t>
                 </a:r>
               </a:p>
             </p:txBody>
@@ -17493,7 +16796,27 @@
                     <a:latin typeface="Segoe UI" pitchFamily="34" charset="0"/>
                     <a:cs typeface="Segoe UI" pitchFamily="34" charset="0"/>
                   </a:rPr>
-                  <a:t>3. Choix réponse 3</a:t>
+                  <a:t>3. Choix </a:t>
+                </a:r>
+                <a:r>
+                  <a:rPr lang="en-US" sz="1200" dirty="0" err="1">
+                    <a:solidFill>
+                      <a:srgbClr val="000000"/>
+                    </a:solidFill>
+                    <a:latin typeface="Segoe UI" pitchFamily="34" charset="0"/>
+                    <a:cs typeface="Segoe UI" pitchFamily="34" charset="0"/>
+                  </a:rPr>
+                  <a:t>réponse</a:t>
+                </a:r>
+                <a:r>
+                  <a:rPr lang="en-US" sz="1200" dirty="0">
+                    <a:solidFill>
+                      <a:srgbClr val="000000"/>
+                    </a:solidFill>
+                    <a:latin typeface="Segoe UI" pitchFamily="34" charset="0"/>
+                    <a:cs typeface="Segoe UI" pitchFamily="34" charset="0"/>
+                  </a:rPr>
+                  <a:t> 3</a:t>
                 </a:r>
               </a:p>
             </p:txBody>
@@ -17567,7 +16890,27 @@
                   <a:latin typeface="Segoe UI" pitchFamily="34" charset="0"/>
                   <a:cs typeface="Segoe UI" pitchFamily="34" charset="0"/>
                 </a:rPr>
-                <a:t>n. Choix réponse n</a:t>
+                <a:t>n. Choix </a:t>
+              </a:r>
+              <a:r>
+                <a:rPr lang="en-US" sz="1200" dirty="0" err="1">
+                  <a:solidFill>
+                    <a:srgbClr val="000000"/>
+                  </a:solidFill>
+                  <a:latin typeface="Segoe UI" pitchFamily="34" charset="0"/>
+                  <a:cs typeface="Segoe UI" pitchFamily="34" charset="0"/>
+                </a:rPr>
+                <a:t>réponse</a:t>
+              </a:r>
+              <a:r>
+                <a:rPr lang="en-US" sz="1200" dirty="0">
+                  <a:solidFill>
+                    <a:srgbClr val="000000"/>
+                  </a:solidFill>
+                  <a:latin typeface="Segoe UI" pitchFamily="34" charset="0"/>
+                  <a:cs typeface="Segoe UI" pitchFamily="34" charset="0"/>
+                </a:rPr>
+                <a:t> n</a:t>
               </a:r>
             </a:p>
           </p:txBody>
@@ -17667,7 +17010,27 @@
                   <a:latin typeface="Segoe UI" pitchFamily="34" charset="0"/>
                   <a:cs typeface="Segoe UI" pitchFamily="34" charset="0"/>
                 </a:rPr>
-                <a:t>Clique sur la réponse n =&gt; Rajoute un choix supplémentaire autant de fois que l’utilisteur le souhaite.</a:t>
+                <a:t>Clique sur la </a:t>
+              </a:r>
+              <a:r>
+                <a:rPr lang="en-US" sz="1200" b="1" dirty="0" err="1">
+                  <a:solidFill>
+                    <a:sysClr val="windowText" lastClr="000000"/>
+                  </a:solidFill>
+                  <a:latin typeface="Segoe UI" pitchFamily="34" charset="0"/>
+                  <a:cs typeface="Segoe UI" pitchFamily="34" charset="0"/>
+                </a:rPr>
+                <a:t>réponse</a:t>
+              </a:r>
+              <a:r>
+                <a:rPr lang="en-US" sz="1200" b="1" dirty="0">
+                  <a:solidFill>
+                    <a:sysClr val="windowText" lastClr="000000"/>
+                  </a:solidFill>
+                  <a:latin typeface="Segoe UI" pitchFamily="34" charset="0"/>
+                  <a:cs typeface="Segoe UI" pitchFamily="34" charset="0"/>
+                </a:rPr>
+                <a:t> n =&gt; Rajoute un choix supplémentaire autant de fois que l’utilisteur le souhaite.</a:t>
               </a:r>
             </a:p>
           </p:txBody>
@@ -17817,13 +17180,13 @@
           <a:p>
             <a:pPr algn="ctr"/>
             <a:r>
-              <a:rPr lang="en-US" sz="1200" b="1" dirty="0">
+              <a:rPr lang="en-US" sz="1600" b="1" dirty="0">
                 <a:latin typeface="Segoe UI" pitchFamily="34" charset="0"/>
                 <a:cs typeface="Segoe UI" pitchFamily="34" charset="0"/>
               </a:rPr>
-              <a:t>VALIDER LE SONDAGE</a:t>
+              <a:t>VALIDER</a:t>
             </a:r>
-            <a:endParaRPr lang="en-US" sz="1200" b="1" dirty="0">
+            <a:endParaRPr lang="en-US" sz="1600" b="1" dirty="0">
               <a:solidFill>
                 <a:srgbClr val="000000"/>
               </a:solidFill>
@@ -18177,27 +17540,8 @@
                 <a:ea typeface="Segoe UI" pitchFamily="34" charset="0"/>
                 <a:cs typeface="Segoe UI" pitchFamily="34" charset="0"/>
               </a:rPr>
-              <a:t> du </a:t>
+              <a:t> du sondage</a:t>
             </a:r>
-            <a:r>
-              <a:rPr lang="en-US" sz="2000" b="1" u="sng" dirty="0" err="1">
-                <a:solidFill>
-                  <a:srgbClr val="000000"/>
-                </a:solidFill>
-                <a:latin typeface="Segoe UI" pitchFamily="34" charset="0"/>
-                <a:ea typeface="Segoe UI" pitchFamily="34" charset="0"/>
-                <a:cs typeface="Segoe UI" pitchFamily="34" charset="0"/>
-              </a:rPr>
-              <a:t>sondage</a:t>
-            </a:r>
-            <a:endParaRPr lang="en-US" sz="2000" b="1" u="sng" dirty="0">
-              <a:solidFill>
-                <a:srgbClr val="000000"/>
-              </a:solidFill>
-              <a:latin typeface="Segoe UI" pitchFamily="34" charset="0"/>
-              <a:ea typeface="Segoe UI" pitchFamily="34" charset="0"/>
-              <a:cs typeface="Segoe UI" pitchFamily="34" charset="0"/>
-            </a:endParaRPr>
           </a:p>
         </p:txBody>
       </p:sp>
@@ -18254,276 +17598,6 @@
 </file>
 
 <file path=ppt/slides/slide21.xml><?xml version="1.0" encoding="utf-8"?>
-<p:sld xmlns:a="http://schemas.openxmlformats.org/drawingml/2006/main" xmlns:r="http://schemas.openxmlformats.org/officeDocument/2006/relationships" xmlns:p="http://schemas.openxmlformats.org/presentationml/2006/main">
-  <p:cSld>
-    <p:spTree>
-      <p:nvGrpSpPr>
-        <p:cNvPr id="1" name=""/>
-        <p:cNvGrpSpPr/>
-        <p:nvPr/>
-      </p:nvGrpSpPr>
-      <p:grpSpPr>
-        <a:xfrm>
-          <a:off x="0" y="0"/>
-          <a:ext cx="0" cy="0"/>
-          <a:chOff x="0" y="0"/>
-          <a:chExt cx="0" cy="0"/>
-        </a:xfrm>
-      </p:grpSpPr>
-      <p:sp>
-        <p:nvSpPr>
-          <p:cNvPr id="2" name="Titre 1">
-            <a:extLst>
-              <a:ext uri="{FF2B5EF4-FFF2-40B4-BE49-F238E27FC236}">
-                <a16:creationId xmlns:a16="http://schemas.microsoft.com/office/drawing/2014/main" id="{D6470CF5-42AF-4E33-9339-C0E713997859}"/>
-              </a:ext>
-            </a:extLst>
-          </p:cNvPr>
-          <p:cNvSpPr>
-            <a:spLocks noGrp="1"/>
-          </p:cNvSpPr>
-          <p:nvPr>
-            <p:ph type="title" idx="4294967295"/>
-          </p:nvPr>
-        </p:nvSpPr>
-        <p:spPr>
-          <a:xfrm>
-            <a:off x="838200" y="-662781"/>
-            <a:ext cx="10515600" cy="662782"/>
-          </a:xfrm>
-          <a:prstGeom prst="rect">
-            <a:avLst/>
-          </a:prstGeom>
-        </p:spPr>
-        <p:txBody>
-          <a:bodyPr/>
-          <a:lstStyle/>
-          <a:p>
-            <a:r>
-              <a:rPr lang="fr-FR" dirty="0" err="1"/>
-              <a:t>Resultats</a:t>
-            </a:r>
-            <a:endParaRPr lang="fr-FR" dirty="0"/>
-          </a:p>
-        </p:txBody>
-      </p:sp>
-      <p:sp>
-        <p:nvSpPr>
-          <p:cNvPr id="4" name="Content">
-            <a:extLst>
-              <a:ext uri="{FF2B5EF4-FFF2-40B4-BE49-F238E27FC236}">
-                <a16:creationId xmlns:a16="http://schemas.microsoft.com/office/drawing/2014/main" id="{D9A720D5-AC79-4DB2-86B3-E6DF082E7541}"/>
-              </a:ext>
-            </a:extLst>
-          </p:cNvPr>
-          <p:cNvSpPr txBox="1"/>
-          <p:nvPr>
-            <p:custDataLst>
-              <p:custData r:id="rId1"/>
-            </p:custDataLst>
-          </p:nvPr>
-        </p:nvSpPr>
-        <p:spPr>
-          <a:xfrm>
-            <a:off x="4420298" y="1812733"/>
-            <a:ext cx="3671279" cy="415498"/>
-          </a:xfrm>
-          <a:prstGeom prst="rect">
-            <a:avLst/>
-          </a:prstGeom>
-          <a:noFill/>
-        </p:spPr>
-        <p:txBody>
-          <a:bodyPr wrap="square" lIns="91440" tIns="18288" rIns="91440" bIns="27432" rtlCol="0" anchor="ctr" anchorCtr="0">
-            <a:spAutoFit/>
-          </a:bodyPr>
-          <a:lstStyle/>
-          <a:p>
-            <a:r>
-              <a:rPr lang="en-US" sz="2400" b="1" u="sng" dirty="0" err="1">
-                <a:solidFill>
-                  <a:srgbClr val="000000"/>
-                </a:solidFill>
-                <a:latin typeface="Segoe UI" pitchFamily="34" charset="0"/>
-                <a:ea typeface="Segoe UI" pitchFamily="34" charset="0"/>
-                <a:cs typeface="Segoe UI" pitchFamily="34" charset="0"/>
-              </a:rPr>
-              <a:t>Resultat</a:t>
-            </a:r>
-            <a:r>
-              <a:rPr lang="en-US" sz="2400" b="1" u="sng" dirty="0">
-                <a:solidFill>
-                  <a:srgbClr val="000000"/>
-                </a:solidFill>
-                <a:latin typeface="Segoe UI" pitchFamily="34" charset="0"/>
-                <a:ea typeface="Segoe UI" pitchFamily="34" charset="0"/>
-                <a:cs typeface="Segoe UI" pitchFamily="34" charset="0"/>
-              </a:rPr>
-              <a:t> du </a:t>
-            </a:r>
-            <a:r>
-              <a:rPr lang="en-US" sz="2400" b="1" u="sng" dirty="0" err="1">
-                <a:solidFill>
-                  <a:srgbClr val="000000"/>
-                </a:solidFill>
-                <a:latin typeface="Segoe UI" pitchFamily="34" charset="0"/>
-                <a:ea typeface="Segoe UI" pitchFamily="34" charset="0"/>
-                <a:cs typeface="Segoe UI" pitchFamily="34" charset="0"/>
-              </a:rPr>
-              <a:t>sondage</a:t>
-            </a:r>
-            <a:endParaRPr lang="en-US" sz="2400" b="1" u="sng" dirty="0">
-              <a:solidFill>
-                <a:srgbClr val="000000"/>
-              </a:solidFill>
-              <a:latin typeface="Segoe UI" pitchFamily="34" charset="0"/>
-              <a:ea typeface="Segoe UI" pitchFamily="34" charset="0"/>
-              <a:cs typeface="Segoe UI" pitchFamily="34" charset="0"/>
-            </a:endParaRPr>
-          </a:p>
-        </p:txBody>
-      </p:sp>
-      <p:graphicFrame>
-        <p:nvGraphicFramePr>
-          <p:cNvPr id="5" name="PieChart">
-            <a:extLst>
-              <a:ext uri="{FF2B5EF4-FFF2-40B4-BE49-F238E27FC236}">
-                <a16:creationId xmlns:a16="http://schemas.microsoft.com/office/drawing/2014/main" id="{51F76CE4-1C78-498F-9F0C-31B3A4971238}"/>
-              </a:ext>
-            </a:extLst>
-          </p:cNvPr>
-          <p:cNvGraphicFramePr/>
-          <p:nvPr>
-            <p:custDataLst>
-              <p:custData r:id="rId2"/>
-            </p:custDataLst>
-            <p:extLst>
-              <p:ext uri="{D42A27DB-BD31-4B8C-83A1-F6EECF244321}">
-                <p14:modId xmlns:p14="http://schemas.microsoft.com/office/powerpoint/2010/main" val="3335845269"/>
-              </p:ext>
-            </p:extLst>
-          </p:nvPr>
-        </p:nvGraphicFramePr>
-        <p:xfrm>
-          <a:off x="7015559" y="2873375"/>
-          <a:ext cx="2291556" cy="2085975"/>
-        </p:xfrm>
-        <a:graphic>
-          <a:graphicData uri="http://schemas.openxmlformats.org/drawingml/2006/chart">
-            <c:chart xmlns:c="http://schemas.openxmlformats.org/drawingml/2006/chart" xmlns:r="http://schemas.openxmlformats.org/officeDocument/2006/relationships" r:id="rId6"/>
-          </a:graphicData>
-        </a:graphic>
-      </p:graphicFrame>
-      <p:graphicFrame>
-        <p:nvGraphicFramePr>
-          <p:cNvPr id="6" name="VerticalBarChart">
-            <a:extLst>
-              <a:ext uri="{FF2B5EF4-FFF2-40B4-BE49-F238E27FC236}">
-                <a16:creationId xmlns:a16="http://schemas.microsoft.com/office/drawing/2014/main" id="{4C4EF610-317C-40CC-9120-2BBEEDAF5A04}"/>
-              </a:ext>
-            </a:extLst>
-          </p:cNvPr>
-          <p:cNvGraphicFramePr/>
-          <p:nvPr>
-            <p:custDataLst>
-              <p:custData r:id="rId3"/>
-            </p:custDataLst>
-            <p:extLst>
-              <p:ext uri="{D42A27DB-BD31-4B8C-83A1-F6EECF244321}">
-                <p14:modId xmlns:p14="http://schemas.microsoft.com/office/powerpoint/2010/main" val="1998808343"/>
-              </p:ext>
-            </p:extLst>
-          </p:nvPr>
-        </p:nvGraphicFramePr>
-        <p:xfrm>
-          <a:off x="1614263" y="2498725"/>
-          <a:ext cx="3223074" cy="2765425"/>
-        </p:xfrm>
-        <a:graphic>
-          <a:graphicData uri="http://schemas.openxmlformats.org/drawingml/2006/chart">
-            <c:chart xmlns:c="http://schemas.openxmlformats.org/drawingml/2006/chart" xmlns:r="http://schemas.openxmlformats.org/officeDocument/2006/relationships" r:id="rId7"/>
-          </a:graphicData>
-        </a:graphic>
-      </p:graphicFrame>
-      <p:sp>
-        <p:nvSpPr>
-          <p:cNvPr id="7" name="Content">
-            <a:extLst>
-              <a:ext uri="{FF2B5EF4-FFF2-40B4-BE49-F238E27FC236}">
-                <a16:creationId xmlns:a16="http://schemas.microsoft.com/office/drawing/2014/main" id="{32A539A6-64E5-4EB1-82EA-F3BD4AC6C164}"/>
-              </a:ext>
-            </a:extLst>
-          </p:cNvPr>
-          <p:cNvSpPr txBox="1"/>
-          <p:nvPr>
-            <p:custDataLst>
-              <p:custData r:id="rId4"/>
-            </p:custDataLst>
-          </p:nvPr>
-        </p:nvSpPr>
-        <p:spPr>
-          <a:xfrm>
-            <a:off x="7159925" y="5717725"/>
-            <a:ext cx="2587923" cy="323165"/>
-          </a:xfrm>
-          <a:prstGeom prst="rect">
-            <a:avLst/>
-          </a:prstGeom>
-          <a:noFill/>
-        </p:spPr>
-        <p:txBody>
-          <a:bodyPr wrap="square" lIns="91440" tIns="18288" rIns="91440" bIns="27432" rtlCol="0" anchor="ctr" anchorCtr="0">
-            <a:spAutoFit/>
-          </a:bodyPr>
-          <a:lstStyle/>
-          <a:p>
-            <a:r>
-              <a:rPr lang="en-US" dirty="0" err="1">
-                <a:solidFill>
-                  <a:srgbClr val="000000"/>
-                </a:solidFill>
-                <a:latin typeface="Segoe UI" pitchFamily="34" charset="0"/>
-                <a:ea typeface="Segoe UI" pitchFamily="34" charset="0"/>
-                <a:cs typeface="Segoe UI" pitchFamily="34" charset="0"/>
-              </a:rPr>
-              <a:t>Resultat</a:t>
-            </a:r>
-            <a:r>
-              <a:rPr lang="en-US" dirty="0">
-                <a:solidFill>
-                  <a:srgbClr val="000000"/>
-                </a:solidFill>
-                <a:latin typeface="Segoe UI" pitchFamily="34" charset="0"/>
-                <a:ea typeface="Segoe UI" pitchFamily="34" charset="0"/>
-                <a:cs typeface="Segoe UI" pitchFamily="34" charset="0"/>
-              </a:rPr>
-              <a:t> pour n votes</a:t>
-            </a:r>
-          </a:p>
-        </p:txBody>
-      </p:sp>
-    </p:spTree>
-    <p:extLst>
-      <p:ext uri="{BB962C8B-B14F-4D97-AF65-F5344CB8AC3E}">
-        <p14:creationId xmlns:p14="http://schemas.microsoft.com/office/powerpoint/2010/main" val="2204871543"/>
-      </p:ext>
-    </p:extLst>
-  </p:cSld>
-  <p:clrMapOvr>
-    <a:masterClrMapping/>
-  </p:clrMapOvr>
-  <mc:AlternateContent xmlns:mc="http://schemas.openxmlformats.org/markup-compatibility/2006" xmlns:p14="http://schemas.microsoft.com/office/powerpoint/2010/main">
-    <mc:Choice Requires="p14">
-      <p:transition spd="slow" p14:dur="2000" advClick="0"/>
-    </mc:Choice>
-    <mc:Fallback xmlns="">
-      <p:transition spd="slow" advClick="0"/>
-    </mc:Fallback>
-  </mc:AlternateContent>
-</p:sld>
-</file>
-
-<file path=ppt/slides/slide22.xml><?xml version="1.0" encoding="utf-8"?>
 <p:sld xmlns:a="http://schemas.openxmlformats.org/drawingml/2006/main" xmlns:r="http://schemas.openxmlformats.org/officeDocument/2006/relationships" xmlns:p="http://schemas.openxmlformats.org/presentationml/2006/main">
   <p:cSld>
     <p:spTree>
@@ -18739,29 +17813,7 @@
                 <a:ea typeface="Segoe UI" pitchFamily="34" charset="0"/>
                 <a:cs typeface="Segoe UI" pitchFamily="34" charset="0"/>
               </a:rPr>
-              <a:t> </a:t>
-            </a:r>
-            <a:r>
-              <a:rPr lang="en-US" sz="1600" b="1" dirty="0" err="1">
-                <a:solidFill>
-                  <a:srgbClr val="000000"/>
-                </a:solidFill>
-                <a:latin typeface="Segoe UI" pitchFamily="34" charset="0"/>
-                <a:ea typeface="Segoe UI" pitchFamily="34" charset="0"/>
-                <a:cs typeface="Segoe UI" pitchFamily="34" charset="0"/>
-              </a:rPr>
-              <a:t>supprimer</a:t>
-            </a:r>
-            <a:r>
-              <a:rPr lang="en-US" sz="1600" b="1" dirty="0">
-                <a:solidFill>
-                  <a:srgbClr val="000000"/>
-                </a:solidFill>
-                <a:latin typeface="Segoe UI" pitchFamily="34" charset="0"/>
-                <a:ea typeface="Segoe UI" pitchFamily="34" charset="0"/>
-                <a:cs typeface="Segoe UI" pitchFamily="34" charset="0"/>
-              </a:rPr>
-              <a:t> </a:t>
+              <a:t> supprimer </a:t>
             </a:r>
             <a:r>
               <a:rPr lang="en-US" sz="1600" b="1" dirty="0" err="1">
@@ -18783,29 +17835,7 @@
                 <a:ea typeface="Segoe UI" pitchFamily="34" charset="0"/>
                 <a:cs typeface="Segoe UI" pitchFamily="34" charset="0"/>
               </a:rPr>
-              <a:t> </a:t>
-            </a:r>
-            <a:r>
-              <a:rPr lang="en-US" sz="1600" b="1" dirty="0" err="1">
-                <a:solidFill>
-                  <a:srgbClr val="000000"/>
-                </a:solidFill>
-                <a:latin typeface="Segoe UI" pitchFamily="34" charset="0"/>
-                <a:ea typeface="Segoe UI" pitchFamily="34" charset="0"/>
-                <a:cs typeface="Segoe UI" pitchFamily="34" charset="0"/>
-              </a:rPr>
-              <a:t>sondage</a:t>
-            </a:r>
-            <a:r>
-              <a:rPr lang="en-US" sz="1600" b="1" dirty="0">
-                <a:solidFill>
-                  <a:srgbClr val="000000"/>
-                </a:solidFill>
-                <a:latin typeface="Segoe UI" pitchFamily="34" charset="0"/>
-                <a:ea typeface="Segoe UI" pitchFamily="34" charset="0"/>
-                <a:cs typeface="Segoe UI" pitchFamily="34" charset="0"/>
-              </a:rPr>
-              <a:t> ?</a:t>
+              <a:t> sondage ?</a:t>
             </a:r>
           </a:p>
         </p:txBody>
@@ -18979,7 +18009,7 @@
 </p:sld>
 </file>
 
-<file path=ppt/slides/slide23.xml><?xml version="1.0" encoding="utf-8"?>
+<file path=ppt/slides/slide22.xml><?xml version="1.0" encoding="utf-8"?>
 <p:sld xmlns:a="http://schemas.openxmlformats.org/drawingml/2006/main" xmlns:r="http://schemas.openxmlformats.org/officeDocument/2006/relationships" xmlns:p="http://schemas.openxmlformats.org/presentationml/2006/main">
   <p:cSld>
     <p:spTree>
@@ -19058,8 +18088,8 @@
         </p:nvSpPr>
         <p:spPr>
           <a:xfrm>
-            <a:off x="3926514" y="2324267"/>
-            <a:ext cx="4683224" cy="323165"/>
+            <a:off x="3926514" y="2339655"/>
+            <a:ext cx="4683224" cy="292388"/>
           </a:xfrm>
           <a:prstGeom prst="rect">
             <a:avLst/>
@@ -19072,9 +18102,9 @@
           </a:bodyPr>
           <a:lstStyle/>
           <a:p>
-            <a:pPr algn="r"/>
+            <a:pPr algn="ctr"/>
             <a:r>
-              <a:rPr lang="en-US" b="1" u="sng" dirty="0" err="1">
+              <a:rPr lang="en-US" sz="1600" b="1" u="sng" dirty="0" err="1">
                 <a:solidFill>
                   <a:srgbClr val="000000"/>
                 </a:solidFill>
@@ -19085,7 +18115,29 @@
               <a:t>Votre</a:t>
             </a:r>
             <a:r>
-              <a:rPr lang="en-US" b="1" u="sng" dirty="0">
+              <a:rPr lang="en-US" sz="1600" b="1" u="sng" dirty="0">
+                <a:solidFill>
+                  <a:srgbClr val="000000"/>
+                </a:solidFill>
+                <a:latin typeface="Segoe UI" pitchFamily="34" charset="0"/>
+                <a:ea typeface="Segoe UI" pitchFamily="34" charset="0"/>
+                <a:cs typeface="Segoe UI" pitchFamily="34" charset="0"/>
+              </a:rPr>
+              <a:t> sondage a </a:t>
+            </a:r>
+            <a:r>
+              <a:rPr lang="en-US" sz="1600" b="1" u="sng" dirty="0" err="1">
+                <a:solidFill>
+                  <a:srgbClr val="000000"/>
+                </a:solidFill>
+                <a:latin typeface="Segoe UI" pitchFamily="34" charset="0"/>
+                <a:ea typeface="Segoe UI" pitchFamily="34" charset="0"/>
+                <a:cs typeface="Segoe UI" pitchFamily="34" charset="0"/>
+              </a:rPr>
+              <a:t>été</a:t>
+            </a:r>
+            <a:r>
+              <a:rPr lang="en-US" sz="1600" b="1" u="sng" dirty="0">
                 <a:solidFill>
                   <a:srgbClr val="000000"/>
                 </a:solidFill>
@@ -19096,51 +18148,7 @@
               <a:t> </a:t>
             </a:r>
             <a:r>
-              <a:rPr lang="en-US" b="1" u="sng" dirty="0" err="1">
-                <a:solidFill>
-                  <a:srgbClr val="000000"/>
-                </a:solidFill>
-                <a:latin typeface="Segoe UI" pitchFamily="34" charset="0"/>
-                <a:ea typeface="Segoe UI" pitchFamily="34" charset="0"/>
-                <a:cs typeface="Segoe UI" pitchFamily="34" charset="0"/>
-              </a:rPr>
-              <a:t>sondage</a:t>
-            </a:r>
-            <a:r>
-              <a:rPr lang="en-US" b="1" u="sng" dirty="0">
-                <a:solidFill>
-                  <a:srgbClr val="000000"/>
-                </a:solidFill>
-                <a:latin typeface="Segoe UI" pitchFamily="34" charset="0"/>
-                <a:ea typeface="Segoe UI" pitchFamily="34" charset="0"/>
-                <a:cs typeface="Segoe UI" pitchFamily="34" charset="0"/>
-              </a:rPr>
-              <a:t> a </a:t>
-            </a:r>
-            <a:r>
-              <a:rPr lang="en-US" b="1" u="sng" dirty="0" err="1">
-                <a:solidFill>
-                  <a:srgbClr val="000000"/>
-                </a:solidFill>
-                <a:latin typeface="Segoe UI" pitchFamily="34" charset="0"/>
-                <a:ea typeface="Segoe UI" pitchFamily="34" charset="0"/>
-                <a:cs typeface="Segoe UI" pitchFamily="34" charset="0"/>
-              </a:rPr>
-              <a:t>été</a:t>
-            </a:r>
-            <a:r>
-              <a:rPr lang="en-US" b="1" u="sng" dirty="0">
-                <a:solidFill>
-                  <a:srgbClr val="000000"/>
-                </a:solidFill>
-                <a:latin typeface="Segoe UI" pitchFamily="34" charset="0"/>
-                <a:ea typeface="Segoe UI" pitchFamily="34" charset="0"/>
-                <a:cs typeface="Segoe UI" pitchFamily="34" charset="0"/>
-              </a:rPr>
-              <a:t> </a:t>
-            </a:r>
-            <a:r>
-              <a:rPr lang="en-US" b="1" u="sng" dirty="0" err="1">
+              <a:rPr lang="en-US" sz="1600" b="1" u="sng" dirty="0" err="1">
                 <a:solidFill>
                   <a:srgbClr val="000000"/>
                 </a:solidFill>
@@ -19151,7 +18159,7 @@
               <a:t>suprimé</a:t>
             </a:r>
             <a:r>
-              <a:rPr lang="en-US" b="1" u="sng" dirty="0">
+              <a:rPr lang="en-US" sz="1600" b="1" u="sng" dirty="0">
                 <a:solidFill>
                   <a:srgbClr val="000000"/>
                 </a:solidFill>
@@ -19162,7 +18170,7 @@
               <a:t> avec </a:t>
             </a:r>
             <a:r>
-              <a:rPr lang="en-US" b="1" u="sng" dirty="0" err="1">
+              <a:rPr lang="en-US" sz="1600" b="1" u="sng" dirty="0" err="1">
                 <a:solidFill>
                   <a:srgbClr val="000000"/>
                 </a:solidFill>
@@ -19173,7 +18181,7 @@
               <a:t>succés</a:t>
             </a:r>
             <a:r>
-              <a:rPr lang="en-US" b="1" u="sng" dirty="0">
+              <a:rPr lang="en-US" sz="1600" b="1" u="sng" dirty="0">
                 <a:solidFill>
                   <a:srgbClr val="000000"/>
                 </a:solidFill>
@@ -19205,7 +18213,7 @@
         </p:nvSpPr>
         <p:spPr>
           <a:xfrm>
-            <a:off x="4949720" y="3780784"/>
+            <a:off x="5610413" y="3887404"/>
             <a:ext cx="1106592" cy="323165"/>
           </a:xfrm>
           <a:prstGeom prst="roundRect">
@@ -19614,13 +18622,13 @@
           <a:p>
             <a:pPr algn="ctr"/>
             <a:r>
-              <a:rPr lang="en-US" sz="1200" b="1" dirty="0">
+              <a:rPr lang="en-US" sz="1600" b="1" dirty="0">
                 <a:latin typeface="Segoe UI" pitchFamily="34" charset="0"/>
                 <a:cs typeface="Segoe UI" pitchFamily="34" charset="0"/>
               </a:rPr>
-              <a:t>VALIDER LE SONDAGE</a:t>
+              <a:t>VALIDER</a:t>
             </a:r>
-            <a:endParaRPr lang="en-US" sz="1200" b="1" dirty="0">
+            <a:endParaRPr lang="en-US" sz="1600" b="1" dirty="0">
               <a:solidFill>
                 <a:srgbClr val="000000"/>
               </a:solidFill>
@@ -19964,7 +18972,27 @@
                   <a:latin typeface="Segoe UI" pitchFamily="34" charset="0"/>
                   <a:cs typeface="Segoe UI" pitchFamily="34" charset="0"/>
                 </a:rPr>
-                <a:t>Clique sur la réponse n =&gt; Rajoute un choix supplémentaire autant de fois que l’utilisteur le souhaite.</a:t>
+                <a:t>Clique sur la </a:t>
+              </a:r>
+              <a:r>
+                <a:rPr lang="en-US" sz="1200" b="1" dirty="0" err="1">
+                  <a:solidFill>
+                    <a:sysClr val="windowText" lastClr="000000"/>
+                  </a:solidFill>
+                  <a:latin typeface="Segoe UI" pitchFamily="34" charset="0"/>
+                  <a:cs typeface="Segoe UI" pitchFamily="34" charset="0"/>
+                </a:rPr>
+                <a:t>réponse</a:t>
+              </a:r>
+              <a:r>
+                <a:rPr lang="en-US" sz="1200" b="1" dirty="0">
+                  <a:solidFill>
+                    <a:sysClr val="windowText" lastClr="000000"/>
+                  </a:solidFill>
+                  <a:latin typeface="Segoe UI" pitchFamily="34" charset="0"/>
+                  <a:cs typeface="Segoe UI" pitchFamily="34" charset="0"/>
+                </a:rPr>
+                <a:t> n =&gt; Rajoute un choix supplémentaire autant de fois que l’utilisteur le souhaite.</a:t>
               </a:r>
             </a:p>
           </p:txBody>
@@ -20237,7 +19265,21 @@
                     <a:latin typeface="Segoe UI" pitchFamily="34" charset="0"/>
                     <a:cs typeface="Segoe UI" pitchFamily="34" charset="0"/>
                   </a:rPr>
-                  <a:t> 1. Choix réponse 1	</a:t>
+                  <a:t> 1. Choix </a:t>
+                </a:r>
+                <a:r>
+                  <a:rPr lang="en-US" sz="1200" dirty="0" err="1">
+                    <a:latin typeface="Segoe UI" pitchFamily="34" charset="0"/>
+                    <a:cs typeface="Segoe UI" pitchFamily="34" charset="0"/>
+                  </a:rPr>
+                  <a:t>réponse</a:t>
+                </a:r>
+                <a:r>
+                  <a:rPr lang="en-US" sz="1200" dirty="0">
+                    <a:latin typeface="Segoe UI" pitchFamily="34" charset="0"/>
+                    <a:cs typeface="Segoe UI" pitchFamily="34" charset="0"/>
+                  </a:rPr>
+                  <a:t> 1	</a:t>
                 </a:r>
                 <a:endParaRPr lang="en-US" sz="1200" dirty="0">
                   <a:solidFill>
@@ -20313,7 +19355,27 @@
                     <a:latin typeface="Segoe UI" pitchFamily="34" charset="0"/>
                     <a:cs typeface="Segoe UI" pitchFamily="34" charset="0"/>
                   </a:rPr>
-                  <a:t>2. Choix réponse 2</a:t>
+                  <a:t>2. Choix </a:t>
+                </a:r>
+                <a:r>
+                  <a:rPr lang="en-US" sz="1200" dirty="0" err="1">
+                    <a:solidFill>
+                      <a:srgbClr val="000000"/>
+                    </a:solidFill>
+                    <a:latin typeface="Segoe UI" pitchFamily="34" charset="0"/>
+                    <a:cs typeface="Segoe UI" pitchFamily="34" charset="0"/>
+                  </a:rPr>
+                  <a:t>réponse</a:t>
+                </a:r>
+                <a:r>
+                  <a:rPr lang="en-US" sz="1200" dirty="0">
+                    <a:solidFill>
+                      <a:srgbClr val="000000"/>
+                    </a:solidFill>
+                    <a:latin typeface="Segoe UI" pitchFamily="34" charset="0"/>
+                    <a:cs typeface="Segoe UI" pitchFamily="34" charset="0"/>
+                  </a:rPr>
+                  <a:t> 2</a:t>
                 </a:r>
               </a:p>
             </p:txBody>
@@ -20382,7 +19444,27 @@
                     <a:latin typeface="Segoe UI" pitchFamily="34" charset="0"/>
                     <a:cs typeface="Segoe UI" pitchFamily="34" charset="0"/>
                   </a:rPr>
-                  <a:t>3. Choix réponse 3</a:t>
+                  <a:t>3. Choix </a:t>
+                </a:r>
+                <a:r>
+                  <a:rPr lang="en-US" sz="1200" dirty="0" err="1">
+                    <a:solidFill>
+                      <a:srgbClr val="000000"/>
+                    </a:solidFill>
+                    <a:latin typeface="Segoe UI" pitchFamily="34" charset="0"/>
+                    <a:cs typeface="Segoe UI" pitchFamily="34" charset="0"/>
+                  </a:rPr>
+                  <a:t>réponse</a:t>
+                </a:r>
+                <a:r>
+                  <a:rPr lang="en-US" sz="1200" dirty="0">
+                    <a:solidFill>
+                      <a:srgbClr val="000000"/>
+                    </a:solidFill>
+                    <a:latin typeface="Segoe UI" pitchFamily="34" charset="0"/>
+                    <a:cs typeface="Segoe UI" pitchFamily="34" charset="0"/>
+                  </a:rPr>
+                  <a:t> 3</a:t>
                 </a:r>
               </a:p>
             </p:txBody>
@@ -20456,7 +19538,27 @@
                   <a:latin typeface="Segoe UI" pitchFamily="34" charset="0"/>
                   <a:cs typeface="Segoe UI" pitchFamily="34" charset="0"/>
                 </a:rPr>
-                <a:t>n. Choix réponse n</a:t>
+                <a:t>n. Choix </a:t>
+              </a:r>
+              <a:r>
+                <a:rPr lang="en-US" sz="1200" dirty="0" err="1">
+                  <a:solidFill>
+                    <a:srgbClr val="000000"/>
+                  </a:solidFill>
+                  <a:latin typeface="Segoe UI" pitchFamily="34" charset="0"/>
+                  <a:cs typeface="Segoe UI" pitchFamily="34" charset="0"/>
+                </a:rPr>
+                <a:t>réponse</a:t>
+              </a:r>
+              <a:r>
+                <a:rPr lang="en-US" sz="1200" dirty="0">
+                  <a:solidFill>
+                    <a:srgbClr val="000000"/>
+                  </a:solidFill>
+                  <a:latin typeface="Segoe UI" pitchFamily="34" charset="0"/>
+                  <a:cs typeface="Segoe UI" pitchFamily="34" charset="0"/>
+                </a:rPr>
+                <a:t> n</a:t>
               </a:r>
             </a:p>
           </p:txBody>
@@ -20780,13 +19882,13 @@
           <a:p>
             <a:pPr algn="ctr"/>
             <a:r>
-              <a:rPr lang="en-US" sz="1200" b="1" dirty="0">
+              <a:rPr lang="en-US" sz="1600" b="1" dirty="0">
                 <a:latin typeface="Segoe UI" pitchFamily="34" charset="0"/>
                 <a:cs typeface="Segoe UI" pitchFamily="34" charset="0"/>
               </a:rPr>
-              <a:t>VALIDER LE SONDAGE</a:t>
+              <a:t>VALIDER</a:t>
             </a:r>
-            <a:endParaRPr lang="en-US" sz="1200" b="1" dirty="0">
+            <a:endParaRPr lang="en-US" sz="1600" b="1" dirty="0">
               <a:solidFill>
                 <a:srgbClr val="000000"/>
               </a:solidFill>
@@ -21235,7 +20337,21 @@
                       <a:latin typeface="Segoe UI" pitchFamily="34" charset="0"/>
                       <a:cs typeface="Segoe UI" pitchFamily="34" charset="0"/>
                     </a:rPr>
-                    <a:t> 1. Choix réponse 1	</a:t>
+                    <a:t> 1. Choix </a:t>
+                  </a:r>
+                  <a:r>
+                    <a:rPr lang="en-US" sz="1200" dirty="0" err="1">
+                      <a:latin typeface="Segoe UI" pitchFamily="34" charset="0"/>
+                      <a:cs typeface="Segoe UI" pitchFamily="34" charset="0"/>
+                    </a:rPr>
+                    <a:t>réponse</a:t>
+                  </a:r>
+                  <a:r>
+                    <a:rPr lang="en-US" sz="1200" dirty="0">
+                      <a:latin typeface="Segoe UI" pitchFamily="34" charset="0"/>
+                      <a:cs typeface="Segoe UI" pitchFamily="34" charset="0"/>
+                    </a:rPr>
+                    <a:t> 1	</a:t>
                   </a:r>
                   <a:endParaRPr lang="en-US" sz="1200" dirty="0">
                     <a:solidFill>
@@ -21311,7 +20427,27 @@
                       <a:latin typeface="Segoe UI" pitchFamily="34" charset="0"/>
                       <a:cs typeface="Segoe UI" pitchFamily="34" charset="0"/>
                     </a:rPr>
-                    <a:t>2. Choix réponse 2</a:t>
+                    <a:t>2. Choix </a:t>
+                  </a:r>
+                  <a:r>
+                    <a:rPr lang="en-US" sz="1200" dirty="0" err="1">
+                      <a:solidFill>
+                        <a:srgbClr val="000000"/>
+                      </a:solidFill>
+                      <a:latin typeface="Segoe UI" pitchFamily="34" charset="0"/>
+                      <a:cs typeface="Segoe UI" pitchFamily="34" charset="0"/>
+                    </a:rPr>
+                    <a:t>réponse</a:t>
+                  </a:r>
+                  <a:r>
+                    <a:rPr lang="en-US" sz="1200" dirty="0">
+                      <a:solidFill>
+                        <a:srgbClr val="000000"/>
+                      </a:solidFill>
+                      <a:latin typeface="Segoe UI" pitchFamily="34" charset="0"/>
+                      <a:cs typeface="Segoe UI" pitchFamily="34" charset="0"/>
+                    </a:rPr>
+                    <a:t> 2</a:t>
                   </a:r>
                 </a:p>
               </p:txBody>
@@ -21380,7 +20516,27 @@
                       <a:latin typeface="Segoe UI" pitchFamily="34" charset="0"/>
                       <a:cs typeface="Segoe UI" pitchFamily="34" charset="0"/>
                     </a:rPr>
-                    <a:t>3. Choix réponse 3</a:t>
+                    <a:t>3. Choix </a:t>
+                  </a:r>
+                  <a:r>
+                    <a:rPr lang="en-US" sz="1200" dirty="0" err="1">
+                      <a:solidFill>
+                        <a:srgbClr val="000000"/>
+                      </a:solidFill>
+                      <a:latin typeface="Segoe UI" pitchFamily="34" charset="0"/>
+                      <a:cs typeface="Segoe UI" pitchFamily="34" charset="0"/>
+                    </a:rPr>
+                    <a:t>réponse</a:t>
+                  </a:r>
+                  <a:r>
+                    <a:rPr lang="en-US" sz="1200" dirty="0">
+                      <a:solidFill>
+                        <a:srgbClr val="000000"/>
+                      </a:solidFill>
+                      <a:latin typeface="Segoe UI" pitchFamily="34" charset="0"/>
+                      <a:cs typeface="Segoe UI" pitchFamily="34" charset="0"/>
+                    </a:rPr>
+                    <a:t> 3</a:t>
                   </a:r>
                 </a:p>
               </p:txBody>
@@ -21550,7 +20706,27 @@
                   <a:latin typeface="Segoe UI" pitchFamily="34" charset="0"/>
                   <a:cs typeface="Segoe UI" pitchFamily="34" charset="0"/>
                 </a:rPr>
-                <a:t>n. Choix réponse n</a:t>
+                <a:t>n. Choix </a:t>
+              </a:r>
+              <a:r>
+                <a:rPr lang="en-US" sz="1200" dirty="0" err="1">
+                  <a:solidFill>
+                    <a:srgbClr val="000000"/>
+                  </a:solidFill>
+                  <a:latin typeface="Segoe UI" pitchFamily="34" charset="0"/>
+                  <a:cs typeface="Segoe UI" pitchFamily="34" charset="0"/>
+                </a:rPr>
+                <a:t>réponse</a:t>
+              </a:r>
+              <a:r>
+                <a:rPr lang="en-US" sz="1200" dirty="0">
+                  <a:solidFill>
+                    <a:srgbClr val="000000"/>
+                  </a:solidFill>
+                  <a:latin typeface="Segoe UI" pitchFamily="34" charset="0"/>
+                  <a:cs typeface="Segoe UI" pitchFamily="34" charset="0"/>
+                </a:rPr>
+                <a:t> n</a:t>
               </a:r>
             </a:p>
           </p:txBody>
@@ -21650,7 +20826,27 @@
                   <a:latin typeface="Segoe UI" pitchFamily="34" charset="0"/>
                   <a:cs typeface="Segoe UI" pitchFamily="34" charset="0"/>
                 </a:rPr>
-                <a:t>Clique sur la réponse n =&gt; Rajoute un choix supplémentaire autant de fois que l’utilisteur le souhaite.</a:t>
+                <a:t>Clique sur la </a:t>
+              </a:r>
+              <a:r>
+                <a:rPr lang="en-US" sz="1200" b="1" dirty="0" err="1">
+                  <a:solidFill>
+                    <a:sysClr val="windowText" lastClr="000000"/>
+                  </a:solidFill>
+                  <a:latin typeface="Segoe UI" pitchFamily="34" charset="0"/>
+                  <a:cs typeface="Segoe UI" pitchFamily="34" charset="0"/>
+                </a:rPr>
+                <a:t>réponse</a:t>
+              </a:r>
+              <a:r>
+                <a:rPr lang="en-US" sz="1200" b="1" dirty="0">
+                  <a:solidFill>
+                    <a:sysClr val="windowText" lastClr="000000"/>
+                  </a:solidFill>
+                  <a:latin typeface="Segoe UI" pitchFamily="34" charset="0"/>
+                  <a:cs typeface="Segoe UI" pitchFamily="34" charset="0"/>
+                </a:rPr>
+                <a:t> n =&gt; Rajoute un choix supplémentaire autant de fois que l’utilisteur le souhaite.</a:t>
               </a:r>
             </a:p>
           </p:txBody>
@@ -22056,13 +21252,13 @@
           <a:p>
             <a:pPr algn="ctr"/>
             <a:r>
-              <a:rPr lang="en-US" sz="1200" b="1" dirty="0">
+              <a:rPr lang="en-US" sz="1600" b="1" dirty="0">
                 <a:latin typeface="Segoe UI" pitchFamily="34" charset="0"/>
                 <a:cs typeface="Segoe UI" pitchFamily="34" charset="0"/>
               </a:rPr>
-              <a:t>VALIDER LE SONDAGE</a:t>
+              <a:t>VALIDER</a:t>
             </a:r>
-            <a:endParaRPr lang="en-US" sz="1200" b="1" dirty="0">
+            <a:endParaRPr lang="en-US" sz="1600" b="1" dirty="0">
               <a:solidFill>
                 <a:srgbClr val="000000"/>
               </a:solidFill>
@@ -22210,7 +21406,27 @@
                   <a:latin typeface="Segoe UI" pitchFamily="34" charset="0"/>
                   <a:cs typeface="Segoe UI" pitchFamily="34" charset="0"/>
                 </a:rPr>
-                <a:t>Clique sur la réponse n =&gt; Rajoute un choix supplémentaire autant de fois que l’utilisteur le souhaite.</a:t>
+                <a:t>Clique sur la </a:t>
+              </a:r>
+              <a:r>
+                <a:rPr lang="en-US" sz="1200" b="1" dirty="0" err="1">
+                  <a:solidFill>
+                    <a:sysClr val="windowText" lastClr="000000"/>
+                  </a:solidFill>
+                  <a:latin typeface="Segoe UI" pitchFamily="34" charset="0"/>
+                  <a:cs typeface="Segoe UI" pitchFamily="34" charset="0"/>
+                </a:rPr>
+                <a:t>réponse</a:t>
+              </a:r>
+              <a:r>
+                <a:rPr lang="en-US" sz="1200" b="1" dirty="0">
+                  <a:solidFill>
+                    <a:sysClr val="windowText" lastClr="000000"/>
+                  </a:solidFill>
+                  <a:latin typeface="Segoe UI" pitchFamily="34" charset="0"/>
+                  <a:cs typeface="Segoe UI" pitchFamily="34" charset="0"/>
+                </a:rPr>
+                <a:t> n =&gt; Rajoute un choix supplémentaire autant de fois que l’utilisteur le souhaite.</a:t>
               </a:r>
             </a:p>
           </p:txBody>
@@ -22621,7 +21837,21 @@
                       <a:latin typeface="Segoe UI" pitchFamily="34" charset="0"/>
                       <a:cs typeface="Segoe UI" pitchFamily="34" charset="0"/>
                     </a:rPr>
-                    <a:t> 1. Choix réponse 1	</a:t>
+                    <a:t> 1. Choix </a:t>
+                  </a:r>
+                  <a:r>
+                    <a:rPr lang="en-US" sz="1200" dirty="0" err="1">
+                      <a:latin typeface="Segoe UI" pitchFamily="34" charset="0"/>
+                      <a:cs typeface="Segoe UI" pitchFamily="34" charset="0"/>
+                    </a:rPr>
+                    <a:t>réponse</a:t>
+                  </a:r>
+                  <a:r>
+                    <a:rPr lang="en-US" sz="1200" dirty="0">
+                      <a:latin typeface="Segoe UI" pitchFamily="34" charset="0"/>
+                      <a:cs typeface="Segoe UI" pitchFamily="34" charset="0"/>
+                    </a:rPr>
+                    <a:t> 1	</a:t>
                   </a:r>
                   <a:endParaRPr lang="en-US" sz="1200" dirty="0">
                     <a:solidFill>
@@ -22697,7 +21927,27 @@
                       <a:latin typeface="Segoe UI" pitchFamily="34" charset="0"/>
                       <a:cs typeface="Segoe UI" pitchFamily="34" charset="0"/>
                     </a:rPr>
-                    <a:t>2. Choix réponse 2</a:t>
+                    <a:t>2. Choix </a:t>
+                  </a:r>
+                  <a:r>
+                    <a:rPr lang="en-US" sz="1200" dirty="0" err="1">
+                      <a:solidFill>
+                        <a:srgbClr val="000000"/>
+                      </a:solidFill>
+                      <a:latin typeface="Segoe UI" pitchFamily="34" charset="0"/>
+                      <a:cs typeface="Segoe UI" pitchFamily="34" charset="0"/>
+                    </a:rPr>
+                    <a:t>réponse</a:t>
+                  </a:r>
+                  <a:r>
+                    <a:rPr lang="en-US" sz="1200" dirty="0">
+                      <a:solidFill>
+                        <a:srgbClr val="000000"/>
+                      </a:solidFill>
+                      <a:latin typeface="Segoe UI" pitchFamily="34" charset="0"/>
+                      <a:cs typeface="Segoe UI" pitchFamily="34" charset="0"/>
+                    </a:rPr>
+                    <a:t> 2</a:t>
                   </a:r>
                 </a:p>
               </p:txBody>
@@ -22766,7 +22016,27 @@
                       <a:latin typeface="Segoe UI" pitchFamily="34" charset="0"/>
                       <a:cs typeface="Segoe UI" pitchFamily="34" charset="0"/>
                     </a:rPr>
-                    <a:t>3. Choix réponse 3</a:t>
+                    <a:t>3. Choix </a:t>
+                  </a:r>
+                  <a:r>
+                    <a:rPr lang="en-US" sz="1200" dirty="0" err="1">
+                      <a:solidFill>
+                        <a:srgbClr val="000000"/>
+                      </a:solidFill>
+                      <a:latin typeface="Segoe UI" pitchFamily="34" charset="0"/>
+                      <a:cs typeface="Segoe UI" pitchFamily="34" charset="0"/>
+                    </a:rPr>
+                    <a:t>réponse</a:t>
+                  </a:r>
+                  <a:r>
+                    <a:rPr lang="en-US" sz="1200" dirty="0">
+                      <a:solidFill>
+                        <a:srgbClr val="000000"/>
+                      </a:solidFill>
+                      <a:latin typeface="Segoe UI" pitchFamily="34" charset="0"/>
+                      <a:cs typeface="Segoe UI" pitchFamily="34" charset="0"/>
+                    </a:rPr>
+                    <a:t> 3</a:t>
                   </a:r>
                 </a:p>
               </p:txBody>
@@ -22936,7 +22206,27 @@
                   <a:latin typeface="Segoe UI" pitchFamily="34" charset="0"/>
                   <a:cs typeface="Segoe UI" pitchFamily="34" charset="0"/>
                 </a:rPr>
-                <a:t>n. Choix réponse n</a:t>
+                <a:t>n. Choix </a:t>
+              </a:r>
+              <a:r>
+                <a:rPr lang="en-US" sz="1200" dirty="0" err="1">
+                  <a:solidFill>
+                    <a:srgbClr val="000000"/>
+                  </a:solidFill>
+                  <a:latin typeface="Segoe UI" pitchFamily="34" charset="0"/>
+                  <a:cs typeface="Segoe UI" pitchFamily="34" charset="0"/>
+                </a:rPr>
+                <a:t>réponse</a:t>
+              </a:r>
+              <a:r>
+                <a:rPr lang="en-US" sz="1200" dirty="0">
+                  <a:solidFill>
+                    <a:srgbClr val="000000"/>
+                  </a:solidFill>
+                  <a:latin typeface="Segoe UI" pitchFamily="34" charset="0"/>
+                  <a:cs typeface="Segoe UI" pitchFamily="34" charset="0"/>
+                </a:rPr>
+                <a:t> n</a:t>
               </a:r>
             </a:p>
           </p:txBody>
@@ -23137,71 +22427,8 @@
                 <a:ea typeface="Segoe UI" pitchFamily="34" charset="0"/>
                 <a:cs typeface="Segoe UI" pitchFamily="34" charset="0"/>
               </a:rPr>
-              <a:t> : </a:t>
+              <a:t> : garder précieusement le lien de suppression du sondage</a:t>
             </a:r>
-            <a:r>
-              <a:rPr lang="en-US" sz="1200" dirty="0" err="1">
-                <a:solidFill>
-                  <a:srgbClr val="000000"/>
-                </a:solidFill>
-                <a:latin typeface="Segoe UI" pitchFamily="34" charset="0"/>
-                <a:ea typeface="Segoe UI" pitchFamily="34" charset="0"/>
-                <a:cs typeface="Segoe UI" pitchFamily="34" charset="0"/>
-              </a:rPr>
-              <a:t>garder</a:t>
-            </a:r>
-            <a:r>
-              <a:rPr lang="en-US" sz="1200" dirty="0">
-                <a:solidFill>
-                  <a:srgbClr val="000000"/>
-                </a:solidFill>
-                <a:latin typeface="Segoe UI" pitchFamily="34" charset="0"/>
-                <a:ea typeface="Segoe UI" pitchFamily="34" charset="0"/>
-                <a:cs typeface="Segoe UI" pitchFamily="34" charset="0"/>
-              </a:rPr>
-              <a:t> </a:t>
-            </a:r>
-            <a:r>
-              <a:rPr lang="en-US" sz="1200" dirty="0" err="1">
-                <a:solidFill>
-                  <a:srgbClr val="000000"/>
-                </a:solidFill>
-                <a:latin typeface="Segoe UI" pitchFamily="34" charset="0"/>
-                <a:ea typeface="Segoe UI" pitchFamily="34" charset="0"/>
-                <a:cs typeface="Segoe UI" pitchFamily="34" charset="0"/>
-              </a:rPr>
-              <a:t>précieusement</a:t>
-            </a:r>
-            <a:r>
-              <a:rPr lang="en-US" sz="1200" dirty="0">
-                <a:solidFill>
-                  <a:srgbClr val="000000"/>
-                </a:solidFill>
-                <a:latin typeface="Segoe UI" pitchFamily="34" charset="0"/>
-                <a:ea typeface="Segoe UI" pitchFamily="34" charset="0"/>
-                <a:cs typeface="Segoe UI" pitchFamily="34" charset="0"/>
-              </a:rPr>
-              <a:t> le lien de suppression du </a:t>
-            </a:r>
-            <a:r>
-              <a:rPr lang="en-US" sz="1200" dirty="0" err="1">
-                <a:solidFill>
-                  <a:srgbClr val="000000"/>
-                </a:solidFill>
-                <a:latin typeface="Segoe UI" pitchFamily="34" charset="0"/>
-                <a:ea typeface="Segoe UI" pitchFamily="34" charset="0"/>
-                <a:cs typeface="Segoe UI" pitchFamily="34" charset="0"/>
-              </a:rPr>
-              <a:t>sondage</a:t>
-            </a:r>
-            <a:endParaRPr lang="en-US" sz="1200" dirty="0">
-              <a:solidFill>
-                <a:srgbClr val="000000"/>
-              </a:solidFill>
-              <a:latin typeface="Segoe UI" pitchFamily="34" charset="0"/>
-              <a:ea typeface="Segoe UI" pitchFamily="34" charset="0"/>
-              <a:cs typeface="Segoe UI" pitchFamily="34" charset="0"/>
-            </a:endParaRPr>
           </a:p>
         </p:txBody>
       </p:sp>
@@ -23374,51 +22601,7 @@
                     <a:ea typeface="Segoe UI" pitchFamily="34" charset="0"/>
                     <a:cs typeface="Segoe UI" pitchFamily="34" charset="0"/>
                   </a:rPr>
-                  <a:t>Lien pour </a:t>
-                </a:r>
-                <a:r>
-                  <a:rPr lang="en-US" sz="1200" b="1" dirty="0" err="1">
-                    <a:solidFill>
-                      <a:srgbClr val="000000"/>
-                    </a:solidFill>
-                    <a:latin typeface="Segoe UI" pitchFamily="34" charset="0"/>
-                    <a:ea typeface="Segoe UI" pitchFamily="34" charset="0"/>
-                    <a:cs typeface="Segoe UI" pitchFamily="34" charset="0"/>
-                  </a:rPr>
-                  <a:t>supprimer</a:t>
-                </a:r>
-                <a:r>
-                  <a:rPr lang="en-US" sz="1200" b="1" dirty="0">
-                    <a:solidFill>
-                      <a:srgbClr val="000000"/>
-                    </a:solidFill>
-                    <a:latin typeface="Segoe UI" pitchFamily="34" charset="0"/>
-                    <a:ea typeface="Segoe UI" pitchFamily="34" charset="0"/>
-                    <a:cs typeface="Segoe UI" pitchFamily="34" charset="0"/>
-                  </a:rPr>
-                  <a:t> le </a:t>
-                </a:r>
-                <a:r>
-                  <a:rPr lang="en-US" sz="1200" b="1" dirty="0" err="1">
-                    <a:solidFill>
-                      <a:srgbClr val="000000"/>
-                    </a:solidFill>
-                    <a:latin typeface="Segoe UI" pitchFamily="34" charset="0"/>
-                    <a:ea typeface="Segoe UI" pitchFamily="34" charset="0"/>
-                    <a:cs typeface="Segoe UI" pitchFamily="34" charset="0"/>
-                  </a:rPr>
-                  <a:t>sondage</a:t>
-                </a:r>
-                <a:r>
-                  <a:rPr lang="en-US" sz="1200" b="1" dirty="0">
-                    <a:solidFill>
-                      <a:srgbClr val="000000"/>
-                    </a:solidFill>
-                    <a:latin typeface="Segoe UI" pitchFamily="34" charset="0"/>
-                    <a:ea typeface="Segoe UI" pitchFamily="34" charset="0"/>
-                    <a:cs typeface="Segoe UI" pitchFamily="34" charset="0"/>
-                  </a:rPr>
-                  <a:t> :</a:t>
+                  <a:t>Lien pour supprimer le sondage :</a:t>
                 </a:r>
               </a:p>
             </p:txBody>
@@ -23464,51 +22647,7 @@
                     <a:ea typeface="Segoe UI" pitchFamily="34" charset="0"/>
                     <a:cs typeface="Segoe UI" pitchFamily="34" charset="0"/>
                   </a:rPr>
-                  <a:t>Lien pour </a:t>
-                </a:r>
-                <a:r>
-                  <a:rPr lang="en-US" sz="1200" dirty="0" err="1">
-                    <a:solidFill>
-                      <a:srgbClr val="000000"/>
-                    </a:solidFill>
-                    <a:latin typeface="Segoe UI" pitchFamily="34" charset="0"/>
-                    <a:ea typeface="Segoe UI" pitchFamily="34" charset="0"/>
-                    <a:cs typeface="Segoe UI" pitchFamily="34" charset="0"/>
-                  </a:rPr>
-                  <a:t>partager</a:t>
-                </a:r>
-                <a:r>
-                  <a:rPr lang="en-US" sz="1200" dirty="0">
-                    <a:solidFill>
-                      <a:srgbClr val="000000"/>
-                    </a:solidFill>
-                    <a:latin typeface="Segoe UI" pitchFamily="34" charset="0"/>
-                    <a:ea typeface="Segoe UI" pitchFamily="34" charset="0"/>
-                    <a:cs typeface="Segoe UI" pitchFamily="34" charset="0"/>
-                  </a:rPr>
-                  <a:t> le </a:t>
-                </a:r>
-                <a:r>
-                  <a:rPr lang="en-US" sz="1200" dirty="0" err="1">
-                    <a:solidFill>
-                      <a:srgbClr val="000000"/>
-                    </a:solidFill>
-                    <a:latin typeface="Segoe UI" pitchFamily="34" charset="0"/>
-                    <a:ea typeface="Segoe UI" pitchFamily="34" charset="0"/>
-                    <a:cs typeface="Segoe UI" pitchFamily="34" charset="0"/>
-                  </a:rPr>
-                  <a:t>sondage</a:t>
-                </a:r>
-                <a:r>
-                  <a:rPr lang="en-US" sz="1200" dirty="0">
-                    <a:solidFill>
-                      <a:srgbClr val="000000"/>
-                    </a:solidFill>
-                    <a:latin typeface="Segoe UI" pitchFamily="34" charset="0"/>
-                    <a:ea typeface="Segoe UI" pitchFamily="34" charset="0"/>
-                    <a:cs typeface="Segoe UI" pitchFamily="34" charset="0"/>
-                  </a:rPr>
-                  <a:t> :</a:t>
+                  <a:t>Lien pour partager le sondage :</a:t>
                 </a:r>
               </a:p>
             </p:txBody>
@@ -23554,51 +22693,7 @@
                     <a:ea typeface="Segoe UI" pitchFamily="34" charset="0"/>
                     <a:cs typeface="Segoe UI" pitchFamily="34" charset="0"/>
                   </a:rPr>
-                  <a:t>Lien pour </a:t>
-                </a:r>
-                <a:r>
-                  <a:rPr lang="en-US" sz="1200" dirty="0" err="1">
-                    <a:solidFill>
-                      <a:srgbClr val="000000"/>
-                    </a:solidFill>
-                    <a:latin typeface="Segoe UI" pitchFamily="34" charset="0"/>
-                    <a:ea typeface="Segoe UI" pitchFamily="34" charset="0"/>
-                    <a:cs typeface="Segoe UI" pitchFamily="34" charset="0"/>
-                  </a:rPr>
-                  <a:t>accéder</a:t>
-                </a:r>
-                <a:r>
-                  <a:rPr lang="en-US" sz="1200" dirty="0">
-                    <a:solidFill>
-                      <a:srgbClr val="000000"/>
-                    </a:solidFill>
-                    <a:latin typeface="Segoe UI" pitchFamily="34" charset="0"/>
-                    <a:ea typeface="Segoe UI" pitchFamily="34" charset="0"/>
-                    <a:cs typeface="Segoe UI" pitchFamily="34" charset="0"/>
-                  </a:rPr>
-                  <a:t> aux </a:t>
-                </a:r>
-                <a:r>
-                  <a:rPr lang="en-US" sz="1200" dirty="0" err="1">
-                    <a:solidFill>
-                      <a:srgbClr val="000000"/>
-                    </a:solidFill>
-                    <a:latin typeface="Segoe UI" pitchFamily="34" charset="0"/>
-                    <a:ea typeface="Segoe UI" pitchFamily="34" charset="0"/>
-                    <a:cs typeface="Segoe UI" pitchFamily="34" charset="0"/>
-                  </a:rPr>
-                  <a:t>résultats</a:t>
-                </a:r>
-                <a:r>
-                  <a:rPr lang="en-US" sz="1200" dirty="0">
-                    <a:solidFill>
-                      <a:srgbClr val="000000"/>
-                    </a:solidFill>
-                    <a:latin typeface="Segoe UI" pitchFamily="34" charset="0"/>
-                    <a:ea typeface="Segoe UI" pitchFamily="34" charset="0"/>
-                    <a:cs typeface="Segoe UI" pitchFamily="34" charset="0"/>
-                  </a:rPr>
-                  <a:t> :</a:t>
+                  <a:t>Lien pour accéder aux résultats :</a:t>
                 </a:r>
               </a:p>
             </p:txBody>
@@ -23716,7 +22811,7 @@
                   <a:solidFill>
                     <a:schemeClr val="tx1"/>
                   </a:solidFill>
-                  <a:hlinkClick r:id="rId9" action="ppaction://hlinksldjump"/>
+                  <a:hlinkClick r:id="rId8" action="ppaction://hlinksldjump"/>
                 </a:rPr>
                 <a:t>https://tak.de/dffqse</a:t>
               </a:r>
@@ -23731,7 +22826,7 @@
         <p:sp>
           <p:nvSpPr>
             <p:cNvPr id="20" name="Rectangle 19">
-              <a:hlinkClick r:id="rId10" action="ppaction://hlinksldjump"/>
+              <a:hlinkClick r:id="rId9" action="ppaction://hlinksldjump"/>
             </p:cNvPr>
             <p:cNvSpPr/>
             <p:nvPr/>
@@ -23984,71 +23079,8 @@
                 <a:ea typeface="Segoe UI" pitchFamily="34" charset="0"/>
                 <a:cs typeface="Segoe UI" pitchFamily="34" charset="0"/>
               </a:rPr>
-              <a:t> : </a:t>
+              <a:t> : garder précieusement le lien de suppression du sondage</a:t>
             </a:r>
-            <a:r>
-              <a:rPr lang="en-US" sz="1200" dirty="0" err="1">
-                <a:solidFill>
-                  <a:srgbClr val="000000"/>
-                </a:solidFill>
-                <a:latin typeface="Segoe UI" pitchFamily="34" charset="0"/>
-                <a:ea typeface="Segoe UI" pitchFamily="34" charset="0"/>
-                <a:cs typeface="Segoe UI" pitchFamily="34" charset="0"/>
-              </a:rPr>
-              <a:t>garder</a:t>
-            </a:r>
-            <a:r>
-              <a:rPr lang="en-US" sz="1200" dirty="0">
-                <a:solidFill>
-                  <a:srgbClr val="000000"/>
-                </a:solidFill>
-                <a:latin typeface="Segoe UI" pitchFamily="34" charset="0"/>
-                <a:ea typeface="Segoe UI" pitchFamily="34" charset="0"/>
-                <a:cs typeface="Segoe UI" pitchFamily="34" charset="0"/>
-              </a:rPr>
-              <a:t> </a:t>
-            </a:r>
-            <a:r>
-              <a:rPr lang="en-US" sz="1200" dirty="0" err="1">
-                <a:solidFill>
-                  <a:srgbClr val="000000"/>
-                </a:solidFill>
-                <a:latin typeface="Segoe UI" pitchFamily="34" charset="0"/>
-                <a:ea typeface="Segoe UI" pitchFamily="34" charset="0"/>
-                <a:cs typeface="Segoe UI" pitchFamily="34" charset="0"/>
-              </a:rPr>
-              <a:t>précieusement</a:t>
-            </a:r>
-            <a:r>
-              <a:rPr lang="en-US" sz="1200" dirty="0">
-                <a:solidFill>
-                  <a:srgbClr val="000000"/>
-                </a:solidFill>
-                <a:latin typeface="Segoe UI" pitchFamily="34" charset="0"/>
-                <a:ea typeface="Segoe UI" pitchFamily="34" charset="0"/>
-                <a:cs typeface="Segoe UI" pitchFamily="34" charset="0"/>
-              </a:rPr>
-              <a:t> le lien de suppression du </a:t>
-            </a:r>
-            <a:r>
-              <a:rPr lang="en-US" sz="1200" dirty="0" err="1">
-                <a:solidFill>
-                  <a:srgbClr val="000000"/>
-                </a:solidFill>
-                <a:latin typeface="Segoe UI" pitchFamily="34" charset="0"/>
-                <a:ea typeface="Segoe UI" pitchFamily="34" charset="0"/>
-                <a:cs typeface="Segoe UI" pitchFamily="34" charset="0"/>
-              </a:rPr>
-              <a:t>sondage</a:t>
-            </a:r>
-            <a:endParaRPr lang="en-US" sz="1200" dirty="0">
-              <a:solidFill>
-                <a:srgbClr val="000000"/>
-              </a:solidFill>
-              <a:latin typeface="Segoe UI" pitchFamily="34" charset="0"/>
-              <a:ea typeface="Segoe UI" pitchFamily="34" charset="0"/>
-              <a:cs typeface="Segoe UI" pitchFamily="34" charset="0"/>
-            </a:endParaRPr>
           </a:p>
         </p:txBody>
       </p:sp>
@@ -24221,51 +23253,7 @@
                     <a:ea typeface="Segoe UI" pitchFamily="34" charset="0"/>
                     <a:cs typeface="Segoe UI" pitchFamily="34" charset="0"/>
                   </a:rPr>
-                  <a:t>Lien pour </a:t>
-                </a:r>
-                <a:r>
-                  <a:rPr lang="en-US" sz="1200" b="1" dirty="0" err="1">
-                    <a:solidFill>
-                      <a:srgbClr val="000000"/>
-                    </a:solidFill>
-                    <a:latin typeface="Segoe UI" pitchFamily="34" charset="0"/>
-                    <a:ea typeface="Segoe UI" pitchFamily="34" charset="0"/>
-                    <a:cs typeface="Segoe UI" pitchFamily="34" charset="0"/>
-                  </a:rPr>
-                  <a:t>supprimer</a:t>
-                </a:r>
-                <a:r>
-                  <a:rPr lang="en-US" sz="1200" b="1" dirty="0">
-                    <a:solidFill>
-                      <a:srgbClr val="000000"/>
-                    </a:solidFill>
-                    <a:latin typeface="Segoe UI" pitchFamily="34" charset="0"/>
-                    <a:ea typeface="Segoe UI" pitchFamily="34" charset="0"/>
-                    <a:cs typeface="Segoe UI" pitchFamily="34" charset="0"/>
-                  </a:rPr>
-                  <a:t> le </a:t>
-                </a:r>
-                <a:r>
-                  <a:rPr lang="en-US" sz="1200" b="1" dirty="0" err="1">
-                    <a:solidFill>
-                      <a:srgbClr val="000000"/>
-                    </a:solidFill>
-                    <a:latin typeface="Segoe UI" pitchFamily="34" charset="0"/>
-                    <a:ea typeface="Segoe UI" pitchFamily="34" charset="0"/>
-                    <a:cs typeface="Segoe UI" pitchFamily="34" charset="0"/>
-                  </a:rPr>
-                  <a:t>sondage</a:t>
-                </a:r>
-                <a:r>
-                  <a:rPr lang="en-US" sz="1200" b="1" dirty="0">
-                    <a:solidFill>
-                      <a:srgbClr val="000000"/>
-                    </a:solidFill>
-                    <a:latin typeface="Segoe UI" pitchFamily="34" charset="0"/>
-                    <a:ea typeface="Segoe UI" pitchFamily="34" charset="0"/>
-                    <a:cs typeface="Segoe UI" pitchFamily="34" charset="0"/>
-                  </a:rPr>
-                  <a:t> :</a:t>
+                  <a:t>Lien pour supprimer le sondage :</a:t>
                 </a:r>
               </a:p>
             </p:txBody>
@@ -24311,51 +23299,7 @@
                     <a:ea typeface="Segoe UI" pitchFamily="34" charset="0"/>
                     <a:cs typeface="Segoe UI" pitchFamily="34" charset="0"/>
                   </a:rPr>
-                  <a:t>Lien pour </a:t>
-                </a:r>
-                <a:r>
-                  <a:rPr lang="en-US" sz="1200" dirty="0" err="1">
-                    <a:solidFill>
-                      <a:srgbClr val="000000"/>
-                    </a:solidFill>
-                    <a:latin typeface="Segoe UI" pitchFamily="34" charset="0"/>
-                    <a:ea typeface="Segoe UI" pitchFamily="34" charset="0"/>
-                    <a:cs typeface="Segoe UI" pitchFamily="34" charset="0"/>
-                  </a:rPr>
-                  <a:t>partager</a:t>
-                </a:r>
-                <a:r>
-                  <a:rPr lang="en-US" sz="1200" dirty="0">
-                    <a:solidFill>
-                      <a:srgbClr val="000000"/>
-                    </a:solidFill>
-                    <a:latin typeface="Segoe UI" pitchFamily="34" charset="0"/>
-                    <a:ea typeface="Segoe UI" pitchFamily="34" charset="0"/>
-                    <a:cs typeface="Segoe UI" pitchFamily="34" charset="0"/>
-                  </a:rPr>
-                  <a:t> le </a:t>
-                </a:r>
-                <a:r>
-                  <a:rPr lang="en-US" sz="1200" dirty="0" err="1">
-                    <a:solidFill>
-                      <a:srgbClr val="000000"/>
-                    </a:solidFill>
-                    <a:latin typeface="Segoe UI" pitchFamily="34" charset="0"/>
-                    <a:ea typeface="Segoe UI" pitchFamily="34" charset="0"/>
-                    <a:cs typeface="Segoe UI" pitchFamily="34" charset="0"/>
-                  </a:rPr>
-                  <a:t>sondage</a:t>
-                </a:r>
-                <a:r>
-                  <a:rPr lang="en-US" sz="1200" dirty="0">
-                    <a:solidFill>
-                      <a:srgbClr val="000000"/>
-                    </a:solidFill>
-                    <a:latin typeface="Segoe UI" pitchFamily="34" charset="0"/>
-                    <a:ea typeface="Segoe UI" pitchFamily="34" charset="0"/>
-                    <a:cs typeface="Segoe UI" pitchFamily="34" charset="0"/>
-                  </a:rPr>
-                  <a:t> :</a:t>
+                  <a:t>Lien pour partager le sondage :</a:t>
                 </a:r>
               </a:p>
             </p:txBody>
@@ -24401,51 +23345,7 @@
                     <a:ea typeface="Segoe UI" pitchFamily="34" charset="0"/>
                     <a:cs typeface="Segoe UI" pitchFamily="34" charset="0"/>
                   </a:rPr>
-                  <a:t>Lien pour </a:t>
-                </a:r>
-                <a:r>
-                  <a:rPr lang="en-US" sz="1200" dirty="0" err="1">
-                    <a:solidFill>
-                      <a:srgbClr val="000000"/>
-                    </a:solidFill>
-                    <a:latin typeface="Segoe UI" pitchFamily="34" charset="0"/>
-                    <a:ea typeface="Segoe UI" pitchFamily="34" charset="0"/>
-                    <a:cs typeface="Segoe UI" pitchFamily="34" charset="0"/>
-                  </a:rPr>
-                  <a:t>accéder</a:t>
-                </a:r>
-                <a:r>
-                  <a:rPr lang="en-US" sz="1200" dirty="0">
-                    <a:solidFill>
-                      <a:srgbClr val="000000"/>
-                    </a:solidFill>
-                    <a:latin typeface="Segoe UI" pitchFamily="34" charset="0"/>
-                    <a:ea typeface="Segoe UI" pitchFamily="34" charset="0"/>
-                    <a:cs typeface="Segoe UI" pitchFamily="34" charset="0"/>
-                  </a:rPr>
-                  <a:t> aux </a:t>
-                </a:r>
-                <a:r>
-                  <a:rPr lang="en-US" sz="1200" dirty="0" err="1">
-                    <a:solidFill>
-                      <a:srgbClr val="000000"/>
-                    </a:solidFill>
-                    <a:latin typeface="Segoe UI" pitchFamily="34" charset="0"/>
-                    <a:ea typeface="Segoe UI" pitchFamily="34" charset="0"/>
-                    <a:cs typeface="Segoe UI" pitchFamily="34" charset="0"/>
-                  </a:rPr>
-                  <a:t>résultats</a:t>
-                </a:r>
-                <a:r>
-                  <a:rPr lang="en-US" sz="1200" dirty="0">
-                    <a:solidFill>
-                      <a:srgbClr val="000000"/>
-                    </a:solidFill>
-                    <a:latin typeface="Segoe UI" pitchFamily="34" charset="0"/>
-                    <a:ea typeface="Segoe UI" pitchFamily="34" charset="0"/>
-                    <a:cs typeface="Segoe UI" pitchFamily="34" charset="0"/>
-                  </a:rPr>
-                  <a:t> :</a:t>
+                  <a:t>Lien pour accéder aux résultats :</a:t>
                 </a:r>
               </a:p>
             </p:txBody>
@@ -24563,7 +23463,7 @@
                   <a:solidFill>
                     <a:schemeClr val="tx1"/>
                   </a:solidFill>
-                  <a:hlinkClick r:id="rId9" action="ppaction://hlinksldjump"/>
+                  <a:hlinkClick r:id="rId8" action="ppaction://hlinksldjump"/>
                 </a:rPr>
                 <a:t>https://tak.de/dffqse</a:t>
               </a:r>
@@ -24578,7 +23478,7 @@
         <p:sp>
           <p:nvSpPr>
             <p:cNvPr id="20" name="Rectangle 19">
-              <a:hlinkClick r:id="rId10" action="ppaction://hlinksldjump"/>
+              <a:hlinkClick r:id="rId9" action="ppaction://hlinksldjump"/>
             </p:cNvPr>
             <p:cNvSpPr/>
             <p:nvPr/>
@@ -25043,20 +23943,12 @@
             <a:lstStyle/>
             <a:p>
               <a:r>
-                <a:rPr lang="en-US" sz="1200" dirty="0" err="1">
-                  <a:latin typeface="Segoe UI" pitchFamily="34" charset="0"/>
-                  <a:ea typeface="Segoe UI" pitchFamily="34" charset="0"/>
-                  <a:cs typeface="Segoe UI" pitchFamily="34" charset="0"/>
-                </a:rPr>
-                <a:t>Réponse</a:t>
-              </a:r>
-              <a:r>
                 <a:rPr lang="en-US" sz="1200" dirty="0">
                   <a:latin typeface="Segoe UI" pitchFamily="34" charset="0"/>
                   <a:ea typeface="Segoe UI" pitchFamily="34" charset="0"/>
                   <a:cs typeface="Segoe UI" pitchFamily="34" charset="0"/>
                 </a:rPr>
-                <a:t> 2</a:t>
+                <a:t>Réponse 2</a:t>
               </a:r>
             </a:p>
           </p:txBody>
@@ -25162,20 +24054,12 @@
             <a:lstStyle/>
             <a:p>
               <a:r>
-                <a:rPr lang="en-US" sz="1200" dirty="0" err="1">
-                  <a:latin typeface="Segoe UI" pitchFamily="34" charset="0"/>
-                  <a:ea typeface="Segoe UI" pitchFamily="34" charset="0"/>
-                  <a:cs typeface="Segoe UI" pitchFamily="34" charset="0"/>
-                </a:rPr>
-                <a:t>Réponse</a:t>
-              </a:r>
-              <a:r>
                 <a:rPr lang="en-US" sz="1200" dirty="0">
                   <a:latin typeface="Segoe UI" pitchFamily="34" charset="0"/>
                   <a:ea typeface="Segoe UI" pitchFamily="34" charset="0"/>
                   <a:cs typeface="Segoe UI" pitchFamily="34" charset="0"/>
                 </a:rPr>
-                <a:t> 3</a:t>
+                <a:t>Réponse 3</a:t>
               </a:r>
             </a:p>
           </p:txBody>
@@ -25281,20 +24165,12 @@
             <a:lstStyle/>
             <a:p>
               <a:r>
-                <a:rPr lang="en-US" sz="1200" dirty="0" err="1">
-                  <a:latin typeface="Segoe UI" pitchFamily="34" charset="0"/>
-                  <a:ea typeface="Segoe UI" pitchFamily="34" charset="0"/>
-                  <a:cs typeface="Segoe UI" pitchFamily="34" charset="0"/>
-                </a:rPr>
-                <a:t>Réponse</a:t>
-              </a:r>
-              <a:r>
                 <a:rPr lang="en-US" sz="1200" dirty="0">
                   <a:latin typeface="Segoe UI" pitchFamily="34" charset="0"/>
                   <a:ea typeface="Segoe UI" pitchFamily="34" charset="0"/>
                   <a:cs typeface="Segoe UI" pitchFamily="34" charset="0"/>
                 </a:rPr>
-                <a:t> 1</a:t>
+                <a:t>Réponse 1</a:t>
               </a:r>
             </a:p>
           </p:txBody>
@@ -25763,20 +24639,12 @@
             <a:lstStyle/>
             <a:p>
               <a:r>
-                <a:rPr lang="en-US" sz="1200" dirty="0" err="1">
-                  <a:latin typeface="Segoe UI" pitchFamily="34" charset="0"/>
-                  <a:ea typeface="Segoe UI" pitchFamily="34" charset="0"/>
-                  <a:cs typeface="Segoe UI" pitchFamily="34" charset="0"/>
-                </a:rPr>
-                <a:t>Réponse</a:t>
-              </a:r>
-              <a:r>
                 <a:rPr lang="en-US" sz="1200" dirty="0">
                   <a:latin typeface="Segoe UI" pitchFamily="34" charset="0"/>
                   <a:ea typeface="Segoe UI" pitchFamily="34" charset="0"/>
                   <a:cs typeface="Segoe UI" pitchFamily="34" charset="0"/>
                 </a:rPr>
-                <a:t> 2</a:t>
+                <a:t>Réponse 2</a:t>
               </a:r>
             </a:p>
           </p:txBody>
@@ -25882,20 +24750,12 @@
             <a:lstStyle/>
             <a:p>
               <a:r>
-                <a:rPr lang="en-US" sz="1200" dirty="0" err="1">
-                  <a:latin typeface="Segoe UI" pitchFamily="34" charset="0"/>
-                  <a:ea typeface="Segoe UI" pitchFamily="34" charset="0"/>
-                  <a:cs typeface="Segoe UI" pitchFamily="34" charset="0"/>
-                </a:rPr>
-                <a:t>Réponse</a:t>
-              </a:r>
-              <a:r>
                 <a:rPr lang="en-US" sz="1200" dirty="0">
                   <a:latin typeface="Segoe UI" pitchFamily="34" charset="0"/>
                   <a:ea typeface="Segoe UI" pitchFamily="34" charset="0"/>
                   <a:cs typeface="Segoe UI" pitchFamily="34" charset="0"/>
                 </a:rPr>
-                <a:t> 3</a:t>
+                <a:t>Réponse 3</a:t>
               </a:r>
             </a:p>
           </p:txBody>
@@ -26019,20 +24879,12 @@
               <a:lstStyle/>
               <a:p>
                 <a:r>
-                  <a:rPr lang="en-US" sz="1200" dirty="0" err="1">
-                    <a:latin typeface="Segoe UI" pitchFamily="34" charset="0"/>
-                    <a:ea typeface="Segoe UI" pitchFamily="34" charset="0"/>
-                    <a:cs typeface="Segoe UI" pitchFamily="34" charset="0"/>
-                  </a:rPr>
-                  <a:t>Réponse</a:t>
-                </a:r>
-                <a:r>
                   <a:rPr lang="en-US" sz="1200" dirty="0">
                     <a:latin typeface="Segoe UI" pitchFamily="34" charset="0"/>
                     <a:ea typeface="Segoe UI" pitchFamily="34" charset="0"/>
                     <a:cs typeface="Segoe UI" pitchFamily="34" charset="0"/>
                   </a:rPr>
-                  <a:t> 1</a:t>
+                  <a:t>Réponse 1</a:t>
                 </a:r>
               </a:p>
             </p:txBody>
@@ -26203,13 +25055,13 @@
           <a:p>
             <a:pPr algn="ctr"/>
             <a:r>
-              <a:rPr lang="en-US" sz="1200" b="1" dirty="0">
+              <a:rPr lang="en-US" sz="1600" b="1" dirty="0">
                 <a:latin typeface="Segoe UI" pitchFamily="34" charset="0"/>
                 <a:cs typeface="Segoe UI" pitchFamily="34" charset="0"/>
               </a:rPr>
-              <a:t>VALIDER LE SONDAGE</a:t>
+              <a:t>VALIDER</a:t>
             </a:r>
-            <a:endParaRPr lang="en-US" sz="1200" b="1" dirty="0">
+            <a:endParaRPr lang="en-US" sz="1600" b="1" dirty="0">
               <a:solidFill>
                 <a:srgbClr val="000000"/>
               </a:solidFill>
@@ -27125,302 +25977,21 @@
 </a:theme>
 </file>
 
-<file path=ppt/theme/themeOverride1.xml><?xml version="1.0" encoding="utf-8"?>
-<a:themeOverride xmlns:a="http://schemas.openxmlformats.org/drawingml/2006/main">
-  <a:clrScheme name="Office">
-    <a:dk1>
-      <a:sysClr val="windowText" lastClr="000000"/>
-    </a:dk1>
-    <a:lt1>
-      <a:sysClr val="window" lastClr="FFFFFF"/>
-    </a:lt1>
-    <a:dk2>
-      <a:srgbClr val="1F497D"/>
-    </a:dk2>
-    <a:lt2>
-      <a:srgbClr val="EEECE1"/>
-    </a:lt2>
-    <a:accent1>
-      <a:srgbClr val="4F81BD"/>
-    </a:accent1>
-    <a:accent2>
-      <a:srgbClr val="C0504D"/>
-    </a:accent2>
-    <a:accent3>
-      <a:srgbClr val="9BBB59"/>
-    </a:accent3>
-    <a:accent4>
-      <a:srgbClr val="8064A2"/>
-    </a:accent4>
-    <a:accent5>
-      <a:srgbClr val="4BACC6"/>
-    </a:accent5>
-    <a:accent6>
-      <a:srgbClr val="F79646"/>
-    </a:accent6>
-    <a:hlink>
-      <a:srgbClr val="0000FF"/>
-    </a:hlink>
-    <a:folHlink>
-      <a:srgbClr val="800080"/>
-    </a:folHlink>
-  </a:clrScheme>
-  <a:fontScheme name="Office">
-    <a:majorFont>
-      <a:latin typeface="Calibri"/>
-      <a:ea typeface=""/>
-      <a:cs typeface=""/>
-      <a:font script="Jpan" typeface="ＭＳ Ｐゴシック"/>
-      <a:font script="Hang" typeface="맑은 고딕"/>
-      <a:font script="Hans" typeface="宋体"/>
-      <a:font script="Hant" typeface="新細明體"/>
-      <a:font script="Arab" typeface="Times New Roman"/>
-      <a:font script="Hebr" typeface="Times New Roman"/>
-      <a:font script="Thai" typeface="Angsana New"/>
-      <a:font script="Ethi" typeface="Nyala"/>
-      <a:font script="Beng" typeface="Vrinda"/>
-      <a:font script="Gujr" typeface="Shruti"/>
-      <a:font script="Khmr" typeface="MoolBoran"/>
-      <a:font script="Knda" typeface="Tunga"/>
-      <a:font script="Guru" typeface="Raavi"/>
-      <a:font script="Cans" typeface="Euphemia"/>
-      <a:font script="Cher" typeface="Plantagenet Cherokee"/>
-      <a:font script="Yiii" typeface="Microsoft Yi Baiti"/>
-      <a:font script="Tibt" typeface="Microsoft Himalaya"/>
-      <a:font script="Thaa" typeface="MV Boli"/>
-      <a:font script="Deva" typeface="Mangal"/>
-      <a:font script="Telu" typeface="Gautami"/>
-      <a:font script="Taml" typeface="Latha"/>
-      <a:font script="Syrc" typeface="Estrangelo Edessa"/>
-      <a:font script="Orya" typeface="Kalinga"/>
-      <a:font script="Mlym" typeface="Kartika"/>
-      <a:font script="Laoo" typeface="DokChampa"/>
-      <a:font script="Sinh" typeface="Iskoola Pota"/>
-      <a:font script="Mong" typeface="Mongolian Baiti"/>
-      <a:font script="Viet" typeface="Times New Roman"/>
-      <a:font script="Uigh" typeface="Microsoft Uighur"/>
-      <a:font script="Geor" typeface="Sylfaen"/>
-    </a:majorFont>
-    <a:minorFont>
-      <a:latin typeface="Calibri"/>
-      <a:ea typeface=""/>
-      <a:cs typeface=""/>
-      <a:font script="Jpan" typeface="ＭＳ Ｐゴシック"/>
-      <a:font script="Hang" typeface="맑은 고딕"/>
-      <a:font script="Hans" typeface="宋体"/>
-      <a:font script="Hant" typeface="新細明體"/>
-      <a:font script="Arab" typeface="Arial"/>
-      <a:font script="Hebr" typeface="Arial"/>
-      <a:font script="Thai" typeface="Cordia New"/>
-      <a:font script="Ethi" typeface="Nyala"/>
-      <a:font script="Beng" typeface="Vrinda"/>
-      <a:font script="Gujr" typeface="Shruti"/>
-      <a:font script="Khmr" typeface="DaunPenh"/>
-      <a:font script="Knda" typeface="Tunga"/>
-      <a:font script="Guru" typeface="Raavi"/>
-      <a:font script="Cans" typeface="Euphemia"/>
-      <a:font script="Cher" typeface="Plantagenet Cherokee"/>
-      <a:font script="Yiii" typeface="Microsoft Yi Baiti"/>
-      <a:font script="Tibt" typeface="Microsoft Himalaya"/>
-      <a:font script="Thaa" typeface="MV Boli"/>
-      <a:font script="Deva" typeface="Mangal"/>
-      <a:font script="Telu" typeface="Gautami"/>
-      <a:font script="Taml" typeface="Latha"/>
-      <a:font script="Syrc" typeface="Estrangelo Edessa"/>
-      <a:font script="Orya" typeface="Kalinga"/>
-      <a:font script="Mlym" typeface="Kartika"/>
-      <a:font script="Laoo" typeface="DokChampa"/>
-      <a:font script="Sinh" typeface="Iskoola Pota"/>
-      <a:font script="Mong" typeface="Mongolian Baiti"/>
-      <a:font script="Viet" typeface="Arial"/>
-      <a:font script="Uigh" typeface="Microsoft Uighur"/>
-      <a:font script="Geor" typeface="Sylfaen"/>
-    </a:minorFont>
-  </a:fontScheme>
-  <a:fmtScheme name="Office">
-    <a:fillStyleLst>
-      <a:solidFill>
-        <a:schemeClr val="phClr"/>
-      </a:solidFill>
-      <a:gradFill rotWithShape="1">
-        <a:gsLst>
-          <a:gs pos="0">
-            <a:schemeClr val="phClr">
-              <a:tint val="50000"/>
-              <a:satMod val="300000"/>
-            </a:schemeClr>
-          </a:gs>
-          <a:gs pos="35000">
-            <a:schemeClr val="phClr">
-              <a:tint val="37000"/>
-              <a:satMod val="300000"/>
-            </a:schemeClr>
-          </a:gs>
-          <a:gs pos="100000">
-            <a:schemeClr val="phClr">
-              <a:tint val="15000"/>
-              <a:satMod val="350000"/>
-            </a:schemeClr>
-          </a:gs>
-        </a:gsLst>
-        <a:lin ang="16200000" scaled="1"/>
-      </a:gradFill>
-      <a:gradFill rotWithShape="1">
-        <a:gsLst>
-          <a:gs pos="0">
-            <a:schemeClr val="phClr">
-              <a:shade val="51000"/>
-              <a:satMod val="130000"/>
-            </a:schemeClr>
-          </a:gs>
-          <a:gs pos="80000">
-            <a:schemeClr val="phClr">
-              <a:shade val="93000"/>
-              <a:satMod val="130000"/>
-            </a:schemeClr>
-          </a:gs>
-          <a:gs pos="100000">
-            <a:schemeClr val="phClr">
-              <a:shade val="94000"/>
-              <a:satMod val="135000"/>
-            </a:schemeClr>
-          </a:gs>
-        </a:gsLst>
-        <a:lin ang="16200000" scaled="0"/>
-      </a:gradFill>
-    </a:fillStyleLst>
-    <a:lnStyleLst>
-      <a:ln w="9525" cap="flat" cmpd="sng" algn="ctr">
-        <a:solidFill>
-          <a:schemeClr val="phClr">
-            <a:shade val="95000"/>
-            <a:satMod val="105000"/>
-          </a:schemeClr>
-        </a:solidFill>
-        <a:prstDash val="solid"/>
-      </a:ln>
-      <a:ln w="25400" cap="flat" cmpd="sng" algn="ctr">
-        <a:solidFill>
-          <a:schemeClr val="phClr"/>
-        </a:solidFill>
-        <a:prstDash val="solid"/>
-      </a:ln>
-      <a:ln w="38100" cap="flat" cmpd="sng" algn="ctr">
-        <a:solidFill>
-          <a:schemeClr val="phClr"/>
-        </a:solidFill>
-        <a:prstDash val="solid"/>
-      </a:ln>
-    </a:lnStyleLst>
-    <a:effectStyleLst>
-      <a:effectStyle>
-        <a:effectLst>
-          <a:outerShdw blurRad="40000" dist="20000" dir="5400000" rotWithShape="0">
-            <a:srgbClr val="000000">
-              <a:alpha val="38000"/>
-            </a:srgbClr>
-          </a:outerShdw>
-        </a:effectLst>
-      </a:effectStyle>
-      <a:effectStyle>
-        <a:effectLst>
-          <a:outerShdw blurRad="40000" dist="23000" dir="5400000" rotWithShape="0">
-            <a:srgbClr val="000000">
-              <a:alpha val="35000"/>
-            </a:srgbClr>
-          </a:outerShdw>
-        </a:effectLst>
-      </a:effectStyle>
-      <a:effectStyle>
-        <a:effectLst>
-          <a:outerShdw blurRad="40000" dist="23000" dir="5400000" rotWithShape="0">
-            <a:srgbClr val="000000">
-              <a:alpha val="35000"/>
-            </a:srgbClr>
-          </a:outerShdw>
-        </a:effectLst>
-        <a:scene3d>
-          <a:camera prst="orthographicFront">
-            <a:rot lat="0" lon="0" rev="0"/>
-          </a:camera>
-          <a:lightRig rig="threePt" dir="t">
-            <a:rot lat="0" lon="0" rev="1200000"/>
-          </a:lightRig>
-        </a:scene3d>
-        <a:sp3d>
-          <a:bevelT w="63500" h="25400"/>
-        </a:sp3d>
-      </a:effectStyle>
-    </a:effectStyleLst>
-    <a:bgFillStyleLst>
-      <a:solidFill>
-        <a:schemeClr val="phClr"/>
-      </a:solidFill>
-      <a:gradFill rotWithShape="1">
-        <a:gsLst>
-          <a:gs pos="0">
-            <a:schemeClr val="phClr">
-              <a:tint val="40000"/>
-              <a:satMod val="350000"/>
-            </a:schemeClr>
-          </a:gs>
-          <a:gs pos="40000">
-            <a:schemeClr val="phClr">
-              <a:tint val="45000"/>
-              <a:shade val="99000"/>
-              <a:satMod val="350000"/>
-            </a:schemeClr>
-          </a:gs>
-          <a:gs pos="100000">
-            <a:schemeClr val="phClr">
-              <a:shade val="20000"/>
-              <a:satMod val="255000"/>
-            </a:schemeClr>
-          </a:gs>
-        </a:gsLst>
-        <a:path path="circle">
-          <a:fillToRect l="50000" t="-80000" r="50000" b="180000"/>
-        </a:path>
-      </a:gradFill>
-      <a:gradFill rotWithShape="1">
-        <a:gsLst>
-          <a:gs pos="0">
-            <a:schemeClr val="phClr">
-              <a:tint val="80000"/>
-              <a:satMod val="300000"/>
-            </a:schemeClr>
-          </a:gs>
-          <a:gs pos="100000">
-            <a:schemeClr val="phClr">
-              <a:shade val="30000"/>
-              <a:satMod val="200000"/>
-            </a:schemeClr>
-          </a:gs>
-        </a:gsLst>
-        <a:path path="circle">
-          <a:fillToRect l="50000" t="50000" r="50000" b="50000"/>
-        </a:path>
-      </a:gradFill>
-    </a:bgFillStyleLst>
-  </a:fmtScheme>
-</a:themeOverride>
-</file>
-
 <file path=customXml/item1.xml><?xml version="1.0" encoding="utf-8"?>
 <Control xmlns="http://schemas.microsoft.com/VisualStudio/2011/storyboarding/control">
-  <Id Name="System.Storyboarding.Common.SearchBox" Revision="1" Stencil="System.Storyboarding.Common" StencilVersion="0.1"/>
+  <Id Name="System.Storyboarding.Common.CheckBoxChecked" Revision="1" Stencil="System.Storyboarding.Common" StencilVersion="0.1"/>
 </Control>
 </file>
 
 <file path=customXml/item10.xml><?xml version="1.0" encoding="utf-8"?>
 <Control xmlns="http://schemas.microsoft.com/VisualStudio/2011/storyboarding/control">
-  <Id Name="System.Storyboarding.Common.Button" Revision="1" Stencil="System.Storyboarding.Common" StencilVersion="0.1"/>
+  <Id Name="System.Storyboarding.Icons.Warning" Revision="1" Stencil="System.Storyboarding.Icons" StencilVersion="0.1"/>
 </Control>
 </file>
 
 <file path=customXml/item100.xml><?xml version="1.0" encoding="utf-8"?>
 <Control xmlns="http://schemas.microsoft.com/VisualStudio/2011/storyboarding/control">
-  <Id Name="System.Storyboarding.Common.Text" Revision="1" Stencil="System.Storyboarding.Common" StencilVersion="0.1"/>
+  <Id Name="System.Storyboarding.Common.Button" Revision="1" Stencil="System.Storyboarding.Common" StencilVersion="0.1"/>
 </Control>
 </file>
 
@@ -27438,43 +26009,43 @@
 
 <file path=customXml/item103.xml><?xml version="1.0" encoding="utf-8"?>
 <Control xmlns="http://schemas.microsoft.com/VisualStudio/2011/storyboarding/control">
-  <Id Name="System.Storyboarding.Common.CheckBoxChecked" Revision="1" Stencil="System.Storyboarding.Common" StencilVersion="0.1"/>
+  <Id Name="System.Storyboarding.Common.SearchBox" Revision="1" Stencil="System.Storyboarding.Common" StencilVersion="0.1"/>
 </Control>
 </file>
 
 <file path=customXml/item104.xml><?xml version="1.0" encoding="utf-8"?>
 <Control xmlns="http://schemas.microsoft.com/VisualStudio/2011/storyboarding/control">
-  <Id Name="System.Storyboarding.Common.CheckBoxChecked" Revision="1" Stencil="System.Storyboarding.Common" StencilVersion="0.1"/>
+  <Id Name="System.Storyboarding.Common.TextInput" Revision="1" Stencil="System.Storyboarding.Common" StencilVersion="0.1"/>
 </Control>
 </file>
 
 <file path=customXml/item105.xml><?xml version="1.0" encoding="utf-8"?>
+<Control xmlns="http://schemas.microsoft.com/VisualStudio/2011/storyboarding/control">
+  <Id Name="System.Storyboarding.Common.TextInput" Revision="1" Stencil="System.Storyboarding.Common" StencilVersion="0.1"/>
+</Control>
+</file>
+
+<file path=customXml/item106.xml><?xml version="1.0" encoding="utf-8"?>
+<Control xmlns="http://schemas.microsoft.com/VisualStudio/2011/storyboarding/control">
+  <Id Name="System.Storyboarding.Common.ScrollbarVertical" Revision="1" Stencil="System.Storyboarding.Common" StencilVersion="0.1"/>
+</Control>
+</file>
+
+<file path=customXml/item107.xml><?xml version="1.0" encoding="utf-8"?>
+<Control xmlns="http://schemas.microsoft.com/VisualStudio/2011/storyboarding/control">
+  <Id Name="System.Storyboarding.Backgrounds.WebBrowser" Revision="1" Stencil="System.Storyboarding.Backgrounds" StencilVersion="0.1"/>
+</Control>
+</file>
+
+<file path=customXml/item108.xml><?xml version="1.0" encoding="utf-8"?>
 <Control xmlns="http://schemas.microsoft.com/VisualStudio/2011/storyboarding/control">
   <Id Name="System.Storyboarding.Common.Button" Revision="1" Stencil="System.Storyboarding.Common" StencilVersion="0.1"/>
 </Control>
 </file>
 
-<file path=customXml/item106.xml><?xml version="1.0" encoding="utf-8"?>
-<Control xmlns="http://schemas.microsoft.com/VisualStudio/2011/storyboarding/control">
-  <Id Name="System.Storyboarding.Common.CheckBoxChecked" Revision="1" Stencil="System.Storyboarding.Common" StencilVersion="0.1"/>
-</Control>
-</file>
-
-<file path=customXml/item107.xml><?xml version="1.0" encoding="utf-8"?>
-<Control xmlns="http://schemas.microsoft.com/VisualStudio/2011/storyboarding/control">
-  <Id Name="System.Storyboarding.Common.CheckBoxChecked" Revision="1" Stencil="System.Storyboarding.Common" StencilVersion="0.1"/>
-</Control>
-</file>
-
-<file path=customXml/item108.xml><?xml version="1.0" encoding="utf-8"?>
-<Control xmlns="http://schemas.microsoft.com/VisualStudio/2011/storyboarding/control">
-  <Id Name="System.Storyboarding.Common.TextInput" Revision="1" Stencil="System.Storyboarding.Common" StencilVersion="0.1"/>
-</Control>
-</file>
-
 <file path=customXml/item109.xml><?xml version="1.0" encoding="utf-8"?>
 <Control xmlns="http://schemas.microsoft.com/VisualStudio/2011/storyboarding/control">
-  <Id Name="System.Storyboarding.Common.CheckBoxChecked" Revision="1" Stencil="System.Storyboarding.Common" StencilVersion="0.1"/>
+  <Id Name="System.Storyboarding.Common.Button" Revision="1" Stencil="System.Storyboarding.Common" StencilVersion="0.1"/>
 </Control>
 </file>
 
@@ -27498,7 +26069,7 @@
 
 <file path=customXml/item112.xml><?xml version="1.0" encoding="utf-8"?>
 <Control xmlns="http://schemas.microsoft.com/VisualStudio/2011/storyboarding/control">
-  <Id Name="System.Storyboarding.Common.TextInput" Revision="1" Stencil="System.Storyboarding.Common" StencilVersion="0.1"/>
+  <Id Name="System.Storyboarding.Common.Button" Revision="1" Stencil="System.Storyboarding.Common" StencilVersion="0.1"/>
 </Control>
 </file>
 
@@ -27510,13 +26081,13 @@
 
 <file path=customXml/item114.xml><?xml version="1.0" encoding="utf-8"?>
 <Control xmlns="http://schemas.microsoft.com/VisualStudio/2011/storyboarding/control">
-  <Id Name="System.Storyboarding.Common.TextInput" Revision="1" Stencil="System.Storyboarding.Common" StencilVersion="0.1"/>
+  <Id Name="System.Storyboarding.Common.SearchBox" Revision="1" Stencil="System.Storyboarding.Common" StencilVersion="0.1"/>
 </Control>
 </file>
 
 <file path=customXml/item115.xml><?xml version="1.0" encoding="utf-8"?>
 <Control xmlns="http://schemas.microsoft.com/VisualStudio/2011/storyboarding/control">
-  <Id Name="System.Storyboarding.Common.TextInput" Revision="1" Stencil="System.Storyboarding.Common" StencilVersion="0.1"/>
+  <Id Name="System.Storyboarding.Common.CheckBoxChecked" Revision="1" Stencil="System.Storyboarding.Common" StencilVersion="0.1"/>
 </Control>
 </file>
 
@@ -27540,13 +26111,13 @@
 
 <file path=customXml/item119.xml><?xml version="1.0" encoding="utf-8"?>
 <Control xmlns="http://schemas.microsoft.com/VisualStudio/2011/storyboarding/control">
-  <Id Name="System.Storyboarding.Common.TextInput" Revision="1" Stencil="System.Storyboarding.Common" StencilVersion="0.1"/>
+  <Id Name="System.Storyboarding.Common.Text" Revision="1" Stencil="System.Storyboarding.Common" StencilVersion="0.1"/>
 </Control>
 </file>
 
 <file path=customXml/item12.xml><?xml version="1.0" encoding="utf-8"?>
 <Control xmlns="http://schemas.microsoft.com/VisualStudio/2011/storyboarding/control">
-  <Id Name="System.Storyboarding.Common.Text" Revision="1" Stencil="System.Storyboarding.Common" StencilVersion="0.1"/>
+  <Id Name="System.Storyboarding.Common.CheckBoxChecked" Revision="1" Stencil="System.Storyboarding.Common" StencilVersion="0.1"/>
 </Control>
 </file>
 
@@ -27558,7 +26129,7 @@
 
 <file path=customXml/item121.xml><?xml version="1.0" encoding="utf-8"?>
 <Control xmlns="http://schemas.microsoft.com/VisualStudio/2011/storyboarding/control">
-  <Id Name="System.Storyboarding.Common.TextInput" Revision="1" Stencil="System.Storyboarding.Common" StencilVersion="0.1"/>
+  <Id Name="System.Storyboarding.Common.Button" Revision="1" Stencil="System.Storyboarding.Common" StencilVersion="0.1"/>
 </Control>
 </file>
 
@@ -27570,31 +26141,31 @@
 
 <file path=customXml/item123.xml><?xml version="1.0" encoding="utf-8"?>
 <Control xmlns="http://schemas.microsoft.com/VisualStudio/2011/storyboarding/control">
+  <Id Name="System.Storyboarding.Common.CheckBoxUnchecked" Revision="1" Stencil="System.Storyboarding.Common" StencilVersion="0.1"/>
+</Control>
+</file>
+
+<file path=customXml/item124.xml><?xml version="1.0" encoding="utf-8"?>
+<Control xmlns="http://schemas.microsoft.com/VisualStudio/2011/storyboarding/control">
   <Id Name="System.Storyboarding.Common.TextInput" Revision="1" Stencil="System.Storyboarding.Common" StencilVersion="0.1"/>
 </Control>
 </file>
 
-<file path=customXml/item124.xml><?xml version="1.0" encoding="utf-8"?>
+<file path=customXml/item125.xml><?xml version="1.0" encoding="utf-8"?>
+<Control xmlns="http://schemas.microsoft.com/VisualStudio/2011/storyboarding/control">
+  <Id Name="System.Storyboarding.WindowsAppIcons.Check" Revision="1" Stencil="System.Storyboarding.WindowsAppIcons" StencilVersion="0.1"/>
+</Control>
+</file>
+
+<file path=customXml/item126.xml><?xml version="1.0" encoding="utf-8"?>
 <Control xmlns="http://schemas.microsoft.com/VisualStudio/2011/storyboarding/control">
   <Id Name="System.Storyboarding.Common.CheckBoxChecked" Revision="1" Stencil="System.Storyboarding.Common" StencilVersion="0.1"/>
 </Control>
 </file>
 
-<file path=customXml/item125.xml><?xml version="1.0" encoding="utf-8"?>
-<Control xmlns="http://schemas.microsoft.com/VisualStudio/2011/storyboarding/control">
-  <Id Name="System.Storyboarding.Common.CheckBoxUnchecked" Revision="1" Stencil="System.Storyboarding.Common" StencilVersion="0.1"/>
-</Control>
-</file>
-
-<file path=customXml/item126.xml><?xml version="1.0" encoding="utf-8"?>
-<Control xmlns="http://schemas.microsoft.com/VisualStudio/2011/storyboarding/control">
-  <Id Name="System.Storyboarding.Common.Button" Revision="1" Stencil="System.Storyboarding.Common" StencilVersion="0.1"/>
-</Control>
-</file>
-
 <file path=customXml/item127.xml><?xml version="1.0" encoding="utf-8"?>
 <Control xmlns="http://schemas.microsoft.com/VisualStudio/2011/storyboarding/control">
-  <Id Name="System.Storyboarding.Common.TextInput" Revision="1" Stencil="System.Storyboarding.Common" StencilVersion="0.1"/>
+  <Id Name="System.Storyboarding.Common.SearchBox" Revision="1" Stencil="System.Storyboarding.Common" StencilVersion="0.1"/>
 </Control>
 </file>
 
@@ -27606,7 +26177,7 @@
 
 <file path=customXml/item129.xml><?xml version="1.0" encoding="utf-8"?>
 <Control xmlns="http://schemas.microsoft.com/VisualStudio/2011/storyboarding/control">
-  <Id Name="System.Storyboarding.Common.CheckBoxChecked" Revision="1" Stencil="System.Storyboarding.Common" StencilVersion="0.1"/>
+  <Id Name="System.Storyboarding.Common.TextInput" Revision="1" Stencil="System.Storyboarding.Common" StencilVersion="0.1"/>
 </Control>
 </file>
 
@@ -27618,7 +26189,7 @@
 
 <file path=customXml/item130.xml><?xml version="1.0" encoding="utf-8"?>
 <Control xmlns="http://schemas.microsoft.com/VisualStudio/2011/storyboarding/control">
-  <Id Name="System.Storyboarding.Common.TextInput" Revision="1" Stencil="System.Storyboarding.Common" StencilVersion="0.1"/>
+  <Id Name="System.Storyboarding.Common.ScrollbarVertical" Revision="1" Stencil="System.Storyboarding.Common" StencilVersion="0.1"/>
 </Control>
 </file>
 
@@ -27630,19 +26201,19 @@
 
 <file path=customXml/item132.xml><?xml version="1.0" encoding="utf-8"?>
 <Control xmlns="http://schemas.microsoft.com/VisualStudio/2011/storyboarding/control">
-  <Id Name="System.Storyboarding.Media.VerticalBarChart" Revision="1" Stencil="System.Storyboarding.Media" StencilVersion="0.1"/>
+  <Id Name="System.Storyboarding.Common.TextInput" Revision="1" Stencil="System.Storyboarding.Common" StencilVersion="0.1"/>
 </Control>
 </file>
 
 <file path=customXml/item133.xml><?xml version="1.0" encoding="utf-8"?>
 <Control xmlns="http://schemas.microsoft.com/VisualStudio/2011/storyboarding/control">
-  <Id Name="System.Storyboarding.Common.TextInput" Revision="1" Stencil="System.Storyboarding.Common" StencilVersion="0.1"/>
+  <Id Name="System.Storyboarding.Media.PieChart" Revision="1" Stencil="System.Storyboarding.Media" StencilVersion="0.1"/>
 </Control>
 </file>
 
 <file path=customXml/item134.xml><?xml version="1.0" encoding="utf-8"?>
 <Control xmlns="http://schemas.microsoft.com/VisualStudio/2011/storyboarding/control">
-  <Id Name="System.Storyboarding.Common.Text" Revision="1" Stencil="System.Storyboarding.Common" StencilVersion="0.1"/>
+  <Id Name="System.Storyboarding.Common.TextInput" Revision="1" Stencil="System.Storyboarding.Common" StencilVersion="0.1"/>
 </Control>
 </file>
 
@@ -27654,19 +26225,19 @@
 
 <file path=customXml/item136.xml><?xml version="1.0" encoding="utf-8"?>
 <Control xmlns="http://schemas.microsoft.com/VisualStudio/2011/storyboarding/control">
-  <Id Name="System.Storyboarding.Common.SearchBox" Revision="1" Stencil="System.Storyboarding.Common" StencilVersion="0.1"/>
+  <Id Name="System.Storyboarding.Common.TextInput" Revision="1" Stencil="System.Storyboarding.Common" StencilVersion="0.1"/>
 </Control>
 </file>
 
 <file path=customXml/item137.xml><?xml version="1.0" encoding="utf-8"?>
 <Control xmlns="http://schemas.microsoft.com/VisualStudio/2011/storyboarding/control">
-  <Id Name="System.Storyboarding.Common.TextInput" Revision="1" Stencil="System.Storyboarding.Common" StencilVersion="0.1"/>
+  <Id Name="System.Storyboarding.Common.Button" Revision="1" Stencil="System.Storyboarding.Common" StencilVersion="0.1"/>
 </Control>
 </file>
 
 <file path=customXml/item138.xml><?xml version="1.0" encoding="utf-8"?>
 <Control xmlns="http://schemas.microsoft.com/VisualStudio/2011/storyboarding/control">
-  <Id Name="System.Storyboarding.Common.CheckBoxChecked" Revision="1" Stencil="System.Storyboarding.Common" StencilVersion="0.1"/>
+  <Id Name="System.Storyboarding.Common.TextInput" Revision="1" Stencil="System.Storyboarding.Common" StencilVersion="0.1"/>
 </Control>
 </file>
 
@@ -27678,13 +26249,13 @@
 
 <file path=customXml/item14.xml><?xml version="1.0" encoding="utf-8"?>
 <Control xmlns="http://schemas.microsoft.com/VisualStudio/2011/storyboarding/control">
-  <Id Name="System.Storyboarding.Common.SearchBox" Revision="1" Stencil="System.Storyboarding.Common" StencilVersion="0.1"/>
+  <Id Name="System.Storyboarding.Common.Text" Revision="1" Stencil="System.Storyboarding.Common" StencilVersion="0.1"/>
 </Control>
 </file>
 
 <file path=customXml/item140.xml><?xml version="1.0" encoding="utf-8"?>
 <Control xmlns="http://schemas.microsoft.com/VisualStudio/2011/storyboarding/control">
-  <Id Name="System.Storyboarding.Common.TextInput" Revision="1" Stencil="System.Storyboarding.Common" StencilVersion="0.1"/>
+  <Id Name="System.Storyboarding.Common.Button" Revision="1" Stencil="System.Storyboarding.Common" StencilVersion="0.1"/>
 </Control>
 </file>
 
@@ -27696,7 +26267,7 @@
 
 <file path=customXml/item142.xml><?xml version="1.0" encoding="utf-8"?>
 <Control xmlns="http://schemas.microsoft.com/VisualStudio/2011/storyboarding/control">
-  <Id Name="System.Storyboarding.Common.ScrollbarVertical" Revision="1" Stencil="System.Storyboarding.Common" StencilVersion="0.1"/>
+  <Id Name="System.Storyboarding.Common.TextInput" Revision="1" Stencil="System.Storyboarding.Common" StencilVersion="0.1"/>
 </Control>
 </file>
 
@@ -27708,19 +26279,19 @@
 
 <file path=customXml/item144.xml><?xml version="1.0" encoding="utf-8"?>
 <Control xmlns="http://schemas.microsoft.com/VisualStudio/2011/storyboarding/control">
-  <Id Name="System.Storyboarding.Common.TextInput" Revision="1" Stencil="System.Storyboarding.Common" StencilVersion="0.1"/>
+  <Id Name="System.Storyboarding.Common.Button" Revision="1" Stencil="System.Storyboarding.Common" StencilVersion="0.1"/>
 </Control>
 </file>
 
 <file path=customXml/item145.xml><?xml version="1.0" encoding="utf-8"?>
 <Control xmlns="http://schemas.microsoft.com/VisualStudio/2011/storyboarding/control">
-  <Id Name="System.Storyboarding.Common.TextInput" Revision="1" Stencil="System.Storyboarding.Common" StencilVersion="0.1"/>
+  <Id Name="System.Storyboarding.Common.Button" Revision="1" Stencil="System.Storyboarding.Common" StencilVersion="0.1"/>
 </Control>
 </file>
 
 <file path=customXml/item146.xml><?xml version="1.0" encoding="utf-8"?>
 <Control xmlns="http://schemas.microsoft.com/VisualStudio/2011/storyboarding/control">
-  <Id Name="System.Storyboarding.Common.CheckBoxChecked" Revision="1" Stencil="System.Storyboarding.Common" StencilVersion="0.1"/>
+  <Id Name="System.Storyboarding.Common.TextInput" Revision="1" Stencil="System.Storyboarding.Common" StencilVersion="0.1"/>
 </Control>
 </file>
 
@@ -27732,25 +26303,25 @@
 
 <file path=customXml/item148.xml><?xml version="1.0" encoding="utf-8"?>
 <Control xmlns="http://schemas.microsoft.com/VisualStudio/2011/storyboarding/control">
-  <Id Name="System.Storyboarding.Common.CheckBoxChecked" Revision="1" Stencil="System.Storyboarding.Common" StencilVersion="0.1"/>
+  <Id Name="System.Storyboarding.Common.TextInput" Revision="1" Stencil="System.Storyboarding.Common" StencilVersion="0.1"/>
 </Control>
 </file>
 
 <file path=customXml/item149.xml><?xml version="1.0" encoding="utf-8"?>
+<Control xmlns="http://schemas.microsoft.com/VisualStudio/2011/storyboarding/control">
+  <Id Name="System.Storyboarding.Common.Button" Revision="1" Stencil="System.Storyboarding.Common" StencilVersion="0.1"/>
+</Control>
+</file>
+
+<file path=customXml/item15.xml><?xml version="1.0" encoding="utf-8"?>
 <Control xmlns="http://schemas.microsoft.com/VisualStudio/2011/storyboarding/control">
   <Id Name="System.Storyboarding.Common.TextInput" Revision="1" Stencil="System.Storyboarding.Common" StencilVersion="0.1"/>
 </Control>
 </file>
 
-<file path=customXml/item15.xml><?xml version="1.0" encoding="utf-8"?>
+<file path=customXml/item150.xml><?xml version="1.0" encoding="utf-8"?>
 <Control xmlns="http://schemas.microsoft.com/VisualStudio/2011/storyboarding/control">
   <Id Name="System.Storyboarding.Common.Text" Revision="1" Stencil="System.Storyboarding.Common" StencilVersion="0.1"/>
-</Control>
-</file>
-
-<file path=customXml/item150.xml><?xml version="1.0" encoding="utf-8"?>
-<Control xmlns="http://schemas.microsoft.com/VisualStudio/2011/storyboarding/control">
-  <Id Name="System.Storyboarding.Common.TextInput" Revision="1" Stencil="System.Storyboarding.Common" StencilVersion="0.1"/>
 </Control>
 </file>
 
@@ -27762,7 +26333,7 @@
 
 <file path=customXml/item152.xml><?xml version="1.0" encoding="utf-8"?>
 <Control xmlns="http://schemas.microsoft.com/VisualStudio/2011/storyboarding/control">
-  <Id Name="System.Storyboarding.Common.Button" Revision="1" Stencil="System.Storyboarding.Common" StencilVersion="0.1"/>
+  <Id Name="System.Storyboarding.Common.TextInput" Revision="1" Stencil="System.Storyboarding.Common" StencilVersion="0.1"/>
 </Control>
 </file>
 
@@ -27774,7 +26345,7 @@
 
 <file path=customXml/item154.xml><?xml version="1.0" encoding="utf-8"?>
 <Control xmlns="http://schemas.microsoft.com/VisualStudio/2011/storyboarding/control">
-  <Id Name="System.Storyboarding.Annotation.StickyNote" Revision="1" Stencil="System.Storyboarding.Annotation" StencilVersion="0.1"/>
+  <Id Name="System.Storyboarding.Common.CheckBoxChecked" Revision="1" Stencil="System.Storyboarding.Common" StencilVersion="0.1"/>
 </Control>
 </file>
 
@@ -27786,43 +26357,43 @@
 
 <file path=customXml/item156.xml><?xml version="1.0" encoding="utf-8"?>
 <Control xmlns="http://schemas.microsoft.com/VisualStudio/2011/storyboarding/control">
-  <Id Name="System.Storyboarding.Common.Text" Revision="1" Stencil="System.Storyboarding.Common" StencilVersion="0.1"/>
+  <Id Name="System.Storyboarding.Common.Button" Revision="1" Stencil="System.Storyboarding.Common" StencilVersion="0.1"/>
 </Control>
 </file>
 
 <file path=customXml/item157.xml><?xml version="1.0" encoding="utf-8"?>
 <Control xmlns="http://schemas.microsoft.com/VisualStudio/2011/storyboarding/control">
-  <Id Name="System.Storyboarding.Common.TextInput" Revision="1" Stencil="System.Storyboarding.Common" StencilVersion="0.1"/>
+  <Id Name="System.Storyboarding.Annotation.StickyNote" Revision="1" Stencil="System.Storyboarding.Annotation" StencilVersion="0.1"/>
 </Control>
 </file>
 
 <file path=customXml/item158.xml><?xml version="1.0" encoding="utf-8"?>
+<Control xmlns="http://schemas.microsoft.com/VisualStudio/2011/storyboarding/control">
+  <Id Name="System.Storyboarding.Common.ScrollbarVertical" Revision="1" Stencil="System.Storyboarding.Common" StencilVersion="0.1"/>
+</Control>
+</file>
+
+<file path=customXml/item159.xml><?xml version="1.0" encoding="utf-8"?>
+<Control xmlns="http://schemas.microsoft.com/VisualStudio/2011/storyboarding/control">
+  <Id Name="System.Storyboarding.Common.ScrollbarVertical" Revision="1" Stencil="System.Storyboarding.Common" StencilVersion="0.1"/>
+</Control>
+</file>
+
+<file path=customXml/item16.xml><?xml version="1.0" encoding="utf-8"?>
+<Control xmlns="http://schemas.microsoft.com/VisualStudio/2011/storyboarding/control">
+  <Id Name="System.Storyboarding.Common.CheckBoxChecked" Revision="1" Stencil="System.Storyboarding.Common" StencilVersion="0.1"/>
+</Control>
+</file>
+
+<file path=customXml/item160.xml><?xml version="1.0" encoding="utf-8"?>
 <Control xmlns="http://schemas.microsoft.com/VisualStudio/2011/storyboarding/control">
   <Id Name="System.Storyboarding.Common.Button" Revision="1" Stencil="System.Storyboarding.Common" StencilVersion="0.1"/>
 </Control>
 </file>
 
-<file path=customXml/item159.xml><?xml version="1.0" encoding="utf-8"?>
-<Control xmlns="http://schemas.microsoft.com/VisualStudio/2011/storyboarding/control">
-  <Id Name="System.Storyboarding.Common.CheckBoxUnchecked" Revision="1" Stencil="System.Storyboarding.Common" StencilVersion="0.1"/>
-</Control>
-</file>
-
-<file path=customXml/item16.xml><?xml version="1.0" encoding="utf-8"?>
-<Control xmlns="http://schemas.microsoft.com/VisualStudio/2011/storyboarding/control">
-  <Id Name="System.Storyboarding.Common.TextInput" Revision="1" Stencil="System.Storyboarding.Common" StencilVersion="0.1"/>
-</Control>
-</file>
-
-<file path=customXml/item160.xml><?xml version="1.0" encoding="utf-8"?>
-<Control xmlns="http://schemas.microsoft.com/VisualStudio/2011/storyboarding/control">
-  <Id Name="System.Storyboarding.Icons.Warning" Revision="1" Stencil="System.Storyboarding.Icons" StencilVersion="0.1"/>
-</Control>
-</file>
-
 <file path=customXml/item161.xml><?xml version="1.0" encoding="utf-8"?>
 <Control xmlns="http://schemas.microsoft.com/VisualStudio/2011/storyboarding/control">
-  <Id Name="System.Storyboarding.Common.TextInput" Revision="1" Stencil="System.Storyboarding.Common" StencilVersion="0.1"/>
+  <Id Name="System.Storyboarding.Common.ScrollbarVertical" Revision="1" Stencil="System.Storyboarding.Common" StencilVersion="0.1"/>
 </Control>
 </file>
 
@@ -27840,37 +26411,37 @@
 
 <file path=customXml/item164.xml><?xml version="1.0" encoding="utf-8"?>
 <Control xmlns="http://schemas.microsoft.com/VisualStudio/2011/storyboarding/control">
-  <Id Name="System.Storyboarding.Common.Button" Revision="1" Stencil="System.Storyboarding.Common" StencilVersion="0.1"/>
+  <Id Name="System.Storyboarding.Common.TextInput" Revision="1" Stencil="System.Storyboarding.Common" StencilVersion="0.1"/>
 </Control>
 </file>
 
 <file path=customXml/item165.xml><?xml version="1.0" encoding="utf-8"?>
-<Control xmlns="http://schemas.microsoft.com/VisualStudio/2011/storyboarding/control">
-  <Id Name="System.Storyboarding.Common.ScrollbarVertical" Revision="1" Stencil="System.Storyboarding.Common" StencilVersion="0.1"/>
-</Control>
-</file>
-
-<file path=customXml/item166.xml><?xml version="1.0" encoding="utf-8"?>
-<Control xmlns="http://schemas.microsoft.com/VisualStudio/2011/storyboarding/control">
-  <Id Name="System.Storyboarding.Annotation.StickyNote" Revision="1" Stencil="System.Storyboarding.Annotation" StencilVersion="0.1"/>
-</Control>
-</file>
-
-<file path=customXml/item167.xml><?xml version="1.0" encoding="utf-8"?>
 <Control xmlns="http://schemas.microsoft.com/VisualStudio/2011/storyboarding/control">
   <Id Name="System.Storyboarding.Common.TextInput" Revision="1" Stencil="System.Storyboarding.Common" StencilVersion="0.1"/>
 </Control>
 </file>
 
+<file path=customXml/item166.xml><?xml version="1.0" encoding="utf-8"?>
+<Control xmlns="http://schemas.microsoft.com/VisualStudio/2011/storyboarding/control">
+  <Id Name="System.Storyboarding.Common.CheckBoxChecked" Revision="1" Stencil="System.Storyboarding.Common" StencilVersion="0.1"/>
+</Control>
+</file>
+
+<file path=customXml/item167.xml><?xml version="1.0" encoding="utf-8"?>
+<Control xmlns="http://schemas.microsoft.com/VisualStudio/2011/storyboarding/control">
+  <Id Name="System.Storyboarding.Common.Button" Revision="1" Stencil="System.Storyboarding.Common" StencilVersion="0.1"/>
+</Control>
+</file>
+
 <file path=customXml/item168.xml><?xml version="1.0" encoding="utf-8"?>
 <Control xmlns="http://schemas.microsoft.com/VisualStudio/2011/storyboarding/control">
-  <Id Name="System.Storyboarding.Common.CheckBoxUnchecked" Revision="1" Stencil="System.Storyboarding.Common" StencilVersion="0.1"/>
+  <Id Name="System.Storyboarding.Common.TextInput" Revision="1" Stencil="System.Storyboarding.Common" StencilVersion="0.1"/>
 </Control>
 </file>
 
 <file path=customXml/item169.xml><?xml version="1.0" encoding="utf-8"?>
 <Control xmlns="http://schemas.microsoft.com/VisualStudio/2011/storyboarding/control">
-  <Id Name="System.Storyboarding.Common.TextInput" Revision="1" Stencil="System.Storyboarding.Common" StencilVersion="0.1"/>
+  <Id Name="System.Storyboarding.Common.Text" Revision="1" Stencil="System.Storyboarding.Common" StencilVersion="0.1"/>
 </Control>
 </file>
 
@@ -27882,43 +26453,43 @@
 
 <file path=customXml/item170.xml><?xml version="1.0" encoding="utf-8"?>
 <Control xmlns="http://schemas.microsoft.com/VisualStudio/2011/storyboarding/control">
-  <Id Name="System.Storyboarding.Common.CheckBoxUnchecked" Revision="1" Stencil="System.Storyboarding.Common" StencilVersion="0.1"/>
+  <Id Name="System.Storyboarding.Common.TextInput" Revision="1" Stencil="System.Storyboarding.Common" StencilVersion="0.1"/>
 </Control>
 </file>
 
 <file path=customXml/item171.xml><?xml version="1.0" encoding="utf-8"?>
+<Control xmlns="http://schemas.microsoft.com/VisualStudio/2011/storyboarding/control">
+  <Id Name="System.Storyboarding.Common.Button" Revision="1" Stencil="System.Storyboarding.Common" StencilVersion="0.1"/>
+</Control>
+</file>
+
+<file path=customXml/item172.xml><?xml version="1.0" encoding="utf-8"?>
+<Control xmlns="http://schemas.microsoft.com/VisualStudio/2011/storyboarding/control">
+  <Id Name="System.Storyboarding.Annotation.StickyNote" Revision="1" Stencil="System.Storyboarding.Annotation" StencilVersion="0.1"/>
+</Control>
+</file>
+
+<file path=customXml/item173.xml><?xml version="1.0" encoding="utf-8"?>
+<Control xmlns="http://schemas.microsoft.com/VisualStudio/2011/storyboarding/control">
+  <Id Name="System.Storyboarding.Common.TextInput" Revision="1" Stencil="System.Storyboarding.Common" StencilVersion="0.1"/>
+</Control>
+</file>
+
+<file path=customXml/item174.xml><?xml version="1.0" encoding="utf-8"?>
+<Control xmlns="http://schemas.microsoft.com/VisualStudio/2011/storyboarding/control">
+  <Id Name="System.Storyboarding.Common.Button" Revision="1" Stencil="System.Storyboarding.Common" StencilVersion="0.1"/>
+</Control>
+</file>
+
+<file path=customXml/item175.xml><?xml version="1.0" encoding="utf-8"?>
 <Control xmlns="http://schemas.microsoft.com/VisualStudio/2011/storyboarding/control">
   <Id Name="System.Storyboarding.Common.ScrollbarVertical" Revision="1" Stencil="System.Storyboarding.Common" StencilVersion="0.1"/>
 </Control>
 </file>
 
-<file path=customXml/item172.xml><?xml version="1.0" encoding="utf-8"?>
-<Control xmlns="http://schemas.microsoft.com/VisualStudio/2011/storyboarding/control">
-  <Id Name="System.Storyboarding.Common.CheckBoxChecked" Revision="1" Stencil="System.Storyboarding.Common" StencilVersion="0.1"/>
-</Control>
-</file>
-
-<file path=customXml/item173.xml><?xml version="1.0" encoding="utf-8"?>
-<Control xmlns="http://schemas.microsoft.com/VisualStudio/2011/storyboarding/control">
-  <Id Name="System.Storyboarding.Common.Button" Revision="1" Stencil="System.Storyboarding.Common" StencilVersion="0.1"/>
-</Control>
-</file>
-
-<file path=customXml/item174.xml><?xml version="1.0" encoding="utf-8"?>
+<file path=customXml/item176.xml><?xml version="1.0" encoding="utf-8"?>
 <Control xmlns="http://schemas.microsoft.com/VisualStudio/2011/storyboarding/control">
   <Id Name="System.Storyboarding.Common.TextInput" Revision="1" Stencil="System.Storyboarding.Common" StencilVersion="0.1"/>
-</Control>
-</file>
-
-<file path=customXml/item175.xml><?xml version="1.0" encoding="utf-8"?>
-<Control xmlns="http://schemas.microsoft.com/VisualStudio/2011/storyboarding/control">
-  <Id Name="System.Storyboarding.Common.CheckBoxUnchecked" Revision="1" Stencil="System.Storyboarding.Common" StencilVersion="0.1"/>
-</Control>
-</file>
-
-<file path=customXml/item176.xml><?xml version="1.0" encoding="utf-8"?>
-<Control xmlns="http://schemas.microsoft.com/VisualStudio/2011/storyboarding/control">
-  <Id Name="System.Storyboarding.Common.CheckBoxChecked" Revision="1" Stencil="System.Storyboarding.Common" StencilVersion="0.1"/>
 </Control>
 </file>
 
@@ -27930,13 +26501,13 @@
 
 <file path=customXml/item178.xml><?xml version="1.0" encoding="utf-8"?>
 <Control xmlns="http://schemas.microsoft.com/VisualStudio/2011/storyboarding/control">
-  <Id Name="System.Storyboarding.Common.TextInput" Revision="1" Stencil="System.Storyboarding.Common" StencilVersion="0.1"/>
+  <Id Name="System.Storyboarding.Annotation.StickyNote" Revision="1" Stencil="System.Storyboarding.Annotation" StencilVersion="0.1"/>
 </Control>
 </file>
 
 <file path=customXml/item179.xml><?xml version="1.0" encoding="utf-8"?>
 <Control xmlns="http://schemas.microsoft.com/VisualStudio/2011/storyboarding/control">
-  <Id Name="System.Storyboarding.Common.TextInput" Revision="1" Stencil="System.Storyboarding.Common" StencilVersion="0.1"/>
+  <Id Name="System.Storyboarding.Common.CheckBoxUnchecked" Revision="1" Stencil="System.Storyboarding.Common" StencilVersion="0.1"/>
 </Control>
 </file>
 
@@ -27960,7 +26531,7 @@
 
 <file path=customXml/item182.xml><?xml version="1.0" encoding="utf-8"?>
 <Control xmlns="http://schemas.microsoft.com/VisualStudio/2011/storyboarding/control">
-  <Id Name="System.Storyboarding.Common.ScrollbarVertical" Revision="1" Stencil="System.Storyboarding.Common" StencilVersion="0.1"/>
+  <Id Name="System.Storyboarding.Common.TextInput" Revision="1" Stencil="System.Storyboarding.Common" StencilVersion="0.1"/>
 </Control>
 </file>
 
@@ -27978,157 +26549,133 @@
 
 <file path=customXml/item185.xml><?xml version="1.0" encoding="utf-8"?>
 <Control xmlns="http://schemas.microsoft.com/VisualStudio/2011/storyboarding/control">
-  <Id Name="System.Storyboarding.Common.Text" Revision="1" Stencil="System.Storyboarding.Common" StencilVersion="0.1"/>
+  <Id Name="System.Storyboarding.Common.Button" Revision="1" Stencil="System.Storyboarding.Common" StencilVersion="0.1"/>
 </Control>
 </file>
 
 <file path=customXml/item186.xml><?xml version="1.0" encoding="utf-8"?>
+<Control xmlns="http://schemas.microsoft.com/VisualStudio/2011/storyboarding/control">
+  <Id Name="System.Storyboarding.Common.TextInput" Revision="1" Stencil="System.Storyboarding.Common" StencilVersion="0.1"/>
+</Control>
+</file>
+
+<file path=customXml/item187.xml><?xml version="1.0" encoding="utf-8"?>
+<Control xmlns="http://schemas.microsoft.com/VisualStudio/2011/storyboarding/control">
+  <Id Name="System.Storyboarding.Common.TextInput" Revision="1" Stencil="System.Storyboarding.Common" StencilVersion="0.1"/>
+</Control>
+</file>
+
+<file path=customXml/item188.xml><?xml version="1.0" encoding="utf-8"?>
+<Control xmlns="http://schemas.microsoft.com/VisualStudio/2011/storyboarding/control">
+  <Id Name="System.Storyboarding.Common.TextInput" Revision="1" Stencil="System.Storyboarding.Common" StencilVersion="0.1"/>
+</Control>
+</file>
+
+<file path=customXml/item189.xml><?xml version="1.0" encoding="utf-8"?>
+<Control xmlns="http://schemas.microsoft.com/VisualStudio/2011/storyboarding/control">
+  <Id Name="System.Storyboarding.Common.CheckBoxChecked" Revision="1" Stencil="System.Storyboarding.Common" StencilVersion="0.1"/>
+</Control>
+</file>
+
+<file path=customXml/item19.xml><?xml version="1.0" encoding="utf-8"?>
+<Control xmlns="http://schemas.microsoft.com/VisualStudio/2011/storyboarding/control">
+  <Id Name="System.Storyboarding.Annotation.StickyNote" Revision="1" Stencil="System.Storyboarding.Annotation" StencilVersion="0.1"/>
+</Control>
+</file>
+
+<file path=customXml/item190.xml><?xml version="1.0" encoding="utf-8"?>
+<Control xmlns="http://schemas.microsoft.com/VisualStudio/2011/storyboarding/control">
+  <Id Name="System.Storyboarding.Common.ScrollbarVertical" Revision="1" Stencil="System.Storyboarding.Common" StencilVersion="0.1"/>
+</Control>
+</file>
+
+<file path=customXml/item191.xml><?xml version="1.0" encoding="utf-8"?>
 <Control xmlns="http://schemas.microsoft.com/VisualStudio/2011/storyboarding/control">
   <Id Name="System.Storyboarding.Common.Text" Revision="1" Stencil="System.Storyboarding.Common" StencilVersion="0.1"/>
 </Control>
 </file>
 
-<file path=customXml/item187.xml><?xml version="1.0" encoding="utf-8"?>
+<file path=customXml/item192.xml><?xml version="1.0" encoding="utf-8"?>
+<Control xmlns="http://schemas.microsoft.com/VisualStudio/2011/storyboarding/control">
+  <Id Name="System.Storyboarding.Common.TextInput" Revision="1" Stencil="System.Storyboarding.Common" StencilVersion="0.1"/>
+</Control>
+</file>
+
+<file path=customXml/item193.xml><?xml version="1.0" encoding="utf-8"?>
+<Control xmlns="http://schemas.microsoft.com/VisualStudio/2011/storyboarding/control">
+  <Id Name="System.Storyboarding.Common.CheckBoxChecked" Revision="1" Stencil="System.Storyboarding.Common" StencilVersion="0.1"/>
+</Control>
+</file>
+
+<file path=customXml/item194.xml><?xml version="1.0" encoding="utf-8"?>
+<Control xmlns="http://schemas.microsoft.com/VisualStudio/2011/storyboarding/control">
+  <Id Name="System.Storyboarding.Common.TextInput" Revision="1" Stencil="System.Storyboarding.Common" StencilVersion="0.1"/>
+</Control>
+</file>
+
+<file path=customXml/item195.xml><?xml version="1.0" encoding="utf-8"?>
+<Control xmlns="http://schemas.microsoft.com/VisualStudio/2011/storyboarding/control">
+  <Id Name="System.Storyboarding.Common.TextInput" Revision="1" Stencil="System.Storyboarding.Common" StencilVersion="0.1"/>
+</Control>
+</file>
+
+<file path=customXml/item196.xml><?xml version="1.0" encoding="utf-8"?>
+<Control xmlns="http://schemas.microsoft.com/VisualStudio/2011/storyboarding/control">
+  <Id Name="System.Storyboarding.Common.CheckBoxChecked" Revision="1" Stencil="System.Storyboarding.Common" StencilVersion="0.1"/>
+</Control>
+</file>
+
+<file path=customXml/item197.xml><?xml version="1.0" encoding="utf-8"?>
+<Control xmlns="http://schemas.microsoft.com/VisualStudio/2011/storyboarding/control">
+  <Id Name="System.Storyboarding.Common.CheckBoxUnchecked" Revision="1" Stencil="System.Storyboarding.Common" StencilVersion="0.1"/>
+</Control>
+</file>
+
+<file path=customXml/item198.xml><?xml version="1.0" encoding="utf-8"?>
+<Control xmlns="http://schemas.microsoft.com/VisualStudio/2011/storyboarding/control">
+  <Id Name="System.Storyboarding.Common.CheckBoxUnchecked" Revision="1" Stencil="System.Storyboarding.Common" StencilVersion="0.1"/>
+</Control>
+</file>
+
+<file path=customXml/item199.xml><?xml version="1.0" encoding="utf-8"?>
+<Control xmlns="http://schemas.microsoft.com/VisualStudio/2011/storyboarding/control">
+  <Id Name="System.Storyboarding.Media.HorizontalBarChart" Revision="1" Stencil="System.Storyboarding.Media" StencilVersion="0.1"/>
+</Control>
+</file>
+
+<file path=customXml/item2.xml><?xml version="1.0" encoding="utf-8"?>
+<Control xmlns="http://schemas.microsoft.com/VisualStudio/2011/storyboarding/control">
+  <Id Name="System.Storyboarding.Common.Button" Revision="1" Stencil="System.Storyboarding.Common" StencilVersion="0.1"/>
+</Control>
+</file>
+
+<file path=customXml/item20.xml><?xml version="1.0" encoding="utf-8"?>
 <Control xmlns="http://schemas.microsoft.com/VisualStudio/2011/storyboarding/control">
   <Id Name="System.Storyboarding.Common.Text" Revision="1" Stencil="System.Storyboarding.Common" StencilVersion="0.1"/>
 </Control>
 </file>
 
-<file path=customXml/item188.xml><?xml version="1.0" encoding="utf-8"?>
-<Control xmlns="http://schemas.microsoft.com/VisualStudio/2011/storyboarding/control">
-  <Id Name="System.Storyboarding.Media.VerticalBarChart" Revision="1" Stencil="System.Storyboarding.Media" StencilVersion="0.1"/>
-</Control>
-</file>
-
-<file path=customXml/item189.xml><?xml version="1.0" encoding="utf-8"?>
-<Control xmlns="http://schemas.microsoft.com/VisualStudio/2011/storyboarding/control">
-  <Id Name="System.Storyboarding.Media.PieChart" Revision="1" Stencil="System.Storyboarding.Media" StencilVersion="0.1"/>
-</Control>
-</file>
-
-<file path=customXml/item19.xml><?xml version="1.0" encoding="utf-8"?>
+<file path=customXml/item21.xml><?xml version="1.0" encoding="utf-8"?>
 <Control xmlns="http://schemas.microsoft.com/VisualStudio/2011/storyboarding/control">
   <Id Name="System.Storyboarding.Common.TextInput" Revision="1" Stencil="System.Storyboarding.Common" StencilVersion="0.1"/>
 </Control>
 </file>
 
-<file path=customXml/item190.xml><?xml version="1.0" encoding="utf-8"?>
-<Control xmlns="http://schemas.microsoft.com/VisualStudio/2011/storyboarding/control">
-  <Id Name="System.Storyboarding.Common.Text" Revision="1" Stencil="System.Storyboarding.Common" StencilVersion="0.1"/>
-</Control>
-</file>
-
-<file path=customXml/item191.xml><?xml version="1.0" encoding="utf-8"?>
-<Control xmlns="http://schemas.microsoft.com/VisualStudio/2011/storyboarding/control">
-  <Id Name="System.Storyboarding.Media.HorizontalBarChart" Revision="1" Stencil="System.Storyboarding.Media" StencilVersion="0.1"/>
-</Control>
-</file>
-
-<file path=customXml/item192.xml><?xml version="1.0" encoding="utf-8"?>
-<Control xmlns="http://schemas.microsoft.com/VisualStudio/2011/storyboarding/control">
-  <Id Name="System.Storyboarding.Common.Button" Revision="1" Stencil="System.Storyboarding.Common" StencilVersion="0.1"/>
-</Control>
-</file>
-
-<file path=customXml/item193.xml><?xml version="1.0" encoding="utf-8"?>
-<Control xmlns="http://schemas.microsoft.com/VisualStudio/2011/storyboarding/control">
-  <Id Name="System.Storyboarding.Common.Button" Revision="1" Stencil="System.Storyboarding.Common" StencilVersion="0.1"/>
-</Control>
-</file>
-
-<file path=customXml/item194.xml><?xml version="1.0" encoding="utf-8"?>
-<Control xmlns="http://schemas.microsoft.com/VisualStudio/2011/storyboarding/control">
-  <Id Name="System.Storyboarding.Common.Button" Revision="1" Stencil="System.Storyboarding.Common" StencilVersion="0.1"/>
-</Control>
-</file>
-
-<file path=customXml/item195.xml><?xml version="1.0" encoding="utf-8"?>
-<Control xmlns="http://schemas.microsoft.com/VisualStudio/2011/storyboarding/control">
-  <Id Name="System.Storyboarding.Common.Button" Revision="1" Stencil="System.Storyboarding.Common" StencilVersion="0.1"/>
-</Control>
-</file>
-
-<file path=customXml/item196.xml><?xml version="1.0" encoding="utf-8"?>
-<Control xmlns="http://schemas.microsoft.com/VisualStudio/2011/storyboarding/control">
-  <Id Name="System.Storyboarding.Common.Button" Revision="1" Stencil="System.Storyboarding.Common" StencilVersion="0.1"/>
-</Control>
-</file>
-
-<file path=customXml/item197.xml><?xml version="1.0" encoding="utf-8"?>
-<Control xmlns="http://schemas.microsoft.com/VisualStudio/2011/storyboarding/control">
-  <Id Name="System.Storyboarding.Common.Button" Revision="1" Stencil="System.Storyboarding.Common" StencilVersion="0.1"/>
-</Control>
-</file>
-
-<file path=customXml/item198.xml><?xml version="1.0" encoding="utf-8"?>
-<Control xmlns="http://schemas.microsoft.com/VisualStudio/2011/storyboarding/control">
-  <Id Name="System.Storyboarding.Common.Button" Revision="1" Stencil="System.Storyboarding.Common" StencilVersion="0.1"/>
-</Control>
-</file>
-
-<file path=customXml/item199.xml><?xml version="1.0" encoding="utf-8"?>
-<Control xmlns="http://schemas.microsoft.com/VisualStudio/2011/storyboarding/control">
-  <Id Name="System.Storyboarding.Common.Button" Revision="1" Stencil="System.Storyboarding.Common" StencilVersion="0.1"/>
-</Control>
-</file>
-
-<file path=customXml/item2.xml><?xml version="1.0" encoding="utf-8"?>
+<file path=customXml/item22.xml><?xml version="1.0" encoding="utf-8"?>
 <Control xmlns="http://schemas.microsoft.com/VisualStudio/2011/storyboarding/control">
   <Id Name="System.Storyboarding.Common.TextInput" Revision="1" Stencil="System.Storyboarding.Common" StencilVersion="0.1"/>
 </Control>
 </file>
 
-<file path=customXml/item20.xml><?xml version="1.0" encoding="utf-8"?>
+<file path=customXml/item23.xml><?xml version="1.0" encoding="utf-8"?>
+<Control xmlns="http://schemas.microsoft.com/VisualStudio/2011/storyboarding/control">
+  <Id Name="System.Storyboarding.Common.SearchBox" Revision="1" Stencil="System.Storyboarding.Common" StencilVersion="0.1"/>
+</Control>
+</file>
+
+<file path=customXml/item24.xml><?xml version="1.0" encoding="utf-8"?>
 <Control xmlns="http://schemas.microsoft.com/VisualStudio/2011/storyboarding/control">
   <Id Name="System.Storyboarding.Common.TextInput" Revision="1" Stencil="System.Storyboarding.Common" StencilVersion="0.1"/>
-</Control>
-</file>
-
-<file path=customXml/item200.xml><?xml version="1.0" encoding="utf-8"?>
-<Control xmlns="http://schemas.microsoft.com/VisualStudio/2011/storyboarding/control">
-  <Id Name="System.Storyboarding.Common.Button" Revision="1" Stencil="System.Storyboarding.Common" StencilVersion="0.1"/>
-</Control>
-</file>
-
-<file path=customXml/item201.xml><?xml version="1.0" encoding="utf-8"?>
-<Control xmlns="http://schemas.microsoft.com/VisualStudio/2011/storyboarding/control">
-  <Id Name="System.Storyboarding.Common.Button" Revision="1" Stencil="System.Storyboarding.Common" StencilVersion="0.1"/>
-</Control>
-</file>
-
-<file path=customXml/item202.xml><?xml version="1.0" encoding="utf-8"?>
-<Control xmlns="http://schemas.microsoft.com/VisualStudio/2011/storyboarding/control">
-  <Id Name="System.Storyboarding.Common.Button" Revision="1" Stencil="System.Storyboarding.Common" StencilVersion="0.1"/>
-</Control>
-</file>
-
-<file path=customXml/item203.xml><?xml version="1.0" encoding="utf-8"?>
-<Control xmlns="http://schemas.microsoft.com/VisualStudio/2011/storyboarding/control">
-  <Id Name="System.Storyboarding.Common.Button" Revision="1" Stencil="System.Storyboarding.Common" StencilVersion="0.1"/>
-</Control>
-</file>
-
-<file path=customXml/item21.xml><?xml version="1.0" encoding="utf-8"?>
-<Control xmlns="http://schemas.microsoft.com/VisualStudio/2011/storyboarding/control">
-  <Id Name="System.Storyboarding.Common.CheckBoxChecked" Revision="1" Stencil="System.Storyboarding.Common" StencilVersion="0.1"/>
-</Control>
-</file>
-
-<file path=customXml/item22.xml><?xml version="1.0" encoding="utf-8"?>
-<Control xmlns="http://schemas.microsoft.com/VisualStudio/2011/storyboarding/control">
-  <Id Name="System.Storyboarding.Common.CheckBoxChecked" Revision="1" Stencil="System.Storyboarding.Common" StencilVersion="0.1"/>
-</Control>
-</file>
-
-<file path=customXml/item23.xml><?xml version="1.0" encoding="utf-8"?>
-<Control xmlns="http://schemas.microsoft.com/VisualStudio/2011/storyboarding/control">
-  <Id Name="System.Storyboarding.Common.Button" Revision="1" Stencil="System.Storyboarding.Common" StencilVersion="0.1"/>
-</Control>
-</file>
-
-<file path=customXml/item24.xml><?xml version="1.0" encoding="utf-8"?>
-<Control xmlns="http://schemas.microsoft.com/VisualStudio/2011/storyboarding/control">
-  <Id Name="System.Storyboarding.Common.Text" Revision="1" Stencil="System.Storyboarding.Common" StencilVersion="0.1"/>
 </Control>
 </file>
 
@@ -28140,25 +26687,25 @@
 
 <file path=customXml/item26.xml><?xml version="1.0" encoding="utf-8"?>
 <Control xmlns="http://schemas.microsoft.com/VisualStudio/2011/storyboarding/control">
-  <Id Name="System.Storyboarding.Annotation.StickyNote" Revision="1" Stencil="System.Storyboarding.Annotation" StencilVersion="0.1"/>
+  <Id Name="System.Storyboarding.Common.ScrollbarVertical" Revision="1" Stencil="System.Storyboarding.Common" StencilVersion="0.1"/>
 </Control>
 </file>
 
 <file path=customXml/item27.xml><?xml version="1.0" encoding="utf-8"?>
-<Control xmlns="http://schemas.microsoft.com/VisualStudio/2011/storyboarding/control">
-  <Id Name="System.Storyboarding.Common.TextInput" Revision="1" Stencil="System.Storyboarding.Common" StencilVersion="0.1"/>
-</Control>
-</file>
-
-<file path=customXml/item28.xml><?xml version="1.0" encoding="utf-8"?>
 <Control xmlns="http://schemas.microsoft.com/VisualStudio/2011/storyboarding/control">
   <Id Name="System.Storyboarding.Common.CheckBoxChecked" Revision="1" Stencil="System.Storyboarding.Common" StencilVersion="0.1"/>
 </Control>
 </file>
 
+<file path=customXml/item28.xml><?xml version="1.0" encoding="utf-8"?>
+<Control xmlns="http://schemas.microsoft.com/VisualStudio/2011/storyboarding/control">
+  <Id Name="System.Storyboarding.Common.Button" Revision="1" Stencil="System.Storyboarding.Common" StencilVersion="0.1"/>
+</Control>
+</file>
+
 <file path=customXml/item29.xml><?xml version="1.0" encoding="utf-8"?>
 <Control xmlns="http://schemas.microsoft.com/VisualStudio/2011/storyboarding/control">
-  <Id Name="System.Storyboarding.Common.TextInput" Revision="1" Stencil="System.Storyboarding.Common" StencilVersion="0.1"/>
+  <Id Name="System.Storyboarding.Common.Button" Revision="1" Stencil="System.Storyboarding.Common" StencilVersion="0.1"/>
 </Control>
 </file>
 
@@ -28170,13 +26717,13 @@
 
 <file path=customXml/item30.xml><?xml version="1.0" encoding="utf-8"?>
 <Control xmlns="http://schemas.microsoft.com/VisualStudio/2011/storyboarding/control">
-  <Id Name="System.Storyboarding.Common.CheckBoxChecked" Revision="1" Stencil="System.Storyboarding.Common" StencilVersion="0.1"/>
+  <Id Name="System.Storyboarding.Common.Button" Revision="1" Stencil="System.Storyboarding.Common" StencilVersion="0.1"/>
 </Control>
 </file>
 
 <file path=customXml/item31.xml><?xml version="1.0" encoding="utf-8"?>
 <Control xmlns="http://schemas.microsoft.com/VisualStudio/2011/storyboarding/control">
-  <Id Name="System.Storyboarding.Annotation.StickyNote" Revision="1" Stencil="System.Storyboarding.Annotation" StencilVersion="0.1"/>
+  <Id Name="System.Storyboarding.Common.Text" Revision="1" Stencil="System.Storyboarding.Common" StencilVersion="0.1"/>
 </Control>
 </file>
 
@@ -28194,7 +26741,7 @@
 
 <file path=customXml/item34.xml><?xml version="1.0" encoding="utf-8"?>
 <Control xmlns="http://schemas.microsoft.com/VisualStudio/2011/storyboarding/control">
-  <Id Name="System.Storyboarding.Common.SearchBox" Revision="1" Stencil="System.Storyboarding.Common" StencilVersion="0.1"/>
+  <Id Name="System.Storyboarding.Common.Hyperlink" Revision="1" Stencil="System.Storyboarding.Common" StencilVersion="0.1"/>
 </Control>
 </file>
 
@@ -28206,7 +26753,7 @@
 
 <file path=customXml/item36.xml><?xml version="1.0" encoding="utf-8"?>
 <Control xmlns="http://schemas.microsoft.com/VisualStudio/2011/storyboarding/control">
-  <Id Name="System.Storyboarding.Common.TextInput" Revision="1" Stencil="System.Storyboarding.Common" StencilVersion="0.1"/>
+  <Id Name="System.Storyboarding.Common.CheckBoxChecked" Revision="1" Stencil="System.Storyboarding.Common" StencilVersion="0.1"/>
 </Control>
 </file>
 
@@ -28218,25 +26765,25 @@
 
 <file path=customXml/item38.xml><?xml version="1.0" encoding="utf-8"?>
 <Control xmlns="http://schemas.microsoft.com/VisualStudio/2011/storyboarding/control">
-  <Id Name="System.Storyboarding.Common.Hyperlink" Revision="1" Stencil="System.Storyboarding.Common" StencilVersion="0.1"/>
+  <Id Name="System.Storyboarding.Common.CheckBoxChecked" Revision="1" Stencil="System.Storyboarding.Common" StencilVersion="0.1"/>
 </Control>
 </file>
 
 <file path=customXml/item39.xml><?xml version="1.0" encoding="utf-8"?>
 <Control xmlns="http://schemas.microsoft.com/VisualStudio/2011/storyboarding/control">
-  <Id Name="System.Storyboarding.Backgrounds.WebBrowser" Revision="1" Stencil="System.Storyboarding.Backgrounds" StencilVersion="0.1"/>
+  <Id Name="System.Storyboarding.Common.CheckBoxChecked" Revision="1" Stencil="System.Storyboarding.Common" StencilVersion="0.1"/>
 </Control>
 </file>
 
 <file path=customXml/item4.xml><?xml version="1.0" encoding="utf-8"?>
 <Control xmlns="http://schemas.microsoft.com/VisualStudio/2011/storyboarding/control">
-  <Id Name="System.Storyboarding.Common.Text" Revision="1" Stencil="System.Storyboarding.Common" StencilVersion="0.1"/>
+  <Id Name="System.Storyboarding.Common.TextInput" Revision="1" Stencil="System.Storyboarding.Common" StencilVersion="0.1"/>
 </Control>
 </file>
 
 <file path=customXml/item40.xml><?xml version="1.0" encoding="utf-8"?>
 <Control xmlns="http://schemas.microsoft.com/VisualStudio/2011/storyboarding/control">
-  <Id Name="System.Storyboarding.Common.TextInput" Revision="1" Stencil="System.Storyboarding.Common" StencilVersion="0.1"/>
+  <Id Name="System.Storyboarding.Common.Button" Revision="1" Stencil="System.Storyboarding.Common" StencilVersion="0.1"/>
 </Control>
 </file>
 
@@ -28248,7 +26795,7 @@
 
 <file path=customXml/item42.xml><?xml version="1.0" encoding="utf-8"?>
 <Control xmlns="http://schemas.microsoft.com/VisualStudio/2011/storyboarding/control">
-  <Id Name="System.Storyboarding.Media.PieChart" Revision="1" Stencil="System.Storyboarding.Media" StencilVersion="0.1"/>
+  <Id Name="System.Storyboarding.Common.TextInput" Revision="1" Stencil="System.Storyboarding.Common" StencilVersion="0.1"/>
 </Control>
 </file>
 
@@ -28260,13 +26807,13 @@
 
 <file path=customXml/item44.xml><?xml version="1.0" encoding="utf-8"?>
 <Control xmlns="http://schemas.microsoft.com/VisualStudio/2011/storyboarding/control">
-  <Id Name="System.Storyboarding.Common.CheckBoxUnchecked" Revision="1" Stencil="System.Storyboarding.Common" StencilVersion="0.1"/>
+  <Id Name="System.Storyboarding.Common.TextInput" Revision="1" Stencil="System.Storyboarding.Common" StencilVersion="0.1"/>
 </Control>
 </file>
 
 <file path=customXml/item45.xml><?xml version="1.0" encoding="utf-8"?>
 <Control xmlns="http://schemas.microsoft.com/VisualStudio/2011/storyboarding/control">
-  <Id Name="System.Storyboarding.Annotation.StickyNote" Revision="1" Stencil="System.Storyboarding.Annotation" StencilVersion="0.1"/>
+  <Id Name="System.Storyboarding.Common.TextInput" Revision="1" Stencil="System.Storyboarding.Common" StencilVersion="0.1"/>
 </Control>
 </file>
 
@@ -28284,55 +26831,55 @@
 
 <file path=customXml/item48.xml><?xml version="1.0" encoding="utf-8"?>
 <Control xmlns="http://schemas.microsoft.com/VisualStudio/2011/storyboarding/control">
+  <Id Name="System.Storyboarding.Annotation.StickyNote" Revision="1" Stencil="System.Storyboarding.Annotation" StencilVersion="0.1"/>
+</Control>
+</file>
+
+<file path=customXml/item49.xml><?xml version="1.0" encoding="utf-8"?>
+<Control xmlns="http://schemas.microsoft.com/VisualStudio/2011/storyboarding/control">
+  <Id Name="System.Storyboarding.Common.ScrollbarVertical" Revision="1" Stencil="System.Storyboarding.Common" StencilVersion="0.1"/>
+</Control>
+</file>
+
+<file path=customXml/item5.xml><?xml version="1.0" encoding="utf-8"?>
+<Control xmlns="http://schemas.microsoft.com/VisualStudio/2011/storyboarding/control">
   <Id Name="System.Storyboarding.Common.TextInput" Revision="1" Stencil="System.Storyboarding.Common" StencilVersion="0.1"/>
 </Control>
 </file>
 
-<file path=customXml/item49.xml><?xml version="1.0" encoding="utf-8"?>
+<file path=customXml/item50.xml><?xml version="1.0" encoding="utf-8"?>
+<Control xmlns="http://schemas.microsoft.com/VisualStudio/2011/storyboarding/control">
+  <Id Name="System.Storyboarding.Common.Text" Revision="1" Stencil="System.Storyboarding.Common" StencilVersion="0.1"/>
+</Control>
+</file>
+
+<file path=customXml/item51.xml><?xml version="1.0" encoding="utf-8"?>
+<Control xmlns="http://schemas.microsoft.com/VisualStudio/2011/storyboarding/control">
+  <Id Name="System.Storyboarding.Common.SearchBox" Revision="1" Stencil="System.Storyboarding.Common" StencilVersion="0.1"/>
+</Control>
+</file>
+
+<file path=customXml/item52.xml><?xml version="1.0" encoding="utf-8"?>
 <Control xmlns="http://schemas.microsoft.com/VisualStudio/2011/storyboarding/control">
   <Id Name="System.Storyboarding.Common.Button" Revision="1" Stencil="System.Storyboarding.Common" StencilVersion="0.1"/>
 </Control>
 </file>
 
-<file path=customXml/item5.xml><?xml version="1.0" encoding="utf-8"?>
-<Control xmlns="http://schemas.microsoft.com/VisualStudio/2011/storyboarding/control">
-  <Id Name="System.Storyboarding.Icons.Warning" Revision="1" Stencil="System.Storyboarding.Icons" StencilVersion="0.1"/>
-</Control>
-</file>
-
-<file path=customXml/item50.xml><?xml version="1.0" encoding="utf-8"?>
-<Control xmlns="http://schemas.microsoft.com/VisualStudio/2011/storyboarding/control">
-  <Id Name="System.Storyboarding.Backgrounds.WebBrowser" Revision="1" Stencil="System.Storyboarding.Backgrounds" StencilVersion="0.1"/>
-</Control>
-</file>
-
-<file path=customXml/item51.xml><?xml version="1.0" encoding="utf-8"?>
-<Control xmlns="http://schemas.microsoft.com/VisualStudio/2011/storyboarding/control">
-  <Id Name="System.Storyboarding.WindowsAppIcons.Check" Revision="1" Stencil="System.Storyboarding.WindowsAppIcons" StencilVersion="0.1"/>
-</Control>
-</file>
-
-<file path=customXml/item52.xml><?xml version="1.0" encoding="utf-8"?>
-<Control xmlns="http://schemas.microsoft.com/VisualStudio/2011/storyboarding/control">
-  <Id Name="System.Storyboarding.Common.ScrollbarVertical" Revision="1" Stencil="System.Storyboarding.Common" StencilVersion="0.1"/>
-</Control>
-</file>
-
 <file path=customXml/item53.xml><?xml version="1.0" encoding="utf-8"?>
-<Control xmlns="http://schemas.microsoft.com/VisualStudio/2011/storyboarding/control">
-  <Id Name="System.Storyboarding.Common.TextInput" Revision="1" Stencil="System.Storyboarding.Common" StencilVersion="0.1"/>
-</Control>
-</file>
-
-<file path=customXml/item54.xml><?xml version="1.0" encoding="utf-8"?>
 <Control xmlns="http://schemas.microsoft.com/VisualStudio/2011/storyboarding/control">
   <Id Name="System.Storyboarding.Common.Button" Revision="1" Stencil="System.Storyboarding.Common" StencilVersion="0.1"/>
 </Control>
 </file>
 
+<file path=customXml/item54.xml><?xml version="1.0" encoding="utf-8"?>
+<Control xmlns="http://schemas.microsoft.com/VisualStudio/2011/storyboarding/control">
+  <Id Name="System.Storyboarding.Common.CheckBoxChecked" Revision="1" Stencil="System.Storyboarding.Common" StencilVersion="0.1"/>
+</Control>
+</file>
+
 <file path=customXml/item55.xml><?xml version="1.0" encoding="utf-8"?>
 <Control xmlns="http://schemas.microsoft.com/VisualStudio/2011/storyboarding/control">
-  <Id Name="System.Storyboarding.Annotation.StickyNote" Revision="1" Stencil="System.Storyboarding.Annotation" StencilVersion="0.1"/>
+  <Id Name="System.Storyboarding.Common.Button" Revision="1" Stencil="System.Storyboarding.Common" StencilVersion="0.1"/>
 </Control>
 </file>
 
@@ -28350,37 +26897,37 @@
 
 <file path=customXml/item58.xml><?xml version="1.0" encoding="utf-8"?>
 <Control xmlns="http://schemas.microsoft.com/VisualStudio/2011/storyboarding/control">
-  <Id Name="System.Storyboarding.Common.TextInput" Revision="1" Stencil="System.Storyboarding.Common" StencilVersion="0.1"/>
+  <Id Name="System.Storyboarding.Common.CheckBoxUnchecked" Revision="1" Stencil="System.Storyboarding.Common" StencilVersion="0.1"/>
 </Control>
 </file>
 
 <file path=customXml/item59.xml><?xml version="1.0" encoding="utf-8"?>
+<Control xmlns="http://schemas.microsoft.com/VisualStudio/2011/storyboarding/control">
+  <Id Name="System.Storyboarding.Common.CheckBoxChecked" Revision="1" Stencil="System.Storyboarding.Common" StencilVersion="0.1"/>
+</Control>
+</file>
+
+<file path=customXml/item6.xml><?xml version="1.0" encoding="utf-8"?>
 <Control xmlns="http://schemas.microsoft.com/VisualStudio/2011/storyboarding/control">
   <Id Name="System.Storyboarding.Common.TextInput" Revision="1" Stencil="System.Storyboarding.Common" StencilVersion="0.1"/>
 </Control>
 </file>
 
-<file path=customXml/item6.xml><?xml version="1.0" encoding="utf-8"?>
-<Control xmlns="http://schemas.microsoft.com/VisualStudio/2011/storyboarding/control">
-  <Id Name="System.Storyboarding.Common.Button" Revision="1" Stencil="System.Storyboarding.Common" StencilVersion="0.1"/>
-</Control>
-</file>
-
 <file path=customXml/item60.xml><?xml version="1.0" encoding="utf-8"?>
 <Control xmlns="http://schemas.microsoft.com/VisualStudio/2011/storyboarding/control">
-  <Id Name="System.Storyboarding.Common.CheckBoxChecked" Revision="1" Stencil="System.Storyboarding.Common" StencilVersion="0.1"/>
+  <Id Name="System.Storyboarding.Common.Text" Revision="1" Stencil="System.Storyboarding.Common" StencilVersion="0.1"/>
 </Control>
 </file>
 
 <file path=customXml/item61.xml><?xml version="1.0" encoding="utf-8"?>
 <Control xmlns="http://schemas.microsoft.com/VisualStudio/2011/storyboarding/control">
-  <Id Name="System.Storyboarding.Common.ScrollbarVertical" Revision="1" Stencil="System.Storyboarding.Common" StencilVersion="0.1"/>
+  <Id Name="System.Storyboarding.Common.TextInput" Revision="1" Stencil="System.Storyboarding.Common" StencilVersion="0.1"/>
 </Control>
 </file>
 
 <file path=customXml/item62.xml><?xml version="1.0" encoding="utf-8"?>
 <Control xmlns="http://schemas.microsoft.com/VisualStudio/2011/storyboarding/control">
-  <Id Name="System.Storyboarding.Common.Text" Revision="1" Stencil="System.Storyboarding.Common" StencilVersion="0.1"/>
+  <Id Name="System.Storyboarding.Common.SearchBox" Revision="1" Stencil="System.Storyboarding.Common" StencilVersion="0.1"/>
 </Control>
 </file>
 
@@ -28392,7 +26939,7 @@
 
 <file path=customXml/item64.xml><?xml version="1.0" encoding="utf-8"?>
 <Control xmlns="http://schemas.microsoft.com/VisualStudio/2011/storyboarding/control">
-  <Id Name="System.Storyboarding.Common.CheckBoxChecked" Revision="1" Stencil="System.Storyboarding.Common" StencilVersion="0.1"/>
+  <Id Name="System.Storyboarding.Common.TextInput" Revision="1" Stencil="System.Storyboarding.Common" StencilVersion="0.1"/>
 </Control>
 </file>
 
@@ -28404,13 +26951,13 @@
 
 <file path=customXml/item66.xml><?xml version="1.0" encoding="utf-8"?>
 <Control xmlns="http://schemas.microsoft.com/VisualStudio/2011/storyboarding/control">
-  <Id Name="System.Storyboarding.Common.TextInput" Revision="1" Stencil="System.Storyboarding.Common" StencilVersion="0.1"/>
+  <Id Name="System.Storyboarding.Common.Text" Revision="1" Stencil="System.Storyboarding.Common" StencilVersion="0.1"/>
 </Control>
 </file>
 
 <file path=customXml/item67.xml><?xml version="1.0" encoding="utf-8"?>
 <Control xmlns="http://schemas.microsoft.com/VisualStudio/2011/storyboarding/control">
-  <Id Name="System.Storyboarding.Common.Button" Revision="1" Stencil="System.Storyboarding.Common" StencilVersion="0.1"/>
+  <Id Name="System.Storyboarding.Common.TextInput" Revision="1" Stencil="System.Storyboarding.Common" StencilVersion="0.1"/>
 </Control>
 </file>
 
@@ -28422,7 +26969,7 @@
 
 <file path=customXml/item69.xml><?xml version="1.0" encoding="utf-8"?>
 <Control xmlns="http://schemas.microsoft.com/VisualStudio/2011/storyboarding/control">
-  <Id Name="System.Storyboarding.Common.TextInput" Revision="1" Stencil="System.Storyboarding.Common" StencilVersion="0.1"/>
+  <Id Name="System.Storyboarding.Common.CheckBoxChecked" Revision="1" Stencil="System.Storyboarding.Common" StencilVersion="0.1"/>
 </Control>
 </file>
 
@@ -28434,91 +26981,91 @@
 
 <file path=customXml/item70.xml><?xml version="1.0" encoding="utf-8"?>
 <Control xmlns="http://schemas.microsoft.com/VisualStudio/2011/storyboarding/control">
+  <Id Name="System.Storyboarding.Common.Button" Revision="1" Stencil="System.Storyboarding.Common" StencilVersion="0.1"/>
+</Control>
+</file>
+
+<file path=customXml/item71.xml><?xml version="1.0" encoding="utf-8"?>
+<Control xmlns="http://schemas.microsoft.com/VisualStudio/2011/storyboarding/control">
+  <Id Name="System.Storyboarding.Common.Button" Revision="1" Stencil="System.Storyboarding.Common" StencilVersion="0.1"/>
+</Control>
+</file>
+
+<file path=customXml/item72.xml><?xml version="1.0" encoding="utf-8"?>
+<Control xmlns="http://schemas.microsoft.com/VisualStudio/2011/storyboarding/control">
   <Id Name="System.Storyboarding.Common.TextInput" Revision="1" Stencil="System.Storyboarding.Common" StencilVersion="0.1"/>
 </Control>
 </file>
 
-<file path=customXml/item71.xml><?xml version="1.0" encoding="utf-8"?>
+<file path=customXml/item73.xml><?xml version="1.0" encoding="utf-8"?>
 <Control xmlns="http://schemas.microsoft.com/VisualStudio/2011/storyboarding/control">
-  <Id Name="System.Storyboarding.Common.CheckBoxUnchecked" Revision="1" Stencil="System.Storyboarding.Common" StencilVersion="0.1"/>
+  <Id Name="System.Storyboarding.Common.TextInput" Revision="1" Stencil="System.Storyboarding.Common" StencilVersion="0.1"/>
 </Control>
 </file>
 
-<file path=customXml/item72.xml><?xml version="1.0" encoding="utf-8"?>
+<file path=customXml/item74.xml><?xml version="1.0" encoding="utf-8"?>
+<Control xmlns="http://schemas.microsoft.com/VisualStudio/2011/storyboarding/control">
+  <Id Name="System.Storyboarding.Backgrounds.WebBrowser" Revision="1" Stencil="System.Storyboarding.Backgrounds" StencilVersion="0.1"/>
+</Control>
+</file>
+
+<file path=customXml/item75.xml><?xml version="1.0" encoding="utf-8"?>
 <Control xmlns="http://schemas.microsoft.com/VisualStudio/2011/storyboarding/control">
   <Id Name="System.Storyboarding.Common.CheckBoxChecked" Revision="1" Stencil="System.Storyboarding.Common" StencilVersion="0.1"/>
 </Control>
 </file>
 
-<file path=customXml/item73.xml><?xml version="1.0" encoding="utf-8"?>
+<file path=customXml/item76.xml><?xml version="1.0" encoding="utf-8"?>
 <Control xmlns="http://schemas.microsoft.com/VisualStudio/2011/storyboarding/control">
-  <Id Name="System.Storyboarding.Common.ScrollbarVertical" Revision="1" Stencil="System.Storyboarding.Common" StencilVersion="0.1"/>
+  <Id Name="System.Storyboarding.Common.SearchBox" Revision="1" Stencil="System.Storyboarding.Common" StencilVersion="0.1"/>
 </Control>
 </file>
 
-<file path=customXml/item74.xml><?xml version="1.0" encoding="utf-8"?>
+<file path=customXml/item77.xml><?xml version="1.0" encoding="utf-8"?>
 <Control xmlns="http://schemas.microsoft.com/VisualStudio/2011/storyboarding/control">
-  <Id Name="System.Storyboarding.Common.TextInput" Revision="1" Stencil="System.Storyboarding.Common" StencilVersion="0.1"/>
+  <Id Name="System.Storyboarding.Backgrounds.WebBrowser" Revision="1" Stencil="System.Storyboarding.Backgrounds" StencilVersion="0.1"/>
 </Control>
 </file>
 
-<file path=customXml/item75.xml><?xml version="1.0" encoding="utf-8"?>
+<file path=customXml/item78.xml><?xml version="1.0" encoding="utf-8"?>
 <Control xmlns="http://schemas.microsoft.com/VisualStudio/2011/storyboarding/control">
-  <Id Name="System.Storyboarding.Common.TextInput" Revision="1" Stencil="System.Storyboarding.Common" StencilVersion="0.1"/>
+  <Id Name="System.Storyboarding.Annotation.StickyNote" Revision="1" Stencil="System.Storyboarding.Annotation" StencilVersion="0.1"/>
 </Control>
 </file>
 
-<file path=customXml/item76.xml><?xml version="1.0" encoding="utf-8"?>
+<file path=customXml/item79.xml><?xml version="1.0" encoding="utf-8"?>
 <Control xmlns="http://schemas.microsoft.com/VisualStudio/2011/storyboarding/control">
   <Id Name="System.Storyboarding.Common.TextArea" Revision="1" Stencil="System.Storyboarding.Common" StencilVersion="0.1"/>
 </Control>
 </file>
 
-<file path=customXml/item77.xml><?xml version="1.0" encoding="utf-8"?>
+<file path=customXml/item8.xml><?xml version="1.0" encoding="utf-8"?>
 <Control xmlns="http://schemas.microsoft.com/VisualStudio/2011/storyboarding/control">
-  <Id Name="System.Storyboarding.Annotation.StickyNote" Revision="1" Stencil="System.Storyboarding.Annotation" StencilVersion="0.1"/>
+  <Id Name="System.Storyboarding.Icons.Warning" Revision="1" Stencil="System.Storyboarding.Icons" StencilVersion="0.1"/>
 </Control>
 </file>
 
-<file path=customXml/item78.xml><?xml version="1.0" encoding="utf-8"?>
+<file path=customXml/item80.xml><?xml version="1.0" encoding="utf-8"?>
+<Control xmlns="http://schemas.microsoft.com/VisualStudio/2011/storyboarding/control">
+  <Id Name="System.Storyboarding.Common.CheckBoxChecked" Revision="1" Stencil="System.Storyboarding.Common" StencilVersion="0.1"/>
+</Control>
+</file>
+
+<file path=customXml/item81.xml><?xml version="1.0" encoding="utf-8"?>
+<Control xmlns="http://schemas.microsoft.com/VisualStudio/2011/storyboarding/control">
+  <Id Name="System.Storyboarding.Common.CheckBoxChecked" Revision="1" Stencil="System.Storyboarding.Common" StencilVersion="0.1"/>
+</Control>
+</file>
+
+<file path=customXml/item82.xml><?xml version="1.0" encoding="utf-8"?>
 <Control xmlns="http://schemas.microsoft.com/VisualStudio/2011/storyboarding/control">
   <Id Name="System.Storyboarding.Common.Button" Revision="1" Stencil="System.Storyboarding.Common" StencilVersion="0.1"/>
 </Control>
 </file>
 
-<file path=customXml/item79.xml><?xml version="1.0" encoding="utf-8"?>
-<Control xmlns="http://schemas.microsoft.com/VisualStudio/2011/storyboarding/control">
-  <Id Name="System.Storyboarding.Common.Button" Revision="1" Stencil="System.Storyboarding.Common" StencilVersion="0.1"/>
-</Control>
-</file>
-
-<file path=customXml/item8.xml><?xml version="1.0" encoding="utf-8"?>
-<Control xmlns="http://schemas.microsoft.com/VisualStudio/2011/storyboarding/control">
-  <Id Name="System.Storyboarding.Common.TextInput" Revision="1" Stencil="System.Storyboarding.Common" StencilVersion="0.1"/>
-</Control>
-</file>
-
-<file path=customXml/item80.xml><?xml version="1.0" encoding="utf-8"?>
-<Control xmlns="http://schemas.microsoft.com/VisualStudio/2011/storyboarding/control">
-  <Id Name="System.Storyboarding.Common.TextInput" Revision="1" Stencil="System.Storyboarding.Common" StencilVersion="0.1"/>
-</Control>
-</file>
-
-<file path=customXml/item81.xml><?xml version="1.0" encoding="utf-8"?>
-<Control xmlns="http://schemas.microsoft.com/VisualStudio/2011/storyboarding/control">
-  <Id Name="System.Storyboarding.Common.TextInput" Revision="1" Stencil="System.Storyboarding.Common" StencilVersion="0.1"/>
-</Control>
-</file>
-
-<file path=customXml/item82.xml><?xml version="1.0" encoding="utf-8"?>
-<Control xmlns="http://schemas.microsoft.com/VisualStudio/2011/storyboarding/control">
-  <Id Name="System.Storyboarding.Backgrounds.WebBrowser" Revision="1" Stencil="System.Storyboarding.Backgrounds" StencilVersion="0.1"/>
-</Control>
-</file>
-
 <file path=customXml/item83.xml><?xml version="1.0" encoding="utf-8"?>
 <Control xmlns="http://schemas.microsoft.com/VisualStudio/2011/storyboarding/control">
-  <Id Name="System.Storyboarding.Common.TextInput" Revision="1" Stencil="System.Storyboarding.Common" StencilVersion="0.1"/>
+  <Id Name="System.Storyboarding.Common.CheckBoxUnchecked" Revision="1" Stencil="System.Storyboarding.Common" StencilVersion="0.1"/>
 </Control>
 </file>
 
@@ -28530,73 +27077,73 @@
 
 <file path=customXml/item85.xml><?xml version="1.0" encoding="utf-8"?>
 <Control xmlns="http://schemas.microsoft.com/VisualStudio/2011/storyboarding/control">
-  <Id Name="System.Storyboarding.Common.SearchBox" Revision="1" Stencil="System.Storyboarding.Common" StencilVersion="0.1"/>
+  <Id Name="System.Storyboarding.Common.CheckBoxChecked" Revision="1" Stencil="System.Storyboarding.Common" StencilVersion="0.1"/>
 </Control>
 </file>
 
 <file path=customXml/item86.xml><?xml version="1.0" encoding="utf-8"?>
-<Control xmlns="http://schemas.microsoft.com/VisualStudio/2011/storyboarding/control">
-  <Id Name="System.Storyboarding.Common.SearchBox" Revision="1" Stencil="System.Storyboarding.Common" StencilVersion="0.1"/>
-</Control>
-</file>
-
-<file path=customXml/item87.xml><?xml version="1.0" encoding="utf-8"?>
 <Control xmlns="http://schemas.microsoft.com/VisualStudio/2011/storyboarding/control">
   <Id Name="System.Storyboarding.Common.TextInput" Revision="1" Stencil="System.Storyboarding.Common" StencilVersion="0.1"/>
 </Control>
 </file>
 
+<file path=customXml/item87.xml><?xml version="1.0" encoding="utf-8"?>
+<Control xmlns="http://schemas.microsoft.com/VisualStudio/2011/storyboarding/control">
+  <Id Name="System.Storyboarding.Media.VerticalBarChart" Revision="1" Stencil="System.Storyboarding.Media" StencilVersion="0.1"/>
+</Control>
+</file>
+
 <file path=customXml/item88.xml><?xml version="1.0" encoding="utf-8"?>
-<Control xmlns="http://schemas.microsoft.com/VisualStudio/2011/storyboarding/control">
-  <Id Name="System.Storyboarding.Common.Button" Revision="1" Stencil="System.Storyboarding.Common" StencilVersion="0.1"/>
-</Control>
-</file>
-
-<file path=customXml/item89.xml><?xml version="1.0" encoding="utf-8"?>
-<Control xmlns="http://schemas.microsoft.com/VisualStudio/2011/storyboarding/control">
-  <Id Name="System.Storyboarding.Common.ScrollbarVertical" Revision="1" Stencil="System.Storyboarding.Common" StencilVersion="0.1"/>
-</Control>
-</file>
-
-<file path=customXml/item9.xml><?xml version="1.0" encoding="utf-8"?>
 <Control xmlns="http://schemas.microsoft.com/VisualStudio/2011/storyboarding/control">
   <Id Name="System.Storyboarding.Common.TextInput" Revision="1" Stencil="System.Storyboarding.Common" StencilVersion="0.1"/>
 </Control>
 </file>
 
-<file path=customXml/item90.xml><?xml version="1.0" encoding="utf-8"?>
+<file path=customXml/item89.xml><?xml version="1.0" encoding="utf-8"?>
+<Control xmlns="http://schemas.microsoft.com/VisualStudio/2011/storyboarding/control">
+  <Id Name="System.Storyboarding.Common.CheckBoxUnchecked" Revision="1" Stencil="System.Storyboarding.Common" StencilVersion="0.1"/>
+</Control>
+</file>
+
+<file path=customXml/item9.xml><?xml version="1.0" encoding="utf-8"?>
 <Control xmlns="http://schemas.microsoft.com/VisualStudio/2011/storyboarding/control">
   <Id Name="System.Storyboarding.Common.CheckBoxChecked" Revision="1" Stencil="System.Storyboarding.Common" StencilVersion="0.1"/>
 </Control>
 </file>
 
-<file path=customXml/item91.xml><?xml version="1.0" encoding="utf-8"?>
+<file path=customXml/item90.xml><?xml version="1.0" encoding="utf-8"?>
 <Control xmlns="http://schemas.microsoft.com/VisualStudio/2011/storyboarding/control">
   <Id Name="System.Storyboarding.Common.Text" Revision="1" Stencil="System.Storyboarding.Common" StencilVersion="0.1"/>
 </Control>
 </file>
 
+<file path=customXml/item91.xml><?xml version="1.0" encoding="utf-8"?>
+<Control xmlns="http://schemas.microsoft.com/VisualStudio/2011/storyboarding/control">
+  <Id Name="System.Storyboarding.Common.TextInput" Revision="1" Stencil="System.Storyboarding.Common" StencilVersion="0.1"/>
+</Control>
+</file>
+
 <file path=customXml/item92.xml><?xml version="1.0" encoding="utf-8"?>
 <Control xmlns="http://schemas.microsoft.com/VisualStudio/2011/storyboarding/control">
-  <Id Name="System.Storyboarding.Common.Text" Revision="1" Stencil="System.Storyboarding.Common" StencilVersion="0.1"/>
+  <Id Name="System.Storyboarding.Common.TextInput" Revision="1" Stencil="System.Storyboarding.Common" StencilVersion="0.1"/>
 </Control>
 </file>
 
 <file path=customXml/item93.xml><?xml version="1.0" encoding="utf-8"?>
 <Control xmlns="http://schemas.microsoft.com/VisualStudio/2011/storyboarding/control">
-  <Id Name="System.Storyboarding.Common.SearchBox" Revision="1" Stencil="System.Storyboarding.Common" StencilVersion="0.1"/>
+  <Id Name="System.Storyboarding.Common.TextInput" Revision="1" Stencil="System.Storyboarding.Common" StencilVersion="0.1"/>
 </Control>
 </file>
 
 <file path=customXml/item94.xml><?xml version="1.0" encoding="utf-8"?>
 <Control xmlns="http://schemas.microsoft.com/VisualStudio/2011/storyboarding/control">
-  <Id Name="System.Storyboarding.Common.ScrollbarVertical" Revision="1" Stencil="System.Storyboarding.Common" StencilVersion="0.1"/>
+  <Id Name="System.Storyboarding.Common.TextInput" Revision="1" Stencil="System.Storyboarding.Common" StencilVersion="0.1"/>
 </Control>
 </file>
 
 <file path=customXml/item95.xml><?xml version="1.0" encoding="utf-8"?>
 <Control xmlns="http://schemas.microsoft.com/VisualStudio/2011/storyboarding/control">
-  <Id Name="System.Storyboarding.Common.CheckBoxChecked" Revision="1" Stencil="System.Storyboarding.Common" StencilVersion="0.1"/>
+  <Id Name="System.Storyboarding.Common.Text" Revision="1" Stencil="System.Storyboarding.Common" StencilVersion="0.1"/>
 </Control>
 </file>
 
@@ -28608,7 +27155,7 @@
 
 <file path=customXml/item97.xml><?xml version="1.0" encoding="utf-8"?>
 <Control xmlns="http://schemas.microsoft.com/VisualStudio/2011/storyboarding/control">
-  <Id Name="System.Storyboarding.Common.CheckBoxChecked" Revision="1" Stencil="System.Storyboarding.Common" StencilVersion="0.1"/>
+  <Id Name="System.Storyboarding.Annotation.StickyNote" Revision="1" Stencil="System.Storyboarding.Annotation" StencilVersion="0.1"/>
 </Control>
 </file>
 
@@ -28625,7 +27172,7 @@
 </file>
 
 <file path=customXml/itemProps1.xml><?xml version="1.0" encoding="utf-8"?>
-<ds:datastoreItem xmlns:ds="http://schemas.openxmlformats.org/officeDocument/2006/customXml" ds:itemID="{AF61DBC6-381C-43BF-8974-1BD37D61B73F}">
+<ds:datastoreItem xmlns:ds="http://schemas.openxmlformats.org/officeDocument/2006/customXml" ds:itemID="{F2B3FB12-0841-4AD8-9A0B-0A04CC6A8CFC}">
   <ds:schemaRefs>
     <ds:schemaRef ds:uri="http://schemas.microsoft.com/VisualStudio/2011/storyboarding/control"/>
   </ds:schemaRefs>
@@ -28633,6 +27180,502 @@
 </file>
 
 <file path=customXml/itemProps10.xml><?xml version="1.0" encoding="utf-8"?>
+<ds:datastoreItem xmlns:ds="http://schemas.openxmlformats.org/officeDocument/2006/customXml" ds:itemID="{ADDA3575-2CD6-4AA3-BAD6-EE20DE74340F}">
+  <ds:schemaRefs>
+    <ds:schemaRef ds:uri="http://schemas.microsoft.com/VisualStudio/2011/storyboarding/control"/>
+  </ds:schemaRefs>
+</ds:datastoreItem>
+</file>
+
+<file path=customXml/itemProps100.xml><?xml version="1.0" encoding="utf-8"?>
+<ds:datastoreItem xmlns:ds="http://schemas.openxmlformats.org/officeDocument/2006/customXml" ds:itemID="{478663F0-6D22-40DF-A721-0D85AF0A841E}">
+  <ds:schemaRefs>
+    <ds:schemaRef ds:uri="http://schemas.microsoft.com/VisualStudio/2011/storyboarding/control"/>
+  </ds:schemaRefs>
+</ds:datastoreItem>
+</file>
+
+<file path=customXml/itemProps101.xml><?xml version="1.0" encoding="utf-8"?>
+<ds:datastoreItem xmlns:ds="http://schemas.openxmlformats.org/officeDocument/2006/customXml" ds:itemID="{A1C8479A-2384-424B-B607-91A9FC70F6A4}">
+  <ds:schemaRefs>
+    <ds:schemaRef ds:uri="http://schemas.microsoft.com/VisualStudio/2011/storyboarding/control"/>
+  </ds:schemaRefs>
+</ds:datastoreItem>
+</file>
+
+<file path=customXml/itemProps102.xml><?xml version="1.0" encoding="utf-8"?>
+<ds:datastoreItem xmlns:ds="http://schemas.openxmlformats.org/officeDocument/2006/customXml" ds:itemID="{0987803F-8C29-460C-9CFE-90D062BBF340}">
+  <ds:schemaRefs>
+    <ds:schemaRef ds:uri="http://schemas.microsoft.com/VisualStudio/2011/storyboarding/control"/>
+  </ds:schemaRefs>
+</ds:datastoreItem>
+</file>
+
+<file path=customXml/itemProps103.xml><?xml version="1.0" encoding="utf-8"?>
+<ds:datastoreItem xmlns:ds="http://schemas.openxmlformats.org/officeDocument/2006/customXml" ds:itemID="{8AE17CAA-BEF2-44CD-9DEE-2F8C17585A32}">
+  <ds:schemaRefs>
+    <ds:schemaRef ds:uri="http://schemas.microsoft.com/VisualStudio/2011/storyboarding/control"/>
+  </ds:schemaRefs>
+</ds:datastoreItem>
+</file>
+
+<file path=customXml/itemProps104.xml><?xml version="1.0" encoding="utf-8"?>
+<ds:datastoreItem xmlns:ds="http://schemas.openxmlformats.org/officeDocument/2006/customXml" ds:itemID="{42FDEB12-2513-4D55-BA2A-18EF5D159E91}">
+  <ds:schemaRefs>
+    <ds:schemaRef ds:uri="http://schemas.microsoft.com/VisualStudio/2011/storyboarding/control"/>
+  </ds:schemaRefs>
+</ds:datastoreItem>
+</file>
+
+<file path=customXml/itemProps105.xml><?xml version="1.0" encoding="utf-8"?>
+<ds:datastoreItem xmlns:ds="http://schemas.openxmlformats.org/officeDocument/2006/customXml" ds:itemID="{C170435E-AA56-4732-BD81-63AD243D433D}">
+  <ds:schemaRefs>
+    <ds:schemaRef ds:uri="http://schemas.microsoft.com/VisualStudio/2011/storyboarding/control"/>
+  </ds:schemaRefs>
+</ds:datastoreItem>
+</file>
+
+<file path=customXml/itemProps106.xml><?xml version="1.0" encoding="utf-8"?>
+<ds:datastoreItem xmlns:ds="http://schemas.openxmlformats.org/officeDocument/2006/customXml" ds:itemID="{29BF925D-CF27-4B21-AC43-2599465F0C8E}">
+  <ds:schemaRefs>
+    <ds:schemaRef ds:uri="http://schemas.microsoft.com/VisualStudio/2011/storyboarding/control"/>
+  </ds:schemaRefs>
+</ds:datastoreItem>
+</file>
+
+<file path=customXml/itemProps107.xml><?xml version="1.0" encoding="utf-8"?>
+<ds:datastoreItem xmlns:ds="http://schemas.openxmlformats.org/officeDocument/2006/customXml" ds:itemID="{701AFE5A-ADCF-4311-A5B5-18B338C7E907}">
+  <ds:schemaRefs>
+    <ds:schemaRef ds:uri="http://schemas.microsoft.com/VisualStudio/2011/storyboarding/control"/>
+  </ds:schemaRefs>
+</ds:datastoreItem>
+</file>
+
+<file path=customXml/itemProps108.xml><?xml version="1.0" encoding="utf-8"?>
+<ds:datastoreItem xmlns:ds="http://schemas.openxmlformats.org/officeDocument/2006/customXml" ds:itemID="{39B4EC38-E361-46E0-8D00-ECAF682C5ACD}">
+  <ds:schemaRefs>
+    <ds:schemaRef ds:uri="http://schemas.microsoft.com/VisualStudio/2011/storyboarding/control"/>
+  </ds:schemaRefs>
+</ds:datastoreItem>
+</file>
+
+<file path=customXml/itemProps109.xml><?xml version="1.0" encoding="utf-8"?>
+<ds:datastoreItem xmlns:ds="http://schemas.openxmlformats.org/officeDocument/2006/customXml" ds:itemID="{DC24DB23-C3E0-4806-934A-5531299BFC48}">
+  <ds:schemaRefs>
+    <ds:schemaRef ds:uri="http://schemas.microsoft.com/VisualStudio/2011/storyboarding/control"/>
+  </ds:schemaRefs>
+</ds:datastoreItem>
+</file>
+
+<file path=customXml/itemProps11.xml><?xml version="1.0" encoding="utf-8"?>
+<ds:datastoreItem xmlns:ds="http://schemas.openxmlformats.org/officeDocument/2006/customXml" ds:itemID="{9F80CF27-93E9-4C7B-88EF-82FB0C72DF62}">
+  <ds:schemaRefs>
+    <ds:schemaRef ds:uri="http://schemas.microsoft.com/VisualStudio/2011/storyboarding/control"/>
+  </ds:schemaRefs>
+</ds:datastoreItem>
+</file>
+
+<file path=customXml/itemProps110.xml><?xml version="1.0" encoding="utf-8"?>
+<ds:datastoreItem xmlns:ds="http://schemas.openxmlformats.org/officeDocument/2006/customXml" ds:itemID="{66473726-355D-4770-B3A7-C570829AF4FF}">
+  <ds:schemaRefs>
+    <ds:schemaRef ds:uri="http://schemas.microsoft.com/VisualStudio/2011/storyboarding/control"/>
+  </ds:schemaRefs>
+</ds:datastoreItem>
+</file>
+
+<file path=customXml/itemProps111.xml><?xml version="1.0" encoding="utf-8"?>
+<ds:datastoreItem xmlns:ds="http://schemas.openxmlformats.org/officeDocument/2006/customXml" ds:itemID="{E294892A-3658-4202-AA42-2B0D6B79927E}">
+  <ds:schemaRefs>
+    <ds:schemaRef ds:uri="http://schemas.microsoft.com/VisualStudio/2011/storyboarding/control"/>
+  </ds:schemaRefs>
+</ds:datastoreItem>
+</file>
+
+<file path=customXml/itemProps112.xml><?xml version="1.0" encoding="utf-8"?>
+<ds:datastoreItem xmlns:ds="http://schemas.openxmlformats.org/officeDocument/2006/customXml" ds:itemID="{F01453C2-8AA6-4320-933D-80786B0C2F4B}">
+  <ds:schemaRefs>
+    <ds:schemaRef ds:uri="http://schemas.microsoft.com/VisualStudio/2011/storyboarding/control"/>
+  </ds:schemaRefs>
+</ds:datastoreItem>
+</file>
+
+<file path=customXml/itemProps113.xml><?xml version="1.0" encoding="utf-8"?>
+<ds:datastoreItem xmlns:ds="http://schemas.openxmlformats.org/officeDocument/2006/customXml" ds:itemID="{EF5EA3E2-3902-4CA0-93F4-4F361DF72ABD}">
+  <ds:schemaRefs>
+    <ds:schemaRef ds:uri="http://schemas.microsoft.com/VisualStudio/2011/storyboarding/control"/>
+  </ds:schemaRefs>
+</ds:datastoreItem>
+</file>
+
+<file path=customXml/itemProps114.xml><?xml version="1.0" encoding="utf-8"?>
+<ds:datastoreItem xmlns:ds="http://schemas.openxmlformats.org/officeDocument/2006/customXml" ds:itemID="{A1F43F78-8591-47F2-9A56-991B5C2DCCFC}">
+  <ds:schemaRefs>
+    <ds:schemaRef ds:uri="http://schemas.microsoft.com/VisualStudio/2011/storyboarding/control"/>
+  </ds:schemaRefs>
+</ds:datastoreItem>
+</file>
+
+<file path=customXml/itemProps115.xml><?xml version="1.0" encoding="utf-8"?>
+<ds:datastoreItem xmlns:ds="http://schemas.openxmlformats.org/officeDocument/2006/customXml" ds:itemID="{C14734D5-9FB1-4C35-A180-105B4BA15CD3}">
+  <ds:schemaRefs>
+    <ds:schemaRef ds:uri="http://schemas.microsoft.com/VisualStudio/2011/storyboarding/control"/>
+  </ds:schemaRefs>
+</ds:datastoreItem>
+</file>
+
+<file path=customXml/itemProps116.xml><?xml version="1.0" encoding="utf-8"?>
+<ds:datastoreItem xmlns:ds="http://schemas.openxmlformats.org/officeDocument/2006/customXml" ds:itemID="{C4583063-FB7A-486E-B271-71E78059E19B}">
+  <ds:schemaRefs>
+    <ds:schemaRef ds:uri="http://schemas.microsoft.com/VisualStudio/2011/storyboarding/control"/>
+  </ds:schemaRefs>
+</ds:datastoreItem>
+</file>
+
+<file path=customXml/itemProps117.xml><?xml version="1.0" encoding="utf-8"?>
+<ds:datastoreItem xmlns:ds="http://schemas.openxmlformats.org/officeDocument/2006/customXml" ds:itemID="{7CABBE05-1DB8-413F-B922-E51F51DB6CB5}">
+  <ds:schemaRefs>
+    <ds:schemaRef ds:uri="http://schemas.microsoft.com/VisualStudio/2011/storyboarding/control"/>
+  </ds:schemaRefs>
+</ds:datastoreItem>
+</file>
+
+<file path=customXml/itemProps118.xml><?xml version="1.0" encoding="utf-8"?>
+<ds:datastoreItem xmlns:ds="http://schemas.openxmlformats.org/officeDocument/2006/customXml" ds:itemID="{CF91C9AF-FB44-4B2D-B964-EA853D542988}">
+  <ds:schemaRefs>
+    <ds:schemaRef ds:uri="http://schemas.microsoft.com/VisualStudio/2011/storyboarding/control"/>
+  </ds:schemaRefs>
+</ds:datastoreItem>
+</file>
+
+<file path=customXml/itemProps119.xml><?xml version="1.0" encoding="utf-8"?>
+<ds:datastoreItem xmlns:ds="http://schemas.openxmlformats.org/officeDocument/2006/customXml" ds:itemID="{E28B7CEA-1FBD-4F14-BDA2-C48C66B37150}">
+  <ds:schemaRefs>
+    <ds:schemaRef ds:uri="http://schemas.microsoft.com/VisualStudio/2011/storyboarding/control"/>
+  </ds:schemaRefs>
+</ds:datastoreItem>
+</file>
+
+<file path=customXml/itemProps12.xml><?xml version="1.0" encoding="utf-8"?>
+<ds:datastoreItem xmlns:ds="http://schemas.openxmlformats.org/officeDocument/2006/customXml" ds:itemID="{FC6544C5-9902-4F92-B15E-0F0FB91FC344}">
+  <ds:schemaRefs>
+    <ds:schemaRef ds:uri="http://schemas.microsoft.com/VisualStudio/2011/storyboarding/control"/>
+  </ds:schemaRefs>
+</ds:datastoreItem>
+</file>
+
+<file path=customXml/itemProps120.xml><?xml version="1.0" encoding="utf-8"?>
+<ds:datastoreItem xmlns:ds="http://schemas.openxmlformats.org/officeDocument/2006/customXml" ds:itemID="{6E62CDAE-686E-4F52-AABB-86BDB1154A1E}">
+  <ds:schemaRefs>
+    <ds:schemaRef ds:uri="http://schemas.microsoft.com/VisualStudio/2011/storyboarding/control"/>
+  </ds:schemaRefs>
+</ds:datastoreItem>
+</file>
+
+<file path=customXml/itemProps121.xml><?xml version="1.0" encoding="utf-8"?>
+<ds:datastoreItem xmlns:ds="http://schemas.openxmlformats.org/officeDocument/2006/customXml" ds:itemID="{F2E40C13-D83C-4295-AAE8-6BAF5097B834}">
+  <ds:schemaRefs>
+    <ds:schemaRef ds:uri="http://schemas.microsoft.com/VisualStudio/2011/storyboarding/control"/>
+  </ds:schemaRefs>
+</ds:datastoreItem>
+</file>
+
+<file path=customXml/itemProps122.xml><?xml version="1.0" encoding="utf-8"?>
+<ds:datastoreItem xmlns:ds="http://schemas.openxmlformats.org/officeDocument/2006/customXml" ds:itemID="{43588560-03AB-428A-9CE4-A6AC7508369A}">
+  <ds:schemaRefs>
+    <ds:schemaRef ds:uri="http://schemas.microsoft.com/VisualStudio/2011/storyboarding/control"/>
+  </ds:schemaRefs>
+</ds:datastoreItem>
+</file>
+
+<file path=customXml/itemProps123.xml><?xml version="1.0" encoding="utf-8"?>
+<ds:datastoreItem xmlns:ds="http://schemas.openxmlformats.org/officeDocument/2006/customXml" ds:itemID="{8B573C24-C1CA-4AD9-8793-CFC1E42E3841}">
+  <ds:schemaRefs>
+    <ds:schemaRef ds:uri="http://schemas.microsoft.com/VisualStudio/2011/storyboarding/control"/>
+  </ds:schemaRefs>
+</ds:datastoreItem>
+</file>
+
+<file path=customXml/itemProps124.xml><?xml version="1.0" encoding="utf-8"?>
+<ds:datastoreItem xmlns:ds="http://schemas.openxmlformats.org/officeDocument/2006/customXml" ds:itemID="{438B7A44-EBDD-41BA-B093-6D278F4F7459}">
+  <ds:schemaRefs>
+    <ds:schemaRef ds:uri="http://schemas.microsoft.com/VisualStudio/2011/storyboarding/control"/>
+  </ds:schemaRefs>
+</ds:datastoreItem>
+</file>
+
+<file path=customXml/itemProps125.xml><?xml version="1.0" encoding="utf-8"?>
+<ds:datastoreItem xmlns:ds="http://schemas.openxmlformats.org/officeDocument/2006/customXml" ds:itemID="{17A9B085-8E1A-4A33-B871-8166221A211A}">
+  <ds:schemaRefs>
+    <ds:schemaRef ds:uri="http://schemas.microsoft.com/VisualStudio/2011/storyboarding/control"/>
+  </ds:schemaRefs>
+</ds:datastoreItem>
+</file>
+
+<file path=customXml/itemProps126.xml><?xml version="1.0" encoding="utf-8"?>
+<ds:datastoreItem xmlns:ds="http://schemas.openxmlformats.org/officeDocument/2006/customXml" ds:itemID="{199B4AEE-2A28-4269-AEAC-CF63B1A2C9C1}">
+  <ds:schemaRefs>
+    <ds:schemaRef ds:uri="http://schemas.microsoft.com/VisualStudio/2011/storyboarding/control"/>
+  </ds:schemaRefs>
+</ds:datastoreItem>
+</file>
+
+<file path=customXml/itemProps127.xml><?xml version="1.0" encoding="utf-8"?>
+<ds:datastoreItem xmlns:ds="http://schemas.openxmlformats.org/officeDocument/2006/customXml" ds:itemID="{AABF63A9-AA30-4DF6-8EF2-972AB7A4097F}">
+  <ds:schemaRefs>
+    <ds:schemaRef ds:uri="http://schemas.microsoft.com/VisualStudio/2011/storyboarding/control"/>
+  </ds:schemaRefs>
+</ds:datastoreItem>
+</file>
+
+<file path=customXml/itemProps128.xml><?xml version="1.0" encoding="utf-8"?>
+<ds:datastoreItem xmlns:ds="http://schemas.openxmlformats.org/officeDocument/2006/customXml" ds:itemID="{48A06D39-512F-41A5-AE3C-7B4CDB4AC086}">
+  <ds:schemaRefs>
+    <ds:schemaRef ds:uri="http://schemas.microsoft.com/VisualStudio/2011/storyboarding/control"/>
+  </ds:schemaRefs>
+</ds:datastoreItem>
+</file>
+
+<file path=customXml/itemProps129.xml><?xml version="1.0" encoding="utf-8"?>
+<ds:datastoreItem xmlns:ds="http://schemas.openxmlformats.org/officeDocument/2006/customXml" ds:itemID="{0D8F2650-9E27-4603-BD35-5A059BB60334}">
+  <ds:schemaRefs>
+    <ds:schemaRef ds:uri="http://schemas.microsoft.com/VisualStudio/2011/storyboarding/control"/>
+  </ds:schemaRefs>
+</ds:datastoreItem>
+</file>
+
+<file path=customXml/itemProps13.xml><?xml version="1.0" encoding="utf-8"?>
+<ds:datastoreItem xmlns:ds="http://schemas.openxmlformats.org/officeDocument/2006/customXml" ds:itemID="{DB2000C8-B277-4324-8B80-CDB83E8CE835}">
+  <ds:schemaRefs>
+    <ds:schemaRef ds:uri="http://schemas.microsoft.com/VisualStudio/2011/storyboarding/control"/>
+  </ds:schemaRefs>
+</ds:datastoreItem>
+</file>
+
+<file path=customXml/itemProps130.xml><?xml version="1.0" encoding="utf-8"?>
+<ds:datastoreItem xmlns:ds="http://schemas.openxmlformats.org/officeDocument/2006/customXml" ds:itemID="{9DAF7C4A-2E75-435E-8C11-B1DC53AC52EB}">
+  <ds:schemaRefs>
+    <ds:schemaRef ds:uri="http://schemas.microsoft.com/VisualStudio/2011/storyboarding/control"/>
+  </ds:schemaRefs>
+</ds:datastoreItem>
+</file>
+
+<file path=customXml/itemProps131.xml><?xml version="1.0" encoding="utf-8"?>
+<ds:datastoreItem xmlns:ds="http://schemas.openxmlformats.org/officeDocument/2006/customXml" ds:itemID="{9F2E68F6-6824-42A7-A3A1-3AE0F539496E}">
+  <ds:schemaRefs>
+    <ds:schemaRef ds:uri="http://schemas.microsoft.com/VisualStudio/2011/storyboarding/control"/>
+  </ds:schemaRefs>
+</ds:datastoreItem>
+</file>
+
+<file path=customXml/itemProps132.xml><?xml version="1.0" encoding="utf-8"?>
+<ds:datastoreItem xmlns:ds="http://schemas.openxmlformats.org/officeDocument/2006/customXml" ds:itemID="{3339E7B3-364E-4EE1-ABAB-0EFEF3F7CE1F}">
+  <ds:schemaRefs>
+    <ds:schemaRef ds:uri="http://schemas.microsoft.com/VisualStudio/2011/storyboarding/control"/>
+  </ds:schemaRefs>
+</ds:datastoreItem>
+</file>
+
+<file path=customXml/itemProps133.xml><?xml version="1.0" encoding="utf-8"?>
+<ds:datastoreItem xmlns:ds="http://schemas.openxmlformats.org/officeDocument/2006/customXml" ds:itemID="{8A2DA60F-9248-4608-A0A6-DFDF19A97A2E}">
+  <ds:schemaRefs>
+    <ds:schemaRef ds:uri="http://schemas.microsoft.com/VisualStudio/2011/storyboarding/control"/>
+  </ds:schemaRefs>
+</ds:datastoreItem>
+</file>
+
+<file path=customXml/itemProps134.xml><?xml version="1.0" encoding="utf-8"?>
+<ds:datastoreItem xmlns:ds="http://schemas.openxmlformats.org/officeDocument/2006/customXml" ds:itemID="{991C2A14-C674-4C12-8CE8-7EAE1ABB4197}">
+  <ds:schemaRefs>
+    <ds:schemaRef ds:uri="http://schemas.microsoft.com/VisualStudio/2011/storyboarding/control"/>
+  </ds:schemaRefs>
+</ds:datastoreItem>
+</file>
+
+<file path=customXml/itemProps135.xml><?xml version="1.0" encoding="utf-8"?>
+<ds:datastoreItem xmlns:ds="http://schemas.openxmlformats.org/officeDocument/2006/customXml" ds:itemID="{BC9894E6-7AC8-4518-A802-8C98F8565837}">
+  <ds:schemaRefs>
+    <ds:schemaRef ds:uri="http://schemas.microsoft.com/VisualStudio/2011/storyboarding/control"/>
+  </ds:schemaRefs>
+</ds:datastoreItem>
+</file>
+
+<file path=customXml/itemProps136.xml><?xml version="1.0" encoding="utf-8"?>
+<ds:datastoreItem xmlns:ds="http://schemas.openxmlformats.org/officeDocument/2006/customXml" ds:itemID="{0CCA9F88-8784-4D3A-B544-5E75264A0988}">
+  <ds:schemaRefs>
+    <ds:schemaRef ds:uri="http://schemas.microsoft.com/VisualStudio/2011/storyboarding/control"/>
+  </ds:schemaRefs>
+</ds:datastoreItem>
+</file>
+
+<file path=customXml/itemProps137.xml><?xml version="1.0" encoding="utf-8"?>
+<ds:datastoreItem xmlns:ds="http://schemas.openxmlformats.org/officeDocument/2006/customXml" ds:itemID="{C8AF95B6-D0D3-4619-AB57-6FEEA90FA132}">
+  <ds:schemaRefs>
+    <ds:schemaRef ds:uri="http://schemas.microsoft.com/VisualStudio/2011/storyboarding/control"/>
+  </ds:schemaRefs>
+</ds:datastoreItem>
+</file>
+
+<file path=customXml/itemProps138.xml><?xml version="1.0" encoding="utf-8"?>
+<ds:datastoreItem xmlns:ds="http://schemas.openxmlformats.org/officeDocument/2006/customXml" ds:itemID="{6226C0E4-0364-460C-AAB7-9D347567DCC8}">
+  <ds:schemaRefs>
+    <ds:schemaRef ds:uri="http://schemas.microsoft.com/VisualStudio/2011/storyboarding/control"/>
+  </ds:schemaRefs>
+</ds:datastoreItem>
+</file>
+
+<file path=customXml/itemProps139.xml><?xml version="1.0" encoding="utf-8"?>
+<ds:datastoreItem xmlns:ds="http://schemas.openxmlformats.org/officeDocument/2006/customXml" ds:itemID="{186177FB-D9AA-47FB-AA70-F2EB801F860E}">
+  <ds:schemaRefs>
+    <ds:schemaRef ds:uri="http://schemas.microsoft.com/VisualStudio/2011/storyboarding/control"/>
+  </ds:schemaRefs>
+</ds:datastoreItem>
+</file>
+
+<file path=customXml/itemProps14.xml><?xml version="1.0" encoding="utf-8"?>
+<ds:datastoreItem xmlns:ds="http://schemas.openxmlformats.org/officeDocument/2006/customXml" ds:itemID="{DC4F4190-4090-481C-95E3-E7A883513D24}">
+  <ds:schemaRefs>
+    <ds:schemaRef ds:uri="http://schemas.microsoft.com/VisualStudio/2011/storyboarding/control"/>
+  </ds:schemaRefs>
+</ds:datastoreItem>
+</file>
+
+<file path=customXml/itemProps140.xml><?xml version="1.0" encoding="utf-8"?>
+<ds:datastoreItem xmlns:ds="http://schemas.openxmlformats.org/officeDocument/2006/customXml" ds:itemID="{B7D85223-23F1-4ACF-89DD-EE38AA7E4772}">
+  <ds:schemaRefs>
+    <ds:schemaRef ds:uri="http://schemas.microsoft.com/VisualStudio/2011/storyboarding/control"/>
+  </ds:schemaRefs>
+</ds:datastoreItem>
+</file>
+
+<file path=customXml/itemProps141.xml><?xml version="1.0" encoding="utf-8"?>
+<ds:datastoreItem xmlns:ds="http://schemas.openxmlformats.org/officeDocument/2006/customXml" ds:itemID="{8F7399B1-A9DB-4D84-95B4-5DD6BBAA5187}">
+  <ds:schemaRefs>
+    <ds:schemaRef ds:uri="http://schemas.microsoft.com/VisualStudio/2011/storyboarding/control"/>
+  </ds:schemaRefs>
+</ds:datastoreItem>
+</file>
+
+<file path=customXml/itemProps142.xml><?xml version="1.0" encoding="utf-8"?>
+<ds:datastoreItem xmlns:ds="http://schemas.openxmlformats.org/officeDocument/2006/customXml" ds:itemID="{9D841488-D9C9-470B-9DF0-06BC6C2C0775}">
+  <ds:schemaRefs>
+    <ds:schemaRef ds:uri="http://schemas.microsoft.com/VisualStudio/2011/storyboarding/control"/>
+  </ds:schemaRefs>
+</ds:datastoreItem>
+</file>
+
+<file path=customXml/itemProps143.xml><?xml version="1.0" encoding="utf-8"?>
+<ds:datastoreItem xmlns:ds="http://schemas.openxmlformats.org/officeDocument/2006/customXml" ds:itemID="{726BE286-E05E-4A7E-9BF6-44FFEC27C080}">
+  <ds:schemaRefs>
+    <ds:schemaRef ds:uri="http://schemas.microsoft.com/VisualStudio/2011/storyboarding/control"/>
+  </ds:schemaRefs>
+</ds:datastoreItem>
+</file>
+
+<file path=customXml/itemProps144.xml><?xml version="1.0" encoding="utf-8"?>
+<ds:datastoreItem xmlns:ds="http://schemas.openxmlformats.org/officeDocument/2006/customXml" ds:itemID="{215132C6-5D8F-4E41-9882-494A7FC0C124}">
+  <ds:schemaRefs>
+    <ds:schemaRef ds:uri="http://schemas.microsoft.com/VisualStudio/2011/storyboarding/control"/>
+  </ds:schemaRefs>
+</ds:datastoreItem>
+</file>
+
+<file path=customXml/itemProps145.xml><?xml version="1.0" encoding="utf-8"?>
+<ds:datastoreItem xmlns:ds="http://schemas.openxmlformats.org/officeDocument/2006/customXml" ds:itemID="{3154CB70-BAFF-4B34-BC33-BD1C66EB86D7}">
+  <ds:schemaRefs>
+    <ds:schemaRef ds:uri="http://schemas.microsoft.com/VisualStudio/2011/storyboarding/control"/>
+  </ds:schemaRefs>
+</ds:datastoreItem>
+</file>
+
+<file path=customXml/itemProps146.xml><?xml version="1.0" encoding="utf-8"?>
+<ds:datastoreItem xmlns:ds="http://schemas.openxmlformats.org/officeDocument/2006/customXml" ds:itemID="{B0402FE7-8C5A-480B-84D5-E3BA5D7DDA9A}">
+  <ds:schemaRefs>
+    <ds:schemaRef ds:uri="http://schemas.microsoft.com/VisualStudio/2011/storyboarding/control"/>
+  </ds:schemaRefs>
+</ds:datastoreItem>
+</file>
+
+<file path=customXml/itemProps147.xml><?xml version="1.0" encoding="utf-8"?>
+<ds:datastoreItem xmlns:ds="http://schemas.openxmlformats.org/officeDocument/2006/customXml" ds:itemID="{654CBC2D-27EC-43DB-ABA4-3FBDF37D3735}">
+  <ds:schemaRefs>
+    <ds:schemaRef ds:uri="http://schemas.microsoft.com/VisualStudio/2011/storyboarding/control"/>
+  </ds:schemaRefs>
+</ds:datastoreItem>
+</file>
+
+<file path=customXml/itemProps148.xml><?xml version="1.0" encoding="utf-8"?>
+<ds:datastoreItem xmlns:ds="http://schemas.openxmlformats.org/officeDocument/2006/customXml" ds:itemID="{E886A3B6-32CF-43FB-BFDC-824E566105C6}">
+  <ds:schemaRefs>
+    <ds:schemaRef ds:uri="http://schemas.microsoft.com/VisualStudio/2011/storyboarding/control"/>
+  </ds:schemaRefs>
+</ds:datastoreItem>
+</file>
+
+<file path=customXml/itemProps149.xml><?xml version="1.0" encoding="utf-8"?>
+<ds:datastoreItem xmlns:ds="http://schemas.openxmlformats.org/officeDocument/2006/customXml" ds:itemID="{88AA68C0-8773-416C-9DC4-14824D3391C3}">
+  <ds:schemaRefs>
+    <ds:schemaRef ds:uri="http://schemas.microsoft.com/VisualStudio/2011/storyboarding/control"/>
+  </ds:schemaRefs>
+</ds:datastoreItem>
+</file>
+
+<file path=customXml/itemProps15.xml><?xml version="1.0" encoding="utf-8"?>
+<ds:datastoreItem xmlns:ds="http://schemas.openxmlformats.org/officeDocument/2006/customXml" ds:itemID="{83526E43-CC5B-4399-8E1C-823585530259}">
+  <ds:schemaRefs>
+    <ds:schemaRef ds:uri="http://schemas.microsoft.com/VisualStudio/2011/storyboarding/control"/>
+  </ds:schemaRefs>
+</ds:datastoreItem>
+</file>
+
+<file path=customXml/itemProps150.xml><?xml version="1.0" encoding="utf-8"?>
+<ds:datastoreItem xmlns:ds="http://schemas.openxmlformats.org/officeDocument/2006/customXml" ds:itemID="{1E1DC9F1-383D-48D9-A158-FD61EFFEC310}">
+  <ds:schemaRefs>
+    <ds:schemaRef ds:uri="http://schemas.microsoft.com/VisualStudio/2011/storyboarding/control"/>
+  </ds:schemaRefs>
+</ds:datastoreItem>
+</file>
+
+<file path=customXml/itemProps151.xml><?xml version="1.0" encoding="utf-8"?>
+<ds:datastoreItem xmlns:ds="http://schemas.openxmlformats.org/officeDocument/2006/customXml" ds:itemID="{F9C34A43-6DD3-45D9-8C33-A2A94686CFF4}">
+  <ds:schemaRefs>
+    <ds:schemaRef ds:uri="http://schemas.microsoft.com/VisualStudio/2011/storyboarding/control"/>
+  </ds:schemaRefs>
+</ds:datastoreItem>
+</file>
+
+<file path=customXml/itemProps152.xml><?xml version="1.0" encoding="utf-8"?>
+<ds:datastoreItem xmlns:ds="http://schemas.openxmlformats.org/officeDocument/2006/customXml" ds:itemID="{8E111B87-A381-46AA-BB11-318F8ACB4BCA}">
+  <ds:schemaRefs>
+    <ds:schemaRef ds:uri="http://schemas.microsoft.com/VisualStudio/2011/storyboarding/control"/>
+  </ds:schemaRefs>
+</ds:datastoreItem>
+</file>
+
+<file path=customXml/itemProps153.xml><?xml version="1.0" encoding="utf-8"?>
+<ds:datastoreItem xmlns:ds="http://schemas.openxmlformats.org/officeDocument/2006/customXml" ds:itemID="{E243988D-F926-45CE-8E57-8F03AD990A6C}">
+  <ds:schemaRefs>
+    <ds:schemaRef ds:uri="http://schemas.microsoft.com/VisualStudio/2011/storyboarding/control"/>
+  </ds:schemaRefs>
+</ds:datastoreItem>
+</file>
+
+<file path=customXml/itemProps154.xml><?xml version="1.0" encoding="utf-8"?>
+<ds:datastoreItem xmlns:ds="http://schemas.openxmlformats.org/officeDocument/2006/customXml" ds:itemID="{46714D06-B7FD-48A9-91D0-7F1510C73858}">
+  <ds:schemaRefs>
+    <ds:schemaRef ds:uri="http://schemas.microsoft.com/VisualStudio/2011/storyboarding/control"/>
+  </ds:schemaRefs>
+</ds:datastoreItem>
+</file>
+
+<file path=customXml/itemProps155.xml><?xml version="1.0" encoding="utf-8"?>
+<ds:datastoreItem xmlns:ds="http://schemas.openxmlformats.org/officeDocument/2006/customXml" ds:itemID="{500E728B-7A9B-4D12-B59B-8083B681FF18}">
+  <ds:schemaRefs>
+    <ds:schemaRef ds:uri="http://schemas.microsoft.com/VisualStudio/2011/storyboarding/control"/>
+  </ds:schemaRefs>
+</ds:datastoreItem>
+</file>
+
+<file path=customXml/itemProps156.xml><?xml version="1.0" encoding="utf-8"?>
 <ds:datastoreItem xmlns:ds="http://schemas.openxmlformats.org/officeDocument/2006/customXml" ds:itemID="{73C15516-64BE-43A3-9299-7E108DE97C7F}">
   <ds:schemaRefs>
     <ds:schemaRef ds:uri="http://schemas.microsoft.com/VisualStudio/2011/storyboarding/control"/>
@@ -28640,15 +27683,63 @@
 </ds:datastoreItem>
 </file>
 
-<file path=customXml/itemProps100.xml><?xml version="1.0" encoding="utf-8"?>
-<ds:datastoreItem xmlns:ds="http://schemas.openxmlformats.org/officeDocument/2006/customXml" ds:itemID="{E28B7CEA-1FBD-4F14-BDA2-C48C66B37150}">
+<file path=customXml/itemProps157.xml><?xml version="1.0" encoding="utf-8"?>
+<ds:datastoreItem xmlns:ds="http://schemas.openxmlformats.org/officeDocument/2006/customXml" ds:itemID="{24900BF5-C4DC-42A1-8816-A384E671E92A}">
   <ds:schemaRefs>
     <ds:schemaRef ds:uri="http://schemas.microsoft.com/VisualStudio/2011/storyboarding/control"/>
   </ds:schemaRefs>
 </ds:datastoreItem>
 </file>
 
-<file path=customXml/itemProps101.xml><?xml version="1.0" encoding="utf-8"?>
+<file path=customXml/itemProps158.xml><?xml version="1.0" encoding="utf-8"?>
+<ds:datastoreItem xmlns:ds="http://schemas.openxmlformats.org/officeDocument/2006/customXml" ds:itemID="{3E700196-0E07-41FC-8F78-80FE3D9018FD}">
+  <ds:schemaRefs>
+    <ds:schemaRef ds:uri="http://schemas.microsoft.com/VisualStudio/2011/storyboarding/control"/>
+  </ds:schemaRefs>
+</ds:datastoreItem>
+</file>
+
+<file path=customXml/itemProps159.xml><?xml version="1.0" encoding="utf-8"?>
+<ds:datastoreItem xmlns:ds="http://schemas.openxmlformats.org/officeDocument/2006/customXml" ds:itemID="{C36DB154-AE5E-441B-8E32-9C0203D538F6}">
+  <ds:schemaRefs>
+    <ds:schemaRef ds:uri="http://schemas.microsoft.com/VisualStudio/2011/storyboarding/control"/>
+  </ds:schemaRefs>
+</ds:datastoreItem>
+</file>
+
+<file path=customXml/itemProps16.xml><?xml version="1.0" encoding="utf-8"?>
+<ds:datastoreItem xmlns:ds="http://schemas.openxmlformats.org/officeDocument/2006/customXml" ds:itemID="{5F6247E0-2660-41E0-8816-07BF7F4C712D}">
+  <ds:schemaRefs>
+    <ds:schemaRef ds:uri="http://schemas.microsoft.com/VisualStudio/2011/storyboarding/control"/>
+  </ds:schemaRefs>
+</ds:datastoreItem>
+</file>
+
+<file path=customXml/itemProps160.xml><?xml version="1.0" encoding="utf-8"?>
+<ds:datastoreItem xmlns:ds="http://schemas.openxmlformats.org/officeDocument/2006/customXml" ds:itemID="{417DBAC8-3D39-4B42-B14B-DAEC2E68913B}">
+  <ds:schemaRefs>
+    <ds:schemaRef ds:uri="http://schemas.microsoft.com/VisualStudio/2011/storyboarding/control"/>
+  </ds:schemaRefs>
+</ds:datastoreItem>
+</file>
+
+<file path=customXml/itemProps161.xml><?xml version="1.0" encoding="utf-8"?>
+<ds:datastoreItem xmlns:ds="http://schemas.openxmlformats.org/officeDocument/2006/customXml" ds:itemID="{D2FE2441-F4F4-4DD2-A086-4A7D71862FD9}">
+  <ds:schemaRefs>
+    <ds:schemaRef ds:uri="http://schemas.microsoft.com/VisualStudio/2011/storyboarding/control"/>
+  </ds:schemaRefs>
+</ds:datastoreItem>
+</file>
+
+<file path=customXml/itemProps162.xml><?xml version="1.0" encoding="utf-8"?>
+<ds:datastoreItem xmlns:ds="http://schemas.openxmlformats.org/officeDocument/2006/customXml" ds:itemID="{1159427B-15B9-477B-8DAD-D7C81D705523}">
+  <ds:schemaRefs>
+    <ds:schemaRef ds:uri="http://schemas.microsoft.com/VisualStudio/2011/storyboarding/control"/>
+  </ds:schemaRefs>
+</ds:datastoreItem>
+</file>
+
+<file path=customXml/itemProps163.xml><?xml version="1.0" encoding="utf-8"?>
 <ds:datastoreItem xmlns:ds="http://schemas.openxmlformats.org/officeDocument/2006/customXml" ds:itemID="{6806E131-54C6-48B3-984A-5A1F4C5785D2}">
   <ds:schemaRefs>
     <ds:schemaRef ds:uri="http://schemas.microsoft.com/VisualStudio/2011/storyboarding/control"/>
@@ -28656,7 +27747,199 @@
 </ds:datastoreItem>
 </file>
 
-<file path=customXml/itemProps102.xml><?xml version="1.0" encoding="utf-8"?>
+<file path=customXml/itemProps164.xml><?xml version="1.0" encoding="utf-8"?>
+<ds:datastoreItem xmlns:ds="http://schemas.openxmlformats.org/officeDocument/2006/customXml" ds:itemID="{425D7E26-BB5E-460D-97B3-E693C38FDA69}">
+  <ds:schemaRefs>
+    <ds:schemaRef ds:uri="http://schemas.microsoft.com/VisualStudio/2011/storyboarding/control"/>
+  </ds:schemaRefs>
+</ds:datastoreItem>
+</file>
+
+<file path=customXml/itemProps165.xml><?xml version="1.0" encoding="utf-8"?>
+<ds:datastoreItem xmlns:ds="http://schemas.openxmlformats.org/officeDocument/2006/customXml" ds:itemID="{BDF653D0-0803-4E4F-AB2B-0C004B440C9C}">
+  <ds:schemaRefs>
+    <ds:schemaRef ds:uri="http://schemas.microsoft.com/VisualStudio/2011/storyboarding/control"/>
+  </ds:schemaRefs>
+</ds:datastoreItem>
+</file>
+
+<file path=customXml/itemProps166.xml><?xml version="1.0" encoding="utf-8"?>
+<ds:datastoreItem xmlns:ds="http://schemas.openxmlformats.org/officeDocument/2006/customXml" ds:itemID="{ABD876F2-87B3-4F2F-9405-BCB26B393D8D}">
+  <ds:schemaRefs>
+    <ds:schemaRef ds:uri="http://schemas.microsoft.com/VisualStudio/2011/storyboarding/control"/>
+  </ds:schemaRefs>
+</ds:datastoreItem>
+</file>
+
+<file path=customXml/itemProps167.xml><?xml version="1.0" encoding="utf-8"?>
+<ds:datastoreItem xmlns:ds="http://schemas.openxmlformats.org/officeDocument/2006/customXml" ds:itemID="{C85E147C-F6F1-445A-8F29-1DFA76FA167C}">
+  <ds:schemaRefs>
+    <ds:schemaRef ds:uri="http://schemas.microsoft.com/VisualStudio/2011/storyboarding/control"/>
+  </ds:schemaRefs>
+</ds:datastoreItem>
+</file>
+
+<file path=customXml/itemProps168.xml><?xml version="1.0" encoding="utf-8"?>
+<ds:datastoreItem xmlns:ds="http://schemas.openxmlformats.org/officeDocument/2006/customXml" ds:itemID="{99FFFAFB-7A40-49A1-B04F-4A1F6ECF0BAF}">
+  <ds:schemaRefs>
+    <ds:schemaRef ds:uri="http://schemas.microsoft.com/VisualStudio/2011/storyboarding/control"/>
+  </ds:schemaRefs>
+</ds:datastoreItem>
+</file>
+
+<file path=customXml/itemProps169.xml><?xml version="1.0" encoding="utf-8"?>
+<ds:datastoreItem xmlns:ds="http://schemas.openxmlformats.org/officeDocument/2006/customXml" ds:itemID="{FAF279A2-D818-4A3B-9CA3-F56054F0F403}">
+  <ds:schemaRefs>
+    <ds:schemaRef ds:uri="http://schemas.microsoft.com/VisualStudio/2011/storyboarding/control"/>
+  </ds:schemaRefs>
+</ds:datastoreItem>
+</file>
+
+<file path=customXml/itemProps17.xml><?xml version="1.0" encoding="utf-8"?>
+<ds:datastoreItem xmlns:ds="http://schemas.openxmlformats.org/officeDocument/2006/customXml" ds:itemID="{8481EF94-D4A7-4149-8E7B-C8738D2597CA}">
+  <ds:schemaRefs>
+    <ds:schemaRef ds:uri="http://schemas.microsoft.com/VisualStudio/2011/storyboarding/control"/>
+  </ds:schemaRefs>
+</ds:datastoreItem>
+</file>
+
+<file path=customXml/itemProps170.xml><?xml version="1.0" encoding="utf-8"?>
+<ds:datastoreItem xmlns:ds="http://schemas.openxmlformats.org/officeDocument/2006/customXml" ds:itemID="{29F09D18-0D3C-4F1D-ABE0-73E2474806CB}">
+  <ds:schemaRefs>
+    <ds:schemaRef ds:uri="http://schemas.microsoft.com/VisualStudio/2011/storyboarding/control"/>
+  </ds:schemaRefs>
+</ds:datastoreItem>
+</file>
+
+<file path=customXml/itemProps171.xml><?xml version="1.0" encoding="utf-8"?>
+<ds:datastoreItem xmlns:ds="http://schemas.openxmlformats.org/officeDocument/2006/customXml" ds:itemID="{B8677481-C0C6-468D-8B15-ECE0CB48746C}">
+  <ds:schemaRefs>
+    <ds:schemaRef ds:uri="http://schemas.microsoft.com/VisualStudio/2011/storyboarding/control"/>
+  </ds:schemaRefs>
+</ds:datastoreItem>
+</file>
+
+<file path=customXml/itemProps172.xml><?xml version="1.0" encoding="utf-8"?>
+<ds:datastoreItem xmlns:ds="http://schemas.openxmlformats.org/officeDocument/2006/customXml" ds:itemID="{2BDF7FB8-4BA8-46D9-B98A-095F3529F3D4}">
+  <ds:schemaRefs>
+    <ds:schemaRef ds:uri="http://schemas.microsoft.com/VisualStudio/2011/storyboarding/control"/>
+  </ds:schemaRefs>
+</ds:datastoreItem>
+</file>
+
+<file path=customXml/itemProps173.xml><?xml version="1.0" encoding="utf-8"?>
+<ds:datastoreItem xmlns:ds="http://schemas.openxmlformats.org/officeDocument/2006/customXml" ds:itemID="{B01456BF-31CD-4F81-B283-64D56CC0D084}">
+  <ds:schemaRefs>
+    <ds:schemaRef ds:uri="http://schemas.microsoft.com/VisualStudio/2011/storyboarding/control"/>
+  </ds:schemaRefs>
+</ds:datastoreItem>
+</file>
+
+<file path=customXml/itemProps174.xml><?xml version="1.0" encoding="utf-8"?>
+<ds:datastoreItem xmlns:ds="http://schemas.openxmlformats.org/officeDocument/2006/customXml" ds:itemID="{905F7CBB-FF77-4853-ADB2-0B0D37590AA0}">
+  <ds:schemaRefs>
+    <ds:schemaRef ds:uri="http://schemas.microsoft.com/VisualStudio/2011/storyboarding/control"/>
+  </ds:schemaRefs>
+</ds:datastoreItem>
+</file>
+
+<file path=customXml/itemProps175.xml><?xml version="1.0" encoding="utf-8"?>
+<ds:datastoreItem xmlns:ds="http://schemas.openxmlformats.org/officeDocument/2006/customXml" ds:itemID="{8A260A91-3FD6-475C-8E6F-434835560933}">
+  <ds:schemaRefs>
+    <ds:schemaRef ds:uri="http://schemas.microsoft.com/VisualStudio/2011/storyboarding/control"/>
+  </ds:schemaRefs>
+</ds:datastoreItem>
+</file>
+
+<file path=customXml/itemProps176.xml><?xml version="1.0" encoding="utf-8"?>
+<ds:datastoreItem xmlns:ds="http://schemas.openxmlformats.org/officeDocument/2006/customXml" ds:itemID="{1F111213-9B54-4464-8973-266EF211797B}">
+  <ds:schemaRefs>
+    <ds:schemaRef ds:uri="http://schemas.microsoft.com/VisualStudio/2011/storyboarding/control"/>
+  </ds:schemaRefs>
+</ds:datastoreItem>
+</file>
+
+<file path=customXml/itemProps177.xml><?xml version="1.0" encoding="utf-8"?>
+<ds:datastoreItem xmlns:ds="http://schemas.openxmlformats.org/officeDocument/2006/customXml" ds:itemID="{F2C13C45-9FD4-46A1-B566-8CFCB6433E4D}">
+  <ds:schemaRefs>
+    <ds:schemaRef ds:uri="http://schemas.microsoft.com/VisualStudio/2011/storyboarding/control"/>
+  </ds:schemaRefs>
+</ds:datastoreItem>
+</file>
+
+<file path=customXml/itemProps178.xml><?xml version="1.0" encoding="utf-8"?>
+<ds:datastoreItem xmlns:ds="http://schemas.openxmlformats.org/officeDocument/2006/customXml" ds:itemID="{39E72E8E-79BB-456F-8049-0020919B4763}">
+  <ds:schemaRefs>
+    <ds:schemaRef ds:uri="http://schemas.microsoft.com/VisualStudio/2011/storyboarding/control"/>
+  </ds:schemaRefs>
+</ds:datastoreItem>
+</file>
+
+<file path=customXml/itemProps179.xml><?xml version="1.0" encoding="utf-8"?>
+<ds:datastoreItem xmlns:ds="http://schemas.openxmlformats.org/officeDocument/2006/customXml" ds:itemID="{F840D909-519B-49C3-9DCA-97C64A5B9C79}">
+  <ds:schemaRefs>
+    <ds:schemaRef ds:uri="http://schemas.microsoft.com/VisualStudio/2011/storyboarding/control"/>
+  </ds:schemaRefs>
+</ds:datastoreItem>
+</file>
+
+<file path=customXml/itemProps18.xml><?xml version="1.0" encoding="utf-8"?>
+<ds:datastoreItem xmlns:ds="http://schemas.openxmlformats.org/officeDocument/2006/customXml" ds:itemID="{9DAE1F11-5474-4CAD-8EC7-A688E310A5AB}">
+  <ds:schemaRefs>
+    <ds:schemaRef ds:uri="http://schemas.microsoft.com/VisualStudio/2011/storyboarding/control"/>
+  </ds:schemaRefs>
+</ds:datastoreItem>
+</file>
+
+<file path=customXml/itemProps180.xml><?xml version="1.0" encoding="utf-8"?>
+<ds:datastoreItem xmlns:ds="http://schemas.openxmlformats.org/officeDocument/2006/customXml" ds:itemID="{B989AF36-C9FB-411F-9E56-CEC5A99810B6}">
+  <ds:schemaRefs>
+    <ds:schemaRef ds:uri="http://schemas.microsoft.com/VisualStudio/2011/storyboarding/control"/>
+  </ds:schemaRefs>
+</ds:datastoreItem>
+</file>
+
+<file path=customXml/itemProps181.xml><?xml version="1.0" encoding="utf-8"?>
+<ds:datastoreItem xmlns:ds="http://schemas.openxmlformats.org/officeDocument/2006/customXml" ds:itemID="{EB677E35-D137-4C84-9B97-22DCA390BD9F}">
+  <ds:schemaRefs>
+    <ds:schemaRef ds:uri="http://schemas.microsoft.com/VisualStudio/2011/storyboarding/control"/>
+  </ds:schemaRefs>
+</ds:datastoreItem>
+</file>
+
+<file path=customXml/itemProps182.xml><?xml version="1.0" encoding="utf-8"?>
+<ds:datastoreItem xmlns:ds="http://schemas.openxmlformats.org/officeDocument/2006/customXml" ds:itemID="{D54CCA4C-C7B0-4AED-9D56-0F76C035783B}">
+  <ds:schemaRefs>
+    <ds:schemaRef ds:uri="http://schemas.microsoft.com/VisualStudio/2011/storyboarding/control"/>
+  </ds:schemaRefs>
+</ds:datastoreItem>
+</file>
+
+<file path=customXml/itemProps183.xml><?xml version="1.0" encoding="utf-8"?>
+<ds:datastoreItem xmlns:ds="http://schemas.openxmlformats.org/officeDocument/2006/customXml" ds:itemID="{318A67F4-7454-49D3-B5F7-EDF3AEE6B3CC}">
+  <ds:schemaRefs>
+    <ds:schemaRef ds:uri="http://schemas.microsoft.com/VisualStudio/2011/storyboarding/control"/>
+  </ds:schemaRefs>
+</ds:datastoreItem>
+</file>
+
+<file path=customXml/itemProps184.xml><?xml version="1.0" encoding="utf-8"?>
+<ds:datastoreItem xmlns:ds="http://schemas.openxmlformats.org/officeDocument/2006/customXml" ds:itemID="{A3F62A8C-3D6E-45AB-989A-0299CCDC7BDF}">
+  <ds:schemaRefs>
+    <ds:schemaRef ds:uri="http://schemas.microsoft.com/VisualStudio/2011/storyboarding/control"/>
+  </ds:schemaRefs>
+</ds:datastoreItem>
+</file>
+
+<file path=customXml/itemProps185.xml><?xml version="1.0" encoding="utf-8"?>
+<ds:datastoreItem xmlns:ds="http://schemas.openxmlformats.org/officeDocument/2006/customXml" ds:itemID="{4E626C7F-4024-4418-87D9-7BEE58688CEB}">
+  <ds:schemaRefs>
+    <ds:schemaRef ds:uri="http://schemas.microsoft.com/VisualStudio/2011/storyboarding/control"/>
+  </ds:schemaRefs>
+</ds:datastoreItem>
+</file>
+
+<file path=customXml/itemProps186.xml><?xml version="1.0" encoding="utf-8"?>
 <ds:datastoreItem xmlns:ds="http://schemas.openxmlformats.org/officeDocument/2006/customXml" ds:itemID="{E5957A30-7F08-42CE-A7C9-9121B3EEDB89}">
   <ds:schemaRefs>
     <ds:schemaRef ds:uri="http://schemas.microsoft.com/VisualStudio/2011/storyboarding/control"/>
@@ -28664,63 +27947,119 @@
 </ds:datastoreItem>
 </file>
 
-<file path=customXml/itemProps103.xml><?xml version="1.0" encoding="utf-8"?>
-<ds:datastoreItem xmlns:ds="http://schemas.openxmlformats.org/officeDocument/2006/customXml" ds:itemID="{9C6114CB-F4BA-4F35-827A-2DA5F8B255B0}">
+<file path=customXml/itemProps187.xml><?xml version="1.0" encoding="utf-8"?>
+<ds:datastoreItem xmlns:ds="http://schemas.openxmlformats.org/officeDocument/2006/customXml" ds:itemID="{E0CC2506-29F9-46DF-9492-65B12C0522D5}">
   <ds:schemaRefs>
     <ds:schemaRef ds:uri="http://schemas.microsoft.com/VisualStudio/2011/storyboarding/control"/>
   </ds:schemaRefs>
 </ds:datastoreItem>
 </file>
 
-<file path=customXml/itemProps104.xml><?xml version="1.0" encoding="utf-8"?>
-<ds:datastoreItem xmlns:ds="http://schemas.openxmlformats.org/officeDocument/2006/customXml" ds:itemID="{0B5327E3-0261-4B48-BF6B-FF0257762827}">
+<file path=customXml/itemProps188.xml><?xml version="1.0" encoding="utf-8"?>
+<ds:datastoreItem xmlns:ds="http://schemas.openxmlformats.org/officeDocument/2006/customXml" ds:itemID="{E194B3CD-86C3-4F6B-A743-1D8043783C25}">
   <ds:schemaRefs>
     <ds:schemaRef ds:uri="http://schemas.microsoft.com/VisualStudio/2011/storyboarding/control"/>
   </ds:schemaRefs>
 </ds:datastoreItem>
 </file>
 
-<file path=customXml/itemProps105.xml><?xml version="1.0" encoding="utf-8"?>
-<ds:datastoreItem xmlns:ds="http://schemas.openxmlformats.org/officeDocument/2006/customXml" ds:itemID="{6E62CDAE-686E-4F52-AABB-86BDB1154A1E}">
+<file path=customXml/itemProps189.xml><?xml version="1.0" encoding="utf-8"?>
+<ds:datastoreItem xmlns:ds="http://schemas.openxmlformats.org/officeDocument/2006/customXml" ds:itemID="{57FFB7F0-24A5-4BA8-AA91-8BFC251E2323}">
   <ds:schemaRefs>
     <ds:schemaRef ds:uri="http://schemas.microsoft.com/VisualStudio/2011/storyboarding/control"/>
   </ds:schemaRefs>
 </ds:datastoreItem>
 </file>
 
-<file path=customXml/itemProps106.xml><?xml version="1.0" encoding="utf-8"?>
-<ds:datastoreItem xmlns:ds="http://schemas.openxmlformats.org/officeDocument/2006/customXml" ds:itemID="{46714D06-B7FD-48A9-91D0-7F1510C73858}">
+<file path=customXml/itemProps19.xml><?xml version="1.0" encoding="utf-8"?>
+<ds:datastoreItem xmlns:ds="http://schemas.openxmlformats.org/officeDocument/2006/customXml" ds:itemID="{C30452E4-8A6C-404A-B689-8E04350A6B59}">
   <ds:schemaRefs>
     <ds:schemaRef ds:uri="http://schemas.microsoft.com/VisualStudio/2011/storyboarding/control"/>
   </ds:schemaRefs>
 </ds:datastoreItem>
 </file>
 
-<file path=customXml/itemProps107.xml><?xml version="1.0" encoding="utf-8"?>
-<ds:datastoreItem xmlns:ds="http://schemas.openxmlformats.org/officeDocument/2006/customXml" ds:itemID="{F2B3FB12-0841-4AD8-9A0B-0A04CC6A8CFC}">
+<file path=customXml/itemProps190.xml><?xml version="1.0" encoding="utf-8"?>
+<ds:datastoreItem xmlns:ds="http://schemas.openxmlformats.org/officeDocument/2006/customXml" ds:itemID="{BE30DC31-8F8A-48CF-A072-77607577B2FB}">
   <ds:schemaRefs>
     <ds:schemaRef ds:uri="http://schemas.microsoft.com/VisualStudio/2011/storyboarding/control"/>
   </ds:schemaRefs>
 </ds:datastoreItem>
 </file>
 
-<file path=customXml/itemProps108.xml><?xml version="1.0" encoding="utf-8"?>
-<ds:datastoreItem xmlns:ds="http://schemas.openxmlformats.org/officeDocument/2006/customXml" ds:itemID="{1877004B-50A8-4877-B8FF-7DD1DC8224C2}">
+<file path=customXml/itemProps191.xml><?xml version="1.0" encoding="utf-8"?>
+<ds:datastoreItem xmlns:ds="http://schemas.openxmlformats.org/officeDocument/2006/customXml" ds:itemID="{9D302521-BA49-4917-9E8F-7F06410FFC0F}">
   <ds:schemaRefs>
     <ds:schemaRef ds:uri="http://schemas.microsoft.com/VisualStudio/2011/storyboarding/control"/>
   </ds:schemaRefs>
 </ds:datastoreItem>
 </file>
 
-<file path=customXml/itemProps109.xml><?xml version="1.0" encoding="utf-8"?>
-<ds:datastoreItem xmlns:ds="http://schemas.openxmlformats.org/officeDocument/2006/customXml" ds:itemID="{C05A56CC-DCFE-4A97-B103-5E1633E28254}">
+<file path=customXml/itemProps192.xml><?xml version="1.0" encoding="utf-8"?>
+<ds:datastoreItem xmlns:ds="http://schemas.openxmlformats.org/officeDocument/2006/customXml" ds:itemID="{247695CD-B2DD-488A-8575-5345C166802C}">
   <ds:schemaRefs>
     <ds:schemaRef ds:uri="http://schemas.microsoft.com/VisualStudio/2011/storyboarding/control"/>
   </ds:schemaRefs>
 </ds:datastoreItem>
 </file>
 
-<file path=customXml/itemProps11.xml><?xml version="1.0" encoding="utf-8"?>
+<file path=customXml/itemProps193.xml><?xml version="1.0" encoding="utf-8"?>
+<ds:datastoreItem xmlns:ds="http://schemas.openxmlformats.org/officeDocument/2006/customXml" ds:itemID="{A41DC63A-40F8-492D-A1AF-3E8E88975D17}">
+  <ds:schemaRefs>
+    <ds:schemaRef ds:uri="http://schemas.microsoft.com/VisualStudio/2011/storyboarding/control"/>
+  </ds:schemaRefs>
+</ds:datastoreItem>
+</file>
+
+<file path=customXml/itemProps194.xml><?xml version="1.0" encoding="utf-8"?>
+<ds:datastoreItem xmlns:ds="http://schemas.openxmlformats.org/officeDocument/2006/customXml" ds:itemID="{063AF5E8-36AD-451D-9B6A-4390E8F3CF38}">
+  <ds:schemaRefs>
+    <ds:schemaRef ds:uri="http://schemas.microsoft.com/VisualStudio/2011/storyboarding/control"/>
+  </ds:schemaRefs>
+</ds:datastoreItem>
+</file>
+
+<file path=customXml/itemProps195.xml><?xml version="1.0" encoding="utf-8"?>
+<ds:datastoreItem xmlns:ds="http://schemas.openxmlformats.org/officeDocument/2006/customXml" ds:itemID="{D9AB7FC7-C062-483E-9B7E-6CCCBB79B494}">
+  <ds:schemaRefs>
+    <ds:schemaRef ds:uri="http://schemas.microsoft.com/VisualStudio/2011/storyboarding/control"/>
+  </ds:schemaRefs>
+</ds:datastoreItem>
+</file>
+
+<file path=customXml/itemProps196.xml><?xml version="1.0" encoding="utf-8"?>
+<ds:datastoreItem xmlns:ds="http://schemas.openxmlformats.org/officeDocument/2006/customXml" ds:itemID="{2E8BF867-BA02-4DD2-B1A2-C9A27CC92F1F}">
+  <ds:schemaRefs>
+    <ds:schemaRef ds:uri="http://schemas.microsoft.com/VisualStudio/2011/storyboarding/control"/>
+  </ds:schemaRefs>
+</ds:datastoreItem>
+</file>
+
+<file path=customXml/itemProps197.xml><?xml version="1.0" encoding="utf-8"?>
+<ds:datastoreItem xmlns:ds="http://schemas.openxmlformats.org/officeDocument/2006/customXml" ds:itemID="{149B1CD2-B7C7-4B38-9713-13FEE7CAC5CF}">
+  <ds:schemaRefs>
+    <ds:schemaRef ds:uri="http://schemas.microsoft.com/VisualStudio/2011/storyboarding/control"/>
+  </ds:schemaRefs>
+</ds:datastoreItem>
+</file>
+
+<file path=customXml/itemProps198.xml><?xml version="1.0" encoding="utf-8"?>
+<ds:datastoreItem xmlns:ds="http://schemas.openxmlformats.org/officeDocument/2006/customXml" ds:itemID="{7FDD124D-E3E9-4D15-9954-8BE945E00BA2}">
+  <ds:schemaRefs>
+    <ds:schemaRef ds:uri="http://schemas.microsoft.com/VisualStudio/2011/storyboarding/control"/>
+  </ds:schemaRefs>
+</ds:datastoreItem>
+</file>
+
+<file path=customXml/itemProps199.xml><?xml version="1.0" encoding="utf-8"?>
+<ds:datastoreItem xmlns:ds="http://schemas.openxmlformats.org/officeDocument/2006/customXml" ds:itemID="{7BE42E91-3DB4-479E-BE54-A7AF8D6CC46F}">
+  <ds:schemaRefs>
+    <ds:schemaRef ds:uri="http://schemas.microsoft.com/VisualStudio/2011/storyboarding/control"/>
+  </ds:schemaRefs>
+</ds:datastoreItem>
+</file>
+
+<file path=customXml/itemProps2.xml><?xml version="1.0" encoding="utf-8"?>
 <ds:datastoreItem xmlns:ds="http://schemas.openxmlformats.org/officeDocument/2006/customXml" ds:itemID="{6BD97E69-24BE-47DA-8FEB-131A11003B19}">
   <ds:schemaRefs>
     <ds:schemaRef ds:uri="http://schemas.microsoft.com/VisualStudio/2011/storyboarding/control"/>
@@ -28728,87 +28067,103 @@
 </ds:datastoreItem>
 </file>
 
-<file path=customXml/itemProps110.xml><?xml version="1.0" encoding="utf-8"?>
-<ds:datastoreItem xmlns:ds="http://schemas.openxmlformats.org/officeDocument/2006/customXml" ds:itemID="{478663F0-6D22-40DF-A721-0D85AF0A841E}">
+<file path=customXml/itemProps20.xml><?xml version="1.0" encoding="utf-8"?>
+<ds:datastoreItem xmlns:ds="http://schemas.openxmlformats.org/officeDocument/2006/customXml" ds:itemID="{4032A915-244F-4EED-B3D6-A7E329608545}">
   <ds:schemaRefs>
     <ds:schemaRef ds:uri="http://schemas.microsoft.com/VisualStudio/2011/storyboarding/control"/>
   </ds:schemaRefs>
 </ds:datastoreItem>
 </file>
 
-<file path=customXml/itemProps111.xml><?xml version="1.0" encoding="utf-8"?>
-<ds:datastoreItem xmlns:ds="http://schemas.openxmlformats.org/officeDocument/2006/customXml" ds:itemID="{3154CB70-BAFF-4B34-BC33-BD1C66EB86D7}">
+<file path=customXml/itemProps21.xml><?xml version="1.0" encoding="utf-8"?>
+<ds:datastoreItem xmlns:ds="http://schemas.openxmlformats.org/officeDocument/2006/customXml" ds:itemID="{FD6778B7-8FE2-4C81-885D-09500CE283B1}">
   <ds:schemaRefs>
     <ds:schemaRef ds:uri="http://schemas.microsoft.com/VisualStudio/2011/storyboarding/control"/>
   </ds:schemaRefs>
 </ds:datastoreItem>
 </file>
 
-<file path=customXml/itemProps112.xml><?xml version="1.0" encoding="utf-8"?>
-<ds:datastoreItem xmlns:ds="http://schemas.openxmlformats.org/officeDocument/2006/customXml" ds:itemID="{1F111213-9B54-4464-8973-266EF211797B}">
+<file path=customXml/itemProps22.xml><?xml version="1.0" encoding="utf-8"?>
+<ds:datastoreItem xmlns:ds="http://schemas.openxmlformats.org/officeDocument/2006/customXml" ds:itemID="{650ADCBF-4D86-43BF-9817-E7EF6E55BBE7}">
   <ds:schemaRefs>
     <ds:schemaRef ds:uri="http://schemas.microsoft.com/VisualStudio/2011/storyboarding/control"/>
   </ds:schemaRefs>
 </ds:datastoreItem>
 </file>
 
-<file path=customXml/itemProps113.xml><?xml version="1.0" encoding="utf-8"?>
-<ds:datastoreItem xmlns:ds="http://schemas.openxmlformats.org/officeDocument/2006/customXml" ds:itemID="{9DAE1F11-5474-4CAD-8EC7-A688E310A5AB}">
+<file path=customXml/itemProps23.xml><?xml version="1.0" encoding="utf-8"?>
+<ds:datastoreItem xmlns:ds="http://schemas.openxmlformats.org/officeDocument/2006/customXml" ds:itemID="{7EC308D9-C28D-40CD-AB00-4A98E0A77CCC}">
   <ds:schemaRefs>
     <ds:schemaRef ds:uri="http://schemas.microsoft.com/VisualStudio/2011/storyboarding/control"/>
   </ds:schemaRefs>
 </ds:datastoreItem>
 </file>
 
-<file path=customXml/itemProps114.xml><?xml version="1.0" encoding="utf-8"?>
-<ds:datastoreItem xmlns:ds="http://schemas.openxmlformats.org/officeDocument/2006/customXml" ds:itemID="{3C65476E-E005-4058-A679-B2D8F13FF877}">
+<file path=customXml/itemProps24.xml><?xml version="1.0" encoding="utf-8"?>
+<ds:datastoreItem xmlns:ds="http://schemas.openxmlformats.org/officeDocument/2006/customXml" ds:itemID="{AB1DB933-7DE2-4FB6-94F8-DE6617D86614}">
   <ds:schemaRefs>
     <ds:schemaRef ds:uri="http://schemas.microsoft.com/VisualStudio/2011/storyboarding/control"/>
   </ds:schemaRefs>
 </ds:datastoreItem>
 </file>
 
-<file path=customXml/itemProps115.xml><?xml version="1.0" encoding="utf-8"?>
-<ds:datastoreItem xmlns:ds="http://schemas.openxmlformats.org/officeDocument/2006/customXml" ds:itemID="{A1C8479A-2384-424B-B607-91A9FC70F6A4}">
+<file path=customXml/itemProps25.xml><?xml version="1.0" encoding="utf-8"?>
+<ds:datastoreItem xmlns:ds="http://schemas.openxmlformats.org/officeDocument/2006/customXml" ds:itemID="{12FD62BF-A11E-4BD8-9FB1-B9028E90A22E}">
   <ds:schemaRefs>
     <ds:schemaRef ds:uri="http://schemas.microsoft.com/VisualStudio/2011/storyboarding/control"/>
   </ds:schemaRefs>
 </ds:datastoreItem>
 </file>
 
-<file path=customXml/itemProps116.xml><?xml version="1.0" encoding="utf-8"?>
-<ds:datastoreItem xmlns:ds="http://schemas.openxmlformats.org/officeDocument/2006/customXml" ds:itemID="{6226C0E4-0364-460C-AAB7-9D347567DCC8}">
+<file path=customXml/itemProps26.xml><?xml version="1.0" encoding="utf-8"?>
+<ds:datastoreItem xmlns:ds="http://schemas.openxmlformats.org/officeDocument/2006/customXml" ds:itemID="{D9B490FA-A64C-40B6-8247-CD5808900A10}">
   <ds:schemaRefs>
     <ds:schemaRef ds:uri="http://schemas.microsoft.com/VisualStudio/2011/storyboarding/control"/>
   </ds:schemaRefs>
 </ds:datastoreItem>
 </file>
 
-<file path=customXml/itemProps117.xml><?xml version="1.0" encoding="utf-8"?>
-<ds:datastoreItem xmlns:ds="http://schemas.openxmlformats.org/officeDocument/2006/customXml" ds:itemID="{247695CD-B2DD-488A-8575-5345C166802C}">
+<file path=customXml/itemProps27.xml><?xml version="1.0" encoding="utf-8"?>
+<ds:datastoreItem xmlns:ds="http://schemas.openxmlformats.org/officeDocument/2006/customXml" ds:itemID="{43446240-B211-4F80-A50E-E1B38445E2A1}">
   <ds:schemaRefs>
     <ds:schemaRef ds:uri="http://schemas.microsoft.com/VisualStudio/2011/storyboarding/control"/>
   </ds:schemaRefs>
 </ds:datastoreItem>
 </file>
 
-<file path=customXml/itemProps118.xml><?xml version="1.0" encoding="utf-8"?>
-<ds:datastoreItem xmlns:ds="http://schemas.openxmlformats.org/officeDocument/2006/customXml" ds:itemID="{C30452E4-8A6C-404A-B689-8E04350A6B59}">
+<file path=customXml/itemProps28.xml><?xml version="1.0" encoding="utf-8"?>
+<ds:datastoreItem xmlns:ds="http://schemas.openxmlformats.org/officeDocument/2006/customXml" ds:itemID="{D328CE00-11C7-43FB-8EA1-3120331CB9BF}">
   <ds:schemaRefs>
     <ds:schemaRef ds:uri="http://schemas.microsoft.com/VisualStudio/2011/storyboarding/control"/>
   </ds:schemaRefs>
 </ds:datastoreItem>
 </file>
 
-<file path=customXml/itemProps119.xml><?xml version="1.0" encoding="utf-8"?>
-<ds:datastoreItem xmlns:ds="http://schemas.openxmlformats.org/officeDocument/2006/customXml" ds:itemID="{9A59738E-0CC4-436E-B451-F09AF7853BEC}">
+<file path=customXml/itemProps29.xml><?xml version="1.0" encoding="utf-8"?>
+<ds:datastoreItem xmlns:ds="http://schemas.openxmlformats.org/officeDocument/2006/customXml" ds:itemID="{CD6136E2-70EF-4A25-98DD-72EF9D3B7745}">
   <ds:schemaRefs>
     <ds:schemaRef ds:uri="http://schemas.microsoft.com/VisualStudio/2011/storyboarding/control"/>
   </ds:schemaRefs>
 </ds:datastoreItem>
 </file>
 
-<file path=customXml/itemProps12.xml><?xml version="1.0" encoding="utf-8"?>
+<file path=customXml/itemProps3.xml><?xml version="1.0" encoding="utf-8"?>
+<ds:datastoreItem xmlns:ds="http://schemas.openxmlformats.org/officeDocument/2006/customXml" ds:itemID="{46C73D8E-C66E-4332-8B81-F1B9658FF49D}">
+  <ds:schemaRefs>
+    <ds:schemaRef ds:uri="http://schemas.microsoft.com/VisualStudio/2011/storyboarding/control"/>
+  </ds:schemaRefs>
+</ds:datastoreItem>
+</file>
+
+<file path=customXml/itemProps30.xml><?xml version="1.0" encoding="utf-8"?>
+<ds:datastoreItem xmlns:ds="http://schemas.openxmlformats.org/officeDocument/2006/customXml" ds:itemID="{1614024A-3643-477B-806B-8CB820196DA4}">
+  <ds:schemaRefs>
+    <ds:schemaRef ds:uri="http://schemas.microsoft.com/VisualStudio/2011/storyboarding/control"/>
+  </ds:schemaRefs>
+</ds:datastoreItem>
+</file>
+
+<file path=customXml/itemProps31.xml><?xml version="1.0" encoding="utf-8"?>
 <ds:datastoreItem xmlns:ds="http://schemas.openxmlformats.org/officeDocument/2006/customXml" ds:itemID="{C65B337F-737A-48CA-8F75-978A60D7016D}">
   <ds:schemaRefs>
     <ds:schemaRef ds:uri="http://schemas.microsoft.com/VisualStudio/2011/storyboarding/control"/>
@@ -28816,848 +28171,8 @@
 </ds:datastoreItem>
 </file>
 
-<file path=customXml/itemProps120.xml><?xml version="1.0" encoding="utf-8"?>
-<ds:datastoreItem xmlns:ds="http://schemas.openxmlformats.org/officeDocument/2006/customXml" ds:itemID="{A0B644F4-E7AB-4C5F-99FA-46E0F4A05135}">
-  <ds:schemaRefs>
-    <ds:schemaRef ds:uri="http://schemas.microsoft.com/VisualStudio/2011/storyboarding/control"/>
-  </ds:schemaRefs>
-</ds:datastoreItem>
-</file>
-
-<file path=customXml/itemProps121.xml><?xml version="1.0" encoding="utf-8"?>
-<ds:datastoreItem xmlns:ds="http://schemas.openxmlformats.org/officeDocument/2006/customXml" ds:itemID="{0D8F2650-9E27-4603-BD35-5A059BB60334}">
-  <ds:schemaRefs>
-    <ds:schemaRef ds:uri="http://schemas.microsoft.com/VisualStudio/2011/storyboarding/control"/>
-  </ds:schemaRefs>
-</ds:datastoreItem>
-</file>
-
-<file path=customXml/itemProps122.xml><?xml version="1.0" encoding="utf-8"?>
-<ds:datastoreItem xmlns:ds="http://schemas.openxmlformats.org/officeDocument/2006/customXml" ds:itemID="{425D7E26-BB5E-460D-97B3-E693C38FDA69}">
-  <ds:schemaRefs>
-    <ds:schemaRef ds:uri="http://schemas.microsoft.com/VisualStudio/2011/storyboarding/control"/>
-  </ds:schemaRefs>
-</ds:datastoreItem>
-</file>
-
-<file path=customXml/itemProps123.xml><?xml version="1.0" encoding="utf-8"?>
-<ds:datastoreItem xmlns:ds="http://schemas.openxmlformats.org/officeDocument/2006/customXml" ds:itemID="{E0CC2506-29F9-46DF-9492-65B12C0522D5}">
-  <ds:schemaRefs>
-    <ds:schemaRef ds:uri="http://schemas.microsoft.com/VisualStudio/2011/storyboarding/control"/>
-  </ds:schemaRefs>
-</ds:datastoreItem>
-</file>
-
-<file path=customXml/itemProps124.xml><?xml version="1.0" encoding="utf-8"?>
-<ds:datastoreItem xmlns:ds="http://schemas.openxmlformats.org/officeDocument/2006/customXml" ds:itemID="{559BF73F-CE64-4B91-BD49-510468F35CB9}">
-  <ds:schemaRefs>
-    <ds:schemaRef ds:uri="http://schemas.microsoft.com/VisualStudio/2011/storyboarding/control"/>
-  </ds:schemaRefs>
-</ds:datastoreItem>
-</file>
-
-<file path=customXml/itemProps125.xml><?xml version="1.0" encoding="utf-8"?>
-<ds:datastoreItem xmlns:ds="http://schemas.openxmlformats.org/officeDocument/2006/customXml" ds:itemID="{C2FBE948-B9F1-4F1A-AC4F-03962924DC85}">
-  <ds:schemaRefs>
-    <ds:schemaRef ds:uri="http://schemas.microsoft.com/VisualStudio/2011/storyboarding/control"/>
-  </ds:schemaRefs>
-</ds:datastoreItem>
-</file>
-
-<file path=customXml/itemProps126.xml><?xml version="1.0" encoding="utf-8"?>
-<ds:datastoreItem xmlns:ds="http://schemas.openxmlformats.org/officeDocument/2006/customXml" ds:itemID="{F2E40C13-D83C-4295-AAE8-6BAF5097B834}">
-  <ds:schemaRefs>
-    <ds:schemaRef ds:uri="http://schemas.microsoft.com/VisualStudio/2011/storyboarding/control"/>
-  </ds:schemaRefs>
-</ds:datastoreItem>
-</file>
-
-<file path=customXml/itemProps127.xml><?xml version="1.0" encoding="utf-8"?>
-<ds:datastoreItem xmlns:ds="http://schemas.openxmlformats.org/officeDocument/2006/customXml" ds:itemID="{500E728B-7A9B-4D12-B59B-8083B681FF18}">
-  <ds:schemaRefs>
-    <ds:schemaRef ds:uri="http://schemas.microsoft.com/VisualStudio/2011/storyboarding/control"/>
-  </ds:schemaRefs>
-</ds:datastoreItem>
-</file>
-
-<file path=customXml/itemProps128.xml><?xml version="1.0" encoding="utf-8"?>
-<ds:datastoreItem xmlns:ds="http://schemas.openxmlformats.org/officeDocument/2006/customXml" ds:itemID="{A099D91D-2540-412F-88B4-6DD3EB1D58E7}">
-  <ds:schemaRefs>
-    <ds:schemaRef ds:uri="http://schemas.microsoft.com/VisualStudio/2011/storyboarding/control"/>
-  </ds:schemaRefs>
-</ds:datastoreItem>
-</file>
-
-<file path=customXml/itemProps129.xml><?xml version="1.0" encoding="utf-8"?>
-<ds:datastoreItem xmlns:ds="http://schemas.openxmlformats.org/officeDocument/2006/customXml" ds:itemID="{FA597DE2-CFB0-4358-AA98-055ACAFB4418}">
-  <ds:schemaRefs>
-    <ds:schemaRef ds:uri="http://schemas.microsoft.com/VisualStudio/2011/storyboarding/control"/>
-  </ds:schemaRefs>
-</ds:datastoreItem>
-</file>
-
-<file path=customXml/itemProps13.xml><?xml version="1.0" encoding="utf-8"?>
-<ds:datastoreItem xmlns:ds="http://schemas.openxmlformats.org/officeDocument/2006/customXml" ds:itemID="{70E3F600-4C8D-4A3A-BE16-3540F66AD848}">
-  <ds:schemaRefs>
-    <ds:schemaRef ds:uri="http://schemas.microsoft.com/VisualStudio/2011/storyboarding/control"/>
-  </ds:schemaRefs>
-</ds:datastoreItem>
-</file>
-
-<file path=customXml/itemProps130.xml><?xml version="1.0" encoding="utf-8"?>
-<ds:datastoreItem xmlns:ds="http://schemas.openxmlformats.org/officeDocument/2006/customXml" ds:itemID="{B0C9E300-5CAC-4E8C-B9CB-B4EDDB0EC3C8}">
-  <ds:schemaRefs>
-    <ds:schemaRef ds:uri="http://schemas.microsoft.com/VisualStudio/2011/storyboarding/control"/>
-  </ds:schemaRefs>
-</ds:datastoreItem>
-</file>
-
-<file path=customXml/itemProps131.xml><?xml version="1.0" encoding="utf-8"?>
-<ds:datastoreItem xmlns:ds="http://schemas.openxmlformats.org/officeDocument/2006/customXml" ds:itemID="{0987803F-8C29-460C-9CFE-90D062BBF340}">
-  <ds:schemaRefs>
-    <ds:schemaRef ds:uri="http://schemas.microsoft.com/VisualStudio/2011/storyboarding/control"/>
-  </ds:schemaRefs>
-</ds:datastoreItem>
-</file>
-
-<file path=customXml/itemProps132.xml><?xml version="1.0" encoding="utf-8"?>
-<ds:datastoreItem xmlns:ds="http://schemas.openxmlformats.org/officeDocument/2006/customXml" ds:itemID="{06D91DB4-751F-47F3-B3CD-CDDA280C9652}">
-  <ds:schemaRefs>
-    <ds:schemaRef ds:uri="http://schemas.microsoft.com/VisualStudio/2011/storyboarding/control"/>
-  </ds:schemaRefs>
-</ds:datastoreItem>
-</file>
-
-<file path=customXml/itemProps133.xml><?xml version="1.0" encoding="utf-8"?>
-<ds:datastoreItem xmlns:ds="http://schemas.openxmlformats.org/officeDocument/2006/customXml" ds:itemID="{F2C13C45-9FD4-46A1-B566-8CFCB6433E4D}">
-  <ds:schemaRefs>
-    <ds:schemaRef ds:uri="http://schemas.microsoft.com/VisualStudio/2011/storyboarding/control"/>
-  </ds:schemaRefs>
-</ds:datastoreItem>
-</file>
-
-<file path=customXml/itemProps134.xml><?xml version="1.0" encoding="utf-8"?>
-<ds:datastoreItem xmlns:ds="http://schemas.openxmlformats.org/officeDocument/2006/customXml" ds:itemID="{4032A915-244F-4EED-B3D6-A7E329608545}">
-  <ds:schemaRefs>
-    <ds:schemaRef ds:uri="http://schemas.microsoft.com/VisualStudio/2011/storyboarding/control"/>
-  </ds:schemaRefs>
-</ds:datastoreItem>
-</file>
-
-<file path=customXml/itemProps135.xml><?xml version="1.0" encoding="utf-8"?>
-<ds:datastoreItem xmlns:ds="http://schemas.openxmlformats.org/officeDocument/2006/customXml" ds:itemID="{D12E1D60-E53D-431F-ABC8-B98207B7D1E6}">
-  <ds:schemaRefs>
-    <ds:schemaRef ds:uri="http://schemas.microsoft.com/VisualStudio/2011/storyboarding/control"/>
-  </ds:schemaRefs>
-</ds:datastoreItem>
-</file>
-
-<file path=customXml/itemProps136.xml><?xml version="1.0" encoding="utf-8"?>
-<ds:datastoreItem xmlns:ds="http://schemas.openxmlformats.org/officeDocument/2006/customXml" ds:itemID="{8AE17CAA-BEF2-44CD-9DEE-2F8C17585A32}">
-  <ds:schemaRefs>
-    <ds:schemaRef ds:uri="http://schemas.microsoft.com/VisualStudio/2011/storyboarding/control"/>
-  </ds:schemaRefs>
-</ds:datastoreItem>
-</file>
-
-<file path=customXml/itemProps137.xml><?xml version="1.0" encoding="utf-8"?>
-<ds:datastoreItem xmlns:ds="http://schemas.openxmlformats.org/officeDocument/2006/customXml" ds:itemID="{186177FB-D9AA-47FB-AA70-F2EB801F860E}">
-  <ds:schemaRefs>
-    <ds:schemaRef ds:uri="http://schemas.microsoft.com/VisualStudio/2011/storyboarding/control"/>
-  </ds:schemaRefs>
-</ds:datastoreItem>
-</file>
-
-<file path=customXml/itemProps138.xml><?xml version="1.0" encoding="utf-8"?>
-<ds:datastoreItem xmlns:ds="http://schemas.openxmlformats.org/officeDocument/2006/customXml" ds:itemID="{2E8BF867-BA02-4DD2-B1A2-C9A27CC92F1F}">
-  <ds:schemaRefs>
-    <ds:schemaRef ds:uri="http://schemas.microsoft.com/VisualStudio/2011/storyboarding/control"/>
-  </ds:schemaRefs>
-</ds:datastoreItem>
-</file>
-
-<file path=customXml/itemProps139.xml><?xml version="1.0" encoding="utf-8"?>
-<ds:datastoreItem xmlns:ds="http://schemas.openxmlformats.org/officeDocument/2006/customXml" ds:itemID="{FD6778B7-8FE2-4C81-885D-09500CE283B1}">
-  <ds:schemaRefs>
-    <ds:schemaRef ds:uri="http://schemas.microsoft.com/VisualStudio/2011/storyboarding/control"/>
-  </ds:schemaRefs>
-</ds:datastoreItem>
-</file>
-
-<file path=customXml/itemProps14.xml><?xml version="1.0" encoding="utf-8"?>
-<ds:datastoreItem xmlns:ds="http://schemas.openxmlformats.org/officeDocument/2006/customXml" ds:itemID="{A1F43F78-8591-47F2-9A56-991B5C2DCCFC}">
-  <ds:schemaRefs>
-    <ds:schemaRef ds:uri="http://schemas.microsoft.com/VisualStudio/2011/storyboarding/control"/>
-  </ds:schemaRefs>
-</ds:datastoreItem>
-</file>
-
-<file path=customXml/itemProps140.xml><?xml version="1.0" encoding="utf-8"?>
-<ds:datastoreItem xmlns:ds="http://schemas.openxmlformats.org/officeDocument/2006/customXml" ds:itemID="{CF03DD0F-EDED-4182-BF0D-C60EA8AC9FC5}">
-  <ds:schemaRefs>
-    <ds:schemaRef ds:uri="http://schemas.microsoft.com/VisualStudio/2011/storyboarding/control"/>
-  </ds:schemaRefs>
-</ds:datastoreItem>
-</file>
-
-<file path=customXml/itemProps141.xml><?xml version="1.0" encoding="utf-8"?>
-<ds:datastoreItem xmlns:ds="http://schemas.openxmlformats.org/officeDocument/2006/customXml" ds:itemID="{3CA43762-3F39-470A-9564-3739655F8186}">
-  <ds:schemaRefs>
-    <ds:schemaRef ds:uri="http://schemas.microsoft.com/VisualStudio/2011/storyboarding/control"/>
-  </ds:schemaRefs>
-</ds:datastoreItem>
-</file>
-
-<file path=customXml/itemProps142.xml><?xml version="1.0" encoding="utf-8"?>
-<ds:datastoreItem xmlns:ds="http://schemas.openxmlformats.org/officeDocument/2006/customXml" ds:itemID="{9DAF7C4A-2E75-435E-8C11-B1DC53AC52EB}">
-  <ds:schemaRefs>
-    <ds:schemaRef ds:uri="http://schemas.microsoft.com/VisualStudio/2011/storyboarding/control"/>
-  </ds:schemaRefs>
-</ds:datastoreItem>
-</file>
-
-<file path=customXml/itemProps143.xml><?xml version="1.0" encoding="utf-8"?>
-<ds:datastoreItem xmlns:ds="http://schemas.openxmlformats.org/officeDocument/2006/customXml" ds:itemID="{BDF653D0-0803-4E4F-AB2B-0C004B440C9C}">
-  <ds:schemaRefs>
-    <ds:schemaRef ds:uri="http://schemas.microsoft.com/VisualStudio/2011/storyboarding/control"/>
-  </ds:schemaRefs>
-</ds:datastoreItem>
-</file>
-
-<file path=customXml/itemProps144.xml><?xml version="1.0" encoding="utf-8"?>
-<ds:datastoreItem xmlns:ds="http://schemas.openxmlformats.org/officeDocument/2006/customXml" ds:itemID="{E194B3CD-86C3-4F6B-A743-1D8043783C25}">
-  <ds:schemaRefs>
-    <ds:schemaRef ds:uri="http://schemas.microsoft.com/VisualStudio/2011/storyboarding/control"/>
-  </ds:schemaRefs>
-</ds:datastoreItem>
-</file>
-
-<file path=customXml/itemProps145.xml><?xml version="1.0" encoding="utf-8"?>
-<ds:datastoreItem xmlns:ds="http://schemas.openxmlformats.org/officeDocument/2006/customXml" ds:itemID="{451A7426-E19E-4AAF-BFD2-F92A9C112E84}">
-  <ds:schemaRefs>
-    <ds:schemaRef ds:uri="http://schemas.microsoft.com/VisualStudio/2011/storyboarding/control"/>
-  </ds:schemaRefs>
-</ds:datastoreItem>
-</file>
-
-<file path=customXml/itemProps146.xml><?xml version="1.0" encoding="utf-8"?>
-<ds:datastoreItem xmlns:ds="http://schemas.openxmlformats.org/officeDocument/2006/customXml" ds:itemID="{E9B3074F-7568-498E-AB18-CABC99245B58}">
-  <ds:schemaRefs>
-    <ds:schemaRef ds:uri="http://schemas.microsoft.com/VisualStudio/2011/storyboarding/control"/>
-  </ds:schemaRefs>
-</ds:datastoreItem>
-</file>
-
-<file path=customXml/itemProps147.xml><?xml version="1.0" encoding="utf-8"?>
-<ds:datastoreItem xmlns:ds="http://schemas.openxmlformats.org/officeDocument/2006/customXml" ds:itemID="{43588560-03AB-428A-9CE4-A6AC7508369A}">
-  <ds:schemaRefs>
-    <ds:schemaRef ds:uri="http://schemas.microsoft.com/VisualStudio/2011/storyboarding/control"/>
-  </ds:schemaRefs>
-</ds:datastoreItem>
-</file>
-
-<file path=customXml/itemProps148.xml><?xml version="1.0" encoding="utf-8"?>
-<ds:datastoreItem xmlns:ds="http://schemas.openxmlformats.org/officeDocument/2006/customXml" ds:itemID="{ABD876F2-87B3-4F2F-9405-BCB26B393D8D}">
-  <ds:schemaRefs>
-    <ds:schemaRef ds:uri="http://schemas.microsoft.com/VisualStudio/2011/storyboarding/control"/>
-  </ds:schemaRefs>
-</ds:datastoreItem>
-</file>
-
-<file path=customXml/itemProps149.xml><?xml version="1.0" encoding="utf-8"?>
-<ds:datastoreItem xmlns:ds="http://schemas.openxmlformats.org/officeDocument/2006/customXml" ds:itemID="{6E9F6603-6B7C-453B-A486-459839EF1163}">
-  <ds:schemaRefs>
-    <ds:schemaRef ds:uri="http://schemas.microsoft.com/VisualStudio/2011/storyboarding/control"/>
-  </ds:schemaRefs>
-</ds:datastoreItem>
-</file>
-
-<file path=customXml/itemProps15.xml><?xml version="1.0" encoding="utf-8"?>
-<ds:datastoreItem xmlns:ds="http://schemas.openxmlformats.org/officeDocument/2006/customXml" ds:itemID="{F9C34A43-6DD3-45D9-8C33-A2A94686CFF4}">
-  <ds:schemaRefs>
-    <ds:schemaRef ds:uri="http://schemas.microsoft.com/VisualStudio/2011/storyboarding/control"/>
-  </ds:schemaRefs>
-</ds:datastoreItem>
-</file>
-
-<file path=customXml/itemProps150.xml><?xml version="1.0" encoding="utf-8"?>
-<ds:datastoreItem xmlns:ds="http://schemas.openxmlformats.org/officeDocument/2006/customXml" ds:itemID="{AB1DB933-7DE2-4FB6-94F8-DE6617D86614}">
-  <ds:schemaRefs>
-    <ds:schemaRef ds:uri="http://schemas.microsoft.com/VisualStudio/2011/storyboarding/control"/>
-  </ds:schemaRefs>
-</ds:datastoreItem>
-</file>
-
-<file path=customXml/itemProps151.xml><?xml version="1.0" encoding="utf-8"?>
-<ds:datastoreItem xmlns:ds="http://schemas.openxmlformats.org/officeDocument/2006/customXml" ds:itemID="{D1100CDA-4C0B-4B20-A344-A7360173EF0F}">
-  <ds:schemaRefs>
-    <ds:schemaRef ds:uri="http://schemas.microsoft.com/VisualStudio/2011/storyboarding/control"/>
-  </ds:schemaRefs>
-</ds:datastoreItem>
-</file>
-
-<file path=customXml/itemProps152.xml><?xml version="1.0" encoding="utf-8"?>
-<ds:datastoreItem xmlns:ds="http://schemas.openxmlformats.org/officeDocument/2006/customXml" ds:itemID="{39B4EC38-E361-46E0-8D00-ECAF682C5ACD}">
-  <ds:schemaRefs>
-    <ds:schemaRef ds:uri="http://schemas.microsoft.com/VisualStudio/2011/storyboarding/control"/>
-  </ds:schemaRefs>
-</ds:datastoreItem>
-</file>
-
-<file path=customXml/itemProps153.xml><?xml version="1.0" encoding="utf-8"?>
-<ds:datastoreItem xmlns:ds="http://schemas.openxmlformats.org/officeDocument/2006/customXml" ds:itemID="{B0402FE7-8C5A-480B-84D5-E3BA5D7DDA9A}">
-  <ds:schemaRefs>
-    <ds:schemaRef ds:uri="http://schemas.microsoft.com/VisualStudio/2011/storyboarding/control"/>
-  </ds:schemaRefs>
-</ds:datastoreItem>
-</file>
-
-<file path=customXml/itemProps154.xml><?xml version="1.0" encoding="utf-8"?>
-<ds:datastoreItem xmlns:ds="http://schemas.openxmlformats.org/officeDocument/2006/customXml" ds:itemID="{39E72E8E-79BB-456F-8049-0020919B4763}">
-  <ds:schemaRefs>
-    <ds:schemaRef ds:uri="http://schemas.microsoft.com/VisualStudio/2011/storyboarding/control"/>
-  </ds:schemaRefs>
-</ds:datastoreItem>
-</file>
-
-<file path=customXml/itemProps155.xml><?xml version="1.0" encoding="utf-8"?>
-<ds:datastoreItem xmlns:ds="http://schemas.openxmlformats.org/officeDocument/2006/customXml" ds:itemID="{12FD62BF-A11E-4BD8-9FB1-B9028E90A22E}">
-  <ds:schemaRefs>
-    <ds:schemaRef ds:uri="http://schemas.microsoft.com/VisualStudio/2011/storyboarding/control"/>
-  </ds:schemaRefs>
-</ds:datastoreItem>
-</file>
-
-<file path=customXml/itemProps156.xml><?xml version="1.0" encoding="utf-8"?>
-<ds:datastoreItem xmlns:ds="http://schemas.openxmlformats.org/officeDocument/2006/customXml" ds:itemID="{0D174F31-1395-420D-AE3A-5DBEFF0F4455}">
-  <ds:schemaRefs>
-    <ds:schemaRef ds:uri="http://schemas.microsoft.com/VisualStudio/2011/storyboarding/control"/>
-  </ds:schemaRefs>
-</ds:datastoreItem>
-</file>
-
-<file path=customXml/itemProps157.xml><?xml version="1.0" encoding="utf-8"?>
-<ds:datastoreItem xmlns:ds="http://schemas.openxmlformats.org/officeDocument/2006/customXml" ds:itemID="{42FDEB12-2513-4D55-BA2A-18EF5D159E91}">
-  <ds:schemaRefs>
-    <ds:schemaRef ds:uri="http://schemas.microsoft.com/VisualStudio/2011/storyboarding/control"/>
-  </ds:schemaRefs>
-</ds:datastoreItem>
-</file>
-
-<file path=customXml/itemProps158.xml><?xml version="1.0" encoding="utf-8"?>
-<ds:datastoreItem xmlns:ds="http://schemas.openxmlformats.org/officeDocument/2006/customXml" ds:itemID="{B7D85223-23F1-4ACF-89DD-EE38AA7E4772}">
-  <ds:schemaRefs>
-    <ds:schemaRef ds:uri="http://schemas.microsoft.com/VisualStudio/2011/storyboarding/control"/>
-  </ds:schemaRefs>
-</ds:datastoreItem>
-</file>
-
-<file path=customXml/itemProps159.xml><?xml version="1.0" encoding="utf-8"?>
-<ds:datastoreItem xmlns:ds="http://schemas.openxmlformats.org/officeDocument/2006/customXml" ds:itemID="{149B1CD2-B7C7-4B38-9713-13FEE7CAC5CF}">
-  <ds:schemaRefs>
-    <ds:schemaRef ds:uri="http://schemas.microsoft.com/VisualStudio/2011/storyboarding/control"/>
-  </ds:schemaRefs>
-</ds:datastoreItem>
-</file>
-
-<file path=customXml/itemProps16.xml><?xml version="1.0" encoding="utf-8"?>
-<ds:datastoreItem xmlns:ds="http://schemas.openxmlformats.org/officeDocument/2006/customXml" ds:itemID="{D54CCA4C-C7B0-4AED-9D56-0F76C035783B}">
-  <ds:schemaRefs>
-    <ds:schemaRef ds:uri="http://schemas.microsoft.com/VisualStudio/2011/storyboarding/control"/>
-  </ds:schemaRefs>
-</ds:datastoreItem>
-</file>
-
-<file path=customXml/itemProps160.xml><?xml version="1.0" encoding="utf-8"?>
-<ds:datastoreItem xmlns:ds="http://schemas.openxmlformats.org/officeDocument/2006/customXml" ds:itemID="{ADDA3575-2CD6-4AA3-BAD6-EE20DE74340F}">
-  <ds:schemaRefs>
-    <ds:schemaRef ds:uri="http://schemas.microsoft.com/VisualStudio/2011/storyboarding/control"/>
-  </ds:schemaRefs>
-</ds:datastoreItem>
-</file>
-
-<file path=customXml/itemProps161.xml><?xml version="1.0" encoding="utf-8"?>
-<ds:datastoreItem xmlns:ds="http://schemas.openxmlformats.org/officeDocument/2006/customXml" ds:itemID="{990EA9D7-70A1-4B9E-958D-6A0136D68D06}">
-  <ds:schemaRefs>
-    <ds:schemaRef ds:uri="http://schemas.microsoft.com/VisualStudio/2011/storyboarding/control"/>
-  </ds:schemaRefs>
-</ds:datastoreItem>
-</file>
-
-<file path=customXml/itemProps162.xml><?xml version="1.0" encoding="utf-8"?>
-<ds:datastoreItem xmlns:ds="http://schemas.openxmlformats.org/officeDocument/2006/customXml" ds:itemID="{3DDBA3E6-6C5A-4905-87BF-300A95711014}">
-  <ds:schemaRefs>
-    <ds:schemaRef ds:uri="http://schemas.microsoft.com/VisualStudio/2011/storyboarding/control"/>
-  </ds:schemaRefs>
-</ds:datastoreItem>
-</file>
-
-<file path=customXml/itemProps163.xml><?xml version="1.0" encoding="utf-8"?>
-<ds:datastoreItem xmlns:ds="http://schemas.openxmlformats.org/officeDocument/2006/customXml" ds:itemID="{9F2E68F6-6824-42A7-A3A1-3AE0F539496E}">
-  <ds:schemaRefs>
-    <ds:schemaRef ds:uri="http://schemas.microsoft.com/VisualStudio/2011/storyboarding/control"/>
-  </ds:schemaRefs>
-</ds:datastoreItem>
-</file>
-
-<file path=customXml/itemProps164.xml><?xml version="1.0" encoding="utf-8"?>
-<ds:datastoreItem xmlns:ds="http://schemas.openxmlformats.org/officeDocument/2006/customXml" ds:itemID="{C85E147C-F6F1-445A-8F29-1DFA76FA167C}">
-  <ds:schemaRefs>
-    <ds:schemaRef ds:uri="http://schemas.microsoft.com/VisualStudio/2011/storyboarding/control"/>
-  </ds:schemaRefs>
-</ds:datastoreItem>
-</file>
-
-<file path=customXml/itemProps165.xml><?xml version="1.0" encoding="utf-8"?>
-<ds:datastoreItem xmlns:ds="http://schemas.openxmlformats.org/officeDocument/2006/customXml" ds:itemID="{BE30DC31-8F8A-48CF-A072-77607577B2FB}">
-  <ds:schemaRefs>
-    <ds:schemaRef ds:uri="http://schemas.microsoft.com/VisualStudio/2011/storyboarding/control"/>
-  </ds:schemaRefs>
-</ds:datastoreItem>
-</file>
-
-<file path=customXml/itemProps166.xml><?xml version="1.0" encoding="utf-8"?>
-<ds:datastoreItem xmlns:ds="http://schemas.openxmlformats.org/officeDocument/2006/customXml" ds:itemID="{508FF8A2-065C-4CBB-812E-6E03CA0DD0BA}">
-  <ds:schemaRefs>
-    <ds:schemaRef ds:uri="http://schemas.microsoft.com/VisualStudio/2011/storyboarding/control"/>
-  </ds:schemaRefs>
-</ds:datastoreItem>
-</file>
-
-<file path=customXml/itemProps167.xml><?xml version="1.0" encoding="utf-8"?>
-<ds:datastoreItem xmlns:ds="http://schemas.openxmlformats.org/officeDocument/2006/customXml" ds:itemID="{CC5F127A-2521-4BB3-9D64-238B9FDD6AF8}">
-  <ds:schemaRefs>
-    <ds:schemaRef ds:uri="http://schemas.microsoft.com/VisualStudio/2011/storyboarding/control"/>
-  </ds:schemaRefs>
-</ds:datastoreItem>
-</file>
-
-<file path=customXml/itemProps168.xml><?xml version="1.0" encoding="utf-8"?>
-<ds:datastoreItem xmlns:ds="http://schemas.openxmlformats.org/officeDocument/2006/customXml" ds:itemID="{8B573C24-C1CA-4AD9-8793-CFC1E42E3841}">
-  <ds:schemaRefs>
-    <ds:schemaRef ds:uri="http://schemas.microsoft.com/VisualStudio/2011/storyboarding/control"/>
-  </ds:schemaRefs>
-</ds:datastoreItem>
-</file>
-
-<file path=customXml/itemProps169.xml><?xml version="1.0" encoding="utf-8"?>
-<ds:datastoreItem xmlns:ds="http://schemas.openxmlformats.org/officeDocument/2006/customXml" ds:itemID="{99FFFAFB-7A40-49A1-B04F-4A1F6ECF0BAF}">
-  <ds:schemaRefs>
-    <ds:schemaRef ds:uri="http://schemas.microsoft.com/VisualStudio/2011/storyboarding/control"/>
-  </ds:schemaRefs>
-</ds:datastoreItem>
-</file>
-
-<file path=customXml/itemProps17.xml><?xml version="1.0" encoding="utf-8"?>
+<file path=customXml/itemProps32.xml><?xml version="1.0" encoding="utf-8"?>
 <ds:datastoreItem xmlns:ds="http://schemas.openxmlformats.org/officeDocument/2006/customXml" ds:itemID="{A75B2111-FBDC-4291-9EA3-2B57563F245C}">
-  <ds:schemaRefs>
-    <ds:schemaRef ds:uri="http://schemas.microsoft.com/VisualStudio/2011/storyboarding/control"/>
-  </ds:schemaRefs>
-</ds:datastoreItem>
-</file>
-
-<file path=customXml/itemProps170.xml><?xml version="1.0" encoding="utf-8"?>
-<ds:datastoreItem xmlns:ds="http://schemas.openxmlformats.org/officeDocument/2006/customXml" ds:itemID="{7FDD124D-E3E9-4D15-9954-8BE945E00BA2}">
-  <ds:schemaRefs>
-    <ds:schemaRef ds:uri="http://schemas.microsoft.com/VisualStudio/2011/storyboarding/control"/>
-  </ds:schemaRefs>
-</ds:datastoreItem>
-</file>
-
-<file path=customXml/itemProps171.xml><?xml version="1.0" encoding="utf-8"?>
-<ds:datastoreItem xmlns:ds="http://schemas.openxmlformats.org/officeDocument/2006/customXml" ds:itemID="{D9B490FA-A64C-40B6-8247-CD5808900A10}">
-  <ds:schemaRefs>
-    <ds:schemaRef ds:uri="http://schemas.microsoft.com/VisualStudio/2011/storyboarding/control"/>
-  </ds:schemaRefs>
-</ds:datastoreItem>
-</file>
-
-<file path=customXml/itemProps172.xml><?xml version="1.0" encoding="utf-8"?>
-<ds:datastoreItem xmlns:ds="http://schemas.openxmlformats.org/officeDocument/2006/customXml" ds:itemID="{B472B8AC-8A53-4AB2-879D-1716C227F63F}">
-  <ds:schemaRefs>
-    <ds:schemaRef ds:uri="http://schemas.microsoft.com/VisualStudio/2011/storyboarding/control"/>
-  </ds:schemaRefs>
-</ds:datastoreItem>
-</file>
-
-<file path=customXml/itemProps173.xml><?xml version="1.0" encoding="utf-8"?>
-<ds:datastoreItem xmlns:ds="http://schemas.openxmlformats.org/officeDocument/2006/customXml" ds:itemID="{DC24DB23-C3E0-4806-934A-5531299BFC48}">
-  <ds:schemaRefs>
-    <ds:schemaRef ds:uri="http://schemas.microsoft.com/VisualStudio/2011/storyboarding/control"/>
-  </ds:schemaRefs>
-</ds:datastoreItem>
-</file>
-
-<file path=customXml/itemProps174.xml><?xml version="1.0" encoding="utf-8"?>
-<ds:datastoreItem xmlns:ds="http://schemas.openxmlformats.org/officeDocument/2006/customXml" ds:itemID="{654CBC2D-27EC-43DB-ABA4-3FBDF37D3735}">
-  <ds:schemaRefs>
-    <ds:schemaRef ds:uri="http://schemas.microsoft.com/VisualStudio/2011/storyboarding/control"/>
-  </ds:schemaRefs>
-</ds:datastoreItem>
-</file>
-
-<file path=customXml/itemProps175.xml><?xml version="1.0" encoding="utf-8"?>
-<ds:datastoreItem xmlns:ds="http://schemas.openxmlformats.org/officeDocument/2006/customXml" ds:itemID="{F840D909-519B-49C3-9DCA-97C64A5B9C79}">
-  <ds:schemaRefs>
-    <ds:schemaRef ds:uri="http://schemas.microsoft.com/VisualStudio/2011/storyboarding/control"/>
-  </ds:schemaRefs>
-</ds:datastoreItem>
-</file>
-
-<file path=customXml/itemProps176.xml><?xml version="1.0" encoding="utf-8"?>
-<ds:datastoreItem xmlns:ds="http://schemas.openxmlformats.org/officeDocument/2006/customXml" ds:itemID="{43446240-B211-4F80-A50E-E1B38445E2A1}">
-  <ds:schemaRefs>
-    <ds:schemaRef ds:uri="http://schemas.microsoft.com/VisualStudio/2011/storyboarding/control"/>
-  </ds:schemaRefs>
-</ds:datastoreItem>
-</file>
-
-<file path=customXml/itemProps177.xml><?xml version="1.0" encoding="utf-8"?>
-<ds:datastoreItem xmlns:ds="http://schemas.openxmlformats.org/officeDocument/2006/customXml" ds:itemID="{69E02AD5-3C7C-4F1D-9766-B18ECF2212C6}">
-  <ds:schemaRefs>
-    <ds:schemaRef ds:uri="http://schemas.microsoft.com/VisualStudio/2011/storyboarding/control"/>
-  </ds:schemaRefs>
-</ds:datastoreItem>
-</file>
-
-<file path=customXml/itemProps178.xml><?xml version="1.0" encoding="utf-8"?>
-<ds:datastoreItem xmlns:ds="http://schemas.openxmlformats.org/officeDocument/2006/customXml" ds:itemID="{C170435E-AA56-4732-BD81-63AD243D433D}">
-  <ds:schemaRefs>
-    <ds:schemaRef ds:uri="http://schemas.microsoft.com/VisualStudio/2011/storyboarding/control"/>
-  </ds:schemaRefs>
-</ds:datastoreItem>
-</file>
-
-<file path=customXml/itemProps179.xml><?xml version="1.0" encoding="utf-8"?>
-<ds:datastoreItem xmlns:ds="http://schemas.openxmlformats.org/officeDocument/2006/customXml" ds:itemID="{E886A3B6-32CF-43FB-BFDC-824E566105C6}">
-  <ds:schemaRefs>
-    <ds:schemaRef ds:uri="http://schemas.microsoft.com/VisualStudio/2011/storyboarding/control"/>
-  </ds:schemaRefs>
-</ds:datastoreItem>
-</file>
-
-<file path=customXml/itemProps18.xml><?xml version="1.0" encoding="utf-8"?>
-<ds:datastoreItem xmlns:ds="http://schemas.openxmlformats.org/officeDocument/2006/customXml" ds:itemID="{D3E69636-CCB7-4030-8B08-9159922F7C18}">
-  <ds:schemaRefs>
-    <ds:schemaRef ds:uri="http://schemas.microsoft.com/VisualStudio/2011/storyboarding/control"/>
-  </ds:schemaRefs>
-</ds:datastoreItem>
-</file>
-
-<file path=customXml/itemProps180.xml><?xml version="1.0" encoding="utf-8"?>
-<ds:datastoreItem xmlns:ds="http://schemas.openxmlformats.org/officeDocument/2006/customXml" ds:itemID="{B8677481-C0C6-468D-8B15-ECE0CB48746C}">
-  <ds:schemaRefs>
-    <ds:schemaRef ds:uri="http://schemas.microsoft.com/VisualStudio/2011/storyboarding/control"/>
-  </ds:schemaRefs>
-</ds:datastoreItem>
-</file>
-
-<file path=customXml/itemProps181.xml><?xml version="1.0" encoding="utf-8"?>
-<ds:datastoreItem xmlns:ds="http://schemas.openxmlformats.org/officeDocument/2006/customXml" ds:itemID="{9F80CF27-93E9-4C7B-88EF-82FB0C72DF62}">
-  <ds:schemaRefs>
-    <ds:schemaRef ds:uri="http://schemas.microsoft.com/VisualStudio/2011/storyboarding/control"/>
-  </ds:schemaRefs>
-</ds:datastoreItem>
-</file>
-
-<file path=customXml/itemProps182.xml><?xml version="1.0" encoding="utf-8"?>
-<ds:datastoreItem xmlns:ds="http://schemas.openxmlformats.org/officeDocument/2006/customXml" ds:itemID="{CE225F83-8706-4484-B4DE-2B7E506A1F45}">
-  <ds:schemaRefs>
-    <ds:schemaRef ds:uri="http://schemas.microsoft.com/VisualStudio/2011/storyboarding/control"/>
-  </ds:schemaRefs>
-</ds:datastoreItem>
-</file>
-
-<file path=customXml/itemProps183.xml><?xml version="1.0" encoding="utf-8"?>
-<ds:datastoreItem xmlns:ds="http://schemas.openxmlformats.org/officeDocument/2006/customXml" ds:itemID="{B8E12DBA-650B-4369-8B51-0ED5654ECE37}">
-  <ds:schemaRefs>
-    <ds:schemaRef ds:uri="http://schemas.microsoft.com/VisualStudio/2011/storyboarding/control"/>
-  </ds:schemaRefs>
-</ds:datastoreItem>
-</file>
-
-<file path=customXml/itemProps184.xml><?xml version="1.0" encoding="utf-8"?>
-<ds:datastoreItem xmlns:ds="http://schemas.openxmlformats.org/officeDocument/2006/customXml" ds:itemID="{3339E7B3-364E-4EE1-ABAB-0EFEF3F7CE1F}">
-  <ds:schemaRefs>
-    <ds:schemaRef ds:uri="http://schemas.microsoft.com/VisualStudio/2011/storyboarding/control"/>
-  </ds:schemaRefs>
-</ds:datastoreItem>
-</file>
-
-<file path=customXml/itemProps185.xml><?xml version="1.0" encoding="utf-8"?>
-<ds:datastoreItem xmlns:ds="http://schemas.openxmlformats.org/officeDocument/2006/customXml" ds:itemID="{FAF279A2-D818-4A3B-9CA3-F56054F0F403}">
-  <ds:schemaRefs>
-    <ds:schemaRef ds:uri="http://schemas.microsoft.com/VisualStudio/2011/storyboarding/control"/>
-  </ds:schemaRefs>
-</ds:datastoreItem>
-</file>
-
-<file path=customXml/itemProps186.xml><?xml version="1.0" encoding="utf-8"?>
-<ds:datastoreItem xmlns:ds="http://schemas.openxmlformats.org/officeDocument/2006/customXml" ds:itemID="{9D302521-BA49-4917-9E8F-7F06410FFC0F}">
-  <ds:schemaRefs>
-    <ds:schemaRef ds:uri="http://schemas.microsoft.com/VisualStudio/2011/storyboarding/control"/>
-  </ds:schemaRefs>
-</ds:datastoreItem>
-</file>
-
-<file path=customXml/itemProps187.xml><?xml version="1.0" encoding="utf-8"?>
-<ds:datastoreItem xmlns:ds="http://schemas.openxmlformats.org/officeDocument/2006/customXml" ds:itemID="{A4CF6FD0-887D-4C12-8BFE-3ACC259D1B31}">
-  <ds:schemaRefs>
-    <ds:schemaRef ds:uri="http://schemas.microsoft.com/VisualStudio/2011/storyboarding/control"/>
-  </ds:schemaRefs>
-</ds:datastoreItem>
-</file>
-
-<file path=customXml/itemProps188.xml><?xml version="1.0" encoding="utf-8"?>
-<ds:datastoreItem xmlns:ds="http://schemas.openxmlformats.org/officeDocument/2006/customXml" ds:itemID="{120BD3BD-92EA-4CFC-B566-0662642315EB}">
-  <ds:schemaRefs>
-    <ds:schemaRef ds:uri="http://schemas.microsoft.com/VisualStudio/2011/storyboarding/control"/>
-  </ds:schemaRefs>
-</ds:datastoreItem>
-</file>
-
-<file path=customXml/itemProps189.xml><?xml version="1.0" encoding="utf-8"?>
-<ds:datastoreItem xmlns:ds="http://schemas.openxmlformats.org/officeDocument/2006/customXml" ds:itemID="{8A2DA60F-9248-4608-A0A6-DFDF19A97A2E}">
-  <ds:schemaRefs>
-    <ds:schemaRef ds:uri="http://schemas.microsoft.com/VisualStudio/2011/storyboarding/control"/>
-  </ds:schemaRefs>
-</ds:datastoreItem>
-</file>
-
-<file path=customXml/itemProps19.xml><?xml version="1.0" encoding="utf-8"?>
-<ds:datastoreItem xmlns:ds="http://schemas.openxmlformats.org/officeDocument/2006/customXml" ds:itemID="{EF5EA3E2-3902-4CA0-93F4-4F361DF72ABD}">
-  <ds:schemaRefs>
-    <ds:schemaRef ds:uri="http://schemas.microsoft.com/VisualStudio/2011/storyboarding/control"/>
-  </ds:schemaRefs>
-</ds:datastoreItem>
-</file>
-
-<file path=customXml/itemProps190.xml><?xml version="1.0" encoding="utf-8"?>
-<ds:datastoreItem xmlns:ds="http://schemas.openxmlformats.org/officeDocument/2006/customXml" ds:itemID="{1E1DC9F1-383D-48D9-A158-FD61EFFEC310}">
-  <ds:schemaRefs>
-    <ds:schemaRef ds:uri="http://schemas.microsoft.com/VisualStudio/2011/storyboarding/control"/>
-  </ds:schemaRefs>
-</ds:datastoreItem>
-</file>
-
-<file path=customXml/itemProps191.xml><?xml version="1.0" encoding="utf-8"?>
-<ds:datastoreItem xmlns:ds="http://schemas.openxmlformats.org/officeDocument/2006/customXml" ds:itemID="{7BE42E91-3DB4-479E-BE54-A7AF8D6CC46F}">
-  <ds:schemaRefs>
-    <ds:schemaRef ds:uri="http://schemas.microsoft.com/VisualStudio/2011/storyboarding/control"/>
-  </ds:schemaRefs>
-</ds:datastoreItem>
-</file>
-
-<file path=customXml/itemProps192.xml><?xml version="1.0" encoding="utf-8"?>
-<ds:datastoreItem xmlns:ds="http://schemas.openxmlformats.org/officeDocument/2006/customXml" ds:itemID="{D328CE00-11C7-43FB-8EA1-3120331CB9BF}">
-  <ds:schemaRefs>
-    <ds:schemaRef ds:uri="http://schemas.microsoft.com/VisualStudio/2011/storyboarding/control"/>
-  </ds:schemaRefs>
-</ds:datastoreItem>
-</file>
-
-<file path=customXml/itemProps193.xml><?xml version="1.0" encoding="utf-8"?>
-<ds:datastoreItem xmlns:ds="http://schemas.openxmlformats.org/officeDocument/2006/customXml" ds:itemID="{F45E6997-4B4B-4727-A4D1-A85B6363A2C9}">
-  <ds:schemaRefs>
-    <ds:schemaRef ds:uri="http://schemas.microsoft.com/VisualStudio/2011/storyboarding/control"/>
-  </ds:schemaRefs>
-</ds:datastoreItem>
-</file>
-
-<file path=customXml/itemProps194.xml><?xml version="1.0" encoding="utf-8"?>
-<ds:datastoreItem xmlns:ds="http://schemas.openxmlformats.org/officeDocument/2006/customXml" ds:itemID="{66473726-355D-4770-B3A7-C570829AF4FF}">
-  <ds:schemaRefs>
-    <ds:schemaRef ds:uri="http://schemas.microsoft.com/VisualStudio/2011/storyboarding/control"/>
-  </ds:schemaRefs>
-</ds:datastoreItem>
-</file>
-
-<file path=customXml/itemProps195.xml><?xml version="1.0" encoding="utf-8"?>
-<ds:datastoreItem xmlns:ds="http://schemas.openxmlformats.org/officeDocument/2006/customXml" ds:itemID="{88AA68C0-8773-416C-9DC4-14824D3391C3}">
-  <ds:schemaRefs>
-    <ds:schemaRef ds:uri="http://schemas.microsoft.com/VisualStudio/2011/storyboarding/control"/>
-  </ds:schemaRefs>
-</ds:datastoreItem>
-</file>
-
-<file path=customXml/itemProps196.xml><?xml version="1.0" encoding="utf-8"?>
-<ds:datastoreItem xmlns:ds="http://schemas.openxmlformats.org/officeDocument/2006/customXml" ds:itemID="{B989AF36-C9FB-411F-9E56-CEC5A99810B6}">
-  <ds:schemaRefs>
-    <ds:schemaRef ds:uri="http://schemas.microsoft.com/VisualStudio/2011/storyboarding/control"/>
-  </ds:schemaRefs>
-</ds:datastoreItem>
-</file>
-
-<file path=customXml/itemProps197.xml><?xml version="1.0" encoding="utf-8"?>
-<ds:datastoreItem xmlns:ds="http://schemas.openxmlformats.org/officeDocument/2006/customXml" ds:itemID="{CD6136E2-70EF-4A25-98DD-72EF9D3B7745}">
-  <ds:schemaRefs>
-    <ds:schemaRef ds:uri="http://schemas.microsoft.com/VisualStudio/2011/storyboarding/control"/>
-  </ds:schemaRefs>
-</ds:datastoreItem>
-</file>
-
-<file path=customXml/itemProps198.xml><?xml version="1.0" encoding="utf-8"?>
-<ds:datastoreItem xmlns:ds="http://schemas.openxmlformats.org/officeDocument/2006/customXml" ds:itemID="{066448F1-1CC6-4A95-846E-C7223AD46EE6}">
-  <ds:schemaRefs>
-    <ds:schemaRef ds:uri="http://schemas.microsoft.com/VisualStudio/2011/storyboarding/control"/>
-  </ds:schemaRefs>
-</ds:datastoreItem>
-</file>
-
-<file path=customXml/itemProps199.xml><?xml version="1.0" encoding="utf-8"?>
-<ds:datastoreItem xmlns:ds="http://schemas.openxmlformats.org/officeDocument/2006/customXml" ds:itemID="{E294892A-3658-4202-AA42-2B0D6B79927E}">
-  <ds:schemaRefs>
-    <ds:schemaRef ds:uri="http://schemas.microsoft.com/VisualStudio/2011/storyboarding/control"/>
-  </ds:schemaRefs>
-</ds:datastoreItem>
-</file>
-
-<file path=customXml/itemProps2.xml><?xml version="1.0" encoding="utf-8"?>
-<ds:datastoreItem xmlns:ds="http://schemas.openxmlformats.org/officeDocument/2006/customXml" ds:itemID="{DAF42908-C10A-4B0A-BD53-0A9168593350}">
-  <ds:schemaRefs>
-    <ds:schemaRef ds:uri="http://schemas.microsoft.com/VisualStudio/2011/storyboarding/control"/>
-  </ds:schemaRefs>
-</ds:datastoreItem>
-</file>
-
-<file path=customXml/itemProps20.xml><?xml version="1.0" encoding="utf-8"?>
-<ds:datastoreItem xmlns:ds="http://schemas.openxmlformats.org/officeDocument/2006/customXml" ds:itemID="{8F7399B1-A9DB-4D84-95B4-5DD6BBAA5187}">
-  <ds:schemaRefs>
-    <ds:schemaRef ds:uri="http://schemas.microsoft.com/VisualStudio/2011/storyboarding/control"/>
-  </ds:schemaRefs>
-</ds:datastoreItem>
-</file>
-
-<file path=customXml/itemProps200.xml><?xml version="1.0" encoding="utf-8"?>
-<ds:datastoreItem xmlns:ds="http://schemas.openxmlformats.org/officeDocument/2006/customXml" ds:itemID="{EB677E35-D137-4C84-9B97-22DCA390BD9F}">
-  <ds:schemaRefs>
-    <ds:schemaRef ds:uri="http://schemas.microsoft.com/VisualStudio/2011/storyboarding/control"/>
-  </ds:schemaRefs>
-</ds:datastoreItem>
-</file>
-
-<file path=customXml/itemProps201.xml><?xml version="1.0" encoding="utf-8"?>
-<ds:datastoreItem xmlns:ds="http://schemas.openxmlformats.org/officeDocument/2006/customXml" ds:itemID="{1614024A-3643-477B-806B-8CB820196DA4}">
-  <ds:schemaRefs>
-    <ds:schemaRef ds:uri="http://schemas.microsoft.com/VisualStudio/2011/storyboarding/control"/>
-  </ds:schemaRefs>
-</ds:datastoreItem>
-</file>
-
-<file path=customXml/itemProps202.xml><?xml version="1.0" encoding="utf-8"?>
-<ds:datastoreItem xmlns:ds="http://schemas.openxmlformats.org/officeDocument/2006/customXml" ds:itemID="{84A1C4FF-CF8B-48C0-B2E8-79556D35A499}">
-  <ds:schemaRefs>
-    <ds:schemaRef ds:uri="http://schemas.microsoft.com/VisualStudio/2011/storyboarding/control"/>
-  </ds:schemaRefs>
-</ds:datastoreItem>
-</file>
-
-<file path=customXml/itemProps203.xml><?xml version="1.0" encoding="utf-8"?>
-<ds:datastoreItem xmlns:ds="http://schemas.openxmlformats.org/officeDocument/2006/customXml" ds:itemID="{F01453C2-8AA6-4320-933D-80786B0C2F4B}">
-  <ds:schemaRefs>
-    <ds:schemaRef ds:uri="http://schemas.microsoft.com/VisualStudio/2011/storyboarding/control"/>
-  </ds:schemaRefs>
-</ds:datastoreItem>
-</file>
-
-<file path=customXml/itemProps21.xml><?xml version="1.0" encoding="utf-8"?>
-<ds:datastoreItem xmlns:ds="http://schemas.openxmlformats.org/officeDocument/2006/customXml" ds:itemID="{A41DC63A-40F8-492D-A1AF-3E8E88975D17}">
-  <ds:schemaRefs>
-    <ds:schemaRef ds:uri="http://schemas.microsoft.com/VisualStudio/2011/storyboarding/control"/>
-  </ds:schemaRefs>
-</ds:datastoreItem>
-</file>
-
-<file path=customXml/itemProps22.xml><?xml version="1.0" encoding="utf-8"?>
-<ds:datastoreItem xmlns:ds="http://schemas.openxmlformats.org/officeDocument/2006/customXml" ds:itemID="{FC6544C5-9902-4F92-B15E-0F0FB91FC344}">
-  <ds:schemaRefs>
-    <ds:schemaRef ds:uri="http://schemas.microsoft.com/VisualStudio/2011/storyboarding/control"/>
-  </ds:schemaRefs>
-</ds:datastoreItem>
-</file>
-
-<file path=customXml/itemProps23.xml><?xml version="1.0" encoding="utf-8"?>
-<ds:datastoreItem xmlns:ds="http://schemas.openxmlformats.org/officeDocument/2006/customXml" ds:itemID="{FD7A3CF8-3A66-47F9-8AD7-22127504A57F}">
-  <ds:schemaRefs>
-    <ds:schemaRef ds:uri="http://schemas.microsoft.com/VisualStudio/2011/storyboarding/control"/>
-  </ds:schemaRefs>
-</ds:datastoreItem>
-</file>
-
-<file path=customXml/itemProps24.xml><?xml version="1.0" encoding="utf-8"?>
-<ds:datastoreItem xmlns:ds="http://schemas.openxmlformats.org/officeDocument/2006/customXml" ds:itemID="{408DBD6E-BA86-4206-898C-8866D621C758}">
-  <ds:schemaRefs>
-    <ds:schemaRef ds:uri="http://schemas.microsoft.com/VisualStudio/2011/storyboarding/control"/>
-  </ds:schemaRefs>
-</ds:datastoreItem>
-</file>
-
-<file path=customXml/itemProps25.xml><?xml version="1.0" encoding="utf-8"?>
-<ds:datastoreItem xmlns:ds="http://schemas.openxmlformats.org/officeDocument/2006/customXml" ds:itemID="{BC9894E6-7AC8-4518-A802-8C98F8565837}">
-  <ds:schemaRefs>
-    <ds:schemaRef ds:uri="http://schemas.microsoft.com/VisualStudio/2011/storyboarding/control"/>
-  </ds:schemaRefs>
-</ds:datastoreItem>
-</file>
-
-<file path=customXml/itemProps26.xml><?xml version="1.0" encoding="utf-8"?>
-<ds:datastoreItem xmlns:ds="http://schemas.openxmlformats.org/officeDocument/2006/customXml" ds:itemID="{2BDF7FB8-4BA8-46D9-B98A-095F3529F3D4}">
-  <ds:schemaRefs>
-    <ds:schemaRef ds:uri="http://schemas.microsoft.com/VisualStudio/2011/storyboarding/control"/>
-  </ds:schemaRefs>
-</ds:datastoreItem>
-</file>
-
-<file path=customXml/itemProps27.xml><?xml version="1.0" encoding="utf-8"?>
-<ds:datastoreItem xmlns:ds="http://schemas.openxmlformats.org/officeDocument/2006/customXml" ds:itemID="{DB2000C8-B277-4324-8B80-CDB83E8CE835}">
-  <ds:schemaRefs>
-    <ds:schemaRef ds:uri="http://schemas.microsoft.com/VisualStudio/2011/storyboarding/control"/>
-  </ds:schemaRefs>
-</ds:datastoreItem>
-</file>
-
-<file path=customXml/itemProps28.xml><?xml version="1.0" encoding="utf-8"?>
-<ds:datastoreItem xmlns:ds="http://schemas.openxmlformats.org/officeDocument/2006/customXml" ds:itemID="{4B7335D3-7249-47CB-993B-C371E630393B}">
-  <ds:schemaRefs>
-    <ds:schemaRef ds:uri="http://schemas.microsoft.com/VisualStudio/2011/storyboarding/control"/>
-  </ds:schemaRefs>
-</ds:datastoreItem>
-</file>
-
-<file path=customXml/itemProps29.xml><?xml version="1.0" encoding="utf-8"?>
-<ds:datastoreItem xmlns:ds="http://schemas.openxmlformats.org/officeDocument/2006/customXml" ds:itemID="{7989F8B3-8E20-4455-9310-361DF73D03B3}">
-  <ds:schemaRefs>
-    <ds:schemaRef ds:uri="http://schemas.microsoft.com/VisualStudio/2011/storyboarding/control"/>
-  </ds:schemaRefs>
-</ds:datastoreItem>
-</file>
-
-<file path=customXml/itemProps3.xml><?xml version="1.0" encoding="utf-8"?>
-<ds:datastoreItem xmlns:ds="http://schemas.openxmlformats.org/officeDocument/2006/customXml" ds:itemID="{991C2A14-C674-4C12-8CE8-7EAE1ABB4197}">
-  <ds:schemaRefs>
-    <ds:schemaRef ds:uri="http://schemas.microsoft.com/VisualStudio/2011/storyboarding/control"/>
-  </ds:schemaRefs>
-</ds:datastoreItem>
-</file>
-
-<file path=customXml/itemProps30.xml><?xml version="1.0" encoding="utf-8"?>
-<ds:datastoreItem xmlns:ds="http://schemas.openxmlformats.org/officeDocument/2006/customXml" ds:itemID="{C14734D5-9FB1-4C35-A180-105B4BA15CD3}">
-  <ds:schemaRefs>
-    <ds:schemaRef ds:uri="http://schemas.microsoft.com/VisualStudio/2011/storyboarding/control"/>
-  </ds:schemaRefs>
-</ds:datastoreItem>
-</file>
-
-<file path=customXml/itemProps31.xml><?xml version="1.0" encoding="utf-8"?>
-<ds:datastoreItem xmlns:ds="http://schemas.openxmlformats.org/officeDocument/2006/customXml" ds:itemID="{24900BF5-C4DC-42A1-8816-A384E671E92A}">
-  <ds:schemaRefs>
-    <ds:schemaRef ds:uri="http://schemas.microsoft.com/VisualStudio/2011/storyboarding/control"/>
-  </ds:schemaRefs>
-</ds:datastoreItem>
-</file>
-
-<file path=customXml/itemProps32.xml><?xml version="1.0" encoding="utf-8"?>
-<ds:datastoreItem xmlns:ds="http://schemas.openxmlformats.org/officeDocument/2006/customXml" ds:itemID="{46C73D8E-C66E-4332-8B81-F1B9658FF49D}">
   <ds:schemaRefs>
     <ds:schemaRef ds:uri="http://schemas.microsoft.com/VisualStudio/2011/storyboarding/control"/>
   </ds:schemaRefs>
@@ -29673,6 +28188,374 @@
 </file>
 
 <file path=customXml/itemProps34.xml><?xml version="1.0" encoding="utf-8"?>
+<ds:datastoreItem xmlns:ds="http://schemas.openxmlformats.org/officeDocument/2006/customXml" ds:itemID="{26EBF4A3-F17A-4E3E-A734-46BBA9DFA0C8}">
+  <ds:schemaRefs>
+    <ds:schemaRef ds:uri="http://schemas.microsoft.com/VisualStudio/2011/storyboarding/control"/>
+  </ds:schemaRefs>
+</ds:datastoreItem>
+</file>
+
+<file path=customXml/itemProps35.xml><?xml version="1.0" encoding="utf-8"?>
+<ds:datastoreItem xmlns:ds="http://schemas.openxmlformats.org/officeDocument/2006/customXml" ds:itemID="{F2C546CF-9CDC-44DE-AAD6-9FBD6A29F8B2}">
+  <ds:schemaRefs>
+    <ds:schemaRef ds:uri="http://schemas.microsoft.com/VisualStudio/2011/storyboarding/control"/>
+  </ds:schemaRefs>
+</ds:datastoreItem>
+</file>
+
+<file path=customXml/itemProps36.xml><?xml version="1.0" encoding="utf-8"?>
+<ds:datastoreItem xmlns:ds="http://schemas.openxmlformats.org/officeDocument/2006/customXml" ds:itemID="{9C6114CB-F4BA-4F35-827A-2DA5F8B255B0}">
+  <ds:schemaRefs>
+    <ds:schemaRef ds:uri="http://schemas.microsoft.com/VisualStudio/2011/storyboarding/control"/>
+  </ds:schemaRefs>
+</ds:datastoreItem>
+</file>
+
+<file path=customXml/itemProps37.xml><?xml version="1.0" encoding="utf-8"?>
+<ds:datastoreItem xmlns:ds="http://schemas.openxmlformats.org/officeDocument/2006/customXml" ds:itemID="{1877004B-50A8-4877-B8FF-7DD1DC8224C2}">
+  <ds:schemaRefs>
+    <ds:schemaRef ds:uri="http://schemas.microsoft.com/VisualStudio/2011/storyboarding/control"/>
+  </ds:schemaRefs>
+</ds:datastoreItem>
+</file>
+
+<file path=customXml/itemProps38.xml><?xml version="1.0" encoding="utf-8"?>
+<ds:datastoreItem xmlns:ds="http://schemas.openxmlformats.org/officeDocument/2006/customXml" ds:itemID="{559BF73F-CE64-4B91-BD49-510468F35CB9}">
+  <ds:schemaRefs>
+    <ds:schemaRef ds:uri="http://schemas.microsoft.com/VisualStudio/2011/storyboarding/control"/>
+  </ds:schemaRefs>
+</ds:datastoreItem>
+</file>
+
+<file path=customXml/itemProps39.xml><?xml version="1.0" encoding="utf-8"?>
+<ds:datastoreItem xmlns:ds="http://schemas.openxmlformats.org/officeDocument/2006/customXml" ds:itemID="{FA597DE2-CFB0-4358-AA98-055ACAFB4418}">
+  <ds:schemaRefs>
+    <ds:schemaRef ds:uri="http://schemas.microsoft.com/VisualStudio/2011/storyboarding/control"/>
+  </ds:schemaRefs>
+</ds:datastoreItem>
+</file>
+
+<file path=customXml/itemProps4.xml><?xml version="1.0" encoding="utf-8"?>
+<ds:datastoreItem xmlns:ds="http://schemas.openxmlformats.org/officeDocument/2006/customXml" ds:itemID="{2AEF63D2-D198-4CCC-904A-422119B9CA6F}">
+  <ds:schemaRefs>
+    <ds:schemaRef ds:uri="http://schemas.microsoft.com/VisualStudio/2011/storyboarding/control"/>
+  </ds:schemaRefs>
+</ds:datastoreItem>
+</file>
+
+<file path=customXml/itemProps40.xml><?xml version="1.0" encoding="utf-8"?>
+<ds:datastoreItem xmlns:ds="http://schemas.openxmlformats.org/officeDocument/2006/customXml" ds:itemID="{1F20FE02-C571-465B-A4B9-BE3971D16C58}">
+  <ds:schemaRefs>
+    <ds:schemaRef ds:uri="http://schemas.microsoft.com/VisualStudio/2011/storyboarding/control"/>
+  </ds:schemaRefs>
+</ds:datastoreItem>
+</file>
+
+<file path=customXml/itemProps41.xml><?xml version="1.0" encoding="utf-8"?>
+<ds:datastoreItem xmlns:ds="http://schemas.openxmlformats.org/officeDocument/2006/customXml" ds:itemID="{914EB071-267D-4D23-8EAD-39A664DF70DC}">
+  <ds:schemaRefs>
+    <ds:schemaRef ds:uri="http://schemas.microsoft.com/VisualStudio/2011/storyboarding/control"/>
+  </ds:schemaRefs>
+</ds:datastoreItem>
+</file>
+
+<file path=customXml/itemProps42.xml><?xml version="1.0" encoding="utf-8"?>
+<ds:datastoreItem xmlns:ds="http://schemas.openxmlformats.org/officeDocument/2006/customXml" ds:itemID="{7A7C8F38-0BA1-42E1-8BF5-DEED4B0E03B5}">
+  <ds:schemaRefs>
+    <ds:schemaRef ds:uri="http://schemas.microsoft.com/VisualStudio/2011/storyboarding/control"/>
+  </ds:schemaRefs>
+</ds:datastoreItem>
+</file>
+
+<file path=customXml/itemProps43.xml><?xml version="1.0" encoding="utf-8"?>
+<ds:datastoreItem xmlns:ds="http://schemas.openxmlformats.org/officeDocument/2006/customXml" ds:itemID="{E2D66C36-7379-4DD2-AA37-128CF4B262CF}">
+  <ds:schemaRefs>
+    <ds:schemaRef ds:uri="http://schemas.microsoft.com/VisualStudio/2011/storyboarding/control"/>
+  </ds:schemaRefs>
+</ds:datastoreItem>
+</file>
+
+<file path=customXml/itemProps44.xml><?xml version="1.0" encoding="utf-8"?>
+<ds:datastoreItem xmlns:ds="http://schemas.openxmlformats.org/officeDocument/2006/customXml" ds:itemID="{7D9FEB58-73F6-462F-A88A-C490995E4318}">
+  <ds:schemaRefs>
+    <ds:schemaRef ds:uri="http://schemas.microsoft.com/VisualStudio/2011/storyboarding/control"/>
+  </ds:schemaRefs>
+</ds:datastoreItem>
+</file>
+
+<file path=customXml/itemProps45.xml><?xml version="1.0" encoding="utf-8"?>
+<ds:datastoreItem xmlns:ds="http://schemas.openxmlformats.org/officeDocument/2006/customXml" ds:itemID="{CF03DD0F-EDED-4182-BF0D-C60EA8AC9FC5}">
+  <ds:schemaRefs>
+    <ds:schemaRef ds:uri="http://schemas.microsoft.com/VisualStudio/2011/storyboarding/control"/>
+  </ds:schemaRefs>
+</ds:datastoreItem>
+</file>
+
+<file path=customXml/itemProps46.xml><?xml version="1.0" encoding="utf-8"?>
+<ds:datastoreItem xmlns:ds="http://schemas.openxmlformats.org/officeDocument/2006/customXml" ds:itemID="{451A7426-E19E-4AAF-BFD2-F92A9C112E84}">
+  <ds:schemaRefs>
+    <ds:schemaRef ds:uri="http://schemas.microsoft.com/VisualStudio/2011/storyboarding/control"/>
+  </ds:schemaRefs>
+</ds:datastoreItem>
+</file>
+
+<file path=customXml/itemProps47.xml><?xml version="1.0" encoding="utf-8"?>
+<ds:datastoreItem xmlns:ds="http://schemas.openxmlformats.org/officeDocument/2006/customXml" ds:itemID="{990EA9D7-70A1-4B9E-958D-6A0136D68D06}">
+  <ds:schemaRefs>
+    <ds:schemaRef ds:uri="http://schemas.microsoft.com/VisualStudio/2011/storyboarding/control"/>
+  </ds:schemaRefs>
+</ds:datastoreItem>
+</file>
+
+<file path=customXml/itemProps48.xml><?xml version="1.0" encoding="utf-8"?>
+<ds:datastoreItem xmlns:ds="http://schemas.openxmlformats.org/officeDocument/2006/customXml" ds:itemID="{508FF8A2-065C-4CBB-812E-6E03CA0DD0BA}">
+  <ds:schemaRefs>
+    <ds:schemaRef ds:uri="http://schemas.microsoft.com/VisualStudio/2011/storyboarding/control"/>
+  </ds:schemaRefs>
+</ds:datastoreItem>
+</file>
+
+<file path=customXml/itemProps49.xml><?xml version="1.0" encoding="utf-8"?>
+<ds:datastoreItem xmlns:ds="http://schemas.openxmlformats.org/officeDocument/2006/customXml" ds:itemID="{CE225F83-8706-4484-B4DE-2B7E506A1F45}">
+  <ds:schemaRefs>
+    <ds:schemaRef ds:uri="http://schemas.microsoft.com/VisualStudio/2011/storyboarding/control"/>
+  </ds:schemaRefs>
+</ds:datastoreItem>
+</file>
+
+<file path=customXml/itemProps5.xml><?xml version="1.0" encoding="utf-8"?>
+<ds:datastoreItem xmlns:ds="http://schemas.openxmlformats.org/officeDocument/2006/customXml" ds:itemID="{20DE1362-1BC4-4883-A16F-96A9C8F4B18F}">
+  <ds:schemaRefs>
+    <ds:schemaRef ds:uri="http://schemas.microsoft.com/VisualStudio/2011/storyboarding/control"/>
+  </ds:schemaRefs>
+</ds:datastoreItem>
+</file>
+
+<file path=customXml/itemProps50.xml><?xml version="1.0" encoding="utf-8"?>
+<ds:datastoreItem xmlns:ds="http://schemas.openxmlformats.org/officeDocument/2006/customXml" ds:itemID="{A4CF6FD0-887D-4C12-8BFE-3ACC259D1B31}">
+  <ds:schemaRefs>
+    <ds:schemaRef ds:uri="http://schemas.microsoft.com/VisualStudio/2011/storyboarding/control"/>
+  </ds:schemaRefs>
+</ds:datastoreItem>
+</file>
+
+<file path=customXml/itemProps51.xml><?xml version="1.0" encoding="utf-8"?>
+<ds:datastoreItem xmlns:ds="http://schemas.openxmlformats.org/officeDocument/2006/customXml" ds:itemID="{AF61DBC6-381C-43BF-8974-1BD37D61B73F}">
+  <ds:schemaRefs>
+    <ds:schemaRef ds:uri="http://schemas.microsoft.com/VisualStudio/2011/storyboarding/control"/>
+  </ds:schemaRefs>
+</ds:datastoreItem>
+</file>
+
+<file path=customXml/itemProps52.xml><?xml version="1.0" encoding="utf-8"?>
+<ds:datastoreItem xmlns:ds="http://schemas.openxmlformats.org/officeDocument/2006/customXml" ds:itemID="{32DCF836-3940-427C-8F81-BA183FB52BAC}">
+  <ds:schemaRefs>
+    <ds:schemaRef ds:uri="http://schemas.microsoft.com/VisualStudio/2011/storyboarding/control"/>
+  </ds:schemaRefs>
+</ds:datastoreItem>
+</file>
+
+<file path=customXml/itemProps53.xml><?xml version="1.0" encoding="utf-8"?>
+<ds:datastoreItem xmlns:ds="http://schemas.openxmlformats.org/officeDocument/2006/customXml" ds:itemID="{FD7A3CF8-3A66-47F9-8AD7-22127504A57F}">
+  <ds:schemaRefs>
+    <ds:schemaRef ds:uri="http://schemas.microsoft.com/VisualStudio/2011/storyboarding/control"/>
+  </ds:schemaRefs>
+</ds:datastoreItem>
+</file>
+
+<file path=customXml/itemProps54.xml><?xml version="1.0" encoding="utf-8"?>
+<ds:datastoreItem xmlns:ds="http://schemas.openxmlformats.org/officeDocument/2006/customXml" ds:itemID="{4B7335D3-7249-47CB-993B-C371E630393B}">
+  <ds:schemaRefs>
+    <ds:schemaRef ds:uri="http://schemas.microsoft.com/VisualStudio/2011/storyboarding/control"/>
+  </ds:schemaRefs>
+</ds:datastoreItem>
+</file>
+
+<file path=customXml/itemProps55.xml><?xml version="1.0" encoding="utf-8"?>
+<ds:datastoreItem xmlns:ds="http://schemas.openxmlformats.org/officeDocument/2006/customXml" ds:itemID="{E0FB4629-EC57-49BA-A2DF-156D734D924B}">
+  <ds:schemaRefs>
+    <ds:schemaRef ds:uri="http://schemas.microsoft.com/VisualStudio/2011/storyboarding/control"/>
+  </ds:schemaRefs>
+</ds:datastoreItem>
+</file>
+
+<file path=customXml/itemProps56.xml><?xml version="1.0" encoding="utf-8"?>
+<ds:datastoreItem xmlns:ds="http://schemas.openxmlformats.org/officeDocument/2006/customXml" ds:itemID="{3C65476E-E005-4058-A679-B2D8F13FF877}">
+  <ds:schemaRefs>
+    <ds:schemaRef ds:uri="http://schemas.microsoft.com/VisualStudio/2011/storyboarding/control"/>
+  </ds:schemaRefs>
+</ds:datastoreItem>
+</file>
+
+<file path=customXml/itemProps57.xml><?xml version="1.0" encoding="utf-8"?>
+<ds:datastoreItem xmlns:ds="http://schemas.openxmlformats.org/officeDocument/2006/customXml" ds:itemID="{9A59738E-0CC4-436E-B451-F09AF7853BEC}">
+  <ds:schemaRefs>
+    <ds:schemaRef ds:uri="http://schemas.microsoft.com/VisualStudio/2011/storyboarding/control"/>
+  </ds:schemaRefs>
+</ds:datastoreItem>
+</file>
+
+<file path=customXml/itemProps58.xml><?xml version="1.0" encoding="utf-8"?>
+<ds:datastoreItem xmlns:ds="http://schemas.openxmlformats.org/officeDocument/2006/customXml" ds:itemID="{4933C5B9-7038-46C8-B65F-9FC1C846A3E0}">
+  <ds:schemaRefs>
+    <ds:schemaRef ds:uri="http://schemas.microsoft.com/VisualStudio/2011/storyboarding/control"/>
+  </ds:schemaRefs>
+</ds:datastoreItem>
+</file>
+
+<file path=customXml/itemProps59.xml><?xml version="1.0" encoding="utf-8"?>
+<ds:datastoreItem xmlns:ds="http://schemas.openxmlformats.org/officeDocument/2006/customXml" ds:itemID="{8EE50836-C4DB-4AC6-8DFD-677FDEAB9EAD}">
+  <ds:schemaRefs>
+    <ds:schemaRef ds:uri="http://schemas.microsoft.com/VisualStudio/2011/storyboarding/control"/>
+  </ds:schemaRefs>
+</ds:datastoreItem>
+</file>
+
+<file path=customXml/itemProps6.xml><?xml version="1.0" encoding="utf-8"?>
+<ds:datastoreItem xmlns:ds="http://schemas.openxmlformats.org/officeDocument/2006/customXml" ds:itemID="{A099D91D-2540-412F-88B4-6DD3EB1D58E7}">
+  <ds:schemaRefs>
+    <ds:schemaRef ds:uri="http://schemas.microsoft.com/VisualStudio/2011/storyboarding/control"/>
+  </ds:schemaRefs>
+</ds:datastoreItem>
+</file>
+
+<file path=customXml/itemProps60.xml><?xml version="1.0" encoding="utf-8"?>
+<ds:datastoreItem xmlns:ds="http://schemas.openxmlformats.org/officeDocument/2006/customXml" ds:itemID="{6555F547-BDDA-4C26-9CE1-4C61E93A284F}">
+  <ds:schemaRefs>
+    <ds:schemaRef ds:uri="http://schemas.microsoft.com/VisualStudio/2011/storyboarding/control"/>
+  </ds:schemaRefs>
+</ds:datastoreItem>
+</file>
+
+<file path=customXml/itemProps61.xml><?xml version="1.0" encoding="utf-8"?>
+<ds:datastoreItem xmlns:ds="http://schemas.openxmlformats.org/officeDocument/2006/customXml" ds:itemID="{876AF238-A0AE-4CE4-9709-BB19E770A0FF}">
+  <ds:schemaRefs>
+    <ds:schemaRef ds:uri="http://schemas.microsoft.com/VisualStudio/2011/storyboarding/control"/>
+  </ds:schemaRefs>
+</ds:datastoreItem>
+</file>
+
+<file path=customXml/itemProps62.xml><?xml version="1.0" encoding="utf-8"?>
+<ds:datastoreItem xmlns:ds="http://schemas.openxmlformats.org/officeDocument/2006/customXml" ds:itemID="{ACB3927E-D579-4694-AD01-62FF7AA261C4}">
+  <ds:schemaRefs>
+    <ds:schemaRef ds:uri="http://schemas.microsoft.com/VisualStudio/2011/storyboarding/control"/>
+  </ds:schemaRefs>
+</ds:datastoreItem>
+</file>
+
+<file path=customXml/itemProps63.xml><?xml version="1.0" encoding="utf-8"?>
+<ds:datastoreItem xmlns:ds="http://schemas.openxmlformats.org/officeDocument/2006/customXml" ds:itemID="{B0C9E300-5CAC-4E8C-B9CB-B4EDDB0EC3C8}">
+  <ds:schemaRefs>
+    <ds:schemaRef ds:uri="http://schemas.microsoft.com/VisualStudio/2011/storyboarding/control"/>
+  </ds:schemaRefs>
+</ds:datastoreItem>
+</file>
+
+<file path=customXml/itemProps64.xml><?xml version="1.0" encoding="utf-8"?>
+<ds:datastoreItem xmlns:ds="http://schemas.openxmlformats.org/officeDocument/2006/customXml" ds:itemID="{D12E1D60-E53D-431F-ABC8-B98207B7D1E6}">
+  <ds:schemaRefs>
+    <ds:schemaRef ds:uri="http://schemas.microsoft.com/VisualStudio/2011/storyboarding/control"/>
+  </ds:schemaRefs>
+</ds:datastoreItem>
+</file>
+
+<file path=customXml/itemProps65.xml><?xml version="1.0" encoding="utf-8"?>
+<ds:datastoreItem xmlns:ds="http://schemas.openxmlformats.org/officeDocument/2006/customXml" ds:itemID="{D1100CDA-4C0B-4B20-A344-A7360173EF0F}">
+  <ds:schemaRefs>
+    <ds:schemaRef ds:uri="http://schemas.microsoft.com/VisualStudio/2011/storyboarding/control"/>
+  </ds:schemaRefs>
+</ds:datastoreItem>
+</file>
+
+<file path=customXml/itemProps66.xml><?xml version="1.0" encoding="utf-8"?>
+<ds:datastoreItem xmlns:ds="http://schemas.openxmlformats.org/officeDocument/2006/customXml" ds:itemID="{0D174F31-1395-420D-AE3A-5DBEFF0F4455}">
+  <ds:schemaRefs>
+    <ds:schemaRef ds:uri="http://schemas.microsoft.com/VisualStudio/2011/storyboarding/control"/>
+  </ds:schemaRefs>
+</ds:datastoreItem>
+</file>
+
+<file path=customXml/itemProps67.xml><?xml version="1.0" encoding="utf-8"?>
+<ds:datastoreItem xmlns:ds="http://schemas.openxmlformats.org/officeDocument/2006/customXml" ds:itemID="{69E02AD5-3C7C-4F1D-9766-B18ECF2212C6}">
+  <ds:schemaRefs>
+    <ds:schemaRef ds:uri="http://schemas.microsoft.com/VisualStudio/2011/storyboarding/control"/>
+  </ds:schemaRefs>
+</ds:datastoreItem>
+</file>
+
+<file path=customXml/itemProps68.xml><?xml version="1.0" encoding="utf-8"?>
+<ds:datastoreItem xmlns:ds="http://schemas.openxmlformats.org/officeDocument/2006/customXml" ds:itemID="{066448F1-1CC6-4A95-846E-C7223AD46EE6}">
+  <ds:schemaRefs>
+    <ds:schemaRef ds:uri="http://schemas.microsoft.com/VisualStudio/2011/storyboarding/control"/>
+  </ds:schemaRefs>
+</ds:datastoreItem>
+</file>
+
+<file path=customXml/itemProps69.xml><?xml version="1.0" encoding="utf-8"?>
+<ds:datastoreItem xmlns:ds="http://schemas.openxmlformats.org/officeDocument/2006/customXml" ds:itemID="{B472B8AC-8A53-4AB2-879D-1716C227F63F}">
+  <ds:schemaRefs>
+    <ds:schemaRef ds:uri="http://schemas.microsoft.com/VisualStudio/2011/storyboarding/control"/>
+  </ds:schemaRefs>
+</ds:datastoreItem>
+</file>
+
+<file path=customXml/itemProps7.xml><?xml version="1.0" encoding="utf-8"?>
+<ds:datastoreItem xmlns:ds="http://schemas.openxmlformats.org/officeDocument/2006/customXml" ds:itemID="{6E9F6603-6B7C-453B-A486-459839EF1163}">
+  <ds:schemaRefs>
+    <ds:schemaRef ds:uri="http://schemas.microsoft.com/VisualStudio/2011/storyboarding/control"/>
+  </ds:schemaRefs>
+</ds:datastoreItem>
+</file>
+
+<file path=customXml/itemProps70.xml><?xml version="1.0" encoding="utf-8"?>
+<ds:datastoreItem xmlns:ds="http://schemas.openxmlformats.org/officeDocument/2006/customXml" ds:itemID="{F45E6997-4B4B-4727-A4D1-A85B6363A2C9}">
+  <ds:schemaRefs>
+    <ds:schemaRef ds:uri="http://schemas.microsoft.com/VisualStudio/2011/storyboarding/control"/>
+  </ds:schemaRefs>
+</ds:datastoreItem>
+</file>
+
+<file path=customXml/itemProps71.xml><?xml version="1.0" encoding="utf-8"?>
+<ds:datastoreItem xmlns:ds="http://schemas.openxmlformats.org/officeDocument/2006/customXml" ds:itemID="{84A1C4FF-CF8B-48C0-B2E8-79556D35A499}">
+  <ds:schemaRefs>
+    <ds:schemaRef ds:uri="http://schemas.microsoft.com/VisualStudio/2011/storyboarding/control"/>
+  </ds:schemaRefs>
+</ds:datastoreItem>
+</file>
+
+<file path=customXml/itemProps72.xml><?xml version="1.0" encoding="utf-8"?>
+<ds:datastoreItem xmlns:ds="http://schemas.openxmlformats.org/officeDocument/2006/customXml" ds:itemID="{70E3F600-4C8D-4A3A-BE16-3540F66AD848}">
+  <ds:schemaRefs>
+    <ds:schemaRef ds:uri="http://schemas.microsoft.com/VisualStudio/2011/storyboarding/control"/>
+  </ds:schemaRefs>
+</ds:datastoreItem>
+</file>
+
+<file path=customXml/itemProps73.xml><?xml version="1.0" encoding="utf-8"?>
+<ds:datastoreItem xmlns:ds="http://schemas.openxmlformats.org/officeDocument/2006/customXml" ds:itemID="{D3E69636-CCB7-4030-8B08-9159922F7C18}">
+  <ds:schemaRefs>
+    <ds:schemaRef ds:uri="http://schemas.microsoft.com/VisualStudio/2011/storyboarding/control"/>
+  </ds:schemaRefs>
+</ds:datastoreItem>
+</file>
+
+<file path=customXml/itemProps74.xml><?xml version="1.0" encoding="utf-8"?>
+<ds:datastoreItem xmlns:ds="http://schemas.openxmlformats.org/officeDocument/2006/customXml" ds:itemID="{228AF168-33A9-492E-910D-EAE94E644B4A}">
+  <ds:schemaRefs>
+    <ds:schemaRef ds:uri="http://schemas.microsoft.com/VisualStudio/2011/storyboarding/control"/>
+  </ds:schemaRefs>
+</ds:datastoreItem>
+</file>
+
+<file path=customXml/itemProps75.xml><?xml version="1.0" encoding="utf-8"?>
+<ds:datastoreItem xmlns:ds="http://schemas.openxmlformats.org/officeDocument/2006/customXml" ds:itemID="{C05A56CC-DCFE-4A97-B103-5E1633E28254}">
+  <ds:schemaRefs>
+    <ds:schemaRef ds:uri="http://schemas.microsoft.com/VisualStudio/2011/storyboarding/control"/>
+  </ds:schemaRefs>
+</ds:datastoreItem>
+</file>
+
+<file path=customXml/itemProps76.xml><?xml version="1.0" encoding="utf-8"?>
 <ds:datastoreItem xmlns:ds="http://schemas.openxmlformats.org/officeDocument/2006/customXml" ds:itemID="{46365B3F-8663-4379-AD5B-D0EABBC1EDD3}">
   <ds:schemaRefs>
     <ds:schemaRef ds:uri="http://schemas.microsoft.com/VisualStudio/2011/storyboarding/control"/>
@@ -29680,55 +28563,175 @@
 </ds:datastoreItem>
 </file>
 
-<file path=customXml/itemProps35.xml><?xml version="1.0" encoding="utf-8"?>
-<ds:datastoreItem xmlns:ds="http://schemas.openxmlformats.org/officeDocument/2006/customXml" ds:itemID="{C4583063-FB7A-486E-B271-71E78059E19B}">
+<file path=customXml/itemProps77.xml><?xml version="1.0" encoding="utf-8"?>
+<ds:datastoreItem xmlns:ds="http://schemas.openxmlformats.org/officeDocument/2006/customXml" ds:itemID="{7EA327E3-FCFB-4008-8DED-CE47F66639FD}">
   <ds:schemaRefs>
     <ds:schemaRef ds:uri="http://schemas.microsoft.com/VisualStudio/2011/storyboarding/control"/>
   </ds:schemaRefs>
 </ds:datastoreItem>
 </file>
 
-<file path=customXml/itemProps36.xml><?xml version="1.0" encoding="utf-8"?>
-<ds:datastoreItem xmlns:ds="http://schemas.openxmlformats.org/officeDocument/2006/customXml" ds:itemID="{8E111B87-A381-46AA-BB11-318F8ACB4BCA}">
+<file path=customXml/itemProps78.xml><?xml version="1.0" encoding="utf-8"?>
+<ds:datastoreItem xmlns:ds="http://schemas.openxmlformats.org/officeDocument/2006/customXml" ds:itemID="{CABD2B3A-1161-43E2-BA83-58E6B897C9BF}">
   <ds:schemaRefs>
     <ds:schemaRef ds:uri="http://schemas.microsoft.com/VisualStudio/2011/storyboarding/control"/>
   </ds:schemaRefs>
 </ds:datastoreItem>
 </file>
 
-<file path=customXml/itemProps37.xml><?xml version="1.0" encoding="utf-8"?>
-<ds:datastoreItem xmlns:ds="http://schemas.openxmlformats.org/officeDocument/2006/customXml" ds:itemID="{318A67F4-7454-49D3-B5F7-EDF3AEE6B3CC}">
+<file path=customXml/itemProps79.xml><?xml version="1.0" encoding="utf-8"?>
+<ds:datastoreItem xmlns:ds="http://schemas.openxmlformats.org/officeDocument/2006/customXml" ds:itemID="{161C1280-5A04-4E6E-8FE3-21E316A51B59}">
   <ds:schemaRefs>
     <ds:schemaRef ds:uri="http://schemas.microsoft.com/VisualStudio/2011/storyboarding/control"/>
   </ds:schemaRefs>
 </ds:datastoreItem>
 </file>
 
-<file path=customXml/itemProps38.xml><?xml version="1.0" encoding="utf-8"?>
-<ds:datastoreItem xmlns:ds="http://schemas.openxmlformats.org/officeDocument/2006/customXml" ds:itemID="{26EBF4A3-F17A-4E3E-A734-46BBA9DFA0C8}">
+<file path=customXml/itemProps8.xml><?xml version="1.0" encoding="utf-8"?>
+<ds:datastoreItem xmlns:ds="http://schemas.openxmlformats.org/officeDocument/2006/customXml" ds:itemID="{6ADA548F-1BF0-44B5-AD4E-6B89D3ECE98D}">
   <ds:schemaRefs>
     <ds:schemaRef ds:uri="http://schemas.microsoft.com/VisualStudio/2011/storyboarding/control"/>
   </ds:schemaRefs>
 </ds:datastoreItem>
 </file>
 
-<file path=customXml/itemProps39.xml><?xml version="1.0" encoding="utf-8"?>
-<ds:datastoreItem xmlns:ds="http://schemas.openxmlformats.org/officeDocument/2006/customXml" ds:itemID="{228AF168-33A9-492E-910D-EAE94E644B4A}">
+<file path=customXml/itemProps80.xml><?xml version="1.0" encoding="utf-8"?>
+<ds:datastoreItem xmlns:ds="http://schemas.openxmlformats.org/officeDocument/2006/customXml" ds:itemID="{68A0CDC1-3F80-4DE3-8AB3-B532E32DC2D3}">
   <ds:schemaRefs>
     <ds:schemaRef ds:uri="http://schemas.microsoft.com/VisualStudio/2011/storyboarding/control"/>
   </ds:schemaRefs>
 </ds:datastoreItem>
 </file>
 
-<file path=customXml/itemProps4.xml><?xml version="1.0" encoding="utf-8"?>
-<ds:datastoreItem xmlns:ds="http://schemas.openxmlformats.org/officeDocument/2006/customXml" ds:itemID="{518A7A68-78B7-4838-B312-03860E01DFC2}">
+<file path=customXml/itemProps81.xml><?xml version="1.0" encoding="utf-8"?>
+<ds:datastoreItem xmlns:ds="http://schemas.openxmlformats.org/officeDocument/2006/customXml" ds:itemID="{0B5327E3-0261-4B48-BF6B-FF0257762827}">
   <ds:schemaRefs>
     <ds:schemaRef ds:uri="http://schemas.microsoft.com/VisualStudio/2011/storyboarding/control"/>
   </ds:schemaRefs>
 </ds:datastoreItem>
 </file>
 
-<file path=customXml/itemProps40.xml><?xml version="1.0" encoding="utf-8"?>
+<file path=customXml/itemProps82.xml><?xml version="1.0" encoding="utf-8"?>
+<ds:datastoreItem xmlns:ds="http://schemas.openxmlformats.org/officeDocument/2006/customXml" ds:itemID="{A0B644F4-E7AB-4C5F-99FA-46E0F4A05135}">
+  <ds:schemaRefs>
+    <ds:schemaRef ds:uri="http://schemas.microsoft.com/VisualStudio/2011/storyboarding/control"/>
+  </ds:schemaRefs>
+</ds:datastoreItem>
+</file>
+
+<file path=customXml/itemProps83.xml><?xml version="1.0" encoding="utf-8"?>
+<ds:datastoreItem xmlns:ds="http://schemas.openxmlformats.org/officeDocument/2006/customXml" ds:itemID="{C2FBE948-B9F1-4F1A-AC4F-03962924DC85}">
+  <ds:schemaRefs>
+    <ds:schemaRef ds:uri="http://schemas.microsoft.com/VisualStudio/2011/storyboarding/control"/>
+  </ds:schemaRefs>
+</ds:datastoreItem>
+</file>
+
+<file path=customXml/itemProps84.xml><?xml version="1.0" encoding="utf-8"?>
+<ds:datastoreItem xmlns:ds="http://schemas.openxmlformats.org/officeDocument/2006/customXml" ds:itemID="{3CA43762-3F39-470A-9564-3739655F8186}">
+  <ds:schemaRefs>
+    <ds:schemaRef ds:uri="http://schemas.microsoft.com/VisualStudio/2011/storyboarding/control"/>
+  </ds:schemaRefs>
+</ds:datastoreItem>
+</file>
+
+<file path=customXml/itemProps85.xml><?xml version="1.0" encoding="utf-8"?>
+<ds:datastoreItem xmlns:ds="http://schemas.openxmlformats.org/officeDocument/2006/customXml" ds:itemID="{E9B3074F-7568-498E-AB18-CABC99245B58}">
+  <ds:schemaRefs>
+    <ds:schemaRef ds:uri="http://schemas.microsoft.com/VisualStudio/2011/storyboarding/control"/>
+  </ds:schemaRefs>
+</ds:datastoreItem>
+</file>
+
+<file path=customXml/itemProps86.xml><?xml version="1.0" encoding="utf-8"?>
+<ds:datastoreItem xmlns:ds="http://schemas.openxmlformats.org/officeDocument/2006/customXml" ds:itemID="{CC5F127A-2521-4BB3-9D64-238B9FDD6AF8}">
+  <ds:schemaRefs>
+    <ds:schemaRef ds:uri="http://schemas.microsoft.com/VisualStudio/2011/storyboarding/control"/>
+  </ds:schemaRefs>
+</ds:datastoreItem>
+</file>
+
+<file path=customXml/itemProps87.xml><?xml version="1.0" encoding="utf-8"?>
+<ds:datastoreItem xmlns:ds="http://schemas.openxmlformats.org/officeDocument/2006/customXml" ds:itemID="{120BD3BD-92EA-4CFC-B566-0662642315EB}">
+  <ds:schemaRefs>
+    <ds:schemaRef ds:uri="http://schemas.microsoft.com/VisualStudio/2011/storyboarding/control"/>
+  </ds:schemaRefs>
+</ds:datastoreItem>
+</file>
+
+<file path=customXml/itemProps88.xml><?xml version="1.0" encoding="utf-8"?>
+<ds:datastoreItem xmlns:ds="http://schemas.openxmlformats.org/officeDocument/2006/customXml" ds:itemID="{766F77BC-3956-438F-94BE-CF6CF9C915C0}">
+  <ds:schemaRefs>
+    <ds:schemaRef ds:uri="http://schemas.microsoft.com/VisualStudio/2011/storyboarding/control"/>
+  </ds:schemaRefs>
+</ds:datastoreItem>
+</file>
+
+<file path=customXml/itemProps89.xml><?xml version="1.0" encoding="utf-8"?>
+<ds:datastoreItem xmlns:ds="http://schemas.openxmlformats.org/officeDocument/2006/customXml" ds:itemID="{48F85951-6571-4AA7-9B26-EEF9CD4B541F}">
+  <ds:schemaRefs>
+    <ds:schemaRef ds:uri="http://schemas.microsoft.com/VisualStudio/2011/storyboarding/control"/>
+  </ds:schemaRefs>
+</ds:datastoreItem>
+</file>
+
+<file path=customXml/itemProps9.xml><?xml version="1.0" encoding="utf-8"?>
+<ds:datastoreItem xmlns:ds="http://schemas.openxmlformats.org/officeDocument/2006/customXml" ds:itemID="{A5548825-A252-43B9-8E93-D05CC009ABBE}">
+  <ds:schemaRefs>
+    <ds:schemaRef ds:uri="http://schemas.microsoft.com/VisualStudio/2011/storyboarding/control"/>
+  </ds:schemaRefs>
+</ds:datastoreItem>
+</file>
+
+<file path=customXml/itemProps90.xml><?xml version="1.0" encoding="utf-8"?>
+<ds:datastoreItem xmlns:ds="http://schemas.openxmlformats.org/officeDocument/2006/customXml" ds:itemID="{F0564582-AFE3-40AE-AC24-282E787FE867}">
+  <ds:schemaRefs>
+    <ds:schemaRef ds:uri="http://schemas.microsoft.com/VisualStudio/2011/storyboarding/control"/>
+  </ds:schemaRefs>
+</ds:datastoreItem>
+</file>
+
+<file path=customXml/itemProps91.xml><?xml version="1.0" encoding="utf-8"?>
+<ds:datastoreItem xmlns:ds="http://schemas.openxmlformats.org/officeDocument/2006/customXml" ds:itemID="{3DDBA3E6-6C5A-4905-87BF-300A95711014}">
+  <ds:schemaRefs>
+    <ds:schemaRef ds:uri="http://schemas.microsoft.com/VisualStudio/2011/storyboarding/control"/>
+  </ds:schemaRefs>
+</ds:datastoreItem>
+</file>
+
+<file path=customXml/itemProps92.xml><?xml version="1.0" encoding="utf-8"?>
+<ds:datastoreItem xmlns:ds="http://schemas.openxmlformats.org/officeDocument/2006/customXml" ds:itemID="{B8E12DBA-650B-4369-8B51-0ED5654ECE37}">
+  <ds:schemaRefs>
+    <ds:schemaRef ds:uri="http://schemas.microsoft.com/VisualStudio/2011/storyboarding/control"/>
+  </ds:schemaRefs>
+</ds:datastoreItem>
+</file>
+
+<file path=customXml/itemProps93.xml><?xml version="1.0" encoding="utf-8"?>
+<ds:datastoreItem xmlns:ds="http://schemas.openxmlformats.org/officeDocument/2006/customXml" ds:itemID="{DAF42908-C10A-4B0A-BD53-0A9168593350}">
+  <ds:schemaRefs>
+    <ds:schemaRef ds:uri="http://schemas.microsoft.com/VisualStudio/2011/storyboarding/control"/>
+  </ds:schemaRefs>
+</ds:datastoreItem>
+</file>
+
+<file path=customXml/itemProps94.xml><?xml version="1.0" encoding="utf-8"?>
+<ds:datastoreItem xmlns:ds="http://schemas.openxmlformats.org/officeDocument/2006/customXml" ds:itemID="{7989F8B3-8E20-4455-9310-361DF73D03B3}">
+  <ds:schemaRefs>
+    <ds:schemaRef ds:uri="http://schemas.microsoft.com/VisualStudio/2011/storyboarding/control"/>
+  </ds:schemaRefs>
+</ds:datastoreItem>
+</file>
+
+<file path=customXml/itemProps95.xml><?xml version="1.0" encoding="utf-8"?>
+<ds:datastoreItem xmlns:ds="http://schemas.openxmlformats.org/officeDocument/2006/customXml" ds:itemID="{408DBD6E-BA86-4206-898C-8866D621C758}">
+  <ds:schemaRefs>
+    <ds:schemaRef ds:uri="http://schemas.microsoft.com/VisualStudio/2011/storyboarding/control"/>
+  </ds:schemaRefs>
+</ds:datastoreItem>
+</file>
+
+<file path=customXml/itemProps96.xml><?xml version="1.0" encoding="utf-8"?>
 <ds:datastoreItem xmlns:ds="http://schemas.openxmlformats.org/officeDocument/2006/customXml" ds:itemID="{242CB00D-BA5D-43C6-B335-4CBC590CA72E}">
   <ds:schemaRefs>
     <ds:schemaRef ds:uri="http://schemas.microsoft.com/VisualStudio/2011/storyboarding/control"/>
@@ -29736,39 +28739,7 @@
 </ds:datastoreItem>
 </file>
 
-<file path=customXml/itemProps41.xml><?xml version="1.0" encoding="utf-8"?>
-<ds:datastoreItem xmlns:ds="http://schemas.openxmlformats.org/officeDocument/2006/customXml" ds:itemID="{9D841488-D9C9-470B-9DF0-06BC6C2C0775}">
-  <ds:schemaRefs>
-    <ds:schemaRef ds:uri="http://schemas.microsoft.com/VisualStudio/2011/storyboarding/control"/>
-  </ds:schemaRefs>
-</ds:datastoreItem>
-</file>
-
-<file path=customXml/itemProps42.xml><?xml version="1.0" encoding="utf-8"?>
-<ds:datastoreItem xmlns:ds="http://schemas.openxmlformats.org/officeDocument/2006/customXml" ds:itemID="{C02037DD-3248-4DE3-A985-ACC0F2406BE8}">
-  <ds:schemaRefs>
-    <ds:schemaRef ds:uri="http://schemas.microsoft.com/VisualStudio/2011/storyboarding/control"/>
-  </ds:schemaRefs>
-</ds:datastoreItem>
-</file>
-
-<file path=customXml/itemProps43.xml><?xml version="1.0" encoding="utf-8"?>
-<ds:datastoreItem xmlns:ds="http://schemas.openxmlformats.org/officeDocument/2006/customXml" ds:itemID="{DC4F4190-4090-481C-95E3-E7A883513D24}">
-  <ds:schemaRefs>
-    <ds:schemaRef ds:uri="http://schemas.microsoft.com/VisualStudio/2011/storyboarding/control"/>
-  </ds:schemaRefs>
-</ds:datastoreItem>
-</file>
-
-<file path=customXml/itemProps44.xml><?xml version="1.0" encoding="utf-8"?>
-<ds:datastoreItem xmlns:ds="http://schemas.openxmlformats.org/officeDocument/2006/customXml" ds:itemID="{4933C5B9-7038-46C8-B65F-9FC1C846A3E0}">
-  <ds:schemaRefs>
-    <ds:schemaRef ds:uri="http://schemas.microsoft.com/VisualStudio/2011/storyboarding/control"/>
-  </ds:schemaRefs>
-</ds:datastoreItem>
-</file>
-
-<file path=customXml/itemProps45.xml><?xml version="1.0" encoding="utf-8"?>
+<file path=customXml/itemProps97.xml><?xml version="1.0" encoding="utf-8"?>
 <ds:datastoreItem xmlns:ds="http://schemas.openxmlformats.org/officeDocument/2006/customXml" ds:itemID="{A5B63E18-4237-42D4-B804-B83021F9E8A1}">
   <ds:schemaRefs>
     <ds:schemaRef ds:uri="http://schemas.microsoft.com/VisualStudio/2011/storyboarding/control"/>
@@ -29776,183 +28747,7 @@
 </ds:datastoreItem>
 </file>
 
-<file path=customXml/itemProps46.xml><?xml version="1.0" encoding="utf-8"?>
-<ds:datastoreItem xmlns:ds="http://schemas.openxmlformats.org/officeDocument/2006/customXml" ds:itemID="{0CCA9F88-8784-4D3A-B544-5E75264A0988}">
-  <ds:schemaRefs>
-    <ds:schemaRef ds:uri="http://schemas.microsoft.com/VisualStudio/2011/storyboarding/control"/>
-  </ds:schemaRefs>
-</ds:datastoreItem>
-</file>
-
-<file path=customXml/itemProps47.xml><?xml version="1.0" encoding="utf-8"?>
-<ds:datastoreItem xmlns:ds="http://schemas.openxmlformats.org/officeDocument/2006/customXml" ds:itemID="{B01456BF-31CD-4F81-B283-64D56CC0D084}">
-  <ds:schemaRefs>
-    <ds:schemaRef ds:uri="http://schemas.microsoft.com/VisualStudio/2011/storyboarding/control"/>
-  </ds:schemaRefs>
-</ds:datastoreItem>
-</file>
-
-<file path=customXml/itemProps48.xml><?xml version="1.0" encoding="utf-8"?>
-<ds:datastoreItem xmlns:ds="http://schemas.openxmlformats.org/officeDocument/2006/customXml" ds:itemID="{83526E43-CC5B-4399-8E1C-823585530259}">
-  <ds:schemaRefs>
-    <ds:schemaRef ds:uri="http://schemas.microsoft.com/VisualStudio/2011/storyboarding/control"/>
-  </ds:schemaRefs>
-</ds:datastoreItem>
-</file>
-
-<file path=customXml/itemProps49.xml><?xml version="1.0" encoding="utf-8"?>
-<ds:datastoreItem xmlns:ds="http://schemas.openxmlformats.org/officeDocument/2006/customXml" ds:itemID="{E0FB4629-EC57-49BA-A2DF-156D734D924B}">
-  <ds:schemaRefs>
-    <ds:schemaRef ds:uri="http://schemas.microsoft.com/VisualStudio/2011/storyboarding/control"/>
-  </ds:schemaRefs>
-</ds:datastoreItem>
-</file>
-
-<file path=customXml/itemProps5.xml><?xml version="1.0" encoding="utf-8"?>
-<ds:datastoreItem xmlns:ds="http://schemas.openxmlformats.org/officeDocument/2006/customXml" ds:itemID="{6ADA548F-1BF0-44B5-AD4E-6B89D3ECE98D}">
-  <ds:schemaRefs>
-    <ds:schemaRef ds:uri="http://schemas.microsoft.com/VisualStudio/2011/storyboarding/control"/>
-  </ds:schemaRefs>
-</ds:datastoreItem>
-</file>
-
-<file path=customXml/itemProps50.xml><?xml version="1.0" encoding="utf-8"?>
-<ds:datastoreItem xmlns:ds="http://schemas.openxmlformats.org/officeDocument/2006/customXml" ds:itemID="{7EA327E3-FCFB-4008-8DED-CE47F66639FD}">
-  <ds:schemaRefs>
-    <ds:schemaRef ds:uri="http://schemas.microsoft.com/VisualStudio/2011/storyboarding/control"/>
-  </ds:schemaRefs>
-</ds:datastoreItem>
-</file>
-
-<file path=customXml/itemProps51.xml><?xml version="1.0" encoding="utf-8"?>
-<ds:datastoreItem xmlns:ds="http://schemas.openxmlformats.org/officeDocument/2006/customXml" ds:itemID="{17A9B085-8E1A-4A33-B871-8166221A211A}">
-  <ds:schemaRefs>
-    <ds:schemaRef ds:uri="http://schemas.microsoft.com/VisualStudio/2011/storyboarding/control"/>
-  </ds:schemaRefs>
-</ds:datastoreItem>
-</file>
-
-<file path=customXml/itemProps52.xml><?xml version="1.0" encoding="utf-8"?>
-<ds:datastoreItem xmlns:ds="http://schemas.openxmlformats.org/officeDocument/2006/customXml" ds:itemID="{3E700196-0E07-41FC-8F78-80FE3D9018FD}">
-  <ds:schemaRefs>
-    <ds:schemaRef ds:uri="http://schemas.microsoft.com/VisualStudio/2011/storyboarding/control"/>
-  </ds:schemaRefs>
-</ds:datastoreItem>
-</file>
-
-<file path=customXml/itemProps53.xml><?xml version="1.0" encoding="utf-8"?>
-<ds:datastoreItem xmlns:ds="http://schemas.openxmlformats.org/officeDocument/2006/customXml" ds:itemID="{2AEF63D2-D198-4CCC-904A-422119B9CA6F}">
-  <ds:schemaRefs>
-    <ds:schemaRef ds:uri="http://schemas.microsoft.com/VisualStudio/2011/storyboarding/control"/>
-  </ds:schemaRefs>
-</ds:datastoreItem>
-</file>
-
-<file path=customXml/itemProps54.xml><?xml version="1.0" encoding="utf-8"?>
-<ds:datastoreItem xmlns:ds="http://schemas.openxmlformats.org/officeDocument/2006/customXml" ds:itemID="{1F20FE02-C571-465B-A4B9-BE3971D16C58}">
-  <ds:schemaRefs>
-    <ds:schemaRef ds:uri="http://schemas.microsoft.com/VisualStudio/2011/storyboarding/control"/>
-  </ds:schemaRefs>
-</ds:datastoreItem>
-</file>
-
-<file path=customXml/itemProps55.xml><?xml version="1.0" encoding="utf-8"?>
-<ds:datastoreItem xmlns:ds="http://schemas.openxmlformats.org/officeDocument/2006/customXml" ds:itemID="{CABD2B3A-1161-43E2-BA83-58E6B897C9BF}">
-  <ds:schemaRefs>
-    <ds:schemaRef ds:uri="http://schemas.microsoft.com/VisualStudio/2011/storyboarding/control"/>
-  </ds:schemaRefs>
-</ds:datastoreItem>
-</file>
-
-<file path=customXml/itemProps56.xml><?xml version="1.0" encoding="utf-8"?>
-<ds:datastoreItem xmlns:ds="http://schemas.openxmlformats.org/officeDocument/2006/customXml" ds:itemID="{7CABBE05-1DB8-413F-B922-E51F51DB6CB5}">
-  <ds:schemaRefs>
-    <ds:schemaRef ds:uri="http://schemas.microsoft.com/VisualStudio/2011/storyboarding/control"/>
-  </ds:schemaRefs>
-</ds:datastoreItem>
-</file>
-
-<file path=customXml/itemProps57.xml><?xml version="1.0" encoding="utf-8"?>
-<ds:datastoreItem xmlns:ds="http://schemas.openxmlformats.org/officeDocument/2006/customXml" ds:itemID="{E243988D-F926-45CE-8E57-8F03AD990A6C}">
-  <ds:schemaRefs>
-    <ds:schemaRef ds:uri="http://schemas.microsoft.com/VisualStudio/2011/storyboarding/control"/>
-  </ds:schemaRefs>
-</ds:datastoreItem>
-</file>
-
-<file path=customXml/itemProps58.xml><?xml version="1.0" encoding="utf-8"?>
-<ds:datastoreItem xmlns:ds="http://schemas.openxmlformats.org/officeDocument/2006/customXml" ds:itemID="{A3F62A8C-3D6E-45AB-989A-0299CCDC7BDF}">
-  <ds:schemaRefs>
-    <ds:schemaRef ds:uri="http://schemas.microsoft.com/VisualStudio/2011/storyboarding/control"/>
-  </ds:schemaRefs>
-</ds:datastoreItem>
-</file>
-
-<file path=customXml/itemProps59.xml><?xml version="1.0" encoding="utf-8"?>
-<ds:datastoreItem xmlns:ds="http://schemas.openxmlformats.org/officeDocument/2006/customXml" ds:itemID="{F2C546CF-9CDC-44DE-AAD6-9FBD6A29F8B2}">
-  <ds:schemaRefs>
-    <ds:schemaRef ds:uri="http://schemas.microsoft.com/VisualStudio/2011/storyboarding/control"/>
-  </ds:schemaRefs>
-</ds:datastoreItem>
-</file>
-
-<file path=customXml/itemProps6.xml><?xml version="1.0" encoding="utf-8"?>
-<ds:datastoreItem xmlns:ds="http://schemas.openxmlformats.org/officeDocument/2006/customXml" ds:itemID="{32DCF836-3940-427C-8F81-BA183FB52BAC}">
-  <ds:schemaRefs>
-    <ds:schemaRef ds:uri="http://schemas.microsoft.com/VisualStudio/2011/storyboarding/control"/>
-  </ds:schemaRefs>
-</ds:datastoreItem>
-</file>
-
-<file path=customXml/itemProps60.xml><?xml version="1.0" encoding="utf-8"?>
-<ds:datastoreItem xmlns:ds="http://schemas.openxmlformats.org/officeDocument/2006/customXml" ds:itemID="{8EE50836-C4DB-4AC6-8DFD-677FDEAB9EAD}">
-  <ds:schemaRefs>
-    <ds:schemaRef ds:uri="http://schemas.microsoft.com/VisualStudio/2011/storyboarding/control"/>
-  </ds:schemaRefs>
-</ds:datastoreItem>
-</file>
-
-<file path=customXml/itemProps61.xml><?xml version="1.0" encoding="utf-8"?>
-<ds:datastoreItem xmlns:ds="http://schemas.openxmlformats.org/officeDocument/2006/customXml" ds:itemID="{29BF925D-CF27-4B21-AC43-2599465F0C8E}">
-  <ds:schemaRefs>
-    <ds:schemaRef ds:uri="http://schemas.microsoft.com/VisualStudio/2011/storyboarding/control"/>
-  </ds:schemaRefs>
-</ds:datastoreItem>
-</file>
-
-<file path=customXml/itemProps62.xml><?xml version="1.0" encoding="utf-8"?>
-<ds:datastoreItem xmlns:ds="http://schemas.openxmlformats.org/officeDocument/2006/customXml" ds:itemID="{7D7DCE13-136F-43F5-85AB-F325A838BD5C}">
-  <ds:schemaRefs>
-    <ds:schemaRef ds:uri="http://schemas.microsoft.com/VisualStudio/2011/storyboarding/control"/>
-  </ds:schemaRefs>
-</ds:datastoreItem>
-</file>
-
-<file path=customXml/itemProps63.xml><?xml version="1.0" encoding="utf-8"?>
-<ds:datastoreItem xmlns:ds="http://schemas.openxmlformats.org/officeDocument/2006/customXml" ds:itemID="{063AF5E8-36AD-451D-9B6A-4390E8F3CF38}">
-  <ds:schemaRefs>
-    <ds:schemaRef ds:uri="http://schemas.microsoft.com/VisualStudio/2011/storyboarding/control"/>
-  </ds:schemaRefs>
-</ds:datastoreItem>
-</file>
-
-<file path=customXml/itemProps64.xml><?xml version="1.0" encoding="utf-8"?>
-<ds:datastoreItem xmlns:ds="http://schemas.openxmlformats.org/officeDocument/2006/customXml" ds:itemID="{5F6247E0-2660-41E0-8816-07BF7F4C712D}">
-  <ds:schemaRefs>
-    <ds:schemaRef ds:uri="http://schemas.microsoft.com/VisualStudio/2011/storyboarding/control"/>
-  </ds:schemaRefs>
-</ds:datastoreItem>
-</file>
-
-<file path=customXml/itemProps65.xml><?xml version="1.0" encoding="utf-8"?>
-<ds:datastoreItem xmlns:ds="http://schemas.openxmlformats.org/officeDocument/2006/customXml" ds:itemID="{6555F547-BDDA-4C26-9CE1-4C61E93A284F}">
-  <ds:schemaRefs>
-    <ds:schemaRef ds:uri="http://schemas.microsoft.com/VisualStudio/2011/storyboarding/control"/>
-  </ds:schemaRefs>
-</ds:datastoreItem>
-</file>
-
-<file path=customXml/itemProps66.xml><?xml version="1.0" encoding="utf-8"?>
+<file path=customXml/itemProps98.xml><?xml version="1.0" encoding="utf-8"?>
 <ds:datastoreItem xmlns:ds="http://schemas.openxmlformats.org/officeDocument/2006/customXml" ds:itemID="{4ABC8992-C4EA-45C3-A598-324942FE08FB}">
   <ds:schemaRefs>
     <ds:schemaRef ds:uri="http://schemas.microsoft.com/VisualStudio/2011/storyboarding/control"/>
@@ -29960,290 +28755,10 @@
 </ds:datastoreItem>
 </file>
 
-<file path=customXml/itemProps67.xml><?xml version="1.0" encoding="utf-8"?>
-<ds:datastoreItem xmlns:ds="http://schemas.openxmlformats.org/officeDocument/2006/customXml" ds:itemID="{C8AF95B6-D0D3-4619-AB57-6FEEA90FA132}">
-  <ds:schemaRefs>
-    <ds:schemaRef ds:uri="http://schemas.microsoft.com/VisualStudio/2011/storyboarding/control"/>
-  </ds:schemaRefs>
-</ds:datastoreItem>
-</file>
-
-<file path=customXml/itemProps68.xml><?xml version="1.0" encoding="utf-8"?>
-<ds:datastoreItem xmlns:ds="http://schemas.openxmlformats.org/officeDocument/2006/customXml" ds:itemID="{905F7CBB-FF77-4853-ADB2-0B0D37590AA0}">
-  <ds:schemaRefs>
-    <ds:schemaRef ds:uri="http://schemas.microsoft.com/VisualStudio/2011/storyboarding/control"/>
-  </ds:schemaRefs>
-</ds:datastoreItem>
-</file>
-
-<file path=customXml/itemProps69.xml><?xml version="1.0" encoding="utf-8"?>
-<ds:datastoreItem xmlns:ds="http://schemas.openxmlformats.org/officeDocument/2006/customXml" ds:itemID="{8481EF94-D4A7-4149-8E7B-C8738D2597CA}">
-  <ds:schemaRefs>
-    <ds:schemaRef ds:uri="http://schemas.microsoft.com/VisualStudio/2011/storyboarding/control"/>
-  </ds:schemaRefs>
-</ds:datastoreItem>
-</file>
-
-<file path=customXml/itemProps7.xml><?xml version="1.0" encoding="utf-8"?>
-<ds:datastoreItem xmlns:ds="http://schemas.openxmlformats.org/officeDocument/2006/customXml" ds:itemID="{766F77BC-3956-438F-94BE-CF6CF9C915C0}">
-  <ds:schemaRefs>
-    <ds:schemaRef ds:uri="http://schemas.microsoft.com/VisualStudio/2011/storyboarding/control"/>
-  </ds:schemaRefs>
-</ds:datastoreItem>
-</file>
-
-<file path=customXml/itemProps70.xml><?xml version="1.0" encoding="utf-8"?>
-<ds:datastoreItem xmlns:ds="http://schemas.openxmlformats.org/officeDocument/2006/customXml" ds:itemID="{914EB071-267D-4D23-8EAD-39A664DF70DC}">
-  <ds:schemaRefs>
-    <ds:schemaRef ds:uri="http://schemas.microsoft.com/VisualStudio/2011/storyboarding/control"/>
-  </ds:schemaRefs>
-</ds:datastoreItem>
-</file>
-
-<file path=customXml/itemProps71.xml><?xml version="1.0" encoding="utf-8"?>
-<ds:datastoreItem xmlns:ds="http://schemas.openxmlformats.org/officeDocument/2006/customXml" ds:itemID="{48F85951-6571-4AA7-9B26-EEF9CD4B541F}">
-  <ds:schemaRefs>
-    <ds:schemaRef ds:uri="http://schemas.microsoft.com/VisualStudio/2011/storyboarding/control"/>
-  </ds:schemaRefs>
-</ds:datastoreItem>
-</file>
-
-<file path=customXml/itemProps72.xml><?xml version="1.0" encoding="utf-8"?>
-<ds:datastoreItem xmlns:ds="http://schemas.openxmlformats.org/officeDocument/2006/customXml" ds:itemID="{199B4AEE-2A28-4269-AEAC-CF63B1A2C9C1}">
-  <ds:schemaRefs>
-    <ds:schemaRef ds:uri="http://schemas.microsoft.com/VisualStudio/2011/storyboarding/control"/>
-  </ds:schemaRefs>
-</ds:datastoreItem>
-</file>
-
-<file path=customXml/itemProps73.xml><?xml version="1.0" encoding="utf-8"?>
-<ds:datastoreItem xmlns:ds="http://schemas.openxmlformats.org/officeDocument/2006/customXml" ds:itemID="{C36DB154-AE5E-441B-8E32-9C0203D538F6}">
-  <ds:schemaRefs>
-    <ds:schemaRef ds:uri="http://schemas.microsoft.com/VisualStudio/2011/storyboarding/control"/>
-  </ds:schemaRefs>
-</ds:datastoreItem>
-</file>
-
-<file path=customXml/itemProps74.xml><?xml version="1.0" encoding="utf-8"?>
-<ds:datastoreItem xmlns:ds="http://schemas.openxmlformats.org/officeDocument/2006/customXml" ds:itemID="{20DE1362-1BC4-4883-A16F-96A9C8F4B18F}">
-  <ds:schemaRefs>
-    <ds:schemaRef ds:uri="http://schemas.microsoft.com/VisualStudio/2011/storyboarding/control"/>
-  </ds:schemaRefs>
-</ds:datastoreItem>
-</file>
-
-<file path=customXml/itemProps75.xml><?xml version="1.0" encoding="utf-8"?>
-<ds:datastoreItem xmlns:ds="http://schemas.openxmlformats.org/officeDocument/2006/customXml" ds:itemID="{7A7C8F38-0BA1-42E1-8BF5-DEED4B0E03B5}">
-  <ds:schemaRefs>
-    <ds:schemaRef ds:uri="http://schemas.microsoft.com/VisualStudio/2011/storyboarding/control"/>
-  </ds:schemaRefs>
-</ds:datastoreItem>
-</file>
-
-<file path=customXml/itemProps76.xml><?xml version="1.0" encoding="utf-8"?>
-<ds:datastoreItem xmlns:ds="http://schemas.openxmlformats.org/officeDocument/2006/customXml" ds:itemID="{161C1280-5A04-4E6E-8FE3-21E316A51B59}">
-  <ds:schemaRefs>
-    <ds:schemaRef ds:uri="http://schemas.microsoft.com/VisualStudio/2011/storyboarding/control"/>
-  </ds:schemaRefs>
-</ds:datastoreItem>
-</file>
-
-<file path=customXml/itemProps77.xml><?xml version="1.0" encoding="utf-8"?>
-<ds:datastoreItem xmlns:ds="http://schemas.openxmlformats.org/officeDocument/2006/customXml" ds:itemID="{CF91C9AF-FB44-4B2D-B964-EA853D542988}">
-  <ds:schemaRefs>
-    <ds:schemaRef ds:uri="http://schemas.microsoft.com/VisualStudio/2011/storyboarding/control"/>
-  </ds:schemaRefs>
-</ds:datastoreItem>
-</file>
-
-<file path=customXml/itemProps78.xml><?xml version="1.0" encoding="utf-8"?>
-<ds:datastoreItem xmlns:ds="http://schemas.openxmlformats.org/officeDocument/2006/customXml" ds:itemID="{417DBAC8-3D39-4B42-B14B-DAEC2E68913B}">
-  <ds:schemaRefs>
-    <ds:schemaRef ds:uri="http://schemas.microsoft.com/VisualStudio/2011/storyboarding/control"/>
-  </ds:schemaRefs>
-</ds:datastoreItem>
-</file>
-
-<file path=customXml/itemProps79.xml><?xml version="1.0" encoding="utf-8"?>
-<ds:datastoreItem xmlns:ds="http://schemas.openxmlformats.org/officeDocument/2006/customXml" ds:itemID="{4E626C7F-4024-4418-87D9-7BEE58688CEB}">
-  <ds:schemaRefs>
-    <ds:schemaRef ds:uri="http://schemas.microsoft.com/VisualStudio/2011/storyboarding/control"/>
-  </ds:schemaRefs>
-</ds:datastoreItem>
-</file>
-
-<file path=customXml/itemProps8.xml><?xml version="1.0" encoding="utf-8"?>
-<ds:datastoreItem xmlns:ds="http://schemas.openxmlformats.org/officeDocument/2006/customXml" ds:itemID="{438B7A44-EBDD-41BA-B093-6D278F4F7459}">
-  <ds:schemaRefs>
-    <ds:schemaRef ds:uri="http://schemas.microsoft.com/VisualStudio/2011/storyboarding/control"/>
-  </ds:schemaRefs>
-</ds:datastoreItem>
-</file>
-
-<file path=customXml/itemProps80.xml><?xml version="1.0" encoding="utf-8"?>
-<ds:datastoreItem xmlns:ds="http://schemas.openxmlformats.org/officeDocument/2006/customXml" ds:itemID="{650ADCBF-4D86-43BF-9817-E7EF6E55BBE7}">
-  <ds:schemaRefs>
-    <ds:schemaRef ds:uri="http://schemas.microsoft.com/VisualStudio/2011/storyboarding/control"/>
-  </ds:schemaRefs>
-</ds:datastoreItem>
-</file>
-
-<file path=customXml/itemProps81.xml><?xml version="1.0" encoding="utf-8"?>
-<ds:datastoreItem xmlns:ds="http://schemas.openxmlformats.org/officeDocument/2006/customXml" ds:itemID="{876AF238-A0AE-4CE4-9709-BB19E770A0FF}">
-  <ds:schemaRefs>
-    <ds:schemaRef ds:uri="http://schemas.microsoft.com/VisualStudio/2011/storyboarding/control"/>
-  </ds:schemaRefs>
-</ds:datastoreItem>
-</file>
-
-<file path=customXml/itemProps82.xml><?xml version="1.0" encoding="utf-8"?>
-<ds:datastoreItem xmlns:ds="http://schemas.openxmlformats.org/officeDocument/2006/customXml" ds:itemID="{701AFE5A-ADCF-4311-A5B5-18B338C7E907}">
-  <ds:schemaRefs>
-    <ds:schemaRef ds:uri="http://schemas.microsoft.com/VisualStudio/2011/storyboarding/control"/>
-  </ds:schemaRefs>
-</ds:datastoreItem>
-</file>
-
-<file path=customXml/itemProps83.xml><?xml version="1.0" encoding="utf-8"?>
-<ds:datastoreItem xmlns:ds="http://schemas.openxmlformats.org/officeDocument/2006/customXml" ds:itemID="{726BE286-E05E-4A7E-9BF6-44FFEC27C080}">
-  <ds:schemaRefs>
-    <ds:schemaRef ds:uri="http://schemas.microsoft.com/VisualStudio/2011/storyboarding/control"/>
-  </ds:schemaRefs>
-</ds:datastoreItem>
-</file>
-
-<file path=customXml/itemProps84.xml><?xml version="1.0" encoding="utf-8"?>
-<ds:datastoreItem xmlns:ds="http://schemas.openxmlformats.org/officeDocument/2006/customXml" ds:itemID="{D9AB7FC7-C062-483E-9B7E-6CCCBB79B494}">
-  <ds:schemaRefs>
-    <ds:schemaRef ds:uri="http://schemas.microsoft.com/VisualStudio/2011/storyboarding/control"/>
-  </ds:schemaRefs>
-</ds:datastoreItem>
-</file>
-
-<file path=customXml/itemProps85.xml><?xml version="1.0" encoding="utf-8"?>
-<ds:datastoreItem xmlns:ds="http://schemas.openxmlformats.org/officeDocument/2006/customXml" ds:itemID="{7EC308D9-C28D-40CD-AB00-4A98E0A77CCC}">
-  <ds:schemaRefs>
-    <ds:schemaRef ds:uri="http://schemas.microsoft.com/VisualStudio/2011/storyboarding/control"/>
-  </ds:schemaRefs>
-</ds:datastoreItem>
-</file>
-
-<file path=customXml/itemProps86.xml><?xml version="1.0" encoding="utf-8"?>
-<ds:datastoreItem xmlns:ds="http://schemas.openxmlformats.org/officeDocument/2006/customXml" ds:itemID="{ACB3927E-D579-4694-AD01-62FF7AA261C4}">
-  <ds:schemaRefs>
-    <ds:schemaRef ds:uri="http://schemas.microsoft.com/VisualStudio/2011/storyboarding/control"/>
-  </ds:schemaRefs>
-</ds:datastoreItem>
-</file>
-
-<file path=customXml/itemProps87.xml><?xml version="1.0" encoding="utf-8"?>
+<file path=customXml/itemProps99.xml><?xml version="1.0" encoding="utf-8"?>
 <ds:datastoreItem xmlns:ds="http://schemas.openxmlformats.org/officeDocument/2006/customXml" ds:itemID="{A05C083F-66B9-4E32-B2F5-E377C3A489DF}">
   <ds:schemaRefs>
     <ds:schemaRef ds:uri="http://schemas.microsoft.com/VisualStudio/2011/storyboarding/control"/>
   </ds:schemaRefs>
 </ds:datastoreItem>
-</file>
-
-<file path=customXml/itemProps88.xml><?xml version="1.0" encoding="utf-8"?>
-<ds:datastoreItem xmlns:ds="http://schemas.openxmlformats.org/officeDocument/2006/customXml" ds:itemID="{215132C6-5D8F-4E41-9882-494A7FC0C124}">
-  <ds:schemaRefs>
-    <ds:schemaRef ds:uri="http://schemas.microsoft.com/VisualStudio/2011/storyboarding/control"/>
-  </ds:schemaRefs>
-</ds:datastoreItem>
-</file>
-
-<file path=customXml/itemProps89.xml><?xml version="1.0" encoding="utf-8"?>
-<ds:datastoreItem xmlns:ds="http://schemas.openxmlformats.org/officeDocument/2006/customXml" ds:itemID="{8A260A91-3FD6-475C-8E6F-434835560933}">
-  <ds:schemaRefs>
-    <ds:schemaRef ds:uri="http://schemas.microsoft.com/VisualStudio/2011/storyboarding/control"/>
-  </ds:schemaRefs>
-</ds:datastoreItem>
-</file>
-
-<file path=customXml/itemProps9.xml><?xml version="1.0" encoding="utf-8"?>
-<ds:datastoreItem xmlns:ds="http://schemas.openxmlformats.org/officeDocument/2006/customXml" ds:itemID="{29F09D18-0D3C-4F1D-ABE0-73E2474806CB}">
-  <ds:schemaRefs>
-    <ds:schemaRef ds:uri="http://schemas.microsoft.com/VisualStudio/2011/storyboarding/control"/>
-  </ds:schemaRefs>
-</ds:datastoreItem>
-</file>
-
-<file path=customXml/itemProps90.xml><?xml version="1.0" encoding="utf-8"?>
-<ds:datastoreItem xmlns:ds="http://schemas.openxmlformats.org/officeDocument/2006/customXml" ds:itemID="{57FFB7F0-24A5-4BA8-AA91-8BFC251E2323}">
-  <ds:schemaRefs>
-    <ds:schemaRef ds:uri="http://schemas.microsoft.com/VisualStudio/2011/storyboarding/control"/>
-  </ds:schemaRefs>
-</ds:datastoreItem>
-</file>
-
-<file path=customXml/itemProps91.xml><?xml version="1.0" encoding="utf-8"?>
-<ds:datastoreItem xmlns:ds="http://schemas.openxmlformats.org/officeDocument/2006/customXml" ds:itemID="{E2D66C36-7379-4DD2-AA37-128CF4B262CF}">
-  <ds:schemaRefs>
-    <ds:schemaRef ds:uri="http://schemas.microsoft.com/VisualStudio/2011/storyboarding/control"/>
-  </ds:schemaRefs>
-</ds:datastoreItem>
-</file>
-
-<file path=customXml/itemProps92.xml><?xml version="1.0" encoding="utf-8"?>
-<ds:datastoreItem xmlns:ds="http://schemas.openxmlformats.org/officeDocument/2006/customXml" ds:itemID="{F0564582-AFE3-40AE-AC24-282E787FE867}">
-  <ds:schemaRefs>
-    <ds:schemaRef ds:uri="http://schemas.microsoft.com/VisualStudio/2011/storyboarding/control"/>
-  </ds:schemaRefs>
-</ds:datastoreItem>
-</file>
-
-<file path=customXml/itemProps93.xml><?xml version="1.0" encoding="utf-8"?>
-<ds:datastoreItem xmlns:ds="http://schemas.openxmlformats.org/officeDocument/2006/customXml" ds:itemID="{AABF63A9-AA30-4DF6-8EF2-972AB7A4097F}">
-  <ds:schemaRefs>
-    <ds:schemaRef ds:uri="http://schemas.microsoft.com/VisualStudio/2011/storyboarding/control"/>
-  </ds:schemaRefs>
-</ds:datastoreItem>
-</file>
-
-<file path=customXml/itemProps94.xml><?xml version="1.0" encoding="utf-8"?>
-<ds:datastoreItem xmlns:ds="http://schemas.openxmlformats.org/officeDocument/2006/customXml" ds:itemID="{D2FE2441-F4F4-4DD2-A086-4A7D71862FD9}">
-  <ds:schemaRefs>
-    <ds:schemaRef ds:uri="http://schemas.microsoft.com/VisualStudio/2011/storyboarding/control"/>
-  </ds:schemaRefs>
-</ds:datastoreItem>
-</file>
-
-<file path=customXml/itemProps95.xml><?xml version="1.0" encoding="utf-8"?>
-<ds:datastoreItem xmlns:ds="http://schemas.openxmlformats.org/officeDocument/2006/customXml" ds:itemID="{A5548825-A252-43B9-8E93-D05CC009ABBE}">
-  <ds:schemaRefs>
-    <ds:schemaRef ds:uri="http://schemas.microsoft.com/VisualStudio/2011/storyboarding/control"/>
-  </ds:schemaRefs>
-</ds:datastoreItem>
-</file>
-
-<file path=customXml/itemProps96.xml><?xml version="1.0" encoding="utf-8"?>
-<ds:datastoreItem xmlns:ds="http://schemas.openxmlformats.org/officeDocument/2006/customXml" ds:itemID="{7D9FEB58-73F6-462F-A88A-C490995E4318}">
-  <ds:schemaRefs>
-    <ds:schemaRef ds:uri="http://schemas.microsoft.com/VisualStudio/2011/storyboarding/control"/>
-  </ds:schemaRefs>
-</ds:datastoreItem>
-</file>
-
-<file path=customXml/itemProps97.xml><?xml version="1.0" encoding="utf-8"?>
-<ds:datastoreItem xmlns:ds="http://schemas.openxmlformats.org/officeDocument/2006/customXml" ds:itemID="{68A0CDC1-3F80-4DE3-8AB3-B532E32DC2D3}">
-  <ds:schemaRefs>
-    <ds:schemaRef ds:uri="http://schemas.microsoft.com/VisualStudio/2011/storyboarding/control"/>
-  </ds:schemaRefs>
-</ds:datastoreItem>
-</file>
-
-<file path=customXml/itemProps98.xml><?xml version="1.0" encoding="utf-8"?>
-<ds:datastoreItem xmlns:ds="http://schemas.openxmlformats.org/officeDocument/2006/customXml" ds:itemID="{48A06D39-512F-41A5-AE3C-7B4CDB4AC086}">
-  <ds:schemaRefs>
-    <ds:schemaRef ds:uri="http://schemas.microsoft.com/VisualStudio/2011/storyboarding/control"/>
-  </ds:schemaRefs>
-</ds:datastoreItem>
-</file>
-
-<file path=customXml/itemProps99.xml><?xml version="1.0" encoding="utf-8"?>
-<ds:datastoreItem xmlns:ds="http://schemas.openxmlformats.org/officeDocument/2006/customXml" ds:itemID="{1159427B-15B9-477B-8DAD-D7C81D705523}">
-  <ds:schemaRefs>
-    <ds:schemaRef ds:uri="http://schemas.microsoft.com/VisualStudio/2011/storyboarding/control"/>
-  </ds:schemaRefs>
-</ds:datastoreItem>
 </file>
--- a/Page d’acceuil.pptx
+++ b/Page d’acceuil.pptx
@@ -2,36 +2,35 @@
 <file path=ppt/presentation.xml><?xml version="1.0" encoding="utf-8"?>
 <p:presentation xmlns:a="http://schemas.openxmlformats.org/drawingml/2006/main" xmlns:r="http://schemas.openxmlformats.org/officeDocument/2006/relationships" xmlns:p="http://schemas.openxmlformats.org/presentationml/2006/main" saveSubsetFonts="1">
   <p:sldMasterIdLst>
-    <p:sldMasterId id="2147483648" r:id="rId204"/>
-    <p:sldMasterId id="2147483660" r:id="rId205"/>
+    <p:sldMasterId id="2147483648" r:id="rId200"/>
+    <p:sldMasterId id="2147483660" r:id="rId201"/>
   </p:sldMasterIdLst>
   <p:notesMasterIdLst>
-    <p:notesMasterId r:id="rId229"/>
+    <p:notesMasterId r:id="rId224"/>
   </p:notesMasterIdLst>
   <p:sldIdLst>
-    <p:sldId id="260" r:id="rId206"/>
-    <p:sldId id="258" r:id="rId207"/>
-    <p:sldId id="269" r:id="rId208"/>
-    <p:sldId id="270" r:id="rId209"/>
-    <p:sldId id="271" r:id="rId210"/>
-    <p:sldId id="264" r:id="rId211"/>
-    <p:sldId id="284" r:id="rId212"/>
-    <p:sldId id="265" r:id="rId213"/>
-    <p:sldId id="272" r:id="rId214"/>
-    <p:sldId id="273" r:id="rId215"/>
-    <p:sldId id="274" r:id="rId216"/>
-    <p:sldId id="275" r:id="rId217"/>
-    <p:sldId id="276" r:id="rId218"/>
-    <p:sldId id="278" r:id="rId219"/>
-    <p:sldId id="279" r:id="rId220"/>
-    <p:sldId id="280" r:id="rId221"/>
-    <p:sldId id="282" r:id="rId222"/>
-    <p:sldId id="281" r:id="rId223"/>
-    <p:sldId id="283" r:id="rId224"/>
-    <p:sldId id="287" r:id="rId225"/>
-    <p:sldId id="266" r:id="rId226"/>
-    <p:sldId id="267" r:id="rId227"/>
-    <p:sldId id="285" r:id="rId228"/>
+    <p:sldId id="260" r:id="rId202"/>
+    <p:sldId id="258" r:id="rId203"/>
+    <p:sldId id="269" r:id="rId204"/>
+    <p:sldId id="270" r:id="rId205"/>
+    <p:sldId id="271" r:id="rId206"/>
+    <p:sldId id="264" r:id="rId207"/>
+    <p:sldId id="284" r:id="rId208"/>
+    <p:sldId id="265" r:id="rId209"/>
+    <p:sldId id="272" r:id="rId210"/>
+    <p:sldId id="273" r:id="rId211"/>
+    <p:sldId id="274" r:id="rId212"/>
+    <p:sldId id="275" r:id="rId213"/>
+    <p:sldId id="276" r:id="rId214"/>
+    <p:sldId id="278" r:id="rId215"/>
+    <p:sldId id="279" r:id="rId216"/>
+    <p:sldId id="280" r:id="rId217"/>
+    <p:sldId id="282" r:id="rId218"/>
+    <p:sldId id="281" r:id="rId219"/>
+    <p:sldId id="283" r:id="rId220"/>
+    <p:sldId id="287" r:id="rId221"/>
+    <p:sldId id="267" r:id="rId222"/>
+    <p:sldId id="285" r:id="rId223"/>
   </p:sldIdLst>
   <p:sldSz cx="12192000" cy="6858000"/>
   <p:notesSz cx="6858000" cy="9144000"/>
@@ -298,7 +297,9 @@
             <c:showBubbleSize val="0"/>
             <c:showLeaderLines val="0"/>
             <c:extLst>
-              <c:ext xmlns:c15="http://schemas.microsoft.com/office/drawing/2012/chart" uri="{CE6537A1-D6FC-4f65-9D91-7224C49458BB}"/>
+              <c:ext xmlns:c15="http://schemas.microsoft.com/office/drawing/2012/chart" uri="{CE6537A1-D6FC-4f65-9D91-7224C49458BB}">
+                <c15:layout/>
+              </c:ext>
             </c:extLst>
           </c:dLbls>
           <c:cat>
@@ -364,6 +365,7 @@
     </c:plotArea>
     <c:legend>
       <c:legendPos val="t"/>
+      <c:layout/>
       <c:overlay val="0"/>
       <c:spPr>
         <a:noFill/>
@@ -788,496 +790,6 @@
     </a:p>
   </c:txPr>
   <c:externalData r:id="rId3">
-    <c:autoUpdate val="0"/>
-  </c:externalData>
-</c:chartSpace>
-</file>
-
-<file path=ppt/charts/chart3.xml><?xml version="1.0" encoding="utf-8"?>
-<c:chartSpace xmlns:c="http://schemas.openxmlformats.org/drawingml/2006/chart" xmlns:a="http://schemas.openxmlformats.org/drawingml/2006/main" xmlns:r="http://schemas.openxmlformats.org/officeDocument/2006/relationships" xmlns:c16r2="http://schemas.microsoft.com/office/drawing/2015/06/chart">
-  <c:date1904 val="0"/>
-  <c:lang val="fr-FR"/>
-  <c:roundedCorners val="0"/>
-  <mc:AlternateContent xmlns:mc="http://schemas.openxmlformats.org/markup-compatibility/2006">
-    <mc:Choice xmlns:c14="http://schemas.microsoft.com/office/drawing/2007/8/2/chart" Requires="c14">
-      <c14:style val="102"/>
-    </mc:Choice>
-    <mc:Fallback>
-      <c:style val="2"/>
-    </mc:Fallback>
-  </mc:AlternateContent>
-  <c:chart>
-    <c:autoTitleDeleted val="1"/>
-    <c:plotArea>
-      <c:layout/>
-      <c:pieChart>
-        <c:varyColors val="1"/>
-        <c:ser>
-          <c:idx val="0"/>
-          <c:order val="0"/>
-          <c:tx>
-            <c:strRef>
-              <c:f>Sheet1!$B$1</c:f>
-              <c:strCache>
-                <c:ptCount val="1"/>
-                <c:pt idx="0">
-                  <c:v>Sales</c:v>
-                </c:pt>
-              </c:strCache>
-            </c:strRef>
-          </c:tx>
-          <c:spPr>
-            <a:ln w="3175">
-              <a:solidFill>
-                <a:schemeClr val="bg1">
-                  <a:lumMod val="50000"/>
-                </a:schemeClr>
-              </a:solidFill>
-            </a:ln>
-          </c:spPr>
-          <c:dPt>
-            <c:idx val="0"/>
-            <c:bubble3D val="0"/>
-            <c:spPr>
-              <a:solidFill>
-                <a:schemeClr val="bg1">
-                  <a:lumMod val="65000"/>
-                </a:schemeClr>
-              </a:solidFill>
-              <a:ln w="3175">
-                <a:solidFill>
-                  <a:schemeClr val="bg1">
-                    <a:lumMod val="50000"/>
-                  </a:schemeClr>
-                </a:solidFill>
-              </a:ln>
-            </c:spPr>
-            <c:extLst>
-              <c:ext xmlns:c16="http://schemas.microsoft.com/office/drawing/2014/chart" uri="{C3380CC4-5D6E-409C-BE32-E72D297353CC}">
-                <c16:uniqueId val="{00000001-9349-4A6F-A9C1-AA8D54D2C870}"/>
-              </c:ext>
-            </c:extLst>
-          </c:dPt>
-          <c:dPt>
-            <c:idx val="1"/>
-            <c:bubble3D val="0"/>
-            <c:spPr>
-              <a:solidFill>
-                <a:schemeClr val="bg1">
-                  <a:lumMod val="95000"/>
-                </a:schemeClr>
-              </a:solidFill>
-              <a:ln w="3175">
-                <a:solidFill>
-                  <a:schemeClr val="bg1">
-                    <a:lumMod val="50000"/>
-                  </a:schemeClr>
-                </a:solidFill>
-              </a:ln>
-            </c:spPr>
-            <c:extLst>
-              <c:ext xmlns:c16="http://schemas.microsoft.com/office/drawing/2014/chart" uri="{C3380CC4-5D6E-409C-BE32-E72D297353CC}">
-                <c16:uniqueId val="{00000003-9349-4A6F-A9C1-AA8D54D2C870}"/>
-              </c:ext>
-            </c:extLst>
-          </c:dPt>
-          <c:dPt>
-            <c:idx val="2"/>
-            <c:bubble3D val="0"/>
-            <c:spPr>
-              <a:solidFill>
-                <a:schemeClr val="bg1">
-                  <a:lumMod val="85000"/>
-                </a:schemeClr>
-              </a:solidFill>
-              <a:ln w="3175">
-                <a:solidFill>
-                  <a:schemeClr val="bg1">
-                    <a:lumMod val="50000"/>
-                  </a:schemeClr>
-                </a:solidFill>
-              </a:ln>
-            </c:spPr>
-            <c:extLst>
-              <c:ext xmlns:c16="http://schemas.microsoft.com/office/drawing/2014/chart" uri="{C3380CC4-5D6E-409C-BE32-E72D297353CC}">
-                <c16:uniqueId val="{00000005-9349-4A6F-A9C1-AA8D54D2C870}"/>
-              </c:ext>
-            </c:extLst>
-          </c:dPt>
-          <c:cat>
-            <c:strRef>
-              <c:f>Sheet1!$A$2:$A$4</c:f>
-              <c:strCache>
-                <c:ptCount val="3"/>
-                <c:pt idx="0">
-                  <c:v>1st Qtr</c:v>
-                </c:pt>
-                <c:pt idx="1">
-                  <c:v>2nd Qtr</c:v>
-                </c:pt>
-                <c:pt idx="2">
-                  <c:v>3rd Qtr</c:v>
-                </c:pt>
-              </c:strCache>
-            </c:strRef>
-          </c:cat>
-          <c:val>
-            <c:numRef>
-              <c:f>Sheet1!$B$2:$B$4</c:f>
-              <c:numCache>
-                <c:formatCode>General</c:formatCode>
-                <c:ptCount val="3"/>
-                <c:pt idx="0">
-                  <c:v>6</c:v>
-                </c:pt>
-                <c:pt idx="1">
-                  <c:v>3</c:v>
-                </c:pt>
-                <c:pt idx="2">
-                  <c:v>1.8</c:v>
-                </c:pt>
-              </c:numCache>
-            </c:numRef>
-          </c:val>
-          <c:extLst>
-            <c:ext xmlns:c16="http://schemas.microsoft.com/office/drawing/2014/chart" uri="{C3380CC4-5D6E-409C-BE32-E72D297353CC}">
-              <c16:uniqueId val="{00000006-9349-4A6F-A9C1-AA8D54D2C870}"/>
-            </c:ext>
-          </c:extLst>
-        </c:ser>
-        <c:dLbls>
-          <c:showLegendKey val="0"/>
-          <c:showVal val="0"/>
-          <c:showCatName val="0"/>
-          <c:showSerName val="0"/>
-          <c:showPercent val="0"/>
-          <c:showBubbleSize val="0"/>
-          <c:showLeaderLines val="0"/>
-        </c:dLbls>
-        <c:firstSliceAng val="0"/>
-      </c:pieChart>
-    </c:plotArea>
-    <c:plotVisOnly val="1"/>
-    <c:dispBlanksAs val="zero"/>
-    <c:showDLblsOverMax val="0"/>
-  </c:chart>
-  <c:spPr>
-    <a:noFill/>
-  </c:spPr>
-  <c:txPr>
-    <a:bodyPr/>
-    <a:lstStyle/>
-    <a:p>
-      <a:pPr>
-        <a:defRPr sz="1800"/>
-      </a:pPr>
-      <a:endParaRPr lang="fr-FR"/>
-    </a:p>
-  </c:txPr>
-  <c:externalData r:id="rId1">
-    <c:autoUpdate val="0"/>
-  </c:externalData>
-</c:chartSpace>
-</file>
-
-<file path=ppt/charts/chart4.xml><?xml version="1.0" encoding="utf-8"?>
-<c:chartSpace xmlns:c="http://schemas.openxmlformats.org/drawingml/2006/chart" xmlns:a="http://schemas.openxmlformats.org/drawingml/2006/main" xmlns:r="http://schemas.openxmlformats.org/officeDocument/2006/relationships" xmlns:c16r2="http://schemas.microsoft.com/office/drawing/2015/06/chart">
-  <c:date1904 val="0"/>
-  <c:lang val="fr-FR"/>
-  <c:roundedCorners val="0"/>
-  <mc:AlternateContent xmlns:mc="http://schemas.openxmlformats.org/markup-compatibility/2006">
-    <mc:Choice xmlns:c14="http://schemas.microsoft.com/office/drawing/2007/8/2/chart" Requires="c14">
-      <c14:style val="102"/>
-    </mc:Choice>
-    <mc:Fallback>
-      <c:style val="2"/>
-    </mc:Fallback>
-  </mc:AlternateContent>
-  <c:clrMapOvr bg1="lt1" tx1="dk1" bg2="lt2" tx2="dk2" accent1="accent1" accent2="accent2" accent3="accent3" accent4="accent4" accent5="accent5" accent6="accent6" hlink="hlink" folHlink="folHlink"/>
-  <c:chart>
-    <c:autoTitleDeleted val="0"/>
-    <c:plotArea>
-      <c:layout/>
-      <c:barChart>
-        <c:barDir val="col"/>
-        <c:grouping val="clustered"/>
-        <c:varyColors val="0"/>
-        <c:ser>
-          <c:idx val="0"/>
-          <c:order val="0"/>
-          <c:tx>
-            <c:strRef>
-              <c:f>Sheet1!$B$1</c:f>
-              <c:strCache>
-                <c:ptCount val="1"/>
-                <c:pt idx="0">
-                  <c:v>Series 1</c:v>
-                </c:pt>
-              </c:strCache>
-            </c:strRef>
-          </c:tx>
-          <c:spPr>
-            <a:solidFill>
-              <a:schemeClr val="bg1">
-                <a:lumMod val="75000"/>
-              </a:schemeClr>
-            </a:solidFill>
-            <a:ln>
-              <a:solidFill>
-                <a:schemeClr val="tx1">
-                  <a:lumMod val="50000"/>
-                  <a:lumOff val="50000"/>
-                </a:schemeClr>
-              </a:solidFill>
-            </a:ln>
-          </c:spPr>
-          <c:invertIfNegative val="0"/>
-          <c:cat>
-            <c:strRef>
-              <c:f>Sheet1!$A$2:$A$3</c:f>
-              <c:strCache>
-                <c:ptCount val="2"/>
-                <c:pt idx="0">
-                  <c:v>Category 1</c:v>
-                </c:pt>
-                <c:pt idx="1">
-                  <c:v>Category 2</c:v>
-                </c:pt>
-              </c:strCache>
-            </c:strRef>
-          </c:cat>
-          <c:val>
-            <c:numRef>
-              <c:f>Sheet1!$B$2:$B$3</c:f>
-              <c:numCache>
-                <c:formatCode>General</c:formatCode>
-                <c:ptCount val="2"/>
-                <c:pt idx="0">
-                  <c:v>4.3</c:v>
-                </c:pt>
-                <c:pt idx="1">
-                  <c:v>2.5</c:v>
-                </c:pt>
-              </c:numCache>
-            </c:numRef>
-          </c:val>
-          <c:extLst>
-            <c:ext xmlns:c16="http://schemas.microsoft.com/office/drawing/2014/chart" uri="{C3380CC4-5D6E-409C-BE32-E72D297353CC}">
-              <c16:uniqueId val="{00000000-23C1-463A-9155-30CDDD8B3AFB}"/>
-            </c:ext>
-          </c:extLst>
-        </c:ser>
-        <c:ser>
-          <c:idx val="1"/>
-          <c:order val="1"/>
-          <c:tx>
-            <c:strRef>
-              <c:f>Sheet1!$C$1</c:f>
-              <c:strCache>
-                <c:ptCount val="1"/>
-                <c:pt idx="0">
-                  <c:v>Series 2</c:v>
-                </c:pt>
-              </c:strCache>
-            </c:strRef>
-          </c:tx>
-          <c:spPr>
-            <a:solidFill>
-              <a:schemeClr val="bg1">
-                <a:lumMod val="95000"/>
-              </a:schemeClr>
-            </a:solidFill>
-            <a:ln>
-              <a:solidFill>
-                <a:schemeClr val="tx1">
-                  <a:lumMod val="50000"/>
-                  <a:lumOff val="50000"/>
-                </a:schemeClr>
-              </a:solidFill>
-            </a:ln>
-          </c:spPr>
-          <c:invertIfNegative val="0"/>
-          <c:cat>
-            <c:strRef>
-              <c:f>Sheet1!$A$2:$A$3</c:f>
-              <c:strCache>
-                <c:ptCount val="2"/>
-                <c:pt idx="0">
-                  <c:v>Category 1</c:v>
-                </c:pt>
-                <c:pt idx="1">
-                  <c:v>Category 2</c:v>
-                </c:pt>
-              </c:strCache>
-            </c:strRef>
-          </c:cat>
-          <c:val>
-            <c:numRef>
-              <c:f>Sheet1!$C$2:$C$3</c:f>
-              <c:numCache>
-                <c:formatCode>General</c:formatCode>
-                <c:ptCount val="2"/>
-                <c:pt idx="0">
-                  <c:v>2.4</c:v>
-                </c:pt>
-                <c:pt idx="1">
-                  <c:v>4.4000000000000004</c:v>
-                </c:pt>
-              </c:numCache>
-            </c:numRef>
-          </c:val>
-          <c:extLst>
-            <c:ext xmlns:c16="http://schemas.microsoft.com/office/drawing/2014/chart" uri="{C3380CC4-5D6E-409C-BE32-E72D297353CC}">
-              <c16:uniqueId val="{00000001-23C1-463A-9155-30CDDD8B3AFB}"/>
-            </c:ext>
-          </c:extLst>
-        </c:ser>
-        <c:ser>
-          <c:idx val="2"/>
-          <c:order val="2"/>
-          <c:tx>
-            <c:strRef>
-              <c:f>Sheet1!$D$1</c:f>
-              <c:strCache>
-                <c:ptCount val="1"/>
-                <c:pt idx="0">
-                  <c:v>Series 3</c:v>
-                </c:pt>
-              </c:strCache>
-            </c:strRef>
-          </c:tx>
-          <c:spPr>
-            <a:solidFill>
-              <a:schemeClr val="bg1">
-                <a:lumMod val="85000"/>
-              </a:schemeClr>
-            </a:solidFill>
-            <a:ln>
-              <a:solidFill>
-                <a:schemeClr val="tx1">
-                  <a:lumMod val="50000"/>
-                  <a:lumOff val="50000"/>
-                </a:schemeClr>
-              </a:solidFill>
-            </a:ln>
-          </c:spPr>
-          <c:invertIfNegative val="0"/>
-          <c:cat>
-            <c:strRef>
-              <c:f>Sheet1!$A$2:$A$3</c:f>
-              <c:strCache>
-                <c:ptCount val="2"/>
-                <c:pt idx="0">
-                  <c:v>Category 1</c:v>
-                </c:pt>
-                <c:pt idx="1">
-                  <c:v>Category 2</c:v>
-                </c:pt>
-              </c:strCache>
-            </c:strRef>
-          </c:cat>
-          <c:val>
-            <c:numRef>
-              <c:f>Sheet1!$D$2:$D$3</c:f>
-              <c:numCache>
-                <c:formatCode>General</c:formatCode>
-                <c:ptCount val="2"/>
-                <c:pt idx="0">
-                  <c:v>3</c:v>
-                </c:pt>
-                <c:pt idx="1">
-                  <c:v>4</c:v>
-                </c:pt>
-              </c:numCache>
-            </c:numRef>
-          </c:val>
-          <c:extLst>
-            <c:ext xmlns:c16="http://schemas.microsoft.com/office/drawing/2014/chart" uri="{C3380CC4-5D6E-409C-BE32-E72D297353CC}">
-              <c16:uniqueId val="{00000002-23C1-463A-9155-30CDDD8B3AFB}"/>
-            </c:ext>
-          </c:extLst>
-        </c:ser>
-        <c:dLbls>
-          <c:showLegendKey val="0"/>
-          <c:showVal val="0"/>
-          <c:showCatName val="0"/>
-          <c:showSerName val="0"/>
-          <c:showPercent val="0"/>
-          <c:showBubbleSize val="0"/>
-        </c:dLbls>
-        <c:gapWidth val="150"/>
-        <c:axId val="80589184"/>
-        <c:axId val="80590720"/>
-      </c:barChart>
-      <c:catAx>
-        <c:axId val="80589184"/>
-        <c:scaling>
-          <c:orientation val="minMax"/>
-        </c:scaling>
-        <c:delete val="0"/>
-        <c:axPos val="b"/>
-        <c:numFmt formatCode="General" sourceLinked="0"/>
-        <c:majorTickMark val="none"/>
-        <c:minorTickMark val="none"/>
-        <c:tickLblPos val="none"/>
-        <c:spPr>
-          <a:ln w="3175"/>
-        </c:spPr>
-        <c:crossAx val="80590720"/>
-        <c:crosses val="autoZero"/>
-        <c:auto val="1"/>
-        <c:lblAlgn val="ctr"/>
-        <c:lblOffset val="100"/>
-        <c:noMultiLvlLbl val="0"/>
-      </c:catAx>
-      <c:valAx>
-        <c:axId val="80590720"/>
-        <c:scaling>
-          <c:orientation val="minMax"/>
-        </c:scaling>
-        <c:delete val="0"/>
-        <c:axPos val="l"/>
-        <c:majorGridlines>
-          <c:spPr>
-            <a:ln w="3175">
-              <a:solidFill>
-                <a:schemeClr val="bg1">
-                  <a:lumMod val="85000"/>
-                </a:schemeClr>
-              </a:solidFill>
-              <a:prstDash val="dash"/>
-            </a:ln>
-          </c:spPr>
-        </c:majorGridlines>
-        <c:numFmt formatCode="General" sourceLinked="1"/>
-        <c:majorTickMark val="none"/>
-        <c:minorTickMark val="none"/>
-        <c:tickLblPos val="none"/>
-        <c:crossAx val="80589184"/>
-        <c:crosses val="autoZero"/>
-        <c:crossBetween val="between"/>
-      </c:valAx>
-    </c:plotArea>
-    <c:plotVisOnly val="1"/>
-    <c:dispBlanksAs val="gap"/>
-    <c:showDLblsOverMax val="0"/>
-  </c:chart>
-  <c:spPr>
-    <a:solidFill>
-      <a:sysClr val="window" lastClr="FFFFFF"/>
-    </a:solidFill>
-  </c:spPr>
-  <c:txPr>
-    <a:bodyPr/>
-    <a:lstStyle/>
-    <a:p>
-      <a:pPr>
-        <a:defRPr sz="1800"/>
-      </a:pPr>
-      <a:endParaRPr lang="fr-FR"/>
-    </a:p>
-  </c:txPr>
-  <c:externalData r:id="rId2">
     <c:autoUpdate val="0"/>
   </c:externalData>
 </c:chartSpace>
@@ -2402,7 +1914,7 @@
           <a:p>
             <a:fld id="{7E539B21-FF63-4FEA-A1D1-EBE8EF669A6E}" type="datetimeFigureOut">
               <a:rPr lang="fr-FR" smtClean="0"/>
-              <a:t>01/12/2017</a:t>
+              <a:t>03/12/2017</a:t>
             </a:fld>
             <a:endParaRPr lang="fr-FR"/>
           </a:p>
@@ -2816,7 +2328,7 @@
           <a:p>
             <a:fld id="{F353337E-5607-446D-AB74-7A5B8DCFC88F}" type="datetimeFigureOut">
               <a:rPr lang="fr-FR" smtClean="0"/>
-              <a:t>01/12/2017</a:t>
+              <a:t>03/12/2017</a:t>
             </a:fld>
             <a:endParaRPr lang="fr-FR"/>
           </a:p>
@@ -3022,7 +2534,7 @@
           <a:p>
             <a:fld id="{F353337E-5607-446D-AB74-7A5B8DCFC88F}" type="datetimeFigureOut">
               <a:rPr lang="fr-FR" smtClean="0"/>
-              <a:t>01/12/2017</a:t>
+              <a:t>03/12/2017</a:t>
             </a:fld>
             <a:endParaRPr lang="fr-FR"/>
           </a:p>
@@ -3238,7 +2750,7 @@
           <a:p>
             <a:fld id="{F353337E-5607-446D-AB74-7A5B8DCFC88F}" type="datetimeFigureOut">
               <a:rPr lang="fr-FR" smtClean="0"/>
-              <a:t>01/12/2017</a:t>
+              <a:t>03/12/2017</a:t>
             </a:fld>
             <a:endParaRPr lang="fr-FR"/>
           </a:p>
@@ -3520,7 +3032,7 @@
           <a:p>
             <a:fld id="{F353337E-5607-446D-AB74-7A5B8DCFC88F}" type="datetimeFigureOut">
               <a:rPr lang="fr-FR" smtClean="0"/>
-              <a:t>01/12/2017</a:t>
+              <a:t>03/12/2017</a:t>
             </a:fld>
             <a:endParaRPr lang="fr-FR"/>
           </a:p>
@@ -3803,7 +3315,7 @@
           <a:p>
             <a:fld id="{F353337E-5607-446D-AB74-7A5B8DCFC88F}" type="datetimeFigureOut">
               <a:rPr lang="fr-FR" smtClean="0"/>
-              <a:t>01/12/2017</a:t>
+              <a:t>03/12/2017</a:t>
             </a:fld>
             <a:endParaRPr lang="fr-FR"/>
           </a:p>
@@ -4076,7 +3588,7 @@
           <a:p>
             <a:fld id="{F353337E-5607-446D-AB74-7A5B8DCFC88F}" type="datetimeFigureOut">
               <a:rPr lang="fr-FR" smtClean="0"/>
-              <a:t>01/12/2017</a:t>
+              <a:t>03/12/2017</a:t>
             </a:fld>
             <a:endParaRPr lang="fr-FR"/>
           </a:p>
@@ -4496,7 +4008,7 @@
           <a:p>
             <a:fld id="{F353337E-5607-446D-AB74-7A5B8DCFC88F}" type="datetimeFigureOut">
               <a:rPr lang="fr-FR" smtClean="0"/>
-              <a:t>01/12/2017</a:t>
+              <a:t>03/12/2017</a:t>
             </a:fld>
             <a:endParaRPr lang="fr-FR"/>
           </a:p>
@@ -4645,7 +4157,7 @@
           <a:p>
             <a:fld id="{F353337E-5607-446D-AB74-7A5B8DCFC88F}" type="datetimeFigureOut">
               <a:rPr lang="fr-FR" smtClean="0"/>
-              <a:t>01/12/2017</a:t>
+              <a:t>03/12/2017</a:t>
             </a:fld>
             <a:endParaRPr lang="fr-FR"/>
           </a:p>
@@ -4766,7 +4278,7 @@
           <a:p>
             <a:fld id="{F353337E-5607-446D-AB74-7A5B8DCFC88F}" type="datetimeFigureOut">
               <a:rPr lang="fr-FR" smtClean="0"/>
-              <a:t>01/12/2017</a:t>
+              <a:t>03/12/2017</a:t>
             </a:fld>
             <a:endParaRPr lang="fr-FR"/>
           </a:p>
@@ -5085,7 +4597,7 @@
           <a:p>
             <a:fld id="{F353337E-5607-446D-AB74-7A5B8DCFC88F}" type="datetimeFigureOut">
               <a:rPr lang="fr-FR" smtClean="0"/>
-              <a:t>01/12/2017</a:t>
+              <a:t>03/12/2017</a:t>
             </a:fld>
             <a:endParaRPr lang="fr-FR"/>
           </a:p>
@@ -5381,7 +4893,7 @@
           <a:p>
             <a:fld id="{F353337E-5607-446D-AB74-7A5B8DCFC88F}" type="datetimeFigureOut">
               <a:rPr lang="fr-FR" smtClean="0"/>
-              <a:t>01/12/2017</a:t>
+              <a:t>03/12/2017</a:t>
             </a:fld>
             <a:endParaRPr lang="fr-FR"/>
           </a:p>
@@ -5630,7 +5142,7 @@
           <a:p>
             <a:fld id="{F353337E-5607-446D-AB74-7A5B8DCFC88F}" type="datetimeFigureOut">
               <a:rPr lang="fr-FR" smtClean="0"/>
-              <a:t>01/12/2017</a:t>
+              <a:t>03/12/2017</a:t>
             </a:fld>
             <a:endParaRPr lang="fr-FR"/>
           </a:p>
@@ -7540,7 +7052,7 @@
                 <a14:useLocalDpi xmlns:a14="http://schemas.microsoft.com/office/drawing/2010/main" val="0"/>
               </a:ext>
               <a:ext uri="{837473B0-CC2E-450A-ABE3-18F120FF3D39}">
-                <a1611:picAttrSrcUrl xmlns:a1611="http://schemas.microsoft.com/office/drawing/2016/11/main" r:id="rId14"/>
+                <a1611:picAttrSrcUrl xmlns="" xmlns:a1611="http://schemas.microsoft.com/office/drawing/2016/11/main" r:id="rId14"/>
               </a:ext>
             </a:extLst>
           </a:blip>
@@ -7579,7 +7091,7 @@
                 <a14:useLocalDpi xmlns:a14="http://schemas.microsoft.com/office/drawing/2010/main" val="0"/>
               </a:ext>
               <a:ext uri="{837473B0-CC2E-450A-ABE3-18F120FF3D39}">
-                <a1611:picAttrSrcUrl xmlns:a1611="http://schemas.microsoft.com/office/drawing/2016/11/main" r:id="rId16"/>
+                <a1611:picAttrSrcUrl xmlns="" xmlns:a1611="http://schemas.microsoft.com/office/drawing/2016/11/main" r:id="rId16"/>
               </a:ext>
             </a:extLst>
           </a:blip>
@@ -8052,7 +7564,10 @@
             <a:avLst/>
           </a:prstGeom>
           <a:solidFill>
-            <a:srgbClr val="FF0000"/>
+            <a:schemeClr val="accent1">
+              <a:lumMod val="60000"/>
+              <a:lumOff val="40000"/>
+            </a:schemeClr>
           </a:solidFill>
           <a:ln w="3175">
             <a:solidFill>
@@ -8194,6 +7709,13 @@
       <p:transition spd="slow" advClick="0"/>
     </mc:Fallback>
   </mc:AlternateContent>
+  <p:timing>
+    <p:tnLst>
+      <p:par>
+        <p:cTn id="1" dur="indefinite" restart="never" nodeType="tmRoot"/>
+      </p:par>
+    </p:tnLst>
+  </p:timing>
 </p:sld>
 </file>
 
@@ -9042,7 +8564,10 @@
             <a:avLst/>
           </a:prstGeom>
           <a:solidFill>
-            <a:srgbClr val="FF0000"/>
+            <a:schemeClr val="accent1">
+              <a:lumMod val="60000"/>
+              <a:lumOff val="40000"/>
+            </a:schemeClr>
           </a:solidFill>
           <a:ln w="3175">
             <a:solidFill>
@@ -9112,6 +8637,13 @@
       <p:transition spd="slow" advClick="0"/>
     </mc:Fallback>
   </mc:AlternateContent>
+  <p:timing>
+    <p:tnLst>
+      <p:par>
+        <p:cTn id="1" dur="indefinite" restart="never" nodeType="tmRoot"/>
+      </p:par>
+    </p:tnLst>
+  </p:timing>
 </p:sld>
 </file>
 
@@ -10020,7 +9552,10 @@
             <a:avLst/>
           </a:prstGeom>
           <a:solidFill>
-            <a:srgbClr val="FF0000"/>
+            <a:schemeClr val="accent1">
+              <a:lumMod val="60000"/>
+              <a:lumOff val="40000"/>
+            </a:schemeClr>
           </a:solidFill>
           <a:ln w="3175">
             <a:solidFill>
@@ -10090,6 +9625,13 @@
       <p:transition spd="slow" advClick="0"/>
     </mc:Fallback>
   </mc:AlternateContent>
+  <p:timing>
+    <p:tnLst>
+      <p:par>
+        <p:cTn id="1" dur="indefinite" restart="never" nodeType="tmRoot"/>
+      </p:par>
+    </p:tnLst>
+  </p:timing>
 </p:sld>
 </file>
 
@@ -10938,7 +10480,10 @@
             <a:avLst/>
           </a:prstGeom>
           <a:solidFill>
-            <a:srgbClr val="FF0000"/>
+            <a:schemeClr val="accent1">
+              <a:lumMod val="60000"/>
+              <a:lumOff val="40000"/>
+            </a:schemeClr>
           </a:solidFill>
           <a:ln w="3175">
             <a:solidFill>
@@ -11008,6 +10553,13 @@
       <p:transition spd="slow" advClick="0"/>
     </mc:Fallback>
   </mc:AlternateContent>
+  <p:timing>
+    <p:tnLst>
+      <p:par>
+        <p:cTn id="1" dur="indefinite" restart="never" nodeType="tmRoot"/>
+      </p:par>
+    </p:tnLst>
+  </p:timing>
 </p:sld>
 </file>
 
@@ -11796,7 +11348,10 @@
             <a:avLst/>
           </a:prstGeom>
           <a:solidFill>
-            <a:srgbClr val="FF0000"/>
+            <a:schemeClr val="accent1">
+              <a:lumMod val="60000"/>
+              <a:lumOff val="40000"/>
+            </a:schemeClr>
           </a:solidFill>
           <a:ln w="3175">
             <a:solidFill>
@@ -11866,6 +11421,13 @@
       <p:transition spd="slow" advClick="0"/>
     </mc:Fallback>
   </mc:AlternateContent>
+  <p:timing>
+    <p:tnLst>
+      <p:par>
+        <p:cTn id="1" dur="indefinite" restart="never" nodeType="tmRoot"/>
+      </p:par>
+    </p:tnLst>
+  </p:timing>
 </p:sld>
 </file>
 
@@ -12654,7 +12216,10 @@
             <a:avLst/>
           </a:prstGeom>
           <a:solidFill>
-            <a:srgbClr val="FF0000"/>
+            <a:schemeClr val="accent1">
+              <a:lumMod val="60000"/>
+              <a:lumOff val="40000"/>
+            </a:schemeClr>
           </a:solidFill>
           <a:ln w="3175">
             <a:solidFill>
@@ -12724,6 +12289,13 @@
       <p:transition spd="slow" advClick="0"/>
     </mc:Fallback>
   </mc:AlternateContent>
+  <p:timing>
+    <p:tnLst>
+      <p:par>
+        <p:cTn id="1" dur="indefinite" restart="never" nodeType="tmRoot"/>
+      </p:par>
+    </p:tnLst>
+  </p:timing>
 </p:sld>
 </file>
 
@@ -13572,7 +13144,10 @@
             <a:avLst/>
           </a:prstGeom>
           <a:solidFill>
-            <a:srgbClr val="FF0000"/>
+            <a:schemeClr val="accent1">
+              <a:lumMod val="60000"/>
+              <a:lumOff val="40000"/>
+            </a:schemeClr>
           </a:solidFill>
           <a:ln w="3175">
             <a:solidFill>
@@ -13642,6 +13217,13 @@
       <p:transition spd="slow" advClick="0"/>
     </mc:Fallback>
   </mc:AlternateContent>
+  <p:timing>
+    <p:tnLst>
+      <p:par>
+        <p:cTn id="1" dur="indefinite" restart="never" nodeType="tmRoot"/>
+      </p:par>
+    </p:tnLst>
+  </p:timing>
 </p:sld>
 </file>
 
@@ -13693,8 +13275,13 @@
           <a:p>
             <a:r>
               <a:rPr lang="fr-FR" dirty="0"/>
-              <a:t>Sondage choix unique</a:t>
+              <a:t>Sondage choix </a:t>
             </a:r>
+            <a:r>
+              <a:rPr lang="fr-FR" dirty="0" smtClean="0"/>
+              <a:t>unique</a:t>
+            </a:r>
+            <a:endParaRPr lang="fr-FR" dirty="0"/>
           </a:p>
         </p:txBody>
       </p:sp>
@@ -14362,6 +13949,13 @@
       <p:transition spd="slow" advClick="0"/>
     </mc:Fallback>
   </mc:AlternateContent>
+  <p:timing>
+    <p:tnLst>
+      <p:par>
+        <p:cTn id="1" dur="indefinite" restart="never" nodeType="tmRoot"/>
+      </p:par>
+    </p:tnLst>
+  </p:timing>
 </p:sld>
 </file>
 
@@ -14412,9 +14006,10 @@
           <a:lstStyle/>
           <a:p>
             <a:r>
-              <a:rPr lang="fr-FR" dirty="0"/>
+              <a:rPr lang="fr-FR" dirty="0" smtClean="0"/>
               <a:t>Sondage</a:t>
             </a:r>
+            <a:endParaRPr lang="fr-FR" dirty="0"/>
           </a:p>
         </p:txBody>
       </p:sp>
@@ -15146,7 +14741,10 @@
             <a:avLst/>
           </a:prstGeom>
           <a:solidFill>
-            <a:srgbClr val="FF0000"/>
+            <a:schemeClr val="accent1">
+              <a:lumMod val="60000"/>
+              <a:lumOff val="40000"/>
+            </a:schemeClr>
           </a:solidFill>
           <a:ln w="3175">
             <a:solidFill>
@@ -15216,6 +14814,13 @@
       <p:transition spd="slow" advClick="0"/>
     </mc:Fallback>
   </mc:AlternateContent>
+  <p:timing>
+    <p:tnLst>
+      <p:par>
+        <p:cTn id="1" dur="indefinite" restart="never" nodeType="tmRoot"/>
+      </p:par>
+    </p:tnLst>
+  </p:timing>
 </p:sld>
 </file>
 
@@ -16001,7 +15606,10 @@
             <a:avLst/>
           </a:prstGeom>
           <a:solidFill>
-            <a:srgbClr val="FF0000"/>
+            <a:schemeClr val="accent1">
+              <a:lumMod val="60000"/>
+              <a:lumOff val="40000"/>
+            </a:schemeClr>
           </a:solidFill>
           <a:ln w="3175">
             <a:solidFill>
@@ -16071,6 +15679,13 @@
       <p:transition spd="slow" advClick="0"/>
     </mc:Fallback>
   </mc:AlternateContent>
+  <p:timing>
+    <p:tnLst>
+      <p:par>
+        <p:cTn id="1" dur="indefinite" restart="never" nodeType="tmRoot"/>
+      </p:par>
+    </p:tnLst>
+  </p:timing>
 </p:sld>
 </file>
 
@@ -16855,7 +16470,10 @@
             <a:avLst/>
           </a:prstGeom>
           <a:solidFill>
-            <a:srgbClr val="FF0000"/>
+            <a:schemeClr val="accent1">
+              <a:lumMod val="60000"/>
+              <a:lumOff val="40000"/>
+            </a:schemeClr>
           </a:solidFill>
           <a:ln w="3175">
             <a:solidFill>
@@ -16925,6 +16543,13 @@
       <p:transition spd="slow" advClick="0"/>
     </mc:Fallback>
   </mc:AlternateContent>
+  <p:timing>
+    <p:tnLst>
+      <p:par>
+        <p:cTn id="1" dur="indefinite" restart="never" nodeType="tmRoot"/>
+      </p:par>
+    </p:tnLst>
+  </p:timing>
 </p:sld>
 </file>
 
@@ -17781,7 +17406,10 @@
             <a:avLst/>
           </a:prstGeom>
           <a:solidFill>
-            <a:srgbClr val="FF0000"/>
+            <a:schemeClr val="accent1">
+              <a:lumMod val="60000"/>
+              <a:lumOff val="40000"/>
+            </a:schemeClr>
           </a:solidFill>
           <a:ln w="3175">
             <a:solidFill>
@@ -18019,6 +17647,13 @@
       <p:transition spd="slow" advClick="0"/>
     </mc:Fallback>
   </mc:AlternateContent>
+  <p:timing>
+    <p:tnLst>
+      <p:par>
+        <p:cTn id="1" dur="indefinite" restart="never" nodeType="tmRoot"/>
+      </p:par>
+    </p:tnLst>
+  </p:timing>
 </p:sld>
 </file>
 
@@ -18232,6 +17867,37 @@
           </a:graphicData>
         </a:graphic>
       </p:graphicFrame>
+      <p:sp>
+        <p:nvSpPr>
+          <p:cNvPr id="2" name="Titre 1"/>
+          <p:cNvSpPr>
+            <a:spLocks noGrp="1"/>
+          </p:cNvSpPr>
+          <p:nvPr>
+            <p:ph type="title" idx="4294967295"/>
+          </p:nvPr>
+        </p:nvSpPr>
+        <p:spPr>
+          <a:xfrm>
+            <a:off x="664608" y="-686401"/>
+            <a:ext cx="9281160" cy="686401"/>
+          </a:xfrm>
+          <a:prstGeom prst="rect">
+            <a:avLst/>
+          </a:prstGeom>
+        </p:spPr>
+        <p:txBody>
+          <a:bodyPr/>
+          <a:lstStyle/>
+          <a:p>
+            <a:r>
+              <a:rPr lang="fr-FR" dirty="0" err="1" smtClean="0"/>
+              <a:t>Resultats</a:t>
+            </a:r>
+            <a:endParaRPr lang="fr-FR" dirty="0"/>
+          </a:p>
+        </p:txBody>
+      </p:sp>
     </p:spTree>
     <p:extLst>
       <p:ext uri="{BB962C8B-B14F-4D97-AF65-F5344CB8AC3E}">
@@ -18250,280 +17916,17 @@
       <p:transition spd="slow" advClick="0"/>
     </mc:Fallback>
   </mc:AlternateContent>
+  <p:timing>
+    <p:tnLst>
+      <p:par>
+        <p:cTn id="1" dur="indefinite" restart="never" nodeType="tmRoot"/>
+      </p:par>
+    </p:tnLst>
+  </p:timing>
 </p:sld>
 </file>
 
 <file path=ppt/slides/slide21.xml><?xml version="1.0" encoding="utf-8"?>
-<p:sld xmlns:a="http://schemas.openxmlformats.org/drawingml/2006/main" xmlns:r="http://schemas.openxmlformats.org/officeDocument/2006/relationships" xmlns:p="http://schemas.openxmlformats.org/presentationml/2006/main">
-  <p:cSld>
-    <p:spTree>
-      <p:nvGrpSpPr>
-        <p:cNvPr id="1" name=""/>
-        <p:cNvGrpSpPr/>
-        <p:nvPr/>
-      </p:nvGrpSpPr>
-      <p:grpSpPr>
-        <a:xfrm>
-          <a:off x="0" y="0"/>
-          <a:ext cx="0" cy="0"/>
-          <a:chOff x="0" y="0"/>
-          <a:chExt cx="0" cy="0"/>
-        </a:xfrm>
-      </p:grpSpPr>
-      <p:sp>
-        <p:nvSpPr>
-          <p:cNvPr id="2" name="Titre 1">
-            <a:extLst>
-              <a:ext uri="{FF2B5EF4-FFF2-40B4-BE49-F238E27FC236}">
-                <a16:creationId xmlns:a16="http://schemas.microsoft.com/office/drawing/2014/main" id="{D6470CF5-42AF-4E33-9339-C0E713997859}"/>
-              </a:ext>
-            </a:extLst>
-          </p:cNvPr>
-          <p:cNvSpPr>
-            <a:spLocks noGrp="1"/>
-          </p:cNvSpPr>
-          <p:nvPr>
-            <p:ph type="title" idx="4294967295"/>
-          </p:nvPr>
-        </p:nvSpPr>
-        <p:spPr>
-          <a:xfrm>
-            <a:off x="838200" y="-662781"/>
-            <a:ext cx="10515600" cy="662782"/>
-          </a:xfrm>
-          <a:prstGeom prst="rect">
-            <a:avLst/>
-          </a:prstGeom>
-        </p:spPr>
-        <p:txBody>
-          <a:bodyPr/>
-          <a:lstStyle/>
-          <a:p>
-            <a:r>
-              <a:rPr lang="fr-FR" dirty="0" err="1"/>
-              <a:t>Resultats</a:t>
-            </a:r>
-            <a:endParaRPr lang="fr-FR" dirty="0"/>
-          </a:p>
-        </p:txBody>
-      </p:sp>
-      <p:sp>
-        <p:nvSpPr>
-          <p:cNvPr id="4" name="Content">
-            <a:extLst>
-              <a:ext uri="{FF2B5EF4-FFF2-40B4-BE49-F238E27FC236}">
-                <a16:creationId xmlns:a16="http://schemas.microsoft.com/office/drawing/2014/main" id="{D9A720D5-AC79-4DB2-86B3-E6DF082E7541}"/>
-              </a:ext>
-            </a:extLst>
-          </p:cNvPr>
-          <p:cNvSpPr txBox="1"/>
-          <p:nvPr>
-            <p:custDataLst>
-              <p:custData r:id="rId1"/>
-            </p:custDataLst>
-          </p:nvPr>
-        </p:nvSpPr>
-        <p:spPr>
-          <a:xfrm>
-            <a:off x="4420298" y="1812733"/>
-            <a:ext cx="3671279" cy="415498"/>
-          </a:xfrm>
-          <a:prstGeom prst="rect">
-            <a:avLst/>
-          </a:prstGeom>
-          <a:noFill/>
-        </p:spPr>
-        <p:txBody>
-          <a:bodyPr wrap="square" lIns="91440" tIns="18288" rIns="91440" bIns="27432" rtlCol="0" anchor="ctr" anchorCtr="0">
-            <a:spAutoFit/>
-          </a:bodyPr>
-          <a:lstStyle/>
-          <a:p>
-            <a:r>
-              <a:rPr lang="en-US" sz="2400" b="1" u="sng" dirty="0" err="1">
-                <a:solidFill>
-                  <a:srgbClr val="000000"/>
-                </a:solidFill>
-                <a:latin typeface="Segoe UI" pitchFamily="34" charset="0"/>
-                <a:ea typeface="Segoe UI" pitchFamily="34" charset="0"/>
-                <a:cs typeface="Segoe UI" pitchFamily="34" charset="0"/>
-              </a:rPr>
-              <a:t>Resultat</a:t>
-            </a:r>
-            <a:r>
-              <a:rPr lang="en-US" sz="2400" b="1" u="sng" dirty="0">
-                <a:solidFill>
-                  <a:srgbClr val="000000"/>
-                </a:solidFill>
-                <a:latin typeface="Segoe UI" pitchFamily="34" charset="0"/>
-                <a:ea typeface="Segoe UI" pitchFamily="34" charset="0"/>
-                <a:cs typeface="Segoe UI" pitchFamily="34" charset="0"/>
-              </a:rPr>
-              <a:t> du </a:t>
-            </a:r>
-            <a:r>
-              <a:rPr lang="en-US" sz="2400" b="1" u="sng" dirty="0" err="1">
-                <a:solidFill>
-                  <a:srgbClr val="000000"/>
-                </a:solidFill>
-                <a:latin typeface="Segoe UI" pitchFamily="34" charset="0"/>
-                <a:ea typeface="Segoe UI" pitchFamily="34" charset="0"/>
-                <a:cs typeface="Segoe UI" pitchFamily="34" charset="0"/>
-              </a:rPr>
-              <a:t>sondage</a:t>
-            </a:r>
-            <a:endParaRPr lang="en-US" sz="2400" b="1" u="sng" dirty="0">
-              <a:solidFill>
-                <a:srgbClr val="000000"/>
-              </a:solidFill>
-              <a:latin typeface="Segoe UI" pitchFamily="34" charset="0"/>
-              <a:ea typeface="Segoe UI" pitchFamily="34" charset="0"/>
-              <a:cs typeface="Segoe UI" pitchFamily="34" charset="0"/>
-            </a:endParaRPr>
-          </a:p>
-        </p:txBody>
-      </p:sp>
-      <p:graphicFrame>
-        <p:nvGraphicFramePr>
-          <p:cNvPr id="5" name="PieChart">
-            <a:extLst>
-              <a:ext uri="{FF2B5EF4-FFF2-40B4-BE49-F238E27FC236}">
-                <a16:creationId xmlns:a16="http://schemas.microsoft.com/office/drawing/2014/main" id="{51F76CE4-1C78-498F-9F0C-31B3A4971238}"/>
-              </a:ext>
-            </a:extLst>
-          </p:cNvPr>
-          <p:cNvGraphicFramePr/>
-          <p:nvPr>
-            <p:custDataLst>
-              <p:custData r:id="rId2"/>
-            </p:custDataLst>
-            <p:extLst>
-              <p:ext uri="{D42A27DB-BD31-4B8C-83A1-F6EECF244321}">
-                <p14:modId xmlns:p14="http://schemas.microsoft.com/office/powerpoint/2010/main" val="3335845269"/>
-              </p:ext>
-            </p:extLst>
-          </p:nvPr>
-        </p:nvGraphicFramePr>
-        <p:xfrm>
-          <a:off x="7015559" y="2873375"/>
-          <a:ext cx="2291556" cy="2085975"/>
-        </p:xfrm>
-        <a:graphic>
-          <a:graphicData uri="http://schemas.openxmlformats.org/drawingml/2006/chart">
-            <c:chart xmlns:c="http://schemas.openxmlformats.org/drawingml/2006/chart" xmlns:r="http://schemas.openxmlformats.org/officeDocument/2006/relationships" r:id="rId6"/>
-          </a:graphicData>
-        </a:graphic>
-      </p:graphicFrame>
-      <p:graphicFrame>
-        <p:nvGraphicFramePr>
-          <p:cNvPr id="6" name="VerticalBarChart">
-            <a:extLst>
-              <a:ext uri="{FF2B5EF4-FFF2-40B4-BE49-F238E27FC236}">
-                <a16:creationId xmlns:a16="http://schemas.microsoft.com/office/drawing/2014/main" id="{4C4EF610-317C-40CC-9120-2BBEEDAF5A04}"/>
-              </a:ext>
-            </a:extLst>
-          </p:cNvPr>
-          <p:cNvGraphicFramePr/>
-          <p:nvPr>
-            <p:custDataLst>
-              <p:custData r:id="rId3"/>
-            </p:custDataLst>
-            <p:extLst>
-              <p:ext uri="{D42A27DB-BD31-4B8C-83A1-F6EECF244321}">
-                <p14:modId xmlns:p14="http://schemas.microsoft.com/office/powerpoint/2010/main" val="1998808343"/>
-              </p:ext>
-            </p:extLst>
-          </p:nvPr>
-        </p:nvGraphicFramePr>
-        <p:xfrm>
-          <a:off x="1614263" y="2498725"/>
-          <a:ext cx="3223074" cy="2765425"/>
-        </p:xfrm>
-        <a:graphic>
-          <a:graphicData uri="http://schemas.openxmlformats.org/drawingml/2006/chart">
-            <c:chart xmlns:c="http://schemas.openxmlformats.org/drawingml/2006/chart" xmlns:r="http://schemas.openxmlformats.org/officeDocument/2006/relationships" r:id="rId7"/>
-          </a:graphicData>
-        </a:graphic>
-      </p:graphicFrame>
-      <p:sp>
-        <p:nvSpPr>
-          <p:cNvPr id="7" name="Content">
-            <a:extLst>
-              <a:ext uri="{FF2B5EF4-FFF2-40B4-BE49-F238E27FC236}">
-                <a16:creationId xmlns:a16="http://schemas.microsoft.com/office/drawing/2014/main" id="{32A539A6-64E5-4EB1-82EA-F3BD4AC6C164}"/>
-              </a:ext>
-            </a:extLst>
-          </p:cNvPr>
-          <p:cNvSpPr txBox="1"/>
-          <p:nvPr>
-            <p:custDataLst>
-              <p:custData r:id="rId4"/>
-            </p:custDataLst>
-          </p:nvPr>
-        </p:nvSpPr>
-        <p:spPr>
-          <a:xfrm>
-            <a:off x="7159925" y="5717725"/>
-            <a:ext cx="2587923" cy="323165"/>
-          </a:xfrm>
-          <a:prstGeom prst="rect">
-            <a:avLst/>
-          </a:prstGeom>
-          <a:noFill/>
-        </p:spPr>
-        <p:txBody>
-          <a:bodyPr wrap="square" lIns="91440" tIns="18288" rIns="91440" bIns="27432" rtlCol="0" anchor="ctr" anchorCtr="0">
-            <a:spAutoFit/>
-          </a:bodyPr>
-          <a:lstStyle/>
-          <a:p>
-            <a:r>
-              <a:rPr lang="en-US" dirty="0" err="1">
-                <a:solidFill>
-                  <a:srgbClr val="000000"/>
-                </a:solidFill>
-                <a:latin typeface="Segoe UI" pitchFamily="34" charset="0"/>
-                <a:ea typeface="Segoe UI" pitchFamily="34" charset="0"/>
-                <a:cs typeface="Segoe UI" pitchFamily="34" charset="0"/>
-              </a:rPr>
-              <a:t>Resultat</a:t>
-            </a:r>
-            <a:r>
-              <a:rPr lang="en-